--- a/Presentation/lesson-01.pptx
+++ b/Presentation/lesson-01.pptx
@@ -314,7 +314,7 @@
           <a:p>
             <a:fld id="{8E6E6A2A-E9D3-4A0D-B04A-ABDD367A1E08}" type="datetimeFigureOut">
               <a:rPr lang="ru-RU" smtClean="0"/>
-              <a:t>10.08.2012</a:t>
+              <a:t>13.08.2012</a:t>
             </a:fld>
             <a:endParaRPr lang="ru-RU"/>
           </a:p>
@@ -484,7 +484,7 @@
           <a:p>
             <a:fld id="{8E6E6A2A-E9D3-4A0D-B04A-ABDD367A1E08}" type="datetimeFigureOut">
               <a:rPr lang="ru-RU" smtClean="0"/>
-              <a:t>10.08.2012</a:t>
+              <a:t>13.08.2012</a:t>
             </a:fld>
             <a:endParaRPr lang="ru-RU"/>
           </a:p>
@@ -664,7 +664,7 @@
           <a:p>
             <a:fld id="{8E6E6A2A-E9D3-4A0D-B04A-ABDD367A1E08}" type="datetimeFigureOut">
               <a:rPr lang="ru-RU" smtClean="0"/>
-              <a:t>10.08.2012</a:t>
+              <a:t>13.08.2012</a:t>
             </a:fld>
             <a:endParaRPr lang="ru-RU"/>
           </a:p>
@@ -834,7 +834,7 @@
           <a:p>
             <a:fld id="{8E6E6A2A-E9D3-4A0D-B04A-ABDD367A1E08}" type="datetimeFigureOut">
               <a:rPr lang="ru-RU" smtClean="0"/>
-              <a:t>10.08.2012</a:t>
+              <a:t>13.08.2012</a:t>
             </a:fld>
             <a:endParaRPr lang="ru-RU"/>
           </a:p>
@@ -1080,7 +1080,7 @@
           <a:p>
             <a:fld id="{8E6E6A2A-E9D3-4A0D-B04A-ABDD367A1E08}" type="datetimeFigureOut">
               <a:rPr lang="ru-RU" smtClean="0"/>
-              <a:t>10.08.2012</a:t>
+              <a:t>13.08.2012</a:t>
             </a:fld>
             <a:endParaRPr lang="ru-RU"/>
           </a:p>
@@ -1368,7 +1368,7 @@
           <a:p>
             <a:fld id="{8E6E6A2A-E9D3-4A0D-B04A-ABDD367A1E08}" type="datetimeFigureOut">
               <a:rPr lang="ru-RU" smtClean="0"/>
-              <a:t>10.08.2012</a:t>
+              <a:t>13.08.2012</a:t>
             </a:fld>
             <a:endParaRPr lang="ru-RU"/>
           </a:p>
@@ -1790,7 +1790,7 @@
           <a:p>
             <a:fld id="{8E6E6A2A-E9D3-4A0D-B04A-ABDD367A1E08}" type="datetimeFigureOut">
               <a:rPr lang="ru-RU" smtClean="0"/>
-              <a:t>10.08.2012</a:t>
+              <a:t>13.08.2012</a:t>
             </a:fld>
             <a:endParaRPr lang="ru-RU"/>
           </a:p>
@@ -1908,7 +1908,7 @@
           <a:p>
             <a:fld id="{8E6E6A2A-E9D3-4A0D-B04A-ABDD367A1E08}" type="datetimeFigureOut">
               <a:rPr lang="ru-RU" smtClean="0"/>
-              <a:t>10.08.2012</a:t>
+              <a:t>13.08.2012</a:t>
             </a:fld>
             <a:endParaRPr lang="ru-RU"/>
           </a:p>
@@ -2003,7 +2003,7 @@
           <a:p>
             <a:fld id="{8E6E6A2A-E9D3-4A0D-B04A-ABDD367A1E08}" type="datetimeFigureOut">
               <a:rPr lang="ru-RU" smtClean="0"/>
-              <a:t>10.08.2012</a:t>
+              <a:t>13.08.2012</a:t>
             </a:fld>
             <a:endParaRPr lang="ru-RU"/>
           </a:p>
@@ -2280,7 +2280,7 @@
           <a:p>
             <a:fld id="{8E6E6A2A-E9D3-4A0D-B04A-ABDD367A1E08}" type="datetimeFigureOut">
               <a:rPr lang="ru-RU" smtClean="0"/>
-              <a:t>10.08.2012</a:t>
+              <a:t>13.08.2012</a:t>
             </a:fld>
             <a:endParaRPr lang="ru-RU"/>
           </a:p>
@@ -2533,7 +2533,7 @@
           <a:p>
             <a:fld id="{8E6E6A2A-E9D3-4A0D-B04A-ABDD367A1E08}" type="datetimeFigureOut">
               <a:rPr lang="ru-RU" smtClean="0"/>
-              <a:t>10.08.2012</a:t>
+              <a:t>13.08.2012</a:t>
             </a:fld>
             <a:endParaRPr lang="ru-RU"/>
           </a:p>
@@ -2746,7 +2746,7 @@
           <a:p>
             <a:fld id="{8E6E6A2A-E9D3-4A0D-B04A-ABDD367A1E08}" type="datetimeFigureOut">
               <a:rPr lang="ru-RU" smtClean="0"/>
-              <a:t>10.08.2012</a:t>
+              <a:t>13.08.2012</a:t>
             </a:fld>
             <a:endParaRPr lang="ru-RU"/>
           </a:p>
@@ -3133,13 +3133,13 @@
       </p:grpSpPr>
       <p:sp>
         <p:nvSpPr>
-          <p:cNvPr id="4" name="Rectangle 3"/>
+          <p:cNvPr id="5" name="Rectangle 4"/>
           <p:cNvSpPr/>
           <p:nvPr/>
         </p:nvSpPr>
         <p:spPr>
           <a:xfrm>
-            <a:off x="143508" y="1630884"/>
+            <a:off x="143508" y="1304764"/>
             <a:ext cx="8856984" cy="646331"/>
           </a:xfrm>
           <a:prstGeom prst="rect">
@@ -3167,7 +3167,15 @@
                   <a:schemeClr val="bg1"/>
                 </a:solidFill>
               </a:rPr>
-              <a:t>C#</a:t>
+              <a:t>C</a:t>
+            </a:r>
+            <a:r>
+              <a:rPr lang="en-US" sz="3600" b="1" i="1" dirty="0" smtClean="0">
+                <a:solidFill>
+                  <a:schemeClr val="bg1"/>
+                </a:solidFill>
+              </a:rPr>
+              <a:t>#</a:t>
             </a:r>
             <a:endParaRPr lang="ru-RU" sz="3600" b="1" i="1" dirty="0">
               <a:solidFill>
@@ -3179,7 +3187,7 @@
       </p:sp>
       <p:pic>
         <p:nvPicPr>
-          <p:cNvPr id="1029" name="Picture 5"/>
+          <p:cNvPr id="6" name="Picture 5"/>
           <p:cNvPicPr>
             <a:picLocks noChangeAspect="1" noChangeArrowheads="1"/>
           </p:cNvPicPr>
@@ -3200,7 +3208,7 @@
         </p:blipFill>
         <p:spPr bwMode="auto">
           <a:xfrm>
-            <a:off x="1638300" y="3503092"/>
+            <a:off x="1638300" y="3829211"/>
             <a:ext cx="5867400" cy="1724025"/>
           </a:xfrm>
           <a:prstGeom prst="rect">
@@ -3241,6 +3249,44 @@
           </a:extLst>
         </p:spPr>
       </p:pic>
+      <p:sp>
+        <p:nvSpPr>
+          <p:cNvPr id="7" name="TextBox 6"/>
+          <p:cNvSpPr txBox="1"/>
+          <p:nvPr/>
+        </p:nvSpPr>
+        <p:spPr>
+          <a:xfrm>
+            <a:off x="1495741" y="2528900"/>
+            <a:ext cx="6152518" cy="461665"/>
+          </a:xfrm>
+          <a:prstGeom prst="rect">
+            <a:avLst/>
+          </a:prstGeom>
+          <a:noFill/>
+        </p:spPr>
+        <p:txBody>
+          <a:bodyPr wrap="none" rtlCol="0">
+            <a:spAutoFit/>
+          </a:bodyPr>
+          <a:lstStyle/>
+          <a:p>
+            <a:r>
+              <a:rPr lang="ru-RU" sz="2400" dirty="0">
+                <a:solidFill>
+                  <a:schemeClr val="bg1"/>
+                </a:solidFill>
+              </a:rPr>
+              <a:t>Занятие №1. Введение в С# и .NET Framework</a:t>
+            </a:r>
+            <a:endParaRPr lang="en-US" sz="2400" dirty="0">
+              <a:solidFill>
+                <a:schemeClr val="bg1"/>
+              </a:solidFill>
+            </a:endParaRPr>
+          </a:p>
+        </p:txBody>
+      </p:sp>
     </p:spTree>
     <p:extLst>
       <p:ext uri="{BB962C8B-B14F-4D97-AF65-F5344CB8AC3E}">
@@ -12945,16 +12991,6 @@
                         </a:rPr>
                         <a:t>:</a:t>
                       </a:r>
-                      <a:endParaRPr kumimoji="0" lang="en-US" sz="1800" b="0" i="0" u="none" strike="noStrike" cap="none" normalizeH="0" baseline="0" dirty="0" smtClean="0">
-                        <a:ln>
-                          <a:noFill/>
-                        </a:ln>
-                        <a:solidFill>
-                          <a:srgbClr val="000000"/>
-                        </a:solidFill>
-                        <a:effectLst/>
-                        <a:latin typeface="Calibri" pitchFamily="34" charset="0"/>
-                      </a:endParaRPr>
                     </a:p>
                   </a:txBody>
                   <a:tcPr horzOverflow="overflow">
@@ -25473,11 +25509,6 @@
               </a:rPr>
               <a:t>://blackrabbitcoder.net/category/11989.aspx</a:t>
             </a:r>
-            <a:endParaRPr lang="en-US" dirty="0">
-              <a:solidFill>
-                <a:schemeClr val="bg1"/>
-              </a:solidFill>
-            </a:endParaRPr>
           </a:p>
         </p:txBody>
       </p:sp>

--- a/Presentation/lesson-01.pptx
+++ b/Presentation/lesson-01.pptx
@@ -1,6 +1,6 @@
 
 <file path=ppt/presentation.xml><?xml version="1.0" encoding="utf-8"?>
-<p:presentation xmlns:a="http://schemas.openxmlformats.org/drawingml/2006/main" xmlns:r="http://schemas.openxmlformats.org/officeDocument/2006/relationships" xmlns:p="http://schemas.openxmlformats.org/presentationml/2006/main" saveSubsetFonts="1">
+<p:presentation xmlns:a="http://schemas.openxmlformats.org/drawingml/2006/main" xmlns:r="http://schemas.openxmlformats.org/officeDocument/2006/relationships" xmlns:p="http://schemas.openxmlformats.org/presentationml/2006/main" removePersonalInfoOnSave="1" saveSubsetFonts="1">
   <p:sldMasterIdLst>
     <p:sldMasterId id="2147483648" r:id="rId1"/>
   </p:sldMasterIdLst>
@@ -3109,11 +3109,15 @@
   <p:cSld>
     <p:bg>
       <p:bgPr>
-        <a:solidFill>
-          <a:schemeClr val="accent1">
-            <a:lumMod val="75000"/>
-          </a:schemeClr>
-        </a:solidFill>
+        <a:blipFill dpi="0" rotWithShape="1">
+          <a:blip r:embed="rId2">
+            <a:lum/>
+          </a:blip>
+          <a:srcRect/>
+          <a:stretch>
+            <a:fillRect/>
+          </a:stretch>
+        </a:blipFill>
         <a:effectLst/>
       </p:bgPr>
     </p:bg>
@@ -3167,15 +3171,7 @@
                   <a:schemeClr val="bg1"/>
                 </a:solidFill>
               </a:rPr>
-              <a:t>C</a:t>
-            </a:r>
-            <a:r>
-              <a:rPr lang="en-US" sz="3600" b="1" i="1" dirty="0" smtClean="0">
-                <a:solidFill>
-                  <a:schemeClr val="bg1"/>
-                </a:solidFill>
-              </a:rPr>
-              <a:t>#</a:t>
+              <a:t>C#</a:t>
             </a:r>
             <a:endParaRPr lang="ru-RU" sz="3600" b="1" i="1" dirty="0">
               <a:solidFill>
@@ -3194,7 +3190,7 @@
           <p:nvPr/>
         </p:nvPicPr>
         <p:blipFill>
-          <a:blip r:embed="rId2">
+          <a:blip r:embed="rId3">
             <a:extLst>
               <a:ext uri="{28A0092B-C50C-407E-A947-70E740481C1C}">
                 <a14:useLocalDpi xmlns:a14="http://schemas.microsoft.com/office/drawing/2010/main" val="0"/>
@@ -3312,11 +3308,15 @@
   <p:cSld>
     <p:bg>
       <p:bgPr>
-        <a:solidFill>
-          <a:schemeClr val="accent1">
-            <a:lumMod val="75000"/>
-          </a:schemeClr>
-        </a:solidFill>
+        <a:blipFill dpi="0" rotWithShape="1">
+          <a:blip r:embed="rId2">
+            <a:lum/>
+          </a:blip>
+          <a:srcRect/>
+          <a:stretch>
+            <a:fillRect/>
+          </a:stretch>
+        </a:blipFill>
         <a:effectLst/>
       </p:bgPr>
     </p:bg>
@@ -3544,11 +3544,15 @@
   <p:cSld>
     <p:bg>
       <p:bgPr>
-        <a:solidFill>
-          <a:schemeClr val="accent1">
-            <a:lumMod val="75000"/>
-          </a:schemeClr>
-        </a:solidFill>
+        <a:blipFill dpi="0" rotWithShape="1">
+          <a:blip r:embed="rId2">
+            <a:lum/>
+          </a:blip>
+          <a:srcRect/>
+          <a:stretch>
+            <a:fillRect/>
+          </a:stretch>
+        </a:blipFill>
         <a:effectLst/>
       </p:bgPr>
     </p:bg>
@@ -3659,11 +3663,15 @@
   <p:cSld>
     <p:bg>
       <p:bgPr>
-        <a:solidFill>
-          <a:schemeClr val="accent1">
-            <a:lumMod val="75000"/>
-          </a:schemeClr>
-        </a:solidFill>
+        <a:blipFill dpi="0" rotWithShape="1">
+          <a:blip r:embed="rId2">
+            <a:lum/>
+          </a:blip>
+          <a:srcRect/>
+          <a:stretch>
+            <a:fillRect/>
+          </a:stretch>
+        </a:blipFill>
         <a:effectLst/>
       </p:bgPr>
     </p:bg>
@@ -3838,11 +3846,15 @@
   <p:cSld>
     <p:bg>
       <p:bgPr>
-        <a:solidFill>
-          <a:schemeClr val="accent1">
-            <a:lumMod val="75000"/>
-          </a:schemeClr>
-        </a:solidFill>
+        <a:blipFill dpi="0" rotWithShape="1">
+          <a:blip r:embed="rId2">
+            <a:lum/>
+          </a:blip>
+          <a:srcRect/>
+          <a:stretch>
+            <a:fillRect/>
+          </a:stretch>
+        </a:blipFill>
         <a:effectLst/>
       </p:bgPr>
     </p:bg>
@@ -4498,11 +4510,15 @@
   <p:cSld>
     <p:bg>
       <p:bgPr>
-        <a:solidFill>
-          <a:schemeClr val="accent1">
-            <a:lumMod val="75000"/>
-          </a:schemeClr>
-        </a:solidFill>
+        <a:blipFill dpi="0" rotWithShape="1">
+          <a:blip r:embed="rId2">
+            <a:lum/>
+          </a:blip>
+          <a:srcRect/>
+          <a:stretch>
+            <a:fillRect/>
+          </a:stretch>
+        </a:blipFill>
         <a:effectLst/>
       </p:bgPr>
     </p:bg>
@@ -6412,11 +6428,15 @@
   <p:cSld>
     <p:bg>
       <p:bgPr>
-        <a:solidFill>
-          <a:schemeClr val="accent1">
-            <a:lumMod val="75000"/>
-          </a:schemeClr>
-        </a:solidFill>
+        <a:blipFill dpi="0" rotWithShape="1">
+          <a:blip r:embed="rId2">
+            <a:lum/>
+          </a:blip>
+          <a:srcRect/>
+          <a:stretch>
+            <a:fillRect/>
+          </a:stretch>
+        </a:blipFill>
         <a:effectLst/>
       </p:bgPr>
     </p:bg>
@@ -11178,11 +11198,15 @@
   <p:cSld>
     <p:bg>
       <p:bgPr>
-        <a:solidFill>
-          <a:schemeClr val="accent1">
-            <a:lumMod val="75000"/>
-          </a:schemeClr>
-        </a:solidFill>
+        <a:blipFill dpi="0" rotWithShape="1">
+          <a:blip r:embed="rId2">
+            <a:lum/>
+          </a:blip>
+          <a:srcRect/>
+          <a:stretch>
+            <a:fillRect/>
+          </a:stretch>
+        </a:blipFill>
         <a:effectLst/>
       </p:bgPr>
     </p:bg>
@@ -11690,11 +11714,15 @@
   <p:cSld>
     <p:bg>
       <p:bgPr>
-        <a:solidFill>
-          <a:schemeClr val="accent1">
-            <a:lumMod val="75000"/>
-          </a:schemeClr>
-        </a:solidFill>
+        <a:blipFill dpi="0" rotWithShape="1">
+          <a:blip r:embed="rId2">
+            <a:lum/>
+          </a:blip>
+          <a:srcRect/>
+          <a:stretch>
+            <a:fillRect/>
+          </a:stretch>
+        </a:blipFill>
         <a:effectLst/>
       </p:bgPr>
     </p:bg>
@@ -13289,11 +13317,15 @@
   <p:cSld>
     <p:bg>
       <p:bgPr>
-        <a:solidFill>
-          <a:schemeClr val="accent1">
-            <a:lumMod val="75000"/>
-          </a:schemeClr>
-        </a:solidFill>
+        <a:blipFill dpi="0" rotWithShape="1">
+          <a:blip r:embed="rId2">
+            <a:lum/>
+          </a:blip>
+          <a:srcRect/>
+          <a:stretch>
+            <a:fillRect/>
+          </a:stretch>
+        </a:blipFill>
         <a:effectLst/>
       </p:bgPr>
     </p:bg>
@@ -14255,11 +14287,15 @@
   <p:cSld>
     <p:bg>
       <p:bgPr>
-        <a:solidFill>
-          <a:schemeClr val="accent1">
-            <a:lumMod val="75000"/>
-          </a:schemeClr>
-        </a:solidFill>
+        <a:blipFill dpi="0" rotWithShape="1">
+          <a:blip r:embed="rId2">
+            <a:lum/>
+          </a:blip>
+          <a:srcRect/>
+          <a:stretch>
+            <a:fillRect/>
+          </a:stretch>
+        </a:blipFill>
         <a:effectLst/>
       </p:bgPr>
     </p:bg>
@@ -15358,11 +15394,15 @@
   <p:cSld>
     <p:bg>
       <p:bgPr>
-        <a:solidFill>
-          <a:schemeClr val="accent1">
-            <a:lumMod val="75000"/>
-          </a:schemeClr>
-        </a:solidFill>
+        <a:blipFill dpi="0" rotWithShape="1">
+          <a:blip r:embed="rId2">
+            <a:lum/>
+          </a:blip>
+          <a:srcRect/>
+          <a:stretch>
+            <a:fillRect/>
+          </a:stretch>
+        </a:blipFill>
         <a:effectLst/>
       </p:bgPr>
     </p:bg>
@@ -15498,7 +15538,7 @@
                 <a:solidFill>
                   <a:schemeClr val="bg1"/>
                 </a:solidFill>
-                <a:hlinkClick r:id="rId2"/>
+                <a:hlinkClick r:id="rId3"/>
               </a:rPr>
               <a:t>http://</a:t>
             </a:r>
@@ -15507,7 +15547,7 @@
                 <a:solidFill>
                   <a:schemeClr val="bg1"/>
                 </a:solidFill>
-                <a:hlinkClick r:id="rId2"/>
+                <a:hlinkClick r:id="rId3"/>
               </a:rPr>
               <a:t>www.microsoft.com/learning/en/us/book.aspx?ID=13874&amp;Locale=en-us</a:t>
             </a:r>
@@ -15776,11 +15816,15 @@
   <p:cSld>
     <p:bg>
       <p:bgPr>
-        <a:solidFill>
-          <a:schemeClr val="accent1">
-            <a:lumMod val="75000"/>
-          </a:schemeClr>
-        </a:solidFill>
+        <a:blipFill dpi="0" rotWithShape="1">
+          <a:blip r:embed="rId2">
+            <a:lum/>
+          </a:blip>
+          <a:srcRect/>
+          <a:stretch>
+            <a:fillRect/>
+          </a:stretch>
+        </a:blipFill>
         <a:effectLst/>
       </p:bgPr>
     </p:bg>
@@ -18183,11 +18227,15 @@
   <p:cSld>
     <p:bg>
       <p:bgPr>
-        <a:solidFill>
-          <a:schemeClr val="accent1">
-            <a:lumMod val="75000"/>
-          </a:schemeClr>
-        </a:solidFill>
+        <a:blipFill dpi="0" rotWithShape="1">
+          <a:blip r:embed="rId2">
+            <a:lum/>
+          </a:blip>
+          <a:srcRect/>
+          <a:stretch>
+            <a:fillRect/>
+          </a:stretch>
+        </a:blipFill>
         <a:effectLst/>
       </p:bgPr>
     </p:bg>
@@ -19180,11 +19228,15 @@
   <p:cSld>
     <p:bg>
       <p:bgPr>
-        <a:solidFill>
-          <a:schemeClr val="accent1">
-            <a:lumMod val="75000"/>
-          </a:schemeClr>
-        </a:solidFill>
+        <a:blipFill dpi="0" rotWithShape="1">
+          <a:blip r:embed="rId2">
+            <a:lum/>
+          </a:blip>
+          <a:srcRect/>
+          <a:stretch>
+            <a:fillRect/>
+          </a:stretch>
+        </a:blipFill>
         <a:effectLst/>
       </p:bgPr>
     </p:bg>
@@ -19445,11 +19497,15 @@
   <p:cSld>
     <p:bg>
       <p:bgPr>
-        <a:solidFill>
-          <a:schemeClr val="accent1">
-            <a:lumMod val="75000"/>
-          </a:schemeClr>
-        </a:solidFill>
+        <a:blipFill dpi="0" rotWithShape="1">
+          <a:blip r:embed="rId2">
+            <a:lum/>
+          </a:blip>
+          <a:srcRect/>
+          <a:stretch>
+            <a:fillRect/>
+          </a:stretch>
+        </a:blipFill>
         <a:effectLst/>
       </p:bgPr>
     </p:bg>
@@ -20676,11 +20732,15 @@
   <p:cSld>
     <p:bg>
       <p:bgPr>
-        <a:solidFill>
-          <a:schemeClr val="accent1">
-            <a:lumMod val="75000"/>
-          </a:schemeClr>
-        </a:solidFill>
+        <a:blipFill dpi="0" rotWithShape="1">
+          <a:blip r:embed="rId2">
+            <a:lum/>
+          </a:blip>
+          <a:srcRect/>
+          <a:stretch>
+            <a:fillRect/>
+          </a:stretch>
+        </a:blipFill>
         <a:effectLst/>
       </p:bgPr>
     </p:bg>
@@ -21874,11 +21934,15 @@
   <p:cSld>
     <p:bg>
       <p:bgPr>
-        <a:solidFill>
-          <a:schemeClr val="accent1">
-            <a:lumMod val="75000"/>
-          </a:schemeClr>
-        </a:solidFill>
+        <a:blipFill dpi="0" rotWithShape="1">
+          <a:blip r:embed="rId2">
+            <a:lum/>
+          </a:blip>
+          <a:srcRect/>
+          <a:stretch>
+            <a:fillRect/>
+          </a:stretch>
+        </a:blipFill>
         <a:effectLst/>
       </p:bgPr>
     </p:bg>
@@ -22936,11 +23000,15 @@
   <p:cSld>
     <p:bg>
       <p:bgPr>
-        <a:solidFill>
-          <a:schemeClr val="accent1">
-            <a:lumMod val="75000"/>
-          </a:schemeClr>
-        </a:solidFill>
+        <a:blipFill dpi="0" rotWithShape="1">
+          <a:blip r:embed="rId2">
+            <a:lum/>
+          </a:blip>
+          <a:srcRect/>
+          <a:stretch>
+            <a:fillRect/>
+          </a:stretch>
+        </a:blipFill>
         <a:effectLst/>
       </p:bgPr>
     </p:bg>
@@ -24830,11 +24898,15 @@
   <p:cSld>
     <p:bg>
       <p:bgPr>
-        <a:solidFill>
-          <a:schemeClr val="accent1">
-            <a:lumMod val="75000"/>
-          </a:schemeClr>
-        </a:solidFill>
+        <a:blipFill dpi="0" rotWithShape="1">
+          <a:blip r:embed="rId2">
+            <a:lum/>
+          </a:blip>
+          <a:srcRect/>
+          <a:stretch>
+            <a:fillRect/>
+          </a:stretch>
+        </a:blipFill>
         <a:effectLst/>
       </p:bgPr>
     </p:bg>
@@ -25333,11 +25405,15 @@
   <p:cSld>
     <p:bg>
       <p:bgPr>
-        <a:solidFill>
-          <a:schemeClr val="accent1">
-            <a:lumMod val="75000"/>
-          </a:schemeClr>
-        </a:solidFill>
+        <a:blipFill dpi="0" rotWithShape="1">
+          <a:blip r:embed="rId2">
+            <a:lum/>
+          </a:blip>
+          <a:srcRect/>
+          <a:stretch>
+            <a:fillRect/>
+          </a:stretch>
+        </a:blipFill>
         <a:effectLst/>
       </p:bgPr>
     </p:bg>
@@ -25537,11 +25613,15 @@
   <p:cSld>
     <p:bg>
       <p:bgPr>
-        <a:solidFill>
-          <a:schemeClr val="accent1">
-            <a:lumMod val="75000"/>
-          </a:schemeClr>
-        </a:solidFill>
+        <a:blipFill dpi="0" rotWithShape="1">
+          <a:blip r:embed="rId2">
+            <a:lum/>
+          </a:blip>
+          <a:srcRect/>
+          <a:stretch>
+            <a:fillRect/>
+          </a:stretch>
+        </a:blipFill>
         <a:effectLst/>
       </p:bgPr>
     </p:bg>
@@ -25928,11 +26008,15 @@
   <p:cSld>
     <p:bg>
       <p:bgPr>
-        <a:solidFill>
-          <a:schemeClr val="accent1">
-            <a:lumMod val="75000"/>
-          </a:schemeClr>
-        </a:solidFill>
+        <a:blipFill dpi="0" rotWithShape="1">
+          <a:blip r:embed="rId2">
+            <a:lum/>
+          </a:blip>
+          <a:srcRect/>
+          <a:stretch>
+            <a:fillRect/>
+          </a:stretch>
+        </a:blipFill>
         <a:effectLst/>
       </p:bgPr>
     </p:bg>
@@ -26010,7 +26094,7 @@
           <p:nvPr/>
         </p:nvPicPr>
         <p:blipFill>
-          <a:blip r:embed="rId2">
+          <a:blip r:embed="rId3">
             <a:extLst>
               <a:ext uri="{28A0092B-C50C-407E-A947-70E740481C1C}">
                 <a14:useLocalDpi xmlns:a14="http://schemas.microsoft.com/office/drawing/2010/main" val="0"/>
@@ -26061,11 +26145,15 @@
   <p:cSld>
     <p:bg>
       <p:bgPr>
-        <a:solidFill>
-          <a:schemeClr val="accent1">
-            <a:lumMod val="75000"/>
-          </a:schemeClr>
-        </a:solidFill>
+        <a:blipFill dpi="0" rotWithShape="1">
+          <a:blip r:embed="rId2">
+            <a:lum/>
+          </a:blip>
+          <a:srcRect/>
+          <a:stretch>
+            <a:fillRect/>
+          </a:stretch>
+        </a:blipFill>
         <a:effectLst/>
       </p:bgPr>
     </p:bg>
@@ -26143,7 +26231,7 @@
           <p:nvPr/>
         </p:nvPicPr>
         <p:blipFill>
-          <a:blip r:embed="rId2">
+          <a:blip r:embed="rId3">
             <a:extLst>
               <a:ext uri="{28A0092B-C50C-407E-A947-70E740481C1C}">
                 <a14:useLocalDpi xmlns:a14="http://schemas.microsoft.com/office/drawing/2010/main" val="0"/>
@@ -26194,11 +26282,15 @@
   <p:cSld>
     <p:bg>
       <p:bgPr>
-        <a:solidFill>
-          <a:schemeClr val="accent1">
-            <a:lumMod val="75000"/>
-          </a:schemeClr>
-        </a:solidFill>
+        <a:blipFill dpi="0" rotWithShape="1">
+          <a:blip r:embed="rId2">
+            <a:lum/>
+          </a:blip>
+          <a:srcRect/>
+          <a:stretch>
+            <a:fillRect/>
+          </a:stretch>
+        </a:blipFill>
         <a:effectLst/>
       </p:bgPr>
     </p:bg>
@@ -26547,11 +26639,15 @@
   <p:cSld>
     <p:bg>
       <p:bgPr>
-        <a:solidFill>
-          <a:schemeClr val="accent1">
-            <a:lumMod val="75000"/>
-          </a:schemeClr>
-        </a:solidFill>
+        <a:blipFill dpi="0" rotWithShape="1">
+          <a:blip r:embed="rId2">
+            <a:lum/>
+          </a:blip>
+          <a:srcRect/>
+          <a:stretch>
+            <a:fillRect/>
+          </a:stretch>
+        </a:blipFill>
         <a:effectLst/>
       </p:bgPr>
     </p:bg>
@@ -26646,11 +26742,15 @@
   <p:cSld>
     <p:bg>
       <p:bgPr>
-        <a:solidFill>
-          <a:schemeClr val="accent1">
-            <a:lumMod val="75000"/>
-          </a:schemeClr>
-        </a:solidFill>
+        <a:blipFill dpi="0" rotWithShape="1">
+          <a:blip r:embed="rId2">
+            <a:lum/>
+          </a:blip>
+          <a:srcRect/>
+          <a:stretch>
+            <a:fillRect/>
+          </a:stretch>
+        </a:blipFill>
         <a:effectLst/>
       </p:bgPr>
     </p:bg>

--- a/Presentation/lesson-01.pptx
+++ b/Presentation/lesson-01.pptx
@@ -20,18 +20,19 @@
     <p:sldId id="279" r:id="rId14"/>
     <p:sldId id="280" r:id="rId15"/>
     <p:sldId id="267" r:id="rId16"/>
-    <p:sldId id="268" r:id="rId17"/>
-    <p:sldId id="269" r:id="rId18"/>
-    <p:sldId id="270" r:id="rId19"/>
-    <p:sldId id="271" r:id="rId20"/>
-    <p:sldId id="272" r:id="rId21"/>
-    <p:sldId id="273" r:id="rId22"/>
-    <p:sldId id="274" r:id="rId23"/>
-    <p:sldId id="275" r:id="rId24"/>
-    <p:sldId id="276" r:id="rId25"/>
-    <p:sldId id="277" r:id="rId26"/>
-    <p:sldId id="278" r:id="rId27"/>
-    <p:sldId id="281" r:id="rId28"/>
+    <p:sldId id="283" r:id="rId17"/>
+    <p:sldId id="268" r:id="rId18"/>
+    <p:sldId id="269" r:id="rId19"/>
+    <p:sldId id="270" r:id="rId20"/>
+    <p:sldId id="271" r:id="rId21"/>
+    <p:sldId id="272" r:id="rId22"/>
+    <p:sldId id="273" r:id="rId23"/>
+    <p:sldId id="274" r:id="rId24"/>
+    <p:sldId id="275" r:id="rId25"/>
+    <p:sldId id="276" r:id="rId26"/>
+    <p:sldId id="277" r:id="rId27"/>
+    <p:sldId id="278" r:id="rId28"/>
+    <p:sldId id="281" r:id="rId29"/>
   </p:sldIdLst>
   <p:sldSz cx="9144000" cy="6858000" type="screen4x3"/>
   <p:notesSz cx="6858000" cy="9144000"/>
@@ -11226,6 +11227,253 @@
       </p:grpSpPr>
       <p:sp>
         <p:nvSpPr>
+          <p:cNvPr id="2" name="TextBox 1"/>
+          <p:cNvSpPr txBox="1"/>
+          <p:nvPr/>
+        </p:nvSpPr>
+        <p:spPr>
+          <a:xfrm>
+            <a:off x="611560" y="692696"/>
+            <a:ext cx="7992888" cy="2185214"/>
+          </a:xfrm>
+          <a:prstGeom prst="rect">
+            <a:avLst/>
+          </a:prstGeom>
+          <a:noFill/>
+        </p:spPr>
+        <p:txBody>
+          <a:bodyPr wrap="square" rtlCol="0">
+            <a:spAutoFit/>
+          </a:bodyPr>
+          <a:lstStyle/>
+          <a:p>
+            <a:r>
+              <a:rPr lang="ru-RU" sz="2800" dirty="0" smtClean="0">
+                <a:solidFill>
+                  <a:schemeClr val="bg1"/>
+                </a:solidFill>
+              </a:rPr>
+              <a:t>Класс </a:t>
+            </a:r>
+            <a:r>
+              <a:rPr lang="en-US" sz="2800" dirty="0" smtClean="0">
+                <a:solidFill>
+                  <a:schemeClr val="bg1"/>
+                </a:solidFill>
+              </a:rPr>
+              <a:t>String</a:t>
+            </a:r>
+            <a:endParaRPr lang="ru-RU" sz="2800" dirty="0" smtClean="0">
+              <a:solidFill>
+                <a:schemeClr val="bg1"/>
+              </a:solidFill>
+            </a:endParaRPr>
+          </a:p>
+          <a:p>
+            <a:pPr marL="285750" indent="-285750">
+              <a:buFont typeface="Arial" pitchFamily="34" charset="0"/>
+              <a:buChar char="•"/>
+            </a:pPr>
+            <a:r>
+              <a:rPr lang="ru-RU" dirty="0" smtClean="0">
+                <a:solidFill>
+                  <a:schemeClr val="bg1"/>
+                </a:solidFill>
+              </a:rPr>
+              <a:t>Ссылочный тип, но!</a:t>
+            </a:r>
+          </a:p>
+          <a:p>
+            <a:pPr marL="742950" lvl="1" indent="-285750">
+              <a:buFont typeface="Arial" pitchFamily="34" charset="0"/>
+              <a:buChar char="•"/>
+            </a:pPr>
+            <a:r>
+              <a:rPr lang="ru-RU" dirty="0" smtClean="0">
+                <a:solidFill>
+                  <a:schemeClr val="bg1"/>
+                </a:solidFill>
+              </a:rPr>
+              <a:t>Значение </a:t>
+            </a:r>
+            <a:r>
+              <a:rPr lang="en-US" dirty="0" smtClean="0">
+                <a:solidFill>
+                  <a:schemeClr val="bg1"/>
+                </a:solidFill>
+              </a:rPr>
+              <a:t>string </a:t>
+            </a:r>
+            <a:r>
+              <a:rPr lang="ru-RU" dirty="0" smtClean="0">
+                <a:solidFill>
+                  <a:schemeClr val="bg1"/>
+                </a:solidFill>
+              </a:rPr>
+              <a:t>являются не</a:t>
+            </a:r>
+            <a:r>
+              <a:rPr lang="ru-RU" dirty="0" smtClean="0">
+                <a:solidFill>
+                  <a:schemeClr val="bg1"/>
+                </a:solidFill>
+              </a:rPr>
+              <a:t>изменяемыми</a:t>
+            </a:r>
+          </a:p>
+          <a:p>
+            <a:pPr marL="742950" lvl="1" indent="-285750">
+              <a:buFont typeface="Arial" pitchFamily="34" charset="0"/>
+              <a:buChar char="•"/>
+            </a:pPr>
+            <a:r>
+              <a:rPr lang="ru-RU" dirty="0" smtClean="0">
+                <a:solidFill>
+                  <a:schemeClr val="bg1"/>
+                </a:solidFill>
+              </a:rPr>
+              <a:t>Каждая операция создает новый экземпляр</a:t>
+            </a:r>
+          </a:p>
+          <a:p>
+            <a:pPr marL="742950" lvl="1" indent="-285750">
+              <a:buFont typeface="Arial" pitchFamily="34" charset="0"/>
+              <a:buChar char="•"/>
+            </a:pPr>
+            <a:r>
+              <a:rPr lang="ru-RU" dirty="0" smtClean="0">
+                <a:solidFill>
+                  <a:schemeClr val="bg1"/>
+                </a:solidFill>
+              </a:rPr>
+              <a:t>Класс </a:t>
+            </a:r>
+            <a:r>
+              <a:rPr lang="en-US" dirty="0" smtClean="0">
+                <a:solidFill>
+                  <a:schemeClr val="bg1"/>
+                </a:solidFill>
+              </a:rPr>
+              <a:t>string </a:t>
+            </a:r>
+            <a:r>
+              <a:rPr lang="ru-RU" dirty="0" smtClean="0">
+                <a:solidFill>
+                  <a:schemeClr val="bg1"/>
+                </a:solidFill>
+              </a:rPr>
+              <a:t>я</a:t>
+            </a:r>
+            <a:r>
+              <a:rPr lang="ru-RU" dirty="0" smtClean="0">
+                <a:solidFill>
+                  <a:schemeClr val="bg1"/>
+                </a:solidFill>
+              </a:rPr>
+              <a:t>вляется </a:t>
+            </a:r>
+            <a:r>
+              <a:rPr lang="en-US" dirty="0" smtClean="0">
+                <a:solidFill>
+                  <a:schemeClr val="bg1"/>
+                </a:solidFill>
+              </a:rPr>
+              <a:t>sealed</a:t>
+            </a:r>
+          </a:p>
+          <a:p>
+            <a:pPr marL="742950" lvl="1" indent="-285750">
+              <a:buFont typeface="Arial" pitchFamily="34" charset="0"/>
+              <a:buChar char="•"/>
+            </a:pPr>
+            <a:r>
+              <a:rPr lang="ru-RU" dirty="0" smtClean="0">
+                <a:solidFill>
+                  <a:schemeClr val="bg1"/>
+                </a:solidFill>
+              </a:rPr>
+              <a:t>При сборке строки используйте </a:t>
+            </a:r>
+            <a:r>
+              <a:rPr lang="en-US" dirty="0" err="1" smtClean="0">
+                <a:solidFill>
+                  <a:schemeClr val="bg1"/>
+                </a:solidFill>
+              </a:rPr>
+              <a:t>System.Text.StringBuilder</a:t>
+            </a:r>
+            <a:endParaRPr lang="ru-RU" dirty="0" smtClean="0">
+              <a:solidFill>
+                <a:schemeClr val="bg1"/>
+              </a:solidFill>
+            </a:endParaRPr>
+          </a:p>
+          <a:p>
+            <a:pPr marL="285750" indent="-285750">
+              <a:buFont typeface="Arial" pitchFamily="34" charset="0"/>
+              <a:buChar char="•"/>
+            </a:pPr>
+            <a:endParaRPr lang="en-US" dirty="0" smtClean="0">
+              <a:solidFill>
+                <a:schemeClr val="bg1"/>
+              </a:solidFill>
+            </a:endParaRPr>
+          </a:p>
+        </p:txBody>
+      </p:sp>
+    </p:spTree>
+    <p:extLst>
+      <p:ext uri="{BB962C8B-B14F-4D97-AF65-F5344CB8AC3E}">
+        <p14:creationId xmlns:p14="http://schemas.microsoft.com/office/powerpoint/2010/main" val="2688483590"/>
+      </p:ext>
+    </p:extLst>
+  </p:cSld>
+  <p:clrMapOvr>
+    <a:masterClrMapping/>
+  </p:clrMapOvr>
+  <p:timing>
+    <p:tnLst>
+      <p:par>
+        <p:cTn id="1" dur="indefinite" restart="never" nodeType="tmRoot"/>
+      </p:par>
+    </p:tnLst>
+  </p:timing>
+</p:sld>
+</file>
+
+<file path=ppt/slides/slide17.xml><?xml version="1.0" encoding="utf-8"?>
+<p:sld xmlns:a="http://schemas.openxmlformats.org/drawingml/2006/main" xmlns:r="http://schemas.openxmlformats.org/officeDocument/2006/relationships" xmlns:p="http://schemas.openxmlformats.org/presentationml/2006/main">
+  <p:cSld>
+    <p:bg>
+      <p:bgPr>
+        <a:blipFill dpi="0" rotWithShape="1">
+          <a:blip r:embed="rId2">
+            <a:lum/>
+          </a:blip>
+          <a:srcRect/>
+          <a:stretch>
+            <a:fillRect/>
+          </a:stretch>
+        </a:blipFill>
+        <a:effectLst/>
+      </p:bgPr>
+    </p:bg>
+    <p:spTree>
+      <p:nvGrpSpPr>
+        <p:cNvPr id="1" name=""/>
+        <p:cNvGrpSpPr/>
+        <p:nvPr/>
+      </p:nvGrpSpPr>
+      <p:grpSpPr>
+        <a:xfrm>
+          <a:off x="0" y="0"/>
+          <a:ext cx="0" cy="0"/>
+          <a:chOff x="0" y="0"/>
+          <a:chExt cx="0" cy="0"/>
+        </a:xfrm>
+      </p:grpSpPr>
+      <p:sp>
+        <p:nvSpPr>
           <p:cNvPr id="9218" name="Прямоугольник 6"/>
           <p:cNvSpPr>
             <a:spLocks noChangeArrowheads="1"/>
@@ -11709,7 +11957,7 @@
 </p:sld>
 </file>
 
-<file path=ppt/slides/slide17.xml><?xml version="1.0" encoding="utf-8"?>
+<file path=ppt/slides/slide18.xml><?xml version="1.0" encoding="utf-8"?>
 <p:sld xmlns:a="http://schemas.openxmlformats.org/drawingml/2006/main" xmlns:r="http://schemas.openxmlformats.org/officeDocument/2006/relationships" xmlns:p="http://schemas.openxmlformats.org/presentationml/2006/main">
   <p:cSld>
     <p:bg>
@@ -13312,7 +13560,7 @@
 </p:sld>
 </file>
 
-<file path=ppt/slides/slide18.xml><?xml version="1.0" encoding="utf-8"?>
+<file path=ppt/slides/slide19.xml><?xml version="1.0" encoding="utf-8"?>
 <p:sld xmlns:a="http://schemas.openxmlformats.org/drawingml/2006/main" xmlns:r="http://schemas.openxmlformats.org/officeDocument/2006/relationships" xmlns:p="http://schemas.openxmlformats.org/presentationml/2006/main">
   <p:cSld>
     <p:bg>
@@ -14273,1113 +14521,6 @@
     <p:extLst>
       <p:ext uri="{BB962C8B-B14F-4D97-AF65-F5344CB8AC3E}">
         <p14:creationId xmlns:p14="http://schemas.microsoft.com/office/powerpoint/2010/main" val="801124777"/>
-      </p:ext>
-    </p:extLst>
-  </p:cSld>
-  <p:clrMapOvr>
-    <a:masterClrMapping/>
-  </p:clrMapOvr>
-</p:sld>
-</file>
-
-<file path=ppt/slides/slide19.xml><?xml version="1.0" encoding="utf-8"?>
-<p:sld xmlns:a="http://schemas.openxmlformats.org/drawingml/2006/main" xmlns:r="http://schemas.openxmlformats.org/officeDocument/2006/relationships" xmlns:p="http://schemas.openxmlformats.org/presentationml/2006/main">
-  <p:cSld>
-    <p:bg>
-      <p:bgPr>
-        <a:blipFill dpi="0" rotWithShape="1">
-          <a:blip r:embed="rId2">
-            <a:lum/>
-          </a:blip>
-          <a:srcRect/>
-          <a:stretch>
-            <a:fillRect/>
-          </a:stretch>
-        </a:blipFill>
-        <a:effectLst/>
-      </p:bgPr>
-    </p:bg>
-    <p:spTree>
-      <p:nvGrpSpPr>
-        <p:cNvPr id="1" name=""/>
-        <p:cNvGrpSpPr/>
-        <p:nvPr/>
-      </p:nvGrpSpPr>
-      <p:grpSpPr>
-        <a:xfrm>
-          <a:off x="0" y="0"/>
-          <a:ext cx="0" cy="0"/>
-          <a:chOff x="0" y="0"/>
-          <a:chExt cx="0" cy="0"/>
-        </a:xfrm>
-      </p:grpSpPr>
-      <p:sp>
-        <p:nvSpPr>
-          <p:cNvPr id="12290" name="Прямоугольник 10"/>
-          <p:cNvSpPr>
-            <a:spLocks noChangeArrowheads="1"/>
-          </p:cNvSpPr>
-          <p:nvPr/>
-        </p:nvSpPr>
-        <p:spPr bwMode="auto">
-          <a:xfrm>
-            <a:off x="609600" y="71438"/>
-            <a:ext cx="7924800" cy="461962"/>
-          </a:xfrm>
-          <a:prstGeom prst="rect">
-            <a:avLst/>
-          </a:prstGeom>
-          <a:noFill/>
-          <a:ln>
-            <a:noFill/>
-          </a:ln>
-          <a:extLst>
-            <a:ext uri="{909E8E84-426E-40DD-AFC4-6F175D3DCCD1}">
-              <a14:hiddenFill xmlns:a14="http://schemas.microsoft.com/office/drawing/2010/main">
-                <a:solidFill>
-                  <a:srgbClr val="FFFFFF"/>
-                </a:solidFill>
-              </a14:hiddenFill>
-            </a:ext>
-            <a:ext uri="{91240B29-F687-4F45-9708-019B960494DF}">
-              <a14:hiddenLine xmlns:a14="http://schemas.microsoft.com/office/drawing/2010/main" w="9525">
-                <a:solidFill>
-                  <a:srgbClr val="000000"/>
-                </a:solidFill>
-                <a:miter lim="800000"/>
-                <a:headEnd/>
-                <a:tailEnd/>
-              </a14:hiddenLine>
-            </a:ext>
-          </a:extLst>
-        </p:spPr>
-        <p:txBody>
-          <a:bodyPr>
-            <a:spAutoFit/>
-          </a:bodyPr>
-          <a:lstStyle/>
-          <a:p>
-            <a:pPr algn="ctr" eaLnBrk="0" hangingPunct="0">
-              <a:tabLst>
-                <a:tab pos="457200" algn="l"/>
-              </a:tabLst>
-            </a:pPr>
-            <a:r>
-              <a:rPr lang="en-US" sz="2400" dirty="0" err="1">
-                <a:solidFill>
-                  <a:schemeClr val="bg1"/>
-                </a:solidFill>
-                <a:cs typeface="Times New Roman" pitchFamily="18" charset="0"/>
-              </a:rPr>
-              <a:t>Switch..case..default</a:t>
-            </a:r>
-            <a:endParaRPr lang="en-US" sz="2400" dirty="0">
-              <a:solidFill>
-                <a:schemeClr val="bg1"/>
-              </a:solidFill>
-              <a:cs typeface="Times New Roman" pitchFamily="18" charset="0"/>
-            </a:endParaRPr>
-          </a:p>
-        </p:txBody>
-      </p:sp>
-      <p:sp>
-        <p:nvSpPr>
-          <p:cNvPr id="11273" name="Rectangle 9"/>
-          <p:cNvSpPr>
-            <a:spLocks noChangeArrowheads="1"/>
-          </p:cNvSpPr>
-          <p:nvPr/>
-        </p:nvSpPr>
-        <p:spPr bwMode="auto">
-          <a:xfrm>
-            <a:off x="1143000" y="3505200"/>
-            <a:ext cx="7010400" cy="3170238"/>
-          </a:xfrm>
-          <a:prstGeom prst="rect">
-            <a:avLst/>
-          </a:prstGeom>
-          <a:noFill/>
-          <a:ln w="9525">
-            <a:solidFill>
-              <a:schemeClr val="bg1">
-                <a:lumMod val="65000"/>
-              </a:schemeClr>
-            </a:solidFill>
-            <a:miter lim="800000"/>
-            <a:headEnd/>
-            <a:tailEnd/>
-          </a:ln>
-          <a:effectLst/>
-        </p:spPr>
-        <p:txBody>
-          <a:bodyPr anchor="ctr">
-            <a:spAutoFit/>
-          </a:bodyPr>
-          <a:lstStyle/>
-          <a:p>
-            <a:pPr eaLnBrk="0" hangingPunct="0">
-              <a:defRPr/>
-            </a:pPr>
-            <a:r>
-              <a:rPr lang="be-BY" sz="1000" dirty="0">
-                <a:solidFill>
-                  <a:schemeClr val="bg1"/>
-                </a:solidFill>
-                <a:latin typeface="Courier New" pitchFamily="49" charset="0"/>
-                <a:ea typeface="Calibri" pitchFamily="34" charset="0"/>
-                <a:cs typeface="Courier New" pitchFamily="49" charset="0"/>
-              </a:rPr>
-              <a:t>        static void Main(string[] args)</a:t>
-            </a:r>
-            <a:endParaRPr lang="be-BY" sz="900" dirty="0">
-              <a:solidFill>
-                <a:schemeClr val="bg1"/>
-              </a:solidFill>
-              <a:latin typeface="Arial" pitchFamily="34" charset="0"/>
-            </a:endParaRPr>
-          </a:p>
-          <a:p>
-            <a:pPr eaLnBrk="0" hangingPunct="0">
-              <a:defRPr/>
-            </a:pPr>
-            <a:r>
-              <a:rPr lang="be-BY" sz="1000" dirty="0">
-                <a:solidFill>
-                  <a:schemeClr val="bg1"/>
-                </a:solidFill>
-                <a:latin typeface="Courier New" pitchFamily="49" charset="0"/>
-                <a:ea typeface="Calibri" pitchFamily="34" charset="0"/>
-                <a:cs typeface="Courier New" pitchFamily="49" charset="0"/>
-              </a:rPr>
-              <a:t>        {</a:t>
-            </a:r>
-            <a:endParaRPr lang="be-BY" sz="900" dirty="0">
-              <a:solidFill>
-                <a:schemeClr val="bg1"/>
-              </a:solidFill>
-              <a:latin typeface="Arial" pitchFamily="34" charset="0"/>
-            </a:endParaRPr>
-          </a:p>
-          <a:p>
-            <a:pPr eaLnBrk="0" hangingPunct="0">
-              <a:defRPr/>
-            </a:pPr>
-            <a:r>
-              <a:rPr lang="be-BY" sz="1000" dirty="0">
-                <a:solidFill>
-                  <a:schemeClr val="bg1"/>
-                </a:solidFill>
-                <a:latin typeface="Courier New" pitchFamily="49" charset="0"/>
-                <a:ea typeface="Calibri" pitchFamily="34" charset="0"/>
-                <a:cs typeface="Courier New" pitchFamily="49" charset="0"/>
-              </a:rPr>
-              <a:t>            Console.Write("Your unswer(yes\\no\\maybe): ");</a:t>
-            </a:r>
-            <a:endParaRPr lang="be-BY" sz="900" dirty="0">
-              <a:solidFill>
-                <a:schemeClr val="bg1"/>
-              </a:solidFill>
-              <a:latin typeface="Arial" pitchFamily="34" charset="0"/>
-            </a:endParaRPr>
-          </a:p>
-          <a:p>
-            <a:pPr eaLnBrk="0" hangingPunct="0">
-              <a:defRPr/>
-            </a:pPr>
-            <a:r>
-              <a:rPr lang="be-BY" sz="1000" dirty="0">
-                <a:solidFill>
-                  <a:schemeClr val="bg1"/>
-                </a:solidFill>
-                <a:latin typeface="Courier New" pitchFamily="49" charset="0"/>
-                <a:ea typeface="Calibri" pitchFamily="34" charset="0"/>
-                <a:cs typeface="Courier New" pitchFamily="49" charset="0"/>
-              </a:rPr>
-              <a:t>            string str = Console.ReadLine();</a:t>
-            </a:r>
-            <a:endParaRPr lang="be-BY" sz="900" dirty="0">
-              <a:solidFill>
-                <a:schemeClr val="bg1"/>
-              </a:solidFill>
-              <a:latin typeface="Arial" pitchFamily="34" charset="0"/>
-            </a:endParaRPr>
-          </a:p>
-          <a:p>
-            <a:pPr eaLnBrk="0" hangingPunct="0">
-              <a:defRPr/>
-            </a:pPr>
-            <a:r>
-              <a:rPr lang="be-BY" sz="1000" dirty="0">
-                <a:solidFill>
-                  <a:schemeClr val="bg1"/>
-                </a:solidFill>
-                <a:latin typeface="Courier New" pitchFamily="49" charset="0"/>
-                <a:ea typeface="Calibri" pitchFamily="34" charset="0"/>
-                <a:cs typeface="Courier New" pitchFamily="49" charset="0"/>
-              </a:rPr>
-              <a:t>            switch (str)</a:t>
-            </a:r>
-            <a:endParaRPr lang="be-BY" sz="900" dirty="0">
-              <a:solidFill>
-                <a:schemeClr val="bg1"/>
-              </a:solidFill>
-              <a:latin typeface="Arial" pitchFamily="34" charset="0"/>
-            </a:endParaRPr>
-          </a:p>
-          <a:p>
-            <a:pPr eaLnBrk="0" hangingPunct="0">
-              <a:defRPr/>
-            </a:pPr>
-            <a:r>
-              <a:rPr lang="be-BY" sz="1000" dirty="0">
-                <a:solidFill>
-                  <a:schemeClr val="bg1"/>
-                </a:solidFill>
-                <a:latin typeface="Courier New" pitchFamily="49" charset="0"/>
-                <a:ea typeface="Calibri" pitchFamily="34" charset="0"/>
-                <a:cs typeface="Courier New" pitchFamily="49" charset="0"/>
-              </a:rPr>
-              <a:t>            {</a:t>
-            </a:r>
-            <a:endParaRPr lang="be-BY" sz="900" dirty="0">
-              <a:solidFill>
-                <a:schemeClr val="bg1"/>
-              </a:solidFill>
-              <a:latin typeface="Arial" pitchFamily="34" charset="0"/>
-            </a:endParaRPr>
-          </a:p>
-          <a:p>
-            <a:pPr eaLnBrk="0" hangingPunct="0">
-              <a:defRPr/>
-            </a:pPr>
-            <a:r>
-              <a:rPr lang="be-BY" sz="1000" dirty="0">
-                <a:solidFill>
-                  <a:schemeClr val="bg1"/>
-                </a:solidFill>
-                <a:latin typeface="Courier New" pitchFamily="49" charset="0"/>
-                <a:ea typeface="Calibri" pitchFamily="34" charset="0"/>
-                <a:cs typeface="Courier New" pitchFamily="49" charset="0"/>
-              </a:rPr>
-              <a:t>                case "yes" :</a:t>
-            </a:r>
-            <a:endParaRPr lang="be-BY" sz="900" dirty="0">
-              <a:solidFill>
-                <a:schemeClr val="bg1"/>
-              </a:solidFill>
-              <a:latin typeface="Arial" pitchFamily="34" charset="0"/>
-            </a:endParaRPr>
-          </a:p>
-          <a:p>
-            <a:pPr eaLnBrk="0" hangingPunct="0">
-              <a:defRPr/>
-            </a:pPr>
-            <a:r>
-              <a:rPr lang="be-BY" sz="1000" dirty="0">
-                <a:solidFill>
-                  <a:schemeClr val="bg1"/>
-                </a:solidFill>
-                <a:latin typeface="Courier New" pitchFamily="49" charset="0"/>
-                <a:ea typeface="Calibri" pitchFamily="34" charset="0"/>
-                <a:cs typeface="Courier New" pitchFamily="49" charset="0"/>
-              </a:rPr>
-              <a:t>                    Console.WriteLine("Agreed!");</a:t>
-            </a:r>
-            <a:endParaRPr lang="be-BY" sz="900" dirty="0">
-              <a:solidFill>
-                <a:schemeClr val="bg1"/>
-              </a:solidFill>
-              <a:latin typeface="Arial" pitchFamily="34" charset="0"/>
-            </a:endParaRPr>
-          </a:p>
-          <a:p>
-            <a:pPr eaLnBrk="0" hangingPunct="0">
-              <a:defRPr/>
-            </a:pPr>
-            <a:r>
-              <a:rPr lang="be-BY" sz="1000" dirty="0">
-                <a:solidFill>
-                  <a:schemeClr val="bg1"/>
-                </a:solidFill>
-                <a:latin typeface="Courier New" pitchFamily="49" charset="0"/>
-                <a:ea typeface="Calibri" pitchFamily="34" charset="0"/>
-                <a:cs typeface="Courier New" pitchFamily="49" charset="0"/>
-              </a:rPr>
-              <a:t>                    break;</a:t>
-            </a:r>
-            <a:endParaRPr lang="be-BY" sz="900" dirty="0">
-              <a:solidFill>
-                <a:schemeClr val="bg1"/>
-              </a:solidFill>
-              <a:latin typeface="Arial" pitchFamily="34" charset="0"/>
-            </a:endParaRPr>
-          </a:p>
-          <a:p>
-            <a:pPr eaLnBrk="0" hangingPunct="0">
-              <a:defRPr/>
-            </a:pPr>
-            <a:r>
-              <a:rPr lang="be-BY" sz="1000" dirty="0">
-                <a:solidFill>
-                  <a:schemeClr val="bg1"/>
-                </a:solidFill>
-                <a:latin typeface="Courier New" pitchFamily="49" charset="0"/>
-                <a:ea typeface="Calibri" pitchFamily="34" charset="0"/>
-                <a:cs typeface="Courier New" pitchFamily="49" charset="0"/>
-              </a:rPr>
-              <a:t>                case "no" :</a:t>
-            </a:r>
-            <a:endParaRPr lang="be-BY" sz="900" dirty="0">
-              <a:solidFill>
-                <a:schemeClr val="bg1"/>
-              </a:solidFill>
-              <a:latin typeface="Arial" pitchFamily="34" charset="0"/>
-            </a:endParaRPr>
-          </a:p>
-          <a:p>
-            <a:pPr eaLnBrk="0" hangingPunct="0">
-              <a:defRPr/>
-            </a:pPr>
-            <a:r>
-              <a:rPr lang="be-BY" sz="1000" dirty="0">
-                <a:solidFill>
-                  <a:schemeClr val="bg1"/>
-                </a:solidFill>
-                <a:latin typeface="Courier New" pitchFamily="49" charset="0"/>
-                <a:ea typeface="Calibri" pitchFamily="34" charset="0"/>
-                <a:cs typeface="Courier New" pitchFamily="49" charset="0"/>
-              </a:rPr>
-              <a:t>                    Console.WriteLine("Canseled!");</a:t>
-            </a:r>
-            <a:endParaRPr lang="be-BY" sz="900" dirty="0">
-              <a:solidFill>
-                <a:schemeClr val="bg1"/>
-              </a:solidFill>
-              <a:latin typeface="Arial" pitchFamily="34" charset="0"/>
-            </a:endParaRPr>
-          </a:p>
-          <a:p>
-            <a:pPr eaLnBrk="0" hangingPunct="0">
-              <a:defRPr/>
-            </a:pPr>
-            <a:r>
-              <a:rPr lang="be-BY" sz="1000" dirty="0">
-                <a:solidFill>
-                  <a:schemeClr val="bg1"/>
-                </a:solidFill>
-                <a:latin typeface="Courier New" pitchFamily="49" charset="0"/>
-                <a:ea typeface="Calibri" pitchFamily="34" charset="0"/>
-                <a:cs typeface="Courier New" pitchFamily="49" charset="0"/>
-              </a:rPr>
-              <a:t>                    break;</a:t>
-            </a:r>
-            <a:endParaRPr lang="be-BY" sz="900" dirty="0">
-              <a:solidFill>
-                <a:schemeClr val="bg1"/>
-              </a:solidFill>
-              <a:latin typeface="Arial" pitchFamily="34" charset="0"/>
-            </a:endParaRPr>
-          </a:p>
-          <a:p>
-            <a:pPr eaLnBrk="0" hangingPunct="0">
-              <a:defRPr/>
-            </a:pPr>
-            <a:r>
-              <a:rPr lang="be-BY" sz="1000" dirty="0">
-                <a:solidFill>
-                  <a:schemeClr val="bg1"/>
-                </a:solidFill>
-                <a:latin typeface="Courier New" pitchFamily="49" charset="0"/>
-                <a:ea typeface="Calibri" pitchFamily="34" charset="0"/>
-                <a:cs typeface="Courier New" pitchFamily="49" charset="0"/>
-              </a:rPr>
-              <a:t>                case "maybe" :</a:t>
-            </a:r>
-            <a:endParaRPr lang="be-BY" sz="900" dirty="0">
-              <a:solidFill>
-                <a:schemeClr val="bg1"/>
-              </a:solidFill>
-              <a:latin typeface="Arial" pitchFamily="34" charset="0"/>
-            </a:endParaRPr>
-          </a:p>
-          <a:p>
-            <a:pPr eaLnBrk="0" hangingPunct="0">
-              <a:defRPr/>
-            </a:pPr>
-            <a:r>
-              <a:rPr lang="be-BY" sz="1000" dirty="0">
-                <a:solidFill>
-                  <a:schemeClr val="bg1"/>
-                </a:solidFill>
-                <a:latin typeface="Courier New" pitchFamily="49" charset="0"/>
-                <a:ea typeface="Calibri" pitchFamily="34" charset="0"/>
-                <a:cs typeface="Courier New" pitchFamily="49" charset="0"/>
-              </a:rPr>
-              <a:t>                    Console.WriteLine("Wrong unswer! Tru again!");</a:t>
-            </a:r>
-            <a:endParaRPr lang="be-BY" sz="900" dirty="0">
-              <a:solidFill>
-                <a:schemeClr val="bg1"/>
-              </a:solidFill>
-              <a:latin typeface="Arial" pitchFamily="34" charset="0"/>
-            </a:endParaRPr>
-          </a:p>
-          <a:p>
-            <a:pPr eaLnBrk="0" hangingPunct="0">
-              <a:defRPr/>
-            </a:pPr>
-            <a:r>
-              <a:rPr lang="be-BY" sz="1000" dirty="0">
-                <a:solidFill>
-                  <a:schemeClr val="bg1"/>
-                </a:solidFill>
-                <a:latin typeface="Courier New" pitchFamily="49" charset="0"/>
-                <a:ea typeface="Calibri" pitchFamily="34" charset="0"/>
-                <a:cs typeface="Courier New" pitchFamily="49" charset="0"/>
-              </a:rPr>
-              <a:t>                    break;</a:t>
-            </a:r>
-            <a:endParaRPr lang="be-BY" sz="900" dirty="0">
-              <a:solidFill>
-                <a:schemeClr val="bg1"/>
-              </a:solidFill>
-              <a:latin typeface="Arial" pitchFamily="34" charset="0"/>
-            </a:endParaRPr>
-          </a:p>
-          <a:p>
-            <a:pPr eaLnBrk="0" hangingPunct="0">
-              <a:defRPr/>
-            </a:pPr>
-            <a:r>
-              <a:rPr lang="be-BY" sz="1000" dirty="0">
-                <a:solidFill>
-                  <a:schemeClr val="bg1"/>
-                </a:solidFill>
-                <a:latin typeface="Courier New" pitchFamily="49" charset="0"/>
-                <a:ea typeface="Calibri" pitchFamily="34" charset="0"/>
-                <a:cs typeface="Courier New" pitchFamily="49" charset="0"/>
-              </a:rPr>
-              <a:t>                default:</a:t>
-            </a:r>
-            <a:endParaRPr lang="be-BY" sz="900" dirty="0">
-              <a:solidFill>
-                <a:schemeClr val="bg1"/>
-              </a:solidFill>
-              <a:latin typeface="Arial" pitchFamily="34" charset="0"/>
-            </a:endParaRPr>
-          </a:p>
-          <a:p>
-            <a:pPr eaLnBrk="0" hangingPunct="0">
-              <a:defRPr/>
-            </a:pPr>
-            <a:r>
-              <a:rPr lang="be-BY" sz="1000" dirty="0">
-                <a:solidFill>
-                  <a:schemeClr val="bg1"/>
-                </a:solidFill>
-                <a:latin typeface="Courier New" pitchFamily="49" charset="0"/>
-                <a:ea typeface="Calibri" pitchFamily="34" charset="0"/>
-                <a:cs typeface="Courier New" pitchFamily="49" charset="0"/>
-              </a:rPr>
-              <a:t>                    Console.WriteLine("Fatal ERROR!");</a:t>
-            </a:r>
-            <a:endParaRPr lang="be-BY" sz="900" dirty="0">
-              <a:solidFill>
-                <a:schemeClr val="bg1"/>
-              </a:solidFill>
-              <a:latin typeface="Arial" pitchFamily="34" charset="0"/>
-            </a:endParaRPr>
-          </a:p>
-          <a:p>
-            <a:pPr eaLnBrk="0" hangingPunct="0">
-              <a:defRPr/>
-            </a:pPr>
-            <a:r>
-              <a:rPr lang="be-BY" sz="1000" dirty="0">
-                <a:solidFill>
-                  <a:schemeClr val="bg1"/>
-                </a:solidFill>
-                <a:latin typeface="Courier New" pitchFamily="49" charset="0"/>
-                <a:ea typeface="Calibri" pitchFamily="34" charset="0"/>
-                <a:cs typeface="Courier New" pitchFamily="49" charset="0"/>
-              </a:rPr>
-              <a:t>                    break;</a:t>
-            </a:r>
-            <a:endParaRPr lang="be-BY" sz="900" dirty="0">
-              <a:solidFill>
-                <a:schemeClr val="bg1"/>
-              </a:solidFill>
-              <a:latin typeface="Arial" pitchFamily="34" charset="0"/>
-            </a:endParaRPr>
-          </a:p>
-          <a:p>
-            <a:pPr eaLnBrk="0" hangingPunct="0">
-              <a:defRPr/>
-            </a:pPr>
-            <a:r>
-              <a:rPr lang="be-BY" sz="1000" dirty="0">
-                <a:solidFill>
-                  <a:schemeClr val="bg1"/>
-                </a:solidFill>
-                <a:latin typeface="Courier New" pitchFamily="49" charset="0"/>
-                <a:ea typeface="Calibri" pitchFamily="34" charset="0"/>
-                <a:cs typeface="Courier New" pitchFamily="49" charset="0"/>
-              </a:rPr>
-              <a:t>            }</a:t>
-            </a:r>
-          </a:p>
-          <a:p>
-            <a:pPr eaLnBrk="0" hangingPunct="0">
-              <a:defRPr/>
-            </a:pPr>
-            <a:r>
-              <a:rPr lang="be-BY" sz="1000" dirty="0">
-                <a:solidFill>
-                  <a:schemeClr val="bg1"/>
-                </a:solidFill>
-                <a:latin typeface="Courier New" pitchFamily="49" charset="0"/>
-                <a:ea typeface="Calibri" pitchFamily="34" charset="0"/>
-                <a:cs typeface="Courier New" pitchFamily="49" charset="0"/>
-              </a:rPr>
-              <a:t>        }</a:t>
-            </a:r>
-            <a:r>
-              <a:rPr lang="be-BY" sz="900" dirty="0">
-                <a:solidFill>
-                  <a:schemeClr val="bg1"/>
-                </a:solidFill>
-                <a:latin typeface="Arial" pitchFamily="34" charset="0"/>
-              </a:rPr>
-              <a:t> </a:t>
-            </a:r>
-            <a:endParaRPr lang="be-BY" dirty="0">
-              <a:solidFill>
-                <a:schemeClr val="bg1"/>
-              </a:solidFill>
-              <a:latin typeface="Calibri" pitchFamily="34" charset="0"/>
-            </a:endParaRPr>
-          </a:p>
-        </p:txBody>
-      </p:sp>
-      <p:sp>
-        <p:nvSpPr>
-          <p:cNvPr id="12292" name="Подзаголовок 2"/>
-          <p:cNvSpPr txBox="1">
-            <a:spLocks/>
-          </p:cNvSpPr>
-          <p:nvPr/>
-        </p:nvSpPr>
-        <p:spPr bwMode="auto">
-          <a:xfrm>
-            <a:off x="3090863" y="533400"/>
-            <a:ext cx="2928937" cy="2895600"/>
-          </a:xfrm>
-          <a:prstGeom prst="rect">
-            <a:avLst/>
-          </a:prstGeom>
-          <a:noFill/>
-          <a:ln w="9525">
-            <a:solidFill>
-              <a:srgbClr val="FF0000"/>
-            </a:solidFill>
-            <a:miter lim="800000"/>
-            <a:headEnd/>
-            <a:tailEnd/>
-          </a:ln>
-          <a:extLst>
-            <a:ext uri="{909E8E84-426E-40DD-AFC4-6F175D3DCCD1}">
-              <a14:hiddenFill xmlns:a14="http://schemas.microsoft.com/office/drawing/2010/main">
-                <a:solidFill>
-                  <a:srgbClr val="FFFFFF"/>
-                </a:solidFill>
-              </a14:hiddenFill>
-            </a:ext>
-          </a:extLst>
-        </p:spPr>
-        <p:txBody>
-          <a:bodyPr/>
-          <a:lstStyle>
-            <a:lvl1pPr eaLnBrk="0" hangingPunct="0">
-              <a:defRPr>
-                <a:solidFill>
-                  <a:schemeClr val="tx1"/>
-                </a:solidFill>
-                <a:latin typeface="Arial" charset="0"/>
-              </a:defRPr>
-            </a:lvl1pPr>
-            <a:lvl2pPr marL="742950" indent="-285750" eaLnBrk="0" hangingPunct="0">
-              <a:defRPr>
-                <a:solidFill>
-                  <a:schemeClr val="tx1"/>
-                </a:solidFill>
-                <a:latin typeface="Arial" charset="0"/>
-              </a:defRPr>
-            </a:lvl2pPr>
-            <a:lvl3pPr marL="1143000" indent="-228600" eaLnBrk="0" hangingPunct="0">
-              <a:defRPr>
-                <a:solidFill>
-                  <a:schemeClr val="tx1"/>
-                </a:solidFill>
-                <a:latin typeface="Arial" charset="0"/>
-              </a:defRPr>
-            </a:lvl3pPr>
-            <a:lvl4pPr marL="1600200" indent="-228600" eaLnBrk="0" hangingPunct="0">
-              <a:defRPr>
-                <a:solidFill>
-                  <a:schemeClr val="tx1"/>
-                </a:solidFill>
-                <a:latin typeface="Arial" charset="0"/>
-              </a:defRPr>
-            </a:lvl4pPr>
-            <a:lvl5pPr marL="2057400" indent="-228600" eaLnBrk="0" hangingPunct="0">
-              <a:defRPr>
-                <a:solidFill>
-                  <a:schemeClr val="tx1"/>
-                </a:solidFill>
-                <a:latin typeface="Arial" charset="0"/>
-              </a:defRPr>
-            </a:lvl5pPr>
-            <a:lvl6pPr marL="2514600" indent="-228600" eaLnBrk="0" fontAlgn="base" hangingPunct="0">
-              <a:spcBef>
-                <a:spcPct val="0"/>
-              </a:spcBef>
-              <a:spcAft>
-                <a:spcPct val="0"/>
-              </a:spcAft>
-              <a:defRPr>
-                <a:solidFill>
-                  <a:schemeClr val="tx1"/>
-                </a:solidFill>
-                <a:latin typeface="Arial" charset="0"/>
-              </a:defRPr>
-            </a:lvl6pPr>
-            <a:lvl7pPr marL="2971800" indent="-228600" eaLnBrk="0" fontAlgn="base" hangingPunct="0">
-              <a:spcBef>
-                <a:spcPct val="0"/>
-              </a:spcBef>
-              <a:spcAft>
-                <a:spcPct val="0"/>
-              </a:spcAft>
-              <a:defRPr>
-                <a:solidFill>
-                  <a:schemeClr val="tx1"/>
-                </a:solidFill>
-                <a:latin typeface="Arial" charset="0"/>
-              </a:defRPr>
-            </a:lvl7pPr>
-            <a:lvl8pPr marL="3429000" indent="-228600" eaLnBrk="0" fontAlgn="base" hangingPunct="0">
-              <a:spcBef>
-                <a:spcPct val="0"/>
-              </a:spcBef>
-              <a:spcAft>
-                <a:spcPct val="0"/>
-              </a:spcAft>
-              <a:defRPr>
-                <a:solidFill>
-                  <a:schemeClr val="tx1"/>
-                </a:solidFill>
-                <a:latin typeface="Arial" charset="0"/>
-              </a:defRPr>
-            </a:lvl8pPr>
-            <a:lvl9pPr marL="3886200" indent="-228600" eaLnBrk="0" fontAlgn="base" hangingPunct="0">
-              <a:spcBef>
-                <a:spcPct val="0"/>
-              </a:spcBef>
-              <a:spcAft>
-                <a:spcPct val="0"/>
-              </a:spcAft>
-              <a:defRPr>
-                <a:solidFill>
-                  <a:schemeClr val="tx1"/>
-                </a:solidFill>
-                <a:latin typeface="Arial" charset="0"/>
-              </a:defRPr>
-            </a:lvl9pPr>
-          </a:lstStyle>
-          <a:p>
-            <a:pPr eaLnBrk="1" hangingPunct="1"/>
-            <a:r>
-              <a:rPr lang="en-US" sz="1400">
-                <a:solidFill>
-                  <a:schemeClr val="bg1"/>
-                </a:solidFill>
-                <a:latin typeface="Courier New" pitchFamily="49" charset="0"/>
-                <a:cs typeface="Courier New" pitchFamily="49" charset="0"/>
-              </a:rPr>
-              <a:t>switch( &lt;</a:t>
-            </a:r>
-            <a:r>
-              <a:rPr lang="ru-RU" sz="1400">
-                <a:solidFill>
-                  <a:schemeClr val="bg1"/>
-                </a:solidFill>
-                <a:latin typeface="Courier New" pitchFamily="49" charset="0"/>
-                <a:cs typeface="Courier New" pitchFamily="49" charset="0"/>
-              </a:rPr>
-              <a:t>переменная</a:t>
-            </a:r>
-            <a:r>
-              <a:rPr lang="en-US" sz="1400">
-                <a:solidFill>
-                  <a:schemeClr val="bg1"/>
-                </a:solidFill>
-                <a:latin typeface="Courier New" pitchFamily="49" charset="0"/>
-                <a:cs typeface="Courier New" pitchFamily="49" charset="0"/>
-              </a:rPr>
-              <a:t>&gt;</a:t>
-            </a:r>
-            <a:r>
-              <a:rPr lang="ru-RU" sz="1400">
-                <a:solidFill>
-                  <a:schemeClr val="bg1"/>
-                </a:solidFill>
-                <a:latin typeface="Courier New" pitchFamily="49" charset="0"/>
-                <a:cs typeface="Courier New" pitchFamily="49" charset="0"/>
-              </a:rPr>
-              <a:t> )</a:t>
-            </a:r>
-          </a:p>
-          <a:p>
-            <a:pPr eaLnBrk="1" hangingPunct="1"/>
-            <a:r>
-              <a:rPr lang="en-US" sz="1400">
-                <a:solidFill>
-                  <a:schemeClr val="bg1"/>
-                </a:solidFill>
-                <a:latin typeface="Courier New" pitchFamily="49" charset="0"/>
-                <a:cs typeface="Courier New" pitchFamily="49" charset="0"/>
-              </a:rPr>
-              <a:t>{</a:t>
-            </a:r>
-          </a:p>
-          <a:p>
-            <a:pPr eaLnBrk="1" hangingPunct="1"/>
-            <a:r>
-              <a:rPr lang="en-US" sz="1400">
-                <a:solidFill>
-                  <a:schemeClr val="bg1"/>
-                </a:solidFill>
-                <a:latin typeface="Courier New" pitchFamily="49" charset="0"/>
-                <a:cs typeface="Courier New" pitchFamily="49" charset="0"/>
-              </a:rPr>
-              <a:t>case &lt;</a:t>
-            </a:r>
-            <a:r>
-              <a:rPr lang="ru-RU" sz="1400">
-                <a:solidFill>
-                  <a:schemeClr val="bg1"/>
-                </a:solidFill>
-                <a:latin typeface="Courier New" pitchFamily="49" charset="0"/>
-                <a:cs typeface="Courier New" pitchFamily="49" charset="0"/>
-              </a:rPr>
-              <a:t>значение1</a:t>
-            </a:r>
-            <a:r>
-              <a:rPr lang="en-US" sz="1400">
-                <a:solidFill>
-                  <a:schemeClr val="bg1"/>
-                </a:solidFill>
-                <a:latin typeface="Courier New" pitchFamily="49" charset="0"/>
-                <a:cs typeface="Courier New" pitchFamily="49" charset="0"/>
-              </a:rPr>
-              <a:t>&gt;:		</a:t>
-            </a:r>
-            <a:endParaRPr lang="ru-RU" sz="1400">
-              <a:solidFill>
-                <a:schemeClr val="bg1"/>
-              </a:solidFill>
-              <a:latin typeface="Courier New" pitchFamily="49" charset="0"/>
-              <a:cs typeface="Courier New" pitchFamily="49" charset="0"/>
-            </a:endParaRPr>
-          </a:p>
-          <a:p>
-            <a:pPr eaLnBrk="1" hangingPunct="1"/>
-            <a:r>
-              <a:rPr lang="ru-RU" sz="1400">
-                <a:solidFill>
-                  <a:schemeClr val="bg1"/>
-                </a:solidFill>
-                <a:latin typeface="Courier New" pitchFamily="49" charset="0"/>
-                <a:cs typeface="Courier New" pitchFamily="49" charset="0"/>
-              </a:rPr>
-              <a:t>     </a:t>
-            </a:r>
-            <a:r>
-              <a:rPr lang="en-US" sz="1400">
-                <a:solidFill>
-                  <a:schemeClr val="bg1"/>
-                </a:solidFill>
-                <a:latin typeface="Courier New" pitchFamily="49" charset="0"/>
-                <a:cs typeface="Courier New" pitchFamily="49" charset="0"/>
-              </a:rPr>
-              <a:t>&lt;</a:t>
-            </a:r>
-            <a:r>
-              <a:rPr lang="ru-RU" sz="1400">
-                <a:solidFill>
-                  <a:schemeClr val="bg1"/>
-                </a:solidFill>
-                <a:latin typeface="Courier New" pitchFamily="49" charset="0"/>
-                <a:cs typeface="Courier New" pitchFamily="49" charset="0"/>
-              </a:rPr>
-              <a:t>операторы</a:t>
-            </a:r>
-            <a:r>
-              <a:rPr lang="en-US" sz="1400">
-                <a:solidFill>
-                  <a:schemeClr val="bg1"/>
-                </a:solidFill>
-                <a:latin typeface="Courier New" pitchFamily="49" charset="0"/>
-                <a:cs typeface="Courier New" pitchFamily="49" charset="0"/>
-              </a:rPr>
-              <a:t>&gt;</a:t>
-            </a:r>
-            <a:endParaRPr lang="ru-RU" sz="1400">
-              <a:solidFill>
-                <a:schemeClr val="bg1"/>
-              </a:solidFill>
-              <a:latin typeface="Courier New" pitchFamily="49" charset="0"/>
-              <a:cs typeface="Courier New" pitchFamily="49" charset="0"/>
-            </a:endParaRPr>
-          </a:p>
-          <a:p>
-            <a:pPr eaLnBrk="1" hangingPunct="1"/>
-            <a:r>
-              <a:rPr lang="en-US" sz="1400">
-                <a:solidFill>
-                  <a:schemeClr val="bg1"/>
-                </a:solidFill>
-                <a:latin typeface="Courier New" pitchFamily="49" charset="0"/>
-                <a:cs typeface="Courier New" pitchFamily="49" charset="0"/>
-              </a:rPr>
-              <a:t>     break;</a:t>
-            </a:r>
-          </a:p>
-          <a:p>
-            <a:pPr eaLnBrk="1" hangingPunct="1"/>
-            <a:r>
-              <a:rPr lang="en-US" sz="1400">
-                <a:solidFill>
-                  <a:schemeClr val="bg1"/>
-                </a:solidFill>
-                <a:latin typeface="Courier New" pitchFamily="49" charset="0"/>
-                <a:cs typeface="Courier New" pitchFamily="49" charset="0"/>
-              </a:rPr>
-              <a:t>case &lt;</a:t>
-            </a:r>
-            <a:r>
-              <a:rPr lang="ru-RU" sz="1400">
-                <a:solidFill>
-                  <a:schemeClr val="bg1"/>
-                </a:solidFill>
-                <a:latin typeface="Courier New" pitchFamily="49" charset="0"/>
-                <a:cs typeface="Courier New" pitchFamily="49" charset="0"/>
-              </a:rPr>
-              <a:t>значение</a:t>
-            </a:r>
-            <a:r>
-              <a:rPr lang="en-US" sz="1400">
-                <a:solidFill>
-                  <a:schemeClr val="bg1"/>
-                </a:solidFill>
-                <a:latin typeface="Courier New" pitchFamily="49" charset="0"/>
-                <a:cs typeface="Courier New" pitchFamily="49" charset="0"/>
-              </a:rPr>
-              <a:t>2&gt;:</a:t>
-            </a:r>
-            <a:endParaRPr lang="ru-RU" sz="1400">
-              <a:solidFill>
-                <a:schemeClr val="bg1"/>
-              </a:solidFill>
-              <a:latin typeface="Courier New" pitchFamily="49" charset="0"/>
-              <a:cs typeface="Courier New" pitchFamily="49" charset="0"/>
-            </a:endParaRPr>
-          </a:p>
-          <a:p>
-            <a:pPr eaLnBrk="1" hangingPunct="1"/>
-            <a:r>
-              <a:rPr lang="ru-RU" sz="1400">
-                <a:solidFill>
-                  <a:schemeClr val="bg1"/>
-                </a:solidFill>
-                <a:latin typeface="Courier New" pitchFamily="49" charset="0"/>
-                <a:cs typeface="Courier New" pitchFamily="49" charset="0"/>
-              </a:rPr>
-              <a:t>     </a:t>
-            </a:r>
-            <a:r>
-              <a:rPr lang="en-US" sz="1400">
-                <a:solidFill>
-                  <a:schemeClr val="bg1"/>
-                </a:solidFill>
-                <a:latin typeface="Courier New" pitchFamily="49" charset="0"/>
-                <a:cs typeface="Courier New" pitchFamily="49" charset="0"/>
-              </a:rPr>
-              <a:t>&lt;</a:t>
-            </a:r>
-            <a:r>
-              <a:rPr lang="ru-RU" sz="1400">
-                <a:solidFill>
-                  <a:schemeClr val="bg1"/>
-                </a:solidFill>
-                <a:latin typeface="Courier New" pitchFamily="49" charset="0"/>
-                <a:cs typeface="Courier New" pitchFamily="49" charset="0"/>
-              </a:rPr>
-              <a:t>операторы</a:t>
-            </a:r>
-            <a:r>
-              <a:rPr lang="en-US" sz="1400">
-                <a:solidFill>
-                  <a:schemeClr val="bg1"/>
-                </a:solidFill>
-                <a:latin typeface="Courier New" pitchFamily="49" charset="0"/>
-                <a:cs typeface="Courier New" pitchFamily="49" charset="0"/>
-              </a:rPr>
-              <a:t>&gt;</a:t>
-            </a:r>
-            <a:endParaRPr lang="ru-RU" sz="1400">
-              <a:solidFill>
-                <a:schemeClr val="bg1"/>
-              </a:solidFill>
-              <a:latin typeface="Courier New" pitchFamily="49" charset="0"/>
-              <a:cs typeface="Courier New" pitchFamily="49" charset="0"/>
-            </a:endParaRPr>
-          </a:p>
-          <a:p>
-            <a:pPr eaLnBrk="1" hangingPunct="1"/>
-            <a:r>
-              <a:rPr lang="en-US" sz="1400">
-                <a:solidFill>
-                  <a:schemeClr val="bg1"/>
-                </a:solidFill>
-                <a:latin typeface="Courier New" pitchFamily="49" charset="0"/>
-                <a:cs typeface="Courier New" pitchFamily="49" charset="0"/>
-              </a:rPr>
-              <a:t>     break;</a:t>
-            </a:r>
-          </a:p>
-          <a:p>
-            <a:pPr eaLnBrk="1" hangingPunct="1"/>
-            <a:r>
-              <a:rPr lang="en-US" sz="1400">
-                <a:solidFill>
-                  <a:schemeClr val="bg1"/>
-                </a:solidFill>
-                <a:latin typeface="Courier New" pitchFamily="49" charset="0"/>
-                <a:cs typeface="Courier New" pitchFamily="49" charset="0"/>
-              </a:rPr>
-              <a:t>...</a:t>
-            </a:r>
-          </a:p>
-          <a:p>
-            <a:pPr eaLnBrk="1" hangingPunct="1"/>
-            <a:r>
-              <a:rPr lang="en-US" sz="1400">
-                <a:solidFill>
-                  <a:schemeClr val="bg1"/>
-                </a:solidFill>
-                <a:latin typeface="Courier New" pitchFamily="49" charset="0"/>
-                <a:cs typeface="Courier New" pitchFamily="49" charset="0"/>
-              </a:rPr>
-              <a:t>default:</a:t>
-            </a:r>
-            <a:endParaRPr lang="ru-RU" sz="1400">
-              <a:solidFill>
-                <a:schemeClr val="bg1"/>
-              </a:solidFill>
-              <a:latin typeface="Courier New" pitchFamily="49" charset="0"/>
-              <a:cs typeface="Courier New" pitchFamily="49" charset="0"/>
-            </a:endParaRPr>
-          </a:p>
-          <a:p>
-            <a:pPr eaLnBrk="1" hangingPunct="1"/>
-            <a:r>
-              <a:rPr lang="ru-RU" sz="1400">
-                <a:solidFill>
-                  <a:schemeClr val="bg1"/>
-                </a:solidFill>
-                <a:latin typeface="Courier New" pitchFamily="49" charset="0"/>
-                <a:cs typeface="Courier New" pitchFamily="49" charset="0"/>
-              </a:rPr>
-              <a:t>     </a:t>
-            </a:r>
-            <a:r>
-              <a:rPr lang="en-US" sz="1400">
-                <a:solidFill>
-                  <a:schemeClr val="bg1"/>
-                </a:solidFill>
-                <a:latin typeface="Courier New" pitchFamily="49" charset="0"/>
-                <a:cs typeface="Courier New" pitchFamily="49" charset="0"/>
-              </a:rPr>
-              <a:t>&lt;</a:t>
-            </a:r>
-            <a:r>
-              <a:rPr lang="ru-RU" sz="1400">
-                <a:solidFill>
-                  <a:schemeClr val="bg1"/>
-                </a:solidFill>
-                <a:latin typeface="Courier New" pitchFamily="49" charset="0"/>
-                <a:cs typeface="Courier New" pitchFamily="49" charset="0"/>
-              </a:rPr>
-              <a:t>операторы</a:t>
-            </a:r>
-            <a:r>
-              <a:rPr lang="en-US" sz="1400">
-                <a:solidFill>
-                  <a:schemeClr val="bg1"/>
-                </a:solidFill>
-                <a:latin typeface="Courier New" pitchFamily="49" charset="0"/>
-                <a:cs typeface="Courier New" pitchFamily="49" charset="0"/>
-              </a:rPr>
-              <a:t>&gt;</a:t>
-            </a:r>
-            <a:endParaRPr lang="ru-RU" sz="1400">
-              <a:solidFill>
-                <a:schemeClr val="bg1"/>
-              </a:solidFill>
-              <a:latin typeface="Courier New" pitchFamily="49" charset="0"/>
-              <a:cs typeface="Courier New" pitchFamily="49" charset="0"/>
-            </a:endParaRPr>
-          </a:p>
-          <a:p>
-            <a:pPr eaLnBrk="1" hangingPunct="1"/>
-            <a:r>
-              <a:rPr lang="en-US" sz="1400">
-                <a:solidFill>
-                  <a:schemeClr val="bg1"/>
-                </a:solidFill>
-                <a:latin typeface="Courier New" pitchFamily="49" charset="0"/>
-                <a:cs typeface="Courier New" pitchFamily="49" charset="0"/>
-              </a:rPr>
-              <a:t>     break;</a:t>
-            </a:r>
-          </a:p>
-          <a:p>
-            <a:pPr eaLnBrk="1" hangingPunct="1"/>
-            <a:r>
-              <a:rPr lang="en-US" sz="1400">
-                <a:solidFill>
-                  <a:schemeClr val="bg1"/>
-                </a:solidFill>
-                <a:latin typeface="Courier New" pitchFamily="49" charset="0"/>
-                <a:cs typeface="Courier New" pitchFamily="49" charset="0"/>
-              </a:rPr>
-              <a:t>}</a:t>
-            </a:r>
-            <a:endParaRPr lang="ru-RU" sz="1400">
-              <a:solidFill>
-                <a:schemeClr val="bg1"/>
-              </a:solidFill>
-              <a:latin typeface="Courier New" pitchFamily="49" charset="0"/>
-              <a:cs typeface="Courier New" pitchFamily="49" charset="0"/>
-            </a:endParaRPr>
-          </a:p>
-        </p:txBody>
-      </p:sp>
-    </p:spTree>
-    <p:extLst>
-      <p:ext uri="{BB962C8B-B14F-4D97-AF65-F5344CB8AC3E}">
-        <p14:creationId xmlns:p14="http://schemas.microsoft.com/office/powerpoint/2010/main" val="1588249421"/>
       </p:ext>
     </p:extLst>
   </p:cSld>
@@ -15844,6 +14985,1113 @@
       </p:grpSpPr>
       <p:sp>
         <p:nvSpPr>
+          <p:cNvPr id="12290" name="Прямоугольник 10"/>
+          <p:cNvSpPr>
+            <a:spLocks noChangeArrowheads="1"/>
+          </p:cNvSpPr>
+          <p:nvPr/>
+        </p:nvSpPr>
+        <p:spPr bwMode="auto">
+          <a:xfrm>
+            <a:off x="609600" y="71438"/>
+            <a:ext cx="7924800" cy="461962"/>
+          </a:xfrm>
+          <a:prstGeom prst="rect">
+            <a:avLst/>
+          </a:prstGeom>
+          <a:noFill/>
+          <a:ln>
+            <a:noFill/>
+          </a:ln>
+          <a:extLst>
+            <a:ext uri="{909E8E84-426E-40DD-AFC4-6F175D3DCCD1}">
+              <a14:hiddenFill xmlns:a14="http://schemas.microsoft.com/office/drawing/2010/main">
+                <a:solidFill>
+                  <a:srgbClr val="FFFFFF"/>
+                </a:solidFill>
+              </a14:hiddenFill>
+            </a:ext>
+            <a:ext uri="{91240B29-F687-4F45-9708-019B960494DF}">
+              <a14:hiddenLine xmlns:a14="http://schemas.microsoft.com/office/drawing/2010/main" w="9525">
+                <a:solidFill>
+                  <a:srgbClr val="000000"/>
+                </a:solidFill>
+                <a:miter lim="800000"/>
+                <a:headEnd/>
+                <a:tailEnd/>
+              </a14:hiddenLine>
+            </a:ext>
+          </a:extLst>
+        </p:spPr>
+        <p:txBody>
+          <a:bodyPr>
+            <a:spAutoFit/>
+          </a:bodyPr>
+          <a:lstStyle/>
+          <a:p>
+            <a:pPr algn="ctr" eaLnBrk="0" hangingPunct="0">
+              <a:tabLst>
+                <a:tab pos="457200" algn="l"/>
+              </a:tabLst>
+            </a:pPr>
+            <a:r>
+              <a:rPr lang="en-US" sz="2400" dirty="0" err="1">
+                <a:solidFill>
+                  <a:schemeClr val="bg1"/>
+                </a:solidFill>
+                <a:cs typeface="Times New Roman" pitchFamily="18" charset="0"/>
+              </a:rPr>
+              <a:t>Switch..case..default</a:t>
+            </a:r>
+            <a:endParaRPr lang="en-US" sz="2400" dirty="0">
+              <a:solidFill>
+                <a:schemeClr val="bg1"/>
+              </a:solidFill>
+              <a:cs typeface="Times New Roman" pitchFamily="18" charset="0"/>
+            </a:endParaRPr>
+          </a:p>
+        </p:txBody>
+      </p:sp>
+      <p:sp>
+        <p:nvSpPr>
+          <p:cNvPr id="11273" name="Rectangle 9"/>
+          <p:cNvSpPr>
+            <a:spLocks noChangeArrowheads="1"/>
+          </p:cNvSpPr>
+          <p:nvPr/>
+        </p:nvSpPr>
+        <p:spPr bwMode="auto">
+          <a:xfrm>
+            <a:off x="1143000" y="3505200"/>
+            <a:ext cx="7010400" cy="3170238"/>
+          </a:xfrm>
+          <a:prstGeom prst="rect">
+            <a:avLst/>
+          </a:prstGeom>
+          <a:noFill/>
+          <a:ln w="9525">
+            <a:solidFill>
+              <a:schemeClr val="bg1">
+                <a:lumMod val="65000"/>
+              </a:schemeClr>
+            </a:solidFill>
+            <a:miter lim="800000"/>
+            <a:headEnd/>
+            <a:tailEnd/>
+          </a:ln>
+          <a:effectLst/>
+        </p:spPr>
+        <p:txBody>
+          <a:bodyPr anchor="ctr">
+            <a:spAutoFit/>
+          </a:bodyPr>
+          <a:lstStyle/>
+          <a:p>
+            <a:pPr eaLnBrk="0" hangingPunct="0">
+              <a:defRPr/>
+            </a:pPr>
+            <a:r>
+              <a:rPr lang="be-BY" sz="1000" dirty="0">
+                <a:solidFill>
+                  <a:schemeClr val="bg1"/>
+                </a:solidFill>
+                <a:latin typeface="Courier New" pitchFamily="49" charset="0"/>
+                <a:ea typeface="Calibri" pitchFamily="34" charset="0"/>
+                <a:cs typeface="Courier New" pitchFamily="49" charset="0"/>
+              </a:rPr>
+              <a:t>        static void Main(string[] args)</a:t>
+            </a:r>
+            <a:endParaRPr lang="be-BY" sz="900" dirty="0">
+              <a:solidFill>
+                <a:schemeClr val="bg1"/>
+              </a:solidFill>
+              <a:latin typeface="Arial" pitchFamily="34" charset="0"/>
+            </a:endParaRPr>
+          </a:p>
+          <a:p>
+            <a:pPr eaLnBrk="0" hangingPunct="0">
+              <a:defRPr/>
+            </a:pPr>
+            <a:r>
+              <a:rPr lang="be-BY" sz="1000" dirty="0">
+                <a:solidFill>
+                  <a:schemeClr val="bg1"/>
+                </a:solidFill>
+                <a:latin typeface="Courier New" pitchFamily="49" charset="0"/>
+                <a:ea typeface="Calibri" pitchFamily="34" charset="0"/>
+                <a:cs typeface="Courier New" pitchFamily="49" charset="0"/>
+              </a:rPr>
+              <a:t>        {</a:t>
+            </a:r>
+            <a:endParaRPr lang="be-BY" sz="900" dirty="0">
+              <a:solidFill>
+                <a:schemeClr val="bg1"/>
+              </a:solidFill>
+              <a:latin typeface="Arial" pitchFamily="34" charset="0"/>
+            </a:endParaRPr>
+          </a:p>
+          <a:p>
+            <a:pPr eaLnBrk="0" hangingPunct="0">
+              <a:defRPr/>
+            </a:pPr>
+            <a:r>
+              <a:rPr lang="be-BY" sz="1000" dirty="0">
+                <a:solidFill>
+                  <a:schemeClr val="bg1"/>
+                </a:solidFill>
+                <a:latin typeface="Courier New" pitchFamily="49" charset="0"/>
+                <a:ea typeface="Calibri" pitchFamily="34" charset="0"/>
+                <a:cs typeface="Courier New" pitchFamily="49" charset="0"/>
+              </a:rPr>
+              <a:t>            Console.Write("Your unswer(yes\\no\\maybe): ");</a:t>
+            </a:r>
+            <a:endParaRPr lang="be-BY" sz="900" dirty="0">
+              <a:solidFill>
+                <a:schemeClr val="bg1"/>
+              </a:solidFill>
+              <a:latin typeface="Arial" pitchFamily="34" charset="0"/>
+            </a:endParaRPr>
+          </a:p>
+          <a:p>
+            <a:pPr eaLnBrk="0" hangingPunct="0">
+              <a:defRPr/>
+            </a:pPr>
+            <a:r>
+              <a:rPr lang="be-BY" sz="1000" dirty="0">
+                <a:solidFill>
+                  <a:schemeClr val="bg1"/>
+                </a:solidFill>
+                <a:latin typeface="Courier New" pitchFamily="49" charset="0"/>
+                <a:ea typeface="Calibri" pitchFamily="34" charset="0"/>
+                <a:cs typeface="Courier New" pitchFamily="49" charset="0"/>
+              </a:rPr>
+              <a:t>            string str = Console.ReadLine();</a:t>
+            </a:r>
+            <a:endParaRPr lang="be-BY" sz="900" dirty="0">
+              <a:solidFill>
+                <a:schemeClr val="bg1"/>
+              </a:solidFill>
+              <a:latin typeface="Arial" pitchFamily="34" charset="0"/>
+            </a:endParaRPr>
+          </a:p>
+          <a:p>
+            <a:pPr eaLnBrk="0" hangingPunct="0">
+              <a:defRPr/>
+            </a:pPr>
+            <a:r>
+              <a:rPr lang="be-BY" sz="1000" dirty="0">
+                <a:solidFill>
+                  <a:schemeClr val="bg1"/>
+                </a:solidFill>
+                <a:latin typeface="Courier New" pitchFamily="49" charset="0"/>
+                <a:ea typeface="Calibri" pitchFamily="34" charset="0"/>
+                <a:cs typeface="Courier New" pitchFamily="49" charset="0"/>
+              </a:rPr>
+              <a:t>            switch (str)</a:t>
+            </a:r>
+            <a:endParaRPr lang="be-BY" sz="900" dirty="0">
+              <a:solidFill>
+                <a:schemeClr val="bg1"/>
+              </a:solidFill>
+              <a:latin typeface="Arial" pitchFamily="34" charset="0"/>
+            </a:endParaRPr>
+          </a:p>
+          <a:p>
+            <a:pPr eaLnBrk="0" hangingPunct="0">
+              <a:defRPr/>
+            </a:pPr>
+            <a:r>
+              <a:rPr lang="be-BY" sz="1000" dirty="0">
+                <a:solidFill>
+                  <a:schemeClr val="bg1"/>
+                </a:solidFill>
+                <a:latin typeface="Courier New" pitchFamily="49" charset="0"/>
+                <a:ea typeface="Calibri" pitchFamily="34" charset="0"/>
+                <a:cs typeface="Courier New" pitchFamily="49" charset="0"/>
+              </a:rPr>
+              <a:t>            {</a:t>
+            </a:r>
+            <a:endParaRPr lang="be-BY" sz="900" dirty="0">
+              <a:solidFill>
+                <a:schemeClr val="bg1"/>
+              </a:solidFill>
+              <a:latin typeface="Arial" pitchFamily="34" charset="0"/>
+            </a:endParaRPr>
+          </a:p>
+          <a:p>
+            <a:pPr eaLnBrk="0" hangingPunct="0">
+              <a:defRPr/>
+            </a:pPr>
+            <a:r>
+              <a:rPr lang="be-BY" sz="1000" dirty="0">
+                <a:solidFill>
+                  <a:schemeClr val="bg1"/>
+                </a:solidFill>
+                <a:latin typeface="Courier New" pitchFamily="49" charset="0"/>
+                <a:ea typeface="Calibri" pitchFamily="34" charset="0"/>
+                <a:cs typeface="Courier New" pitchFamily="49" charset="0"/>
+              </a:rPr>
+              <a:t>                case "yes" :</a:t>
+            </a:r>
+            <a:endParaRPr lang="be-BY" sz="900" dirty="0">
+              <a:solidFill>
+                <a:schemeClr val="bg1"/>
+              </a:solidFill>
+              <a:latin typeface="Arial" pitchFamily="34" charset="0"/>
+            </a:endParaRPr>
+          </a:p>
+          <a:p>
+            <a:pPr eaLnBrk="0" hangingPunct="0">
+              <a:defRPr/>
+            </a:pPr>
+            <a:r>
+              <a:rPr lang="be-BY" sz="1000" dirty="0">
+                <a:solidFill>
+                  <a:schemeClr val="bg1"/>
+                </a:solidFill>
+                <a:latin typeface="Courier New" pitchFamily="49" charset="0"/>
+                <a:ea typeface="Calibri" pitchFamily="34" charset="0"/>
+                <a:cs typeface="Courier New" pitchFamily="49" charset="0"/>
+              </a:rPr>
+              <a:t>                    Console.WriteLine("Agreed!");</a:t>
+            </a:r>
+            <a:endParaRPr lang="be-BY" sz="900" dirty="0">
+              <a:solidFill>
+                <a:schemeClr val="bg1"/>
+              </a:solidFill>
+              <a:latin typeface="Arial" pitchFamily="34" charset="0"/>
+            </a:endParaRPr>
+          </a:p>
+          <a:p>
+            <a:pPr eaLnBrk="0" hangingPunct="0">
+              <a:defRPr/>
+            </a:pPr>
+            <a:r>
+              <a:rPr lang="be-BY" sz="1000" dirty="0">
+                <a:solidFill>
+                  <a:schemeClr val="bg1"/>
+                </a:solidFill>
+                <a:latin typeface="Courier New" pitchFamily="49" charset="0"/>
+                <a:ea typeface="Calibri" pitchFamily="34" charset="0"/>
+                <a:cs typeface="Courier New" pitchFamily="49" charset="0"/>
+              </a:rPr>
+              <a:t>                    break;</a:t>
+            </a:r>
+            <a:endParaRPr lang="be-BY" sz="900" dirty="0">
+              <a:solidFill>
+                <a:schemeClr val="bg1"/>
+              </a:solidFill>
+              <a:latin typeface="Arial" pitchFamily="34" charset="0"/>
+            </a:endParaRPr>
+          </a:p>
+          <a:p>
+            <a:pPr eaLnBrk="0" hangingPunct="0">
+              <a:defRPr/>
+            </a:pPr>
+            <a:r>
+              <a:rPr lang="be-BY" sz="1000" dirty="0">
+                <a:solidFill>
+                  <a:schemeClr val="bg1"/>
+                </a:solidFill>
+                <a:latin typeface="Courier New" pitchFamily="49" charset="0"/>
+                <a:ea typeface="Calibri" pitchFamily="34" charset="0"/>
+                <a:cs typeface="Courier New" pitchFamily="49" charset="0"/>
+              </a:rPr>
+              <a:t>                case "no" :</a:t>
+            </a:r>
+            <a:endParaRPr lang="be-BY" sz="900" dirty="0">
+              <a:solidFill>
+                <a:schemeClr val="bg1"/>
+              </a:solidFill>
+              <a:latin typeface="Arial" pitchFamily="34" charset="0"/>
+            </a:endParaRPr>
+          </a:p>
+          <a:p>
+            <a:pPr eaLnBrk="0" hangingPunct="0">
+              <a:defRPr/>
+            </a:pPr>
+            <a:r>
+              <a:rPr lang="be-BY" sz="1000" dirty="0">
+                <a:solidFill>
+                  <a:schemeClr val="bg1"/>
+                </a:solidFill>
+                <a:latin typeface="Courier New" pitchFamily="49" charset="0"/>
+                <a:ea typeface="Calibri" pitchFamily="34" charset="0"/>
+                <a:cs typeface="Courier New" pitchFamily="49" charset="0"/>
+              </a:rPr>
+              <a:t>                    Console.WriteLine("Canseled!");</a:t>
+            </a:r>
+            <a:endParaRPr lang="be-BY" sz="900" dirty="0">
+              <a:solidFill>
+                <a:schemeClr val="bg1"/>
+              </a:solidFill>
+              <a:latin typeface="Arial" pitchFamily="34" charset="0"/>
+            </a:endParaRPr>
+          </a:p>
+          <a:p>
+            <a:pPr eaLnBrk="0" hangingPunct="0">
+              <a:defRPr/>
+            </a:pPr>
+            <a:r>
+              <a:rPr lang="be-BY" sz="1000" dirty="0">
+                <a:solidFill>
+                  <a:schemeClr val="bg1"/>
+                </a:solidFill>
+                <a:latin typeface="Courier New" pitchFamily="49" charset="0"/>
+                <a:ea typeface="Calibri" pitchFamily="34" charset="0"/>
+                <a:cs typeface="Courier New" pitchFamily="49" charset="0"/>
+              </a:rPr>
+              <a:t>                    break;</a:t>
+            </a:r>
+            <a:endParaRPr lang="be-BY" sz="900" dirty="0">
+              <a:solidFill>
+                <a:schemeClr val="bg1"/>
+              </a:solidFill>
+              <a:latin typeface="Arial" pitchFamily="34" charset="0"/>
+            </a:endParaRPr>
+          </a:p>
+          <a:p>
+            <a:pPr eaLnBrk="0" hangingPunct="0">
+              <a:defRPr/>
+            </a:pPr>
+            <a:r>
+              <a:rPr lang="be-BY" sz="1000" dirty="0">
+                <a:solidFill>
+                  <a:schemeClr val="bg1"/>
+                </a:solidFill>
+                <a:latin typeface="Courier New" pitchFamily="49" charset="0"/>
+                <a:ea typeface="Calibri" pitchFamily="34" charset="0"/>
+                <a:cs typeface="Courier New" pitchFamily="49" charset="0"/>
+              </a:rPr>
+              <a:t>                case "maybe" :</a:t>
+            </a:r>
+            <a:endParaRPr lang="be-BY" sz="900" dirty="0">
+              <a:solidFill>
+                <a:schemeClr val="bg1"/>
+              </a:solidFill>
+              <a:latin typeface="Arial" pitchFamily="34" charset="0"/>
+            </a:endParaRPr>
+          </a:p>
+          <a:p>
+            <a:pPr eaLnBrk="0" hangingPunct="0">
+              <a:defRPr/>
+            </a:pPr>
+            <a:r>
+              <a:rPr lang="be-BY" sz="1000" dirty="0">
+                <a:solidFill>
+                  <a:schemeClr val="bg1"/>
+                </a:solidFill>
+                <a:latin typeface="Courier New" pitchFamily="49" charset="0"/>
+                <a:ea typeface="Calibri" pitchFamily="34" charset="0"/>
+                <a:cs typeface="Courier New" pitchFamily="49" charset="0"/>
+              </a:rPr>
+              <a:t>                    Console.WriteLine("Wrong unswer! Tru again!");</a:t>
+            </a:r>
+            <a:endParaRPr lang="be-BY" sz="900" dirty="0">
+              <a:solidFill>
+                <a:schemeClr val="bg1"/>
+              </a:solidFill>
+              <a:latin typeface="Arial" pitchFamily="34" charset="0"/>
+            </a:endParaRPr>
+          </a:p>
+          <a:p>
+            <a:pPr eaLnBrk="0" hangingPunct="0">
+              <a:defRPr/>
+            </a:pPr>
+            <a:r>
+              <a:rPr lang="be-BY" sz="1000" dirty="0">
+                <a:solidFill>
+                  <a:schemeClr val="bg1"/>
+                </a:solidFill>
+                <a:latin typeface="Courier New" pitchFamily="49" charset="0"/>
+                <a:ea typeface="Calibri" pitchFamily="34" charset="0"/>
+                <a:cs typeface="Courier New" pitchFamily="49" charset="0"/>
+              </a:rPr>
+              <a:t>                    break;</a:t>
+            </a:r>
+            <a:endParaRPr lang="be-BY" sz="900" dirty="0">
+              <a:solidFill>
+                <a:schemeClr val="bg1"/>
+              </a:solidFill>
+              <a:latin typeface="Arial" pitchFamily="34" charset="0"/>
+            </a:endParaRPr>
+          </a:p>
+          <a:p>
+            <a:pPr eaLnBrk="0" hangingPunct="0">
+              <a:defRPr/>
+            </a:pPr>
+            <a:r>
+              <a:rPr lang="be-BY" sz="1000" dirty="0">
+                <a:solidFill>
+                  <a:schemeClr val="bg1"/>
+                </a:solidFill>
+                <a:latin typeface="Courier New" pitchFamily="49" charset="0"/>
+                <a:ea typeface="Calibri" pitchFamily="34" charset="0"/>
+                <a:cs typeface="Courier New" pitchFamily="49" charset="0"/>
+              </a:rPr>
+              <a:t>                default:</a:t>
+            </a:r>
+            <a:endParaRPr lang="be-BY" sz="900" dirty="0">
+              <a:solidFill>
+                <a:schemeClr val="bg1"/>
+              </a:solidFill>
+              <a:latin typeface="Arial" pitchFamily="34" charset="0"/>
+            </a:endParaRPr>
+          </a:p>
+          <a:p>
+            <a:pPr eaLnBrk="0" hangingPunct="0">
+              <a:defRPr/>
+            </a:pPr>
+            <a:r>
+              <a:rPr lang="be-BY" sz="1000" dirty="0">
+                <a:solidFill>
+                  <a:schemeClr val="bg1"/>
+                </a:solidFill>
+                <a:latin typeface="Courier New" pitchFamily="49" charset="0"/>
+                <a:ea typeface="Calibri" pitchFamily="34" charset="0"/>
+                <a:cs typeface="Courier New" pitchFamily="49" charset="0"/>
+              </a:rPr>
+              <a:t>                    Console.WriteLine("Fatal ERROR!");</a:t>
+            </a:r>
+            <a:endParaRPr lang="be-BY" sz="900" dirty="0">
+              <a:solidFill>
+                <a:schemeClr val="bg1"/>
+              </a:solidFill>
+              <a:latin typeface="Arial" pitchFamily="34" charset="0"/>
+            </a:endParaRPr>
+          </a:p>
+          <a:p>
+            <a:pPr eaLnBrk="0" hangingPunct="0">
+              <a:defRPr/>
+            </a:pPr>
+            <a:r>
+              <a:rPr lang="be-BY" sz="1000" dirty="0">
+                <a:solidFill>
+                  <a:schemeClr val="bg1"/>
+                </a:solidFill>
+                <a:latin typeface="Courier New" pitchFamily="49" charset="0"/>
+                <a:ea typeface="Calibri" pitchFamily="34" charset="0"/>
+                <a:cs typeface="Courier New" pitchFamily="49" charset="0"/>
+              </a:rPr>
+              <a:t>                    break;</a:t>
+            </a:r>
+            <a:endParaRPr lang="be-BY" sz="900" dirty="0">
+              <a:solidFill>
+                <a:schemeClr val="bg1"/>
+              </a:solidFill>
+              <a:latin typeface="Arial" pitchFamily="34" charset="0"/>
+            </a:endParaRPr>
+          </a:p>
+          <a:p>
+            <a:pPr eaLnBrk="0" hangingPunct="0">
+              <a:defRPr/>
+            </a:pPr>
+            <a:r>
+              <a:rPr lang="be-BY" sz="1000" dirty="0">
+                <a:solidFill>
+                  <a:schemeClr val="bg1"/>
+                </a:solidFill>
+                <a:latin typeface="Courier New" pitchFamily="49" charset="0"/>
+                <a:ea typeface="Calibri" pitchFamily="34" charset="0"/>
+                <a:cs typeface="Courier New" pitchFamily="49" charset="0"/>
+              </a:rPr>
+              <a:t>            }</a:t>
+            </a:r>
+          </a:p>
+          <a:p>
+            <a:pPr eaLnBrk="0" hangingPunct="0">
+              <a:defRPr/>
+            </a:pPr>
+            <a:r>
+              <a:rPr lang="be-BY" sz="1000" dirty="0">
+                <a:solidFill>
+                  <a:schemeClr val="bg1"/>
+                </a:solidFill>
+                <a:latin typeface="Courier New" pitchFamily="49" charset="0"/>
+                <a:ea typeface="Calibri" pitchFamily="34" charset="0"/>
+                <a:cs typeface="Courier New" pitchFamily="49" charset="0"/>
+              </a:rPr>
+              <a:t>        }</a:t>
+            </a:r>
+            <a:r>
+              <a:rPr lang="be-BY" sz="900" dirty="0">
+                <a:solidFill>
+                  <a:schemeClr val="bg1"/>
+                </a:solidFill>
+                <a:latin typeface="Arial" pitchFamily="34" charset="0"/>
+              </a:rPr>
+              <a:t> </a:t>
+            </a:r>
+            <a:endParaRPr lang="be-BY" dirty="0">
+              <a:solidFill>
+                <a:schemeClr val="bg1"/>
+              </a:solidFill>
+              <a:latin typeface="Calibri" pitchFamily="34" charset="0"/>
+            </a:endParaRPr>
+          </a:p>
+        </p:txBody>
+      </p:sp>
+      <p:sp>
+        <p:nvSpPr>
+          <p:cNvPr id="12292" name="Подзаголовок 2"/>
+          <p:cNvSpPr txBox="1">
+            <a:spLocks/>
+          </p:cNvSpPr>
+          <p:nvPr/>
+        </p:nvSpPr>
+        <p:spPr bwMode="auto">
+          <a:xfrm>
+            <a:off x="3090863" y="533400"/>
+            <a:ext cx="2928937" cy="2895600"/>
+          </a:xfrm>
+          <a:prstGeom prst="rect">
+            <a:avLst/>
+          </a:prstGeom>
+          <a:noFill/>
+          <a:ln w="9525">
+            <a:solidFill>
+              <a:srgbClr val="FF0000"/>
+            </a:solidFill>
+            <a:miter lim="800000"/>
+            <a:headEnd/>
+            <a:tailEnd/>
+          </a:ln>
+          <a:extLst>
+            <a:ext uri="{909E8E84-426E-40DD-AFC4-6F175D3DCCD1}">
+              <a14:hiddenFill xmlns:a14="http://schemas.microsoft.com/office/drawing/2010/main">
+                <a:solidFill>
+                  <a:srgbClr val="FFFFFF"/>
+                </a:solidFill>
+              </a14:hiddenFill>
+            </a:ext>
+          </a:extLst>
+        </p:spPr>
+        <p:txBody>
+          <a:bodyPr/>
+          <a:lstStyle>
+            <a:lvl1pPr eaLnBrk="0" hangingPunct="0">
+              <a:defRPr>
+                <a:solidFill>
+                  <a:schemeClr val="tx1"/>
+                </a:solidFill>
+                <a:latin typeface="Arial" charset="0"/>
+              </a:defRPr>
+            </a:lvl1pPr>
+            <a:lvl2pPr marL="742950" indent="-285750" eaLnBrk="0" hangingPunct="0">
+              <a:defRPr>
+                <a:solidFill>
+                  <a:schemeClr val="tx1"/>
+                </a:solidFill>
+                <a:latin typeface="Arial" charset="0"/>
+              </a:defRPr>
+            </a:lvl2pPr>
+            <a:lvl3pPr marL="1143000" indent="-228600" eaLnBrk="0" hangingPunct="0">
+              <a:defRPr>
+                <a:solidFill>
+                  <a:schemeClr val="tx1"/>
+                </a:solidFill>
+                <a:latin typeface="Arial" charset="0"/>
+              </a:defRPr>
+            </a:lvl3pPr>
+            <a:lvl4pPr marL="1600200" indent="-228600" eaLnBrk="0" hangingPunct="0">
+              <a:defRPr>
+                <a:solidFill>
+                  <a:schemeClr val="tx1"/>
+                </a:solidFill>
+                <a:latin typeface="Arial" charset="0"/>
+              </a:defRPr>
+            </a:lvl4pPr>
+            <a:lvl5pPr marL="2057400" indent="-228600" eaLnBrk="0" hangingPunct="0">
+              <a:defRPr>
+                <a:solidFill>
+                  <a:schemeClr val="tx1"/>
+                </a:solidFill>
+                <a:latin typeface="Arial" charset="0"/>
+              </a:defRPr>
+            </a:lvl5pPr>
+            <a:lvl6pPr marL="2514600" indent="-228600" eaLnBrk="0" fontAlgn="base" hangingPunct="0">
+              <a:spcBef>
+                <a:spcPct val="0"/>
+              </a:spcBef>
+              <a:spcAft>
+                <a:spcPct val="0"/>
+              </a:spcAft>
+              <a:defRPr>
+                <a:solidFill>
+                  <a:schemeClr val="tx1"/>
+                </a:solidFill>
+                <a:latin typeface="Arial" charset="0"/>
+              </a:defRPr>
+            </a:lvl6pPr>
+            <a:lvl7pPr marL="2971800" indent="-228600" eaLnBrk="0" fontAlgn="base" hangingPunct="0">
+              <a:spcBef>
+                <a:spcPct val="0"/>
+              </a:spcBef>
+              <a:spcAft>
+                <a:spcPct val="0"/>
+              </a:spcAft>
+              <a:defRPr>
+                <a:solidFill>
+                  <a:schemeClr val="tx1"/>
+                </a:solidFill>
+                <a:latin typeface="Arial" charset="0"/>
+              </a:defRPr>
+            </a:lvl7pPr>
+            <a:lvl8pPr marL="3429000" indent="-228600" eaLnBrk="0" fontAlgn="base" hangingPunct="0">
+              <a:spcBef>
+                <a:spcPct val="0"/>
+              </a:spcBef>
+              <a:spcAft>
+                <a:spcPct val="0"/>
+              </a:spcAft>
+              <a:defRPr>
+                <a:solidFill>
+                  <a:schemeClr val="tx1"/>
+                </a:solidFill>
+                <a:latin typeface="Arial" charset="0"/>
+              </a:defRPr>
+            </a:lvl8pPr>
+            <a:lvl9pPr marL="3886200" indent="-228600" eaLnBrk="0" fontAlgn="base" hangingPunct="0">
+              <a:spcBef>
+                <a:spcPct val="0"/>
+              </a:spcBef>
+              <a:spcAft>
+                <a:spcPct val="0"/>
+              </a:spcAft>
+              <a:defRPr>
+                <a:solidFill>
+                  <a:schemeClr val="tx1"/>
+                </a:solidFill>
+                <a:latin typeface="Arial" charset="0"/>
+              </a:defRPr>
+            </a:lvl9pPr>
+          </a:lstStyle>
+          <a:p>
+            <a:pPr eaLnBrk="1" hangingPunct="1"/>
+            <a:r>
+              <a:rPr lang="en-US" sz="1400">
+                <a:solidFill>
+                  <a:schemeClr val="bg1"/>
+                </a:solidFill>
+                <a:latin typeface="Courier New" pitchFamily="49" charset="0"/>
+                <a:cs typeface="Courier New" pitchFamily="49" charset="0"/>
+              </a:rPr>
+              <a:t>switch( &lt;</a:t>
+            </a:r>
+            <a:r>
+              <a:rPr lang="ru-RU" sz="1400">
+                <a:solidFill>
+                  <a:schemeClr val="bg1"/>
+                </a:solidFill>
+                <a:latin typeface="Courier New" pitchFamily="49" charset="0"/>
+                <a:cs typeface="Courier New" pitchFamily="49" charset="0"/>
+              </a:rPr>
+              <a:t>переменная</a:t>
+            </a:r>
+            <a:r>
+              <a:rPr lang="en-US" sz="1400">
+                <a:solidFill>
+                  <a:schemeClr val="bg1"/>
+                </a:solidFill>
+                <a:latin typeface="Courier New" pitchFamily="49" charset="0"/>
+                <a:cs typeface="Courier New" pitchFamily="49" charset="0"/>
+              </a:rPr>
+              <a:t>&gt;</a:t>
+            </a:r>
+            <a:r>
+              <a:rPr lang="ru-RU" sz="1400">
+                <a:solidFill>
+                  <a:schemeClr val="bg1"/>
+                </a:solidFill>
+                <a:latin typeface="Courier New" pitchFamily="49" charset="0"/>
+                <a:cs typeface="Courier New" pitchFamily="49" charset="0"/>
+              </a:rPr>
+              <a:t> )</a:t>
+            </a:r>
+          </a:p>
+          <a:p>
+            <a:pPr eaLnBrk="1" hangingPunct="1"/>
+            <a:r>
+              <a:rPr lang="en-US" sz="1400">
+                <a:solidFill>
+                  <a:schemeClr val="bg1"/>
+                </a:solidFill>
+                <a:latin typeface="Courier New" pitchFamily="49" charset="0"/>
+                <a:cs typeface="Courier New" pitchFamily="49" charset="0"/>
+              </a:rPr>
+              <a:t>{</a:t>
+            </a:r>
+          </a:p>
+          <a:p>
+            <a:pPr eaLnBrk="1" hangingPunct="1"/>
+            <a:r>
+              <a:rPr lang="en-US" sz="1400">
+                <a:solidFill>
+                  <a:schemeClr val="bg1"/>
+                </a:solidFill>
+                <a:latin typeface="Courier New" pitchFamily="49" charset="0"/>
+                <a:cs typeface="Courier New" pitchFamily="49" charset="0"/>
+              </a:rPr>
+              <a:t>case &lt;</a:t>
+            </a:r>
+            <a:r>
+              <a:rPr lang="ru-RU" sz="1400">
+                <a:solidFill>
+                  <a:schemeClr val="bg1"/>
+                </a:solidFill>
+                <a:latin typeface="Courier New" pitchFamily="49" charset="0"/>
+                <a:cs typeface="Courier New" pitchFamily="49" charset="0"/>
+              </a:rPr>
+              <a:t>значение1</a:t>
+            </a:r>
+            <a:r>
+              <a:rPr lang="en-US" sz="1400">
+                <a:solidFill>
+                  <a:schemeClr val="bg1"/>
+                </a:solidFill>
+                <a:latin typeface="Courier New" pitchFamily="49" charset="0"/>
+                <a:cs typeface="Courier New" pitchFamily="49" charset="0"/>
+              </a:rPr>
+              <a:t>&gt;:		</a:t>
+            </a:r>
+            <a:endParaRPr lang="ru-RU" sz="1400">
+              <a:solidFill>
+                <a:schemeClr val="bg1"/>
+              </a:solidFill>
+              <a:latin typeface="Courier New" pitchFamily="49" charset="0"/>
+              <a:cs typeface="Courier New" pitchFamily="49" charset="0"/>
+            </a:endParaRPr>
+          </a:p>
+          <a:p>
+            <a:pPr eaLnBrk="1" hangingPunct="1"/>
+            <a:r>
+              <a:rPr lang="ru-RU" sz="1400">
+                <a:solidFill>
+                  <a:schemeClr val="bg1"/>
+                </a:solidFill>
+                <a:latin typeface="Courier New" pitchFamily="49" charset="0"/>
+                <a:cs typeface="Courier New" pitchFamily="49" charset="0"/>
+              </a:rPr>
+              <a:t>     </a:t>
+            </a:r>
+            <a:r>
+              <a:rPr lang="en-US" sz="1400">
+                <a:solidFill>
+                  <a:schemeClr val="bg1"/>
+                </a:solidFill>
+                <a:latin typeface="Courier New" pitchFamily="49" charset="0"/>
+                <a:cs typeface="Courier New" pitchFamily="49" charset="0"/>
+              </a:rPr>
+              <a:t>&lt;</a:t>
+            </a:r>
+            <a:r>
+              <a:rPr lang="ru-RU" sz="1400">
+                <a:solidFill>
+                  <a:schemeClr val="bg1"/>
+                </a:solidFill>
+                <a:latin typeface="Courier New" pitchFamily="49" charset="0"/>
+                <a:cs typeface="Courier New" pitchFamily="49" charset="0"/>
+              </a:rPr>
+              <a:t>операторы</a:t>
+            </a:r>
+            <a:r>
+              <a:rPr lang="en-US" sz="1400">
+                <a:solidFill>
+                  <a:schemeClr val="bg1"/>
+                </a:solidFill>
+                <a:latin typeface="Courier New" pitchFamily="49" charset="0"/>
+                <a:cs typeface="Courier New" pitchFamily="49" charset="0"/>
+              </a:rPr>
+              <a:t>&gt;</a:t>
+            </a:r>
+            <a:endParaRPr lang="ru-RU" sz="1400">
+              <a:solidFill>
+                <a:schemeClr val="bg1"/>
+              </a:solidFill>
+              <a:latin typeface="Courier New" pitchFamily="49" charset="0"/>
+              <a:cs typeface="Courier New" pitchFamily="49" charset="0"/>
+            </a:endParaRPr>
+          </a:p>
+          <a:p>
+            <a:pPr eaLnBrk="1" hangingPunct="1"/>
+            <a:r>
+              <a:rPr lang="en-US" sz="1400">
+                <a:solidFill>
+                  <a:schemeClr val="bg1"/>
+                </a:solidFill>
+                <a:latin typeface="Courier New" pitchFamily="49" charset="0"/>
+                <a:cs typeface="Courier New" pitchFamily="49" charset="0"/>
+              </a:rPr>
+              <a:t>     break;</a:t>
+            </a:r>
+          </a:p>
+          <a:p>
+            <a:pPr eaLnBrk="1" hangingPunct="1"/>
+            <a:r>
+              <a:rPr lang="en-US" sz="1400">
+                <a:solidFill>
+                  <a:schemeClr val="bg1"/>
+                </a:solidFill>
+                <a:latin typeface="Courier New" pitchFamily="49" charset="0"/>
+                <a:cs typeface="Courier New" pitchFamily="49" charset="0"/>
+              </a:rPr>
+              <a:t>case &lt;</a:t>
+            </a:r>
+            <a:r>
+              <a:rPr lang="ru-RU" sz="1400">
+                <a:solidFill>
+                  <a:schemeClr val="bg1"/>
+                </a:solidFill>
+                <a:latin typeface="Courier New" pitchFamily="49" charset="0"/>
+                <a:cs typeface="Courier New" pitchFamily="49" charset="0"/>
+              </a:rPr>
+              <a:t>значение</a:t>
+            </a:r>
+            <a:r>
+              <a:rPr lang="en-US" sz="1400">
+                <a:solidFill>
+                  <a:schemeClr val="bg1"/>
+                </a:solidFill>
+                <a:latin typeface="Courier New" pitchFamily="49" charset="0"/>
+                <a:cs typeface="Courier New" pitchFamily="49" charset="0"/>
+              </a:rPr>
+              <a:t>2&gt;:</a:t>
+            </a:r>
+            <a:endParaRPr lang="ru-RU" sz="1400">
+              <a:solidFill>
+                <a:schemeClr val="bg1"/>
+              </a:solidFill>
+              <a:latin typeface="Courier New" pitchFamily="49" charset="0"/>
+              <a:cs typeface="Courier New" pitchFamily="49" charset="0"/>
+            </a:endParaRPr>
+          </a:p>
+          <a:p>
+            <a:pPr eaLnBrk="1" hangingPunct="1"/>
+            <a:r>
+              <a:rPr lang="ru-RU" sz="1400">
+                <a:solidFill>
+                  <a:schemeClr val="bg1"/>
+                </a:solidFill>
+                <a:latin typeface="Courier New" pitchFamily="49" charset="0"/>
+                <a:cs typeface="Courier New" pitchFamily="49" charset="0"/>
+              </a:rPr>
+              <a:t>     </a:t>
+            </a:r>
+            <a:r>
+              <a:rPr lang="en-US" sz="1400">
+                <a:solidFill>
+                  <a:schemeClr val="bg1"/>
+                </a:solidFill>
+                <a:latin typeface="Courier New" pitchFamily="49" charset="0"/>
+                <a:cs typeface="Courier New" pitchFamily="49" charset="0"/>
+              </a:rPr>
+              <a:t>&lt;</a:t>
+            </a:r>
+            <a:r>
+              <a:rPr lang="ru-RU" sz="1400">
+                <a:solidFill>
+                  <a:schemeClr val="bg1"/>
+                </a:solidFill>
+                <a:latin typeface="Courier New" pitchFamily="49" charset="0"/>
+                <a:cs typeface="Courier New" pitchFamily="49" charset="0"/>
+              </a:rPr>
+              <a:t>операторы</a:t>
+            </a:r>
+            <a:r>
+              <a:rPr lang="en-US" sz="1400">
+                <a:solidFill>
+                  <a:schemeClr val="bg1"/>
+                </a:solidFill>
+                <a:latin typeface="Courier New" pitchFamily="49" charset="0"/>
+                <a:cs typeface="Courier New" pitchFamily="49" charset="0"/>
+              </a:rPr>
+              <a:t>&gt;</a:t>
+            </a:r>
+            <a:endParaRPr lang="ru-RU" sz="1400">
+              <a:solidFill>
+                <a:schemeClr val="bg1"/>
+              </a:solidFill>
+              <a:latin typeface="Courier New" pitchFamily="49" charset="0"/>
+              <a:cs typeface="Courier New" pitchFamily="49" charset="0"/>
+            </a:endParaRPr>
+          </a:p>
+          <a:p>
+            <a:pPr eaLnBrk="1" hangingPunct="1"/>
+            <a:r>
+              <a:rPr lang="en-US" sz="1400">
+                <a:solidFill>
+                  <a:schemeClr val="bg1"/>
+                </a:solidFill>
+                <a:latin typeface="Courier New" pitchFamily="49" charset="0"/>
+                <a:cs typeface="Courier New" pitchFamily="49" charset="0"/>
+              </a:rPr>
+              <a:t>     break;</a:t>
+            </a:r>
+          </a:p>
+          <a:p>
+            <a:pPr eaLnBrk="1" hangingPunct="1"/>
+            <a:r>
+              <a:rPr lang="en-US" sz="1400">
+                <a:solidFill>
+                  <a:schemeClr val="bg1"/>
+                </a:solidFill>
+                <a:latin typeface="Courier New" pitchFamily="49" charset="0"/>
+                <a:cs typeface="Courier New" pitchFamily="49" charset="0"/>
+              </a:rPr>
+              <a:t>...</a:t>
+            </a:r>
+          </a:p>
+          <a:p>
+            <a:pPr eaLnBrk="1" hangingPunct="1"/>
+            <a:r>
+              <a:rPr lang="en-US" sz="1400">
+                <a:solidFill>
+                  <a:schemeClr val="bg1"/>
+                </a:solidFill>
+                <a:latin typeface="Courier New" pitchFamily="49" charset="0"/>
+                <a:cs typeface="Courier New" pitchFamily="49" charset="0"/>
+              </a:rPr>
+              <a:t>default:</a:t>
+            </a:r>
+            <a:endParaRPr lang="ru-RU" sz="1400">
+              <a:solidFill>
+                <a:schemeClr val="bg1"/>
+              </a:solidFill>
+              <a:latin typeface="Courier New" pitchFamily="49" charset="0"/>
+              <a:cs typeface="Courier New" pitchFamily="49" charset="0"/>
+            </a:endParaRPr>
+          </a:p>
+          <a:p>
+            <a:pPr eaLnBrk="1" hangingPunct="1"/>
+            <a:r>
+              <a:rPr lang="ru-RU" sz="1400">
+                <a:solidFill>
+                  <a:schemeClr val="bg1"/>
+                </a:solidFill>
+                <a:latin typeface="Courier New" pitchFamily="49" charset="0"/>
+                <a:cs typeface="Courier New" pitchFamily="49" charset="0"/>
+              </a:rPr>
+              <a:t>     </a:t>
+            </a:r>
+            <a:r>
+              <a:rPr lang="en-US" sz="1400">
+                <a:solidFill>
+                  <a:schemeClr val="bg1"/>
+                </a:solidFill>
+                <a:latin typeface="Courier New" pitchFamily="49" charset="0"/>
+                <a:cs typeface="Courier New" pitchFamily="49" charset="0"/>
+              </a:rPr>
+              <a:t>&lt;</a:t>
+            </a:r>
+            <a:r>
+              <a:rPr lang="ru-RU" sz="1400">
+                <a:solidFill>
+                  <a:schemeClr val="bg1"/>
+                </a:solidFill>
+                <a:latin typeface="Courier New" pitchFamily="49" charset="0"/>
+                <a:cs typeface="Courier New" pitchFamily="49" charset="0"/>
+              </a:rPr>
+              <a:t>операторы</a:t>
+            </a:r>
+            <a:r>
+              <a:rPr lang="en-US" sz="1400">
+                <a:solidFill>
+                  <a:schemeClr val="bg1"/>
+                </a:solidFill>
+                <a:latin typeface="Courier New" pitchFamily="49" charset="0"/>
+                <a:cs typeface="Courier New" pitchFamily="49" charset="0"/>
+              </a:rPr>
+              <a:t>&gt;</a:t>
+            </a:r>
+            <a:endParaRPr lang="ru-RU" sz="1400">
+              <a:solidFill>
+                <a:schemeClr val="bg1"/>
+              </a:solidFill>
+              <a:latin typeface="Courier New" pitchFamily="49" charset="0"/>
+              <a:cs typeface="Courier New" pitchFamily="49" charset="0"/>
+            </a:endParaRPr>
+          </a:p>
+          <a:p>
+            <a:pPr eaLnBrk="1" hangingPunct="1"/>
+            <a:r>
+              <a:rPr lang="en-US" sz="1400">
+                <a:solidFill>
+                  <a:schemeClr val="bg1"/>
+                </a:solidFill>
+                <a:latin typeface="Courier New" pitchFamily="49" charset="0"/>
+                <a:cs typeface="Courier New" pitchFamily="49" charset="0"/>
+              </a:rPr>
+              <a:t>     break;</a:t>
+            </a:r>
+          </a:p>
+          <a:p>
+            <a:pPr eaLnBrk="1" hangingPunct="1"/>
+            <a:r>
+              <a:rPr lang="en-US" sz="1400">
+                <a:solidFill>
+                  <a:schemeClr val="bg1"/>
+                </a:solidFill>
+                <a:latin typeface="Courier New" pitchFamily="49" charset="0"/>
+                <a:cs typeface="Courier New" pitchFamily="49" charset="0"/>
+              </a:rPr>
+              <a:t>}</a:t>
+            </a:r>
+            <a:endParaRPr lang="ru-RU" sz="1400">
+              <a:solidFill>
+                <a:schemeClr val="bg1"/>
+              </a:solidFill>
+              <a:latin typeface="Courier New" pitchFamily="49" charset="0"/>
+              <a:cs typeface="Courier New" pitchFamily="49" charset="0"/>
+            </a:endParaRPr>
+          </a:p>
+        </p:txBody>
+      </p:sp>
+    </p:spTree>
+    <p:extLst>
+      <p:ext uri="{BB962C8B-B14F-4D97-AF65-F5344CB8AC3E}">
+        <p14:creationId xmlns:p14="http://schemas.microsoft.com/office/powerpoint/2010/main" val="1588249421"/>
+      </p:ext>
+    </p:extLst>
+  </p:cSld>
+  <p:clrMapOvr>
+    <a:masterClrMapping/>
+  </p:clrMapOvr>
+</p:sld>
+</file>
+
+<file path=ppt/slides/slide21.xml><?xml version="1.0" encoding="utf-8"?>
+<p:sld xmlns:a="http://schemas.openxmlformats.org/drawingml/2006/main" xmlns:r="http://schemas.openxmlformats.org/officeDocument/2006/relationships" xmlns:p="http://schemas.openxmlformats.org/presentationml/2006/main">
+  <p:cSld>
+    <p:bg>
+      <p:bgPr>
+        <a:blipFill dpi="0" rotWithShape="1">
+          <a:blip r:embed="rId2">
+            <a:lum/>
+          </a:blip>
+          <a:srcRect/>
+          <a:stretch>
+            <a:fillRect/>
+          </a:stretch>
+        </a:blipFill>
+        <a:effectLst/>
+      </p:bgPr>
+    </p:bg>
+    <p:spTree>
+      <p:nvGrpSpPr>
+        <p:cNvPr id="1" name=""/>
+        <p:cNvGrpSpPr/>
+        <p:nvPr/>
+      </p:nvGrpSpPr>
+      <p:grpSpPr>
+        <a:xfrm>
+          <a:off x="0" y="0"/>
+          <a:ext cx="0" cy="0"/>
+          <a:chOff x="0" y="0"/>
+          <a:chExt cx="0" cy="0"/>
+        </a:xfrm>
+      </p:grpSpPr>
+      <p:sp>
+        <p:nvSpPr>
           <p:cNvPr id="13314" name="Прямоугольник 6"/>
           <p:cNvSpPr>
             <a:spLocks noChangeArrowheads="1"/>
@@ -18222,7 +18470,7 @@
 </p:sld>
 </file>
 
-<file path=ppt/slides/slide21.xml><?xml version="1.0" encoding="utf-8"?>
+<file path=ppt/slides/slide22.xml><?xml version="1.0" encoding="utf-8"?>
 <p:sld xmlns:a="http://schemas.openxmlformats.org/drawingml/2006/main" xmlns:r="http://schemas.openxmlformats.org/officeDocument/2006/relationships" xmlns:p="http://schemas.openxmlformats.org/presentationml/2006/main">
   <p:cSld>
     <p:bg>
@@ -19223,7 +19471,7 @@
 </p:sld>
 </file>
 
-<file path=ppt/slides/slide22.xml><?xml version="1.0" encoding="utf-8"?>
+<file path=ppt/slides/slide23.xml><?xml version="1.0" encoding="utf-8"?>
 <p:sld xmlns:a="http://schemas.openxmlformats.org/drawingml/2006/main" xmlns:r="http://schemas.openxmlformats.org/officeDocument/2006/relationships" xmlns:p="http://schemas.openxmlformats.org/presentationml/2006/main">
   <p:cSld>
     <p:bg>
@@ -19492,7 +19740,7 @@
 </p:sld>
 </file>
 
-<file path=ppt/slides/slide23.xml><?xml version="1.0" encoding="utf-8"?>
+<file path=ppt/slides/slide24.xml><?xml version="1.0" encoding="utf-8"?>
 <p:sld xmlns:a="http://schemas.openxmlformats.org/drawingml/2006/main" xmlns:r="http://schemas.openxmlformats.org/officeDocument/2006/relationships" xmlns:p="http://schemas.openxmlformats.org/presentationml/2006/main">
   <p:cSld>
     <p:bg>
@@ -20727,7 +20975,7 @@
 </p:sld>
 </file>
 
-<file path=ppt/slides/slide24.xml><?xml version="1.0" encoding="utf-8"?>
+<file path=ppt/slides/slide25.xml><?xml version="1.0" encoding="utf-8"?>
 <p:sld xmlns:a="http://schemas.openxmlformats.org/drawingml/2006/main" xmlns:r="http://schemas.openxmlformats.org/officeDocument/2006/relationships" xmlns:p="http://schemas.openxmlformats.org/presentationml/2006/main">
   <p:cSld>
     <p:bg>
@@ -21929,7 +22177,7 @@
 </p:sld>
 </file>
 
-<file path=ppt/slides/slide25.xml><?xml version="1.0" encoding="utf-8"?>
+<file path=ppt/slides/slide26.xml><?xml version="1.0" encoding="utf-8"?>
 <p:sld xmlns:a="http://schemas.openxmlformats.org/drawingml/2006/main" xmlns:r="http://schemas.openxmlformats.org/officeDocument/2006/relationships" xmlns:p="http://schemas.openxmlformats.org/presentationml/2006/main">
   <p:cSld>
     <p:bg>
@@ -22995,7 +23243,7 @@
 </p:sld>
 </file>
 
-<file path=ppt/slides/slide26.xml><?xml version="1.0" encoding="utf-8"?>
+<file path=ppt/slides/slide27.xml><?xml version="1.0" encoding="utf-8"?>
 <p:sld xmlns:a="http://schemas.openxmlformats.org/drawingml/2006/main" xmlns:r="http://schemas.openxmlformats.org/officeDocument/2006/relationships" xmlns:p="http://schemas.openxmlformats.org/presentationml/2006/main">
   <p:cSld>
     <p:bg>
@@ -24893,7 +25141,7 @@
 </p:sld>
 </file>
 
-<file path=ppt/slides/slide27.xml><?xml version="1.0" encoding="utf-8"?>
+<file path=ppt/slides/slide28.xml><?xml version="1.0" encoding="utf-8"?>
 <p:sld xmlns:a="http://schemas.openxmlformats.org/drawingml/2006/main" xmlns:r="http://schemas.openxmlformats.org/officeDocument/2006/relationships" xmlns:p="http://schemas.openxmlformats.org/presentationml/2006/main">
   <p:cSld>
     <p:bg>

--- a/Presentation/lesson-01.pptx
+++ b/Presentation/lesson-01.pptx
@@ -11310,15 +11310,7 @@
                   <a:schemeClr val="bg1"/>
                 </a:solidFill>
               </a:rPr>
-              <a:t>являются не</a:t>
-            </a:r>
-            <a:r>
-              <a:rPr lang="ru-RU" dirty="0" smtClean="0">
-                <a:solidFill>
-                  <a:schemeClr val="bg1"/>
-                </a:solidFill>
-              </a:rPr>
-              <a:t>изменяемыми</a:t>
+              <a:t>являются неизменяемыми</a:t>
             </a:r>
           </a:p>
           <a:p>
@@ -11362,15 +11354,7 @@
                   <a:schemeClr val="bg1"/>
                 </a:solidFill>
               </a:rPr>
-              <a:t>я</a:t>
-            </a:r>
-            <a:r>
-              <a:rPr lang="ru-RU" dirty="0" smtClean="0">
-                <a:solidFill>
-                  <a:schemeClr val="bg1"/>
-                </a:solidFill>
-              </a:rPr>
-              <a:t>вляется </a:t>
+              <a:t>является </a:t>
             </a:r>
             <a:r>
               <a:rPr lang="en-US" dirty="0" smtClean="0">
@@ -20772,7 +20756,7 @@
         <p:spPr bwMode="auto">
           <a:xfrm>
             <a:off x="762000" y="4648200"/>
-            <a:ext cx="7696200" cy="2032000"/>
+            <a:ext cx="7696200" cy="1477328"/>
           </a:xfrm>
           <a:prstGeom prst="rect">
             <a:avLst/>
@@ -20833,132 +20817,129 @@
                 </a:solidFill>
                 <a:latin typeface="Calibri" pitchFamily="34" charset="0"/>
               </a:rPr>
-              <a:t>Clear()</a:t>
+              <a:t>Clear</a:t>
+            </a:r>
+            <a:r>
+              <a:rPr lang="en-US" dirty="0" smtClean="0">
+                <a:solidFill>
+                  <a:schemeClr val="bg1"/>
+                </a:solidFill>
+                <a:latin typeface="Calibri" pitchFamily="34" charset="0"/>
+              </a:rPr>
+              <a:t>(), </a:t>
+            </a:r>
+            <a:r>
+              <a:rPr lang="en-US" dirty="0" err="1" smtClean="0">
+                <a:solidFill>
+                  <a:schemeClr val="bg1"/>
+                </a:solidFill>
+                <a:latin typeface="Calibri" pitchFamily="34" charset="0"/>
+              </a:rPr>
+              <a:t>CopyTo</a:t>
+            </a:r>
+            <a:r>
+              <a:rPr lang="en-US" dirty="0" smtClean="0">
+                <a:solidFill>
+                  <a:schemeClr val="bg1"/>
+                </a:solidFill>
+                <a:latin typeface="Calibri" pitchFamily="34" charset="0"/>
+              </a:rPr>
+              <a:t>(), </a:t>
+            </a:r>
+            <a:r>
+              <a:rPr lang="en-US" dirty="0" err="1" smtClean="0">
+                <a:solidFill>
+                  <a:schemeClr val="bg1"/>
+                </a:solidFill>
+                <a:latin typeface="Calibri" pitchFamily="34" charset="0"/>
+              </a:rPr>
+              <a:t>GetLength</a:t>
+            </a:r>
+            <a:r>
+              <a:rPr lang="en-US" dirty="0" smtClean="0">
+                <a:solidFill>
+                  <a:schemeClr val="bg1"/>
+                </a:solidFill>
+                <a:latin typeface="Calibri" pitchFamily="34" charset="0"/>
+              </a:rPr>
+              <a:t>(), Length, </a:t>
+            </a:r>
+            <a:r>
+              <a:rPr lang="en-US" dirty="0" err="1" smtClean="0">
+                <a:solidFill>
+                  <a:schemeClr val="bg1"/>
+                </a:solidFill>
+                <a:latin typeface="Calibri" pitchFamily="34" charset="0"/>
+              </a:rPr>
+              <a:t>GetValue</a:t>
+            </a:r>
+            <a:r>
+              <a:rPr lang="en-US" dirty="0">
+                <a:solidFill>
+                  <a:schemeClr val="bg1"/>
+                </a:solidFill>
+                <a:latin typeface="Calibri" pitchFamily="34" charset="0"/>
+              </a:rPr>
+              <a:t>() </a:t>
+            </a:r>
+            <a:r>
+              <a:rPr lang="en-US" dirty="0" err="1">
+                <a:solidFill>
+                  <a:schemeClr val="bg1"/>
+                </a:solidFill>
+                <a:latin typeface="Calibri" pitchFamily="34" charset="0"/>
+              </a:rPr>
+              <a:t>SetValue</a:t>
+            </a:r>
+            <a:r>
+              <a:rPr lang="en-US" dirty="0" smtClean="0">
+                <a:solidFill>
+                  <a:schemeClr val="bg1"/>
+                </a:solidFill>
+                <a:latin typeface="Calibri" pitchFamily="34" charset="0"/>
+              </a:rPr>
+              <a:t>(),Reverse(), Sort()</a:t>
             </a:r>
           </a:p>
           <a:p>
             <a:pPr lvl="6">
               <a:defRPr/>
             </a:pPr>
-            <a:r>
-              <a:rPr lang="en-US" dirty="0" err="1">
-                <a:solidFill>
-                  <a:schemeClr val="bg1"/>
-                </a:solidFill>
-                <a:latin typeface="Calibri" pitchFamily="34" charset="0"/>
-              </a:rPr>
-              <a:t>CopyTo</a:t>
-            </a:r>
-            <a:r>
-              <a:rPr lang="en-US" dirty="0">
-                <a:solidFill>
-                  <a:schemeClr val="bg1"/>
-                </a:solidFill>
-                <a:latin typeface="Calibri" pitchFamily="34" charset="0"/>
-              </a:rPr>
-              <a:t>()</a:t>
-            </a:r>
+            <a:endParaRPr lang="en-US" dirty="0">
+              <a:solidFill>
+                <a:schemeClr val="bg1"/>
+              </a:solidFill>
+              <a:latin typeface="Calibri" pitchFamily="34" charset="0"/>
+            </a:endParaRPr>
           </a:p>
           <a:p>
             <a:pPr lvl="6">
               <a:defRPr/>
             </a:pPr>
             <a:r>
-              <a:rPr lang="en-US" dirty="0" err="1">
+              <a:rPr lang="ru-RU" dirty="0" smtClean="0">
                 <a:solidFill>
                   <a:schemeClr val="bg1"/>
                 </a:solidFill>
                 <a:latin typeface="Calibri" pitchFamily="34" charset="0"/>
               </a:rPr>
-              <a:t>GetLength</a:t>
-            </a:r>
-            <a:r>
-              <a:rPr lang="en-US" dirty="0">
+              <a:t>См. также класс </a:t>
+            </a:r>
+            <a:r>
+              <a:rPr lang="en-US" dirty="0" err="1" smtClean="0">
                 <a:solidFill>
                   <a:schemeClr val="bg1"/>
                 </a:solidFill>
                 <a:latin typeface="Calibri" pitchFamily="34" charset="0"/>
               </a:rPr>
-              <a:t>() Length</a:t>
-            </a:r>
-          </a:p>
-          <a:p>
-            <a:pPr lvl="6">
-              <a:defRPr/>
-            </a:pPr>
-            <a:r>
-              <a:rPr lang="en-US" dirty="0" err="1">
-                <a:solidFill>
-                  <a:schemeClr val="bg1"/>
-                </a:solidFill>
-                <a:latin typeface="Calibri" pitchFamily="34" charset="0"/>
-              </a:rPr>
-              <a:t>GetValue</a:t>
-            </a:r>
-            <a:r>
-              <a:rPr lang="en-US" dirty="0">
-                <a:solidFill>
-                  <a:schemeClr val="bg1"/>
-                </a:solidFill>
-                <a:latin typeface="Calibri" pitchFamily="34" charset="0"/>
-              </a:rPr>
-              <a:t>() </a:t>
-            </a:r>
-            <a:r>
-              <a:rPr lang="en-US" dirty="0" err="1">
-                <a:solidFill>
-                  <a:schemeClr val="bg1"/>
-                </a:solidFill>
-                <a:latin typeface="Calibri" pitchFamily="34" charset="0"/>
-              </a:rPr>
-              <a:t>SetValue</a:t>
-            </a:r>
-            <a:r>
-              <a:rPr lang="en-US" dirty="0">
-                <a:solidFill>
-                  <a:schemeClr val="bg1"/>
-                </a:solidFill>
-                <a:latin typeface="Calibri" pitchFamily="34" charset="0"/>
-              </a:rPr>
-              <a:t>()</a:t>
-            </a:r>
-          </a:p>
-          <a:p>
-            <a:pPr lvl="6">
-              <a:defRPr/>
-            </a:pPr>
-            <a:r>
-              <a:rPr lang="en-US" dirty="0" err="1">
-                <a:solidFill>
-                  <a:schemeClr val="bg1"/>
-                </a:solidFill>
-                <a:latin typeface="Calibri" pitchFamily="34" charset="0"/>
-              </a:rPr>
-              <a:t>Reverce</a:t>
-            </a:r>
-            <a:r>
-              <a:rPr lang="en-US" dirty="0">
-                <a:solidFill>
-                  <a:schemeClr val="bg1"/>
-                </a:solidFill>
-                <a:latin typeface="Calibri" pitchFamily="34" charset="0"/>
-              </a:rPr>
-              <a:t>()</a:t>
-            </a:r>
-          </a:p>
-          <a:p>
-            <a:pPr lvl="6">
-              <a:defRPr/>
-            </a:pPr>
-            <a:r>
-              <a:rPr lang="en-US" dirty="0">
-                <a:solidFill>
-                  <a:schemeClr val="bg1"/>
-                </a:solidFill>
-                <a:latin typeface="Calibri" pitchFamily="34" charset="0"/>
-              </a:rPr>
-              <a:t>Sort()</a:t>
-            </a:r>
+              <a:t>ArraySegment</a:t>
+            </a:r>
+            <a:endParaRPr lang="en-US" dirty="0">
+              <a:solidFill>
+                <a:schemeClr val="bg1"/>
+              </a:solidFill>
+              <a:latin typeface="Calibri" pitchFamily="34" charset="0"/>
+            </a:endParaRPr>
           </a:p>
         </p:txBody>
       </p:sp>

--- a/Presentation/lesson-01.pptx
+++ b/Presentation/lesson-01.pptx
@@ -315,7 +315,7 @@
           <a:p>
             <a:fld id="{8E6E6A2A-E9D3-4A0D-B04A-ABDD367A1E08}" type="datetimeFigureOut">
               <a:rPr lang="ru-RU" smtClean="0"/>
-              <a:t>13.08.2012</a:t>
+              <a:t>15.08.2012</a:t>
             </a:fld>
             <a:endParaRPr lang="ru-RU"/>
           </a:p>
@@ -485,7 +485,7 @@
           <a:p>
             <a:fld id="{8E6E6A2A-E9D3-4A0D-B04A-ABDD367A1E08}" type="datetimeFigureOut">
               <a:rPr lang="ru-RU" smtClean="0"/>
-              <a:t>13.08.2012</a:t>
+              <a:t>15.08.2012</a:t>
             </a:fld>
             <a:endParaRPr lang="ru-RU"/>
           </a:p>
@@ -665,7 +665,7 @@
           <a:p>
             <a:fld id="{8E6E6A2A-E9D3-4A0D-B04A-ABDD367A1E08}" type="datetimeFigureOut">
               <a:rPr lang="ru-RU" smtClean="0"/>
-              <a:t>13.08.2012</a:t>
+              <a:t>15.08.2012</a:t>
             </a:fld>
             <a:endParaRPr lang="ru-RU"/>
           </a:p>
@@ -835,7 +835,7 @@
           <a:p>
             <a:fld id="{8E6E6A2A-E9D3-4A0D-B04A-ABDD367A1E08}" type="datetimeFigureOut">
               <a:rPr lang="ru-RU" smtClean="0"/>
-              <a:t>13.08.2012</a:t>
+              <a:t>15.08.2012</a:t>
             </a:fld>
             <a:endParaRPr lang="ru-RU"/>
           </a:p>
@@ -1081,7 +1081,7 @@
           <a:p>
             <a:fld id="{8E6E6A2A-E9D3-4A0D-B04A-ABDD367A1E08}" type="datetimeFigureOut">
               <a:rPr lang="ru-RU" smtClean="0"/>
-              <a:t>13.08.2012</a:t>
+              <a:t>15.08.2012</a:t>
             </a:fld>
             <a:endParaRPr lang="ru-RU"/>
           </a:p>
@@ -1369,7 +1369,7 @@
           <a:p>
             <a:fld id="{8E6E6A2A-E9D3-4A0D-B04A-ABDD367A1E08}" type="datetimeFigureOut">
               <a:rPr lang="ru-RU" smtClean="0"/>
-              <a:t>13.08.2012</a:t>
+              <a:t>15.08.2012</a:t>
             </a:fld>
             <a:endParaRPr lang="ru-RU"/>
           </a:p>
@@ -1791,7 +1791,7 @@
           <a:p>
             <a:fld id="{8E6E6A2A-E9D3-4A0D-B04A-ABDD367A1E08}" type="datetimeFigureOut">
               <a:rPr lang="ru-RU" smtClean="0"/>
-              <a:t>13.08.2012</a:t>
+              <a:t>15.08.2012</a:t>
             </a:fld>
             <a:endParaRPr lang="ru-RU"/>
           </a:p>
@@ -1909,7 +1909,7 @@
           <a:p>
             <a:fld id="{8E6E6A2A-E9D3-4A0D-B04A-ABDD367A1E08}" type="datetimeFigureOut">
               <a:rPr lang="ru-RU" smtClean="0"/>
-              <a:t>13.08.2012</a:t>
+              <a:t>15.08.2012</a:t>
             </a:fld>
             <a:endParaRPr lang="ru-RU"/>
           </a:p>
@@ -2004,7 +2004,7 @@
           <a:p>
             <a:fld id="{8E6E6A2A-E9D3-4A0D-B04A-ABDD367A1E08}" type="datetimeFigureOut">
               <a:rPr lang="ru-RU" smtClean="0"/>
-              <a:t>13.08.2012</a:t>
+              <a:t>15.08.2012</a:t>
             </a:fld>
             <a:endParaRPr lang="ru-RU"/>
           </a:p>
@@ -2281,7 +2281,7 @@
           <a:p>
             <a:fld id="{8E6E6A2A-E9D3-4A0D-B04A-ABDD367A1E08}" type="datetimeFigureOut">
               <a:rPr lang="ru-RU" smtClean="0"/>
-              <a:t>13.08.2012</a:t>
+              <a:t>15.08.2012</a:t>
             </a:fld>
             <a:endParaRPr lang="ru-RU"/>
           </a:p>
@@ -2534,7 +2534,7 @@
           <a:p>
             <a:fld id="{8E6E6A2A-E9D3-4A0D-B04A-ABDD367A1E08}" type="datetimeFigureOut">
               <a:rPr lang="ru-RU" smtClean="0"/>
-              <a:t>13.08.2012</a:t>
+              <a:t>15.08.2012</a:t>
             </a:fld>
             <a:endParaRPr lang="ru-RU"/>
           </a:p>
@@ -2747,7 +2747,7 @@
           <a:p>
             <a:fld id="{8E6E6A2A-E9D3-4A0D-B04A-ABDD367A1E08}" type="datetimeFigureOut">
               <a:rPr lang="ru-RU" smtClean="0"/>
-              <a:t>13.08.2012</a:t>
+              <a:t>15.08.2012</a:t>
             </a:fld>
             <a:endParaRPr lang="ru-RU"/>
           </a:p>
@@ -14665,10 +14665,19 @@
                 </a:solidFill>
                 <a:hlinkClick r:id="rId3"/>
               </a:rPr>
-              <a:t>http://</a:t>
-            </a:r>
-            <a:r>
-              <a:rPr lang="ru-RU" u="sng" dirty="0" smtClean="0">
+              <a:t>http</a:t>
+            </a:r>
+            <a:r>
+              <a:rPr lang="ru-RU" u="sng">
+                <a:solidFill>
+                  <a:schemeClr val="bg1"/>
+                </a:solidFill>
+                <a:hlinkClick r:id="rId3"/>
+              </a:rPr>
+              <a:t>://</a:t>
+            </a:r>
+            <a:r>
+              <a:rPr lang="ru-RU" u="sng" smtClean="0">
                 <a:solidFill>
                   <a:schemeClr val="bg1"/>
                 </a:solidFill>
@@ -25669,7 +25678,7 @@
         <p:spPr>
           <a:xfrm>
             <a:off x="251520" y="188640"/>
-            <a:ext cx="8640960" cy="2800767"/>
+            <a:ext cx="8640960" cy="3077766"/>
           </a:xfrm>
           <a:prstGeom prst="rect">
             <a:avLst/>
@@ -25690,9 +25699,221 @@
               </a:rPr>
               <a:t>Ссылки</a:t>
             </a:r>
-          </a:p>
-          <a:p>
-            <a:pPr lvl="0"/>
+            <a:endParaRPr lang="en-US" sz="3200" dirty="0" smtClean="0">
+              <a:solidFill>
+                <a:schemeClr val="bg1"/>
+              </a:solidFill>
+            </a:endParaRPr>
+          </a:p>
+          <a:p>
+            <a:pPr marL="742950" lvl="1" indent="-285750">
+              <a:buFont typeface="Arial" pitchFamily="34" charset="0"/>
+              <a:buChar char="•"/>
+            </a:pPr>
+            <a:r>
+              <a:rPr lang="en-US" dirty="0" smtClean="0">
+                <a:solidFill>
+                  <a:schemeClr val="bg1"/>
+                </a:solidFill>
+              </a:rPr>
+              <a:t>Microsoft Developer Network</a:t>
+            </a:r>
+            <a:r>
+              <a:rPr lang="ru-RU" dirty="0" smtClean="0">
+                <a:solidFill>
+                  <a:schemeClr val="bg1"/>
+                </a:solidFill>
+              </a:rPr>
+              <a:t> - </a:t>
+            </a:r>
+            <a:r>
+              <a:rPr lang="en-US" u="sng" dirty="0" smtClean="0">
+                <a:solidFill>
+                  <a:schemeClr val="bg1"/>
+                </a:solidFill>
+                <a:hlinkClick r:id="rId3"/>
+              </a:rPr>
+              <a:t>http</a:t>
+            </a:r>
+            <a:r>
+              <a:rPr lang="en-US" u="sng" dirty="0">
+                <a:solidFill>
+                  <a:schemeClr val="bg1"/>
+                </a:solidFill>
+                <a:hlinkClick r:id="rId3"/>
+              </a:rPr>
+              <a:t>://</a:t>
+            </a:r>
+            <a:r>
+              <a:rPr lang="en-US" u="sng" dirty="0" smtClean="0">
+                <a:solidFill>
+                  <a:schemeClr val="bg1"/>
+                </a:solidFill>
+                <a:hlinkClick r:id="rId3"/>
+              </a:rPr>
+              <a:t>msdn.microsoft.com/ru-ru/</a:t>
+            </a:r>
+            <a:endParaRPr lang="en-US" u="sng" dirty="0" smtClean="0">
+              <a:solidFill>
+                <a:schemeClr val="bg1"/>
+              </a:solidFill>
+            </a:endParaRPr>
+          </a:p>
+          <a:p>
+            <a:pPr marL="742950" lvl="1" indent="-285750">
+              <a:buFont typeface="Arial" pitchFamily="34" charset="0"/>
+              <a:buChar char="•"/>
+            </a:pPr>
+            <a:r>
+              <a:rPr lang="en-US" u="sng" dirty="0" smtClean="0">
+                <a:solidFill>
+                  <a:schemeClr val="bg1"/>
+                </a:solidFill>
+                <a:hlinkClick r:id="rId4"/>
+              </a:rPr>
+              <a:t>http</a:t>
+            </a:r>
+            <a:r>
+              <a:rPr lang="en-US" u="sng" dirty="0">
+                <a:solidFill>
+                  <a:schemeClr val="bg1"/>
+                </a:solidFill>
+                <a:hlinkClick r:id="rId4"/>
+              </a:rPr>
+              <a:t>://</a:t>
+            </a:r>
+            <a:r>
+              <a:rPr lang="en-US" u="sng" dirty="0" smtClean="0">
+                <a:solidFill>
+                  <a:schemeClr val="bg1"/>
+                </a:solidFill>
+                <a:hlinkClick r:id="rId4"/>
+              </a:rPr>
+              <a:t>www.asp.net/</a:t>
+            </a:r>
+            <a:endParaRPr lang="ru-RU" u="sng" dirty="0" smtClean="0">
+              <a:solidFill>
+                <a:schemeClr val="bg1"/>
+              </a:solidFill>
+            </a:endParaRPr>
+          </a:p>
+          <a:p>
+            <a:pPr marL="742950" lvl="1" indent="-285750">
+              <a:buFont typeface="Arial" pitchFamily="34" charset="0"/>
+              <a:buChar char="•"/>
+            </a:pPr>
+            <a:r>
+              <a:rPr lang="en-US" u="sng" dirty="0" smtClean="0">
+                <a:solidFill>
+                  <a:schemeClr val="bg1"/>
+                </a:solidFill>
+                <a:hlinkClick r:id="rId5"/>
+              </a:rPr>
+              <a:t>http</a:t>
+            </a:r>
+            <a:r>
+              <a:rPr lang="en-US" u="sng" dirty="0">
+                <a:solidFill>
+                  <a:schemeClr val="bg1"/>
+                </a:solidFill>
+                <a:hlinkClick r:id="rId5"/>
+              </a:rPr>
+              <a:t>://</a:t>
+            </a:r>
+            <a:r>
+              <a:rPr lang="en-US" u="sng" dirty="0" smtClean="0">
+                <a:solidFill>
+                  <a:schemeClr val="bg1"/>
+                </a:solidFill>
+                <a:hlinkClick r:id="rId5"/>
+              </a:rPr>
+              <a:t>channel9.msdn.com/</a:t>
+            </a:r>
+            <a:endParaRPr lang="ru-RU" u="sng" dirty="0" smtClean="0">
+              <a:solidFill>
+                <a:schemeClr val="bg1"/>
+              </a:solidFill>
+            </a:endParaRPr>
+          </a:p>
+          <a:p>
+            <a:pPr marL="742950" lvl="1" indent="-285750">
+              <a:buFont typeface="Arial" pitchFamily="34" charset="0"/>
+              <a:buChar char="•"/>
+            </a:pPr>
+            <a:r>
+              <a:rPr lang="ru-RU" dirty="0" smtClean="0">
+                <a:solidFill>
+                  <a:schemeClr val="bg1"/>
+                </a:solidFill>
+              </a:rPr>
+              <a:t>С</a:t>
+            </a:r>
+            <a:r>
+              <a:rPr lang="en-US" dirty="0" smtClean="0">
+                <a:solidFill>
+                  <a:schemeClr val="bg1"/>
+                </a:solidFill>
+              </a:rPr>
+              <a:t># Little </a:t>
+            </a:r>
+            <a:r>
+              <a:rPr lang="en-US" dirty="0" smtClean="0">
+                <a:solidFill>
+                  <a:schemeClr val="bg1"/>
+                </a:solidFill>
+              </a:rPr>
+              <a:t>Wonders</a:t>
+            </a:r>
+            <a:r>
+              <a:rPr lang="ru-RU" dirty="0" smtClean="0">
+                <a:solidFill>
+                  <a:schemeClr val="bg1"/>
+                </a:solidFill>
+              </a:rPr>
+              <a:t> -</a:t>
+            </a:r>
+            <a:r>
+              <a:rPr lang="en-US" dirty="0" smtClean="0">
+                <a:solidFill>
+                  <a:schemeClr val="bg1"/>
+                </a:solidFill>
+              </a:rPr>
+              <a:t> </a:t>
+            </a:r>
+            <a:r>
+              <a:rPr lang="en-US" dirty="0" smtClean="0">
+                <a:solidFill>
+                  <a:schemeClr val="bg1"/>
+                </a:solidFill>
+                <a:hlinkClick r:id="rId6"/>
+              </a:rPr>
+              <a:t>http</a:t>
+            </a:r>
+            <a:r>
+              <a:rPr lang="en-US" dirty="0">
+                <a:solidFill>
+                  <a:schemeClr val="bg1"/>
+                </a:solidFill>
+                <a:hlinkClick r:id="rId6"/>
+              </a:rPr>
+              <a:t>://</a:t>
+            </a:r>
+            <a:r>
+              <a:rPr lang="en-US" dirty="0" smtClean="0">
+                <a:solidFill>
+                  <a:schemeClr val="bg1"/>
+                </a:solidFill>
+                <a:hlinkClick r:id="rId6"/>
+              </a:rPr>
+              <a:t>blackrabbitcoder.net/category/11989.aspx</a:t>
+            </a:r>
+            <a:endParaRPr lang="en-US" dirty="0" smtClean="0">
+              <a:solidFill>
+                <a:schemeClr val="bg1"/>
+              </a:solidFill>
+            </a:endParaRPr>
+          </a:p>
+          <a:p>
             <a:endParaRPr lang="ru-RU" dirty="0" smtClean="0">
               <a:solidFill>
                 <a:schemeClr val="bg1"/>
@@ -25701,119 +25922,148 @@
           </a:p>
           <a:p>
             <a:r>
-              <a:rPr lang="en-US" u="sng" dirty="0">
-                <a:solidFill>
-                  <a:schemeClr val="bg1"/>
-                </a:solidFill>
-              </a:rPr>
-              <a:t>http://msdn.microsoft.com/ru-ru</a:t>
-            </a:r>
-            <a:r>
-              <a:rPr lang="en-US" u="sng" dirty="0" smtClean="0">
-                <a:solidFill>
-                  <a:schemeClr val="bg1"/>
-                </a:solidFill>
+              <a:rPr lang="ru-RU" dirty="0" smtClean="0">
+                <a:solidFill>
+                  <a:schemeClr val="bg1"/>
+                </a:solidFill>
+              </a:rPr>
+              <a:t>Форумы:</a:t>
+            </a:r>
+          </a:p>
+          <a:p>
+            <a:pPr marL="742950" lvl="1" indent="-285750">
+              <a:buFont typeface="Arial" pitchFamily="34" charset="0"/>
+              <a:buChar char="•"/>
+            </a:pPr>
+            <a:r>
+              <a:rPr lang="en-US" dirty="0" smtClean="0">
+                <a:solidFill>
+                  <a:schemeClr val="bg1"/>
+                </a:solidFill>
+              </a:rPr>
+              <a:t>[RUS</a:t>
+            </a:r>
+            <a:r>
+              <a:rPr lang="en-US" dirty="0">
+                <a:solidFill>
+                  <a:schemeClr val="bg1"/>
+                </a:solidFill>
+              </a:rPr>
+              <a:t>] </a:t>
+            </a:r>
+            <a:r>
+              <a:rPr lang="en-US" dirty="0">
+                <a:solidFill>
+                  <a:schemeClr val="bg1"/>
+                </a:solidFill>
+                <a:hlinkClick r:id="rId7"/>
+              </a:rPr>
+              <a:t>http://www.rsdn.ru</a:t>
+            </a:r>
+            <a:r>
+              <a:rPr lang="en-US" dirty="0" smtClean="0">
+                <a:solidFill>
+                  <a:schemeClr val="bg1"/>
+                </a:solidFill>
+                <a:hlinkClick r:id="rId7"/>
               </a:rPr>
               <a:t>/</a:t>
             </a:r>
-            <a:endParaRPr lang="ru-RU" u="sng" dirty="0" smtClean="0">
-              <a:solidFill>
-                <a:schemeClr val="bg1"/>
-              </a:solidFill>
-            </a:endParaRPr>
-          </a:p>
-          <a:p>
+            <a:endParaRPr lang="ru-RU" dirty="0" smtClean="0">
+              <a:solidFill>
+                <a:schemeClr val="bg1"/>
+              </a:solidFill>
+            </a:endParaRPr>
+          </a:p>
+          <a:p>
+            <a:pPr marL="742950" lvl="1" indent="-285750">
+              <a:buFont typeface="Arial" pitchFamily="34" charset="0"/>
+              <a:buChar char="•"/>
+            </a:pPr>
+            <a:r>
+              <a:rPr lang="en-US" dirty="0">
+                <a:solidFill>
+                  <a:schemeClr val="bg1"/>
+                </a:solidFill>
+              </a:rPr>
+              <a:t>[RUS</a:t>
+            </a:r>
+            <a:r>
+              <a:rPr lang="en-US" dirty="0" smtClean="0">
+                <a:solidFill>
+                  <a:schemeClr val="bg1"/>
+                </a:solidFill>
+              </a:rPr>
+              <a:t>]</a:t>
+            </a:r>
+            <a:r>
+              <a:rPr lang="ru-RU" dirty="0" smtClean="0">
+                <a:solidFill>
+                  <a:schemeClr val="bg1"/>
+                </a:solidFill>
+              </a:rPr>
+              <a:t> </a:t>
+            </a:r>
+            <a:r>
+              <a:rPr lang="en-US" dirty="0">
+                <a:solidFill>
+                  <a:schemeClr val="bg1"/>
+                </a:solidFill>
+                <a:hlinkClick r:id="rId8"/>
+              </a:rPr>
+              <a:t>www.sql.ru/forum</a:t>
+            </a:r>
+            <a:r>
+              <a:rPr lang="en-US" dirty="0" smtClean="0">
+                <a:solidFill>
+                  <a:schemeClr val="bg1"/>
+                </a:solidFill>
+                <a:hlinkClick r:id="rId8"/>
+              </a:rPr>
+              <a:t>/</a:t>
+            </a:r>
+            <a:endParaRPr lang="en-US" dirty="0" smtClean="0">
+              <a:solidFill>
+                <a:schemeClr val="bg1"/>
+              </a:solidFill>
+            </a:endParaRPr>
+          </a:p>
+          <a:p>
+            <a:pPr marL="742950" lvl="1" indent="-285750">
+              <a:buFont typeface="Arial" pitchFamily="34" charset="0"/>
+              <a:buChar char="•"/>
+            </a:pPr>
+            <a:r>
+              <a:rPr lang="en-US" dirty="0">
+                <a:solidFill>
+                  <a:schemeClr val="bg1"/>
+                </a:solidFill>
+              </a:rPr>
+              <a:t>[ENG] </a:t>
+            </a:r>
+            <a:r>
+              <a:rPr lang="en-US" dirty="0">
+                <a:solidFill>
+                  <a:schemeClr val="bg1"/>
+                </a:solidFill>
+                <a:hlinkClick r:id="rId9"/>
+              </a:rPr>
+              <a:t>http://stackoverflow.com</a:t>
+            </a:r>
+            <a:r>
+              <a:rPr lang="en-US" dirty="0" smtClean="0">
+                <a:solidFill>
+                  <a:schemeClr val="bg1"/>
+                </a:solidFill>
+                <a:hlinkClick r:id="rId9"/>
+              </a:rPr>
+              <a:t>/</a:t>
+            </a:r>
             <a:endParaRPr lang="en-US" dirty="0">
               <a:solidFill>
                 <a:schemeClr val="bg1"/>
               </a:solidFill>
             </a:endParaRPr>
-          </a:p>
-          <a:p>
-            <a:r>
-              <a:rPr lang="en-US" u="sng" dirty="0">
-                <a:solidFill>
-                  <a:schemeClr val="bg1"/>
-                </a:solidFill>
-              </a:rPr>
-              <a:t>http://www.asp.net</a:t>
-            </a:r>
-            <a:r>
-              <a:rPr lang="en-US" u="sng" dirty="0" smtClean="0">
-                <a:solidFill>
-                  <a:schemeClr val="bg1"/>
-                </a:solidFill>
-              </a:rPr>
-              <a:t>/</a:t>
-            </a:r>
-            <a:endParaRPr lang="ru-RU" u="sng" dirty="0" smtClean="0">
-              <a:solidFill>
-                <a:schemeClr val="bg1"/>
-              </a:solidFill>
-            </a:endParaRPr>
-          </a:p>
-          <a:p>
-            <a:endParaRPr lang="en-US" dirty="0">
-              <a:solidFill>
-                <a:schemeClr val="bg1"/>
-              </a:solidFill>
-            </a:endParaRPr>
-          </a:p>
-          <a:p>
-            <a:r>
-              <a:rPr lang="en-US" u="sng" dirty="0">
-                <a:solidFill>
-                  <a:schemeClr val="bg1"/>
-                </a:solidFill>
-              </a:rPr>
-              <a:t>http://channel9.msdn.com</a:t>
-            </a:r>
-            <a:r>
-              <a:rPr lang="en-US" u="sng" dirty="0" smtClean="0">
-                <a:solidFill>
-                  <a:schemeClr val="bg1"/>
-                </a:solidFill>
-              </a:rPr>
-              <a:t>/</a:t>
-            </a:r>
-            <a:endParaRPr lang="ru-RU" u="sng" dirty="0" smtClean="0">
-              <a:solidFill>
-                <a:schemeClr val="bg1"/>
-              </a:solidFill>
-            </a:endParaRPr>
-          </a:p>
-          <a:p>
-            <a:endParaRPr lang="ru-RU" dirty="0" smtClean="0">
-              <a:solidFill>
-                <a:schemeClr val="bg1"/>
-              </a:solidFill>
-            </a:endParaRPr>
-          </a:p>
-          <a:p>
-            <a:r>
-              <a:rPr lang="ru-RU" dirty="0" smtClean="0">
-                <a:solidFill>
-                  <a:schemeClr val="bg1"/>
-                </a:solidFill>
-              </a:rPr>
-              <a:t>С</a:t>
-            </a:r>
-            <a:r>
-              <a:rPr lang="en-US" dirty="0" smtClean="0">
-                <a:solidFill>
-                  <a:schemeClr val="bg1"/>
-                </a:solidFill>
-              </a:rPr>
-              <a:t># Little Wonders: http</a:t>
-            </a:r>
-            <a:r>
-              <a:rPr lang="en-US" dirty="0">
-                <a:solidFill>
-                  <a:schemeClr val="bg1"/>
-                </a:solidFill>
-              </a:rPr>
-              <a:t>://blackrabbitcoder.net/category/11989.aspx</a:t>
-            </a:r>
           </a:p>
         </p:txBody>
       </p:sp>
@@ -27816,7 +28066,7 @@
 <file path=ppt/theme/theme1.xml><?xml version="1.0" encoding="utf-8"?>
 <a:theme xmlns:a="http://schemas.openxmlformats.org/drawingml/2006/main" name="Office Theme">
   <a:themeElements>
-    <a:clrScheme name="Office">
+    <a:clrScheme name="While hyperlink">
       <a:dk1>
         <a:sysClr val="windowText" lastClr="000000"/>
       </a:dk1>
@@ -27848,10 +28098,10 @@
         <a:srgbClr val="F79646"/>
       </a:accent6>
       <a:hlink>
-        <a:srgbClr val="0000FF"/>
+        <a:srgbClr val="FFFFFF"/>
       </a:hlink>
       <a:folHlink>
-        <a:srgbClr val="800080"/>
+        <a:srgbClr val="FFFFFF"/>
       </a:folHlink>
     </a:clrScheme>
     <a:fontScheme name="Office">

--- a/Presentation/lesson-01.pptx
+++ b/Presentation/lesson-01.pptx
@@ -21,17 +21,17 @@
     <p:sldId id="280" r:id="rId15"/>
     <p:sldId id="267" r:id="rId16"/>
     <p:sldId id="283" r:id="rId17"/>
-    <p:sldId id="268" r:id="rId18"/>
-    <p:sldId id="269" r:id="rId19"/>
-    <p:sldId id="270" r:id="rId20"/>
-    <p:sldId id="271" r:id="rId21"/>
-    <p:sldId id="272" r:id="rId22"/>
-    <p:sldId id="273" r:id="rId23"/>
-    <p:sldId id="274" r:id="rId24"/>
-    <p:sldId id="275" r:id="rId25"/>
-    <p:sldId id="276" r:id="rId26"/>
-    <p:sldId id="277" r:id="rId27"/>
-    <p:sldId id="278" r:id="rId28"/>
+    <p:sldId id="278" r:id="rId18"/>
+    <p:sldId id="268" r:id="rId19"/>
+    <p:sldId id="269" r:id="rId20"/>
+    <p:sldId id="270" r:id="rId21"/>
+    <p:sldId id="271" r:id="rId22"/>
+    <p:sldId id="272" r:id="rId23"/>
+    <p:sldId id="273" r:id="rId24"/>
+    <p:sldId id="274" r:id="rId25"/>
+    <p:sldId id="275" r:id="rId26"/>
+    <p:sldId id="276" r:id="rId27"/>
+    <p:sldId id="277" r:id="rId28"/>
     <p:sldId id="281" r:id="rId29"/>
   </p:sldIdLst>
   <p:sldSz cx="9144000" cy="6858000" type="screen4x3"/>
@@ -11234,7 +11234,7 @@
         <p:spPr>
           <a:xfrm>
             <a:off x="611560" y="692696"/>
-            <a:ext cx="7992888" cy="2185214"/>
+            <a:ext cx="7992888" cy="5786199"/>
           </a:xfrm>
           <a:prstGeom prst="rect">
             <a:avLst/>
@@ -11328,33 +11328,139 @@
             </a:r>
           </a:p>
           <a:p>
+            <a:pPr marL="285750" indent="-285750">
+              <a:buFont typeface="Arial" pitchFamily="34" charset="0"/>
+              <a:buChar char="•"/>
+            </a:pPr>
+            <a:r>
+              <a:rPr lang="ru-RU" dirty="0" smtClean="0">
+                <a:solidFill>
+                  <a:schemeClr val="bg1"/>
+                </a:solidFill>
+              </a:rPr>
+              <a:t>Хранится в памяти как последовательность символов в кодировке </a:t>
+            </a:r>
+            <a:r>
+              <a:rPr lang="en-US" dirty="0" smtClean="0">
+                <a:solidFill>
+                  <a:schemeClr val="bg1"/>
+                </a:solidFill>
+              </a:rPr>
+              <a:t>UTF-16</a:t>
+            </a:r>
+            <a:endParaRPr lang="ru-RU" dirty="0" smtClean="0">
+              <a:solidFill>
+                <a:schemeClr val="bg1"/>
+              </a:solidFill>
+            </a:endParaRPr>
+          </a:p>
+          <a:p>
             <a:pPr marL="742950" lvl="1" indent="-285750">
               <a:buFont typeface="Arial" pitchFamily="34" charset="0"/>
               <a:buChar char="•"/>
             </a:pPr>
             <a:r>
+              <a:rPr lang="en-US" dirty="0">
+                <a:solidFill>
+                  <a:schemeClr val="bg1"/>
+                </a:solidFill>
+              </a:rPr>
+              <a:t>The Absolute Minimum Every Software Developer Absolutely, Positively Must Know About Unicode and Character Sets (No Excuses</a:t>
+            </a:r>
+            <a:r>
+              <a:rPr lang="en-US" dirty="0" smtClean="0">
+                <a:solidFill>
+                  <a:schemeClr val="bg1"/>
+                </a:solidFill>
+              </a:rPr>
+              <a:t>!)</a:t>
+            </a:r>
+            <a:r>
               <a:rPr lang="ru-RU" dirty="0" smtClean="0">
                 <a:solidFill>
                   <a:schemeClr val="bg1"/>
                 </a:solidFill>
               </a:rPr>
-              <a:t>Класс </a:t>
+              <a:t/>
+            </a:r>
+            <a:br>
+              <a:rPr lang="ru-RU" dirty="0" smtClean="0">
+                <a:solidFill>
+                  <a:schemeClr val="bg1"/>
+                </a:solidFill>
+              </a:rPr>
+            </a:br>
+            <a:r>
+              <a:rPr lang="en-US" dirty="0">
+                <a:solidFill>
+                  <a:schemeClr val="bg1"/>
+                </a:solidFill>
+                <a:hlinkClick r:id="rId3"/>
+              </a:rPr>
+              <a:t>http://</a:t>
             </a:r>
             <a:r>
               <a:rPr lang="en-US" dirty="0" smtClean="0">
                 <a:solidFill>
                   <a:schemeClr val="bg1"/>
                 </a:solidFill>
-              </a:rPr>
-              <a:t>string </a:t>
-            </a:r>
+                <a:hlinkClick r:id="rId3"/>
+              </a:rPr>
+              <a:t>www.joelonsoftware.com/articles/Unicode.html</a:t>
+            </a:r>
+            <a:endParaRPr lang="ru-RU" dirty="0" smtClean="0">
+              <a:solidFill>
+                <a:schemeClr val="bg1"/>
+              </a:solidFill>
+            </a:endParaRPr>
+          </a:p>
+          <a:p>
+            <a:pPr marL="285750" indent="-285750">
+              <a:buFont typeface="Arial" pitchFamily="34" charset="0"/>
+              <a:buChar char="•"/>
+            </a:pPr>
             <a:r>
               <a:rPr lang="ru-RU" dirty="0" smtClean="0">
                 <a:solidFill>
                   <a:schemeClr val="bg1"/>
                 </a:solidFill>
               </a:rPr>
-              <a:t>является </a:t>
+              <a:t>При </a:t>
+            </a:r>
+            <a:r>
+              <a:rPr lang="ru-RU" dirty="0">
+                <a:solidFill>
+                  <a:schemeClr val="bg1"/>
+                </a:solidFill>
+              </a:rPr>
+              <a:t>сборке строки используйте </a:t>
+            </a:r>
+            <a:r>
+              <a:rPr lang="en-US" dirty="0" err="1">
+                <a:solidFill>
+                  <a:schemeClr val="bg1"/>
+                </a:solidFill>
+              </a:rPr>
+              <a:t>System.Text.StringBuilder</a:t>
+            </a:r>
+            <a:endParaRPr lang="en-US" dirty="0">
+              <a:solidFill>
+                <a:schemeClr val="bg1"/>
+              </a:solidFill>
+            </a:endParaRPr>
+          </a:p>
+          <a:p>
+            <a:pPr marL="285750" indent="-285750">
+              <a:buFont typeface="Arial" pitchFamily="34" charset="0"/>
+              <a:buChar char="•"/>
+            </a:pPr>
+            <a:r>
+              <a:rPr lang="ru-RU" dirty="0" smtClean="0">
+                <a:solidFill>
+                  <a:schemeClr val="bg1"/>
+                </a:solidFill>
+              </a:rPr>
+              <a:t>\</a:t>
             </a:r>
             <a:r>
               <a:rPr lang="en-US" dirty="0" smtClean="0">
@@ -11362,8 +11468,21 @@
                   <a:schemeClr val="bg1"/>
                 </a:solidFill>
               </a:rPr>
-              <a:t>sealed</a:t>
-            </a:r>
+              <a:t>n, \r, \t, \</a:t>
+            </a:r>
+            <a:r>
+              <a:rPr lang="en-US" dirty="0" err="1" smtClean="0">
+                <a:solidFill>
+                  <a:schemeClr val="bg1"/>
+                </a:solidFill>
+              </a:rPr>
+              <a:t>uXXXX</a:t>
+            </a:r>
+            <a:endParaRPr lang="en-US" dirty="0" smtClean="0">
+              <a:solidFill>
+                <a:schemeClr val="bg1"/>
+              </a:solidFill>
+            </a:endParaRPr>
           </a:p>
           <a:p>
             <a:pPr marL="742950" lvl="1" indent="-285750">
@@ -11376,7 +11495,7 @@
                   <a:schemeClr val="bg1"/>
                 </a:solidFill>
               </a:rPr>
-              <a:t>При сборке строки используйте </a:t>
+              <a:t>Используйте </a:t>
             </a:r>
             <a:r>
               <a:rPr lang="en-US" dirty="0" err="1" smtClean="0">
@@ -11384,9 +11503,266 @@
                   <a:schemeClr val="bg1"/>
                 </a:solidFill>
               </a:rPr>
-              <a:t>System.Text.StringBuilder</a:t>
+              <a:t>System.Enviroment.NewLine</a:t>
+            </a:r>
+            <a:r>
+              <a:rPr lang="ru-RU" dirty="0">
+                <a:solidFill>
+                  <a:schemeClr val="bg1"/>
+                </a:solidFill>
+              </a:rPr>
+              <a:t> </a:t>
+            </a:r>
+            <a:r>
+              <a:rPr lang="ru-RU" dirty="0" smtClean="0">
+                <a:solidFill>
+                  <a:schemeClr val="bg1"/>
+                </a:solidFill>
+              </a:rPr>
+              <a:t>вместо </a:t>
+            </a:r>
+            <a:r>
+              <a:rPr lang="en-US" dirty="0" smtClean="0">
+                <a:solidFill>
+                  <a:schemeClr val="bg1"/>
+                </a:solidFill>
+              </a:rPr>
+              <a:t>\r</a:t>
+            </a:r>
+            <a:r>
+              <a:rPr lang="ru-RU" dirty="0" smtClean="0">
+                <a:solidFill>
+                  <a:schemeClr val="bg1"/>
+                </a:solidFill>
+              </a:rPr>
+              <a:t>\</a:t>
+            </a:r>
+            <a:r>
+              <a:rPr lang="en-US" dirty="0" smtClean="0">
+                <a:solidFill>
+                  <a:schemeClr val="bg1"/>
+                </a:solidFill>
+              </a:rPr>
+              <a:t>n </a:t>
             </a:r>
             <a:endParaRPr lang="ru-RU" dirty="0" smtClean="0">
+              <a:solidFill>
+                <a:schemeClr val="bg1"/>
+              </a:solidFill>
+            </a:endParaRPr>
+          </a:p>
+          <a:p>
+            <a:pPr marL="742950" lvl="1" indent="-285750">
+              <a:buFont typeface="Arial" pitchFamily="34" charset="0"/>
+              <a:buChar char="•"/>
+            </a:pPr>
+            <a:r>
+              <a:rPr lang="ru-RU" dirty="0" smtClean="0">
+                <a:solidFill>
+                  <a:schemeClr val="bg1"/>
+                </a:solidFill>
+              </a:rPr>
+              <a:t>Осторожно с \0 (</a:t>
+            </a:r>
+            <a:r>
+              <a:rPr lang="en-US" dirty="0" smtClean="0">
+                <a:solidFill>
+                  <a:schemeClr val="bg1"/>
+                </a:solidFill>
+              </a:rPr>
+              <a:t>null character)</a:t>
+            </a:r>
+            <a:endParaRPr lang="en-US" dirty="0" smtClean="0">
+              <a:solidFill>
+                <a:schemeClr val="bg1"/>
+              </a:solidFill>
+            </a:endParaRPr>
+          </a:p>
+          <a:p>
+            <a:pPr marL="285750" indent="-285750">
+              <a:buFont typeface="Arial" pitchFamily="34" charset="0"/>
+              <a:buChar char="•"/>
+            </a:pPr>
+            <a:r>
+              <a:rPr lang="en-US" dirty="0" smtClean="0">
+                <a:solidFill>
+                  <a:schemeClr val="bg1"/>
+                </a:solidFill>
+              </a:rPr>
+              <a:t>@-</a:t>
+            </a:r>
+            <a:r>
+              <a:rPr lang="ru-RU" dirty="0" smtClean="0">
+                <a:solidFill>
+                  <a:schemeClr val="bg1"/>
+                </a:solidFill>
+              </a:rPr>
+              <a:t>синтаксис</a:t>
+            </a:r>
+            <a:endParaRPr lang="en-US" dirty="0" smtClean="0">
+              <a:solidFill>
+                <a:schemeClr val="bg1"/>
+              </a:solidFill>
+            </a:endParaRPr>
+          </a:p>
+          <a:p>
+            <a:pPr marL="285750" indent="-285750">
+              <a:buFont typeface="Arial" pitchFamily="34" charset="0"/>
+              <a:buChar char="•"/>
+            </a:pPr>
+            <a:r>
+              <a:rPr lang="ru-RU" dirty="0" smtClean="0">
+                <a:solidFill>
+                  <a:schemeClr val="bg1"/>
+                </a:solidFill>
+              </a:rPr>
+              <a:t>Полезные методы</a:t>
+            </a:r>
+          </a:p>
+          <a:p>
+            <a:pPr marL="742950" lvl="1" indent="-285750">
+              <a:buFont typeface="Arial" pitchFamily="34" charset="0"/>
+              <a:buChar char="•"/>
+            </a:pPr>
+            <a:r>
+              <a:rPr lang="en-US" dirty="0" err="1" smtClean="0">
+                <a:solidFill>
+                  <a:schemeClr val="bg1"/>
+                </a:solidFill>
+              </a:rPr>
+              <a:t>String.IsNullOrEmpty</a:t>
+            </a:r>
+            <a:r>
+              <a:rPr lang="en-US" dirty="0">
+                <a:solidFill>
+                  <a:schemeClr val="bg1"/>
+                </a:solidFill>
+              </a:rPr>
+              <a:t>(string)</a:t>
+            </a:r>
+            <a:r>
+              <a:rPr lang="en-US" dirty="0" smtClean="0">
+                <a:solidFill>
+                  <a:schemeClr val="bg1"/>
+                </a:solidFill>
+              </a:rPr>
+              <a:t> .NET 2.0+</a:t>
+            </a:r>
+          </a:p>
+          <a:p>
+            <a:pPr marL="742950" lvl="1" indent="-285750">
+              <a:buFont typeface="Arial" pitchFamily="34" charset="0"/>
+              <a:buChar char="•"/>
+            </a:pPr>
+            <a:r>
+              <a:rPr lang="en-US" dirty="0" err="1" smtClean="0">
+                <a:solidFill>
+                  <a:schemeClr val="bg1"/>
+                </a:solidFill>
+              </a:rPr>
+              <a:t>String.IsNullOrWhiteSpace</a:t>
+            </a:r>
+            <a:r>
+              <a:rPr lang="en-US" dirty="0" smtClean="0">
+                <a:solidFill>
+                  <a:schemeClr val="bg1"/>
+                </a:solidFill>
+              </a:rPr>
+              <a:t>(string) .</a:t>
+            </a:r>
+            <a:r>
+              <a:rPr lang="en-US" dirty="0">
+                <a:solidFill>
+                  <a:schemeClr val="bg1"/>
+                </a:solidFill>
+              </a:rPr>
+              <a:t>NET </a:t>
+            </a:r>
+            <a:r>
+              <a:rPr lang="en-US" dirty="0" smtClean="0">
+                <a:solidFill>
+                  <a:schemeClr val="bg1"/>
+                </a:solidFill>
+              </a:rPr>
+              <a:t>4.0+</a:t>
+            </a:r>
+          </a:p>
+          <a:p>
+            <a:pPr marL="742950" lvl="1" indent="-285750">
+              <a:buFont typeface="Arial" pitchFamily="34" charset="0"/>
+              <a:buChar char="•"/>
+            </a:pPr>
+            <a:r>
+              <a:rPr lang="en-US" dirty="0" err="1" smtClean="0">
+                <a:solidFill>
+                  <a:schemeClr val="bg1"/>
+                </a:solidFill>
+              </a:rPr>
+              <a:t>String</a:t>
+            </a:r>
+            <a:r>
+              <a:rPr lang="en-US" dirty="0" err="1" smtClean="0">
+                <a:solidFill>
+                  <a:schemeClr val="bg1"/>
+                </a:solidFill>
+              </a:rPr>
+              <a:t>.Intern</a:t>
+            </a:r>
+            <a:r>
+              <a:rPr lang="en-US" dirty="0" smtClean="0">
+                <a:solidFill>
+                  <a:schemeClr val="bg1"/>
+                </a:solidFill>
+              </a:rPr>
+              <a:t>(string)</a:t>
+            </a:r>
+          </a:p>
+          <a:p>
+            <a:pPr marL="285750" indent="-285750">
+              <a:buFont typeface="Arial" pitchFamily="34" charset="0"/>
+              <a:buChar char="•"/>
+            </a:pPr>
+            <a:r>
+              <a:rPr lang="ru-RU" dirty="0" smtClean="0">
+                <a:solidFill>
+                  <a:schemeClr val="bg1"/>
+                </a:solidFill>
+              </a:rPr>
+              <a:t>Используйте </a:t>
+            </a:r>
+            <a:r>
+              <a:rPr lang="en-US" dirty="0" err="1">
+                <a:solidFill>
+                  <a:schemeClr val="bg1"/>
+                </a:solidFill>
+              </a:rPr>
+              <a:t>System.Security.SecureString</a:t>
+            </a:r>
+            <a:r>
+              <a:rPr lang="en-US" dirty="0">
+                <a:solidFill>
+                  <a:schemeClr val="bg1"/>
+                </a:solidFill>
+              </a:rPr>
+              <a:t> </a:t>
+            </a:r>
+            <a:r>
+              <a:rPr lang="ru-RU" dirty="0" smtClean="0">
+                <a:solidFill>
+                  <a:schemeClr val="bg1"/>
+                </a:solidFill>
+              </a:rPr>
+              <a:t>д</a:t>
+            </a:r>
+            <a:r>
+              <a:rPr lang="ru-RU" dirty="0" smtClean="0">
+                <a:solidFill>
+                  <a:schemeClr val="bg1"/>
+                </a:solidFill>
+              </a:rPr>
+              <a:t>ля хранения «секретной» информации (пароли).</a:t>
+            </a:r>
+            <a:endParaRPr lang="en-US" dirty="0" smtClean="0">
               <a:solidFill>
                 <a:schemeClr val="bg1"/>
               </a:solidFill>
@@ -11458,6 +11834,1904 @@
       </p:grpSpPr>
       <p:sp>
         <p:nvSpPr>
+          <p:cNvPr id="19458" name="Прямоугольник 6"/>
+          <p:cNvSpPr>
+            <a:spLocks noChangeArrowheads="1"/>
+          </p:cNvSpPr>
+          <p:nvPr/>
+        </p:nvSpPr>
+        <p:spPr bwMode="auto">
+          <a:xfrm>
+            <a:off x="609600" y="152400"/>
+            <a:ext cx="7924800" cy="461963"/>
+          </a:xfrm>
+          <a:prstGeom prst="rect">
+            <a:avLst/>
+          </a:prstGeom>
+          <a:noFill/>
+          <a:ln>
+            <a:noFill/>
+          </a:ln>
+          <a:extLst>
+            <a:ext uri="{909E8E84-426E-40DD-AFC4-6F175D3DCCD1}">
+              <a14:hiddenFill xmlns:a14="http://schemas.microsoft.com/office/drawing/2010/main">
+                <a:solidFill>
+                  <a:srgbClr val="FFFFFF"/>
+                </a:solidFill>
+              </a14:hiddenFill>
+            </a:ext>
+            <a:ext uri="{91240B29-F687-4F45-9708-019B960494DF}">
+              <a14:hiddenLine xmlns:a14="http://schemas.microsoft.com/office/drawing/2010/main" w="9525">
+                <a:solidFill>
+                  <a:srgbClr val="000000"/>
+                </a:solidFill>
+                <a:miter lim="800000"/>
+                <a:headEnd/>
+                <a:tailEnd/>
+              </a14:hiddenLine>
+            </a:ext>
+          </a:extLst>
+        </p:spPr>
+        <p:txBody>
+          <a:bodyPr>
+            <a:spAutoFit/>
+          </a:bodyPr>
+          <a:lstStyle/>
+          <a:p>
+            <a:pPr algn="ctr" eaLnBrk="0" hangingPunct="0">
+              <a:tabLst>
+                <a:tab pos="457200" algn="l"/>
+              </a:tabLst>
+            </a:pPr>
+            <a:r>
+              <a:rPr lang="ru-RU" sz="2400" dirty="0">
+                <a:solidFill>
+                  <a:schemeClr val="bg1"/>
+                </a:solidFill>
+              </a:rPr>
+              <a:t>Строки.</a:t>
+            </a:r>
+          </a:p>
+        </p:txBody>
+      </p:sp>
+      <p:graphicFrame>
+        <p:nvGraphicFramePr>
+          <p:cNvPr id="13344" name="Group 32"/>
+          <p:cNvGraphicFramePr>
+            <a:graphicFrameLocks noGrp="1"/>
+          </p:cNvGraphicFramePr>
+          <p:nvPr>
+            <p:extLst>
+              <p:ext uri="{D42A27DB-BD31-4B8C-83A1-F6EECF244321}">
+                <p14:modId xmlns:p14="http://schemas.microsoft.com/office/powerpoint/2010/main" val="2491214417"/>
+              </p:ext>
+            </p:extLst>
+          </p:nvPr>
+        </p:nvGraphicFramePr>
+        <p:xfrm>
+          <a:off x="457200" y="3805238"/>
+          <a:ext cx="8305800" cy="2595564"/>
+        </p:xfrm>
+        <a:graphic>
+          <a:graphicData uri="http://schemas.openxmlformats.org/drawingml/2006/table">
+            <a:tbl>
+              <a:tblPr/>
+              <a:tblGrid>
+                <a:gridCol w="2718262"/>
+                <a:gridCol w="5587538"/>
+              </a:tblGrid>
+              <a:tr h="371475">
+                <a:tc>
+                  <a:txBody>
+                    <a:bodyPr/>
+                    <a:lstStyle/>
+                    <a:p>
+                      <a:pPr marL="0" marR="0" lvl="0" indent="0" algn="l" defTabSz="914400" rtl="0" eaLnBrk="1" fontAlgn="base" latinLnBrk="0" hangingPunct="1">
+                        <a:lnSpc>
+                          <a:spcPct val="100000"/>
+                        </a:lnSpc>
+                        <a:spcBef>
+                          <a:spcPct val="0"/>
+                        </a:spcBef>
+                        <a:spcAft>
+                          <a:spcPct val="0"/>
+                        </a:spcAft>
+                        <a:buClrTx/>
+                        <a:buSzTx/>
+                        <a:buFontTx/>
+                        <a:buNone/>
+                        <a:tabLst/>
+                      </a:pPr>
+                      <a:r>
+                        <a:rPr kumimoji="0" lang="ru-RU" sz="1800" b="1" i="0" u="none" strike="noStrike" cap="none" normalizeH="0" baseline="0" dirty="0" smtClean="0">
+                          <a:ln>
+                            <a:noFill/>
+                          </a:ln>
+                          <a:solidFill>
+                            <a:srgbClr val="FFFFFF"/>
+                          </a:solidFill>
+                          <a:effectLst/>
+                          <a:latin typeface="Calibri" pitchFamily="34" charset="0"/>
+                        </a:rPr>
+                        <a:t>Имя члена</a:t>
+                      </a:r>
+                      <a:endParaRPr kumimoji="0" lang="be-BY" sz="1800" b="1" i="0" u="none" strike="noStrike" cap="none" normalizeH="0" baseline="0" dirty="0" smtClean="0">
+                        <a:ln>
+                          <a:noFill/>
+                        </a:ln>
+                        <a:solidFill>
+                          <a:srgbClr val="FFFFFF"/>
+                        </a:solidFill>
+                        <a:effectLst/>
+                        <a:latin typeface="Calibri" pitchFamily="34" charset="0"/>
+                      </a:endParaRPr>
+                    </a:p>
+                  </a:txBody>
+                  <a:tcPr horzOverflow="overflow">
+                    <a:lnL w="12700" cap="flat" cmpd="sng" algn="ctr">
+                      <a:solidFill>
+                        <a:schemeClr val="bg1"/>
+                      </a:solidFill>
+                      <a:prstDash val="solid"/>
+                      <a:round/>
+                      <a:headEnd type="none" w="med" len="med"/>
+                      <a:tailEnd type="none" w="med" len="med"/>
+                    </a:lnL>
+                    <a:lnR w="12700" cap="flat" cmpd="sng" algn="ctr">
+                      <a:solidFill>
+                        <a:schemeClr val="bg1"/>
+                      </a:solidFill>
+                      <a:prstDash val="solid"/>
+                      <a:round/>
+                      <a:headEnd type="none" w="med" len="med"/>
+                      <a:tailEnd type="none" w="med" len="med"/>
+                    </a:lnR>
+                    <a:lnT w="12700" cap="flat" cmpd="sng" algn="ctr">
+                      <a:solidFill>
+                        <a:schemeClr val="bg1"/>
+                      </a:solidFill>
+                      <a:prstDash val="solid"/>
+                      <a:round/>
+                      <a:headEnd type="none" w="med" len="med"/>
+                      <a:tailEnd type="none" w="med" len="med"/>
+                    </a:lnT>
+                    <a:lnB w="38100" cap="flat" cmpd="sng" algn="ctr">
+                      <a:solidFill>
+                        <a:schemeClr val="bg1"/>
+                      </a:solidFill>
+                      <a:prstDash val="solid"/>
+                      <a:round/>
+                      <a:headEnd type="none" w="med" len="med"/>
+                      <a:tailEnd type="none" w="med" len="med"/>
+                    </a:lnB>
+                    <a:lnTlToBr>
+                      <a:noFill/>
+                    </a:lnTlToBr>
+                    <a:lnBlToTr>
+                      <a:noFill/>
+                    </a:lnBlToTr>
+                    <a:solidFill>
+                      <a:schemeClr val="accent1"/>
+                    </a:solidFill>
+                  </a:tcPr>
+                </a:tc>
+                <a:tc>
+                  <a:txBody>
+                    <a:bodyPr/>
+                    <a:lstStyle/>
+                    <a:p>
+                      <a:pPr marL="0" marR="0" lvl="0" indent="0" algn="l" defTabSz="914400" rtl="0" eaLnBrk="1" fontAlgn="base" latinLnBrk="0" hangingPunct="1">
+                        <a:lnSpc>
+                          <a:spcPct val="100000"/>
+                        </a:lnSpc>
+                        <a:spcBef>
+                          <a:spcPct val="0"/>
+                        </a:spcBef>
+                        <a:spcAft>
+                          <a:spcPct val="0"/>
+                        </a:spcAft>
+                        <a:buClrTx/>
+                        <a:buSzTx/>
+                        <a:buFontTx/>
+                        <a:buNone/>
+                        <a:tabLst/>
+                      </a:pPr>
+                      <a:r>
+                        <a:rPr kumimoji="0" lang="ru-RU" sz="1800" b="1" i="0" u="none" strike="noStrike" cap="none" normalizeH="0" baseline="0" dirty="0" smtClean="0">
+                          <a:ln>
+                            <a:noFill/>
+                          </a:ln>
+                          <a:solidFill>
+                            <a:srgbClr val="FFFFFF"/>
+                          </a:solidFill>
+                          <a:effectLst/>
+                          <a:latin typeface="Calibri" pitchFamily="34" charset="0"/>
+                        </a:rPr>
+                        <a:t>Назначение</a:t>
+                      </a:r>
+                      <a:endParaRPr kumimoji="0" lang="be-BY" sz="1800" b="1" i="0" u="none" strike="noStrike" cap="none" normalizeH="0" baseline="0" dirty="0" smtClean="0">
+                        <a:ln>
+                          <a:noFill/>
+                        </a:ln>
+                        <a:solidFill>
+                          <a:srgbClr val="FFFFFF"/>
+                        </a:solidFill>
+                        <a:effectLst/>
+                        <a:latin typeface="Calibri" pitchFamily="34" charset="0"/>
+                      </a:endParaRPr>
+                    </a:p>
+                  </a:txBody>
+                  <a:tcPr horzOverflow="overflow">
+                    <a:lnL w="12700" cap="flat" cmpd="sng" algn="ctr">
+                      <a:solidFill>
+                        <a:schemeClr val="bg1"/>
+                      </a:solidFill>
+                      <a:prstDash val="solid"/>
+                      <a:round/>
+                      <a:headEnd type="none" w="med" len="med"/>
+                      <a:tailEnd type="none" w="med" len="med"/>
+                    </a:lnL>
+                    <a:lnR w="12700" cap="flat" cmpd="sng" algn="ctr">
+                      <a:solidFill>
+                        <a:schemeClr val="bg1"/>
+                      </a:solidFill>
+                      <a:prstDash val="solid"/>
+                      <a:round/>
+                      <a:headEnd type="none" w="med" len="med"/>
+                      <a:tailEnd type="none" w="med" len="med"/>
+                    </a:lnR>
+                    <a:lnT w="12700" cap="flat" cmpd="sng" algn="ctr">
+                      <a:solidFill>
+                        <a:schemeClr val="bg1"/>
+                      </a:solidFill>
+                      <a:prstDash val="solid"/>
+                      <a:round/>
+                      <a:headEnd type="none" w="med" len="med"/>
+                      <a:tailEnd type="none" w="med" len="med"/>
+                    </a:lnT>
+                    <a:lnB w="38100" cap="flat" cmpd="sng" algn="ctr">
+                      <a:solidFill>
+                        <a:schemeClr val="bg1"/>
+                      </a:solidFill>
+                      <a:prstDash val="solid"/>
+                      <a:round/>
+                      <a:headEnd type="none" w="med" len="med"/>
+                      <a:tailEnd type="none" w="med" len="med"/>
+                    </a:lnB>
+                    <a:lnTlToBr>
+                      <a:noFill/>
+                    </a:lnTlToBr>
+                    <a:lnBlToTr>
+                      <a:noFill/>
+                    </a:lnBlToTr>
+                    <a:solidFill>
+                      <a:schemeClr val="accent1"/>
+                    </a:solidFill>
+                  </a:tcPr>
+                </a:tc>
+              </a:tr>
+              <a:tr h="369888">
+                <a:tc>
+                  <a:txBody>
+                    <a:bodyPr/>
+                    <a:lstStyle/>
+                    <a:p>
+                      <a:pPr marL="0" marR="0" lvl="0" indent="0" algn="l" defTabSz="914400" rtl="0" eaLnBrk="1" fontAlgn="base" latinLnBrk="0" hangingPunct="1">
+                        <a:lnSpc>
+                          <a:spcPct val="100000"/>
+                        </a:lnSpc>
+                        <a:spcBef>
+                          <a:spcPct val="0"/>
+                        </a:spcBef>
+                        <a:spcAft>
+                          <a:spcPct val="0"/>
+                        </a:spcAft>
+                        <a:buClrTx/>
+                        <a:buSzTx/>
+                        <a:buFontTx/>
+                        <a:buNone/>
+                        <a:tabLst/>
+                      </a:pPr>
+                      <a:r>
+                        <a:rPr kumimoji="0" lang="en-US" sz="1800" b="0" i="0" u="none" strike="noStrike" cap="none" normalizeH="0" baseline="0" smtClean="0">
+                          <a:ln>
+                            <a:noFill/>
+                          </a:ln>
+                          <a:solidFill>
+                            <a:srgbClr val="000000"/>
+                          </a:solidFill>
+                          <a:effectLst/>
+                          <a:latin typeface="Calibri" pitchFamily="34" charset="0"/>
+                        </a:rPr>
+                        <a:t>Length</a:t>
+                      </a:r>
+                      <a:endParaRPr kumimoji="0" lang="be-BY" sz="1800" b="0" i="0" u="none" strike="noStrike" cap="none" normalizeH="0" baseline="0" smtClean="0">
+                        <a:ln>
+                          <a:noFill/>
+                        </a:ln>
+                        <a:solidFill>
+                          <a:srgbClr val="000000"/>
+                        </a:solidFill>
+                        <a:effectLst/>
+                        <a:latin typeface="Calibri" pitchFamily="34" charset="0"/>
+                      </a:endParaRPr>
+                    </a:p>
+                  </a:txBody>
+                  <a:tcPr horzOverflow="overflow">
+                    <a:lnL w="12700" cap="flat" cmpd="sng" algn="ctr">
+                      <a:solidFill>
+                        <a:schemeClr val="bg1"/>
+                      </a:solidFill>
+                      <a:prstDash val="solid"/>
+                      <a:round/>
+                      <a:headEnd type="none" w="med" len="med"/>
+                      <a:tailEnd type="none" w="med" len="med"/>
+                    </a:lnL>
+                    <a:lnR w="12700" cap="flat" cmpd="sng" algn="ctr">
+                      <a:solidFill>
+                        <a:schemeClr val="bg1"/>
+                      </a:solidFill>
+                      <a:prstDash val="solid"/>
+                      <a:round/>
+                      <a:headEnd type="none" w="med" len="med"/>
+                      <a:tailEnd type="none" w="med" len="med"/>
+                    </a:lnR>
+                    <a:lnT w="38100" cap="flat" cmpd="sng" algn="ctr">
+                      <a:solidFill>
+                        <a:schemeClr val="bg1"/>
+                      </a:solidFill>
+                      <a:prstDash val="solid"/>
+                      <a:round/>
+                      <a:headEnd type="none" w="med" len="med"/>
+                      <a:tailEnd type="none" w="med" len="med"/>
+                    </a:lnT>
+                    <a:lnB w="12700" cap="flat" cmpd="sng" algn="ctr">
+                      <a:solidFill>
+                        <a:schemeClr val="bg1"/>
+                      </a:solidFill>
+                      <a:prstDash val="solid"/>
+                      <a:round/>
+                      <a:headEnd type="none" w="med" len="med"/>
+                      <a:tailEnd type="none" w="med" len="med"/>
+                    </a:lnB>
+                    <a:lnTlToBr>
+                      <a:noFill/>
+                    </a:lnTlToBr>
+                    <a:lnBlToTr>
+                      <a:noFill/>
+                    </a:lnBlToTr>
+                    <a:solidFill>
+                      <a:srgbClr val="D0D8E8"/>
+                    </a:solidFill>
+                  </a:tcPr>
+                </a:tc>
+                <a:tc>
+                  <a:txBody>
+                    <a:bodyPr/>
+                    <a:lstStyle/>
+                    <a:p>
+                      <a:pPr marL="0" marR="0" lvl="0" indent="0" algn="l" defTabSz="914400" rtl="0" eaLnBrk="1" fontAlgn="base" latinLnBrk="0" hangingPunct="1">
+                        <a:lnSpc>
+                          <a:spcPct val="100000"/>
+                        </a:lnSpc>
+                        <a:spcBef>
+                          <a:spcPct val="0"/>
+                        </a:spcBef>
+                        <a:spcAft>
+                          <a:spcPct val="0"/>
+                        </a:spcAft>
+                        <a:buClrTx/>
+                        <a:buSzTx/>
+                        <a:buFontTx/>
+                        <a:buNone/>
+                        <a:tabLst/>
+                      </a:pPr>
+                      <a:r>
+                        <a:rPr kumimoji="0" lang="ru-RU" sz="1800" b="0" i="0" u="none" strike="noStrike" cap="none" normalizeH="0" baseline="0" smtClean="0">
+                          <a:ln>
+                            <a:noFill/>
+                          </a:ln>
+                          <a:solidFill>
+                            <a:srgbClr val="000000"/>
+                          </a:solidFill>
+                          <a:effectLst/>
+                          <a:latin typeface="Calibri" pitchFamily="34" charset="0"/>
+                        </a:rPr>
+                        <a:t>Длина строки</a:t>
+                      </a:r>
+                      <a:endParaRPr kumimoji="0" lang="be-BY" sz="1800" b="0" i="0" u="none" strike="noStrike" cap="none" normalizeH="0" baseline="0" smtClean="0">
+                        <a:ln>
+                          <a:noFill/>
+                        </a:ln>
+                        <a:solidFill>
+                          <a:srgbClr val="000000"/>
+                        </a:solidFill>
+                        <a:effectLst/>
+                        <a:latin typeface="Calibri" pitchFamily="34" charset="0"/>
+                      </a:endParaRPr>
+                    </a:p>
+                  </a:txBody>
+                  <a:tcPr horzOverflow="overflow">
+                    <a:lnL w="12700" cap="flat" cmpd="sng" algn="ctr">
+                      <a:solidFill>
+                        <a:schemeClr val="bg1"/>
+                      </a:solidFill>
+                      <a:prstDash val="solid"/>
+                      <a:round/>
+                      <a:headEnd type="none" w="med" len="med"/>
+                      <a:tailEnd type="none" w="med" len="med"/>
+                    </a:lnL>
+                    <a:lnR w="12700" cap="flat" cmpd="sng" algn="ctr">
+                      <a:solidFill>
+                        <a:schemeClr val="bg1"/>
+                      </a:solidFill>
+                      <a:prstDash val="solid"/>
+                      <a:round/>
+                      <a:headEnd type="none" w="med" len="med"/>
+                      <a:tailEnd type="none" w="med" len="med"/>
+                    </a:lnR>
+                    <a:lnT w="38100" cap="flat" cmpd="sng" algn="ctr">
+                      <a:solidFill>
+                        <a:schemeClr val="bg1"/>
+                      </a:solidFill>
+                      <a:prstDash val="solid"/>
+                      <a:round/>
+                      <a:headEnd type="none" w="med" len="med"/>
+                      <a:tailEnd type="none" w="med" len="med"/>
+                    </a:lnT>
+                    <a:lnB w="12700" cap="flat" cmpd="sng" algn="ctr">
+                      <a:solidFill>
+                        <a:schemeClr val="bg1"/>
+                      </a:solidFill>
+                      <a:prstDash val="solid"/>
+                      <a:round/>
+                      <a:headEnd type="none" w="med" len="med"/>
+                      <a:tailEnd type="none" w="med" len="med"/>
+                    </a:lnB>
+                    <a:lnTlToBr>
+                      <a:noFill/>
+                    </a:lnTlToBr>
+                    <a:lnBlToTr>
+                      <a:noFill/>
+                    </a:lnBlToTr>
+                    <a:solidFill>
+                      <a:srgbClr val="D0D8E8"/>
+                    </a:solidFill>
+                  </a:tcPr>
+                </a:tc>
+              </a:tr>
+              <a:tr h="371475">
+                <a:tc>
+                  <a:txBody>
+                    <a:bodyPr/>
+                    <a:lstStyle/>
+                    <a:p>
+                      <a:pPr marL="0" marR="0" lvl="0" indent="0" algn="l" defTabSz="914400" rtl="0" eaLnBrk="1" fontAlgn="base" latinLnBrk="0" hangingPunct="1">
+                        <a:lnSpc>
+                          <a:spcPct val="100000"/>
+                        </a:lnSpc>
+                        <a:spcBef>
+                          <a:spcPct val="0"/>
+                        </a:spcBef>
+                        <a:spcAft>
+                          <a:spcPct val="0"/>
+                        </a:spcAft>
+                        <a:buClrTx/>
+                        <a:buSzTx/>
+                        <a:buFontTx/>
+                        <a:buNone/>
+                        <a:tabLst/>
+                      </a:pPr>
+                      <a:r>
+                        <a:rPr kumimoji="0" lang="en-US" sz="1800" b="0" i="0" u="none" strike="noStrike" cap="none" normalizeH="0" baseline="0" dirty="0" err="1" smtClean="0">
+                          <a:ln>
+                            <a:noFill/>
+                          </a:ln>
+                          <a:solidFill>
+                            <a:srgbClr val="000000"/>
+                          </a:solidFill>
+                          <a:effectLst/>
+                          <a:latin typeface="Calibri" pitchFamily="34" charset="0"/>
+                        </a:rPr>
+                        <a:t>Concat</a:t>
+                      </a:r>
+                      <a:r>
+                        <a:rPr kumimoji="0" lang="en-US" sz="1800" b="0" i="0" u="none" strike="noStrike" cap="none" normalizeH="0" baseline="0" dirty="0" smtClean="0">
+                          <a:ln>
+                            <a:noFill/>
+                          </a:ln>
+                          <a:solidFill>
+                            <a:srgbClr val="000000"/>
+                          </a:solidFill>
+                          <a:effectLst/>
+                          <a:latin typeface="Calibri" pitchFamily="34" charset="0"/>
+                        </a:rPr>
+                        <a:t>()</a:t>
+                      </a:r>
+                      <a:r>
+                        <a:rPr kumimoji="0" lang="en-US" sz="1800" b="0" i="0" u="none" strike="noStrike" cap="none" normalizeH="0" baseline="0" dirty="0" smtClean="0">
+                          <a:ln>
+                            <a:noFill/>
+                          </a:ln>
+                          <a:solidFill>
+                            <a:srgbClr val="000000"/>
+                          </a:solidFill>
+                          <a:effectLst/>
+                          <a:latin typeface="Arial" charset="0"/>
+                        </a:rPr>
+                        <a:t>; </a:t>
+                      </a:r>
+                      <a:r>
+                        <a:rPr kumimoji="0" lang="ru-RU" sz="1800" b="0" i="0" u="none" strike="noStrike" cap="none" normalizeH="0" baseline="0" dirty="0" smtClean="0">
+                          <a:ln>
+                            <a:noFill/>
+                          </a:ln>
+                          <a:solidFill>
+                            <a:srgbClr val="000000"/>
+                          </a:solidFill>
+                          <a:effectLst/>
+                          <a:latin typeface="Arial" charset="0"/>
+                        </a:rPr>
+                        <a:t>оператор</a:t>
+                      </a:r>
+                      <a:r>
+                        <a:rPr kumimoji="0" lang="en-US" sz="1800" b="0" i="0" u="none" strike="noStrike" cap="none" normalizeH="0" baseline="0" dirty="0" smtClean="0">
+                          <a:ln>
+                            <a:noFill/>
+                          </a:ln>
+                          <a:solidFill>
+                            <a:srgbClr val="000000"/>
+                          </a:solidFill>
+                          <a:effectLst/>
+                          <a:latin typeface="Calibri" pitchFamily="34" charset="0"/>
+                        </a:rPr>
+                        <a:t>  +</a:t>
+                      </a:r>
+                      <a:endParaRPr kumimoji="0" lang="be-BY" sz="1800" b="0" i="0" u="none" strike="noStrike" cap="none" normalizeH="0" baseline="0" dirty="0" smtClean="0">
+                        <a:ln>
+                          <a:noFill/>
+                        </a:ln>
+                        <a:solidFill>
+                          <a:srgbClr val="000000"/>
+                        </a:solidFill>
+                        <a:effectLst/>
+                        <a:latin typeface="Calibri" pitchFamily="34" charset="0"/>
+                      </a:endParaRPr>
+                    </a:p>
+                  </a:txBody>
+                  <a:tcPr horzOverflow="overflow">
+                    <a:lnL w="12700" cap="flat" cmpd="sng" algn="ctr">
+                      <a:solidFill>
+                        <a:schemeClr val="bg1"/>
+                      </a:solidFill>
+                      <a:prstDash val="solid"/>
+                      <a:round/>
+                      <a:headEnd type="none" w="med" len="med"/>
+                      <a:tailEnd type="none" w="med" len="med"/>
+                    </a:lnL>
+                    <a:lnR w="12700" cap="flat" cmpd="sng" algn="ctr">
+                      <a:solidFill>
+                        <a:schemeClr val="bg1"/>
+                      </a:solidFill>
+                      <a:prstDash val="solid"/>
+                      <a:round/>
+                      <a:headEnd type="none" w="med" len="med"/>
+                      <a:tailEnd type="none" w="med" len="med"/>
+                    </a:lnR>
+                    <a:lnT w="12700" cap="flat" cmpd="sng" algn="ctr">
+                      <a:solidFill>
+                        <a:schemeClr val="bg1"/>
+                      </a:solidFill>
+                      <a:prstDash val="solid"/>
+                      <a:round/>
+                      <a:headEnd type="none" w="med" len="med"/>
+                      <a:tailEnd type="none" w="med" len="med"/>
+                    </a:lnT>
+                    <a:lnB w="12700" cap="flat" cmpd="sng" algn="ctr">
+                      <a:solidFill>
+                        <a:schemeClr val="bg1"/>
+                      </a:solidFill>
+                      <a:prstDash val="solid"/>
+                      <a:round/>
+                      <a:headEnd type="none" w="med" len="med"/>
+                      <a:tailEnd type="none" w="med" len="med"/>
+                    </a:lnB>
+                    <a:lnTlToBr>
+                      <a:noFill/>
+                    </a:lnTlToBr>
+                    <a:lnBlToTr>
+                      <a:noFill/>
+                    </a:lnBlToTr>
+                    <a:solidFill>
+                      <a:srgbClr val="E9EDF4"/>
+                    </a:solidFill>
+                  </a:tcPr>
+                </a:tc>
+                <a:tc>
+                  <a:txBody>
+                    <a:bodyPr/>
+                    <a:lstStyle/>
+                    <a:p>
+                      <a:pPr marL="0" marR="0" lvl="0" indent="0" algn="l" defTabSz="914400" rtl="0" eaLnBrk="1" fontAlgn="base" latinLnBrk="0" hangingPunct="1">
+                        <a:lnSpc>
+                          <a:spcPct val="100000"/>
+                        </a:lnSpc>
+                        <a:spcBef>
+                          <a:spcPct val="0"/>
+                        </a:spcBef>
+                        <a:spcAft>
+                          <a:spcPct val="0"/>
+                        </a:spcAft>
+                        <a:buClrTx/>
+                        <a:buSzTx/>
+                        <a:buFontTx/>
+                        <a:buNone/>
+                        <a:tabLst/>
+                      </a:pPr>
+                      <a:r>
+                        <a:rPr kumimoji="0" lang="ru-RU" sz="1800" b="0" i="0" u="none" strike="noStrike" cap="none" normalizeH="0" baseline="0" smtClean="0">
+                          <a:ln>
+                            <a:noFill/>
+                          </a:ln>
+                          <a:solidFill>
+                            <a:srgbClr val="000000"/>
+                          </a:solidFill>
+                          <a:effectLst/>
+                          <a:latin typeface="Calibri" pitchFamily="34" charset="0"/>
+                        </a:rPr>
+                        <a:t>Склеивает 2 строки в одну</a:t>
+                      </a:r>
+                      <a:endParaRPr kumimoji="0" lang="be-BY" sz="1800" b="0" i="0" u="none" strike="noStrike" cap="none" normalizeH="0" baseline="0" smtClean="0">
+                        <a:ln>
+                          <a:noFill/>
+                        </a:ln>
+                        <a:solidFill>
+                          <a:srgbClr val="000000"/>
+                        </a:solidFill>
+                        <a:effectLst/>
+                        <a:latin typeface="Calibri" pitchFamily="34" charset="0"/>
+                      </a:endParaRPr>
+                    </a:p>
+                  </a:txBody>
+                  <a:tcPr horzOverflow="overflow">
+                    <a:lnL w="12700" cap="flat" cmpd="sng" algn="ctr">
+                      <a:solidFill>
+                        <a:schemeClr val="bg1"/>
+                      </a:solidFill>
+                      <a:prstDash val="solid"/>
+                      <a:round/>
+                      <a:headEnd type="none" w="med" len="med"/>
+                      <a:tailEnd type="none" w="med" len="med"/>
+                    </a:lnL>
+                    <a:lnR w="12700" cap="flat" cmpd="sng" algn="ctr">
+                      <a:solidFill>
+                        <a:schemeClr val="bg1"/>
+                      </a:solidFill>
+                      <a:prstDash val="solid"/>
+                      <a:round/>
+                      <a:headEnd type="none" w="med" len="med"/>
+                      <a:tailEnd type="none" w="med" len="med"/>
+                    </a:lnR>
+                    <a:lnT w="12700" cap="flat" cmpd="sng" algn="ctr">
+                      <a:solidFill>
+                        <a:schemeClr val="bg1"/>
+                      </a:solidFill>
+                      <a:prstDash val="solid"/>
+                      <a:round/>
+                      <a:headEnd type="none" w="med" len="med"/>
+                      <a:tailEnd type="none" w="med" len="med"/>
+                    </a:lnT>
+                    <a:lnB w="12700" cap="flat" cmpd="sng" algn="ctr">
+                      <a:solidFill>
+                        <a:schemeClr val="bg1"/>
+                      </a:solidFill>
+                      <a:prstDash val="solid"/>
+                      <a:round/>
+                      <a:headEnd type="none" w="med" len="med"/>
+                      <a:tailEnd type="none" w="med" len="med"/>
+                    </a:lnB>
+                    <a:lnTlToBr>
+                      <a:noFill/>
+                    </a:lnTlToBr>
+                    <a:lnBlToTr>
+                      <a:noFill/>
+                    </a:lnBlToTr>
+                    <a:solidFill>
+                      <a:srgbClr val="E9EDF4"/>
+                    </a:solidFill>
+                  </a:tcPr>
+                </a:tc>
+              </a:tr>
+              <a:tr h="369888">
+                <a:tc>
+                  <a:txBody>
+                    <a:bodyPr/>
+                    <a:lstStyle/>
+                    <a:p>
+                      <a:pPr marL="0" marR="0" lvl="0" indent="0" algn="l" defTabSz="914400" rtl="0" eaLnBrk="1" fontAlgn="base" latinLnBrk="0" hangingPunct="1">
+                        <a:lnSpc>
+                          <a:spcPct val="100000"/>
+                        </a:lnSpc>
+                        <a:spcBef>
+                          <a:spcPct val="0"/>
+                        </a:spcBef>
+                        <a:spcAft>
+                          <a:spcPct val="0"/>
+                        </a:spcAft>
+                        <a:buClrTx/>
+                        <a:buSzTx/>
+                        <a:buFontTx/>
+                        <a:buNone/>
+                        <a:tabLst/>
+                      </a:pPr>
+                      <a:r>
+                        <a:rPr kumimoji="0" lang="en-US" sz="1800" b="0" i="0" u="none" strike="noStrike" cap="none" normalizeH="0" baseline="0" dirty="0" err="1" smtClean="0">
+                          <a:ln>
+                            <a:noFill/>
+                          </a:ln>
+                          <a:solidFill>
+                            <a:srgbClr val="000000"/>
+                          </a:solidFill>
+                          <a:effectLst/>
+                          <a:latin typeface="Calibri" pitchFamily="34" charset="0"/>
+                        </a:rPr>
+                        <a:t>CompareTo</a:t>
+                      </a:r>
+                      <a:r>
+                        <a:rPr kumimoji="0" lang="en-US" sz="1800" b="0" i="0" u="none" strike="noStrike" cap="none" normalizeH="0" baseline="0" dirty="0" smtClean="0">
+                          <a:ln>
+                            <a:noFill/>
+                          </a:ln>
+                          <a:solidFill>
+                            <a:srgbClr val="000000"/>
+                          </a:solidFill>
+                          <a:effectLst/>
+                          <a:latin typeface="Calibri" pitchFamily="34" charset="0"/>
+                        </a:rPr>
+                        <a:t>()</a:t>
+                      </a:r>
+                      <a:endParaRPr kumimoji="0" lang="be-BY" sz="1800" b="0" i="0" u="none" strike="noStrike" cap="none" normalizeH="0" baseline="0" dirty="0" smtClean="0">
+                        <a:ln>
+                          <a:noFill/>
+                        </a:ln>
+                        <a:solidFill>
+                          <a:srgbClr val="000000"/>
+                        </a:solidFill>
+                        <a:effectLst/>
+                        <a:latin typeface="Calibri" pitchFamily="34" charset="0"/>
+                      </a:endParaRPr>
+                    </a:p>
+                  </a:txBody>
+                  <a:tcPr horzOverflow="overflow">
+                    <a:lnL w="12700" cap="flat" cmpd="sng" algn="ctr">
+                      <a:solidFill>
+                        <a:schemeClr val="bg1"/>
+                      </a:solidFill>
+                      <a:prstDash val="solid"/>
+                      <a:round/>
+                      <a:headEnd type="none" w="med" len="med"/>
+                      <a:tailEnd type="none" w="med" len="med"/>
+                    </a:lnL>
+                    <a:lnR w="12700" cap="flat" cmpd="sng" algn="ctr">
+                      <a:solidFill>
+                        <a:schemeClr val="bg1"/>
+                      </a:solidFill>
+                      <a:prstDash val="solid"/>
+                      <a:round/>
+                      <a:headEnd type="none" w="med" len="med"/>
+                      <a:tailEnd type="none" w="med" len="med"/>
+                    </a:lnR>
+                    <a:lnT w="12700" cap="flat" cmpd="sng" algn="ctr">
+                      <a:solidFill>
+                        <a:schemeClr val="bg1"/>
+                      </a:solidFill>
+                      <a:prstDash val="solid"/>
+                      <a:round/>
+                      <a:headEnd type="none" w="med" len="med"/>
+                      <a:tailEnd type="none" w="med" len="med"/>
+                    </a:lnT>
+                    <a:lnB w="12700" cap="flat" cmpd="sng" algn="ctr">
+                      <a:solidFill>
+                        <a:schemeClr val="bg1"/>
+                      </a:solidFill>
+                      <a:prstDash val="solid"/>
+                      <a:round/>
+                      <a:headEnd type="none" w="med" len="med"/>
+                      <a:tailEnd type="none" w="med" len="med"/>
+                    </a:lnB>
+                    <a:lnTlToBr>
+                      <a:noFill/>
+                    </a:lnTlToBr>
+                    <a:lnBlToTr>
+                      <a:noFill/>
+                    </a:lnBlToTr>
+                    <a:solidFill>
+                      <a:srgbClr val="D0D8E8"/>
+                    </a:solidFill>
+                  </a:tcPr>
+                </a:tc>
+                <a:tc>
+                  <a:txBody>
+                    <a:bodyPr/>
+                    <a:lstStyle/>
+                    <a:p>
+                      <a:pPr marL="0" marR="0" lvl="0" indent="0" algn="l" defTabSz="914400" rtl="0" eaLnBrk="1" fontAlgn="base" latinLnBrk="0" hangingPunct="1">
+                        <a:lnSpc>
+                          <a:spcPct val="100000"/>
+                        </a:lnSpc>
+                        <a:spcBef>
+                          <a:spcPct val="0"/>
+                        </a:spcBef>
+                        <a:spcAft>
+                          <a:spcPct val="0"/>
+                        </a:spcAft>
+                        <a:buClrTx/>
+                        <a:buSzTx/>
+                        <a:buFontTx/>
+                        <a:buNone/>
+                        <a:tabLst/>
+                      </a:pPr>
+                      <a:r>
+                        <a:rPr kumimoji="0" lang="ru-RU" sz="1800" b="0" i="0" u="none" strike="noStrike" cap="none" normalizeH="0" baseline="0" dirty="0" smtClean="0">
+                          <a:ln>
+                            <a:noFill/>
+                          </a:ln>
+                          <a:solidFill>
+                            <a:srgbClr val="000000"/>
+                          </a:solidFill>
+                          <a:effectLst/>
+                          <a:latin typeface="Calibri" pitchFamily="34" charset="0"/>
+                        </a:rPr>
+                        <a:t>Сравнивает строки</a:t>
+                      </a:r>
+                      <a:endParaRPr kumimoji="0" lang="be-BY" sz="1800" b="0" i="0" u="none" strike="noStrike" cap="none" normalizeH="0" baseline="0" dirty="0" smtClean="0">
+                        <a:ln>
+                          <a:noFill/>
+                        </a:ln>
+                        <a:solidFill>
+                          <a:srgbClr val="000000"/>
+                        </a:solidFill>
+                        <a:effectLst/>
+                        <a:latin typeface="Calibri" pitchFamily="34" charset="0"/>
+                      </a:endParaRPr>
+                    </a:p>
+                  </a:txBody>
+                  <a:tcPr horzOverflow="overflow">
+                    <a:lnL w="12700" cap="flat" cmpd="sng" algn="ctr">
+                      <a:solidFill>
+                        <a:schemeClr val="bg1"/>
+                      </a:solidFill>
+                      <a:prstDash val="solid"/>
+                      <a:round/>
+                      <a:headEnd type="none" w="med" len="med"/>
+                      <a:tailEnd type="none" w="med" len="med"/>
+                    </a:lnL>
+                    <a:lnR w="12700" cap="flat" cmpd="sng" algn="ctr">
+                      <a:solidFill>
+                        <a:schemeClr val="bg1"/>
+                      </a:solidFill>
+                      <a:prstDash val="solid"/>
+                      <a:round/>
+                      <a:headEnd type="none" w="med" len="med"/>
+                      <a:tailEnd type="none" w="med" len="med"/>
+                    </a:lnR>
+                    <a:lnT w="12700" cap="flat" cmpd="sng" algn="ctr">
+                      <a:solidFill>
+                        <a:schemeClr val="bg1"/>
+                      </a:solidFill>
+                      <a:prstDash val="solid"/>
+                      <a:round/>
+                      <a:headEnd type="none" w="med" len="med"/>
+                      <a:tailEnd type="none" w="med" len="med"/>
+                    </a:lnT>
+                    <a:lnB w="12700" cap="flat" cmpd="sng" algn="ctr">
+                      <a:solidFill>
+                        <a:schemeClr val="bg1"/>
+                      </a:solidFill>
+                      <a:prstDash val="solid"/>
+                      <a:round/>
+                      <a:headEnd type="none" w="med" len="med"/>
+                      <a:tailEnd type="none" w="med" len="med"/>
+                    </a:lnB>
+                    <a:lnTlToBr>
+                      <a:noFill/>
+                    </a:lnTlToBr>
+                    <a:lnBlToTr>
+                      <a:noFill/>
+                    </a:lnBlToTr>
+                    <a:solidFill>
+                      <a:srgbClr val="D0D8E8"/>
+                    </a:solidFill>
+                  </a:tcPr>
+                </a:tc>
+              </a:tr>
+              <a:tr h="371475">
+                <a:tc>
+                  <a:txBody>
+                    <a:bodyPr/>
+                    <a:lstStyle/>
+                    <a:p>
+                      <a:pPr marL="0" marR="0" lvl="0" indent="0" algn="l" defTabSz="914400" rtl="0" eaLnBrk="1" fontAlgn="base" latinLnBrk="0" hangingPunct="1">
+                        <a:lnSpc>
+                          <a:spcPct val="100000"/>
+                        </a:lnSpc>
+                        <a:spcBef>
+                          <a:spcPct val="0"/>
+                        </a:spcBef>
+                        <a:spcAft>
+                          <a:spcPct val="0"/>
+                        </a:spcAft>
+                        <a:buClrTx/>
+                        <a:buSzTx/>
+                        <a:buFontTx/>
+                        <a:buNone/>
+                        <a:tabLst/>
+                      </a:pPr>
+                      <a:r>
+                        <a:rPr kumimoji="0" lang="en-US" sz="1800" b="0" i="0" u="none" strike="noStrike" cap="none" normalizeH="0" baseline="0" dirty="0" smtClean="0">
+                          <a:ln>
+                            <a:noFill/>
+                          </a:ln>
+                          <a:solidFill>
+                            <a:srgbClr val="000000"/>
+                          </a:solidFill>
+                          <a:effectLst/>
+                          <a:latin typeface="Calibri" pitchFamily="34" charset="0"/>
+                        </a:rPr>
+                        <a:t>Insert</a:t>
+                      </a:r>
+                      <a:r>
+                        <a:rPr kumimoji="0" lang="ru-RU" sz="1800" b="0" i="0" u="none" strike="noStrike" cap="none" normalizeH="0" baseline="0" dirty="0" smtClean="0">
+                          <a:ln>
+                            <a:noFill/>
+                          </a:ln>
+                          <a:solidFill>
+                            <a:srgbClr val="000000"/>
+                          </a:solidFill>
+                          <a:effectLst/>
+                          <a:latin typeface="Calibri" pitchFamily="34" charset="0"/>
+                        </a:rPr>
+                        <a:t>()</a:t>
+                      </a:r>
+                      <a:endParaRPr kumimoji="0" lang="be-BY" sz="1800" b="0" i="0" u="none" strike="noStrike" cap="none" normalizeH="0" baseline="0" dirty="0" smtClean="0">
+                        <a:ln>
+                          <a:noFill/>
+                        </a:ln>
+                        <a:solidFill>
+                          <a:srgbClr val="000000"/>
+                        </a:solidFill>
+                        <a:effectLst/>
+                        <a:latin typeface="Calibri" pitchFamily="34" charset="0"/>
+                      </a:endParaRPr>
+                    </a:p>
+                  </a:txBody>
+                  <a:tcPr horzOverflow="overflow">
+                    <a:lnL w="12700" cap="flat" cmpd="sng" algn="ctr">
+                      <a:solidFill>
+                        <a:schemeClr val="bg1"/>
+                      </a:solidFill>
+                      <a:prstDash val="solid"/>
+                      <a:round/>
+                      <a:headEnd type="none" w="med" len="med"/>
+                      <a:tailEnd type="none" w="med" len="med"/>
+                    </a:lnL>
+                    <a:lnR w="12700" cap="flat" cmpd="sng" algn="ctr">
+                      <a:solidFill>
+                        <a:schemeClr val="bg1"/>
+                      </a:solidFill>
+                      <a:prstDash val="solid"/>
+                      <a:round/>
+                      <a:headEnd type="none" w="med" len="med"/>
+                      <a:tailEnd type="none" w="med" len="med"/>
+                    </a:lnR>
+                    <a:lnT w="12700" cap="flat" cmpd="sng" algn="ctr">
+                      <a:solidFill>
+                        <a:schemeClr val="bg1"/>
+                      </a:solidFill>
+                      <a:prstDash val="solid"/>
+                      <a:round/>
+                      <a:headEnd type="none" w="med" len="med"/>
+                      <a:tailEnd type="none" w="med" len="med"/>
+                    </a:lnT>
+                    <a:lnB w="12700" cap="flat" cmpd="sng" algn="ctr">
+                      <a:solidFill>
+                        <a:schemeClr val="bg1"/>
+                      </a:solidFill>
+                      <a:prstDash val="solid"/>
+                      <a:round/>
+                      <a:headEnd type="none" w="med" len="med"/>
+                      <a:tailEnd type="none" w="med" len="med"/>
+                    </a:lnB>
+                    <a:lnTlToBr>
+                      <a:noFill/>
+                    </a:lnTlToBr>
+                    <a:lnBlToTr>
+                      <a:noFill/>
+                    </a:lnBlToTr>
+                    <a:solidFill>
+                      <a:srgbClr val="E9EDF4"/>
+                    </a:solidFill>
+                  </a:tcPr>
+                </a:tc>
+                <a:tc>
+                  <a:txBody>
+                    <a:bodyPr/>
+                    <a:lstStyle/>
+                    <a:p>
+                      <a:pPr marL="0" marR="0" lvl="0" indent="0" algn="l" defTabSz="914400" rtl="0" eaLnBrk="1" fontAlgn="base" latinLnBrk="0" hangingPunct="1">
+                        <a:lnSpc>
+                          <a:spcPct val="100000"/>
+                        </a:lnSpc>
+                        <a:spcBef>
+                          <a:spcPct val="0"/>
+                        </a:spcBef>
+                        <a:spcAft>
+                          <a:spcPct val="0"/>
+                        </a:spcAft>
+                        <a:buClrTx/>
+                        <a:buSzTx/>
+                        <a:buFontTx/>
+                        <a:buNone/>
+                        <a:tabLst/>
+                      </a:pPr>
+                      <a:r>
+                        <a:rPr kumimoji="0" lang="ru-RU" sz="1800" b="0" i="0" u="none" strike="noStrike" cap="none" normalizeH="0" baseline="0" smtClean="0">
+                          <a:ln>
+                            <a:noFill/>
+                          </a:ln>
+                          <a:solidFill>
+                            <a:srgbClr val="000000"/>
+                          </a:solidFill>
+                          <a:effectLst/>
+                          <a:latin typeface="Calibri" pitchFamily="34" charset="0"/>
+                        </a:rPr>
+                        <a:t>Вставляет строку в текущую</a:t>
+                      </a:r>
+                      <a:endParaRPr kumimoji="0" lang="be-BY" sz="1800" b="0" i="0" u="none" strike="noStrike" cap="none" normalizeH="0" baseline="0" smtClean="0">
+                        <a:ln>
+                          <a:noFill/>
+                        </a:ln>
+                        <a:solidFill>
+                          <a:srgbClr val="000000"/>
+                        </a:solidFill>
+                        <a:effectLst/>
+                        <a:latin typeface="Calibri" pitchFamily="34" charset="0"/>
+                      </a:endParaRPr>
+                    </a:p>
+                  </a:txBody>
+                  <a:tcPr horzOverflow="overflow">
+                    <a:lnL w="12700" cap="flat" cmpd="sng" algn="ctr">
+                      <a:solidFill>
+                        <a:schemeClr val="bg1"/>
+                      </a:solidFill>
+                      <a:prstDash val="solid"/>
+                      <a:round/>
+                      <a:headEnd type="none" w="med" len="med"/>
+                      <a:tailEnd type="none" w="med" len="med"/>
+                    </a:lnL>
+                    <a:lnR w="12700" cap="flat" cmpd="sng" algn="ctr">
+                      <a:solidFill>
+                        <a:schemeClr val="bg1"/>
+                      </a:solidFill>
+                      <a:prstDash val="solid"/>
+                      <a:round/>
+                      <a:headEnd type="none" w="med" len="med"/>
+                      <a:tailEnd type="none" w="med" len="med"/>
+                    </a:lnR>
+                    <a:lnT w="12700" cap="flat" cmpd="sng" algn="ctr">
+                      <a:solidFill>
+                        <a:schemeClr val="bg1"/>
+                      </a:solidFill>
+                      <a:prstDash val="solid"/>
+                      <a:round/>
+                      <a:headEnd type="none" w="med" len="med"/>
+                      <a:tailEnd type="none" w="med" len="med"/>
+                    </a:lnT>
+                    <a:lnB w="12700" cap="flat" cmpd="sng" algn="ctr">
+                      <a:solidFill>
+                        <a:schemeClr val="bg1"/>
+                      </a:solidFill>
+                      <a:prstDash val="solid"/>
+                      <a:round/>
+                      <a:headEnd type="none" w="med" len="med"/>
+                      <a:tailEnd type="none" w="med" len="med"/>
+                    </a:lnB>
+                    <a:lnTlToBr>
+                      <a:noFill/>
+                    </a:lnTlToBr>
+                    <a:lnBlToTr>
+                      <a:noFill/>
+                    </a:lnBlToTr>
+                    <a:solidFill>
+                      <a:srgbClr val="E9EDF4"/>
+                    </a:solidFill>
+                  </a:tcPr>
+                </a:tc>
+              </a:tr>
+              <a:tr h="371475">
+                <a:tc>
+                  <a:txBody>
+                    <a:bodyPr/>
+                    <a:lstStyle/>
+                    <a:p>
+                      <a:pPr marL="0" marR="0" lvl="0" indent="0" algn="l" defTabSz="914400" rtl="0" eaLnBrk="1" fontAlgn="base" latinLnBrk="0" hangingPunct="1">
+                        <a:lnSpc>
+                          <a:spcPct val="100000"/>
+                        </a:lnSpc>
+                        <a:spcBef>
+                          <a:spcPct val="0"/>
+                        </a:spcBef>
+                        <a:spcAft>
+                          <a:spcPct val="0"/>
+                        </a:spcAft>
+                        <a:buClrTx/>
+                        <a:buSzTx/>
+                        <a:buFontTx/>
+                        <a:buNone/>
+                        <a:tabLst/>
+                      </a:pPr>
+                      <a:r>
+                        <a:rPr kumimoji="0" lang="en-US" sz="1800" b="0" i="0" u="none" strike="noStrike" cap="none" normalizeH="0" baseline="0" dirty="0" smtClean="0">
+                          <a:ln>
+                            <a:noFill/>
+                          </a:ln>
+                          <a:solidFill>
+                            <a:srgbClr val="000000"/>
+                          </a:solidFill>
+                          <a:effectLst/>
+                          <a:latin typeface="Calibri" pitchFamily="34" charset="0"/>
+                        </a:rPr>
+                        <a:t>Remove() Replace()</a:t>
+                      </a:r>
+                      <a:endParaRPr kumimoji="0" lang="be-BY" sz="1800" b="0" i="0" u="none" strike="noStrike" cap="none" normalizeH="0" baseline="0" dirty="0" smtClean="0">
+                        <a:ln>
+                          <a:noFill/>
+                        </a:ln>
+                        <a:solidFill>
+                          <a:srgbClr val="000000"/>
+                        </a:solidFill>
+                        <a:effectLst/>
+                        <a:latin typeface="Calibri" pitchFamily="34" charset="0"/>
+                      </a:endParaRPr>
+                    </a:p>
+                  </a:txBody>
+                  <a:tcPr horzOverflow="overflow">
+                    <a:lnL w="12700" cap="flat" cmpd="sng" algn="ctr">
+                      <a:solidFill>
+                        <a:schemeClr val="bg1"/>
+                      </a:solidFill>
+                      <a:prstDash val="solid"/>
+                      <a:round/>
+                      <a:headEnd type="none" w="med" len="med"/>
+                      <a:tailEnd type="none" w="med" len="med"/>
+                    </a:lnL>
+                    <a:lnR w="12700" cap="flat" cmpd="sng" algn="ctr">
+                      <a:solidFill>
+                        <a:schemeClr val="bg1"/>
+                      </a:solidFill>
+                      <a:prstDash val="solid"/>
+                      <a:round/>
+                      <a:headEnd type="none" w="med" len="med"/>
+                      <a:tailEnd type="none" w="med" len="med"/>
+                    </a:lnR>
+                    <a:lnT w="12700" cap="flat" cmpd="sng" algn="ctr">
+                      <a:solidFill>
+                        <a:schemeClr val="bg1"/>
+                      </a:solidFill>
+                      <a:prstDash val="solid"/>
+                      <a:round/>
+                      <a:headEnd type="none" w="med" len="med"/>
+                      <a:tailEnd type="none" w="med" len="med"/>
+                    </a:lnT>
+                    <a:lnB w="12700" cap="flat" cmpd="sng" algn="ctr">
+                      <a:solidFill>
+                        <a:schemeClr val="bg1"/>
+                      </a:solidFill>
+                      <a:prstDash val="solid"/>
+                      <a:round/>
+                      <a:headEnd type="none" w="med" len="med"/>
+                      <a:tailEnd type="none" w="med" len="med"/>
+                    </a:lnB>
+                    <a:lnTlToBr>
+                      <a:noFill/>
+                    </a:lnTlToBr>
+                    <a:lnBlToTr>
+                      <a:noFill/>
+                    </a:lnBlToTr>
+                    <a:solidFill>
+                      <a:srgbClr val="D0D8E8"/>
+                    </a:solidFill>
+                  </a:tcPr>
+                </a:tc>
+                <a:tc>
+                  <a:txBody>
+                    <a:bodyPr/>
+                    <a:lstStyle/>
+                    <a:p>
+                      <a:pPr marL="0" marR="0" lvl="0" indent="0" algn="l" defTabSz="914400" rtl="0" eaLnBrk="1" fontAlgn="base" latinLnBrk="0" hangingPunct="1">
+                        <a:lnSpc>
+                          <a:spcPct val="100000"/>
+                        </a:lnSpc>
+                        <a:spcBef>
+                          <a:spcPct val="0"/>
+                        </a:spcBef>
+                        <a:spcAft>
+                          <a:spcPct val="0"/>
+                        </a:spcAft>
+                        <a:buClrTx/>
+                        <a:buSzTx/>
+                        <a:buFontTx/>
+                        <a:buNone/>
+                        <a:tabLst/>
+                      </a:pPr>
+                      <a:r>
+                        <a:rPr kumimoji="0" lang="ru-RU" sz="1800" b="0" i="0" u="none" strike="noStrike" cap="none" normalizeH="0" baseline="0" smtClean="0">
+                          <a:ln>
+                            <a:noFill/>
+                          </a:ln>
+                          <a:solidFill>
+                            <a:srgbClr val="000000"/>
+                          </a:solidFill>
+                          <a:effectLst/>
+                          <a:latin typeface="Calibri" pitchFamily="34" charset="0"/>
+                        </a:rPr>
+                        <a:t>Удаляет или замет данные в строке</a:t>
+                      </a:r>
+                      <a:endParaRPr kumimoji="0" lang="be-BY" sz="1800" b="0" i="0" u="none" strike="noStrike" cap="none" normalizeH="0" baseline="0" smtClean="0">
+                        <a:ln>
+                          <a:noFill/>
+                        </a:ln>
+                        <a:solidFill>
+                          <a:srgbClr val="000000"/>
+                        </a:solidFill>
+                        <a:effectLst/>
+                        <a:latin typeface="Calibri" pitchFamily="34" charset="0"/>
+                      </a:endParaRPr>
+                    </a:p>
+                  </a:txBody>
+                  <a:tcPr horzOverflow="overflow">
+                    <a:lnL w="12700" cap="flat" cmpd="sng" algn="ctr">
+                      <a:solidFill>
+                        <a:schemeClr val="bg1"/>
+                      </a:solidFill>
+                      <a:prstDash val="solid"/>
+                      <a:round/>
+                      <a:headEnd type="none" w="med" len="med"/>
+                      <a:tailEnd type="none" w="med" len="med"/>
+                    </a:lnL>
+                    <a:lnR w="12700" cap="flat" cmpd="sng" algn="ctr">
+                      <a:solidFill>
+                        <a:schemeClr val="bg1"/>
+                      </a:solidFill>
+                      <a:prstDash val="solid"/>
+                      <a:round/>
+                      <a:headEnd type="none" w="med" len="med"/>
+                      <a:tailEnd type="none" w="med" len="med"/>
+                    </a:lnR>
+                    <a:lnT w="12700" cap="flat" cmpd="sng" algn="ctr">
+                      <a:solidFill>
+                        <a:schemeClr val="bg1"/>
+                      </a:solidFill>
+                      <a:prstDash val="solid"/>
+                      <a:round/>
+                      <a:headEnd type="none" w="med" len="med"/>
+                      <a:tailEnd type="none" w="med" len="med"/>
+                    </a:lnT>
+                    <a:lnB w="12700" cap="flat" cmpd="sng" algn="ctr">
+                      <a:solidFill>
+                        <a:schemeClr val="bg1"/>
+                      </a:solidFill>
+                      <a:prstDash val="solid"/>
+                      <a:round/>
+                      <a:headEnd type="none" w="med" len="med"/>
+                      <a:tailEnd type="none" w="med" len="med"/>
+                    </a:lnB>
+                    <a:lnTlToBr>
+                      <a:noFill/>
+                    </a:lnTlToBr>
+                    <a:lnBlToTr>
+                      <a:noFill/>
+                    </a:lnBlToTr>
+                    <a:solidFill>
+                      <a:srgbClr val="D0D8E8"/>
+                    </a:solidFill>
+                  </a:tcPr>
+                </a:tc>
+              </a:tr>
+              <a:tr h="369888">
+                <a:tc>
+                  <a:txBody>
+                    <a:bodyPr/>
+                    <a:lstStyle/>
+                    <a:p>
+                      <a:pPr marL="0" marR="0" lvl="0" indent="0" algn="l" defTabSz="914400" rtl="0" eaLnBrk="1" fontAlgn="base" latinLnBrk="0" hangingPunct="1">
+                        <a:lnSpc>
+                          <a:spcPct val="100000"/>
+                        </a:lnSpc>
+                        <a:spcBef>
+                          <a:spcPct val="0"/>
+                        </a:spcBef>
+                        <a:spcAft>
+                          <a:spcPct val="0"/>
+                        </a:spcAft>
+                        <a:buClrTx/>
+                        <a:buSzTx/>
+                        <a:buFontTx/>
+                        <a:buNone/>
+                        <a:tabLst/>
+                      </a:pPr>
+                      <a:r>
+                        <a:rPr kumimoji="0" lang="en-US" sz="1800" b="0" i="0" u="none" strike="noStrike" cap="none" normalizeH="0" baseline="0" dirty="0" err="1" smtClean="0">
+                          <a:ln>
+                            <a:noFill/>
+                          </a:ln>
+                          <a:solidFill>
+                            <a:srgbClr val="000000"/>
+                          </a:solidFill>
+                          <a:effectLst/>
+                          <a:latin typeface="Calibri" pitchFamily="34" charset="0"/>
+                        </a:rPr>
+                        <a:t>ToUpper</a:t>
+                      </a:r>
+                      <a:r>
+                        <a:rPr kumimoji="0" lang="en-US" sz="1800" b="0" i="0" u="none" strike="noStrike" cap="none" normalizeH="0" baseline="0" dirty="0" smtClean="0">
+                          <a:ln>
+                            <a:noFill/>
+                          </a:ln>
+                          <a:solidFill>
+                            <a:srgbClr val="000000"/>
+                          </a:solidFill>
+                          <a:effectLst/>
+                          <a:latin typeface="Calibri" pitchFamily="34" charset="0"/>
+                        </a:rPr>
+                        <a:t>() </a:t>
+                      </a:r>
+                      <a:r>
+                        <a:rPr kumimoji="0" lang="en-US" sz="1800" b="0" i="0" u="none" strike="noStrike" cap="none" normalizeH="0" baseline="0" dirty="0" err="1" smtClean="0">
+                          <a:ln>
+                            <a:noFill/>
+                          </a:ln>
+                          <a:solidFill>
+                            <a:srgbClr val="000000"/>
+                          </a:solidFill>
+                          <a:effectLst/>
+                          <a:latin typeface="Calibri" pitchFamily="34" charset="0"/>
+                        </a:rPr>
+                        <a:t>ToLower</a:t>
+                      </a:r>
+                      <a:r>
+                        <a:rPr kumimoji="0" lang="en-US" sz="1800" b="0" i="0" u="none" strike="noStrike" cap="none" normalizeH="0" baseline="0" dirty="0" smtClean="0">
+                          <a:ln>
+                            <a:noFill/>
+                          </a:ln>
+                          <a:solidFill>
+                            <a:srgbClr val="000000"/>
+                          </a:solidFill>
+                          <a:effectLst/>
+                          <a:latin typeface="Calibri" pitchFamily="34" charset="0"/>
+                        </a:rPr>
+                        <a:t>()</a:t>
+                      </a:r>
+                      <a:endParaRPr kumimoji="0" lang="be-BY" sz="1800" b="0" i="0" u="none" strike="noStrike" cap="none" normalizeH="0" baseline="0" dirty="0" smtClean="0">
+                        <a:ln>
+                          <a:noFill/>
+                        </a:ln>
+                        <a:solidFill>
+                          <a:srgbClr val="000000"/>
+                        </a:solidFill>
+                        <a:effectLst/>
+                        <a:latin typeface="Calibri" pitchFamily="34" charset="0"/>
+                      </a:endParaRPr>
+                    </a:p>
+                  </a:txBody>
+                  <a:tcPr horzOverflow="overflow">
+                    <a:lnL w="12700" cap="flat" cmpd="sng" algn="ctr">
+                      <a:solidFill>
+                        <a:schemeClr val="bg1"/>
+                      </a:solidFill>
+                      <a:prstDash val="solid"/>
+                      <a:round/>
+                      <a:headEnd type="none" w="med" len="med"/>
+                      <a:tailEnd type="none" w="med" len="med"/>
+                    </a:lnL>
+                    <a:lnR w="12700" cap="flat" cmpd="sng" algn="ctr">
+                      <a:solidFill>
+                        <a:schemeClr val="bg1"/>
+                      </a:solidFill>
+                      <a:prstDash val="solid"/>
+                      <a:round/>
+                      <a:headEnd type="none" w="med" len="med"/>
+                      <a:tailEnd type="none" w="med" len="med"/>
+                    </a:lnR>
+                    <a:lnT w="12700" cap="flat" cmpd="sng" algn="ctr">
+                      <a:solidFill>
+                        <a:schemeClr val="bg1"/>
+                      </a:solidFill>
+                      <a:prstDash val="solid"/>
+                      <a:round/>
+                      <a:headEnd type="none" w="med" len="med"/>
+                      <a:tailEnd type="none" w="med" len="med"/>
+                    </a:lnT>
+                    <a:lnB w="12700" cap="flat" cmpd="sng" algn="ctr">
+                      <a:solidFill>
+                        <a:schemeClr val="bg1"/>
+                      </a:solidFill>
+                      <a:prstDash val="solid"/>
+                      <a:round/>
+                      <a:headEnd type="none" w="med" len="med"/>
+                      <a:tailEnd type="none" w="med" len="med"/>
+                    </a:lnB>
+                    <a:lnTlToBr>
+                      <a:noFill/>
+                    </a:lnTlToBr>
+                    <a:lnBlToTr>
+                      <a:noFill/>
+                    </a:lnBlToTr>
+                    <a:solidFill>
+                      <a:srgbClr val="E9EDF4"/>
+                    </a:solidFill>
+                  </a:tcPr>
+                </a:tc>
+                <a:tc>
+                  <a:txBody>
+                    <a:bodyPr/>
+                    <a:lstStyle/>
+                    <a:p>
+                      <a:pPr marL="0" marR="0" lvl="0" indent="0" algn="l" defTabSz="914400" rtl="0" eaLnBrk="1" fontAlgn="base" latinLnBrk="0" hangingPunct="1">
+                        <a:lnSpc>
+                          <a:spcPct val="100000"/>
+                        </a:lnSpc>
+                        <a:spcBef>
+                          <a:spcPct val="0"/>
+                        </a:spcBef>
+                        <a:spcAft>
+                          <a:spcPct val="0"/>
+                        </a:spcAft>
+                        <a:buClrTx/>
+                        <a:buSzTx/>
+                        <a:buFontTx/>
+                        <a:buNone/>
+                        <a:tabLst/>
+                      </a:pPr>
+                      <a:r>
+                        <a:rPr kumimoji="0" lang="ru-RU" sz="1800" b="0" i="0" u="none" strike="noStrike" cap="none" normalizeH="0" baseline="0" dirty="0" smtClean="0">
+                          <a:ln>
+                            <a:noFill/>
+                          </a:ln>
+                          <a:solidFill>
+                            <a:srgbClr val="000000"/>
+                          </a:solidFill>
+                          <a:effectLst/>
+                          <a:latin typeface="Calibri" pitchFamily="34" charset="0"/>
+                        </a:rPr>
+                        <a:t>Переводит строку в верхний или нижний регистр</a:t>
+                      </a:r>
+                      <a:endParaRPr kumimoji="0" lang="be-BY" sz="1800" b="0" i="0" u="none" strike="noStrike" cap="none" normalizeH="0" baseline="0" dirty="0" smtClean="0">
+                        <a:ln>
+                          <a:noFill/>
+                        </a:ln>
+                        <a:solidFill>
+                          <a:srgbClr val="000000"/>
+                        </a:solidFill>
+                        <a:effectLst/>
+                        <a:latin typeface="Calibri" pitchFamily="34" charset="0"/>
+                      </a:endParaRPr>
+                    </a:p>
+                  </a:txBody>
+                  <a:tcPr horzOverflow="overflow">
+                    <a:lnL w="12700" cap="flat" cmpd="sng" algn="ctr">
+                      <a:solidFill>
+                        <a:schemeClr val="bg1"/>
+                      </a:solidFill>
+                      <a:prstDash val="solid"/>
+                      <a:round/>
+                      <a:headEnd type="none" w="med" len="med"/>
+                      <a:tailEnd type="none" w="med" len="med"/>
+                    </a:lnL>
+                    <a:lnR w="12700" cap="flat" cmpd="sng" algn="ctr">
+                      <a:solidFill>
+                        <a:schemeClr val="bg1"/>
+                      </a:solidFill>
+                      <a:prstDash val="solid"/>
+                      <a:round/>
+                      <a:headEnd type="none" w="med" len="med"/>
+                      <a:tailEnd type="none" w="med" len="med"/>
+                    </a:lnR>
+                    <a:lnT w="12700" cap="flat" cmpd="sng" algn="ctr">
+                      <a:solidFill>
+                        <a:schemeClr val="bg1"/>
+                      </a:solidFill>
+                      <a:prstDash val="solid"/>
+                      <a:round/>
+                      <a:headEnd type="none" w="med" len="med"/>
+                      <a:tailEnd type="none" w="med" len="med"/>
+                    </a:lnT>
+                    <a:lnB w="12700" cap="flat" cmpd="sng" algn="ctr">
+                      <a:solidFill>
+                        <a:schemeClr val="bg1"/>
+                      </a:solidFill>
+                      <a:prstDash val="solid"/>
+                      <a:round/>
+                      <a:headEnd type="none" w="med" len="med"/>
+                      <a:tailEnd type="none" w="med" len="med"/>
+                    </a:lnB>
+                    <a:lnTlToBr>
+                      <a:noFill/>
+                    </a:lnTlToBr>
+                    <a:lnBlToTr>
+                      <a:noFill/>
+                    </a:lnBlToTr>
+                    <a:solidFill>
+                      <a:srgbClr val="E9EDF4"/>
+                    </a:solidFill>
+                  </a:tcPr>
+                </a:tc>
+              </a:tr>
+            </a:tbl>
+          </a:graphicData>
+        </a:graphic>
+      </p:graphicFrame>
+      <p:sp>
+        <p:nvSpPr>
+          <p:cNvPr id="13346" name="Rectangle 34"/>
+          <p:cNvSpPr>
+            <a:spLocks noChangeArrowheads="1"/>
+          </p:cNvSpPr>
+          <p:nvPr/>
+        </p:nvSpPr>
+        <p:spPr bwMode="auto">
+          <a:xfrm>
+            <a:off x="457200" y="881063"/>
+            <a:ext cx="8305800" cy="2354262"/>
+          </a:xfrm>
+          <a:prstGeom prst="rect">
+            <a:avLst/>
+          </a:prstGeom>
+          <a:noFill/>
+          <a:ln w="9525">
+            <a:solidFill>
+              <a:schemeClr val="bg1">
+                <a:lumMod val="65000"/>
+              </a:schemeClr>
+            </a:solidFill>
+            <a:miter lim="800000"/>
+            <a:headEnd/>
+            <a:tailEnd/>
+          </a:ln>
+          <a:effectLst/>
+        </p:spPr>
+        <p:txBody>
+          <a:bodyPr anchor="ctr">
+            <a:spAutoFit/>
+          </a:bodyPr>
+          <a:lstStyle/>
+          <a:p>
+            <a:pPr eaLnBrk="0" hangingPunct="0">
+              <a:defRPr/>
+            </a:pPr>
+            <a:r>
+              <a:rPr lang="be-BY" sz="1000" dirty="0">
+                <a:solidFill>
+                  <a:schemeClr val="bg1"/>
+                </a:solidFill>
+                <a:latin typeface="Courier New" pitchFamily="49" charset="0"/>
+                <a:ea typeface="Calibri" pitchFamily="34" charset="0"/>
+                <a:cs typeface="Courier New" pitchFamily="49" charset="0"/>
+              </a:rPr>
+              <a:t>        static void Main(string[] args)</a:t>
+            </a:r>
+            <a:endParaRPr lang="be-BY" sz="900" dirty="0">
+              <a:solidFill>
+                <a:schemeClr val="bg1"/>
+              </a:solidFill>
+              <a:latin typeface="Arial" pitchFamily="34" charset="0"/>
+            </a:endParaRPr>
+          </a:p>
+          <a:p>
+            <a:pPr eaLnBrk="0" hangingPunct="0">
+              <a:defRPr/>
+            </a:pPr>
+            <a:r>
+              <a:rPr lang="be-BY" sz="1000" dirty="0">
+                <a:solidFill>
+                  <a:schemeClr val="bg1"/>
+                </a:solidFill>
+                <a:latin typeface="Courier New" pitchFamily="49" charset="0"/>
+                <a:ea typeface="Calibri" pitchFamily="34" charset="0"/>
+                <a:cs typeface="Courier New" pitchFamily="49" charset="0"/>
+              </a:rPr>
+              <a:t>        {</a:t>
+            </a:r>
+            <a:endParaRPr lang="be-BY" sz="900" dirty="0">
+              <a:solidFill>
+                <a:schemeClr val="bg1"/>
+              </a:solidFill>
+              <a:latin typeface="Arial" pitchFamily="34" charset="0"/>
+            </a:endParaRPr>
+          </a:p>
+          <a:p>
+            <a:pPr eaLnBrk="0" hangingPunct="0">
+              <a:defRPr/>
+            </a:pPr>
+            <a:r>
+              <a:rPr lang="be-BY" sz="1000" dirty="0">
+                <a:solidFill>
+                  <a:schemeClr val="bg1"/>
+                </a:solidFill>
+                <a:latin typeface="Courier New" pitchFamily="49" charset="0"/>
+                <a:ea typeface="Calibri" pitchFamily="34" charset="0"/>
+                <a:cs typeface="Courier New" pitchFamily="49" charset="0"/>
+              </a:rPr>
+              <a:t>            string str1 = "Hello";</a:t>
+            </a:r>
+            <a:endParaRPr lang="be-BY" sz="900" dirty="0">
+              <a:solidFill>
+                <a:schemeClr val="bg1"/>
+              </a:solidFill>
+              <a:latin typeface="Arial" pitchFamily="34" charset="0"/>
+            </a:endParaRPr>
+          </a:p>
+          <a:p>
+            <a:pPr eaLnBrk="0" hangingPunct="0">
+              <a:defRPr/>
+            </a:pPr>
+            <a:r>
+              <a:rPr lang="be-BY" sz="1000" dirty="0">
+                <a:solidFill>
+                  <a:schemeClr val="bg1"/>
+                </a:solidFill>
+                <a:latin typeface="Courier New" pitchFamily="49" charset="0"/>
+                <a:ea typeface="Calibri" pitchFamily="34" charset="0"/>
+                <a:cs typeface="Courier New" pitchFamily="49" charset="0"/>
+              </a:rPr>
+              <a:t>            string str2 = "world!";</a:t>
+            </a:r>
+          </a:p>
+          <a:p>
+            <a:pPr eaLnBrk="0" hangingPunct="0">
+              <a:defRPr/>
+            </a:pPr>
+            <a:endParaRPr lang="be-BY" sz="900" dirty="0">
+              <a:solidFill>
+                <a:schemeClr val="bg1"/>
+              </a:solidFill>
+              <a:latin typeface="Arial" pitchFamily="34" charset="0"/>
+            </a:endParaRPr>
+          </a:p>
+          <a:p>
+            <a:pPr eaLnBrk="0" hangingPunct="0">
+              <a:defRPr/>
+            </a:pPr>
+            <a:r>
+              <a:rPr lang="be-BY" sz="1000" dirty="0">
+                <a:solidFill>
+                  <a:schemeClr val="bg1"/>
+                </a:solidFill>
+                <a:latin typeface="Courier New" pitchFamily="49" charset="0"/>
+                <a:ea typeface="Calibri" pitchFamily="34" charset="0"/>
+                <a:cs typeface="Courier New" pitchFamily="49" charset="0"/>
+              </a:rPr>
+              <a:t>            Console.WriteLine("{0}, {1}", str1, str2);</a:t>
+            </a:r>
+            <a:endParaRPr lang="be-BY" sz="900" dirty="0">
+              <a:solidFill>
+                <a:schemeClr val="bg1"/>
+              </a:solidFill>
+              <a:latin typeface="Arial" pitchFamily="34" charset="0"/>
+            </a:endParaRPr>
+          </a:p>
+          <a:p>
+            <a:pPr eaLnBrk="0" hangingPunct="0">
+              <a:defRPr/>
+            </a:pPr>
+            <a:r>
+              <a:rPr lang="be-BY" sz="1000" dirty="0">
+                <a:solidFill>
+                  <a:schemeClr val="bg1"/>
+                </a:solidFill>
+                <a:latin typeface="Courier New" pitchFamily="49" charset="0"/>
+                <a:ea typeface="Calibri" pitchFamily="34" charset="0"/>
+                <a:cs typeface="Courier New" pitchFamily="49" charset="0"/>
+              </a:rPr>
+              <a:t>            Console.WriteLine(str1 + ", " + str2);</a:t>
+            </a:r>
+          </a:p>
+          <a:p>
+            <a:pPr eaLnBrk="0" hangingPunct="0">
+              <a:defRPr/>
+            </a:pPr>
+            <a:endParaRPr lang="be-BY" sz="900" dirty="0">
+              <a:solidFill>
+                <a:schemeClr val="bg1"/>
+              </a:solidFill>
+              <a:latin typeface="Arial" pitchFamily="34" charset="0"/>
+            </a:endParaRPr>
+          </a:p>
+          <a:p>
+            <a:pPr eaLnBrk="0" hangingPunct="0">
+              <a:defRPr/>
+            </a:pPr>
+            <a:r>
+              <a:rPr lang="be-BY" sz="1000" dirty="0">
+                <a:solidFill>
+                  <a:schemeClr val="bg1"/>
+                </a:solidFill>
+                <a:latin typeface="Courier New" pitchFamily="49" charset="0"/>
+                <a:ea typeface="Calibri" pitchFamily="34" charset="0"/>
+                <a:cs typeface="Courier New" pitchFamily="49" charset="0"/>
+              </a:rPr>
+              <a:t>            string str3 = str1 + ", my dear " + str2;</a:t>
+            </a:r>
+            <a:endParaRPr lang="be-BY" sz="900" dirty="0">
+              <a:solidFill>
+                <a:schemeClr val="bg1"/>
+              </a:solidFill>
+              <a:latin typeface="Arial" pitchFamily="34" charset="0"/>
+            </a:endParaRPr>
+          </a:p>
+          <a:p>
+            <a:pPr eaLnBrk="0" hangingPunct="0">
+              <a:defRPr/>
+            </a:pPr>
+            <a:r>
+              <a:rPr lang="be-BY" sz="1000" dirty="0">
+                <a:solidFill>
+                  <a:schemeClr val="bg1"/>
+                </a:solidFill>
+                <a:latin typeface="Courier New" pitchFamily="49" charset="0"/>
+                <a:ea typeface="Calibri" pitchFamily="34" charset="0"/>
+                <a:cs typeface="Courier New" pitchFamily="49" charset="0"/>
+              </a:rPr>
+              <a:t>            Console.WriteLine(str3);</a:t>
+            </a:r>
+          </a:p>
+          <a:p>
+            <a:pPr eaLnBrk="0" hangingPunct="0">
+              <a:defRPr/>
+            </a:pPr>
+            <a:endParaRPr lang="be-BY" sz="900" dirty="0">
+              <a:solidFill>
+                <a:schemeClr val="bg1"/>
+              </a:solidFill>
+              <a:latin typeface="Arial" pitchFamily="34" charset="0"/>
+            </a:endParaRPr>
+          </a:p>
+          <a:p>
+            <a:pPr eaLnBrk="0" hangingPunct="0">
+              <a:defRPr/>
+            </a:pPr>
+            <a:r>
+              <a:rPr lang="be-BY" sz="1000" dirty="0">
+                <a:solidFill>
+                  <a:schemeClr val="bg1"/>
+                </a:solidFill>
+                <a:latin typeface="Courier New" pitchFamily="49" charset="0"/>
+                <a:ea typeface="Calibri" pitchFamily="34" charset="0"/>
+                <a:cs typeface="Courier New" pitchFamily="49" charset="0"/>
+              </a:rPr>
+              <a:t>            double pi = 3.1415926535897932384626433832795;</a:t>
+            </a:r>
+            <a:endParaRPr lang="be-BY" sz="900" dirty="0">
+              <a:solidFill>
+                <a:schemeClr val="bg1"/>
+              </a:solidFill>
+              <a:latin typeface="Arial" pitchFamily="34" charset="0"/>
+            </a:endParaRPr>
+          </a:p>
+          <a:p>
+            <a:pPr eaLnBrk="0" hangingPunct="0">
+              <a:defRPr/>
+            </a:pPr>
+            <a:r>
+              <a:rPr lang="be-BY" sz="1000" dirty="0">
+                <a:solidFill>
+                  <a:schemeClr val="bg1"/>
+                </a:solidFill>
+                <a:latin typeface="Courier New" pitchFamily="49" charset="0"/>
+                <a:ea typeface="Calibri" pitchFamily="34" charset="0"/>
+                <a:cs typeface="Courier New" pitchFamily="49" charset="0"/>
+              </a:rPr>
+              <a:t>            string str4 = "Pi value is: " + pi.ToString();</a:t>
+            </a:r>
+            <a:endParaRPr lang="be-BY" sz="900" dirty="0">
+              <a:solidFill>
+                <a:schemeClr val="bg1"/>
+              </a:solidFill>
+              <a:latin typeface="Arial" pitchFamily="34" charset="0"/>
+            </a:endParaRPr>
+          </a:p>
+          <a:p>
+            <a:pPr eaLnBrk="0" hangingPunct="0">
+              <a:defRPr/>
+            </a:pPr>
+            <a:r>
+              <a:rPr lang="be-BY" sz="1000" dirty="0">
+                <a:solidFill>
+                  <a:schemeClr val="bg1"/>
+                </a:solidFill>
+                <a:latin typeface="Courier New" pitchFamily="49" charset="0"/>
+                <a:ea typeface="Calibri" pitchFamily="34" charset="0"/>
+                <a:cs typeface="Courier New" pitchFamily="49" charset="0"/>
+              </a:rPr>
+              <a:t>            Console.WriteLine(str4);</a:t>
+            </a:r>
+            <a:endParaRPr lang="be-BY" sz="900" dirty="0">
+              <a:solidFill>
+                <a:schemeClr val="bg1"/>
+              </a:solidFill>
+              <a:latin typeface="Arial" pitchFamily="34" charset="0"/>
+            </a:endParaRPr>
+          </a:p>
+          <a:p>
+            <a:pPr eaLnBrk="0" hangingPunct="0">
+              <a:defRPr/>
+            </a:pPr>
+            <a:r>
+              <a:rPr lang="be-BY" sz="1000" dirty="0">
+                <a:solidFill>
+                  <a:schemeClr val="bg1"/>
+                </a:solidFill>
+                <a:latin typeface="Courier New" pitchFamily="49" charset="0"/>
+                <a:ea typeface="Calibri" pitchFamily="34" charset="0"/>
+                <a:cs typeface="Courier New" pitchFamily="49" charset="0"/>
+              </a:rPr>
+              <a:t>        }</a:t>
+            </a:r>
+            <a:endParaRPr lang="be-BY" dirty="0">
+              <a:solidFill>
+                <a:schemeClr val="bg1"/>
+              </a:solidFill>
+              <a:latin typeface="Calibri" pitchFamily="34" charset="0"/>
+            </a:endParaRPr>
+          </a:p>
+        </p:txBody>
+      </p:sp>
+    </p:spTree>
+    <p:extLst>
+      <p:ext uri="{BB962C8B-B14F-4D97-AF65-F5344CB8AC3E}">
+        <p14:creationId xmlns:p14="http://schemas.microsoft.com/office/powerpoint/2010/main" val="337725002"/>
+      </p:ext>
+    </p:extLst>
+  </p:cSld>
+  <p:clrMapOvr>
+    <a:masterClrMapping/>
+  </p:clrMapOvr>
+</p:sld>
+</file>
+
+<file path=ppt/slides/slide18.xml><?xml version="1.0" encoding="utf-8"?>
+<p:sld xmlns:a="http://schemas.openxmlformats.org/drawingml/2006/main" xmlns:r="http://schemas.openxmlformats.org/officeDocument/2006/relationships" xmlns:p="http://schemas.openxmlformats.org/presentationml/2006/main">
+  <p:cSld>
+    <p:bg>
+      <p:bgPr>
+        <a:blipFill dpi="0" rotWithShape="1">
+          <a:blip r:embed="rId2">
+            <a:lum/>
+          </a:blip>
+          <a:srcRect/>
+          <a:stretch>
+            <a:fillRect/>
+          </a:stretch>
+        </a:blipFill>
+        <a:effectLst/>
+      </p:bgPr>
+    </p:bg>
+    <p:spTree>
+      <p:nvGrpSpPr>
+        <p:cNvPr id="1" name=""/>
+        <p:cNvGrpSpPr/>
+        <p:nvPr/>
+      </p:nvGrpSpPr>
+      <p:grpSpPr>
+        <a:xfrm>
+          <a:off x="0" y="0"/>
+          <a:ext cx="0" cy="0"/>
+          <a:chOff x="0" y="0"/>
+          <a:chExt cx="0" cy="0"/>
+        </a:xfrm>
+      </p:grpSpPr>
+      <p:sp>
+        <p:nvSpPr>
           <p:cNvPr id="9218" name="Прямоугольник 6"/>
           <p:cNvSpPr>
             <a:spLocks noChangeArrowheads="1"/>
@@ -11941,7 +14215,7 @@
 </p:sld>
 </file>
 
-<file path=ppt/slides/slide18.xml><?xml version="1.0" encoding="utf-8"?>
+<file path=ppt/slides/slide19.xml><?xml version="1.0" encoding="utf-8"?>
 <p:sld xmlns:a="http://schemas.openxmlformats.org/drawingml/2006/main" xmlns:r="http://schemas.openxmlformats.org/officeDocument/2006/relationships" xmlns:p="http://schemas.openxmlformats.org/presentationml/2006/main">
   <p:cSld>
     <p:bg>
@@ -13544,976 +15818,6 @@
 </p:sld>
 </file>
 
-<file path=ppt/slides/slide19.xml><?xml version="1.0" encoding="utf-8"?>
-<p:sld xmlns:a="http://schemas.openxmlformats.org/drawingml/2006/main" xmlns:r="http://schemas.openxmlformats.org/officeDocument/2006/relationships" xmlns:p="http://schemas.openxmlformats.org/presentationml/2006/main">
-  <p:cSld>
-    <p:bg>
-      <p:bgPr>
-        <a:blipFill dpi="0" rotWithShape="1">
-          <a:blip r:embed="rId2">
-            <a:lum/>
-          </a:blip>
-          <a:srcRect/>
-          <a:stretch>
-            <a:fillRect/>
-          </a:stretch>
-        </a:blipFill>
-        <a:effectLst/>
-      </p:bgPr>
-    </p:bg>
-    <p:spTree>
-      <p:nvGrpSpPr>
-        <p:cNvPr id="1" name=""/>
-        <p:cNvGrpSpPr/>
-        <p:nvPr/>
-      </p:nvGrpSpPr>
-      <p:grpSpPr>
-        <a:xfrm>
-          <a:off x="0" y="0"/>
-          <a:ext cx="0" cy="0"/>
-          <a:chOff x="0" y="0"/>
-          <a:chExt cx="0" cy="0"/>
-        </a:xfrm>
-      </p:grpSpPr>
-      <p:sp>
-        <p:nvSpPr>
-          <p:cNvPr id="11266" name="Прямоугольник 8"/>
-          <p:cNvSpPr>
-            <a:spLocks noChangeArrowheads="1"/>
-          </p:cNvSpPr>
-          <p:nvPr/>
-        </p:nvSpPr>
-        <p:spPr bwMode="auto">
-          <a:xfrm>
-            <a:off x="609600" y="71438"/>
-            <a:ext cx="7924800" cy="461962"/>
-          </a:xfrm>
-          <a:prstGeom prst="rect">
-            <a:avLst/>
-          </a:prstGeom>
-          <a:noFill/>
-          <a:ln>
-            <a:noFill/>
-          </a:ln>
-          <a:extLst>
-            <a:ext uri="{909E8E84-426E-40DD-AFC4-6F175D3DCCD1}">
-              <a14:hiddenFill xmlns:a14="http://schemas.microsoft.com/office/drawing/2010/main">
-                <a:solidFill>
-                  <a:srgbClr val="FFFFFF"/>
-                </a:solidFill>
-              </a14:hiddenFill>
-            </a:ext>
-            <a:ext uri="{91240B29-F687-4F45-9708-019B960494DF}">
-              <a14:hiddenLine xmlns:a14="http://schemas.microsoft.com/office/drawing/2010/main" w="9525">
-                <a:solidFill>
-                  <a:srgbClr val="000000"/>
-                </a:solidFill>
-                <a:miter lim="800000"/>
-                <a:headEnd/>
-                <a:tailEnd/>
-              </a14:hiddenLine>
-            </a:ext>
-          </a:extLst>
-        </p:spPr>
-        <p:txBody>
-          <a:bodyPr>
-            <a:spAutoFit/>
-          </a:bodyPr>
-          <a:lstStyle/>
-          <a:p>
-            <a:pPr algn="ctr" eaLnBrk="0" hangingPunct="0">
-              <a:tabLst>
-                <a:tab pos="457200" algn="l"/>
-              </a:tabLst>
-            </a:pPr>
-            <a:r>
-              <a:rPr lang="en-US" sz="2400" dirty="0">
-                <a:solidFill>
-                  <a:schemeClr val="bg1"/>
-                </a:solidFill>
-                <a:cs typeface="Times New Roman" pitchFamily="18" charset="0"/>
-              </a:rPr>
-              <a:t>If..</a:t>
-            </a:r>
-            <a:r>
-              <a:rPr lang="ru-RU" sz="2400" dirty="0">
-                <a:solidFill>
-                  <a:schemeClr val="bg1"/>
-                </a:solidFill>
-                <a:cs typeface="Times New Roman" pitchFamily="18" charset="0"/>
-              </a:rPr>
-              <a:t>.</a:t>
-            </a:r>
-            <a:r>
-              <a:rPr lang="en-US" sz="2400" dirty="0">
-                <a:solidFill>
-                  <a:schemeClr val="bg1"/>
-                </a:solidFill>
-                <a:cs typeface="Times New Roman" pitchFamily="18" charset="0"/>
-              </a:rPr>
-              <a:t>else</a:t>
-            </a:r>
-            <a:r>
-              <a:rPr lang="ru-RU" sz="2400" dirty="0">
-                <a:solidFill>
-                  <a:schemeClr val="bg1"/>
-                </a:solidFill>
-                <a:cs typeface="Times New Roman" pitchFamily="18" charset="0"/>
-              </a:rPr>
-              <a:t> </a:t>
-            </a:r>
-            <a:endParaRPr lang="ru-RU" sz="2400" dirty="0">
-              <a:solidFill>
-                <a:schemeClr val="bg1"/>
-              </a:solidFill>
-            </a:endParaRPr>
-          </a:p>
-        </p:txBody>
-      </p:sp>
-      <p:sp>
-        <p:nvSpPr>
-          <p:cNvPr id="11272" name="Rectangle 8"/>
-          <p:cNvSpPr>
-            <a:spLocks noChangeArrowheads="1"/>
-          </p:cNvSpPr>
-          <p:nvPr/>
-        </p:nvSpPr>
-        <p:spPr bwMode="auto">
-          <a:xfrm>
-            <a:off x="1143000" y="3962400"/>
-            <a:ext cx="7010400" cy="2216150"/>
-          </a:xfrm>
-          <a:prstGeom prst="rect">
-            <a:avLst/>
-          </a:prstGeom>
-          <a:noFill/>
-          <a:ln w="9525">
-            <a:solidFill>
-              <a:schemeClr val="bg1">
-                <a:lumMod val="65000"/>
-              </a:schemeClr>
-            </a:solidFill>
-            <a:miter lim="800000"/>
-            <a:headEnd/>
-            <a:tailEnd/>
-          </a:ln>
-          <a:effectLst/>
-        </p:spPr>
-        <p:txBody>
-          <a:bodyPr anchor="ctr">
-            <a:spAutoFit/>
-          </a:bodyPr>
-          <a:lstStyle/>
-          <a:p>
-            <a:pPr lvl="2" eaLnBrk="0" hangingPunct="0">
-              <a:defRPr/>
-            </a:pPr>
-            <a:r>
-              <a:rPr lang="be-BY" sz="1000" dirty="0">
-                <a:solidFill>
-                  <a:schemeClr val="bg1"/>
-                </a:solidFill>
-                <a:latin typeface="Courier New" pitchFamily="49" charset="0"/>
-                <a:ea typeface="Calibri" pitchFamily="34" charset="0"/>
-                <a:cs typeface="Courier New" pitchFamily="49" charset="0"/>
-              </a:rPr>
-              <a:t>static void Main(string[] args)</a:t>
-            </a:r>
-            <a:endParaRPr lang="be-BY" sz="900" dirty="0">
-              <a:solidFill>
-                <a:schemeClr val="bg1"/>
-              </a:solidFill>
-              <a:latin typeface="Arial" pitchFamily="34" charset="0"/>
-            </a:endParaRPr>
-          </a:p>
-          <a:p>
-            <a:pPr lvl="2" eaLnBrk="0" hangingPunct="0">
-              <a:defRPr/>
-            </a:pPr>
-            <a:r>
-              <a:rPr lang="be-BY" sz="1000" dirty="0">
-                <a:solidFill>
-                  <a:schemeClr val="bg1"/>
-                </a:solidFill>
-                <a:latin typeface="Courier New" pitchFamily="49" charset="0"/>
-                <a:ea typeface="Calibri" pitchFamily="34" charset="0"/>
-                <a:cs typeface="Courier New" pitchFamily="49" charset="0"/>
-              </a:rPr>
-              <a:t>{</a:t>
-            </a:r>
-            <a:endParaRPr lang="be-BY" sz="900" dirty="0">
-              <a:solidFill>
-                <a:schemeClr val="bg1"/>
-              </a:solidFill>
-              <a:latin typeface="Arial" pitchFamily="34" charset="0"/>
-            </a:endParaRPr>
-          </a:p>
-          <a:p>
-            <a:pPr lvl="2" eaLnBrk="0" hangingPunct="0">
-              <a:defRPr/>
-            </a:pPr>
-            <a:r>
-              <a:rPr lang="be-BY" sz="1000" dirty="0">
-                <a:solidFill>
-                  <a:schemeClr val="bg1"/>
-                </a:solidFill>
-                <a:latin typeface="Courier New" pitchFamily="49" charset="0"/>
-                <a:ea typeface="Calibri" pitchFamily="34" charset="0"/>
-                <a:cs typeface="Courier New" pitchFamily="49" charset="0"/>
-              </a:rPr>
-              <a:t>    char c = (char)Console.Read();</a:t>
-            </a:r>
-          </a:p>
-          <a:p>
-            <a:pPr lvl="2" eaLnBrk="0" hangingPunct="0">
-              <a:defRPr/>
-            </a:pPr>
-            <a:endParaRPr lang="be-BY" sz="900" dirty="0">
-              <a:solidFill>
-                <a:schemeClr val="bg1"/>
-              </a:solidFill>
-              <a:latin typeface="Arial" pitchFamily="34" charset="0"/>
-            </a:endParaRPr>
-          </a:p>
-          <a:p>
-            <a:pPr lvl="2" eaLnBrk="0" hangingPunct="0">
-              <a:defRPr/>
-            </a:pPr>
-            <a:r>
-              <a:rPr lang="be-BY" sz="1000" dirty="0">
-                <a:solidFill>
-                  <a:schemeClr val="bg1"/>
-                </a:solidFill>
-                <a:latin typeface="Courier New" pitchFamily="49" charset="0"/>
-                <a:ea typeface="Calibri" pitchFamily="34" charset="0"/>
-                <a:cs typeface="Courier New" pitchFamily="49" charset="0"/>
-              </a:rPr>
-              <a:t>    if (c &gt;= 'a' &amp;&amp; c &lt;= 'z' || c &gt;= 'A' &amp;&amp; c &lt;= 'Z')</a:t>
-            </a:r>
-            <a:endParaRPr lang="be-BY" sz="900" dirty="0">
-              <a:solidFill>
-                <a:schemeClr val="bg1"/>
-              </a:solidFill>
-              <a:latin typeface="Arial" pitchFamily="34" charset="0"/>
-            </a:endParaRPr>
-          </a:p>
-          <a:p>
-            <a:pPr lvl="2" eaLnBrk="0" hangingPunct="0">
-              <a:defRPr/>
-            </a:pPr>
-            <a:r>
-              <a:rPr lang="be-BY" sz="1000" dirty="0">
-                <a:solidFill>
-                  <a:schemeClr val="bg1"/>
-                </a:solidFill>
-                <a:latin typeface="Courier New" pitchFamily="49" charset="0"/>
-                <a:ea typeface="Calibri" pitchFamily="34" charset="0"/>
-                <a:cs typeface="Courier New" pitchFamily="49" charset="0"/>
-              </a:rPr>
-              <a:t>    {</a:t>
-            </a:r>
-            <a:endParaRPr lang="be-BY" sz="900" dirty="0">
-              <a:solidFill>
-                <a:schemeClr val="bg1"/>
-              </a:solidFill>
-              <a:latin typeface="Arial" pitchFamily="34" charset="0"/>
-            </a:endParaRPr>
-          </a:p>
-          <a:p>
-            <a:pPr lvl="2" eaLnBrk="0" hangingPunct="0">
-              <a:defRPr/>
-            </a:pPr>
-            <a:r>
-              <a:rPr lang="be-BY" sz="1000" dirty="0">
-                <a:solidFill>
-                  <a:schemeClr val="bg1"/>
-                </a:solidFill>
-                <a:latin typeface="Courier New" pitchFamily="49" charset="0"/>
-                <a:ea typeface="Calibri" pitchFamily="34" charset="0"/>
-                <a:cs typeface="Courier New" pitchFamily="49" charset="0"/>
-              </a:rPr>
-              <a:t>        Console.WriteLine("Letter");</a:t>
-            </a:r>
-            <a:endParaRPr lang="be-BY" sz="900" dirty="0">
-              <a:solidFill>
-                <a:schemeClr val="bg1"/>
-              </a:solidFill>
-              <a:latin typeface="Arial" pitchFamily="34" charset="0"/>
-            </a:endParaRPr>
-          </a:p>
-          <a:p>
-            <a:pPr lvl="2" eaLnBrk="0" hangingPunct="0">
-              <a:defRPr/>
-            </a:pPr>
-            <a:r>
-              <a:rPr lang="be-BY" sz="1000" dirty="0">
-                <a:solidFill>
-                  <a:schemeClr val="bg1"/>
-                </a:solidFill>
-                <a:latin typeface="Courier New" pitchFamily="49" charset="0"/>
-                <a:ea typeface="Calibri" pitchFamily="34" charset="0"/>
-                <a:cs typeface="Courier New" pitchFamily="49" charset="0"/>
-              </a:rPr>
-              <a:t>    }</a:t>
-            </a:r>
-            <a:endParaRPr lang="be-BY" sz="900" dirty="0">
-              <a:solidFill>
-                <a:schemeClr val="bg1"/>
-              </a:solidFill>
-              <a:latin typeface="Arial" pitchFamily="34" charset="0"/>
-            </a:endParaRPr>
-          </a:p>
-          <a:p>
-            <a:pPr lvl="2" eaLnBrk="0" hangingPunct="0">
-              <a:defRPr/>
-            </a:pPr>
-            <a:r>
-              <a:rPr lang="be-BY" sz="1000" dirty="0">
-                <a:solidFill>
-                  <a:schemeClr val="bg1"/>
-                </a:solidFill>
-                <a:latin typeface="Courier New" pitchFamily="49" charset="0"/>
-                <a:ea typeface="Calibri" pitchFamily="34" charset="0"/>
-                <a:cs typeface="Courier New" pitchFamily="49" charset="0"/>
-              </a:rPr>
-              <a:t>    else</a:t>
-            </a:r>
-            <a:endParaRPr lang="be-BY" sz="900" dirty="0">
-              <a:solidFill>
-                <a:schemeClr val="bg1"/>
-              </a:solidFill>
-              <a:latin typeface="Arial" pitchFamily="34" charset="0"/>
-            </a:endParaRPr>
-          </a:p>
-          <a:p>
-            <a:pPr lvl="2" eaLnBrk="0" hangingPunct="0">
-              <a:defRPr/>
-            </a:pPr>
-            <a:r>
-              <a:rPr lang="be-BY" sz="1000" dirty="0">
-                <a:solidFill>
-                  <a:schemeClr val="bg1"/>
-                </a:solidFill>
-                <a:latin typeface="Courier New" pitchFamily="49" charset="0"/>
-                <a:ea typeface="Calibri" pitchFamily="34" charset="0"/>
-                <a:cs typeface="Courier New" pitchFamily="49" charset="0"/>
-              </a:rPr>
-              <a:t>    {</a:t>
-            </a:r>
-            <a:endParaRPr lang="be-BY" sz="900" dirty="0">
-              <a:solidFill>
-                <a:schemeClr val="bg1"/>
-              </a:solidFill>
-              <a:latin typeface="Arial" pitchFamily="34" charset="0"/>
-            </a:endParaRPr>
-          </a:p>
-          <a:p>
-            <a:pPr lvl="2" eaLnBrk="0" hangingPunct="0">
-              <a:defRPr/>
-            </a:pPr>
-            <a:r>
-              <a:rPr lang="be-BY" sz="1000" dirty="0">
-                <a:solidFill>
-                  <a:schemeClr val="bg1"/>
-                </a:solidFill>
-                <a:latin typeface="Courier New" pitchFamily="49" charset="0"/>
-                <a:ea typeface="Calibri" pitchFamily="34" charset="0"/>
-                <a:cs typeface="Courier New" pitchFamily="49" charset="0"/>
-              </a:rPr>
-              <a:t>        Console.WriteLine("Symbol");</a:t>
-            </a:r>
-            <a:endParaRPr lang="be-BY" sz="900" dirty="0">
-              <a:solidFill>
-                <a:schemeClr val="bg1"/>
-              </a:solidFill>
-              <a:latin typeface="Arial" pitchFamily="34" charset="0"/>
-            </a:endParaRPr>
-          </a:p>
-          <a:p>
-            <a:pPr lvl="2" eaLnBrk="0" hangingPunct="0">
-              <a:defRPr/>
-            </a:pPr>
-            <a:r>
-              <a:rPr lang="be-BY" sz="1000" dirty="0">
-                <a:solidFill>
-                  <a:schemeClr val="bg1"/>
-                </a:solidFill>
-                <a:latin typeface="Courier New" pitchFamily="49" charset="0"/>
-                <a:ea typeface="Calibri" pitchFamily="34" charset="0"/>
-                <a:cs typeface="Courier New" pitchFamily="49" charset="0"/>
-              </a:rPr>
-              <a:t>    }</a:t>
-            </a:r>
-          </a:p>
-          <a:p>
-            <a:pPr lvl="2" eaLnBrk="0" hangingPunct="0">
-              <a:defRPr/>
-            </a:pPr>
-            <a:endParaRPr lang="be-BY" sz="900" dirty="0">
-              <a:solidFill>
-                <a:schemeClr val="bg1"/>
-              </a:solidFill>
-              <a:latin typeface="Arial" pitchFamily="34" charset="0"/>
-            </a:endParaRPr>
-          </a:p>
-          <a:p>
-            <a:pPr lvl="2" eaLnBrk="0" hangingPunct="0">
-              <a:defRPr/>
-            </a:pPr>
-            <a:r>
-              <a:rPr lang="be-BY" sz="1000" dirty="0">
-                <a:solidFill>
-                  <a:schemeClr val="bg1"/>
-                </a:solidFill>
-                <a:latin typeface="Courier New" pitchFamily="49" charset="0"/>
-                <a:ea typeface="Calibri" pitchFamily="34" charset="0"/>
-                <a:cs typeface="Courier New" pitchFamily="49" charset="0"/>
-              </a:rPr>
-              <a:t>}</a:t>
-            </a:r>
-            <a:endParaRPr lang="be-BY" dirty="0">
-              <a:solidFill>
-                <a:schemeClr val="bg1"/>
-              </a:solidFill>
-              <a:latin typeface="Calibri" pitchFamily="34" charset="0"/>
-            </a:endParaRPr>
-          </a:p>
-        </p:txBody>
-      </p:sp>
-      <p:sp>
-        <p:nvSpPr>
-          <p:cNvPr id="11268" name="Подзаголовок 2"/>
-          <p:cNvSpPr txBox="1">
-            <a:spLocks/>
-          </p:cNvSpPr>
-          <p:nvPr/>
-        </p:nvSpPr>
-        <p:spPr bwMode="auto">
-          <a:xfrm>
-            <a:off x="2133600" y="685800"/>
-            <a:ext cx="5143500" cy="2362200"/>
-          </a:xfrm>
-          <a:prstGeom prst="rect">
-            <a:avLst/>
-          </a:prstGeom>
-          <a:noFill/>
-          <a:ln w="9525">
-            <a:solidFill>
-              <a:srgbClr val="FF0000"/>
-            </a:solidFill>
-            <a:miter lim="800000"/>
-            <a:headEnd/>
-            <a:tailEnd/>
-          </a:ln>
-          <a:extLst>
-            <a:ext uri="{909E8E84-426E-40DD-AFC4-6F175D3DCCD1}">
-              <a14:hiddenFill xmlns:a14="http://schemas.microsoft.com/office/drawing/2010/main">
-                <a:solidFill>
-                  <a:srgbClr val="FFFFFF"/>
-                </a:solidFill>
-              </a14:hiddenFill>
-            </a:ext>
-          </a:extLst>
-        </p:spPr>
-        <p:txBody>
-          <a:bodyPr/>
-          <a:lstStyle>
-            <a:lvl1pPr eaLnBrk="0" hangingPunct="0">
-              <a:defRPr>
-                <a:solidFill>
-                  <a:schemeClr val="tx1"/>
-                </a:solidFill>
-                <a:latin typeface="Arial" charset="0"/>
-              </a:defRPr>
-            </a:lvl1pPr>
-            <a:lvl2pPr marL="742950" indent="-285750" eaLnBrk="0" hangingPunct="0">
-              <a:defRPr>
-                <a:solidFill>
-                  <a:schemeClr val="tx1"/>
-                </a:solidFill>
-                <a:latin typeface="Arial" charset="0"/>
-              </a:defRPr>
-            </a:lvl2pPr>
-            <a:lvl3pPr marL="1143000" indent="-228600" eaLnBrk="0" hangingPunct="0">
-              <a:defRPr>
-                <a:solidFill>
-                  <a:schemeClr val="tx1"/>
-                </a:solidFill>
-                <a:latin typeface="Arial" charset="0"/>
-              </a:defRPr>
-            </a:lvl3pPr>
-            <a:lvl4pPr marL="1600200" indent="-228600" eaLnBrk="0" hangingPunct="0">
-              <a:defRPr>
-                <a:solidFill>
-                  <a:schemeClr val="tx1"/>
-                </a:solidFill>
-                <a:latin typeface="Arial" charset="0"/>
-              </a:defRPr>
-            </a:lvl4pPr>
-            <a:lvl5pPr marL="2057400" indent="-228600" eaLnBrk="0" hangingPunct="0">
-              <a:defRPr>
-                <a:solidFill>
-                  <a:schemeClr val="tx1"/>
-                </a:solidFill>
-                <a:latin typeface="Arial" charset="0"/>
-              </a:defRPr>
-            </a:lvl5pPr>
-            <a:lvl6pPr marL="2514600" indent="-228600" eaLnBrk="0" fontAlgn="base" hangingPunct="0">
-              <a:spcBef>
-                <a:spcPct val="0"/>
-              </a:spcBef>
-              <a:spcAft>
-                <a:spcPct val="0"/>
-              </a:spcAft>
-              <a:defRPr>
-                <a:solidFill>
-                  <a:schemeClr val="tx1"/>
-                </a:solidFill>
-                <a:latin typeface="Arial" charset="0"/>
-              </a:defRPr>
-            </a:lvl6pPr>
-            <a:lvl7pPr marL="2971800" indent="-228600" eaLnBrk="0" fontAlgn="base" hangingPunct="0">
-              <a:spcBef>
-                <a:spcPct val="0"/>
-              </a:spcBef>
-              <a:spcAft>
-                <a:spcPct val="0"/>
-              </a:spcAft>
-              <a:defRPr>
-                <a:solidFill>
-                  <a:schemeClr val="tx1"/>
-                </a:solidFill>
-                <a:latin typeface="Arial" charset="0"/>
-              </a:defRPr>
-            </a:lvl7pPr>
-            <a:lvl8pPr marL="3429000" indent="-228600" eaLnBrk="0" fontAlgn="base" hangingPunct="0">
-              <a:spcBef>
-                <a:spcPct val="0"/>
-              </a:spcBef>
-              <a:spcAft>
-                <a:spcPct val="0"/>
-              </a:spcAft>
-              <a:defRPr>
-                <a:solidFill>
-                  <a:schemeClr val="tx1"/>
-                </a:solidFill>
-                <a:latin typeface="Arial" charset="0"/>
-              </a:defRPr>
-            </a:lvl8pPr>
-            <a:lvl9pPr marL="3886200" indent="-228600" eaLnBrk="0" fontAlgn="base" hangingPunct="0">
-              <a:spcBef>
-                <a:spcPct val="0"/>
-              </a:spcBef>
-              <a:spcAft>
-                <a:spcPct val="0"/>
-              </a:spcAft>
-              <a:defRPr>
-                <a:solidFill>
-                  <a:schemeClr val="tx1"/>
-                </a:solidFill>
-                <a:latin typeface="Arial" charset="0"/>
-              </a:defRPr>
-            </a:lvl9pPr>
-          </a:lstStyle>
-          <a:p>
-            <a:pPr eaLnBrk="1" hangingPunct="1"/>
-            <a:r>
-              <a:rPr lang="en-US" sz="1000" dirty="0">
-                <a:solidFill>
-                  <a:schemeClr val="bg1"/>
-                </a:solidFill>
-                <a:latin typeface="Courier New" pitchFamily="49" charset="0"/>
-                <a:cs typeface="Courier New" pitchFamily="49" charset="0"/>
-              </a:rPr>
-              <a:t>if( &lt;</a:t>
-            </a:r>
-            <a:r>
-              <a:rPr lang="ru-RU" sz="1000" dirty="0">
-                <a:solidFill>
-                  <a:schemeClr val="bg1"/>
-                </a:solidFill>
-                <a:latin typeface="Courier New" pitchFamily="49" charset="0"/>
-                <a:cs typeface="Courier New" pitchFamily="49" charset="0"/>
-              </a:rPr>
-              <a:t>условие</a:t>
-            </a:r>
-            <a:r>
-              <a:rPr lang="en-US" sz="1000" dirty="0">
-                <a:solidFill>
-                  <a:schemeClr val="bg1"/>
-                </a:solidFill>
-                <a:latin typeface="Courier New" pitchFamily="49" charset="0"/>
-                <a:cs typeface="Courier New" pitchFamily="49" charset="0"/>
-              </a:rPr>
-              <a:t>&gt;</a:t>
-            </a:r>
-            <a:r>
-              <a:rPr lang="ru-RU" sz="1000" dirty="0">
-                <a:solidFill>
-                  <a:schemeClr val="bg1"/>
-                </a:solidFill>
-                <a:latin typeface="Courier New" pitchFamily="49" charset="0"/>
-                <a:cs typeface="Courier New" pitchFamily="49" charset="0"/>
-              </a:rPr>
-              <a:t> )</a:t>
-            </a:r>
-          </a:p>
-          <a:p>
-            <a:pPr eaLnBrk="1" hangingPunct="1"/>
-            <a:r>
-              <a:rPr lang="en-US" sz="1000" dirty="0">
-                <a:solidFill>
-                  <a:schemeClr val="bg1"/>
-                </a:solidFill>
-                <a:latin typeface="Courier New" pitchFamily="49" charset="0"/>
-                <a:cs typeface="Courier New" pitchFamily="49" charset="0"/>
-              </a:rPr>
-              <a:t>{</a:t>
-            </a:r>
-            <a:endParaRPr lang="ru-RU" sz="1000" dirty="0">
-              <a:solidFill>
-                <a:schemeClr val="bg1"/>
-              </a:solidFill>
-              <a:latin typeface="Courier New" pitchFamily="49" charset="0"/>
-              <a:cs typeface="Courier New" pitchFamily="49" charset="0"/>
-            </a:endParaRPr>
-          </a:p>
-          <a:p>
-            <a:pPr eaLnBrk="1" hangingPunct="1"/>
-            <a:r>
-              <a:rPr lang="ru-RU" sz="1000" dirty="0">
-                <a:solidFill>
-                  <a:schemeClr val="bg1"/>
-                </a:solidFill>
-                <a:latin typeface="Courier New" pitchFamily="49" charset="0"/>
-                <a:cs typeface="Courier New" pitchFamily="49" charset="0"/>
-              </a:rPr>
-              <a:t>	</a:t>
-            </a:r>
-            <a:r>
-              <a:rPr lang="en-US" sz="1000" dirty="0">
-                <a:solidFill>
-                  <a:schemeClr val="bg1"/>
-                </a:solidFill>
-                <a:latin typeface="Courier New" pitchFamily="49" charset="0"/>
-                <a:cs typeface="Courier New" pitchFamily="49" charset="0"/>
-              </a:rPr>
-              <a:t>&lt;</a:t>
-            </a:r>
-            <a:r>
-              <a:rPr lang="ru-RU" sz="1000" dirty="0">
-                <a:solidFill>
-                  <a:schemeClr val="bg1"/>
-                </a:solidFill>
-                <a:latin typeface="Courier New" pitchFamily="49" charset="0"/>
-                <a:cs typeface="Courier New" pitchFamily="49" charset="0"/>
-              </a:rPr>
-              <a:t>операторы – если условие истинно</a:t>
-            </a:r>
-            <a:r>
-              <a:rPr lang="en-US" sz="1000" dirty="0">
-                <a:solidFill>
-                  <a:schemeClr val="bg1"/>
-                </a:solidFill>
-                <a:latin typeface="Courier New" pitchFamily="49" charset="0"/>
-                <a:cs typeface="Courier New" pitchFamily="49" charset="0"/>
-              </a:rPr>
-              <a:t>&gt;</a:t>
-            </a:r>
-          </a:p>
-          <a:p>
-            <a:pPr eaLnBrk="1" hangingPunct="1"/>
-            <a:r>
-              <a:rPr lang="en-US" sz="1000" dirty="0">
-                <a:solidFill>
-                  <a:schemeClr val="bg1"/>
-                </a:solidFill>
-                <a:latin typeface="Courier New" pitchFamily="49" charset="0"/>
-                <a:cs typeface="Courier New" pitchFamily="49" charset="0"/>
-              </a:rPr>
-              <a:t>}</a:t>
-            </a:r>
-          </a:p>
-          <a:p>
-            <a:pPr eaLnBrk="1" hangingPunct="1"/>
-            <a:endParaRPr lang="ru-RU" sz="1000" dirty="0">
-              <a:solidFill>
-                <a:schemeClr val="bg1"/>
-              </a:solidFill>
-              <a:latin typeface="Courier New" pitchFamily="49" charset="0"/>
-              <a:cs typeface="Courier New" pitchFamily="49" charset="0"/>
-            </a:endParaRPr>
-          </a:p>
-          <a:p>
-            <a:pPr eaLnBrk="1" hangingPunct="1"/>
-            <a:r>
-              <a:rPr lang="ru-RU" sz="1000" dirty="0">
-                <a:solidFill>
-                  <a:schemeClr val="bg1"/>
-                </a:solidFill>
-                <a:latin typeface="Courier New" pitchFamily="49" charset="0"/>
-                <a:cs typeface="Courier New" pitchFamily="49" charset="0"/>
-              </a:rPr>
-              <a:t>Или</a:t>
-            </a:r>
-          </a:p>
-          <a:p>
-            <a:pPr eaLnBrk="1" hangingPunct="1"/>
-            <a:endParaRPr lang="ru-RU" sz="1000" dirty="0">
-              <a:solidFill>
-                <a:schemeClr val="bg1"/>
-              </a:solidFill>
-              <a:latin typeface="Courier New" pitchFamily="49" charset="0"/>
-              <a:cs typeface="Courier New" pitchFamily="49" charset="0"/>
-            </a:endParaRPr>
-          </a:p>
-          <a:p>
-            <a:pPr eaLnBrk="1" hangingPunct="1"/>
-            <a:r>
-              <a:rPr lang="en-US" sz="1000" dirty="0">
-                <a:solidFill>
-                  <a:schemeClr val="bg1"/>
-                </a:solidFill>
-                <a:latin typeface="Courier New" pitchFamily="49" charset="0"/>
-                <a:cs typeface="Courier New" pitchFamily="49" charset="0"/>
-              </a:rPr>
-              <a:t>if( &lt;</a:t>
-            </a:r>
-            <a:r>
-              <a:rPr lang="ru-RU" sz="1000" dirty="0">
-                <a:solidFill>
-                  <a:schemeClr val="bg1"/>
-                </a:solidFill>
-                <a:latin typeface="Courier New" pitchFamily="49" charset="0"/>
-                <a:cs typeface="Courier New" pitchFamily="49" charset="0"/>
-              </a:rPr>
-              <a:t>условие</a:t>
-            </a:r>
-            <a:r>
-              <a:rPr lang="en-US" sz="1000" dirty="0">
-                <a:solidFill>
-                  <a:schemeClr val="bg1"/>
-                </a:solidFill>
-                <a:latin typeface="Courier New" pitchFamily="49" charset="0"/>
-                <a:cs typeface="Courier New" pitchFamily="49" charset="0"/>
-              </a:rPr>
-              <a:t>&gt;</a:t>
-            </a:r>
-            <a:r>
-              <a:rPr lang="ru-RU" sz="1000" dirty="0">
-                <a:solidFill>
-                  <a:schemeClr val="bg1"/>
-                </a:solidFill>
-                <a:latin typeface="Courier New" pitchFamily="49" charset="0"/>
-                <a:cs typeface="Courier New" pitchFamily="49" charset="0"/>
-              </a:rPr>
-              <a:t> )</a:t>
-            </a:r>
-            <a:endParaRPr lang="en-US" sz="1000" dirty="0">
-              <a:solidFill>
-                <a:schemeClr val="bg1"/>
-              </a:solidFill>
-              <a:latin typeface="Courier New" pitchFamily="49" charset="0"/>
-              <a:cs typeface="Courier New" pitchFamily="49" charset="0"/>
-            </a:endParaRPr>
-          </a:p>
-          <a:p>
-            <a:pPr eaLnBrk="1" hangingPunct="1"/>
-            <a:r>
-              <a:rPr lang="en-US" sz="1000" dirty="0">
-                <a:solidFill>
-                  <a:schemeClr val="bg1"/>
-                </a:solidFill>
-                <a:latin typeface="Courier New" pitchFamily="49" charset="0"/>
-                <a:cs typeface="Courier New" pitchFamily="49" charset="0"/>
-              </a:rPr>
-              <a:t>{</a:t>
-            </a:r>
-            <a:endParaRPr lang="ru-RU" sz="1000" dirty="0">
-              <a:solidFill>
-                <a:schemeClr val="bg1"/>
-              </a:solidFill>
-              <a:latin typeface="Courier New" pitchFamily="49" charset="0"/>
-              <a:cs typeface="Courier New" pitchFamily="49" charset="0"/>
-            </a:endParaRPr>
-          </a:p>
-          <a:p>
-            <a:pPr eaLnBrk="1" hangingPunct="1"/>
-            <a:r>
-              <a:rPr lang="ru-RU" sz="1000" dirty="0">
-                <a:solidFill>
-                  <a:schemeClr val="bg1"/>
-                </a:solidFill>
-                <a:latin typeface="Courier New" pitchFamily="49" charset="0"/>
-                <a:cs typeface="Courier New" pitchFamily="49" charset="0"/>
-              </a:rPr>
-              <a:t>	</a:t>
-            </a:r>
-            <a:r>
-              <a:rPr lang="en-US" sz="1000" dirty="0">
-                <a:solidFill>
-                  <a:schemeClr val="bg1"/>
-                </a:solidFill>
-                <a:latin typeface="Courier New" pitchFamily="49" charset="0"/>
-                <a:cs typeface="Courier New" pitchFamily="49" charset="0"/>
-              </a:rPr>
-              <a:t>&lt;</a:t>
-            </a:r>
-            <a:r>
-              <a:rPr lang="ru-RU" sz="1000" dirty="0">
-                <a:solidFill>
-                  <a:schemeClr val="bg1"/>
-                </a:solidFill>
-                <a:latin typeface="Courier New" pitchFamily="49" charset="0"/>
-                <a:cs typeface="Courier New" pitchFamily="49" charset="0"/>
-              </a:rPr>
-              <a:t>операторы – если условие истинно</a:t>
-            </a:r>
-            <a:r>
-              <a:rPr lang="en-US" sz="1000" dirty="0">
-                <a:solidFill>
-                  <a:schemeClr val="bg1"/>
-                </a:solidFill>
-                <a:latin typeface="Courier New" pitchFamily="49" charset="0"/>
-                <a:cs typeface="Courier New" pitchFamily="49" charset="0"/>
-              </a:rPr>
-              <a:t>&gt;</a:t>
-            </a:r>
-          </a:p>
-          <a:p>
-            <a:pPr eaLnBrk="1" hangingPunct="1"/>
-            <a:r>
-              <a:rPr lang="en-US" sz="1000" dirty="0">
-                <a:solidFill>
-                  <a:schemeClr val="bg1"/>
-                </a:solidFill>
-                <a:latin typeface="Courier New" pitchFamily="49" charset="0"/>
-                <a:cs typeface="Courier New" pitchFamily="49" charset="0"/>
-              </a:rPr>
-              <a:t>}</a:t>
-            </a:r>
-          </a:p>
-          <a:p>
-            <a:pPr eaLnBrk="1" hangingPunct="1"/>
-            <a:r>
-              <a:rPr lang="en-US" sz="1000" dirty="0">
-                <a:solidFill>
-                  <a:schemeClr val="bg1"/>
-                </a:solidFill>
-                <a:latin typeface="Courier New" pitchFamily="49" charset="0"/>
-                <a:cs typeface="Courier New" pitchFamily="49" charset="0"/>
-              </a:rPr>
-              <a:t>else</a:t>
-            </a:r>
-            <a:endParaRPr lang="ru-RU" sz="1000" dirty="0">
-              <a:solidFill>
-                <a:schemeClr val="bg1"/>
-              </a:solidFill>
-              <a:latin typeface="Courier New" pitchFamily="49" charset="0"/>
-              <a:cs typeface="Courier New" pitchFamily="49" charset="0"/>
-            </a:endParaRPr>
-          </a:p>
-          <a:p>
-            <a:pPr eaLnBrk="1" hangingPunct="1"/>
-            <a:r>
-              <a:rPr lang="en-US" sz="1000" dirty="0">
-                <a:solidFill>
-                  <a:schemeClr val="bg1"/>
-                </a:solidFill>
-                <a:latin typeface="Courier New" pitchFamily="49" charset="0"/>
-                <a:cs typeface="Courier New" pitchFamily="49" charset="0"/>
-              </a:rPr>
-              <a:t>{</a:t>
-            </a:r>
-          </a:p>
-          <a:p>
-            <a:pPr eaLnBrk="1" hangingPunct="1"/>
-            <a:r>
-              <a:rPr lang="ru-RU" sz="1000" dirty="0">
-                <a:solidFill>
-                  <a:schemeClr val="bg1"/>
-                </a:solidFill>
-                <a:latin typeface="Courier New" pitchFamily="49" charset="0"/>
-                <a:cs typeface="Courier New" pitchFamily="49" charset="0"/>
-              </a:rPr>
-              <a:t>	</a:t>
-            </a:r>
-            <a:r>
-              <a:rPr lang="en-US" sz="1000" dirty="0">
-                <a:solidFill>
-                  <a:schemeClr val="bg1"/>
-                </a:solidFill>
-                <a:latin typeface="Courier New" pitchFamily="49" charset="0"/>
-                <a:cs typeface="Courier New" pitchFamily="49" charset="0"/>
-              </a:rPr>
-              <a:t>&lt;</a:t>
-            </a:r>
-            <a:r>
-              <a:rPr lang="ru-RU" sz="1000" dirty="0">
-                <a:solidFill>
-                  <a:schemeClr val="bg1"/>
-                </a:solidFill>
-                <a:latin typeface="Courier New" pitchFamily="49" charset="0"/>
-                <a:cs typeface="Courier New" pitchFamily="49" charset="0"/>
-              </a:rPr>
-              <a:t>операторы – если условие ложно</a:t>
-            </a:r>
-            <a:r>
-              <a:rPr lang="en-US" sz="1000" dirty="0">
-                <a:solidFill>
-                  <a:schemeClr val="bg1"/>
-                </a:solidFill>
-                <a:latin typeface="Courier New" pitchFamily="49" charset="0"/>
-                <a:cs typeface="Courier New" pitchFamily="49" charset="0"/>
-              </a:rPr>
-              <a:t>&gt;</a:t>
-            </a:r>
-          </a:p>
-          <a:p>
-            <a:pPr eaLnBrk="1" hangingPunct="1"/>
-            <a:r>
-              <a:rPr lang="en-US" sz="1000" dirty="0">
-                <a:solidFill>
-                  <a:schemeClr val="bg1"/>
-                </a:solidFill>
-                <a:latin typeface="Courier New" pitchFamily="49" charset="0"/>
-                <a:cs typeface="Courier New" pitchFamily="49" charset="0"/>
-              </a:rPr>
-              <a:t>}</a:t>
-            </a:r>
-            <a:endParaRPr lang="ru-RU" sz="1000" dirty="0">
-              <a:solidFill>
-                <a:schemeClr val="bg1"/>
-              </a:solidFill>
-              <a:latin typeface="Courier New" pitchFamily="49" charset="0"/>
-              <a:cs typeface="Courier New" pitchFamily="49" charset="0"/>
-            </a:endParaRPr>
-          </a:p>
-          <a:p>
-            <a:pPr eaLnBrk="1" hangingPunct="1"/>
-            <a:endParaRPr lang="ru-RU" sz="1000" dirty="0">
-              <a:solidFill>
-                <a:schemeClr val="bg1"/>
-              </a:solidFill>
-              <a:latin typeface="Courier New" pitchFamily="49" charset="0"/>
-              <a:cs typeface="Courier New" pitchFamily="49" charset="0"/>
-            </a:endParaRPr>
-          </a:p>
-        </p:txBody>
-      </p:sp>
-    </p:spTree>
-    <p:extLst>
-      <p:ext uri="{BB962C8B-B14F-4D97-AF65-F5344CB8AC3E}">
-        <p14:creationId xmlns:p14="http://schemas.microsoft.com/office/powerpoint/2010/main" val="801124777"/>
-      </p:ext>
-    </p:extLst>
-  </p:cSld>
-  <p:clrMapOvr>
-    <a:masterClrMapping/>
-  </p:clrMapOvr>
-</p:sld>
-</file>
-
 <file path=ppt/slides/slide2.xml><?xml version="1.0" encoding="utf-8"?>
 <p:sld xmlns:a="http://schemas.openxmlformats.org/drawingml/2006/main" xmlns:r="http://schemas.openxmlformats.org/officeDocument/2006/relationships" xmlns:p="http://schemas.openxmlformats.org/presentationml/2006/main">
   <p:cSld>
@@ -14978,6 +16282,976 @@
       </p:grpSpPr>
       <p:sp>
         <p:nvSpPr>
+          <p:cNvPr id="11266" name="Прямоугольник 8"/>
+          <p:cNvSpPr>
+            <a:spLocks noChangeArrowheads="1"/>
+          </p:cNvSpPr>
+          <p:nvPr/>
+        </p:nvSpPr>
+        <p:spPr bwMode="auto">
+          <a:xfrm>
+            <a:off x="609600" y="71438"/>
+            <a:ext cx="7924800" cy="461962"/>
+          </a:xfrm>
+          <a:prstGeom prst="rect">
+            <a:avLst/>
+          </a:prstGeom>
+          <a:noFill/>
+          <a:ln>
+            <a:noFill/>
+          </a:ln>
+          <a:extLst>
+            <a:ext uri="{909E8E84-426E-40DD-AFC4-6F175D3DCCD1}">
+              <a14:hiddenFill xmlns:a14="http://schemas.microsoft.com/office/drawing/2010/main">
+                <a:solidFill>
+                  <a:srgbClr val="FFFFFF"/>
+                </a:solidFill>
+              </a14:hiddenFill>
+            </a:ext>
+            <a:ext uri="{91240B29-F687-4F45-9708-019B960494DF}">
+              <a14:hiddenLine xmlns:a14="http://schemas.microsoft.com/office/drawing/2010/main" w="9525">
+                <a:solidFill>
+                  <a:srgbClr val="000000"/>
+                </a:solidFill>
+                <a:miter lim="800000"/>
+                <a:headEnd/>
+                <a:tailEnd/>
+              </a14:hiddenLine>
+            </a:ext>
+          </a:extLst>
+        </p:spPr>
+        <p:txBody>
+          <a:bodyPr>
+            <a:spAutoFit/>
+          </a:bodyPr>
+          <a:lstStyle/>
+          <a:p>
+            <a:pPr algn="ctr" eaLnBrk="0" hangingPunct="0">
+              <a:tabLst>
+                <a:tab pos="457200" algn="l"/>
+              </a:tabLst>
+            </a:pPr>
+            <a:r>
+              <a:rPr lang="en-US" sz="2400" dirty="0">
+                <a:solidFill>
+                  <a:schemeClr val="bg1"/>
+                </a:solidFill>
+                <a:cs typeface="Times New Roman" pitchFamily="18" charset="0"/>
+              </a:rPr>
+              <a:t>If..</a:t>
+            </a:r>
+            <a:r>
+              <a:rPr lang="ru-RU" sz="2400" dirty="0">
+                <a:solidFill>
+                  <a:schemeClr val="bg1"/>
+                </a:solidFill>
+                <a:cs typeface="Times New Roman" pitchFamily="18" charset="0"/>
+              </a:rPr>
+              <a:t>.</a:t>
+            </a:r>
+            <a:r>
+              <a:rPr lang="en-US" sz="2400" dirty="0">
+                <a:solidFill>
+                  <a:schemeClr val="bg1"/>
+                </a:solidFill>
+                <a:cs typeface="Times New Roman" pitchFamily="18" charset="0"/>
+              </a:rPr>
+              <a:t>else</a:t>
+            </a:r>
+            <a:r>
+              <a:rPr lang="ru-RU" sz="2400" dirty="0">
+                <a:solidFill>
+                  <a:schemeClr val="bg1"/>
+                </a:solidFill>
+                <a:cs typeface="Times New Roman" pitchFamily="18" charset="0"/>
+              </a:rPr>
+              <a:t> </a:t>
+            </a:r>
+            <a:endParaRPr lang="ru-RU" sz="2400" dirty="0">
+              <a:solidFill>
+                <a:schemeClr val="bg1"/>
+              </a:solidFill>
+            </a:endParaRPr>
+          </a:p>
+        </p:txBody>
+      </p:sp>
+      <p:sp>
+        <p:nvSpPr>
+          <p:cNvPr id="11272" name="Rectangle 8"/>
+          <p:cNvSpPr>
+            <a:spLocks noChangeArrowheads="1"/>
+          </p:cNvSpPr>
+          <p:nvPr/>
+        </p:nvSpPr>
+        <p:spPr bwMode="auto">
+          <a:xfrm>
+            <a:off x="1143000" y="3962400"/>
+            <a:ext cx="7010400" cy="2216150"/>
+          </a:xfrm>
+          <a:prstGeom prst="rect">
+            <a:avLst/>
+          </a:prstGeom>
+          <a:noFill/>
+          <a:ln w="9525">
+            <a:solidFill>
+              <a:schemeClr val="bg1">
+                <a:lumMod val="65000"/>
+              </a:schemeClr>
+            </a:solidFill>
+            <a:miter lim="800000"/>
+            <a:headEnd/>
+            <a:tailEnd/>
+          </a:ln>
+          <a:effectLst/>
+        </p:spPr>
+        <p:txBody>
+          <a:bodyPr anchor="ctr">
+            <a:spAutoFit/>
+          </a:bodyPr>
+          <a:lstStyle/>
+          <a:p>
+            <a:pPr lvl="2" eaLnBrk="0" hangingPunct="0">
+              <a:defRPr/>
+            </a:pPr>
+            <a:r>
+              <a:rPr lang="be-BY" sz="1000" dirty="0">
+                <a:solidFill>
+                  <a:schemeClr val="bg1"/>
+                </a:solidFill>
+                <a:latin typeface="Courier New" pitchFamily="49" charset="0"/>
+                <a:ea typeface="Calibri" pitchFamily="34" charset="0"/>
+                <a:cs typeface="Courier New" pitchFamily="49" charset="0"/>
+              </a:rPr>
+              <a:t>static void Main(string[] args)</a:t>
+            </a:r>
+            <a:endParaRPr lang="be-BY" sz="900" dirty="0">
+              <a:solidFill>
+                <a:schemeClr val="bg1"/>
+              </a:solidFill>
+              <a:latin typeface="Arial" pitchFamily="34" charset="0"/>
+            </a:endParaRPr>
+          </a:p>
+          <a:p>
+            <a:pPr lvl="2" eaLnBrk="0" hangingPunct="0">
+              <a:defRPr/>
+            </a:pPr>
+            <a:r>
+              <a:rPr lang="be-BY" sz="1000" dirty="0">
+                <a:solidFill>
+                  <a:schemeClr val="bg1"/>
+                </a:solidFill>
+                <a:latin typeface="Courier New" pitchFamily="49" charset="0"/>
+                <a:ea typeface="Calibri" pitchFamily="34" charset="0"/>
+                <a:cs typeface="Courier New" pitchFamily="49" charset="0"/>
+              </a:rPr>
+              <a:t>{</a:t>
+            </a:r>
+            <a:endParaRPr lang="be-BY" sz="900" dirty="0">
+              <a:solidFill>
+                <a:schemeClr val="bg1"/>
+              </a:solidFill>
+              <a:latin typeface="Arial" pitchFamily="34" charset="0"/>
+            </a:endParaRPr>
+          </a:p>
+          <a:p>
+            <a:pPr lvl="2" eaLnBrk="0" hangingPunct="0">
+              <a:defRPr/>
+            </a:pPr>
+            <a:r>
+              <a:rPr lang="be-BY" sz="1000" dirty="0">
+                <a:solidFill>
+                  <a:schemeClr val="bg1"/>
+                </a:solidFill>
+                <a:latin typeface="Courier New" pitchFamily="49" charset="0"/>
+                <a:ea typeface="Calibri" pitchFamily="34" charset="0"/>
+                <a:cs typeface="Courier New" pitchFamily="49" charset="0"/>
+              </a:rPr>
+              <a:t>    char c = (char)Console.Read();</a:t>
+            </a:r>
+          </a:p>
+          <a:p>
+            <a:pPr lvl="2" eaLnBrk="0" hangingPunct="0">
+              <a:defRPr/>
+            </a:pPr>
+            <a:endParaRPr lang="be-BY" sz="900" dirty="0">
+              <a:solidFill>
+                <a:schemeClr val="bg1"/>
+              </a:solidFill>
+              <a:latin typeface="Arial" pitchFamily="34" charset="0"/>
+            </a:endParaRPr>
+          </a:p>
+          <a:p>
+            <a:pPr lvl="2" eaLnBrk="0" hangingPunct="0">
+              <a:defRPr/>
+            </a:pPr>
+            <a:r>
+              <a:rPr lang="be-BY" sz="1000" dirty="0">
+                <a:solidFill>
+                  <a:schemeClr val="bg1"/>
+                </a:solidFill>
+                <a:latin typeface="Courier New" pitchFamily="49" charset="0"/>
+                <a:ea typeface="Calibri" pitchFamily="34" charset="0"/>
+                <a:cs typeface="Courier New" pitchFamily="49" charset="0"/>
+              </a:rPr>
+              <a:t>    if (c &gt;= 'a' &amp;&amp; c &lt;= 'z' || c &gt;= 'A' &amp;&amp; c &lt;= 'Z')</a:t>
+            </a:r>
+            <a:endParaRPr lang="be-BY" sz="900" dirty="0">
+              <a:solidFill>
+                <a:schemeClr val="bg1"/>
+              </a:solidFill>
+              <a:latin typeface="Arial" pitchFamily="34" charset="0"/>
+            </a:endParaRPr>
+          </a:p>
+          <a:p>
+            <a:pPr lvl="2" eaLnBrk="0" hangingPunct="0">
+              <a:defRPr/>
+            </a:pPr>
+            <a:r>
+              <a:rPr lang="be-BY" sz="1000" dirty="0">
+                <a:solidFill>
+                  <a:schemeClr val="bg1"/>
+                </a:solidFill>
+                <a:latin typeface="Courier New" pitchFamily="49" charset="0"/>
+                <a:ea typeface="Calibri" pitchFamily="34" charset="0"/>
+                <a:cs typeface="Courier New" pitchFamily="49" charset="0"/>
+              </a:rPr>
+              <a:t>    {</a:t>
+            </a:r>
+            <a:endParaRPr lang="be-BY" sz="900" dirty="0">
+              <a:solidFill>
+                <a:schemeClr val="bg1"/>
+              </a:solidFill>
+              <a:latin typeface="Arial" pitchFamily="34" charset="0"/>
+            </a:endParaRPr>
+          </a:p>
+          <a:p>
+            <a:pPr lvl="2" eaLnBrk="0" hangingPunct="0">
+              <a:defRPr/>
+            </a:pPr>
+            <a:r>
+              <a:rPr lang="be-BY" sz="1000" dirty="0">
+                <a:solidFill>
+                  <a:schemeClr val="bg1"/>
+                </a:solidFill>
+                <a:latin typeface="Courier New" pitchFamily="49" charset="0"/>
+                <a:ea typeface="Calibri" pitchFamily="34" charset="0"/>
+                <a:cs typeface="Courier New" pitchFamily="49" charset="0"/>
+              </a:rPr>
+              <a:t>        Console.WriteLine("Letter");</a:t>
+            </a:r>
+            <a:endParaRPr lang="be-BY" sz="900" dirty="0">
+              <a:solidFill>
+                <a:schemeClr val="bg1"/>
+              </a:solidFill>
+              <a:latin typeface="Arial" pitchFamily="34" charset="0"/>
+            </a:endParaRPr>
+          </a:p>
+          <a:p>
+            <a:pPr lvl="2" eaLnBrk="0" hangingPunct="0">
+              <a:defRPr/>
+            </a:pPr>
+            <a:r>
+              <a:rPr lang="be-BY" sz="1000" dirty="0">
+                <a:solidFill>
+                  <a:schemeClr val="bg1"/>
+                </a:solidFill>
+                <a:latin typeface="Courier New" pitchFamily="49" charset="0"/>
+                <a:ea typeface="Calibri" pitchFamily="34" charset="0"/>
+                <a:cs typeface="Courier New" pitchFamily="49" charset="0"/>
+              </a:rPr>
+              <a:t>    }</a:t>
+            </a:r>
+            <a:endParaRPr lang="be-BY" sz="900" dirty="0">
+              <a:solidFill>
+                <a:schemeClr val="bg1"/>
+              </a:solidFill>
+              <a:latin typeface="Arial" pitchFamily="34" charset="0"/>
+            </a:endParaRPr>
+          </a:p>
+          <a:p>
+            <a:pPr lvl="2" eaLnBrk="0" hangingPunct="0">
+              <a:defRPr/>
+            </a:pPr>
+            <a:r>
+              <a:rPr lang="be-BY" sz="1000" dirty="0">
+                <a:solidFill>
+                  <a:schemeClr val="bg1"/>
+                </a:solidFill>
+                <a:latin typeface="Courier New" pitchFamily="49" charset="0"/>
+                <a:ea typeface="Calibri" pitchFamily="34" charset="0"/>
+                <a:cs typeface="Courier New" pitchFamily="49" charset="0"/>
+              </a:rPr>
+              <a:t>    else</a:t>
+            </a:r>
+            <a:endParaRPr lang="be-BY" sz="900" dirty="0">
+              <a:solidFill>
+                <a:schemeClr val="bg1"/>
+              </a:solidFill>
+              <a:latin typeface="Arial" pitchFamily="34" charset="0"/>
+            </a:endParaRPr>
+          </a:p>
+          <a:p>
+            <a:pPr lvl="2" eaLnBrk="0" hangingPunct="0">
+              <a:defRPr/>
+            </a:pPr>
+            <a:r>
+              <a:rPr lang="be-BY" sz="1000" dirty="0">
+                <a:solidFill>
+                  <a:schemeClr val="bg1"/>
+                </a:solidFill>
+                <a:latin typeface="Courier New" pitchFamily="49" charset="0"/>
+                <a:ea typeface="Calibri" pitchFamily="34" charset="0"/>
+                <a:cs typeface="Courier New" pitchFamily="49" charset="0"/>
+              </a:rPr>
+              <a:t>    {</a:t>
+            </a:r>
+            <a:endParaRPr lang="be-BY" sz="900" dirty="0">
+              <a:solidFill>
+                <a:schemeClr val="bg1"/>
+              </a:solidFill>
+              <a:latin typeface="Arial" pitchFamily="34" charset="0"/>
+            </a:endParaRPr>
+          </a:p>
+          <a:p>
+            <a:pPr lvl="2" eaLnBrk="0" hangingPunct="0">
+              <a:defRPr/>
+            </a:pPr>
+            <a:r>
+              <a:rPr lang="be-BY" sz="1000" dirty="0">
+                <a:solidFill>
+                  <a:schemeClr val="bg1"/>
+                </a:solidFill>
+                <a:latin typeface="Courier New" pitchFamily="49" charset="0"/>
+                <a:ea typeface="Calibri" pitchFamily="34" charset="0"/>
+                <a:cs typeface="Courier New" pitchFamily="49" charset="0"/>
+              </a:rPr>
+              <a:t>        Console.WriteLine("Symbol");</a:t>
+            </a:r>
+            <a:endParaRPr lang="be-BY" sz="900" dirty="0">
+              <a:solidFill>
+                <a:schemeClr val="bg1"/>
+              </a:solidFill>
+              <a:latin typeface="Arial" pitchFamily="34" charset="0"/>
+            </a:endParaRPr>
+          </a:p>
+          <a:p>
+            <a:pPr lvl="2" eaLnBrk="0" hangingPunct="0">
+              <a:defRPr/>
+            </a:pPr>
+            <a:r>
+              <a:rPr lang="be-BY" sz="1000" dirty="0">
+                <a:solidFill>
+                  <a:schemeClr val="bg1"/>
+                </a:solidFill>
+                <a:latin typeface="Courier New" pitchFamily="49" charset="0"/>
+                <a:ea typeface="Calibri" pitchFamily="34" charset="0"/>
+                <a:cs typeface="Courier New" pitchFamily="49" charset="0"/>
+              </a:rPr>
+              <a:t>    }</a:t>
+            </a:r>
+          </a:p>
+          <a:p>
+            <a:pPr lvl="2" eaLnBrk="0" hangingPunct="0">
+              <a:defRPr/>
+            </a:pPr>
+            <a:endParaRPr lang="be-BY" sz="900" dirty="0">
+              <a:solidFill>
+                <a:schemeClr val="bg1"/>
+              </a:solidFill>
+              <a:latin typeface="Arial" pitchFamily="34" charset="0"/>
+            </a:endParaRPr>
+          </a:p>
+          <a:p>
+            <a:pPr lvl="2" eaLnBrk="0" hangingPunct="0">
+              <a:defRPr/>
+            </a:pPr>
+            <a:r>
+              <a:rPr lang="be-BY" sz="1000" dirty="0">
+                <a:solidFill>
+                  <a:schemeClr val="bg1"/>
+                </a:solidFill>
+                <a:latin typeface="Courier New" pitchFamily="49" charset="0"/>
+                <a:ea typeface="Calibri" pitchFamily="34" charset="0"/>
+                <a:cs typeface="Courier New" pitchFamily="49" charset="0"/>
+              </a:rPr>
+              <a:t>}</a:t>
+            </a:r>
+            <a:endParaRPr lang="be-BY" dirty="0">
+              <a:solidFill>
+                <a:schemeClr val="bg1"/>
+              </a:solidFill>
+              <a:latin typeface="Calibri" pitchFamily="34" charset="0"/>
+            </a:endParaRPr>
+          </a:p>
+        </p:txBody>
+      </p:sp>
+      <p:sp>
+        <p:nvSpPr>
+          <p:cNvPr id="11268" name="Подзаголовок 2"/>
+          <p:cNvSpPr txBox="1">
+            <a:spLocks/>
+          </p:cNvSpPr>
+          <p:nvPr/>
+        </p:nvSpPr>
+        <p:spPr bwMode="auto">
+          <a:xfrm>
+            <a:off x="2133600" y="685800"/>
+            <a:ext cx="5143500" cy="2362200"/>
+          </a:xfrm>
+          <a:prstGeom prst="rect">
+            <a:avLst/>
+          </a:prstGeom>
+          <a:noFill/>
+          <a:ln w="9525">
+            <a:solidFill>
+              <a:srgbClr val="FF0000"/>
+            </a:solidFill>
+            <a:miter lim="800000"/>
+            <a:headEnd/>
+            <a:tailEnd/>
+          </a:ln>
+          <a:extLst>
+            <a:ext uri="{909E8E84-426E-40DD-AFC4-6F175D3DCCD1}">
+              <a14:hiddenFill xmlns:a14="http://schemas.microsoft.com/office/drawing/2010/main">
+                <a:solidFill>
+                  <a:srgbClr val="FFFFFF"/>
+                </a:solidFill>
+              </a14:hiddenFill>
+            </a:ext>
+          </a:extLst>
+        </p:spPr>
+        <p:txBody>
+          <a:bodyPr/>
+          <a:lstStyle>
+            <a:lvl1pPr eaLnBrk="0" hangingPunct="0">
+              <a:defRPr>
+                <a:solidFill>
+                  <a:schemeClr val="tx1"/>
+                </a:solidFill>
+                <a:latin typeface="Arial" charset="0"/>
+              </a:defRPr>
+            </a:lvl1pPr>
+            <a:lvl2pPr marL="742950" indent="-285750" eaLnBrk="0" hangingPunct="0">
+              <a:defRPr>
+                <a:solidFill>
+                  <a:schemeClr val="tx1"/>
+                </a:solidFill>
+                <a:latin typeface="Arial" charset="0"/>
+              </a:defRPr>
+            </a:lvl2pPr>
+            <a:lvl3pPr marL="1143000" indent="-228600" eaLnBrk="0" hangingPunct="0">
+              <a:defRPr>
+                <a:solidFill>
+                  <a:schemeClr val="tx1"/>
+                </a:solidFill>
+                <a:latin typeface="Arial" charset="0"/>
+              </a:defRPr>
+            </a:lvl3pPr>
+            <a:lvl4pPr marL="1600200" indent="-228600" eaLnBrk="0" hangingPunct="0">
+              <a:defRPr>
+                <a:solidFill>
+                  <a:schemeClr val="tx1"/>
+                </a:solidFill>
+                <a:latin typeface="Arial" charset="0"/>
+              </a:defRPr>
+            </a:lvl4pPr>
+            <a:lvl5pPr marL="2057400" indent="-228600" eaLnBrk="0" hangingPunct="0">
+              <a:defRPr>
+                <a:solidFill>
+                  <a:schemeClr val="tx1"/>
+                </a:solidFill>
+                <a:latin typeface="Arial" charset="0"/>
+              </a:defRPr>
+            </a:lvl5pPr>
+            <a:lvl6pPr marL="2514600" indent="-228600" eaLnBrk="0" fontAlgn="base" hangingPunct="0">
+              <a:spcBef>
+                <a:spcPct val="0"/>
+              </a:spcBef>
+              <a:spcAft>
+                <a:spcPct val="0"/>
+              </a:spcAft>
+              <a:defRPr>
+                <a:solidFill>
+                  <a:schemeClr val="tx1"/>
+                </a:solidFill>
+                <a:latin typeface="Arial" charset="0"/>
+              </a:defRPr>
+            </a:lvl6pPr>
+            <a:lvl7pPr marL="2971800" indent="-228600" eaLnBrk="0" fontAlgn="base" hangingPunct="0">
+              <a:spcBef>
+                <a:spcPct val="0"/>
+              </a:spcBef>
+              <a:spcAft>
+                <a:spcPct val="0"/>
+              </a:spcAft>
+              <a:defRPr>
+                <a:solidFill>
+                  <a:schemeClr val="tx1"/>
+                </a:solidFill>
+                <a:latin typeface="Arial" charset="0"/>
+              </a:defRPr>
+            </a:lvl7pPr>
+            <a:lvl8pPr marL="3429000" indent="-228600" eaLnBrk="0" fontAlgn="base" hangingPunct="0">
+              <a:spcBef>
+                <a:spcPct val="0"/>
+              </a:spcBef>
+              <a:spcAft>
+                <a:spcPct val="0"/>
+              </a:spcAft>
+              <a:defRPr>
+                <a:solidFill>
+                  <a:schemeClr val="tx1"/>
+                </a:solidFill>
+                <a:latin typeface="Arial" charset="0"/>
+              </a:defRPr>
+            </a:lvl8pPr>
+            <a:lvl9pPr marL="3886200" indent="-228600" eaLnBrk="0" fontAlgn="base" hangingPunct="0">
+              <a:spcBef>
+                <a:spcPct val="0"/>
+              </a:spcBef>
+              <a:spcAft>
+                <a:spcPct val="0"/>
+              </a:spcAft>
+              <a:defRPr>
+                <a:solidFill>
+                  <a:schemeClr val="tx1"/>
+                </a:solidFill>
+                <a:latin typeface="Arial" charset="0"/>
+              </a:defRPr>
+            </a:lvl9pPr>
+          </a:lstStyle>
+          <a:p>
+            <a:pPr eaLnBrk="1" hangingPunct="1"/>
+            <a:r>
+              <a:rPr lang="en-US" sz="1000" dirty="0">
+                <a:solidFill>
+                  <a:schemeClr val="bg1"/>
+                </a:solidFill>
+                <a:latin typeface="Courier New" pitchFamily="49" charset="0"/>
+                <a:cs typeface="Courier New" pitchFamily="49" charset="0"/>
+              </a:rPr>
+              <a:t>if( &lt;</a:t>
+            </a:r>
+            <a:r>
+              <a:rPr lang="ru-RU" sz="1000" dirty="0">
+                <a:solidFill>
+                  <a:schemeClr val="bg1"/>
+                </a:solidFill>
+                <a:latin typeface="Courier New" pitchFamily="49" charset="0"/>
+                <a:cs typeface="Courier New" pitchFamily="49" charset="0"/>
+              </a:rPr>
+              <a:t>условие</a:t>
+            </a:r>
+            <a:r>
+              <a:rPr lang="en-US" sz="1000" dirty="0">
+                <a:solidFill>
+                  <a:schemeClr val="bg1"/>
+                </a:solidFill>
+                <a:latin typeface="Courier New" pitchFamily="49" charset="0"/>
+                <a:cs typeface="Courier New" pitchFamily="49" charset="0"/>
+              </a:rPr>
+              <a:t>&gt;</a:t>
+            </a:r>
+            <a:r>
+              <a:rPr lang="ru-RU" sz="1000" dirty="0">
+                <a:solidFill>
+                  <a:schemeClr val="bg1"/>
+                </a:solidFill>
+                <a:latin typeface="Courier New" pitchFamily="49" charset="0"/>
+                <a:cs typeface="Courier New" pitchFamily="49" charset="0"/>
+              </a:rPr>
+              <a:t> )</a:t>
+            </a:r>
+          </a:p>
+          <a:p>
+            <a:pPr eaLnBrk="1" hangingPunct="1"/>
+            <a:r>
+              <a:rPr lang="en-US" sz="1000" dirty="0">
+                <a:solidFill>
+                  <a:schemeClr val="bg1"/>
+                </a:solidFill>
+                <a:latin typeface="Courier New" pitchFamily="49" charset="0"/>
+                <a:cs typeface="Courier New" pitchFamily="49" charset="0"/>
+              </a:rPr>
+              <a:t>{</a:t>
+            </a:r>
+            <a:endParaRPr lang="ru-RU" sz="1000" dirty="0">
+              <a:solidFill>
+                <a:schemeClr val="bg1"/>
+              </a:solidFill>
+              <a:latin typeface="Courier New" pitchFamily="49" charset="0"/>
+              <a:cs typeface="Courier New" pitchFamily="49" charset="0"/>
+            </a:endParaRPr>
+          </a:p>
+          <a:p>
+            <a:pPr eaLnBrk="1" hangingPunct="1"/>
+            <a:r>
+              <a:rPr lang="ru-RU" sz="1000" dirty="0">
+                <a:solidFill>
+                  <a:schemeClr val="bg1"/>
+                </a:solidFill>
+                <a:latin typeface="Courier New" pitchFamily="49" charset="0"/>
+                <a:cs typeface="Courier New" pitchFamily="49" charset="0"/>
+              </a:rPr>
+              <a:t>	</a:t>
+            </a:r>
+            <a:r>
+              <a:rPr lang="en-US" sz="1000" dirty="0">
+                <a:solidFill>
+                  <a:schemeClr val="bg1"/>
+                </a:solidFill>
+                <a:latin typeface="Courier New" pitchFamily="49" charset="0"/>
+                <a:cs typeface="Courier New" pitchFamily="49" charset="0"/>
+              </a:rPr>
+              <a:t>&lt;</a:t>
+            </a:r>
+            <a:r>
+              <a:rPr lang="ru-RU" sz="1000" dirty="0">
+                <a:solidFill>
+                  <a:schemeClr val="bg1"/>
+                </a:solidFill>
+                <a:latin typeface="Courier New" pitchFamily="49" charset="0"/>
+                <a:cs typeface="Courier New" pitchFamily="49" charset="0"/>
+              </a:rPr>
+              <a:t>операторы – если условие истинно</a:t>
+            </a:r>
+            <a:r>
+              <a:rPr lang="en-US" sz="1000" dirty="0">
+                <a:solidFill>
+                  <a:schemeClr val="bg1"/>
+                </a:solidFill>
+                <a:latin typeface="Courier New" pitchFamily="49" charset="0"/>
+                <a:cs typeface="Courier New" pitchFamily="49" charset="0"/>
+              </a:rPr>
+              <a:t>&gt;</a:t>
+            </a:r>
+          </a:p>
+          <a:p>
+            <a:pPr eaLnBrk="1" hangingPunct="1"/>
+            <a:r>
+              <a:rPr lang="en-US" sz="1000" dirty="0">
+                <a:solidFill>
+                  <a:schemeClr val="bg1"/>
+                </a:solidFill>
+                <a:latin typeface="Courier New" pitchFamily="49" charset="0"/>
+                <a:cs typeface="Courier New" pitchFamily="49" charset="0"/>
+              </a:rPr>
+              <a:t>}</a:t>
+            </a:r>
+          </a:p>
+          <a:p>
+            <a:pPr eaLnBrk="1" hangingPunct="1"/>
+            <a:endParaRPr lang="ru-RU" sz="1000" dirty="0">
+              <a:solidFill>
+                <a:schemeClr val="bg1"/>
+              </a:solidFill>
+              <a:latin typeface="Courier New" pitchFamily="49" charset="0"/>
+              <a:cs typeface="Courier New" pitchFamily="49" charset="0"/>
+            </a:endParaRPr>
+          </a:p>
+          <a:p>
+            <a:pPr eaLnBrk="1" hangingPunct="1"/>
+            <a:r>
+              <a:rPr lang="ru-RU" sz="1000" dirty="0">
+                <a:solidFill>
+                  <a:schemeClr val="bg1"/>
+                </a:solidFill>
+                <a:latin typeface="Courier New" pitchFamily="49" charset="0"/>
+                <a:cs typeface="Courier New" pitchFamily="49" charset="0"/>
+              </a:rPr>
+              <a:t>Или</a:t>
+            </a:r>
+          </a:p>
+          <a:p>
+            <a:pPr eaLnBrk="1" hangingPunct="1"/>
+            <a:endParaRPr lang="ru-RU" sz="1000" dirty="0">
+              <a:solidFill>
+                <a:schemeClr val="bg1"/>
+              </a:solidFill>
+              <a:latin typeface="Courier New" pitchFamily="49" charset="0"/>
+              <a:cs typeface="Courier New" pitchFamily="49" charset="0"/>
+            </a:endParaRPr>
+          </a:p>
+          <a:p>
+            <a:pPr eaLnBrk="1" hangingPunct="1"/>
+            <a:r>
+              <a:rPr lang="en-US" sz="1000" dirty="0">
+                <a:solidFill>
+                  <a:schemeClr val="bg1"/>
+                </a:solidFill>
+                <a:latin typeface="Courier New" pitchFamily="49" charset="0"/>
+                <a:cs typeface="Courier New" pitchFamily="49" charset="0"/>
+              </a:rPr>
+              <a:t>if( &lt;</a:t>
+            </a:r>
+            <a:r>
+              <a:rPr lang="ru-RU" sz="1000" dirty="0">
+                <a:solidFill>
+                  <a:schemeClr val="bg1"/>
+                </a:solidFill>
+                <a:latin typeface="Courier New" pitchFamily="49" charset="0"/>
+                <a:cs typeface="Courier New" pitchFamily="49" charset="0"/>
+              </a:rPr>
+              <a:t>условие</a:t>
+            </a:r>
+            <a:r>
+              <a:rPr lang="en-US" sz="1000" dirty="0">
+                <a:solidFill>
+                  <a:schemeClr val="bg1"/>
+                </a:solidFill>
+                <a:latin typeface="Courier New" pitchFamily="49" charset="0"/>
+                <a:cs typeface="Courier New" pitchFamily="49" charset="0"/>
+              </a:rPr>
+              <a:t>&gt;</a:t>
+            </a:r>
+            <a:r>
+              <a:rPr lang="ru-RU" sz="1000" dirty="0">
+                <a:solidFill>
+                  <a:schemeClr val="bg1"/>
+                </a:solidFill>
+                <a:latin typeface="Courier New" pitchFamily="49" charset="0"/>
+                <a:cs typeface="Courier New" pitchFamily="49" charset="0"/>
+              </a:rPr>
+              <a:t> )</a:t>
+            </a:r>
+            <a:endParaRPr lang="en-US" sz="1000" dirty="0">
+              <a:solidFill>
+                <a:schemeClr val="bg1"/>
+              </a:solidFill>
+              <a:latin typeface="Courier New" pitchFamily="49" charset="0"/>
+              <a:cs typeface="Courier New" pitchFamily="49" charset="0"/>
+            </a:endParaRPr>
+          </a:p>
+          <a:p>
+            <a:pPr eaLnBrk="1" hangingPunct="1"/>
+            <a:r>
+              <a:rPr lang="en-US" sz="1000" dirty="0">
+                <a:solidFill>
+                  <a:schemeClr val="bg1"/>
+                </a:solidFill>
+                <a:latin typeface="Courier New" pitchFamily="49" charset="0"/>
+                <a:cs typeface="Courier New" pitchFamily="49" charset="0"/>
+              </a:rPr>
+              <a:t>{</a:t>
+            </a:r>
+            <a:endParaRPr lang="ru-RU" sz="1000" dirty="0">
+              <a:solidFill>
+                <a:schemeClr val="bg1"/>
+              </a:solidFill>
+              <a:latin typeface="Courier New" pitchFamily="49" charset="0"/>
+              <a:cs typeface="Courier New" pitchFamily="49" charset="0"/>
+            </a:endParaRPr>
+          </a:p>
+          <a:p>
+            <a:pPr eaLnBrk="1" hangingPunct="1"/>
+            <a:r>
+              <a:rPr lang="ru-RU" sz="1000" dirty="0">
+                <a:solidFill>
+                  <a:schemeClr val="bg1"/>
+                </a:solidFill>
+                <a:latin typeface="Courier New" pitchFamily="49" charset="0"/>
+                <a:cs typeface="Courier New" pitchFamily="49" charset="0"/>
+              </a:rPr>
+              <a:t>	</a:t>
+            </a:r>
+            <a:r>
+              <a:rPr lang="en-US" sz="1000" dirty="0">
+                <a:solidFill>
+                  <a:schemeClr val="bg1"/>
+                </a:solidFill>
+                <a:latin typeface="Courier New" pitchFamily="49" charset="0"/>
+                <a:cs typeface="Courier New" pitchFamily="49" charset="0"/>
+              </a:rPr>
+              <a:t>&lt;</a:t>
+            </a:r>
+            <a:r>
+              <a:rPr lang="ru-RU" sz="1000" dirty="0">
+                <a:solidFill>
+                  <a:schemeClr val="bg1"/>
+                </a:solidFill>
+                <a:latin typeface="Courier New" pitchFamily="49" charset="0"/>
+                <a:cs typeface="Courier New" pitchFamily="49" charset="0"/>
+              </a:rPr>
+              <a:t>операторы – если условие истинно</a:t>
+            </a:r>
+            <a:r>
+              <a:rPr lang="en-US" sz="1000" dirty="0">
+                <a:solidFill>
+                  <a:schemeClr val="bg1"/>
+                </a:solidFill>
+                <a:latin typeface="Courier New" pitchFamily="49" charset="0"/>
+                <a:cs typeface="Courier New" pitchFamily="49" charset="0"/>
+              </a:rPr>
+              <a:t>&gt;</a:t>
+            </a:r>
+          </a:p>
+          <a:p>
+            <a:pPr eaLnBrk="1" hangingPunct="1"/>
+            <a:r>
+              <a:rPr lang="en-US" sz="1000" dirty="0">
+                <a:solidFill>
+                  <a:schemeClr val="bg1"/>
+                </a:solidFill>
+                <a:latin typeface="Courier New" pitchFamily="49" charset="0"/>
+                <a:cs typeface="Courier New" pitchFamily="49" charset="0"/>
+              </a:rPr>
+              <a:t>}</a:t>
+            </a:r>
+          </a:p>
+          <a:p>
+            <a:pPr eaLnBrk="1" hangingPunct="1"/>
+            <a:r>
+              <a:rPr lang="en-US" sz="1000" dirty="0">
+                <a:solidFill>
+                  <a:schemeClr val="bg1"/>
+                </a:solidFill>
+                <a:latin typeface="Courier New" pitchFamily="49" charset="0"/>
+                <a:cs typeface="Courier New" pitchFamily="49" charset="0"/>
+              </a:rPr>
+              <a:t>else</a:t>
+            </a:r>
+            <a:endParaRPr lang="ru-RU" sz="1000" dirty="0">
+              <a:solidFill>
+                <a:schemeClr val="bg1"/>
+              </a:solidFill>
+              <a:latin typeface="Courier New" pitchFamily="49" charset="0"/>
+              <a:cs typeface="Courier New" pitchFamily="49" charset="0"/>
+            </a:endParaRPr>
+          </a:p>
+          <a:p>
+            <a:pPr eaLnBrk="1" hangingPunct="1"/>
+            <a:r>
+              <a:rPr lang="en-US" sz="1000" dirty="0">
+                <a:solidFill>
+                  <a:schemeClr val="bg1"/>
+                </a:solidFill>
+                <a:latin typeface="Courier New" pitchFamily="49" charset="0"/>
+                <a:cs typeface="Courier New" pitchFamily="49" charset="0"/>
+              </a:rPr>
+              <a:t>{</a:t>
+            </a:r>
+          </a:p>
+          <a:p>
+            <a:pPr eaLnBrk="1" hangingPunct="1"/>
+            <a:r>
+              <a:rPr lang="ru-RU" sz="1000" dirty="0">
+                <a:solidFill>
+                  <a:schemeClr val="bg1"/>
+                </a:solidFill>
+                <a:latin typeface="Courier New" pitchFamily="49" charset="0"/>
+                <a:cs typeface="Courier New" pitchFamily="49" charset="0"/>
+              </a:rPr>
+              <a:t>	</a:t>
+            </a:r>
+            <a:r>
+              <a:rPr lang="en-US" sz="1000" dirty="0">
+                <a:solidFill>
+                  <a:schemeClr val="bg1"/>
+                </a:solidFill>
+                <a:latin typeface="Courier New" pitchFamily="49" charset="0"/>
+                <a:cs typeface="Courier New" pitchFamily="49" charset="0"/>
+              </a:rPr>
+              <a:t>&lt;</a:t>
+            </a:r>
+            <a:r>
+              <a:rPr lang="ru-RU" sz="1000" dirty="0">
+                <a:solidFill>
+                  <a:schemeClr val="bg1"/>
+                </a:solidFill>
+                <a:latin typeface="Courier New" pitchFamily="49" charset="0"/>
+                <a:cs typeface="Courier New" pitchFamily="49" charset="0"/>
+              </a:rPr>
+              <a:t>операторы – если условие ложно</a:t>
+            </a:r>
+            <a:r>
+              <a:rPr lang="en-US" sz="1000" dirty="0">
+                <a:solidFill>
+                  <a:schemeClr val="bg1"/>
+                </a:solidFill>
+                <a:latin typeface="Courier New" pitchFamily="49" charset="0"/>
+                <a:cs typeface="Courier New" pitchFamily="49" charset="0"/>
+              </a:rPr>
+              <a:t>&gt;</a:t>
+            </a:r>
+          </a:p>
+          <a:p>
+            <a:pPr eaLnBrk="1" hangingPunct="1"/>
+            <a:r>
+              <a:rPr lang="en-US" sz="1000" dirty="0">
+                <a:solidFill>
+                  <a:schemeClr val="bg1"/>
+                </a:solidFill>
+                <a:latin typeface="Courier New" pitchFamily="49" charset="0"/>
+                <a:cs typeface="Courier New" pitchFamily="49" charset="0"/>
+              </a:rPr>
+              <a:t>}</a:t>
+            </a:r>
+            <a:endParaRPr lang="ru-RU" sz="1000" dirty="0">
+              <a:solidFill>
+                <a:schemeClr val="bg1"/>
+              </a:solidFill>
+              <a:latin typeface="Courier New" pitchFamily="49" charset="0"/>
+              <a:cs typeface="Courier New" pitchFamily="49" charset="0"/>
+            </a:endParaRPr>
+          </a:p>
+          <a:p>
+            <a:pPr eaLnBrk="1" hangingPunct="1"/>
+            <a:endParaRPr lang="ru-RU" sz="1000" dirty="0">
+              <a:solidFill>
+                <a:schemeClr val="bg1"/>
+              </a:solidFill>
+              <a:latin typeface="Courier New" pitchFamily="49" charset="0"/>
+              <a:cs typeface="Courier New" pitchFamily="49" charset="0"/>
+            </a:endParaRPr>
+          </a:p>
+        </p:txBody>
+      </p:sp>
+    </p:spTree>
+    <p:extLst>
+      <p:ext uri="{BB962C8B-B14F-4D97-AF65-F5344CB8AC3E}">
+        <p14:creationId xmlns:p14="http://schemas.microsoft.com/office/powerpoint/2010/main" val="801124777"/>
+      </p:ext>
+    </p:extLst>
+  </p:cSld>
+  <p:clrMapOvr>
+    <a:masterClrMapping/>
+  </p:clrMapOvr>
+</p:sld>
+</file>
+
+<file path=ppt/slides/slide21.xml><?xml version="1.0" encoding="utf-8"?>
+<p:sld xmlns:a="http://schemas.openxmlformats.org/drawingml/2006/main" xmlns:r="http://schemas.openxmlformats.org/officeDocument/2006/relationships" xmlns:p="http://schemas.openxmlformats.org/presentationml/2006/main">
+  <p:cSld>
+    <p:bg>
+      <p:bgPr>
+        <a:blipFill dpi="0" rotWithShape="1">
+          <a:blip r:embed="rId2">
+            <a:lum/>
+          </a:blip>
+          <a:srcRect/>
+          <a:stretch>
+            <a:fillRect/>
+          </a:stretch>
+        </a:blipFill>
+        <a:effectLst/>
+      </p:bgPr>
+    </p:bg>
+    <p:spTree>
+      <p:nvGrpSpPr>
+        <p:cNvPr id="1" name=""/>
+        <p:cNvGrpSpPr/>
+        <p:nvPr/>
+      </p:nvGrpSpPr>
+      <p:grpSpPr>
+        <a:xfrm>
+          <a:off x="0" y="0"/>
+          <a:ext cx="0" cy="0"/>
+          <a:chOff x="0" y="0"/>
+          <a:chExt cx="0" cy="0"/>
+        </a:xfrm>
+      </p:grpSpPr>
+      <p:sp>
+        <p:nvSpPr>
           <p:cNvPr id="12290" name="Прямоугольник 10"/>
           <p:cNvSpPr>
             <a:spLocks noChangeArrowheads="1"/>
@@ -16052,7 +18326,7 @@
 </p:sld>
 </file>
 
-<file path=ppt/slides/slide21.xml><?xml version="1.0" encoding="utf-8"?>
+<file path=ppt/slides/slide22.xml><?xml version="1.0" encoding="utf-8"?>
 <p:sld xmlns:a="http://schemas.openxmlformats.org/drawingml/2006/main" xmlns:r="http://schemas.openxmlformats.org/officeDocument/2006/relationships" xmlns:p="http://schemas.openxmlformats.org/presentationml/2006/main">
   <p:cSld>
     <p:bg>
@@ -18463,7 +20737,7 @@
 </p:sld>
 </file>
 
-<file path=ppt/slides/slide22.xml><?xml version="1.0" encoding="utf-8"?>
+<file path=ppt/slides/slide23.xml><?xml version="1.0" encoding="utf-8"?>
 <p:sld xmlns:a="http://schemas.openxmlformats.org/drawingml/2006/main" xmlns:r="http://schemas.openxmlformats.org/officeDocument/2006/relationships" xmlns:p="http://schemas.openxmlformats.org/presentationml/2006/main">
   <p:cSld>
     <p:bg>
@@ -19464,7 +21738,7 @@
 </p:sld>
 </file>
 
-<file path=ppt/slides/slide23.xml><?xml version="1.0" encoding="utf-8"?>
+<file path=ppt/slides/slide24.xml><?xml version="1.0" encoding="utf-8"?>
 <p:sld xmlns:a="http://schemas.openxmlformats.org/drawingml/2006/main" xmlns:r="http://schemas.openxmlformats.org/officeDocument/2006/relationships" xmlns:p="http://schemas.openxmlformats.org/presentationml/2006/main">
   <p:cSld>
     <p:bg>
@@ -19733,7 +22007,7 @@
 </p:sld>
 </file>
 
-<file path=ppt/slides/slide24.xml><?xml version="1.0" encoding="utf-8"?>
+<file path=ppt/slides/slide25.xml><?xml version="1.0" encoding="utf-8"?>
 <p:sld xmlns:a="http://schemas.openxmlformats.org/drawingml/2006/main" xmlns:r="http://schemas.openxmlformats.org/officeDocument/2006/relationships" xmlns:p="http://schemas.openxmlformats.org/presentationml/2006/main">
   <p:cSld>
     <p:bg>
@@ -20965,7 +23239,7 @@
 </p:sld>
 </file>
 
-<file path=ppt/slides/slide25.xml><?xml version="1.0" encoding="utf-8"?>
+<file path=ppt/slides/slide26.xml><?xml version="1.0" encoding="utf-8"?>
 <p:sld xmlns:a="http://schemas.openxmlformats.org/drawingml/2006/main" xmlns:r="http://schemas.openxmlformats.org/officeDocument/2006/relationships" xmlns:p="http://schemas.openxmlformats.org/presentationml/2006/main">
   <p:cSld>
     <p:bg>
@@ -22167,7 +24441,7 @@
 </p:sld>
 </file>
 
-<file path=ppt/slides/slide26.xml><?xml version="1.0" encoding="utf-8"?>
+<file path=ppt/slides/slide27.xml><?xml version="1.0" encoding="utf-8"?>
 <p:sld xmlns:a="http://schemas.openxmlformats.org/drawingml/2006/main" xmlns:r="http://schemas.openxmlformats.org/officeDocument/2006/relationships" xmlns:p="http://schemas.openxmlformats.org/presentationml/2006/main">
   <p:cSld>
     <p:bg>
@@ -23224,1904 +25498,6 @@
     <p:extLst>
       <p:ext uri="{BB962C8B-B14F-4D97-AF65-F5344CB8AC3E}">
         <p14:creationId xmlns:p14="http://schemas.microsoft.com/office/powerpoint/2010/main" val="401800113"/>
-      </p:ext>
-    </p:extLst>
-  </p:cSld>
-  <p:clrMapOvr>
-    <a:masterClrMapping/>
-  </p:clrMapOvr>
-</p:sld>
-</file>
-
-<file path=ppt/slides/slide27.xml><?xml version="1.0" encoding="utf-8"?>
-<p:sld xmlns:a="http://schemas.openxmlformats.org/drawingml/2006/main" xmlns:r="http://schemas.openxmlformats.org/officeDocument/2006/relationships" xmlns:p="http://schemas.openxmlformats.org/presentationml/2006/main">
-  <p:cSld>
-    <p:bg>
-      <p:bgPr>
-        <a:blipFill dpi="0" rotWithShape="1">
-          <a:blip r:embed="rId2">
-            <a:lum/>
-          </a:blip>
-          <a:srcRect/>
-          <a:stretch>
-            <a:fillRect/>
-          </a:stretch>
-        </a:blipFill>
-        <a:effectLst/>
-      </p:bgPr>
-    </p:bg>
-    <p:spTree>
-      <p:nvGrpSpPr>
-        <p:cNvPr id="1" name=""/>
-        <p:cNvGrpSpPr/>
-        <p:nvPr/>
-      </p:nvGrpSpPr>
-      <p:grpSpPr>
-        <a:xfrm>
-          <a:off x="0" y="0"/>
-          <a:ext cx="0" cy="0"/>
-          <a:chOff x="0" y="0"/>
-          <a:chExt cx="0" cy="0"/>
-        </a:xfrm>
-      </p:grpSpPr>
-      <p:sp>
-        <p:nvSpPr>
-          <p:cNvPr id="19458" name="Прямоугольник 6"/>
-          <p:cNvSpPr>
-            <a:spLocks noChangeArrowheads="1"/>
-          </p:cNvSpPr>
-          <p:nvPr/>
-        </p:nvSpPr>
-        <p:spPr bwMode="auto">
-          <a:xfrm>
-            <a:off x="609600" y="152400"/>
-            <a:ext cx="7924800" cy="461963"/>
-          </a:xfrm>
-          <a:prstGeom prst="rect">
-            <a:avLst/>
-          </a:prstGeom>
-          <a:noFill/>
-          <a:ln>
-            <a:noFill/>
-          </a:ln>
-          <a:extLst>
-            <a:ext uri="{909E8E84-426E-40DD-AFC4-6F175D3DCCD1}">
-              <a14:hiddenFill xmlns:a14="http://schemas.microsoft.com/office/drawing/2010/main">
-                <a:solidFill>
-                  <a:srgbClr val="FFFFFF"/>
-                </a:solidFill>
-              </a14:hiddenFill>
-            </a:ext>
-            <a:ext uri="{91240B29-F687-4F45-9708-019B960494DF}">
-              <a14:hiddenLine xmlns:a14="http://schemas.microsoft.com/office/drawing/2010/main" w="9525">
-                <a:solidFill>
-                  <a:srgbClr val="000000"/>
-                </a:solidFill>
-                <a:miter lim="800000"/>
-                <a:headEnd/>
-                <a:tailEnd/>
-              </a14:hiddenLine>
-            </a:ext>
-          </a:extLst>
-        </p:spPr>
-        <p:txBody>
-          <a:bodyPr>
-            <a:spAutoFit/>
-          </a:bodyPr>
-          <a:lstStyle/>
-          <a:p>
-            <a:pPr algn="ctr" eaLnBrk="0" hangingPunct="0">
-              <a:tabLst>
-                <a:tab pos="457200" algn="l"/>
-              </a:tabLst>
-            </a:pPr>
-            <a:r>
-              <a:rPr lang="ru-RU" sz="2400" dirty="0">
-                <a:solidFill>
-                  <a:schemeClr val="bg1"/>
-                </a:solidFill>
-              </a:rPr>
-              <a:t>Строки.</a:t>
-            </a:r>
-          </a:p>
-        </p:txBody>
-      </p:sp>
-      <p:graphicFrame>
-        <p:nvGraphicFramePr>
-          <p:cNvPr id="13344" name="Group 32"/>
-          <p:cNvGraphicFramePr>
-            <a:graphicFrameLocks noGrp="1"/>
-          </p:cNvGraphicFramePr>
-          <p:nvPr>
-            <p:extLst>
-              <p:ext uri="{D42A27DB-BD31-4B8C-83A1-F6EECF244321}">
-                <p14:modId xmlns:p14="http://schemas.microsoft.com/office/powerpoint/2010/main" val="1269551226"/>
-              </p:ext>
-            </p:extLst>
-          </p:nvPr>
-        </p:nvGraphicFramePr>
-        <p:xfrm>
-          <a:off x="457200" y="3805238"/>
-          <a:ext cx="8305800" cy="2595564"/>
-        </p:xfrm>
-        <a:graphic>
-          <a:graphicData uri="http://schemas.openxmlformats.org/drawingml/2006/table">
-            <a:tbl>
-              <a:tblPr/>
-              <a:tblGrid>
-                <a:gridCol w="2718262"/>
-                <a:gridCol w="5587538"/>
-              </a:tblGrid>
-              <a:tr h="371475">
-                <a:tc>
-                  <a:txBody>
-                    <a:bodyPr/>
-                    <a:lstStyle/>
-                    <a:p>
-                      <a:pPr marL="0" marR="0" lvl="0" indent="0" algn="l" defTabSz="914400" rtl="0" eaLnBrk="1" fontAlgn="base" latinLnBrk="0" hangingPunct="1">
-                        <a:lnSpc>
-                          <a:spcPct val="100000"/>
-                        </a:lnSpc>
-                        <a:spcBef>
-                          <a:spcPct val="0"/>
-                        </a:spcBef>
-                        <a:spcAft>
-                          <a:spcPct val="0"/>
-                        </a:spcAft>
-                        <a:buClrTx/>
-                        <a:buSzTx/>
-                        <a:buFontTx/>
-                        <a:buNone/>
-                        <a:tabLst/>
-                      </a:pPr>
-                      <a:r>
-                        <a:rPr kumimoji="0" lang="ru-RU" sz="1800" b="1" i="0" u="none" strike="noStrike" cap="none" normalizeH="0" baseline="0" dirty="0" smtClean="0">
-                          <a:ln>
-                            <a:noFill/>
-                          </a:ln>
-                          <a:solidFill>
-                            <a:srgbClr val="FFFFFF"/>
-                          </a:solidFill>
-                          <a:effectLst/>
-                          <a:latin typeface="Calibri" pitchFamily="34" charset="0"/>
-                        </a:rPr>
-                        <a:t>Имя члена</a:t>
-                      </a:r>
-                      <a:endParaRPr kumimoji="0" lang="be-BY" sz="1800" b="1" i="0" u="none" strike="noStrike" cap="none" normalizeH="0" baseline="0" dirty="0" smtClean="0">
-                        <a:ln>
-                          <a:noFill/>
-                        </a:ln>
-                        <a:solidFill>
-                          <a:srgbClr val="FFFFFF"/>
-                        </a:solidFill>
-                        <a:effectLst/>
-                        <a:latin typeface="Calibri" pitchFamily="34" charset="0"/>
-                      </a:endParaRPr>
-                    </a:p>
-                  </a:txBody>
-                  <a:tcPr horzOverflow="overflow">
-                    <a:lnL w="12700" cap="flat" cmpd="sng" algn="ctr">
-                      <a:solidFill>
-                        <a:schemeClr val="bg1"/>
-                      </a:solidFill>
-                      <a:prstDash val="solid"/>
-                      <a:round/>
-                      <a:headEnd type="none" w="med" len="med"/>
-                      <a:tailEnd type="none" w="med" len="med"/>
-                    </a:lnL>
-                    <a:lnR w="12700" cap="flat" cmpd="sng" algn="ctr">
-                      <a:solidFill>
-                        <a:schemeClr val="bg1"/>
-                      </a:solidFill>
-                      <a:prstDash val="solid"/>
-                      <a:round/>
-                      <a:headEnd type="none" w="med" len="med"/>
-                      <a:tailEnd type="none" w="med" len="med"/>
-                    </a:lnR>
-                    <a:lnT w="12700" cap="flat" cmpd="sng" algn="ctr">
-                      <a:solidFill>
-                        <a:schemeClr val="bg1"/>
-                      </a:solidFill>
-                      <a:prstDash val="solid"/>
-                      <a:round/>
-                      <a:headEnd type="none" w="med" len="med"/>
-                      <a:tailEnd type="none" w="med" len="med"/>
-                    </a:lnT>
-                    <a:lnB w="38100" cap="flat" cmpd="sng" algn="ctr">
-                      <a:solidFill>
-                        <a:schemeClr val="bg1"/>
-                      </a:solidFill>
-                      <a:prstDash val="solid"/>
-                      <a:round/>
-                      <a:headEnd type="none" w="med" len="med"/>
-                      <a:tailEnd type="none" w="med" len="med"/>
-                    </a:lnB>
-                    <a:lnTlToBr>
-                      <a:noFill/>
-                    </a:lnTlToBr>
-                    <a:lnBlToTr>
-                      <a:noFill/>
-                    </a:lnBlToTr>
-                    <a:solidFill>
-                      <a:schemeClr val="accent1"/>
-                    </a:solidFill>
-                  </a:tcPr>
-                </a:tc>
-                <a:tc>
-                  <a:txBody>
-                    <a:bodyPr/>
-                    <a:lstStyle/>
-                    <a:p>
-                      <a:pPr marL="0" marR="0" lvl="0" indent="0" algn="l" defTabSz="914400" rtl="0" eaLnBrk="1" fontAlgn="base" latinLnBrk="0" hangingPunct="1">
-                        <a:lnSpc>
-                          <a:spcPct val="100000"/>
-                        </a:lnSpc>
-                        <a:spcBef>
-                          <a:spcPct val="0"/>
-                        </a:spcBef>
-                        <a:spcAft>
-                          <a:spcPct val="0"/>
-                        </a:spcAft>
-                        <a:buClrTx/>
-                        <a:buSzTx/>
-                        <a:buFontTx/>
-                        <a:buNone/>
-                        <a:tabLst/>
-                      </a:pPr>
-                      <a:r>
-                        <a:rPr kumimoji="0" lang="ru-RU" sz="1800" b="1" i="0" u="none" strike="noStrike" cap="none" normalizeH="0" baseline="0" dirty="0" smtClean="0">
-                          <a:ln>
-                            <a:noFill/>
-                          </a:ln>
-                          <a:solidFill>
-                            <a:srgbClr val="FFFFFF"/>
-                          </a:solidFill>
-                          <a:effectLst/>
-                          <a:latin typeface="Calibri" pitchFamily="34" charset="0"/>
-                        </a:rPr>
-                        <a:t>Назначение</a:t>
-                      </a:r>
-                      <a:endParaRPr kumimoji="0" lang="be-BY" sz="1800" b="1" i="0" u="none" strike="noStrike" cap="none" normalizeH="0" baseline="0" dirty="0" smtClean="0">
-                        <a:ln>
-                          <a:noFill/>
-                        </a:ln>
-                        <a:solidFill>
-                          <a:srgbClr val="FFFFFF"/>
-                        </a:solidFill>
-                        <a:effectLst/>
-                        <a:latin typeface="Calibri" pitchFamily="34" charset="0"/>
-                      </a:endParaRPr>
-                    </a:p>
-                  </a:txBody>
-                  <a:tcPr horzOverflow="overflow">
-                    <a:lnL w="12700" cap="flat" cmpd="sng" algn="ctr">
-                      <a:solidFill>
-                        <a:schemeClr val="bg1"/>
-                      </a:solidFill>
-                      <a:prstDash val="solid"/>
-                      <a:round/>
-                      <a:headEnd type="none" w="med" len="med"/>
-                      <a:tailEnd type="none" w="med" len="med"/>
-                    </a:lnL>
-                    <a:lnR w="12700" cap="flat" cmpd="sng" algn="ctr">
-                      <a:solidFill>
-                        <a:schemeClr val="bg1"/>
-                      </a:solidFill>
-                      <a:prstDash val="solid"/>
-                      <a:round/>
-                      <a:headEnd type="none" w="med" len="med"/>
-                      <a:tailEnd type="none" w="med" len="med"/>
-                    </a:lnR>
-                    <a:lnT w="12700" cap="flat" cmpd="sng" algn="ctr">
-                      <a:solidFill>
-                        <a:schemeClr val="bg1"/>
-                      </a:solidFill>
-                      <a:prstDash val="solid"/>
-                      <a:round/>
-                      <a:headEnd type="none" w="med" len="med"/>
-                      <a:tailEnd type="none" w="med" len="med"/>
-                    </a:lnT>
-                    <a:lnB w="38100" cap="flat" cmpd="sng" algn="ctr">
-                      <a:solidFill>
-                        <a:schemeClr val="bg1"/>
-                      </a:solidFill>
-                      <a:prstDash val="solid"/>
-                      <a:round/>
-                      <a:headEnd type="none" w="med" len="med"/>
-                      <a:tailEnd type="none" w="med" len="med"/>
-                    </a:lnB>
-                    <a:lnTlToBr>
-                      <a:noFill/>
-                    </a:lnTlToBr>
-                    <a:lnBlToTr>
-                      <a:noFill/>
-                    </a:lnBlToTr>
-                    <a:solidFill>
-                      <a:schemeClr val="accent1"/>
-                    </a:solidFill>
-                  </a:tcPr>
-                </a:tc>
-              </a:tr>
-              <a:tr h="369888">
-                <a:tc>
-                  <a:txBody>
-                    <a:bodyPr/>
-                    <a:lstStyle/>
-                    <a:p>
-                      <a:pPr marL="0" marR="0" lvl="0" indent="0" algn="l" defTabSz="914400" rtl="0" eaLnBrk="1" fontAlgn="base" latinLnBrk="0" hangingPunct="1">
-                        <a:lnSpc>
-                          <a:spcPct val="100000"/>
-                        </a:lnSpc>
-                        <a:spcBef>
-                          <a:spcPct val="0"/>
-                        </a:spcBef>
-                        <a:spcAft>
-                          <a:spcPct val="0"/>
-                        </a:spcAft>
-                        <a:buClrTx/>
-                        <a:buSzTx/>
-                        <a:buFontTx/>
-                        <a:buNone/>
-                        <a:tabLst/>
-                      </a:pPr>
-                      <a:r>
-                        <a:rPr kumimoji="0" lang="en-US" sz="1800" b="0" i="0" u="none" strike="noStrike" cap="none" normalizeH="0" baseline="0" smtClean="0">
-                          <a:ln>
-                            <a:noFill/>
-                          </a:ln>
-                          <a:solidFill>
-                            <a:srgbClr val="000000"/>
-                          </a:solidFill>
-                          <a:effectLst/>
-                          <a:latin typeface="Calibri" pitchFamily="34" charset="0"/>
-                        </a:rPr>
-                        <a:t>Length</a:t>
-                      </a:r>
-                      <a:endParaRPr kumimoji="0" lang="be-BY" sz="1800" b="0" i="0" u="none" strike="noStrike" cap="none" normalizeH="0" baseline="0" smtClean="0">
-                        <a:ln>
-                          <a:noFill/>
-                        </a:ln>
-                        <a:solidFill>
-                          <a:srgbClr val="000000"/>
-                        </a:solidFill>
-                        <a:effectLst/>
-                        <a:latin typeface="Calibri" pitchFamily="34" charset="0"/>
-                      </a:endParaRPr>
-                    </a:p>
-                  </a:txBody>
-                  <a:tcPr horzOverflow="overflow">
-                    <a:lnL w="12700" cap="flat" cmpd="sng" algn="ctr">
-                      <a:solidFill>
-                        <a:schemeClr val="bg1"/>
-                      </a:solidFill>
-                      <a:prstDash val="solid"/>
-                      <a:round/>
-                      <a:headEnd type="none" w="med" len="med"/>
-                      <a:tailEnd type="none" w="med" len="med"/>
-                    </a:lnL>
-                    <a:lnR w="12700" cap="flat" cmpd="sng" algn="ctr">
-                      <a:solidFill>
-                        <a:schemeClr val="bg1"/>
-                      </a:solidFill>
-                      <a:prstDash val="solid"/>
-                      <a:round/>
-                      <a:headEnd type="none" w="med" len="med"/>
-                      <a:tailEnd type="none" w="med" len="med"/>
-                    </a:lnR>
-                    <a:lnT w="38100" cap="flat" cmpd="sng" algn="ctr">
-                      <a:solidFill>
-                        <a:schemeClr val="bg1"/>
-                      </a:solidFill>
-                      <a:prstDash val="solid"/>
-                      <a:round/>
-                      <a:headEnd type="none" w="med" len="med"/>
-                      <a:tailEnd type="none" w="med" len="med"/>
-                    </a:lnT>
-                    <a:lnB w="12700" cap="flat" cmpd="sng" algn="ctr">
-                      <a:solidFill>
-                        <a:schemeClr val="bg1"/>
-                      </a:solidFill>
-                      <a:prstDash val="solid"/>
-                      <a:round/>
-                      <a:headEnd type="none" w="med" len="med"/>
-                      <a:tailEnd type="none" w="med" len="med"/>
-                    </a:lnB>
-                    <a:lnTlToBr>
-                      <a:noFill/>
-                    </a:lnTlToBr>
-                    <a:lnBlToTr>
-                      <a:noFill/>
-                    </a:lnBlToTr>
-                    <a:solidFill>
-                      <a:srgbClr val="D0D8E8"/>
-                    </a:solidFill>
-                  </a:tcPr>
-                </a:tc>
-                <a:tc>
-                  <a:txBody>
-                    <a:bodyPr/>
-                    <a:lstStyle/>
-                    <a:p>
-                      <a:pPr marL="0" marR="0" lvl="0" indent="0" algn="l" defTabSz="914400" rtl="0" eaLnBrk="1" fontAlgn="base" latinLnBrk="0" hangingPunct="1">
-                        <a:lnSpc>
-                          <a:spcPct val="100000"/>
-                        </a:lnSpc>
-                        <a:spcBef>
-                          <a:spcPct val="0"/>
-                        </a:spcBef>
-                        <a:spcAft>
-                          <a:spcPct val="0"/>
-                        </a:spcAft>
-                        <a:buClrTx/>
-                        <a:buSzTx/>
-                        <a:buFontTx/>
-                        <a:buNone/>
-                        <a:tabLst/>
-                      </a:pPr>
-                      <a:r>
-                        <a:rPr kumimoji="0" lang="ru-RU" sz="1800" b="0" i="0" u="none" strike="noStrike" cap="none" normalizeH="0" baseline="0" smtClean="0">
-                          <a:ln>
-                            <a:noFill/>
-                          </a:ln>
-                          <a:solidFill>
-                            <a:srgbClr val="000000"/>
-                          </a:solidFill>
-                          <a:effectLst/>
-                          <a:latin typeface="Calibri" pitchFamily="34" charset="0"/>
-                        </a:rPr>
-                        <a:t>Длина строки</a:t>
-                      </a:r>
-                      <a:endParaRPr kumimoji="0" lang="be-BY" sz="1800" b="0" i="0" u="none" strike="noStrike" cap="none" normalizeH="0" baseline="0" smtClean="0">
-                        <a:ln>
-                          <a:noFill/>
-                        </a:ln>
-                        <a:solidFill>
-                          <a:srgbClr val="000000"/>
-                        </a:solidFill>
-                        <a:effectLst/>
-                        <a:latin typeface="Calibri" pitchFamily="34" charset="0"/>
-                      </a:endParaRPr>
-                    </a:p>
-                  </a:txBody>
-                  <a:tcPr horzOverflow="overflow">
-                    <a:lnL w="12700" cap="flat" cmpd="sng" algn="ctr">
-                      <a:solidFill>
-                        <a:schemeClr val="bg1"/>
-                      </a:solidFill>
-                      <a:prstDash val="solid"/>
-                      <a:round/>
-                      <a:headEnd type="none" w="med" len="med"/>
-                      <a:tailEnd type="none" w="med" len="med"/>
-                    </a:lnL>
-                    <a:lnR w="12700" cap="flat" cmpd="sng" algn="ctr">
-                      <a:solidFill>
-                        <a:schemeClr val="bg1"/>
-                      </a:solidFill>
-                      <a:prstDash val="solid"/>
-                      <a:round/>
-                      <a:headEnd type="none" w="med" len="med"/>
-                      <a:tailEnd type="none" w="med" len="med"/>
-                    </a:lnR>
-                    <a:lnT w="38100" cap="flat" cmpd="sng" algn="ctr">
-                      <a:solidFill>
-                        <a:schemeClr val="bg1"/>
-                      </a:solidFill>
-                      <a:prstDash val="solid"/>
-                      <a:round/>
-                      <a:headEnd type="none" w="med" len="med"/>
-                      <a:tailEnd type="none" w="med" len="med"/>
-                    </a:lnT>
-                    <a:lnB w="12700" cap="flat" cmpd="sng" algn="ctr">
-                      <a:solidFill>
-                        <a:schemeClr val="bg1"/>
-                      </a:solidFill>
-                      <a:prstDash val="solid"/>
-                      <a:round/>
-                      <a:headEnd type="none" w="med" len="med"/>
-                      <a:tailEnd type="none" w="med" len="med"/>
-                    </a:lnB>
-                    <a:lnTlToBr>
-                      <a:noFill/>
-                    </a:lnTlToBr>
-                    <a:lnBlToTr>
-                      <a:noFill/>
-                    </a:lnBlToTr>
-                    <a:solidFill>
-                      <a:srgbClr val="D0D8E8"/>
-                    </a:solidFill>
-                  </a:tcPr>
-                </a:tc>
-              </a:tr>
-              <a:tr h="371475">
-                <a:tc>
-                  <a:txBody>
-                    <a:bodyPr/>
-                    <a:lstStyle/>
-                    <a:p>
-                      <a:pPr marL="0" marR="0" lvl="0" indent="0" algn="l" defTabSz="914400" rtl="0" eaLnBrk="1" fontAlgn="base" latinLnBrk="0" hangingPunct="1">
-                        <a:lnSpc>
-                          <a:spcPct val="100000"/>
-                        </a:lnSpc>
-                        <a:spcBef>
-                          <a:spcPct val="0"/>
-                        </a:spcBef>
-                        <a:spcAft>
-                          <a:spcPct val="0"/>
-                        </a:spcAft>
-                        <a:buClrTx/>
-                        <a:buSzTx/>
-                        <a:buFontTx/>
-                        <a:buNone/>
-                        <a:tabLst/>
-                      </a:pPr>
-                      <a:r>
-                        <a:rPr kumimoji="0" lang="en-US" sz="1800" b="0" i="0" u="none" strike="noStrike" cap="none" normalizeH="0" baseline="0" dirty="0" err="1" smtClean="0">
-                          <a:ln>
-                            <a:noFill/>
-                          </a:ln>
-                          <a:solidFill>
-                            <a:srgbClr val="000000"/>
-                          </a:solidFill>
-                          <a:effectLst/>
-                          <a:latin typeface="Calibri" pitchFamily="34" charset="0"/>
-                        </a:rPr>
-                        <a:t>Concat</a:t>
-                      </a:r>
-                      <a:r>
-                        <a:rPr kumimoji="0" lang="en-US" sz="1800" b="0" i="0" u="none" strike="noStrike" cap="none" normalizeH="0" baseline="0" dirty="0" smtClean="0">
-                          <a:ln>
-                            <a:noFill/>
-                          </a:ln>
-                          <a:solidFill>
-                            <a:srgbClr val="000000"/>
-                          </a:solidFill>
-                          <a:effectLst/>
-                          <a:latin typeface="Calibri" pitchFamily="34" charset="0"/>
-                        </a:rPr>
-                        <a:t>()</a:t>
-                      </a:r>
-                      <a:r>
-                        <a:rPr kumimoji="0" lang="en-US" sz="1800" b="0" i="0" u="none" strike="noStrike" cap="none" normalizeH="0" baseline="0" dirty="0" smtClean="0">
-                          <a:ln>
-                            <a:noFill/>
-                          </a:ln>
-                          <a:solidFill>
-                            <a:srgbClr val="000000"/>
-                          </a:solidFill>
-                          <a:effectLst/>
-                          <a:latin typeface="Arial" charset="0"/>
-                        </a:rPr>
-                        <a:t>; </a:t>
-                      </a:r>
-                      <a:r>
-                        <a:rPr kumimoji="0" lang="ru-RU" sz="1800" b="0" i="0" u="none" strike="noStrike" cap="none" normalizeH="0" baseline="0" dirty="0" smtClean="0">
-                          <a:ln>
-                            <a:noFill/>
-                          </a:ln>
-                          <a:solidFill>
-                            <a:srgbClr val="000000"/>
-                          </a:solidFill>
-                          <a:effectLst/>
-                          <a:latin typeface="Arial" charset="0"/>
-                        </a:rPr>
-                        <a:t>оператор</a:t>
-                      </a:r>
-                      <a:r>
-                        <a:rPr kumimoji="0" lang="en-US" sz="1800" b="0" i="0" u="none" strike="noStrike" cap="none" normalizeH="0" baseline="0" dirty="0" smtClean="0">
-                          <a:ln>
-                            <a:noFill/>
-                          </a:ln>
-                          <a:solidFill>
-                            <a:srgbClr val="000000"/>
-                          </a:solidFill>
-                          <a:effectLst/>
-                          <a:latin typeface="Calibri" pitchFamily="34" charset="0"/>
-                        </a:rPr>
-                        <a:t>  +</a:t>
-                      </a:r>
-                      <a:endParaRPr kumimoji="0" lang="be-BY" sz="1800" b="0" i="0" u="none" strike="noStrike" cap="none" normalizeH="0" baseline="0" dirty="0" smtClean="0">
-                        <a:ln>
-                          <a:noFill/>
-                        </a:ln>
-                        <a:solidFill>
-                          <a:srgbClr val="000000"/>
-                        </a:solidFill>
-                        <a:effectLst/>
-                        <a:latin typeface="Calibri" pitchFamily="34" charset="0"/>
-                      </a:endParaRPr>
-                    </a:p>
-                  </a:txBody>
-                  <a:tcPr horzOverflow="overflow">
-                    <a:lnL w="12700" cap="flat" cmpd="sng" algn="ctr">
-                      <a:solidFill>
-                        <a:schemeClr val="bg1"/>
-                      </a:solidFill>
-                      <a:prstDash val="solid"/>
-                      <a:round/>
-                      <a:headEnd type="none" w="med" len="med"/>
-                      <a:tailEnd type="none" w="med" len="med"/>
-                    </a:lnL>
-                    <a:lnR w="12700" cap="flat" cmpd="sng" algn="ctr">
-                      <a:solidFill>
-                        <a:schemeClr val="bg1"/>
-                      </a:solidFill>
-                      <a:prstDash val="solid"/>
-                      <a:round/>
-                      <a:headEnd type="none" w="med" len="med"/>
-                      <a:tailEnd type="none" w="med" len="med"/>
-                    </a:lnR>
-                    <a:lnT w="12700" cap="flat" cmpd="sng" algn="ctr">
-                      <a:solidFill>
-                        <a:schemeClr val="bg1"/>
-                      </a:solidFill>
-                      <a:prstDash val="solid"/>
-                      <a:round/>
-                      <a:headEnd type="none" w="med" len="med"/>
-                      <a:tailEnd type="none" w="med" len="med"/>
-                    </a:lnT>
-                    <a:lnB w="12700" cap="flat" cmpd="sng" algn="ctr">
-                      <a:solidFill>
-                        <a:schemeClr val="bg1"/>
-                      </a:solidFill>
-                      <a:prstDash val="solid"/>
-                      <a:round/>
-                      <a:headEnd type="none" w="med" len="med"/>
-                      <a:tailEnd type="none" w="med" len="med"/>
-                    </a:lnB>
-                    <a:lnTlToBr>
-                      <a:noFill/>
-                    </a:lnTlToBr>
-                    <a:lnBlToTr>
-                      <a:noFill/>
-                    </a:lnBlToTr>
-                    <a:solidFill>
-                      <a:srgbClr val="E9EDF4"/>
-                    </a:solidFill>
-                  </a:tcPr>
-                </a:tc>
-                <a:tc>
-                  <a:txBody>
-                    <a:bodyPr/>
-                    <a:lstStyle/>
-                    <a:p>
-                      <a:pPr marL="0" marR="0" lvl="0" indent="0" algn="l" defTabSz="914400" rtl="0" eaLnBrk="1" fontAlgn="base" latinLnBrk="0" hangingPunct="1">
-                        <a:lnSpc>
-                          <a:spcPct val="100000"/>
-                        </a:lnSpc>
-                        <a:spcBef>
-                          <a:spcPct val="0"/>
-                        </a:spcBef>
-                        <a:spcAft>
-                          <a:spcPct val="0"/>
-                        </a:spcAft>
-                        <a:buClrTx/>
-                        <a:buSzTx/>
-                        <a:buFontTx/>
-                        <a:buNone/>
-                        <a:tabLst/>
-                      </a:pPr>
-                      <a:r>
-                        <a:rPr kumimoji="0" lang="ru-RU" sz="1800" b="0" i="0" u="none" strike="noStrike" cap="none" normalizeH="0" baseline="0" smtClean="0">
-                          <a:ln>
-                            <a:noFill/>
-                          </a:ln>
-                          <a:solidFill>
-                            <a:srgbClr val="000000"/>
-                          </a:solidFill>
-                          <a:effectLst/>
-                          <a:latin typeface="Calibri" pitchFamily="34" charset="0"/>
-                        </a:rPr>
-                        <a:t>Склеивает 2 строки в одну</a:t>
-                      </a:r>
-                      <a:endParaRPr kumimoji="0" lang="be-BY" sz="1800" b="0" i="0" u="none" strike="noStrike" cap="none" normalizeH="0" baseline="0" smtClean="0">
-                        <a:ln>
-                          <a:noFill/>
-                        </a:ln>
-                        <a:solidFill>
-                          <a:srgbClr val="000000"/>
-                        </a:solidFill>
-                        <a:effectLst/>
-                        <a:latin typeface="Calibri" pitchFamily="34" charset="0"/>
-                      </a:endParaRPr>
-                    </a:p>
-                  </a:txBody>
-                  <a:tcPr horzOverflow="overflow">
-                    <a:lnL w="12700" cap="flat" cmpd="sng" algn="ctr">
-                      <a:solidFill>
-                        <a:schemeClr val="bg1"/>
-                      </a:solidFill>
-                      <a:prstDash val="solid"/>
-                      <a:round/>
-                      <a:headEnd type="none" w="med" len="med"/>
-                      <a:tailEnd type="none" w="med" len="med"/>
-                    </a:lnL>
-                    <a:lnR w="12700" cap="flat" cmpd="sng" algn="ctr">
-                      <a:solidFill>
-                        <a:schemeClr val="bg1"/>
-                      </a:solidFill>
-                      <a:prstDash val="solid"/>
-                      <a:round/>
-                      <a:headEnd type="none" w="med" len="med"/>
-                      <a:tailEnd type="none" w="med" len="med"/>
-                    </a:lnR>
-                    <a:lnT w="12700" cap="flat" cmpd="sng" algn="ctr">
-                      <a:solidFill>
-                        <a:schemeClr val="bg1"/>
-                      </a:solidFill>
-                      <a:prstDash val="solid"/>
-                      <a:round/>
-                      <a:headEnd type="none" w="med" len="med"/>
-                      <a:tailEnd type="none" w="med" len="med"/>
-                    </a:lnT>
-                    <a:lnB w="12700" cap="flat" cmpd="sng" algn="ctr">
-                      <a:solidFill>
-                        <a:schemeClr val="bg1"/>
-                      </a:solidFill>
-                      <a:prstDash val="solid"/>
-                      <a:round/>
-                      <a:headEnd type="none" w="med" len="med"/>
-                      <a:tailEnd type="none" w="med" len="med"/>
-                    </a:lnB>
-                    <a:lnTlToBr>
-                      <a:noFill/>
-                    </a:lnTlToBr>
-                    <a:lnBlToTr>
-                      <a:noFill/>
-                    </a:lnBlToTr>
-                    <a:solidFill>
-                      <a:srgbClr val="E9EDF4"/>
-                    </a:solidFill>
-                  </a:tcPr>
-                </a:tc>
-              </a:tr>
-              <a:tr h="369888">
-                <a:tc>
-                  <a:txBody>
-                    <a:bodyPr/>
-                    <a:lstStyle/>
-                    <a:p>
-                      <a:pPr marL="0" marR="0" lvl="0" indent="0" algn="l" defTabSz="914400" rtl="0" eaLnBrk="1" fontAlgn="base" latinLnBrk="0" hangingPunct="1">
-                        <a:lnSpc>
-                          <a:spcPct val="100000"/>
-                        </a:lnSpc>
-                        <a:spcBef>
-                          <a:spcPct val="0"/>
-                        </a:spcBef>
-                        <a:spcAft>
-                          <a:spcPct val="0"/>
-                        </a:spcAft>
-                        <a:buClrTx/>
-                        <a:buSzTx/>
-                        <a:buFontTx/>
-                        <a:buNone/>
-                        <a:tabLst/>
-                      </a:pPr>
-                      <a:r>
-                        <a:rPr kumimoji="0" lang="en-US" sz="1800" b="0" i="0" u="none" strike="noStrike" cap="none" normalizeH="0" baseline="0" dirty="0" err="1" smtClean="0">
-                          <a:ln>
-                            <a:noFill/>
-                          </a:ln>
-                          <a:solidFill>
-                            <a:srgbClr val="000000"/>
-                          </a:solidFill>
-                          <a:effectLst/>
-                          <a:latin typeface="Calibri" pitchFamily="34" charset="0"/>
-                        </a:rPr>
-                        <a:t>CompareTo</a:t>
-                      </a:r>
-                      <a:r>
-                        <a:rPr kumimoji="0" lang="en-US" sz="1800" b="0" i="0" u="none" strike="noStrike" cap="none" normalizeH="0" baseline="0" dirty="0" smtClean="0">
-                          <a:ln>
-                            <a:noFill/>
-                          </a:ln>
-                          <a:solidFill>
-                            <a:srgbClr val="000000"/>
-                          </a:solidFill>
-                          <a:effectLst/>
-                          <a:latin typeface="Calibri" pitchFamily="34" charset="0"/>
-                        </a:rPr>
-                        <a:t>()</a:t>
-                      </a:r>
-                      <a:endParaRPr kumimoji="0" lang="be-BY" sz="1800" b="0" i="0" u="none" strike="noStrike" cap="none" normalizeH="0" baseline="0" dirty="0" smtClean="0">
-                        <a:ln>
-                          <a:noFill/>
-                        </a:ln>
-                        <a:solidFill>
-                          <a:srgbClr val="000000"/>
-                        </a:solidFill>
-                        <a:effectLst/>
-                        <a:latin typeface="Calibri" pitchFamily="34" charset="0"/>
-                      </a:endParaRPr>
-                    </a:p>
-                  </a:txBody>
-                  <a:tcPr horzOverflow="overflow">
-                    <a:lnL w="12700" cap="flat" cmpd="sng" algn="ctr">
-                      <a:solidFill>
-                        <a:schemeClr val="bg1"/>
-                      </a:solidFill>
-                      <a:prstDash val="solid"/>
-                      <a:round/>
-                      <a:headEnd type="none" w="med" len="med"/>
-                      <a:tailEnd type="none" w="med" len="med"/>
-                    </a:lnL>
-                    <a:lnR w="12700" cap="flat" cmpd="sng" algn="ctr">
-                      <a:solidFill>
-                        <a:schemeClr val="bg1"/>
-                      </a:solidFill>
-                      <a:prstDash val="solid"/>
-                      <a:round/>
-                      <a:headEnd type="none" w="med" len="med"/>
-                      <a:tailEnd type="none" w="med" len="med"/>
-                    </a:lnR>
-                    <a:lnT w="12700" cap="flat" cmpd="sng" algn="ctr">
-                      <a:solidFill>
-                        <a:schemeClr val="bg1"/>
-                      </a:solidFill>
-                      <a:prstDash val="solid"/>
-                      <a:round/>
-                      <a:headEnd type="none" w="med" len="med"/>
-                      <a:tailEnd type="none" w="med" len="med"/>
-                    </a:lnT>
-                    <a:lnB w="12700" cap="flat" cmpd="sng" algn="ctr">
-                      <a:solidFill>
-                        <a:schemeClr val="bg1"/>
-                      </a:solidFill>
-                      <a:prstDash val="solid"/>
-                      <a:round/>
-                      <a:headEnd type="none" w="med" len="med"/>
-                      <a:tailEnd type="none" w="med" len="med"/>
-                    </a:lnB>
-                    <a:lnTlToBr>
-                      <a:noFill/>
-                    </a:lnTlToBr>
-                    <a:lnBlToTr>
-                      <a:noFill/>
-                    </a:lnBlToTr>
-                    <a:solidFill>
-                      <a:srgbClr val="D0D8E8"/>
-                    </a:solidFill>
-                  </a:tcPr>
-                </a:tc>
-                <a:tc>
-                  <a:txBody>
-                    <a:bodyPr/>
-                    <a:lstStyle/>
-                    <a:p>
-                      <a:pPr marL="0" marR="0" lvl="0" indent="0" algn="l" defTabSz="914400" rtl="0" eaLnBrk="1" fontAlgn="base" latinLnBrk="0" hangingPunct="1">
-                        <a:lnSpc>
-                          <a:spcPct val="100000"/>
-                        </a:lnSpc>
-                        <a:spcBef>
-                          <a:spcPct val="0"/>
-                        </a:spcBef>
-                        <a:spcAft>
-                          <a:spcPct val="0"/>
-                        </a:spcAft>
-                        <a:buClrTx/>
-                        <a:buSzTx/>
-                        <a:buFontTx/>
-                        <a:buNone/>
-                        <a:tabLst/>
-                      </a:pPr>
-                      <a:r>
-                        <a:rPr kumimoji="0" lang="ru-RU" sz="1800" b="0" i="0" u="none" strike="noStrike" cap="none" normalizeH="0" baseline="0" dirty="0" smtClean="0">
-                          <a:ln>
-                            <a:noFill/>
-                          </a:ln>
-                          <a:solidFill>
-                            <a:srgbClr val="000000"/>
-                          </a:solidFill>
-                          <a:effectLst/>
-                          <a:latin typeface="Calibri" pitchFamily="34" charset="0"/>
-                        </a:rPr>
-                        <a:t>Сравнивает строки</a:t>
-                      </a:r>
-                      <a:endParaRPr kumimoji="0" lang="be-BY" sz="1800" b="0" i="0" u="none" strike="noStrike" cap="none" normalizeH="0" baseline="0" dirty="0" smtClean="0">
-                        <a:ln>
-                          <a:noFill/>
-                        </a:ln>
-                        <a:solidFill>
-                          <a:srgbClr val="000000"/>
-                        </a:solidFill>
-                        <a:effectLst/>
-                        <a:latin typeface="Calibri" pitchFamily="34" charset="0"/>
-                      </a:endParaRPr>
-                    </a:p>
-                  </a:txBody>
-                  <a:tcPr horzOverflow="overflow">
-                    <a:lnL w="12700" cap="flat" cmpd="sng" algn="ctr">
-                      <a:solidFill>
-                        <a:schemeClr val="bg1"/>
-                      </a:solidFill>
-                      <a:prstDash val="solid"/>
-                      <a:round/>
-                      <a:headEnd type="none" w="med" len="med"/>
-                      <a:tailEnd type="none" w="med" len="med"/>
-                    </a:lnL>
-                    <a:lnR w="12700" cap="flat" cmpd="sng" algn="ctr">
-                      <a:solidFill>
-                        <a:schemeClr val="bg1"/>
-                      </a:solidFill>
-                      <a:prstDash val="solid"/>
-                      <a:round/>
-                      <a:headEnd type="none" w="med" len="med"/>
-                      <a:tailEnd type="none" w="med" len="med"/>
-                    </a:lnR>
-                    <a:lnT w="12700" cap="flat" cmpd="sng" algn="ctr">
-                      <a:solidFill>
-                        <a:schemeClr val="bg1"/>
-                      </a:solidFill>
-                      <a:prstDash val="solid"/>
-                      <a:round/>
-                      <a:headEnd type="none" w="med" len="med"/>
-                      <a:tailEnd type="none" w="med" len="med"/>
-                    </a:lnT>
-                    <a:lnB w="12700" cap="flat" cmpd="sng" algn="ctr">
-                      <a:solidFill>
-                        <a:schemeClr val="bg1"/>
-                      </a:solidFill>
-                      <a:prstDash val="solid"/>
-                      <a:round/>
-                      <a:headEnd type="none" w="med" len="med"/>
-                      <a:tailEnd type="none" w="med" len="med"/>
-                    </a:lnB>
-                    <a:lnTlToBr>
-                      <a:noFill/>
-                    </a:lnTlToBr>
-                    <a:lnBlToTr>
-                      <a:noFill/>
-                    </a:lnBlToTr>
-                    <a:solidFill>
-                      <a:srgbClr val="D0D8E8"/>
-                    </a:solidFill>
-                  </a:tcPr>
-                </a:tc>
-              </a:tr>
-              <a:tr h="371475">
-                <a:tc>
-                  <a:txBody>
-                    <a:bodyPr/>
-                    <a:lstStyle/>
-                    <a:p>
-                      <a:pPr marL="0" marR="0" lvl="0" indent="0" algn="l" defTabSz="914400" rtl="0" eaLnBrk="1" fontAlgn="base" latinLnBrk="0" hangingPunct="1">
-                        <a:lnSpc>
-                          <a:spcPct val="100000"/>
-                        </a:lnSpc>
-                        <a:spcBef>
-                          <a:spcPct val="0"/>
-                        </a:spcBef>
-                        <a:spcAft>
-                          <a:spcPct val="0"/>
-                        </a:spcAft>
-                        <a:buClrTx/>
-                        <a:buSzTx/>
-                        <a:buFontTx/>
-                        <a:buNone/>
-                        <a:tabLst/>
-                      </a:pPr>
-                      <a:r>
-                        <a:rPr kumimoji="0" lang="en-US" sz="1800" b="0" i="0" u="none" strike="noStrike" cap="none" normalizeH="0" baseline="0" dirty="0" smtClean="0">
-                          <a:ln>
-                            <a:noFill/>
-                          </a:ln>
-                          <a:solidFill>
-                            <a:srgbClr val="000000"/>
-                          </a:solidFill>
-                          <a:effectLst/>
-                          <a:latin typeface="Calibri" pitchFamily="34" charset="0"/>
-                        </a:rPr>
-                        <a:t>Inset</a:t>
-                      </a:r>
-                      <a:r>
-                        <a:rPr kumimoji="0" lang="ru-RU" sz="1800" b="0" i="0" u="none" strike="noStrike" cap="none" normalizeH="0" baseline="0" dirty="0" smtClean="0">
-                          <a:ln>
-                            <a:noFill/>
-                          </a:ln>
-                          <a:solidFill>
-                            <a:srgbClr val="000000"/>
-                          </a:solidFill>
-                          <a:effectLst/>
-                          <a:latin typeface="Calibri" pitchFamily="34" charset="0"/>
-                        </a:rPr>
-                        <a:t>()</a:t>
-                      </a:r>
-                      <a:endParaRPr kumimoji="0" lang="be-BY" sz="1800" b="0" i="0" u="none" strike="noStrike" cap="none" normalizeH="0" baseline="0" dirty="0" smtClean="0">
-                        <a:ln>
-                          <a:noFill/>
-                        </a:ln>
-                        <a:solidFill>
-                          <a:srgbClr val="000000"/>
-                        </a:solidFill>
-                        <a:effectLst/>
-                        <a:latin typeface="Calibri" pitchFamily="34" charset="0"/>
-                      </a:endParaRPr>
-                    </a:p>
-                  </a:txBody>
-                  <a:tcPr horzOverflow="overflow">
-                    <a:lnL w="12700" cap="flat" cmpd="sng" algn="ctr">
-                      <a:solidFill>
-                        <a:schemeClr val="bg1"/>
-                      </a:solidFill>
-                      <a:prstDash val="solid"/>
-                      <a:round/>
-                      <a:headEnd type="none" w="med" len="med"/>
-                      <a:tailEnd type="none" w="med" len="med"/>
-                    </a:lnL>
-                    <a:lnR w="12700" cap="flat" cmpd="sng" algn="ctr">
-                      <a:solidFill>
-                        <a:schemeClr val="bg1"/>
-                      </a:solidFill>
-                      <a:prstDash val="solid"/>
-                      <a:round/>
-                      <a:headEnd type="none" w="med" len="med"/>
-                      <a:tailEnd type="none" w="med" len="med"/>
-                    </a:lnR>
-                    <a:lnT w="12700" cap="flat" cmpd="sng" algn="ctr">
-                      <a:solidFill>
-                        <a:schemeClr val="bg1"/>
-                      </a:solidFill>
-                      <a:prstDash val="solid"/>
-                      <a:round/>
-                      <a:headEnd type="none" w="med" len="med"/>
-                      <a:tailEnd type="none" w="med" len="med"/>
-                    </a:lnT>
-                    <a:lnB w="12700" cap="flat" cmpd="sng" algn="ctr">
-                      <a:solidFill>
-                        <a:schemeClr val="bg1"/>
-                      </a:solidFill>
-                      <a:prstDash val="solid"/>
-                      <a:round/>
-                      <a:headEnd type="none" w="med" len="med"/>
-                      <a:tailEnd type="none" w="med" len="med"/>
-                    </a:lnB>
-                    <a:lnTlToBr>
-                      <a:noFill/>
-                    </a:lnTlToBr>
-                    <a:lnBlToTr>
-                      <a:noFill/>
-                    </a:lnBlToTr>
-                    <a:solidFill>
-                      <a:srgbClr val="E9EDF4"/>
-                    </a:solidFill>
-                  </a:tcPr>
-                </a:tc>
-                <a:tc>
-                  <a:txBody>
-                    <a:bodyPr/>
-                    <a:lstStyle/>
-                    <a:p>
-                      <a:pPr marL="0" marR="0" lvl="0" indent="0" algn="l" defTabSz="914400" rtl="0" eaLnBrk="1" fontAlgn="base" latinLnBrk="0" hangingPunct="1">
-                        <a:lnSpc>
-                          <a:spcPct val="100000"/>
-                        </a:lnSpc>
-                        <a:spcBef>
-                          <a:spcPct val="0"/>
-                        </a:spcBef>
-                        <a:spcAft>
-                          <a:spcPct val="0"/>
-                        </a:spcAft>
-                        <a:buClrTx/>
-                        <a:buSzTx/>
-                        <a:buFontTx/>
-                        <a:buNone/>
-                        <a:tabLst/>
-                      </a:pPr>
-                      <a:r>
-                        <a:rPr kumimoji="0" lang="ru-RU" sz="1800" b="0" i="0" u="none" strike="noStrike" cap="none" normalizeH="0" baseline="0" smtClean="0">
-                          <a:ln>
-                            <a:noFill/>
-                          </a:ln>
-                          <a:solidFill>
-                            <a:srgbClr val="000000"/>
-                          </a:solidFill>
-                          <a:effectLst/>
-                          <a:latin typeface="Calibri" pitchFamily="34" charset="0"/>
-                        </a:rPr>
-                        <a:t>Вставляет строку в текущую</a:t>
-                      </a:r>
-                      <a:endParaRPr kumimoji="0" lang="be-BY" sz="1800" b="0" i="0" u="none" strike="noStrike" cap="none" normalizeH="0" baseline="0" smtClean="0">
-                        <a:ln>
-                          <a:noFill/>
-                        </a:ln>
-                        <a:solidFill>
-                          <a:srgbClr val="000000"/>
-                        </a:solidFill>
-                        <a:effectLst/>
-                        <a:latin typeface="Calibri" pitchFamily="34" charset="0"/>
-                      </a:endParaRPr>
-                    </a:p>
-                  </a:txBody>
-                  <a:tcPr horzOverflow="overflow">
-                    <a:lnL w="12700" cap="flat" cmpd="sng" algn="ctr">
-                      <a:solidFill>
-                        <a:schemeClr val="bg1"/>
-                      </a:solidFill>
-                      <a:prstDash val="solid"/>
-                      <a:round/>
-                      <a:headEnd type="none" w="med" len="med"/>
-                      <a:tailEnd type="none" w="med" len="med"/>
-                    </a:lnL>
-                    <a:lnR w="12700" cap="flat" cmpd="sng" algn="ctr">
-                      <a:solidFill>
-                        <a:schemeClr val="bg1"/>
-                      </a:solidFill>
-                      <a:prstDash val="solid"/>
-                      <a:round/>
-                      <a:headEnd type="none" w="med" len="med"/>
-                      <a:tailEnd type="none" w="med" len="med"/>
-                    </a:lnR>
-                    <a:lnT w="12700" cap="flat" cmpd="sng" algn="ctr">
-                      <a:solidFill>
-                        <a:schemeClr val="bg1"/>
-                      </a:solidFill>
-                      <a:prstDash val="solid"/>
-                      <a:round/>
-                      <a:headEnd type="none" w="med" len="med"/>
-                      <a:tailEnd type="none" w="med" len="med"/>
-                    </a:lnT>
-                    <a:lnB w="12700" cap="flat" cmpd="sng" algn="ctr">
-                      <a:solidFill>
-                        <a:schemeClr val="bg1"/>
-                      </a:solidFill>
-                      <a:prstDash val="solid"/>
-                      <a:round/>
-                      <a:headEnd type="none" w="med" len="med"/>
-                      <a:tailEnd type="none" w="med" len="med"/>
-                    </a:lnB>
-                    <a:lnTlToBr>
-                      <a:noFill/>
-                    </a:lnTlToBr>
-                    <a:lnBlToTr>
-                      <a:noFill/>
-                    </a:lnBlToTr>
-                    <a:solidFill>
-                      <a:srgbClr val="E9EDF4"/>
-                    </a:solidFill>
-                  </a:tcPr>
-                </a:tc>
-              </a:tr>
-              <a:tr h="371475">
-                <a:tc>
-                  <a:txBody>
-                    <a:bodyPr/>
-                    <a:lstStyle/>
-                    <a:p>
-                      <a:pPr marL="0" marR="0" lvl="0" indent="0" algn="l" defTabSz="914400" rtl="0" eaLnBrk="1" fontAlgn="base" latinLnBrk="0" hangingPunct="1">
-                        <a:lnSpc>
-                          <a:spcPct val="100000"/>
-                        </a:lnSpc>
-                        <a:spcBef>
-                          <a:spcPct val="0"/>
-                        </a:spcBef>
-                        <a:spcAft>
-                          <a:spcPct val="0"/>
-                        </a:spcAft>
-                        <a:buClrTx/>
-                        <a:buSzTx/>
-                        <a:buFontTx/>
-                        <a:buNone/>
-                        <a:tabLst/>
-                      </a:pPr>
-                      <a:r>
-                        <a:rPr kumimoji="0" lang="en-US" sz="1800" b="0" i="0" u="none" strike="noStrike" cap="none" normalizeH="0" baseline="0" dirty="0" smtClean="0">
-                          <a:ln>
-                            <a:noFill/>
-                          </a:ln>
-                          <a:solidFill>
-                            <a:srgbClr val="000000"/>
-                          </a:solidFill>
-                          <a:effectLst/>
-                          <a:latin typeface="Calibri" pitchFamily="34" charset="0"/>
-                        </a:rPr>
-                        <a:t>Remove() Replace()</a:t>
-                      </a:r>
-                      <a:endParaRPr kumimoji="0" lang="be-BY" sz="1800" b="0" i="0" u="none" strike="noStrike" cap="none" normalizeH="0" baseline="0" dirty="0" smtClean="0">
-                        <a:ln>
-                          <a:noFill/>
-                        </a:ln>
-                        <a:solidFill>
-                          <a:srgbClr val="000000"/>
-                        </a:solidFill>
-                        <a:effectLst/>
-                        <a:latin typeface="Calibri" pitchFamily="34" charset="0"/>
-                      </a:endParaRPr>
-                    </a:p>
-                  </a:txBody>
-                  <a:tcPr horzOverflow="overflow">
-                    <a:lnL w="12700" cap="flat" cmpd="sng" algn="ctr">
-                      <a:solidFill>
-                        <a:schemeClr val="bg1"/>
-                      </a:solidFill>
-                      <a:prstDash val="solid"/>
-                      <a:round/>
-                      <a:headEnd type="none" w="med" len="med"/>
-                      <a:tailEnd type="none" w="med" len="med"/>
-                    </a:lnL>
-                    <a:lnR w="12700" cap="flat" cmpd="sng" algn="ctr">
-                      <a:solidFill>
-                        <a:schemeClr val="bg1"/>
-                      </a:solidFill>
-                      <a:prstDash val="solid"/>
-                      <a:round/>
-                      <a:headEnd type="none" w="med" len="med"/>
-                      <a:tailEnd type="none" w="med" len="med"/>
-                    </a:lnR>
-                    <a:lnT w="12700" cap="flat" cmpd="sng" algn="ctr">
-                      <a:solidFill>
-                        <a:schemeClr val="bg1"/>
-                      </a:solidFill>
-                      <a:prstDash val="solid"/>
-                      <a:round/>
-                      <a:headEnd type="none" w="med" len="med"/>
-                      <a:tailEnd type="none" w="med" len="med"/>
-                    </a:lnT>
-                    <a:lnB w="12700" cap="flat" cmpd="sng" algn="ctr">
-                      <a:solidFill>
-                        <a:schemeClr val="bg1"/>
-                      </a:solidFill>
-                      <a:prstDash val="solid"/>
-                      <a:round/>
-                      <a:headEnd type="none" w="med" len="med"/>
-                      <a:tailEnd type="none" w="med" len="med"/>
-                    </a:lnB>
-                    <a:lnTlToBr>
-                      <a:noFill/>
-                    </a:lnTlToBr>
-                    <a:lnBlToTr>
-                      <a:noFill/>
-                    </a:lnBlToTr>
-                    <a:solidFill>
-                      <a:srgbClr val="D0D8E8"/>
-                    </a:solidFill>
-                  </a:tcPr>
-                </a:tc>
-                <a:tc>
-                  <a:txBody>
-                    <a:bodyPr/>
-                    <a:lstStyle/>
-                    <a:p>
-                      <a:pPr marL="0" marR="0" lvl="0" indent="0" algn="l" defTabSz="914400" rtl="0" eaLnBrk="1" fontAlgn="base" latinLnBrk="0" hangingPunct="1">
-                        <a:lnSpc>
-                          <a:spcPct val="100000"/>
-                        </a:lnSpc>
-                        <a:spcBef>
-                          <a:spcPct val="0"/>
-                        </a:spcBef>
-                        <a:spcAft>
-                          <a:spcPct val="0"/>
-                        </a:spcAft>
-                        <a:buClrTx/>
-                        <a:buSzTx/>
-                        <a:buFontTx/>
-                        <a:buNone/>
-                        <a:tabLst/>
-                      </a:pPr>
-                      <a:r>
-                        <a:rPr kumimoji="0" lang="ru-RU" sz="1800" b="0" i="0" u="none" strike="noStrike" cap="none" normalizeH="0" baseline="0" smtClean="0">
-                          <a:ln>
-                            <a:noFill/>
-                          </a:ln>
-                          <a:solidFill>
-                            <a:srgbClr val="000000"/>
-                          </a:solidFill>
-                          <a:effectLst/>
-                          <a:latin typeface="Calibri" pitchFamily="34" charset="0"/>
-                        </a:rPr>
-                        <a:t>Удаляет или замет данные в строке</a:t>
-                      </a:r>
-                      <a:endParaRPr kumimoji="0" lang="be-BY" sz="1800" b="0" i="0" u="none" strike="noStrike" cap="none" normalizeH="0" baseline="0" smtClean="0">
-                        <a:ln>
-                          <a:noFill/>
-                        </a:ln>
-                        <a:solidFill>
-                          <a:srgbClr val="000000"/>
-                        </a:solidFill>
-                        <a:effectLst/>
-                        <a:latin typeface="Calibri" pitchFamily="34" charset="0"/>
-                      </a:endParaRPr>
-                    </a:p>
-                  </a:txBody>
-                  <a:tcPr horzOverflow="overflow">
-                    <a:lnL w="12700" cap="flat" cmpd="sng" algn="ctr">
-                      <a:solidFill>
-                        <a:schemeClr val="bg1"/>
-                      </a:solidFill>
-                      <a:prstDash val="solid"/>
-                      <a:round/>
-                      <a:headEnd type="none" w="med" len="med"/>
-                      <a:tailEnd type="none" w="med" len="med"/>
-                    </a:lnL>
-                    <a:lnR w="12700" cap="flat" cmpd="sng" algn="ctr">
-                      <a:solidFill>
-                        <a:schemeClr val="bg1"/>
-                      </a:solidFill>
-                      <a:prstDash val="solid"/>
-                      <a:round/>
-                      <a:headEnd type="none" w="med" len="med"/>
-                      <a:tailEnd type="none" w="med" len="med"/>
-                    </a:lnR>
-                    <a:lnT w="12700" cap="flat" cmpd="sng" algn="ctr">
-                      <a:solidFill>
-                        <a:schemeClr val="bg1"/>
-                      </a:solidFill>
-                      <a:prstDash val="solid"/>
-                      <a:round/>
-                      <a:headEnd type="none" w="med" len="med"/>
-                      <a:tailEnd type="none" w="med" len="med"/>
-                    </a:lnT>
-                    <a:lnB w="12700" cap="flat" cmpd="sng" algn="ctr">
-                      <a:solidFill>
-                        <a:schemeClr val="bg1"/>
-                      </a:solidFill>
-                      <a:prstDash val="solid"/>
-                      <a:round/>
-                      <a:headEnd type="none" w="med" len="med"/>
-                      <a:tailEnd type="none" w="med" len="med"/>
-                    </a:lnB>
-                    <a:lnTlToBr>
-                      <a:noFill/>
-                    </a:lnTlToBr>
-                    <a:lnBlToTr>
-                      <a:noFill/>
-                    </a:lnBlToTr>
-                    <a:solidFill>
-                      <a:srgbClr val="D0D8E8"/>
-                    </a:solidFill>
-                  </a:tcPr>
-                </a:tc>
-              </a:tr>
-              <a:tr h="369888">
-                <a:tc>
-                  <a:txBody>
-                    <a:bodyPr/>
-                    <a:lstStyle/>
-                    <a:p>
-                      <a:pPr marL="0" marR="0" lvl="0" indent="0" algn="l" defTabSz="914400" rtl="0" eaLnBrk="1" fontAlgn="base" latinLnBrk="0" hangingPunct="1">
-                        <a:lnSpc>
-                          <a:spcPct val="100000"/>
-                        </a:lnSpc>
-                        <a:spcBef>
-                          <a:spcPct val="0"/>
-                        </a:spcBef>
-                        <a:spcAft>
-                          <a:spcPct val="0"/>
-                        </a:spcAft>
-                        <a:buClrTx/>
-                        <a:buSzTx/>
-                        <a:buFontTx/>
-                        <a:buNone/>
-                        <a:tabLst/>
-                      </a:pPr>
-                      <a:r>
-                        <a:rPr kumimoji="0" lang="en-US" sz="1800" b="0" i="0" u="none" strike="noStrike" cap="none" normalizeH="0" baseline="0" dirty="0" err="1" smtClean="0">
-                          <a:ln>
-                            <a:noFill/>
-                          </a:ln>
-                          <a:solidFill>
-                            <a:srgbClr val="000000"/>
-                          </a:solidFill>
-                          <a:effectLst/>
-                          <a:latin typeface="Calibri" pitchFamily="34" charset="0"/>
-                        </a:rPr>
-                        <a:t>ToUpper</a:t>
-                      </a:r>
-                      <a:r>
-                        <a:rPr kumimoji="0" lang="en-US" sz="1800" b="0" i="0" u="none" strike="noStrike" cap="none" normalizeH="0" baseline="0" dirty="0" smtClean="0">
-                          <a:ln>
-                            <a:noFill/>
-                          </a:ln>
-                          <a:solidFill>
-                            <a:srgbClr val="000000"/>
-                          </a:solidFill>
-                          <a:effectLst/>
-                          <a:latin typeface="Calibri" pitchFamily="34" charset="0"/>
-                        </a:rPr>
-                        <a:t>() </a:t>
-                      </a:r>
-                      <a:r>
-                        <a:rPr kumimoji="0" lang="en-US" sz="1800" b="0" i="0" u="none" strike="noStrike" cap="none" normalizeH="0" baseline="0" dirty="0" err="1" smtClean="0">
-                          <a:ln>
-                            <a:noFill/>
-                          </a:ln>
-                          <a:solidFill>
-                            <a:srgbClr val="000000"/>
-                          </a:solidFill>
-                          <a:effectLst/>
-                          <a:latin typeface="Calibri" pitchFamily="34" charset="0"/>
-                        </a:rPr>
-                        <a:t>ToLower</a:t>
-                      </a:r>
-                      <a:r>
-                        <a:rPr kumimoji="0" lang="en-US" sz="1800" b="0" i="0" u="none" strike="noStrike" cap="none" normalizeH="0" baseline="0" dirty="0" smtClean="0">
-                          <a:ln>
-                            <a:noFill/>
-                          </a:ln>
-                          <a:solidFill>
-                            <a:srgbClr val="000000"/>
-                          </a:solidFill>
-                          <a:effectLst/>
-                          <a:latin typeface="Calibri" pitchFamily="34" charset="0"/>
-                        </a:rPr>
-                        <a:t>()</a:t>
-                      </a:r>
-                      <a:endParaRPr kumimoji="0" lang="be-BY" sz="1800" b="0" i="0" u="none" strike="noStrike" cap="none" normalizeH="0" baseline="0" dirty="0" smtClean="0">
-                        <a:ln>
-                          <a:noFill/>
-                        </a:ln>
-                        <a:solidFill>
-                          <a:srgbClr val="000000"/>
-                        </a:solidFill>
-                        <a:effectLst/>
-                        <a:latin typeface="Calibri" pitchFamily="34" charset="0"/>
-                      </a:endParaRPr>
-                    </a:p>
-                  </a:txBody>
-                  <a:tcPr horzOverflow="overflow">
-                    <a:lnL w="12700" cap="flat" cmpd="sng" algn="ctr">
-                      <a:solidFill>
-                        <a:schemeClr val="bg1"/>
-                      </a:solidFill>
-                      <a:prstDash val="solid"/>
-                      <a:round/>
-                      <a:headEnd type="none" w="med" len="med"/>
-                      <a:tailEnd type="none" w="med" len="med"/>
-                    </a:lnL>
-                    <a:lnR w="12700" cap="flat" cmpd="sng" algn="ctr">
-                      <a:solidFill>
-                        <a:schemeClr val="bg1"/>
-                      </a:solidFill>
-                      <a:prstDash val="solid"/>
-                      <a:round/>
-                      <a:headEnd type="none" w="med" len="med"/>
-                      <a:tailEnd type="none" w="med" len="med"/>
-                    </a:lnR>
-                    <a:lnT w="12700" cap="flat" cmpd="sng" algn="ctr">
-                      <a:solidFill>
-                        <a:schemeClr val="bg1"/>
-                      </a:solidFill>
-                      <a:prstDash val="solid"/>
-                      <a:round/>
-                      <a:headEnd type="none" w="med" len="med"/>
-                      <a:tailEnd type="none" w="med" len="med"/>
-                    </a:lnT>
-                    <a:lnB w="12700" cap="flat" cmpd="sng" algn="ctr">
-                      <a:solidFill>
-                        <a:schemeClr val="bg1"/>
-                      </a:solidFill>
-                      <a:prstDash val="solid"/>
-                      <a:round/>
-                      <a:headEnd type="none" w="med" len="med"/>
-                      <a:tailEnd type="none" w="med" len="med"/>
-                    </a:lnB>
-                    <a:lnTlToBr>
-                      <a:noFill/>
-                    </a:lnTlToBr>
-                    <a:lnBlToTr>
-                      <a:noFill/>
-                    </a:lnBlToTr>
-                    <a:solidFill>
-                      <a:srgbClr val="E9EDF4"/>
-                    </a:solidFill>
-                  </a:tcPr>
-                </a:tc>
-                <a:tc>
-                  <a:txBody>
-                    <a:bodyPr/>
-                    <a:lstStyle/>
-                    <a:p>
-                      <a:pPr marL="0" marR="0" lvl="0" indent="0" algn="l" defTabSz="914400" rtl="0" eaLnBrk="1" fontAlgn="base" latinLnBrk="0" hangingPunct="1">
-                        <a:lnSpc>
-                          <a:spcPct val="100000"/>
-                        </a:lnSpc>
-                        <a:spcBef>
-                          <a:spcPct val="0"/>
-                        </a:spcBef>
-                        <a:spcAft>
-                          <a:spcPct val="0"/>
-                        </a:spcAft>
-                        <a:buClrTx/>
-                        <a:buSzTx/>
-                        <a:buFontTx/>
-                        <a:buNone/>
-                        <a:tabLst/>
-                      </a:pPr>
-                      <a:r>
-                        <a:rPr kumimoji="0" lang="ru-RU" sz="1800" b="0" i="0" u="none" strike="noStrike" cap="none" normalizeH="0" baseline="0" dirty="0" smtClean="0">
-                          <a:ln>
-                            <a:noFill/>
-                          </a:ln>
-                          <a:solidFill>
-                            <a:srgbClr val="000000"/>
-                          </a:solidFill>
-                          <a:effectLst/>
-                          <a:latin typeface="Calibri" pitchFamily="34" charset="0"/>
-                        </a:rPr>
-                        <a:t>Переводит строку в верхний или нижний регистр</a:t>
-                      </a:r>
-                      <a:endParaRPr kumimoji="0" lang="be-BY" sz="1800" b="0" i="0" u="none" strike="noStrike" cap="none" normalizeH="0" baseline="0" dirty="0" smtClean="0">
-                        <a:ln>
-                          <a:noFill/>
-                        </a:ln>
-                        <a:solidFill>
-                          <a:srgbClr val="000000"/>
-                        </a:solidFill>
-                        <a:effectLst/>
-                        <a:latin typeface="Calibri" pitchFamily="34" charset="0"/>
-                      </a:endParaRPr>
-                    </a:p>
-                  </a:txBody>
-                  <a:tcPr horzOverflow="overflow">
-                    <a:lnL w="12700" cap="flat" cmpd="sng" algn="ctr">
-                      <a:solidFill>
-                        <a:schemeClr val="bg1"/>
-                      </a:solidFill>
-                      <a:prstDash val="solid"/>
-                      <a:round/>
-                      <a:headEnd type="none" w="med" len="med"/>
-                      <a:tailEnd type="none" w="med" len="med"/>
-                    </a:lnL>
-                    <a:lnR w="12700" cap="flat" cmpd="sng" algn="ctr">
-                      <a:solidFill>
-                        <a:schemeClr val="bg1"/>
-                      </a:solidFill>
-                      <a:prstDash val="solid"/>
-                      <a:round/>
-                      <a:headEnd type="none" w="med" len="med"/>
-                      <a:tailEnd type="none" w="med" len="med"/>
-                    </a:lnR>
-                    <a:lnT w="12700" cap="flat" cmpd="sng" algn="ctr">
-                      <a:solidFill>
-                        <a:schemeClr val="bg1"/>
-                      </a:solidFill>
-                      <a:prstDash val="solid"/>
-                      <a:round/>
-                      <a:headEnd type="none" w="med" len="med"/>
-                      <a:tailEnd type="none" w="med" len="med"/>
-                    </a:lnT>
-                    <a:lnB w="12700" cap="flat" cmpd="sng" algn="ctr">
-                      <a:solidFill>
-                        <a:schemeClr val="bg1"/>
-                      </a:solidFill>
-                      <a:prstDash val="solid"/>
-                      <a:round/>
-                      <a:headEnd type="none" w="med" len="med"/>
-                      <a:tailEnd type="none" w="med" len="med"/>
-                    </a:lnB>
-                    <a:lnTlToBr>
-                      <a:noFill/>
-                    </a:lnTlToBr>
-                    <a:lnBlToTr>
-                      <a:noFill/>
-                    </a:lnBlToTr>
-                    <a:solidFill>
-                      <a:srgbClr val="E9EDF4"/>
-                    </a:solidFill>
-                  </a:tcPr>
-                </a:tc>
-              </a:tr>
-            </a:tbl>
-          </a:graphicData>
-        </a:graphic>
-      </p:graphicFrame>
-      <p:sp>
-        <p:nvSpPr>
-          <p:cNvPr id="13346" name="Rectangle 34"/>
-          <p:cNvSpPr>
-            <a:spLocks noChangeArrowheads="1"/>
-          </p:cNvSpPr>
-          <p:nvPr/>
-        </p:nvSpPr>
-        <p:spPr bwMode="auto">
-          <a:xfrm>
-            <a:off x="457200" y="881063"/>
-            <a:ext cx="8305800" cy="2354262"/>
-          </a:xfrm>
-          <a:prstGeom prst="rect">
-            <a:avLst/>
-          </a:prstGeom>
-          <a:noFill/>
-          <a:ln w="9525">
-            <a:solidFill>
-              <a:schemeClr val="bg1">
-                <a:lumMod val="65000"/>
-              </a:schemeClr>
-            </a:solidFill>
-            <a:miter lim="800000"/>
-            <a:headEnd/>
-            <a:tailEnd/>
-          </a:ln>
-          <a:effectLst/>
-        </p:spPr>
-        <p:txBody>
-          <a:bodyPr anchor="ctr">
-            <a:spAutoFit/>
-          </a:bodyPr>
-          <a:lstStyle/>
-          <a:p>
-            <a:pPr eaLnBrk="0" hangingPunct="0">
-              <a:defRPr/>
-            </a:pPr>
-            <a:r>
-              <a:rPr lang="be-BY" sz="1000" dirty="0">
-                <a:solidFill>
-                  <a:schemeClr val="bg1"/>
-                </a:solidFill>
-                <a:latin typeface="Courier New" pitchFamily="49" charset="0"/>
-                <a:ea typeface="Calibri" pitchFamily="34" charset="0"/>
-                <a:cs typeface="Courier New" pitchFamily="49" charset="0"/>
-              </a:rPr>
-              <a:t>        static void Main(string[] args)</a:t>
-            </a:r>
-            <a:endParaRPr lang="be-BY" sz="900" dirty="0">
-              <a:solidFill>
-                <a:schemeClr val="bg1"/>
-              </a:solidFill>
-              <a:latin typeface="Arial" pitchFamily="34" charset="0"/>
-            </a:endParaRPr>
-          </a:p>
-          <a:p>
-            <a:pPr eaLnBrk="0" hangingPunct="0">
-              <a:defRPr/>
-            </a:pPr>
-            <a:r>
-              <a:rPr lang="be-BY" sz="1000" dirty="0">
-                <a:solidFill>
-                  <a:schemeClr val="bg1"/>
-                </a:solidFill>
-                <a:latin typeface="Courier New" pitchFamily="49" charset="0"/>
-                <a:ea typeface="Calibri" pitchFamily="34" charset="0"/>
-                <a:cs typeface="Courier New" pitchFamily="49" charset="0"/>
-              </a:rPr>
-              <a:t>        {</a:t>
-            </a:r>
-            <a:endParaRPr lang="be-BY" sz="900" dirty="0">
-              <a:solidFill>
-                <a:schemeClr val="bg1"/>
-              </a:solidFill>
-              <a:latin typeface="Arial" pitchFamily="34" charset="0"/>
-            </a:endParaRPr>
-          </a:p>
-          <a:p>
-            <a:pPr eaLnBrk="0" hangingPunct="0">
-              <a:defRPr/>
-            </a:pPr>
-            <a:r>
-              <a:rPr lang="be-BY" sz="1000" dirty="0">
-                <a:solidFill>
-                  <a:schemeClr val="bg1"/>
-                </a:solidFill>
-                <a:latin typeface="Courier New" pitchFamily="49" charset="0"/>
-                <a:ea typeface="Calibri" pitchFamily="34" charset="0"/>
-                <a:cs typeface="Courier New" pitchFamily="49" charset="0"/>
-              </a:rPr>
-              <a:t>            string str1 = "Hello";</a:t>
-            </a:r>
-            <a:endParaRPr lang="be-BY" sz="900" dirty="0">
-              <a:solidFill>
-                <a:schemeClr val="bg1"/>
-              </a:solidFill>
-              <a:latin typeface="Arial" pitchFamily="34" charset="0"/>
-            </a:endParaRPr>
-          </a:p>
-          <a:p>
-            <a:pPr eaLnBrk="0" hangingPunct="0">
-              <a:defRPr/>
-            </a:pPr>
-            <a:r>
-              <a:rPr lang="be-BY" sz="1000" dirty="0">
-                <a:solidFill>
-                  <a:schemeClr val="bg1"/>
-                </a:solidFill>
-                <a:latin typeface="Courier New" pitchFamily="49" charset="0"/>
-                <a:ea typeface="Calibri" pitchFamily="34" charset="0"/>
-                <a:cs typeface="Courier New" pitchFamily="49" charset="0"/>
-              </a:rPr>
-              <a:t>            string str2 = "world!";</a:t>
-            </a:r>
-          </a:p>
-          <a:p>
-            <a:pPr eaLnBrk="0" hangingPunct="0">
-              <a:defRPr/>
-            </a:pPr>
-            <a:endParaRPr lang="be-BY" sz="900" dirty="0">
-              <a:solidFill>
-                <a:schemeClr val="bg1"/>
-              </a:solidFill>
-              <a:latin typeface="Arial" pitchFamily="34" charset="0"/>
-            </a:endParaRPr>
-          </a:p>
-          <a:p>
-            <a:pPr eaLnBrk="0" hangingPunct="0">
-              <a:defRPr/>
-            </a:pPr>
-            <a:r>
-              <a:rPr lang="be-BY" sz="1000" dirty="0">
-                <a:solidFill>
-                  <a:schemeClr val="bg1"/>
-                </a:solidFill>
-                <a:latin typeface="Courier New" pitchFamily="49" charset="0"/>
-                <a:ea typeface="Calibri" pitchFamily="34" charset="0"/>
-                <a:cs typeface="Courier New" pitchFamily="49" charset="0"/>
-              </a:rPr>
-              <a:t>            Console.WriteLine("{0}, {1}", str1, str2);</a:t>
-            </a:r>
-            <a:endParaRPr lang="be-BY" sz="900" dirty="0">
-              <a:solidFill>
-                <a:schemeClr val="bg1"/>
-              </a:solidFill>
-              <a:latin typeface="Arial" pitchFamily="34" charset="0"/>
-            </a:endParaRPr>
-          </a:p>
-          <a:p>
-            <a:pPr eaLnBrk="0" hangingPunct="0">
-              <a:defRPr/>
-            </a:pPr>
-            <a:r>
-              <a:rPr lang="be-BY" sz="1000" dirty="0">
-                <a:solidFill>
-                  <a:schemeClr val="bg1"/>
-                </a:solidFill>
-                <a:latin typeface="Courier New" pitchFamily="49" charset="0"/>
-                <a:ea typeface="Calibri" pitchFamily="34" charset="0"/>
-                <a:cs typeface="Courier New" pitchFamily="49" charset="0"/>
-              </a:rPr>
-              <a:t>            Console.WriteLine(str1 + ", " + str2);</a:t>
-            </a:r>
-          </a:p>
-          <a:p>
-            <a:pPr eaLnBrk="0" hangingPunct="0">
-              <a:defRPr/>
-            </a:pPr>
-            <a:endParaRPr lang="be-BY" sz="900" dirty="0">
-              <a:solidFill>
-                <a:schemeClr val="bg1"/>
-              </a:solidFill>
-              <a:latin typeface="Arial" pitchFamily="34" charset="0"/>
-            </a:endParaRPr>
-          </a:p>
-          <a:p>
-            <a:pPr eaLnBrk="0" hangingPunct="0">
-              <a:defRPr/>
-            </a:pPr>
-            <a:r>
-              <a:rPr lang="be-BY" sz="1000" dirty="0">
-                <a:solidFill>
-                  <a:schemeClr val="bg1"/>
-                </a:solidFill>
-                <a:latin typeface="Courier New" pitchFamily="49" charset="0"/>
-                <a:ea typeface="Calibri" pitchFamily="34" charset="0"/>
-                <a:cs typeface="Courier New" pitchFamily="49" charset="0"/>
-              </a:rPr>
-              <a:t>            string str3 = str1 + ", my dear " + str2;</a:t>
-            </a:r>
-            <a:endParaRPr lang="be-BY" sz="900" dirty="0">
-              <a:solidFill>
-                <a:schemeClr val="bg1"/>
-              </a:solidFill>
-              <a:latin typeface="Arial" pitchFamily="34" charset="0"/>
-            </a:endParaRPr>
-          </a:p>
-          <a:p>
-            <a:pPr eaLnBrk="0" hangingPunct="0">
-              <a:defRPr/>
-            </a:pPr>
-            <a:r>
-              <a:rPr lang="be-BY" sz="1000" dirty="0">
-                <a:solidFill>
-                  <a:schemeClr val="bg1"/>
-                </a:solidFill>
-                <a:latin typeface="Courier New" pitchFamily="49" charset="0"/>
-                <a:ea typeface="Calibri" pitchFamily="34" charset="0"/>
-                <a:cs typeface="Courier New" pitchFamily="49" charset="0"/>
-              </a:rPr>
-              <a:t>            Console.WriteLine(str3);</a:t>
-            </a:r>
-          </a:p>
-          <a:p>
-            <a:pPr eaLnBrk="0" hangingPunct="0">
-              <a:defRPr/>
-            </a:pPr>
-            <a:endParaRPr lang="be-BY" sz="900" dirty="0">
-              <a:solidFill>
-                <a:schemeClr val="bg1"/>
-              </a:solidFill>
-              <a:latin typeface="Arial" pitchFamily="34" charset="0"/>
-            </a:endParaRPr>
-          </a:p>
-          <a:p>
-            <a:pPr eaLnBrk="0" hangingPunct="0">
-              <a:defRPr/>
-            </a:pPr>
-            <a:r>
-              <a:rPr lang="be-BY" sz="1000" dirty="0">
-                <a:solidFill>
-                  <a:schemeClr val="bg1"/>
-                </a:solidFill>
-                <a:latin typeface="Courier New" pitchFamily="49" charset="0"/>
-                <a:ea typeface="Calibri" pitchFamily="34" charset="0"/>
-                <a:cs typeface="Courier New" pitchFamily="49" charset="0"/>
-              </a:rPr>
-              <a:t>            double pi = 3.1415926535897932384626433832795;</a:t>
-            </a:r>
-            <a:endParaRPr lang="be-BY" sz="900" dirty="0">
-              <a:solidFill>
-                <a:schemeClr val="bg1"/>
-              </a:solidFill>
-              <a:latin typeface="Arial" pitchFamily="34" charset="0"/>
-            </a:endParaRPr>
-          </a:p>
-          <a:p>
-            <a:pPr eaLnBrk="0" hangingPunct="0">
-              <a:defRPr/>
-            </a:pPr>
-            <a:r>
-              <a:rPr lang="be-BY" sz="1000" dirty="0">
-                <a:solidFill>
-                  <a:schemeClr val="bg1"/>
-                </a:solidFill>
-                <a:latin typeface="Courier New" pitchFamily="49" charset="0"/>
-                <a:ea typeface="Calibri" pitchFamily="34" charset="0"/>
-                <a:cs typeface="Courier New" pitchFamily="49" charset="0"/>
-              </a:rPr>
-              <a:t>            string str4 = "Pi value is: " + pi.ToString();</a:t>
-            </a:r>
-            <a:endParaRPr lang="be-BY" sz="900" dirty="0">
-              <a:solidFill>
-                <a:schemeClr val="bg1"/>
-              </a:solidFill>
-              <a:latin typeface="Arial" pitchFamily="34" charset="0"/>
-            </a:endParaRPr>
-          </a:p>
-          <a:p>
-            <a:pPr eaLnBrk="0" hangingPunct="0">
-              <a:defRPr/>
-            </a:pPr>
-            <a:r>
-              <a:rPr lang="be-BY" sz="1000" dirty="0">
-                <a:solidFill>
-                  <a:schemeClr val="bg1"/>
-                </a:solidFill>
-                <a:latin typeface="Courier New" pitchFamily="49" charset="0"/>
-                <a:ea typeface="Calibri" pitchFamily="34" charset="0"/>
-                <a:cs typeface="Courier New" pitchFamily="49" charset="0"/>
-              </a:rPr>
-              <a:t>            Console.WriteLine(str4);</a:t>
-            </a:r>
-            <a:endParaRPr lang="be-BY" sz="900" dirty="0">
-              <a:solidFill>
-                <a:schemeClr val="bg1"/>
-              </a:solidFill>
-              <a:latin typeface="Arial" pitchFamily="34" charset="0"/>
-            </a:endParaRPr>
-          </a:p>
-          <a:p>
-            <a:pPr eaLnBrk="0" hangingPunct="0">
-              <a:defRPr/>
-            </a:pPr>
-            <a:r>
-              <a:rPr lang="be-BY" sz="1000" dirty="0">
-                <a:solidFill>
-                  <a:schemeClr val="bg1"/>
-                </a:solidFill>
-                <a:latin typeface="Courier New" pitchFamily="49" charset="0"/>
-                <a:ea typeface="Calibri" pitchFamily="34" charset="0"/>
-                <a:cs typeface="Courier New" pitchFamily="49" charset="0"/>
-              </a:rPr>
-              <a:t>        }</a:t>
-            </a:r>
-            <a:endParaRPr lang="be-BY" dirty="0">
-              <a:solidFill>
-                <a:schemeClr val="bg1"/>
-              </a:solidFill>
-              <a:latin typeface="Calibri" pitchFamily="34" charset="0"/>
-            </a:endParaRPr>
-          </a:p>
-        </p:txBody>
-      </p:sp>
-    </p:spTree>
-    <p:extLst>
-      <p:ext uri="{BB962C8B-B14F-4D97-AF65-F5344CB8AC3E}">
-        <p14:creationId xmlns:p14="http://schemas.microsoft.com/office/powerpoint/2010/main" val="337725002"/>
       </p:ext>
     </p:extLst>
   </p:cSld>
@@ -25854,15 +26230,7 @@
                   <a:schemeClr val="bg1"/>
                 </a:solidFill>
               </a:rPr>
-              <a:t># Little </a:t>
-            </a:r>
-            <a:r>
-              <a:rPr lang="en-US" dirty="0" smtClean="0">
-                <a:solidFill>
-                  <a:schemeClr val="bg1"/>
-                </a:solidFill>
-              </a:rPr>
-              <a:t>Wonders</a:t>
+              <a:t># Little Wonders</a:t>
             </a:r>
             <a:r>
               <a:rPr lang="ru-RU" dirty="0" smtClean="0">

--- a/Presentation/lesson-01.pptx
+++ b/Presentation/lesson-01.pptx
@@ -8,31 +8,32 @@
     <p:sldId id="256" r:id="rId2"/>
     <p:sldId id="257" r:id="rId3"/>
     <p:sldId id="258" r:id="rId4"/>
-    <p:sldId id="259" r:id="rId5"/>
-    <p:sldId id="260" r:id="rId6"/>
-    <p:sldId id="261" r:id="rId7"/>
-    <p:sldId id="262" r:id="rId8"/>
-    <p:sldId id="263" r:id="rId9"/>
-    <p:sldId id="264" r:id="rId10"/>
-    <p:sldId id="265" r:id="rId11"/>
-    <p:sldId id="282" r:id="rId12"/>
-    <p:sldId id="266" r:id="rId13"/>
-    <p:sldId id="279" r:id="rId14"/>
-    <p:sldId id="280" r:id="rId15"/>
-    <p:sldId id="267" r:id="rId16"/>
-    <p:sldId id="283" r:id="rId17"/>
-    <p:sldId id="278" r:id="rId18"/>
-    <p:sldId id="268" r:id="rId19"/>
-    <p:sldId id="269" r:id="rId20"/>
-    <p:sldId id="270" r:id="rId21"/>
-    <p:sldId id="271" r:id="rId22"/>
-    <p:sldId id="272" r:id="rId23"/>
-    <p:sldId id="273" r:id="rId24"/>
-    <p:sldId id="274" r:id="rId25"/>
-    <p:sldId id="275" r:id="rId26"/>
-    <p:sldId id="276" r:id="rId27"/>
-    <p:sldId id="277" r:id="rId28"/>
-    <p:sldId id="281" r:id="rId29"/>
+    <p:sldId id="284" r:id="rId5"/>
+    <p:sldId id="259" r:id="rId6"/>
+    <p:sldId id="260" r:id="rId7"/>
+    <p:sldId id="261" r:id="rId8"/>
+    <p:sldId id="262" r:id="rId9"/>
+    <p:sldId id="263" r:id="rId10"/>
+    <p:sldId id="264" r:id="rId11"/>
+    <p:sldId id="265" r:id="rId12"/>
+    <p:sldId id="282" r:id="rId13"/>
+    <p:sldId id="266" r:id="rId14"/>
+    <p:sldId id="279" r:id="rId15"/>
+    <p:sldId id="280" r:id="rId16"/>
+    <p:sldId id="267" r:id="rId17"/>
+    <p:sldId id="283" r:id="rId18"/>
+    <p:sldId id="278" r:id="rId19"/>
+    <p:sldId id="268" r:id="rId20"/>
+    <p:sldId id="269" r:id="rId21"/>
+    <p:sldId id="270" r:id="rId22"/>
+    <p:sldId id="271" r:id="rId23"/>
+    <p:sldId id="272" r:id="rId24"/>
+    <p:sldId id="273" r:id="rId25"/>
+    <p:sldId id="274" r:id="rId26"/>
+    <p:sldId id="275" r:id="rId27"/>
+    <p:sldId id="276" r:id="rId28"/>
+    <p:sldId id="277" r:id="rId29"/>
+    <p:sldId id="281" r:id="rId30"/>
   </p:sldIdLst>
   <p:sldSz cx="9144000" cy="6858000" type="screen4x3"/>
   <p:notesSz cx="6858000" cy="9144000"/>
@@ -315,7 +316,7 @@
           <a:p>
             <a:fld id="{8E6E6A2A-E9D3-4A0D-B04A-ABDD367A1E08}" type="datetimeFigureOut">
               <a:rPr lang="ru-RU" smtClean="0"/>
-              <a:t>15.08.2012</a:t>
+              <a:t>16.08.2012</a:t>
             </a:fld>
             <a:endParaRPr lang="ru-RU"/>
           </a:p>
@@ -485,7 +486,7 @@
           <a:p>
             <a:fld id="{8E6E6A2A-E9D3-4A0D-B04A-ABDD367A1E08}" type="datetimeFigureOut">
               <a:rPr lang="ru-RU" smtClean="0"/>
-              <a:t>15.08.2012</a:t>
+              <a:t>16.08.2012</a:t>
             </a:fld>
             <a:endParaRPr lang="ru-RU"/>
           </a:p>
@@ -665,7 +666,7 @@
           <a:p>
             <a:fld id="{8E6E6A2A-E9D3-4A0D-B04A-ABDD367A1E08}" type="datetimeFigureOut">
               <a:rPr lang="ru-RU" smtClean="0"/>
-              <a:t>15.08.2012</a:t>
+              <a:t>16.08.2012</a:t>
             </a:fld>
             <a:endParaRPr lang="ru-RU"/>
           </a:p>
@@ -835,7 +836,7 @@
           <a:p>
             <a:fld id="{8E6E6A2A-E9D3-4A0D-B04A-ABDD367A1E08}" type="datetimeFigureOut">
               <a:rPr lang="ru-RU" smtClean="0"/>
-              <a:t>15.08.2012</a:t>
+              <a:t>16.08.2012</a:t>
             </a:fld>
             <a:endParaRPr lang="ru-RU"/>
           </a:p>
@@ -1081,7 +1082,7 @@
           <a:p>
             <a:fld id="{8E6E6A2A-E9D3-4A0D-B04A-ABDD367A1E08}" type="datetimeFigureOut">
               <a:rPr lang="ru-RU" smtClean="0"/>
-              <a:t>15.08.2012</a:t>
+              <a:t>16.08.2012</a:t>
             </a:fld>
             <a:endParaRPr lang="ru-RU"/>
           </a:p>
@@ -1369,7 +1370,7 @@
           <a:p>
             <a:fld id="{8E6E6A2A-E9D3-4A0D-B04A-ABDD367A1E08}" type="datetimeFigureOut">
               <a:rPr lang="ru-RU" smtClean="0"/>
-              <a:t>15.08.2012</a:t>
+              <a:t>16.08.2012</a:t>
             </a:fld>
             <a:endParaRPr lang="ru-RU"/>
           </a:p>
@@ -1791,7 +1792,7 @@
           <a:p>
             <a:fld id="{8E6E6A2A-E9D3-4A0D-B04A-ABDD367A1E08}" type="datetimeFigureOut">
               <a:rPr lang="ru-RU" smtClean="0"/>
-              <a:t>15.08.2012</a:t>
+              <a:t>16.08.2012</a:t>
             </a:fld>
             <a:endParaRPr lang="ru-RU"/>
           </a:p>
@@ -1909,7 +1910,7 @@
           <a:p>
             <a:fld id="{8E6E6A2A-E9D3-4A0D-B04A-ABDD367A1E08}" type="datetimeFigureOut">
               <a:rPr lang="ru-RU" smtClean="0"/>
-              <a:t>15.08.2012</a:t>
+              <a:t>16.08.2012</a:t>
             </a:fld>
             <a:endParaRPr lang="ru-RU"/>
           </a:p>
@@ -2004,7 +2005,7 @@
           <a:p>
             <a:fld id="{8E6E6A2A-E9D3-4A0D-B04A-ABDD367A1E08}" type="datetimeFigureOut">
               <a:rPr lang="ru-RU" smtClean="0"/>
-              <a:t>15.08.2012</a:t>
+              <a:t>16.08.2012</a:t>
             </a:fld>
             <a:endParaRPr lang="ru-RU"/>
           </a:p>
@@ -2281,7 +2282,7 @@
           <a:p>
             <a:fld id="{8E6E6A2A-E9D3-4A0D-B04A-ABDD367A1E08}" type="datetimeFigureOut">
               <a:rPr lang="ru-RU" smtClean="0"/>
-              <a:t>15.08.2012</a:t>
+              <a:t>16.08.2012</a:t>
             </a:fld>
             <a:endParaRPr lang="ru-RU"/>
           </a:p>
@@ -2534,7 +2535,7 @@
           <a:p>
             <a:fld id="{8E6E6A2A-E9D3-4A0D-B04A-ABDD367A1E08}" type="datetimeFigureOut">
               <a:rPr lang="ru-RU" smtClean="0"/>
-              <a:t>15.08.2012</a:t>
+              <a:t>16.08.2012</a:t>
             </a:fld>
             <a:endParaRPr lang="ru-RU"/>
           </a:p>
@@ -2747,7 +2748,7 @@
           <a:p>
             <a:fld id="{8E6E6A2A-E9D3-4A0D-B04A-ABDD367A1E08}" type="datetimeFigureOut">
               <a:rPr lang="ru-RU" smtClean="0"/>
-              <a:t>15.08.2012</a:t>
+              <a:t>16.08.2012</a:t>
             </a:fld>
             <a:endParaRPr lang="ru-RU"/>
           </a:p>
@@ -3337,193 +3338,804 @@
       </p:grpSpPr>
       <p:sp>
         <p:nvSpPr>
-          <p:cNvPr id="3" name="Rectangle 2"/>
+          <p:cNvPr id="4" name="Прямоугольник 13"/>
           <p:cNvSpPr/>
           <p:nvPr/>
         </p:nvSpPr>
         <p:spPr>
           <a:xfrm>
-            <a:off x="179512" y="260648"/>
-            <a:ext cx="8640960" cy="4401205"/>
+            <a:off x="3429000" y="914400"/>
+            <a:ext cx="1905000" cy="457200"/>
           </a:xfrm>
           <a:prstGeom prst="rect">
             <a:avLst/>
           </a:prstGeom>
         </p:spPr>
+        <p:style>
+          <a:lnRef idx="1">
+            <a:schemeClr val="accent1"/>
+          </a:lnRef>
+          <a:fillRef idx="2">
+            <a:schemeClr val="accent1"/>
+          </a:fillRef>
+          <a:effectRef idx="1">
+            <a:schemeClr val="accent1"/>
+          </a:effectRef>
+          <a:fontRef idx="minor">
+            <a:schemeClr val="dk1"/>
+          </a:fontRef>
+        </p:style>
         <p:txBody>
-          <a:bodyPr wrap="square">
+          <a:bodyPr anchor="ctr"/>
+          <a:lstStyle/>
+          <a:p>
+            <a:pPr algn="ctr" fontAlgn="auto">
+              <a:spcBef>
+                <a:spcPts val="0"/>
+              </a:spcBef>
+              <a:spcAft>
+                <a:spcPts val="0"/>
+              </a:spcAft>
+              <a:defRPr/>
+            </a:pPr>
+            <a:r>
+              <a:rPr lang="ru-RU" dirty="0"/>
+              <a:t>Код</a:t>
+            </a:r>
+          </a:p>
+        </p:txBody>
+      </p:sp>
+      <p:sp>
+        <p:nvSpPr>
+          <p:cNvPr id="5" name="Прямоугольник 14"/>
+          <p:cNvSpPr/>
+          <p:nvPr/>
+        </p:nvSpPr>
+        <p:spPr>
+          <a:xfrm>
+            <a:off x="3048000" y="1981200"/>
+            <a:ext cx="2743200" cy="762000"/>
+          </a:xfrm>
+          <a:prstGeom prst="rect">
+            <a:avLst/>
+          </a:prstGeom>
+        </p:spPr>
+        <p:style>
+          <a:lnRef idx="1">
+            <a:schemeClr val="accent2"/>
+          </a:lnRef>
+          <a:fillRef idx="2">
+            <a:schemeClr val="accent2"/>
+          </a:fillRef>
+          <a:effectRef idx="1">
+            <a:schemeClr val="accent2"/>
+          </a:effectRef>
+          <a:fontRef idx="minor">
+            <a:schemeClr val="dk1"/>
+          </a:fontRef>
+        </p:style>
+        <p:txBody>
+          <a:bodyPr anchor="ctr"/>
+          <a:lstStyle/>
+          <a:p>
+            <a:pPr algn="ctr" fontAlgn="auto">
+              <a:spcBef>
+                <a:spcPts val="0"/>
+              </a:spcBef>
+              <a:spcAft>
+                <a:spcPts val="0"/>
+              </a:spcAft>
+              <a:defRPr/>
+            </a:pPr>
+            <a:r>
+              <a:rPr lang="en-US" dirty="0"/>
+              <a:t>JIT</a:t>
+            </a:r>
+          </a:p>
+          <a:p>
+            <a:pPr algn="ctr" fontAlgn="auto">
+              <a:spcBef>
+                <a:spcPts val="0"/>
+              </a:spcBef>
+              <a:spcAft>
+                <a:spcPts val="0"/>
+              </a:spcAft>
+              <a:defRPr/>
+            </a:pPr>
+            <a:r>
+              <a:rPr lang="en-US" dirty="0"/>
+              <a:t>Just In Time - </a:t>
+            </a:r>
+            <a:r>
+              <a:rPr lang="ru-RU" dirty="0"/>
+              <a:t>компилятор</a:t>
+            </a:r>
+          </a:p>
+        </p:txBody>
+      </p:sp>
+      <p:sp>
+        <p:nvSpPr>
+          <p:cNvPr id="6" name="Прямоугольник 19"/>
+          <p:cNvSpPr/>
+          <p:nvPr/>
+        </p:nvSpPr>
+        <p:spPr>
+          <a:xfrm>
+            <a:off x="1981200" y="3581400"/>
+            <a:ext cx="2286000" cy="2286000"/>
+          </a:xfrm>
+          <a:prstGeom prst="rect">
+            <a:avLst/>
+          </a:prstGeom>
+        </p:spPr>
+        <p:style>
+          <a:lnRef idx="1">
+            <a:schemeClr val="dk1"/>
+          </a:lnRef>
+          <a:fillRef idx="2">
+            <a:schemeClr val="dk1"/>
+          </a:fillRef>
+          <a:effectRef idx="1">
+            <a:schemeClr val="dk1"/>
+          </a:effectRef>
+          <a:fontRef idx="minor">
+            <a:schemeClr val="dk1"/>
+          </a:fontRef>
+        </p:style>
+        <p:txBody>
+          <a:bodyPr anchor="ctr"/>
+          <a:lstStyle/>
+          <a:p>
+            <a:pPr algn="ctr">
+              <a:defRPr/>
+            </a:pPr>
+            <a:r>
+              <a:rPr lang="ru-RU">
+                <a:solidFill>
+                  <a:srgbClr val="000000"/>
+                </a:solidFill>
+              </a:rPr>
+              <a:t>Сборка</a:t>
+            </a:r>
+          </a:p>
+          <a:p>
+            <a:pPr algn="ctr">
+              <a:defRPr/>
+            </a:pPr>
+            <a:r>
+              <a:rPr lang="ru-RU" sz="1600">
+                <a:solidFill>
+                  <a:srgbClr val="000000"/>
+                </a:solidFill>
+              </a:rPr>
+              <a:t>(Исполняемый файл)</a:t>
+            </a:r>
+          </a:p>
+          <a:p>
+            <a:pPr algn="ctr">
+              <a:defRPr/>
+            </a:pPr>
+            <a:endParaRPr lang="ru-RU" sz="1600">
+              <a:solidFill>
+                <a:srgbClr val="000000"/>
+              </a:solidFill>
+            </a:endParaRPr>
+          </a:p>
+          <a:p>
+            <a:pPr algn="ctr">
+              <a:defRPr/>
+            </a:pPr>
+            <a:endParaRPr lang="ru-RU">
+              <a:solidFill>
+                <a:srgbClr val="000000"/>
+              </a:solidFill>
+            </a:endParaRPr>
+          </a:p>
+          <a:p>
+            <a:pPr algn="ctr">
+              <a:defRPr/>
+            </a:pPr>
+            <a:endParaRPr lang="ru-RU">
+              <a:solidFill>
+                <a:srgbClr val="000000"/>
+              </a:solidFill>
+            </a:endParaRPr>
+          </a:p>
+          <a:p>
+            <a:pPr algn="ctr">
+              <a:defRPr/>
+            </a:pPr>
+            <a:endParaRPr lang="ru-RU">
+              <a:solidFill>
+                <a:srgbClr val="000000"/>
+              </a:solidFill>
+            </a:endParaRPr>
+          </a:p>
+          <a:p>
+            <a:pPr algn="ctr">
+              <a:defRPr/>
+            </a:pPr>
+            <a:endParaRPr lang="ru-RU">
+              <a:solidFill>
+                <a:srgbClr val="000000"/>
+              </a:solidFill>
+            </a:endParaRPr>
+          </a:p>
+          <a:p>
+            <a:pPr algn="ctr">
+              <a:defRPr/>
+            </a:pPr>
+            <a:endParaRPr lang="ru-RU">
+              <a:solidFill>
+                <a:srgbClr val="000000"/>
+              </a:solidFill>
+            </a:endParaRPr>
+          </a:p>
+        </p:txBody>
+      </p:sp>
+      <p:sp>
+        <p:nvSpPr>
+          <p:cNvPr id="7" name="Прямоугольник 20"/>
+          <p:cNvSpPr/>
+          <p:nvPr/>
+        </p:nvSpPr>
+        <p:spPr>
+          <a:xfrm>
+            <a:off x="2057400" y="5334000"/>
+            <a:ext cx="2133600" cy="457200"/>
+          </a:xfrm>
+          <a:prstGeom prst="rect">
+            <a:avLst/>
+          </a:prstGeom>
+        </p:spPr>
+        <p:style>
+          <a:lnRef idx="1">
+            <a:schemeClr val="accent1"/>
+          </a:lnRef>
+          <a:fillRef idx="2">
+            <a:schemeClr val="accent1"/>
+          </a:fillRef>
+          <a:effectRef idx="1">
+            <a:schemeClr val="accent1"/>
+          </a:effectRef>
+          <a:fontRef idx="minor">
+            <a:schemeClr val="dk1"/>
+          </a:fontRef>
+        </p:style>
+        <p:txBody>
+          <a:bodyPr anchor="ctr"/>
+          <a:lstStyle/>
+          <a:p>
+            <a:pPr algn="ctr" fontAlgn="auto">
+              <a:spcBef>
+                <a:spcPts val="0"/>
+              </a:spcBef>
+              <a:spcAft>
+                <a:spcPts val="0"/>
+              </a:spcAft>
+              <a:defRPr/>
+            </a:pPr>
+            <a:r>
+              <a:rPr lang="en-US" dirty="0"/>
+              <a:t>CIL - </a:t>
+            </a:r>
+            <a:r>
+              <a:rPr lang="ru-RU" dirty="0"/>
+              <a:t>Код</a:t>
+            </a:r>
+          </a:p>
+        </p:txBody>
+      </p:sp>
+      <p:sp>
+        <p:nvSpPr>
+          <p:cNvPr id="8" name="Прямоугольник 8"/>
+          <p:cNvSpPr/>
+          <p:nvPr/>
+        </p:nvSpPr>
+        <p:spPr>
+          <a:xfrm>
+            <a:off x="2057400" y="4267200"/>
+            <a:ext cx="2133600" cy="457200"/>
+          </a:xfrm>
+          <a:prstGeom prst="rect">
+            <a:avLst/>
+          </a:prstGeom>
+        </p:spPr>
+        <p:style>
+          <a:lnRef idx="1">
+            <a:schemeClr val="accent4"/>
+          </a:lnRef>
+          <a:fillRef idx="2">
+            <a:schemeClr val="accent4"/>
+          </a:fillRef>
+          <a:effectRef idx="1">
+            <a:schemeClr val="accent4"/>
+          </a:effectRef>
+          <a:fontRef idx="minor">
+            <a:schemeClr val="dk1"/>
+          </a:fontRef>
+        </p:style>
+        <p:txBody>
+          <a:bodyPr anchor="ctr"/>
+          <a:lstStyle/>
+          <a:p>
+            <a:pPr algn="ctr" fontAlgn="auto">
+              <a:spcBef>
+                <a:spcPts val="0"/>
+              </a:spcBef>
+              <a:spcAft>
+                <a:spcPts val="0"/>
+              </a:spcAft>
+              <a:defRPr/>
+            </a:pPr>
+            <a:r>
+              <a:rPr lang="ru-RU" dirty="0"/>
+              <a:t>Манифест</a:t>
+            </a:r>
+          </a:p>
+        </p:txBody>
+      </p:sp>
+      <p:sp>
+        <p:nvSpPr>
+          <p:cNvPr id="9" name="Прямоугольник 9"/>
+          <p:cNvSpPr/>
+          <p:nvPr/>
+        </p:nvSpPr>
+        <p:spPr>
+          <a:xfrm>
+            <a:off x="2057400" y="4800600"/>
+            <a:ext cx="2133600" cy="457200"/>
+          </a:xfrm>
+          <a:prstGeom prst="rect">
+            <a:avLst/>
+          </a:prstGeom>
+        </p:spPr>
+        <p:style>
+          <a:lnRef idx="1">
+            <a:schemeClr val="accent3"/>
+          </a:lnRef>
+          <a:fillRef idx="2">
+            <a:schemeClr val="accent3"/>
+          </a:fillRef>
+          <a:effectRef idx="1">
+            <a:schemeClr val="accent3"/>
+          </a:effectRef>
+          <a:fontRef idx="minor">
+            <a:schemeClr val="dk1"/>
+          </a:fontRef>
+        </p:style>
+        <p:txBody>
+          <a:bodyPr anchor="ctr"/>
+          <a:lstStyle/>
+          <a:p>
+            <a:pPr algn="ctr" fontAlgn="auto">
+              <a:spcBef>
+                <a:spcPts val="0"/>
+              </a:spcBef>
+              <a:spcAft>
+                <a:spcPts val="0"/>
+              </a:spcAft>
+              <a:defRPr/>
+            </a:pPr>
+            <a:r>
+              <a:rPr lang="ru-RU" dirty="0"/>
+              <a:t>Метаданные</a:t>
+            </a:r>
+          </a:p>
+        </p:txBody>
+      </p:sp>
+      <p:sp>
+        <p:nvSpPr>
+          <p:cNvPr id="10" name="Прямоугольник 11"/>
+          <p:cNvSpPr/>
+          <p:nvPr/>
+        </p:nvSpPr>
+        <p:spPr>
+          <a:xfrm>
+            <a:off x="4572000" y="3581400"/>
+            <a:ext cx="2286000" cy="1676400"/>
+          </a:xfrm>
+          <a:prstGeom prst="rect">
+            <a:avLst/>
+          </a:prstGeom>
+        </p:spPr>
+        <p:style>
+          <a:lnRef idx="1">
+            <a:schemeClr val="dk1"/>
+          </a:lnRef>
+          <a:fillRef idx="2">
+            <a:schemeClr val="dk1"/>
+          </a:fillRef>
+          <a:effectRef idx="1">
+            <a:schemeClr val="dk1"/>
+          </a:effectRef>
+          <a:fontRef idx="minor">
+            <a:schemeClr val="dk1"/>
+          </a:fontRef>
+        </p:style>
+        <p:txBody>
+          <a:bodyPr anchor="ctr"/>
+          <a:lstStyle/>
+          <a:p>
+            <a:pPr algn="ctr" fontAlgn="auto">
+              <a:spcBef>
+                <a:spcPts val="0"/>
+              </a:spcBef>
+              <a:spcAft>
+                <a:spcPts val="0"/>
+              </a:spcAft>
+              <a:defRPr/>
+            </a:pPr>
+            <a:r>
+              <a:rPr lang="ru-RU" dirty="0"/>
+              <a:t>Сборка</a:t>
+            </a:r>
+          </a:p>
+          <a:p>
+            <a:pPr algn="ctr" fontAlgn="auto">
+              <a:spcBef>
+                <a:spcPts val="0"/>
+              </a:spcBef>
+              <a:spcAft>
+                <a:spcPts val="0"/>
+              </a:spcAft>
+              <a:defRPr/>
+            </a:pPr>
+            <a:r>
+              <a:rPr lang="ru-RU" dirty="0"/>
+              <a:t>(Библиотека .</a:t>
+            </a:r>
+            <a:r>
+              <a:rPr lang="en-US" dirty="0" err="1"/>
+              <a:t>dll</a:t>
+            </a:r>
+            <a:r>
+              <a:rPr lang="ru-RU" dirty="0"/>
+              <a:t>)</a:t>
+            </a:r>
+          </a:p>
+          <a:p>
+            <a:pPr algn="ctr" fontAlgn="auto">
+              <a:spcBef>
+                <a:spcPts val="0"/>
+              </a:spcBef>
+              <a:spcAft>
+                <a:spcPts val="0"/>
+              </a:spcAft>
+              <a:defRPr/>
+            </a:pPr>
+            <a:endParaRPr lang="ru-RU" dirty="0"/>
+          </a:p>
+          <a:p>
+            <a:pPr algn="ctr" fontAlgn="auto">
+              <a:spcBef>
+                <a:spcPts val="0"/>
+              </a:spcBef>
+              <a:spcAft>
+                <a:spcPts val="0"/>
+              </a:spcAft>
+              <a:defRPr/>
+            </a:pPr>
+            <a:endParaRPr lang="ru-RU" dirty="0"/>
+          </a:p>
+          <a:p>
+            <a:pPr algn="ctr" fontAlgn="auto">
+              <a:spcBef>
+                <a:spcPts val="0"/>
+              </a:spcBef>
+              <a:spcAft>
+                <a:spcPts val="0"/>
+              </a:spcAft>
+              <a:defRPr/>
+            </a:pPr>
+            <a:endParaRPr lang="ru-RU" dirty="0"/>
+          </a:p>
+          <a:p>
+            <a:pPr algn="ctr" fontAlgn="auto">
+              <a:spcBef>
+                <a:spcPts val="0"/>
+              </a:spcBef>
+              <a:spcAft>
+                <a:spcPts val="0"/>
+              </a:spcAft>
+              <a:defRPr/>
+            </a:pPr>
+            <a:endParaRPr lang="ru-RU" dirty="0"/>
+          </a:p>
+        </p:txBody>
+      </p:sp>
+      <p:sp>
+        <p:nvSpPr>
+          <p:cNvPr id="11" name="Прямоугольник 12"/>
+          <p:cNvSpPr/>
+          <p:nvPr/>
+        </p:nvSpPr>
+        <p:spPr>
+          <a:xfrm>
+            <a:off x="4648200" y="4724400"/>
+            <a:ext cx="2133600" cy="457200"/>
+          </a:xfrm>
+          <a:prstGeom prst="rect">
+            <a:avLst/>
+          </a:prstGeom>
+        </p:spPr>
+        <p:style>
+          <a:lnRef idx="1">
+            <a:schemeClr val="accent1"/>
+          </a:lnRef>
+          <a:fillRef idx="2">
+            <a:schemeClr val="accent1"/>
+          </a:fillRef>
+          <a:effectRef idx="1">
+            <a:schemeClr val="accent1"/>
+          </a:effectRef>
+          <a:fontRef idx="minor">
+            <a:schemeClr val="dk1"/>
+          </a:fontRef>
+        </p:style>
+        <p:txBody>
+          <a:bodyPr anchor="ctr"/>
+          <a:lstStyle/>
+          <a:p>
+            <a:pPr algn="ctr" fontAlgn="auto">
+              <a:spcBef>
+                <a:spcPts val="0"/>
+              </a:spcBef>
+              <a:spcAft>
+                <a:spcPts val="0"/>
+              </a:spcAft>
+              <a:defRPr/>
+            </a:pPr>
+            <a:r>
+              <a:rPr lang="en-US" dirty="0"/>
+              <a:t>CIL - </a:t>
+            </a:r>
+            <a:r>
+              <a:rPr lang="ru-RU" dirty="0"/>
+              <a:t>Код</a:t>
+            </a:r>
+          </a:p>
+        </p:txBody>
+      </p:sp>
+      <p:sp>
+        <p:nvSpPr>
+          <p:cNvPr id="12" name="Прямоугольник 15"/>
+          <p:cNvSpPr/>
+          <p:nvPr/>
+        </p:nvSpPr>
+        <p:spPr>
+          <a:xfrm>
+            <a:off x="4648200" y="4191000"/>
+            <a:ext cx="2133600" cy="457200"/>
+          </a:xfrm>
+          <a:prstGeom prst="rect">
+            <a:avLst/>
+          </a:prstGeom>
+        </p:spPr>
+        <p:style>
+          <a:lnRef idx="1">
+            <a:schemeClr val="accent3"/>
+          </a:lnRef>
+          <a:fillRef idx="2">
+            <a:schemeClr val="accent3"/>
+          </a:fillRef>
+          <a:effectRef idx="1">
+            <a:schemeClr val="accent3"/>
+          </a:effectRef>
+          <a:fontRef idx="minor">
+            <a:schemeClr val="dk1"/>
+          </a:fontRef>
+        </p:style>
+        <p:txBody>
+          <a:bodyPr anchor="ctr"/>
+          <a:lstStyle/>
+          <a:p>
+            <a:pPr algn="ctr" fontAlgn="auto">
+              <a:spcBef>
+                <a:spcPts val="0"/>
+              </a:spcBef>
+              <a:spcAft>
+                <a:spcPts val="0"/>
+              </a:spcAft>
+              <a:defRPr/>
+            </a:pPr>
+            <a:r>
+              <a:rPr lang="ru-RU" dirty="0"/>
+              <a:t>Метаданные</a:t>
+            </a:r>
+          </a:p>
+        </p:txBody>
+      </p:sp>
+      <p:sp>
+        <p:nvSpPr>
+          <p:cNvPr id="13" name="Стрелка вниз 16"/>
+          <p:cNvSpPr/>
+          <p:nvPr/>
+        </p:nvSpPr>
+        <p:spPr>
+          <a:xfrm>
+            <a:off x="3733800" y="1371600"/>
+            <a:ext cx="1295400" cy="609600"/>
+          </a:xfrm>
+          <a:prstGeom prst="downArrow">
+            <a:avLst>
+              <a:gd name="adj1" fmla="val 48588"/>
+              <a:gd name="adj2" fmla="val 50000"/>
+            </a:avLst>
+          </a:prstGeom>
+        </p:spPr>
+        <p:style>
+          <a:lnRef idx="1">
+            <a:schemeClr val="dk1"/>
+          </a:lnRef>
+          <a:fillRef idx="2">
+            <a:schemeClr val="dk1"/>
+          </a:fillRef>
+          <a:effectRef idx="1">
+            <a:schemeClr val="dk1"/>
+          </a:effectRef>
+          <a:fontRef idx="minor">
+            <a:schemeClr val="dk1"/>
+          </a:fontRef>
+        </p:style>
+        <p:txBody>
+          <a:bodyPr anchor="ctr"/>
+          <a:lstStyle/>
+          <a:p>
+            <a:pPr algn="ctr" fontAlgn="auto">
+              <a:spcBef>
+                <a:spcPts val="0"/>
+              </a:spcBef>
+              <a:spcAft>
+                <a:spcPts val="0"/>
+              </a:spcAft>
+              <a:defRPr/>
+            </a:pPr>
+            <a:endParaRPr lang="ru-RU"/>
+          </a:p>
+        </p:txBody>
+      </p:sp>
+      <p:sp>
+        <p:nvSpPr>
+          <p:cNvPr id="14" name="Стрелка вниз 21"/>
+          <p:cNvSpPr/>
+          <p:nvPr/>
+        </p:nvSpPr>
+        <p:spPr>
+          <a:xfrm>
+            <a:off x="2743200" y="2743200"/>
+            <a:ext cx="1295400" cy="838200"/>
+          </a:xfrm>
+          <a:prstGeom prst="downArrow">
+            <a:avLst>
+              <a:gd name="adj1" fmla="val 48588"/>
+              <a:gd name="adj2" fmla="val 50000"/>
+            </a:avLst>
+          </a:prstGeom>
+        </p:spPr>
+        <p:style>
+          <a:lnRef idx="1">
+            <a:schemeClr val="dk1"/>
+          </a:lnRef>
+          <a:fillRef idx="2">
+            <a:schemeClr val="dk1"/>
+          </a:fillRef>
+          <a:effectRef idx="1">
+            <a:schemeClr val="dk1"/>
+          </a:effectRef>
+          <a:fontRef idx="minor">
+            <a:schemeClr val="dk1"/>
+          </a:fontRef>
+        </p:style>
+        <p:txBody>
+          <a:bodyPr anchor="ctr"/>
+          <a:lstStyle/>
+          <a:p>
+            <a:pPr algn="ctr" fontAlgn="auto">
+              <a:spcBef>
+                <a:spcPts val="0"/>
+              </a:spcBef>
+              <a:spcAft>
+                <a:spcPts val="0"/>
+              </a:spcAft>
+              <a:defRPr/>
+            </a:pPr>
+            <a:endParaRPr lang="ru-RU"/>
+          </a:p>
+        </p:txBody>
+      </p:sp>
+      <p:sp>
+        <p:nvSpPr>
+          <p:cNvPr id="15" name="Стрелка вниз 22"/>
+          <p:cNvSpPr/>
+          <p:nvPr/>
+        </p:nvSpPr>
+        <p:spPr>
+          <a:xfrm>
+            <a:off x="4800600" y="2743200"/>
+            <a:ext cx="1295400" cy="838200"/>
+          </a:xfrm>
+          <a:prstGeom prst="downArrow">
+            <a:avLst>
+              <a:gd name="adj1" fmla="val 48588"/>
+              <a:gd name="adj2" fmla="val 50000"/>
+            </a:avLst>
+          </a:prstGeom>
+        </p:spPr>
+        <p:style>
+          <a:lnRef idx="1">
+            <a:schemeClr val="dk1"/>
+          </a:lnRef>
+          <a:fillRef idx="2">
+            <a:schemeClr val="dk1"/>
+          </a:fillRef>
+          <a:effectRef idx="1">
+            <a:schemeClr val="dk1"/>
+          </a:effectRef>
+          <a:fontRef idx="minor">
+            <a:schemeClr val="dk1"/>
+          </a:fontRef>
+        </p:style>
+        <p:txBody>
+          <a:bodyPr anchor="ctr"/>
+          <a:lstStyle/>
+          <a:p>
+            <a:pPr algn="ctr" fontAlgn="auto">
+              <a:spcBef>
+                <a:spcPts val="0"/>
+              </a:spcBef>
+              <a:spcAft>
+                <a:spcPts val="0"/>
+              </a:spcAft>
+              <a:defRPr/>
+            </a:pPr>
+            <a:endParaRPr lang="ru-RU"/>
+          </a:p>
+        </p:txBody>
+      </p:sp>
+      <p:sp>
+        <p:nvSpPr>
+          <p:cNvPr id="2" name="TextBox 1"/>
+          <p:cNvSpPr txBox="1"/>
+          <p:nvPr/>
+        </p:nvSpPr>
+        <p:spPr>
+          <a:xfrm>
+            <a:off x="2520800" y="252492"/>
+            <a:ext cx="3672408" cy="461665"/>
+          </a:xfrm>
+          <a:prstGeom prst="rect">
+            <a:avLst/>
+          </a:prstGeom>
+          <a:noFill/>
+        </p:spPr>
+        <p:txBody>
+          <a:bodyPr wrap="square" rtlCol="0">
             <a:spAutoFit/>
           </a:bodyPr>
           <a:lstStyle/>
           <a:p>
-            <a:r>
-              <a:rPr lang="ru-RU" sz="2800" dirty="0" smtClean="0">
-                <a:solidFill>
-                  <a:schemeClr val="bg1"/>
-                </a:solidFill>
-              </a:rPr>
-              <a:t>Важность метаданных</a:t>
-            </a:r>
-          </a:p>
-          <a:p>
-            <a:endParaRPr lang="en-US" dirty="0" smtClean="0">
-              <a:solidFill>
-                <a:schemeClr val="bg1"/>
-              </a:solidFill>
-            </a:endParaRPr>
-          </a:p>
-          <a:p>
-            <a:r>
-              <a:rPr lang="en-US" dirty="0" smtClean="0">
-                <a:solidFill>
-                  <a:schemeClr val="bg1"/>
-                </a:solidFill>
-              </a:rPr>
-              <a:t>CLR </a:t>
-            </a:r>
-            <a:r>
-              <a:rPr lang="ru-RU" dirty="0" smtClean="0">
-                <a:solidFill>
-                  <a:schemeClr val="bg1"/>
-                </a:solidFill>
-              </a:rPr>
-              <a:t>использует метаданные</a:t>
-            </a:r>
-            <a:r>
-              <a:rPr lang="en-US" dirty="0" smtClean="0">
-                <a:solidFill>
-                  <a:schemeClr val="bg1"/>
-                </a:solidFill>
-              </a:rPr>
-              <a:t> </a:t>
-            </a:r>
-            <a:r>
-              <a:rPr lang="ru-RU" dirty="0" smtClean="0">
-                <a:solidFill>
-                  <a:schemeClr val="bg1"/>
-                </a:solidFill>
-              </a:rPr>
-              <a:t>во время проверки кода чтобы убедиться что код использует только типо-безопасные операции.</a:t>
-            </a:r>
-          </a:p>
-          <a:p>
-            <a:endParaRPr lang="ru-RU" dirty="0" smtClean="0">
-              <a:solidFill>
-                <a:schemeClr val="bg1"/>
-              </a:solidFill>
-            </a:endParaRPr>
-          </a:p>
-          <a:p>
-            <a:r>
-              <a:rPr lang="ru-RU" dirty="0" smtClean="0">
-                <a:solidFill>
-                  <a:schemeClr val="bg1"/>
-                </a:solidFill>
-              </a:rPr>
-              <a:t>Метаданные позволяют выполнить сериализацию содержимого объекта в набор байтов на одной машине и десериализовать на другой. Создав таким образом точную копию. Используется при передаче данных между доменами приложения и в технологии </a:t>
-            </a:r>
-            <a:r>
-              <a:rPr lang="en-US" dirty="0" smtClean="0">
-                <a:solidFill>
-                  <a:schemeClr val="bg1"/>
-                </a:solidFill>
-              </a:rPr>
-              <a:t>.NET </a:t>
-            </a:r>
-            <a:r>
-              <a:rPr lang="en-US" dirty="0" err="1" smtClean="0">
-                <a:solidFill>
-                  <a:schemeClr val="bg1"/>
-                </a:solidFill>
-              </a:rPr>
-              <a:t>Remoting</a:t>
-            </a:r>
-            <a:r>
-              <a:rPr lang="en-US" dirty="0" smtClean="0">
-                <a:solidFill>
-                  <a:schemeClr val="bg1"/>
-                </a:solidFill>
-              </a:rPr>
-              <a:t> (</a:t>
-            </a:r>
-            <a:r>
-              <a:rPr lang="ru-RU" dirty="0" smtClean="0">
-                <a:solidFill>
-                  <a:schemeClr val="bg1"/>
-                </a:solidFill>
-              </a:rPr>
-              <a:t>практически не используется</a:t>
-            </a:r>
-            <a:r>
-              <a:rPr lang="en-US" dirty="0" smtClean="0">
-                <a:solidFill>
-                  <a:schemeClr val="bg1"/>
-                </a:solidFill>
-              </a:rPr>
-              <a:t>)</a:t>
-            </a:r>
-            <a:r>
-              <a:rPr lang="ru-RU" dirty="0">
-                <a:solidFill>
-                  <a:schemeClr val="bg1"/>
-                </a:solidFill>
-              </a:rPr>
-              <a:t>.</a:t>
-            </a:r>
-            <a:endParaRPr lang="ru-RU" dirty="0" smtClean="0">
-              <a:solidFill>
-                <a:schemeClr val="bg1"/>
-              </a:solidFill>
-            </a:endParaRPr>
-          </a:p>
-          <a:p>
-            <a:endParaRPr lang="ru-RU" dirty="0" smtClean="0">
-              <a:solidFill>
-                <a:schemeClr val="bg1"/>
-              </a:solidFill>
-            </a:endParaRPr>
-          </a:p>
-          <a:p>
-            <a:r>
-              <a:rPr lang="ru-RU" dirty="0" smtClean="0">
-                <a:solidFill>
-                  <a:schemeClr val="bg1"/>
-                </a:solidFill>
-              </a:rPr>
-              <a:t>Метаданные позволяют сборщику мусора отслеживать жизненный цикл объектов. Тип любого объекта определяется через метаданные, и, оттуда же, берется иноформация о полях объекта ссылающиеся на другие объекты.</a:t>
-            </a:r>
-          </a:p>
-          <a:p>
-            <a:endParaRPr lang="ru-RU" dirty="0">
-              <a:solidFill>
-                <a:schemeClr val="bg1"/>
-              </a:solidFill>
-            </a:endParaRPr>
-          </a:p>
-          <a:p>
-            <a:r>
-              <a:rPr lang="ru-RU" dirty="0" smtClean="0">
-                <a:solidFill>
-                  <a:schemeClr val="bg1"/>
-                </a:solidFill>
-              </a:rPr>
-              <a:t>Метаданные доступны на этапе исполнения через механизм «отражения» (</a:t>
-            </a:r>
-            <a:r>
-              <a:rPr lang="en-US" dirty="0" smtClean="0">
-                <a:solidFill>
-                  <a:schemeClr val="bg1"/>
-                </a:solidFill>
-              </a:rPr>
-              <a:t>reflection).</a:t>
-            </a:r>
+            <a:pPr algn="ctr"/>
+            <a:r>
+              <a:rPr lang="ru-RU" sz="2400" dirty="0" smtClean="0">
+                <a:solidFill>
+                  <a:schemeClr val="bg1"/>
+                </a:solidFill>
+              </a:rPr>
+              <a:t>Понятие сборки</a:t>
+            </a:r>
+            <a:endParaRPr lang="en-US" sz="2400" dirty="0">
+              <a:solidFill>
+                <a:schemeClr val="bg1"/>
+              </a:solidFill>
+            </a:endParaRPr>
           </a:p>
         </p:txBody>
       </p:sp>
     </p:spTree>
     <p:extLst>
       <p:ext uri="{BB962C8B-B14F-4D97-AF65-F5344CB8AC3E}">
-        <p14:creationId xmlns:p14="http://schemas.microsoft.com/office/powerpoint/2010/main" val="723374532"/>
+        <p14:creationId xmlns:p14="http://schemas.microsoft.com/office/powerpoint/2010/main" val="669921671"/>
       </p:ext>
     </p:extLst>
   </p:cSld>
@@ -3579,6 +4191,242 @@
         </p:nvSpPr>
         <p:spPr>
           <a:xfrm>
+            <a:off x="179512" y="260648"/>
+            <a:ext cx="8640960" cy="4401205"/>
+          </a:xfrm>
+          <a:prstGeom prst="rect">
+            <a:avLst/>
+          </a:prstGeom>
+        </p:spPr>
+        <p:txBody>
+          <a:bodyPr wrap="square">
+            <a:spAutoFit/>
+          </a:bodyPr>
+          <a:lstStyle/>
+          <a:p>
+            <a:r>
+              <a:rPr lang="ru-RU" sz="2800" dirty="0" smtClean="0">
+                <a:solidFill>
+                  <a:schemeClr val="bg1"/>
+                </a:solidFill>
+              </a:rPr>
+              <a:t>Важность метаданных</a:t>
+            </a:r>
+          </a:p>
+          <a:p>
+            <a:endParaRPr lang="en-US" dirty="0" smtClean="0">
+              <a:solidFill>
+                <a:schemeClr val="bg1"/>
+              </a:solidFill>
+            </a:endParaRPr>
+          </a:p>
+          <a:p>
+            <a:r>
+              <a:rPr lang="en-US" dirty="0" smtClean="0">
+                <a:solidFill>
+                  <a:schemeClr val="bg1"/>
+                </a:solidFill>
+              </a:rPr>
+              <a:t>CLR </a:t>
+            </a:r>
+            <a:r>
+              <a:rPr lang="ru-RU" dirty="0" smtClean="0">
+                <a:solidFill>
+                  <a:schemeClr val="bg1"/>
+                </a:solidFill>
+              </a:rPr>
+              <a:t>использует метаданные</a:t>
+            </a:r>
+            <a:r>
+              <a:rPr lang="en-US" dirty="0" smtClean="0">
+                <a:solidFill>
+                  <a:schemeClr val="bg1"/>
+                </a:solidFill>
+              </a:rPr>
+              <a:t> </a:t>
+            </a:r>
+            <a:r>
+              <a:rPr lang="ru-RU" dirty="0" smtClean="0">
+                <a:solidFill>
+                  <a:schemeClr val="bg1"/>
+                </a:solidFill>
+              </a:rPr>
+              <a:t>во время проверки кода чтобы убедиться что код использует только типо-безопасные операции.</a:t>
+            </a:r>
+          </a:p>
+          <a:p>
+            <a:endParaRPr lang="ru-RU" dirty="0" smtClean="0">
+              <a:solidFill>
+                <a:schemeClr val="bg1"/>
+              </a:solidFill>
+            </a:endParaRPr>
+          </a:p>
+          <a:p>
+            <a:r>
+              <a:rPr lang="ru-RU" dirty="0" smtClean="0">
+                <a:solidFill>
+                  <a:schemeClr val="bg1"/>
+                </a:solidFill>
+              </a:rPr>
+              <a:t>Метаданные позволяют выполнить сериализацию содержимого объекта в набор байтов на одной машине и десериализовать на другой. Создав таким образом точную копию. Используется при передаче данных между доменами приложения и в технологии </a:t>
+            </a:r>
+            <a:r>
+              <a:rPr lang="en-US" dirty="0" smtClean="0">
+                <a:solidFill>
+                  <a:schemeClr val="bg1"/>
+                </a:solidFill>
+              </a:rPr>
+              <a:t>.NET </a:t>
+            </a:r>
+            <a:r>
+              <a:rPr lang="en-US" dirty="0" err="1" smtClean="0">
+                <a:solidFill>
+                  <a:schemeClr val="bg1"/>
+                </a:solidFill>
+              </a:rPr>
+              <a:t>Remoting</a:t>
+            </a:r>
+            <a:r>
+              <a:rPr lang="en-US" dirty="0" smtClean="0">
+                <a:solidFill>
+                  <a:schemeClr val="bg1"/>
+                </a:solidFill>
+              </a:rPr>
+              <a:t> (</a:t>
+            </a:r>
+            <a:r>
+              <a:rPr lang="ru-RU" dirty="0" smtClean="0">
+                <a:solidFill>
+                  <a:schemeClr val="bg1"/>
+                </a:solidFill>
+              </a:rPr>
+              <a:t>практически не используется</a:t>
+            </a:r>
+            <a:r>
+              <a:rPr lang="en-US" dirty="0" smtClean="0">
+                <a:solidFill>
+                  <a:schemeClr val="bg1"/>
+                </a:solidFill>
+              </a:rPr>
+              <a:t>)</a:t>
+            </a:r>
+            <a:r>
+              <a:rPr lang="ru-RU" dirty="0">
+                <a:solidFill>
+                  <a:schemeClr val="bg1"/>
+                </a:solidFill>
+              </a:rPr>
+              <a:t>.</a:t>
+            </a:r>
+            <a:endParaRPr lang="ru-RU" dirty="0" smtClean="0">
+              <a:solidFill>
+                <a:schemeClr val="bg1"/>
+              </a:solidFill>
+            </a:endParaRPr>
+          </a:p>
+          <a:p>
+            <a:endParaRPr lang="ru-RU" dirty="0" smtClean="0">
+              <a:solidFill>
+                <a:schemeClr val="bg1"/>
+              </a:solidFill>
+            </a:endParaRPr>
+          </a:p>
+          <a:p>
+            <a:r>
+              <a:rPr lang="ru-RU" dirty="0" smtClean="0">
+                <a:solidFill>
+                  <a:schemeClr val="bg1"/>
+                </a:solidFill>
+              </a:rPr>
+              <a:t>Метаданные позволяют сборщику мусора отслеживать жизненный цикл объектов. Тип любого объекта определяется через метаданные, и, оттуда же, берется иноформация о полях объекта ссылающиеся на другие объекты.</a:t>
+            </a:r>
+          </a:p>
+          <a:p>
+            <a:endParaRPr lang="ru-RU" dirty="0">
+              <a:solidFill>
+                <a:schemeClr val="bg1"/>
+              </a:solidFill>
+            </a:endParaRPr>
+          </a:p>
+          <a:p>
+            <a:r>
+              <a:rPr lang="ru-RU" dirty="0" smtClean="0">
+                <a:solidFill>
+                  <a:schemeClr val="bg1"/>
+                </a:solidFill>
+              </a:rPr>
+              <a:t>Метаданные доступны на этапе исполнения через механизм «отражения» (</a:t>
+            </a:r>
+            <a:r>
+              <a:rPr lang="en-US" dirty="0" smtClean="0">
+                <a:solidFill>
+                  <a:schemeClr val="bg1"/>
+                </a:solidFill>
+              </a:rPr>
+              <a:t>reflection).</a:t>
+            </a:r>
+          </a:p>
+        </p:txBody>
+      </p:sp>
+    </p:spTree>
+    <p:extLst>
+      <p:ext uri="{BB962C8B-B14F-4D97-AF65-F5344CB8AC3E}">
+        <p14:creationId xmlns:p14="http://schemas.microsoft.com/office/powerpoint/2010/main" val="723374532"/>
+      </p:ext>
+    </p:extLst>
+  </p:cSld>
+  <p:clrMapOvr>
+    <a:masterClrMapping/>
+  </p:clrMapOvr>
+  <p:timing>
+    <p:tnLst>
+      <p:par>
+        <p:cTn id="1" dur="indefinite" restart="never" nodeType="tmRoot"/>
+      </p:par>
+    </p:tnLst>
+  </p:timing>
+</p:sld>
+</file>
+
+<file path=ppt/slides/slide12.xml><?xml version="1.0" encoding="utf-8"?>
+<p:sld xmlns:a="http://schemas.openxmlformats.org/drawingml/2006/main" xmlns:r="http://schemas.openxmlformats.org/officeDocument/2006/relationships" xmlns:p="http://schemas.openxmlformats.org/presentationml/2006/main">
+  <p:cSld>
+    <p:bg>
+      <p:bgPr>
+        <a:blipFill dpi="0" rotWithShape="1">
+          <a:blip r:embed="rId2">
+            <a:lum/>
+          </a:blip>
+          <a:srcRect/>
+          <a:stretch>
+            <a:fillRect/>
+          </a:stretch>
+        </a:blipFill>
+        <a:effectLst/>
+      </p:bgPr>
+    </p:bg>
+    <p:spTree>
+      <p:nvGrpSpPr>
+        <p:cNvPr id="1" name=""/>
+        <p:cNvGrpSpPr/>
+        <p:nvPr/>
+      </p:nvGrpSpPr>
+      <p:grpSpPr>
+        <a:xfrm>
+          <a:off x="0" y="0"/>
+          <a:ext cx="0" cy="0"/>
+          <a:chOff x="0" y="0"/>
+          <a:chExt cx="0" cy="0"/>
+        </a:xfrm>
+      </p:grpSpPr>
+      <p:sp>
+        <p:nvSpPr>
+          <p:cNvPr id="3" name="Rectangle 2"/>
+          <p:cNvSpPr/>
+          <p:nvPr/>
+        </p:nvSpPr>
+        <p:spPr>
+          <a:xfrm>
             <a:off x="251520" y="2708920"/>
             <a:ext cx="8640960" cy="1046440"/>
           </a:xfrm>
@@ -3659,7 +4507,7 @@
 </p:sld>
 </file>
 
-<file path=ppt/slides/slide12.xml><?xml version="1.0" encoding="utf-8"?>
+<file path=ppt/slides/slide13.xml><?xml version="1.0" encoding="utf-8"?>
 <p:sld xmlns:a="http://schemas.openxmlformats.org/drawingml/2006/main" xmlns:r="http://schemas.openxmlformats.org/officeDocument/2006/relationships" xmlns:p="http://schemas.openxmlformats.org/presentationml/2006/main">
   <p:cSld>
     <p:bg>
@@ -3842,7 +4690,7 @@
 </p:sld>
 </file>
 
-<file path=ppt/slides/slide13.xml><?xml version="1.0" encoding="utf-8"?>
+<file path=ppt/slides/slide14.xml><?xml version="1.0" encoding="utf-8"?>
 <p:sld xmlns:a="http://schemas.openxmlformats.org/drawingml/2006/main" xmlns:r="http://schemas.openxmlformats.org/officeDocument/2006/relationships" xmlns:p="http://schemas.openxmlformats.org/presentationml/2006/main">
   <p:cSld>
     <p:bg>
@@ -4506,7 +5354,7 @@
 </p:sld>
 </file>
 
-<file path=ppt/slides/slide14.xml><?xml version="1.0" encoding="utf-8"?>
+<file path=ppt/slides/slide15.xml><?xml version="1.0" encoding="utf-8"?>
 <p:sld xmlns:a="http://schemas.openxmlformats.org/drawingml/2006/main" xmlns:r="http://schemas.openxmlformats.org/officeDocument/2006/relationships" xmlns:p="http://schemas.openxmlformats.org/presentationml/2006/main">
   <p:cSld>
     <p:bg>
@@ -6424,7 +7272,7 @@
 </p:sld>
 </file>
 
-<file path=ppt/slides/slide15.xml><?xml version="1.0" encoding="utf-8"?>
+<file path=ppt/slides/slide16.xml><?xml version="1.0" encoding="utf-8"?>
 <p:sld xmlns:a="http://schemas.openxmlformats.org/drawingml/2006/main" xmlns:r="http://schemas.openxmlformats.org/officeDocument/2006/relationships" xmlns:p="http://schemas.openxmlformats.org/presentationml/2006/main">
   <p:cSld>
     <p:bg>
@@ -11194,7 +12042,7 @@
 </p:sld>
 </file>
 
-<file path=ppt/slides/slide16.xml><?xml version="1.0" encoding="utf-8"?>
+<file path=ppt/slides/slide17.xml><?xml version="1.0" encoding="utf-8"?>
 <p:sld xmlns:a="http://schemas.openxmlformats.org/drawingml/2006/main" xmlns:r="http://schemas.openxmlformats.org/officeDocument/2006/relationships" xmlns:p="http://schemas.openxmlformats.org/presentationml/2006/main">
   <p:cSld>
     <p:bg>
@@ -11572,11 +12420,6 @@
               </a:rPr>
               <a:t>null character)</a:t>
             </a:r>
-            <a:endParaRPr lang="en-US" dirty="0" smtClean="0">
-              <a:solidFill>
-                <a:schemeClr val="bg1"/>
-              </a:solidFill>
-            </a:endParaRPr>
           </a:p>
           <a:p>
             <a:pPr marL="285750" indent="-285750">
@@ -11698,15 +12541,7 @@
                   <a:schemeClr val="bg1"/>
                 </a:solidFill>
               </a:rPr>
-              <a:t>String</a:t>
-            </a:r>
-            <a:r>
-              <a:rPr lang="en-US" dirty="0" err="1" smtClean="0">
-                <a:solidFill>
-                  <a:schemeClr val="bg1"/>
-                </a:solidFill>
-              </a:rPr>
-              <a:t>.Intern</a:t>
+              <a:t>String.Intern</a:t>
             </a:r>
             <a:r>
               <a:rPr lang="en-US" dirty="0" smtClean="0">
@@ -11752,15 +12587,7 @@
                   <a:schemeClr val="bg1"/>
                 </a:solidFill>
               </a:rPr>
-              <a:t>д</a:t>
-            </a:r>
-            <a:r>
-              <a:rPr lang="ru-RU" dirty="0" smtClean="0">
-                <a:solidFill>
-                  <a:schemeClr val="bg1"/>
-                </a:solidFill>
-              </a:rPr>
-              <a:t>ля хранения «секретной» информации (пароли).</a:t>
+              <a:t>для хранения «секретной» информации (пароли).</a:t>
             </a:r>
             <a:endParaRPr lang="en-US" dirty="0" smtClean="0">
               <a:solidFill>
@@ -11801,7 +12628,7 @@
 </p:sld>
 </file>
 
-<file path=ppt/slides/slide17.xml><?xml version="1.0" encoding="utf-8"?>
+<file path=ppt/slides/slide18.xml><?xml version="1.0" encoding="utf-8"?>
 <p:sld xmlns:a="http://schemas.openxmlformats.org/drawingml/2006/main" xmlns:r="http://schemas.openxmlformats.org/officeDocument/2006/relationships" xmlns:p="http://schemas.openxmlformats.org/presentationml/2006/main">
   <p:cSld>
     <p:bg>
@@ -13699,7 +14526,7 @@
 </p:sld>
 </file>
 
-<file path=ppt/slides/slide18.xml><?xml version="1.0" encoding="utf-8"?>
+<file path=ppt/slides/slide19.xml><?xml version="1.0" encoding="utf-8"?>
 <p:sld xmlns:a="http://schemas.openxmlformats.org/drawingml/2006/main" xmlns:r="http://schemas.openxmlformats.org/officeDocument/2006/relationships" xmlns:p="http://schemas.openxmlformats.org/presentationml/2006/main">
   <p:cSld>
     <p:bg>
@@ -14215,7 +15042,438 @@
 </p:sld>
 </file>
 
-<file path=ppt/slides/slide19.xml><?xml version="1.0" encoding="utf-8"?>
+<file path=ppt/slides/slide2.xml><?xml version="1.0" encoding="utf-8"?>
+<p:sld xmlns:a="http://schemas.openxmlformats.org/drawingml/2006/main" xmlns:r="http://schemas.openxmlformats.org/officeDocument/2006/relationships" xmlns:p="http://schemas.openxmlformats.org/presentationml/2006/main">
+  <p:cSld>
+    <p:bg>
+      <p:bgPr>
+        <a:blipFill dpi="0" rotWithShape="1">
+          <a:blip r:embed="rId2">
+            <a:lum/>
+          </a:blip>
+          <a:srcRect/>
+          <a:stretch>
+            <a:fillRect/>
+          </a:stretch>
+        </a:blipFill>
+        <a:effectLst/>
+      </p:bgPr>
+    </p:bg>
+    <p:spTree>
+      <p:nvGrpSpPr>
+        <p:cNvPr id="1" name=""/>
+        <p:cNvGrpSpPr/>
+        <p:nvPr/>
+      </p:nvGrpSpPr>
+      <p:grpSpPr>
+        <a:xfrm>
+          <a:off x="0" y="0"/>
+          <a:ext cx="0" cy="0"/>
+          <a:chOff x="0" y="0"/>
+          <a:chExt cx="0" cy="0"/>
+        </a:xfrm>
+      </p:grpSpPr>
+      <p:sp>
+        <p:nvSpPr>
+          <p:cNvPr id="3" name="Rectangle 2"/>
+          <p:cNvSpPr/>
+          <p:nvPr/>
+        </p:nvSpPr>
+        <p:spPr>
+          <a:xfrm>
+            <a:off x="251520" y="188640"/>
+            <a:ext cx="8640960" cy="4739759"/>
+          </a:xfrm>
+          <a:prstGeom prst="rect">
+            <a:avLst/>
+          </a:prstGeom>
+        </p:spPr>
+        <p:txBody>
+          <a:bodyPr wrap="square">
+            <a:spAutoFit/>
+          </a:bodyPr>
+          <a:lstStyle/>
+          <a:p>
+            <a:pPr lvl="0"/>
+            <a:r>
+              <a:rPr lang="ru-RU" sz="3200" dirty="0" smtClean="0">
+                <a:solidFill>
+                  <a:schemeClr val="bg1"/>
+                </a:solidFill>
+              </a:rPr>
+              <a:t>Литература</a:t>
+            </a:r>
+          </a:p>
+          <a:p>
+            <a:pPr lvl="0"/>
+            <a:endParaRPr lang="en-US" dirty="0" smtClean="0">
+              <a:solidFill>
+                <a:schemeClr val="bg1"/>
+              </a:solidFill>
+            </a:endParaRPr>
+          </a:p>
+          <a:p>
+            <a:pPr marL="285750" lvl="0" indent="-285750">
+              <a:buFont typeface="Arial" pitchFamily="34" charset="0"/>
+              <a:buChar char="•"/>
+            </a:pPr>
+            <a:r>
+              <a:rPr lang="ru-RU" dirty="0" smtClean="0">
+                <a:solidFill>
+                  <a:schemeClr val="bg1"/>
+                </a:solidFill>
+              </a:rPr>
+              <a:t>CLR </a:t>
+            </a:r>
+            <a:r>
+              <a:rPr lang="ru-RU" dirty="0">
+                <a:solidFill>
+                  <a:schemeClr val="bg1"/>
+                </a:solidFill>
+              </a:rPr>
+              <a:t>via C#. Программирование на платформе Microsoft .NET Framework 4.0 на языке C# (CLR via C#, Third Edition)</a:t>
+            </a:r>
+            <a:br>
+              <a:rPr lang="ru-RU" dirty="0">
+                <a:solidFill>
+                  <a:schemeClr val="bg1"/>
+                </a:solidFill>
+              </a:rPr>
+            </a:br>
+            <a:r>
+              <a:rPr lang="ru-RU" dirty="0">
+                <a:solidFill>
+                  <a:schemeClr val="bg1"/>
+                </a:solidFill>
+              </a:rPr>
+              <a:t>Джеффри Рихтер (Jeffrey Richter)</a:t>
+            </a:r>
+            <a:br>
+              <a:rPr lang="ru-RU" dirty="0">
+                <a:solidFill>
+                  <a:schemeClr val="bg1"/>
+                </a:solidFill>
+              </a:rPr>
+            </a:br>
+            <a:r>
+              <a:rPr lang="ru-RU" u="sng" dirty="0">
+                <a:solidFill>
+                  <a:schemeClr val="bg1"/>
+                </a:solidFill>
+              </a:rPr>
+              <a:t>http://</a:t>
+            </a:r>
+            <a:r>
+              <a:rPr lang="ru-RU" u="sng" dirty="0" smtClean="0">
+                <a:solidFill>
+                  <a:schemeClr val="bg1"/>
+                </a:solidFill>
+              </a:rPr>
+              <a:t>oz.by/books/more1028671.html</a:t>
+            </a:r>
+            <a:r>
+              <a:rPr lang="ru-RU" dirty="0">
+                <a:solidFill>
+                  <a:schemeClr val="bg1"/>
+                </a:solidFill>
+              </a:rPr>
+              <a:t/>
+            </a:r>
+            <a:br>
+              <a:rPr lang="ru-RU" dirty="0">
+                <a:solidFill>
+                  <a:schemeClr val="bg1"/>
+                </a:solidFill>
+              </a:rPr>
+            </a:br>
+            <a:r>
+              <a:rPr lang="ru-RU" u="sng" dirty="0">
+                <a:solidFill>
+                  <a:schemeClr val="bg1"/>
+                </a:solidFill>
+                <a:hlinkClick r:id="rId3"/>
+              </a:rPr>
+              <a:t>http</a:t>
+            </a:r>
+            <a:r>
+              <a:rPr lang="ru-RU" u="sng">
+                <a:solidFill>
+                  <a:schemeClr val="bg1"/>
+                </a:solidFill>
+                <a:hlinkClick r:id="rId3"/>
+              </a:rPr>
+              <a:t>://</a:t>
+            </a:r>
+            <a:r>
+              <a:rPr lang="ru-RU" u="sng" smtClean="0">
+                <a:solidFill>
+                  <a:schemeClr val="bg1"/>
+                </a:solidFill>
+                <a:hlinkClick r:id="rId3"/>
+              </a:rPr>
+              <a:t>www.microsoft.com/learning/en/us/book.aspx?ID=13874&amp;Locale=en-us</a:t>
+            </a:r>
+            <a:r>
+              <a:rPr lang="ru-RU" u="sng" dirty="0" smtClean="0">
+                <a:solidFill>
+                  <a:schemeClr val="bg1"/>
+                </a:solidFill>
+              </a:rPr>
+              <a:t/>
+            </a:r>
+            <a:br>
+              <a:rPr lang="ru-RU" u="sng" dirty="0" smtClean="0">
+                <a:solidFill>
+                  <a:schemeClr val="bg1"/>
+                </a:solidFill>
+              </a:rPr>
+            </a:br>
+            <a:endParaRPr lang="ru-RU" u="sng" dirty="0" smtClean="0">
+              <a:solidFill>
+                <a:schemeClr val="bg1"/>
+              </a:solidFill>
+            </a:endParaRPr>
+          </a:p>
+          <a:p>
+            <a:pPr marL="285750" lvl="0" indent="-285750">
+              <a:buFont typeface="Arial" pitchFamily="34" charset="0"/>
+              <a:buChar char="•"/>
+            </a:pPr>
+            <a:r>
+              <a:rPr lang="ru-RU" dirty="0" smtClean="0">
+                <a:solidFill>
+                  <a:schemeClr val="bg1"/>
+                </a:solidFill>
+              </a:rPr>
+              <a:t>Язык </a:t>
+            </a:r>
+            <a:r>
+              <a:rPr lang="ru-RU" dirty="0">
+                <a:solidFill>
+                  <a:schemeClr val="bg1"/>
+                </a:solidFill>
+              </a:rPr>
+              <a:t>программирования C# 2010 и платформа .NET </a:t>
+            </a:r>
+            <a:r>
+              <a:rPr lang="ru-RU" dirty="0" smtClean="0">
+                <a:solidFill>
+                  <a:schemeClr val="bg1"/>
+                </a:solidFill>
+              </a:rPr>
+              <a:t>4.0</a:t>
+            </a:r>
+            <a:br>
+              <a:rPr lang="ru-RU" dirty="0" smtClean="0">
+                <a:solidFill>
+                  <a:schemeClr val="bg1"/>
+                </a:solidFill>
+              </a:rPr>
+            </a:br>
+            <a:r>
+              <a:rPr lang="ru-RU" dirty="0" smtClean="0">
+                <a:solidFill>
+                  <a:schemeClr val="bg1"/>
+                </a:solidFill>
+              </a:rPr>
+              <a:t>Эндрю </a:t>
+            </a:r>
+            <a:r>
+              <a:rPr lang="ru-RU" dirty="0">
+                <a:solidFill>
+                  <a:schemeClr val="bg1"/>
+                </a:solidFill>
+              </a:rPr>
+              <a:t>Троелсен (Andrew </a:t>
+            </a:r>
+            <a:r>
+              <a:rPr lang="ru-RU" dirty="0" smtClean="0">
+                <a:solidFill>
+                  <a:schemeClr val="bg1"/>
+                </a:solidFill>
+              </a:rPr>
+              <a:t>Troelsen)</a:t>
+            </a:r>
+            <a:br>
+              <a:rPr lang="ru-RU" dirty="0" smtClean="0">
+                <a:solidFill>
+                  <a:schemeClr val="bg1"/>
+                </a:solidFill>
+              </a:rPr>
+            </a:br>
+            <a:r>
+              <a:rPr lang="ru-RU" u="sng" dirty="0" smtClean="0">
+                <a:solidFill>
+                  <a:schemeClr val="bg1"/>
+                </a:solidFill>
+              </a:rPr>
+              <a:t>http</a:t>
+            </a:r>
+            <a:r>
+              <a:rPr lang="ru-RU" u="sng" dirty="0">
+                <a:solidFill>
+                  <a:schemeClr val="bg1"/>
+                </a:solidFill>
+              </a:rPr>
+              <a:t>://oz.by/books/more10158206.html</a:t>
+            </a:r>
+            <a:r>
+              <a:rPr lang="ru-RU" dirty="0">
+                <a:solidFill>
+                  <a:schemeClr val="bg1"/>
+                </a:solidFill>
+              </a:rPr>
+              <a:t/>
+            </a:r>
+            <a:br>
+              <a:rPr lang="ru-RU" dirty="0">
+                <a:solidFill>
+                  <a:schemeClr val="bg1"/>
+                </a:solidFill>
+              </a:rPr>
+            </a:br>
+            <a:r>
+              <a:rPr lang="ru-RU" u="sng" dirty="0">
+                <a:solidFill>
+                  <a:schemeClr val="bg1"/>
+                </a:solidFill>
+              </a:rPr>
+              <a:t>http://</a:t>
+            </a:r>
+            <a:r>
+              <a:rPr lang="ru-RU" u="sng" dirty="0" smtClean="0">
+                <a:solidFill>
+                  <a:schemeClr val="bg1"/>
+                </a:solidFill>
+              </a:rPr>
+              <a:t>www.apress.com/9781430225492</a:t>
+            </a:r>
+            <a:br>
+              <a:rPr lang="ru-RU" u="sng" dirty="0" smtClean="0">
+                <a:solidFill>
+                  <a:schemeClr val="bg1"/>
+                </a:solidFill>
+              </a:rPr>
+            </a:br>
+            <a:endParaRPr lang="ru-RU" u="sng" dirty="0" smtClean="0">
+              <a:solidFill>
+                <a:schemeClr val="bg1"/>
+              </a:solidFill>
+            </a:endParaRPr>
+          </a:p>
+          <a:p>
+            <a:pPr marL="285750" lvl="0" indent="-285750">
+              <a:buFont typeface="Arial" pitchFamily="34" charset="0"/>
+              <a:buChar char="•"/>
+            </a:pPr>
+            <a:r>
+              <a:rPr lang="en-US" dirty="0" smtClean="0">
+                <a:solidFill>
+                  <a:schemeClr val="bg1"/>
+                </a:solidFill>
+              </a:rPr>
+              <a:t>C</a:t>
+            </a:r>
+            <a:r>
+              <a:rPr lang="en-US" dirty="0">
+                <a:solidFill>
+                  <a:schemeClr val="bg1"/>
+                </a:solidFill>
+              </a:rPr>
+              <a:t># Language </a:t>
+            </a:r>
+            <a:r>
+              <a:rPr lang="en-US" dirty="0" smtClean="0">
+                <a:solidFill>
+                  <a:schemeClr val="bg1"/>
+                </a:solidFill>
+              </a:rPr>
+              <a:t>Specification</a:t>
+            </a:r>
+            <a:r>
+              <a:rPr lang="ru-RU" dirty="0" smtClean="0">
+                <a:solidFill>
+                  <a:schemeClr val="bg1"/>
+                </a:solidFill>
+              </a:rPr>
+              <a:t/>
+            </a:r>
+            <a:br>
+              <a:rPr lang="ru-RU" dirty="0" smtClean="0">
+                <a:solidFill>
+                  <a:schemeClr val="bg1"/>
+                </a:solidFill>
+              </a:rPr>
+            </a:br>
+            <a:r>
+              <a:rPr lang="en-US" dirty="0" smtClean="0">
+                <a:solidFill>
+                  <a:schemeClr val="bg1"/>
+                </a:solidFill>
+              </a:rPr>
+              <a:t>"C</a:t>
+            </a:r>
+            <a:r>
+              <a:rPr lang="en-US" dirty="0">
+                <a:solidFill>
+                  <a:schemeClr val="bg1"/>
+                </a:solidFill>
+              </a:rPr>
+              <a:t>:\Program Files (x86)\Microsoft Visual Studio 11.0\VC#\Specifications\1033\ </a:t>
+            </a:r>
+            <a:r>
+              <a:rPr lang="en-US" dirty="0" err="1">
+                <a:solidFill>
+                  <a:schemeClr val="bg1"/>
+                </a:solidFill>
+              </a:rPr>
+              <a:t>CSharp</a:t>
+            </a:r>
+            <a:r>
+              <a:rPr lang="en-US" dirty="0">
+                <a:solidFill>
+                  <a:schemeClr val="bg1"/>
+                </a:solidFill>
+              </a:rPr>
+              <a:t> Language Specification.doc </a:t>
+            </a:r>
+            <a:r>
+              <a:rPr lang="en-US" dirty="0" smtClean="0">
+                <a:solidFill>
+                  <a:schemeClr val="bg1"/>
+                </a:solidFill>
+              </a:rPr>
+              <a:t>"</a:t>
+            </a:r>
+            <a:endParaRPr lang="en-US" dirty="0">
+              <a:solidFill>
+                <a:schemeClr val="bg1"/>
+              </a:solidFill>
+            </a:endParaRPr>
+          </a:p>
+        </p:txBody>
+      </p:sp>
+    </p:spTree>
+    <p:extLst>
+      <p:ext uri="{BB962C8B-B14F-4D97-AF65-F5344CB8AC3E}">
+        <p14:creationId xmlns:p14="http://schemas.microsoft.com/office/powerpoint/2010/main" val="3145694776"/>
+      </p:ext>
+    </p:extLst>
+  </p:cSld>
+  <p:clrMapOvr>
+    <a:masterClrMapping/>
+  </p:clrMapOvr>
+  <p:timing>
+    <p:tnLst>
+      <p:par>
+        <p:cTn id="1" dur="indefinite" restart="never" nodeType="tmRoot"/>
+      </p:par>
+    </p:tnLst>
+  </p:timing>
+</p:sld>
+</file>
+
+<file path=ppt/slides/slide20.xml><?xml version="1.0" encoding="utf-8"?>
 <p:sld xmlns:a="http://schemas.openxmlformats.org/drawingml/2006/main" xmlns:r="http://schemas.openxmlformats.org/officeDocument/2006/relationships" xmlns:p="http://schemas.openxmlformats.org/presentationml/2006/main">
   <p:cSld>
     <p:bg>
@@ -15818,438 +17076,7 @@
 </p:sld>
 </file>
 
-<file path=ppt/slides/slide2.xml><?xml version="1.0" encoding="utf-8"?>
-<p:sld xmlns:a="http://schemas.openxmlformats.org/drawingml/2006/main" xmlns:r="http://schemas.openxmlformats.org/officeDocument/2006/relationships" xmlns:p="http://schemas.openxmlformats.org/presentationml/2006/main">
-  <p:cSld>
-    <p:bg>
-      <p:bgPr>
-        <a:blipFill dpi="0" rotWithShape="1">
-          <a:blip r:embed="rId2">
-            <a:lum/>
-          </a:blip>
-          <a:srcRect/>
-          <a:stretch>
-            <a:fillRect/>
-          </a:stretch>
-        </a:blipFill>
-        <a:effectLst/>
-      </p:bgPr>
-    </p:bg>
-    <p:spTree>
-      <p:nvGrpSpPr>
-        <p:cNvPr id="1" name=""/>
-        <p:cNvGrpSpPr/>
-        <p:nvPr/>
-      </p:nvGrpSpPr>
-      <p:grpSpPr>
-        <a:xfrm>
-          <a:off x="0" y="0"/>
-          <a:ext cx="0" cy="0"/>
-          <a:chOff x="0" y="0"/>
-          <a:chExt cx="0" cy="0"/>
-        </a:xfrm>
-      </p:grpSpPr>
-      <p:sp>
-        <p:nvSpPr>
-          <p:cNvPr id="3" name="Rectangle 2"/>
-          <p:cNvSpPr/>
-          <p:nvPr/>
-        </p:nvSpPr>
-        <p:spPr>
-          <a:xfrm>
-            <a:off x="251520" y="188640"/>
-            <a:ext cx="8640960" cy="4739759"/>
-          </a:xfrm>
-          <a:prstGeom prst="rect">
-            <a:avLst/>
-          </a:prstGeom>
-        </p:spPr>
-        <p:txBody>
-          <a:bodyPr wrap="square">
-            <a:spAutoFit/>
-          </a:bodyPr>
-          <a:lstStyle/>
-          <a:p>
-            <a:pPr lvl="0"/>
-            <a:r>
-              <a:rPr lang="ru-RU" sz="3200" dirty="0" smtClean="0">
-                <a:solidFill>
-                  <a:schemeClr val="bg1"/>
-                </a:solidFill>
-              </a:rPr>
-              <a:t>Литература</a:t>
-            </a:r>
-          </a:p>
-          <a:p>
-            <a:pPr lvl="0"/>
-            <a:endParaRPr lang="en-US" dirty="0" smtClean="0">
-              <a:solidFill>
-                <a:schemeClr val="bg1"/>
-              </a:solidFill>
-            </a:endParaRPr>
-          </a:p>
-          <a:p>
-            <a:pPr marL="285750" lvl="0" indent="-285750">
-              <a:buFont typeface="Arial" pitchFamily="34" charset="0"/>
-              <a:buChar char="•"/>
-            </a:pPr>
-            <a:r>
-              <a:rPr lang="ru-RU" dirty="0" smtClean="0">
-                <a:solidFill>
-                  <a:schemeClr val="bg1"/>
-                </a:solidFill>
-              </a:rPr>
-              <a:t>CLR </a:t>
-            </a:r>
-            <a:r>
-              <a:rPr lang="ru-RU" dirty="0">
-                <a:solidFill>
-                  <a:schemeClr val="bg1"/>
-                </a:solidFill>
-              </a:rPr>
-              <a:t>via C#. Программирование на платформе Microsoft .NET Framework 4.0 на языке C# (CLR via C#, Third Edition)</a:t>
-            </a:r>
-            <a:br>
-              <a:rPr lang="ru-RU" dirty="0">
-                <a:solidFill>
-                  <a:schemeClr val="bg1"/>
-                </a:solidFill>
-              </a:rPr>
-            </a:br>
-            <a:r>
-              <a:rPr lang="ru-RU" dirty="0">
-                <a:solidFill>
-                  <a:schemeClr val="bg1"/>
-                </a:solidFill>
-              </a:rPr>
-              <a:t>Джеффри Рихтер (Jeffrey Richter)</a:t>
-            </a:r>
-            <a:br>
-              <a:rPr lang="ru-RU" dirty="0">
-                <a:solidFill>
-                  <a:schemeClr val="bg1"/>
-                </a:solidFill>
-              </a:rPr>
-            </a:br>
-            <a:r>
-              <a:rPr lang="ru-RU" u="sng" dirty="0">
-                <a:solidFill>
-                  <a:schemeClr val="bg1"/>
-                </a:solidFill>
-              </a:rPr>
-              <a:t>http://</a:t>
-            </a:r>
-            <a:r>
-              <a:rPr lang="ru-RU" u="sng" dirty="0" smtClean="0">
-                <a:solidFill>
-                  <a:schemeClr val="bg1"/>
-                </a:solidFill>
-              </a:rPr>
-              <a:t>oz.by/books/more1028671.html</a:t>
-            </a:r>
-            <a:r>
-              <a:rPr lang="ru-RU" dirty="0">
-                <a:solidFill>
-                  <a:schemeClr val="bg1"/>
-                </a:solidFill>
-              </a:rPr>
-              <a:t/>
-            </a:r>
-            <a:br>
-              <a:rPr lang="ru-RU" dirty="0">
-                <a:solidFill>
-                  <a:schemeClr val="bg1"/>
-                </a:solidFill>
-              </a:rPr>
-            </a:br>
-            <a:r>
-              <a:rPr lang="ru-RU" u="sng" dirty="0">
-                <a:solidFill>
-                  <a:schemeClr val="bg1"/>
-                </a:solidFill>
-                <a:hlinkClick r:id="rId3"/>
-              </a:rPr>
-              <a:t>http</a:t>
-            </a:r>
-            <a:r>
-              <a:rPr lang="ru-RU" u="sng">
-                <a:solidFill>
-                  <a:schemeClr val="bg1"/>
-                </a:solidFill>
-                <a:hlinkClick r:id="rId3"/>
-              </a:rPr>
-              <a:t>://</a:t>
-            </a:r>
-            <a:r>
-              <a:rPr lang="ru-RU" u="sng" smtClean="0">
-                <a:solidFill>
-                  <a:schemeClr val="bg1"/>
-                </a:solidFill>
-                <a:hlinkClick r:id="rId3"/>
-              </a:rPr>
-              <a:t>www.microsoft.com/learning/en/us/book.aspx?ID=13874&amp;Locale=en-us</a:t>
-            </a:r>
-            <a:r>
-              <a:rPr lang="ru-RU" u="sng" dirty="0" smtClean="0">
-                <a:solidFill>
-                  <a:schemeClr val="bg1"/>
-                </a:solidFill>
-              </a:rPr>
-              <a:t/>
-            </a:r>
-            <a:br>
-              <a:rPr lang="ru-RU" u="sng" dirty="0" smtClean="0">
-                <a:solidFill>
-                  <a:schemeClr val="bg1"/>
-                </a:solidFill>
-              </a:rPr>
-            </a:br>
-            <a:endParaRPr lang="ru-RU" u="sng" dirty="0" smtClean="0">
-              <a:solidFill>
-                <a:schemeClr val="bg1"/>
-              </a:solidFill>
-            </a:endParaRPr>
-          </a:p>
-          <a:p>
-            <a:pPr marL="285750" lvl="0" indent="-285750">
-              <a:buFont typeface="Arial" pitchFamily="34" charset="0"/>
-              <a:buChar char="•"/>
-            </a:pPr>
-            <a:r>
-              <a:rPr lang="ru-RU" dirty="0" smtClean="0">
-                <a:solidFill>
-                  <a:schemeClr val="bg1"/>
-                </a:solidFill>
-              </a:rPr>
-              <a:t>Язык </a:t>
-            </a:r>
-            <a:r>
-              <a:rPr lang="ru-RU" dirty="0">
-                <a:solidFill>
-                  <a:schemeClr val="bg1"/>
-                </a:solidFill>
-              </a:rPr>
-              <a:t>программирования C# 2010 и платформа .NET </a:t>
-            </a:r>
-            <a:r>
-              <a:rPr lang="ru-RU" dirty="0" smtClean="0">
-                <a:solidFill>
-                  <a:schemeClr val="bg1"/>
-                </a:solidFill>
-              </a:rPr>
-              <a:t>4.0</a:t>
-            </a:r>
-            <a:br>
-              <a:rPr lang="ru-RU" dirty="0" smtClean="0">
-                <a:solidFill>
-                  <a:schemeClr val="bg1"/>
-                </a:solidFill>
-              </a:rPr>
-            </a:br>
-            <a:r>
-              <a:rPr lang="ru-RU" dirty="0" smtClean="0">
-                <a:solidFill>
-                  <a:schemeClr val="bg1"/>
-                </a:solidFill>
-              </a:rPr>
-              <a:t>Эндрю </a:t>
-            </a:r>
-            <a:r>
-              <a:rPr lang="ru-RU" dirty="0">
-                <a:solidFill>
-                  <a:schemeClr val="bg1"/>
-                </a:solidFill>
-              </a:rPr>
-              <a:t>Троелсен (Andrew </a:t>
-            </a:r>
-            <a:r>
-              <a:rPr lang="ru-RU" dirty="0" smtClean="0">
-                <a:solidFill>
-                  <a:schemeClr val="bg1"/>
-                </a:solidFill>
-              </a:rPr>
-              <a:t>Troelsen)</a:t>
-            </a:r>
-            <a:br>
-              <a:rPr lang="ru-RU" dirty="0" smtClean="0">
-                <a:solidFill>
-                  <a:schemeClr val="bg1"/>
-                </a:solidFill>
-              </a:rPr>
-            </a:br>
-            <a:r>
-              <a:rPr lang="ru-RU" u="sng" dirty="0" smtClean="0">
-                <a:solidFill>
-                  <a:schemeClr val="bg1"/>
-                </a:solidFill>
-              </a:rPr>
-              <a:t>http</a:t>
-            </a:r>
-            <a:r>
-              <a:rPr lang="ru-RU" u="sng" dirty="0">
-                <a:solidFill>
-                  <a:schemeClr val="bg1"/>
-                </a:solidFill>
-              </a:rPr>
-              <a:t>://oz.by/books/more10158206.html</a:t>
-            </a:r>
-            <a:r>
-              <a:rPr lang="ru-RU" dirty="0">
-                <a:solidFill>
-                  <a:schemeClr val="bg1"/>
-                </a:solidFill>
-              </a:rPr>
-              <a:t/>
-            </a:r>
-            <a:br>
-              <a:rPr lang="ru-RU" dirty="0">
-                <a:solidFill>
-                  <a:schemeClr val="bg1"/>
-                </a:solidFill>
-              </a:rPr>
-            </a:br>
-            <a:r>
-              <a:rPr lang="ru-RU" u="sng" dirty="0">
-                <a:solidFill>
-                  <a:schemeClr val="bg1"/>
-                </a:solidFill>
-              </a:rPr>
-              <a:t>http://</a:t>
-            </a:r>
-            <a:r>
-              <a:rPr lang="ru-RU" u="sng" dirty="0" smtClean="0">
-                <a:solidFill>
-                  <a:schemeClr val="bg1"/>
-                </a:solidFill>
-              </a:rPr>
-              <a:t>www.apress.com/9781430225492</a:t>
-            </a:r>
-            <a:br>
-              <a:rPr lang="ru-RU" u="sng" dirty="0" smtClean="0">
-                <a:solidFill>
-                  <a:schemeClr val="bg1"/>
-                </a:solidFill>
-              </a:rPr>
-            </a:br>
-            <a:endParaRPr lang="ru-RU" u="sng" dirty="0" smtClean="0">
-              <a:solidFill>
-                <a:schemeClr val="bg1"/>
-              </a:solidFill>
-            </a:endParaRPr>
-          </a:p>
-          <a:p>
-            <a:pPr marL="285750" lvl="0" indent="-285750">
-              <a:buFont typeface="Arial" pitchFamily="34" charset="0"/>
-              <a:buChar char="•"/>
-            </a:pPr>
-            <a:r>
-              <a:rPr lang="en-US" dirty="0" smtClean="0">
-                <a:solidFill>
-                  <a:schemeClr val="bg1"/>
-                </a:solidFill>
-              </a:rPr>
-              <a:t>C</a:t>
-            </a:r>
-            <a:r>
-              <a:rPr lang="en-US" dirty="0">
-                <a:solidFill>
-                  <a:schemeClr val="bg1"/>
-                </a:solidFill>
-              </a:rPr>
-              <a:t># Language </a:t>
-            </a:r>
-            <a:r>
-              <a:rPr lang="en-US" dirty="0" smtClean="0">
-                <a:solidFill>
-                  <a:schemeClr val="bg1"/>
-                </a:solidFill>
-              </a:rPr>
-              <a:t>Specification</a:t>
-            </a:r>
-            <a:r>
-              <a:rPr lang="ru-RU" dirty="0" smtClean="0">
-                <a:solidFill>
-                  <a:schemeClr val="bg1"/>
-                </a:solidFill>
-              </a:rPr>
-              <a:t/>
-            </a:r>
-            <a:br>
-              <a:rPr lang="ru-RU" dirty="0" smtClean="0">
-                <a:solidFill>
-                  <a:schemeClr val="bg1"/>
-                </a:solidFill>
-              </a:rPr>
-            </a:br>
-            <a:r>
-              <a:rPr lang="en-US" dirty="0" smtClean="0">
-                <a:solidFill>
-                  <a:schemeClr val="bg1"/>
-                </a:solidFill>
-              </a:rPr>
-              <a:t>"C</a:t>
-            </a:r>
-            <a:r>
-              <a:rPr lang="en-US" dirty="0">
-                <a:solidFill>
-                  <a:schemeClr val="bg1"/>
-                </a:solidFill>
-              </a:rPr>
-              <a:t>:\Program Files (x86)\Microsoft Visual Studio 11.0\VC#\Specifications\1033\ </a:t>
-            </a:r>
-            <a:r>
-              <a:rPr lang="en-US" dirty="0" err="1">
-                <a:solidFill>
-                  <a:schemeClr val="bg1"/>
-                </a:solidFill>
-              </a:rPr>
-              <a:t>CSharp</a:t>
-            </a:r>
-            <a:r>
-              <a:rPr lang="en-US" dirty="0">
-                <a:solidFill>
-                  <a:schemeClr val="bg1"/>
-                </a:solidFill>
-              </a:rPr>
-              <a:t> Language Specification.doc </a:t>
-            </a:r>
-            <a:r>
-              <a:rPr lang="en-US" dirty="0" smtClean="0">
-                <a:solidFill>
-                  <a:schemeClr val="bg1"/>
-                </a:solidFill>
-              </a:rPr>
-              <a:t>"</a:t>
-            </a:r>
-            <a:endParaRPr lang="en-US" dirty="0">
-              <a:solidFill>
-                <a:schemeClr val="bg1"/>
-              </a:solidFill>
-            </a:endParaRPr>
-          </a:p>
-        </p:txBody>
-      </p:sp>
-    </p:spTree>
-    <p:extLst>
-      <p:ext uri="{BB962C8B-B14F-4D97-AF65-F5344CB8AC3E}">
-        <p14:creationId xmlns:p14="http://schemas.microsoft.com/office/powerpoint/2010/main" val="3145694776"/>
-      </p:ext>
-    </p:extLst>
-  </p:cSld>
-  <p:clrMapOvr>
-    <a:masterClrMapping/>
-  </p:clrMapOvr>
-  <p:timing>
-    <p:tnLst>
-      <p:par>
-        <p:cTn id="1" dur="indefinite" restart="never" nodeType="tmRoot"/>
-      </p:par>
-    </p:tnLst>
-  </p:timing>
-</p:sld>
-</file>
-
-<file path=ppt/slides/slide20.xml><?xml version="1.0" encoding="utf-8"?>
+<file path=ppt/slides/slide21.xml><?xml version="1.0" encoding="utf-8"?>
 <p:sld xmlns:a="http://schemas.openxmlformats.org/drawingml/2006/main" xmlns:r="http://schemas.openxmlformats.org/officeDocument/2006/relationships" xmlns:p="http://schemas.openxmlformats.org/presentationml/2006/main">
   <p:cSld>
     <p:bg>
@@ -17219,7 +18046,7 @@
 </p:sld>
 </file>
 
-<file path=ppt/slides/slide21.xml><?xml version="1.0" encoding="utf-8"?>
+<file path=ppt/slides/slide22.xml><?xml version="1.0" encoding="utf-8"?>
 <p:sld xmlns:a="http://schemas.openxmlformats.org/drawingml/2006/main" xmlns:r="http://schemas.openxmlformats.org/officeDocument/2006/relationships" xmlns:p="http://schemas.openxmlformats.org/presentationml/2006/main">
   <p:cSld>
     <p:bg>
@@ -18326,7 +19153,7 @@
 </p:sld>
 </file>
 
-<file path=ppt/slides/slide22.xml><?xml version="1.0" encoding="utf-8"?>
+<file path=ppt/slides/slide23.xml><?xml version="1.0" encoding="utf-8"?>
 <p:sld xmlns:a="http://schemas.openxmlformats.org/drawingml/2006/main" xmlns:r="http://schemas.openxmlformats.org/officeDocument/2006/relationships" xmlns:p="http://schemas.openxmlformats.org/presentationml/2006/main">
   <p:cSld>
     <p:bg>
@@ -20737,7 +21564,7 @@
 </p:sld>
 </file>
 
-<file path=ppt/slides/slide23.xml><?xml version="1.0" encoding="utf-8"?>
+<file path=ppt/slides/slide24.xml><?xml version="1.0" encoding="utf-8"?>
 <p:sld xmlns:a="http://schemas.openxmlformats.org/drawingml/2006/main" xmlns:r="http://schemas.openxmlformats.org/officeDocument/2006/relationships" xmlns:p="http://schemas.openxmlformats.org/presentationml/2006/main">
   <p:cSld>
     <p:bg>
@@ -21738,7 +22565,7 @@
 </p:sld>
 </file>
 
-<file path=ppt/slides/slide24.xml><?xml version="1.0" encoding="utf-8"?>
+<file path=ppt/slides/slide25.xml><?xml version="1.0" encoding="utf-8"?>
 <p:sld xmlns:a="http://schemas.openxmlformats.org/drawingml/2006/main" xmlns:r="http://schemas.openxmlformats.org/officeDocument/2006/relationships" xmlns:p="http://schemas.openxmlformats.org/presentationml/2006/main">
   <p:cSld>
     <p:bg>
@@ -22007,7 +22834,7 @@
 </p:sld>
 </file>
 
-<file path=ppt/slides/slide25.xml><?xml version="1.0" encoding="utf-8"?>
+<file path=ppt/slides/slide26.xml><?xml version="1.0" encoding="utf-8"?>
 <p:sld xmlns:a="http://schemas.openxmlformats.org/drawingml/2006/main" xmlns:r="http://schemas.openxmlformats.org/officeDocument/2006/relationships" xmlns:p="http://schemas.openxmlformats.org/presentationml/2006/main">
   <p:cSld>
     <p:bg>
@@ -23239,7 +24066,7 @@
 </p:sld>
 </file>
 
-<file path=ppt/slides/slide26.xml><?xml version="1.0" encoding="utf-8"?>
+<file path=ppt/slides/slide27.xml><?xml version="1.0" encoding="utf-8"?>
 <p:sld xmlns:a="http://schemas.openxmlformats.org/drawingml/2006/main" xmlns:r="http://schemas.openxmlformats.org/officeDocument/2006/relationships" xmlns:p="http://schemas.openxmlformats.org/presentationml/2006/main">
   <p:cSld>
     <p:bg>
@@ -24441,7 +25268,7 @@
 </p:sld>
 </file>
 
-<file path=ppt/slides/slide27.xml><?xml version="1.0" encoding="utf-8"?>
+<file path=ppt/slides/slide28.xml><?xml version="1.0" encoding="utf-8"?>
 <p:sld xmlns:a="http://schemas.openxmlformats.org/drawingml/2006/main" xmlns:r="http://schemas.openxmlformats.org/officeDocument/2006/relationships" xmlns:p="http://schemas.openxmlformats.org/presentationml/2006/main">
   <p:cSld>
     <p:bg>
@@ -25507,7 +26334,7 @@
 </p:sld>
 </file>
 
-<file path=ppt/slides/slide28.xml><?xml version="1.0" encoding="utf-8"?>
+<file path=ppt/slides/slide29.xml><?xml version="1.0" encoding="utf-8"?>
 <p:sld xmlns:a="http://schemas.openxmlformats.org/drawingml/2006/main" xmlns:r="http://schemas.openxmlformats.org/officeDocument/2006/relationships" xmlns:p="http://schemas.openxmlformats.org/presentationml/2006/main">
   <p:cSld>
     <p:bg>
@@ -26494,8 +27321,8 @@
         </p:nvSpPr>
         <p:spPr>
           <a:xfrm>
-            <a:off x="251520" y="188640"/>
-            <a:ext cx="8640960" cy="4185761"/>
+            <a:off x="251520" y="3136613"/>
+            <a:ext cx="8640960" cy="584775"/>
           </a:xfrm>
           <a:prstGeom prst="rect">
             <a:avLst/>
@@ -26507,322 +27334,16 @@
           </a:bodyPr>
           <a:lstStyle/>
           <a:p>
-            <a:pPr lvl="0"/>
-            <a:r>
-              <a:rPr lang="en-US" sz="3200" dirty="0" smtClean="0">
-                <a:solidFill>
-                  <a:schemeClr val="bg1"/>
-                </a:solidFill>
-              </a:rPr>
-              <a:t>Visual Studio</a:t>
-            </a:r>
-            <a:endParaRPr lang="ru-RU" sz="3200" dirty="0" smtClean="0">
-              <a:solidFill>
-                <a:schemeClr val="bg1"/>
-              </a:solidFill>
-            </a:endParaRPr>
-          </a:p>
-          <a:p>
-            <a:pPr lvl="0"/>
-            <a:endParaRPr lang="ru-RU" dirty="0" smtClean="0">
-              <a:solidFill>
-                <a:schemeClr val="bg1"/>
-              </a:solidFill>
-            </a:endParaRPr>
-          </a:p>
-          <a:p>
-            <a:r>
-              <a:rPr lang="en-US" dirty="0" smtClean="0">
-                <a:solidFill>
-                  <a:schemeClr val="bg1"/>
-                </a:solidFill>
-              </a:rPr>
-              <a:t>IDE – Integrated Development Environment</a:t>
-            </a:r>
-            <a:endParaRPr lang="ru-RU" dirty="0" smtClean="0">
-              <a:solidFill>
-                <a:schemeClr val="bg1"/>
-              </a:solidFill>
-            </a:endParaRPr>
-          </a:p>
-          <a:p>
-            <a:endParaRPr lang="ru-RU" dirty="0">
-              <a:solidFill>
-                <a:schemeClr val="bg1"/>
-              </a:solidFill>
-            </a:endParaRPr>
-          </a:p>
-          <a:p>
-            <a:r>
-              <a:rPr lang="en-US" dirty="0" smtClean="0">
-                <a:solidFill>
-                  <a:schemeClr val="bg1"/>
-                </a:solidFill>
-              </a:rPr>
-              <a:t>Visual Studio 2010, </a:t>
-            </a:r>
-            <a:r>
-              <a:rPr lang="ru-RU" dirty="0" smtClean="0">
-                <a:solidFill>
-                  <a:schemeClr val="bg1"/>
-                </a:solidFill>
-              </a:rPr>
-              <a:t>скоро </a:t>
-            </a:r>
-            <a:r>
-              <a:rPr lang="ru-RU" dirty="0">
-                <a:solidFill>
-                  <a:schemeClr val="bg1"/>
-                </a:solidFill>
-              </a:rPr>
-              <a:t>выйдет</a:t>
-            </a:r>
-            <a:r>
-              <a:rPr lang="en-US" dirty="0">
-                <a:solidFill>
-                  <a:schemeClr val="bg1"/>
-                </a:solidFill>
-              </a:rPr>
-              <a:t> 2012</a:t>
-            </a:r>
-            <a:br>
-              <a:rPr lang="en-US" dirty="0">
-                <a:solidFill>
-                  <a:schemeClr val="bg1"/>
-                </a:solidFill>
-              </a:rPr>
-            </a:br>
-            <a:r>
-              <a:rPr lang="en-US" u="sng" dirty="0">
-                <a:solidFill>
-                  <a:schemeClr val="bg1"/>
-                </a:solidFill>
-              </a:rPr>
-              <a:t>http://</a:t>
-            </a:r>
-            <a:r>
-              <a:rPr lang="en-US" u="sng" dirty="0" smtClean="0">
-                <a:solidFill>
-                  <a:schemeClr val="bg1"/>
-                </a:solidFill>
-              </a:rPr>
-              <a:t>www.microsoft.com/visualstudio/ru-ru/products/2010-editions/express</a:t>
-            </a:r>
-          </a:p>
-          <a:p>
-            <a:endParaRPr lang="en-US" dirty="0" smtClean="0">
-              <a:solidFill>
-                <a:schemeClr val="bg1"/>
-              </a:solidFill>
-            </a:endParaRPr>
-          </a:p>
-          <a:p>
-            <a:r>
-              <a:rPr lang="ru-RU" dirty="0" smtClean="0">
-                <a:solidFill>
-                  <a:schemeClr val="bg1"/>
-                </a:solidFill>
-              </a:rPr>
-              <a:t>Редакции</a:t>
-            </a:r>
-            <a:r>
-              <a:rPr lang="en-US" dirty="0" smtClean="0">
-                <a:solidFill>
-                  <a:schemeClr val="bg1"/>
-                </a:solidFill>
-              </a:rPr>
-              <a:t>: Express </a:t>
-            </a:r>
-            <a:r>
-              <a:rPr lang="ru-RU" dirty="0">
-                <a:solidFill>
-                  <a:schemeClr val="bg1"/>
-                </a:solidFill>
-              </a:rPr>
-              <a:t>(бесплатная</a:t>
-            </a:r>
-            <a:r>
-              <a:rPr lang="en-US" dirty="0" smtClean="0">
-                <a:solidFill>
-                  <a:schemeClr val="bg1"/>
-                </a:solidFill>
-              </a:rPr>
-              <a:t>), Professional, Premium, Ultimate.</a:t>
-            </a:r>
-            <a:endParaRPr lang="ru-RU" dirty="0">
-              <a:solidFill>
-                <a:schemeClr val="bg1"/>
-              </a:solidFill>
-            </a:endParaRPr>
-          </a:p>
-          <a:p>
-            <a:endParaRPr lang="en-US" dirty="0">
-              <a:solidFill>
-                <a:schemeClr val="bg1"/>
-              </a:solidFill>
-            </a:endParaRPr>
-          </a:p>
-          <a:p>
-            <a:r>
-              <a:rPr lang="ru-RU" dirty="0">
-                <a:solidFill>
-                  <a:schemeClr val="bg1"/>
-                </a:solidFill>
-              </a:rPr>
-              <a:t>Расширения для </a:t>
-            </a:r>
-            <a:r>
-              <a:rPr lang="en-US" dirty="0">
-                <a:solidFill>
-                  <a:schemeClr val="bg1"/>
-                </a:solidFill>
-              </a:rPr>
-              <a:t>V</a:t>
-            </a:r>
-            <a:r>
-              <a:rPr lang="ru-RU" dirty="0">
-                <a:solidFill>
-                  <a:schemeClr val="bg1"/>
-                </a:solidFill>
-              </a:rPr>
-              <a:t>isual </a:t>
-            </a:r>
-            <a:r>
-              <a:rPr lang="en-US" dirty="0">
-                <a:solidFill>
-                  <a:schemeClr val="bg1"/>
-                </a:solidFill>
-              </a:rPr>
-              <a:t>Studio</a:t>
-            </a:r>
-            <a:r>
-              <a:rPr lang="ru-RU" dirty="0">
-                <a:solidFill>
-                  <a:schemeClr val="bg1"/>
-                </a:solidFill>
-              </a:rPr>
-              <a:t/>
-            </a:r>
-            <a:br>
-              <a:rPr lang="ru-RU" dirty="0">
-                <a:solidFill>
-                  <a:schemeClr val="bg1"/>
-                </a:solidFill>
-              </a:rPr>
-            </a:br>
-            <a:r>
-              <a:rPr lang="en-US" u="sng" dirty="0">
-                <a:solidFill>
-                  <a:schemeClr val="bg1"/>
-                </a:solidFill>
-              </a:rPr>
-              <a:t>http</a:t>
-            </a:r>
-            <a:r>
-              <a:rPr lang="ru-RU" u="sng" dirty="0">
-                <a:solidFill>
-                  <a:schemeClr val="bg1"/>
-                </a:solidFill>
-              </a:rPr>
-              <a:t>://</a:t>
-            </a:r>
-            <a:r>
-              <a:rPr lang="en-US" u="sng" dirty="0" err="1">
-                <a:solidFill>
-                  <a:schemeClr val="bg1"/>
-                </a:solidFill>
-              </a:rPr>
-              <a:t>visualstudiogallery</a:t>
-            </a:r>
-            <a:r>
-              <a:rPr lang="ru-RU" u="sng" dirty="0">
-                <a:solidFill>
-                  <a:schemeClr val="bg1"/>
-                </a:solidFill>
-              </a:rPr>
-              <a:t>.</a:t>
-            </a:r>
-            <a:r>
-              <a:rPr lang="en-US" u="sng" dirty="0" err="1">
-                <a:solidFill>
-                  <a:schemeClr val="bg1"/>
-                </a:solidFill>
-              </a:rPr>
-              <a:t>msdn</a:t>
-            </a:r>
-            <a:r>
-              <a:rPr lang="ru-RU" u="sng" dirty="0">
-                <a:solidFill>
-                  <a:schemeClr val="bg1"/>
-                </a:solidFill>
-              </a:rPr>
-              <a:t>.</a:t>
-            </a:r>
-            <a:r>
-              <a:rPr lang="en-US" u="sng" dirty="0" err="1">
-                <a:solidFill>
-                  <a:schemeClr val="bg1"/>
-                </a:solidFill>
-              </a:rPr>
-              <a:t>microsoft</a:t>
-            </a:r>
-            <a:r>
-              <a:rPr lang="ru-RU" u="sng" dirty="0">
-                <a:solidFill>
-                  <a:schemeClr val="bg1"/>
-                </a:solidFill>
-              </a:rPr>
-              <a:t>.</a:t>
-            </a:r>
-            <a:r>
-              <a:rPr lang="en-US" u="sng" dirty="0">
-                <a:solidFill>
-                  <a:schemeClr val="bg1"/>
-                </a:solidFill>
-              </a:rPr>
-              <a:t>com</a:t>
-            </a:r>
-            <a:r>
-              <a:rPr lang="ru-RU" u="sng" dirty="0">
-                <a:solidFill>
-                  <a:schemeClr val="bg1"/>
-                </a:solidFill>
-              </a:rPr>
-              <a:t>/</a:t>
-            </a:r>
-          </a:p>
-          <a:p>
-            <a:endParaRPr lang="en-US" dirty="0">
-              <a:solidFill>
-                <a:schemeClr val="bg1"/>
-              </a:solidFill>
-            </a:endParaRPr>
-          </a:p>
-          <a:p>
-            <a:r>
-              <a:rPr lang="en-US" dirty="0">
-                <a:solidFill>
-                  <a:schemeClr val="bg1"/>
-                </a:solidFill>
-              </a:rPr>
-              <a:t>ReSharper - </a:t>
-            </a:r>
-            <a:r>
-              <a:rPr lang="en-US" u="sng" dirty="0">
-                <a:solidFill>
-                  <a:schemeClr val="bg1"/>
-                </a:solidFill>
-              </a:rPr>
-              <a:t>http://www.jetbrains.com/resharper/</a:t>
-            </a:r>
-            <a:endParaRPr lang="en-US" dirty="0">
-              <a:solidFill>
-                <a:schemeClr val="bg1"/>
-              </a:solidFill>
-            </a:endParaRPr>
-          </a:p>
-          <a:p>
-            <a:endParaRPr lang="en-US" dirty="0" smtClean="0">
+            <a:pPr lvl="0" algn="ctr"/>
+            <a:r>
+              <a:rPr lang="en-US" sz="3200" dirty="0">
+                <a:solidFill>
+                  <a:schemeClr val="bg1"/>
+                </a:solidFill>
+              </a:rPr>
+              <a:t>https://github.com/bazile/Training</a:t>
+            </a:r>
+            <a:endParaRPr lang="en-US" sz="3200" dirty="0" smtClean="0">
               <a:solidFill>
                 <a:schemeClr val="bg1"/>
               </a:solidFill>
@@ -26833,7 +27354,7 @@
     </p:spTree>
     <p:extLst>
       <p:ext uri="{BB962C8B-B14F-4D97-AF65-F5344CB8AC3E}">
-        <p14:creationId xmlns:p14="http://schemas.microsoft.com/office/powerpoint/2010/main" val="2029492004"/>
+        <p14:creationId xmlns:p14="http://schemas.microsoft.com/office/powerpoint/2010/main" val="844996974"/>
       </p:ext>
     </p:extLst>
   </p:cSld>
@@ -26890,7 +27411,7 @@
         <p:spPr>
           <a:xfrm>
             <a:off x="251520" y="188640"/>
-            <a:ext cx="8640960" cy="1138773"/>
+            <a:ext cx="8640960" cy="4185761"/>
           </a:xfrm>
           <a:prstGeom prst="rect">
             <a:avLst/>
@@ -26909,7 +27430,7 @@
                   <a:schemeClr val="bg1"/>
                 </a:solidFill>
               </a:rPr>
-              <a:t>.NET Framework – Managed platform</a:t>
+              <a:t>Visual Studio</a:t>
             </a:r>
             <a:endParaRPr lang="ru-RU" sz="3200" dirty="0" smtClean="0">
               <a:solidFill>
@@ -26926,6 +27447,297 @@
             </a:endParaRPr>
           </a:p>
           <a:p>
+            <a:r>
+              <a:rPr lang="en-US" dirty="0" smtClean="0">
+                <a:solidFill>
+                  <a:schemeClr val="bg1"/>
+                </a:solidFill>
+              </a:rPr>
+              <a:t>IDE – Integrated Development Environment</a:t>
+            </a:r>
+            <a:endParaRPr lang="ru-RU" dirty="0" smtClean="0">
+              <a:solidFill>
+                <a:schemeClr val="bg1"/>
+              </a:solidFill>
+            </a:endParaRPr>
+          </a:p>
+          <a:p>
+            <a:endParaRPr lang="ru-RU" dirty="0">
+              <a:solidFill>
+                <a:schemeClr val="bg1"/>
+              </a:solidFill>
+            </a:endParaRPr>
+          </a:p>
+          <a:p>
+            <a:r>
+              <a:rPr lang="en-US" dirty="0" smtClean="0">
+                <a:solidFill>
+                  <a:schemeClr val="bg1"/>
+                </a:solidFill>
+              </a:rPr>
+              <a:t>Visual Studio 2010, </a:t>
+            </a:r>
+            <a:r>
+              <a:rPr lang="ru-RU" dirty="0" smtClean="0">
+                <a:solidFill>
+                  <a:schemeClr val="bg1"/>
+                </a:solidFill>
+              </a:rPr>
+              <a:t>скоро </a:t>
+            </a:r>
+            <a:r>
+              <a:rPr lang="ru-RU" dirty="0">
+                <a:solidFill>
+                  <a:schemeClr val="bg1"/>
+                </a:solidFill>
+              </a:rPr>
+              <a:t>выйдет</a:t>
+            </a:r>
+            <a:r>
+              <a:rPr lang="en-US" dirty="0">
+                <a:solidFill>
+                  <a:schemeClr val="bg1"/>
+                </a:solidFill>
+              </a:rPr>
+              <a:t> 2012</a:t>
+            </a:r>
+            <a:br>
+              <a:rPr lang="en-US" dirty="0">
+                <a:solidFill>
+                  <a:schemeClr val="bg1"/>
+                </a:solidFill>
+              </a:rPr>
+            </a:br>
+            <a:r>
+              <a:rPr lang="en-US" u="sng" dirty="0">
+                <a:solidFill>
+                  <a:schemeClr val="bg1"/>
+                </a:solidFill>
+              </a:rPr>
+              <a:t>http://</a:t>
+            </a:r>
+            <a:r>
+              <a:rPr lang="en-US" u="sng" dirty="0" smtClean="0">
+                <a:solidFill>
+                  <a:schemeClr val="bg1"/>
+                </a:solidFill>
+              </a:rPr>
+              <a:t>www.microsoft.com/visualstudio/ru-ru/products/2010-editions/express</a:t>
+            </a:r>
+          </a:p>
+          <a:p>
+            <a:endParaRPr lang="en-US" dirty="0" smtClean="0">
+              <a:solidFill>
+                <a:schemeClr val="bg1"/>
+              </a:solidFill>
+            </a:endParaRPr>
+          </a:p>
+          <a:p>
+            <a:r>
+              <a:rPr lang="ru-RU" dirty="0" smtClean="0">
+                <a:solidFill>
+                  <a:schemeClr val="bg1"/>
+                </a:solidFill>
+              </a:rPr>
+              <a:t>Редакции</a:t>
+            </a:r>
+            <a:r>
+              <a:rPr lang="en-US" dirty="0" smtClean="0">
+                <a:solidFill>
+                  <a:schemeClr val="bg1"/>
+                </a:solidFill>
+              </a:rPr>
+              <a:t>: Express </a:t>
+            </a:r>
+            <a:r>
+              <a:rPr lang="ru-RU" dirty="0">
+                <a:solidFill>
+                  <a:schemeClr val="bg1"/>
+                </a:solidFill>
+              </a:rPr>
+              <a:t>(бесплатная</a:t>
+            </a:r>
+            <a:r>
+              <a:rPr lang="en-US" dirty="0" smtClean="0">
+                <a:solidFill>
+                  <a:schemeClr val="bg1"/>
+                </a:solidFill>
+              </a:rPr>
+              <a:t>), Professional, Premium, Ultimate.</a:t>
+            </a:r>
+            <a:endParaRPr lang="ru-RU" dirty="0">
+              <a:solidFill>
+                <a:schemeClr val="bg1"/>
+              </a:solidFill>
+            </a:endParaRPr>
+          </a:p>
+          <a:p>
+            <a:endParaRPr lang="en-US" dirty="0">
+              <a:solidFill>
+                <a:schemeClr val="bg1"/>
+              </a:solidFill>
+            </a:endParaRPr>
+          </a:p>
+          <a:p>
+            <a:r>
+              <a:rPr lang="ru-RU" dirty="0">
+                <a:solidFill>
+                  <a:schemeClr val="bg1"/>
+                </a:solidFill>
+              </a:rPr>
+              <a:t>Расширения для </a:t>
+            </a:r>
+            <a:r>
+              <a:rPr lang="en-US" dirty="0">
+                <a:solidFill>
+                  <a:schemeClr val="bg1"/>
+                </a:solidFill>
+              </a:rPr>
+              <a:t>V</a:t>
+            </a:r>
+            <a:r>
+              <a:rPr lang="ru-RU" dirty="0">
+                <a:solidFill>
+                  <a:schemeClr val="bg1"/>
+                </a:solidFill>
+              </a:rPr>
+              <a:t>isual </a:t>
+            </a:r>
+            <a:r>
+              <a:rPr lang="en-US" dirty="0">
+                <a:solidFill>
+                  <a:schemeClr val="bg1"/>
+                </a:solidFill>
+              </a:rPr>
+              <a:t>Studio</a:t>
+            </a:r>
+            <a:r>
+              <a:rPr lang="ru-RU" dirty="0">
+                <a:solidFill>
+                  <a:schemeClr val="bg1"/>
+                </a:solidFill>
+              </a:rPr>
+              <a:t/>
+            </a:r>
+            <a:br>
+              <a:rPr lang="ru-RU" dirty="0">
+                <a:solidFill>
+                  <a:schemeClr val="bg1"/>
+                </a:solidFill>
+              </a:rPr>
+            </a:br>
+            <a:r>
+              <a:rPr lang="en-US" u="sng" dirty="0">
+                <a:solidFill>
+                  <a:schemeClr val="bg1"/>
+                </a:solidFill>
+              </a:rPr>
+              <a:t>http</a:t>
+            </a:r>
+            <a:r>
+              <a:rPr lang="ru-RU" u="sng" dirty="0">
+                <a:solidFill>
+                  <a:schemeClr val="bg1"/>
+                </a:solidFill>
+              </a:rPr>
+              <a:t>://</a:t>
+            </a:r>
+            <a:r>
+              <a:rPr lang="en-US" u="sng" dirty="0" err="1">
+                <a:solidFill>
+                  <a:schemeClr val="bg1"/>
+                </a:solidFill>
+              </a:rPr>
+              <a:t>visualstudiogallery</a:t>
+            </a:r>
+            <a:r>
+              <a:rPr lang="ru-RU" u="sng" dirty="0">
+                <a:solidFill>
+                  <a:schemeClr val="bg1"/>
+                </a:solidFill>
+              </a:rPr>
+              <a:t>.</a:t>
+            </a:r>
+            <a:r>
+              <a:rPr lang="en-US" u="sng" dirty="0" err="1">
+                <a:solidFill>
+                  <a:schemeClr val="bg1"/>
+                </a:solidFill>
+              </a:rPr>
+              <a:t>msdn</a:t>
+            </a:r>
+            <a:r>
+              <a:rPr lang="ru-RU" u="sng" dirty="0">
+                <a:solidFill>
+                  <a:schemeClr val="bg1"/>
+                </a:solidFill>
+              </a:rPr>
+              <a:t>.</a:t>
+            </a:r>
+            <a:r>
+              <a:rPr lang="en-US" u="sng" dirty="0" err="1">
+                <a:solidFill>
+                  <a:schemeClr val="bg1"/>
+                </a:solidFill>
+              </a:rPr>
+              <a:t>microsoft</a:t>
+            </a:r>
+            <a:r>
+              <a:rPr lang="ru-RU" u="sng" dirty="0">
+                <a:solidFill>
+                  <a:schemeClr val="bg1"/>
+                </a:solidFill>
+              </a:rPr>
+              <a:t>.</a:t>
+            </a:r>
+            <a:r>
+              <a:rPr lang="en-US" u="sng" dirty="0">
+                <a:solidFill>
+                  <a:schemeClr val="bg1"/>
+                </a:solidFill>
+              </a:rPr>
+              <a:t>com</a:t>
+            </a:r>
+            <a:r>
+              <a:rPr lang="ru-RU" u="sng" dirty="0">
+                <a:solidFill>
+                  <a:schemeClr val="bg1"/>
+                </a:solidFill>
+              </a:rPr>
+              <a:t>/</a:t>
+            </a:r>
+          </a:p>
+          <a:p>
+            <a:endParaRPr lang="en-US" dirty="0">
+              <a:solidFill>
+                <a:schemeClr val="bg1"/>
+              </a:solidFill>
+            </a:endParaRPr>
+          </a:p>
+          <a:p>
+            <a:r>
+              <a:rPr lang="en-US" dirty="0">
+                <a:solidFill>
+                  <a:schemeClr val="bg1"/>
+                </a:solidFill>
+              </a:rPr>
+              <a:t>ReSharper - </a:t>
+            </a:r>
+            <a:r>
+              <a:rPr lang="en-US" u="sng" dirty="0">
+                <a:solidFill>
+                  <a:schemeClr val="bg1"/>
+                </a:solidFill>
+              </a:rPr>
+              <a:t>http://www.jetbrains.com/resharper/</a:t>
+            </a:r>
+            <a:endParaRPr lang="en-US" dirty="0">
+              <a:solidFill>
+                <a:schemeClr val="bg1"/>
+              </a:solidFill>
+            </a:endParaRPr>
+          </a:p>
+          <a:p>
             <a:endParaRPr lang="en-US" dirty="0" smtClean="0">
               <a:solidFill>
                 <a:schemeClr val="bg1"/>
@@ -26934,43 +27746,10 @@
           </a:p>
         </p:txBody>
       </p:sp>
-      <p:pic>
-        <p:nvPicPr>
-          <p:cNvPr id="4" name="Picture 3" descr="Managed code within a larger architecture"/>
-          <p:cNvPicPr/>
-          <p:nvPr/>
-        </p:nvPicPr>
-        <p:blipFill>
-          <a:blip r:embed="rId3">
-            <a:extLst>
-              <a:ext uri="{28A0092B-C50C-407E-A947-70E740481C1C}">
-                <a14:useLocalDpi xmlns:a14="http://schemas.microsoft.com/office/drawing/2010/main" val="0"/>
-              </a:ext>
-            </a:extLst>
-          </a:blip>
-          <a:srcRect/>
-          <a:stretch>
-            <a:fillRect/>
-          </a:stretch>
-        </p:blipFill>
-        <p:spPr bwMode="auto">
-          <a:xfrm>
-            <a:off x="2147887" y="1359120"/>
-            <a:ext cx="4848225" cy="4448175"/>
-          </a:xfrm>
-          <a:prstGeom prst="rect">
-            <a:avLst/>
-          </a:prstGeom>
-          <a:noFill/>
-          <a:ln>
-            <a:noFill/>
-          </a:ln>
-        </p:spPr>
-      </p:pic>
     </p:spTree>
     <p:extLst>
       <p:ext uri="{BB962C8B-B14F-4D97-AF65-F5344CB8AC3E}">
-        <p14:creationId xmlns:p14="http://schemas.microsoft.com/office/powerpoint/2010/main" val="1986342191"/>
+        <p14:creationId xmlns:p14="http://schemas.microsoft.com/office/powerpoint/2010/main" val="2029492004"/>
       </p:ext>
     </p:extLst>
   </p:cSld>
@@ -27046,6 +27825,143 @@
                   <a:schemeClr val="bg1"/>
                 </a:solidFill>
               </a:rPr>
+              <a:t>.NET Framework – Managed platform</a:t>
+            </a:r>
+            <a:endParaRPr lang="ru-RU" sz="3200" dirty="0" smtClean="0">
+              <a:solidFill>
+                <a:schemeClr val="bg1"/>
+              </a:solidFill>
+            </a:endParaRPr>
+          </a:p>
+          <a:p>
+            <a:pPr lvl="0"/>
+            <a:endParaRPr lang="ru-RU" dirty="0" smtClean="0">
+              <a:solidFill>
+                <a:schemeClr val="bg1"/>
+              </a:solidFill>
+            </a:endParaRPr>
+          </a:p>
+          <a:p>
+            <a:endParaRPr lang="en-US" dirty="0" smtClean="0">
+              <a:solidFill>
+                <a:schemeClr val="bg1"/>
+              </a:solidFill>
+            </a:endParaRPr>
+          </a:p>
+        </p:txBody>
+      </p:sp>
+      <p:pic>
+        <p:nvPicPr>
+          <p:cNvPr id="4" name="Picture 3" descr="Managed code within a larger architecture"/>
+          <p:cNvPicPr/>
+          <p:nvPr/>
+        </p:nvPicPr>
+        <p:blipFill>
+          <a:blip r:embed="rId3">
+            <a:extLst>
+              <a:ext uri="{28A0092B-C50C-407E-A947-70E740481C1C}">
+                <a14:useLocalDpi xmlns:a14="http://schemas.microsoft.com/office/drawing/2010/main" val="0"/>
+              </a:ext>
+            </a:extLst>
+          </a:blip>
+          <a:srcRect/>
+          <a:stretch>
+            <a:fillRect/>
+          </a:stretch>
+        </p:blipFill>
+        <p:spPr bwMode="auto">
+          <a:xfrm>
+            <a:off x="2147887" y="1359120"/>
+            <a:ext cx="4848225" cy="4448175"/>
+          </a:xfrm>
+          <a:prstGeom prst="rect">
+            <a:avLst/>
+          </a:prstGeom>
+          <a:noFill/>
+          <a:ln>
+            <a:noFill/>
+          </a:ln>
+        </p:spPr>
+      </p:pic>
+    </p:spTree>
+    <p:extLst>
+      <p:ext uri="{BB962C8B-B14F-4D97-AF65-F5344CB8AC3E}">
+        <p14:creationId xmlns:p14="http://schemas.microsoft.com/office/powerpoint/2010/main" val="1986342191"/>
+      </p:ext>
+    </p:extLst>
+  </p:cSld>
+  <p:clrMapOvr>
+    <a:masterClrMapping/>
+  </p:clrMapOvr>
+  <p:timing>
+    <p:tnLst>
+      <p:par>
+        <p:cTn id="1" dur="indefinite" restart="never" nodeType="tmRoot"/>
+      </p:par>
+    </p:tnLst>
+  </p:timing>
+</p:sld>
+</file>
+
+<file path=ppt/slides/slide7.xml><?xml version="1.0" encoding="utf-8"?>
+<p:sld xmlns:a="http://schemas.openxmlformats.org/drawingml/2006/main" xmlns:r="http://schemas.openxmlformats.org/officeDocument/2006/relationships" xmlns:p="http://schemas.openxmlformats.org/presentationml/2006/main">
+  <p:cSld>
+    <p:bg>
+      <p:bgPr>
+        <a:blipFill dpi="0" rotWithShape="1">
+          <a:blip r:embed="rId2">
+            <a:lum/>
+          </a:blip>
+          <a:srcRect/>
+          <a:stretch>
+            <a:fillRect/>
+          </a:stretch>
+        </a:blipFill>
+        <a:effectLst/>
+      </p:bgPr>
+    </p:bg>
+    <p:spTree>
+      <p:nvGrpSpPr>
+        <p:cNvPr id="1" name=""/>
+        <p:cNvGrpSpPr/>
+        <p:nvPr/>
+      </p:nvGrpSpPr>
+      <p:grpSpPr>
+        <a:xfrm>
+          <a:off x="0" y="0"/>
+          <a:ext cx="0" cy="0"/>
+          <a:chOff x="0" y="0"/>
+          <a:chExt cx="0" cy="0"/>
+        </a:xfrm>
+      </p:grpSpPr>
+      <p:sp>
+        <p:nvSpPr>
+          <p:cNvPr id="3" name="Rectangle 2"/>
+          <p:cNvSpPr/>
+          <p:nvPr/>
+        </p:nvSpPr>
+        <p:spPr>
+          <a:xfrm>
+            <a:off x="251520" y="188640"/>
+            <a:ext cx="8640960" cy="1138773"/>
+          </a:xfrm>
+          <a:prstGeom prst="rect">
+            <a:avLst/>
+          </a:prstGeom>
+        </p:spPr>
+        <p:txBody>
+          <a:bodyPr wrap="square">
+            <a:spAutoFit/>
+          </a:bodyPr>
+          <a:lstStyle/>
+          <a:p>
+            <a:pPr lvl="0"/>
+            <a:r>
+              <a:rPr lang="en-US" sz="3200" dirty="0" smtClean="0">
+                <a:solidFill>
+                  <a:schemeClr val="bg1"/>
+                </a:solidFill>
+              </a:rPr>
               <a:t>.NET Framework</a:t>
             </a:r>
             <a:endParaRPr lang="ru-RU" sz="3200" dirty="0" smtClean="0">
@@ -27124,7 +28040,7 @@
 </p:sld>
 </file>
 
-<file path=ppt/slides/slide7.xml><?xml version="1.0" encoding="utf-8"?>
+<file path=ppt/slides/slide8.xml><?xml version="1.0" encoding="utf-8"?>
 <p:sld xmlns:a="http://schemas.openxmlformats.org/drawingml/2006/main" xmlns:r="http://schemas.openxmlformats.org/officeDocument/2006/relationships" xmlns:p="http://schemas.openxmlformats.org/presentationml/2006/main">
   <p:cSld>
     <p:bg>
@@ -27481,7 +28397,7 @@
 </p:sld>
 </file>
 
-<file path=ppt/slides/slide8.xml><?xml version="1.0" encoding="utf-8"?>
+<file path=ppt/slides/slide9.xml><?xml version="1.0" encoding="utf-8"?>
 <p:sld xmlns:a="http://schemas.openxmlformats.org/drawingml/2006/main" xmlns:r="http://schemas.openxmlformats.org/officeDocument/2006/relationships" xmlns:p="http://schemas.openxmlformats.org/presentationml/2006/main">
   <p:cSld>
     <p:bg>
@@ -27568,853 +28484,6 @@
     <p:extLst>
       <p:ext uri="{BB962C8B-B14F-4D97-AF65-F5344CB8AC3E}">
         <p14:creationId xmlns:p14="http://schemas.microsoft.com/office/powerpoint/2010/main" val="3778786220"/>
-      </p:ext>
-    </p:extLst>
-  </p:cSld>
-  <p:clrMapOvr>
-    <a:masterClrMapping/>
-  </p:clrMapOvr>
-  <p:timing>
-    <p:tnLst>
-      <p:par>
-        <p:cTn id="1" dur="indefinite" restart="never" nodeType="tmRoot"/>
-      </p:par>
-    </p:tnLst>
-  </p:timing>
-</p:sld>
-</file>
-
-<file path=ppt/slides/slide9.xml><?xml version="1.0" encoding="utf-8"?>
-<p:sld xmlns:a="http://schemas.openxmlformats.org/drawingml/2006/main" xmlns:r="http://schemas.openxmlformats.org/officeDocument/2006/relationships" xmlns:p="http://schemas.openxmlformats.org/presentationml/2006/main">
-  <p:cSld>
-    <p:bg>
-      <p:bgPr>
-        <a:blipFill dpi="0" rotWithShape="1">
-          <a:blip r:embed="rId2">
-            <a:lum/>
-          </a:blip>
-          <a:srcRect/>
-          <a:stretch>
-            <a:fillRect/>
-          </a:stretch>
-        </a:blipFill>
-        <a:effectLst/>
-      </p:bgPr>
-    </p:bg>
-    <p:spTree>
-      <p:nvGrpSpPr>
-        <p:cNvPr id="1" name=""/>
-        <p:cNvGrpSpPr/>
-        <p:nvPr/>
-      </p:nvGrpSpPr>
-      <p:grpSpPr>
-        <a:xfrm>
-          <a:off x="0" y="0"/>
-          <a:ext cx="0" cy="0"/>
-          <a:chOff x="0" y="0"/>
-          <a:chExt cx="0" cy="0"/>
-        </a:xfrm>
-      </p:grpSpPr>
-      <p:sp>
-        <p:nvSpPr>
-          <p:cNvPr id="4" name="Прямоугольник 13"/>
-          <p:cNvSpPr/>
-          <p:nvPr/>
-        </p:nvSpPr>
-        <p:spPr>
-          <a:xfrm>
-            <a:off x="3429000" y="914400"/>
-            <a:ext cx="1905000" cy="457200"/>
-          </a:xfrm>
-          <a:prstGeom prst="rect">
-            <a:avLst/>
-          </a:prstGeom>
-        </p:spPr>
-        <p:style>
-          <a:lnRef idx="1">
-            <a:schemeClr val="accent1"/>
-          </a:lnRef>
-          <a:fillRef idx="2">
-            <a:schemeClr val="accent1"/>
-          </a:fillRef>
-          <a:effectRef idx="1">
-            <a:schemeClr val="accent1"/>
-          </a:effectRef>
-          <a:fontRef idx="minor">
-            <a:schemeClr val="dk1"/>
-          </a:fontRef>
-        </p:style>
-        <p:txBody>
-          <a:bodyPr anchor="ctr"/>
-          <a:lstStyle/>
-          <a:p>
-            <a:pPr algn="ctr" fontAlgn="auto">
-              <a:spcBef>
-                <a:spcPts val="0"/>
-              </a:spcBef>
-              <a:spcAft>
-                <a:spcPts val="0"/>
-              </a:spcAft>
-              <a:defRPr/>
-            </a:pPr>
-            <a:r>
-              <a:rPr lang="ru-RU" dirty="0"/>
-              <a:t>Код</a:t>
-            </a:r>
-          </a:p>
-        </p:txBody>
-      </p:sp>
-      <p:sp>
-        <p:nvSpPr>
-          <p:cNvPr id="5" name="Прямоугольник 14"/>
-          <p:cNvSpPr/>
-          <p:nvPr/>
-        </p:nvSpPr>
-        <p:spPr>
-          <a:xfrm>
-            <a:off x="3048000" y="1981200"/>
-            <a:ext cx="2743200" cy="762000"/>
-          </a:xfrm>
-          <a:prstGeom prst="rect">
-            <a:avLst/>
-          </a:prstGeom>
-        </p:spPr>
-        <p:style>
-          <a:lnRef idx="1">
-            <a:schemeClr val="accent2"/>
-          </a:lnRef>
-          <a:fillRef idx="2">
-            <a:schemeClr val="accent2"/>
-          </a:fillRef>
-          <a:effectRef idx="1">
-            <a:schemeClr val="accent2"/>
-          </a:effectRef>
-          <a:fontRef idx="minor">
-            <a:schemeClr val="dk1"/>
-          </a:fontRef>
-        </p:style>
-        <p:txBody>
-          <a:bodyPr anchor="ctr"/>
-          <a:lstStyle/>
-          <a:p>
-            <a:pPr algn="ctr" fontAlgn="auto">
-              <a:spcBef>
-                <a:spcPts val="0"/>
-              </a:spcBef>
-              <a:spcAft>
-                <a:spcPts val="0"/>
-              </a:spcAft>
-              <a:defRPr/>
-            </a:pPr>
-            <a:r>
-              <a:rPr lang="en-US" dirty="0"/>
-              <a:t>JIT</a:t>
-            </a:r>
-          </a:p>
-          <a:p>
-            <a:pPr algn="ctr" fontAlgn="auto">
-              <a:spcBef>
-                <a:spcPts val="0"/>
-              </a:spcBef>
-              <a:spcAft>
-                <a:spcPts val="0"/>
-              </a:spcAft>
-              <a:defRPr/>
-            </a:pPr>
-            <a:r>
-              <a:rPr lang="en-US" dirty="0"/>
-              <a:t>Just In Time - </a:t>
-            </a:r>
-            <a:r>
-              <a:rPr lang="ru-RU" dirty="0"/>
-              <a:t>компилятор</a:t>
-            </a:r>
-          </a:p>
-        </p:txBody>
-      </p:sp>
-      <p:sp>
-        <p:nvSpPr>
-          <p:cNvPr id="6" name="Прямоугольник 19"/>
-          <p:cNvSpPr/>
-          <p:nvPr/>
-        </p:nvSpPr>
-        <p:spPr>
-          <a:xfrm>
-            <a:off x="1981200" y="3581400"/>
-            <a:ext cx="2286000" cy="2286000"/>
-          </a:xfrm>
-          <a:prstGeom prst="rect">
-            <a:avLst/>
-          </a:prstGeom>
-        </p:spPr>
-        <p:style>
-          <a:lnRef idx="1">
-            <a:schemeClr val="dk1"/>
-          </a:lnRef>
-          <a:fillRef idx="2">
-            <a:schemeClr val="dk1"/>
-          </a:fillRef>
-          <a:effectRef idx="1">
-            <a:schemeClr val="dk1"/>
-          </a:effectRef>
-          <a:fontRef idx="minor">
-            <a:schemeClr val="dk1"/>
-          </a:fontRef>
-        </p:style>
-        <p:txBody>
-          <a:bodyPr anchor="ctr"/>
-          <a:lstStyle/>
-          <a:p>
-            <a:pPr algn="ctr">
-              <a:defRPr/>
-            </a:pPr>
-            <a:r>
-              <a:rPr lang="ru-RU">
-                <a:solidFill>
-                  <a:srgbClr val="000000"/>
-                </a:solidFill>
-              </a:rPr>
-              <a:t>Сборка</a:t>
-            </a:r>
-          </a:p>
-          <a:p>
-            <a:pPr algn="ctr">
-              <a:defRPr/>
-            </a:pPr>
-            <a:r>
-              <a:rPr lang="ru-RU" sz="1600">
-                <a:solidFill>
-                  <a:srgbClr val="000000"/>
-                </a:solidFill>
-              </a:rPr>
-              <a:t>(Исполняемый файл)</a:t>
-            </a:r>
-          </a:p>
-          <a:p>
-            <a:pPr algn="ctr">
-              <a:defRPr/>
-            </a:pPr>
-            <a:endParaRPr lang="ru-RU" sz="1600">
-              <a:solidFill>
-                <a:srgbClr val="000000"/>
-              </a:solidFill>
-            </a:endParaRPr>
-          </a:p>
-          <a:p>
-            <a:pPr algn="ctr">
-              <a:defRPr/>
-            </a:pPr>
-            <a:endParaRPr lang="ru-RU">
-              <a:solidFill>
-                <a:srgbClr val="000000"/>
-              </a:solidFill>
-            </a:endParaRPr>
-          </a:p>
-          <a:p>
-            <a:pPr algn="ctr">
-              <a:defRPr/>
-            </a:pPr>
-            <a:endParaRPr lang="ru-RU">
-              <a:solidFill>
-                <a:srgbClr val="000000"/>
-              </a:solidFill>
-            </a:endParaRPr>
-          </a:p>
-          <a:p>
-            <a:pPr algn="ctr">
-              <a:defRPr/>
-            </a:pPr>
-            <a:endParaRPr lang="ru-RU">
-              <a:solidFill>
-                <a:srgbClr val="000000"/>
-              </a:solidFill>
-            </a:endParaRPr>
-          </a:p>
-          <a:p>
-            <a:pPr algn="ctr">
-              <a:defRPr/>
-            </a:pPr>
-            <a:endParaRPr lang="ru-RU">
-              <a:solidFill>
-                <a:srgbClr val="000000"/>
-              </a:solidFill>
-            </a:endParaRPr>
-          </a:p>
-          <a:p>
-            <a:pPr algn="ctr">
-              <a:defRPr/>
-            </a:pPr>
-            <a:endParaRPr lang="ru-RU">
-              <a:solidFill>
-                <a:srgbClr val="000000"/>
-              </a:solidFill>
-            </a:endParaRPr>
-          </a:p>
-        </p:txBody>
-      </p:sp>
-      <p:sp>
-        <p:nvSpPr>
-          <p:cNvPr id="7" name="Прямоугольник 20"/>
-          <p:cNvSpPr/>
-          <p:nvPr/>
-        </p:nvSpPr>
-        <p:spPr>
-          <a:xfrm>
-            <a:off x="2057400" y="5334000"/>
-            <a:ext cx="2133600" cy="457200"/>
-          </a:xfrm>
-          <a:prstGeom prst="rect">
-            <a:avLst/>
-          </a:prstGeom>
-        </p:spPr>
-        <p:style>
-          <a:lnRef idx="1">
-            <a:schemeClr val="accent1"/>
-          </a:lnRef>
-          <a:fillRef idx="2">
-            <a:schemeClr val="accent1"/>
-          </a:fillRef>
-          <a:effectRef idx="1">
-            <a:schemeClr val="accent1"/>
-          </a:effectRef>
-          <a:fontRef idx="minor">
-            <a:schemeClr val="dk1"/>
-          </a:fontRef>
-        </p:style>
-        <p:txBody>
-          <a:bodyPr anchor="ctr"/>
-          <a:lstStyle/>
-          <a:p>
-            <a:pPr algn="ctr" fontAlgn="auto">
-              <a:spcBef>
-                <a:spcPts val="0"/>
-              </a:spcBef>
-              <a:spcAft>
-                <a:spcPts val="0"/>
-              </a:spcAft>
-              <a:defRPr/>
-            </a:pPr>
-            <a:r>
-              <a:rPr lang="en-US" dirty="0"/>
-              <a:t>CIL - </a:t>
-            </a:r>
-            <a:r>
-              <a:rPr lang="ru-RU" dirty="0"/>
-              <a:t>Код</a:t>
-            </a:r>
-          </a:p>
-        </p:txBody>
-      </p:sp>
-      <p:sp>
-        <p:nvSpPr>
-          <p:cNvPr id="8" name="Прямоугольник 8"/>
-          <p:cNvSpPr/>
-          <p:nvPr/>
-        </p:nvSpPr>
-        <p:spPr>
-          <a:xfrm>
-            <a:off x="2057400" y="4267200"/>
-            <a:ext cx="2133600" cy="457200"/>
-          </a:xfrm>
-          <a:prstGeom prst="rect">
-            <a:avLst/>
-          </a:prstGeom>
-        </p:spPr>
-        <p:style>
-          <a:lnRef idx="1">
-            <a:schemeClr val="accent4"/>
-          </a:lnRef>
-          <a:fillRef idx="2">
-            <a:schemeClr val="accent4"/>
-          </a:fillRef>
-          <a:effectRef idx="1">
-            <a:schemeClr val="accent4"/>
-          </a:effectRef>
-          <a:fontRef idx="minor">
-            <a:schemeClr val="dk1"/>
-          </a:fontRef>
-        </p:style>
-        <p:txBody>
-          <a:bodyPr anchor="ctr"/>
-          <a:lstStyle/>
-          <a:p>
-            <a:pPr algn="ctr" fontAlgn="auto">
-              <a:spcBef>
-                <a:spcPts val="0"/>
-              </a:spcBef>
-              <a:spcAft>
-                <a:spcPts val="0"/>
-              </a:spcAft>
-              <a:defRPr/>
-            </a:pPr>
-            <a:r>
-              <a:rPr lang="ru-RU" dirty="0"/>
-              <a:t>Манифест</a:t>
-            </a:r>
-          </a:p>
-        </p:txBody>
-      </p:sp>
-      <p:sp>
-        <p:nvSpPr>
-          <p:cNvPr id="9" name="Прямоугольник 9"/>
-          <p:cNvSpPr/>
-          <p:nvPr/>
-        </p:nvSpPr>
-        <p:spPr>
-          <a:xfrm>
-            <a:off x="2057400" y="4800600"/>
-            <a:ext cx="2133600" cy="457200"/>
-          </a:xfrm>
-          <a:prstGeom prst="rect">
-            <a:avLst/>
-          </a:prstGeom>
-        </p:spPr>
-        <p:style>
-          <a:lnRef idx="1">
-            <a:schemeClr val="accent3"/>
-          </a:lnRef>
-          <a:fillRef idx="2">
-            <a:schemeClr val="accent3"/>
-          </a:fillRef>
-          <a:effectRef idx="1">
-            <a:schemeClr val="accent3"/>
-          </a:effectRef>
-          <a:fontRef idx="minor">
-            <a:schemeClr val="dk1"/>
-          </a:fontRef>
-        </p:style>
-        <p:txBody>
-          <a:bodyPr anchor="ctr"/>
-          <a:lstStyle/>
-          <a:p>
-            <a:pPr algn="ctr" fontAlgn="auto">
-              <a:spcBef>
-                <a:spcPts val="0"/>
-              </a:spcBef>
-              <a:spcAft>
-                <a:spcPts val="0"/>
-              </a:spcAft>
-              <a:defRPr/>
-            </a:pPr>
-            <a:r>
-              <a:rPr lang="ru-RU" dirty="0"/>
-              <a:t>Метаданные</a:t>
-            </a:r>
-          </a:p>
-        </p:txBody>
-      </p:sp>
-      <p:sp>
-        <p:nvSpPr>
-          <p:cNvPr id="10" name="Прямоугольник 11"/>
-          <p:cNvSpPr/>
-          <p:nvPr/>
-        </p:nvSpPr>
-        <p:spPr>
-          <a:xfrm>
-            <a:off x="4572000" y="3581400"/>
-            <a:ext cx="2286000" cy="1676400"/>
-          </a:xfrm>
-          <a:prstGeom prst="rect">
-            <a:avLst/>
-          </a:prstGeom>
-        </p:spPr>
-        <p:style>
-          <a:lnRef idx="1">
-            <a:schemeClr val="dk1"/>
-          </a:lnRef>
-          <a:fillRef idx="2">
-            <a:schemeClr val="dk1"/>
-          </a:fillRef>
-          <a:effectRef idx="1">
-            <a:schemeClr val="dk1"/>
-          </a:effectRef>
-          <a:fontRef idx="minor">
-            <a:schemeClr val="dk1"/>
-          </a:fontRef>
-        </p:style>
-        <p:txBody>
-          <a:bodyPr anchor="ctr"/>
-          <a:lstStyle/>
-          <a:p>
-            <a:pPr algn="ctr" fontAlgn="auto">
-              <a:spcBef>
-                <a:spcPts val="0"/>
-              </a:spcBef>
-              <a:spcAft>
-                <a:spcPts val="0"/>
-              </a:spcAft>
-              <a:defRPr/>
-            </a:pPr>
-            <a:r>
-              <a:rPr lang="ru-RU" dirty="0"/>
-              <a:t>Сборка</a:t>
-            </a:r>
-          </a:p>
-          <a:p>
-            <a:pPr algn="ctr" fontAlgn="auto">
-              <a:spcBef>
-                <a:spcPts val="0"/>
-              </a:spcBef>
-              <a:spcAft>
-                <a:spcPts val="0"/>
-              </a:spcAft>
-              <a:defRPr/>
-            </a:pPr>
-            <a:r>
-              <a:rPr lang="ru-RU" dirty="0"/>
-              <a:t>(Библиотека .</a:t>
-            </a:r>
-            <a:r>
-              <a:rPr lang="en-US" dirty="0" err="1"/>
-              <a:t>dll</a:t>
-            </a:r>
-            <a:r>
-              <a:rPr lang="ru-RU" dirty="0"/>
-              <a:t>)</a:t>
-            </a:r>
-          </a:p>
-          <a:p>
-            <a:pPr algn="ctr" fontAlgn="auto">
-              <a:spcBef>
-                <a:spcPts val="0"/>
-              </a:spcBef>
-              <a:spcAft>
-                <a:spcPts val="0"/>
-              </a:spcAft>
-              <a:defRPr/>
-            </a:pPr>
-            <a:endParaRPr lang="ru-RU" dirty="0"/>
-          </a:p>
-          <a:p>
-            <a:pPr algn="ctr" fontAlgn="auto">
-              <a:spcBef>
-                <a:spcPts val="0"/>
-              </a:spcBef>
-              <a:spcAft>
-                <a:spcPts val="0"/>
-              </a:spcAft>
-              <a:defRPr/>
-            </a:pPr>
-            <a:endParaRPr lang="ru-RU" dirty="0"/>
-          </a:p>
-          <a:p>
-            <a:pPr algn="ctr" fontAlgn="auto">
-              <a:spcBef>
-                <a:spcPts val="0"/>
-              </a:spcBef>
-              <a:spcAft>
-                <a:spcPts val="0"/>
-              </a:spcAft>
-              <a:defRPr/>
-            </a:pPr>
-            <a:endParaRPr lang="ru-RU" dirty="0"/>
-          </a:p>
-          <a:p>
-            <a:pPr algn="ctr" fontAlgn="auto">
-              <a:spcBef>
-                <a:spcPts val="0"/>
-              </a:spcBef>
-              <a:spcAft>
-                <a:spcPts val="0"/>
-              </a:spcAft>
-              <a:defRPr/>
-            </a:pPr>
-            <a:endParaRPr lang="ru-RU" dirty="0"/>
-          </a:p>
-        </p:txBody>
-      </p:sp>
-      <p:sp>
-        <p:nvSpPr>
-          <p:cNvPr id="11" name="Прямоугольник 12"/>
-          <p:cNvSpPr/>
-          <p:nvPr/>
-        </p:nvSpPr>
-        <p:spPr>
-          <a:xfrm>
-            <a:off x="4648200" y="4724400"/>
-            <a:ext cx="2133600" cy="457200"/>
-          </a:xfrm>
-          <a:prstGeom prst="rect">
-            <a:avLst/>
-          </a:prstGeom>
-        </p:spPr>
-        <p:style>
-          <a:lnRef idx="1">
-            <a:schemeClr val="accent1"/>
-          </a:lnRef>
-          <a:fillRef idx="2">
-            <a:schemeClr val="accent1"/>
-          </a:fillRef>
-          <a:effectRef idx="1">
-            <a:schemeClr val="accent1"/>
-          </a:effectRef>
-          <a:fontRef idx="minor">
-            <a:schemeClr val="dk1"/>
-          </a:fontRef>
-        </p:style>
-        <p:txBody>
-          <a:bodyPr anchor="ctr"/>
-          <a:lstStyle/>
-          <a:p>
-            <a:pPr algn="ctr" fontAlgn="auto">
-              <a:spcBef>
-                <a:spcPts val="0"/>
-              </a:spcBef>
-              <a:spcAft>
-                <a:spcPts val="0"/>
-              </a:spcAft>
-              <a:defRPr/>
-            </a:pPr>
-            <a:r>
-              <a:rPr lang="en-US" dirty="0"/>
-              <a:t>CIL - </a:t>
-            </a:r>
-            <a:r>
-              <a:rPr lang="ru-RU" dirty="0"/>
-              <a:t>Код</a:t>
-            </a:r>
-          </a:p>
-        </p:txBody>
-      </p:sp>
-      <p:sp>
-        <p:nvSpPr>
-          <p:cNvPr id="12" name="Прямоугольник 15"/>
-          <p:cNvSpPr/>
-          <p:nvPr/>
-        </p:nvSpPr>
-        <p:spPr>
-          <a:xfrm>
-            <a:off x="4648200" y="4191000"/>
-            <a:ext cx="2133600" cy="457200"/>
-          </a:xfrm>
-          <a:prstGeom prst="rect">
-            <a:avLst/>
-          </a:prstGeom>
-        </p:spPr>
-        <p:style>
-          <a:lnRef idx="1">
-            <a:schemeClr val="accent3"/>
-          </a:lnRef>
-          <a:fillRef idx="2">
-            <a:schemeClr val="accent3"/>
-          </a:fillRef>
-          <a:effectRef idx="1">
-            <a:schemeClr val="accent3"/>
-          </a:effectRef>
-          <a:fontRef idx="minor">
-            <a:schemeClr val="dk1"/>
-          </a:fontRef>
-        </p:style>
-        <p:txBody>
-          <a:bodyPr anchor="ctr"/>
-          <a:lstStyle/>
-          <a:p>
-            <a:pPr algn="ctr" fontAlgn="auto">
-              <a:spcBef>
-                <a:spcPts val="0"/>
-              </a:spcBef>
-              <a:spcAft>
-                <a:spcPts val="0"/>
-              </a:spcAft>
-              <a:defRPr/>
-            </a:pPr>
-            <a:r>
-              <a:rPr lang="ru-RU" dirty="0"/>
-              <a:t>Метаданные</a:t>
-            </a:r>
-          </a:p>
-        </p:txBody>
-      </p:sp>
-      <p:sp>
-        <p:nvSpPr>
-          <p:cNvPr id="13" name="Стрелка вниз 16"/>
-          <p:cNvSpPr/>
-          <p:nvPr/>
-        </p:nvSpPr>
-        <p:spPr>
-          <a:xfrm>
-            <a:off x="3733800" y="1371600"/>
-            <a:ext cx="1295400" cy="609600"/>
-          </a:xfrm>
-          <a:prstGeom prst="downArrow">
-            <a:avLst>
-              <a:gd name="adj1" fmla="val 48588"/>
-              <a:gd name="adj2" fmla="val 50000"/>
-            </a:avLst>
-          </a:prstGeom>
-        </p:spPr>
-        <p:style>
-          <a:lnRef idx="1">
-            <a:schemeClr val="dk1"/>
-          </a:lnRef>
-          <a:fillRef idx="2">
-            <a:schemeClr val="dk1"/>
-          </a:fillRef>
-          <a:effectRef idx="1">
-            <a:schemeClr val="dk1"/>
-          </a:effectRef>
-          <a:fontRef idx="minor">
-            <a:schemeClr val="dk1"/>
-          </a:fontRef>
-        </p:style>
-        <p:txBody>
-          <a:bodyPr anchor="ctr"/>
-          <a:lstStyle/>
-          <a:p>
-            <a:pPr algn="ctr" fontAlgn="auto">
-              <a:spcBef>
-                <a:spcPts val="0"/>
-              </a:spcBef>
-              <a:spcAft>
-                <a:spcPts val="0"/>
-              </a:spcAft>
-              <a:defRPr/>
-            </a:pPr>
-            <a:endParaRPr lang="ru-RU"/>
-          </a:p>
-        </p:txBody>
-      </p:sp>
-      <p:sp>
-        <p:nvSpPr>
-          <p:cNvPr id="14" name="Стрелка вниз 21"/>
-          <p:cNvSpPr/>
-          <p:nvPr/>
-        </p:nvSpPr>
-        <p:spPr>
-          <a:xfrm>
-            <a:off x="2743200" y="2743200"/>
-            <a:ext cx="1295400" cy="838200"/>
-          </a:xfrm>
-          <a:prstGeom prst="downArrow">
-            <a:avLst>
-              <a:gd name="adj1" fmla="val 48588"/>
-              <a:gd name="adj2" fmla="val 50000"/>
-            </a:avLst>
-          </a:prstGeom>
-        </p:spPr>
-        <p:style>
-          <a:lnRef idx="1">
-            <a:schemeClr val="dk1"/>
-          </a:lnRef>
-          <a:fillRef idx="2">
-            <a:schemeClr val="dk1"/>
-          </a:fillRef>
-          <a:effectRef idx="1">
-            <a:schemeClr val="dk1"/>
-          </a:effectRef>
-          <a:fontRef idx="minor">
-            <a:schemeClr val="dk1"/>
-          </a:fontRef>
-        </p:style>
-        <p:txBody>
-          <a:bodyPr anchor="ctr"/>
-          <a:lstStyle/>
-          <a:p>
-            <a:pPr algn="ctr" fontAlgn="auto">
-              <a:spcBef>
-                <a:spcPts val="0"/>
-              </a:spcBef>
-              <a:spcAft>
-                <a:spcPts val="0"/>
-              </a:spcAft>
-              <a:defRPr/>
-            </a:pPr>
-            <a:endParaRPr lang="ru-RU"/>
-          </a:p>
-        </p:txBody>
-      </p:sp>
-      <p:sp>
-        <p:nvSpPr>
-          <p:cNvPr id="15" name="Стрелка вниз 22"/>
-          <p:cNvSpPr/>
-          <p:nvPr/>
-        </p:nvSpPr>
-        <p:spPr>
-          <a:xfrm>
-            <a:off x="4800600" y="2743200"/>
-            <a:ext cx="1295400" cy="838200"/>
-          </a:xfrm>
-          <a:prstGeom prst="downArrow">
-            <a:avLst>
-              <a:gd name="adj1" fmla="val 48588"/>
-              <a:gd name="adj2" fmla="val 50000"/>
-            </a:avLst>
-          </a:prstGeom>
-        </p:spPr>
-        <p:style>
-          <a:lnRef idx="1">
-            <a:schemeClr val="dk1"/>
-          </a:lnRef>
-          <a:fillRef idx="2">
-            <a:schemeClr val="dk1"/>
-          </a:fillRef>
-          <a:effectRef idx="1">
-            <a:schemeClr val="dk1"/>
-          </a:effectRef>
-          <a:fontRef idx="minor">
-            <a:schemeClr val="dk1"/>
-          </a:fontRef>
-        </p:style>
-        <p:txBody>
-          <a:bodyPr anchor="ctr"/>
-          <a:lstStyle/>
-          <a:p>
-            <a:pPr algn="ctr" fontAlgn="auto">
-              <a:spcBef>
-                <a:spcPts val="0"/>
-              </a:spcBef>
-              <a:spcAft>
-                <a:spcPts val="0"/>
-              </a:spcAft>
-              <a:defRPr/>
-            </a:pPr>
-            <a:endParaRPr lang="ru-RU"/>
-          </a:p>
-        </p:txBody>
-      </p:sp>
-      <p:sp>
-        <p:nvSpPr>
-          <p:cNvPr id="2" name="TextBox 1"/>
-          <p:cNvSpPr txBox="1"/>
-          <p:nvPr/>
-        </p:nvSpPr>
-        <p:spPr>
-          <a:xfrm>
-            <a:off x="2520800" y="252492"/>
-            <a:ext cx="3672408" cy="461665"/>
-          </a:xfrm>
-          <a:prstGeom prst="rect">
-            <a:avLst/>
-          </a:prstGeom>
-          <a:noFill/>
-        </p:spPr>
-        <p:txBody>
-          <a:bodyPr wrap="square" rtlCol="0">
-            <a:spAutoFit/>
-          </a:bodyPr>
-          <a:lstStyle/>
-          <a:p>
-            <a:pPr algn="ctr"/>
-            <a:r>
-              <a:rPr lang="ru-RU" sz="2400" dirty="0" smtClean="0">
-                <a:solidFill>
-                  <a:schemeClr val="bg1"/>
-                </a:solidFill>
-              </a:rPr>
-              <a:t>Понятие сборки</a:t>
-            </a:r>
-            <a:endParaRPr lang="en-US" sz="2400" dirty="0">
-              <a:solidFill>
-                <a:schemeClr val="bg1"/>
-              </a:solidFill>
-            </a:endParaRPr>
-          </a:p>
-        </p:txBody>
-      </p:sp>
-    </p:spTree>
-    <p:extLst>
-      <p:ext uri="{BB962C8B-B14F-4D97-AF65-F5344CB8AC3E}">
-        <p14:creationId xmlns:p14="http://schemas.microsoft.com/office/powerpoint/2010/main" val="669921671"/>
       </p:ext>
     </p:extLst>
   </p:cSld>

--- a/Presentation/lesson-01.pptx
+++ b/Presentation/lesson-01.pptx
@@ -12730,7 +12730,7 @@
           <p:nvPr>
             <p:extLst>
               <p:ext uri="{D42A27DB-BD31-4B8C-83A1-F6EECF244321}">
-                <p14:modId xmlns:p14="http://schemas.microsoft.com/office/powerpoint/2010/main" val="2491214417"/>
+                <p14:modId xmlns:p14="http://schemas.microsoft.com/office/powerpoint/2010/main" val="2200453012"/>
               </p:ext>
             </p:extLst>
           </p:nvPr>
@@ -13902,9 +13902,35 @@
                           <a:effectLst/>
                           <a:latin typeface="Calibri" pitchFamily="34" charset="0"/>
                         </a:rPr>
-                        <a:t>Удаляет или замет данные в строке</a:t>
+                        <a:t>Удаляет или </a:t>
                       </a:r>
-                      <a:endParaRPr kumimoji="0" lang="be-BY" sz="1800" b="0" i="0" u="none" strike="noStrike" cap="none" normalizeH="0" baseline="0" smtClean="0">
+                      <a:r>
+                        <a:rPr kumimoji="0" lang="ru-RU" sz="1800" b="0" i="0" u="none" strike="noStrike" cap="none" normalizeH="0" baseline="0" smtClean="0">
+                          <a:ln>
+                            <a:noFill/>
+                          </a:ln>
+                          <a:solidFill>
+                            <a:srgbClr val="000000"/>
+                          </a:solidFill>
+                          <a:effectLst/>
+                          <a:latin typeface="Calibri" pitchFamily="34" charset="0"/>
+                        </a:rPr>
+                        <a:t>заменяет </a:t>
+                      </a:r>
+                      <a:r>
+                        <a:rPr kumimoji="0" lang="ru-RU" sz="1800" b="0" i="0" u="none" strike="noStrike" cap="none" normalizeH="0" baseline="0" smtClean="0">
+                          <a:ln>
+                            <a:noFill/>
+                          </a:ln>
+                          <a:solidFill>
+                            <a:srgbClr val="000000"/>
+                          </a:solidFill>
+                          <a:effectLst/>
+                          <a:latin typeface="Calibri" pitchFamily="34" charset="0"/>
+                        </a:rPr>
+                        <a:t>данные в строке</a:t>
+                      </a:r>
+                      <a:endParaRPr kumimoji="0" lang="be-BY" sz="1800" b="0" i="0" u="none" strike="noStrike" cap="none" normalizeH="0" baseline="0" dirty="0" smtClean="0">
                         <a:ln>
                           <a:noFill/>
                         </a:ln>

--- a/Presentation/lesson-01.pptx
+++ b/Presentation/lesson-01.pptx
@@ -11,29 +11,31 @@
     <p:sldId id="284" r:id="rId5"/>
     <p:sldId id="259" r:id="rId6"/>
     <p:sldId id="260" r:id="rId7"/>
-    <p:sldId id="261" r:id="rId8"/>
-    <p:sldId id="262" r:id="rId9"/>
-    <p:sldId id="263" r:id="rId10"/>
-    <p:sldId id="264" r:id="rId11"/>
-    <p:sldId id="265" r:id="rId12"/>
-    <p:sldId id="282" r:id="rId13"/>
-    <p:sldId id="266" r:id="rId14"/>
-    <p:sldId id="279" r:id="rId15"/>
-    <p:sldId id="280" r:id="rId16"/>
-    <p:sldId id="267" r:id="rId17"/>
-    <p:sldId id="283" r:id="rId18"/>
-    <p:sldId id="278" r:id="rId19"/>
-    <p:sldId id="268" r:id="rId20"/>
-    <p:sldId id="269" r:id="rId21"/>
-    <p:sldId id="270" r:id="rId22"/>
-    <p:sldId id="271" r:id="rId23"/>
-    <p:sldId id="272" r:id="rId24"/>
-    <p:sldId id="273" r:id="rId25"/>
-    <p:sldId id="274" r:id="rId26"/>
-    <p:sldId id="275" r:id="rId27"/>
-    <p:sldId id="276" r:id="rId28"/>
-    <p:sldId id="277" r:id="rId29"/>
-    <p:sldId id="281" r:id="rId30"/>
+    <p:sldId id="285" r:id="rId8"/>
+    <p:sldId id="286" r:id="rId9"/>
+    <p:sldId id="261" r:id="rId10"/>
+    <p:sldId id="262" r:id="rId11"/>
+    <p:sldId id="263" r:id="rId12"/>
+    <p:sldId id="264" r:id="rId13"/>
+    <p:sldId id="265" r:id="rId14"/>
+    <p:sldId id="282" r:id="rId15"/>
+    <p:sldId id="266" r:id="rId16"/>
+    <p:sldId id="279" r:id="rId17"/>
+    <p:sldId id="280" r:id="rId18"/>
+    <p:sldId id="267" r:id="rId19"/>
+    <p:sldId id="283" r:id="rId20"/>
+    <p:sldId id="278" r:id="rId21"/>
+    <p:sldId id="268" r:id="rId22"/>
+    <p:sldId id="269" r:id="rId23"/>
+    <p:sldId id="270" r:id="rId24"/>
+    <p:sldId id="271" r:id="rId25"/>
+    <p:sldId id="272" r:id="rId26"/>
+    <p:sldId id="273" r:id="rId27"/>
+    <p:sldId id="274" r:id="rId28"/>
+    <p:sldId id="275" r:id="rId29"/>
+    <p:sldId id="276" r:id="rId30"/>
+    <p:sldId id="277" r:id="rId31"/>
+    <p:sldId id="281" r:id="rId32"/>
   </p:sldIdLst>
   <p:sldSz cx="9144000" cy="6858000" type="screen4x3"/>
   <p:notesSz cx="6858000" cy="9144000"/>
@@ -316,7 +318,7 @@
           <a:p>
             <a:fld id="{8E6E6A2A-E9D3-4A0D-B04A-ABDD367A1E08}" type="datetimeFigureOut">
               <a:rPr lang="ru-RU" smtClean="0"/>
-              <a:t>16.08.2012</a:t>
+              <a:t>22.08.2012</a:t>
             </a:fld>
             <a:endParaRPr lang="ru-RU"/>
           </a:p>
@@ -486,7 +488,7 @@
           <a:p>
             <a:fld id="{8E6E6A2A-E9D3-4A0D-B04A-ABDD367A1E08}" type="datetimeFigureOut">
               <a:rPr lang="ru-RU" smtClean="0"/>
-              <a:t>16.08.2012</a:t>
+              <a:t>22.08.2012</a:t>
             </a:fld>
             <a:endParaRPr lang="ru-RU"/>
           </a:p>
@@ -666,7 +668,7 @@
           <a:p>
             <a:fld id="{8E6E6A2A-E9D3-4A0D-B04A-ABDD367A1E08}" type="datetimeFigureOut">
               <a:rPr lang="ru-RU" smtClean="0"/>
-              <a:t>16.08.2012</a:t>
+              <a:t>22.08.2012</a:t>
             </a:fld>
             <a:endParaRPr lang="ru-RU"/>
           </a:p>
@@ -836,7 +838,7 @@
           <a:p>
             <a:fld id="{8E6E6A2A-E9D3-4A0D-B04A-ABDD367A1E08}" type="datetimeFigureOut">
               <a:rPr lang="ru-RU" smtClean="0"/>
-              <a:t>16.08.2012</a:t>
+              <a:t>22.08.2012</a:t>
             </a:fld>
             <a:endParaRPr lang="ru-RU"/>
           </a:p>
@@ -1082,7 +1084,7 @@
           <a:p>
             <a:fld id="{8E6E6A2A-E9D3-4A0D-B04A-ABDD367A1E08}" type="datetimeFigureOut">
               <a:rPr lang="ru-RU" smtClean="0"/>
-              <a:t>16.08.2012</a:t>
+              <a:t>22.08.2012</a:t>
             </a:fld>
             <a:endParaRPr lang="ru-RU"/>
           </a:p>
@@ -1370,7 +1372,7 @@
           <a:p>
             <a:fld id="{8E6E6A2A-E9D3-4A0D-B04A-ABDD367A1E08}" type="datetimeFigureOut">
               <a:rPr lang="ru-RU" smtClean="0"/>
-              <a:t>16.08.2012</a:t>
+              <a:t>22.08.2012</a:t>
             </a:fld>
             <a:endParaRPr lang="ru-RU"/>
           </a:p>
@@ -1792,7 +1794,7 @@
           <a:p>
             <a:fld id="{8E6E6A2A-E9D3-4A0D-B04A-ABDD367A1E08}" type="datetimeFigureOut">
               <a:rPr lang="ru-RU" smtClean="0"/>
-              <a:t>16.08.2012</a:t>
+              <a:t>22.08.2012</a:t>
             </a:fld>
             <a:endParaRPr lang="ru-RU"/>
           </a:p>
@@ -1910,7 +1912,7 @@
           <a:p>
             <a:fld id="{8E6E6A2A-E9D3-4A0D-B04A-ABDD367A1E08}" type="datetimeFigureOut">
               <a:rPr lang="ru-RU" smtClean="0"/>
-              <a:t>16.08.2012</a:t>
+              <a:t>22.08.2012</a:t>
             </a:fld>
             <a:endParaRPr lang="ru-RU"/>
           </a:p>
@@ -2005,7 +2007,7 @@
           <a:p>
             <a:fld id="{8E6E6A2A-E9D3-4A0D-B04A-ABDD367A1E08}" type="datetimeFigureOut">
               <a:rPr lang="ru-RU" smtClean="0"/>
-              <a:t>16.08.2012</a:t>
+              <a:t>22.08.2012</a:t>
             </a:fld>
             <a:endParaRPr lang="ru-RU"/>
           </a:p>
@@ -2282,7 +2284,7 @@
           <a:p>
             <a:fld id="{8E6E6A2A-E9D3-4A0D-B04A-ABDD367A1E08}" type="datetimeFigureOut">
               <a:rPr lang="ru-RU" smtClean="0"/>
-              <a:t>16.08.2012</a:t>
+              <a:t>22.08.2012</a:t>
             </a:fld>
             <a:endParaRPr lang="ru-RU"/>
           </a:p>
@@ -2535,7 +2537,7 @@
           <a:p>
             <a:fld id="{8E6E6A2A-E9D3-4A0D-B04A-ABDD367A1E08}" type="datetimeFigureOut">
               <a:rPr lang="ru-RU" smtClean="0"/>
-              <a:t>16.08.2012</a:t>
+              <a:t>22.08.2012</a:t>
             </a:fld>
             <a:endParaRPr lang="ru-RU"/>
           </a:p>
@@ -2748,7 +2750,7 @@
           <a:p>
             <a:fld id="{8E6E6A2A-E9D3-4A0D-B04A-ABDD367A1E08}" type="datetimeFigureOut">
               <a:rPr lang="ru-RU" smtClean="0"/>
-              <a:t>16.08.2012</a:t>
+              <a:t>22.08.2012</a:t>
             </a:fld>
             <a:endParaRPr lang="ru-RU"/>
           </a:p>
@@ -3338,793 +3340,303 @@
       </p:grpSpPr>
       <p:sp>
         <p:nvSpPr>
-          <p:cNvPr id="4" name="Прямоугольник 13"/>
+          <p:cNvPr id="3" name="Rectangle 2"/>
           <p:cNvSpPr/>
           <p:nvPr/>
         </p:nvSpPr>
         <p:spPr>
           <a:xfrm>
-            <a:off x="3429000" y="914400"/>
-            <a:ext cx="1905000" cy="457200"/>
+            <a:off x="251520" y="116632"/>
+            <a:ext cx="8640960" cy="3631763"/>
           </a:xfrm>
           <a:prstGeom prst="rect">
             <a:avLst/>
           </a:prstGeom>
         </p:spPr>
-        <p:style>
-          <a:lnRef idx="1">
-            <a:schemeClr val="accent1"/>
-          </a:lnRef>
-          <a:fillRef idx="2">
-            <a:schemeClr val="accent1"/>
-          </a:fillRef>
-          <a:effectRef idx="1">
-            <a:schemeClr val="accent1"/>
-          </a:effectRef>
-          <a:fontRef idx="minor">
-            <a:schemeClr val="dk1"/>
-          </a:fontRef>
-        </p:style>
         <p:txBody>
-          <a:bodyPr anchor="ctr"/>
-          <a:lstStyle/>
-          <a:p>
-            <a:pPr algn="ctr" fontAlgn="auto">
-              <a:spcBef>
-                <a:spcPts val="0"/>
-              </a:spcBef>
-              <a:spcAft>
-                <a:spcPts val="0"/>
-              </a:spcAft>
-              <a:defRPr/>
-            </a:pPr>
-            <a:r>
-              <a:rPr lang="ru-RU" dirty="0"/>
-              <a:t>Код</a:t>
-            </a:r>
-          </a:p>
-        </p:txBody>
-      </p:sp>
-      <p:sp>
-        <p:nvSpPr>
-          <p:cNvPr id="5" name="Прямоугольник 14"/>
-          <p:cNvSpPr/>
-          <p:nvPr/>
-        </p:nvSpPr>
-        <p:spPr>
-          <a:xfrm>
-            <a:off x="3048000" y="1981200"/>
-            <a:ext cx="2743200" cy="762000"/>
-          </a:xfrm>
-          <a:prstGeom prst="rect">
-            <a:avLst/>
-          </a:prstGeom>
-        </p:spPr>
-        <p:style>
-          <a:lnRef idx="1">
-            <a:schemeClr val="accent2"/>
-          </a:lnRef>
-          <a:fillRef idx="2">
-            <a:schemeClr val="accent2"/>
-          </a:fillRef>
-          <a:effectRef idx="1">
-            <a:schemeClr val="accent2"/>
-          </a:effectRef>
-          <a:fontRef idx="minor">
-            <a:schemeClr val="dk1"/>
-          </a:fontRef>
-        </p:style>
-        <p:txBody>
-          <a:bodyPr anchor="ctr"/>
-          <a:lstStyle/>
-          <a:p>
-            <a:pPr algn="ctr" fontAlgn="auto">
-              <a:spcBef>
-                <a:spcPts val="0"/>
-              </a:spcBef>
-              <a:spcAft>
-                <a:spcPts val="0"/>
-              </a:spcAft>
-              <a:defRPr/>
-            </a:pPr>
-            <a:r>
-              <a:rPr lang="en-US" dirty="0"/>
-              <a:t>JIT</a:t>
-            </a:r>
-          </a:p>
-          <a:p>
-            <a:pPr algn="ctr" fontAlgn="auto">
-              <a:spcBef>
-                <a:spcPts val="0"/>
-              </a:spcBef>
-              <a:spcAft>
-                <a:spcPts val="0"/>
-              </a:spcAft>
-              <a:defRPr/>
-            </a:pPr>
-            <a:r>
-              <a:rPr lang="en-US" dirty="0"/>
-              <a:t>Just In Time - </a:t>
-            </a:r>
-            <a:r>
-              <a:rPr lang="ru-RU" dirty="0"/>
-              <a:t>компилятор</a:t>
-            </a:r>
-          </a:p>
-        </p:txBody>
-      </p:sp>
-      <p:sp>
-        <p:nvSpPr>
-          <p:cNvPr id="6" name="Прямоугольник 19"/>
-          <p:cNvSpPr/>
-          <p:nvPr/>
-        </p:nvSpPr>
-        <p:spPr>
-          <a:xfrm>
-            <a:off x="1981200" y="3581400"/>
-            <a:ext cx="2286000" cy="2286000"/>
-          </a:xfrm>
-          <a:prstGeom prst="rect">
-            <a:avLst/>
-          </a:prstGeom>
-        </p:spPr>
-        <p:style>
-          <a:lnRef idx="1">
-            <a:schemeClr val="dk1"/>
-          </a:lnRef>
-          <a:fillRef idx="2">
-            <a:schemeClr val="dk1"/>
-          </a:fillRef>
-          <a:effectRef idx="1">
-            <a:schemeClr val="dk1"/>
-          </a:effectRef>
-          <a:fontRef idx="minor">
-            <a:schemeClr val="dk1"/>
-          </a:fontRef>
-        </p:style>
-        <p:txBody>
-          <a:bodyPr anchor="ctr"/>
-          <a:lstStyle/>
-          <a:p>
-            <a:pPr algn="ctr">
-              <a:defRPr/>
-            </a:pPr>
-            <a:r>
-              <a:rPr lang="ru-RU">
-                <a:solidFill>
-                  <a:srgbClr val="000000"/>
-                </a:solidFill>
-              </a:rPr>
-              <a:t>Сборка</a:t>
-            </a:r>
-          </a:p>
-          <a:p>
-            <a:pPr algn="ctr">
-              <a:defRPr/>
-            </a:pPr>
-            <a:r>
-              <a:rPr lang="ru-RU" sz="1600">
-                <a:solidFill>
-                  <a:srgbClr val="000000"/>
-                </a:solidFill>
-              </a:rPr>
-              <a:t>(Исполняемый файл)</a:t>
-            </a:r>
-          </a:p>
-          <a:p>
-            <a:pPr algn="ctr">
-              <a:defRPr/>
-            </a:pPr>
-            <a:endParaRPr lang="ru-RU" sz="1600">
-              <a:solidFill>
-                <a:srgbClr val="000000"/>
-              </a:solidFill>
-            </a:endParaRPr>
-          </a:p>
-          <a:p>
-            <a:pPr algn="ctr">
-              <a:defRPr/>
-            </a:pPr>
-            <a:endParaRPr lang="ru-RU">
-              <a:solidFill>
-                <a:srgbClr val="000000"/>
-              </a:solidFill>
-            </a:endParaRPr>
-          </a:p>
-          <a:p>
-            <a:pPr algn="ctr">
-              <a:defRPr/>
-            </a:pPr>
-            <a:endParaRPr lang="ru-RU">
-              <a:solidFill>
-                <a:srgbClr val="000000"/>
-              </a:solidFill>
-            </a:endParaRPr>
-          </a:p>
-          <a:p>
-            <a:pPr algn="ctr">
-              <a:defRPr/>
-            </a:pPr>
-            <a:endParaRPr lang="ru-RU">
-              <a:solidFill>
-                <a:srgbClr val="000000"/>
-              </a:solidFill>
-            </a:endParaRPr>
-          </a:p>
-          <a:p>
-            <a:pPr algn="ctr">
-              <a:defRPr/>
-            </a:pPr>
-            <a:endParaRPr lang="ru-RU">
-              <a:solidFill>
-                <a:srgbClr val="000000"/>
-              </a:solidFill>
-            </a:endParaRPr>
-          </a:p>
-          <a:p>
-            <a:pPr algn="ctr">
-              <a:defRPr/>
-            </a:pPr>
-            <a:endParaRPr lang="ru-RU">
-              <a:solidFill>
-                <a:srgbClr val="000000"/>
-              </a:solidFill>
-            </a:endParaRPr>
-          </a:p>
-        </p:txBody>
-      </p:sp>
-      <p:sp>
-        <p:nvSpPr>
-          <p:cNvPr id="7" name="Прямоугольник 20"/>
-          <p:cNvSpPr/>
-          <p:nvPr/>
-        </p:nvSpPr>
-        <p:spPr>
-          <a:xfrm>
-            <a:off x="2057400" y="5334000"/>
-            <a:ext cx="2133600" cy="457200"/>
-          </a:xfrm>
-          <a:prstGeom prst="rect">
-            <a:avLst/>
-          </a:prstGeom>
-        </p:spPr>
-        <p:style>
-          <a:lnRef idx="1">
-            <a:schemeClr val="accent1"/>
-          </a:lnRef>
-          <a:fillRef idx="2">
-            <a:schemeClr val="accent1"/>
-          </a:fillRef>
-          <a:effectRef idx="1">
-            <a:schemeClr val="accent1"/>
-          </a:effectRef>
-          <a:fontRef idx="minor">
-            <a:schemeClr val="dk1"/>
-          </a:fontRef>
-        </p:style>
-        <p:txBody>
-          <a:bodyPr anchor="ctr"/>
-          <a:lstStyle/>
-          <a:p>
-            <a:pPr algn="ctr" fontAlgn="auto">
-              <a:spcBef>
-                <a:spcPts val="0"/>
-              </a:spcBef>
-              <a:spcAft>
-                <a:spcPts val="0"/>
-              </a:spcAft>
-              <a:defRPr/>
-            </a:pPr>
-            <a:r>
-              <a:rPr lang="en-US" dirty="0"/>
-              <a:t>CIL - </a:t>
-            </a:r>
-            <a:r>
-              <a:rPr lang="ru-RU" dirty="0"/>
-              <a:t>Код</a:t>
-            </a:r>
-          </a:p>
-        </p:txBody>
-      </p:sp>
-      <p:sp>
-        <p:nvSpPr>
-          <p:cNvPr id="8" name="Прямоугольник 8"/>
-          <p:cNvSpPr/>
-          <p:nvPr/>
-        </p:nvSpPr>
-        <p:spPr>
-          <a:xfrm>
-            <a:off x="2057400" y="4267200"/>
-            <a:ext cx="2133600" cy="457200"/>
-          </a:xfrm>
-          <a:prstGeom prst="rect">
-            <a:avLst/>
-          </a:prstGeom>
-        </p:spPr>
-        <p:style>
-          <a:lnRef idx="1">
-            <a:schemeClr val="accent4"/>
-          </a:lnRef>
-          <a:fillRef idx="2">
-            <a:schemeClr val="accent4"/>
-          </a:fillRef>
-          <a:effectRef idx="1">
-            <a:schemeClr val="accent4"/>
-          </a:effectRef>
-          <a:fontRef idx="minor">
-            <a:schemeClr val="dk1"/>
-          </a:fontRef>
-        </p:style>
-        <p:txBody>
-          <a:bodyPr anchor="ctr"/>
-          <a:lstStyle/>
-          <a:p>
-            <a:pPr algn="ctr" fontAlgn="auto">
-              <a:spcBef>
-                <a:spcPts val="0"/>
-              </a:spcBef>
-              <a:spcAft>
-                <a:spcPts val="0"/>
-              </a:spcAft>
-              <a:defRPr/>
-            </a:pPr>
-            <a:r>
-              <a:rPr lang="ru-RU" dirty="0"/>
-              <a:t>Манифест</a:t>
-            </a:r>
-          </a:p>
-        </p:txBody>
-      </p:sp>
-      <p:sp>
-        <p:nvSpPr>
-          <p:cNvPr id="9" name="Прямоугольник 9"/>
-          <p:cNvSpPr/>
-          <p:nvPr/>
-        </p:nvSpPr>
-        <p:spPr>
-          <a:xfrm>
-            <a:off x="2057400" y="4800600"/>
-            <a:ext cx="2133600" cy="457200"/>
-          </a:xfrm>
-          <a:prstGeom prst="rect">
-            <a:avLst/>
-          </a:prstGeom>
-        </p:spPr>
-        <p:style>
-          <a:lnRef idx="1">
-            <a:schemeClr val="accent3"/>
-          </a:lnRef>
-          <a:fillRef idx="2">
-            <a:schemeClr val="accent3"/>
-          </a:fillRef>
-          <a:effectRef idx="1">
-            <a:schemeClr val="accent3"/>
-          </a:effectRef>
-          <a:fontRef idx="minor">
-            <a:schemeClr val="dk1"/>
-          </a:fontRef>
-        </p:style>
-        <p:txBody>
-          <a:bodyPr anchor="ctr"/>
-          <a:lstStyle/>
-          <a:p>
-            <a:pPr algn="ctr" fontAlgn="auto">
-              <a:spcBef>
-                <a:spcPts val="0"/>
-              </a:spcBef>
-              <a:spcAft>
-                <a:spcPts val="0"/>
-              </a:spcAft>
-              <a:defRPr/>
-            </a:pPr>
-            <a:r>
-              <a:rPr lang="ru-RU" dirty="0"/>
-              <a:t>Метаданные</a:t>
-            </a:r>
-          </a:p>
-        </p:txBody>
-      </p:sp>
-      <p:sp>
-        <p:nvSpPr>
-          <p:cNvPr id="10" name="Прямоугольник 11"/>
-          <p:cNvSpPr/>
-          <p:nvPr/>
-        </p:nvSpPr>
-        <p:spPr>
-          <a:xfrm>
-            <a:off x="4572000" y="3581400"/>
-            <a:ext cx="2286000" cy="1676400"/>
-          </a:xfrm>
-          <a:prstGeom prst="rect">
-            <a:avLst/>
-          </a:prstGeom>
-        </p:spPr>
-        <p:style>
-          <a:lnRef idx="1">
-            <a:schemeClr val="dk1"/>
-          </a:lnRef>
-          <a:fillRef idx="2">
-            <a:schemeClr val="dk1"/>
-          </a:fillRef>
-          <a:effectRef idx="1">
-            <a:schemeClr val="dk1"/>
-          </a:effectRef>
-          <a:fontRef idx="minor">
-            <a:schemeClr val="dk1"/>
-          </a:fontRef>
-        </p:style>
-        <p:txBody>
-          <a:bodyPr anchor="ctr"/>
-          <a:lstStyle/>
-          <a:p>
-            <a:pPr algn="ctr" fontAlgn="auto">
-              <a:spcBef>
-                <a:spcPts val="0"/>
-              </a:spcBef>
-              <a:spcAft>
-                <a:spcPts val="0"/>
-              </a:spcAft>
-              <a:defRPr/>
-            </a:pPr>
-            <a:r>
-              <a:rPr lang="ru-RU" dirty="0"/>
-              <a:t>Сборка</a:t>
-            </a:r>
-          </a:p>
-          <a:p>
-            <a:pPr algn="ctr" fontAlgn="auto">
-              <a:spcBef>
-                <a:spcPts val="0"/>
-              </a:spcBef>
-              <a:spcAft>
-                <a:spcPts val="0"/>
-              </a:spcAft>
-              <a:defRPr/>
-            </a:pPr>
-            <a:r>
-              <a:rPr lang="ru-RU" dirty="0"/>
-              <a:t>(Библиотека .</a:t>
-            </a:r>
-            <a:r>
-              <a:rPr lang="en-US" dirty="0" err="1"/>
-              <a:t>dll</a:t>
-            </a:r>
-            <a:r>
-              <a:rPr lang="ru-RU" dirty="0"/>
-              <a:t>)</a:t>
-            </a:r>
-          </a:p>
-          <a:p>
-            <a:pPr algn="ctr" fontAlgn="auto">
-              <a:spcBef>
-                <a:spcPts val="0"/>
-              </a:spcBef>
-              <a:spcAft>
-                <a:spcPts val="0"/>
-              </a:spcAft>
-              <a:defRPr/>
-            </a:pPr>
-            <a:endParaRPr lang="ru-RU" dirty="0"/>
-          </a:p>
-          <a:p>
-            <a:pPr algn="ctr" fontAlgn="auto">
-              <a:spcBef>
-                <a:spcPts val="0"/>
-              </a:spcBef>
-              <a:spcAft>
-                <a:spcPts val="0"/>
-              </a:spcAft>
-              <a:defRPr/>
-            </a:pPr>
-            <a:endParaRPr lang="ru-RU" dirty="0"/>
-          </a:p>
-          <a:p>
-            <a:pPr algn="ctr" fontAlgn="auto">
-              <a:spcBef>
-                <a:spcPts val="0"/>
-              </a:spcBef>
-              <a:spcAft>
-                <a:spcPts val="0"/>
-              </a:spcAft>
-              <a:defRPr/>
-            </a:pPr>
-            <a:endParaRPr lang="ru-RU" dirty="0"/>
-          </a:p>
-          <a:p>
-            <a:pPr algn="ctr" fontAlgn="auto">
-              <a:spcBef>
-                <a:spcPts val="0"/>
-              </a:spcBef>
-              <a:spcAft>
-                <a:spcPts val="0"/>
-              </a:spcAft>
-              <a:defRPr/>
-            </a:pPr>
-            <a:endParaRPr lang="ru-RU" dirty="0"/>
-          </a:p>
-        </p:txBody>
-      </p:sp>
-      <p:sp>
-        <p:nvSpPr>
-          <p:cNvPr id="11" name="Прямоугольник 12"/>
-          <p:cNvSpPr/>
-          <p:nvPr/>
-        </p:nvSpPr>
-        <p:spPr>
-          <a:xfrm>
-            <a:off x="4648200" y="4724400"/>
-            <a:ext cx="2133600" cy="457200"/>
-          </a:xfrm>
-          <a:prstGeom prst="rect">
-            <a:avLst/>
-          </a:prstGeom>
-        </p:spPr>
-        <p:style>
-          <a:lnRef idx="1">
-            <a:schemeClr val="accent1"/>
-          </a:lnRef>
-          <a:fillRef idx="2">
-            <a:schemeClr val="accent1"/>
-          </a:fillRef>
-          <a:effectRef idx="1">
-            <a:schemeClr val="accent1"/>
-          </a:effectRef>
-          <a:fontRef idx="minor">
-            <a:schemeClr val="dk1"/>
-          </a:fontRef>
-        </p:style>
-        <p:txBody>
-          <a:bodyPr anchor="ctr"/>
-          <a:lstStyle/>
-          <a:p>
-            <a:pPr algn="ctr" fontAlgn="auto">
-              <a:spcBef>
-                <a:spcPts val="0"/>
-              </a:spcBef>
-              <a:spcAft>
-                <a:spcPts val="0"/>
-              </a:spcAft>
-              <a:defRPr/>
-            </a:pPr>
-            <a:r>
-              <a:rPr lang="en-US" dirty="0"/>
-              <a:t>CIL - </a:t>
-            </a:r>
-            <a:r>
-              <a:rPr lang="ru-RU" dirty="0"/>
-              <a:t>Код</a:t>
-            </a:r>
-          </a:p>
-        </p:txBody>
-      </p:sp>
-      <p:sp>
-        <p:nvSpPr>
-          <p:cNvPr id="12" name="Прямоугольник 15"/>
-          <p:cNvSpPr/>
-          <p:nvPr/>
-        </p:nvSpPr>
-        <p:spPr>
-          <a:xfrm>
-            <a:off x="4648200" y="4191000"/>
-            <a:ext cx="2133600" cy="457200"/>
-          </a:xfrm>
-          <a:prstGeom prst="rect">
-            <a:avLst/>
-          </a:prstGeom>
-        </p:spPr>
-        <p:style>
-          <a:lnRef idx="1">
-            <a:schemeClr val="accent3"/>
-          </a:lnRef>
-          <a:fillRef idx="2">
-            <a:schemeClr val="accent3"/>
-          </a:fillRef>
-          <a:effectRef idx="1">
-            <a:schemeClr val="accent3"/>
-          </a:effectRef>
-          <a:fontRef idx="minor">
-            <a:schemeClr val="dk1"/>
-          </a:fontRef>
-        </p:style>
-        <p:txBody>
-          <a:bodyPr anchor="ctr"/>
-          <a:lstStyle/>
-          <a:p>
-            <a:pPr algn="ctr" fontAlgn="auto">
-              <a:spcBef>
-                <a:spcPts val="0"/>
-              </a:spcBef>
-              <a:spcAft>
-                <a:spcPts val="0"/>
-              </a:spcAft>
-              <a:defRPr/>
-            </a:pPr>
-            <a:r>
-              <a:rPr lang="ru-RU" dirty="0"/>
-              <a:t>Метаданные</a:t>
-            </a:r>
-          </a:p>
-        </p:txBody>
-      </p:sp>
-      <p:sp>
-        <p:nvSpPr>
-          <p:cNvPr id="13" name="Стрелка вниз 16"/>
-          <p:cNvSpPr/>
-          <p:nvPr/>
-        </p:nvSpPr>
-        <p:spPr>
-          <a:xfrm>
-            <a:off x="3733800" y="1371600"/>
-            <a:ext cx="1295400" cy="609600"/>
-          </a:xfrm>
-          <a:prstGeom prst="downArrow">
-            <a:avLst>
-              <a:gd name="adj1" fmla="val 48588"/>
-              <a:gd name="adj2" fmla="val 50000"/>
-            </a:avLst>
-          </a:prstGeom>
-        </p:spPr>
-        <p:style>
-          <a:lnRef idx="1">
-            <a:schemeClr val="dk1"/>
-          </a:lnRef>
-          <a:fillRef idx="2">
-            <a:schemeClr val="dk1"/>
-          </a:fillRef>
-          <a:effectRef idx="1">
-            <a:schemeClr val="dk1"/>
-          </a:effectRef>
-          <a:fontRef idx="minor">
-            <a:schemeClr val="dk1"/>
-          </a:fontRef>
-        </p:style>
-        <p:txBody>
-          <a:bodyPr anchor="ctr"/>
-          <a:lstStyle/>
-          <a:p>
-            <a:pPr algn="ctr" fontAlgn="auto">
-              <a:spcBef>
-                <a:spcPts val="0"/>
-              </a:spcBef>
-              <a:spcAft>
-                <a:spcPts val="0"/>
-              </a:spcAft>
-              <a:defRPr/>
-            </a:pPr>
-            <a:endParaRPr lang="ru-RU"/>
-          </a:p>
-        </p:txBody>
-      </p:sp>
-      <p:sp>
-        <p:nvSpPr>
-          <p:cNvPr id="14" name="Стрелка вниз 21"/>
-          <p:cNvSpPr/>
-          <p:nvPr/>
-        </p:nvSpPr>
-        <p:spPr>
-          <a:xfrm>
-            <a:off x="2743200" y="2743200"/>
-            <a:ext cx="1295400" cy="838200"/>
-          </a:xfrm>
-          <a:prstGeom prst="downArrow">
-            <a:avLst>
-              <a:gd name="adj1" fmla="val 48588"/>
-              <a:gd name="adj2" fmla="val 50000"/>
-            </a:avLst>
-          </a:prstGeom>
-        </p:spPr>
-        <p:style>
-          <a:lnRef idx="1">
-            <a:schemeClr val="dk1"/>
-          </a:lnRef>
-          <a:fillRef idx="2">
-            <a:schemeClr val="dk1"/>
-          </a:fillRef>
-          <a:effectRef idx="1">
-            <a:schemeClr val="dk1"/>
-          </a:effectRef>
-          <a:fontRef idx="minor">
-            <a:schemeClr val="dk1"/>
-          </a:fontRef>
-        </p:style>
-        <p:txBody>
-          <a:bodyPr anchor="ctr"/>
-          <a:lstStyle/>
-          <a:p>
-            <a:pPr algn="ctr" fontAlgn="auto">
-              <a:spcBef>
-                <a:spcPts val="0"/>
-              </a:spcBef>
-              <a:spcAft>
-                <a:spcPts val="0"/>
-              </a:spcAft>
-              <a:defRPr/>
-            </a:pPr>
-            <a:endParaRPr lang="ru-RU"/>
-          </a:p>
-        </p:txBody>
-      </p:sp>
-      <p:sp>
-        <p:nvSpPr>
-          <p:cNvPr id="15" name="Стрелка вниз 22"/>
-          <p:cNvSpPr/>
-          <p:nvPr/>
-        </p:nvSpPr>
-        <p:spPr>
-          <a:xfrm>
-            <a:off x="4800600" y="2743200"/>
-            <a:ext cx="1295400" cy="838200"/>
-          </a:xfrm>
-          <a:prstGeom prst="downArrow">
-            <a:avLst>
-              <a:gd name="adj1" fmla="val 48588"/>
-              <a:gd name="adj2" fmla="val 50000"/>
-            </a:avLst>
-          </a:prstGeom>
-        </p:spPr>
-        <p:style>
-          <a:lnRef idx="1">
-            <a:schemeClr val="dk1"/>
-          </a:lnRef>
-          <a:fillRef idx="2">
-            <a:schemeClr val="dk1"/>
-          </a:fillRef>
-          <a:effectRef idx="1">
-            <a:schemeClr val="dk1"/>
-          </a:effectRef>
-          <a:fontRef idx="minor">
-            <a:schemeClr val="dk1"/>
-          </a:fontRef>
-        </p:style>
-        <p:txBody>
-          <a:bodyPr anchor="ctr"/>
-          <a:lstStyle/>
-          <a:p>
-            <a:pPr algn="ctr" fontAlgn="auto">
-              <a:spcBef>
-                <a:spcPts val="0"/>
-              </a:spcBef>
-              <a:spcAft>
-                <a:spcPts val="0"/>
-              </a:spcAft>
-              <a:defRPr/>
-            </a:pPr>
-            <a:endParaRPr lang="ru-RU"/>
-          </a:p>
-        </p:txBody>
-      </p:sp>
-      <p:sp>
-        <p:nvSpPr>
-          <p:cNvPr id="2" name="TextBox 1"/>
-          <p:cNvSpPr txBox="1"/>
-          <p:nvPr/>
-        </p:nvSpPr>
-        <p:spPr>
-          <a:xfrm>
-            <a:off x="2520800" y="252492"/>
-            <a:ext cx="3672408" cy="461665"/>
-          </a:xfrm>
-          <a:prstGeom prst="rect">
-            <a:avLst/>
-          </a:prstGeom>
-          <a:noFill/>
-        </p:spPr>
-        <p:txBody>
-          <a:bodyPr wrap="square" rtlCol="0">
+          <a:bodyPr wrap="square">
             <a:spAutoFit/>
           </a:bodyPr>
           <a:lstStyle/>
           <a:p>
-            <a:pPr algn="ctr"/>
-            <a:r>
-              <a:rPr lang="ru-RU" sz="2400" dirty="0" smtClean="0">
-                <a:solidFill>
-                  <a:schemeClr val="bg1"/>
-                </a:solidFill>
-              </a:rPr>
-              <a:t>Понятие сборки</a:t>
-            </a:r>
-            <a:endParaRPr lang="en-US" sz="2400" dirty="0">
+            <a:pPr lvl="0"/>
+            <a:r>
+              <a:rPr lang="en-US" sz="3200" dirty="0" smtClean="0">
+                <a:solidFill>
+                  <a:schemeClr val="bg1"/>
+                </a:solidFill>
+              </a:rPr>
+              <a:t>.NET Framework</a:t>
+            </a:r>
+            <a:endParaRPr lang="ru-RU" sz="3200" dirty="0" smtClean="0">
+              <a:solidFill>
+                <a:schemeClr val="bg1"/>
+              </a:solidFill>
+            </a:endParaRPr>
+          </a:p>
+          <a:p>
+            <a:pPr lvl="0"/>
+            <a:endParaRPr lang="ru-RU" dirty="0" smtClean="0">
+              <a:solidFill>
+                <a:schemeClr val="bg1"/>
+              </a:solidFill>
+            </a:endParaRPr>
+          </a:p>
+          <a:p>
+            <a:pPr marL="285750" indent="-285750">
+              <a:buFont typeface="Arial" pitchFamily="34" charset="0"/>
+              <a:buChar char="•"/>
+            </a:pPr>
+            <a:r>
+              <a:rPr lang="en-US" dirty="0" smtClean="0">
+                <a:solidFill>
+                  <a:schemeClr val="bg1"/>
+                </a:solidFill>
+              </a:rPr>
+              <a:t>CLR – Common Language Runtime – </a:t>
+            </a:r>
+            <a:r>
+              <a:rPr lang="ru-RU" dirty="0" smtClean="0">
+                <a:solidFill>
+                  <a:schemeClr val="bg1"/>
+                </a:solidFill>
+              </a:rPr>
+              <a:t>Общеязыковая исполняющая среда</a:t>
+            </a:r>
+          </a:p>
+          <a:p>
+            <a:pPr marL="742950" lvl="1" indent="-285750">
+              <a:buFont typeface="Arial" pitchFamily="34" charset="0"/>
+              <a:buChar char="•"/>
+            </a:pPr>
+            <a:r>
+              <a:rPr lang="en-US" dirty="0">
+                <a:solidFill>
+                  <a:schemeClr val="bg1"/>
+                </a:solidFill>
+              </a:rPr>
+              <a:t>C++/CLI, C#, Visual Basic .NET, F#, Iron Python, Iron Ruby, and an Intermediate Language (IL) </a:t>
+            </a:r>
+            <a:r>
+              <a:rPr lang="en-US" dirty="0" smtClean="0">
+                <a:solidFill>
+                  <a:schemeClr val="bg1"/>
+                </a:solidFill>
+              </a:rPr>
+              <a:t>Assembler</a:t>
+            </a:r>
+            <a:endParaRPr lang="ru-RU" dirty="0" smtClean="0">
+              <a:solidFill>
+                <a:schemeClr val="bg1"/>
+              </a:solidFill>
+            </a:endParaRPr>
+          </a:p>
+          <a:p>
+            <a:pPr marL="742950" lvl="1" indent="-285750">
+              <a:buFont typeface="Arial" pitchFamily="34" charset="0"/>
+              <a:buChar char="•"/>
+            </a:pPr>
+            <a:r>
+              <a:rPr lang="ru-RU" dirty="0" smtClean="0">
+                <a:solidFill>
+                  <a:schemeClr val="bg1"/>
+                </a:solidFill>
+              </a:rPr>
+              <a:t>Управляет памятью</a:t>
+            </a:r>
+            <a:r>
+              <a:rPr lang="en-US" dirty="0" smtClean="0">
+                <a:solidFill>
+                  <a:schemeClr val="bg1"/>
+                </a:solidFill>
+              </a:rPr>
+              <a:t>, </a:t>
+            </a:r>
+            <a:r>
+              <a:rPr lang="ru-RU" dirty="0" smtClean="0">
+                <a:solidFill>
+                  <a:schemeClr val="bg1"/>
+                </a:solidFill>
+              </a:rPr>
+              <a:t>потоками</a:t>
+            </a:r>
+            <a:r>
+              <a:rPr lang="en-US" dirty="0" smtClean="0">
+                <a:solidFill>
+                  <a:schemeClr val="bg1"/>
+                </a:solidFill>
+              </a:rPr>
+              <a:t>, </a:t>
+            </a:r>
+            <a:r>
+              <a:rPr lang="ru-RU" dirty="0" smtClean="0">
+                <a:solidFill>
+                  <a:schemeClr val="bg1"/>
+                </a:solidFill>
+              </a:rPr>
+              <a:t>исполнением кода</a:t>
+            </a:r>
+            <a:r>
+              <a:rPr lang="en-US" dirty="0" smtClean="0">
+                <a:solidFill>
+                  <a:schemeClr val="bg1"/>
+                </a:solidFill>
+              </a:rPr>
+              <a:t>, </a:t>
+            </a:r>
+            <a:r>
+              <a:rPr lang="ru-RU" dirty="0" smtClean="0">
+                <a:solidFill>
+                  <a:schemeClr val="bg1"/>
+                </a:solidFill>
+              </a:rPr>
+              <a:t>проверками кода на безопасность</a:t>
+            </a:r>
+            <a:r>
+              <a:rPr lang="en-US" dirty="0" smtClean="0">
+                <a:solidFill>
+                  <a:schemeClr val="bg1"/>
+                </a:solidFill>
+              </a:rPr>
+              <a:t>, JIT-</a:t>
+            </a:r>
+            <a:r>
+              <a:rPr lang="ru-RU" dirty="0" smtClean="0">
+                <a:solidFill>
+                  <a:schemeClr val="bg1"/>
+                </a:solidFill>
+              </a:rPr>
+              <a:t>компиляция</a:t>
+            </a:r>
+            <a:r>
+              <a:rPr lang="en-US" dirty="0" smtClean="0">
+                <a:solidFill>
+                  <a:schemeClr val="bg1"/>
+                </a:solidFill>
+              </a:rPr>
+              <a:t>.</a:t>
+            </a:r>
+            <a:endParaRPr lang="ru-RU" dirty="0" smtClean="0">
+              <a:solidFill>
+                <a:schemeClr val="bg1"/>
+              </a:solidFill>
+            </a:endParaRPr>
+          </a:p>
+          <a:p>
+            <a:pPr marL="285750" indent="-285750">
+              <a:buFont typeface="Arial" pitchFamily="34" charset="0"/>
+              <a:buChar char="•"/>
+            </a:pPr>
+            <a:r>
+              <a:rPr lang="en-US" dirty="0" smtClean="0">
+                <a:solidFill>
+                  <a:schemeClr val="bg1"/>
+                </a:solidFill>
+              </a:rPr>
+              <a:t>Managed/</a:t>
+            </a:r>
+            <a:r>
+              <a:rPr lang="en-US" dirty="0" err="1" smtClean="0">
+                <a:solidFill>
+                  <a:schemeClr val="bg1"/>
+                </a:solidFill>
+              </a:rPr>
+              <a:t>Unmaged</a:t>
+            </a:r>
+            <a:r>
+              <a:rPr lang="en-US" dirty="0" smtClean="0">
+                <a:solidFill>
+                  <a:schemeClr val="bg1"/>
+                </a:solidFill>
+              </a:rPr>
+              <a:t> </a:t>
+            </a:r>
+            <a:r>
+              <a:rPr lang="ru-RU" dirty="0" smtClean="0">
+                <a:solidFill>
+                  <a:schemeClr val="bg1"/>
+                </a:solidFill>
+              </a:rPr>
+              <a:t>– Управляемый/Неуправляемый код</a:t>
+            </a:r>
+          </a:p>
+          <a:p>
+            <a:pPr marL="742950" lvl="1" indent="-285750">
+              <a:buFont typeface="Arial" pitchFamily="34" charset="0"/>
+              <a:buChar char="•"/>
+            </a:pPr>
+            <a:r>
+              <a:rPr lang="ru-RU" dirty="0" smtClean="0">
+                <a:solidFill>
+                  <a:schemeClr val="bg1"/>
+                </a:solidFill>
+              </a:rPr>
+              <a:t>Код предназначенный для исполнения из под </a:t>
+            </a:r>
+            <a:r>
+              <a:rPr lang="en-US" dirty="0" smtClean="0">
+                <a:solidFill>
+                  <a:schemeClr val="bg1"/>
+                </a:solidFill>
+              </a:rPr>
+              <a:t>CLR</a:t>
+            </a:r>
+            <a:r>
+              <a:rPr lang="ru-RU" dirty="0">
+                <a:solidFill>
+                  <a:schemeClr val="bg1"/>
+                </a:solidFill>
+              </a:rPr>
+              <a:t> </a:t>
+            </a:r>
+            <a:r>
+              <a:rPr lang="ru-RU" dirty="0" smtClean="0">
+                <a:solidFill>
+                  <a:schemeClr val="bg1"/>
+                </a:solidFill>
+              </a:rPr>
+              <a:t>является управляемым</a:t>
+            </a:r>
+          </a:p>
+          <a:p>
+            <a:pPr marL="285750" indent="-285750">
+              <a:buFont typeface="Arial" pitchFamily="34" charset="0"/>
+              <a:buChar char="•"/>
+            </a:pPr>
+            <a:r>
+              <a:rPr lang="en-US" dirty="0" smtClean="0">
+                <a:solidFill>
+                  <a:schemeClr val="bg1"/>
+                </a:solidFill>
+              </a:rPr>
+              <a:t>GC – Garbage collector – </a:t>
+            </a:r>
+            <a:r>
+              <a:rPr lang="ru-RU" dirty="0" smtClean="0">
+                <a:solidFill>
+                  <a:schemeClr val="bg1"/>
+                </a:solidFill>
+              </a:rPr>
+              <a:t>Сборщик мусора.</a:t>
+            </a:r>
+          </a:p>
+          <a:p>
+            <a:pPr marL="285750" indent="-285750">
+              <a:buFont typeface="Arial" pitchFamily="34" charset="0"/>
+              <a:buChar char="•"/>
+            </a:pPr>
+            <a:endParaRPr lang="ru-RU" dirty="0" smtClean="0">
+              <a:solidFill>
+                <a:schemeClr val="bg1"/>
+              </a:solidFill>
+            </a:endParaRPr>
+          </a:p>
+          <a:p>
+            <a:pPr marL="285750" indent="-285750">
+              <a:buFont typeface="Arial" pitchFamily="34" charset="0"/>
+              <a:buChar char="•"/>
+            </a:pPr>
+            <a:endParaRPr lang="en-US" dirty="0" smtClean="0">
               <a:solidFill>
                 <a:schemeClr val="bg1"/>
               </a:solidFill>
@@ -4135,7 +3647,7 @@
     </p:spTree>
     <p:extLst>
       <p:ext uri="{BB962C8B-B14F-4D97-AF65-F5344CB8AC3E}">
-        <p14:creationId xmlns:p14="http://schemas.microsoft.com/office/powerpoint/2010/main" val="669921671"/>
+        <p14:creationId xmlns:p14="http://schemas.microsoft.com/office/powerpoint/2010/main" val="1302028225"/>
       </p:ext>
     </p:extLst>
   </p:cSld>
@@ -4191,6 +3703,956 @@
         </p:nvSpPr>
         <p:spPr>
           <a:xfrm>
+            <a:off x="251520" y="2708920"/>
+            <a:ext cx="8640960" cy="1046440"/>
+          </a:xfrm>
+          <a:prstGeom prst="rect">
+            <a:avLst/>
+          </a:prstGeom>
+        </p:spPr>
+        <p:txBody>
+          <a:bodyPr wrap="square">
+            <a:spAutoFit/>
+          </a:bodyPr>
+          <a:lstStyle/>
+          <a:p>
+            <a:pPr algn="ctr"/>
+            <a:r>
+              <a:rPr lang="en-US" sz="4400" dirty="0" smtClean="0">
+                <a:solidFill>
+                  <a:schemeClr val="bg1"/>
+                </a:solidFill>
+              </a:rPr>
+              <a:t>Visual Studio - </a:t>
+            </a:r>
+            <a:r>
+              <a:rPr lang="ru-RU" sz="4400" dirty="0" smtClean="0">
+                <a:solidFill>
+                  <a:schemeClr val="bg1"/>
+                </a:solidFill>
+              </a:rPr>
+              <a:t>Демонстрация</a:t>
+            </a:r>
+          </a:p>
+          <a:p>
+            <a:pPr marL="285750" indent="-285750">
+              <a:buFont typeface="Arial" pitchFamily="34" charset="0"/>
+              <a:buChar char="•"/>
+            </a:pPr>
+            <a:endParaRPr lang="en-US" dirty="0" smtClean="0">
+              <a:solidFill>
+                <a:schemeClr val="bg1"/>
+              </a:solidFill>
+            </a:endParaRPr>
+          </a:p>
+        </p:txBody>
+      </p:sp>
+    </p:spTree>
+    <p:extLst>
+      <p:ext uri="{BB962C8B-B14F-4D97-AF65-F5344CB8AC3E}">
+        <p14:creationId xmlns:p14="http://schemas.microsoft.com/office/powerpoint/2010/main" val="3778786220"/>
+      </p:ext>
+    </p:extLst>
+  </p:cSld>
+  <p:clrMapOvr>
+    <a:masterClrMapping/>
+  </p:clrMapOvr>
+  <p:timing>
+    <p:tnLst>
+      <p:par>
+        <p:cTn id="1" dur="indefinite" restart="never" nodeType="tmRoot"/>
+      </p:par>
+    </p:tnLst>
+  </p:timing>
+</p:sld>
+</file>
+
+<file path=ppt/slides/slide12.xml><?xml version="1.0" encoding="utf-8"?>
+<p:sld xmlns:a="http://schemas.openxmlformats.org/drawingml/2006/main" xmlns:r="http://schemas.openxmlformats.org/officeDocument/2006/relationships" xmlns:p="http://schemas.openxmlformats.org/presentationml/2006/main">
+  <p:cSld>
+    <p:bg>
+      <p:bgPr>
+        <a:blipFill dpi="0" rotWithShape="1">
+          <a:blip r:embed="rId2">
+            <a:lum/>
+          </a:blip>
+          <a:srcRect/>
+          <a:stretch>
+            <a:fillRect/>
+          </a:stretch>
+        </a:blipFill>
+        <a:effectLst/>
+      </p:bgPr>
+    </p:bg>
+    <p:spTree>
+      <p:nvGrpSpPr>
+        <p:cNvPr id="1" name=""/>
+        <p:cNvGrpSpPr/>
+        <p:nvPr/>
+      </p:nvGrpSpPr>
+      <p:grpSpPr>
+        <a:xfrm>
+          <a:off x="0" y="0"/>
+          <a:ext cx="0" cy="0"/>
+          <a:chOff x="0" y="0"/>
+          <a:chExt cx="0" cy="0"/>
+        </a:xfrm>
+      </p:grpSpPr>
+      <p:sp>
+        <p:nvSpPr>
+          <p:cNvPr id="4" name="Прямоугольник 13"/>
+          <p:cNvSpPr/>
+          <p:nvPr/>
+        </p:nvSpPr>
+        <p:spPr>
+          <a:xfrm>
+            <a:off x="3429000" y="914400"/>
+            <a:ext cx="1905000" cy="457200"/>
+          </a:xfrm>
+          <a:prstGeom prst="rect">
+            <a:avLst/>
+          </a:prstGeom>
+        </p:spPr>
+        <p:style>
+          <a:lnRef idx="1">
+            <a:schemeClr val="accent1"/>
+          </a:lnRef>
+          <a:fillRef idx="2">
+            <a:schemeClr val="accent1"/>
+          </a:fillRef>
+          <a:effectRef idx="1">
+            <a:schemeClr val="accent1"/>
+          </a:effectRef>
+          <a:fontRef idx="minor">
+            <a:schemeClr val="dk1"/>
+          </a:fontRef>
+        </p:style>
+        <p:txBody>
+          <a:bodyPr anchor="ctr"/>
+          <a:lstStyle/>
+          <a:p>
+            <a:pPr algn="ctr" fontAlgn="auto">
+              <a:spcBef>
+                <a:spcPts val="0"/>
+              </a:spcBef>
+              <a:spcAft>
+                <a:spcPts val="0"/>
+              </a:spcAft>
+              <a:defRPr/>
+            </a:pPr>
+            <a:r>
+              <a:rPr lang="ru-RU" dirty="0"/>
+              <a:t>Код</a:t>
+            </a:r>
+          </a:p>
+        </p:txBody>
+      </p:sp>
+      <p:sp>
+        <p:nvSpPr>
+          <p:cNvPr id="5" name="Прямоугольник 14"/>
+          <p:cNvSpPr/>
+          <p:nvPr/>
+        </p:nvSpPr>
+        <p:spPr>
+          <a:xfrm>
+            <a:off x="3048000" y="1981200"/>
+            <a:ext cx="2743200" cy="762000"/>
+          </a:xfrm>
+          <a:prstGeom prst="rect">
+            <a:avLst/>
+          </a:prstGeom>
+        </p:spPr>
+        <p:style>
+          <a:lnRef idx="1">
+            <a:schemeClr val="accent2"/>
+          </a:lnRef>
+          <a:fillRef idx="2">
+            <a:schemeClr val="accent2"/>
+          </a:fillRef>
+          <a:effectRef idx="1">
+            <a:schemeClr val="accent2"/>
+          </a:effectRef>
+          <a:fontRef idx="minor">
+            <a:schemeClr val="dk1"/>
+          </a:fontRef>
+        </p:style>
+        <p:txBody>
+          <a:bodyPr anchor="ctr"/>
+          <a:lstStyle/>
+          <a:p>
+            <a:pPr algn="ctr" fontAlgn="auto">
+              <a:spcBef>
+                <a:spcPts val="0"/>
+              </a:spcBef>
+              <a:spcAft>
+                <a:spcPts val="0"/>
+              </a:spcAft>
+              <a:defRPr/>
+            </a:pPr>
+            <a:r>
+              <a:rPr lang="en-US" dirty="0"/>
+              <a:t>JIT</a:t>
+            </a:r>
+          </a:p>
+          <a:p>
+            <a:pPr algn="ctr" fontAlgn="auto">
+              <a:spcBef>
+                <a:spcPts val="0"/>
+              </a:spcBef>
+              <a:spcAft>
+                <a:spcPts val="0"/>
+              </a:spcAft>
+              <a:defRPr/>
+            </a:pPr>
+            <a:r>
+              <a:rPr lang="en-US" dirty="0"/>
+              <a:t>Just In Time - </a:t>
+            </a:r>
+            <a:r>
+              <a:rPr lang="ru-RU" dirty="0"/>
+              <a:t>компилятор</a:t>
+            </a:r>
+          </a:p>
+        </p:txBody>
+      </p:sp>
+      <p:sp>
+        <p:nvSpPr>
+          <p:cNvPr id="6" name="Прямоугольник 19"/>
+          <p:cNvSpPr/>
+          <p:nvPr/>
+        </p:nvSpPr>
+        <p:spPr>
+          <a:xfrm>
+            <a:off x="1981200" y="3581400"/>
+            <a:ext cx="2286000" cy="2286000"/>
+          </a:xfrm>
+          <a:prstGeom prst="rect">
+            <a:avLst/>
+          </a:prstGeom>
+        </p:spPr>
+        <p:style>
+          <a:lnRef idx="1">
+            <a:schemeClr val="dk1"/>
+          </a:lnRef>
+          <a:fillRef idx="2">
+            <a:schemeClr val="dk1"/>
+          </a:fillRef>
+          <a:effectRef idx="1">
+            <a:schemeClr val="dk1"/>
+          </a:effectRef>
+          <a:fontRef idx="minor">
+            <a:schemeClr val="dk1"/>
+          </a:fontRef>
+        </p:style>
+        <p:txBody>
+          <a:bodyPr anchor="ctr"/>
+          <a:lstStyle/>
+          <a:p>
+            <a:pPr algn="ctr">
+              <a:defRPr/>
+            </a:pPr>
+            <a:r>
+              <a:rPr lang="ru-RU">
+                <a:solidFill>
+                  <a:srgbClr val="000000"/>
+                </a:solidFill>
+              </a:rPr>
+              <a:t>Сборка</a:t>
+            </a:r>
+          </a:p>
+          <a:p>
+            <a:pPr algn="ctr">
+              <a:defRPr/>
+            </a:pPr>
+            <a:r>
+              <a:rPr lang="ru-RU" sz="1600">
+                <a:solidFill>
+                  <a:srgbClr val="000000"/>
+                </a:solidFill>
+              </a:rPr>
+              <a:t>(Исполняемый файл)</a:t>
+            </a:r>
+          </a:p>
+          <a:p>
+            <a:pPr algn="ctr">
+              <a:defRPr/>
+            </a:pPr>
+            <a:endParaRPr lang="ru-RU" sz="1600">
+              <a:solidFill>
+                <a:srgbClr val="000000"/>
+              </a:solidFill>
+            </a:endParaRPr>
+          </a:p>
+          <a:p>
+            <a:pPr algn="ctr">
+              <a:defRPr/>
+            </a:pPr>
+            <a:endParaRPr lang="ru-RU">
+              <a:solidFill>
+                <a:srgbClr val="000000"/>
+              </a:solidFill>
+            </a:endParaRPr>
+          </a:p>
+          <a:p>
+            <a:pPr algn="ctr">
+              <a:defRPr/>
+            </a:pPr>
+            <a:endParaRPr lang="ru-RU">
+              <a:solidFill>
+                <a:srgbClr val="000000"/>
+              </a:solidFill>
+            </a:endParaRPr>
+          </a:p>
+          <a:p>
+            <a:pPr algn="ctr">
+              <a:defRPr/>
+            </a:pPr>
+            <a:endParaRPr lang="ru-RU">
+              <a:solidFill>
+                <a:srgbClr val="000000"/>
+              </a:solidFill>
+            </a:endParaRPr>
+          </a:p>
+          <a:p>
+            <a:pPr algn="ctr">
+              <a:defRPr/>
+            </a:pPr>
+            <a:endParaRPr lang="ru-RU">
+              <a:solidFill>
+                <a:srgbClr val="000000"/>
+              </a:solidFill>
+            </a:endParaRPr>
+          </a:p>
+          <a:p>
+            <a:pPr algn="ctr">
+              <a:defRPr/>
+            </a:pPr>
+            <a:endParaRPr lang="ru-RU">
+              <a:solidFill>
+                <a:srgbClr val="000000"/>
+              </a:solidFill>
+            </a:endParaRPr>
+          </a:p>
+        </p:txBody>
+      </p:sp>
+      <p:sp>
+        <p:nvSpPr>
+          <p:cNvPr id="7" name="Прямоугольник 20"/>
+          <p:cNvSpPr/>
+          <p:nvPr/>
+        </p:nvSpPr>
+        <p:spPr>
+          <a:xfrm>
+            <a:off x="2057400" y="5334000"/>
+            <a:ext cx="2133600" cy="457200"/>
+          </a:xfrm>
+          <a:prstGeom prst="rect">
+            <a:avLst/>
+          </a:prstGeom>
+        </p:spPr>
+        <p:style>
+          <a:lnRef idx="1">
+            <a:schemeClr val="accent1"/>
+          </a:lnRef>
+          <a:fillRef idx="2">
+            <a:schemeClr val="accent1"/>
+          </a:fillRef>
+          <a:effectRef idx="1">
+            <a:schemeClr val="accent1"/>
+          </a:effectRef>
+          <a:fontRef idx="minor">
+            <a:schemeClr val="dk1"/>
+          </a:fontRef>
+        </p:style>
+        <p:txBody>
+          <a:bodyPr anchor="ctr"/>
+          <a:lstStyle/>
+          <a:p>
+            <a:pPr algn="ctr" fontAlgn="auto">
+              <a:spcBef>
+                <a:spcPts val="0"/>
+              </a:spcBef>
+              <a:spcAft>
+                <a:spcPts val="0"/>
+              </a:spcAft>
+              <a:defRPr/>
+            </a:pPr>
+            <a:r>
+              <a:rPr lang="en-US" dirty="0"/>
+              <a:t>CIL - </a:t>
+            </a:r>
+            <a:r>
+              <a:rPr lang="ru-RU" dirty="0"/>
+              <a:t>Код</a:t>
+            </a:r>
+          </a:p>
+        </p:txBody>
+      </p:sp>
+      <p:sp>
+        <p:nvSpPr>
+          <p:cNvPr id="8" name="Прямоугольник 8"/>
+          <p:cNvSpPr/>
+          <p:nvPr/>
+        </p:nvSpPr>
+        <p:spPr>
+          <a:xfrm>
+            <a:off x="2057400" y="4267200"/>
+            <a:ext cx="2133600" cy="457200"/>
+          </a:xfrm>
+          <a:prstGeom prst="rect">
+            <a:avLst/>
+          </a:prstGeom>
+        </p:spPr>
+        <p:style>
+          <a:lnRef idx="1">
+            <a:schemeClr val="accent4"/>
+          </a:lnRef>
+          <a:fillRef idx="2">
+            <a:schemeClr val="accent4"/>
+          </a:fillRef>
+          <a:effectRef idx="1">
+            <a:schemeClr val="accent4"/>
+          </a:effectRef>
+          <a:fontRef idx="minor">
+            <a:schemeClr val="dk1"/>
+          </a:fontRef>
+        </p:style>
+        <p:txBody>
+          <a:bodyPr anchor="ctr"/>
+          <a:lstStyle/>
+          <a:p>
+            <a:pPr algn="ctr" fontAlgn="auto">
+              <a:spcBef>
+                <a:spcPts val="0"/>
+              </a:spcBef>
+              <a:spcAft>
+                <a:spcPts val="0"/>
+              </a:spcAft>
+              <a:defRPr/>
+            </a:pPr>
+            <a:r>
+              <a:rPr lang="ru-RU" dirty="0"/>
+              <a:t>Манифест</a:t>
+            </a:r>
+          </a:p>
+        </p:txBody>
+      </p:sp>
+      <p:sp>
+        <p:nvSpPr>
+          <p:cNvPr id="9" name="Прямоугольник 9"/>
+          <p:cNvSpPr/>
+          <p:nvPr/>
+        </p:nvSpPr>
+        <p:spPr>
+          <a:xfrm>
+            <a:off x="2057400" y="4800600"/>
+            <a:ext cx="2133600" cy="457200"/>
+          </a:xfrm>
+          <a:prstGeom prst="rect">
+            <a:avLst/>
+          </a:prstGeom>
+        </p:spPr>
+        <p:style>
+          <a:lnRef idx="1">
+            <a:schemeClr val="accent3"/>
+          </a:lnRef>
+          <a:fillRef idx="2">
+            <a:schemeClr val="accent3"/>
+          </a:fillRef>
+          <a:effectRef idx="1">
+            <a:schemeClr val="accent3"/>
+          </a:effectRef>
+          <a:fontRef idx="minor">
+            <a:schemeClr val="dk1"/>
+          </a:fontRef>
+        </p:style>
+        <p:txBody>
+          <a:bodyPr anchor="ctr"/>
+          <a:lstStyle/>
+          <a:p>
+            <a:pPr algn="ctr" fontAlgn="auto">
+              <a:spcBef>
+                <a:spcPts val="0"/>
+              </a:spcBef>
+              <a:spcAft>
+                <a:spcPts val="0"/>
+              </a:spcAft>
+              <a:defRPr/>
+            </a:pPr>
+            <a:r>
+              <a:rPr lang="ru-RU" dirty="0"/>
+              <a:t>Метаданные</a:t>
+            </a:r>
+          </a:p>
+        </p:txBody>
+      </p:sp>
+      <p:sp>
+        <p:nvSpPr>
+          <p:cNvPr id="10" name="Прямоугольник 11"/>
+          <p:cNvSpPr/>
+          <p:nvPr/>
+        </p:nvSpPr>
+        <p:spPr>
+          <a:xfrm>
+            <a:off x="4572000" y="3581400"/>
+            <a:ext cx="2286000" cy="1676400"/>
+          </a:xfrm>
+          <a:prstGeom prst="rect">
+            <a:avLst/>
+          </a:prstGeom>
+        </p:spPr>
+        <p:style>
+          <a:lnRef idx="1">
+            <a:schemeClr val="dk1"/>
+          </a:lnRef>
+          <a:fillRef idx="2">
+            <a:schemeClr val="dk1"/>
+          </a:fillRef>
+          <a:effectRef idx="1">
+            <a:schemeClr val="dk1"/>
+          </a:effectRef>
+          <a:fontRef idx="minor">
+            <a:schemeClr val="dk1"/>
+          </a:fontRef>
+        </p:style>
+        <p:txBody>
+          <a:bodyPr anchor="ctr"/>
+          <a:lstStyle/>
+          <a:p>
+            <a:pPr algn="ctr" fontAlgn="auto">
+              <a:spcBef>
+                <a:spcPts val="0"/>
+              </a:spcBef>
+              <a:spcAft>
+                <a:spcPts val="0"/>
+              </a:spcAft>
+              <a:defRPr/>
+            </a:pPr>
+            <a:r>
+              <a:rPr lang="ru-RU" dirty="0"/>
+              <a:t>Сборка</a:t>
+            </a:r>
+          </a:p>
+          <a:p>
+            <a:pPr algn="ctr" fontAlgn="auto">
+              <a:spcBef>
+                <a:spcPts val="0"/>
+              </a:spcBef>
+              <a:spcAft>
+                <a:spcPts val="0"/>
+              </a:spcAft>
+              <a:defRPr/>
+            </a:pPr>
+            <a:r>
+              <a:rPr lang="ru-RU" dirty="0"/>
+              <a:t>(Библиотека .</a:t>
+            </a:r>
+            <a:r>
+              <a:rPr lang="en-US" dirty="0" err="1"/>
+              <a:t>dll</a:t>
+            </a:r>
+            <a:r>
+              <a:rPr lang="ru-RU" dirty="0"/>
+              <a:t>)</a:t>
+            </a:r>
+          </a:p>
+          <a:p>
+            <a:pPr algn="ctr" fontAlgn="auto">
+              <a:spcBef>
+                <a:spcPts val="0"/>
+              </a:spcBef>
+              <a:spcAft>
+                <a:spcPts val="0"/>
+              </a:spcAft>
+              <a:defRPr/>
+            </a:pPr>
+            <a:endParaRPr lang="ru-RU" dirty="0"/>
+          </a:p>
+          <a:p>
+            <a:pPr algn="ctr" fontAlgn="auto">
+              <a:spcBef>
+                <a:spcPts val="0"/>
+              </a:spcBef>
+              <a:spcAft>
+                <a:spcPts val="0"/>
+              </a:spcAft>
+              <a:defRPr/>
+            </a:pPr>
+            <a:endParaRPr lang="ru-RU" dirty="0"/>
+          </a:p>
+          <a:p>
+            <a:pPr algn="ctr" fontAlgn="auto">
+              <a:spcBef>
+                <a:spcPts val="0"/>
+              </a:spcBef>
+              <a:spcAft>
+                <a:spcPts val="0"/>
+              </a:spcAft>
+              <a:defRPr/>
+            </a:pPr>
+            <a:endParaRPr lang="ru-RU" dirty="0"/>
+          </a:p>
+          <a:p>
+            <a:pPr algn="ctr" fontAlgn="auto">
+              <a:spcBef>
+                <a:spcPts val="0"/>
+              </a:spcBef>
+              <a:spcAft>
+                <a:spcPts val="0"/>
+              </a:spcAft>
+              <a:defRPr/>
+            </a:pPr>
+            <a:endParaRPr lang="ru-RU" dirty="0"/>
+          </a:p>
+        </p:txBody>
+      </p:sp>
+      <p:sp>
+        <p:nvSpPr>
+          <p:cNvPr id="11" name="Прямоугольник 12"/>
+          <p:cNvSpPr/>
+          <p:nvPr/>
+        </p:nvSpPr>
+        <p:spPr>
+          <a:xfrm>
+            <a:off x="4648200" y="4724400"/>
+            <a:ext cx="2133600" cy="457200"/>
+          </a:xfrm>
+          <a:prstGeom prst="rect">
+            <a:avLst/>
+          </a:prstGeom>
+        </p:spPr>
+        <p:style>
+          <a:lnRef idx="1">
+            <a:schemeClr val="accent1"/>
+          </a:lnRef>
+          <a:fillRef idx="2">
+            <a:schemeClr val="accent1"/>
+          </a:fillRef>
+          <a:effectRef idx="1">
+            <a:schemeClr val="accent1"/>
+          </a:effectRef>
+          <a:fontRef idx="minor">
+            <a:schemeClr val="dk1"/>
+          </a:fontRef>
+        </p:style>
+        <p:txBody>
+          <a:bodyPr anchor="ctr"/>
+          <a:lstStyle/>
+          <a:p>
+            <a:pPr algn="ctr" fontAlgn="auto">
+              <a:spcBef>
+                <a:spcPts val="0"/>
+              </a:spcBef>
+              <a:spcAft>
+                <a:spcPts val="0"/>
+              </a:spcAft>
+              <a:defRPr/>
+            </a:pPr>
+            <a:r>
+              <a:rPr lang="en-US" dirty="0"/>
+              <a:t>CIL - </a:t>
+            </a:r>
+            <a:r>
+              <a:rPr lang="ru-RU" dirty="0"/>
+              <a:t>Код</a:t>
+            </a:r>
+          </a:p>
+        </p:txBody>
+      </p:sp>
+      <p:sp>
+        <p:nvSpPr>
+          <p:cNvPr id="12" name="Прямоугольник 15"/>
+          <p:cNvSpPr/>
+          <p:nvPr/>
+        </p:nvSpPr>
+        <p:spPr>
+          <a:xfrm>
+            <a:off x="4648200" y="4191000"/>
+            <a:ext cx="2133600" cy="457200"/>
+          </a:xfrm>
+          <a:prstGeom prst="rect">
+            <a:avLst/>
+          </a:prstGeom>
+        </p:spPr>
+        <p:style>
+          <a:lnRef idx="1">
+            <a:schemeClr val="accent3"/>
+          </a:lnRef>
+          <a:fillRef idx="2">
+            <a:schemeClr val="accent3"/>
+          </a:fillRef>
+          <a:effectRef idx="1">
+            <a:schemeClr val="accent3"/>
+          </a:effectRef>
+          <a:fontRef idx="minor">
+            <a:schemeClr val="dk1"/>
+          </a:fontRef>
+        </p:style>
+        <p:txBody>
+          <a:bodyPr anchor="ctr"/>
+          <a:lstStyle/>
+          <a:p>
+            <a:pPr algn="ctr" fontAlgn="auto">
+              <a:spcBef>
+                <a:spcPts val="0"/>
+              </a:spcBef>
+              <a:spcAft>
+                <a:spcPts val="0"/>
+              </a:spcAft>
+              <a:defRPr/>
+            </a:pPr>
+            <a:r>
+              <a:rPr lang="ru-RU" dirty="0"/>
+              <a:t>Метаданные</a:t>
+            </a:r>
+          </a:p>
+        </p:txBody>
+      </p:sp>
+      <p:sp>
+        <p:nvSpPr>
+          <p:cNvPr id="13" name="Стрелка вниз 16"/>
+          <p:cNvSpPr/>
+          <p:nvPr/>
+        </p:nvSpPr>
+        <p:spPr>
+          <a:xfrm>
+            <a:off x="3733800" y="1371600"/>
+            <a:ext cx="1295400" cy="609600"/>
+          </a:xfrm>
+          <a:prstGeom prst="downArrow">
+            <a:avLst>
+              <a:gd name="adj1" fmla="val 48588"/>
+              <a:gd name="adj2" fmla="val 50000"/>
+            </a:avLst>
+          </a:prstGeom>
+        </p:spPr>
+        <p:style>
+          <a:lnRef idx="1">
+            <a:schemeClr val="dk1"/>
+          </a:lnRef>
+          <a:fillRef idx="2">
+            <a:schemeClr val="dk1"/>
+          </a:fillRef>
+          <a:effectRef idx="1">
+            <a:schemeClr val="dk1"/>
+          </a:effectRef>
+          <a:fontRef idx="minor">
+            <a:schemeClr val="dk1"/>
+          </a:fontRef>
+        </p:style>
+        <p:txBody>
+          <a:bodyPr anchor="ctr"/>
+          <a:lstStyle/>
+          <a:p>
+            <a:pPr algn="ctr" fontAlgn="auto">
+              <a:spcBef>
+                <a:spcPts val="0"/>
+              </a:spcBef>
+              <a:spcAft>
+                <a:spcPts val="0"/>
+              </a:spcAft>
+              <a:defRPr/>
+            </a:pPr>
+            <a:endParaRPr lang="ru-RU"/>
+          </a:p>
+        </p:txBody>
+      </p:sp>
+      <p:sp>
+        <p:nvSpPr>
+          <p:cNvPr id="14" name="Стрелка вниз 21"/>
+          <p:cNvSpPr/>
+          <p:nvPr/>
+        </p:nvSpPr>
+        <p:spPr>
+          <a:xfrm>
+            <a:off x="2743200" y="2743200"/>
+            <a:ext cx="1295400" cy="838200"/>
+          </a:xfrm>
+          <a:prstGeom prst="downArrow">
+            <a:avLst>
+              <a:gd name="adj1" fmla="val 48588"/>
+              <a:gd name="adj2" fmla="val 50000"/>
+            </a:avLst>
+          </a:prstGeom>
+        </p:spPr>
+        <p:style>
+          <a:lnRef idx="1">
+            <a:schemeClr val="dk1"/>
+          </a:lnRef>
+          <a:fillRef idx="2">
+            <a:schemeClr val="dk1"/>
+          </a:fillRef>
+          <a:effectRef idx="1">
+            <a:schemeClr val="dk1"/>
+          </a:effectRef>
+          <a:fontRef idx="minor">
+            <a:schemeClr val="dk1"/>
+          </a:fontRef>
+        </p:style>
+        <p:txBody>
+          <a:bodyPr anchor="ctr"/>
+          <a:lstStyle/>
+          <a:p>
+            <a:pPr algn="ctr" fontAlgn="auto">
+              <a:spcBef>
+                <a:spcPts val="0"/>
+              </a:spcBef>
+              <a:spcAft>
+                <a:spcPts val="0"/>
+              </a:spcAft>
+              <a:defRPr/>
+            </a:pPr>
+            <a:endParaRPr lang="ru-RU"/>
+          </a:p>
+        </p:txBody>
+      </p:sp>
+      <p:sp>
+        <p:nvSpPr>
+          <p:cNvPr id="15" name="Стрелка вниз 22"/>
+          <p:cNvSpPr/>
+          <p:nvPr/>
+        </p:nvSpPr>
+        <p:spPr>
+          <a:xfrm>
+            <a:off x="4800600" y="2743200"/>
+            <a:ext cx="1295400" cy="838200"/>
+          </a:xfrm>
+          <a:prstGeom prst="downArrow">
+            <a:avLst>
+              <a:gd name="adj1" fmla="val 48588"/>
+              <a:gd name="adj2" fmla="val 50000"/>
+            </a:avLst>
+          </a:prstGeom>
+        </p:spPr>
+        <p:style>
+          <a:lnRef idx="1">
+            <a:schemeClr val="dk1"/>
+          </a:lnRef>
+          <a:fillRef idx="2">
+            <a:schemeClr val="dk1"/>
+          </a:fillRef>
+          <a:effectRef idx="1">
+            <a:schemeClr val="dk1"/>
+          </a:effectRef>
+          <a:fontRef idx="minor">
+            <a:schemeClr val="dk1"/>
+          </a:fontRef>
+        </p:style>
+        <p:txBody>
+          <a:bodyPr anchor="ctr"/>
+          <a:lstStyle/>
+          <a:p>
+            <a:pPr algn="ctr" fontAlgn="auto">
+              <a:spcBef>
+                <a:spcPts val="0"/>
+              </a:spcBef>
+              <a:spcAft>
+                <a:spcPts val="0"/>
+              </a:spcAft>
+              <a:defRPr/>
+            </a:pPr>
+            <a:endParaRPr lang="ru-RU"/>
+          </a:p>
+        </p:txBody>
+      </p:sp>
+      <p:sp>
+        <p:nvSpPr>
+          <p:cNvPr id="2" name="TextBox 1"/>
+          <p:cNvSpPr txBox="1"/>
+          <p:nvPr/>
+        </p:nvSpPr>
+        <p:spPr>
+          <a:xfrm>
+            <a:off x="2520800" y="252492"/>
+            <a:ext cx="3672408" cy="461665"/>
+          </a:xfrm>
+          <a:prstGeom prst="rect">
+            <a:avLst/>
+          </a:prstGeom>
+          <a:noFill/>
+        </p:spPr>
+        <p:txBody>
+          <a:bodyPr wrap="square" rtlCol="0">
+            <a:spAutoFit/>
+          </a:bodyPr>
+          <a:lstStyle/>
+          <a:p>
+            <a:pPr algn="ctr"/>
+            <a:r>
+              <a:rPr lang="ru-RU" sz="2400" dirty="0" smtClean="0">
+                <a:solidFill>
+                  <a:schemeClr val="bg1"/>
+                </a:solidFill>
+              </a:rPr>
+              <a:t>Понятие сборки</a:t>
+            </a:r>
+            <a:endParaRPr lang="en-US" sz="2400" dirty="0">
+              <a:solidFill>
+                <a:schemeClr val="bg1"/>
+              </a:solidFill>
+            </a:endParaRPr>
+          </a:p>
+        </p:txBody>
+      </p:sp>
+    </p:spTree>
+    <p:extLst>
+      <p:ext uri="{BB962C8B-B14F-4D97-AF65-F5344CB8AC3E}">
+        <p14:creationId xmlns:p14="http://schemas.microsoft.com/office/powerpoint/2010/main" val="669921671"/>
+      </p:ext>
+    </p:extLst>
+  </p:cSld>
+  <p:clrMapOvr>
+    <a:masterClrMapping/>
+  </p:clrMapOvr>
+  <p:timing>
+    <p:tnLst>
+      <p:par>
+        <p:cTn id="1" dur="indefinite" restart="never" nodeType="tmRoot"/>
+      </p:par>
+    </p:tnLst>
+  </p:timing>
+</p:sld>
+</file>
+
+<file path=ppt/slides/slide13.xml><?xml version="1.0" encoding="utf-8"?>
+<p:sld xmlns:a="http://schemas.openxmlformats.org/drawingml/2006/main" xmlns:r="http://schemas.openxmlformats.org/officeDocument/2006/relationships" xmlns:p="http://schemas.openxmlformats.org/presentationml/2006/main">
+  <p:cSld>
+    <p:bg>
+      <p:bgPr>
+        <a:blipFill dpi="0" rotWithShape="1">
+          <a:blip r:embed="rId2">
+            <a:lum/>
+          </a:blip>
+          <a:srcRect/>
+          <a:stretch>
+            <a:fillRect/>
+          </a:stretch>
+        </a:blipFill>
+        <a:effectLst/>
+      </p:bgPr>
+    </p:bg>
+    <p:spTree>
+      <p:nvGrpSpPr>
+        <p:cNvPr id="1" name=""/>
+        <p:cNvGrpSpPr/>
+        <p:nvPr/>
+      </p:nvGrpSpPr>
+      <p:grpSpPr>
+        <a:xfrm>
+          <a:off x="0" y="0"/>
+          <a:ext cx="0" cy="0"/>
+          <a:chOff x="0" y="0"/>
+          <a:chExt cx="0" cy="0"/>
+        </a:xfrm>
+      </p:grpSpPr>
+      <p:sp>
+        <p:nvSpPr>
+          <p:cNvPr id="3" name="Rectangle 2"/>
+          <p:cNvSpPr/>
+          <p:nvPr/>
+        </p:nvSpPr>
+        <p:spPr>
+          <a:xfrm>
             <a:off x="179512" y="260648"/>
             <a:ext cx="8640960" cy="4401205"/>
           </a:xfrm>
@@ -4388,7 +4850,7 @@
 </p:sld>
 </file>
 
-<file path=ppt/slides/slide12.xml><?xml version="1.0" encoding="utf-8"?>
+<file path=ppt/slides/slide14.xml><?xml version="1.0" encoding="utf-8"?>
 <p:sld xmlns:a="http://schemas.openxmlformats.org/drawingml/2006/main" xmlns:r="http://schemas.openxmlformats.org/officeDocument/2006/relationships" xmlns:p="http://schemas.openxmlformats.org/presentationml/2006/main">
   <p:cSld>
     <p:bg>
@@ -4507,7 +4969,7 @@
 </p:sld>
 </file>
 
-<file path=ppt/slides/slide13.xml><?xml version="1.0" encoding="utf-8"?>
+<file path=ppt/slides/slide15.xml><?xml version="1.0" encoding="utf-8"?>
 <p:sld xmlns:a="http://schemas.openxmlformats.org/drawingml/2006/main" xmlns:r="http://schemas.openxmlformats.org/officeDocument/2006/relationships" xmlns:p="http://schemas.openxmlformats.org/presentationml/2006/main">
   <p:cSld>
     <p:bg>
@@ -4690,7 +5152,7 @@
 </p:sld>
 </file>
 
-<file path=ppt/slides/slide14.xml><?xml version="1.0" encoding="utf-8"?>
+<file path=ppt/slides/slide16.xml><?xml version="1.0" encoding="utf-8"?>
 <p:sld xmlns:a="http://schemas.openxmlformats.org/drawingml/2006/main" xmlns:r="http://schemas.openxmlformats.org/officeDocument/2006/relationships" xmlns:p="http://schemas.openxmlformats.org/presentationml/2006/main">
   <p:cSld>
     <p:bg>
@@ -5354,7 +5816,7 @@
 </p:sld>
 </file>
 
-<file path=ppt/slides/slide15.xml><?xml version="1.0" encoding="utf-8"?>
+<file path=ppt/slides/slide17.xml><?xml version="1.0" encoding="utf-8"?>
 <p:sld xmlns:a="http://schemas.openxmlformats.org/drawingml/2006/main" xmlns:r="http://schemas.openxmlformats.org/officeDocument/2006/relationships" xmlns:p="http://schemas.openxmlformats.org/presentationml/2006/main">
   <p:cSld>
     <p:bg>
@@ -7272,7 +7734,7 @@
 </p:sld>
 </file>
 
-<file path=ppt/slides/slide16.xml><?xml version="1.0" encoding="utf-8"?>
+<file path=ppt/slides/slide18.xml><?xml version="1.0" encoding="utf-8"?>
 <p:sld xmlns:a="http://schemas.openxmlformats.org/drawingml/2006/main" xmlns:r="http://schemas.openxmlformats.org/officeDocument/2006/relationships" xmlns:p="http://schemas.openxmlformats.org/presentationml/2006/main">
   <p:cSld>
     <p:bg>
@@ -12042,7 +12504,7 @@
 </p:sld>
 </file>
 
-<file path=ppt/slides/slide17.xml><?xml version="1.0" encoding="utf-8"?>
+<file path=ppt/slides/slide19.xml><?xml version="1.0" encoding="utf-8"?>
 <p:sld xmlns:a="http://schemas.openxmlformats.org/drawingml/2006/main" xmlns:r="http://schemas.openxmlformats.org/officeDocument/2006/relationships" xmlns:p="http://schemas.openxmlformats.org/presentationml/2006/main">
   <p:cSld>
     <p:bg>
@@ -12628,7 +13090,438 @@
 </p:sld>
 </file>
 
-<file path=ppt/slides/slide18.xml><?xml version="1.0" encoding="utf-8"?>
+<file path=ppt/slides/slide2.xml><?xml version="1.0" encoding="utf-8"?>
+<p:sld xmlns:a="http://schemas.openxmlformats.org/drawingml/2006/main" xmlns:r="http://schemas.openxmlformats.org/officeDocument/2006/relationships" xmlns:p="http://schemas.openxmlformats.org/presentationml/2006/main">
+  <p:cSld>
+    <p:bg>
+      <p:bgPr>
+        <a:blipFill dpi="0" rotWithShape="1">
+          <a:blip r:embed="rId2">
+            <a:lum/>
+          </a:blip>
+          <a:srcRect/>
+          <a:stretch>
+            <a:fillRect/>
+          </a:stretch>
+        </a:blipFill>
+        <a:effectLst/>
+      </p:bgPr>
+    </p:bg>
+    <p:spTree>
+      <p:nvGrpSpPr>
+        <p:cNvPr id="1" name=""/>
+        <p:cNvGrpSpPr/>
+        <p:nvPr/>
+      </p:nvGrpSpPr>
+      <p:grpSpPr>
+        <a:xfrm>
+          <a:off x="0" y="0"/>
+          <a:ext cx="0" cy="0"/>
+          <a:chOff x="0" y="0"/>
+          <a:chExt cx="0" cy="0"/>
+        </a:xfrm>
+      </p:grpSpPr>
+      <p:sp>
+        <p:nvSpPr>
+          <p:cNvPr id="3" name="Rectangle 2"/>
+          <p:cNvSpPr/>
+          <p:nvPr/>
+        </p:nvSpPr>
+        <p:spPr>
+          <a:xfrm>
+            <a:off x="251520" y="188640"/>
+            <a:ext cx="8640960" cy="4739759"/>
+          </a:xfrm>
+          <a:prstGeom prst="rect">
+            <a:avLst/>
+          </a:prstGeom>
+        </p:spPr>
+        <p:txBody>
+          <a:bodyPr wrap="square">
+            <a:spAutoFit/>
+          </a:bodyPr>
+          <a:lstStyle/>
+          <a:p>
+            <a:pPr lvl="0"/>
+            <a:r>
+              <a:rPr lang="ru-RU" sz="3200" dirty="0" smtClean="0">
+                <a:solidFill>
+                  <a:schemeClr val="bg1"/>
+                </a:solidFill>
+              </a:rPr>
+              <a:t>Литература</a:t>
+            </a:r>
+          </a:p>
+          <a:p>
+            <a:pPr lvl="0"/>
+            <a:endParaRPr lang="en-US" dirty="0" smtClean="0">
+              <a:solidFill>
+                <a:schemeClr val="bg1"/>
+              </a:solidFill>
+            </a:endParaRPr>
+          </a:p>
+          <a:p>
+            <a:pPr marL="285750" lvl="0" indent="-285750">
+              <a:buFont typeface="Arial" pitchFamily="34" charset="0"/>
+              <a:buChar char="•"/>
+            </a:pPr>
+            <a:r>
+              <a:rPr lang="ru-RU" dirty="0" smtClean="0">
+                <a:solidFill>
+                  <a:schemeClr val="bg1"/>
+                </a:solidFill>
+              </a:rPr>
+              <a:t>CLR </a:t>
+            </a:r>
+            <a:r>
+              <a:rPr lang="ru-RU" dirty="0">
+                <a:solidFill>
+                  <a:schemeClr val="bg1"/>
+                </a:solidFill>
+              </a:rPr>
+              <a:t>via C#. Программирование на платформе Microsoft .NET Framework 4.0 на языке C# (CLR via C#, Third Edition)</a:t>
+            </a:r>
+            <a:br>
+              <a:rPr lang="ru-RU" dirty="0">
+                <a:solidFill>
+                  <a:schemeClr val="bg1"/>
+                </a:solidFill>
+              </a:rPr>
+            </a:br>
+            <a:r>
+              <a:rPr lang="ru-RU" dirty="0">
+                <a:solidFill>
+                  <a:schemeClr val="bg1"/>
+                </a:solidFill>
+              </a:rPr>
+              <a:t>Джеффри Рихтер (Jeffrey Richter)</a:t>
+            </a:r>
+            <a:br>
+              <a:rPr lang="ru-RU" dirty="0">
+                <a:solidFill>
+                  <a:schemeClr val="bg1"/>
+                </a:solidFill>
+              </a:rPr>
+            </a:br>
+            <a:r>
+              <a:rPr lang="ru-RU" u="sng" dirty="0">
+                <a:solidFill>
+                  <a:schemeClr val="bg1"/>
+                </a:solidFill>
+              </a:rPr>
+              <a:t>http://</a:t>
+            </a:r>
+            <a:r>
+              <a:rPr lang="ru-RU" u="sng" dirty="0" smtClean="0">
+                <a:solidFill>
+                  <a:schemeClr val="bg1"/>
+                </a:solidFill>
+              </a:rPr>
+              <a:t>oz.by/books/more1028671.html</a:t>
+            </a:r>
+            <a:r>
+              <a:rPr lang="ru-RU" dirty="0">
+                <a:solidFill>
+                  <a:schemeClr val="bg1"/>
+                </a:solidFill>
+              </a:rPr>
+              <a:t/>
+            </a:r>
+            <a:br>
+              <a:rPr lang="ru-RU" dirty="0">
+                <a:solidFill>
+                  <a:schemeClr val="bg1"/>
+                </a:solidFill>
+              </a:rPr>
+            </a:br>
+            <a:r>
+              <a:rPr lang="ru-RU" u="sng" dirty="0">
+                <a:solidFill>
+                  <a:schemeClr val="bg1"/>
+                </a:solidFill>
+                <a:hlinkClick r:id="rId3"/>
+              </a:rPr>
+              <a:t>http</a:t>
+            </a:r>
+            <a:r>
+              <a:rPr lang="ru-RU" u="sng">
+                <a:solidFill>
+                  <a:schemeClr val="bg1"/>
+                </a:solidFill>
+                <a:hlinkClick r:id="rId3"/>
+              </a:rPr>
+              <a:t>://</a:t>
+            </a:r>
+            <a:r>
+              <a:rPr lang="ru-RU" u="sng" smtClean="0">
+                <a:solidFill>
+                  <a:schemeClr val="bg1"/>
+                </a:solidFill>
+                <a:hlinkClick r:id="rId3"/>
+              </a:rPr>
+              <a:t>www.microsoft.com/learning/en/us/book.aspx?ID=13874&amp;Locale=en-us</a:t>
+            </a:r>
+            <a:r>
+              <a:rPr lang="ru-RU" u="sng" dirty="0" smtClean="0">
+                <a:solidFill>
+                  <a:schemeClr val="bg1"/>
+                </a:solidFill>
+              </a:rPr>
+              <a:t/>
+            </a:r>
+            <a:br>
+              <a:rPr lang="ru-RU" u="sng" dirty="0" smtClean="0">
+                <a:solidFill>
+                  <a:schemeClr val="bg1"/>
+                </a:solidFill>
+              </a:rPr>
+            </a:br>
+            <a:endParaRPr lang="ru-RU" u="sng" dirty="0" smtClean="0">
+              <a:solidFill>
+                <a:schemeClr val="bg1"/>
+              </a:solidFill>
+            </a:endParaRPr>
+          </a:p>
+          <a:p>
+            <a:pPr marL="285750" lvl="0" indent="-285750">
+              <a:buFont typeface="Arial" pitchFamily="34" charset="0"/>
+              <a:buChar char="•"/>
+            </a:pPr>
+            <a:r>
+              <a:rPr lang="ru-RU" dirty="0" smtClean="0">
+                <a:solidFill>
+                  <a:schemeClr val="bg1"/>
+                </a:solidFill>
+              </a:rPr>
+              <a:t>Язык </a:t>
+            </a:r>
+            <a:r>
+              <a:rPr lang="ru-RU" dirty="0">
+                <a:solidFill>
+                  <a:schemeClr val="bg1"/>
+                </a:solidFill>
+              </a:rPr>
+              <a:t>программирования C# 2010 и платформа .NET </a:t>
+            </a:r>
+            <a:r>
+              <a:rPr lang="ru-RU" dirty="0" smtClean="0">
+                <a:solidFill>
+                  <a:schemeClr val="bg1"/>
+                </a:solidFill>
+              </a:rPr>
+              <a:t>4.0</a:t>
+            </a:r>
+            <a:br>
+              <a:rPr lang="ru-RU" dirty="0" smtClean="0">
+                <a:solidFill>
+                  <a:schemeClr val="bg1"/>
+                </a:solidFill>
+              </a:rPr>
+            </a:br>
+            <a:r>
+              <a:rPr lang="ru-RU" dirty="0" smtClean="0">
+                <a:solidFill>
+                  <a:schemeClr val="bg1"/>
+                </a:solidFill>
+              </a:rPr>
+              <a:t>Эндрю </a:t>
+            </a:r>
+            <a:r>
+              <a:rPr lang="ru-RU" dirty="0">
+                <a:solidFill>
+                  <a:schemeClr val="bg1"/>
+                </a:solidFill>
+              </a:rPr>
+              <a:t>Троелсен (Andrew </a:t>
+            </a:r>
+            <a:r>
+              <a:rPr lang="ru-RU" dirty="0" smtClean="0">
+                <a:solidFill>
+                  <a:schemeClr val="bg1"/>
+                </a:solidFill>
+              </a:rPr>
+              <a:t>Troelsen)</a:t>
+            </a:r>
+            <a:br>
+              <a:rPr lang="ru-RU" dirty="0" smtClean="0">
+                <a:solidFill>
+                  <a:schemeClr val="bg1"/>
+                </a:solidFill>
+              </a:rPr>
+            </a:br>
+            <a:r>
+              <a:rPr lang="ru-RU" u="sng" dirty="0" smtClean="0">
+                <a:solidFill>
+                  <a:schemeClr val="bg1"/>
+                </a:solidFill>
+              </a:rPr>
+              <a:t>http</a:t>
+            </a:r>
+            <a:r>
+              <a:rPr lang="ru-RU" u="sng" dirty="0">
+                <a:solidFill>
+                  <a:schemeClr val="bg1"/>
+                </a:solidFill>
+              </a:rPr>
+              <a:t>://oz.by/books/more10158206.html</a:t>
+            </a:r>
+            <a:r>
+              <a:rPr lang="ru-RU" dirty="0">
+                <a:solidFill>
+                  <a:schemeClr val="bg1"/>
+                </a:solidFill>
+              </a:rPr>
+              <a:t/>
+            </a:r>
+            <a:br>
+              <a:rPr lang="ru-RU" dirty="0">
+                <a:solidFill>
+                  <a:schemeClr val="bg1"/>
+                </a:solidFill>
+              </a:rPr>
+            </a:br>
+            <a:r>
+              <a:rPr lang="ru-RU" u="sng" dirty="0">
+                <a:solidFill>
+                  <a:schemeClr val="bg1"/>
+                </a:solidFill>
+              </a:rPr>
+              <a:t>http://</a:t>
+            </a:r>
+            <a:r>
+              <a:rPr lang="ru-RU" u="sng" dirty="0" smtClean="0">
+                <a:solidFill>
+                  <a:schemeClr val="bg1"/>
+                </a:solidFill>
+              </a:rPr>
+              <a:t>www.apress.com/9781430225492</a:t>
+            </a:r>
+            <a:br>
+              <a:rPr lang="ru-RU" u="sng" dirty="0" smtClean="0">
+                <a:solidFill>
+                  <a:schemeClr val="bg1"/>
+                </a:solidFill>
+              </a:rPr>
+            </a:br>
+            <a:endParaRPr lang="ru-RU" u="sng" dirty="0" smtClean="0">
+              <a:solidFill>
+                <a:schemeClr val="bg1"/>
+              </a:solidFill>
+            </a:endParaRPr>
+          </a:p>
+          <a:p>
+            <a:pPr marL="285750" lvl="0" indent="-285750">
+              <a:buFont typeface="Arial" pitchFamily="34" charset="0"/>
+              <a:buChar char="•"/>
+            </a:pPr>
+            <a:r>
+              <a:rPr lang="en-US" dirty="0" smtClean="0">
+                <a:solidFill>
+                  <a:schemeClr val="bg1"/>
+                </a:solidFill>
+              </a:rPr>
+              <a:t>C</a:t>
+            </a:r>
+            <a:r>
+              <a:rPr lang="en-US" dirty="0">
+                <a:solidFill>
+                  <a:schemeClr val="bg1"/>
+                </a:solidFill>
+              </a:rPr>
+              <a:t># Language </a:t>
+            </a:r>
+            <a:r>
+              <a:rPr lang="en-US" dirty="0" smtClean="0">
+                <a:solidFill>
+                  <a:schemeClr val="bg1"/>
+                </a:solidFill>
+              </a:rPr>
+              <a:t>Specification</a:t>
+            </a:r>
+            <a:r>
+              <a:rPr lang="ru-RU" dirty="0" smtClean="0">
+                <a:solidFill>
+                  <a:schemeClr val="bg1"/>
+                </a:solidFill>
+              </a:rPr>
+              <a:t/>
+            </a:r>
+            <a:br>
+              <a:rPr lang="ru-RU" dirty="0" smtClean="0">
+                <a:solidFill>
+                  <a:schemeClr val="bg1"/>
+                </a:solidFill>
+              </a:rPr>
+            </a:br>
+            <a:r>
+              <a:rPr lang="en-US" dirty="0" smtClean="0">
+                <a:solidFill>
+                  <a:schemeClr val="bg1"/>
+                </a:solidFill>
+              </a:rPr>
+              <a:t>"C</a:t>
+            </a:r>
+            <a:r>
+              <a:rPr lang="en-US" dirty="0">
+                <a:solidFill>
+                  <a:schemeClr val="bg1"/>
+                </a:solidFill>
+              </a:rPr>
+              <a:t>:\Program Files (x86)\Microsoft Visual Studio 11.0\VC#\Specifications\1033\ </a:t>
+            </a:r>
+            <a:r>
+              <a:rPr lang="en-US" dirty="0" err="1">
+                <a:solidFill>
+                  <a:schemeClr val="bg1"/>
+                </a:solidFill>
+              </a:rPr>
+              <a:t>CSharp</a:t>
+            </a:r>
+            <a:r>
+              <a:rPr lang="en-US" dirty="0">
+                <a:solidFill>
+                  <a:schemeClr val="bg1"/>
+                </a:solidFill>
+              </a:rPr>
+              <a:t> Language Specification.doc </a:t>
+            </a:r>
+            <a:r>
+              <a:rPr lang="en-US" dirty="0" smtClean="0">
+                <a:solidFill>
+                  <a:schemeClr val="bg1"/>
+                </a:solidFill>
+              </a:rPr>
+              <a:t>"</a:t>
+            </a:r>
+            <a:endParaRPr lang="en-US" dirty="0">
+              <a:solidFill>
+                <a:schemeClr val="bg1"/>
+              </a:solidFill>
+            </a:endParaRPr>
+          </a:p>
+        </p:txBody>
+      </p:sp>
+    </p:spTree>
+    <p:extLst>
+      <p:ext uri="{BB962C8B-B14F-4D97-AF65-F5344CB8AC3E}">
+        <p14:creationId xmlns:p14="http://schemas.microsoft.com/office/powerpoint/2010/main" val="3145694776"/>
+      </p:ext>
+    </p:extLst>
+  </p:cSld>
+  <p:clrMapOvr>
+    <a:masterClrMapping/>
+  </p:clrMapOvr>
+  <p:timing>
+    <p:tnLst>
+      <p:par>
+        <p:cTn id="1" dur="indefinite" restart="never" nodeType="tmRoot"/>
+      </p:par>
+    </p:tnLst>
+  </p:timing>
+</p:sld>
+</file>
+
+<file path=ppt/slides/slide20.xml><?xml version="1.0" encoding="utf-8"?>
 <p:sld xmlns:a="http://schemas.openxmlformats.org/drawingml/2006/main" xmlns:r="http://schemas.openxmlformats.org/officeDocument/2006/relationships" xmlns:p="http://schemas.openxmlformats.org/presentationml/2006/main">
   <p:cSld>
     <p:bg>
@@ -13902,33 +14795,7 @@
                           <a:effectLst/>
                           <a:latin typeface="Calibri" pitchFamily="34" charset="0"/>
                         </a:rPr>
-                        <a:t>Удаляет или </a:t>
-                      </a:r>
-                      <a:r>
-                        <a:rPr kumimoji="0" lang="ru-RU" sz="1800" b="0" i="0" u="none" strike="noStrike" cap="none" normalizeH="0" baseline="0" smtClean="0">
-                          <a:ln>
-                            <a:noFill/>
-                          </a:ln>
-                          <a:solidFill>
-                            <a:srgbClr val="000000"/>
-                          </a:solidFill>
-                          <a:effectLst/>
-                          <a:latin typeface="Calibri" pitchFamily="34" charset="0"/>
-                        </a:rPr>
-                        <a:t>заменяет </a:t>
-                      </a:r>
-                      <a:r>
-                        <a:rPr kumimoji="0" lang="ru-RU" sz="1800" b="0" i="0" u="none" strike="noStrike" cap="none" normalizeH="0" baseline="0" smtClean="0">
-                          <a:ln>
-                            <a:noFill/>
-                          </a:ln>
-                          <a:solidFill>
-                            <a:srgbClr val="000000"/>
-                          </a:solidFill>
-                          <a:effectLst/>
-                          <a:latin typeface="Calibri" pitchFamily="34" charset="0"/>
-                        </a:rPr>
-                        <a:t>данные в строке</a:t>
+                        <a:t>Удаляет или заменяет данные в строке</a:t>
                       </a:r>
                       <a:endParaRPr kumimoji="0" lang="be-BY" sz="1800" b="0" i="0" u="none" strike="noStrike" cap="none" normalizeH="0" baseline="0" dirty="0" smtClean="0">
                         <a:ln>
@@ -14552,7 +15419,7 @@
 </p:sld>
 </file>
 
-<file path=ppt/slides/slide19.xml><?xml version="1.0" encoding="utf-8"?>
+<file path=ppt/slides/slide21.xml><?xml version="1.0" encoding="utf-8"?>
 <p:sld xmlns:a="http://schemas.openxmlformats.org/drawingml/2006/main" xmlns:r="http://schemas.openxmlformats.org/officeDocument/2006/relationships" xmlns:p="http://schemas.openxmlformats.org/presentationml/2006/main">
   <p:cSld>
     <p:bg>
@@ -15068,438 +15935,7 @@
 </p:sld>
 </file>
 
-<file path=ppt/slides/slide2.xml><?xml version="1.0" encoding="utf-8"?>
-<p:sld xmlns:a="http://schemas.openxmlformats.org/drawingml/2006/main" xmlns:r="http://schemas.openxmlformats.org/officeDocument/2006/relationships" xmlns:p="http://schemas.openxmlformats.org/presentationml/2006/main">
-  <p:cSld>
-    <p:bg>
-      <p:bgPr>
-        <a:blipFill dpi="0" rotWithShape="1">
-          <a:blip r:embed="rId2">
-            <a:lum/>
-          </a:blip>
-          <a:srcRect/>
-          <a:stretch>
-            <a:fillRect/>
-          </a:stretch>
-        </a:blipFill>
-        <a:effectLst/>
-      </p:bgPr>
-    </p:bg>
-    <p:spTree>
-      <p:nvGrpSpPr>
-        <p:cNvPr id="1" name=""/>
-        <p:cNvGrpSpPr/>
-        <p:nvPr/>
-      </p:nvGrpSpPr>
-      <p:grpSpPr>
-        <a:xfrm>
-          <a:off x="0" y="0"/>
-          <a:ext cx="0" cy="0"/>
-          <a:chOff x="0" y="0"/>
-          <a:chExt cx="0" cy="0"/>
-        </a:xfrm>
-      </p:grpSpPr>
-      <p:sp>
-        <p:nvSpPr>
-          <p:cNvPr id="3" name="Rectangle 2"/>
-          <p:cNvSpPr/>
-          <p:nvPr/>
-        </p:nvSpPr>
-        <p:spPr>
-          <a:xfrm>
-            <a:off x="251520" y="188640"/>
-            <a:ext cx="8640960" cy="4739759"/>
-          </a:xfrm>
-          <a:prstGeom prst="rect">
-            <a:avLst/>
-          </a:prstGeom>
-        </p:spPr>
-        <p:txBody>
-          <a:bodyPr wrap="square">
-            <a:spAutoFit/>
-          </a:bodyPr>
-          <a:lstStyle/>
-          <a:p>
-            <a:pPr lvl="0"/>
-            <a:r>
-              <a:rPr lang="ru-RU" sz="3200" dirty="0" smtClean="0">
-                <a:solidFill>
-                  <a:schemeClr val="bg1"/>
-                </a:solidFill>
-              </a:rPr>
-              <a:t>Литература</a:t>
-            </a:r>
-          </a:p>
-          <a:p>
-            <a:pPr lvl="0"/>
-            <a:endParaRPr lang="en-US" dirty="0" smtClean="0">
-              <a:solidFill>
-                <a:schemeClr val="bg1"/>
-              </a:solidFill>
-            </a:endParaRPr>
-          </a:p>
-          <a:p>
-            <a:pPr marL="285750" lvl="0" indent="-285750">
-              <a:buFont typeface="Arial" pitchFamily="34" charset="0"/>
-              <a:buChar char="•"/>
-            </a:pPr>
-            <a:r>
-              <a:rPr lang="ru-RU" dirty="0" smtClean="0">
-                <a:solidFill>
-                  <a:schemeClr val="bg1"/>
-                </a:solidFill>
-              </a:rPr>
-              <a:t>CLR </a:t>
-            </a:r>
-            <a:r>
-              <a:rPr lang="ru-RU" dirty="0">
-                <a:solidFill>
-                  <a:schemeClr val="bg1"/>
-                </a:solidFill>
-              </a:rPr>
-              <a:t>via C#. Программирование на платформе Microsoft .NET Framework 4.0 на языке C# (CLR via C#, Third Edition)</a:t>
-            </a:r>
-            <a:br>
-              <a:rPr lang="ru-RU" dirty="0">
-                <a:solidFill>
-                  <a:schemeClr val="bg1"/>
-                </a:solidFill>
-              </a:rPr>
-            </a:br>
-            <a:r>
-              <a:rPr lang="ru-RU" dirty="0">
-                <a:solidFill>
-                  <a:schemeClr val="bg1"/>
-                </a:solidFill>
-              </a:rPr>
-              <a:t>Джеффри Рихтер (Jeffrey Richter)</a:t>
-            </a:r>
-            <a:br>
-              <a:rPr lang="ru-RU" dirty="0">
-                <a:solidFill>
-                  <a:schemeClr val="bg1"/>
-                </a:solidFill>
-              </a:rPr>
-            </a:br>
-            <a:r>
-              <a:rPr lang="ru-RU" u="sng" dirty="0">
-                <a:solidFill>
-                  <a:schemeClr val="bg1"/>
-                </a:solidFill>
-              </a:rPr>
-              <a:t>http://</a:t>
-            </a:r>
-            <a:r>
-              <a:rPr lang="ru-RU" u="sng" dirty="0" smtClean="0">
-                <a:solidFill>
-                  <a:schemeClr val="bg1"/>
-                </a:solidFill>
-              </a:rPr>
-              <a:t>oz.by/books/more1028671.html</a:t>
-            </a:r>
-            <a:r>
-              <a:rPr lang="ru-RU" dirty="0">
-                <a:solidFill>
-                  <a:schemeClr val="bg1"/>
-                </a:solidFill>
-              </a:rPr>
-              <a:t/>
-            </a:r>
-            <a:br>
-              <a:rPr lang="ru-RU" dirty="0">
-                <a:solidFill>
-                  <a:schemeClr val="bg1"/>
-                </a:solidFill>
-              </a:rPr>
-            </a:br>
-            <a:r>
-              <a:rPr lang="ru-RU" u="sng" dirty="0">
-                <a:solidFill>
-                  <a:schemeClr val="bg1"/>
-                </a:solidFill>
-                <a:hlinkClick r:id="rId3"/>
-              </a:rPr>
-              <a:t>http</a:t>
-            </a:r>
-            <a:r>
-              <a:rPr lang="ru-RU" u="sng">
-                <a:solidFill>
-                  <a:schemeClr val="bg1"/>
-                </a:solidFill>
-                <a:hlinkClick r:id="rId3"/>
-              </a:rPr>
-              <a:t>://</a:t>
-            </a:r>
-            <a:r>
-              <a:rPr lang="ru-RU" u="sng" smtClean="0">
-                <a:solidFill>
-                  <a:schemeClr val="bg1"/>
-                </a:solidFill>
-                <a:hlinkClick r:id="rId3"/>
-              </a:rPr>
-              <a:t>www.microsoft.com/learning/en/us/book.aspx?ID=13874&amp;Locale=en-us</a:t>
-            </a:r>
-            <a:r>
-              <a:rPr lang="ru-RU" u="sng" dirty="0" smtClean="0">
-                <a:solidFill>
-                  <a:schemeClr val="bg1"/>
-                </a:solidFill>
-              </a:rPr>
-              <a:t/>
-            </a:r>
-            <a:br>
-              <a:rPr lang="ru-RU" u="sng" dirty="0" smtClean="0">
-                <a:solidFill>
-                  <a:schemeClr val="bg1"/>
-                </a:solidFill>
-              </a:rPr>
-            </a:br>
-            <a:endParaRPr lang="ru-RU" u="sng" dirty="0" smtClean="0">
-              <a:solidFill>
-                <a:schemeClr val="bg1"/>
-              </a:solidFill>
-            </a:endParaRPr>
-          </a:p>
-          <a:p>
-            <a:pPr marL="285750" lvl="0" indent="-285750">
-              <a:buFont typeface="Arial" pitchFamily="34" charset="0"/>
-              <a:buChar char="•"/>
-            </a:pPr>
-            <a:r>
-              <a:rPr lang="ru-RU" dirty="0" smtClean="0">
-                <a:solidFill>
-                  <a:schemeClr val="bg1"/>
-                </a:solidFill>
-              </a:rPr>
-              <a:t>Язык </a:t>
-            </a:r>
-            <a:r>
-              <a:rPr lang="ru-RU" dirty="0">
-                <a:solidFill>
-                  <a:schemeClr val="bg1"/>
-                </a:solidFill>
-              </a:rPr>
-              <a:t>программирования C# 2010 и платформа .NET </a:t>
-            </a:r>
-            <a:r>
-              <a:rPr lang="ru-RU" dirty="0" smtClean="0">
-                <a:solidFill>
-                  <a:schemeClr val="bg1"/>
-                </a:solidFill>
-              </a:rPr>
-              <a:t>4.0</a:t>
-            </a:r>
-            <a:br>
-              <a:rPr lang="ru-RU" dirty="0" smtClean="0">
-                <a:solidFill>
-                  <a:schemeClr val="bg1"/>
-                </a:solidFill>
-              </a:rPr>
-            </a:br>
-            <a:r>
-              <a:rPr lang="ru-RU" dirty="0" smtClean="0">
-                <a:solidFill>
-                  <a:schemeClr val="bg1"/>
-                </a:solidFill>
-              </a:rPr>
-              <a:t>Эндрю </a:t>
-            </a:r>
-            <a:r>
-              <a:rPr lang="ru-RU" dirty="0">
-                <a:solidFill>
-                  <a:schemeClr val="bg1"/>
-                </a:solidFill>
-              </a:rPr>
-              <a:t>Троелсен (Andrew </a:t>
-            </a:r>
-            <a:r>
-              <a:rPr lang="ru-RU" dirty="0" smtClean="0">
-                <a:solidFill>
-                  <a:schemeClr val="bg1"/>
-                </a:solidFill>
-              </a:rPr>
-              <a:t>Troelsen)</a:t>
-            </a:r>
-            <a:br>
-              <a:rPr lang="ru-RU" dirty="0" smtClean="0">
-                <a:solidFill>
-                  <a:schemeClr val="bg1"/>
-                </a:solidFill>
-              </a:rPr>
-            </a:br>
-            <a:r>
-              <a:rPr lang="ru-RU" u="sng" dirty="0" smtClean="0">
-                <a:solidFill>
-                  <a:schemeClr val="bg1"/>
-                </a:solidFill>
-              </a:rPr>
-              <a:t>http</a:t>
-            </a:r>
-            <a:r>
-              <a:rPr lang="ru-RU" u="sng" dirty="0">
-                <a:solidFill>
-                  <a:schemeClr val="bg1"/>
-                </a:solidFill>
-              </a:rPr>
-              <a:t>://oz.by/books/more10158206.html</a:t>
-            </a:r>
-            <a:r>
-              <a:rPr lang="ru-RU" dirty="0">
-                <a:solidFill>
-                  <a:schemeClr val="bg1"/>
-                </a:solidFill>
-              </a:rPr>
-              <a:t/>
-            </a:r>
-            <a:br>
-              <a:rPr lang="ru-RU" dirty="0">
-                <a:solidFill>
-                  <a:schemeClr val="bg1"/>
-                </a:solidFill>
-              </a:rPr>
-            </a:br>
-            <a:r>
-              <a:rPr lang="ru-RU" u="sng" dirty="0">
-                <a:solidFill>
-                  <a:schemeClr val="bg1"/>
-                </a:solidFill>
-              </a:rPr>
-              <a:t>http://</a:t>
-            </a:r>
-            <a:r>
-              <a:rPr lang="ru-RU" u="sng" dirty="0" smtClean="0">
-                <a:solidFill>
-                  <a:schemeClr val="bg1"/>
-                </a:solidFill>
-              </a:rPr>
-              <a:t>www.apress.com/9781430225492</a:t>
-            </a:r>
-            <a:br>
-              <a:rPr lang="ru-RU" u="sng" dirty="0" smtClean="0">
-                <a:solidFill>
-                  <a:schemeClr val="bg1"/>
-                </a:solidFill>
-              </a:rPr>
-            </a:br>
-            <a:endParaRPr lang="ru-RU" u="sng" dirty="0" smtClean="0">
-              <a:solidFill>
-                <a:schemeClr val="bg1"/>
-              </a:solidFill>
-            </a:endParaRPr>
-          </a:p>
-          <a:p>
-            <a:pPr marL="285750" lvl="0" indent="-285750">
-              <a:buFont typeface="Arial" pitchFamily="34" charset="0"/>
-              <a:buChar char="•"/>
-            </a:pPr>
-            <a:r>
-              <a:rPr lang="en-US" dirty="0" smtClean="0">
-                <a:solidFill>
-                  <a:schemeClr val="bg1"/>
-                </a:solidFill>
-              </a:rPr>
-              <a:t>C</a:t>
-            </a:r>
-            <a:r>
-              <a:rPr lang="en-US" dirty="0">
-                <a:solidFill>
-                  <a:schemeClr val="bg1"/>
-                </a:solidFill>
-              </a:rPr>
-              <a:t># Language </a:t>
-            </a:r>
-            <a:r>
-              <a:rPr lang="en-US" dirty="0" smtClean="0">
-                <a:solidFill>
-                  <a:schemeClr val="bg1"/>
-                </a:solidFill>
-              </a:rPr>
-              <a:t>Specification</a:t>
-            </a:r>
-            <a:r>
-              <a:rPr lang="ru-RU" dirty="0" smtClean="0">
-                <a:solidFill>
-                  <a:schemeClr val="bg1"/>
-                </a:solidFill>
-              </a:rPr>
-              <a:t/>
-            </a:r>
-            <a:br>
-              <a:rPr lang="ru-RU" dirty="0" smtClean="0">
-                <a:solidFill>
-                  <a:schemeClr val="bg1"/>
-                </a:solidFill>
-              </a:rPr>
-            </a:br>
-            <a:r>
-              <a:rPr lang="en-US" dirty="0" smtClean="0">
-                <a:solidFill>
-                  <a:schemeClr val="bg1"/>
-                </a:solidFill>
-              </a:rPr>
-              <a:t>"C</a:t>
-            </a:r>
-            <a:r>
-              <a:rPr lang="en-US" dirty="0">
-                <a:solidFill>
-                  <a:schemeClr val="bg1"/>
-                </a:solidFill>
-              </a:rPr>
-              <a:t>:\Program Files (x86)\Microsoft Visual Studio 11.0\VC#\Specifications\1033\ </a:t>
-            </a:r>
-            <a:r>
-              <a:rPr lang="en-US" dirty="0" err="1">
-                <a:solidFill>
-                  <a:schemeClr val="bg1"/>
-                </a:solidFill>
-              </a:rPr>
-              <a:t>CSharp</a:t>
-            </a:r>
-            <a:r>
-              <a:rPr lang="en-US" dirty="0">
-                <a:solidFill>
-                  <a:schemeClr val="bg1"/>
-                </a:solidFill>
-              </a:rPr>
-              <a:t> Language Specification.doc </a:t>
-            </a:r>
-            <a:r>
-              <a:rPr lang="en-US" dirty="0" smtClean="0">
-                <a:solidFill>
-                  <a:schemeClr val="bg1"/>
-                </a:solidFill>
-              </a:rPr>
-              <a:t>"</a:t>
-            </a:r>
-            <a:endParaRPr lang="en-US" dirty="0">
-              <a:solidFill>
-                <a:schemeClr val="bg1"/>
-              </a:solidFill>
-            </a:endParaRPr>
-          </a:p>
-        </p:txBody>
-      </p:sp>
-    </p:spTree>
-    <p:extLst>
-      <p:ext uri="{BB962C8B-B14F-4D97-AF65-F5344CB8AC3E}">
-        <p14:creationId xmlns:p14="http://schemas.microsoft.com/office/powerpoint/2010/main" val="3145694776"/>
-      </p:ext>
-    </p:extLst>
-  </p:cSld>
-  <p:clrMapOvr>
-    <a:masterClrMapping/>
-  </p:clrMapOvr>
-  <p:timing>
-    <p:tnLst>
-      <p:par>
-        <p:cTn id="1" dur="indefinite" restart="never" nodeType="tmRoot"/>
-      </p:par>
-    </p:tnLst>
-  </p:timing>
-</p:sld>
-</file>
-
-<file path=ppt/slides/slide20.xml><?xml version="1.0" encoding="utf-8"?>
+<file path=ppt/slides/slide22.xml><?xml version="1.0" encoding="utf-8"?>
 <p:sld xmlns:a="http://schemas.openxmlformats.org/drawingml/2006/main" xmlns:r="http://schemas.openxmlformats.org/officeDocument/2006/relationships" xmlns:p="http://schemas.openxmlformats.org/presentationml/2006/main">
   <p:cSld>
     <p:bg>
@@ -17102,7 +17538,7 @@
 </p:sld>
 </file>
 
-<file path=ppt/slides/slide21.xml><?xml version="1.0" encoding="utf-8"?>
+<file path=ppt/slides/slide23.xml><?xml version="1.0" encoding="utf-8"?>
 <p:sld xmlns:a="http://schemas.openxmlformats.org/drawingml/2006/main" xmlns:r="http://schemas.openxmlformats.org/officeDocument/2006/relationships" xmlns:p="http://schemas.openxmlformats.org/presentationml/2006/main">
   <p:cSld>
     <p:bg>
@@ -18072,7 +18508,7 @@
 </p:sld>
 </file>
 
-<file path=ppt/slides/slide22.xml><?xml version="1.0" encoding="utf-8"?>
+<file path=ppt/slides/slide24.xml><?xml version="1.0" encoding="utf-8"?>
 <p:sld xmlns:a="http://schemas.openxmlformats.org/drawingml/2006/main" xmlns:r="http://schemas.openxmlformats.org/officeDocument/2006/relationships" xmlns:p="http://schemas.openxmlformats.org/presentationml/2006/main">
   <p:cSld>
     <p:bg>
@@ -19179,7 +19615,7 @@
 </p:sld>
 </file>
 
-<file path=ppt/slides/slide23.xml><?xml version="1.0" encoding="utf-8"?>
+<file path=ppt/slides/slide25.xml><?xml version="1.0" encoding="utf-8"?>
 <p:sld xmlns:a="http://schemas.openxmlformats.org/drawingml/2006/main" xmlns:r="http://schemas.openxmlformats.org/officeDocument/2006/relationships" xmlns:p="http://schemas.openxmlformats.org/presentationml/2006/main">
   <p:cSld>
     <p:bg>
@@ -21590,7 +22026,7 @@
 </p:sld>
 </file>
 
-<file path=ppt/slides/slide24.xml><?xml version="1.0" encoding="utf-8"?>
+<file path=ppt/slides/slide26.xml><?xml version="1.0" encoding="utf-8"?>
 <p:sld xmlns:a="http://schemas.openxmlformats.org/drawingml/2006/main" xmlns:r="http://schemas.openxmlformats.org/officeDocument/2006/relationships" xmlns:p="http://schemas.openxmlformats.org/presentationml/2006/main">
   <p:cSld>
     <p:bg>
@@ -22591,7 +23027,7 @@
 </p:sld>
 </file>
 
-<file path=ppt/slides/slide25.xml><?xml version="1.0" encoding="utf-8"?>
+<file path=ppt/slides/slide27.xml><?xml version="1.0" encoding="utf-8"?>
 <p:sld xmlns:a="http://schemas.openxmlformats.org/drawingml/2006/main" xmlns:r="http://schemas.openxmlformats.org/officeDocument/2006/relationships" xmlns:p="http://schemas.openxmlformats.org/presentationml/2006/main">
   <p:cSld>
     <p:bg>
@@ -22860,7 +23296,7 @@
 </p:sld>
 </file>
 
-<file path=ppt/slides/slide26.xml><?xml version="1.0" encoding="utf-8"?>
+<file path=ppt/slides/slide28.xml><?xml version="1.0" encoding="utf-8"?>
 <p:sld xmlns:a="http://schemas.openxmlformats.org/drawingml/2006/main" xmlns:r="http://schemas.openxmlformats.org/officeDocument/2006/relationships" xmlns:p="http://schemas.openxmlformats.org/presentationml/2006/main">
   <p:cSld>
     <p:bg>
@@ -24092,7 +24528,7 @@
 </p:sld>
 </file>
 
-<file path=ppt/slides/slide27.xml><?xml version="1.0" encoding="utf-8"?>
+<file path=ppt/slides/slide29.xml><?xml version="1.0" encoding="utf-8"?>
 <p:sld xmlns:a="http://schemas.openxmlformats.org/drawingml/2006/main" xmlns:r="http://schemas.openxmlformats.org/officeDocument/2006/relationships" xmlns:p="http://schemas.openxmlformats.org/presentationml/2006/main">
   <p:cSld>
     <p:bg>
@@ -25285,1579 +25721,6 @@
     <p:extLst>
       <p:ext uri="{BB962C8B-B14F-4D97-AF65-F5344CB8AC3E}">
         <p14:creationId xmlns:p14="http://schemas.microsoft.com/office/powerpoint/2010/main" val="3737252040"/>
-      </p:ext>
-    </p:extLst>
-  </p:cSld>
-  <p:clrMapOvr>
-    <a:masterClrMapping/>
-  </p:clrMapOvr>
-</p:sld>
-</file>
-
-<file path=ppt/slides/slide28.xml><?xml version="1.0" encoding="utf-8"?>
-<p:sld xmlns:a="http://schemas.openxmlformats.org/drawingml/2006/main" xmlns:r="http://schemas.openxmlformats.org/officeDocument/2006/relationships" xmlns:p="http://schemas.openxmlformats.org/presentationml/2006/main">
-  <p:cSld>
-    <p:bg>
-      <p:bgPr>
-        <a:blipFill dpi="0" rotWithShape="1">
-          <a:blip r:embed="rId2">
-            <a:lum/>
-          </a:blip>
-          <a:srcRect/>
-          <a:stretch>
-            <a:fillRect/>
-          </a:stretch>
-        </a:blipFill>
-        <a:effectLst/>
-      </p:bgPr>
-    </p:bg>
-    <p:spTree>
-      <p:nvGrpSpPr>
-        <p:cNvPr id="1" name=""/>
-        <p:cNvGrpSpPr/>
-        <p:nvPr/>
-      </p:nvGrpSpPr>
-      <p:grpSpPr>
-        <a:xfrm>
-          <a:off x="0" y="0"/>
-          <a:ext cx="0" cy="0"/>
-          <a:chOff x="0" y="0"/>
-          <a:chExt cx="0" cy="0"/>
-        </a:xfrm>
-      </p:grpSpPr>
-      <p:sp>
-        <p:nvSpPr>
-          <p:cNvPr id="18434" name="Прямоугольник 6"/>
-          <p:cNvSpPr>
-            <a:spLocks noChangeArrowheads="1"/>
-          </p:cNvSpPr>
-          <p:nvPr/>
-        </p:nvSpPr>
-        <p:spPr bwMode="auto">
-          <a:xfrm>
-            <a:off x="609600" y="152400"/>
-            <a:ext cx="7924800" cy="461963"/>
-          </a:xfrm>
-          <a:prstGeom prst="rect">
-            <a:avLst/>
-          </a:prstGeom>
-          <a:noFill/>
-          <a:ln>
-            <a:noFill/>
-          </a:ln>
-          <a:extLst>
-            <a:ext uri="{909E8E84-426E-40DD-AFC4-6F175D3DCCD1}">
-              <a14:hiddenFill xmlns:a14="http://schemas.microsoft.com/office/drawing/2010/main">
-                <a:solidFill>
-                  <a:srgbClr val="FFFFFF"/>
-                </a:solidFill>
-              </a14:hiddenFill>
-            </a:ext>
-            <a:ext uri="{91240B29-F687-4F45-9708-019B960494DF}">
-              <a14:hiddenLine xmlns:a14="http://schemas.microsoft.com/office/drawing/2010/main" w="9525">
-                <a:solidFill>
-                  <a:srgbClr val="000000"/>
-                </a:solidFill>
-                <a:miter lim="800000"/>
-                <a:headEnd/>
-                <a:tailEnd/>
-              </a14:hiddenLine>
-            </a:ext>
-          </a:extLst>
-        </p:spPr>
-        <p:txBody>
-          <a:bodyPr>
-            <a:spAutoFit/>
-          </a:bodyPr>
-          <a:lstStyle/>
-          <a:p>
-            <a:pPr algn="ctr" eaLnBrk="0" hangingPunct="0">
-              <a:tabLst>
-                <a:tab pos="457200" algn="l"/>
-              </a:tabLst>
-            </a:pPr>
-            <a:r>
-              <a:rPr lang="ru-RU" sz="2400" dirty="0">
-                <a:solidFill>
-                  <a:schemeClr val="bg1"/>
-                </a:solidFill>
-                <a:cs typeface="Times New Roman" pitchFamily="18" charset="0"/>
-              </a:rPr>
-              <a:t>Структуры </a:t>
-            </a:r>
-            <a:r>
-              <a:rPr lang="en-US" sz="2400" b="1" dirty="0" err="1">
-                <a:solidFill>
-                  <a:schemeClr val="bg1"/>
-                </a:solidFill>
-                <a:cs typeface="Times New Roman" pitchFamily="18" charset="0"/>
-              </a:rPr>
-              <a:t>struct</a:t>
-            </a:r>
-            <a:r>
-              <a:rPr lang="en-US" sz="2400" b="1" dirty="0">
-                <a:solidFill>
-                  <a:schemeClr val="bg1"/>
-                </a:solidFill>
-                <a:cs typeface="Times New Roman" pitchFamily="18" charset="0"/>
-              </a:rPr>
-              <a:t>.</a:t>
-            </a:r>
-            <a:endParaRPr lang="ru-RU" sz="2400" b="1" dirty="0">
-              <a:solidFill>
-                <a:schemeClr val="bg1"/>
-              </a:solidFill>
-              <a:cs typeface="Times New Roman" pitchFamily="18" charset="0"/>
-            </a:endParaRPr>
-          </a:p>
-        </p:txBody>
-      </p:sp>
-      <p:sp>
-        <p:nvSpPr>
-          <p:cNvPr id="18435" name="Подзаголовок 2"/>
-          <p:cNvSpPr txBox="1">
-            <a:spLocks/>
-          </p:cNvSpPr>
-          <p:nvPr/>
-        </p:nvSpPr>
-        <p:spPr bwMode="auto">
-          <a:xfrm>
-            <a:off x="685800" y="762000"/>
-            <a:ext cx="7696200" cy="990600"/>
-          </a:xfrm>
-          <a:prstGeom prst="rect">
-            <a:avLst/>
-          </a:prstGeom>
-          <a:noFill/>
-          <a:ln w="9525">
-            <a:solidFill>
-              <a:srgbClr val="FF0000"/>
-            </a:solidFill>
-            <a:miter lim="800000"/>
-            <a:headEnd/>
-            <a:tailEnd/>
-          </a:ln>
-          <a:extLst>
-            <a:ext uri="{909E8E84-426E-40DD-AFC4-6F175D3DCCD1}">
-              <a14:hiddenFill xmlns:a14="http://schemas.microsoft.com/office/drawing/2010/main">
-                <a:solidFill>
-                  <a:srgbClr val="FFFFFF"/>
-                </a:solidFill>
-              </a14:hiddenFill>
-            </a:ext>
-          </a:extLst>
-        </p:spPr>
-        <p:txBody>
-          <a:bodyPr/>
-          <a:lstStyle>
-            <a:lvl1pPr eaLnBrk="0" hangingPunct="0">
-              <a:defRPr>
-                <a:solidFill>
-                  <a:schemeClr val="tx1"/>
-                </a:solidFill>
-                <a:latin typeface="Arial" charset="0"/>
-              </a:defRPr>
-            </a:lvl1pPr>
-            <a:lvl2pPr marL="742950" indent="-285750" eaLnBrk="0" hangingPunct="0">
-              <a:defRPr>
-                <a:solidFill>
-                  <a:schemeClr val="tx1"/>
-                </a:solidFill>
-                <a:latin typeface="Arial" charset="0"/>
-              </a:defRPr>
-            </a:lvl2pPr>
-            <a:lvl3pPr marL="1143000" indent="-228600" eaLnBrk="0" hangingPunct="0">
-              <a:defRPr>
-                <a:solidFill>
-                  <a:schemeClr val="tx1"/>
-                </a:solidFill>
-                <a:latin typeface="Arial" charset="0"/>
-              </a:defRPr>
-            </a:lvl3pPr>
-            <a:lvl4pPr marL="1600200" indent="-228600" eaLnBrk="0" hangingPunct="0">
-              <a:defRPr>
-                <a:solidFill>
-                  <a:schemeClr val="tx1"/>
-                </a:solidFill>
-                <a:latin typeface="Arial" charset="0"/>
-              </a:defRPr>
-            </a:lvl4pPr>
-            <a:lvl5pPr marL="2057400" indent="-228600" eaLnBrk="0" hangingPunct="0">
-              <a:defRPr>
-                <a:solidFill>
-                  <a:schemeClr val="tx1"/>
-                </a:solidFill>
-                <a:latin typeface="Arial" charset="0"/>
-              </a:defRPr>
-            </a:lvl5pPr>
-            <a:lvl6pPr marL="2514600" indent="-228600" eaLnBrk="0" fontAlgn="base" hangingPunct="0">
-              <a:spcBef>
-                <a:spcPct val="0"/>
-              </a:spcBef>
-              <a:spcAft>
-                <a:spcPct val="0"/>
-              </a:spcAft>
-              <a:defRPr>
-                <a:solidFill>
-                  <a:schemeClr val="tx1"/>
-                </a:solidFill>
-                <a:latin typeface="Arial" charset="0"/>
-              </a:defRPr>
-            </a:lvl6pPr>
-            <a:lvl7pPr marL="2971800" indent="-228600" eaLnBrk="0" fontAlgn="base" hangingPunct="0">
-              <a:spcBef>
-                <a:spcPct val="0"/>
-              </a:spcBef>
-              <a:spcAft>
-                <a:spcPct val="0"/>
-              </a:spcAft>
-              <a:defRPr>
-                <a:solidFill>
-                  <a:schemeClr val="tx1"/>
-                </a:solidFill>
-                <a:latin typeface="Arial" charset="0"/>
-              </a:defRPr>
-            </a:lvl7pPr>
-            <a:lvl8pPr marL="3429000" indent="-228600" eaLnBrk="0" fontAlgn="base" hangingPunct="0">
-              <a:spcBef>
-                <a:spcPct val="0"/>
-              </a:spcBef>
-              <a:spcAft>
-                <a:spcPct val="0"/>
-              </a:spcAft>
-              <a:defRPr>
-                <a:solidFill>
-                  <a:schemeClr val="tx1"/>
-                </a:solidFill>
-                <a:latin typeface="Arial" charset="0"/>
-              </a:defRPr>
-            </a:lvl8pPr>
-            <a:lvl9pPr marL="3886200" indent="-228600" eaLnBrk="0" fontAlgn="base" hangingPunct="0">
-              <a:spcBef>
-                <a:spcPct val="0"/>
-              </a:spcBef>
-              <a:spcAft>
-                <a:spcPct val="0"/>
-              </a:spcAft>
-              <a:defRPr>
-                <a:solidFill>
-                  <a:schemeClr val="tx1"/>
-                </a:solidFill>
-                <a:latin typeface="Arial" charset="0"/>
-              </a:defRPr>
-            </a:lvl9pPr>
-          </a:lstStyle>
-          <a:p>
-            <a:pPr eaLnBrk="1" hangingPunct="1"/>
-            <a:r>
-              <a:rPr lang="en-US" sz="1400">
-                <a:solidFill>
-                  <a:schemeClr val="bg1"/>
-                </a:solidFill>
-                <a:latin typeface="Courier New" pitchFamily="49" charset="0"/>
-                <a:cs typeface="Courier New" pitchFamily="49" charset="0"/>
-              </a:rPr>
-              <a:t>struct &lt;</a:t>
-            </a:r>
-            <a:r>
-              <a:rPr lang="ru-RU" sz="1400">
-                <a:solidFill>
-                  <a:schemeClr val="bg1"/>
-                </a:solidFill>
-                <a:latin typeface="Courier New" pitchFamily="49" charset="0"/>
-                <a:cs typeface="Courier New" pitchFamily="49" charset="0"/>
-              </a:rPr>
-              <a:t>Имя структуры</a:t>
-            </a:r>
-            <a:r>
-              <a:rPr lang="en-US" sz="1400">
-                <a:solidFill>
-                  <a:schemeClr val="bg1"/>
-                </a:solidFill>
-                <a:latin typeface="Courier New" pitchFamily="49" charset="0"/>
-                <a:cs typeface="Courier New" pitchFamily="49" charset="0"/>
-              </a:rPr>
-              <a:t>&gt;</a:t>
-            </a:r>
-            <a:endParaRPr lang="ru-RU" sz="1400">
-              <a:solidFill>
-                <a:schemeClr val="bg1"/>
-              </a:solidFill>
-              <a:latin typeface="Courier New" pitchFamily="49" charset="0"/>
-              <a:cs typeface="Courier New" pitchFamily="49" charset="0"/>
-            </a:endParaRPr>
-          </a:p>
-          <a:p>
-            <a:pPr eaLnBrk="1" hangingPunct="1"/>
-            <a:r>
-              <a:rPr lang="en-US" sz="1400">
-                <a:solidFill>
-                  <a:schemeClr val="bg1"/>
-                </a:solidFill>
-                <a:latin typeface="Courier New" pitchFamily="49" charset="0"/>
-                <a:cs typeface="Courier New" pitchFamily="49" charset="0"/>
-              </a:rPr>
-              <a:t>{</a:t>
-            </a:r>
-          </a:p>
-          <a:p>
-            <a:pPr eaLnBrk="1" hangingPunct="1"/>
-            <a:r>
-              <a:rPr lang="ru-RU" sz="1400">
-                <a:solidFill>
-                  <a:schemeClr val="bg1"/>
-                </a:solidFill>
-                <a:latin typeface="Courier New" pitchFamily="49" charset="0"/>
-                <a:cs typeface="Courier New" pitchFamily="49" charset="0"/>
-              </a:rPr>
-              <a:t>	</a:t>
-            </a:r>
-            <a:r>
-              <a:rPr lang="en-US" sz="1400">
-                <a:solidFill>
-                  <a:schemeClr val="bg1"/>
-                </a:solidFill>
-                <a:latin typeface="Courier New" pitchFamily="49" charset="0"/>
-                <a:cs typeface="Courier New" pitchFamily="49" charset="0"/>
-              </a:rPr>
-              <a:t>&lt;</a:t>
-            </a:r>
-            <a:r>
-              <a:rPr lang="ru-RU" sz="1400">
-                <a:solidFill>
-                  <a:schemeClr val="bg1"/>
-                </a:solidFill>
-                <a:latin typeface="Courier New" pitchFamily="49" charset="0"/>
-                <a:cs typeface="Courier New" pitchFamily="49" charset="0"/>
-              </a:rPr>
-              <a:t>элементы структуры</a:t>
-            </a:r>
-            <a:r>
-              <a:rPr lang="en-US" sz="1400">
-                <a:solidFill>
-                  <a:schemeClr val="bg1"/>
-                </a:solidFill>
-                <a:latin typeface="Courier New" pitchFamily="49" charset="0"/>
-                <a:cs typeface="Courier New" pitchFamily="49" charset="0"/>
-              </a:rPr>
-              <a:t>&gt;</a:t>
-            </a:r>
-            <a:endParaRPr lang="ru-RU" sz="1400">
-              <a:solidFill>
-                <a:schemeClr val="bg1"/>
-              </a:solidFill>
-              <a:latin typeface="Courier New" pitchFamily="49" charset="0"/>
-              <a:cs typeface="Courier New" pitchFamily="49" charset="0"/>
-            </a:endParaRPr>
-          </a:p>
-          <a:p>
-            <a:pPr eaLnBrk="1" hangingPunct="1"/>
-            <a:r>
-              <a:rPr lang="en-US" sz="1400">
-                <a:solidFill>
-                  <a:schemeClr val="bg1"/>
-                </a:solidFill>
-                <a:latin typeface="Courier New" pitchFamily="49" charset="0"/>
-                <a:cs typeface="Courier New" pitchFamily="49" charset="0"/>
-              </a:rPr>
-              <a:t>}</a:t>
-            </a:r>
-            <a:endParaRPr lang="ru-RU" sz="1400">
-              <a:solidFill>
-                <a:schemeClr val="bg1"/>
-              </a:solidFill>
-              <a:latin typeface="Courier New" pitchFamily="49" charset="0"/>
-              <a:cs typeface="Courier New" pitchFamily="49" charset="0"/>
-            </a:endParaRPr>
-          </a:p>
-          <a:p>
-            <a:pPr eaLnBrk="1" hangingPunct="1"/>
-            <a:endParaRPr lang="ru-RU" sz="1400">
-              <a:solidFill>
-                <a:schemeClr val="bg1"/>
-              </a:solidFill>
-              <a:latin typeface="Courier New" pitchFamily="49" charset="0"/>
-              <a:cs typeface="Courier New" pitchFamily="49" charset="0"/>
-            </a:endParaRPr>
-          </a:p>
-        </p:txBody>
-      </p:sp>
-      <p:sp>
-        <p:nvSpPr>
-          <p:cNvPr id="151553" name="Rectangle 1"/>
-          <p:cNvSpPr>
-            <a:spLocks noChangeArrowheads="1"/>
-          </p:cNvSpPr>
-          <p:nvPr/>
-        </p:nvSpPr>
-        <p:spPr bwMode="auto">
-          <a:xfrm>
-            <a:off x="685800" y="2057400"/>
-            <a:ext cx="7696200" cy="4554538"/>
-          </a:xfrm>
-          <a:prstGeom prst="rect">
-            <a:avLst/>
-          </a:prstGeom>
-          <a:noFill/>
-          <a:ln w="9525">
-            <a:solidFill>
-              <a:schemeClr val="bg1">
-                <a:lumMod val="65000"/>
-              </a:schemeClr>
-            </a:solidFill>
-            <a:miter lim="800000"/>
-            <a:headEnd/>
-            <a:tailEnd/>
-          </a:ln>
-          <a:effectLst/>
-        </p:spPr>
-        <p:txBody>
-          <a:bodyPr anchor="ctr">
-            <a:spAutoFit/>
-          </a:bodyPr>
-          <a:lstStyle/>
-          <a:p>
-            <a:pPr eaLnBrk="0" hangingPunct="0">
-              <a:defRPr/>
-            </a:pPr>
-            <a:r>
-              <a:rPr lang="be-BY" sz="1000" dirty="0">
-                <a:solidFill>
-                  <a:schemeClr val="bg1"/>
-                </a:solidFill>
-                <a:latin typeface="Courier New" pitchFamily="49" charset="0"/>
-                <a:ea typeface="Calibri" pitchFamily="34" charset="0"/>
-                <a:cs typeface="Courier New" pitchFamily="49" charset="0"/>
-              </a:rPr>
-              <a:t>    struct Point</a:t>
-            </a:r>
-            <a:endParaRPr lang="be-BY" sz="900" dirty="0">
-              <a:solidFill>
-                <a:schemeClr val="bg1"/>
-              </a:solidFill>
-              <a:latin typeface="Arial" pitchFamily="34" charset="0"/>
-            </a:endParaRPr>
-          </a:p>
-          <a:p>
-            <a:pPr eaLnBrk="0" hangingPunct="0">
-              <a:defRPr/>
-            </a:pPr>
-            <a:r>
-              <a:rPr lang="be-BY" sz="1000" dirty="0">
-                <a:solidFill>
-                  <a:schemeClr val="bg1"/>
-                </a:solidFill>
-                <a:latin typeface="Courier New" pitchFamily="49" charset="0"/>
-                <a:ea typeface="Calibri" pitchFamily="34" charset="0"/>
-                <a:cs typeface="Courier New" pitchFamily="49" charset="0"/>
-              </a:rPr>
-              <a:t>    {</a:t>
-            </a:r>
-            <a:endParaRPr lang="be-BY" sz="900" dirty="0">
-              <a:solidFill>
-                <a:schemeClr val="bg1"/>
-              </a:solidFill>
-              <a:latin typeface="Arial" pitchFamily="34" charset="0"/>
-            </a:endParaRPr>
-          </a:p>
-          <a:p>
-            <a:pPr eaLnBrk="0" hangingPunct="0">
-              <a:defRPr/>
-            </a:pPr>
-            <a:r>
-              <a:rPr lang="be-BY" sz="1000" dirty="0">
-                <a:solidFill>
-                  <a:schemeClr val="bg1"/>
-                </a:solidFill>
-                <a:latin typeface="Courier New" pitchFamily="49" charset="0"/>
-                <a:ea typeface="Calibri" pitchFamily="34" charset="0"/>
-                <a:cs typeface="Courier New" pitchFamily="49" charset="0"/>
-              </a:rPr>
-              <a:t>        public int x, y;</a:t>
-            </a:r>
-            <a:endParaRPr lang="be-BY" sz="900" dirty="0">
-              <a:solidFill>
-                <a:schemeClr val="bg1"/>
-              </a:solidFill>
-              <a:latin typeface="Arial" pitchFamily="34" charset="0"/>
-            </a:endParaRPr>
-          </a:p>
-          <a:p>
-            <a:pPr eaLnBrk="0" hangingPunct="0">
-              <a:defRPr/>
-            </a:pPr>
-            <a:r>
-              <a:rPr lang="be-BY" sz="1000" dirty="0">
-                <a:solidFill>
-                  <a:schemeClr val="bg1"/>
-                </a:solidFill>
-                <a:latin typeface="Courier New" pitchFamily="49" charset="0"/>
-                <a:ea typeface="Calibri" pitchFamily="34" charset="0"/>
-                <a:cs typeface="Courier New" pitchFamily="49" charset="0"/>
-              </a:rPr>
-              <a:t>        public Point(int X, int Y)</a:t>
-            </a:r>
-            <a:endParaRPr lang="be-BY" sz="900" dirty="0">
-              <a:solidFill>
-                <a:schemeClr val="bg1"/>
-              </a:solidFill>
-              <a:latin typeface="Arial" pitchFamily="34" charset="0"/>
-            </a:endParaRPr>
-          </a:p>
-          <a:p>
-            <a:pPr eaLnBrk="0" hangingPunct="0">
-              <a:defRPr/>
-            </a:pPr>
-            <a:r>
-              <a:rPr lang="be-BY" sz="1000" dirty="0">
-                <a:solidFill>
-                  <a:schemeClr val="bg1"/>
-                </a:solidFill>
-                <a:latin typeface="Courier New" pitchFamily="49" charset="0"/>
-                <a:ea typeface="Calibri" pitchFamily="34" charset="0"/>
-                <a:cs typeface="Courier New" pitchFamily="49" charset="0"/>
-              </a:rPr>
-              <a:t>        {</a:t>
-            </a:r>
-            <a:endParaRPr lang="be-BY" sz="900" dirty="0">
-              <a:solidFill>
-                <a:schemeClr val="bg1"/>
-              </a:solidFill>
-              <a:latin typeface="Arial" pitchFamily="34" charset="0"/>
-            </a:endParaRPr>
-          </a:p>
-          <a:p>
-            <a:pPr eaLnBrk="0" hangingPunct="0">
-              <a:defRPr/>
-            </a:pPr>
-            <a:r>
-              <a:rPr lang="be-BY" sz="1000" dirty="0">
-                <a:solidFill>
-                  <a:schemeClr val="bg1"/>
-                </a:solidFill>
-                <a:latin typeface="Courier New" pitchFamily="49" charset="0"/>
-                <a:ea typeface="Calibri" pitchFamily="34" charset="0"/>
-                <a:cs typeface="Courier New" pitchFamily="49" charset="0"/>
-              </a:rPr>
-              <a:t>            x = X;</a:t>
-            </a:r>
-            <a:endParaRPr lang="be-BY" sz="900" dirty="0">
-              <a:solidFill>
-                <a:schemeClr val="bg1"/>
-              </a:solidFill>
-              <a:latin typeface="Arial" pitchFamily="34" charset="0"/>
-            </a:endParaRPr>
-          </a:p>
-          <a:p>
-            <a:pPr eaLnBrk="0" hangingPunct="0">
-              <a:defRPr/>
-            </a:pPr>
-            <a:r>
-              <a:rPr lang="be-BY" sz="1000" dirty="0">
-                <a:solidFill>
-                  <a:schemeClr val="bg1"/>
-                </a:solidFill>
-                <a:latin typeface="Courier New" pitchFamily="49" charset="0"/>
-                <a:ea typeface="Calibri" pitchFamily="34" charset="0"/>
-                <a:cs typeface="Courier New" pitchFamily="49" charset="0"/>
-              </a:rPr>
-              <a:t>            y = Y;</a:t>
-            </a:r>
-            <a:endParaRPr lang="be-BY" sz="900" dirty="0">
-              <a:solidFill>
-                <a:schemeClr val="bg1"/>
-              </a:solidFill>
-              <a:latin typeface="Arial" pitchFamily="34" charset="0"/>
-            </a:endParaRPr>
-          </a:p>
-          <a:p>
-            <a:pPr eaLnBrk="0" hangingPunct="0">
-              <a:defRPr/>
-            </a:pPr>
-            <a:r>
-              <a:rPr lang="be-BY" sz="1000" dirty="0">
-                <a:solidFill>
-                  <a:schemeClr val="bg1"/>
-                </a:solidFill>
-                <a:latin typeface="Courier New" pitchFamily="49" charset="0"/>
-                <a:ea typeface="Calibri" pitchFamily="34" charset="0"/>
-                <a:cs typeface="Courier New" pitchFamily="49" charset="0"/>
-              </a:rPr>
-              <a:t>        }</a:t>
-            </a:r>
-            <a:endParaRPr lang="be-BY" sz="900" dirty="0">
-              <a:solidFill>
-                <a:schemeClr val="bg1"/>
-              </a:solidFill>
-              <a:latin typeface="Arial" pitchFamily="34" charset="0"/>
-            </a:endParaRPr>
-          </a:p>
-          <a:p>
-            <a:pPr eaLnBrk="0" hangingPunct="0">
-              <a:defRPr/>
-            </a:pPr>
-            <a:r>
-              <a:rPr lang="be-BY" sz="1000" dirty="0">
-                <a:solidFill>
-                  <a:schemeClr val="bg1"/>
-                </a:solidFill>
-                <a:latin typeface="Courier New" pitchFamily="49" charset="0"/>
-                <a:ea typeface="Calibri" pitchFamily="34" charset="0"/>
-                <a:cs typeface="Courier New" pitchFamily="49" charset="0"/>
-              </a:rPr>
-              <a:t>        public void AddValue(int val)</a:t>
-            </a:r>
-            <a:endParaRPr lang="be-BY" sz="900" dirty="0">
-              <a:solidFill>
-                <a:schemeClr val="bg1"/>
-              </a:solidFill>
-              <a:latin typeface="Arial" pitchFamily="34" charset="0"/>
-            </a:endParaRPr>
-          </a:p>
-          <a:p>
-            <a:pPr eaLnBrk="0" hangingPunct="0">
-              <a:defRPr/>
-            </a:pPr>
-            <a:r>
-              <a:rPr lang="be-BY" sz="1000" dirty="0">
-                <a:solidFill>
-                  <a:schemeClr val="bg1"/>
-                </a:solidFill>
-                <a:latin typeface="Courier New" pitchFamily="49" charset="0"/>
-                <a:ea typeface="Calibri" pitchFamily="34" charset="0"/>
-                <a:cs typeface="Courier New" pitchFamily="49" charset="0"/>
-              </a:rPr>
-              <a:t>        {</a:t>
-            </a:r>
-            <a:endParaRPr lang="be-BY" sz="900" dirty="0">
-              <a:solidFill>
-                <a:schemeClr val="bg1"/>
-              </a:solidFill>
-              <a:latin typeface="Arial" pitchFamily="34" charset="0"/>
-            </a:endParaRPr>
-          </a:p>
-          <a:p>
-            <a:pPr eaLnBrk="0" hangingPunct="0">
-              <a:defRPr/>
-            </a:pPr>
-            <a:r>
-              <a:rPr lang="be-BY" sz="1000" dirty="0">
-                <a:solidFill>
-                  <a:schemeClr val="bg1"/>
-                </a:solidFill>
-                <a:latin typeface="Courier New" pitchFamily="49" charset="0"/>
-                <a:ea typeface="Calibri" pitchFamily="34" charset="0"/>
-                <a:cs typeface="Courier New" pitchFamily="49" charset="0"/>
-              </a:rPr>
-              <a:t>            x += val;</a:t>
-            </a:r>
-            <a:endParaRPr lang="be-BY" sz="900" dirty="0">
-              <a:solidFill>
-                <a:schemeClr val="bg1"/>
-              </a:solidFill>
-              <a:latin typeface="Arial" pitchFamily="34" charset="0"/>
-            </a:endParaRPr>
-          </a:p>
-          <a:p>
-            <a:pPr eaLnBrk="0" hangingPunct="0">
-              <a:defRPr/>
-            </a:pPr>
-            <a:r>
-              <a:rPr lang="be-BY" sz="1000" dirty="0">
-                <a:solidFill>
-                  <a:schemeClr val="bg1"/>
-                </a:solidFill>
-                <a:latin typeface="Courier New" pitchFamily="49" charset="0"/>
-                <a:ea typeface="Calibri" pitchFamily="34" charset="0"/>
-                <a:cs typeface="Courier New" pitchFamily="49" charset="0"/>
-              </a:rPr>
-              <a:t>            y += val;</a:t>
-            </a:r>
-            <a:endParaRPr lang="be-BY" sz="900" dirty="0">
-              <a:solidFill>
-                <a:schemeClr val="bg1"/>
-              </a:solidFill>
-              <a:latin typeface="Arial" pitchFamily="34" charset="0"/>
-            </a:endParaRPr>
-          </a:p>
-          <a:p>
-            <a:pPr eaLnBrk="0" hangingPunct="0">
-              <a:defRPr/>
-            </a:pPr>
-            <a:r>
-              <a:rPr lang="be-BY" sz="1000" dirty="0">
-                <a:solidFill>
-                  <a:schemeClr val="bg1"/>
-                </a:solidFill>
-                <a:latin typeface="Courier New" pitchFamily="49" charset="0"/>
-                <a:ea typeface="Calibri" pitchFamily="34" charset="0"/>
-                <a:cs typeface="Courier New" pitchFamily="49" charset="0"/>
-              </a:rPr>
-              <a:t>        }</a:t>
-            </a:r>
-            <a:endParaRPr lang="be-BY" sz="900" dirty="0">
-              <a:solidFill>
-                <a:schemeClr val="bg1"/>
-              </a:solidFill>
-              <a:latin typeface="Arial" pitchFamily="34" charset="0"/>
-            </a:endParaRPr>
-          </a:p>
-          <a:p>
-            <a:pPr eaLnBrk="0" hangingPunct="0">
-              <a:defRPr/>
-            </a:pPr>
-            <a:r>
-              <a:rPr lang="be-BY" sz="1000" dirty="0">
-                <a:solidFill>
-                  <a:schemeClr val="bg1"/>
-                </a:solidFill>
-                <a:latin typeface="Courier New" pitchFamily="49" charset="0"/>
-                <a:ea typeface="Calibri" pitchFamily="34" charset="0"/>
-                <a:cs typeface="Courier New" pitchFamily="49" charset="0"/>
-              </a:rPr>
-              <a:t>        public void Write()</a:t>
-            </a:r>
-            <a:endParaRPr lang="be-BY" sz="900" dirty="0">
-              <a:solidFill>
-                <a:schemeClr val="bg1"/>
-              </a:solidFill>
-              <a:latin typeface="Arial" pitchFamily="34" charset="0"/>
-            </a:endParaRPr>
-          </a:p>
-          <a:p>
-            <a:pPr eaLnBrk="0" hangingPunct="0">
-              <a:defRPr/>
-            </a:pPr>
-            <a:r>
-              <a:rPr lang="be-BY" sz="1000" dirty="0">
-                <a:solidFill>
-                  <a:schemeClr val="bg1"/>
-                </a:solidFill>
-                <a:latin typeface="Courier New" pitchFamily="49" charset="0"/>
-                <a:ea typeface="Calibri" pitchFamily="34" charset="0"/>
-                <a:cs typeface="Courier New" pitchFamily="49" charset="0"/>
-              </a:rPr>
-              <a:t>        {</a:t>
-            </a:r>
-            <a:endParaRPr lang="be-BY" sz="900" dirty="0">
-              <a:solidFill>
-                <a:schemeClr val="bg1"/>
-              </a:solidFill>
-              <a:latin typeface="Arial" pitchFamily="34" charset="0"/>
-            </a:endParaRPr>
-          </a:p>
-          <a:p>
-            <a:pPr eaLnBrk="0" hangingPunct="0">
-              <a:defRPr/>
-            </a:pPr>
-            <a:r>
-              <a:rPr lang="be-BY" sz="1000" dirty="0">
-                <a:solidFill>
-                  <a:schemeClr val="bg1"/>
-                </a:solidFill>
-                <a:latin typeface="Courier New" pitchFamily="49" charset="0"/>
-                <a:ea typeface="Calibri" pitchFamily="34" charset="0"/>
-                <a:cs typeface="Courier New" pitchFamily="49" charset="0"/>
-              </a:rPr>
-              <a:t>            Console.WriteLine("x={0}, y={1}", x, y);</a:t>
-            </a:r>
-            <a:endParaRPr lang="be-BY" sz="900" dirty="0">
-              <a:solidFill>
-                <a:schemeClr val="bg1"/>
-              </a:solidFill>
-              <a:latin typeface="Arial" pitchFamily="34" charset="0"/>
-            </a:endParaRPr>
-          </a:p>
-          <a:p>
-            <a:pPr eaLnBrk="0" hangingPunct="0">
-              <a:defRPr/>
-            </a:pPr>
-            <a:r>
-              <a:rPr lang="be-BY" sz="1000" dirty="0">
-                <a:solidFill>
-                  <a:schemeClr val="bg1"/>
-                </a:solidFill>
-                <a:latin typeface="Courier New" pitchFamily="49" charset="0"/>
-                <a:ea typeface="Calibri" pitchFamily="34" charset="0"/>
-                <a:cs typeface="Courier New" pitchFamily="49" charset="0"/>
-              </a:rPr>
-              <a:t>        }</a:t>
-            </a:r>
-            <a:endParaRPr lang="be-BY" sz="900" dirty="0">
-              <a:solidFill>
-                <a:schemeClr val="bg1"/>
-              </a:solidFill>
-              <a:latin typeface="Arial" pitchFamily="34" charset="0"/>
-            </a:endParaRPr>
-          </a:p>
-          <a:p>
-            <a:pPr eaLnBrk="0" hangingPunct="0">
-              <a:defRPr/>
-            </a:pPr>
-            <a:r>
-              <a:rPr lang="be-BY" sz="1000" dirty="0">
-                <a:solidFill>
-                  <a:schemeClr val="bg1"/>
-                </a:solidFill>
-                <a:latin typeface="Courier New" pitchFamily="49" charset="0"/>
-                <a:ea typeface="Calibri" pitchFamily="34" charset="0"/>
-                <a:cs typeface="Courier New" pitchFamily="49" charset="0"/>
-              </a:rPr>
-              <a:t>    }</a:t>
-            </a:r>
-            <a:endParaRPr lang="en-US" sz="1000" dirty="0">
-              <a:solidFill>
-                <a:schemeClr val="bg1"/>
-              </a:solidFill>
-              <a:latin typeface="Courier New" pitchFamily="49" charset="0"/>
-              <a:ea typeface="Calibri" pitchFamily="34" charset="0"/>
-              <a:cs typeface="Courier New" pitchFamily="49" charset="0"/>
-            </a:endParaRPr>
-          </a:p>
-          <a:p>
-            <a:pPr eaLnBrk="0" hangingPunct="0">
-              <a:defRPr/>
-            </a:pPr>
-            <a:endParaRPr lang="be-BY" sz="900" dirty="0">
-              <a:solidFill>
-                <a:schemeClr val="bg1"/>
-              </a:solidFill>
-              <a:latin typeface="Arial" pitchFamily="34" charset="0"/>
-            </a:endParaRPr>
-          </a:p>
-          <a:p>
-            <a:pPr eaLnBrk="0" hangingPunct="0">
-              <a:defRPr/>
-            </a:pPr>
-            <a:r>
-              <a:rPr lang="be-BY" sz="1000" dirty="0">
-                <a:solidFill>
-                  <a:schemeClr val="bg1"/>
-                </a:solidFill>
-                <a:latin typeface="Courier New" pitchFamily="49" charset="0"/>
-                <a:ea typeface="Calibri" pitchFamily="34" charset="0"/>
-                <a:cs typeface="Courier New" pitchFamily="49" charset="0"/>
-              </a:rPr>
-              <a:t>    class Program</a:t>
-            </a:r>
-            <a:endParaRPr lang="be-BY" sz="900" dirty="0">
-              <a:solidFill>
-                <a:schemeClr val="bg1"/>
-              </a:solidFill>
-              <a:latin typeface="Arial" pitchFamily="34" charset="0"/>
-            </a:endParaRPr>
-          </a:p>
-          <a:p>
-            <a:pPr eaLnBrk="0" hangingPunct="0">
-              <a:defRPr/>
-            </a:pPr>
-            <a:r>
-              <a:rPr lang="be-BY" sz="1000" dirty="0">
-                <a:solidFill>
-                  <a:schemeClr val="bg1"/>
-                </a:solidFill>
-                <a:latin typeface="Courier New" pitchFamily="49" charset="0"/>
-                <a:ea typeface="Calibri" pitchFamily="34" charset="0"/>
-                <a:cs typeface="Courier New" pitchFamily="49" charset="0"/>
-              </a:rPr>
-              <a:t>    {</a:t>
-            </a:r>
-            <a:endParaRPr lang="be-BY" sz="900" dirty="0">
-              <a:solidFill>
-                <a:schemeClr val="bg1"/>
-              </a:solidFill>
-              <a:latin typeface="Arial" pitchFamily="34" charset="0"/>
-            </a:endParaRPr>
-          </a:p>
-          <a:p>
-            <a:pPr eaLnBrk="0" hangingPunct="0">
-              <a:defRPr/>
-            </a:pPr>
-            <a:r>
-              <a:rPr lang="be-BY" sz="1000" dirty="0">
-                <a:solidFill>
-                  <a:schemeClr val="bg1"/>
-                </a:solidFill>
-                <a:latin typeface="Courier New" pitchFamily="49" charset="0"/>
-                <a:ea typeface="Calibri" pitchFamily="34" charset="0"/>
-                <a:cs typeface="Courier New" pitchFamily="49" charset="0"/>
-              </a:rPr>
-              <a:t>        static void Main(string[] args)</a:t>
-            </a:r>
-            <a:endParaRPr lang="be-BY" sz="900" dirty="0">
-              <a:solidFill>
-                <a:schemeClr val="bg1"/>
-              </a:solidFill>
-              <a:latin typeface="Arial" pitchFamily="34" charset="0"/>
-            </a:endParaRPr>
-          </a:p>
-          <a:p>
-            <a:pPr eaLnBrk="0" hangingPunct="0">
-              <a:defRPr/>
-            </a:pPr>
-            <a:r>
-              <a:rPr lang="be-BY" sz="1000" dirty="0">
-                <a:solidFill>
-                  <a:schemeClr val="bg1"/>
-                </a:solidFill>
-                <a:latin typeface="Courier New" pitchFamily="49" charset="0"/>
-                <a:ea typeface="Calibri" pitchFamily="34" charset="0"/>
-                <a:cs typeface="Courier New" pitchFamily="49" charset="0"/>
-              </a:rPr>
-              <a:t>        {</a:t>
-            </a:r>
-            <a:endParaRPr lang="be-BY" sz="900" dirty="0">
-              <a:solidFill>
-                <a:schemeClr val="bg1"/>
-              </a:solidFill>
-              <a:latin typeface="Arial" pitchFamily="34" charset="0"/>
-            </a:endParaRPr>
-          </a:p>
-          <a:p>
-            <a:pPr eaLnBrk="0" hangingPunct="0">
-              <a:defRPr/>
-            </a:pPr>
-            <a:r>
-              <a:rPr lang="be-BY" sz="1000" dirty="0">
-                <a:solidFill>
-                  <a:schemeClr val="bg1"/>
-                </a:solidFill>
-                <a:latin typeface="Courier New" pitchFamily="49" charset="0"/>
-                <a:ea typeface="Calibri" pitchFamily="34" charset="0"/>
-                <a:cs typeface="Courier New" pitchFamily="49" charset="0"/>
-              </a:rPr>
-              <a:t>            Point pt1 = new Point(4,3);</a:t>
-            </a:r>
-            <a:endParaRPr lang="be-BY" sz="900" dirty="0">
-              <a:solidFill>
-                <a:schemeClr val="bg1"/>
-              </a:solidFill>
-              <a:latin typeface="Arial" pitchFamily="34" charset="0"/>
-            </a:endParaRPr>
-          </a:p>
-          <a:p>
-            <a:pPr eaLnBrk="0" hangingPunct="0">
-              <a:defRPr/>
-            </a:pPr>
-            <a:r>
-              <a:rPr lang="be-BY" sz="1000" dirty="0">
-                <a:solidFill>
-                  <a:schemeClr val="bg1"/>
-                </a:solidFill>
-                <a:latin typeface="Courier New" pitchFamily="49" charset="0"/>
-                <a:ea typeface="Calibri" pitchFamily="34" charset="0"/>
-                <a:cs typeface="Courier New" pitchFamily="49" charset="0"/>
-              </a:rPr>
-              <a:t>            pt1.x = 1;</a:t>
-            </a:r>
-            <a:endParaRPr lang="be-BY" sz="900" dirty="0">
-              <a:solidFill>
-                <a:schemeClr val="bg1"/>
-              </a:solidFill>
-              <a:latin typeface="Arial" pitchFamily="34" charset="0"/>
-            </a:endParaRPr>
-          </a:p>
-          <a:p>
-            <a:pPr eaLnBrk="0" hangingPunct="0">
-              <a:defRPr/>
-            </a:pPr>
-            <a:r>
-              <a:rPr lang="be-BY" sz="1000" dirty="0">
-                <a:solidFill>
-                  <a:schemeClr val="bg1"/>
-                </a:solidFill>
-                <a:latin typeface="Courier New" pitchFamily="49" charset="0"/>
-                <a:ea typeface="Calibri" pitchFamily="34" charset="0"/>
-                <a:cs typeface="Courier New" pitchFamily="49" charset="0"/>
-              </a:rPr>
-              <a:t>            pt1.y = 5;</a:t>
-            </a:r>
-            <a:endParaRPr lang="be-BY" sz="900" dirty="0">
-              <a:solidFill>
-                <a:schemeClr val="bg1"/>
-              </a:solidFill>
-              <a:latin typeface="Arial" pitchFamily="34" charset="0"/>
-            </a:endParaRPr>
-          </a:p>
-          <a:p>
-            <a:pPr eaLnBrk="0" hangingPunct="0">
-              <a:defRPr/>
-            </a:pPr>
-            <a:r>
-              <a:rPr lang="be-BY" sz="1000" dirty="0">
-                <a:solidFill>
-                  <a:schemeClr val="bg1"/>
-                </a:solidFill>
-                <a:latin typeface="Courier New" pitchFamily="49" charset="0"/>
-                <a:ea typeface="Calibri" pitchFamily="34" charset="0"/>
-                <a:cs typeface="Courier New" pitchFamily="49" charset="0"/>
-              </a:rPr>
-              <a:t>            pt1.Write();</a:t>
-            </a:r>
-            <a:endParaRPr lang="be-BY" sz="900" dirty="0">
-              <a:solidFill>
-                <a:schemeClr val="bg1"/>
-              </a:solidFill>
-              <a:latin typeface="Arial" pitchFamily="34" charset="0"/>
-            </a:endParaRPr>
-          </a:p>
-          <a:p>
-            <a:pPr eaLnBrk="0" hangingPunct="0">
-              <a:defRPr/>
-            </a:pPr>
-            <a:r>
-              <a:rPr lang="be-BY" sz="1000" dirty="0">
-                <a:solidFill>
-                  <a:schemeClr val="bg1"/>
-                </a:solidFill>
-                <a:latin typeface="Courier New" pitchFamily="49" charset="0"/>
-                <a:ea typeface="Calibri" pitchFamily="34" charset="0"/>
-                <a:cs typeface="Courier New" pitchFamily="49" charset="0"/>
-              </a:rPr>
-              <a:t>        }</a:t>
-            </a:r>
-            <a:endParaRPr lang="be-BY" sz="900" dirty="0">
-              <a:solidFill>
-                <a:schemeClr val="bg1"/>
-              </a:solidFill>
-              <a:latin typeface="Arial" pitchFamily="34" charset="0"/>
-            </a:endParaRPr>
-          </a:p>
-          <a:p>
-            <a:pPr eaLnBrk="0" hangingPunct="0">
-              <a:defRPr/>
-            </a:pPr>
-            <a:r>
-              <a:rPr lang="be-BY" sz="1000" dirty="0">
-                <a:solidFill>
-                  <a:schemeClr val="bg1"/>
-                </a:solidFill>
-                <a:latin typeface="Courier New" pitchFamily="49" charset="0"/>
-                <a:ea typeface="Calibri" pitchFamily="34" charset="0"/>
-                <a:cs typeface="Courier New" pitchFamily="49" charset="0"/>
-              </a:rPr>
-              <a:t>    }</a:t>
-            </a:r>
-            <a:endParaRPr lang="be-BY" dirty="0">
-              <a:solidFill>
-                <a:schemeClr val="bg1"/>
-              </a:solidFill>
-              <a:latin typeface="Calibri" pitchFamily="34" charset="0"/>
-            </a:endParaRPr>
-          </a:p>
-        </p:txBody>
-      </p:sp>
-    </p:spTree>
-    <p:extLst>
-      <p:ext uri="{BB962C8B-B14F-4D97-AF65-F5344CB8AC3E}">
-        <p14:creationId xmlns:p14="http://schemas.microsoft.com/office/powerpoint/2010/main" val="401800113"/>
-      </p:ext>
-    </p:extLst>
-  </p:cSld>
-  <p:clrMapOvr>
-    <a:masterClrMapping/>
-  </p:clrMapOvr>
-</p:sld>
-</file>
-
-<file path=ppt/slides/slide29.xml><?xml version="1.0" encoding="utf-8"?>
-<p:sld xmlns:a="http://schemas.openxmlformats.org/drawingml/2006/main" xmlns:r="http://schemas.openxmlformats.org/officeDocument/2006/relationships" xmlns:p="http://schemas.openxmlformats.org/presentationml/2006/main">
-  <p:cSld>
-    <p:bg>
-      <p:bgPr>
-        <a:blipFill dpi="0" rotWithShape="1">
-          <a:blip r:embed="rId2">
-            <a:lum/>
-          </a:blip>
-          <a:srcRect/>
-          <a:stretch>
-            <a:fillRect/>
-          </a:stretch>
-        </a:blipFill>
-        <a:effectLst/>
-      </p:bgPr>
-    </p:bg>
-    <p:spTree>
-      <p:nvGrpSpPr>
-        <p:cNvPr id="1" name=""/>
-        <p:cNvGrpSpPr/>
-        <p:nvPr/>
-      </p:nvGrpSpPr>
-      <p:grpSpPr>
-        <a:xfrm>
-          <a:off x="0" y="0"/>
-          <a:ext cx="0" cy="0"/>
-          <a:chOff x="0" y="0"/>
-          <a:chExt cx="0" cy="0"/>
-        </a:xfrm>
-      </p:grpSpPr>
-      <p:sp>
-        <p:nvSpPr>
-          <p:cNvPr id="22530" name="Прямоугольник 6"/>
-          <p:cNvSpPr>
-            <a:spLocks noChangeArrowheads="1"/>
-          </p:cNvSpPr>
-          <p:nvPr/>
-        </p:nvSpPr>
-        <p:spPr bwMode="auto">
-          <a:xfrm>
-            <a:off x="685800" y="71438"/>
-            <a:ext cx="7924800" cy="461962"/>
-          </a:xfrm>
-          <a:prstGeom prst="rect">
-            <a:avLst/>
-          </a:prstGeom>
-          <a:noFill/>
-          <a:ln>
-            <a:noFill/>
-          </a:ln>
-          <a:extLst>
-            <a:ext uri="{909E8E84-426E-40DD-AFC4-6F175D3DCCD1}">
-              <a14:hiddenFill xmlns:a14="http://schemas.microsoft.com/office/drawing/2010/main">
-                <a:solidFill>
-                  <a:srgbClr val="FFFFFF"/>
-                </a:solidFill>
-              </a14:hiddenFill>
-            </a:ext>
-            <a:ext uri="{91240B29-F687-4F45-9708-019B960494DF}">
-              <a14:hiddenLine xmlns:a14="http://schemas.microsoft.com/office/drawing/2010/main" w="9525">
-                <a:solidFill>
-                  <a:srgbClr val="000000"/>
-                </a:solidFill>
-                <a:miter lim="800000"/>
-                <a:headEnd/>
-                <a:tailEnd/>
-              </a14:hiddenLine>
-            </a:ext>
-          </a:extLst>
-        </p:spPr>
-        <p:txBody>
-          <a:bodyPr>
-            <a:spAutoFit/>
-          </a:bodyPr>
-          <a:lstStyle/>
-          <a:p>
-            <a:pPr algn="ctr" eaLnBrk="0" hangingPunct="0">
-              <a:tabLst>
-                <a:tab pos="457200" algn="l"/>
-              </a:tabLst>
-            </a:pPr>
-            <a:r>
-              <a:rPr lang="ru-RU" sz="2400" dirty="0">
-                <a:solidFill>
-                  <a:schemeClr val="bg1"/>
-                </a:solidFill>
-                <a:cs typeface="Times New Roman" pitchFamily="18" charset="0"/>
-              </a:rPr>
-              <a:t>Задание</a:t>
-            </a:r>
-            <a:endParaRPr lang="ru-RU" sz="2400" dirty="0">
-              <a:solidFill>
-                <a:schemeClr val="bg1"/>
-              </a:solidFill>
-            </a:endParaRPr>
-          </a:p>
-        </p:txBody>
-      </p:sp>
-      <p:sp>
-        <p:nvSpPr>
-          <p:cNvPr id="22531" name="Прямоугольник 4"/>
-          <p:cNvSpPr>
-            <a:spLocks noChangeArrowheads="1"/>
-          </p:cNvSpPr>
-          <p:nvPr/>
-        </p:nvSpPr>
-        <p:spPr bwMode="auto">
-          <a:xfrm>
-            <a:off x="0" y="733425"/>
-            <a:ext cx="9144000" cy="4247317"/>
-          </a:xfrm>
-          <a:prstGeom prst="rect">
-            <a:avLst/>
-          </a:prstGeom>
-          <a:noFill/>
-          <a:ln>
-            <a:noFill/>
-          </a:ln>
-          <a:extLst>
-            <a:ext uri="{909E8E84-426E-40DD-AFC4-6F175D3DCCD1}">
-              <a14:hiddenFill xmlns:a14="http://schemas.microsoft.com/office/drawing/2010/main">
-                <a:solidFill>
-                  <a:srgbClr val="FFFFFF"/>
-                </a:solidFill>
-              </a14:hiddenFill>
-            </a:ext>
-            <a:ext uri="{91240B29-F687-4F45-9708-019B960494DF}">
-              <a14:hiddenLine xmlns:a14="http://schemas.microsoft.com/office/drawing/2010/main" w="9525">
-                <a:solidFill>
-                  <a:srgbClr val="000000"/>
-                </a:solidFill>
-                <a:miter lim="800000"/>
-                <a:headEnd/>
-                <a:tailEnd/>
-              </a14:hiddenLine>
-            </a:ext>
-          </a:extLst>
-        </p:spPr>
-        <p:txBody>
-          <a:bodyPr>
-            <a:spAutoFit/>
-          </a:bodyPr>
-          <a:lstStyle/>
-          <a:p>
-            <a:pPr marL="342900" indent="-342900"/>
-            <a:r>
-              <a:rPr lang="ru-RU" i="1" dirty="0">
-                <a:solidFill>
-                  <a:schemeClr val="bg1"/>
-                </a:solidFill>
-                <a:cs typeface="Arial" charset="0"/>
-              </a:rPr>
-              <a:t>		Написать калькулятор</a:t>
-            </a:r>
-            <a:r>
-              <a:rPr lang="en-US" i="1" dirty="0">
-                <a:solidFill>
-                  <a:schemeClr val="bg1"/>
-                </a:solidFill>
-                <a:cs typeface="Arial" charset="0"/>
-              </a:rPr>
-              <a:t>, </a:t>
-            </a:r>
-            <a:r>
-              <a:rPr lang="ru-RU" i="1" dirty="0">
-                <a:solidFill>
-                  <a:schemeClr val="bg1"/>
-                </a:solidFill>
-                <a:cs typeface="Arial" charset="0"/>
-              </a:rPr>
-              <a:t>производящий 4 или 5 математических операций с тремя(или больше) дробными числами.</a:t>
-            </a:r>
-          </a:p>
-          <a:p>
-            <a:pPr marL="342900" indent="-342900"/>
-            <a:r>
-              <a:rPr lang="ru-RU" i="1" dirty="0">
-                <a:solidFill>
-                  <a:schemeClr val="bg1"/>
-                </a:solidFill>
-                <a:cs typeface="Arial" charset="0"/>
-              </a:rPr>
-              <a:t>		</a:t>
-            </a:r>
-          </a:p>
-          <a:p>
-            <a:pPr marL="342900" indent="-342900"/>
-            <a:r>
-              <a:rPr lang="ru-RU" i="1" dirty="0">
-                <a:solidFill>
-                  <a:schemeClr val="bg1"/>
-                </a:solidFill>
-                <a:cs typeface="Arial" charset="0"/>
-              </a:rPr>
-              <a:t>		Калькулятор принимает строку в виде </a:t>
-            </a:r>
-            <a:r>
-              <a:rPr lang="en-US" i="1" dirty="0">
-                <a:solidFill>
-                  <a:schemeClr val="bg1"/>
-                </a:solidFill>
-                <a:cs typeface="Arial" charset="0"/>
-              </a:rPr>
-              <a:t>“a # b # c”</a:t>
-            </a:r>
-            <a:r>
-              <a:rPr lang="ru-RU" i="1" dirty="0">
-                <a:solidFill>
-                  <a:schemeClr val="bg1"/>
-                </a:solidFill>
-                <a:cs typeface="Arial" charset="0"/>
-              </a:rPr>
-              <a:t>,</a:t>
-            </a:r>
-            <a:r>
-              <a:rPr lang="en-US" i="1" dirty="0">
-                <a:solidFill>
-                  <a:schemeClr val="bg1"/>
-                </a:solidFill>
-                <a:cs typeface="Arial" charset="0"/>
-              </a:rPr>
-              <a:t> </a:t>
-            </a:r>
-            <a:r>
-              <a:rPr lang="ru-RU" i="1" dirty="0">
-                <a:solidFill>
-                  <a:schemeClr val="bg1"/>
-                </a:solidFill>
-                <a:cs typeface="Arial" charset="0"/>
-              </a:rPr>
-              <a:t>где символ </a:t>
-            </a:r>
-            <a:r>
-              <a:rPr lang="en-US" i="1" dirty="0">
-                <a:solidFill>
-                  <a:schemeClr val="bg1"/>
-                </a:solidFill>
-                <a:cs typeface="Arial" charset="0"/>
-              </a:rPr>
-              <a:t># </a:t>
-            </a:r>
-            <a:r>
-              <a:rPr lang="ru-RU" i="1" dirty="0">
-                <a:solidFill>
-                  <a:schemeClr val="bg1"/>
-                </a:solidFill>
-                <a:cs typeface="Arial" charset="0"/>
-              </a:rPr>
-              <a:t>- это любой математический оператор (</a:t>
-            </a:r>
-            <a:r>
-              <a:rPr lang="en-US" i="1" dirty="0">
-                <a:solidFill>
-                  <a:schemeClr val="bg1"/>
-                </a:solidFill>
-                <a:cs typeface="Arial" charset="0"/>
-              </a:rPr>
-              <a:t> </a:t>
-            </a:r>
-            <a:r>
-              <a:rPr lang="ru-RU" i="1" dirty="0">
-                <a:solidFill>
-                  <a:schemeClr val="bg1"/>
-                </a:solidFill>
-                <a:cs typeface="Arial" charset="0"/>
-              </a:rPr>
-              <a:t>+,</a:t>
-            </a:r>
-            <a:r>
-              <a:rPr lang="en-US" i="1" dirty="0">
-                <a:solidFill>
-                  <a:schemeClr val="bg1"/>
-                </a:solidFill>
-                <a:cs typeface="Arial" charset="0"/>
-              </a:rPr>
-              <a:t> </a:t>
-            </a:r>
-            <a:r>
-              <a:rPr lang="ru-RU" i="1" dirty="0">
-                <a:solidFill>
-                  <a:schemeClr val="bg1"/>
-                </a:solidFill>
-                <a:cs typeface="Arial" charset="0"/>
-              </a:rPr>
-              <a:t>-</a:t>
-            </a:r>
-            <a:r>
-              <a:rPr lang="en-US" i="1" dirty="0">
-                <a:solidFill>
-                  <a:schemeClr val="bg1"/>
-                </a:solidFill>
-                <a:cs typeface="Arial" charset="0"/>
-              </a:rPr>
-              <a:t> </a:t>
-            </a:r>
-            <a:r>
-              <a:rPr lang="ru-RU" i="1" dirty="0">
-                <a:solidFill>
-                  <a:schemeClr val="bg1"/>
-                </a:solidFill>
-                <a:cs typeface="Arial" charset="0"/>
-              </a:rPr>
-              <a:t>,</a:t>
-            </a:r>
-            <a:r>
-              <a:rPr lang="en-US" i="1" dirty="0">
-                <a:solidFill>
-                  <a:schemeClr val="bg1"/>
-                </a:solidFill>
-                <a:cs typeface="Arial" charset="0"/>
-              </a:rPr>
-              <a:t> </a:t>
-            </a:r>
-            <a:r>
-              <a:rPr lang="ru-RU" i="1" dirty="0">
-                <a:solidFill>
-                  <a:schemeClr val="bg1"/>
-                </a:solidFill>
-                <a:cs typeface="Arial" charset="0"/>
-              </a:rPr>
-              <a:t>*</a:t>
-            </a:r>
-            <a:r>
-              <a:rPr lang="en-US" i="1" dirty="0">
-                <a:solidFill>
-                  <a:schemeClr val="bg1"/>
-                </a:solidFill>
-                <a:cs typeface="Arial" charset="0"/>
-              </a:rPr>
-              <a:t> </a:t>
-            </a:r>
-            <a:r>
-              <a:rPr lang="ru-RU" i="1" dirty="0">
-                <a:solidFill>
-                  <a:schemeClr val="bg1"/>
-                </a:solidFill>
-                <a:cs typeface="Arial" charset="0"/>
-              </a:rPr>
-              <a:t>,</a:t>
-            </a:r>
-            <a:r>
-              <a:rPr lang="en-US" i="1" dirty="0">
-                <a:solidFill>
-                  <a:schemeClr val="bg1"/>
-                </a:solidFill>
-                <a:cs typeface="Arial" charset="0"/>
-              </a:rPr>
-              <a:t> / , ^ )</a:t>
-            </a:r>
-            <a:r>
-              <a:rPr lang="ru-RU" i="1" dirty="0">
-                <a:solidFill>
-                  <a:schemeClr val="bg1"/>
-                </a:solidFill>
-                <a:cs typeface="Arial" charset="0"/>
-              </a:rPr>
-              <a:t>.</a:t>
-            </a:r>
-            <a:r>
-              <a:rPr lang="en-US" i="1" dirty="0">
-                <a:solidFill>
-                  <a:schemeClr val="bg1"/>
-                </a:solidFill>
-                <a:cs typeface="Arial" charset="0"/>
-              </a:rPr>
-              <a:t> </a:t>
-            </a:r>
-            <a:r>
-              <a:rPr lang="ru-RU" i="1" dirty="0">
-                <a:solidFill>
-                  <a:schemeClr val="bg1"/>
-                </a:solidFill>
-                <a:cs typeface="Arial" charset="0"/>
-              </a:rPr>
-              <a:t>Программа должна считывать выражение в строку, производить её разбор , записывая числа в соответствующие переменные и выполнять с ними нужные действия. Также программа должна правильно расставлять приоритеты, т.е. возведение в степень должно выполняться раньше умножения и деления, а умножение и деление </a:t>
-            </a:r>
-            <a:r>
-              <a:rPr lang="en-US" i="1" dirty="0">
-                <a:solidFill>
-                  <a:schemeClr val="bg1"/>
-                </a:solidFill>
-                <a:cs typeface="Arial" charset="0"/>
-              </a:rPr>
-              <a:t>– </a:t>
-            </a:r>
-            <a:r>
-              <a:rPr lang="ru-RU" i="1" dirty="0">
-                <a:solidFill>
-                  <a:schemeClr val="bg1"/>
-                </a:solidFill>
-                <a:cs typeface="Arial" charset="0"/>
-              </a:rPr>
-              <a:t>раньше сложения или вычитания, не зависимо от места их расположения.</a:t>
-            </a:r>
-          </a:p>
-          <a:p>
-            <a:pPr marL="342900" indent="-342900"/>
-            <a:r>
-              <a:rPr lang="ru-RU" i="1" dirty="0">
-                <a:solidFill>
-                  <a:schemeClr val="bg1"/>
-                </a:solidFill>
-                <a:cs typeface="Arial" charset="0"/>
-              </a:rPr>
-              <a:t>		</a:t>
-            </a:r>
-          </a:p>
-          <a:p>
-            <a:pPr marL="342900" indent="-342900"/>
-            <a:r>
-              <a:rPr lang="ru-RU" i="1" dirty="0">
-                <a:solidFill>
-                  <a:schemeClr val="bg1"/>
-                </a:solidFill>
-                <a:cs typeface="Arial" charset="0"/>
-              </a:rPr>
-              <a:t>		Доп. Задание</a:t>
-            </a:r>
-            <a:r>
-              <a:rPr lang="en-US" i="1" dirty="0">
-                <a:solidFill>
-                  <a:schemeClr val="bg1"/>
-                </a:solidFill>
-                <a:cs typeface="Arial" charset="0"/>
-              </a:rPr>
-              <a:t>:</a:t>
-            </a:r>
-            <a:r>
-              <a:rPr lang="ru-RU" i="1" dirty="0">
-                <a:solidFill>
-                  <a:schemeClr val="bg1"/>
-                </a:solidFill>
-                <a:cs typeface="Arial" charset="0"/>
-              </a:rPr>
-              <a:t>  Защитить программу от некорректного ввода данных. Программа должна считать выражения при введенном неполном выражении вида </a:t>
-            </a:r>
-            <a:r>
-              <a:rPr lang="en-US" i="1" dirty="0">
-                <a:solidFill>
-                  <a:schemeClr val="bg1"/>
-                </a:solidFill>
-                <a:cs typeface="Arial" charset="0"/>
-              </a:rPr>
-              <a:t>“a</a:t>
-            </a:r>
-            <a:r>
-              <a:rPr lang="ru-RU" i="1" dirty="0">
-                <a:solidFill>
-                  <a:schemeClr val="bg1"/>
-                </a:solidFill>
-                <a:cs typeface="Arial" charset="0"/>
-              </a:rPr>
-              <a:t> </a:t>
-            </a:r>
-            <a:r>
-              <a:rPr lang="en-US" i="1" dirty="0">
-                <a:solidFill>
-                  <a:schemeClr val="bg1"/>
-                </a:solidFill>
-                <a:cs typeface="Arial" charset="0"/>
-              </a:rPr>
-              <a:t>#</a:t>
-            </a:r>
-            <a:r>
-              <a:rPr lang="ru-RU" i="1" dirty="0">
-                <a:solidFill>
-                  <a:schemeClr val="bg1"/>
-                </a:solidFill>
-                <a:cs typeface="Arial" charset="0"/>
-              </a:rPr>
-              <a:t> </a:t>
-            </a:r>
-            <a:r>
-              <a:rPr lang="en-US" i="1" dirty="0">
-                <a:solidFill>
-                  <a:schemeClr val="bg1"/>
-                </a:solidFill>
-                <a:cs typeface="Arial" charset="0"/>
-              </a:rPr>
-              <a:t>b”. </a:t>
-            </a:r>
-            <a:r>
-              <a:rPr lang="ru-RU" i="1" dirty="0">
-                <a:solidFill>
-                  <a:schemeClr val="bg1"/>
-                </a:solidFill>
-                <a:cs typeface="Arial" charset="0"/>
-              </a:rPr>
-              <a:t>В случае ввода некорректных данных (букв, лишних символов) программа должна выдавать сообщение об ошибке, не вылетая.</a:t>
-            </a:r>
-          </a:p>
-        </p:txBody>
-      </p:sp>
-    </p:spTree>
-    <p:extLst>
-      <p:ext uri="{BB962C8B-B14F-4D97-AF65-F5344CB8AC3E}">
-        <p14:creationId xmlns:p14="http://schemas.microsoft.com/office/powerpoint/2010/main" val="879209850"/>
       </p:ext>
     </p:extLst>
   </p:cSld>
@@ -27305,6 +26168,1579 @@
       </p:par>
     </p:tnLst>
   </p:timing>
+</p:sld>
+</file>
+
+<file path=ppt/slides/slide30.xml><?xml version="1.0" encoding="utf-8"?>
+<p:sld xmlns:a="http://schemas.openxmlformats.org/drawingml/2006/main" xmlns:r="http://schemas.openxmlformats.org/officeDocument/2006/relationships" xmlns:p="http://schemas.openxmlformats.org/presentationml/2006/main">
+  <p:cSld>
+    <p:bg>
+      <p:bgPr>
+        <a:blipFill dpi="0" rotWithShape="1">
+          <a:blip r:embed="rId2">
+            <a:lum/>
+          </a:blip>
+          <a:srcRect/>
+          <a:stretch>
+            <a:fillRect/>
+          </a:stretch>
+        </a:blipFill>
+        <a:effectLst/>
+      </p:bgPr>
+    </p:bg>
+    <p:spTree>
+      <p:nvGrpSpPr>
+        <p:cNvPr id="1" name=""/>
+        <p:cNvGrpSpPr/>
+        <p:nvPr/>
+      </p:nvGrpSpPr>
+      <p:grpSpPr>
+        <a:xfrm>
+          <a:off x="0" y="0"/>
+          <a:ext cx="0" cy="0"/>
+          <a:chOff x="0" y="0"/>
+          <a:chExt cx="0" cy="0"/>
+        </a:xfrm>
+      </p:grpSpPr>
+      <p:sp>
+        <p:nvSpPr>
+          <p:cNvPr id="18434" name="Прямоугольник 6"/>
+          <p:cNvSpPr>
+            <a:spLocks noChangeArrowheads="1"/>
+          </p:cNvSpPr>
+          <p:nvPr/>
+        </p:nvSpPr>
+        <p:spPr bwMode="auto">
+          <a:xfrm>
+            <a:off x="609600" y="152400"/>
+            <a:ext cx="7924800" cy="461963"/>
+          </a:xfrm>
+          <a:prstGeom prst="rect">
+            <a:avLst/>
+          </a:prstGeom>
+          <a:noFill/>
+          <a:ln>
+            <a:noFill/>
+          </a:ln>
+          <a:extLst>
+            <a:ext uri="{909E8E84-426E-40DD-AFC4-6F175D3DCCD1}">
+              <a14:hiddenFill xmlns:a14="http://schemas.microsoft.com/office/drawing/2010/main">
+                <a:solidFill>
+                  <a:srgbClr val="FFFFFF"/>
+                </a:solidFill>
+              </a14:hiddenFill>
+            </a:ext>
+            <a:ext uri="{91240B29-F687-4F45-9708-019B960494DF}">
+              <a14:hiddenLine xmlns:a14="http://schemas.microsoft.com/office/drawing/2010/main" w="9525">
+                <a:solidFill>
+                  <a:srgbClr val="000000"/>
+                </a:solidFill>
+                <a:miter lim="800000"/>
+                <a:headEnd/>
+                <a:tailEnd/>
+              </a14:hiddenLine>
+            </a:ext>
+          </a:extLst>
+        </p:spPr>
+        <p:txBody>
+          <a:bodyPr>
+            <a:spAutoFit/>
+          </a:bodyPr>
+          <a:lstStyle/>
+          <a:p>
+            <a:pPr algn="ctr" eaLnBrk="0" hangingPunct="0">
+              <a:tabLst>
+                <a:tab pos="457200" algn="l"/>
+              </a:tabLst>
+            </a:pPr>
+            <a:r>
+              <a:rPr lang="ru-RU" sz="2400" dirty="0">
+                <a:solidFill>
+                  <a:schemeClr val="bg1"/>
+                </a:solidFill>
+                <a:cs typeface="Times New Roman" pitchFamily="18" charset="0"/>
+              </a:rPr>
+              <a:t>Структуры </a:t>
+            </a:r>
+            <a:r>
+              <a:rPr lang="en-US" sz="2400" b="1" dirty="0" err="1">
+                <a:solidFill>
+                  <a:schemeClr val="bg1"/>
+                </a:solidFill>
+                <a:cs typeface="Times New Roman" pitchFamily="18" charset="0"/>
+              </a:rPr>
+              <a:t>struct</a:t>
+            </a:r>
+            <a:r>
+              <a:rPr lang="en-US" sz="2400" b="1" dirty="0">
+                <a:solidFill>
+                  <a:schemeClr val="bg1"/>
+                </a:solidFill>
+                <a:cs typeface="Times New Roman" pitchFamily="18" charset="0"/>
+              </a:rPr>
+              <a:t>.</a:t>
+            </a:r>
+            <a:endParaRPr lang="ru-RU" sz="2400" b="1" dirty="0">
+              <a:solidFill>
+                <a:schemeClr val="bg1"/>
+              </a:solidFill>
+              <a:cs typeface="Times New Roman" pitchFamily="18" charset="0"/>
+            </a:endParaRPr>
+          </a:p>
+        </p:txBody>
+      </p:sp>
+      <p:sp>
+        <p:nvSpPr>
+          <p:cNvPr id="18435" name="Подзаголовок 2"/>
+          <p:cNvSpPr txBox="1">
+            <a:spLocks/>
+          </p:cNvSpPr>
+          <p:nvPr/>
+        </p:nvSpPr>
+        <p:spPr bwMode="auto">
+          <a:xfrm>
+            <a:off x="685800" y="762000"/>
+            <a:ext cx="7696200" cy="990600"/>
+          </a:xfrm>
+          <a:prstGeom prst="rect">
+            <a:avLst/>
+          </a:prstGeom>
+          <a:noFill/>
+          <a:ln w="9525">
+            <a:solidFill>
+              <a:srgbClr val="FF0000"/>
+            </a:solidFill>
+            <a:miter lim="800000"/>
+            <a:headEnd/>
+            <a:tailEnd/>
+          </a:ln>
+          <a:extLst>
+            <a:ext uri="{909E8E84-426E-40DD-AFC4-6F175D3DCCD1}">
+              <a14:hiddenFill xmlns:a14="http://schemas.microsoft.com/office/drawing/2010/main">
+                <a:solidFill>
+                  <a:srgbClr val="FFFFFF"/>
+                </a:solidFill>
+              </a14:hiddenFill>
+            </a:ext>
+          </a:extLst>
+        </p:spPr>
+        <p:txBody>
+          <a:bodyPr/>
+          <a:lstStyle>
+            <a:lvl1pPr eaLnBrk="0" hangingPunct="0">
+              <a:defRPr>
+                <a:solidFill>
+                  <a:schemeClr val="tx1"/>
+                </a:solidFill>
+                <a:latin typeface="Arial" charset="0"/>
+              </a:defRPr>
+            </a:lvl1pPr>
+            <a:lvl2pPr marL="742950" indent="-285750" eaLnBrk="0" hangingPunct="0">
+              <a:defRPr>
+                <a:solidFill>
+                  <a:schemeClr val="tx1"/>
+                </a:solidFill>
+                <a:latin typeface="Arial" charset="0"/>
+              </a:defRPr>
+            </a:lvl2pPr>
+            <a:lvl3pPr marL="1143000" indent="-228600" eaLnBrk="0" hangingPunct="0">
+              <a:defRPr>
+                <a:solidFill>
+                  <a:schemeClr val="tx1"/>
+                </a:solidFill>
+                <a:latin typeface="Arial" charset="0"/>
+              </a:defRPr>
+            </a:lvl3pPr>
+            <a:lvl4pPr marL="1600200" indent="-228600" eaLnBrk="0" hangingPunct="0">
+              <a:defRPr>
+                <a:solidFill>
+                  <a:schemeClr val="tx1"/>
+                </a:solidFill>
+                <a:latin typeface="Arial" charset="0"/>
+              </a:defRPr>
+            </a:lvl4pPr>
+            <a:lvl5pPr marL="2057400" indent="-228600" eaLnBrk="0" hangingPunct="0">
+              <a:defRPr>
+                <a:solidFill>
+                  <a:schemeClr val="tx1"/>
+                </a:solidFill>
+                <a:latin typeface="Arial" charset="0"/>
+              </a:defRPr>
+            </a:lvl5pPr>
+            <a:lvl6pPr marL="2514600" indent="-228600" eaLnBrk="0" fontAlgn="base" hangingPunct="0">
+              <a:spcBef>
+                <a:spcPct val="0"/>
+              </a:spcBef>
+              <a:spcAft>
+                <a:spcPct val="0"/>
+              </a:spcAft>
+              <a:defRPr>
+                <a:solidFill>
+                  <a:schemeClr val="tx1"/>
+                </a:solidFill>
+                <a:latin typeface="Arial" charset="0"/>
+              </a:defRPr>
+            </a:lvl6pPr>
+            <a:lvl7pPr marL="2971800" indent="-228600" eaLnBrk="0" fontAlgn="base" hangingPunct="0">
+              <a:spcBef>
+                <a:spcPct val="0"/>
+              </a:spcBef>
+              <a:spcAft>
+                <a:spcPct val="0"/>
+              </a:spcAft>
+              <a:defRPr>
+                <a:solidFill>
+                  <a:schemeClr val="tx1"/>
+                </a:solidFill>
+                <a:latin typeface="Arial" charset="0"/>
+              </a:defRPr>
+            </a:lvl7pPr>
+            <a:lvl8pPr marL="3429000" indent="-228600" eaLnBrk="0" fontAlgn="base" hangingPunct="0">
+              <a:spcBef>
+                <a:spcPct val="0"/>
+              </a:spcBef>
+              <a:spcAft>
+                <a:spcPct val="0"/>
+              </a:spcAft>
+              <a:defRPr>
+                <a:solidFill>
+                  <a:schemeClr val="tx1"/>
+                </a:solidFill>
+                <a:latin typeface="Arial" charset="0"/>
+              </a:defRPr>
+            </a:lvl8pPr>
+            <a:lvl9pPr marL="3886200" indent="-228600" eaLnBrk="0" fontAlgn="base" hangingPunct="0">
+              <a:spcBef>
+                <a:spcPct val="0"/>
+              </a:spcBef>
+              <a:spcAft>
+                <a:spcPct val="0"/>
+              </a:spcAft>
+              <a:defRPr>
+                <a:solidFill>
+                  <a:schemeClr val="tx1"/>
+                </a:solidFill>
+                <a:latin typeface="Arial" charset="0"/>
+              </a:defRPr>
+            </a:lvl9pPr>
+          </a:lstStyle>
+          <a:p>
+            <a:pPr eaLnBrk="1" hangingPunct="1"/>
+            <a:r>
+              <a:rPr lang="en-US" sz="1400">
+                <a:solidFill>
+                  <a:schemeClr val="bg1"/>
+                </a:solidFill>
+                <a:latin typeface="Courier New" pitchFamily="49" charset="0"/>
+                <a:cs typeface="Courier New" pitchFamily="49" charset="0"/>
+              </a:rPr>
+              <a:t>struct &lt;</a:t>
+            </a:r>
+            <a:r>
+              <a:rPr lang="ru-RU" sz="1400">
+                <a:solidFill>
+                  <a:schemeClr val="bg1"/>
+                </a:solidFill>
+                <a:latin typeface="Courier New" pitchFamily="49" charset="0"/>
+                <a:cs typeface="Courier New" pitchFamily="49" charset="0"/>
+              </a:rPr>
+              <a:t>Имя структуры</a:t>
+            </a:r>
+            <a:r>
+              <a:rPr lang="en-US" sz="1400">
+                <a:solidFill>
+                  <a:schemeClr val="bg1"/>
+                </a:solidFill>
+                <a:latin typeface="Courier New" pitchFamily="49" charset="0"/>
+                <a:cs typeface="Courier New" pitchFamily="49" charset="0"/>
+              </a:rPr>
+              <a:t>&gt;</a:t>
+            </a:r>
+            <a:endParaRPr lang="ru-RU" sz="1400">
+              <a:solidFill>
+                <a:schemeClr val="bg1"/>
+              </a:solidFill>
+              <a:latin typeface="Courier New" pitchFamily="49" charset="0"/>
+              <a:cs typeface="Courier New" pitchFamily="49" charset="0"/>
+            </a:endParaRPr>
+          </a:p>
+          <a:p>
+            <a:pPr eaLnBrk="1" hangingPunct="1"/>
+            <a:r>
+              <a:rPr lang="en-US" sz="1400">
+                <a:solidFill>
+                  <a:schemeClr val="bg1"/>
+                </a:solidFill>
+                <a:latin typeface="Courier New" pitchFamily="49" charset="0"/>
+                <a:cs typeface="Courier New" pitchFamily="49" charset="0"/>
+              </a:rPr>
+              <a:t>{</a:t>
+            </a:r>
+          </a:p>
+          <a:p>
+            <a:pPr eaLnBrk="1" hangingPunct="1"/>
+            <a:r>
+              <a:rPr lang="ru-RU" sz="1400">
+                <a:solidFill>
+                  <a:schemeClr val="bg1"/>
+                </a:solidFill>
+                <a:latin typeface="Courier New" pitchFamily="49" charset="0"/>
+                <a:cs typeface="Courier New" pitchFamily="49" charset="0"/>
+              </a:rPr>
+              <a:t>	</a:t>
+            </a:r>
+            <a:r>
+              <a:rPr lang="en-US" sz="1400">
+                <a:solidFill>
+                  <a:schemeClr val="bg1"/>
+                </a:solidFill>
+                <a:latin typeface="Courier New" pitchFamily="49" charset="0"/>
+                <a:cs typeface="Courier New" pitchFamily="49" charset="0"/>
+              </a:rPr>
+              <a:t>&lt;</a:t>
+            </a:r>
+            <a:r>
+              <a:rPr lang="ru-RU" sz="1400">
+                <a:solidFill>
+                  <a:schemeClr val="bg1"/>
+                </a:solidFill>
+                <a:latin typeface="Courier New" pitchFamily="49" charset="0"/>
+                <a:cs typeface="Courier New" pitchFamily="49" charset="0"/>
+              </a:rPr>
+              <a:t>элементы структуры</a:t>
+            </a:r>
+            <a:r>
+              <a:rPr lang="en-US" sz="1400">
+                <a:solidFill>
+                  <a:schemeClr val="bg1"/>
+                </a:solidFill>
+                <a:latin typeface="Courier New" pitchFamily="49" charset="0"/>
+                <a:cs typeface="Courier New" pitchFamily="49" charset="0"/>
+              </a:rPr>
+              <a:t>&gt;</a:t>
+            </a:r>
+            <a:endParaRPr lang="ru-RU" sz="1400">
+              <a:solidFill>
+                <a:schemeClr val="bg1"/>
+              </a:solidFill>
+              <a:latin typeface="Courier New" pitchFamily="49" charset="0"/>
+              <a:cs typeface="Courier New" pitchFamily="49" charset="0"/>
+            </a:endParaRPr>
+          </a:p>
+          <a:p>
+            <a:pPr eaLnBrk="1" hangingPunct="1"/>
+            <a:r>
+              <a:rPr lang="en-US" sz="1400">
+                <a:solidFill>
+                  <a:schemeClr val="bg1"/>
+                </a:solidFill>
+                <a:latin typeface="Courier New" pitchFamily="49" charset="0"/>
+                <a:cs typeface="Courier New" pitchFamily="49" charset="0"/>
+              </a:rPr>
+              <a:t>}</a:t>
+            </a:r>
+            <a:endParaRPr lang="ru-RU" sz="1400">
+              <a:solidFill>
+                <a:schemeClr val="bg1"/>
+              </a:solidFill>
+              <a:latin typeface="Courier New" pitchFamily="49" charset="0"/>
+              <a:cs typeface="Courier New" pitchFamily="49" charset="0"/>
+            </a:endParaRPr>
+          </a:p>
+          <a:p>
+            <a:pPr eaLnBrk="1" hangingPunct="1"/>
+            <a:endParaRPr lang="ru-RU" sz="1400">
+              <a:solidFill>
+                <a:schemeClr val="bg1"/>
+              </a:solidFill>
+              <a:latin typeface="Courier New" pitchFamily="49" charset="0"/>
+              <a:cs typeface="Courier New" pitchFamily="49" charset="0"/>
+            </a:endParaRPr>
+          </a:p>
+        </p:txBody>
+      </p:sp>
+      <p:sp>
+        <p:nvSpPr>
+          <p:cNvPr id="151553" name="Rectangle 1"/>
+          <p:cNvSpPr>
+            <a:spLocks noChangeArrowheads="1"/>
+          </p:cNvSpPr>
+          <p:nvPr/>
+        </p:nvSpPr>
+        <p:spPr bwMode="auto">
+          <a:xfrm>
+            <a:off x="685800" y="2057400"/>
+            <a:ext cx="7696200" cy="4554538"/>
+          </a:xfrm>
+          <a:prstGeom prst="rect">
+            <a:avLst/>
+          </a:prstGeom>
+          <a:noFill/>
+          <a:ln w="9525">
+            <a:solidFill>
+              <a:schemeClr val="bg1">
+                <a:lumMod val="65000"/>
+              </a:schemeClr>
+            </a:solidFill>
+            <a:miter lim="800000"/>
+            <a:headEnd/>
+            <a:tailEnd/>
+          </a:ln>
+          <a:effectLst/>
+        </p:spPr>
+        <p:txBody>
+          <a:bodyPr anchor="ctr">
+            <a:spAutoFit/>
+          </a:bodyPr>
+          <a:lstStyle/>
+          <a:p>
+            <a:pPr eaLnBrk="0" hangingPunct="0">
+              <a:defRPr/>
+            </a:pPr>
+            <a:r>
+              <a:rPr lang="be-BY" sz="1000" dirty="0">
+                <a:solidFill>
+                  <a:schemeClr val="bg1"/>
+                </a:solidFill>
+                <a:latin typeface="Courier New" pitchFamily="49" charset="0"/>
+                <a:ea typeface="Calibri" pitchFamily="34" charset="0"/>
+                <a:cs typeface="Courier New" pitchFamily="49" charset="0"/>
+              </a:rPr>
+              <a:t>    struct Point</a:t>
+            </a:r>
+            <a:endParaRPr lang="be-BY" sz="900" dirty="0">
+              <a:solidFill>
+                <a:schemeClr val="bg1"/>
+              </a:solidFill>
+              <a:latin typeface="Arial" pitchFamily="34" charset="0"/>
+            </a:endParaRPr>
+          </a:p>
+          <a:p>
+            <a:pPr eaLnBrk="0" hangingPunct="0">
+              <a:defRPr/>
+            </a:pPr>
+            <a:r>
+              <a:rPr lang="be-BY" sz="1000" dirty="0">
+                <a:solidFill>
+                  <a:schemeClr val="bg1"/>
+                </a:solidFill>
+                <a:latin typeface="Courier New" pitchFamily="49" charset="0"/>
+                <a:ea typeface="Calibri" pitchFamily="34" charset="0"/>
+                <a:cs typeface="Courier New" pitchFamily="49" charset="0"/>
+              </a:rPr>
+              <a:t>    {</a:t>
+            </a:r>
+            <a:endParaRPr lang="be-BY" sz="900" dirty="0">
+              <a:solidFill>
+                <a:schemeClr val="bg1"/>
+              </a:solidFill>
+              <a:latin typeface="Arial" pitchFamily="34" charset="0"/>
+            </a:endParaRPr>
+          </a:p>
+          <a:p>
+            <a:pPr eaLnBrk="0" hangingPunct="0">
+              <a:defRPr/>
+            </a:pPr>
+            <a:r>
+              <a:rPr lang="be-BY" sz="1000" dirty="0">
+                <a:solidFill>
+                  <a:schemeClr val="bg1"/>
+                </a:solidFill>
+                <a:latin typeface="Courier New" pitchFamily="49" charset="0"/>
+                <a:ea typeface="Calibri" pitchFamily="34" charset="0"/>
+                <a:cs typeface="Courier New" pitchFamily="49" charset="0"/>
+              </a:rPr>
+              <a:t>        public int x, y;</a:t>
+            </a:r>
+            <a:endParaRPr lang="be-BY" sz="900" dirty="0">
+              <a:solidFill>
+                <a:schemeClr val="bg1"/>
+              </a:solidFill>
+              <a:latin typeface="Arial" pitchFamily="34" charset="0"/>
+            </a:endParaRPr>
+          </a:p>
+          <a:p>
+            <a:pPr eaLnBrk="0" hangingPunct="0">
+              <a:defRPr/>
+            </a:pPr>
+            <a:r>
+              <a:rPr lang="be-BY" sz="1000" dirty="0">
+                <a:solidFill>
+                  <a:schemeClr val="bg1"/>
+                </a:solidFill>
+                <a:latin typeface="Courier New" pitchFamily="49" charset="0"/>
+                <a:ea typeface="Calibri" pitchFamily="34" charset="0"/>
+                <a:cs typeface="Courier New" pitchFamily="49" charset="0"/>
+              </a:rPr>
+              <a:t>        public Point(int X, int Y)</a:t>
+            </a:r>
+            <a:endParaRPr lang="be-BY" sz="900" dirty="0">
+              <a:solidFill>
+                <a:schemeClr val="bg1"/>
+              </a:solidFill>
+              <a:latin typeface="Arial" pitchFamily="34" charset="0"/>
+            </a:endParaRPr>
+          </a:p>
+          <a:p>
+            <a:pPr eaLnBrk="0" hangingPunct="0">
+              <a:defRPr/>
+            </a:pPr>
+            <a:r>
+              <a:rPr lang="be-BY" sz="1000" dirty="0">
+                <a:solidFill>
+                  <a:schemeClr val="bg1"/>
+                </a:solidFill>
+                <a:latin typeface="Courier New" pitchFamily="49" charset="0"/>
+                <a:ea typeface="Calibri" pitchFamily="34" charset="0"/>
+                <a:cs typeface="Courier New" pitchFamily="49" charset="0"/>
+              </a:rPr>
+              <a:t>        {</a:t>
+            </a:r>
+            <a:endParaRPr lang="be-BY" sz="900" dirty="0">
+              <a:solidFill>
+                <a:schemeClr val="bg1"/>
+              </a:solidFill>
+              <a:latin typeface="Arial" pitchFamily="34" charset="0"/>
+            </a:endParaRPr>
+          </a:p>
+          <a:p>
+            <a:pPr eaLnBrk="0" hangingPunct="0">
+              <a:defRPr/>
+            </a:pPr>
+            <a:r>
+              <a:rPr lang="be-BY" sz="1000" dirty="0">
+                <a:solidFill>
+                  <a:schemeClr val="bg1"/>
+                </a:solidFill>
+                <a:latin typeface="Courier New" pitchFamily="49" charset="0"/>
+                <a:ea typeface="Calibri" pitchFamily="34" charset="0"/>
+                <a:cs typeface="Courier New" pitchFamily="49" charset="0"/>
+              </a:rPr>
+              <a:t>            x = X;</a:t>
+            </a:r>
+            <a:endParaRPr lang="be-BY" sz="900" dirty="0">
+              <a:solidFill>
+                <a:schemeClr val="bg1"/>
+              </a:solidFill>
+              <a:latin typeface="Arial" pitchFamily="34" charset="0"/>
+            </a:endParaRPr>
+          </a:p>
+          <a:p>
+            <a:pPr eaLnBrk="0" hangingPunct="0">
+              <a:defRPr/>
+            </a:pPr>
+            <a:r>
+              <a:rPr lang="be-BY" sz="1000" dirty="0">
+                <a:solidFill>
+                  <a:schemeClr val="bg1"/>
+                </a:solidFill>
+                <a:latin typeface="Courier New" pitchFamily="49" charset="0"/>
+                <a:ea typeface="Calibri" pitchFamily="34" charset="0"/>
+                <a:cs typeface="Courier New" pitchFamily="49" charset="0"/>
+              </a:rPr>
+              <a:t>            y = Y;</a:t>
+            </a:r>
+            <a:endParaRPr lang="be-BY" sz="900" dirty="0">
+              <a:solidFill>
+                <a:schemeClr val="bg1"/>
+              </a:solidFill>
+              <a:latin typeface="Arial" pitchFamily="34" charset="0"/>
+            </a:endParaRPr>
+          </a:p>
+          <a:p>
+            <a:pPr eaLnBrk="0" hangingPunct="0">
+              <a:defRPr/>
+            </a:pPr>
+            <a:r>
+              <a:rPr lang="be-BY" sz="1000" dirty="0">
+                <a:solidFill>
+                  <a:schemeClr val="bg1"/>
+                </a:solidFill>
+                <a:latin typeface="Courier New" pitchFamily="49" charset="0"/>
+                <a:ea typeface="Calibri" pitchFamily="34" charset="0"/>
+                <a:cs typeface="Courier New" pitchFamily="49" charset="0"/>
+              </a:rPr>
+              <a:t>        }</a:t>
+            </a:r>
+            <a:endParaRPr lang="be-BY" sz="900" dirty="0">
+              <a:solidFill>
+                <a:schemeClr val="bg1"/>
+              </a:solidFill>
+              <a:latin typeface="Arial" pitchFamily="34" charset="0"/>
+            </a:endParaRPr>
+          </a:p>
+          <a:p>
+            <a:pPr eaLnBrk="0" hangingPunct="0">
+              <a:defRPr/>
+            </a:pPr>
+            <a:r>
+              <a:rPr lang="be-BY" sz="1000" dirty="0">
+                <a:solidFill>
+                  <a:schemeClr val="bg1"/>
+                </a:solidFill>
+                <a:latin typeface="Courier New" pitchFamily="49" charset="0"/>
+                <a:ea typeface="Calibri" pitchFamily="34" charset="0"/>
+                <a:cs typeface="Courier New" pitchFamily="49" charset="0"/>
+              </a:rPr>
+              <a:t>        public void AddValue(int val)</a:t>
+            </a:r>
+            <a:endParaRPr lang="be-BY" sz="900" dirty="0">
+              <a:solidFill>
+                <a:schemeClr val="bg1"/>
+              </a:solidFill>
+              <a:latin typeface="Arial" pitchFamily="34" charset="0"/>
+            </a:endParaRPr>
+          </a:p>
+          <a:p>
+            <a:pPr eaLnBrk="0" hangingPunct="0">
+              <a:defRPr/>
+            </a:pPr>
+            <a:r>
+              <a:rPr lang="be-BY" sz="1000" dirty="0">
+                <a:solidFill>
+                  <a:schemeClr val="bg1"/>
+                </a:solidFill>
+                <a:latin typeface="Courier New" pitchFamily="49" charset="0"/>
+                <a:ea typeface="Calibri" pitchFamily="34" charset="0"/>
+                <a:cs typeface="Courier New" pitchFamily="49" charset="0"/>
+              </a:rPr>
+              <a:t>        {</a:t>
+            </a:r>
+            <a:endParaRPr lang="be-BY" sz="900" dirty="0">
+              <a:solidFill>
+                <a:schemeClr val="bg1"/>
+              </a:solidFill>
+              <a:latin typeface="Arial" pitchFamily="34" charset="0"/>
+            </a:endParaRPr>
+          </a:p>
+          <a:p>
+            <a:pPr eaLnBrk="0" hangingPunct="0">
+              <a:defRPr/>
+            </a:pPr>
+            <a:r>
+              <a:rPr lang="be-BY" sz="1000" dirty="0">
+                <a:solidFill>
+                  <a:schemeClr val="bg1"/>
+                </a:solidFill>
+                <a:latin typeface="Courier New" pitchFamily="49" charset="0"/>
+                <a:ea typeface="Calibri" pitchFamily="34" charset="0"/>
+                <a:cs typeface="Courier New" pitchFamily="49" charset="0"/>
+              </a:rPr>
+              <a:t>            x += val;</a:t>
+            </a:r>
+            <a:endParaRPr lang="be-BY" sz="900" dirty="0">
+              <a:solidFill>
+                <a:schemeClr val="bg1"/>
+              </a:solidFill>
+              <a:latin typeface="Arial" pitchFamily="34" charset="0"/>
+            </a:endParaRPr>
+          </a:p>
+          <a:p>
+            <a:pPr eaLnBrk="0" hangingPunct="0">
+              <a:defRPr/>
+            </a:pPr>
+            <a:r>
+              <a:rPr lang="be-BY" sz="1000" dirty="0">
+                <a:solidFill>
+                  <a:schemeClr val="bg1"/>
+                </a:solidFill>
+                <a:latin typeface="Courier New" pitchFamily="49" charset="0"/>
+                <a:ea typeface="Calibri" pitchFamily="34" charset="0"/>
+                <a:cs typeface="Courier New" pitchFamily="49" charset="0"/>
+              </a:rPr>
+              <a:t>            y += val;</a:t>
+            </a:r>
+            <a:endParaRPr lang="be-BY" sz="900" dirty="0">
+              <a:solidFill>
+                <a:schemeClr val="bg1"/>
+              </a:solidFill>
+              <a:latin typeface="Arial" pitchFamily="34" charset="0"/>
+            </a:endParaRPr>
+          </a:p>
+          <a:p>
+            <a:pPr eaLnBrk="0" hangingPunct="0">
+              <a:defRPr/>
+            </a:pPr>
+            <a:r>
+              <a:rPr lang="be-BY" sz="1000" dirty="0">
+                <a:solidFill>
+                  <a:schemeClr val="bg1"/>
+                </a:solidFill>
+                <a:latin typeface="Courier New" pitchFamily="49" charset="0"/>
+                <a:ea typeface="Calibri" pitchFamily="34" charset="0"/>
+                <a:cs typeface="Courier New" pitchFamily="49" charset="0"/>
+              </a:rPr>
+              <a:t>        }</a:t>
+            </a:r>
+            <a:endParaRPr lang="be-BY" sz="900" dirty="0">
+              <a:solidFill>
+                <a:schemeClr val="bg1"/>
+              </a:solidFill>
+              <a:latin typeface="Arial" pitchFamily="34" charset="0"/>
+            </a:endParaRPr>
+          </a:p>
+          <a:p>
+            <a:pPr eaLnBrk="0" hangingPunct="0">
+              <a:defRPr/>
+            </a:pPr>
+            <a:r>
+              <a:rPr lang="be-BY" sz="1000" dirty="0">
+                <a:solidFill>
+                  <a:schemeClr val="bg1"/>
+                </a:solidFill>
+                <a:latin typeface="Courier New" pitchFamily="49" charset="0"/>
+                <a:ea typeface="Calibri" pitchFamily="34" charset="0"/>
+                <a:cs typeface="Courier New" pitchFamily="49" charset="0"/>
+              </a:rPr>
+              <a:t>        public void Write()</a:t>
+            </a:r>
+            <a:endParaRPr lang="be-BY" sz="900" dirty="0">
+              <a:solidFill>
+                <a:schemeClr val="bg1"/>
+              </a:solidFill>
+              <a:latin typeface="Arial" pitchFamily="34" charset="0"/>
+            </a:endParaRPr>
+          </a:p>
+          <a:p>
+            <a:pPr eaLnBrk="0" hangingPunct="0">
+              <a:defRPr/>
+            </a:pPr>
+            <a:r>
+              <a:rPr lang="be-BY" sz="1000" dirty="0">
+                <a:solidFill>
+                  <a:schemeClr val="bg1"/>
+                </a:solidFill>
+                <a:latin typeface="Courier New" pitchFamily="49" charset="0"/>
+                <a:ea typeface="Calibri" pitchFamily="34" charset="0"/>
+                <a:cs typeface="Courier New" pitchFamily="49" charset="0"/>
+              </a:rPr>
+              <a:t>        {</a:t>
+            </a:r>
+            <a:endParaRPr lang="be-BY" sz="900" dirty="0">
+              <a:solidFill>
+                <a:schemeClr val="bg1"/>
+              </a:solidFill>
+              <a:latin typeface="Arial" pitchFamily="34" charset="0"/>
+            </a:endParaRPr>
+          </a:p>
+          <a:p>
+            <a:pPr eaLnBrk="0" hangingPunct="0">
+              <a:defRPr/>
+            </a:pPr>
+            <a:r>
+              <a:rPr lang="be-BY" sz="1000" dirty="0">
+                <a:solidFill>
+                  <a:schemeClr val="bg1"/>
+                </a:solidFill>
+                <a:latin typeface="Courier New" pitchFamily="49" charset="0"/>
+                <a:ea typeface="Calibri" pitchFamily="34" charset="0"/>
+                <a:cs typeface="Courier New" pitchFamily="49" charset="0"/>
+              </a:rPr>
+              <a:t>            Console.WriteLine("x={0}, y={1}", x, y);</a:t>
+            </a:r>
+            <a:endParaRPr lang="be-BY" sz="900" dirty="0">
+              <a:solidFill>
+                <a:schemeClr val="bg1"/>
+              </a:solidFill>
+              <a:latin typeface="Arial" pitchFamily="34" charset="0"/>
+            </a:endParaRPr>
+          </a:p>
+          <a:p>
+            <a:pPr eaLnBrk="0" hangingPunct="0">
+              <a:defRPr/>
+            </a:pPr>
+            <a:r>
+              <a:rPr lang="be-BY" sz="1000" dirty="0">
+                <a:solidFill>
+                  <a:schemeClr val="bg1"/>
+                </a:solidFill>
+                <a:latin typeface="Courier New" pitchFamily="49" charset="0"/>
+                <a:ea typeface="Calibri" pitchFamily="34" charset="0"/>
+                <a:cs typeface="Courier New" pitchFamily="49" charset="0"/>
+              </a:rPr>
+              <a:t>        }</a:t>
+            </a:r>
+            <a:endParaRPr lang="be-BY" sz="900" dirty="0">
+              <a:solidFill>
+                <a:schemeClr val="bg1"/>
+              </a:solidFill>
+              <a:latin typeface="Arial" pitchFamily="34" charset="0"/>
+            </a:endParaRPr>
+          </a:p>
+          <a:p>
+            <a:pPr eaLnBrk="0" hangingPunct="0">
+              <a:defRPr/>
+            </a:pPr>
+            <a:r>
+              <a:rPr lang="be-BY" sz="1000" dirty="0">
+                <a:solidFill>
+                  <a:schemeClr val="bg1"/>
+                </a:solidFill>
+                <a:latin typeface="Courier New" pitchFamily="49" charset="0"/>
+                <a:ea typeface="Calibri" pitchFamily="34" charset="0"/>
+                <a:cs typeface="Courier New" pitchFamily="49" charset="0"/>
+              </a:rPr>
+              <a:t>    }</a:t>
+            </a:r>
+            <a:endParaRPr lang="en-US" sz="1000" dirty="0">
+              <a:solidFill>
+                <a:schemeClr val="bg1"/>
+              </a:solidFill>
+              <a:latin typeface="Courier New" pitchFamily="49" charset="0"/>
+              <a:ea typeface="Calibri" pitchFamily="34" charset="0"/>
+              <a:cs typeface="Courier New" pitchFamily="49" charset="0"/>
+            </a:endParaRPr>
+          </a:p>
+          <a:p>
+            <a:pPr eaLnBrk="0" hangingPunct="0">
+              <a:defRPr/>
+            </a:pPr>
+            <a:endParaRPr lang="be-BY" sz="900" dirty="0">
+              <a:solidFill>
+                <a:schemeClr val="bg1"/>
+              </a:solidFill>
+              <a:latin typeface="Arial" pitchFamily="34" charset="0"/>
+            </a:endParaRPr>
+          </a:p>
+          <a:p>
+            <a:pPr eaLnBrk="0" hangingPunct="0">
+              <a:defRPr/>
+            </a:pPr>
+            <a:r>
+              <a:rPr lang="be-BY" sz="1000" dirty="0">
+                <a:solidFill>
+                  <a:schemeClr val="bg1"/>
+                </a:solidFill>
+                <a:latin typeface="Courier New" pitchFamily="49" charset="0"/>
+                <a:ea typeface="Calibri" pitchFamily="34" charset="0"/>
+                <a:cs typeface="Courier New" pitchFamily="49" charset="0"/>
+              </a:rPr>
+              <a:t>    class Program</a:t>
+            </a:r>
+            <a:endParaRPr lang="be-BY" sz="900" dirty="0">
+              <a:solidFill>
+                <a:schemeClr val="bg1"/>
+              </a:solidFill>
+              <a:latin typeface="Arial" pitchFamily="34" charset="0"/>
+            </a:endParaRPr>
+          </a:p>
+          <a:p>
+            <a:pPr eaLnBrk="0" hangingPunct="0">
+              <a:defRPr/>
+            </a:pPr>
+            <a:r>
+              <a:rPr lang="be-BY" sz="1000" dirty="0">
+                <a:solidFill>
+                  <a:schemeClr val="bg1"/>
+                </a:solidFill>
+                <a:latin typeface="Courier New" pitchFamily="49" charset="0"/>
+                <a:ea typeface="Calibri" pitchFamily="34" charset="0"/>
+                <a:cs typeface="Courier New" pitchFamily="49" charset="0"/>
+              </a:rPr>
+              <a:t>    {</a:t>
+            </a:r>
+            <a:endParaRPr lang="be-BY" sz="900" dirty="0">
+              <a:solidFill>
+                <a:schemeClr val="bg1"/>
+              </a:solidFill>
+              <a:latin typeface="Arial" pitchFamily="34" charset="0"/>
+            </a:endParaRPr>
+          </a:p>
+          <a:p>
+            <a:pPr eaLnBrk="0" hangingPunct="0">
+              <a:defRPr/>
+            </a:pPr>
+            <a:r>
+              <a:rPr lang="be-BY" sz="1000" dirty="0">
+                <a:solidFill>
+                  <a:schemeClr val="bg1"/>
+                </a:solidFill>
+                <a:latin typeface="Courier New" pitchFamily="49" charset="0"/>
+                <a:ea typeface="Calibri" pitchFamily="34" charset="0"/>
+                <a:cs typeface="Courier New" pitchFamily="49" charset="0"/>
+              </a:rPr>
+              <a:t>        static void Main(string[] args)</a:t>
+            </a:r>
+            <a:endParaRPr lang="be-BY" sz="900" dirty="0">
+              <a:solidFill>
+                <a:schemeClr val="bg1"/>
+              </a:solidFill>
+              <a:latin typeface="Arial" pitchFamily="34" charset="0"/>
+            </a:endParaRPr>
+          </a:p>
+          <a:p>
+            <a:pPr eaLnBrk="0" hangingPunct="0">
+              <a:defRPr/>
+            </a:pPr>
+            <a:r>
+              <a:rPr lang="be-BY" sz="1000" dirty="0">
+                <a:solidFill>
+                  <a:schemeClr val="bg1"/>
+                </a:solidFill>
+                <a:latin typeface="Courier New" pitchFamily="49" charset="0"/>
+                <a:ea typeface="Calibri" pitchFamily="34" charset="0"/>
+                <a:cs typeface="Courier New" pitchFamily="49" charset="0"/>
+              </a:rPr>
+              <a:t>        {</a:t>
+            </a:r>
+            <a:endParaRPr lang="be-BY" sz="900" dirty="0">
+              <a:solidFill>
+                <a:schemeClr val="bg1"/>
+              </a:solidFill>
+              <a:latin typeface="Arial" pitchFamily="34" charset="0"/>
+            </a:endParaRPr>
+          </a:p>
+          <a:p>
+            <a:pPr eaLnBrk="0" hangingPunct="0">
+              <a:defRPr/>
+            </a:pPr>
+            <a:r>
+              <a:rPr lang="be-BY" sz="1000" dirty="0">
+                <a:solidFill>
+                  <a:schemeClr val="bg1"/>
+                </a:solidFill>
+                <a:latin typeface="Courier New" pitchFamily="49" charset="0"/>
+                <a:ea typeface="Calibri" pitchFamily="34" charset="0"/>
+                <a:cs typeface="Courier New" pitchFamily="49" charset="0"/>
+              </a:rPr>
+              <a:t>            Point pt1 = new Point(4,3);</a:t>
+            </a:r>
+            <a:endParaRPr lang="be-BY" sz="900" dirty="0">
+              <a:solidFill>
+                <a:schemeClr val="bg1"/>
+              </a:solidFill>
+              <a:latin typeface="Arial" pitchFamily="34" charset="0"/>
+            </a:endParaRPr>
+          </a:p>
+          <a:p>
+            <a:pPr eaLnBrk="0" hangingPunct="0">
+              <a:defRPr/>
+            </a:pPr>
+            <a:r>
+              <a:rPr lang="be-BY" sz="1000" dirty="0">
+                <a:solidFill>
+                  <a:schemeClr val="bg1"/>
+                </a:solidFill>
+                <a:latin typeface="Courier New" pitchFamily="49" charset="0"/>
+                <a:ea typeface="Calibri" pitchFamily="34" charset="0"/>
+                <a:cs typeface="Courier New" pitchFamily="49" charset="0"/>
+              </a:rPr>
+              <a:t>            pt1.x = 1;</a:t>
+            </a:r>
+            <a:endParaRPr lang="be-BY" sz="900" dirty="0">
+              <a:solidFill>
+                <a:schemeClr val="bg1"/>
+              </a:solidFill>
+              <a:latin typeface="Arial" pitchFamily="34" charset="0"/>
+            </a:endParaRPr>
+          </a:p>
+          <a:p>
+            <a:pPr eaLnBrk="0" hangingPunct="0">
+              <a:defRPr/>
+            </a:pPr>
+            <a:r>
+              <a:rPr lang="be-BY" sz="1000" dirty="0">
+                <a:solidFill>
+                  <a:schemeClr val="bg1"/>
+                </a:solidFill>
+                <a:latin typeface="Courier New" pitchFamily="49" charset="0"/>
+                <a:ea typeface="Calibri" pitchFamily="34" charset="0"/>
+                <a:cs typeface="Courier New" pitchFamily="49" charset="0"/>
+              </a:rPr>
+              <a:t>            pt1.y = 5;</a:t>
+            </a:r>
+            <a:endParaRPr lang="be-BY" sz="900" dirty="0">
+              <a:solidFill>
+                <a:schemeClr val="bg1"/>
+              </a:solidFill>
+              <a:latin typeface="Arial" pitchFamily="34" charset="0"/>
+            </a:endParaRPr>
+          </a:p>
+          <a:p>
+            <a:pPr eaLnBrk="0" hangingPunct="0">
+              <a:defRPr/>
+            </a:pPr>
+            <a:r>
+              <a:rPr lang="be-BY" sz="1000" dirty="0">
+                <a:solidFill>
+                  <a:schemeClr val="bg1"/>
+                </a:solidFill>
+                <a:latin typeface="Courier New" pitchFamily="49" charset="0"/>
+                <a:ea typeface="Calibri" pitchFamily="34" charset="0"/>
+                <a:cs typeface="Courier New" pitchFamily="49" charset="0"/>
+              </a:rPr>
+              <a:t>            pt1.Write();</a:t>
+            </a:r>
+            <a:endParaRPr lang="be-BY" sz="900" dirty="0">
+              <a:solidFill>
+                <a:schemeClr val="bg1"/>
+              </a:solidFill>
+              <a:latin typeface="Arial" pitchFamily="34" charset="0"/>
+            </a:endParaRPr>
+          </a:p>
+          <a:p>
+            <a:pPr eaLnBrk="0" hangingPunct="0">
+              <a:defRPr/>
+            </a:pPr>
+            <a:r>
+              <a:rPr lang="be-BY" sz="1000" dirty="0">
+                <a:solidFill>
+                  <a:schemeClr val="bg1"/>
+                </a:solidFill>
+                <a:latin typeface="Courier New" pitchFamily="49" charset="0"/>
+                <a:ea typeface="Calibri" pitchFamily="34" charset="0"/>
+                <a:cs typeface="Courier New" pitchFamily="49" charset="0"/>
+              </a:rPr>
+              <a:t>        }</a:t>
+            </a:r>
+            <a:endParaRPr lang="be-BY" sz="900" dirty="0">
+              <a:solidFill>
+                <a:schemeClr val="bg1"/>
+              </a:solidFill>
+              <a:latin typeface="Arial" pitchFamily="34" charset="0"/>
+            </a:endParaRPr>
+          </a:p>
+          <a:p>
+            <a:pPr eaLnBrk="0" hangingPunct="0">
+              <a:defRPr/>
+            </a:pPr>
+            <a:r>
+              <a:rPr lang="be-BY" sz="1000" dirty="0">
+                <a:solidFill>
+                  <a:schemeClr val="bg1"/>
+                </a:solidFill>
+                <a:latin typeface="Courier New" pitchFamily="49" charset="0"/>
+                <a:ea typeface="Calibri" pitchFamily="34" charset="0"/>
+                <a:cs typeface="Courier New" pitchFamily="49" charset="0"/>
+              </a:rPr>
+              <a:t>    }</a:t>
+            </a:r>
+            <a:endParaRPr lang="be-BY" dirty="0">
+              <a:solidFill>
+                <a:schemeClr val="bg1"/>
+              </a:solidFill>
+              <a:latin typeface="Calibri" pitchFamily="34" charset="0"/>
+            </a:endParaRPr>
+          </a:p>
+        </p:txBody>
+      </p:sp>
+    </p:spTree>
+    <p:extLst>
+      <p:ext uri="{BB962C8B-B14F-4D97-AF65-F5344CB8AC3E}">
+        <p14:creationId xmlns:p14="http://schemas.microsoft.com/office/powerpoint/2010/main" val="401800113"/>
+      </p:ext>
+    </p:extLst>
+  </p:cSld>
+  <p:clrMapOvr>
+    <a:masterClrMapping/>
+  </p:clrMapOvr>
+</p:sld>
+</file>
+
+<file path=ppt/slides/slide31.xml><?xml version="1.0" encoding="utf-8"?>
+<p:sld xmlns:a="http://schemas.openxmlformats.org/drawingml/2006/main" xmlns:r="http://schemas.openxmlformats.org/officeDocument/2006/relationships" xmlns:p="http://schemas.openxmlformats.org/presentationml/2006/main">
+  <p:cSld>
+    <p:bg>
+      <p:bgPr>
+        <a:blipFill dpi="0" rotWithShape="1">
+          <a:blip r:embed="rId2">
+            <a:lum/>
+          </a:blip>
+          <a:srcRect/>
+          <a:stretch>
+            <a:fillRect/>
+          </a:stretch>
+        </a:blipFill>
+        <a:effectLst/>
+      </p:bgPr>
+    </p:bg>
+    <p:spTree>
+      <p:nvGrpSpPr>
+        <p:cNvPr id="1" name=""/>
+        <p:cNvGrpSpPr/>
+        <p:nvPr/>
+      </p:nvGrpSpPr>
+      <p:grpSpPr>
+        <a:xfrm>
+          <a:off x="0" y="0"/>
+          <a:ext cx="0" cy="0"/>
+          <a:chOff x="0" y="0"/>
+          <a:chExt cx="0" cy="0"/>
+        </a:xfrm>
+      </p:grpSpPr>
+      <p:sp>
+        <p:nvSpPr>
+          <p:cNvPr id="22530" name="Прямоугольник 6"/>
+          <p:cNvSpPr>
+            <a:spLocks noChangeArrowheads="1"/>
+          </p:cNvSpPr>
+          <p:nvPr/>
+        </p:nvSpPr>
+        <p:spPr bwMode="auto">
+          <a:xfrm>
+            <a:off x="685800" y="71438"/>
+            <a:ext cx="7924800" cy="461962"/>
+          </a:xfrm>
+          <a:prstGeom prst="rect">
+            <a:avLst/>
+          </a:prstGeom>
+          <a:noFill/>
+          <a:ln>
+            <a:noFill/>
+          </a:ln>
+          <a:extLst>
+            <a:ext uri="{909E8E84-426E-40DD-AFC4-6F175D3DCCD1}">
+              <a14:hiddenFill xmlns:a14="http://schemas.microsoft.com/office/drawing/2010/main">
+                <a:solidFill>
+                  <a:srgbClr val="FFFFFF"/>
+                </a:solidFill>
+              </a14:hiddenFill>
+            </a:ext>
+            <a:ext uri="{91240B29-F687-4F45-9708-019B960494DF}">
+              <a14:hiddenLine xmlns:a14="http://schemas.microsoft.com/office/drawing/2010/main" w="9525">
+                <a:solidFill>
+                  <a:srgbClr val="000000"/>
+                </a:solidFill>
+                <a:miter lim="800000"/>
+                <a:headEnd/>
+                <a:tailEnd/>
+              </a14:hiddenLine>
+            </a:ext>
+          </a:extLst>
+        </p:spPr>
+        <p:txBody>
+          <a:bodyPr>
+            <a:spAutoFit/>
+          </a:bodyPr>
+          <a:lstStyle/>
+          <a:p>
+            <a:pPr algn="ctr" eaLnBrk="0" hangingPunct="0">
+              <a:tabLst>
+                <a:tab pos="457200" algn="l"/>
+              </a:tabLst>
+            </a:pPr>
+            <a:r>
+              <a:rPr lang="ru-RU" sz="2400" dirty="0">
+                <a:solidFill>
+                  <a:schemeClr val="bg1"/>
+                </a:solidFill>
+                <a:cs typeface="Times New Roman" pitchFamily="18" charset="0"/>
+              </a:rPr>
+              <a:t>Задание</a:t>
+            </a:r>
+            <a:endParaRPr lang="ru-RU" sz="2400" dirty="0">
+              <a:solidFill>
+                <a:schemeClr val="bg1"/>
+              </a:solidFill>
+            </a:endParaRPr>
+          </a:p>
+        </p:txBody>
+      </p:sp>
+      <p:sp>
+        <p:nvSpPr>
+          <p:cNvPr id="22531" name="Прямоугольник 4"/>
+          <p:cNvSpPr>
+            <a:spLocks noChangeArrowheads="1"/>
+          </p:cNvSpPr>
+          <p:nvPr/>
+        </p:nvSpPr>
+        <p:spPr bwMode="auto">
+          <a:xfrm>
+            <a:off x="0" y="733425"/>
+            <a:ext cx="9144000" cy="4247317"/>
+          </a:xfrm>
+          <a:prstGeom prst="rect">
+            <a:avLst/>
+          </a:prstGeom>
+          <a:noFill/>
+          <a:ln>
+            <a:noFill/>
+          </a:ln>
+          <a:extLst>
+            <a:ext uri="{909E8E84-426E-40DD-AFC4-6F175D3DCCD1}">
+              <a14:hiddenFill xmlns:a14="http://schemas.microsoft.com/office/drawing/2010/main">
+                <a:solidFill>
+                  <a:srgbClr val="FFFFFF"/>
+                </a:solidFill>
+              </a14:hiddenFill>
+            </a:ext>
+            <a:ext uri="{91240B29-F687-4F45-9708-019B960494DF}">
+              <a14:hiddenLine xmlns:a14="http://schemas.microsoft.com/office/drawing/2010/main" w="9525">
+                <a:solidFill>
+                  <a:srgbClr val="000000"/>
+                </a:solidFill>
+                <a:miter lim="800000"/>
+                <a:headEnd/>
+                <a:tailEnd/>
+              </a14:hiddenLine>
+            </a:ext>
+          </a:extLst>
+        </p:spPr>
+        <p:txBody>
+          <a:bodyPr>
+            <a:spAutoFit/>
+          </a:bodyPr>
+          <a:lstStyle/>
+          <a:p>
+            <a:pPr marL="342900" indent="-342900"/>
+            <a:r>
+              <a:rPr lang="ru-RU" i="1" dirty="0">
+                <a:solidFill>
+                  <a:schemeClr val="bg1"/>
+                </a:solidFill>
+                <a:cs typeface="Arial" charset="0"/>
+              </a:rPr>
+              <a:t>		Написать калькулятор</a:t>
+            </a:r>
+            <a:r>
+              <a:rPr lang="en-US" i="1" dirty="0">
+                <a:solidFill>
+                  <a:schemeClr val="bg1"/>
+                </a:solidFill>
+                <a:cs typeface="Arial" charset="0"/>
+              </a:rPr>
+              <a:t>, </a:t>
+            </a:r>
+            <a:r>
+              <a:rPr lang="ru-RU" i="1" dirty="0">
+                <a:solidFill>
+                  <a:schemeClr val="bg1"/>
+                </a:solidFill>
+                <a:cs typeface="Arial" charset="0"/>
+              </a:rPr>
+              <a:t>производящий 4 или 5 математических операций с тремя(или больше) дробными числами.</a:t>
+            </a:r>
+          </a:p>
+          <a:p>
+            <a:pPr marL="342900" indent="-342900"/>
+            <a:r>
+              <a:rPr lang="ru-RU" i="1" dirty="0">
+                <a:solidFill>
+                  <a:schemeClr val="bg1"/>
+                </a:solidFill>
+                <a:cs typeface="Arial" charset="0"/>
+              </a:rPr>
+              <a:t>		</a:t>
+            </a:r>
+          </a:p>
+          <a:p>
+            <a:pPr marL="342900" indent="-342900"/>
+            <a:r>
+              <a:rPr lang="ru-RU" i="1" dirty="0">
+                <a:solidFill>
+                  <a:schemeClr val="bg1"/>
+                </a:solidFill>
+                <a:cs typeface="Arial" charset="0"/>
+              </a:rPr>
+              <a:t>		Калькулятор принимает строку в виде </a:t>
+            </a:r>
+            <a:r>
+              <a:rPr lang="en-US" i="1" dirty="0">
+                <a:solidFill>
+                  <a:schemeClr val="bg1"/>
+                </a:solidFill>
+                <a:cs typeface="Arial" charset="0"/>
+              </a:rPr>
+              <a:t>“a # b # c”</a:t>
+            </a:r>
+            <a:r>
+              <a:rPr lang="ru-RU" i="1" dirty="0">
+                <a:solidFill>
+                  <a:schemeClr val="bg1"/>
+                </a:solidFill>
+                <a:cs typeface="Arial" charset="0"/>
+              </a:rPr>
+              <a:t>,</a:t>
+            </a:r>
+            <a:r>
+              <a:rPr lang="en-US" i="1" dirty="0">
+                <a:solidFill>
+                  <a:schemeClr val="bg1"/>
+                </a:solidFill>
+                <a:cs typeface="Arial" charset="0"/>
+              </a:rPr>
+              <a:t> </a:t>
+            </a:r>
+            <a:r>
+              <a:rPr lang="ru-RU" i="1" dirty="0">
+                <a:solidFill>
+                  <a:schemeClr val="bg1"/>
+                </a:solidFill>
+                <a:cs typeface="Arial" charset="0"/>
+              </a:rPr>
+              <a:t>где символ </a:t>
+            </a:r>
+            <a:r>
+              <a:rPr lang="en-US" i="1" dirty="0">
+                <a:solidFill>
+                  <a:schemeClr val="bg1"/>
+                </a:solidFill>
+                <a:cs typeface="Arial" charset="0"/>
+              </a:rPr>
+              <a:t># </a:t>
+            </a:r>
+            <a:r>
+              <a:rPr lang="ru-RU" i="1" dirty="0">
+                <a:solidFill>
+                  <a:schemeClr val="bg1"/>
+                </a:solidFill>
+                <a:cs typeface="Arial" charset="0"/>
+              </a:rPr>
+              <a:t>- это любой математический оператор (</a:t>
+            </a:r>
+            <a:r>
+              <a:rPr lang="en-US" i="1" dirty="0">
+                <a:solidFill>
+                  <a:schemeClr val="bg1"/>
+                </a:solidFill>
+                <a:cs typeface="Arial" charset="0"/>
+              </a:rPr>
+              <a:t> </a:t>
+            </a:r>
+            <a:r>
+              <a:rPr lang="ru-RU" i="1" dirty="0">
+                <a:solidFill>
+                  <a:schemeClr val="bg1"/>
+                </a:solidFill>
+                <a:cs typeface="Arial" charset="0"/>
+              </a:rPr>
+              <a:t>+,</a:t>
+            </a:r>
+            <a:r>
+              <a:rPr lang="en-US" i="1" dirty="0">
+                <a:solidFill>
+                  <a:schemeClr val="bg1"/>
+                </a:solidFill>
+                <a:cs typeface="Arial" charset="0"/>
+              </a:rPr>
+              <a:t> </a:t>
+            </a:r>
+            <a:r>
+              <a:rPr lang="ru-RU" i="1" dirty="0">
+                <a:solidFill>
+                  <a:schemeClr val="bg1"/>
+                </a:solidFill>
+                <a:cs typeface="Arial" charset="0"/>
+              </a:rPr>
+              <a:t>-</a:t>
+            </a:r>
+            <a:r>
+              <a:rPr lang="en-US" i="1" dirty="0">
+                <a:solidFill>
+                  <a:schemeClr val="bg1"/>
+                </a:solidFill>
+                <a:cs typeface="Arial" charset="0"/>
+              </a:rPr>
+              <a:t> </a:t>
+            </a:r>
+            <a:r>
+              <a:rPr lang="ru-RU" i="1" dirty="0">
+                <a:solidFill>
+                  <a:schemeClr val="bg1"/>
+                </a:solidFill>
+                <a:cs typeface="Arial" charset="0"/>
+              </a:rPr>
+              <a:t>,</a:t>
+            </a:r>
+            <a:r>
+              <a:rPr lang="en-US" i="1" dirty="0">
+                <a:solidFill>
+                  <a:schemeClr val="bg1"/>
+                </a:solidFill>
+                <a:cs typeface="Arial" charset="0"/>
+              </a:rPr>
+              <a:t> </a:t>
+            </a:r>
+            <a:r>
+              <a:rPr lang="ru-RU" i="1" dirty="0">
+                <a:solidFill>
+                  <a:schemeClr val="bg1"/>
+                </a:solidFill>
+                <a:cs typeface="Arial" charset="0"/>
+              </a:rPr>
+              <a:t>*</a:t>
+            </a:r>
+            <a:r>
+              <a:rPr lang="en-US" i="1" dirty="0">
+                <a:solidFill>
+                  <a:schemeClr val="bg1"/>
+                </a:solidFill>
+                <a:cs typeface="Arial" charset="0"/>
+              </a:rPr>
+              <a:t> </a:t>
+            </a:r>
+            <a:r>
+              <a:rPr lang="ru-RU" i="1" dirty="0">
+                <a:solidFill>
+                  <a:schemeClr val="bg1"/>
+                </a:solidFill>
+                <a:cs typeface="Arial" charset="0"/>
+              </a:rPr>
+              <a:t>,</a:t>
+            </a:r>
+            <a:r>
+              <a:rPr lang="en-US" i="1" dirty="0">
+                <a:solidFill>
+                  <a:schemeClr val="bg1"/>
+                </a:solidFill>
+                <a:cs typeface="Arial" charset="0"/>
+              </a:rPr>
+              <a:t> / , ^ )</a:t>
+            </a:r>
+            <a:r>
+              <a:rPr lang="ru-RU" i="1" dirty="0">
+                <a:solidFill>
+                  <a:schemeClr val="bg1"/>
+                </a:solidFill>
+                <a:cs typeface="Arial" charset="0"/>
+              </a:rPr>
+              <a:t>.</a:t>
+            </a:r>
+            <a:r>
+              <a:rPr lang="en-US" i="1" dirty="0">
+                <a:solidFill>
+                  <a:schemeClr val="bg1"/>
+                </a:solidFill>
+                <a:cs typeface="Arial" charset="0"/>
+              </a:rPr>
+              <a:t> </a:t>
+            </a:r>
+            <a:r>
+              <a:rPr lang="ru-RU" i="1" dirty="0">
+                <a:solidFill>
+                  <a:schemeClr val="bg1"/>
+                </a:solidFill>
+                <a:cs typeface="Arial" charset="0"/>
+              </a:rPr>
+              <a:t>Программа должна считывать выражение в строку, производить её разбор , записывая числа в соответствующие переменные и выполнять с ними нужные действия. Также программа должна правильно расставлять приоритеты, т.е. возведение в степень должно выполняться раньше умножения и деления, а умножение и деление </a:t>
+            </a:r>
+            <a:r>
+              <a:rPr lang="en-US" i="1" dirty="0">
+                <a:solidFill>
+                  <a:schemeClr val="bg1"/>
+                </a:solidFill>
+                <a:cs typeface="Arial" charset="0"/>
+              </a:rPr>
+              <a:t>– </a:t>
+            </a:r>
+            <a:r>
+              <a:rPr lang="ru-RU" i="1" dirty="0">
+                <a:solidFill>
+                  <a:schemeClr val="bg1"/>
+                </a:solidFill>
+                <a:cs typeface="Arial" charset="0"/>
+              </a:rPr>
+              <a:t>раньше сложения или вычитания, не зависимо от места их расположения.</a:t>
+            </a:r>
+          </a:p>
+          <a:p>
+            <a:pPr marL="342900" indent="-342900"/>
+            <a:r>
+              <a:rPr lang="ru-RU" i="1" dirty="0">
+                <a:solidFill>
+                  <a:schemeClr val="bg1"/>
+                </a:solidFill>
+                <a:cs typeface="Arial" charset="0"/>
+              </a:rPr>
+              <a:t>		</a:t>
+            </a:r>
+          </a:p>
+          <a:p>
+            <a:pPr marL="342900" indent="-342900"/>
+            <a:r>
+              <a:rPr lang="ru-RU" i="1" dirty="0">
+                <a:solidFill>
+                  <a:schemeClr val="bg1"/>
+                </a:solidFill>
+                <a:cs typeface="Arial" charset="0"/>
+              </a:rPr>
+              <a:t>		Доп. Задание</a:t>
+            </a:r>
+            <a:r>
+              <a:rPr lang="en-US" i="1" dirty="0">
+                <a:solidFill>
+                  <a:schemeClr val="bg1"/>
+                </a:solidFill>
+                <a:cs typeface="Arial" charset="0"/>
+              </a:rPr>
+              <a:t>:</a:t>
+            </a:r>
+            <a:r>
+              <a:rPr lang="ru-RU" i="1" dirty="0">
+                <a:solidFill>
+                  <a:schemeClr val="bg1"/>
+                </a:solidFill>
+                <a:cs typeface="Arial" charset="0"/>
+              </a:rPr>
+              <a:t>  Защитить программу от некорректного ввода данных. Программа должна считать выражения при введенном неполном выражении вида </a:t>
+            </a:r>
+            <a:r>
+              <a:rPr lang="en-US" i="1" dirty="0">
+                <a:solidFill>
+                  <a:schemeClr val="bg1"/>
+                </a:solidFill>
+                <a:cs typeface="Arial" charset="0"/>
+              </a:rPr>
+              <a:t>“a</a:t>
+            </a:r>
+            <a:r>
+              <a:rPr lang="ru-RU" i="1" dirty="0">
+                <a:solidFill>
+                  <a:schemeClr val="bg1"/>
+                </a:solidFill>
+                <a:cs typeface="Arial" charset="0"/>
+              </a:rPr>
+              <a:t> </a:t>
+            </a:r>
+            <a:r>
+              <a:rPr lang="en-US" i="1" dirty="0">
+                <a:solidFill>
+                  <a:schemeClr val="bg1"/>
+                </a:solidFill>
+                <a:cs typeface="Arial" charset="0"/>
+              </a:rPr>
+              <a:t>#</a:t>
+            </a:r>
+            <a:r>
+              <a:rPr lang="ru-RU" i="1" dirty="0">
+                <a:solidFill>
+                  <a:schemeClr val="bg1"/>
+                </a:solidFill>
+                <a:cs typeface="Arial" charset="0"/>
+              </a:rPr>
+              <a:t> </a:t>
+            </a:r>
+            <a:r>
+              <a:rPr lang="en-US" i="1" dirty="0">
+                <a:solidFill>
+                  <a:schemeClr val="bg1"/>
+                </a:solidFill>
+                <a:cs typeface="Arial" charset="0"/>
+              </a:rPr>
+              <a:t>b”. </a:t>
+            </a:r>
+            <a:r>
+              <a:rPr lang="ru-RU" i="1" dirty="0">
+                <a:solidFill>
+                  <a:schemeClr val="bg1"/>
+                </a:solidFill>
+                <a:cs typeface="Arial" charset="0"/>
+              </a:rPr>
+              <a:t>В случае ввода некорректных данных (букв, лишних символов) программа должна выдавать сообщение об ошибке, не вылетая.</a:t>
+            </a:r>
+          </a:p>
+        </p:txBody>
+      </p:sp>
+    </p:spTree>
+    <p:extLst>
+      <p:ext uri="{BB962C8B-B14F-4D97-AF65-F5344CB8AC3E}">
+        <p14:creationId xmlns:p14="http://schemas.microsoft.com/office/powerpoint/2010/main" val="879209850"/>
+      </p:ext>
+    </p:extLst>
+  </p:cSld>
+  <p:clrMapOvr>
+    <a:masterClrMapping/>
+  </p:clrMapOvr>
 </p:sld>
 </file>
 
@@ -27983,6 +28419,14 @@
           <a:p>
             <a:pPr lvl="0"/>
             <a:r>
+              <a:rPr lang="ru-RU" sz="3200" dirty="0" smtClean="0">
+                <a:solidFill>
+                  <a:schemeClr val="bg1"/>
+                </a:solidFill>
+              </a:rPr>
+              <a:t>Версии </a:t>
+            </a:r>
+            <a:r>
               <a:rPr lang="en-US" sz="3200" dirty="0" smtClean="0">
                 <a:solidFill>
                   <a:schemeClr val="bg1"/>
@@ -28013,43 +28457,2758 @@
           </a:p>
         </p:txBody>
       </p:sp>
-      <p:pic>
-        <p:nvPicPr>
-          <p:cNvPr id="5" name="Picture 4" descr="http://upload.wikimedia.org/wikipedia/commons/thumb/d/d3/DotNet.svg/513px-DotNet.svg.png"/>
-          <p:cNvPicPr/>
-          <p:nvPr/>
-        </p:nvPicPr>
-        <p:blipFill>
-          <a:blip r:embed="rId3">
-            <a:extLst>
-              <a:ext uri="{28A0092B-C50C-407E-A947-70E740481C1C}">
-                <a14:useLocalDpi xmlns:a14="http://schemas.microsoft.com/office/drawing/2010/main" val="0"/>
-              </a:ext>
-            </a:extLst>
-          </a:blip>
-          <a:srcRect/>
-          <a:stretch>
-            <a:fillRect/>
-          </a:stretch>
-        </p:blipFill>
-        <p:spPr bwMode="auto">
-          <a:xfrm>
-            <a:off x="1979712" y="740983"/>
-            <a:ext cx="4886325" cy="5715000"/>
-          </a:xfrm>
-          <a:prstGeom prst="rect">
-            <a:avLst/>
-          </a:prstGeom>
-          <a:noFill/>
-          <a:ln>
-            <a:noFill/>
-          </a:ln>
-        </p:spPr>
-      </p:pic>
+      <p:graphicFrame>
+        <p:nvGraphicFramePr>
+          <p:cNvPr id="6" name="Table 5"/>
+          <p:cNvGraphicFramePr>
+            <a:graphicFrameLocks noGrp="1"/>
+          </p:cNvGraphicFramePr>
+          <p:nvPr>
+            <p:extLst>
+              <p:ext uri="{D42A27DB-BD31-4B8C-83A1-F6EECF244321}">
+                <p14:modId xmlns:p14="http://schemas.microsoft.com/office/powerpoint/2010/main" val="3402533746"/>
+              </p:ext>
+            </p:extLst>
+          </p:nvPr>
+        </p:nvGraphicFramePr>
+        <p:xfrm>
+          <a:off x="323528" y="1495322"/>
+          <a:ext cx="8496944" cy="4525966"/>
+        </p:xfrm>
+        <a:graphic>
+          <a:graphicData uri="http://schemas.openxmlformats.org/drawingml/2006/table">
+            <a:tbl>
+              <a:tblPr/>
+              <a:tblGrid>
+                <a:gridCol w="936104"/>
+                <a:gridCol w="1944216"/>
+                <a:gridCol w="1440160"/>
+                <a:gridCol w="1656184"/>
+                <a:gridCol w="2520280"/>
+              </a:tblGrid>
+              <a:tr h="428132">
+                <a:tc>
+                  <a:txBody>
+                    <a:bodyPr/>
+                    <a:lstStyle/>
+                    <a:p>
+                      <a:r>
+                        <a:rPr lang="ru-RU" sz="1200" b="1" dirty="0" smtClean="0">
+                          <a:solidFill>
+                            <a:schemeClr val="accent1"/>
+                          </a:solidFill>
+                        </a:rPr>
+                        <a:t>Версия</a:t>
+                      </a:r>
+                      <a:r>
+                        <a:rPr lang="ru-RU" sz="1200" b="1" baseline="0" dirty="0" smtClean="0">
+                          <a:solidFill>
+                            <a:schemeClr val="accent1"/>
+                          </a:solidFill>
+                        </a:rPr>
+                        <a:t> </a:t>
+                      </a:r>
+                      <a:r>
+                        <a:rPr lang="en-US" sz="1200" b="1" baseline="0" dirty="0" smtClean="0">
+                          <a:solidFill>
+                            <a:schemeClr val="accent1"/>
+                          </a:solidFill>
+                        </a:rPr>
+                        <a:t>.NET</a:t>
+                      </a:r>
+                      <a:endParaRPr lang="en-US" sz="1200" b="1" dirty="0">
+                        <a:solidFill>
+                          <a:schemeClr val="accent1"/>
+                        </a:solidFill>
+                      </a:endParaRPr>
+                    </a:p>
+                  </a:txBody>
+                  <a:tcPr marL="61162" marR="61162" marT="30581" marB="30581" anchor="ctr">
+                    <a:lnL w="12700" cap="flat" cmpd="sng" algn="ctr">
+                      <a:solidFill>
+                        <a:schemeClr val="bg1"/>
+                      </a:solidFill>
+                      <a:prstDash val="solid"/>
+                      <a:round/>
+                      <a:headEnd type="none" w="med" len="med"/>
+                      <a:tailEnd type="none" w="med" len="med"/>
+                    </a:lnL>
+                    <a:lnR w="12700" cap="flat" cmpd="sng" algn="ctr">
+                      <a:solidFill>
+                        <a:schemeClr val="bg1"/>
+                      </a:solidFill>
+                      <a:prstDash val="solid"/>
+                      <a:round/>
+                      <a:headEnd type="none" w="med" len="med"/>
+                      <a:tailEnd type="none" w="med" len="med"/>
+                    </a:lnR>
+                    <a:lnT w="12700" cap="flat" cmpd="sng" algn="ctr">
+                      <a:solidFill>
+                        <a:schemeClr val="bg1"/>
+                      </a:solidFill>
+                      <a:prstDash val="solid"/>
+                      <a:round/>
+                      <a:headEnd type="none" w="med" len="med"/>
+                      <a:tailEnd type="none" w="med" len="med"/>
+                    </a:lnT>
+                    <a:lnB w="12700" cap="flat" cmpd="sng" algn="ctr">
+                      <a:solidFill>
+                        <a:schemeClr val="bg1"/>
+                      </a:solidFill>
+                      <a:prstDash val="solid"/>
+                      <a:round/>
+                      <a:headEnd type="none" w="med" len="med"/>
+                      <a:tailEnd type="none" w="med" len="med"/>
+                    </a:lnB>
+                    <a:lnTlToBr w="12700" cmpd="sng">
+                      <a:noFill/>
+                      <a:prstDash val="solid"/>
+                    </a:lnTlToBr>
+                    <a:lnBlToTr w="12700" cmpd="sng">
+                      <a:noFill/>
+                      <a:prstDash val="solid"/>
+                    </a:lnBlToTr>
+                    <a:solidFill>
+                      <a:schemeClr val="bg1"/>
+                    </a:solidFill>
+                  </a:tcPr>
+                </a:tc>
+                <a:tc>
+                  <a:txBody>
+                    <a:bodyPr/>
+                    <a:lstStyle/>
+                    <a:p>
+                      <a:r>
+                        <a:rPr lang="ru-RU" sz="1200" b="1" dirty="0" smtClean="0">
+                          <a:solidFill>
+                            <a:schemeClr val="accent1"/>
+                          </a:solidFill>
+                        </a:rPr>
+                        <a:t>Номер версии</a:t>
+                      </a:r>
+                      <a:endParaRPr lang="en-US" sz="1200" b="1" dirty="0">
+                        <a:solidFill>
+                          <a:schemeClr val="accent1"/>
+                        </a:solidFill>
+                      </a:endParaRPr>
+                    </a:p>
+                  </a:txBody>
+                  <a:tcPr marL="61162" marR="61162" marT="30581" marB="30581" anchor="ctr">
+                    <a:lnL w="12700" cap="flat" cmpd="sng" algn="ctr">
+                      <a:solidFill>
+                        <a:schemeClr val="bg1"/>
+                      </a:solidFill>
+                      <a:prstDash val="solid"/>
+                      <a:round/>
+                      <a:headEnd type="none" w="med" len="med"/>
+                      <a:tailEnd type="none" w="med" len="med"/>
+                    </a:lnL>
+                    <a:lnR w="12700" cap="flat" cmpd="sng" algn="ctr">
+                      <a:solidFill>
+                        <a:schemeClr val="bg1"/>
+                      </a:solidFill>
+                      <a:prstDash val="solid"/>
+                      <a:round/>
+                      <a:headEnd type="none" w="med" len="med"/>
+                      <a:tailEnd type="none" w="med" len="med"/>
+                    </a:lnR>
+                    <a:lnT w="12700" cap="flat" cmpd="sng" algn="ctr">
+                      <a:solidFill>
+                        <a:schemeClr val="bg1"/>
+                      </a:solidFill>
+                      <a:prstDash val="solid"/>
+                      <a:round/>
+                      <a:headEnd type="none" w="med" len="med"/>
+                      <a:tailEnd type="none" w="med" len="med"/>
+                    </a:lnT>
+                    <a:lnB w="12700" cap="flat" cmpd="sng" algn="ctr">
+                      <a:solidFill>
+                        <a:schemeClr val="bg1"/>
+                      </a:solidFill>
+                      <a:prstDash val="solid"/>
+                      <a:round/>
+                      <a:headEnd type="none" w="med" len="med"/>
+                      <a:tailEnd type="none" w="med" len="med"/>
+                    </a:lnB>
+                    <a:lnTlToBr w="12700" cmpd="sng">
+                      <a:noFill/>
+                      <a:prstDash val="solid"/>
+                    </a:lnTlToBr>
+                    <a:lnBlToTr w="12700" cmpd="sng">
+                      <a:noFill/>
+                      <a:prstDash val="solid"/>
+                    </a:lnBlToTr>
+                    <a:solidFill>
+                      <a:schemeClr val="bg1"/>
+                    </a:solidFill>
+                  </a:tcPr>
+                </a:tc>
+                <a:tc>
+                  <a:txBody>
+                    <a:bodyPr/>
+                    <a:lstStyle/>
+                    <a:p>
+                      <a:r>
+                        <a:rPr lang="ru-RU" sz="1200" b="1" dirty="0" smtClean="0">
+                          <a:solidFill>
+                            <a:schemeClr val="accent1"/>
+                          </a:solidFill>
+                        </a:rPr>
+                        <a:t>Дата выхода</a:t>
+                      </a:r>
+                      <a:endParaRPr lang="en-US" sz="1200" b="1" dirty="0">
+                        <a:solidFill>
+                          <a:schemeClr val="accent1"/>
+                        </a:solidFill>
+                      </a:endParaRPr>
+                    </a:p>
+                  </a:txBody>
+                  <a:tcPr marL="61162" marR="61162" marT="30581" marB="30581" anchor="ctr">
+                    <a:lnL w="12700" cap="flat" cmpd="sng" algn="ctr">
+                      <a:solidFill>
+                        <a:schemeClr val="bg1"/>
+                      </a:solidFill>
+                      <a:prstDash val="solid"/>
+                      <a:round/>
+                      <a:headEnd type="none" w="med" len="med"/>
+                      <a:tailEnd type="none" w="med" len="med"/>
+                    </a:lnL>
+                    <a:lnR w="12700" cap="flat" cmpd="sng" algn="ctr">
+                      <a:solidFill>
+                        <a:schemeClr val="bg1"/>
+                      </a:solidFill>
+                      <a:prstDash val="solid"/>
+                      <a:round/>
+                      <a:headEnd type="none" w="med" len="med"/>
+                      <a:tailEnd type="none" w="med" len="med"/>
+                    </a:lnR>
+                    <a:lnT w="12700" cap="flat" cmpd="sng" algn="ctr">
+                      <a:solidFill>
+                        <a:schemeClr val="bg1"/>
+                      </a:solidFill>
+                      <a:prstDash val="solid"/>
+                      <a:round/>
+                      <a:headEnd type="none" w="med" len="med"/>
+                      <a:tailEnd type="none" w="med" len="med"/>
+                    </a:lnT>
+                    <a:lnB w="12700" cap="flat" cmpd="sng" algn="ctr">
+                      <a:solidFill>
+                        <a:schemeClr val="bg1"/>
+                      </a:solidFill>
+                      <a:prstDash val="solid"/>
+                      <a:round/>
+                      <a:headEnd type="none" w="med" len="med"/>
+                      <a:tailEnd type="none" w="med" len="med"/>
+                    </a:lnB>
+                    <a:lnTlToBr w="12700" cmpd="sng">
+                      <a:noFill/>
+                      <a:prstDash val="solid"/>
+                    </a:lnTlToBr>
+                    <a:lnBlToTr w="12700" cmpd="sng">
+                      <a:noFill/>
+                      <a:prstDash val="solid"/>
+                    </a:lnBlToTr>
+                    <a:solidFill>
+                      <a:schemeClr val="bg1"/>
+                    </a:solidFill>
+                  </a:tcPr>
+                </a:tc>
+                <a:tc>
+                  <a:txBody>
+                    <a:bodyPr/>
+                    <a:lstStyle/>
+                    <a:p>
+                      <a:r>
+                        <a:rPr lang="en-US" sz="1200" b="1" dirty="0">
+                          <a:solidFill>
+                            <a:schemeClr val="accent1"/>
+                          </a:solidFill>
+                        </a:rPr>
+                        <a:t>Visual Studio</a:t>
+                      </a:r>
+                    </a:p>
+                  </a:txBody>
+                  <a:tcPr marL="61162" marR="61162" marT="30581" marB="30581" anchor="ctr">
+                    <a:lnL w="12700" cap="flat" cmpd="sng" algn="ctr">
+                      <a:solidFill>
+                        <a:schemeClr val="bg1"/>
+                      </a:solidFill>
+                      <a:prstDash val="solid"/>
+                      <a:round/>
+                      <a:headEnd type="none" w="med" len="med"/>
+                      <a:tailEnd type="none" w="med" len="med"/>
+                    </a:lnL>
+                    <a:lnR w="12700" cap="flat" cmpd="sng" algn="ctr">
+                      <a:solidFill>
+                        <a:schemeClr val="bg1"/>
+                      </a:solidFill>
+                      <a:prstDash val="solid"/>
+                      <a:round/>
+                      <a:headEnd type="none" w="med" len="med"/>
+                      <a:tailEnd type="none" w="med" len="med"/>
+                    </a:lnR>
+                    <a:lnT w="12700" cap="flat" cmpd="sng" algn="ctr">
+                      <a:solidFill>
+                        <a:schemeClr val="bg1"/>
+                      </a:solidFill>
+                      <a:prstDash val="solid"/>
+                      <a:round/>
+                      <a:headEnd type="none" w="med" len="med"/>
+                      <a:tailEnd type="none" w="med" len="med"/>
+                    </a:lnT>
+                    <a:lnB w="12700" cap="flat" cmpd="sng" algn="ctr">
+                      <a:solidFill>
+                        <a:schemeClr val="bg1"/>
+                      </a:solidFill>
+                      <a:prstDash val="solid"/>
+                      <a:round/>
+                      <a:headEnd type="none" w="med" len="med"/>
+                      <a:tailEnd type="none" w="med" len="med"/>
+                    </a:lnB>
+                    <a:lnTlToBr w="12700" cmpd="sng">
+                      <a:noFill/>
+                      <a:prstDash val="solid"/>
+                    </a:lnTlToBr>
+                    <a:lnBlToTr w="12700" cmpd="sng">
+                      <a:noFill/>
+                      <a:prstDash val="solid"/>
+                    </a:lnBlToTr>
+                    <a:solidFill>
+                      <a:schemeClr val="bg1"/>
+                    </a:solidFill>
+                  </a:tcPr>
+                </a:tc>
+                <a:tc>
+                  <a:txBody>
+                    <a:bodyPr/>
+                    <a:lstStyle/>
+                    <a:p>
+                      <a:r>
+                        <a:rPr lang="en-US" sz="1200" b="1" dirty="0">
+                          <a:solidFill>
+                            <a:schemeClr val="accent1"/>
+                          </a:solidFill>
+                        </a:rPr>
+                        <a:t>Default in Windows</a:t>
+                      </a:r>
+                    </a:p>
+                  </a:txBody>
+                  <a:tcPr marL="61162" marR="61162" marT="30581" marB="30581" anchor="ctr">
+                    <a:lnL w="12700" cap="flat" cmpd="sng" algn="ctr">
+                      <a:solidFill>
+                        <a:schemeClr val="bg1"/>
+                      </a:solidFill>
+                      <a:prstDash val="solid"/>
+                      <a:round/>
+                      <a:headEnd type="none" w="med" len="med"/>
+                      <a:tailEnd type="none" w="med" len="med"/>
+                    </a:lnL>
+                    <a:lnR w="12700" cap="flat" cmpd="sng" algn="ctr">
+                      <a:solidFill>
+                        <a:schemeClr val="bg1"/>
+                      </a:solidFill>
+                      <a:prstDash val="solid"/>
+                      <a:round/>
+                      <a:headEnd type="none" w="med" len="med"/>
+                      <a:tailEnd type="none" w="med" len="med"/>
+                    </a:lnR>
+                    <a:lnT w="12700" cap="flat" cmpd="sng" algn="ctr">
+                      <a:solidFill>
+                        <a:schemeClr val="bg1"/>
+                      </a:solidFill>
+                      <a:prstDash val="solid"/>
+                      <a:round/>
+                      <a:headEnd type="none" w="med" len="med"/>
+                      <a:tailEnd type="none" w="med" len="med"/>
+                    </a:lnT>
+                    <a:lnB w="12700" cap="flat" cmpd="sng" algn="ctr">
+                      <a:solidFill>
+                        <a:schemeClr val="bg1"/>
+                      </a:solidFill>
+                      <a:prstDash val="solid"/>
+                      <a:round/>
+                      <a:headEnd type="none" w="med" len="med"/>
+                      <a:tailEnd type="none" w="med" len="med"/>
+                    </a:lnB>
+                    <a:lnTlToBr w="12700" cmpd="sng">
+                      <a:noFill/>
+                      <a:prstDash val="solid"/>
+                    </a:lnTlToBr>
+                    <a:lnBlToTr w="12700" cmpd="sng">
+                      <a:noFill/>
+                      <a:prstDash val="solid"/>
+                    </a:lnBlToTr>
+                    <a:solidFill>
+                      <a:schemeClr val="bg1"/>
+                    </a:solidFill>
+                  </a:tcPr>
+                </a:tc>
+              </a:tr>
+              <a:tr h="795102">
+                <a:tc>
+                  <a:txBody>
+                    <a:bodyPr/>
+                    <a:lstStyle/>
+                    <a:p>
+                      <a:r>
+                        <a:rPr lang="en-US" sz="1200" dirty="0">
+                          <a:solidFill>
+                            <a:schemeClr val="bg1"/>
+                          </a:solidFill>
+                        </a:rPr>
+                        <a:t>1.0</a:t>
+                      </a:r>
+                    </a:p>
+                  </a:txBody>
+                  <a:tcPr marL="61162" marR="61162" marT="30581" marB="30581" anchor="ctr">
+                    <a:lnL w="12700" cap="flat" cmpd="sng" algn="ctr">
+                      <a:solidFill>
+                        <a:schemeClr val="bg1"/>
+                      </a:solidFill>
+                      <a:prstDash val="solid"/>
+                      <a:round/>
+                      <a:headEnd type="none" w="med" len="med"/>
+                      <a:tailEnd type="none" w="med" len="med"/>
+                    </a:lnL>
+                    <a:lnR w="12700" cap="flat" cmpd="sng" algn="ctr">
+                      <a:solidFill>
+                        <a:schemeClr val="bg1"/>
+                      </a:solidFill>
+                      <a:prstDash val="solid"/>
+                      <a:round/>
+                      <a:headEnd type="none" w="med" len="med"/>
+                      <a:tailEnd type="none" w="med" len="med"/>
+                    </a:lnR>
+                    <a:lnT w="12700" cap="flat" cmpd="sng" algn="ctr">
+                      <a:solidFill>
+                        <a:schemeClr val="bg1"/>
+                      </a:solidFill>
+                      <a:prstDash val="solid"/>
+                      <a:round/>
+                      <a:headEnd type="none" w="med" len="med"/>
+                      <a:tailEnd type="none" w="med" len="med"/>
+                    </a:lnT>
+                    <a:lnB w="12700" cap="flat" cmpd="sng" algn="ctr">
+                      <a:solidFill>
+                        <a:schemeClr val="bg1"/>
+                      </a:solidFill>
+                      <a:prstDash val="solid"/>
+                      <a:round/>
+                      <a:headEnd type="none" w="med" len="med"/>
+                      <a:tailEnd type="none" w="med" len="med"/>
+                    </a:lnB>
+                    <a:lnTlToBr w="12700" cmpd="sng">
+                      <a:noFill/>
+                      <a:prstDash val="solid"/>
+                    </a:lnTlToBr>
+                    <a:lnBlToTr w="12700" cmpd="sng">
+                      <a:noFill/>
+                      <a:prstDash val="solid"/>
+                    </a:lnBlToTr>
+                  </a:tcPr>
+                </a:tc>
+                <a:tc>
+                  <a:txBody>
+                    <a:bodyPr/>
+                    <a:lstStyle/>
+                    <a:p>
+                      <a:r>
+                        <a:rPr lang="en-US" sz="1200" dirty="0">
+                          <a:solidFill>
+                            <a:schemeClr val="bg1"/>
+                          </a:solidFill>
+                        </a:rPr>
+                        <a:t>1.0.3705.0</a:t>
+                      </a:r>
+                    </a:p>
+                  </a:txBody>
+                  <a:tcPr marL="61162" marR="61162" marT="30581" marB="30581" anchor="ctr">
+                    <a:lnL w="12700" cap="flat" cmpd="sng" algn="ctr">
+                      <a:solidFill>
+                        <a:schemeClr val="bg1"/>
+                      </a:solidFill>
+                      <a:prstDash val="solid"/>
+                      <a:round/>
+                      <a:headEnd type="none" w="med" len="med"/>
+                      <a:tailEnd type="none" w="med" len="med"/>
+                    </a:lnL>
+                    <a:lnR w="12700" cap="flat" cmpd="sng" algn="ctr">
+                      <a:solidFill>
+                        <a:schemeClr val="bg1"/>
+                      </a:solidFill>
+                      <a:prstDash val="solid"/>
+                      <a:round/>
+                      <a:headEnd type="none" w="med" len="med"/>
+                      <a:tailEnd type="none" w="med" len="med"/>
+                    </a:lnR>
+                    <a:lnT w="12700" cap="flat" cmpd="sng" algn="ctr">
+                      <a:solidFill>
+                        <a:schemeClr val="bg1"/>
+                      </a:solidFill>
+                      <a:prstDash val="solid"/>
+                      <a:round/>
+                      <a:headEnd type="none" w="med" len="med"/>
+                      <a:tailEnd type="none" w="med" len="med"/>
+                    </a:lnT>
+                    <a:lnB w="12700" cap="flat" cmpd="sng" algn="ctr">
+                      <a:solidFill>
+                        <a:schemeClr val="bg1"/>
+                      </a:solidFill>
+                      <a:prstDash val="solid"/>
+                      <a:round/>
+                      <a:headEnd type="none" w="med" len="med"/>
+                      <a:tailEnd type="none" w="med" len="med"/>
+                    </a:lnB>
+                    <a:lnTlToBr w="12700" cmpd="sng">
+                      <a:noFill/>
+                      <a:prstDash val="solid"/>
+                    </a:lnTlToBr>
+                    <a:lnBlToTr w="12700" cmpd="sng">
+                      <a:noFill/>
+                      <a:prstDash val="solid"/>
+                    </a:lnBlToTr>
+                  </a:tcPr>
+                </a:tc>
+                <a:tc>
+                  <a:txBody>
+                    <a:bodyPr/>
+                    <a:lstStyle/>
+                    <a:p>
+                      <a:r>
+                        <a:rPr lang="ru-RU" sz="1200" dirty="0" smtClean="0">
+                          <a:solidFill>
+                            <a:schemeClr val="bg1"/>
+                          </a:solidFill>
+                        </a:rPr>
+                        <a:t>Февраль</a:t>
+                      </a:r>
+                      <a:r>
+                        <a:rPr lang="ru-RU" sz="1200" baseline="0" dirty="0" smtClean="0">
+                          <a:solidFill>
+                            <a:schemeClr val="bg1"/>
+                          </a:solidFill>
+                        </a:rPr>
+                        <a:t> </a:t>
+                      </a:r>
+                      <a:r>
+                        <a:rPr lang="en-US" sz="1200" dirty="0" smtClean="0">
+                          <a:solidFill>
+                            <a:schemeClr val="bg1"/>
+                          </a:solidFill>
+                        </a:rPr>
+                        <a:t>2002</a:t>
+                      </a:r>
+                      <a:r>
+                        <a:rPr lang="ru-RU" sz="1200" dirty="0" smtClean="0">
+                          <a:solidFill>
+                            <a:schemeClr val="bg1"/>
+                          </a:solidFill>
+                        </a:rPr>
+                        <a:t> года</a:t>
+                      </a:r>
+                      <a:endParaRPr lang="en-US" sz="1200" dirty="0">
+                        <a:solidFill>
+                          <a:schemeClr val="bg1"/>
+                        </a:solidFill>
+                      </a:endParaRPr>
+                    </a:p>
+                  </a:txBody>
+                  <a:tcPr marL="61162" marR="61162" marT="30581" marB="30581" anchor="ctr">
+                    <a:lnL w="12700" cap="flat" cmpd="sng" algn="ctr">
+                      <a:solidFill>
+                        <a:schemeClr val="bg1"/>
+                      </a:solidFill>
+                      <a:prstDash val="solid"/>
+                      <a:round/>
+                      <a:headEnd type="none" w="med" len="med"/>
+                      <a:tailEnd type="none" w="med" len="med"/>
+                    </a:lnL>
+                    <a:lnR w="12700" cap="flat" cmpd="sng" algn="ctr">
+                      <a:solidFill>
+                        <a:schemeClr val="bg1"/>
+                      </a:solidFill>
+                      <a:prstDash val="solid"/>
+                      <a:round/>
+                      <a:headEnd type="none" w="med" len="med"/>
+                      <a:tailEnd type="none" w="med" len="med"/>
+                    </a:lnR>
+                    <a:lnT w="12700" cap="flat" cmpd="sng" algn="ctr">
+                      <a:solidFill>
+                        <a:schemeClr val="bg1"/>
+                      </a:solidFill>
+                      <a:prstDash val="solid"/>
+                      <a:round/>
+                      <a:headEnd type="none" w="med" len="med"/>
+                      <a:tailEnd type="none" w="med" len="med"/>
+                    </a:lnT>
+                    <a:lnB w="12700" cap="flat" cmpd="sng" algn="ctr">
+                      <a:solidFill>
+                        <a:schemeClr val="bg1"/>
+                      </a:solidFill>
+                      <a:prstDash val="solid"/>
+                      <a:round/>
+                      <a:headEnd type="none" w="med" len="med"/>
+                      <a:tailEnd type="none" w="med" len="med"/>
+                    </a:lnB>
+                    <a:lnTlToBr w="12700" cmpd="sng">
+                      <a:noFill/>
+                      <a:prstDash val="solid"/>
+                    </a:lnTlToBr>
+                    <a:lnBlToTr w="12700" cmpd="sng">
+                      <a:noFill/>
+                      <a:prstDash val="solid"/>
+                    </a:lnBlToTr>
+                  </a:tcPr>
+                </a:tc>
+                <a:tc>
+                  <a:txBody>
+                    <a:bodyPr/>
+                    <a:lstStyle/>
+                    <a:p>
+                      <a:r>
+                        <a:rPr lang="en-US" sz="1200" dirty="0">
+                          <a:solidFill>
+                            <a:schemeClr val="bg1"/>
+                          </a:solidFill>
+                        </a:rPr>
+                        <a:t>Visual Studio .NET</a:t>
+                      </a:r>
+                    </a:p>
+                  </a:txBody>
+                  <a:tcPr marL="61162" marR="61162" marT="30581" marB="30581" anchor="ctr">
+                    <a:lnL w="12700" cap="flat" cmpd="sng" algn="ctr">
+                      <a:solidFill>
+                        <a:schemeClr val="bg1"/>
+                      </a:solidFill>
+                      <a:prstDash val="solid"/>
+                      <a:round/>
+                      <a:headEnd type="none" w="med" len="med"/>
+                      <a:tailEnd type="none" w="med" len="med"/>
+                    </a:lnL>
+                    <a:lnR w="12700" cap="flat" cmpd="sng" algn="ctr">
+                      <a:solidFill>
+                        <a:schemeClr val="bg1"/>
+                      </a:solidFill>
+                      <a:prstDash val="solid"/>
+                      <a:round/>
+                      <a:headEnd type="none" w="med" len="med"/>
+                      <a:tailEnd type="none" w="med" len="med"/>
+                    </a:lnR>
+                    <a:lnT w="12700" cap="flat" cmpd="sng" algn="ctr">
+                      <a:solidFill>
+                        <a:schemeClr val="bg1"/>
+                      </a:solidFill>
+                      <a:prstDash val="solid"/>
+                      <a:round/>
+                      <a:headEnd type="none" w="med" len="med"/>
+                      <a:tailEnd type="none" w="med" len="med"/>
+                    </a:lnT>
+                    <a:lnB w="12700" cap="flat" cmpd="sng" algn="ctr">
+                      <a:solidFill>
+                        <a:schemeClr val="bg1"/>
+                      </a:solidFill>
+                      <a:prstDash val="solid"/>
+                      <a:round/>
+                      <a:headEnd type="none" w="med" len="med"/>
+                      <a:tailEnd type="none" w="med" len="med"/>
+                    </a:lnB>
+                    <a:lnTlToBr w="12700" cmpd="sng">
+                      <a:noFill/>
+                      <a:prstDash val="solid"/>
+                    </a:lnTlToBr>
+                    <a:lnBlToTr w="12700" cmpd="sng">
+                      <a:noFill/>
+                      <a:prstDash val="solid"/>
+                    </a:lnBlToTr>
+                  </a:tcPr>
+                </a:tc>
+                <a:tc>
+                  <a:txBody>
+                    <a:bodyPr/>
+                    <a:lstStyle/>
+                    <a:p>
+                      <a:r>
+                        <a:rPr lang="en-US" sz="1200" dirty="0">
+                          <a:solidFill>
+                            <a:schemeClr val="bg1"/>
+                          </a:solidFill>
+                        </a:rPr>
+                        <a:t>Windows XP Tablet and Media Center </a:t>
+                      </a:r>
+                      <a:r>
+                        <a:rPr lang="en-US" sz="1200" dirty="0" smtClean="0">
+                          <a:solidFill>
+                            <a:schemeClr val="bg1"/>
+                          </a:solidFill>
+                        </a:rPr>
+                        <a:t>Editions</a:t>
+                      </a:r>
+                      <a:endParaRPr lang="en-US" sz="1200" dirty="0">
+                        <a:solidFill>
+                          <a:schemeClr val="bg1"/>
+                        </a:solidFill>
+                      </a:endParaRPr>
+                    </a:p>
+                  </a:txBody>
+                  <a:tcPr marL="61162" marR="61162" marT="30581" marB="30581" anchor="ctr">
+                    <a:lnL w="12700" cap="flat" cmpd="sng" algn="ctr">
+                      <a:solidFill>
+                        <a:schemeClr val="bg1"/>
+                      </a:solidFill>
+                      <a:prstDash val="solid"/>
+                      <a:round/>
+                      <a:headEnd type="none" w="med" len="med"/>
+                      <a:tailEnd type="none" w="med" len="med"/>
+                    </a:lnL>
+                    <a:lnR w="12700" cap="flat" cmpd="sng" algn="ctr">
+                      <a:solidFill>
+                        <a:schemeClr val="bg1"/>
+                      </a:solidFill>
+                      <a:prstDash val="solid"/>
+                      <a:round/>
+                      <a:headEnd type="none" w="med" len="med"/>
+                      <a:tailEnd type="none" w="med" len="med"/>
+                    </a:lnR>
+                    <a:lnT w="12700" cap="flat" cmpd="sng" algn="ctr">
+                      <a:solidFill>
+                        <a:schemeClr val="bg1"/>
+                      </a:solidFill>
+                      <a:prstDash val="solid"/>
+                      <a:round/>
+                      <a:headEnd type="none" w="med" len="med"/>
+                      <a:tailEnd type="none" w="med" len="med"/>
+                    </a:lnT>
+                    <a:lnB w="12700" cap="flat" cmpd="sng" algn="ctr">
+                      <a:solidFill>
+                        <a:schemeClr val="bg1"/>
+                      </a:solidFill>
+                      <a:prstDash val="solid"/>
+                      <a:round/>
+                      <a:headEnd type="none" w="med" len="med"/>
+                      <a:tailEnd type="none" w="med" len="med"/>
+                    </a:lnB>
+                    <a:lnTlToBr w="12700" cmpd="sng">
+                      <a:noFill/>
+                      <a:prstDash val="solid"/>
+                    </a:lnTlToBr>
+                    <a:lnBlToTr w="12700" cmpd="sng">
+                      <a:noFill/>
+                      <a:prstDash val="solid"/>
+                    </a:lnBlToTr>
+                  </a:tcPr>
+                </a:tc>
+              </a:tr>
+              <a:tr h="428132">
+                <a:tc>
+                  <a:txBody>
+                    <a:bodyPr/>
+                    <a:lstStyle/>
+                    <a:p>
+                      <a:r>
+                        <a:rPr lang="en-US" sz="1200" dirty="0">
+                          <a:solidFill>
+                            <a:schemeClr val="bg1"/>
+                          </a:solidFill>
+                        </a:rPr>
+                        <a:t>1.1</a:t>
+                      </a:r>
+                    </a:p>
+                  </a:txBody>
+                  <a:tcPr marL="61162" marR="61162" marT="30581" marB="30581" anchor="ctr">
+                    <a:lnL w="12700" cap="flat" cmpd="sng" algn="ctr">
+                      <a:solidFill>
+                        <a:schemeClr val="bg1"/>
+                      </a:solidFill>
+                      <a:prstDash val="solid"/>
+                      <a:round/>
+                      <a:headEnd type="none" w="med" len="med"/>
+                      <a:tailEnd type="none" w="med" len="med"/>
+                    </a:lnL>
+                    <a:lnR w="12700" cap="flat" cmpd="sng" algn="ctr">
+                      <a:solidFill>
+                        <a:schemeClr val="bg1"/>
+                      </a:solidFill>
+                      <a:prstDash val="solid"/>
+                      <a:round/>
+                      <a:headEnd type="none" w="med" len="med"/>
+                      <a:tailEnd type="none" w="med" len="med"/>
+                    </a:lnR>
+                    <a:lnT w="12700" cap="flat" cmpd="sng" algn="ctr">
+                      <a:solidFill>
+                        <a:schemeClr val="bg1"/>
+                      </a:solidFill>
+                      <a:prstDash val="solid"/>
+                      <a:round/>
+                      <a:headEnd type="none" w="med" len="med"/>
+                      <a:tailEnd type="none" w="med" len="med"/>
+                    </a:lnT>
+                    <a:lnB w="12700" cap="flat" cmpd="sng" algn="ctr">
+                      <a:solidFill>
+                        <a:schemeClr val="bg1"/>
+                      </a:solidFill>
+                      <a:prstDash val="solid"/>
+                      <a:round/>
+                      <a:headEnd type="none" w="med" len="med"/>
+                      <a:tailEnd type="none" w="med" len="med"/>
+                    </a:lnB>
+                    <a:lnTlToBr w="12700" cmpd="sng">
+                      <a:noFill/>
+                      <a:prstDash val="solid"/>
+                    </a:lnTlToBr>
+                    <a:lnBlToTr w="12700" cmpd="sng">
+                      <a:noFill/>
+                      <a:prstDash val="solid"/>
+                    </a:lnBlToTr>
+                  </a:tcPr>
+                </a:tc>
+                <a:tc>
+                  <a:txBody>
+                    <a:bodyPr/>
+                    <a:lstStyle/>
+                    <a:p>
+                      <a:r>
+                        <a:rPr lang="en-US" sz="1200">
+                          <a:solidFill>
+                            <a:schemeClr val="bg1"/>
+                          </a:solidFill>
+                        </a:rPr>
+                        <a:t>1.1.4322.573</a:t>
+                      </a:r>
+                    </a:p>
+                  </a:txBody>
+                  <a:tcPr marL="61162" marR="61162" marT="30581" marB="30581" anchor="ctr">
+                    <a:lnL w="12700" cap="flat" cmpd="sng" algn="ctr">
+                      <a:solidFill>
+                        <a:schemeClr val="bg1"/>
+                      </a:solidFill>
+                      <a:prstDash val="solid"/>
+                      <a:round/>
+                      <a:headEnd type="none" w="med" len="med"/>
+                      <a:tailEnd type="none" w="med" len="med"/>
+                    </a:lnL>
+                    <a:lnR w="12700" cap="flat" cmpd="sng" algn="ctr">
+                      <a:solidFill>
+                        <a:schemeClr val="bg1"/>
+                      </a:solidFill>
+                      <a:prstDash val="solid"/>
+                      <a:round/>
+                      <a:headEnd type="none" w="med" len="med"/>
+                      <a:tailEnd type="none" w="med" len="med"/>
+                    </a:lnR>
+                    <a:lnT w="12700" cap="flat" cmpd="sng" algn="ctr">
+                      <a:solidFill>
+                        <a:schemeClr val="bg1"/>
+                      </a:solidFill>
+                      <a:prstDash val="solid"/>
+                      <a:round/>
+                      <a:headEnd type="none" w="med" len="med"/>
+                      <a:tailEnd type="none" w="med" len="med"/>
+                    </a:lnT>
+                    <a:lnB w="12700" cap="flat" cmpd="sng" algn="ctr">
+                      <a:solidFill>
+                        <a:schemeClr val="bg1"/>
+                      </a:solidFill>
+                      <a:prstDash val="solid"/>
+                      <a:round/>
+                      <a:headEnd type="none" w="med" len="med"/>
+                      <a:tailEnd type="none" w="med" len="med"/>
+                    </a:lnB>
+                    <a:lnTlToBr w="12700" cmpd="sng">
+                      <a:noFill/>
+                      <a:prstDash val="solid"/>
+                    </a:lnTlToBr>
+                    <a:lnBlToTr w="12700" cmpd="sng">
+                      <a:noFill/>
+                      <a:prstDash val="solid"/>
+                    </a:lnBlToTr>
+                  </a:tcPr>
+                </a:tc>
+                <a:tc>
+                  <a:txBody>
+                    <a:bodyPr/>
+                    <a:lstStyle/>
+                    <a:p>
+                      <a:r>
+                        <a:rPr lang="ru-RU" sz="1200" dirty="0" smtClean="0">
+                          <a:solidFill>
+                            <a:schemeClr val="bg1"/>
+                          </a:solidFill>
+                        </a:rPr>
+                        <a:t>Март </a:t>
+                      </a:r>
+                      <a:r>
+                        <a:rPr lang="en-US" sz="1200" dirty="0" smtClean="0">
+                          <a:solidFill>
+                            <a:schemeClr val="bg1"/>
+                          </a:solidFill>
+                        </a:rPr>
+                        <a:t>2003</a:t>
+                      </a:r>
+                      <a:r>
+                        <a:rPr lang="ru-RU" sz="1200" dirty="0" smtClean="0">
+                          <a:solidFill>
+                            <a:schemeClr val="bg1"/>
+                          </a:solidFill>
+                        </a:rPr>
+                        <a:t> года</a:t>
+                      </a:r>
+                      <a:endParaRPr lang="en-US" sz="1200" dirty="0">
+                        <a:solidFill>
+                          <a:schemeClr val="bg1"/>
+                        </a:solidFill>
+                      </a:endParaRPr>
+                    </a:p>
+                  </a:txBody>
+                  <a:tcPr marL="61162" marR="61162" marT="30581" marB="30581" anchor="ctr">
+                    <a:lnL w="12700" cap="flat" cmpd="sng" algn="ctr">
+                      <a:solidFill>
+                        <a:schemeClr val="bg1"/>
+                      </a:solidFill>
+                      <a:prstDash val="solid"/>
+                      <a:round/>
+                      <a:headEnd type="none" w="med" len="med"/>
+                      <a:tailEnd type="none" w="med" len="med"/>
+                    </a:lnL>
+                    <a:lnR w="12700" cap="flat" cmpd="sng" algn="ctr">
+                      <a:solidFill>
+                        <a:schemeClr val="bg1"/>
+                      </a:solidFill>
+                      <a:prstDash val="solid"/>
+                      <a:round/>
+                      <a:headEnd type="none" w="med" len="med"/>
+                      <a:tailEnd type="none" w="med" len="med"/>
+                    </a:lnR>
+                    <a:lnT w="12700" cap="flat" cmpd="sng" algn="ctr">
+                      <a:solidFill>
+                        <a:schemeClr val="bg1"/>
+                      </a:solidFill>
+                      <a:prstDash val="solid"/>
+                      <a:round/>
+                      <a:headEnd type="none" w="med" len="med"/>
+                      <a:tailEnd type="none" w="med" len="med"/>
+                    </a:lnT>
+                    <a:lnB w="12700" cap="flat" cmpd="sng" algn="ctr">
+                      <a:solidFill>
+                        <a:schemeClr val="bg1"/>
+                      </a:solidFill>
+                      <a:prstDash val="solid"/>
+                      <a:round/>
+                      <a:headEnd type="none" w="med" len="med"/>
+                      <a:tailEnd type="none" w="med" len="med"/>
+                    </a:lnB>
+                    <a:lnTlToBr w="12700" cmpd="sng">
+                      <a:noFill/>
+                      <a:prstDash val="solid"/>
+                    </a:lnTlToBr>
+                    <a:lnBlToTr w="12700" cmpd="sng">
+                      <a:noFill/>
+                      <a:prstDash val="solid"/>
+                    </a:lnBlToTr>
+                  </a:tcPr>
+                </a:tc>
+                <a:tc>
+                  <a:txBody>
+                    <a:bodyPr/>
+                    <a:lstStyle/>
+                    <a:p>
+                      <a:r>
+                        <a:rPr lang="en-US" sz="1200" dirty="0">
+                          <a:solidFill>
+                            <a:schemeClr val="bg1"/>
+                          </a:solidFill>
+                        </a:rPr>
+                        <a:t>Visual Studio .NET 2003</a:t>
+                      </a:r>
+                    </a:p>
+                  </a:txBody>
+                  <a:tcPr marL="61162" marR="61162" marT="30581" marB="30581" anchor="ctr">
+                    <a:lnL w="12700" cap="flat" cmpd="sng" algn="ctr">
+                      <a:solidFill>
+                        <a:schemeClr val="bg1"/>
+                      </a:solidFill>
+                      <a:prstDash val="solid"/>
+                      <a:round/>
+                      <a:headEnd type="none" w="med" len="med"/>
+                      <a:tailEnd type="none" w="med" len="med"/>
+                    </a:lnL>
+                    <a:lnR w="12700" cap="flat" cmpd="sng" algn="ctr">
+                      <a:solidFill>
+                        <a:schemeClr val="bg1"/>
+                      </a:solidFill>
+                      <a:prstDash val="solid"/>
+                      <a:round/>
+                      <a:headEnd type="none" w="med" len="med"/>
+                      <a:tailEnd type="none" w="med" len="med"/>
+                    </a:lnR>
+                    <a:lnT w="12700" cap="flat" cmpd="sng" algn="ctr">
+                      <a:solidFill>
+                        <a:schemeClr val="bg1"/>
+                      </a:solidFill>
+                      <a:prstDash val="solid"/>
+                      <a:round/>
+                      <a:headEnd type="none" w="med" len="med"/>
+                      <a:tailEnd type="none" w="med" len="med"/>
+                    </a:lnT>
+                    <a:lnB w="12700" cap="flat" cmpd="sng" algn="ctr">
+                      <a:solidFill>
+                        <a:schemeClr val="bg1"/>
+                      </a:solidFill>
+                      <a:prstDash val="solid"/>
+                      <a:round/>
+                      <a:headEnd type="none" w="med" len="med"/>
+                      <a:tailEnd type="none" w="med" len="med"/>
+                    </a:lnB>
+                    <a:lnTlToBr w="12700" cmpd="sng">
+                      <a:noFill/>
+                      <a:prstDash val="solid"/>
+                    </a:lnTlToBr>
+                    <a:lnBlToTr w="12700" cmpd="sng">
+                      <a:noFill/>
+                      <a:prstDash val="solid"/>
+                    </a:lnBlToTr>
+                  </a:tcPr>
+                </a:tc>
+                <a:tc>
+                  <a:txBody>
+                    <a:bodyPr/>
+                    <a:lstStyle/>
+                    <a:p>
+                      <a:r>
+                        <a:rPr lang="en-US" sz="1200" dirty="0">
+                          <a:solidFill>
+                            <a:schemeClr val="bg1"/>
+                          </a:solidFill>
+                        </a:rPr>
+                        <a:t>Windows Server 2003</a:t>
+                      </a:r>
+                    </a:p>
+                  </a:txBody>
+                  <a:tcPr marL="61162" marR="61162" marT="30581" marB="30581" anchor="ctr">
+                    <a:lnL w="12700" cap="flat" cmpd="sng" algn="ctr">
+                      <a:solidFill>
+                        <a:schemeClr val="bg1"/>
+                      </a:solidFill>
+                      <a:prstDash val="solid"/>
+                      <a:round/>
+                      <a:headEnd type="none" w="med" len="med"/>
+                      <a:tailEnd type="none" w="med" len="med"/>
+                    </a:lnL>
+                    <a:lnR w="12700" cap="flat" cmpd="sng" algn="ctr">
+                      <a:solidFill>
+                        <a:schemeClr val="bg1"/>
+                      </a:solidFill>
+                      <a:prstDash val="solid"/>
+                      <a:round/>
+                      <a:headEnd type="none" w="med" len="med"/>
+                      <a:tailEnd type="none" w="med" len="med"/>
+                    </a:lnR>
+                    <a:lnT w="12700" cap="flat" cmpd="sng" algn="ctr">
+                      <a:solidFill>
+                        <a:schemeClr val="bg1"/>
+                      </a:solidFill>
+                      <a:prstDash val="solid"/>
+                      <a:round/>
+                      <a:headEnd type="none" w="med" len="med"/>
+                      <a:tailEnd type="none" w="med" len="med"/>
+                    </a:lnT>
+                    <a:lnB w="12700" cap="flat" cmpd="sng" algn="ctr">
+                      <a:solidFill>
+                        <a:schemeClr val="bg1"/>
+                      </a:solidFill>
+                      <a:prstDash val="solid"/>
+                      <a:round/>
+                      <a:headEnd type="none" w="med" len="med"/>
+                      <a:tailEnd type="none" w="med" len="med"/>
+                    </a:lnB>
+                    <a:lnTlToBr w="12700" cmpd="sng">
+                      <a:noFill/>
+                      <a:prstDash val="solid"/>
+                    </a:lnTlToBr>
+                    <a:lnBlToTr w="12700" cmpd="sng">
+                      <a:noFill/>
+                      <a:prstDash val="solid"/>
+                    </a:lnBlToTr>
+                  </a:tcPr>
+                </a:tc>
+              </a:tr>
+              <a:tr h="428132">
+                <a:tc>
+                  <a:txBody>
+                    <a:bodyPr/>
+                    <a:lstStyle/>
+                    <a:p>
+                      <a:r>
+                        <a:rPr lang="en-US" sz="1200" dirty="0">
+                          <a:solidFill>
+                            <a:schemeClr val="bg1"/>
+                          </a:solidFill>
+                        </a:rPr>
+                        <a:t>2.0</a:t>
+                      </a:r>
+                    </a:p>
+                  </a:txBody>
+                  <a:tcPr marL="61162" marR="61162" marT="30581" marB="30581" anchor="ctr">
+                    <a:lnL w="12700" cap="flat" cmpd="sng" algn="ctr">
+                      <a:solidFill>
+                        <a:schemeClr val="bg1"/>
+                      </a:solidFill>
+                      <a:prstDash val="solid"/>
+                      <a:round/>
+                      <a:headEnd type="none" w="med" len="med"/>
+                      <a:tailEnd type="none" w="med" len="med"/>
+                    </a:lnL>
+                    <a:lnR w="12700" cap="flat" cmpd="sng" algn="ctr">
+                      <a:solidFill>
+                        <a:schemeClr val="bg1"/>
+                      </a:solidFill>
+                      <a:prstDash val="solid"/>
+                      <a:round/>
+                      <a:headEnd type="none" w="med" len="med"/>
+                      <a:tailEnd type="none" w="med" len="med"/>
+                    </a:lnR>
+                    <a:lnT w="12700" cap="flat" cmpd="sng" algn="ctr">
+                      <a:solidFill>
+                        <a:schemeClr val="bg1"/>
+                      </a:solidFill>
+                      <a:prstDash val="solid"/>
+                      <a:round/>
+                      <a:headEnd type="none" w="med" len="med"/>
+                      <a:tailEnd type="none" w="med" len="med"/>
+                    </a:lnT>
+                    <a:lnB w="12700" cap="flat" cmpd="sng" algn="ctr">
+                      <a:solidFill>
+                        <a:schemeClr val="bg1"/>
+                      </a:solidFill>
+                      <a:prstDash val="solid"/>
+                      <a:round/>
+                      <a:headEnd type="none" w="med" len="med"/>
+                      <a:tailEnd type="none" w="med" len="med"/>
+                    </a:lnB>
+                    <a:lnTlToBr w="12700" cmpd="sng">
+                      <a:noFill/>
+                      <a:prstDash val="solid"/>
+                    </a:lnTlToBr>
+                    <a:lnBlToTr w="12700" cmpd="sng">
+                      <a:noFill/>
+                      <a:prstDash val="solid"/>
+                    </a:lnBlToTr>
+                  </a:tcPr>
+                </a:tc>
+                <a:tc>
+                  <a:txBody>
+                    <a:bodyPr/>
+                    <a:lstStyle/>
+                    <a:p>
+                      <a:r>
+                        <a:rPr lang="en-US" sz="1200">
+                          <a:solidFill>
+                            <a:schemeClr val="bg1"/>
+                          </a:solidFill>
+                        </a:rPr>
+                        <a:t>2.0.50727.42</a:t>
+                      </a:r>
+                    </a:p>
+                  </a:txBody>
+                  <a:tcPr marL="61162" marR="61162" marT="30581" marB="30581" anchor="ctr">
+                    <a:lnL w="12700" cap="flat" cmpd="sng" algn="ctr">
+                      <a:solidFill>
+                        <a:schemeClr val="bg1"/>
+                      </a:solidFill>
+                      <a:prstDash val="solid"/>
+                      <a:round/>
+                      <a:headEnd type="none" w="med" len="med"/>
+                      <a:tailEnd type="none" w="med" len="med"/>
+                    </a:lnL>
+                    <a:lnR w="12700" cap="flat" cmpd="sng" algn="ctr">
+                      <a:solidFill>
+                        <a:schemeClr val="bg1"/>
+                      </a:solidFill>
+                      <a:prstDash val="solid"/>
+                      <a:round/>
+                      <a:headEnd type="none" w="med" len="med"/>
+                      <a:tailEnd type="none" w="med" len="med"/>
+                    </a:lnR>
+                    <a:lnT w="12700" cap="flat" cmpd="sng" algn="ctr">
+                      <a:solidFill>
+                        <a:schemeClr val="bg1"/>
+                      </a:solidFill>
+                      <a:prstDash val="solid"/>
+                      <a:round/>
+                      <a:headEnd type="none" w="med" len="med"/>
+                      <a:tailEnd type="none" w="med" len="med"/>
+                    </a:lnT>
+                    <a:lnB w="12700" cap="flat" cmpd="sng" algn="ctr">
+                      <a:solidFill>
+                        <a:schemeClr val="bg1"/>
+                      </a:solidFill>
+                      <a:prstDash val="solid"/>
+                      <a:round/>
+                      <a:headEnd type="none" w="med" len="med"/>
+                      <a:tailEnd type="none" w="med" len="med"/>
+                    </a:lnB>
+                    <a:lnTlToBr w="12700" cmpd="sng">
+                      <a:noFill/>
+                      <a:prstDash val="solid"/>
+                    </a:lnTlToBr>
+                    <a:lnBlToTr w="12700" cmpd="sng">
+                      <a:noFill/>
+                      <a:prstDash val="solid"/>
+                    </a:lnBlToTr>
+                  </a:tcPr>
+                </a:tc>
+                <a:tc>
+                  <a:txBody>
+                    <a:bodyPr/>
+                    <a:lstStyle/>
+                    <a:p>
+                      <a:r>
+                        <a:rPr lang="ru-RU" sz="1200" dirty="0" smtClean="0">
+                          <a:solidFill>
+                            <a:schemeClr val="bg1"/>
+                          </a:solidFill>
+                        </a:rPr>
+                        <a:t>Ноябрь </a:t>
+                      </a:r>
+                      <a:r>
+                        <a:rPr lang="en-US" sz="1200" dirty="0" smtClean="0">
+                          <a:solidFill>
+                            <a:schemeClr val="bg1"/>
+                          </a:solidFill>
+                        </a:rPr>
+                        <a:t>2005</a:t>
+                      </a:r>
+                      <a:r>
+                        <a:rPr lang="ru-RU" sz="1200" dirty="0" smtClean="0">
+                          <a:solidFill>
+                            <a:schemeClr val="bg1"/>
+                          </a:solidFill>
+                        </a:rPr>
+                        <a:t> года</a:t>
+                      </a:r>
+                      <a:endParaRPr lang="en-US" sz="1200" dirty="0">
+                        <a:solidFill>
+                          <a:schemeClr val="bg1"/>
+                        </a:solidFill>
+                      </a:endParaRPr>
+                    </a:p>
+                  </a:txBody>
+                  <a:tcPr marL="61162" marR="61162" marT="30581" marB="30581" anchor="ctr">
+                    <a:lnL w="12700" cap="flat" cmpd="sng" algn="ctr">
+                      <a:solidFill>
+                        <a:schemeClr val="bg1"/>
+                      </a:solidFill>
+                      <a:prstDash val="solid"/>
+                      <a:round/>
+                      <a:headEnd type="none" w="med" len="med"/>
+                      <a:tailEnd type="none" w="med" len="med"/>
+                    </a:lnL>
+                    <a:lnR w="12700" cap="flat" cmpd="sng" algn="ctr">
+                      <a:solidFill>
+                        <a:schemeClr val="bg1"/>
+                      </a:solidFill>
+                      <a:prstDash val="solid"/>
+                      <a:round/>
+                      <a:headEnd type="none" w="med" len="med"/>
+                      <a:tailEnd type="none" w="med" len="med"/>
+                    </a:lnR>
+                    <a:lnT w="12700" cap="flat" cmpd="sng" algn="ctr">
+                      <a:solidFill>
+                        <a:schemeClr val="bg1"/>
+                      </a:solidFill>
+                      <a:prstDash val="solid"/>
+                      <a:round/>
+                      <a:headEnd type="none" w="med" len="med"/>
+                      <a:tailEnd type="none" w="med" len="med"/>
+                    </a:lnT>
+                    <a:lnB w="12700" cap="flat" cmpd="sng" algn="ctr">
+                      <a:solidFill>
+                        <a:schemeClr val="bg1"/>
+                      </a:solidFill>
+                      <a:prstDash val="solid"/>
+                      <a:round/>
+                      <a:headEnd type="none" w="med" len="med"/>
+                      <a:tailEnd type="none" w="med" len="med"/>
+                    </a:lnB>
+                    <a:lnTlToBr w="12700" cmpd="sng">
+                      <a:noFill/>
+                      <a:prstDash val="solid"/>
+                    </a:lnTlToBr>
+                    <a:lnBlToTr w="12700" cmpd="sng">
+                      <a:noFill/>
+                      <a:prstDash val="solid"/>
+                    </a:lnBlToTr>
+                  </a:tcPr>
+                </a:tc>
+                <a:tc>
+                  <a:txBody>
+                    <a:bodyPr/>
+                    <a:lstStyle/>
+                    <a:p>
+                      <a:r>
+                        <a:rPr lang="en-US" sz="1200" dirty="0">
+                          <a:solidFill>
+                            <a:schemeClr val="bg1"/>
+                          </a:solidFill>
+                        </a:rPr>
+                        <a:t>Visual Studio 2005</a:t>
+                      </a:r>
+                    </a:p>
+                  </a:txBody>
+                  <a:tcPr marL="61162" marR="61162" marT="30581" marB="30581" anchor="ctr">
+                    <a:lnL w="12700" cap="flat" cmpd="sng" algn="ctr">
+                      <a:solidFill>
+                        <a:schemeClr val="bg1"/>
+                      </a:solidFill>
+                      <a:prstDash val="solid"/>
+                      <a:round/>
+                      <a:headEnd type="none" w="med" len="med"/>
+                      <a:tailEnd type="none" w="med" len="med"/>
+                    </a:lnL>
+                    <a:lnR w="12700" cap="flat" cmpd="sng" algn="ctr">
+                      <a:solidFill>
+                        <a:schemeClr val="bg1"/>
+                      </a:solidFill>
+                      <a:prstDash val="solid"/>
+                      <a:round/>
+                      <a:headEnd type="none" w="med" len="med"/>
+                      <a:tailEnd type="none" w="med" len="med"/>
+                    </a:lnR>
+                    <a:lnT w="12700" cap="flat" cmpd="sng" algn="ctr">
+                      <a:solidFill>
+                        <a:schemeClr val="bg1"/>
+                      </a:solidFill>
+                      <a:prstDash val="solid"/>
+                      <a:round/>
+                      <a:headEnd type="none" w="med" len="med"/>
+                      <a:tailEnd type="none" w="med" len="med"/>
+                    </a:lnT>
+                    <a:lnB w="12700" cap="flat" cmpd="sng" algn="ctr">
+                      <a:solidFill>
+                        <a:schemeClr val="bg1"/>
+                      </a:solidFill>
+                      <a:prstDash val="solid"/>
+                      <a:round/>
+                      <a:headEnd type="none" w="med" len="med"/>
+                      <a:tailEnd type="none" w="med" len="med"/>
+                    </a:lnB>
+                    <a:lnTlToBr w="12700" cmpd="sng">
+                      <a:noFill/>
+                      <a:prstDash val="solid"/>
+                    </a:lnTlToBr>
+                    <a:lnBlToTr w="12700" cmpd="sng">
+                      <a:noFill/>
+                      <a:prstDash val="solid"/>
+                    </a:lnBlToTr>
+                  </a:tcPr>
+                </a:tc>
+                <a:tc>
+                  <a:txBody>
+                    <a:bodyPr/>
+                    <a:lstStyle/>
+                    <a:p>
+                      <a:r>
+                        <a:rPr lang="en-US" sz="1200" dirty="0">
+                          <a:solidFill>
+                            <a:schemeClr val="bg1"/>
+                          </a:solidFill>
+                        </a:rPr>
+                        <a:t>Windows Server 2003 R2</a:t>
+                      </a:r>
+                    </a:p>
+                  </a:txBody>
+                  <a:tcPr marL="61162" marR="61162" marT="30581" marB="30581" anchor="ctr">
+                    <a:lnL w="12700" cap="flat" cmpd="sng" algn="ctr">
+                      <a:solidFill>
+                        <a:schemeClr val="bg1"/>
+                      </a:solidFill>
+                      <a:prstDash val="solid"/>
+                      <a:round/>
+                      <a:headEnd type="none" w="med" len="med"/>
+                      <a:tailEnd type="none" w="med" len="med"/>
+                    </a:lnL>
+                    <a:lnR w="12700" cap="flat" cmpd="sng" algn="ctr">
+                      <a:solidFill>
+                        <a:schemeClr val="bg1"/>
+                      </a:solidFill>
+                      <a:prstDash val="solid"/>
+                      <a:round/>
+                      <a:headEnd type="none" w="med" len="med"/>
+                      <a:tailEnd type="none" w="med" len="med"/>
+                    </a:lnR>
+                    <a:lnT w="12700" cap="flat" cmpd="sng" algn="ctr">
+                      <a:solidFill>
+                        <a:schemeClr val="bg1"/>
+                      </a:solidFill>
+                      <a:prstDash val="solid"/>
+                      <a:round/>
+                      <a:headEnd type="none" w="med" len="med"/>
+                      <a:tailEnd type="none" w="med" len="med"/>
+                    </a:lnT>
+                    <a:lnB w="12700" cap="flat" cmpd="sng" algn="ctr">
+                      <a:solidFill>
+                        <a:schemeClr val="bg1"/>
+                      </a:solidFill>
+                      <a:prstDash val="solid"/>
+                      <a:round/>
+                      <a:headEnd type="none" w="med" len="med"/>
+                      <a:tailEnd type="none" w="med" len="med"/>
+                    </a:lnB>
+                    <a:lnTlToBr w="12700" cmpd="sng">
+                      <a:noFill/>
+                      <a:prstDash val="solid"/>
+                    </a:lnTlToBr>
+                    <a:lnBlToTr w="12700" cmpd="sng">
+                      <a:noFill/>
+                      <a:prstDash val="solid"/>
+                    </a:lnBlToTr>
+                  </a:tcPr>
+                </a:tc>
+              </a:tr>
+              <a:tr h="611617">
+                <a:tc>
+                  <a:txBody>
+                    <a:bodyPr/>
+                    <a:lstStyle/>
+                    <a:p>
+                      <a:r>
+                        <a:rPr lang="en-US" sz="1200" dirty="0">
+                          <a:solidFill>
+                            <a:schemeClr val="bg1"/>
+                          </a:solidFill>
+                        </a:rPr>
+                        <a:t>3.0</a:t>
+                      </a:r>
+                    </a:p>
+                  </a:txBody>
+                  <a:tcPr marL="61162" marR="61162" marT="30581" marB="30581" anchor="ctr">
+                    <a:lnL w="12700" cap="flat" cmpd="sng" algn="ctr">
+                      <a:solidFill>
+                        <a:schemeClr val="bg1"/>
+                      </a:solidFill>
+                      <a:prstDash val="solid"/>
+                      <a:round/>
+                      <a:headEnd type="none" w="med" len="med"/>
+                      <a:tailEnd type="none" w="med" len="med"/>
+                    </a:lnL>
+                    <a:lnR w="12700" cap="flat" cmpd="sng" algn="ctr">
+                      <a:solidFill>
+                        <a:schemeClr val="bg1"/>
+                      </a:solidFill>
+                      <a:prstDash val="solid"/>
+                      <a:round/>
+                      <a:headEnd type="none" w="med" len="med"/>
+                      <a:tailEnd type="none" w="med" len="med"/>
+                    </a:lnR>
+                    <a:lnT w="12700" cap="flat" cmpd="sng" algn="ctr">
+                      <a:solidFill>
+                        <a:schemeClr val="bg1"/>
+                      </a:solidFill>
+                      <a:prstDash val="solid"/>
+                      <a:round/>
+                      <a:headEnd type="none" w="med" len="med"/>
+                      <a:tailEnd type="none" w="med" len="med"/>
+                    </a:lnT>
+                    <a:lnB w="12700" cap="flat" cmpd="sng" algn="ctr">
+                      <a:solidFill>
+                        <a:schemeClr val="bg1"/>
+                      </a:solidFill>
+                      <a:prstDash val="solid"/>
+                      <a:round/>
+                      <a:headEnd type="none" w="med" len="med"/>
+                      <a:tailEnd type="none" w="med" len="med"/>
+                    </a:lnB>
+                    <a:lnTlToBr w="12700" cmpd="sng">
+                      <a:noFill/>
+                      <a:prstDash val="solid"/>
+                    </a:lnTlToBr>
+                    <a:lnBlToTr w="12700" cmpd="sng">
+                      <a:noFill/>
+                      <a:prstDash val="solid"/>
+                    </a:lnBlToTr>
+                  </a:tcPr>
+                </a:tc>
+                <a:tc>
+                  <a:txBody>
+                    <a:bodyPr/>
+                    <a:lstStyle/>
+                    <a:p>
+                      <a:r>
+                        <a:rPr lang="en-US" sz="1200">
+                          <a:solidFill>
+                            <a:schemeClr val="bg1"/>
+                          </a:solidFill>
+                        </a:rPr>
+                        <a:t>3.0.4506.30</a:t>
+                      </a:r>
+                    </a:p>
+                  </a:txBody>
+                  <a:tcPr marL="61162" marR="61162" marT="30581" marB="30581" anchor="ctr">
+                    <a:lnL w="12700" cap="flat" cmpd="sng" algn="ctr">
+                      <a:solidFill>
+                        <a:schemeClr val="bg1"/>
+                      </a:solidFill>
+                      <a:prstDash val="solid"/>
+                      <a:round/>
+                      <a:headEnd type="none" w="med" len="med"/>
+                      <a:tailEnd type="none" w="med" len="med"/>
+                    </a:lnL>
+                    <a:lnR w="12700" cap="flat" cmpd="sng" algn="ctr">
+                      <a:solidFill>
+                        <a:schemeClr val="bg1"/>
+                      </a:solidFill>
+                      <a:prstDash val="solid"/>
+                      <a:round/>
+                      <a:headEnd type="none" w="med" len="med"/>
+                      <a:tailEnd type="none" w="med" len="med"/>
+                    </a:lnR>
+                    <a:lnT w="12700" cap="flat" cmpd="sng" algn="ctr">
+                      <a:solidFill>
+                        <a:schemeClr val="bg1"/>
+                      </a:solidFill>
+                      <a:prstDash val="solid"/>
+                      <a:round/>
+                      <a:headEnd type="none" w="med" len="med"/>
+                      <a:tailEnd type="none" w="med" len="med"/>
+                    </a:lnT>
+                    <a:lnB w="12700" cap="flat" cmpd="sng" algn="ctr">
+                      <a:solidFill>
+                        <a:schemeClr val="bg1"/>
+                      </a:solidFill>
+                      <a:prstDash val="solid"/>
+                      <a:round/>
+                      <a:headEnd type="none" w="med" len="med"/>
+                      <a:tailEnd type="none" w="med" len="med"/>
+                    </a:lnB>
+                    <a:lnTlToBr w="12700" cmpd="sng">
+                      <a:noFill/>
+                      <a:prstDash val="solid"/>
+                    </a:lnTlToBr>
+                    <a:lnBlToTr w="12700" cmpd="sng">
+                      <a:noFill/>
+                      <a:prstDash val="solid"/>
+                    </a:lnBlToTr>
+                  </a:tcPr>
+                </a:tc>
+                <a:tc>
+                  <a:txBody>
+                    <a:bodyPr/>
+                    <a:lstStyle/>
+                    <a:p>
+                      <a:r>
+                        <a:rPr lang="ru-RU" sz="1200" dirty="0" smtClean="0">
+                          <a:solidFill>
+                            <a:schemeClr val="bg1"/>
+                          </a:solidFill>
+                        </a:rPr>
+                        <a:t>Ноябрь </a:t>
+                      </a:r>
+                      <a:r>
+                        <a:rPr lang="en-US" sz="1200" dirty="0" smtClean="0">
+                          <a:solidFill>
+                            <a:schemeClr val="bg1"/>
+                          </a:solidFill>
+                        </a:rPr>
+                        <a:t>2006</a:t>
+                      </a:r>
+                      <a:r>
+                        <a:rPr lang="ru-RU" sz="1200" dirty="0" smtClean="0">
+                          <a:solidFill>
+                            <a:schemeClr val="bg1"/>
+                          </a:solidFill>
+                        </a:rPr>
+                        <a:t> года</a:t>
+                      </a:r>
+                      <a:endParaRPr lang="en-US" sz="1200" dirty="0">
+                        <a:solidFill>
+                          <a:schemeClr val="bg1"/>
+                        </a:solidFill>
+                      </a:endParaRPr>
+                    </a:p>
+                  </a:txBody>
+                  <a:tcPr marL="61162" marR="61162" marT="30581" marB="30581" anchor="ctr">
+                    <a:lnL w="12700" cap="flat" cmpd="sng" algn="ctr">
+                      <a:solidFill>
+                        <a:schemeClr val="bg1"/>
+                      </a:solidFill>
+                      <a:prstDash val="solid"/>
+                      <a:round/>
+                      <a:headEnd type="none" w="med" len="med"/>
+                      <a:tailEnd type="none" w="med" len="med"/>
+                    </a:lnL>
+                    <a:lnR w="12700" cap="flat" cmpd="sng" algn="ctr">
+                      <a:solidFill>
+                        <a:schemeClr val="bg1"/>
+                      </a:solidFill>
+                      <a:prstDash val="solid"/>
+                      <a:round/>
+                      <a:headEnd type="none" w="med" len="med"/>
+                      <a:tailEnd type="none" w="med" len="med"/>
+                    </a:lnR>
+                    <a:lnT w="12700" cap="flat" cmpd="sng" algn="ctr">
+                      <a:solidFill>
+                        <a:schemeClr val="bg1"/>
+                      </a:solidFill>
+                      <a:prstDash val="solid"/>
+                      <a:round/>
+                      <a:headEnd type="none" w="med" len="med"/>
+                      <a:tailEnd type="none" w="med" len="med"/>
+                    </a:lnT>
+                    <a:lnB w="12700" cap="flat" cmpd="sng" algn="ctr">
+                      <a:solidFill>
+                        <a:schemeClr val="bg1"/>
+                      </a:solidFill>
+                      <a:prstDash val="solid"/>
+                      <a:round/>
+                      <a:headEnd type="none" w="med" len="med"/>
+                      <a:tailEnd type="none" w="med" len="med"/>
+                    </a:lnB>
+                    <a:lnTlToBr w="12700" cmpd="sng">
+                      <a:noFill/>
+                      <a:prstDash val="solid"/>
+                    </a:lnTlToBr>
+                    <a:lnBlToTr w="12700" cmpd="sng">
+                      <a:noFill/>
+                      <a:prstDash val="solid"/>
+                    </a:lnBlToTr>
+                  </a:tcPr>
+                </a:tc>
+                <a:tc>
+                  <a:txBody>
+                    <a:bodyPr/>
+                    <a:lstStyle/>
+                    <a:p>
+                      <a:endParaRPr lang="en-US" sz="1200">
+                        <a:solidFill>
+                          <a:schemeClr val="bg1"/>
+                        </a:solidFill>
+                      </a:endParaRPr>
+                    </a:p>
+                  </a:txBody>
+                  <a:tcPr marL="61162" marR="61162" marT="30581" marB="30581" anchor="ctr">
+                    <a:lnL w="12700" cap="flat" cmpd="sng" algn="ctr">
+                      <a:solidFill>
+                        <a:schemeClr val="bg1"/>
+                      </a:solidFill>
+                      <a:prstDash val="solid"/>
+                      <a:round/>
+                      <a:headEnd type="none" w="med" len="med"/>
+                      <a:tailEnd type="none" w="med" len="med"/>
+                    </a:lnL>
+                    <a:lnR w="12700" cap="flat" cmpd="sng" algn="ctr">
+                      <a:solidFill>
+                        <a:schemeClr val="bg1"/>
+                      </a:solidFill>
+                      <a:prstDash val="solid"/>
+                      <a:round/>
+                      <a:headEnd type="none" w="med" len="med"/>
+                      <a:tailEnd type="none" w="med" len="med"/>
+                    </a:lnR>
+                    <a:lnT w="12700" cap="flat" cmpd="sng" algn="ctr">
+                      <a:solidFill>
+                        <a:schemeClr val="bg1"/>
+                      </a:solidFill>
+                      <a:prstDash val="solid"/>
+                      <a:round/>
+                      <a:headEnd type="none" w="med" len="med"/>
+                      <a:tailEnd type="none" w="med" len="med"/>
+                    </a:lnT>
+                    <a:lnB w="12700" cap="flat" cmpd="sng" algn="ctr">
+                      <a:solidFill>
+                        <a:schemeClr val="bg1"/>
+                      </a:solidFill>
+                      <a:prstDash val="solid"/>
+                      <a:round/>
+                      <a:headEnd type="none" w="med" len="med"/>
+                      <a:tailEnd type="none" w="med" len="med"/>
+                    </a:lnB>
+                    <a:lnTlToBr w="12700" cmpd="sng">
+                      <a:noFill/>
+                      <a:prstDash val="solid"/>
+                    </a:lnTlToBr>
+                    <a:lnBlToTr w="12700" cmpd="sng">
+                      <a:noFill/>
+                      <a:prstDash val="solid"/>
+                    </a:lnBlToTr>
+                  </a:tcPr>
+                </a:tc>
+                <a:tc>
+                  <a:txBody>
+                    <a:bodyPr/>
+                    <a:lstStyle/>
+                    <a:p>
+                      <a:r>
+                        <a:rPr lang="en-US" sz="1200" dirty="0">
+                          <a:solidFill>
+                            <a:schemeClr val="bg1"/>
+                          </a:solidFill>
+                        </a:rPr>
+                        <a:t>Windows Vista, Windows Server 2008</a:t>
+                      </a:r>
+                    </a:p>
+                  </a:txBody>
+                  <a:tcPr marL="61162" marR="61162" marT="30581" marB="30581" anchor="ctr">
+                    <a:lnL w="12700" cap="flat" cmpd="sng" algn="ctr">
+                      <a:solidFill>
+                        <a:schemeClr val="bg1"/>
+                      </a:solidFill>
+                      <a:prstDash val="solid"/>
+                      <a:round/>
+                      <a:headEnd type="none" w="med" len="med"/>
+                      <a:tailEnd type="none" w="med" len="med"/>
+                    </a:lnL>
+                    <a:lnR w="12700" cap="flat" cmpd="sng" algn="ctr">
+                      <a:solidFill>
+                        <a:schemeClr val="bg1"/>
+                      </a:solidFill>
+                      <a:prstDash val="solid"/>
+                      <a:round/>
+                      <a:headEnd type="none" w="med" len="med"/>
+                      <a:tailEnd type="none" w="med" len="med"/>
+                    </a:lnR>
+                    <a:lnT w="12700" cap="flat" cmpd="sng" algn="ctr">
+                      <a:solidFill>
+                        <a:schemeClr val="bg1"/>
+                      </a:solidFill>
+                      <a:prstDash val="solid"/>
+                      <a:round/>
+                      <a:headEnd type="none" w="med" len="med"/>
+                      <a:tailEnd type="none" w="med" len="med"/>
+                    </a:lnT>
+                    <a:lnB w="12700" cap="flat" cmpd="sng" algn="ctr">
+                      <a:solidFill>
+                        <a:schemeClr val="bg1"/>
+                      </a:solidFill>
+                      <a:prstDash val="solid"/>
+                      <a:round/>
+                      <a:headEnd type="none" w="med" len="med"/>
+                      <a:tailEnd type="none" w="med" len="med"/>
+                    </a:lnB>
+                    <a:lnTlToBr w="12700" cmpd="sng">
+                      <a:noFill/>
+                      <a:prstDash val="solid"/>
+                    </a:lnTlToBr>
+                    <a:lnBlToTr w="12700" cmpd="sng">
+                      <a:noFill/>
+                      <a:prstDash val="solid"/>
+                    </a:lnBlToTr>
+                  </a:tcPr>
+                </a:tc>
+              </a:tr>
+              <a:tr h="611617">
+                <a:tc>
+                  <a:txBody>
+                    <a:bodyPr/>
+                    <a:lstStyle/>
+                    <a:p>
+                      <a:r>
+                        <a:rPr lang="en-US" sz="1200" dirty="0">
+                          <a:solidFill>
+                            <a:schemeClr val="bg1"/>
+                          </a:solidFill>
+                        </a:rPr>
+                        <a:t>3.5</a:t>
+                      </a:r>
+                    </a:p>
+                  </a:txBody>
+                  <a:tcPr marL="61162" marR="61162" marT="30581" marB="30581" anchor="ctr">
+                    <a:lnL w="12700" cap="flat" cmpd="sng" algn="ctr">
+                      <a:solidFill>
+                        <a:schemeClr val="bg1"/>
+                      </a:solidFill>
+                      <a:prstDash val="solid"/>
+                      <a:round/>
+                      <a:headEnd type="none" w="med" len="med"/>
+                      <a:tailEnd type="none" w="med" len="med"/>
+                    </a:lnL>
+                    <a:lnR w="12700" cap="flat" cmpd="sng" algn="ctr">
+                      <a:solidFill>
+                        <a:schemeClr val="bg1"/>
+                      </a:solidFill>
+                      <a:prstDash val="solid"/>
+                      <a:round/>
+                      <a:headEnd type="none" w="med" len="med"/>
+                      <a:tailEnd type="none" w="med" len="med"/>
+                    </a:lnR>
+                    <a:lnT w="12700" cap="flat" cmpd="sng" algn="ctr">
+                      <a:solidFill>
+                        <a:schemeClr val="bg1"/>
+                      </a:solidFill>
+                      <a:prstDash val="solid"/>
+                      <a:round/>
+                      <a:headEnd type="none" w="med" len="med"/>
+                      <a:tailEnd type="none" w="med" len="med"/>
+                    </a:lnT>
+                    <a:lnB w="12700" cap="flat" cmpd="sng" algn="ctr">
+                      <a:solidFill>
+                        <a:schemeClr val="bg1"/>
+                      </a:solidFill>
+                      <a:prstDash val="solid"/>
+                      <a:round/>
+                      <a:headEnd type="none" w="med" len="med"/>
+                      <a:tailEnd type="none" w="med" len="med"/>
+                    </a:lnB>
+                    <a:lnTlToBr w="12700" cmpd="sng">
+                      <a:noFill/>
+                      <a:prstDash val="solid"/>
+                    </a:lnTlToBr>
+                    <a:lnBlToTr w="12700" cmpd="sng">
+                      <a:noFill/>
+                      <a:prstDash val="solid"/>
+                    </a:lnBlToTr>
+                  </a:tcPr>
+                </a:tc>
+                <a:tc>
+                  <a:txBody>
+                    <a:bodyPr/>
+                    <a:lstStyle/>
+                    <a:p>
+                      <a:r>
+                        <a:rPr lang="en-US" sz="1200">
+                          <a:solidFill>
+                            <a:schemeClr val="bg1"/>
+                          </a:solidFill>
+                        </a:rPr>
+                        <a:t>3.5.21022.8</a:t>
+                      </a:r>
+                    </a:p>
+                  </a:txBody>
+                  <a:tcPr marL="61162" marR="61162" marT="30581" marB="30581" anchor="ctr">
+                    <a:lnL w="12700" cap="flat" cmpd="sng" algn="ctr">
+                      <a:solidFill>
+                        <a:schemeClr val="bg1"/>
+                      </a:solidFill>
+                      <a:prstDash val="solid"/>
+                      <a:round/>
+                      <a:headEnd type="none" w="med" len="med"/>
+                      <a:tailEnd type="none" w="med" len="med"/>
+                    </a:lnL>
+                    <a:lnR w="12700" cap="flat" cmpd="sng" algn="ctr">
+                      <a:solidFill>
+                        <a:schemeClr val="bg1"/>
+                      </a:solidFill>
+                      <a:prstDash val="solid"/>
+                      <a:round/>
+                      <a:headEnd type="none" w="med" len="med"/>
+                      <a:tailEnd type="none" w="med" len="med"/>
+                    </a:lnR>
+                    <a:lnT w="12700" cap="flat" cmpd="sng" algn="ctr">
+                      <a:solidFill>
+                        <a:schemeClr val="bg1"/>
+                      </a:solidFill>
+                      <a:prstDash val="solid"/>
+                      <a:round/>
+                      <a:headEnd type="none" w="med" len="med"/>
+                      <a:tailEnd type="none" w="med" len="med"/>
+                    </a:lnT>
+                    <a:lnB w="12700" cap="flat" cmpd="sng" algn="ctr">
+                      <a:solidFill>
+                        <a:schemeClr val="bg1"/>
+                      </a:solidFill>
+                      <a:prstDash val="solid"/>
+                      <a:round/>
+                      <a:headEnd type="none" w="med" len="med"/>
+                      <a:tailEnd type="none" w="med" len="med"/>
+                    </a:lnB>
+                    <a:lnTlToBr w="12700" cmpd="sng">
+                      <a:noFill/>
+                      <a:prstDash val="solid"/>
+                    </a:lnTlToBr>
+                    <a:lnBlToTr w="12700" cmpd="sng">
+                      <a:noFill/>
+                      <a:prstDash val="solid"/>
+                    </a:lnBlToTr>
+                  </a:tcPr>
+                </a:tc>
+                <a:tc>
+                  <a:txBody>
+                    <a:bodyPr/>
+                    <a:lstStyle/>
+                    <a:p>
+                      <a:r>
+                        <a:rPr lang="ru-RU" sz="1200" dirty="0" smtClean="0">
+                          <a:solidFill>
+                            <a:schemeClr val="bg1"/>
+                          </a:solidFill>
+                        </a:rPr>
+                        <a:t>Ноябрь</a:t>
+                      </a:r>
+                      <a:r>
+                        <a:rPr lang="ru-RU" sz="1200" baseline="0" dirty="0" smtClean="0">
+                          <a:solidFill>
+                            <a:schemeClr val="bg1"/>
+                          </a:solidFill>
+                        </a:rPr>
+                        <a:t> </a:t>
+                      </a:r>
+                      <a:r>
+                        <a:rPr lang="en-US" sz="1200" dirty="0" smtClean="0">
+                          <a:solidFill>
+                            <a:schemeClr val="bg1"/>
+                          </a:solidFill>
+                        </a:rPr>
+                        <a:t>2007</a:t>
+                      </a:r>
+                      <a:r>
+                        <a:rPr lang="ru-RU" sz="1200" dirty="0" smtClean="0">
+                          <a:solidFill>
+                            <a:schemeClr val="bg1"/>
+                          </a:solidFill>
+                        </a:rPr>
+                        <a:t> года</a:t>
+                      </a:r>
+                      <a:endParaRPr lang="en-US" sz="1200" dirty="0">
+                        <a:solidFill>
+                          <a:schemeClr val="bg1"/>
+                        </a:solidFill>
+                      </a:endParaRPr>
+                    </a:p>
+                  </a:txBody>
+                  <a:tcPr marL="61162" marR="61162" marT="30581" marB="30581" anchor="ctr">
+                    <a:lnL w="12700" cap="flat" cmpd="sng" algn="ctr">
+                      <a:solidFill>
+                        <a:schemeClr val="bg1"/>
+                      </a:solidFill>
+                      <a:prstDash val="solid"/>
+                      <a:round/>
+                      <a:headEnd type="none" w="med" len="med"/>
+                      <a:tailEnd type="none" w="med" len="med"/>
+                    </a:lnL>
+                    <a:lnR w="12700" cap="flat" cmpd="sng" algn="ctr">
+                      <a:solidFill>
+                        <a:schemeClr val="bg1"/>
+                      </a:solidFill>
+                      <a:prstDash val="solid"/>
+                      <a:round/>
+                      <a:headEnd type="none" w="med" len="med"/>
+                      <a:tailEnd type="none" w="med" len="med"/>
+                    </a:lnR>
+                    <a:lnT w="12700" cap="flat" cmpd="sng" algn="ctr">
+                      <a:solidFill>
+                        <a:schemeClr val="bg1"/>
+                      </a:solidFill>
+                      <a:prstDash val="solid"/>
+                      <a:round/>
+                      <a:headEnd type="none" w="med" len="med"/>
+                      <a:tailEnd type="none" w="med" len="med"/>
+                    </a:lnT>
+                    <a:lnB w="12700" cap="flat" cmpd="sng" algn="ctr">
+                      <a:solidFill>
+                        <a:schemeClr val="bg1"/>
+                      </a:solidFill>
+                      <a:prstDash val="solid"/>
+                      <a:round/>
+                      <a:headEnd type="none" w="med" len="med"/>
+                      <a:tailEnd type="none" w="med" len="med"/>
+                    </a:lnB>
+                    <a:lnTlToBr w="12700" cmpd="sng">
+                      <a:noFill/>
+                      <a:prstDash val="solid"/>
+                    </a:lnTlToBr>
+                    <a:lnBlToTr w="12700" cmpd="sng">
+                      <a:noFill/>
+                      <a:prstDash val="solid"/>
+                    </a:lnBlToTr>
+                  </a:tcPr>
+                </a:tc>
+                <a:tc>
+                  <a:txBody>
+                    <a:bodyPr/>
+                    <a:lstStyle/>
+                    <a:p>
+                      <a:r>
+                        <a:rPr lang="en-US" sz="1200">
+                          <a:solidFill>
+                            <a:schemeClr val="bg1"/>
+                          </a:solidFill>
+                        </a:rPr>
+                        <a:t>Visual Studio 2008</a:t>
+                      </a:r>
+                    </a:p>
+                  </a:txBody>
+                  <a:tcPr marL="61162" marR="61162" marT="30581" marB="30581" anchor="ctr">
+                    <a:lnL w="12700" cap="flat" cmpd="sng" algn="ctr">
+                      <a:solidFill>
+                        <a:schemeClr val="bg1"/>
+                      </a:solidFill>
+                      <a:prstDash val="solid"/>
+                      <a:round/>
+                      <a:headEnd type="none" w="med" len="med"/>
+                      <a:tailEnd type="none" w="med" len="med"/>
+                    </a:lnL>
+                    <a:lnR w="12700" cap="flat" cmpd="sng" algn="ctr">
+                      <a:solidFill>
+                        <a:schemeClr val="bg1"/>
+                      </a:solidFill>
+                      <a:prstDash val="solid"/>
+                      <a:round/>
+                      <a:headEnd type="none" w="med" len="med"/>
+                      <a:tailEnd type="none" w="med" len="med"/>
+                    </a:lnR>
+                    <a:lnT w="12700" cap="flat" cmpd="sng" algn="ctr">
+                      <a:solidFill>
+                        <a:schemeClr val="bg1"/>
+                      </a:solidFill>
+                      <a:prstDash val="solid"/>
+                      <a:round/>
+                      <a:headEnd type="none" w="med" len="med"/>
+                      <a:tailEnd type="none" w="med" len="med"/>
+                    </a:lnT>
+                    <a:lnB w="12700" cap="flat" cmpd="sng" algn="ctr">
+                      <a:solidFill>
+                        <a:schemeClr val="bg1"/>
+                      </a:solidFill>
+                      <a:prstDash val="solid"/>
+                      <a:round/>
+                      <a:headEnd type="none" w="med" len="med"/>
+                      <a:tailEnd type="none" w="med" len="med"/>
+                    </a:lnB>
+                    <a:lnTlToBr w="12700" cmpd="sng">
+                      <a:noFill/>
+                      <a:prstDash val="solid"/>
+                    </a:lnTlToBr>
+                    <a:lnBlToTr w="12700" cmpd="sng">
+                      <a:noFill/>
+                      <a:prstDash val="solid"/>
+                    </a:lnBlToTr>
+                  </a:tcPr>
+                </a:tc>
+                <a:tc>
+                  <a:txBody>
+                    <a:bodyPr/>
+                    <a:lstStyle/>
+                    <a:p>
+                      <a:r>
+                        <a:rPr lang="en-US" sz="1200" dirty="0">
+                          <a:solidFill>
+                            <a:schemeClr val="bg1"/>
+                          </a:solidFill>
+                        </a:rPr>
+                        <a:t>Windows 7, Windows Server 2008 R2</a:t>
+                      </a:r>
+                    </a:p>
+                  </a:txBody>
+                  <a:tcPr marL="61162" marR="61162" marT="30581" marB="30581" anchor="ctr">
+                    <a:lnL w="12700" cap="flat" cmpd="sng" algn="ctr">
+                      <a:solidFill>
+                        <a:schemeClr val="bg1"/>
+                      </a:solidFill>
+                      <a:prstDash val="solid"/>
+                      <a:round/>
+                      <a:headEnd type="none" w="med" len="med"/>
+                      <a:tailEnd type="none" w="med" len="med"/>
+                    </a:lnL>
+                    <a:lnR w="12700" cap="flat" cmpd="sng" algn="ctr">
+                      <a:solidFill>
+                        <a:schemeClr val="bg1"/>
+                      </a:solidFill>
+                      <a:prstDash val="solid"/>
+                      <a:round/>
+                      <a:headEnd type="none" w="med" len="med"/>
+                      <a:tailEnd type="none" w="med" len="med"/>
+                    </a:lnR>
+                    <a:lnT w="12700" cap="flat" cmpd="sng" algn="ctr">
+                      <a:solidFill>
+                        <a:schemeClr val="bg1"/>
+                      </a:solidFill>
+                      <a:prstDash val="solid"/>
+                      <a:round/>
+                      <a:headEnd type="none" w="med" len="med"/>
+                      <a:tailEnd type="none" w="med" len="med"/>
+                    </a:lnT>
+                    <a:lnB w="12700" cap="flat" cmpd="sng" algn="ctr">
+                      <a:solidFill>
+                        <a:schemeClr val="bg1"/>
+                      </a:solidFill>
+                      <a:prstDash val="solid"/>
+                      <a:round/>
+                      <a:headEnd type="none" w="med" len="med"/>
+                      <a:tailEnd type="none" w="med" len="med"/>
+                    </a:lnB>
+                    <a:lnTlToBr w="12700" cmpd="sng">
+                      <a:noFill/>
+                      <a:prstDash val="solid"/>
+                    </a:lnTlToBr>
+                    <a:lnBlToTr w="12700" cmpd="sng">
+                      <a:noFill/>
+                      <a:prstDash val="solid"/>
+                    </a:lnBlToTr>
+                  </a:tcPr>
+                </a:tc>
+              </a:tr>
+              <a:tr h="611617">
+                <a:tc>
+                  <a:txBody>
+                    <a:bodyPr/>
+                    <a:lstStyle/>
+                    <a:p>
+                      <a:r>
+                        <a:rPr lang="en-US" sz="1200" dirty="0">
+                          <a:solidFill>
+                            <a:schemeClr val="bg1"/>
+                          </a:solidFill>
+                        </a:rPr>
+                        <a:t>4.0</a:t>
+                      </a:r>
+                    </a:p>
+                  </a:txBody>
+                  <a:tcPr marL="61162" marR="61162" marT="30581" marB="30581" anchor="ctr">
+                    <a:lnL w="12700" cap="flat" cmpd="sng" algn="ctr">
+                      <a:solidFill>
+                        <a:schemeClr val="bg1"/>
+                      </a:solidFill>
+                      <a:prstDash val="solid"/>
+                      <a:round/>
+                      <a:headEnd type="none" w="med" len="med"/>
+                      <a:tailEnd type="none" w="med" len="med"/>
+                    </a:lnL>
+                    <a:lnR w="12700" cap="flat" cmpd="sng" algn="ctr">
+                      <a:solidFill>
+                        <a:schemeClr val="bg1"/>
+                      </a:solidFill>
+                      <a:prstDash val="solid"/>
+                      <a:round/>
+                      <a:headEnd type="none" w="med" len="med"/>
+                      <a:tailEnd type="none" w="med" len="med"/>
+                    </a:lnR>
+                    <a:lnT w="12700" cap="flat" cmpd="sng" algn="ctr">
+                      <a:solidFill>
+                        <a:schemeClr val="bg1"/>
+                      </a:solidFill>
+                      <a:prstDash val="solid"/>
+                      <a:round/>
+                      <a:headEnd type="none" w="med" len="med"/>
+                      <a:tailEnd type="none" w="med" len="med"/>
+                    </a:lnT>
+                    <a:lnB w="12700" cap="flat" cmpd="sng" algn="ctr">
+                      <a:solidFill>
+                        <a:schemeClr val="bg1"/>
+                      </a:solidFill>
+                      <a:prstDash val="solid"/>
+                      <a:round/>
+                      <a:headEnd type="none" w="med" len="med"/>
+                      <a:tailEnd type="none" w="med" len="med"/>
+                    </a:lnB>
+                    <a:lnTlToBr w="12700" cmpd="sng">
+                      <a:noFill/>
+                      <a:prstDash val="solid"/>
+                    </a:lnTlToBr>
+                    <a:lnBlToTr w="12700" cmpd="sng">
+                      <a:noFill/>
+                      <a:prstDash val="solid"/>
+                    </a:lnBlToTr>
+                  </a:tcPr>
+                </a:tc>
+                <a:tc>
+                  <a:txBody>
+                    <a:bodyPr/>
+                    <a:lstStyle/>
+                    <a:p>
+                      <a:r>
+                        <a:rPr lang="en-US" sz="1200">
+                          <a:solidFill>
+                            <a:schemeClr val="bg1"/>
+                          </a:solidFill>
+                        </a:rPr>
+                        <a:t>4.0.30319.1</a:t>
+                      </a:r>
+                    </a:p>
+                  </a:txBody>
+                  <a:tcPr marL="61162" marR="61162" marT="30581" marB="30581" anchor="ctr">
+                    <a:lnL w="12700" cap="flat" cmpd="sng" algn="ctr">
+                      <a:solidFill>
+                        <a:schemeClr val="bg1"/>
+                      </a:solidFill>
+                      <a:prstDash val="solid"/>
+                      <a:round/>
+                      <a:headEnd type="none" w="med" len="med"/>
+                      <a:tailEnd type="none" w="med" len="med"/>
+                    </a:lnL>
+                    <a:lnR w="12700" cap="flat" cmpd="sng" algn="ctr">
+                      <a:solidFill>
+                        <a:schemeClr val="bg1"/>
+                      </a:solidFill>
+                      <a:prstDash val="solid"/>
+                      <a:round/>
+                      <a:headEnd type="none" w="med" len="med"/>
+                      <a:tailEnd type="none" w="med" len="med"/>
+                    </a:lnR>
+                    <a:lnT w="12700" cap="flat" cmpd="sng" algn="ctr">
+                      <a:solidFill>
+                        <a:schemeClr val="bg1"/>
+                      </a:solidFill>
+                      <a:prstDash val="solid"/>
+                      <a:round/>
+                      <a:headEnd type="none" w="med" len="med"/>
+                      <a:tailEnd type="none" w="med" len="med"/>
+                    </a:lnT>
+                    <a:lnB w="12700" cap="flat" cmpd="sng" algn="ctr">
+                      <a:solidFill>
+                        <a:schemeClr val="bg1"/>
+                      </a:solidFill>
+                      <a:prstDash val="solid"/>
+                      <a:round/>
+                      <a:headEnd type="none" w="med" len="med"/>
+                      <a:tailEnd type="none" w="med" len="med"/>
+                    </a:lnB>
+                    <a:lnTlToBr w="12700" cmpd="sng">
+                      <a:noFill/>
+                      <a:prstDash val="solid"/>
+                    </a:lnTlToBr>
+                    <a:lnBlToTr w="12700" cmpd="sng">
+                      <a:noFill/>
+                      <a:prstDash val="solid"/>
+                    </a:lnBlToTr>
+                  </a:tcPr>
+                </a:tc>
+                <a:tc>
+                  <a:txBody>
+                    <a:bodyPr/>
+                    <a:lstStyle/>
+                    <a:p>
+                      <a:r>
+                        <a:rPr lang="ru-RU" sz="1200" dirty="0" smtClean="0">
+                          <a:solidFill>
+                            <a:schemeClr val="bg1"/>
+                          </a:solidFill>
+                        </a:rPr>
+                        <a:t>Апрель </a:t>
+                      </a:r>
+                      <a:r>
+                        <a:rPr lang="en-US" sz="1200" dirty="0" smtClean="0">
+                          <a:solidFill>
+                            <a:schemeClr val="bg1"/>
+                          </a:solidFill>
+                        </a:rPr>
+                        <a:t>2010</a:t>
+                      </a:r>
+                      <a:r>
+                        <a:rPr lang="ru-RU" sz="1200" dirty="0" smtClean="0">
+                          <a:solidFill>
+                            <a:schemeClr val="bg1"/>
+                          </a:solidFill>
+                        </a:rPr>
+                        <a:t> года</a:t>
+                      </a:r>
+                      <a:endParaRPr lang="en-US" sz="1200" dirty="0">
+                        <a:solidFill>
+                          <a:schemeClr val="bg1"/>
+                        </a:solidFill>
+                      </a:endParaRPr>
+                    </a:p>
+                  </a:txBody>
+                  <a:tcPr marL="61162" marR="61162" marT="30581" marB="30581" anchor="ctr">
+                    <a:lnL w="12700" cap="flat" cmpd="sng" algn="ctr">
+                      <a:solidFill>
+                        <a:schemeClr val="bg1"/>
+                      </a:solidFill>
+                      <a:prstDash val="solid"/>
+                      <a:round/>
+                      <a:headEnd type="none" w="med" len="med"/>
+                      <a:tailEnd type="none" w="med" len="med"/>
+                    </a:lnL>
+                    <a:lnR w="12700" cap="flat" cmpd="sng" algn="ctr">
+                      <a:solidFill>
+                        <a:schemeClr val="bg1"/>
+                      </a:solidFill>
+                      <a:prstDash val="solid"/>
+                      <a:round/>
+                      <a:headEnd type="none" w="med" len="med"/>
+                      <a:tailEnd type="none" w="med" len="med"/>
+                    </a:lnR>
+                    <a:lnT w="12700" cap="flat" cmpd="sng" algn="ctr">
+                      <a:solidFill>
+                        <a:schemeClr val="bg1"/>
+                      </a:solidFill>
+                      <a:prstDash val="solid"/>
+                      <a:round/>
+                      <a:headEnd type="none" w="med" len="med"/>
+                      <a:tailEnd type="none" w="med" len="med"/>
+                    </a:lnT>
+                    <a:lnB w="12700" cap="flat" cmpd="sng" algn="ctr">
+                      <a:solidFill>
+                        <a:schemeClr val="bg1"/>
+                      </a:solidFill>
+                      <a:prstDash val="solid"/>
+                      <a:round/>
+                      <a:headEnd type="none" w="med" len="med"/>
+                      <a:tailEnd type="none" w="med" len="med"/>
+                    </a:lnB>
+                    <a:lnTlToBr w="12700" cmpd="sng">
+                      <a:noFill/>
+                      <a:prstDash val="solid"/>
+                    </a:lnTlToBr>
+                    <a:lnBlToTr w="12700" cmpd="sng">
+                      <a:noFill/>
+                      <a:prstDash val="solid"/>
+                    </a:lnBlToTr>
+                  </a:tcPr>
+                </a:tc>
+                <a:tc>
+                  <a:txBody>
+                    <a:bodyPr/>
+                    <a:lstStyle/>
+                    <a:p>
+                      <a:r>
+                        <a:rPr lang="en-US" sz="1200">
+                          <a:solidFill>
+                            <a:schemeClr val="bg1"/>
+                          </a:solidFill>
+                        </a:rPr>
+                        <a:t>Visual Studio 2010</a:t>
+                      </a:r>
+                    </a:p>
+                  </a:txBody>
+                  <a:tcPr marL="61162" marR="61162" marT="30581" marB="30581" anchor="ctr">
+                    <a:lnL w="12700" cap="flat" cmpd="sng" algn="ctr">
+                      <a:solidFill>
+                        <a:schemeClr val="bg1"/>
+                      </a:solidFill>
+                      <a:prstDash val="solid"/>
+                      <a:round/>
+                      <a:headEnd type="none" w="med" len="med"/>
+                      <a:tailEnd type="none" w="med" len="med"/>
+                    </a:lnL>
+                    <a:lnR w="12700" cap="flat" cmpd="sng" algn="ctr">
+                      <a:solidFill>
+                        <a:schemeClr val="bg1"/>
+                      </a:solidFill>
+                      <a:prstDash val="solid"/>
+                      <a:round/>
+                      <a:headEnd type="none" w="med" len="med"/>
+                      <a:tailEnd type="none" w="med" len="med"/>
+                    </a:lnR>
+                    <a:lnT w="12700" cap="flat" cmpd="sng" algn="ctr">
+                      <a:solidFill>
+                        <a:schemeClr val="bg1"/>
+                      </a:solidFill>
+                      <a:prstDash val="solid"/>
+                      <a:round/>
+                      <a:headEnd type="none" w="med" len="med"/>
+                      <a:tailEnd type="none" w="med" len="med"/>
+                    </a:lnT>
+                    <a:lnB w="12700" cap="flat" cmpd="sng" algn="ctr">
+                      <a:solidFill>
+                        <a:schemeClr val="bg1"/>
+                      </a:solidFill>
+                      <a:prstDash val="solid"/>
+                      <a:round/>
+                      <a:headEnd type="none" w="med" len="med"/>
+                      <a:tailEnd type="none" w="med" len="med"/>
+                    </a:lnB>
+                    <a:lnTlToBr w="12700" cmpd="sng">
+                      <a:noFill/>
+                      <a:prstDash val="solid"/>
+                    </a:lnTlToBr>
+                    <a:lnBlToTr w="12700" cmpd="sng">
+                      <a:noFill/>
+                      <a:prstDash val="solid"/>
+                    </a:lnBlToTr>
+                  </a:tcPr>
+                </a:tc>
+                <a:tc>
+                  <a:txBody>
+                    <a:bodyPr/>
+                    <a:lstStyle/>
+                    <a:p>
+                      <a:r>
+                        <a:rPr lang="en-US" sz="1200" dirty="0">
+                          <a:solidFill>
+                            <a:schemeClr val="bg1"/>
+                          </a:solidFill>
+                        </a:rPr>
+                        <a:t>Windows 7 (recommended)</a:t>
+                      </a:r>
+                    </a:p>
+                  </a:txBody>
+                  <a:tcPr marL="61162" marR="61162" marT="30581" marB="30581" anchor="ctr">
+                    <a:lnL w="12700" cap="flat" cmpd="sng" algn="ctr">
+                      <a:solidFill>
+                        <a:schemeClr val="bg1"/>
+                      </a:solidFill>
+                      <a:prstDash val="solid"/>
+                      <a:round/>
+                      <a:headEnd type="none" w="med" len="med"/>
+                      <a:tailEnd type="none" w="med" len="med"/>
+                    </a:lnL>
+                    <a:lnR w="12700" cap="flat" cmpd="sng" algn="ctr">
+                      <a:solidFill>
+                        <a:schemeClr val="bg1"/>
+                      </a:solidFill>
+                      <a:prstDash val="solid"/>
+                      <a:round/>
+                      <a:headEnd type="none" w="med" len="med"/>
+                      <a:tailEnd type="none" w="med" len="med"/>
+                    </a:lnR>
+                    <a:lnT w="12700" cap="flat" cmpd="sng" algn="ctr">
+                      <a:solidFill>
+                        <a:schemeClr val="bg1"/>
+                      </a:solidFill>
+                      <a:prstDash val="solid"/>
+                      <a:round/>
+                      <a:headEnd type="none" w="med" len="med"/>
+                      <a:tailEnd type="none" w="med" len="med"/>
+                    </a:lnT>
+                    <a:lnB w="12700" cap="flat" cmpd="sng" algn="ctr">
+                      <a:solidFill>
+                        <a:schemeClr val="bg1"/>
+                      </a:solidFill>
+                      <a:prstDash val="solid"/>
+                      <a:round/>
+                      <a:headEnd type="none" w="med" len="med"/>
+                      <a:tailEnd type="none" w="med" len="med"/>
+                    </a:lnB>
+                    <a:lnTlToBr w="12700" cmpd="sng">
+                      <a:noFill/>
+                      <a:prstDash val="solid"/>
+                    </a:lnTlToBr>
+                    <a:lnBlToTr w="12700" cmpd="sng">
+                      <a:noFill/>
+                      <a:prstDash val="solid"/>
+                    </a:lnBlToTr>
+                  </a:tcPr>
+                </a:tc>
+              </a:tr>
+              <a:tr h="611617">
+                <a:tc>
+                  <a:txBody>
+                    <a:bodyPr/>
+                    <a:lstStyle/>
+                    <a:p>
+                      <a:r>
+                        <a:rPr lang="en-US" sz="1200" dirty="0">
+                          <a:solidFill>
+                            <a:schemeClr val="bg1"/>
+                          </a:solidFill>
+                        </a:rPr>
+                        <a:t>4.5</a:t>
+                      </a:r>
+                    </a:p>
+                  </a:txBody>
+                  <a:tcPr marL="61162" marR="61162" marT="30581" marB="30581" anchor="ctr">
+                    <a:lnL w="12700" cap="flat" cmpd="sng" algn="ctr">
+                      <a:solidFill>
+                        <a:schemeClr val="bg1"/>
+                      </a:solidFill>
+                      <a:prstDash val="solid"/>
+                      <a:round/>
+                      <a:headEnd type="none" w="med" len="med"/>
+                      <a:tailEnd type="none" w="med" len="med"/>
+                    </a:lnL>
+                    <a:lnR w="12700" cap="flat" cmpd="sng" algn="ctr">
+                      <a:solidFill>
+                        <a:schemeClr val="bg1"/>
+                      </a:solidFill>
+                      <a:prstDash val="solid"/>
+                      <a:round/>
+                      <a:headEnd type="none" w="med" len="med"/>
+                      <a:tailEnd type="none" w="med" len="med"/>
+                    </a:lnR>
+                    <a:lnT w="12700" cap="flat" cmpd="sng" algn="ctr">
+                      <a:solidFill>
+                        <a:schemeClr val="bg1"/>
+                      </a:solidFill>
+                      <a:prstDash val="solid"/>
+                      <a:round/>
+                      <a:headEnd type="none" w="med" len="med"/>
+                      <a:tailEnd type="none" w="med" len="med"/>
+                    </a:lnT>
+                    <a:lnB w="12700" cap="flat" cmpd="sng" algn="ctr">
+                      <a:solidFill>
+                        <a:schemeClr val="bg1"/>
+                      </a:solidFill>
+                      <a:prstDash val="solid"/>
+                      <a:round/>
+                      <a:headEnd type="none" w="med" len="med"/>
+                      <a:tailEnd type="none" w="med" len="med"/>
+                    </a:lnB>
+                    <a:lnTlToBr w="12700" cmpd="sng">
+                      <a:noFill/>
+                      <a:prstDash val="solid"/>
+                    </a:lnTlToBr>
+                    <a:lnBlToTr w="12700" cmpd="sng">
+                      <a:noFill/>
+                      <a:prstDash val="solid"/>
+                    </a:lnBlToTr>
+                  </a:tcPr>
+                </a:tc>
+                <a:tc>
+                  <a:txBody>
+                    <a:bodyPr/>
+                    <a:lstStyle/>
+                    <a:p>
+                      <a:r>
+                        <a:rPr lang="en-US" sz="1200">
+                          <a:solidFill>
+                            <a:schemeClr val="bg1"/>
+                          </a:solidFill>
+                        </a:rPr>
+                        <a:t>4.0.30319.17929 (4.5.50709)</a:t>
+                      </a:r>
+                    </a:p>
+                  </a:txBody>
+                  <a:tcPr marL="61162" marR="61162" marT="30581" marB="30581" anchor="ctr">
+                    <a:lnL w="12700" cap="flat" cmpd="sng" algn="ctr">
+                      <a:solidFill>
+                        <a:schemeClr val="bg1"/>
+                      </a:solidFill>
+                      <a:prstDash val="solid"/>
+                      <a:round/>
+                      <a:headEnd type="none" w="med" len="med"/>
+                      <a:tailEnd type="none" w="med" len="med"/>
+                    </a:lnL>
+                    <a:lnR w="12700" cap="flat" cmpd="sng" algn="ctr">
+                      <a:solidFill>
+                        <a:schemeClr val="bg1"/>
+                      </a:solidFill>
+                      <a:prstDash val="solid"/>
+                      <a:round/>
+                      <a:headEnd type="none" w="med" len="med"/>
+                      <a:tailEnd type="none" w="med" len="med"/>
+                    </a:lnR>
+                    <a:lnT w="12700" cap="flat" cmpd="sng" algn="ctr">
+                      <a:solidFill>
+                        <a:schemeClr val="bg1"/>
+                      </a:solidFill>
+                      <a:prstDash val="solid"/>
+                      <a:round/>
+                      <a:headEnd type="none" w="med" len="med"/>
+                      <a:tailEnd type="none" w="med" len="med"/>
+                    </a:lnT>
+                    <a:lnB w="12700" cap="flat" cmpd="sng" algn="ctr">
+                      <a:solidFill>
+                        <a:schemeClr val="bg1"/>
+                      </a:solidFill>
+                      <a:prstDash val="solid"/>
+                      <a:round/>
+                      <a:headEnd type="none" w="med" len="med"/>
+                      <a:tailEnd type="none" w="med" len="med"/>
+                    </a:lnB>
+                    <a:lnTlToBr w="12700" cmpd="sng">
+                      <a:noFill/>
+                      <a:prstDash val="solid"/>
+                    </a:lnTlToBr>
+                    <a:lnBlToTr w="12700" cmpd="sng">
+                      <a:noFill/>
+                      <a:prstDash val="solid"/>
+                    </a:lnBlToTr>
+                  </a:tcPr>
+                </a:tc>
+                <a:tc>
+                  <a:txBody>
+                    <a:bodyPr/>
+                    <a:lstStyle/>
+                    <a:p>
+                      <a:r>
+                        <a:rPr lang="ru-RU" sz="1200" dirty="0" smtClean="0">
+                          <a:solidFill>
+                            <a:schemeClr val="bg1"/>
+                          </a:solidFill>
+                        </a:rPr>
+                        <a:t>Август </a:t>
+                      </a:r>
+                      <a:r>
+                        <a:rPr lang="en-US" sz="1200" dirty="0" smtClean="0">
+                          <a:solidFill>
+                            <a:schemeClr val="bg1"/>
+                          </a:solidFill>
+                        </a:rPr>
+                        <a:t>2012</a:t>
+                      </a:r>
+                      <a:r>
+                        <a:rPr lang="ru-RU" sz="1200" dirty="0" smtClean="0">
+                          <a:solidFill>
+                            <a:schemeClr val="bg1"/>
+                          </a:solidFill>
+                        </a:rPr>
+                        <a:t> года</a:t>
+                      </a:r>
+                      <a:endParaRPr lang="en-US" sz="1200" dirty="0">
+                        <a:solidFill>
+                          <a:schemeClr val="bg1"/>
+                        </a:solidFill>
+                      </a:endParaRPr>
+                    </a:p>
+                  </a:txBody>
+                  <a:tcPr marL="61162" marR="61162" marT="30581" marB="30581" anchor="ctr">
+                    <a:lnL w="12700" cap="flat" cmpd="sng" algn="ctr">
+                      <a:solidFill>
+                        <a:schemeClr val="bg1"/>
+                      </a:solidFill>
+                      <a:prstDash val="solid"/>
+                      <a:round/>
+                      <a:headEnd type="none" w="med" len="med"/>
+                      <a:tailEnd type="none" w="med" len="med"/>
+                    </a:lnL>
+                    <a:lnR w="12700" cap="flat" cmpd="sng" algn="ctr">
+                      <a:solidFill>
+                        <a:schemeClr val="bg1"/>
+                      </a:solidFill>
+                      <a:prstDash val="solid"/>
+                      <a:round/>
+                      <a:headEnd type="none" w="med" len="med"/>
+                      <a:tailEnd type="none" w="med" len="med"/>
+                    </a:lnR>
+                    <a:lnT w="12700" cap="flat" cmpd="sng" algn="ctr">
+                      <a:solidFill>
+                        <a:schemeClr val="bg1"/>
+                      </a:solidFill>
+                      <a:prstDash val="solid"/>
+                      <a:round/>
+                      <a:headEnd type="none" w="med" len="med"/>
+                      <a:tailEnd type="none" w="med" len="med"/>
+                    </a:lnT>
+                    <a:lnB w="12700" cap="flat" cmpd="sng" algn="ctr">
+                      <a:solidFill>
+                        <a:schemeClr val="bg1"/>
+                      </a:solidFill>
+                      <a:prstDash val="solid"/>
+                      <a:round/>
+                      <a:headEnd type="none" w="med" len="med"/>
+                      <a:tailEnd type="none" w="med" len="med"/>
+                    </a:lnB>
+                    <a:lnTlToBr w="12700" cmpd="sng">
+                      <a:noFill/>
+                      <a:prstDash val="solid"/>
+                    </a:lnTlToBr>
+                    <a:lnBlToTr w="12700" cmpd="sng">
+                      <a:noFill/>
+                      <a:prstDash val="solid"/>
+                    </a:lnBlToTr>
+                  </a:tcPr>
+                </a:tc>
+                <a:tc>
+                  <a:txBody>
+                    <a:bodyPr/>
+                    <a:lstStyle/>
+                    <a:p>
+                      <a:r>
+                        <a:rPr lang="en-US" sz="1200">
+                          <a:solidFill>
+                            <a:schemeClr val="bg1"/>
+                          </a:solidFill>
+                        </a:rPr>
+                        <a:t>Visual Studio 2012</a:t>
+                      </a:r>
+                    </a:p>
+                  </a:txBody>
+                  <a:tcPr marL="61162" marR="61162" marT="30581" marB="30581" anchor="ctr">
+                    <a:lnL w="12700" cap="flat" cmpd="sng" algn="ctr">
+                      <a:solidFill>
+                        <a:schemeClr val="bg1"/>
+                      </a:solidFill>
+                      <a:prstDash val="solid"/>
+                      <a:round/>
+                      <a:headEnd type="none" w="med" len="med"/>
+                      <a:tailEnd type="none" w="med" len="med"/>
+                    </a:lnL>
+                    <a:lnR w="12700" cap="flat" cmpd="sng" algn="ctr">
+                      <a:solidFill>
+                        <a:schemeClr val="bg1"/>
+                      </a:solidFill>
+                      <a:prstDash val="solid"/>
+                      <a:round/>
+                      <a:headEnd type="none" w="med" len="med"/>
+                      <a:tailEnd type="none" w="med" len="med"/>
+                    </a:lnR>
+                    <a:lnT w="12700" cap="flat" cmpd="sng" algn="ctr">
+                      <a:solidFill>
+                        <a:schemeClr val="bg1"/>
+                      </a:solidFill>
+                      <a:prstDash val="solid"/>
+                      <a:round/>
+                      <a:headEnd type="none" w="med" len="med"/>
+                      <a:tailEnd type="none" w="med" len="med"/>
+                    </a:lnT>
+                    <a:lnB w="12700" cap="flat" cmpd="sng" algn="ctr">
+                      <a:solidFill>
+                        <a:schemeClr val="bg1"/>
+                      </a:solidFill>
+                      <a:prstDash val="solid"/>
+                      <a:round/>
+                      <a:headEnd type="none" w="med" len="med"/>
+                      <a:tailEnd type="none" w="med" len="med"/>
+                    </a:lnB>
+                    <a:lnTlToBr w="12700" cmpd="sng">
+                      <a:noFill/>
+                      <a:prstDash val="solid"/>
+                    </a:lnTlToBr>
+                    <a:lnBlToTr w="12700" cmpd="sng">
+                      <a:noFill/>
+                      <a:prstDash val="solid"/>
+                    </a:lnBlToTr>
+                  </a:tcPr>
+                </a:tc>
+                <a:tc>
+                  <a:txBody>
+                    <a:bodyPr/>
+                    <a:lstStyle/>
+                    <a:p>
+                      <a:r>
+                        <a:rPr lang="en-US" sz="1200" dirty="0">
+                          <a:solidFill>
+                            <a:schemeClr val="bg1"/>
+                          </a:solidFill>
+                        </a:rPr>
+                        <a:t>Windows 8, Windows Server 2012</a:t>
+                      </a:r>
+                    </a:p>
+                  </a:txBody>
+                  <a:tcPr marL="61162" marR="61162" marT="30581" marB="30581" anchor="ctr">
+                    <a:lnL w="12700" cap="flat" cmpd="sng" algn="ctr">
+                      <a:solidFill>
+                        <a:schemeClr val="bg1"/>
+                      </a:solidFill>
+                      <a:prstDash val="solid"/>
+                      <a:round/>
+                      <a:headEnd type="none" w="med" len="med"/>
+                      <a:tailEnd type="none" w="med" len="med"/>
+                    </a:lnL>
+                    <a:lnR w="12700" cap="flat" cmpd="sng" algn="ctr">
+                      <a:solidFill>
+                        <a:schemeClr val="bg1"/>
+                      </a:solidFill>
+                      <a:prstDash val="solid"/>
+                      <a:round/>
+                      <a:headEnd type="none" w="med" len="med"/>
+                      <a:tailEnd type="none" w="med" len="med"/>
+                    </a:lnR>
+                    <a:lnT w="12700" cap="flat" cmpd="sng" algn="ctr">
+                      <a:solidFill>
+                        <a:schemeClr val="bg1"/>
+                      </a:solidFill>
+                      <a:prstDash val="solid"/>
+                      <a:round/>
+                      <a:headEnd type="none" w="med" len="med"/>
+                      <a:tailEnd type="none" w="med" len="med"/>
+                    </a:lnT>
+                    <a:lnB w="12700" cap="flat" cmpd="sng" algn="ctr">
+                      <a:solidFill>
+                        <a:schemeClr val="bg1"/>
+                      </a:solidFill>
+                      <a:prstDash val="solid"/>
+                      <a:round/>
+                      <a:headEnd type="none" w="med" len="med"/>
+                      <a:tailEnd type="none" w="med" len="med"/>
+                    </a:lnB>
+                    <a:lnTlToBr w="12700" cmpd="sng">
+                      <a:noFill/>
+                      <a:prstDash val="solid"/>
+                    </a:lnTlToBr>
+                    <a:lnBlToTr w="12700" cmpd="sng">
+                      <a:noFill/>
+                      <a:prstDash val="solid"/>
+                    </a:lnBlToTr>
+                  </a:tcPr>
+                </a:tc>
+              </a:tr>
+            </a:tbl>
+          </a:graphicData>
+        </a:graphic>
+      </p:graphicFrame>
     </p:spTree>
     <p:extLst>
       <p:ext uri="{BB962C8B-B14F-4D97-AF65-F5344CB8AC3E}">
-        <p14:creationId xmlns:p14="http://schemas.microsoft.com/office/powerpoint/2010/main" val="2503303019"/>
+        <p14:creationId xmlns:p14="http://schemas.microsoft.com/office/powerpoint/2010/main" val="1914467712"/>
       </p:ext>
     </p:extLst>
   </p:cSld>
@@ -28105,8 +31264,8 @@
         </p:nvSpPr>
         <p:spPr>
           <a:xfrm>
-            <a:off x="251520" y="116632"/>
-            <a:ext cx="8640960" cy="3631763"/>
+            <a:off x="251520" y="188640"/>
+            <a:ext cx="8640960" cy="1138773"/>
           </a:xfrm>
           <a:prstGeom prst="rect">
             <a:avLst/>
@@ -28125,7 +31284,15 @@
                   <a:schemeClr val="bg1"/>
                 </a:solidFill>
               </a:rPr>
-              <a:t>.NET Framework</a:t>
+              <a:t>.NET Framework. Side-by-side </a:t>
+            </a:r>
+            <a:r>
+              <a:rPr lang="ru-RU" sz="3200" dirty="0" smtClean="0">
+                <a:solidFill>
+                  <a:schemeClr val="bg1"/>
+                </a:solidFill>
+              </a:rPr>
+              <a:t>совместимость</a:t>
             </a:r>
             <a:endParaRPr lang="ru-RU" sz="3200" dirty="0" smtClean="0">
               <a:solidFill>
@@ -28142,259 +31309,6 @@
             </a:endParaRPr>
           </a:p>
           <a:p>
-            <a:pPr marL="285750" indent="-285750">
-              <a:buFont typeface="Arial" pitchFamily="34" charset="0"/>
-              <a:buChar char="•"/>
-            </a:pPr>
-            <a:r>
-              <a:rPr lang="en-US" dirty="0" smtClean="0">
-                <a:solidFill>
-                  <a:schemeClr val="bg1"/>
-                </a:solidFill>
-              </a:rPr>
-              <a:t>CLR – Common Language Runtime – </a:t>
-            </a:r>
-            <a:r>
-              <a:rPr lang="ru-RU" dirty="0" smtClean="0">
-                <a:solidFill>
-                  <a:schemeClr val="bg1"/>
-                </a:solidFill>
-              </a:rPr>
-              <a:t>Общеязыковая исполняющая среда</a:t>
-            </a:r>
-          </a:p>
-          <a:p>
-            <a:pPr marL="742950" lvl="1" indent="-285750">
-              <a:buFont typeface="Arial" pitchFamily="34" charset="0"/>
-              <a:buChar char="•"/>
-            </a:pPr>
-            <a:r>
-              <a:rPr lang="en-US" dirty="0">
-                <a:solidFill>
-                  <a:schemeClr val="bg1"/>
-                </a:solidFill>
-              </a:rPr>
-              <a:t>C++/CLI, C#, Visual Basic .NET, F#, Iron Python, Iron Ruby, and an Intermediate Language (IL) </a:t>
-            </a:r>
-            <a:r>
-              <a:rPr lang="en-US" dirty="0" smtClean="0">
-                <a:solidFill>
-                  <a:schemeClr val="bg1"/>
-                </a:solidFill>
-              </a:rPr>
-              <a:t>Assembler</a:t>
-            </a:r>
-            <a:endParaRPr lang="ru-RU" dirty="0" smtClean="0">
-              <a:solidFill>
-                <a:schemeClr val="bg1"/>
-              </a:solidFill>
-            </a:endParaRPr>
-          </a:p>
-          <a:p>
-            <a:pPr marL="742950" lvl="1" indent="-285750">
-              <a:buFont typeface="Arial" pitchFamily="34" charset="0"/>
-              <a:buChar char="•"/>
-            </a:pPr>
-            <a:r>
-              <a:rPr lang="ru-RU" dirty="0" smtClean="0">
-                <a:solidFill>
-                  <a:schemeClr val="bg1"/>
-                </a:solidFill>
-              </a:rPr>
-              <a:t>Управляет памятью</a:t>
-            </a:r>
-            <a:r>
-              <a:rPr lang="en-US" dirty="0" smtClean="0">
-                <a:solidFill>
-                  <a:schemeClr val="bg1"/>
-                </a:solidFill>
-              </a:rPr>
-              <a:t>, </a:t>
-            </a:r>
-            <a:r>
-              <a:rPr lang="ru-RU" dirty="0" smtClean="0">
-                <a:solidFill>
-                  <a:schemeClr val="bg1"/>
-                </a:solidFill>
-              </a:rPr>
-              <a:t>потоками</a:t>
-            </a:r>
-            <a:r>
-              <a:rPr lang="en-US" dirty="0" smtClean="0">
-                <a:solidFill>
-                  <a:schemeClr val="bg1"/>
-                </a:solidFill>
-              </a:rPr>
-              <a:t>, </a:t>
-            </a:r>
-            <a:r>
-              <a:rPr lang="ru-RU" dirty="0" smtClean="0">
-                <a:solidFill>
-                  <a:schemeClr val="bg1"/>
-                </a:solidFill>
-              </a:rPr>
-              <a:t>исполнением кода</a:t>
-            </a:r>
-            <a:r>
-              <a:rPr lang="en-US" dirty="0" smtClean="0">
-                <a:solidFill>
-                  <a:schemeClr val="bg1"/>
-                </a:solidFill>
-              </a:rPr>
-              <a:t>, </a:t>
-            </a:r>
-            <a:r>
-              <a:rPr lang="ru-RU" dirty="0" smtClean="0">
-                <a:solidFill>
-                  <a:schemeClr val="bg1"/>
-                </a:solidFill>
-              </a:rPr>
-              <a:t>проверками кода на безопасность</a:t>
-            </a:r>
-            <a:r>
-              <a:rPr lang="en-US" dirty="0" smtClean="0">
-                <a:solidFill>
-                  <a:schemeClr val="bg1"/>
-                </a:solidFill>
-              </a:rPr>
-              <a:t>, JIT-</a:t>
-            </a:r>
-            <a:r>
-              <a:rPr lang="ru-RU" dirty="0" smtClean="0">
-                <a:solidFill>
-                  <a:schemeClr val="bg1"/>
-                </a:solidFill>
-              </a:rPr>
-              <a:t>компиляция</a:t>
-            </a:r>
-            <a:r>
-              <a:rPr lang="en-US" dirty="0" smtClean="0">
-                <a:solidFill>
-                  <a:schemeClr val="bg1"/>
-                </a:solidFill>
-              </a:rPr>
-              <a:t>.</a:t>
-            </a:r>
-            <a:endParaRPr lang="ru-RU" dirty="0" smtClean="0">
-              <a:solidFill>
-                <a:schemeClr val="bg1"/>
-              </a:solidFill>
-            </a:endParaRPr>
-          </a:p>
-          <a:p>
-            <a:pPr marL="285750" indent="-285750">
-              <a:buFont typeface="Arial" pitchFamily="34" charset="0"/>
-              <a:buChar char="•"/>
-            </a:pPr>
-            <a:r>
-              <a:rPr lang="en-US" dirty="0" smtClean="0">
-                <a:solidFill>
-                  <a:schemeClr val="bg1"/>
-                </a:solidFill>
-              </a:rPr>
-              <a:t>Managed/</a:t>
-            </a:r>
-            <a:r>
-              <a:rPr lang="en-US" dirty="0" err="1" smtClean="0">
-                <a:solidFill>
-                  <a:schemeClr val="bg1"/>
-                </a:solidFill>
-              </a:rPr>
-              <a:t>Unmaged</a:t>
-            </a:r>
-            <a:r>
-              <a:rPr lang="en-US" dirty="0" smtClean="0">
-                <a:solidFill>
-                  <a:schemeClr val="bg1"/>
-                </a:solidFill>
-              </a:rPr>
-              <a:t> </a:t>
-            </a:r>
-            <a:r>
-              <a:rPr lang="ru-RU" dirty="0" smtClean="0">
-                <a:solidFill>
-                  <a:schemeClr val="bg1"/>
-                </a:solidFill>
-              </a:rPr>
-              <a:t>– Управляемый/Неуправляемый код</a:t>
-            </a:r>
-          </a:p>
-          <a:p>
-            <a:pPr marL="742950" lvl="1" indent="-285750">
-              <a:buFont typeface="Arial" pitchFamily="34" charset="0"/>
-              <a:buChar char="•"/>
-            </a:pPr>
-            <a:r>
-              <a:rPr lang="ru-RU" dirty="0" smtClean="0">
-                <a:solidFill>
-                  <a:schemeClr val="bg1"/>
-                </a:solidFill>
-              </a:rPr>
-              <a:t>Код предназначенный для исполнения из под </a:t>
-            </a:r>
-            <a:r>
-              <a:rPr lang="en-US" dirty="0" smtClean="0">
-                <a:solidFill>
-                  <a:schemeClr val="bg1"/>
-                </a:solidFill>
-              </a:rPr>
-              <a:t>CLR</a:t>
-            </a:r>
-            <a:r>
-              <a:rPr lang="ru-RU" dirty="0">
-                <a:solidFill>
-                  <a:schemeClr val="bg1"/>
-                </a:solidFill>
-              </a:rPr>
-              <a:t> </a:t>
-            </a:r>
-            <a:r>
-              <a:rPr lang="ru-RU" dirty="0" smtClean="0">
-                <a:solidFill>
-                  <a:schemeClr val="bg1"/>
-                </a:solidFill>
-              </a:rPr>
-              <a:t>является управляемым</a:t>
-            </a:r>
-          </a:p>
-          <a:p>
-            <a:pPr marL="285750" indent="-285750">
-              <a:buFont typeface="Arial" pitchFamily="34" charset="0"/>
-              <a:buChar char="•"/>
-            </a:pPr>
-            <a:r>
-              <a:rPr lang="en-US" dirty="0" smtClean="0">
-                <a:solidFill>
-                  <a:schemeClr val="bg1"/>
-                </a:solidFill>
-              </a:rPr>
-              <a:t>GC – Garbage collector – </a:t>
-            </a:r>
-            <a:r>
-              <a:rPr lang="ru-RU" dirty="0" smtClean="0">
-                <a:solidFill>
-                  <a:schemeClr val="bg1"/>
-                </a:solidFill>
-              </a:rPr>
-              <a:t>Сборщик мусора.</a:t>
-            </a:r>
-          </a:p>
-          <a:p>
-            <a:pPr marL="285750" indent="-285750">
-              <a:buFont typeface="Arial" pitchFamily="34" charset="0"/>
-              <a:buChar char="•"/>
-            </a:pPr>
-            <a:endParaRPr lang="ru-RU" dirty="0" smtClean="0">
-              <a:solidFill>
-                <a:schemeClr val="bg1"/>
-              </a:solidFill>
-            </a:endParaRPr>
-          </a:p>
-          <a:p>
-            <a:pPr marL="285750" indent="-285750">
-              <a:buFont typeface="Arial" pitchFamily="34" charset="0"/>
-              <a:buChar char="•"/>
-            </a:pPr>
             <a:endParaRPr lang="en-US" dirty="0" smtClean="0">
               <a:solidFill>
                 <a:schemeClr val="bg1"/>
@@ -28403,10 +31317,64 @@
           </a:p>
         </p:txBody>
       </p:sp>
+      <p:pic>
+        <p:nvPicPr>
+          <p:cNvPr id="1026" name="Picture 2" descr="image002"/>
+          <p:cNvPicPr>
+            <a:picLocks noChangeAspect="1" noChangeArrowheads="1"/>
+          </p:cNvPicPr>
+          <p:nvPr/>
+        </p:nvPicPr>
+        <p:blipFill>
+          <a:blip r:embed="rId3">
+            <a:extLst>
+              <a:ext uri="{28A0092B-C50C-407E-A947-70E740481C1C}">
+                <a14:useLocalDpi xmlns:a14="http://schemas.microsoft.com/office/drawing/2010/main" val="0"/>
+              </a:ext>
+            </a:extLst>
+          </a:blip>
+          <a:srcRect/>
+          <a:stretch>
+            <a:fillRect/>
+          </a:stretch>
+        </p:blipFill>
+        <p:spPr bwMode="auto">
+          <a:xfrm>
+            <a:off x="1566863" y="1652588"/>
+            <a:ext cx="6010275" cy="3552825"/>
+          </a:xfrm>
+          <a:prstGeom prst="rect">
+            <a:avLst/>
+          </a:prstGeom>
+          <a:noFill/>
+          <a:ln>
+            <a:noFill/>
+          </a:ln>
+          <a:extLst>
+            <a:ext uri="{909E8E84-426E-40DD-AFC4-6F175D3DCCD1}">
+              <a14:hiddenFill xmlns:a14="http://schemas.microsoft.com/office/drawing/2010/main">
+                <a:solidFill>
+                  <a:srgbClr val="FFFFFF"/>
+                </a:solidFill>
+              </a14:hiddenFill>
+            </a:ext>
+            <a:ext uri="{91240B29-F687-4F45-9708-019B960494DF}">
+              <a14:hiddenLine xmlns:a14="http://schemas.microsoft.com/office/drawing/2010/main" w="9525">
+                <a:solidFill>
+                  <a:srgbClr val="000000"/>
+                </a:solidFill>
+                <a:miter lim="800000"/>
+                <a:headEnd/>
+                <a:tailEnd/>
+              </a14:hiddenLine>
+            </a:ext>
+          </a:extLst>
+        </p:spPr>
+      </p:pic>
     </p:spTree>
     <p:extLst>
       <p:ext uri="{BB962C8B-B14F-4D97-AF65-F5344CB8AC3E}">
-        <p14:creationId xmlns:p14="http://schemas.microsoft.com/office/powerpoint/2010/main" val="1302028225"/>
+        <p14:creationId xmlns:p14="http://schemas.microsoft.com/office/powerpoint/2010/main" val="812983216"/>
       </p:ext>
     </p:extLst>
   </p:cSld>
@@ -28462,8 +31430,8 @@
         </p:nvSpPr>
         <p:spPr>
           <a:xfrm>
-            <a:off x="251520" y="2708920"/>
-            <a:ext cx="8640960" cy="1046440"/>
+            <a:off x="251520" y="188640"/>
+            <a:ext cx="8640960" cy="1138773"/>
           </a:xfrm>
           <a:prstGeom prst="rect">
             <a:avLst/>
@@ -28475,29 +31443,30 @@
           </a:bodyPr>
           <a:lstStyle/>
           <a:p>
-            <a:pPr algn="ctr"/>
-            <a:r>
-              <a:rPr lang="en-US" sz="4400" dirty="0" smtClean="0">
-                <a:solidFill>
-                  <a:schemeClr val="bg1"/>
-                </a:solidFill>
-              </a:rPr>
-              <a:t>Visual Studio - </a:t>
-            </a:r>
-            <a:r>
-              <a:rPr lang="ru-RU" sz="4400" dirty="0" smtClean="0">
-                <a:solidFill>
-                  <a:schemeClr val="bg1"/>
-                </a:solidFill>
-              </a:rPr>
-              <a:t>Демонстрация</a:t>
-            </a:r>
-          </a:p>
-          <a:p>
-            <a:pPr marL="285750" indent="-285750">
-              <a:buFont typeface="Arial" pitchFamily="34" charset="0"/>
-              <a:buChar char="•"/>
-            </a:pPr>
+            <a:pPr lvl="0"/>
+            <a:r>
+              <a:rPr lang="en-US" sz="3200" dirty="0" smtClean="0">
+                <a:solidFill>
+                  <a:schemeClr val="bg1"/>
+                </a:solidFill>
+              </a:rPr>
+              <a:t>.NET Framework</a:t>
+            </a:r>
+            <a:endParaRPr lang="ru-RU" sz="3200" dirty="0" smtClean="0">
+              <a:solidFill>
+                <a:schemeClr val="bg1"/>
+              </a:solidFill>
+            </a:endParaRPr>
+          </a:p>
+          <a:p>
+            <a:pPr lvl="0"/>
+            <a:endParaRPr lang="ru-RU" dirty="0" smtClean="0">
+              <a:solidFill>
+                <a:schemeClr val="bg1"/>
+              </a:solidFill>
+            </a:endParaRPr>
+          </a:p>
+          <a:p>
             <a:endParaRPr lang="en-US" dirty="0" smtClean="0">
               <a:solidFill>
                 <a:schemeClr val="bg1"/>
@@ -28506,10 +31475,43 @@
           </a:p>
         </p:txBody>
       </p:sp>
+      <p:pic>
+        <p:nvPicPr>
+          <p:cNvPr id="5" name="Picture 4" descr="http://upload.wikimedia.org/wikipedia/commons/thumb/d/d3/DotNet.svg/513px-DotNet.svg.png"/>
+          <p:cNvPicPr/>
+          <p:nvPr/>
+        </p:nvPicPr>
+        <p:blipFill>
+          <a:blip r:embed="rId3">
+            <a:extLst>
+              <a:ext uri="{28A0092B-C50C-407E-A947-70E740481C1C}">
+                <a14:useLocalDpi xmlns:a14="http://schemas.microsoft.com/office/drawing/2010/main" val="0"/>
+              </a:ext>
+            </a:extLst>
+          </a:blip>
+          <a:srcRect/>
+          <a:stretch>
+            <a:fillRect/>
+          </a:stretch>
+        </p:blipFill>
+        <p:spPr bwMode="auto">
+          <a:xfrm>
+            <a:off x="1979712" y="740983"/>
+            <a:ext cx="4886325" cy="5715000"/>
+          </a:xfrm>
+          <a:prstGeom prst="rect">
+            <a:avLst/>
+          </a:prstGeom>
+          <a:noFill/>
+          <a:ln>
+            <a:noFill/>
+          </a:ln>
+        </p:spPr>
+      </p:pic>
     </p:spTree>
     <p:extLst>
       <p:ext uri="{BB962C8B-B14F-4D97-AF65-F5344CB8AC3E}">
-        <p14:creationId xmlns:p14="http://schemas.microsoft.com/office/powerpoint/2010/main" val="3778786220"/>
+        <p14:creationId xmlns:p14="http://schemas.microsoft.com/office/powerpoint/2010/main" val="2503303019"/>
       </p:ext>
     </p:extLst>
   </p:cSld>

--- a/Presentation/lesson-01.pptx
+++ b/Presentation/lesson-01.pptx
@@ -22,20 +22,21 @@
     <p:sldId id="266" r:id="rId16"/>
     <p:sldId id="279" r:id="rId17"/>
     <p:sldId id="280" r:id="rId18"/>
-    <p:sldId id="267" r:id="rId19"/>
-    <p:sldId id="283" r:id="rId20"/>
-    <p:sldId id="278" r:id="rId21"/>
-    <p:sldId id="268" r:id="rId22"/>
-    <p:sldId id="269" r:id="rId23"/>
-    <p:sldId id="270" r:id="rId24"/>
-    <p:sldId id="271" r:id="rId25"/>
-    <p:sldId id="272" r:id="rId26"/>
-    <p:sldId id="273" r:id="rId27"/>
-    <p:sldId id="274" r:id="rId28"/>
-    <p:sldId id="275" r:id="rId29"/>
-    <p:sldId id="276" r:id="rId30"/>
-    <p:sldId id="277" r:id="rId31"/>
-    <p:sldId id="281" r:id="rId32"/>
+    <p:sldId id="287" r:id="rId19"/>
+    <p:sldId id="267" r:id="rId20"/>
+    <p:sldId id="283" r:id="rId21"/>
+    <p:sldId id="278" r:id="rId22"/>
+    <p:sldId id="268" r:id="rId23"/>
+    <p:sldId id="269" r:id="rId24"/>
+    <p:sldId id="270" r:id="rId25"/>
+    <p:sldId id="271" r:id="rId26"/>
+    <p:sldId id="272" r:id="rId27"/>
+    <p:sldId id="273" r:id="rId28"/>
+    <p:sldId id="274" r:id="rId29"/>
+    <p:sldId id="275" r:id="rId30"/>
+    <p:sldId id="276" r:id="rId31"/>
+    <p:sldId id="277" r:id="rId32"/>
+    <p:sldId id="281" r:id="rId33"/>
   </p:sldIdLst>
   <p:sldSz cx="9144000" cy="6858000" type="screen4x3"/>
   <p:notesSz cx="6858000" cy="9144000"/>
@@ -318,7 +319,7 @@
           <a:p>
             <a:fld id="{8E6E6A2A-E9D3-4A0D-B04A-ABDD367A1E08}" type="datetimeFigureOut">
               <a:rPr lang="ru-RU" smtClean="0"/>
-              <a:t>22.08.2012</a:t>
+              <a:t>24.08.2012</a:t>
             </a:fld>
             <a:endParaRPr lang="ru-RU"/>
           </a:p>
@@ -488,7 +489,7 @@
           <a:p>
             <a:fld id="{8E6E6A2A-E9D3-4A0D-B04A-ABDD367A1E08}" type="datetimeFigureOut">
               <a:rPr lang="ru-RU" smtClean="0"/>
-              <a:t>22.08.2012</a:t>
+              <a:t>24.08.2012</a:t>
             </a:fld>
             <a:endParaRPr lang="ru-RU"/>
           </a:p>
@@ -668,7 +669,7 @@
           <a:p>
             <a:fld id="{8E6E6A2A-E9D3-4A0D-B04A-ABDD367A1E08}" type="datetimeFigureOut">
               <a:rPr lang="ru-RU" smtClean="0"/>
-              <a:t>22.08.2012</a:t>
+              <a:t>24.08.2012</a:t>
             </a:fld>
             <a:endParaRPr lang="ru-RU"/>
           </a:p>
@@ -838,7 +839,7 @@
           <a:p>
             <a:fld id="{8E6E6A2A-E9D3-4A0D-B04A-ABDD367A1E08}" type="datetimeFigureOut">
               <a:rPr lang="ru-RU" smtClean="0"/>
-              <a:t>22.08.2012</a:t>
+              <a:t>24.08.2012</a:t>
             </a:fld>
             <a:endParaRPr lang="ru-RU"/>
           </a:p>
@@ -1084,7 +1085,7 @@
           <a:p>
             <a:fld id="{8E6E6A2A-E9D3-4A0D-B04A-ABDD367A1E08}" type="datetimeFigureOut">
               <a:rPr lang="ru-RU" smtClean="0"/>
-              <a:t>22.08.2012</a:t>
+              <a:t>24.08.2012</a:t>
             </a:fld>
             <a:endParaRPr lang="ru-RU"/>
           </a:p>
@@ -1372,7 +1373,7 @@
           <a:p>
             <a:fld id="{8E6E6A2A-E9D3-4A0D-B04A-ABDD367A1E08}" type="datetimeFigureOut">
               <a:rPr lang="ru-RU" smtClean="0"/>
-              <a:t>22.08.2012</a:t>
+              <a:t>24.08.2012</a:t>
             </a:fld>
             <a:endParaRPr lang="ru-RU"/>
           </a:p>
@@ -1794,7 +1795,7 @@
           <a:p>
             <a:fld id="{8E6E6A2A-E9D3-4A0D-B04A-ABDD367A1E08}" type="datetimeFigureOut">
               <a:rPr lang="ru-RU" smtClean="0"/>
-              <a:t>22.08.2012</a:t>
+              <a:t>24.08.2012</a:t>
             </a:fld>
             <a:endParaRPr lang="ru-RU"/>
           </a:p>
@@ -1912,7 +1913,7 @@
           <a:p>
             <a:fld id="{8E6E6A2A-E9D3-4A0D-B04A-ABDD367A1E08}" type="datetimeFigureOut">
               <a:rPr lang="ru-RU" smtClean="0"/>
-              <a:t>22.08.2012</a:t>
+              <a:t>24.08.2012</a:t>
             </a:fld>
             <a:endParaRPr lang="ru-RU"/>
           </a:p>
@@ -2007,7 +2008,7 @@
           <a:p>
             <a:fld id="{8E6E6A2A-E9D3-4A0D-B04A-ABDD367A1E08}" type="datetimeFigureOut">
               <a:rPr lang="ru-RU" smtClean="0"/>
-              <a:t>22.08.2012</a:t>
+              <a:t>24.08.2012</a:t>
             </a:fld>
             <a:endParaRPr lang="ru-RU"/>
           </a:p>
@@ -2284,7 +2285,7 @@
           <a:p>
             <a:fld id="{8E6E6A2A-E9D3-4A0D-B04A-ABDD367A1E08}" type="datetimeFigureOut">
               <a:rPr lang="ru-RU" smtClean="0"/>
-              <a:t>22.08.2012</a:t>
+              <a:t>24.08.2012</a:t>
             </a:fld>
             <a:endParaRPr lang="ru-RU"/>
           </a:p>
@@ -2537,7 +2538,7 @@
           <a:p>
             <a:fld id="{8E6E6A2A-E9D3-4A0D-B04A-ABDD367A1E08}" type="datetimeFigureOut">
               <a:rPr lang="ru-RU" smtClean="0"/>
-              <a:t>22.08.2012</a:t>
+              <a:t>24.08.2012</a:t>
             </a:fld>
             <a:endParaRPr lang="ru-RU"/>
           </a:p>
@@ -2750,7 +2751,7 @@
           <a:p>
             <a:fld id="{8E6E6A2A-E9D3-4A0D-B04A-ABDD367A1E08}" type="datetimeFigureOut">
               <a:rPr lang="ru-RU" smtClean="0"/>
-              <a:t>22.08.2012</a:t>
+              <a:t>24.08.2012</a:t>
             </a:fld>
             <a:endParaRPr lang="ru-RU"/>
           </a:p>
@@ -7765,6 +7766,136 @@
           <a:chExt cx="0" cy="0"/>
         </a:xfrm>
       </p:grpSpPr>
+      <p:sp>
+        <p:nvSpPr>
+          <p:cNvPr id="21506" name="Прямоугольник 6"/>
+          <p:cNvSpPr>
+            <a:spLocks noChangeArrowheads="1"/>
+          </p:cNvSpPr>
+          <p:nvPr/>
+        </p:nvSpPr>
+        <p:spPr bwMode="auto">
+          <a:xfrm>
+            <a:off x="685800" y="71438"/>
+            <a:ext cx="7924800" cy="461962"/>
+          </a:xfrm>
+          <a:prstGeom prst="rect">
+            <a:avLst/>
+          </a:prstGeom>
+          <a:noFill/>
+          <a:ln>
+            <a:noFill/>
+          </a:ln>
+          <a:extLst>
+            <a:ext uri="{909E8E84-426E-40DD-AFC4-6F175D3DCCD1}">
+              <a14:hiddenFill xmlns:a14="http://schemas.microsoft.com/office/drawing/2010/main">
+                <a:solidFill>
+                  <a:srgbClr val="FFFFFF"/>
+                </a:solidFill>
+              </a14:hiddenFill>
+            </a:ext>
+            <a:ext uri="{91240B29-F687-4F45-9708-019B960494DF}">
+              <a14:hiddenLine xmlns:a14="http://schemas.microsoft.com/office/drawing/2010/main" w="9525">
+                <a:solidFill>
+                  <a:srgbClr val="000000"/>
+                </a:solidFill>
+                <a:miter lim="800000"/>
+                <a:headEnd/>
+                <a:tailEnd/>
+              </a14:hiddenLine>
+            </a:ext>
+          </a:extLst>
+        </p:spPr>
+        <p:txBody>
+          <a:bodyPr>
+            <a:spAutoFit/>
+          </a:bodyPr>
+          <a:lstStyle/>
+          <a:p>
+            <a:pPr algn="ctr" eaLnBrk="0" hangingPunct="0">
+              <a:tabLst>
+                <a:tab pos="457200" algn="l"/>
+              </a:tabLst>
+            </a:pPr>
+            <a:r>
+              <a:rPr lang="en-US" sz="2400" dirty="0" err="1" smtClean="0">
+                <a:solidFill>
+                  <a:schemeClr val="bg1"/>
+                </a:solidFill>
+                <a:cs typeface="Times New Roman" pitchFamily="18" charset="0"/>
+              </a:rPr>
+              <a:t>Nullable</a:t>
+            </a:r>
+            <a:r>
+              <a:rPr lang="en-US" sz="2400" dirty="0" smtClean="0">
+                <a:solidFill>
+                  <a:schemeClr val="bg1"/>
+                </a:solidFill>
+                <a:cs typeface="Times New Roman" pitchFamily="18" charset="0"/>
+              </a:rPr>
+              <a:t>-</a:t>
+            </a:r>
+            <a:r>
+              <a:rPr lang="ru-RU" sz="2400" dirty="0" smtClean="0">
+                <a:solidFill>
+                  <a:schemeClr val="bg1"/>
+                </a:solidFill>
+                <a:cs typeface="Times New Roman" pitchFamily="18" charset="0"/>
+              </a:rPr>
+              <a:t>типы данных</a:t>
+            </a:r>
+            <a:endParaRPr lang="ru-RU" sz="2400" dirty="0">
+              <a:solidFill>
+                <a:schemeClr val="bg1"/>
+              </a:solidFill>
+            </a:endParaRPr>
+          </a:p>
+        </p:txBody>
+      </p:sp>
+    </p:spTree>
+    <p:extLst>
+      <p:ext uri="{BB962C8B-B14F-4D97-AF65-F5344CB8AC3E}">
+        <p14:creationId xmlns:p14="http://schemas.microsoft.com/office/powerpoint/2010/main" val="278172693"/>
+      </p:ext>
+    </p:extLst>
+  </p:cSld>
+  <p:clrMapOvr>
+    <a:masterClrMapping/>
+  </p:clrMapOvr>
+</p:sld>
+</file>
+
+<file path=ppt/slides/slide19.xml><?xml version="1.0" encoding="utf-8"?>
+<p:sld xmlns:a="http://schemas.openxmlformats.org/drawingml/2006/main" xmlns:r="http://schemas.openxmlformats.org/officeDocument/2006/relationships" xmlns:p="http://schemas.openxmlformats.org/presentationml/2006/main">
+  <p:cSld>
+    <p:bg>
+      <p:bgPr>
+        <a:blipFill dpi="0" rotWithShape="1">
+          <a:blip r:embed="rId2">
+            <a:lum/>
+          </a:blip>
+          <a:srcRect/>
+          <a:stretch>
+            <a:fillRect/>
+          </a:stretch>
+        </a:blipFill>
+        <a:effectLst/>
+      </p:bgPr>
+    </p:bg>
+    <p:spTree>
+      <p:nvGrpSpPr>
+        <p:cNvPr id="1" name=""/>
+        <p:cNvGrpSpPr/>
+        <p:nvPr/>
+      </p:nvGrpSpPr>
+      <p:grpSpPr>
+        <a:xfrm>
+          <a:off x="0" y="0"/>
+          <a:ext cx="0" cy="0"/>
+          <a:chOff x="0" y="0"/>
+          <a:chExt cx="0" cy="0"/>
+        </a:xfrm>
+      </p:grpSpPr>
       <p:graphicFrame>
         <p:nvGraphicFramePr>
           <p:cNvPr id="3" name="Table 2"/>
@@ -12504,7 +12635,438 @@
 </p:sld>
 </file>
 
-<file path=ppt/slides/slide19.xml><?xml version="1.0" encoding="utf-8"?>
+<file path=ppt/slides/slide2.xml><?xml version="1.0" encoding="utf-8"?>
+<p:sld xmlns:a="http://schemas.openxmlformats.org/drawingml/2006/main" xmlns:r="http://schemas.openxmlformats.org/officeDocument/2006/relationships" xmlns:p="http://schemas.openxmlformats.org/presentationml/2006/main">
+  <p:cSld>
+    <p:bg>
+      <p:bgPr>
+        <a:blipFill dpi="0" rotWithShape="1">
+          <a:blip r:embed="rId2">
+            <a:lum/>
+          </a:blip>
+          <a:srcRect/>
+          <a:stretch>
+            <a:fillRect/>
+          </a:stretch>
+        </a:blipFill>
+        <a:effectLst/>
+      </p:bgPr>
+    </p:bg>
+    <p:spTree>
+      <p:nvGrpSpPr>
+        <p:cNvPr id="1" name=""/>
+        <p:cNvGrpSpPr/>
+        <p:nvPr/>
+      </p:nvGrpSpPr>
+      <p:grpSpPr>
+        <a:xfrm>
+          <a:off x="0" y="0"/>
+          <a:ext cx="0" cy="0"/>
+          <a:chOff x="0" y="0"/>
+          <a:chExt cx="0" cy="0"/>
+        </a:xfrm>
+      </p:grpSpPr>
+      <p:sp>
+        <p:nvSpPr>
+          <p:cNvPr id="3" name="Rectangle 2"/>
+          <p:cNvSpPr/>
+          <p:nvPr/>
+        </p:nvSpPr>
+        <p:spPr>
+          <a:xfrm>
+            <a:off x="251520" y="188640"/>
+            <a:ext cx="8640960" cy="4739759"/>
+          </a:xfrm>
+          <a:prstGeom prst="rect">
+            <a:avLst/>
+          </a:prstGeom>
+        </p:spPr>
+        <p:txBody>
+          <a:bodyPr wrap="square">
+            <a:spAutoFit/>
+          </a:bodyPr>
+          <a:lstStyle/>
+          <a:p>
+            <a:pPr lvl="0"/>
+            <a:r>
+              <a:rPr lang="ru-RU" sz="3200" dirty="0" smtClean="0">
+                <a:solidFill>
+                  <a:schemeClr val="bg1"/>
+                </a:solidFill>
+              </a:rPr>
+              <a:t>Литература</a:t>
+            </a:r>
+          </a:p>
+          <a:p>
+            <a:pPr lvl="0"/>
+            <a:endParaRPr lang="en-US" dirty="0" smtClean="0">
+              <a:solidFill>
+                <a:schemeClr val="bg1"/>
+              </a:solidFill>
+            </a:endParaRPr>
+          </a:p>
+          <a:p>
+            <a:pPr marL="285750" lvl="0" indent="-285750">
+              <a:buFont typeface="Arial" pitchFamily="34" charset="0"/>
+              <a:buChar char="•"/>
+            </a:pPr>
+            <a:r>
+              <a:rPr lang="ru-RU" dirty="0" smtClean="0">
+                <a:solidFill>
+                  <a:schemeClr val="bg1"/>
+                </a:solidFill>
+              </a:rPr>
+              <a:t>CLR </a:t>
+            </a:r>
+            <a:r>
+              <a:rPr lang="ru-RU" dirty="0">
+                <a:solidFill>
+                  <a:schemeClr val="bg1"/>
+                </a:solidFill>
+              </a:rPr>
+              <a:t>via C#. Программирование на платформе Microsoft .NET Framework 4.0 на языке C# (CLR via C#, Third Edition)</a:t>
+            </a:r>
+            <a:br>
+              <a:rPr lang="ru-RU" dirty="0">
+                <a:solidFill>
+                  <a:schemeClr val="bg1"/>
+                </a:solidFill>
+              </a:rPr>
+            </a:br>
+            <a:r>
+              <a:rPr lang="ru-RU" dirty="0">
+                <a:solidFill>
+                  <a:schemeClr val="bg1"/>
+                </a:solidFill>
+              </a:rPr>
+              <a:t>Джеффри Рихтер (Jeffrey Richter)</a:t>
+            </a:r>
+            <a:br>
+              <a:rPr lang="ru-RU" dirty="0">
+                <a:solidFill>
+                  <a:schemeClr val="bg1"/>
+                </a:solidFill>
+              </a:rPr>
+            </a:br>
+            <a:r>
+              <a:rPr lang="ru-RU" u="sng" dirty="0">
+                <a:solidFill>
+                  <a:schemeClr val="bg1"/>
+                </a:solidFill>
+              </a:rPr>
+              <a:t>http://</a:t>
+            </a:r>
+            <a:r>
+              <a:rPr lang="ru-RU" u="sng" dirty="0" smtClean="0">
+                <a:solidFill>
+                  <a:schemeClr val="bg1"/>
+                </a:solidFill>
+              </a:rPr>
+              <a:t>oz.by/books/more1028671.html</a:t>
+            </a:r>
+            <a:r>
+              <a:rPr lang="ru-RU" dirty="0">
+                <a:solidFill>
+                  <a:schemeClr val="bg1"/>
+                </a:solidFill>
+              </a:rPr>
+              <a:t/>
+            </a:r>
+            <a:br>
+              <a:rPr lang="ru-RU" dirty="0">
+                <a:solidFill>
+                  <a:schemeClr val="bg1"/>
+                </a:solidFill>
+              </a:rPr>
+            </a:br>
+            <a:r>
+              <a:rPr lang="ru-RU" u="sng" dirty="0">
+                <a:solidFill>
+                  <a:schemeClr val="bg1"/>
+                </a:solidFill>
+                <a:hlinkClick r:id="rId3"/>
+              </a:rPr>
+              <a:t>http</a:t>
+            </a:r>
+            <a:r>
+              <a:rPr lang="ru-RU" u="sng">
+                <a:solidFill>
+                  <a:schemeClr val="bg1"/>
+                </a:solidFill>
+                <a:hlinkClick r:id="rId3"/>
+              </a:rPr>
+              <a:t>://</a:t>
+            </a:r>
+            <a:r>
+              <a:rPr lang="ru-RU" u="sng" smtClean="0">
+                <a:solidFill>
+                  <a:schemeClr val="bg1"/>
+                </a:solidFill>
+                <a:hlinkClick r:id="rId3"/>
+              </a:rPr>
+              <a:t>www.microsoft.com/learning/en/us/book.aspx?ID=13874&amp;Locale=en-us</a:t>
+            </a:r>
+            <a:r>
+              <a:rPr lang="ru-RU" u="sng" dirty="0" smtClean="0">
+                <a:solidFill>
+                  <a:schemeClr val="bg1"/>
+                </a:solidFill>
+              </a:rPr>
+              <a:t/>
+            </a:r>
+            <a:br>
+              <a:rPr lang="ru-RU" u="sng" dirty="0" smtClean="0">
+                <a:solidFill>
+                  <a:schemeClr val="bg1"/>
+                </a:solidFill>
+              </a:rPr>
+            </a:br>
+            <a:endParaRPr lang="ru-RU" u="sng" dirty="0" smtClean="0">
+              <a:solidFill>
+                <a:schemeClr val="bg1"/>
+              </a:solidFill>
+            </a:endParaRPr>
+          </a:p>
+          <a:p>
+            <a:pPr marL="285750" lvl="0" indent="-285750">
+              <a:buFont typeface="Arial" pitchFamily="34" charset="0"/>
+              <a:buChar char="•"/>
+            </a:pPr>
+            <a:r>
+              <a:rPr lang="ru-RU" dirty="0" smtClean="0">
+                <a:solidFill>
+                  <a:schemeClr val="bg1"/>
+                </a:solidFill>
+              </a:rPr>
+              <a:t>Язык </a:t>
+            </a:r>
+            <a:r>
+              <a:rPr lang="ru-RU" dirty="0">
+                <a:solidFill>
+                  <a:schemeClr val="bg1"/>
+                </a:solidFill>
+              </a:rPr>
+              <a:t>программирования C# 2010 и платформа .NET </a:t>
+            </a:r>
+            <a:r>
+              <a:rPr lang="ru-RU" dirty="0" smtClean="0">
+                <a:solidFill>
+                  <a:schemeClr val="bg1"/>
+                </a:solidFill>
+              </a:rPr>
+              <a:t>4.0</a:t>
+            </a:r>
+            <a:br>
+              <a:rPr lang="ru-RU" dirty="0" smtClean="0">
+                <a:solidFill>
+                  <a:schemeClr val="bg1"/>
+                </a:solidFill>
+              </a:rPr>
+            </a:br>
+            <a:r>
+              <a:rPr lang="ru-RU" dirty="0" smtClean="0">
+                <a:solidFill>
+                  <a:schemeClr val="bg1"/>
+                </a:solidFill>
+              </a:rPr>
+              <a:t>Эндрю </a:t>
+            </a:r>
+            <a:r>
+              <a:rPr lang="ru-RU" dirty="0">
+                <a:solidFill>
+                  <a:schemeClr val="bg1"/>
+                </a:solidFill>
+              </a:rPr>
+              <a:t>Троелсен (Andrew </a:t>
+            </a:r>
+            <a:r>
+              <a:rPr lang="ru-RU" dirty="0" smtClean="0">
+                <a:solidFill>
+                  <a:schemeClr val="bg1"/>
+                </a:solidFill>
+              </a:rPr>
+              <a:t>Troelsen)</a:t>
+            </a:r>
+            <a:br>
+              <a:rPr lang="ru-RU" dirty="0" smtClean="0">
+                <a:solidFill>
+                  <a:schemeClr val="bg1"/>
+                </a:solidFill>
+              </a:rPr>
+            </a:br>
+            <a:r>
+              <a:rPr lang="ru-RU" u="sng" dirty="0" smtClean="0">
+                <a:solidFill>
+                  <a:schemeClr val="bg1"/>
+                </a:solidFill>
+              </a:rPr>
+              <a:t>http</a:t>
+            </a:r>
+            <a:r>
+              <a:rPr lang="ru-RU" u="sng" dirty="0">
+                <a:solidFill>
+                  <a:schemeClr val="bg1"/>
+                </a:solidFill>
+              </a:rPr>
+              <a:t>://oz.by/books/more10158206.html</a:t>
+            </a:r>
+            <a:r>
+              <a:rPr lang="ru-RU" dirty="0">
+                <a:solidFill>
+                  <a:schemeClr val="bg1"/>
+                </a:solidFill>
+              </a:rPr>
+              <a:t/>
+            </a:r>
+            <a:br>
+              <a:rPr lang="ru-RU" dirty="0">
+                <a:solidFill>
+                  <a:schemeClr val="bg1"/>
+                </a:solidFill>
+              </a:rPr>
+            </a:br>
+            <a:r>
+              <a:rPr lang="ru-RU" u="sng" dirty="0">
+                <a:solidFill>
+                  <a:schemeClr val="bg1"/>
+                </a:solidFill>
+              </a:rPr>
+              <a:t>http://</a:t>
+            </a:r>
+            <a:r>
+              <a:rPr lang="ru-RU" u="sng" dirty="0" smtClean="0">
+                <a:solidFill>
+                  <a:schemeClr val="bg1"/>
+                </a:solidFill>
+              </a:rPr>
+              <a:t>www.apress.com/9781430225492</a:t>
+            </a:r>
+            <a:br>
+              <a:rPr lang="ru-RU" u="sng" dirty="0" smtClean="0">
+                <a:solidFill>
+                  <a:schemeClr val="bg1"/>
+                </a:solidFill>
+              </a:rPr>
+            </a:br>
+            <a:endParaRPr lang="ru-RU" u="sng" dirty="0" smtClean="0">
+              <a:solidFill>
+                <a:schemeClr val="bg1"/>
+              </a:solidFill>
+            </a:endParaRPr>
+          </a:p>
+          <a:p>
+            <a:pPr marL="285750" lvl="0" indent="-285750">
+              <a:buFont typeface="Arial" pitchFamily="34" charset="0"/>
+              <a:buChar char="•"/>
+            </a:pPr>
+            <a:r>
+              <a:rPr lang="en-US" dirty="0" smtClean="0">
+                <a:solidFill>
+                  <a:schemeClr val="bg1"/>
+                </a:solidFill>
+              </a:rPr>
+              <a:t>C</a:t>
+            </a:r>
+            <a:r>
+              <a:rPr lang="en-US" dirty="0">
+                <a:solidFill>
+                  <a:schemeClr val="bg1"/>
+                </a:solidFill>
+              </a:rPr>
+              <a:t># Language </a:t>
+            </a:r>
+            <a:r>
+              <a:rPr lang="en-US" dirty="0" smtClean="0">
+                <a:solidFill>
+                  <a:schemeClr val="bg1"/>
+                </a:solidFill>
+              </a:rPr>
+              <a:t>Specification</a:t>
+            </a:r>
+            <a:r>
+              <a:rPr lang="ru-RU" dirty="0" smtClean="0">
+                <a:solidFill>
+                  <a:schemeClr val="bg1"/>
+                </a:solidFill>
+              </a:rPr>
+              <a:t/>
+            </a:r>
+            <a:br>
+              <a:rPr lang="ru-RU" dirty="0" smtClean="0">
+                <a:solidFill>
+                  <a:schemeClr val="bg1"/>
+                </a:solidFill>
+              </a:rPr>
+            </a:br>
+            <a:r>
+              <a:rPr lang="en-US" dirty="0" smtClean="0">
+                <a:solidFill>
+                  <a:schemeClr val="bg1"/>
+                </a:solidFill>
+              </a:rPr>
+              <a:t>"C</a:t>
+            </a:r>
+            <a:r>
+              <a:rPr lang="en-US" dirty="0">
+                <a:solidFill>
+                  <a:schemeClr val="bg1"/>
+                </a:solidFill>
+              </a:rPr>
+              <a:t>:\Program Files (x86)\Microsoft Visual Studio 11.0\VC#\Specifications\1033\ </a:t>
+            </a:r>
+            <a:r>
+              <a:rPr lang="en-US" dirty="0" err="1">
+                <a:solidFill>
+                  <a:schemeClr val="bg1"/>
+                </a:solidFill>
+              </a:rPr>
+              <a:t>CSharp</a:t>
+            </a:r>
+            <a:r>
+              <a:rPr lang="en-US" dirty="0">
+                <a:solidFill>
+                  <a:schemeClr val="bg1"/>
+                </a:solidFill>
+              </a:rPr>
+              <a:t> Language Specification.doc </a:t>
+            </a:r>
+            <a:r>
+              <a:rPr lang="en-US" dirty="0" smtClean="0">
+                <a:solidFill>
+                  <a:schemeClr val="bg1"/>
+                </a:solidFill>
+              </a:rPr>
+              <a:t>"</a:t>
+            </a:r>
+            <a:endParaRPr lang="en-US" dirty="0">
+              <a:solidFill>
+                <a:schemeClr val="bg1"/>
+              </a:solidFill>
+            </a:endParaRPr>
+          </a:p>
+        </p:txBody>
+      </p:sp>
+    </p:spTree>
+    <p:extLst>
+      <p:ext uri="{BB962C8B-B14F-4D97-AF65-F5344CB8AC3E}">
+        <p14:creationId xmlns:p14="http://schemas.microsoft.com/office/powerpoint/2010/main" val="3145694776"/>
+      </p:ext>
+    </p:extLst>
+  </p:cSld>
+  <p:clrMapOvr>
+    <a:masterClrMapping/>
+  </p:clrMapOvr>
+  <p:timing>
+    <p:tnLst>
+      <p:par>
+        <p:cTn id="1" dur="indefinite" restart="never" nodeType="tmRoot"/>
+      </p:par>
+    </p:tnLst>
+  </p:timing>
+</p:sld>
+</file>
+
+<file path=ppt/slides/slide20.xml><?xml version="1.0" encoding="utf-8"?>
 <p:sld xmlns:a="http://schemas.openxmlformats.org/drawingml/2006/main" xmlns:r="http://schemas.openxmlformats.org/officeDocument/2006/relationships" xmlns:p="http://schemas.openxmlformats.org/presentationml/2006/main">
   <p:cSld>
     <p:bg>
@@ -13090,438 +13652,7 @@
 </p:sld>
 </file>
 
-<file path=ppt/slides/slide2.xml><?xml version="1.0" encoding="utf-8"?>
-<p:sld xmlns:a="http://schemas.openxmlformats.org/drawingml/2006/main" xmlns:r="http://schemas.openxmlformats.org/officeDocument/2006/relationships" xmlns:p="http://schemas.openxmlformats.org/presentationml/2006/main">
-  <p:cSld>
-    <p:bg>
-      <p:bgPr>
-        <a:blipFill dpi="0" rotWithShape="1">
-          <a:blip r:embed="rId2">
-            <a:lum/>
-          </a:blip>
-          <a:srcRect/>
-          <a:stretch>
-            <a:fillRect/>
-          </a:stretch>
-        </a:blipFill>
-        <a:effectLst/>
-      </p:bgPr>
-    </p:bg>
-    <p:spTree>
-      <p:nvGrpSpPr>
-        <p:cNvPr id="1" name=""/>
-        <p:cNvGrpSpPr/>
-        <p:nvPr/>
-      </p:nvGrpSpPr>
-      <p:grpSpPr>
-        <a:xfrm>
-          <a:off x="0" y="0"/>
-          <a:ext cx="0" cy="0"/>
-          <a:chOff x="0" y="0"/>
-          <a:chExt cx="0" cy="0"/>
-        </a:xfrm>
-      </p:grpSpPr>
-      <p:sp>
-        <p:nvSpPr>
-          <p:cNvPr id="3" name="Rectangle 2"/>
-          <p:cNvSpPr/>
-          <p:nvPr/>
-        </p:nvSpPr>
-        <p:spPr>
-          <a:xfrm>
-            <a:off x="251520" y="188640"/>
-            <a:ext cx="8640960" cy="4739759"/>
-          </a:xfrm>
-          <a:prstGeom prst="rect">
-            <a:avLst/>
-          </a:prstGeom>
-        </p:spPr>
-        <p:txBody>
-          <a:bodyPr wrap="square">
-            <a:spAutoFit/>
-          </a:bodyPr>
-          <a:lstStyle/>
-          <a:p>
-            <a:pPr lvl="0"/>
-            <a:r>
-              <a:rPr lang="ru-RU" sz="3200" dirty="0" smtClean="0">
-                <a:solidFill>
-                  <a:schemeClr val="bg1"/>
-                </a:solidFill>
-              </a:rPr>
-              <a:t>Литература</a:t>
-            </a:r>
-          </a:p>
-          <a:p>
-            <a:pPr lvl="0"/>
-            <a:endParaRPr lang="en-US" dirty="0" smtClean="0">
-              <a:solidFill>
-                <a:schemeClr val="bg1"/>
-              </a:solidFill>
-            </a:endParaRPr>
-          </a:p>
-          <a:p>
-            <a:pPr marL="285750" lvl="0" indent="-285750">
-              <a:buFont typeface="Arial" pitchFamily="34" charset="0"/>
-              <a:buChar char="•"/>
-            </a:pPr>
-            <a:r>
-              <a:rPr lang="ru-RU" dirty="0" smtClean="0">
-                <a:solidFill>
-                  <a:schemeClr val="bg1"/>
-                </a:solidFill>
-              </a:rPr>
-              <a:t>CLR </a:t>
-            </a:r>
-            <a:r>
-              <a:rPr lang="ru-RU" dirty="0">
-                <a:solidFill>
-                  <a:schemeClr val="bg1"/>
-                </a:solidFill>
-              </a:rPr>
-              <a:t>via C#. Программирование на платформе Microsoft .NET Framework 4.0 на языке C# (CLR via C#, Third Edition)</a:t>
-            </a:r>
-            <a:br>
-              <a:rPr lang="ru-RU" dirty="0">
-                <a:solidFill>
-                  <a:schemeClr val="bg1"/>
-                </a:solidFill>
-              </a:rPr>
-            </a:br>
-            <a:r>
-              <a:rPr lang="ru-RU" dirty="0">
-                <a:solidFill>
-                  <a:schemeClr val="bg1"/>
-                </a:solidFill>
-              </a:rPr>
-              <a:t>Джеффри Рихтер (Jeffrey Richter)</a:t>
-            </a:r>
-            <a:br>
-              <a:rPr lang="ru-RU" dirty="0">
-                <a:solidFill>
-                  <a:schemeClr val="bg1"/>
-                </a:solidFill>
-              </a:rPr>
-            </a:br>
-            <a:r>
-              <a:rPr lang="ru-RU" u="sng" dirty="0">
-                <a:solidFill>
-                  <a:schemeClr val="bg1"/>
-                </a:solidFill>
-              </a:rPr>
-              <a:t>http://</a:t>
-            </a:r>
-            <a:r>
-              <a:rPr lang="ru-RU" u="sng" dirty="0" smtClean="0">
-                <a:solidFill>
-                  <a:schemeClr val="bg1"/>
-                </a:solidFill>
-              </a:rPr>
-              <a:t>oz.by/books/more1028671.html</a:t>
-            </a:r>
-            <a:r>
-              <a:rPr lang="ru-RU" dirty="0">
-                <a:solidFill>
-                  <a:schemeClr val="bg1"/>
-                </a:solidFill>
-              </a:rPr>
-              <a:t/>
-            </a:r>
-            <a:br>
-              <a:rPr lang="ru-RU" dirty="0">
-                <a:solidFill>
-                  <a:schemeClr val="bg1"/>
-                </a:solidFill>
-              </a:rPr>
-            </a:br>
-            <a:r>
-              <a:rPr lang="ru-RU" u="sng" dirty="0">
-                <a:solidFill>
-                  <a:schemeClr val="bg1"/>
-                </a:solidFill>
-                <a:hlinkClick r:id="rId3"/>
-              </a:rPr>
-              <a:t>http</a:t>
-            </a:r>
-            <a:r>
-              <a:rPr lang="ru-RU" u="sng">
-                <a:solidFill>
-                  <a:schemeClr val="bg1"/>
-                </a:solidFill>
-                <a:hlinkClick r:id="rId3"/>
-              </a:rPr>
-              <a:t>://</a:t>
-            </a:r>
-            <a:r>
-              <a:rPr lang="ru-RU" u="sng" smtClean="0">
-                <a:solidFill>
-                  <a:schemeClr val="bg1"/>
-                </a:solidFill>
-                <a:hlinkClick r:id="rId3"/>
-              </a:rPr>
-              <a:t>www.microsoft.com/learning/en/us/book.aspx?ID=13874&amp;Locale=en-us</a:t>
-            </a:r>
-            <a:r>
-              <a:rPr lang="ru-RU" u="sng" dirty="0" smtClean="0">
-                <a:solidFill>
-                  <a:schemeClr val="bg1"/>
-                </a:solidFill>
-              </a:rPr>
-              <a:t/>
-            </a:r>
-            <a:br>
-              <a:rPr lang="ru-RU" u="sng" dirty="0" smtClean="0">
-                <a:solidFill>
-                  <a:schemeClr val="bg1"/>
-                </a:solidFill>
-              </a:rPr>
-            </a:br>
-            <a:endParaRPr lang="ru-RU" u="sng" dirty="0" smtClean="0">
-              <a:solidFill>
-                <a:schemeClr val="bg1"/>
-              </a:solidFill>
-            </a:endParaRPr>
-          </a:p>
-          <a:p>
-            <a:pPr marL="285750" lvl="0" indent="-285750">
-              <a:buFont typeface="Arial" pitchFamily="34" charset="0"/>
-              <a:buChar char="•"/>
-            </a:pPr>
-            <a:r>
-              <a:rPr lang="ru-RU" dirty="0" smtClean="0">
-                <a:solidFill>
-                  <a:schemeClr val="bg1"/>
-                </a:solidFill>
-              </a:rPr>
-              <a:t>Язык </a:t>
-            </a:r>
-            <a:r>
-              <a:rPr lang="ru-RU" dirty="0">
-                <a:solidFill>
-                  <a:schemeClr val="bg1"/>
-                </a:solidFill>
-              </a:rPr>
-              <a:t>программирования C# 2010 и платформа .NET </a:t>
-            </a:r>
-            <a:r>
-              <a:rPr lang="ru-RU" dirty="0" smtClean="0">
-                <a:solidFill>
-                  <a:schemeClr val="bg1"/>
-                </a:solidFill>
-              </a:rPr>
-              <a:t>4.0</a:t>
-            </a:r>
-            <a:br>
-              <a:rPr lang="ru-RU" dirty="0" smtClean="0">
-                <a:solidFill>
-                  <a:schemeClr val="bg1"/>
-                </a:solidFill>
-              </a:rPr>
-            </a:br>
-            <a:r>
-              <a:rPr lang="ru-RU" dirty="0" smtClean="0">
-                <a:solidFill>
-                  <a:schemeClr val="bg1"/>
-                </a:solidFill>
-              </a:rPr>
-              <a:t>Эндрю </a:t>
-            </a:r>
-            <a:r>
-              <a:rPr lang="ru-RU" dirty="0">
-                <a:solidFill>
-                  <a:schemeClr val="bg1"/>
-                </a:solidFill>
-              </a:rPr>
-              <a:t>Троелсен (Andrew </a:t>
-            </a:r>
-            <a:r>
-              <a:rPr lang="ru-RU" dirty="0" smtClean="0">
-                <a:solidFill>
-                  <a:schemeClr val="bg1"/>
-                </a:solidFill>
-              </a:rPr>
-              <a:t>Troelsen)</a:t>
-            </a:r>
-            <a:br>
-              <a:rPr lang="ru-RU" dirty="0" smtClean="0">
-                <a:solidFill>
-                  <a:schemeClr val="bg1"/>
-                </a:solidFill>
-              </a:rPr>
-            </a:br>
-            <a:r>
-              <a:rPr lang="ru-RU" u="sng" dirty="0" smtClean="0">
-                <a:solidFill>
-                  <a:schemeClr val="bg1"/>
-                </a:solidFill>
-              </a:rPr>
-              <a:t>http</a:t>
-            </a:r>
-            <a:r>
-              <a:rPr lang="ru-RU" u="sng" dirty="0">
-                <a:solidFill>
-                  <a:schemeClr val="bg1"/>
-                </a:solidFill>
-              </a:rPr>
-              <a:t>://oz.by/books/more10158206.html</a:t>
-            </a:r>
-            <a:r>
-              <a:rPr lang="ru-RU" dirty="0">
-                <a:solidFill>
-                  <a:schemeClr val="bg1"/>
-                </a:solidFill>
-              </a:rPr>
-              <a:t/>
-            </a:r>
-            <a:br>
-              <a:rPr lang="ru-RU" dirty="0">
-                <a:solidFill>
-                  <a:schemeClr val="bg1"/>
-                </a:solidFill>
-              </a:rPr>
-            </a:br>
-            <a:r>
-              <a:rPr lang="ru-RU" u="sng" dirty="0">
-                <a:solidFill>
-                  <a:schemeClr val="bg1"/>
-                </a:solidFill>
-              </a:rPr>
-              <a:t>http://</a:t>
-            </a:r>
-            <a:r>
-              <a:rPr lang="ru-RU" u="sng" dirty="0" smtClean="0">
-                <a:solidFill>
-                  <a:schemeClr val="bg1"/>
-                </a:solidFill>
-              </a:rPr>
-              <a:t>www.apress.com/9781430225492</a:t>
-            </a:r>
-            <a:br>
-              <a:rPr lang="ru-RU" u="sng" dirty="0" smtClean="0">
-                <a:solidFill>
-                  <a:schemeClr val="bg1"/>
-                </a:solidFill>
-              </a:rPr>
-            </a:br>
-            <a:endParaRPr lang="ru-RU" u="sng" dirty="0" smtClean="0">
-              <a:solidFill>
-                <a:schemeClr val="bg1"/>
-              </a:solidFill>
-            </a:endParaRPr>
-          </a:p>
-          <a:p>
-            <a:pPr marL="285750" lvl="0" indent="-285750">
-              <a:buFont typeface="Arial" pitchFamily="34" charset="0"/>
-              <a:buChar char="•"/>
-            </a:pPr>
-            <a:r>
-              <a:rPr lang="en-US" dirty="0" smtClean="0">
-                <a:solidFill>
-                  <a:schemeClr val="bg1"/>
-                </a:solidFill>
-              </a:rPr>
-              <a:t>C</a:t>
-            </a:r>
-            <a:r>
-              <a:rPr lang="en-US" dirty="0">
-                <a:solidFill>
-                  <a:schemeClr val="bg1"/>
-                </a:solidFill>
-              </a:rPr>
-              <a:t># Language </a:t>
-            </a:r>
-            <a:r>
-              <a:rPr lang="en-US" dirty="0" smtClean="0">
-                <a:solidFill>
-                  <a:schemeClr val="bg1"/>
-                </a:solidFill>
-              </a:rPr>
-              <a:t>Specification</a:t>
-            </a:r>
-            <a:r>
-              <a:rPr lang="ru-RU" dirty="0" smtClean="0">
-                <a:solidFill>
-                  <a:schemeClr val="bg1"/>
-                </a:solidFill>
-              </a:rPr>
-              <a:t/>
-            </a:r>
-            <a:br>
-              <a:rPr lang="ru-RU" dirty="0" smtClean="0">
-                <a:solidFill>
-                  <a:schemeClr val="bg1"/>
-                </a:solidFill>
-              </a:rPr>
-            </a:br>
-            <a:r>
-              <a:rPr lang="en-US" dirty="0" smtClean="0">
-                <a:solidFill>
-                  <a:schemeClr val="bg1"/>
-                </a:solidFill>
-              </a:rPr>
-              <a:t>"C</a:t>
-            </a:r>
-            <a:r>
-              <a:rPr lang="en-US" dirty="0">
-                <a:solidFill>
-                  <a:schemeClr val="bg1"/>
-                </a:solidFill>
-              </a:rPr>
-              <a:t>:\Program Files (x86)\Microsoft Visual Studio 11.0\VC#\Specifications\1033\ </a:t>
-            </a:r>
-            <a:r>
-              <a:rPr lang="en-US" dirty="0" err="1">
-                <a:solidFill>
-                  <a:schemeClr val="bg1"/>
-                </a:solidFill>
-              </a:rPr>
-              <a:t>CSharp</a:t>
-            </a:r>
-            <a:r>
-              <a:rPr lang="en-US" dirty="0">
-                <a:solidFill>
-                  <a:schemeClr val="bg1"/>
-                </a:solidFill>
-              </a:rPr>
-              <a:t> Language Specification.doc </a:t>
-            </a:r>
-            <a:r>
-              <a:rPr lang="en-US" dirty="0" smtClean="0">
-                <a:solidFill>
-                  <a:schemeClr val="bg1"/>
-                </a:solidFill>
-              </a:rPr>
-              <a:t>"</a:t>
-            </a:r>
-            <a:endParaRPr lang="en-US" dirty="0">
-              <a:solidFill>
-                <a:schemeClr val="bg1"/>
-              </a:solidFill>
-            </a:endParaRPr>
-          </a:p>
-        </p:txBody>
-      </p:sp>
-    </p:spTree>
-    <p:extLst>
-      <p:ext uri="{BB962C8B-B14F-4D97-AF65-F5344CB8AC3E}">
-        <p14:creationId xmlns:p14="http://schemas.microsoft.com/office/powerpoint/2010/main" val="3145694776"/>
-      </p:ext>
-    </p:extLst>
-  </p:cSld>
-  <p:clrMapOvr>
-    <a:masterClrMapping/>
-  </p:clrMapOvr>
-  <p:timing>
-    <p:tnLst>
-      <p:par>
-        <p:cTn id="1" dur="indefinite" restart="never" nodeType="tmRoot"/>
-      </p:par>
-    </p:tnLst>
-  </p:timing>
-</p:sld>
-</file>
-
-<file path=ppt/slides/slide20.xml><?xml version="1.0" encoding="utf-8"?>
+<file path=ppt/slides/slide21.xml><?xml version="1.0" encoding="utf-8"?>
 <p:sld xmlns:a="http://schemas.openxmlformats.org/drawingml/2006/main" xmlns:r="http://schemas.openxmlformats.org/officeDocument/2006/relationships" xmlns:p="http://schemas.openxmlformats.org/presentationml/2006/main">
   <p:cSld>
     <p:bg>
@@ -15419,7 +15550,7 @@
 </p:sld>
 </file>
 
-<file path=ppt/slides/slide21.xml><?xml version="1.0" encoding="utf-8"?>
+<file path=ppt/slides/slide22.xml><?xml version="1.0" encoding="utf-8"?>
 <p:sld xmlns:a="http://schemas.openxmlformats.org/drawingml/2006/main" xmlns:r="http://schemas.openxmlformats.org/officeDocument/2006/relationships" xmlns:p="http://schemas.openxmlformats.org/presentationml/2006/main">
   <p:cSld>
     <p:bg>
@@ -15935,7 +16066,7 @@
 </p:sld>
 </file>
 
-<file path=ppt/slides/slide22.xml><?xml version="1.0" encoding="utf-8"?>
+<file path=ppt/slides/slide23.xml><?xml version="1.0" encoding="utf-8"?>
 <p:sld xmlns:a="http://schemas.openxmlformats.org/drawingml/2006/main" xmlns:r="http://schemas.openxmlformats.org/officeDocument/2006/relationships" xmlns:p="http://schemas.openxmlformats.org/presentationml/2006/main">
   <p:cSld>
     <p:bg>
@@ -17538,7 +17669,7 @@
 </p:sld>
 </file>
 
-<file path=ppt/slides/slide23.xml><?xml version="1.0" encoding="utf-8"?>
+<file path=ppt/slides/slide24.xml><?xml version="1.0" encoding="utf-8"?>
 <p:sld xmlns:a="http://schemas.openxmlformats.org/drawingml/2006/main" xmlns:r="http://schemas.openxmlformats.org/officeDocument/2006/relationships" xmlns:p="http://schemas.openxmlformats.org/presentationml/2006/main">
   <p:cSld>
     <p:bg>
@@ -18508,7 +18639,7 @@
 </p:sld>
 </file>
 
-<file path=ppt/slides/slide24.xml><?xml version="1.0" encoding="utf-8"?>
+<file path=ppt/slides/slide25.xml><?xml version="1.0" encoding="utf-8"?>
 <p:sld xmlns:a="http://schemas.openxmlformats.org/drawingml/2006/main" xmlns:r="http://schemas.openxmlformats.org/officeDocument/2006/relationships" xmlns:p="http://schemas.openxmlformats.org/presentationml/2006/main">
   <p:cSld>
     <p:bg>
@@ -19615,7 +19746,7 @@
 </p:sld>
 </file>
 
-<file path=ppt/slides/slide25.xml><?xml version="1.0" encoding="utf-8"?>
+<file path=ppt/slides/slide26.xml><?xml version="1.0" encoding="utf-8"?>
 <p:sld xmlns:a="http://schemas.openxmlformats.org/drawingml/2006/main" xmlns:r="http://schemas.openxmlformats.org/officeDocument/2006/relationships" xmlns:p="http://schemas.openxmlformats.org/presentationml/2006/main">
   <p:cSld>
     <p:bg>
@@ -22026,7 +22157,7 @@
 </p:sld>
 </file>
 
-<file path=ppt/slides/slide26.xml><?xml version="1.0" encoding="utf-8"?>
+<file path=ppt/slides/slide27.xml><?xml version="1.0" encoding="utf-8"?>
 <p:sld xmlns:a="http://schemas.openxmlformats.org/drawingml/2006/main" xmlns:r="http://schemas.openxmlformats.org/officeDocument/2006/relationships" xmlns:p="http://schemas.openxmlformats.org/presentationml/2006/main">
   <p:cSld>
     <p:bg>
@@ -23027,7 +23158,7 @@
 </p:sld>
 </file>
 
-<file path=ppt/slides/slide27.xml><?xml version="1.0" encoding="utf-8"?>
+<file path=ppt/slides/slide28.xml><?xml version="1.0" encoding="utf-8"?>
 <p:sld xmlns:a="http://schemas.openxmlformats.org/drawingml/2006/main" xmlns:r="http://schemas.openxmlformats.org/officeDocument/2006/relationships" xmlns:p="http://schemas.openxmlformats.org/presentationml/2006/main">
   <p:cSld>
     <p:bg>
@@ -23296,7 +23427,7 @@
 </p:sld>
 </file>
 
-<file path=ppt/slides/slide28.xml><?xml version="1.0" encoding="utf-8"?>
+<file path=ppt/slides/slide29.xml><?xml version="1.0" encoding="utf-8"?>
 <p:sld xmlns:a="http://schemas.openxmlformats.org/drawingml/2006/main" xmlns:r="http://schemas.openxmlformats.org/officeDocument/2006/relationships" xmlns:p="http://schemas.openxmlformats.org/presentationml/2006/main">
   <p:cSld>
     <p:bg>
@@ -24519,1208 +24650,6 @@
     <p:extLst>
       <p:ext uri="{BB962C8B-B14F-4D97-AF65-F5344CB8AC3E}">
         <p14:creationId xmlns:p14="http://schemas.microsoft.com/office/powerpoint/2010/main" val="4148512763"/>
-      </p:ext>
-    </p:extLst>
-  </p:cSld>
-  <p:clrMapOvr>
-    <a:masterClrMapping/>
-  </p:clrMapOvr>
-</p:sld>
-</file>
-
-<file path=ppt/slides/slide29.xml><?xml version="1.0" encoding="utf-8"?>
-<p:sld xmlns:a="http://schemas.openxmlformats.org/drawingml/2006/main" xmlns:r="http://schemas.openxmlformats.org/officeDocument/2006/relationships" xmlns:p="http://schemas.openxmlformats.org/presentationml/2006/main">
-  <p:cSld>
-    <p:bg>
-      <p:bgPr>
-        <a:blipFill dpi="0" rotWithShape="1">
-          <a:blip r:embed="rId2">
-            <a:lum/>
-          </a:blip>
-          <a:srcRect/>
-          <a:stretch>
-            <a:fillRect/>
-          </a:stretch>
-        </a:blipFill>
-        <a:effectLst/>
-      </p:bgPr>
-    </p:bg>
-    <p:spTree>
-      <p:nvGrpSpPr>
-        <p:cNvPr id="1" name=""/>
-        <p:cNvGrpSpPr/>
-        <p:nvPr/>
-      </p:nvGrpSpPr>
-      <p:grpSpPr>
-        <a:xfrm>
-          <a:off x="0" y="0"/>
-          <a:ext cx="0" cy="0"/>
-          <a:chOff x="0" y="0"/>
-          <a:chExt cx="0" cy="0"/>
-        </a:xfrm>
-      </p:grpSpPr>
-      <p:sp>
-        <p:nvSpPr>
-          <p:cNvPr id="17410" name="Прямоугольник 6"/>
-          <p:cNvSpPr>
-            <a:spLocks noChangeArrowheads="1"/>
-          </p:cNvSpPr>
-          <p:nvPr/>
-        </p:nvSpPr>
-        <p:spPr bwMode="auto">
-          <a:xfrm>
-            <a:off x="609600" y="152400"/>
-            <a:ext cx="7924800" cy="461963"/>
-          </a:xfrm>
-          <a:prstGeom prst="rect">
-            <a:avLst/>
-          </a:prstGeom>
-          <a:noFill/>
-          <a:ln>
-            <a:noFill/>
-          </a:ln>
-          <a:extLst>
-            <a:ext uri="{909E8E84-426E-40DD-AFC4-6F175D3DCCD1}">
-              <a14:hiddenFill xmlns:a14="http://schemas.microsoft.com/office/drawing/2010/main">
-                <a:solidFill>
-                  <a:srgbClr val="FFFFFF"/>
-                </a:solidFill>
-              </a14:hiddenFill>
-            </a:ext>
-            <a:ext uri="{91240B29-F687-4F45-9708-019B960494DF}">
-              <a14:hiddenLine xmlns:a14="http://schemas.microsoft.com/office/drawing/2010/main" w="9525">
-                <a:solidFill>
-                  <a:srgbClr val="000000"/>
-                </a:solidFill>
-                <a:miter lim="800000"/>
-                <a:headEnd/>
-                <a:tailEnd/>
-              </a14:hiddenLine>
-            </a:ext>
-          </a:extLst>
-        </p:spPr>
-        <p:txBody>
-          <a:bodyPr>
-            <a:spAutoFit/>
-          </a:bodyPr>
-          <a:lstStyle/>
-          <a:p>
-            <a:pPr algn="ctr" eaLnBrk="0" hangingPunct="0">
-              <a:tabLst>
-                <a:tab pos="457200" algn="l"/>
-              </a:tabLst>
-            </a:pPr>
-            <a:r>
-              <a:rPr lang="ru-RU" sz="2400" dirty="0">
-                <a:solidFill>
-                  <a:schemeClr val="bg1"/>
-                </a:solidFill>
-                <a:cs typeface="Times New Roman" pitchFamily="18" charset="0"/>
-              </a:rPr>
-              <a:t>Перечисления </a:t>
-            </a:r>
-            <a:r>
-              <a:rPr lang="en-US" sz="2400" b="1" dirty="0" err="1">
-                <a:solidFill>
-                  <a:schemeClr val="bg1"/>
-                </a:solidFill>
-                <a:cs typeface="Times New Roman" pitchFamily="18" charset="0"/>
-              </a:rPr>
-              <a:t>enum</a:t>
-            </a:r>
-            <a:r>
-              <a:rPr lang="en-US" sz="2400" b="1" dirty="0">
-                <a:solidFill>
-                  <a:schemeClr val="bg1"/>
-                </a:solidFill>
-                <a:cs typeface="Times New Roman" pitchFamily="18" charset="0"/>
-              </a:rPr>
-              <a:t>.</a:t>
-            </a:r>
-            <a:endParaRPr lang="ru-RU" sz="2400" b="1" dirty="0">
-              <a:solidFill>
-                <a:schemeClr val="bg1"/>
-              </a:solidFill>
-              <a:cs typeface="Times New Roman" pitchFamily="18" charset="0"/>
-            </a:endParaRPr>
-          </a:p>
-        </p:txBody>
-      </p:sp>
-      <p:sp>
-        <p:nvSpPr>
-          <p:cNvPr id="12294" name="Rectangle 6"/>
-          <p:cNvSpPr>
-            <a:spLocks noChangeArrowheads="1"/>
-          </p:cNvSpPr>
-          <p:nvPr/>
-        </p:nvSpPr>
-        <p:spPr bwMode="auto">
-          <a:xfrm>
-            <a:off x="685800" y="2667000"/>
-            <a:ext cx="7696200" cy="3770313"/>
-          </a:xfrm>
-          <a:prstGeom prst="rect">
-            <a:avLst/>
-          </a:prstGeom>
-          <a:noFill/>
-          <a:ln w="9525">
-            <a:solidFill>
-              <a:schemeClr val="bg1">
-                <a:lumMod val="65000"/>
-              </a:schemeClr>
-            </a:solidFill>
-            <a:miter lim="800000"/>
-            <a:headEnd/>
-            <a:tailEnd/>
-          </a:ln>
-          <a:effectLst/>
-        </p:spPr>
-        <p:txBody>
-          <a:bodyPr anchor="ctr">
-            <a:spAutoFit/>
-          </a:bodyPr>
-          <a:lstStyle/>
-          <a:p>
-            <a:pPr eaLnBrk="0" hangingPunct="0">
-              <a:defRPr/>
-            </a:pPr>
-            <a:r>
-              <a:rPr lang="be-BY" sz="1000" dirty="0">
-                <a:solidFill>
-                  <a:schemeClr val="bg1"/>
-                </a:solidFill>
-                <a:latin typeface="Courier New" pitchFamily="49" charset="0"/>
-                <a:ea typeface="Calibri" pitchFamily="34" charset="0"/>
-                <a:cs typeface="Courier New" pitchFamily="49" charset="0"/>
-              </a:rPr>
-              <a:t>    enum Cars</a:t>
-            </a:r>
-            <a:endParaRPr lang="be-BY" sz="900" dirty="0">
-              <a:solidFill>
-                <a:schemeClr val="bg1"/>
-              </a:solidFill>
-              <a:latin typeface="Arial" pitchFamily="34" charset="0"/>
-            </a:endParaRPr>
-          </a:p>
-          <a:p>
-            <a:pPr eaLnBrk="0" hangingPunct="0">
-              <a:defRPr/>
-            </a:pPr>
-            <a:r>
-              <a:rPr lang="be-BY" sz="1000" dirty="0">
-                <a:solidFill>
-                  <a:schemeClr val="bg1"/>
-                </a:solidFill>
-                <a:latin typeface="Courier New" pitchFamily="49" charset="0"/>
-                <a:ea typeface="Calibri" pitchFamily="34" charset="0"/>
-                <a:cs typeface="Courier New" pitchFamily="49" charset="0"/>
-              </a:rPr>
-              <a:t>    {</a:t>
-            </a:r>
-            <a:endParaRPr lang="be-BY" sz="900" dirty="0">
-              <a:solidFill>
-                <a:schemeClr val="bg1"/>
-              </a:solidFill>
-              <a:latin typeface="Arial" pitchFamily="34" charset="0"/>
-            </a:endParaRPr>
-          </a:p>
-          <a:p>
-            <a:pPr eaLnBrk="0" hangingPunct="0">
-              <a:defRPr/>
-            </a:pPr>
-            <a:r>
-              <a:rPr lang="be-BY" sz="1000" dirty="0">
-                <a:solidFill>
-                  <a:schemeClr val="bg1"/>
-                </a:solidFill>
-                <a:latin typeface="Courier New" pitchFamily="49" charset="0"/>
-                <a:ea typeface="Calibri" pitchFamily="34" charset="0"/>
-                <a:cs typeface="Courier New" pitchFamily="49" charset="0"/>
-              </a:rPr>
-              <a:t>        Mersedes = 0,</a:t>
-            </a:r>
-            <a:endParaRPr lang="be-BY" sz="900" dirty="0">
-              <a:solidFill>
-                <a:schemeClr val="bg1"/>
-              </a:solidFill>
-              <a:latin typeface="Arial" pitchFamily="34" charset="0"/>
-            </a:endParaRPr>
-          </a:p>
-          <a:p>
-            <a:pPr eaLnBrk="0" hangingPunct="0">
-              <a:defRPr/>
-            </a:pPr>
-            <a:r>
-              <a:rPr lang="be-BY" sz="1000" dirty="0">
-                <a:solidFill>
-                  <a:schemeClr val="bg1"/>
-                </a:solidFill>
-                <a:latin typeface="Courier New" pitchFamily="49" charset="0"/>
-                <a:ea typeface="Calibri" pitchFamily="34" charset="0"/>
-                <a:cs typeface="Courier New" pitchFamily="49" charset="0"/>
-              </a:rPr>
-              <a:t>        Porsche = 5,</a:t>
-            </a:r>
-            <a:endParaRPr lang="be-BY" sz="900" dirty="0">
-              <a:solidFill>
-                <a:schemeClr val="bg1"/>
-              </a:solidFill>
-              <a:latin typeface="Arial" pitchFamily="34" charset="0"/>
-            </a:endParaRPr>
-          </a:p>
-          <a:p>
-            <a:pPr eaLnBrk="0" hangingPunct="0">
-              <a:defRPr/>
-            </a:pPr>
-            <a:r>
-              <a:rPr lang="be-BY" sz="1000" dirty="0">
-                <a:solidFill>
-                  <a:schemeClr val="bg1"/>
-                </a:solidFill>
-                <a:latin typeface="Courier New" pitchFamily="49" charset="0"/>
-                <a:ea typeface="Calibri" pitchFamily="34" charset="0"/>
-                <a:cs typeface="Courier New" pitchFamily="49" charset="0"/>
-              </a:rPr>
-              <a:t>        BMW = 100,</a:t>
-            </a:r>
-            <a:endParaRPr lang="be-BY" sz="900" dirty="0">
-              <a:solidFill>
-                <a:schemeClr val="bg1"/>
-              </a:solidFill>
-              <a:latin typeface="Arial" pitchFamily="34" charset="0"/>
-            </a:endParaRPr>
-          </a:p>
-          <a:p>
-            <a:pPr eaLnBrk="0" hangingPunct="0">
-              <a:defRPr/>
-            </a:pPr>
-            <a:r>
-              <a:rPr lang="be-BY" sz="1000" dirty="0">
-                <a:solidFill>
-                  <a:schemeClr val="bg1"/>
-                </a:solidFill>
-                <a:latin typeface="Courier New" pitchFamily="49" charset="0"/>
-                <a:ea typeface="Calibri" pitchFamily="34" charset="0"/>
-                <a:cs typeface="Courier New" pitchFamily="49" charset="0"/>
-              </a:rPr>
-              <a:t>        Lamborgini = 140,</a:t>
-            </a:r>
-            <a:endParaRPr lang="be-BY" sz="900" dirty="0">
-              <a:solidFill>
-                <a:schemeClr val="bg1"/>
-              </a:solidFill>
-              <a:latin typeface="Arial" pitchFamily="34" charset="0"/>
-            </a:endParaRPr>
-          </a:p>
-          <a:p>
-            <a:pPr eaLnBrk="0" hangingPunct="0">
-              <a:defRPr/>
-            </a:pPr>
-            <a:r>
-              <a:rPr lang="be-BY" sz="1000" dirty="0">
-                <a:solidFill>
-                  <a:schemeClr val="bg1"/>
-                </a:solidFill>
-                <a:latin typeface="Courier New" pitchFamily="49" charset="0"/>
-                <a:ea typeface="Calibri" pitchFamily="34" charset="0"/>
-                <a:cs typeface="Courier New" pitchFamily="49" charset="0"/>
-              </a:rPr>
-              <a:t>        Ferrari = 500</a:t>
-            </a:r>
-            <a:endParaRPr lang="be-BY" sz="900" dirty="0">
-              <a:solidFill>
-                <a:schemeClr val="bg1"/>
-              </a:solidFill>
-              <a:latin typeface="Arial" pitchFamily="34" charset="0"/>
-            </a:endParaRPr>
-          </a:p>
-          <a:p>
-            <a:pPr eaLnBrk="0" hangingPunct="0">
-              <a:defRPr/>
-            </a:pPr>
-            <a:r>
-              <a:rPr lang="be-BY" sz="1000" dirty="0">
-                <a:solidFill>
-                  <a:schemeClr val="bg1"/>
-                </a:solidFill>
-                <a:latin typeface="Courier New" pitchFamily="49" charset="0"/>
-                <a:ea typeface="Calibri" pitchFamily="34" charset="0"/>
-                <a:cs typeface="Courier New" pitchFamily="49" charset="0"/>
-              </a:rPr>
-              <a:t>    }</a:t>
-            </a:r>
-            <a:endParaRPr lang="en-US" sz="1000" dirty="0">
-              <a:solidFill>
-                <a:schemeClr val="bg1"/>
-              </a:solidFill>
-              <a:latin typeface="Courier New" pitchFamily="49" charset="0"/>
-              <a:ea typeface="Calibri" pitchFamily="34" charset="0"/>
-              <a:cs typeface="Courier New" pitchFamily="49" charset="0"/>
-            </a:endParaRPr>
-          </a:p>
-          <a:p>
-            <a:pPr eaLnBrk="0" hangingPunct="0">
-              <a:defRPr/>
-            </a:pPr>
-            <a:endParaRPr lang="be-BY" sz="900" dirty="0">
-              <a:solidFill>
-                <a:schemeClr val="bg1"/>
-              </a:solidFill>
-              <a:latin typeface="Arial" pitchFamily="34" charset="0"/>
-            </a:endParaRPr>
-          </a:p>
-          <a:p>
-            <a:pPr eaLnBrk="0" hangingPunct="0">
-              <a:defRPr/>
-            </a:pPr>
-            <a:r>
-              <a:rPr lang="be-BY" sz="1000" dirty="0">
-                <a:solidFill>
-                  <a:schemeClr val="bg1"/>
-                </a:solidFill>
-                <a:latin typeface="Courier New" pitchFamily="49" charset="0"/>
-                <a:ea typeface="Calibri" pitchFamily="34" charset="0"/>
-                <a:cs typeface="Courier New" pitchFamily="49" charset="0"/>
-              </a:rPr>
-              <a:t>    class Program</a:t>
-            </a:r>
-            <a:endParaRPr lang="be-BY" sz="900" dirty="0">
-              <a:solidFill>
-                <a:schemeClr val="bg1"/>
-              </a:solidFill>
-              <a:latin typeface="Arial" pitchFamily="34" charset="0"/>
-            </a:endParaRPr>
-          </a:p>
-          <a:p>
-            <a:pPr eaLnBrk="0" hangingPunct="0">
-              <a:defRPr/>
-            </a:pPr>
-            <a:r>
-              <a:rPr lang="be-BY" sz="1000" dirty="0">
-                <a:solidFill>
-                  <a:schemeClr val="bg1"/>
-                </a:solidFill>
-                <a:latin typeface="Courier New" pitchFamily="49" charset="0"/>
-                <a:ea typeface="Calibri" pitchFamily="34" charset="0"/>
-                <a:cs typeface="Courier New" pitchFamily="49" charset="0"/>
-              </a:rPr>
-              <a:t>    {</a:t>
-            </a:r>
-            <a:endParaRPr lang="be-BY" sz="900" dirty="0">
-              <a:solidFill>
-                <a:schemeClr val="bg1"/>
-              </a:solidFill>
-              <a:latin typeface="Arial" pitchFamily="34" charset="0"/>
-            </a:endParaRPr>
-          </a:p>
-          <a:p>
-            <a:pPr eaLnBrk="0" hangingPunct="0">
-              <a:defRPr/>
-            </a:pPr>
-            <a:r>
-              <a:rPr lang="be-BY" sz="1000" dirty="0">
-                <a:solidFill>
-                  <a:schemeClr val="bg1"/>
-                </a:solidFill>
-                <a:latin typeface="Courier New" pitchFamily="49" charset="0"/>
-                <a:ea typeface="Calibri" pitchFamily="34" charset="0"/>
-                <a:cs typeface="Courier New" pitchFamily="49" charset="0"/>
-              </a:rPr>
-              <a:t>        static void Main(string[] args)</a:t>
-            </a:r>
-            <a:endParaRPr lang="be-BY" sz="900" dirty="0">
-              <a:solidFill>
-                <a:schemeClr val="bg1"/>
-              </a:solidFill>
-              <a:latin typeface="Arial" pitchFamily="34" charset="0"/>
-            </a:endParaRPr>
-          </a:p>
-          <a:p>
-            <a:pPr eaLnBrk="0" hangingPunct="0">
-              <a:defRPr/>
-            </a:pPr>
-            <a:r>
-              <a:rPr lang="be-BY" sz="1000" dirty="0">
-                <a:solidFill>
-                  <a:schemeClr val="bg1"/>
-                </a:solidFill>
-                <a:latin typeface="Courier New" pitchFamily="49" charset="0"/>
-                <a:ea typeface="Calibri" pitchFamily="34" charset="0"/>
-                <a:cs typeface="Courier New" pitchFamily="49" charset="0"/>
-              </a:rPr>
-              <a:t>        {</a:t>
-            </a:r>
-            <a:endParaRPr lang="be-BY" sz="900" dirty="0">
-              <a:solidFill>
-                <a:schemeClr val="bg1"/>
-              </a:solidFill>
-              <a:latin typeface="Arial" pitchFamily="34" charset="0"/>
-            </a:endParaRPr>
-          </a:p>
-          <a:p>
-            <a:pPr eaLnBrk="0" hangingPunct="0">
-              <a:defRPr/>
-            </a:pPr>
-            <a:r>
-              <a:rPr lang="be-BY" sz="1000" dirty="0">
-                <a:solidFill>
-                  <a:schemeClr val="bg1"/>
-                </a:solidFill>
-                <a:latin typeface="Courier New" pitchFamily="49" charset="0"/>
-                <a:ea typeface="Calibri" pitchFamily="34" charset="0"/>
-                <a:cs typeface="Courier New" pitchFamily="49" charset="0"/>
-              </a:rPr>
-              <a:t>            Cars car1 = Cars.Mersedes, car2 = (Cars)140;</a:t>
-            </a:r>
-            <a:endParaRPr lang="be-BY" sz="900" dirty="0">
-              <a:solidFill>
-                <a:schemeClr val="bg1"/>
-              </a:solidFill>
-              <a:latin typeface="Arial" pitchFamily="34" charset="0"/>
-            </a:endParaRPr>
-          </a:p>
-          <a:p>
-            <a:pPr eaLnBrk="0" hangingPunct="0">
-              <a:defRPr/>
-            </a:pPr>
-            <a:r>
-              <a:rPr lang="be-BY" sz="1000" dirty="0">
-                <a:solidFill>
-                  <a:schemeClr val="bg1"/>
-                </a:solidFill>
-                <a:latin typeface="Courier New" pitchFamily="49" charset="0"/>
-                <a:ea typeface="Calibri" pitchFamily="34" charset="0"/>
-                <a:cs typeface="Courier New" pitchFamily="49" charset="0"/>
-              </a:rPr>
-              <a:t>            Console.WriteLine("{0}, {1}", car1, car2);</a:t>
-            </a:r>
-            <a:endParaRPr lang="be-BY" sz="900" dirty="0">
-              <a:solidFill>
-                <a:schemeClr val="bg1"/>
-              </a:solidFill>
-              <a:latin typeface="Arial" pitchFamily="34" charset="0"/>
-            </a:endParaRPr>
-          </a:p>
-          <a:p>
-            <a:pPr eaLnBrk="0" hangingPunct="0">
-              <a:defRPr/>
-            </a:pPr>
-            <a:r>
-              <a:rPr lang="be-BY" sz="1000" dirty="0">
-                <a:solidFill>
-                  <a:schemeClr val="bg1"/>
-                </a:solidFill>
-                <a:latin typeface="Courier New" pitchFamily="49" charset="0"/>
-                <a:ea typeface="Calibri" pitchFamily="34" charset="0"/>
-                <a:cs typeface="Courier New" pitchFamily="49" charset="0"/>
-              </a:rPr>
-              <a:t>            </a:t>
-            </a:r>
-            <a:endParaRPr lang="en-US" sz="1000" dirty="0">
-              <a:solidFill>
-                <a:schemeClr val="bg1"/>
-              </a:solidFill>
-              <a:latin typeface="Courier New" pitchFamily="49" charset="0"/>
-              <a:ea typeface="Calibri" pitchFamily="34" charset="0"/>
-              <a:cs typeface="Courier New" pitchFamily="49" charset="0"/>
-            </a:endParaRPr>
-          </a:p>
-          <a:p>
-            <a:pPr eaLnBrk="0" hangingPunct="0">
-              <a:defRPr/>
-            </a:pPr>
-            <a:r>
-              <a:rPr lang="en-US" sz="1000" dirty="0">
-                <a:solidFill>
-                  <a:schemeClr val="bg1"/>
-                </a:solidFill>
-                <a:latin typeface="Courier New" pitchFamily="49" charset="0"/>
-                <a:ea typeface="Calibri" pitchFamily="34" charset="0"/>
-                <a:cs typeface="Courier New" pitchFamily="49" charset="0"/>
-              </a:rPr>
-              <a:t>	</a:t>
-            </a:r>
-            <a:r>
-              <a:rPr lang="be-BY" sz="1000" dirty="0">
-                <a:solidFill>
-                  <a:schemeClr val="bg1"/>
-                </a:solidFill>
-                <a:latin typeface="Courier New" pitchFamily="49" charset="0"/>
-                <a:ea typeface="Calibri" pitchFamily="34" charset="0"/>
-                <a:cs typeface="Courier New" pitchFamily="49" charset="0"/>
-              </a:rPr>
-              <a:t>if (car2 == Cars.BMW)</a:t>
-            </a:r>
-            <a:endParaRPr lang="be-BY" sz="900" dirty="0">
-              <a:solidFill>
-                <a:schemeClr val="bg1"/>
-              </a:solidFill>
-              <a:latin typeface="Arial" pitchFamily="34" charset="0"/>
-            </a:endParaRPr>
-          </a:p>
-          <a:p>
-            <a:pPr eaLnBrk="0" hangingPunct="0">
-              <a:defRPr/>
-            </a:pPr>
-            <a:r>
-              <a:rPr lang="be-BY" sz="1000" dirty="0">
-                <a:solidFill>
-                  <a:schemeClr val="bg1"/>
-                </a:solidFill>
-                <a:latin typeface="Courier New" pitchFamily="49" charset="0"/>
-                <a:ea typeface="Calibri" pitchFamily="34" charset="0"/>
-                <a:cs typeface="Courier New" pitchFamily="49" charset="0"/>
-              </a:rPr>
-              <a:t>                Console.WriteLine("Now Car2 is BMW");</a:t>
-            </a:r>
-            <a:endParaRPr lang="be-BY" sz="900" dirty="0">
-              <a:solidFill>
-                <a:schemeClr val="bg1"/>
-              </a:solidFill>
-              <a:latin typeface="Arial" pitchFamily="34" charset="0"/>
-            </a:endParaRPr>
-          </a:p>
-          <a:p>
-            <a:pPr eaLnBrk="0" hangingPunct="0">
-              <a:defRPr/>
-            </a:pPr>
-            <a:r>
-              <a:rPr lang="be-BY" sz="1000" dirty="0">
-                <a:solidFill>
-                  <a:schemeClr val="bg1"/>
-                </a:solidFill>
-                <a:latin typeface="Courier New" pitchFamily="49" charset="0"/>
-                <a:ea typeface="Calibri" pitchFamily="34" charset="0"/>
-                <a:cs typeface="Courier New" pitchFamily="49" charset="0"/>
-              </a:rPr>
-              <a:t>            else if (car2 == Cars.Lamborgini</a:t>
-            </a:r>
-            <a:r>
-              <a:rPr lang="en-US" sz="1000" dirty="0">
-                <a:solidFill>
-                  <a:schemeClr val="bg1"/>
-                </a:solidFill>
-                <a:latin typeface="Courier New" pitchFamily="49" charset="0"/>
-                <a:ea typeface="Calibri" pitchFamily="34" charset="0"/>
-                <a:cs typeface="Courier New" pitchFamily="49" charset="0"/>
-              </a:rPr>
-              <a:t>)</a:t>
-            </a:r>
-            <a:endParaRPr lang="be-BY" sz="900" dirty="0">
-              <a:solidFill>
-                <a:schemeClr val="bg1"/>
-              </a:solidFill>
-              <a:latin typeface="Arial" pitchFamily="34" charset="0"/>
-            </a:endParaRPr>
-          </a:p>
-          <a:p>
-            <a:pPr eaLnBrk="0" hangingPunct="0">
-              <a:defRPr/>
-            </a:pPr>
-            <a:r>
-              <a:rPr lang="be-BY" sz="1000" dirty="0">
-                <a:solidFill>
-                  <a:schemeClr val="bg1"/>
-                </a:solidFill>
-                <a:latin typeface="Courier New" pitchFamily="49" charset="0"/>
-                <a:ea typeface="Calibri" pitchFamily="34" charset="0"/>
-                <a:cs typeface="Courier New" pitchFamily="49" charset="0"/>
-              </a:rPr>
-              <a:t>                Console.WriteLine("Now Car2 is Lamborgini");</a:t>
-            </a:r>
-            <a:endParaRPr lang="be-BY" sz="900" dirty="0">
-              <a:solidFill>
-                <a:schemeClr val="bg1"/>
-              </a:solidFill>
-              <a:latin typeface="Arial" pitchFamily="34" charset="0"/>
-            </a:endParaRPr>
-          </a:p>
-          <a:p>
-            <a:pPr eaLnBrk="0" hangingPunct="0">
-              <a:defRPr/>
-            </a:pPr>
-            <a:r>
-              <a:rPr lang="be-BY" sz="1000" dirty="0">
-                <a:solidFill>
-                  <a:schemeClr val="bg1"/>
-                </a:solidFill>
-                <a:latin typeface="Courier New" pitchFamily="49" charset="0"/>
-                <a:ea typeface="Calibri" pitchFamily="34" charset="0"/>
-                <a:cs typeface="Courier New" pitchFamily="49" charset="0"/>
-              </a:rPr>
-              <a:t>            else</a:t>
-            </a:r>
-            <a:endParaRPr lang="be-BY" sz="900" dirty="0">
-              <a:solidFill>
-                <a:schemeClr val="bg1"/>
-              </a:solidFill>
-              <a:latin typeface="Arial" pitchFamily="34" charset="0"/>
-            </a:endParaRPr>
-          </a:p>
-          <a:p>
-            <a:pPr eaLnBrk="0" hangingPunct="0">
-              <a:defRPr/>
-            </a:pPr>
-            <a:r>
-              <a:rPr lang="be-BY" sz="1000" dirty="0">
-                <a:solidFill>
-                  <a:schemeClr val="bg1"/>
-                </a:solidFill>
-                <a:latin typeface="Courier New" pitchFamily="49" charset="0"/>
-                <a:ea typeface="Calibri" pitchFamily="34" charset="0"/>
-                <a:cs typeface="Courier New" pitchFamily="49" charset="0"/>
-              </a:rPr>
-              <a:t>                Console.WriteLine("Now Car2 is unknown");</a:t>
-            </a:r>
-            <a:endParaRPr lang="be-BY" sz="900" dirty="0">
-              <a:solidFill>
-                <a:schemeClr val="bg1"/>
-              </a:solidFill>
-              <a:latin typeface="Arial" pitchFamily="34" charset="0"/>
-            </a:endParaRPr>
-          </a:p>
-          <a:p>
-            <a:pPr eaLnBrk="0" hangingPunct="0">
-              <a:defRPr/>
-            </a:pPr>
-            <a:r>
-              <a:rPr lang="be-BY" sz="1000" dirty="0">
-                <a:solidFill>
-                  <a:schemeClr val="bg1"/>
-                </a:solidFill>
-                <a:latin typeface="Courier New" pitchFamily="49" charset="0"/>
-                <a:ea typeface="Calibri" pitchFamily="34" charset="0"/>
-                <a:cs typeface="Courier New" pitchFamily="49" charset="0"/>
-              </a:rPr>
-              <a:t>        }</a:t>
-            </a:r>
-            <a:endParaRPr lang="be-BY" sz="900" dirty="0">
-              <a:solidFill>
-                <a:schemeClr val="bg1"/>
-              </a:solidFill>
-              <a:latin typeface="Arial" pitchFamily="34" charset="0"/>
-            </a:endParaRPr>
-          </a:p>
-          <a:p>
-            <a:pPr eaLnBrk="0" hangingPunct="0">
-              <a:defRPr/>
-            </a:pPr>
-            <a:r>
-              <a:rPr lang="be-BY" sz="1000" dirty="0">
-                <a:solidFill>
-                  <a:schemeClr val="bg1"/>
-                </a:solidFill>
-                <a:latin typeface="Courier New" pitchFamily="49" charset="0"/>
-                <a:ea typeface="Calibri" pitchFamily="34" charset="0"/>
-                <a:cs typeface="Courier New" pitchFamily="49" charset="0"/>
-              </a:rPr>
-              <a:t>    }</a:t>
-            </a:r>
-            <a:endParaRPr lang="be-BY" dirty="0">
-              <a:solidFill>
-                <a:schemeClr val="bg1"/>
-              </a:solidFill>
-              <a:latin typeface="Calibri" pitchFamily="34" charset="0"/>
-            </a:endParaRPr>
-          </a:p>
-        </p:txBody>
-      </p:sp>
-      <p:sp>
-        <p:nvSpPr>
-          <p:cNvPr id="17412" name="Подзаголовок 2"/>
-          <p:cNvSpPr txBox="1">
-            <a:spLocks/>
-          </p:cNvSpPr>
-          <p:nvPr/>
-        </p:nvSpPr>
-        <p:spPr bwMode="auto">
-          <a:xfrm>
-            <a:off x="685800" y="762000"/>
-            <a:ext cx="7696200" cy="1600200"/>
-          </a:xfrm>
-          <a:prstGeom prst="rect">
-            <a:avLst/>
-          </a:prstGeom>
-          <a:noFill/>
-          <a:ln w="9525">
-            <a:solidFill>
-              <a:srgbClr val="FF0000"/>
-            </a:solidFill>
-            <a:miter lim="800000"/>
-            <a:headEnd/>
-            <a:tailEnd/>
-          </a:ln>
-          <a:extLst>
-            <a:ext uri="{909E8E84-426E-40DD-AFC4-6F175D3DCCD1}">
-              <a14:hiddenFill xmlns:a14="http://schemas.microsoft.com/office/drawing/2010/main">
-                <a:solidFill>
-                  <a:srgbClr val="FFFFFF"/>
-                </a:solidFill>
-              </a14:hiddenFill>
-            </a:ext>
-          </a:extLst>
-        </p:spPr>
-        <p:txBody>
-          <a:bodyPr/>
-          <a:lstStyle>
-            <a:lvl1pPr eaLnBrk="0" hangingPunct="0">
-              <a:defRPr>
-                <a:solidFill>
-                  <a:schemeClr val="tx1"/>
-                </a:solidFill>
-                <a:latin typeface="Arial" charset="0"/>
-              </a:defRPr>
-            </a:lvl1pPr>
-            <a:lvl2pPr marL="742950" indent="-285750" eaLnBrk="0" hangingPunct="0">
-              <a:defRPr>
-                <a:solidFill>
-                  <a:schemeClr val="tx1"/>
-                </a:solidFill>
-                <a:latin typeface="Arial" charset="0"/>
-              </a:defRPr>
-            </a:lvl2pPr>
-            <a:lvl3pPr marL="1143000" indent="-228600" eaLnBrk="0" hangingPunct="0">
-              <a:defRPr>
-                <a:solidFill>
-                  <a:schemeClr val="tx1"/>
-                </a:solidFill>
-                <a:latin typeface="Arial" charset="0"/>
-              </a:defRPr>
-            </a:lvl3pPr>
-            <a:lvl4pPr marL="1600200" indent="-228600" eaLnBrk="0" hangingPunct="0">
-              <a:defRPr>
-                <a:solidFill>
-                  <a:schemeClr val="tx1"/>
-                </a:solidFill>
-                <a:latin typeface="Arial" charset="0"/>
-              </a:defRPr>
-            </a:lvl4pPr>
-            <a:lvl5pPr marL="2057400" indent="-228600" eaLnBrk="0" hangingPunct="0">
-              <a:defRPr>
-                <a:solidFill>
-                  <a:schemeClr val="tx1"/>
-                </a:solidFill>
-                <a:latin typeface="Arial" charset="0"/>
-              </a:defRPr>
-            </a:lvl5pPr>
-            <a:lvl6pPr marL="2514600" indent="-228600" eaLnBrk="0" fontAlgn="base" hangingPunct="0">
-              <a:spcBef>
-                <a:spcPct val="0"/>
-              </a:spcBef>
-              <a:spcAft>
-                <a:spcPct val="0"/>
-              </a:spcAft>
-              <a:defRPr>
-                <a:solidFill>
-                  <a:schemeClr val="tx1"/>
-                </a:solidFill>
-                <a:latin typeface="Arial" charset="0"/>
-              </a:defRPr>
-            </a:lvl6pPr>
-            <a:lvl7pPr marL="2971800" indent="-228600" eaLnBrk="0" fontAlgn="base" hangingPunct="0">
-              <a:spcBef>
-                <a:spcPct val="0"/>
-              </a:spcBef>
-              <a:spcAft>
-                <a:spcPct val="0"/>
-              </a:spcAft>
-              <a:defRPr>
-                <a:solidFill>
-                  <a:schemeClr val="tx1"/>
-                </a:solidFill>
-                <a:latin typeface="Arial" charset="0"/>
-              </a:defRPr>
-            </a:lvl7pPr>
-            <a:lvl8pPr marL="3429000" indent="-228600" eaLnBrk="0" fontAlgn="base" hangingPunct="0">
-              <a:spcBef>
-                <a:spcPct val="0"/>
-              </a:spcBef>
-              <a:spcAft>
-                <a:spcPct val="0"/>
-              </a:spcAft>
-              <a:defRPr>
-                <a:solidFill>
-                  <a:schemeClr val="tx1"/>
-                </a:solidFill>
-                <a:latin typeface="Arial" charset="0"/>
-              </a:defRPr>
-            </a:lvl8pPr>
-            <a:lvl9pPr marL="3886200" indent="-228600" eaLnBrk="0" fontAlgn="base" hangingPunct="0">
-              <a:spcBef>
-                <a:spcPct val="0"/>
-              </a:spcBef>
-              <a:spcAft>
-                <a:spcPct val="0"/>
-              </a:spcAft>
-              <a:defRPr>
-                <a:solidFill>
-                  <a:schemeClr val="tx1"/>
-                </a:solidFill>
-                <a:latin typeface="Arial" charset="0"/>
-              </a:defRPr>
-            </a:lvl9pPr>
-          </a:lstStyle>
-          <a:p>
-            <a:pPr eaLnBrk="1" hangingPunct="1"/>
-            <a:r>
-              <a:rPr lang="en-US" sz="1400">
-                <a:solidFill>
-                  <a:schemeClr val="bg1"/>
-                </a:solidFill>
-                <a:latin typeface="Courier New" pitchFamily="49" charset="0"/>
-                <a:cs typeface="Courier New" pitchFamily="49" charset="0"/>
-              </a:rPr>
-              <a:t>enum &lt;</a:t>
-            </a:r>
-            <a:r>
-              <a:rPr lang="ru-RU" sz="1400">
-                <a:solidFill>
-                  <a:schemeClr val="bg1"/>
-                </a:solidFill>
-                <a:latin typeface="Courier New" pitchFamily="49" charset="0"/>
-                <a:cs typeface="Courier New" pitchFamily="49" charset="0"/>
-              </a:rPr>
-              <a:t>Имя перечисления</a:t>
-            </a:r>
-            <a:r>
-              <a:rPr lang="en-US" sz="1400">
-                <a:solidFill>
-                  <a:schemeClr val="bg1"/>
-                </a:solidFill>
-                <a:latin typeface="Courier New" pitchFamily="49" charset="0"/>
-                <a:cs typeface="Courier New" pitchFamily="49" charset="0"/>
-              </a:rPr>
-              <a:t>&gt;</a:t>
-            </a:r>
-            <a:endParaRPr lang="ru-RU" sz="1400">
-              <a:solidFill>
-                <a:schemeClr val="bg1"/>
-              </a:solidFill>
-              <a:latin typeface="Courier New" pitchFamily="49" charset="0"/>
-              <a:cs typeface="Courier New" pitchFamily="49" charset="0"/>
-            </a:endParaRPr>
-          </a:p>
-          <a:p>
-            <a:pPr eaLnBrk="1" hangingPunct="1"/>
-            <a:r>
-              <a:rPr lang="en-US" sz="1400">
-                <a:solidFill>
-                  <a:schemeClr val="bg1"/>
-                </a:solidFill>
-                <a:latin typeface="Courier New" pitchFamily="49" charset="0"/>
-                <a:cs typeface="Courier New" pitchFamily="49" charset="0"/>
-              </a:rPr>
-              <a:t>{</a:t>
-            </a:r>
-          </a:p>
-          <a:p>
-            <a:pPr eaLnBrk="1" hangingPunct="1"/>
-            <a:r>
-              <a:rPr lang="en-US" sz="1400">
-                <a:solidFill>
-                  <a:schemeClr val="bg1"/>
-                </a:solidFill>
-                <a:latin typeface="Courier New" pitchFamily="49" charset="0"/>
-                <a:cs typeface="Courier New" pitchFamily="49" charset="0"/>
-              </a:rPr>
-              <a:t>    &lt;</a:t>
-            </a:r>
-            <a:r>
-              <a:rPr lang="ru-RU" sz="1400">
-                <a:solidFill>
-                  <a:schemeClr val="bg1"/>
-                </a:solidFill>
-                <a:latin typeface="Courier New" pitchFamily="49" charset="0"/>
-                <a:cs typeface="Courier New" pitchFamily="49" charset="0"/>
-              </a:rPr>
-              <a:t>Имя 1-го элемента</a:t>
-            </a:r>
-            <a:r>
-              <a:rPr lang="en-US" sz="1400">
-                <a:solidFill>
-                  <a:schemeClr val="bg1"/>
-                </a:solidFill>
-                <a:latin typeface="Courier New" pitchFamily="49" charset="0"/>
-                <a:cs typeface="Courier New" pitchFamily="49" charset="0"/>
-              </a:rPr>
-              <a:t>&gt;</a:t>
-            </a:r>
-            <a:r>
-              <a:rPr lang="ru-RU" sz="1400">
-                <a:solidFill>
-                  <a:schemeClr val="bg1"/>
-                </a:solidFill>
-                <a:latin typeface="Courier New" pitchFamily="49" charset="0"/>
-                <a:cs typeface="Courier New" pitchFamily="49" charset="0"/>
-              </a:rPr>
-              <a:t> = </a:t>
-            </a:r>
-            <a:r>
-              <a:rPr lang="en-US" sz="1400">
-                <a:solidFill>
-                  <a:schemeClr val="bg1"/>
-                </a:solidFill>
-                <a:latin typeface="Courier New" pitchFamily="49" charset="0"/>
-                <a:cs typeface="Courier New" pitchFamily="49" charset="0"/>
-              </a:rPr>
-              <a:t>&lt;</a:t>
-            </a:r>
-            <a:r>
-              <a:rPr lang="ru-RU" sz="1400">
-                <a:solidFill>
-                  <a:schemeClr val="bg1"/>
-                </a:solidFill>
-                <a:latin typeface="Courier New" pitchFamily="49" charset="0"/>
-                <a:cs typeface="Courier New" pitchFamily="49" charset="0"/>
-              </a:rPr>
-              <a:t>Числовое значение</a:t>
-            </a:r>
-            <a:r>
-              <a:rPr lang="en-US" sz="1400">
-                <a:solidFill>
-                  <a:schemeClr val="bg1"/>
-                </a:solidFill>
-                <a:latin typeface="Courier New" pitchFamily="49" charset="0"/>
-                <a:cs typeface="Courier New" pitchFamily="49" charset="0"/>
-              </a:rPr>
-              <a:t>&gt;,</a:t>
-            </a:r>
-          </a:p>
-          <a:p>
-            <a:pPr eaLnBrk="1" hangingPunct="1"/>
-            <a:r>
-              <a:rPr lang="en-US" sz="1400">
-                <a:solidFill>
-                  <a:schemeClr val="bg1"/>
-                </a:solidFill>
-                <a:latin typeface="Courier New" pitchFamily="49" charset="0"/>
-                <a:cs typeface="Courier New" pitchFamily="49" charset="0"/>
-              </a:rPr>
-              <a:t>    &lt;</a:t>
-            </a:r>
-            <a:r>
-              <a:rPr lang="ru-RU" sz="1400">
-                <a:solidFill>
-                  <a:schemeClr val="bg1"/>
-                </a:solidFill>
-                <a:latin typeface="Courier New" pitchFamily="49" charset="0"/>
-                <a:cs typeface="Courier New" pitchFamily="49" charset="0"/>
-              </a:rPr>
-              <a:t>Имя </a:t>
-            </a:r>
-            <a:r>
-              <a:rPr lang="en-US" sz="1400">
-                <a:solidFill>
-                  <a:schemeClr val="bg1"/>
-                </a:solidFill>
-                <a:latin typeface="Courier New" pitchFamily="49" charset="0"/>
-                <a:cs typeface="Courier New" pitchFamily="49" charset="0"/>
-              </a:rPr>
-              <a:t>2</a:t>
-            </a:r>
-            <a:r>
-              <a:rPr lang="ru-RU" sz="1400">
-                <a:solidFill>
-                  <a:schemeClr val="bg1"/>
-                </a:solidFill>
-                <a:latin typeface="Courier New" pitchFamily="49" charset="0"/>
-                <a:cs typeface="Courier New" pitchFamily="49" charset="0"/>
-              </a:rPr>
-              <a:t>-го элемента</a:t>
-            </a:r>
-            <a:r>
-              <a:rPr lang="en-US" sz="1400">
-                <a:solidFill>
-                  <a:schemeClr val="bg1"/>
-                </a:solidFill>
-                <a:latin typeface="Courier New" pitchFamily="49" charset="0"/>
-                <a:cs typeface="Courier New" pitchFamily="49" charset="0"/>
-              </a:rPr>
-              <a:t>&gt;</a:t>
-            </a:r>
-            <a:r>
-              <a:rPr lang="ru-RU" sz="1400">
-                <a:solidFill>
-                  <a:schemeClr val="bg1"/>
-                </a:solidFill>
-                <a:latin typeface="Courier New" pitchFamily="49" charset="0"/>
-                <a:cs typeface="Courier New" pitchFamily="49" charset="0"/>
-              </a:rPr>
-              <a:t> = </a:t>
-            </a:r>
-            <a:r>
-              <a:rPr lang="en-US" sz="1400">
-                <a:solidFill>
-                  <a:schemeClr val="bg1"/>
-                </a:solidFill>
-                <a:latin typeface="Courier New" pitchFamily="49" charset="0"/>
-                <a:cs typeface="Courier New" pitchFamily="49" charset="0"/>
-              </a:rPr>
-              <a:t>&lt;</a:t>
-            </a:r>
-            <a:r>
-              <a:rPr lang="ru-RU" sz="1400">
-                <a:solidFill>
-                  <a:schemeClr val="bg1"/>
-                </a:solidFill>
-                <a:latin typeface="Courier New" pitchFamily="49" charset="0"/>
-                <a:cs typeface="Courier New" pitchFamily="49" charset="0"/>
-              </a:rPr>
-              <a:t>Числовое значение</a:t>
-            </a:r>
-            <a:r>
-              <a:rPr lang="en-US" sz="1400">
-                <a:solidFill>
-                  <a:schemeClr val="bg1"/>
-                </a:solidFill>
-                <a:latin typeface="Courier New" pitchFamily="49" charset="0"/>
-                <a:cs typeface="Courier New" pitchFamily="49" charset="0"/>
-              </a:rPr>
-              <a:t>&gt;,</a:t>
-            </a:r>
-          </a:p>
-          <a:p>
-            <a:pPr eaLnBrk="1" hangingPunct="1"/>
-            <a:r>
-              <a:rPr lang="en-US" sz="1400">
-                <a:solidFill>
-                  <a:schemeClr val="bg1"/>
-                </a:solidFill>
-                <a:latin typeface="Courier New" pitchFamily="49" charset="0"/>
-                <a:cs typeface="Courier New" pitchFamily="49" charset="0"/>
-              </a:rPr>
-              <a:t>    . . .</a:t>
-            </a:r>
-          </a:p>
-          <a:p>
-            <a:pPr eaLnBrk="1" hangingPunct="1"/>
-            <a:r>
-              <a:rPr lang="en-US" sz="1400">
-                <a:solidFill>
-                  <a:schemeClr val="bg1"/>
-                </a:solidFill>
-                <a:latin typeface="Courier New" pitchFamily="49" charset="0"/>
-                <a:cs typeface="Courier New" pitchFamily="49" charset="0"/>
-              </a:rPr>
-              <a:t>    &lt;</a:t>
-            </a:r>
-            <a:r>
-              <a:rPr lang="ru-RU" sz="1400">
-                <a:solidFill>
-                  <a:schemeClr val="bg1"/>
-                </a:solidFill>
-                <a:latin typeface="Courier New" pitchFamily="49" charset="0"/>
-                <a:cs typeface="Courier New" pitchFamily="49" charset="0"/>
-              </a:rPr>
-              <a:t>Имя </a:t>
-            </a:r>
-            <a:r>
-              <a:rPr lang="en-US" sz="1400">
-                <a:solidFill>
-                  <a:schemeClr val="bg1"/>
-                </a:solidFill>
-                <a:latin typeface="Courier New" pitchFamily="49" charset="0"/>
-                <a:cs typeface="Courier New" pitchFamily="49" charset="0"/>
-              </a:rPr>
-              <a:t>n</a:t>
-            </a:r>
-            <a:r>
-              <a:rPr lang="ru-RU" sz="1400">
-                <a:solidFill>
-                  <a:schemeClr val="bg1"/>
-                </a:solidFill>
-                <a:latin typeface="Courier New" pitchFamily="49" charset="0"/>
-                <a:cs typeface="Courier New" pitchFamily="49" charset="0"/>
-              </a:rPr>
-              <a:t>-го элемента</a:t>
-            </a:r>
-            <a:r>
-              <a:rPr lang="en-US" sz="1400">
-                <a:solidFill>
-                  <a:schemeClr val="bg1"/>
-                </a:solidFill>
-                <a:latin typeface="Courier New" pitchFamily="49" charset="0"/>
-                <a:cs typeface="Courier New" pitchFamily="49" charset="0"/>
-              </a:rPr>
-              <a:t>&gt;</a:t>
-            </a:r>
-            <a:r>
-              <a:rPr lang="ru-RU" sz="1400">
-                <a:solidFill>
-                  <a:schemeClr val="bg1"/>
-                </a:solidFill>
-                <a:latin typeface="Courier New" pitchFamily="49" charset="0"/>
-                <a:cs typeface="Courier New" pitchFamily="49" charset="0"/>
-              </a:rPr>
-              <a:t> = </a:t>
-            </a:r>
-            <a:r>
-              <a:rPr lang="en-US" sz="1400">
-                <a:solidFill>
-                  <a:schemeClr val="bg1"/>
-                </a:solidFill>
-                <a:latin typeface="Courier New" pitchFamily="49" charset="0"/>
-                <a:cs typeface="Courier New" pitchFamily="49" charset="0"/>
-              </a:rPr>
-              <a:t>&lt;</a:t>
-            </a:r>
-            <a:r>
-              <a:rPr lang="ru-RU" sz="1400">
-                <a:solidFill>
-                  <a:schemeClr val="bg1"/>
-                </a:solidFill>
-                <a:latin typeface="Courier New" pitchFamily="49" charset="0"/>
-                <a:cs typeface="Courier New" pitchFamily="49" charset="0"/>
-              </a:rPr>
-              <a:t>Числовое значение</a:t>
-            </a:r>
-            <a:r>
-              <a:rPr lang="en-US" sz="1400">
-                <a:solidFill>
-                  <a:schemeClr val="bg1"/>
-                </a:solidFill>
-                <a:latin typeface="Courier New" pitchFamily="49" charset="0"/>
-                <a:cs typeface="Courier New" pitchFamily="49" charset="0"/>
-              </a:rPr>
-              <a:t>&gt;</a:t>
-            </a:r>
-          </a:p>
-          <a:p>
-            <a:pPr eaLnBrk="1" hangingPunct="1"/>
-            <a:r>
-              <a:rPr lang="en-US" sz="1400">
-                <a:solidFill>
-                  <a:schemeClr val="bg1"/>
-                </a:solidFill>
-                <a:latin typeface="Courier New" pitchFamily="49" charset="0"/>
-                <a:cs typeface="Courier New" pitchFamily="49" charset="0"/>
-              </a:rPr>
-              <a:t>}</a:t>
-            </a:r>
-            <a:endParaRPr lang="ru-RU" sz="1400">
-              <a:solidFill>
-                <a:schemeClr val="bg1"/>
-              </a:solidFill>
-              <a:latin typeface="Courier New" pitchFamily="49" charset="0"/>
-              <a:cs typeface="Courier New" pitchFamily="49" charset="0"/>
-            </a:endParaRPr>
-          </a:p>
-          <a:p>
-            <a:pPr eaLnBrk="1" hangingPunct="1"/>
-            <a:endParaRPr lang="ru-RU" sz="1400">
-              <a:solidFill>
-                <a:schemeClr val="bg1"/>
-              </a:solidFill>
-              <a:latin typeface="Courier New" pitchFamily="49" charset="0"/>
-              <a:cs typeface="Courier New" pitchFamily="49" charset="0"/>
-            </a:endParaRPr>
-          </a:p>
-        </p:txBody>
-      </p:sp>
-    </p:spTree>
-    <p:extLst>
-      <p:ext uri="{BB962C8B-B14F-4D97-AF65-F5344CB8AC3E}">
-        <p14:creationId xmlns:p14="http://schemas.microsoft.com/office/powerpoint/2010/main" val="3737252040"/>
       </p:ext>
     </p:extLst>
   </p:cSld>
@@ -26204,6 +25133,1208 @@
       </p:grpSpPr>
       <p:sp>
         <p:nvSpPr>
+          <p:cNvPr id="17410" name="Прямоугольник 6"/>
+          <p:cNvSpPr>
+            <a:spLocks noChangeArrowheads="1"/>
+          </p:cNvSpPr>
+          <p:nvPr/>
+        </p:nvSpPr>
+        <p:spPr bwMode="auto">
+          <a:xfrm>
+            <a:off x="609600" y="152400"/>
+            <a:ext cx="7924800" cy="461963"/>
+          </a:xfrm>
+          <a:prstGeom prst="rect">
+            <a:avLst/>
+          </a:prstGeom>
+          <a:noFill/>
+          <a:ln>
+            <a:noFill/>
+          </a:ln>
+          <a:extLst>
+            <a:ext uri="{909E8E84-426E-40DD-AFC4-6F175D3DCCD1}">
+              <a14:hiddenFill xmlns:a14="http://schemas.microsoft.com/office/drawing/2010/main">
+                <a:solidFill>
+                  <a:srgbClr val="FFFFFF"/>
+                </a:solidFill>
+              </a14:hiddenFill>
+            </a:ext>
+            <a:ext uri="{91240B29-F687-4F45-9708-019B960494DF}">
+              <a14:hiddenLine xmlns:a14="http://schemas.microsoft.com/office/drawing/2010/main" w="9525">
+                <a:solidFill>
+                  <a:srgbClr val="000000"/>
+                </a:solidFill>
+                <a:miter lim="800000"/>
+                <a:headEnd/>
+                <a:tailEnd/>
+              </a14:hiddenLine>
+            </a:ext>
+          </a:extLst>
+        </p:spPr>
+        <p:txBody>
+          <a:bodyPr>
+            <a:spAutoFit/>
+          </a:bodyPr>
+          <a:lstStyle/>
+          <a:p>
+            <a:pPr algn="ctr" eaLnBrk="0" hangingPunct="0">
+              <a:tabLst>
+                <a:tab pos="457200" algn="l"/>
+              </a:tabLst>
+            </a:pPr>
+            <a:r>
+              <a:rPr lang="ru-RU" sz="2400" dirty="0">
+                <a:solidFill>
+                  <a:schemeClr val="bg1"/>
+                </a:solidFill>
+                <a:cs typeface="Times New Roman" pitchFamily="18" charset="0"/>
+              </a:rPr>
+              <a:t>Перечисления </a:t>
+            </a:r>
+            <a:r>
+              <a:rPr lang="en-US" sz="2400" b="1" dirty="0" err="1">
+                <a:solidFill>
+                  <a:schemeClr val="bg1"/>
+                </a:solidFill>
+                <a:cs typeface="Times New Roman" pitchFamily="18" charset="0"/>
+              </a:rPr>
+              <a:t>enum</a:t>
+            </a:r>
+            <a:r>
+              <a:rPr lang="en-US" sz="2400" b="1" dirty="0">
+                <a:solidFill>
+                  <a:schemeClr val="bg1"/>
+                </a:solidFill>
+                <a:cs typeface="Times New Roman" pitchFamily="18" charset="0"/>
+              </a:rPr>
+              <a:t>.</a:t>
+            </a:r>
+            <a:endParaRPr lang="ru-RU" sz="2400" b="1" dirty="0">
+              <a:solidFill>
+                <a:schemeClr val="bg1"/>
+              </a:solidFill>
+              <a:cs typeface="Times New Roman" pitchFamily="18" charset="0"/>
+            </a:endParaRPr>
+          </a:p>
+        </p:txBody>
+      </p:sp>
+      <p:sp>
+        <p:nvSpPr>
+          <p:cNvPr id="12294" name="Rectangle 6"/>
+          <p:cNvSpPr>
+            <a:spLocks noChangeArrowheads="1"/>
+          </p:cNvSpPr>
+          <p:nvPr/>
+        </p:nvSpPr>
+        <p:spPr bwMode="auto">
+          <a:xfrm>
+            <a:off x="685800" y="2667000"/>
+            <a:ext cx="7696200" cy="3770313"/>
+          </a:xfrm>
+          <a:prstGeom prst="rect">
+            <a:avLst/>
+          </a:prstGeom>
+          <a:noFill/>
+          <a:ln w="9525">
+            <a:solidFill>
+              <a:schemeClr val="bg1">
+                <a:lumMod val="65000"/>
+              </a:schemeClr>
+            </a:solidFill>
+            <a:miter lim="800000"/>
+            <a:headEnd/>
+            <a:tailEnd/>
+          </a:ln>
+          <a:effectLst/>
+        </p:spPr>
+        <p:txBody>
+          <a:bodyPr anchor="ctr">
+            <a:spAutoFit/>
+          </a:bodyPr>
+          <a:lstStyle/>
+          <a:p>
+            <a:pPr eaLnBrk="0" hangingPunct="0">
+              <a:defRPr/>
+            </a:pPr>
+            <a:r>
+              <a:rPr lang="be-BY" sz="1000" dirty="0">
+                <a:solidFill>
+                  <a:schemeClr val="bg1"/>
+                </a:solidFill>
+                <a:latin typeface="Courier New" pitchFamily="49" charset="0"/>
+                <a:ea typeface="Calibri" pitchFamily="34" charset="0"/>
+                <a:cs typeface="Courier New" pitchFamily="49" charset="0"/>
+              </a:rPr>
+              <a:t>    enum Cars</a:t>
+            </a:r>
+            <a:endParaRPr lang="be-BY" sz="900" dirty="0">
+              <a:solidFill>
+                <a:schemeClr val="bg1"/>
+              </a:solidFill>
+              <a:latin typeface="Arial" pitchFamily="34" charset="0"/>
+            </a:endParaRPr>
+          </a:p>
+          <a:p>
+            <a:pPr eaLnBrk="0" hangingPunct="0">
+              <a:defRPr/>
+            </a:pPr>
+            <a:r>
+              <a:rPr lang="be-BY" sz="1000" dirty="0">
+                <a:solidFill>
+                  <a:schemeClr val="bg1"/>
+                </a:solidFill>
+                <a:latin typeface="Courier New" pitchFamily="49" charset="0"/>
+                <a:ea typeface="Calibri" pitchFamily="34" charset="0"/>
+                <a:cs typeface="Courier New" pitchFamily="49" charset="0"/>
+              </a:rPr>
+              <a:t>    {</a:t>
+            </a:r>
+            <a:endParaRPr lang="be-BY" sz="900" dirty="0">
+              <a:solidFill>
+                <a:schemeClr val="bg1"/>
+              </a:solidFill>
+              <a:latin typeface="Arial" pitchFamily="34" charset="0"/>
+            </a:endParaRPr>
+          </a:p>
+          <a:p>
+            <a:pPr eaLnBrk="0" hangingPunct="0">
+              <a:defRPr/>
+            </a:pPr>
+            <a:r>
+              <a:rPr lang="be-BY" sz="1000" dirty="0">
+                <a:solidFill>
+                  <a:schemeClr val="bg1"/>
+                </a:solidFill>
+                <a:latin typeface="Courier New" pitchFamily="49" charset="0"/>
+                <a:ea typeface="Calibri" pitchFamily="34" charset="0"/>
+                <a:cs typeface="Courier New" pitchFamily="49" charset="0"/>
+              </a:rPr>
+              <a:t>        Mersedes = 0,</a:t>
+            </a:r>
+            <a:endParaRPr lang="be-BY" sz="900" dirty="0">
+              <a:solidFill>
+                <a:schemeClr val="bg1"/>
+              </a:solidFill>
+              <a:latin typeface="Arial" pitchFamily="34" charset="0"/>
+            </a:endParaRPr>
+          </a:p>
+          <a:p>
+            <a:pPr eaLnBrk="0" hangingPunct="0">
+              <a:defRPr/>
+            </a:pPr>
+            <a:r>
+              <a:rPr lang="be-BY" sz="1000" dirty="0">
+                <a:solidFill>
+                  <a:schemeClr val="bg1"/>
+                </a:solidFill>
+                <a:latin typeface="Courier New" pitchFamily="49" charset="0"/>
+                <a:ea typeface="Calibri" pitchFamily="34" charset="0"/>
+                <a:cs typeface="Courier New" pitchFamily="49" charset="0"/>
+              </a:rPr>
+              <a:t>        Porsche = 5,</a:t>
+            </a:r>
+            <a:endParaRPr lang="be-BY" sz="900" dirty="0">
+              <a:solidFill>
+                <a:schemeClr val="bg1"/>
+              </a:solidFill>
+              <a:latin typeface="Arial" pitchFamily="34" charset="0"/>
+            </a:endParaRPr>
+          </a:p>
+          <a:p>
+            <a:pPr eaLnBrk="0" hangingPunct="0">
+              <a:defRPr/>
+            </a:pPr>
+            <a:r>
+              <a:rPr lang="be-BY" sz="1000" dirty="0">
+                <a:solidFill>
+                  <a:schemeClr val="bg1"/>
+                </a:solidFill>
+                <a:latin typeface="Courier New" pitchFamily="49" charset="0"/>
+                <a:ea typeface="Calibri" pitchFamily="34" charset="0"/>
+                <a:cs typeface="Courier New" pitchFamily="49" charset="0"/>
+              </a:rPr>
+              <a:t>        BMW = 100,</a:t>
+            </a:r>
+            <a:endParaRPr lang="be-BY" sz="900" dirty="0">
+              <a:solidFill>
+                <a:schemeClr val="bg1"/>
+              </a:solidFill>
+              <a:latin typeface="Arial" pitchFamily="34" charset="0"/>
+            </a:endParaRPr>
+          </a:p>
+          <a:p>
+            <a:pPr eaLnBrk="0" hangingPunct="0">
+              <a:defRPr/>
+            </a:pPr>
+            <a:r>
+              <a:rPr lang="be-BY" sz="1000" dirty="0">
+                <a:solidFill>
+                  <a:schemeClr val="bg1"/>
+                </a:solidFill>
+                <a:latin typeface="Courier New" pitchFamily="49" charset="0"/>
+                <a:ea typeface="Calibri" pitchFamily="34" charset="0"/>
+                <a:cs typeface="Courier New" pitchFamily="49" charset="0"/>
+              </a:rPr>
+              <a:t>        Lamborgini = 140,</a:t>
+            </a:r>
+            <a:endParaRPr lang="be-BY" sz="900" dirty="0">
+              <a:solidFill>
+                <a:schemeClr val="bg1"/>
+              </a:solidFill>
+              <a:latin typeface="Arial" pitchFamily="34" charset="0"/>
+            </a:endParaRPr>
+          </a:p>
+          <a:p>
+            <a:pPr eaLnBrk="0" hangingPunct="0">
+              <a:defRPr/>
+            </a:pPr>
+            <a:r>
+              <a:rPr lang="be-BY" sz="1000" dirty="0">
+                <a:solidFill>
+                  <a:schemeClr val="bg1"/>
+                </a:solidFill>
+                <a:latin typeface="Courier New" pitchFamily="49" charset="0"/>
+                <a:ea typeface="Calibri" pitchFamily="34" charset="0"/>
+                <a:cs typeface="Courier New" pitchFamily="49" charset="0"/>
+              </a:rPr>
+              <a:t>        Ferrari = 500</a:t>
+            </a:r>
+            <a:endParaRPr lang="be-BY" sz="900" dirty="0">
+              <a:solidFill>
+                <a:schemeClr val="bg1"/>
+              </a:solidFill>
+              <a:latin typeface="Arial" pitchFamily="34" charset="0"/>
+            </a:endParaRPr>
+          </a:p>
+          <a:p>
+            <a:pPr eaLnBrk="0" hangingPunct="0">
+              <a:defRPr/>
+            </a:pPr>
+            <a:r>
+              <a:rPr lang="be-BY" sz="1000" dirty="0">
+                <a:solidFill>
+                  <a:schemeClr val="bg1"/>
+                </a:solidFill>
+                <a:latin typeface="Courier New" pitchFamily="49" charset="0"/>
+                <a:ea typeface="Calibri" pitchFamily="34" charset="0"/>
+                <a:cs typeface="Courier New" pitchFamily="49" charset="0"/>
+              </a:rPr>
+              <a:t>    }</a:t>
+            </a:r>
+            <a:endParaRPr lang="en-US" sz="1000" dirty="0">
+              <a:solidFill>
+                <a:schemeClr val="bg1"/>
+              </a:solidFill>
+              <a:latin typeface="Courier New" pitchFamily="49" charset="0"/>
+              <a:ea typeface="Calibri" pitchFamily="34" charset="0"/>
+              <a:cs typeface="Courier New" pitchFamily="49" charset="0"/>
+            </a:endParaRPr>
+          </a:p>
+          <a:p>
+            <a:pPr eaLnBrk="0" hangingPunct="0">
+              <a:defRPr/>
+            </a:pPr>
+            <a:endParaRPr lang="be-BY" sz="900" dirty="0">
+              <a:solidFill>
+                <a:schemeClr val="bg1"/>
+              </a:solidFill>
+              <a:latin typeface="Arial" pitchFamily="34" charset="0"/>
+            </a:endParaRPr>
+          </a:p>
+          <a:p>
+            <a:pPr eaLnBrk="0" hangingPunct="0">
+              <a:defRPr/>
+            </a:pPr>
+            <a:r>
+              <a:rPr lang="be-BY" sz="1000" dirty="0">
+                <a:solidFill>
+                  <a:schemeClr val="bg1"/>
+                </a:solidFill>
+                <a:latin typeface="Courier New" pitchFamily="49" charset="0"/>
+                <a:ea typeface="Calibri" pitchFamily="34" charset="0"/>
+                <a:cs typeface="Courier New" pitchFamily="49" charset="0"/>
+              </a:rPr>
+              <a:t>    class Program</a:t>
+            </a:r>
+            <a:endParaRPr lang="be-BY" sz="900" dirty="0">
+              <a:solidFill>
+                <a:schemeClr val="bg1"/>
+              </a:solidFill>
+              <a:latin typeface="Arial" pitchFamily="34" charset="0"/>
+            </a:endParaRPr>
+          </a:p>
+          <a:p>
+            <a:pPr eaLnBrk="0" hangingPunct="0">
+              <a:defRPr/>
+            </a:pPr>
+            <a:r>
+              <a:rPr lang="be-BY" sz="1000" dirty="0">
+                <a:solidFill>
+                  <a:schemeClr val="bg1"/>
+                </a:solidFill>
+                <a:latin typeface="Courier New" pitchFamily="49" charset="0"/>
+                <a:ea typeface="Calibri" pitchFamily="34" charset="0"/>
+                <a:cs typeface="Courier New" pitchFamily="49" charset="0"/>
+              </a:rPr>
+              <a:t>    {</a:t>
+            </a:r>
+            <a:endParaRPr lang="be-BY" sz="900" dirty="0">
+              <a:solidFill>
+                <a:schemeClr val="bg1"/>
+              </a:solidFill>
+              <a:latin typeface="Arial" pitchFamily="34" charset="0"/>
+            </a:endParaRPr>
+          </a:p>
+          <a:p>
+            <a:pPr eaLnBrk="0" hangingPunct="0">
+              <a:defRPr/>
+            </a:pPr>
+            <a:r>
+              <a:rPr lang="be-BY" sz="1000" dirty="0">
+                <a:solidFill>
+                  <a:schemeClr val="bg1"/>
+                </a:solidFill>
+                <a:latin typeface="Courier New" pitchFamily="49" charset="0"/>
+                <a:ea typeface="Calibri" pitchFamily="34" charset="0"/>
+                <a:cs typeface="Courier New" pitchFamily="49" charset="0"/>
+              </a:rPr>
+              <a:t>        static void Main(string[] args)</a:t>
+            </a:r>
+            <a:endParaRPr lang="be-BY" sz="900" dirty="0">
+              <a:solidFill>
+                <a:schemeClr val="bg1"/>
+              </a:solidFill>
+              <a:latin typeface="Arial" pitchFamily="34" charset="0"/>
+            </a:endParaRPr>
+          </a:p>
+          <a:p>
+            <a:pPr eaLnBrk="0" hangingPunct="0">
+              <a:defRPr/>
+            </a:pPr>
+            <a:r>
+              <a:rPr lang="be-BY" sz="1000" dirty="0">
+                <a:solidFill>
+                  <a:schemeClr val="bg1"/>
+                </a:solidFill>
+                <a:latin typeface="Courier New" pitchFamily="49" charset="0"/>
+                <a:ea typeface="Calibri" pitchFamily="34" charset="0"/>
+                <a:cs typeface="Courier New" pitchFamily="49" charset="0"/>
+              </a:rPr>
+              <a:t>        {</a:t>
+            </a:r>
+            <a:endParaRPr lang="be-BY" sz="900" dirty="0">
+              <a:solidFill>
+                <a:schemeClr val="bg1"/>
+              </a:solidFill>
+              <a:latin typeface="Arial" pitchFamily="34" charset="0"/>
+            </a:endParaRPr>
+          </a:p>
+          <a:p>
+            <a:pPr eaLnBrk="0" hangingPunct="0">
+              <a:defRPr/>
+            </a:pPr>
+            <a:r>
+              <a:rPr lang="be-BY" sz="1000" dirty="0">
+                <a:solidFill>
+                  <a:schemeClr val="bg1"/>
+                </a:solidFill>
+                <a:latin typeface="Courier New" pitchFamily="49" charset="0"/>
+                <a:ea typeface="Calibri" pitchFamily="34" charset="0"/>
+                <a:cs typeface="Courier New" pitchFamily="49" charset="0"/>
+              </a:rPr>
+              <a:t>            Cars car1 = Cars.Mersedes, car2 = (Cars)140;</a:t>
+            </a:r>
+            <a:endParaRPr lang="be-BY" sz="900" dirty="0">
+              <a:solidFill>
+                <a:schemeClr val="bg1"/>
+              </a:solidFill>
+              <a:latin typeface="Arial" pitchFamily="34" charset="0"/>
+            </a:endParaRPr>
+          </a:p>
+          <a:p>
+            <a:pPr eaLnBrk="0" hangingPunct="0">
+              <a:defRPr/>
+            </a:pPr>
+            <a:r>
+              <a:rPr lang="be-BY" sz="1000" dirty="0">
+                <a:solidFill>
+                  <a:schemeClr val="bg1"/>
+                </a:solidFill>
+                <a:latin typeface="Courier New" pitchFamily="49" charset="0"/>
+                <a:ea typeface="Calibri" pitchFamily="34" charset="0"/>
+                <a:cs typeface="Courier New" pitchFamily="49" charset="0"/>
+              </a:rPr>
+              <a:t>            Console.WriteLine("{0}, {1}", car1, car2);</a:t>
+            </a:r>
+            <a:endParaRPr lang="be-BY" sz="900" dirty="0">
+              <a:solidFill>
+                <a:schemeClr val="bg1"/>
+              </a:solidFill>
+              <a:latin typeface="Arial" pitchFamily="34" charset="0"/>
+            </a:endParaRPr>
+          </a:p>
+          <a:p>
+            <a:pPr eaLnBrk="0" hangingPunct="0">
+              <a:defRPr/>
+            </a:pPr>
+            <a:r>
+              <a:rPr lang="be-BY" sz="1000" dirty="0">
+                <a:solidFill>
+                  <a:schemeClr val="bg1"/>
+                </a:solidFill>
+                <a:latin typeface="Courier New" pitchFamily="49" charset="0"/>
+                <a:ea typeface="Calibri" pitchFamily="34" charset="0"/>
+                <a:cs typeface="Courier New" pitchFamily="49" charset="0"/>
+              </a:rPr>
+              <a:t>            </a:t>
+            </a:r>
+            <a:endParaRPr lang="en-US" sz="1000" dirty="0">
+              <a:solidFill>
+                <a:schemeClr val="bg1"/>
+              </a:solidFill>
+              <a:latin typeface="Courier New" pitchFamily="49" charset="0"/>
+              <a:ea typeface="Calibri" pitchFamily="34" charset="0"/>
+              <a:cs typeface="Courier New" pitchFamily="49" charset="0"/>
+            </a:endParaRPr>
+          </a:p>
+          <a:p>
+            <a:pPr eaLnBrk="0" hangingPunct="0">
+              <a:defRPr/>
+            </a:pPr>
+            <a:r>
+              <a:rPr lang="en-US" sz="1000" dirty="0">
+                <a:solidFill>
+                  <a:schemeClr val="bg1"/>
+                </a:solidFill>
+                <a:latin typeface="Courier New" pitchFamily="49" charset="0"/>
+                <a:ea typeface="Calibri" pitchFamily="34" charset="0"/>
+                <a:cs typeface="Courier New" pitchFamily="49" charset="0"/>
+              </a:rPr>
+              <a:t>	</a:t>
+            </a:r>
+            <a:r>
+              <a:rPr lang="be-BY" sz="1000" dirty="0">
+                <a:solidFill>
+                  <a:schemeClr val="bg1"/>
+                </a:solidFill>
+                <a:latin typeface="Courier New" pitchFamily="49" charset="0"/>
+                <a:ea typeface="Calibri" pitchFamily="34" charset="0"/>
+                <a:cs typeface="Courier New" pitchFamily="49" charset="0"/>
+              </a:rPr>
+              <a:t>if (car2 == Cars.BMW)</a:t>
+            </a:r>
+            <a:endParaRPr lang="be-BY" sz="900" dirty="0">
+              <a:solidFill>
+                <a:schemeClr val="bg1"/>
+              </a:solidFill>
+              <a:latin typeface="Arial" pitchFamily="34" charset="0"/>
+            </a:endParaRPr>
+          </a:p>
+          <a:p>
+            <a:pPr eaLnBrk="0" hangingPunct="0">
+              <a:defRPr/>
+            </a:pPr>
+            <a:r>
+              <a:rPr lang="be-BY" sz="1000" dirty="0">
+                <a:solidFill>
+                  <a:schemeClr val="bg1"/>
+                </a:solidFill>
+                <a:latin typeface="Courier New" pitchFamily="49" charset="0"/>
+                <a:ea typeface="Calibri" pitchFamily="34" charset="0"/>
+                <a:cs typeface="Courier New" pitchFamily="49" charset="0"/>
+              </a:rPr>
+              <a:t>                Console.WriteLine("Now Car2 is BMW");</a:t>
+            </a:r>
+            <a:endParaRPr lang="be-BY" sz="900" dirty="0">
+              <a:solidFill>
+                <a:schemeClr val="bg1"/>
+              </a:solidFill>
+              <a:latin typeface="Arial" pitchFamily="34" charset="0"/>
+            </a:endParaRPr>
+          </a:p>
+          <a:p>
+            <a:pPr eaLnBrk="0" hangingPunct="0">
+              <a:defRPr/>
+            </a:pPr>
+            <a:r>
+              <a:rPr lang="be-BY" sz="1000" dirty="0">
+                <a:solidFill>
+                  <a:schemeClr val="bg1"/>
+                </a:solidFill>
+                <a:latin typeface="Courier New" pitchFamily="49" charset="0"/>
+                <a:ea typeface="Calibri" pitchFamily="34" charset="0"/>
+                <a:cs typeface="Courier New" pitchFamily="49" charset="0"/>
+              </a:rPr>
+              <a:t>            else if (car2 == Cars.Lamborgini</a:t>
+            </a:r>
+            <a:r>
+              <a:rPr lang="en-US" sz="1000" dirty="0">
+                <a:solidFill>
+                  <a:schemeClr val="bg1"/>
+                </a:solidFill>
+                <a:latin typeface="Courier New" pitchFamily="49" charset="0"/>
+                <a:ea typeface="Calibri" pitchFamily="34" charset="0"/>
+                <a:cs typeface="Courier New" pitchFamily="49" charset="0"/>
+              </a:rPr>
+              <a:t>)</a:t>
+            </a:r>
+            <a:endParaRPr lang="be-BY" sz="900" dirty="0">
+              <a:solidFill>
+                <a:schemeClr val="bg1"/>
+              </a:solidFill>
+              <a:latin typeface="Arial" pitchFamily="34" charset="0"/>
+            </a:endParaRPr>
+          </a:p>
+          <a:p>
+            <a:pPr eaLnBrk="0" hangingPunct="0">
+              <a:defRPr/>
+            </a:pPr>
+            <a:r>
+              <a:rPr lang="be-BY" sz="1000" dirty="0">
+                <a:solidFill>
+                  <a:schemeClr val="bg1"/>
+                </a:solidFill>
+                <a:latin typeface="Courier New" pitchFamily="49" charset="0"/>
+                <a:ea typeface="Calibri" pitchFamily="34" charset="0"/>
+                <a:cs typeface="Courier New" pitchFamily="49" charset="0"/>
+              </a:rPr>
+              <a:t>                Console.WriteLine("Now Car2 is Lamborgini");</a:t>
+            </a:r>
+            <a:endParaRPr lang="be-BY" sz="900" dirty="0">
+              <a:solidFill>
+                <a:schemeClr val="bg1"/>
+              </a:solidFill>
+              <a:latin typeface="Arial" pitchFamily="34" charset="0"/>
+            </a:endParaRPr>
+          </a:p>
+          <a:p>
+            <a:pPr eaLnBrk="0" hangingPunct="0">
+              <a:defRPr/>
+            </a:pPr>
+            <a:r>
+              <a:rPr lang="be-BY" sz="1000" dirty="0">
+                <a:solidFill>
+                  <a:schemeClr val="bg1"/>
+                </a:solidFill>
+                <a:latin typeface="Courier New" pitchFamily="49" charset="0"/>
+                <a:ea typeface="Calibri" pitchFamily="34" charset="0"/>
+                <a:cs typeface="Courier New" pitchFamily="49" charset="0"/>
+              </a:rPr>
+              <a:t>            else</a:t>
+            </a:r>
+            <a:endParaRPr lang="be-BY" sz="900" dirty="0">
+              <a:solidFill>
+                <a:schemeClr val="bg1"/>
+              </a:solidFill>
+              <a:latin typeface="Arial" pitchFamily="34" charset="0"/>
+            </a:endParaRPr>
+          </a:p>
+          <a:p>
+            <a:pPr eaLnBrk="0" hangingPunct="0">
+              <a:defRPr/>
+            </a:pPr>
+            <a:r>
+              <a:rPr lang="be-BY" sz="1000" dirty="0">
+                <a:solidFill>
+                  <a:schemeClr val="bg1"/>
+                </a:solidFill>
+                <a:latin typeface="Courier New" pitchFamily="49" charset="0"/>
+                <a:ea typeface="Calibri" pitchFamily="34" charset="0"/>
+                <a:cs typeface="Courier New" pitchFamily="49" charset="0"/>
+              </a:rPr>
+              <a:t>                Console.WriteLine("Now Car2 is unknown");</a:t>
+            </a:r>
+            <a:endParaRPr lang="be-BY" sz="900" dirty="0">
+              <a:solidFill>
+                <a:schemeClr val="bg1"/>
+              </a:solidFill>
+              <a:latin typeface="Arial" pitchFamily="34" charset="0"/>
+            </a:endParaRPr>
+          </a:p>
+          <a:p>
+            <a:pPr eaLnBrk="0" hangingPunct="0">
+              <a:defRPr/>
+            </a:pPr>
+            <a:r>
+              <a:rPr lang="be-BY" sz="1000" dirty="0">
+                <a:solidFill>
+                  <a:schemeClr val="bg1"/>
+                </a:solidFill>
+                <a:latin typeface="Courier New" pitchFamily="49" charset="0"/>
+                <a:ea typeface="Calibri" pitchFamily="34" charset="0"/>
+                <a:cs typeface="Courier New" pitchFamily="49" charset="0"/>
+              </a:rPr>
+              <a:t>        }</a:t>
+            </a:r>
+            <a:endParaRPr lang="be-BY" sz="900" dirty="0">
+              <a:solidFill>
+                <a:schemeClr val="bg1"/>
+              </a:solidFill>
+              <a:latin typeface="Arial" pitchFamily="34" charset="0"/>
+            </a:endParaRPr>
+          </a:p>
+          <a:p>
+            <a:pPr eaLnBrk="0" hangingPunct="0">
+              <a:defRPr/>
+            </a:pPr>
+            <a:r>
+              <a:rPr lang="be-BY" sz="1000" dirty="0">
+                <a:solidFill>
+                  <a:schemeClr val="bg1"/>
+                </a:solidFill>
+                <a:latin typeface="Courier New" pitchFamily="49" charset="0"/>
+                <a:ea typeface="Calibri" pitchFamily="34" charset="0"/>
+                <a:cs typeface="Courier New" pitchFamily="49" charset="0"/>
+              </a:rPr>
+              <a:t>    }</a:t>
+            </a:r>
+            <a:endParaRPr lang="be-BY" dirty="0">
+              <a:solidFill>
+                <a:schemeClr val="bg1"/>
+              </a:solidFill>
+              <a:latin typeface="Calibri" pitchFamily="34" charset="0"/>
+            </a:endParaRPr>
+          </a:p>
+        </p:txBody>
+      </p:sp>
+      <p:sp>
+        <p:nvSpPr>
+          <p:cNvPr id="17412" name="Подзаголовок 2"/>
+          <p:cNvSpPr txBox="1">
+            <a:spLocks/>
+          </p:cNvSpPr>
+          <p:nvPr/>
+        </p:nvSpPr>
+        <p:spPr bwMode="auto">
+          <a:xfrm>
+            <a:off x="685800" y="762000"/>
+            <a:ext cx="7696200" cy="1600200"/>
+          </a:xfrm>
+          <a:prstGeom prst="rect">
+            <a:avLst/>
+          </a:prstGeom>
+          <a:noFill/>
+          <a:ln w="9525">
+            <a:solidFill>
+              <a:srgbClr val="FF0000"/>
+            </a:solidFill>
+            <a:miter lim="800000"/>
+            <a:headEnd/>
+            <a:tailEnd/>
+          </a:ln>
+          <a:extLst>
+            <a:ext uri="{909E8E84-426E-40DD-AFC4-6F175D3DCCD1}">
+              <a14:hiddenFill xmlns:a14="http://schemas.microsoft.com/office/drawing/2010/main">
+                <a:solidFill>
+                  <a:srgbClr val="FFFFFF"/>
+                </a:solidFill>
+              </a14:hiddenFill>
+            </a:ext>
+          </a:extLst>
+        </p:spPr>
+        <p:txBody>
+          <a:bodyPr/>
+          <a:lstStyle>
+            <a:lvl1pPr eaLnBrk="0" hangingPunct="0">
+              <a:defRPr>
+                <a:solidFill>
+                  <a:schemeClr val="tx1"/>
+                </a:solidFill>
+                <a:latin typeface="Arial" charset="0"/>
+              </a:defRPr>
+            </a:lvl1pPr>
+            <a:lvl2pPr marL="742950" indent="-285750" eaLnBrk="0" hangingPunct="0">
+              <a:defRPr>
+                <a:solidFill>
+                  <a:schemeClr val="tx1"/>
+                </a:solidFill>
+                <a:latin typeface="Arial" charset="0"/>
+              </a:defRPr>
+            </a:lvl2pPr>
+            <a:lvl3pPr marL="1143000" indent="-228600" eaLnBrk="0" hangingPunct="0">
+              <a:defRPr>
+                <a:solidFill>
+                  <a:schemeClr val="tx1"/>
+                </a:solidFill>
+                <a:latin typeface="Arial" charset="0"/>
+              </a:defRPr>
+            </a:lvl3pPr>
+            <a:lvl4pPr marL="1600200" indent="-228600" eaLnBrk="0" hangingPunct="0">
+              <a:defRPr>
+                <a:solidFill>
+                  <a:schemeClr val="tx1"/>
+                </a:solidFill>
+                <a:latin typeface="Arial" charset="0"/>
+              </a:defRPr>
+            </a:lvl4pPr>
+            <a:lvl5pPr marL="2057400" indent="-228600" eaLnBrk="0" hangingPunct="0">
+              <a:defRPr>
+                <a:solidFill>
+                  <a:schemeClr val="tx1"/>
+                </a:solidFill>
+                <a:latin typeface="Arial" charset="0"/>
+              </a:defRPr>
+            </a:lvl5pPr>
+            <a:lvl6pPr marL="2514600" indent="-228600" eaLnBrk="0" fontAlgn="base" hangingPunct="0">
+              <a:spcBef>
+                <a:spcPct val="0"/>
+              </a:spcBef>
+              <a:spcAft>
+                <a:spcPct val="0"/>
+              </a:spcAft>
+              <a:defRPr>
+                <a:solidFill>
+                  <a:schemeClr val="tx1"/>
+                </a:solidFill>
+                <a:latin typeface="Arial" charset="0"/>
+              </a:defRPr>
+            </a:lvl6pPr>
+            <a:lvl7pPr marL="2971800" indent="-228600" eaLnBrk="0" fontAlgn="base" hangingPunct="0">
+              <a:spcBef>
+                <a:spcPct val="0"/>
+              </a:spcBef>
+              <a:spcAft>
+                <a:spcPct val="0"/>
+              </a:spcAft>
+              <a:defRPr>
+                <a:solidFill>
+                  <a:schemeClr val="tx1"/>
+                </a:solidFill>
+                <a:latin typeface="Arial" charset="0"/>
+              </a:defRPr>
+            </a:lvl7pPr>
+            <a:lvl8pPr marL="3429000" indent="-228600" eaLnBrk="0" fontAlgn="base" hangingPunct="0">
+              <a:spcBef>
+                <a:spcPct val="0"/>
+              </a:spcBef>
+              <a:spcAft>
+                <a:spcPct val="0"/>
+              </a:spcAft>
+              <a:defRPr>
+                <a:solidFill>
+                  <a:schemeClr val="tx1"/>
+                </a:solidFill>
+                <a:latin typeface="Arial" charset="0"/>
+              </a:defRPr>
+            </a:lvl8pPr>
+            <a:lvl9pPr marL="3886200" indent="-228600" eaLnBrk="0" fontAlgn="base" hangingPunct="0">
+              <a:spcBef>
+                <a:spcPct val="0"/>
+              </a:spcBef>
+              <a:spcAft>
+                <a:spcPct val="0"/>
+              </a:spcAft>
+              <a:defRPr>
+                <a:solidFill>
+                  <a:schemeClr val="tx1"/>
+                </a:solidFill>
+                <a:latin typeface="Arial" charset="0"/>
+              </a:defRPr>
+            </a:lvl9pPr>
+          </a:lstStyle>
+          <a:p>
+            <a:pPr eaLnBrk="1" hangingPunct="1"/>
+            <a:r>
+              <a:rPr lang="en-US" sz="1400">
+                <a:solidFill>
+                  <a:schemeClr val="bg1"/>
+                </a:solidFill>
+                <a:latin typeface="Courier New" pitchFamily="49" charset="0"/>
+                <a:cs typeface="Courier New" pitchFamily="49" charset="0"/>
+              </a:rPr>
+              <a:t>enum &lt;</a:t>
+            </a:r>
+            <a:r>
+              <a:rPr lang="ru-RU" sz="1400">
+                <a:solidFill>
+                  <a:schemeClr val="bg1"/>
+                </a:solidFill>
+                <a:latin typeface="Courier New" pitchFamily="49" charset="0"/>
+                <a:cs typeface="Courier New" pitchFamily="49" charset="0"/>
+              </a:rPr>
+              <a:t>Имя перечисления</a:t>
+            </a:r>
+            <a:r>
+              <a:rPr lang="en-US" sz="1400">
+                <a:solidFill>
+                  <a:schemeClr val="bg1"/>
+                </a:solidFill>
+                <a:latin typeface="Courier New" pitchFamily="49" charset="0"/>
+                <a:cs typeface="Courier New" pitchFamily="49" charset="0"/>
+              </a:rPr>
+              <a:t>&gt;</a:t>
+            </a:r>
+            <a:endParaRPr lang="ru-RU" sz="1400">
+              <a:solidFill>
+                <a:schemeClr val="bg1"/>
+              </a:solidFill>
+              <a:latin typeface="Courier New" pitchFamily="49" charset="0"/>
+              <a:cs typeface="Courier New" pitchFamily="49" charset="0"/>
+            </a:endParaRPr>
+          </a:p>
+          <a:p>
+            <a:pPr eaLnBrk="1" hangingPunct="1"/>
+            <a:r>
+              <a:rPr lang="en-US" sz="1400">
+                <a:solidFill>
+                  <a:schemeClr val="bg1"/>
+                </a:solidFill>
+                <a:latin typeface="Courier New" pitchFamily="49" charset="0"/>
+                <a:cs typeface="Courier New" pitchFamily="49" charset="0"/>
+              </a:rPr>
+              <a:t>{</a:t>
+            </a:r>
+          </a:p>
+          <a:p>
+            <a:pPr eaLnBrk="1" hangingPunct="1"/>
+            <a:r>
+              <a:rPr lang="en-US" sz="1400">
+                <a:solidFill>
+                  <a:schemeClr val="bg1"/>
+                </a:solidFill>
+                <a:latin typeface="Courier New" pitchFamily="49" charset="0"/>
+                <a:cs typeface="Courier New" pitchFamily="49" charset="0"/>
+              </a:rPr>
+              <a:t>    &lt;</a:t>
+            </a:r>
+            <a:r>
+              <a:rPr lang="ru-RU" sz="1400">
+                <a:solidFill>
+                  <a:schemeClr val="bg1"/>
+                </a:solidFill>
+                <a:latin typeface="Courier New" pitchFamily="49" charset="0"/>
+                <a:cs typeface="Courier New" pitchFamily="49" charset="0"/>
+              </a:rPr>
+              <a:t>Имя 1-го элемента</a:t>
+            </a:r>
+            <a:r>
+              <a:rPr lang="en-US" sz="1400">
+                <a:solidFill>
+                  <a:schemeClr val="bg1"/>
+                </a:solidFill>
+                <a:latin typeface="Courier New" pitchFamily="49" charset="0"/>
+                <a:cs typeface="Courier New" pitchFamily="49" charset="0"/>
+              </a:rPr>
+              <a:t>&gt;</a:t>
+            </a:r>
+            <a:r>
+              <a:rPr lang="ru-RU" sz="1400">
+                <a:solidFill>
+                  <a:schemeClr val="bg1"/>
+                </a:solidFill>
+                <a:latin typeface="Courier New" pitchFamily="49" charset="0"/>
+                <a:cs typeface="Courier New" pitchFamily="49" charset="0"/>
+              </a:rPr>
+              <a:t> = </a:t>
+            </a:r>
+            <a:r>
+              <a:rPr lang="en-US" sz="1400">
+                <a:solidFill>
+                  <a:schemeClr val="bg1"/>
+                </a:solidFill>
+                <a:latin typeface="Courier New" pitchFamily="49" charset="0"/>
+                <a:cs typeface="Courier New" pitchFamily="49" charset="0"/>
+              </a:rPr>
+              <a:t>&lt;</a:t>
+            </a:r>
+            <a:r>
+              <a:rPr lang="ru-RU" sz="1400">
+                <a:solidFill>
+                  <a:schemeClr val="bg1"/>
+                </a:solidFill>
+                <a:latin typeface="Courier New" pitchFamily="49" charset="0"/>
+                <a:cs typeface="Courier New" pitchFamily="49" charset="0"/>
+              </a:rPr>
+              <a:t>Числовое значение</a:t>
+            </a:r>
+            <a:r>
+              <a:rPr lang="en-US" sz="1400">
+                <a:solidFill>
+                  <a:schemeClr val="bg1"/>
+                </a:solidFill>
+                <a:latin typeface="Courier New" pitchFamily="49" charset="0"/>
+                <a:cs typeface="Courier New" pitchFamily="49" charset="0"/>
+              </a:rPr>
+              <a:t>&gt;,</a:t>
+            </a:r>
+          </a:p>
+          <a:p>
+            <a:pPr eaLnBrk="1" hangingPunct="1"/>
+            <a:r>
+              <a:rPr lang="en-US" sz="1400">
+                <a:solidFill>
+                  <a:schemeClr val="bg1"/>
+                </a:solidFill>
+                <a:latin typeface="Courier New" pitchFamily="49" charset="0"/>
+                <a:cs typeface="Courier New" pitchFamily="49" charset="0"/>
+              </a:rPr>
+              <a:t>    &lt;</a:t>
+            </a:r>
+            <a:r>
+              <a:rPr lang="ru-RU" sz="1400">
+                <a:solidFill>
+                  <a:schemeClr val="bg1"/>
+                </a:solidFill>
+                <a:latin typeface="Courier New" pitchFamily="49" charset="0"/>
+                <a:cs typeface="Courier New" pitchFamily="49" charset="0"/>
+              </a:rPr>
+              <a:t>Имя </a:t>
+            </a:r>
+            <a:r>
+              <a:rPr lang="en-US" sz="1400">
+                <a:solidFill>
+                  <a:schemeClr val="bg1"/>
+                </a:solidFill>
+                <a:latin typeface="Courier New" pitchFamily="49" charset="0"/>
+                <a:cs typeface="Courier New" pitchFamily="49" charset="0"/>
+              </a:rPr>
+              <a:t>2</a:t>
+            </a:r>
+            <a:r>
+              <a:rPr lang="ru-RU" sz="1400">
+                <a:solidFill>
+                  <a:schemeClr val="bg1"/>
+                </a:solidFill>
+                <a:latin typeface="Courier New" pitchFamily="49" charset="0"/>
+                <a:cs typeface="Courier New" pitchFamily="49" charset="0"/>
+              </a:rPr>
+              <a:t>-го элемента</a:t>
+            </a:r>
+            <a:r>
+              <a:rPr lang="en-US" sz="1400">
+                <a:solidFill>
+                  <a:schemeClr val="bg1"/>
+                </a:solidFill>
+                <a:latin typeface="Courier New" pitchFamily="49" charset="0"/>
+                <a:cs typeface="Courier New" pitchFamily="49" charset="0"/>
+              </a:rPr>
+              <a:t>&gt;</a:t>
+            </a:r>
+            <a:r>
+              <a:rPr lang="ru-RU" sz="1400">
+                <a:solidFill>
+                  <a:schemeClr val="bg1"/>
+                </a:solidFill>
+                <a:latin typeface="Courier New" pitchFamily="49" charset="0"/>
+                <a:cs typeface="Courier New" pitchFamily="49" charset="0"/>
+              </a:rPr>
+              <a:t> = </a:t>
+            </a:r>
+            <a:r>
+              <a:rPr lang="en-US" sz="1400">
+                <a:solidFill>
+                  <a:schemeClr val="bg1"/>
+                </a:solidFill>
+                <a:latin typeface="Courier New" pitchFamily="49" charset="0"/>
+                <a:cs typeface="Courier New" pitchFamily="49" charset="0"/>
+              </a:rPr>
+              <a:t>&lt;</a:t>
+            </a:r>
+            <a:r>
+              <a:rPr lang="ru-RU" sz="1400">
+                <a:solidFill>
+                  <a:schemeClr val="bg1"/>
+                </a:solidFill>
+                <a:latin typeface="Courier New" pitchFamily="49" charset="0"/>
+                <a:cs typeface="Courier New" pitchFamily="49" charset="0"/>
+              </a:rPr>
+              <a:t>Числовое значение</a:t>
+            </a:r>
+            <a:r>
+              <a:rPr lang="en-US" sz="1400">
+                <a:solidFill>
+                  <a:schemeClr val="bg1"/>
+                </a:solidFill>
+                <a:latin typeface="Courier New" pitchFamily="49" charset="0"/>
+                <a:cs typeface="Courier New" pitchFamily="49" charset="0"/>
+              </a:rPr>
+              <a:t>&gt;,</a:t>
+            </a:r>
+          </a:p>
+          <a:p>
+            <a:pPr eaLnBrk="1" hangingPunct="1"/>
+            <a:r>
+              <a:rPr lang="en-US" sz="1400">
+                <a:solidFill>
+                  <a:schemeClr val="bg1"/>
+                </a:solidFill>
+                <a:latin typeface="Courier New" pitchFamily="49" charset="0"/>
+                <a:cs typeface="Courier New" pitchFamily="49" charset="0"/>
+              </a:rPr>
+              <a:t>    . . .</a:t>
+            </a:r>
+          </a:p>
+          <a:p>
+            <a:pPr eaLnBrk="1" hangingPunct="1"/>
+            <a:r>
+              <a:rPr lang="en-US" sz="1400">
+                <a:solidFill>
+                  <a:schemeClr val="bg1"/>
+                </a:solidFill>
+                <a:latin typeface="Courier New" pitchFamily="49" charset="0"/>
+                <a:cs typeface="Courier New" pitchFamily="49" charset="0"/>
+              </a:rPr>
+              <a:t>    &lt;</a:t>
+            </a:r>
+            <a:r>
+              <a:rPr lang="ru-RU" sz="1400">
+                <a:solidFill>
+                  <a:schemeClr val="bg1"/>
+                </a:solidFill>
+                <a:latin typeface="Courier New" pitchFamily="49" charset="0"/>
+                <a:cs typeface="Courier New" pitchFamily="49" charset="0"/>
+              </a:rPr>
+              <a:t>Имя </a:t>
+            </a:r>
+            <a:r>
+              <a:rPr lang="en-US" sz="1400">
+                <a:solidFill>
+                  <a:schemeClr val="bg1"/>
+                </a:solidFill>
+                <a:latin typeface="Courier New" pitchFamily="49" charset="0"/>
+                <a:cs typeface="Courier New" pitchFamily="49" charset="0"/>
+              </a:rPr>
+              <a:t>n</a:t>
+            </a:r>
+            <a:r>
+              <a:rPr lang="ru-RU" sz="1400">
+                <a:solidFill>
+                  <a:schemeClr val="bg1"/>
+                </a:solidFill>
+                <a:latin typeface="Courier New" pitchFamily="49" charset="0"/>
+                <a:cs typeface="Courier New" pitchFamily="49" charset="0"/>
+              </a:rPr>
+              <a:t>-го элемента</a:t>
+            </a:r>
+            <a:r>
+              <a:rPr lang="en-US" sz="1400">
+                <a:solidFill>
+                  <a:schemeClr val="bg1"/>
+                </a:solidFill>
+                <a:latin typeface="Courier New" pitchFamily="49" charset="0"/>
+                <a:cs typeface="Courier New" pitchFamily="49" charset="0"/>
+              </a:rPr>
+              <a:t>&gt;</a:t>
+            </a:r>
+            <a:r>
+              <a:rPr lang="ru-RU" sz="1400">
+                <a:solidFill>
+                  <a:schemeClr val="bg1"/>
+                </a:solidFill>
+                <a:latin typeface="Courier New" pitchFamily="49" charset="0"/>
+                <a:cs typeface="Courier New" pitchFamily="49" charset="0"/>
+              </a:rPr>
+              <a:t> = </a:t>
+            </a:r>
+            <a:r>
+              <a:rPr lang="en-US" sz="1400">
+                <a:solidFill>
+                  <a:schemeClr val="bg1"/>
+                </a:solidFill>
+                <a:latin typeface="Courier New" pitchFamily="49" charset="0"/>
+                <a:cs typeface="Courier New" pitchFamily="49" charset="0"/>
+              </a:rPr>
+              <a:t>&lt;</a:t>
+            </a:r>
+            <a:r>
+              <a:rPr lang="ru-RU" sz="1400">
+                <a:solidFill>
+                  <a:schemeClr val="bg1"/>
+                </a:solidFill>
+                <a:latin typeface="Courier New" pitchFamily="49" charset="0"/>
+                <a:cs typeface="Courier New" pitchFamily="49" charset="0"/>
+              </a:rPr>
+              <a:t>Числовое значение</a:t>
+            </a:r>
+            <a:r>
+              <a:rPr lang="en-US" sz="1400">
+                <a:solidFill>
+                  <a:schemeClr val="bg1"/>
+                </a:solidFill>
+                <a:latin typeface="Courier New" pitchFamily="49" charset="0"/>
+                <a:cs typeface="Courier New" pitchFamily="49" charset="0"/>
+              </a:rPr>
+              <a:t>&gt;</a:t>
+            </a:r>
+          </a:p>
+          <a:p>
+            <a:pPr eaLnBrk="1" hangingPunct="1"/>
+            <a:r>
+              <a:rPr lang="en-US" sz="1400">
+                <a:solidFill>
+                  <a:schemeClr val="bg1"/>
+                </a:solidFill>
+                <a:latin typeface="Courier New" pitchFamily="49" charset="0"/>
+                <a:cs typeface="Courier New" pitchFamily="49" charset="0"/>
+              </a:rPr>
+              <a:t>}</a:t>
+            </a:r>
+            <a:endParaRPr lang="ru-RU" sz="1400">
+              <a:solidFill>
+                <a:schemeClr val="bg1"/>
+              </a:solidFill>
+              <a:latin typeface="Courier New" pitchFamily="49" charset="0"/>
+              <a:cs typeface="Courier New" pitchFamily="49" charset="0"/>
+            </a:endParaRPr>
+          </a:p>
+          <a:p>
+            <a:pPr eaLnBrk="1" hangingPunct="1"/>
+            <a:endParaRPr lang="ru-RU" sz="1400">
+              <a:solidFill>
+                <a:schemeClr val="bg1"/>
+              </a:solidFill>
+              <a:latin typeface="Courier New" pitchFamily="49" charset="0"/>
+              <a:cs typeface="Courier New" pitchFamily="49" charset="0"/>
+            </a:endParaRPr>
+          </a:p>
+        </p:txBody>
+      </p:sp>
+    </p:spTree>
+    <p:extLst>
+      <p:ext uri="{BB962C8B-B14F-4D97-AF65-F5344CB8AC3E}">
+        <p14:creationId xmlns:p14="http://schemas.microsoft.com/office/powerpoint/2010/main" val="3737252040"/>
+      </p:ext>
+    </p:extLst>
+  </p:cSld>
+  <p:clrMapOvr>
+    <a:masterClrMapping/>
+  </p:clrMapOvr>
+</p:sld>
+</file>
+
+<file path=ppt/slides/slide31.xml><?xml version="1.0" encoding="utf-8"?>
+<p:sld xmlns:a="http://schemas.openxmlformats.org/drawingml/2006/main" xmlns:r="http://schemas.openxmlformats.org/officeDocument/2006/relationships" xmlns:p="http://schemas.openxmlformats.org/presentationml/2006/main">
+  <p:cSld>
+    <p:bg>
+      <p:bgPr>
+        <a:blipFill dpi="0" rotWithShape="1">
+          <a:blip r:embed="rId2">
+            <a:lum/>
+          </a:blip>
+          <a:srcRect/>
+          <a:stretch>
+            <a:fillRect/>
+          </a:stretch>
+        </a:blipFill>
+        <a:effectLst/>
+      </p:bgPr>
+    </p:bg>
+    <p:spTree>
+      <p:nvGrpSpPr>
+        <p:cNvPr id="1" name=""/>
+        <p:cNvGrpSpPr/>
+        <p:nvPr/>
+      </p:nvGrpSpPr>
+      <p:grpSpPr>
+        <a:xfrm>
+          <a:off x="0" y="0"/>
+          <a:ext cx="0" cy="0"/>
+          <a:chOff x="0" y="0"/>
+          <a:chExt cx="0" cy="0"/>
+        </a:xfrm>
+      </p:grpSpPr>
+      <p:sp>
+        <p:nvSpPr>
           <p:cNvPr id="18434" name="Прямоугольник 6"/>
           <p:cNvSpPr>
             <a:spLocks noChangeArrowheads="1"/>
@@ -27237,7 +27368,7 @@
 </p:sld>
 </file>
 
-<file path=ppt/slides/slide31.xml><?xml version="1.0" encoding="utf-8"?>
+<file path=ppt/slides/slide32.xml><?xml version="1.0" encoding="utf-8"?>
 <p:sld xmlns:a="http://schemas.openxmlformats.org/drawingml/2006/main" xmlns:r="http://schemas.openxmlformats.org/officeDocument/2006/relationships" xmlns:p="http://schemas.openxmlformats.org/presentationml/2006/main">
   <p:cSld>
     <p:bg>
@@ -31294,11 +31425,6 @@
               </a:rPr>
               <a:t>совместимость</a:t>
             </a:r>
-            <a:endParaRPr lang="ru-RU" sz="3200" dirty="0" smtClean="0">
-              <a:solidFill>
-                <a:schemeClr val="bg1"/>
-              </a:solidFill>
-            </a:endParaRPr>
           </a:p>
           <a:p>
             <a:pPr lvl="0"/>

--- a/Presentation/lesson-01.pptx
+++ b/Presentation/lesson-01.pptx
@@ -319,7 +319,7 @@
           <a:p>
             <a:fld id="{8E6E6A2A-E9D3-4A0D-B04A-ABDD367A1E08}" type="datetimeFigureOut">
               <a:rPr lang="ru-RU" smtClean="0"/>
-              <a:t>24.08.2012</a:t>
+              <a:t>26.08.2012</a:t>
             </a:fld>
             <a:endParaRPr lang="ru-RU"/>
           </a:p>
@@ -489,7 +489,7 @@
           <a:p>
             <a:fld id="{8E6E6A2A-E9D3-4A0D-B04A-ABDD367A1E08}" type="datetimeFigureOut">
               <a:rPr lang="ru-RU" smtClean="0"/>
-              <a:t>24.08.2012</a:t>
+              <a:t>26.08.2012</a:t>
             </a:fld>
             <a:endParaRPr lang="ru-RU"/>
           </a:p>
@@ -669,7 +669,7 @@
           <a:p>
             <a:fld id="{8E6E6A2A-E9D3-4A0D-B04A-ABDD367A1E08}" type="datetimeFigureOut">
               <a:rPr lang="ru-RU" smtClean="0"/>
-              <a:t>24.08.2012</a:t>
+              <a:t>26.08.2012</a:t>
             </a:fld>
             <a:endParaRPr lang="ru-RU"/>
           </a:p>
@@ -839,7 +839,7 @@
           <a:p>
             <a:fld id="{8E6E6A2A-E9D3-4A0D-B04A-ABDD367A1E08}" type="datetimeFigureOut">
               <a:rPr lang="ru-RU" smtClean="0"/>
-              <a:t>24.08.2012</a:t>
+              <a:t>26.08.2012</a:t>
             </a:fld>
             <a:endParaRPr lang="ru-RU"/>
           </a:p>
@@ -1085,7 +1085,7 @@
           <a:p>
             <a:fld id="{8E6E6A2A-E9D3-4A0D-B04A-ABDD367A1E08}" type="datetimeFigureOut">
               <a:rPr lang="ru-RU" smtClean="0"/>
-              <a:t>24.08.2012</a:t>
+              <a:t>26.08.2012</a:t>
             </a:fld>
             <a:endParaRPr lang="ru-RU"/>
           </a:p>
@@ -1373,7 +1373,7 @@
           <a:p>
             <a:fld id="{8E6E6A2A-E9D3-4A0D-B04A-ABDD367A1E08}" type="datetimeFigureOut">
               <a:rPr lang="ru-RU" smtClean="0"/>
-              <a:t>24.08.2012</a:t>
+              <a:t>26.08.2012</a:t>
             </a:fld>
             <a:endParaRPr lang="ru-RU"/>
           </a:p>
@@ -1795,7 +1795,7 @@
           <a:p>
             <a:fld id="{8E6E6A2A-E9D3-4A0D-B04A-ABDD367A1E08}" type="datetimeFigureOut">
               <a:rPr lang="ru-RU" smtClean="0"/>
-              <a:t>24.08.2012</a:t>
+              <a:t>26.08.2012</a:t>
             </a:fld>
             <a:endParaRPr lang="ru-RU"/>
           </a:p>
@@ -1913,7 +1913,7 @@
           <a:p>
             <a:fld id="{8E6E6A2A-E9D3-4A0D-B04A-ABDD367A1E08}" type="datetimeFigureOut">
               <a:rPr lang="ru-RU" smtClean="0"/>
-              <a:t>24.08.2012</a:t>
+              <a:t>26.08.2012</a:t>
             </a:fld>
             <a:endParaRPr lang="ru-RU"/>
           </a:p>
@@ -2008,7 +2008,7 @@
           <a:p>
             <a:fld id="{8E6E6A2A-E9D3-4A0D-B04A-ABDD367A1E08}" type="datetimeFigureOut">
               <a:rPr lang="ru-RU" smtClean="0"/>
-              <a:t>24.08.2012</a:t>
+              <a:t>26.08.2012</a:t>
             </a:fld>
             <a:endParaRPr lang="ru-RU"/>
           </a:p>
@@ -2285,7 +2285,7 @@
           <a:p>
             <a:fld id="{8E6E6A2A-E9D3-4A0D-B04A-ABDD367A1E08}" type="datetimeFigureOut">
               <a:rPr lang="ru-RU" smtClean="0"/>
-              <a:t>24.08.2012</a:t>
+              <a:t>26.08.2012</a:t>
             </a:fld>
             <a:endParaRPr lang="ru-RU"/>
           </a:p>
@@ -2538,7 +2538,7 @@
           <a:p>
             <a:fld id="{8E6E6A2A-E9D3-4A0D-B04A-ABDD367A1E08}" type="datetimeFigureOut">
               <a:rPr lang="ru-RU" smtClean="0"/>
-              <a:t>24.08.2012</a:t>
+              <a:t>26.08.2012</a:t>
             </a:fld>
             <a:endParaRPr lang="ru-RU"/>
           </a:p>
@@ -2751,7 +2751,7 @@
           <a:p>
             <a:fld id="{8E6E6A2A-E9D3-4A0D-B04A-ABDD367A1E08}" type="datetimeFigureOut">
               <a:rPr lang="ru-RU" smtClean="0"/>
-              <a:t>24.08.2012</a:t>
+              <a:t>26.08.2012</a:t>
             </a:fld>
             <a:endParaRPr lang="ru-RU"/>
           </a:p>
@@ -3258,8 +3258,8 @@
         </p:nvSpPr>
         <p:spPr>
           <a:xfrm>
-            <a:off x="1495741" y="2528900"/>
-            <a:ext cx="6152518" cy="461665"/>
+            <a:off x="143508" y="2528900"/>
+            <a:ext cx="8856984" cy="461665"/>
           </a:xfrm>
           <a:prstGeom prst="rect">
             <a:avLst/>
@@ -3267,11 +3267,12 @@
           <a:noFill/>
         </p:spPr>
         <p:txBody>
-          <a:bodyPr wrap="none" rtlCol="0">
+          <a:bodyPr wrap="square" rtlCol="0">
             <a:spAutoFit/>
           </a:bodyPr>
           <a:lstStyle/>
           <a:p>
+            <a:pPr algn="ctr"/>
             <a:r>
               <a:rPr lang="ru-RU" sz="2400" dirty="0">
                 <a:solidFill>

--- a/Presentation/lesson-01.pptx
+++ b/Presentation/lesson-01.pptx
@@ -7,36 +7,40 @@
   <p:sldIdLst>
     <p:sldId id="256" r:id="rId2"/>
     <p:sldId id="257" r:id="rId3"/>
-    <p:sldId id="258" r:id="rId4"/>
-    <p:sldId id="284" r:id="rId5"/>
-    <p:sldId id="259" r:id="rId6"/>
-    <p:sldId id="260" r:id="rId7"/>
-    <p:sldId id="285" r:id="rId8"/>
-    <p:sldId id="286" r:id="rId9"/>
-    <p:sldId id="261" r:id="rId10"/>
-    <p:sldId id="262" r:id="rId11"/>
-    <p:sldId id="263" r:id="rId12"/>
-    <p:sldId id="264" r:id="rId13"/>
-    <p:sldId id="265" r:id="rId14"/>
-    <p:sldId id="282" r:id="rId15"/>
-    <p:sldId id="266" r:id="rId16"/>
-    <p:sldId id="279" r:id="rId17"/>
-    <p:sldId id="280" r:id="rId18"/>
-    <p:sldId id="287" r:id="rId19"/>
-    <p:sldId id="267" r:id="rId20"/>
-    <p:sldId id="283" r:id="rId21"/>
-    <p:sldId id="278" r:id="rId22"/>
-    <p:sldId id="268" r:id="rId23"/>
-    <p:sldId id="269" r:id="rId24"/>
-    <p:sldId id="270" r:id="rId25"/>
-    <p:sldId id="271" r:id="rId26"/>
-    <p:sldId id="272" r:id="rId27"/>
-    <p:sldId id="273" r:id="rId28"/>
-    <p:sldId id="274" r:id="rId29"/>
-    <p:sldId id="275" r:id="rId30"/>
-    <p:sldId id="276" r:id="rId31"/>
-    <p:sldId id="277" r:id="rId32"/>
-    <p:sldId id="281" r:id="rId33"/>
+    <p:sldId id="291" r:id="rId4"/>
+    <p:sldId id="288" r:id="rId5"/>
+    <p:sldId id="289" r:id="rId6"/>
+    <p:sldId id="290" r:id="rId7"/>
+    <p:sldId id="258" r:id="rId8"/>
+    <p:sldId id="284" r:id="rId9"/>
+    <p:sldId id="259" r:id="rId10"/>
+    <p:sldId id="260" r:id="rId11"/>
+    <p:sldId id="285" r:id="rId12"/>
+    <p:sldId id="286" r:id="rId13"/>
+    <p:sldId id="261" r:id="rId14"/>
+    <p:sldId id="262" r:id="rId15"/>
+    <p:sldId id="263" r:id="rId16"/>
+    <p:sldId id="264" r:id="rId17"/>
+    <p:sldId id="265" r:id="rId18"/>
+    <p:sldId id="282" r:id="rId19"/>
+    <p:sldId id="266" r:id="rId20"/>
+    <p:sldId id="279" r:id="rId21"/>
+    <p:sldId id="280" r:id="rId22"/>
+    <p:sldId id="287" r:id="rId23"/>
+    <p:sldId id="267" r:id="rId24"/>
+    <p:sldId id="283" r:id="rId25"/>
+    <p:sldId id="278" r:id="rId26"/>
+    <p:sldId id="268" r:id="rId27"/>
+    <p:sldId id="269" r:id="rId28"/>
+    <p:sldId id="270" r:id="rId29"/>
+    <p:sldId id="271" r:id="rId30"/>
+    <p:sldId id="272" r:id="rId31"/>
+    <p:sldId id="273" r:id="rId32"/>
+    <p:sldId id="274" r:id="rId33"/>
+    <p:sldId id="275" r:id="rId34"/>
+    <p:sldId id="276" r:id="rId35"/>
+    <p:sldId id="277" r:id="rId36"/>
+    <p:sldId id="281" r:id="rId37"/>
   </p:sldIdLst>
   <p:sldSz cx="9144000" cy="6858000" type="screen4x3"/>
   <p:notesSz cx="6858000" cy="9144000"/>
@@ -319,7 +323,7 @@
           <a:p>
             <a:fld id="{8E6E6A2A-E9D3-4A0D-B04A-ABDD367A1E08}" type="datetimeFigureOut">
               <a:rPr lang="ru-RU" smtClean="0"/>
-              <a:t>26.08.2012</a:t>
+              <a:t>19.10.2012</a:t>
             </a:fld>
             <a:endParaRPr lang="ru-RU"/>
           </a:p>
@@ -489,7 +493,7 @@
           <a:p>
             <a:fld id="{8E6E6A2A-E9D3-4A0D-B04A-ABDD367A1E08}" type="datetimeFigureOut">
               <a:rPr lang="ru-RU" smtClean="0"/>
-              <a:t>26.08.2012</a:t>
+              <a:t>19.10.2012</a:t>
             </a:fld>
             <a:endParaRPr lang="ru-RU"/>
           </a:p>
@@ -669,7 +673,7 @@
           <a:p>
             <a:fld id="{8E6E6A2A-E9D3-4A0D-B04A-ABDD367A1E08}" type="datetimeFigureOut">
               <a:rPr lang="ru-RU" smtClean="0"/>
-              <a:t>26.08.2012</a:t>
+              <a:t>19.10.2012</a:t>
             </a:fld>
             <a:endParaRPr lang="ru-RU"/>
           </a:p>
@@ -839,7 +843,7 @@
           <a:p>
             <a:fld id="{8E6E6A2A-E9D3-4A0D-B04A-ABDD367A1E08}" type="datetimeFigureOut">
               <a:rPr lang="ru-RU" smtClean="0"/>
-              <a:t>26.08.2012</a:t>
+              <a:t>19.10.2012</a:t>
             </a:fld>
             <a:endParaRPr lang="ru-RU"/>
           </a:p>
@@ -1085,7 +1089,7 @@
           <a:p>
             <a:fld id="{8E6E6A2A-E9D3-4A0D-B04A-ABDD367A1E08}" type="datetimeFigureOut">
               <a:rPr lang="ru-RU" smtClean="0"/>
-              <a:t>26.08.2012</a:t>
+              <a:t>19.10.2012</a:t>
             </a:fld>
             <a:endParaRPr lang="ru-RU"/>
           </a:p>
@@ -1373,7 +1377,7 @@
           <a:p>
             <a:fld id="{8E6E6A2A-E9D3-4A0D-B04A-ABDD367A1E08}" type="datetimeFigureOut">
               <a:rPr lang="ru-RU" smtClean="0"/>
-              <a:t>26.08.2012</a:t>
+              <a:t>19.10.2012</a:t>
             </a:fld>
             <a:endParaRPr lang="ru-RU"/>
           </a:p>
@@ -1795,7 +1799,7 @@
           <a:p>
             <a:fld id="{8E6E6A2A-E9D3-4A0D-B04A-ABDD367A1E08}" type="datetimeFigureOut">
               <a:rPr lang="ru-RU" smtClean="0"/>
-              <a:t>26.08.2012</a:t>
+              <a:t>19.10.2012</a:t>
             </a:fld>
             <a:endParaRPr lang="ru-RU"/>
           </a:p>
@@ -1913,7 +1917,7 @@
           <a:p>
             <a:fld id="{8E6E6A2A-E9D3-4A0D-B04A-ABDD367A1E08}" type="datetimeFigureOut">
               <a:rPr lang="ru-RU" smtClean="0"/>
-              <a:t>26.08.2012</a:t>
+              <a:t>19.10.2012</a:t>
             </a:fld>
             <a:endParaRPr lang="ru-RU"/>
           </a:p>
@@ -2008,7 +2012,7 @@
           <a:p>
             <a:fld id="{8E6E6A2A-E9D3-4A0D-B04A-ABDD367A1E08}" type="datetimeFigureOut">
               <a:rPr lang="ru-RU" smtClean="0"/>
-              <a:t>26.08.2012</a:t>
+              <a:t>19.10.2012</a:t>
             </a:fld>
             <a:endParaRPr lang="ru-RU"/>
           </a:p>
@@ -2285,7 +2289,7 @@
           <a:p>
             <a:fld id="{8E6E6A2A-E9D3-4A0D-B04A-ABDD367A1E08}" type="datetimeFigureOut">
               <a:rPr lang="ru-RU" smtClean="0"/>
-              <a:t>26.08.2012</a:t>
+              <a:t>19.10.2012</a:t>
             </a:fld>
             <a:endParaRPr lang="ru-RU"/>
           </a:p>
@@ -2538,7 +2542,7 @@
           <a:p>
             <a:fld id="{8E6E6A2A-E9D3-4A0D-B04A-ABDD367A1E08}" type="datetimeFigureOut">
               <a:rPr lang="ru-RU" smtClean="0"/>
-              <a:t>26.08.2012</a:t>
+              <a:t>19.10.2012</a:t>
             </a:fld>
             <a:endParaRPr lang="ru-RU"/>
           </a:p>
@@ -2751,7 +2755,7 @@
           <a:p>
             <a:fld id="{8E6E6A2A-E9D3-4A0D-B04A-ABDD367A1E08}" type="datetimeFigureOut">
               <a:rPr lang="ru-RU" smtClean="0"/>
-              <a:t>26.08.2012</a:t>
+              <a:t>19.10.2012</a:t>
             </a:fld>
             <a:endParaRPr lang="ru-RU"/>
           </a:p>
@@ -3348,8 +3352,8 @@
         </p:nvSpPr>
         <p:spPr>
           <a:xfrm>
-            <a:off x="251520" y="116632"/>
-            <a:ext cx="8640960" cy="3631763"/>
+            <a:off x="251520" y="188640"/>
+            <a:ext cx="8640960" cy="1138773"/>
           </a:xfrm>
           <a:prstGeom prst="rect">
             <a:avLst/>
@@ -3368,7 +3372,7 @@
                   <a:schemeClr val="bg1"/>
                 </a:solidFill>
               </a:rPr>
-              <a:t>.NET Framework</a:t>
+              <a:t>.NET Framework – Managed platform</a:t>
             </a:r>
             <a:endParaRPr lang="ru-RU" sz="3200" dirty="0" smtClean="0">
               <a:solidFill>
@@ -3385,259 +3389,6 @@
             </a:endParaRPr>
           </a:p>
           <a:p>
-            <a:pPr marL="285750" indent="-285750">
-              <a:buFont typeface="Arial" pitchFamily="34" charset="0"/>
-              <a:buChar char="•"/>
-            </a:pPr>
-            <a:r>
-              <a:rPr lang="en-US" dirty="0" smtClean="0">
-                <a:solidFill>
-                  <a:schemeClr val="bg1"/>
-                </a:solidFill>
-              </a:rPr>
-              <a:t>CLR – Common Language Runtime – </a:t>
-            </a:r>
-            <a:r>
-              <a:rPr lang="ru-RU" dirty="0" smtClean="0">
-                <a:solidFill>
-                  <a:schemeClr val="bg1"/>
-                </a:solidFill>
-              </a:rPr>
-              <a:t>Общеязыковая исполняющая среда</a:t>
-            </a:r>
-          </a:p>
-          <a:p>
-            <a:pPr marL="742950" lvl="1" indent="-285750">
-              <a:buFont typeface="Arial" pitchFamily="34" charset="0"/>
-              <a:buChar char="•"/>
-            </a:pPr>
-            <a:r>
-              <a:rPr lang="en-US" dirty="0">
-                <a:solidFill>
-                  <a:schemeClr val="bg1"/>
-                </a:solidFill>
-              </a:rPr>
-              <a:t>C++/CLI, C#, Visual Basic .NET, F#, Iron Python, Iron Ruby, and an Intermediate Language (IL) </a:t>
-            </a:r>
-            <a:r>
-              <a:rPr lang="en-US" dirty="0" smtClean="0">
-                <a:solidFill>
-                  <a:schemeClr val="bg1"/>
-                </a:solidFill>
-              </a:rPr>
-              <a:t>Assembler</a:t>
-            </a:r>
-            <a:endParaRPr lang="ru-RU" dirty="0" smtClean="0">
-              <a:solidFill>
-                <a:schemeClr val="bg1"/>
-              </a:solidFill>
-            </a:endParaRPr>
-          </a:p>
-          <a:p>
-            <a:pPr marL="742950" lvl="1" indent="-285750">
-              <a:buFont typeface="Arial" pitchFamily="34" charset="0"/>
-              <a:buChar char="•"/>
-            </a:pPr>
-            <a:r>
-              <a:rPr lang="ru-RU" dirty="0" smtClean="0">
-                <a:solidFill>
-                  <a:schemeClr val="bg1"/>
-                </a:solidFill>
-              </a:rPr>
-              <a:t>Управляет памятью</a:t>
-            </a:r>
-            <a:r>
-              <a:rPr lang="en-US" dirty="0" smtClean="0">
-                <a:solidFill>
-                  <a:schemeClr val="bg1"/>
-                </a:solidFill>
-              </a:rPr>
-              <a:t>, </a:t>
-            </a:r>
-            <a:r>
-              <a:rPr lang="ru-RU" dirty="0" smtClean="0">
-                <a:solidFill>
-                  <a:schemeClr val="bg1"/>
-                </a:solidFill>
-              </a:rPr>
-              <a:t>потоками</a:t>
-            </a:r>
-            <a:r>
-              <a:rPr lang="en-US" dirty="0" smtClean="0">
-                <a:solidFill>
-                  <a:schemeClr val="bg1"/>
-                </a:solidFill>
-              </a:rPr>
-              <a:t>, </a:t>
-            </a:r>
-            <a:r>
-              <a:rPr lang="ru-RU" dirty="0" smtClean="0">
-                <a:solidFill>
-                  <a:schemeClr val="bg1"/>
-                </a:solidFill>
-              </a:rPr>
-              <a:t>исполнением кода</a:t>
-            </a:r>
-            <a:r>
-              <a:rPr lang="en-US" dirty="0" smtClean="0">
-                <a:solidFill>
-                  <a:schemeClr val="bg1"/>
-                </a:solidFill>
-              </a:rPr>
-              <a:t>, </a:t>
-            </a:r>
-            <a:r>
-              <a:rPr lang="ru-RU" dirty="0" smtClean="0">
-                <a:solidFill>
-                  <a:schemeClr val="bg1"/>
-                </a:solidFill>
-              </a:rPr>
-              <a:t>проверками кода на безопасность</a:t>
-            </a:r>
-            <a:r>
-              <a:rPr lang="en-US" dirty="0" smtClean="0">
-                <a:solidFill>
-                  <a:schemeClr val="bg1"/>
-                </a:solidFill>
-              </a:rPr>
-              <a:t>, JIT-</a:t>
-            </a:r>
-            <a:r>
-              <a:rPr lang="ru-RU" dirty="0" smtClean="0">
-                <a:solidFill>
-                  <a:schemeClr val="bg1"/>
-                </a:solidFill>
-              </a:rPr>
-              <a:t>компиляция</a:t>
-            </a:r>
-            <a:r>
-              <a:rPr lang="en-US" dirty="0" smtClean="0">
-                <a:solidFill>
-                  <a:schemeClr val="bg1"/>
-                </a:solidFill>
-              </a:rPr>
-              <a:t>.</a:t>
-            </a:r>
-            <a:endParaRPr lang="ru-RU" dirty="0" smtClean="0">
-              <a:solidFill>
-                <a:schemeClr val="bg1"/>
-              </a:solidFill>
-            </a:endParaRPr>
-          </a:p>
-          <a:p>
-            <a:pPr marL="285750" indent="-285750">
-              <a:buFont typeface="Arial" pitchFamily="34" charset="0"/>
-              <a:buChar char="•"/>
-            </a:pPr>
-            <a:r>
-              <a:rPr lang="en-US" dirty="0" smtClean="0">
-                <a:solidFill>
-                  <a:schemeClr val="bg1"/>
-                </a:solidFill>
-              </a:rPr>
-              <a:t>Managed/</a:t>
-            </a:r>
-            <a:r>
-              <a:rPr lang="en-US" dirty="0" err="1" smtClean="0">
-                <a:solidFill>
-                  <a:schemeClr val="bg1"/>
-                </a:solidFill>
-              </a:rPr>
-              <a:t>Unmaged</a:t>
-            </a:r>
-            <a:r>
-              <a:rPr lang="en-US" dirty="0" smtClean="0">
-                <a:solidFill>
-                  <a:schemeClr val="bg1"/>
-                </a:solidFill>
-              </a:rPr>
-              <a:t> </a:t>
-            </a:r>
-            <a:r>
-              <a:rPr lang="ru-RU" dirty="0" smtClean="0">
-                <a:solidFill>
-                  <a:schemeClr val="bg1"/>
-                </a:solidFill>
-              </a:rPr>
-              <a:t>– Управляемый/Неуправляемый код</a:t>
-            </a:r>
-          </a:p>
-          <a:p>
-            <a:pPr marL="742950" lvl="1" indent="-285750">
-              <a:buFont typeface="Arial" pitchFamily="34" charset="0"/>
-              <a:buChar char="•"/>
-            </a:pPr>
-            <a:r>
-              <a:rPr lang="ru-RU" dirty="0" smtClean="0">
-                <a:solidFill>
-                  <a:schemeClr val="bg1"/>
-                </a:solidFill>
-              </a:rPr>
-              <a:t>Код предназначенный для исполнения из под </a:t>
-            </a:r>
-            <a:r>
-              <a:rPr lang="en-US" dirty="0" smtClean="0">
-                <a:solidFill>
-                  <a:schemeClr val="bg1"/>
-                </a:solidFill>
-              </a:rPr>
-              <a:t>CLR</a:t>
-            </a:r>
-            <a:r>
-              <a:rPr lang="ru-RU" dirty="0">
-                <a:solidFill>
-                  <a:schemeClr val="bg1"/>
-                </a:solidFill>
-              </a:rPr>
-              <a:t> </a:t>
-            </a:r>
-            <a:r>
-              <a:rPr lang="ru-RU" dirty="0" smtClean="0">
-                <a:solidFill>
-                  <a:schemeClr val="bg1"/>
-                </a:solidFill>
-              </a:rPr>
-              <a:t>является управляемым</a:t>
-            </a:r>
-          </a:p>
-          <a:p>
-            <a:pPr marL="285750" indent="-285750">
-              <a:buFont typeface="Arial" pitchFamily="34" charset="0"/>
-              <a:buChar char="•"/>
-            </a:pPr>
-            <a:r>
-              <a:rPr lang="en-US" dirty="0" smtClean="0">
-                <a:solidFill>
-                  <a:schemeClr val="bg1"/>
-                </a:solidFill>
-              </a:rPr>
-              <a:t>GC – Garbage collector – </a:t>
-            </a:r>
-            <a:r>
-              <a:rPr lang="ru-RU" dirty="0" smtClean="0">
-                <a:solidFill>
-                  <a:schemeClr val="bg1"/>
-                </a:solidFill>
-              </a:rPr>
-              <a:t>Сборщик мусора.</a:t>
-            </a:r>
-          </a:p>
-          <a:p>
-            <a:pPr marL="285750" indent="-285750">
-              <a:buFont typeface="Arial" pitchFamily="34" charset="0"/>
-              <a:buChar char="•"/>
-            </a:pPr>
-            <a:endParaRPr lang="ru-RU" dirty="0" smtClean="0">
-              <a:solidFill>
-                <a:schemeClr val="bg1"/>
-              </a:solidFill>
-            </a:endParaRPr>
-          </a:p>
-          <a:p>
-            <a:pPr marL="285750" indent="-285750">
-              <a:buFont typeface="Arial" pitchFamily="34" charset="0"/>
-              <a:buChar char="•"/>
-            </a:pPr>
             <a:endParaRPr lang="en-US" dirty="0" smtClean="0">
               <a:solidFill>
                 <a:schemeClr val="bg1"/>
@@ -3646,10 +3397,43 @@
           </a:p>
         </p:txBody>
       </p:sp>
+      <p:pic>
+        <p:nvPicPr>
+          <p:cNvPr id="4" name="Picture 3" descr="Managed code within a larger architecture"/>
+          <p:cNvPicPr/>
+          <p:nvPr/>
+        </p:nvPicPr>
+        <p:blipFill>
+          <a:blip r:embed="rId3">
+            <a:extLst>
+              <a:ext uri="{28A0092B-C50C-407E-A947-70E740481C1C}">
+                <a14:useLocalDpi xmlns:a14="http://schemas.microsoft.com/office/drawing/2010/main" val="0"/>
+              </a:ext>
+            </a:extLst>
+          </a:blip>
+          <a:srcRect/>
+          <a:stretch>
+            <a:fillRect/>
+          </a:stretch>
+        </p:blipFill>
+        <p:spPr bwMode="auto">
+          <a:xfrm>
+            <a:off x="2147887" y="1359120"/>
+            <a:ext cx="4848225" cy="4448175"/>
+          </a:xfrm>
+          <a:prstGeom prst="rect">
+            <a:avLst/>
+          </a:prstGeom>
+          <a:noFill/>
+          <a:ln>
+            <a:noFill/>
+          </a:ln>
+        </p:spPr>
+      </p:pic>
     </p:spTree>
     <p:extLst>
       <p:ext uri="{BB962C8B-B14F-4D97-AF65-F5344CB8AC3E}">
-        <p14:creationId xmlns:p14="http://schemas.microsoft.com/office/powerpoint/2010/main" val="1302028225"/>
+        <p14:creationId xmlns:p14="http://schemas.microsoft.com/office/powerpoint/2010/main" val="1986342191"/>
       </p:ext>
     </p:extLst>
   </p:cSld>
@@ -3705,6 +3489,3521 @@
         </p:nvSpPr>
         <p:spPr>
           <a:xfrm>
+            <a:off x="251520" y="188640"/>
+            <a:ext cx="8640960" cy="1138773"/>
+          </a:xfrm>
+          <a:prstGeom prst="rect">
+            <a:avLst/>
+          </a:prstGeom>
+        </p:spPr>
+        <p:txBody>
+          <a:bodyPr wrap="square">
+            <a:spAutoFit/>
+          </a:bodyPr>
+          <a:lstStyle/>
+          <a:p>
+            <a:pPr lvl="0"/>
+            <a:r>
+              <a:rPr lang="ru-RU" sz="3200" dirty="0" smtClean="0">
+                <a:solidFill>
+                  <a:schemeClr val="bg1"/>
+                </a:solidFill>
+              </a:rPr>
+              <a:t>Версии </a:t>
+            </a:r>
+            <a:r>
+              <a:rPr lang="en-US" sz="3200" dirty="0" smtClean="0">
+                <a:solidFill>
+                  <a:schemeClr val="bg1"/>
+                </a:solidFill>
+              </a:rPr>
+              <a:t>.NET Framework</a:t>
+            </a:r>
+            <a:endParaRPr lang="ru-RU" sz="3200" dirty="0" smtClean="0">
+              <a:solidFill>
+                <a:schemeClr val="bg1"/>
+              </a:solidFill>
+            </a:endParaRPr>
+          </a:p>
+          <a:p>
+            <a:pPr lvl="0"/>
+            <a:endParaRPr lang="ru-RU" dirty="0" smtClean="0">
+              <a:solidFill>
+                <a:schemeClr val="bg1"/>
+              </a:solidFill>
+            </a:endParaRPr>
+          </a:p>
+          <a:p>
+            <a:endParaRPr lang="en-US" dirty="0" smtClean="0">
+              <a:solidFill>
+                <a:schemeClr val="bg1"/>
+              </a:solidFill>
+            </a:endParaRPr>
+          </a:p>
+        </p:txBody>
+      </p:sp>
+      <p:graphicFrame>
+        <p:nvGraphicFramePr>
+          <p:cNvPr id="6" name="Table 5"/>
+          <p:cNvGraphicFramePr>
+            <a:graphicFrameLocks noGrp="1"/>
+          </p:cNvGraphicFramePr>
+          <p:nvPr>
+            <p:extLst>
+              <p:ext uri="{D42A27DB-BD31-4B8C-83A1-F6EECF244321}">
+                <p14:modId xmlns:p14="http://schemas.microsoft.com/office/powerpoint/2010/main" val="3402533746"/>
+              </p:ext>
+            </p:extLst>
+          </p:nvPr>
+        </p:nvGraphicFramePr>
+        <p:xfrm>
+          <a:off x="323528" y="1495322"/>
+          <a:ext cx="8496944" cy="4525966"/>
+        </p:xfrm>
+        <a:graphic>
+          <a:graphicData uri="http://schemas.openxmlformats.org/drawingml/2006/table">
+            <a:tbl>
+              <a:tblPr/>
+              <a:tblGrid>
+                <a:gridCol w="936104"/>
+                <a:gridCol w="1944216"/>
+                <a:gridCol w="1440160"/>
+                <a:gridCol w="1656184"/>
+                <a:gridCol w="2520280"/>
+              </a:tblGrid>
+              <a:tr h="428132">
+                <a:tc>
+                  <a:txBody>
+                    <a:bodyPr/>
+                    <a:lstStyle/>
+                    <a:p>
+                      <a:r>
+                        <a:rPr lang="ru-RU" sz="1200" b="1" dirty="0" smtClean="0">
+                          <a:solidFill>
+                            <a:schemeClr val="accent1"/>
+                          </a:solidFill>
+                        </a:rPr>
+                        <a:t>Версия</a:t>
+                      </a:r>
+                      <a:r>
+                        <a:rPr lang="ru-RU" sz="1200" b="1" baseline="0" dirty="0" smtClean="0">
+                          <a:solidFill>
+                            <a:schemeClr val="accent1"/>
+                          </a:solidFill>
+                        </a:rPr>
+                        <a:t> </a:t>
+                      </a:r>
+                      <a:r>
+                        <a:rPr lang="en-US" sz="1200" b="1" baseline="0" dirty="0" smtClean="0">
+                          <a:solidFill>
+                            <a:schemeClr val="accent1"/>
+                          </a:solidFill>
+                        </a:rPr>
+                        <a:t>.NET</a:t>
+                      </a:r>
+                      <a:endParaRPr lang="en-US" sz="1200" b="1" dirty="0">
+                        <a:solidFill>
+                          <a:schemeClr val="accent1"/>
+                        </a:solidFill>
+                      </a:endParaRPr>
+                    </a:p>
+                  </a:txBody>
+                  <a:tcPr marL="61162" marR="61162" marT="30581" marB="30581" anchor="ctr">
+                    <a:lnL w="12700" cap="flat" cmpd="sng" algn="ctr">
+                      <a:solidFill>
+                        <a:schemeClr val="bg1"/>
+                      </a:solidFill>
+                      <a:prstDash val="solid"/>
+                      <a:round/>
+                      <a:headEnd type="none" w="med" len="med"/>
+                      <a:tailEnd type="none" w="med" len="med"/>
+                    </a:lnL>
+                    <a:lnR w="12700" cap="flat" cmpd="sng" algn="ctr">
+                      <a:solidFill>
+                        <a:schemeClr val="bg1"/>
+                      </a:solidFill>
+                      <a:prstDash val="solid"/>
+                      <a:round/>
+                      <a:headEnd type="none" w="med" len="med"/>
+                      <a:tailEnd type="none" w="med" len="med"/>
+                    </a:lnR>
+                    <a:lnT w="12700" cap="flat" cmpd="sng" algn="ctr">
+                      <a:solidFill>
+                        <a:schemeClr val="bg1"/>
+                      </a:solidFill>
+                      <a:prstDash val="solid"/>
+                      <a:round/>
+                      <a:headEnd type="none" w="med" len="med"/>
+                      <a:tailEnd type="none" w="med" len="med"/>
+                    </a:lnT>
+                    <a:lnB w="12700" cap="flat" cmpd="sng" algn="ctr">
+                      <a:solidFill>
+                        <a:schemeClr val="bg1"/>
+                      </a:solidFill>
+                      <a:prstDash val="solid"/>
+                      <a:round/>
+                      <a:headEnd type="none" w="med" len="med"/>
+                      <a:tailEnd type="none" w="med" len="med"/>
+                    </a:lnB>
+                    <a:lnTlToBr w="12700" cmpd="sng">
+                      <a:noFill/>
+                      <a:prstDash val="solid"/>
+                    </a:lnTlToBr>
+                    <a:lnBlToTr w="12700" cmpd="sng">
+                      <a:noFill/>
+                      <a:prstDash val="solid"/>
+                    </a:lnBlToTr>
+                    <a:solidFill>
+                      <a:schemeClr val="bg1"/>
+                    </a:solidFill>
+                  </a:tcPr>
+                </a:tc>
+                <a:tc>
+                  <a:txBody>
+                    <a:bodyPr/>
+                    <a:lstStyle/>
+                    <a:p>
+                      <a:r>
+                        <a:rPr lang="ru-RU" sz="1200" b="1" dirty="0" smtClean="0">
+                          <a:solidFill>
+                            <a:schemeClr val="accent1"/>
+                          </a:solidFill>
+                        </a:rPr>
+                        <a:t>Номер версии</a:t>
+                      </a:r>
+                      <a:endParaRPr lang="en-US" sz="1200" b="1" dirty="0">
+                        <a:solidFill>
+                          <a:schemeClr val="accent1"/>
+                        </a:solidFill>
+                      </a:endParaRPr>
+                    </a:p>
+                  </a:txBody>
+                  <a:tcPr marL="61162" marR="61162" marT="30581" marB="30581" anchor="ctr">
+                    <a:lnL w="12700" cap="flat" cmpd="sng" algn="ctr">
+                      <a:solidFill>
+                        <a:schemeClr val="bg1"/>
+                      </a:solidFill>
+                      <a:prstDash val="solid"/>
+                      <a:round/>
+                      <a:headEnd type="none" w="med" len="med"/>
+                      <a:tailEnd type="none" w="med" len="med"/>
+                    </a:lnL>
+                    <a:lnR w="12700" cap="flat" cmpd="sng" algn="ctr">
+                      <a:solidFill>
+                        <a:schemeClr val="bg1"/>
+                      </a:solidFill>
+                      <a:prstDash val="solid"/>
+                      <a:round/>
+                      <a:headEnd type="none" w="med" len="med"/>
+                      <a:tailEnd type="none" w="med" len="med"/>
+                    </a:lnR>
+                    <a:lnT w="12700" cap="flat" cmpd="sng" algn="ctr">
+                      <a:solidFill>
+                        <a:schemeClr val="bg1"/>
+                      </a:solidFill>
+                      <a:prstDash val="solid"/>
+                      <a:round/>
+                      <a:headEnd type="none" w="med" len="med"/>
+                      <a:tailEnd type="none" w="med" len="med"/>
+                    </a:lnT>
+                    <a:lnB w="12700" cap="flat" cmpd="sng" algn="ctr">
+                      <a:solidFill>
+                        <a:schemeClr val="bg1"/>
+                      </a:solidFill>
+                      <a:prstDash val="solid"/>
+                      <a:round/>
+                      <a:headEnd type="none" w="med" len="med"/>
+                      <a:tailEnd type="none" w="med" len="med"/>
+                    </a:lnB>
+                    <a:lnTlToBr w="12700" cmpd="sng">
+                      <a:noFill/>
+                      <a:prstDash val="solid"/>
+                    </a:lnTlToBr>
+                    <a:lnBlToTr w="12700" cmpd="sng">
+                      <a:noFill/>
+                      <a:prstDash val="solid"/>
+                    </a:lnBlToTr>
+                    <a:solidFill>
+                      <a:schemeClr val="bg1"/>
+                    </a:solidFill>
+                  </a:tcPr>
+                </a:tc>
+                <a:tc>
+                  <a:txBody>
+                    <a:bodyPr/>
+                    <a:lstStyle/>
+                    <a:p>
+                      <a:r>
+                        <a:rPr lang="ru-RU" sz="1200" b="1" dirty="0" smtClean="0">
+                          <a:solidFill>
+                            <a:schemeClr val="accent1"/>
+                          </a:solidFill>
+                        </a:rPr>
+                        <a:t>Дата выхода</a:t>
+                      </a:r>
+                      <a:endParaRPr lang="en-US" sz="1200" b="1" dirty="0">
+                        <a:solidFill>
+                          <a:schemeClr val="accent1"/>
+                        </a:solidFill>
+                      </a:endParaRPr>
+                    </a:p>
+                  </a:txBody>
+                  <a:tcPr marL="61162" marR="61162" marT="30581" marB="30581" anchor="ctr">
+                    <a:lnL w="12700" cap="flat" cmpd="sng" algn="ctr">
+                      <a:solidFill>
+                        <a:schemeClr val="bg1"/>
+                      </a:solidFill>
+                      <a:prstDash val="solid"/>
+                      <a:round/>
+                      <a:headEnd type="none" w="med" len="med"/>
+                      <a:tailEnd type="none" w="med" len="med"/>
+                    </a:lnL>
+                    <a:lnR w="12700" cap="flat" cmpd="sng" algn="ctr">
+                      <a:solidFill>
+                        <a:schemeClr val="bg1"/>
+                      </a:solidFill>
+                      <a:prstDash val="solid"/>
+                      <a:round/>
+                      <a:headEnd type="none" w="med" len="med"/>
+                      <a:tailEnd type="none" w="med" len="med"/>
+                    </a:lnR>
+                    <a:lnT w="12700" cap="flat" cmpd="sng" algn="ctr">
+                      <a:solidFill>
+                        <a:schemeClr val="bg1"/>
+                      </a:solidFill>
+                      <a:prstDash val="solid"/>
+                      <a:round/>
+                      <a:headEnd type="none" w="med" len="med"/>
+                      <a:tailEnd type="none" w="med" len="med"/>
+                    </a:lnT>
+                    <a:lnB w="12700" cap="flat" cmpd="sng" algn="ctr">
+                      <a:solidFill>
+                        <a:schemeClr val="bg1"/>
+                      </a:solidFill>
+                      <a:prstDash val="solid"/>
+                      <a:round/>
+                      <a:headEnd type="none" w="med" len="med"/>
+                      <a:tailEnd type="none" w="med" len="med"/>
+                    </a:lnB>
+                    <a:lnTlToBr w="12700" cmpd="sng">
+                      <a:noFill/>
+                      <a:prstDash val="solid"/>
+                    </a:lnTlToBr>
+                    <a:lnBlToTr w="12700" cmpd="sng">
+                      <a:noFill/>
+                      <a:prstDash val="solid"/>
+                    </a:lnBlToTr>
+                    <a:solidFill>
+                      <a:schemeClr val="bg1"/>
+                    </a:solidFill>
+                  </a:tcPr>
+                </a:tc>
+                <a:tc>
+                  <a:txBody>
+                    <a:bodyPr/>
+                    <a:lstStyle/>
+                    <a:p>
+                      <a:r>
+                        <a:rPr lang="en-US" sz="1200" b="1" dirty="0">
+                          <a:solidFill>
+                            <a:schemeClr val="accent1"/>
+                          </a:solidFill>
+                        </a:rPr>
+                        <a:t>Visual Studio</a:t>
+                      </a:r>
+                    </a:p>
+                  </a:txBody>
+                  <a:tcPr marL="61162" marR="61162" marT="30581" marB="30581" anchor="ctr">
+                    <a:lnL w="12700" cap="flat" cmpd="sng" algn="ctr">
+                      <a:solidFill>
+                        <a:schemeClr val="bg1"/>
+                      </a:solidFill>
+                      <a:prstDash val="solid"/>
+                      <a:round/>
+                      <a:headEnd type="none" w="med" len="med"/>
+                      <a:tailEnd type="none" w="med" len="med"/>
+                    </a:lnL>
+                    <a:lnR w="12700" cap="flat" cmpd="sng" algn="ctr">
+                      <a:solidFill>
+                        <a:schemeClr val="bg1"/>
+                      </a:solidFill>
+                      <a:prstDash val="solid"/>
+                      <a:round/>
+                      <a:headEnd type="none" w="med" len="med"/>
+                      <a:tailEnd type="none" w="med" len="med"/>
+                    </a:lnR>
+                    <a:lnT w="12700" cap="flat" cmpd="sng" algn="ctr">
+                      <a:solidFill>
+                        <a:schemeClr val="bg1"/>
+                      </a:solidFill>
+                      <a:prstDash val="solid"/>
+                      <a:round/>
+                      <a:headEnd type="none" w="med" len="med"/>
+                      <a:tailEnd type="none" w="med" len="med"/>
+                    </a:lnT>
+                    <a:lnB w="12700" cap="flat" cmpd="sng" algn="ctr">
+                      <a:solidFill>
+                        <a:schemeClr val="bg1"/>
+                      </a:solidFill>
+                      <a:prstDash val="solid"/>
+                      <a:round/>
+                      <a:headEnd type="none" w="med" len="med"/>
+                      <a:tailEnd type="none" w="med" len="med"/>
+                    </a:lnB>
+                    <a:lnTlToBr w="12700" cmpd="sng">
+                      <a:noFill/>
+                      <a:prstDash val="solid"/>
+                    </a:lnTlToBr>
+                    <a:lnBlToTr w="12700" cmpd="sng">
+                      <a:noFill/>
+                      <a:prstDash val="solid"/>
+                    </a:lnBlToTr>
+                    <a:solidFill>
+                      <a:schemeClr val="bg1"/>
+                    </a:solidFill>
+                  </a:tcPr>
+                </a:tc>
+                <a:tc>
+                  <a:txBody>
+                    <a:bodyPr/>
+                    <a:lstStyle/>
+                    <a:p>
+                      <a:r>
+                        <a:rPr lang="en-US" sz="1200" b="1" dirty="0">
+                          <a:solidFill>
+                            <a:schemeClr val="accent1"/>
+                          </a:solidFill>
+                        </a:rPr>
+                        <a:t>Default in Windows</a:t>
+                      </a:r>
+                    </a:p>
+                  </a:txBody>
+                  <a:tcPr marL="61162" marR="61162" marT="30581" marB="30581" anchor="ctr">
+                    <a:lnL w="12700" cap="flat" cmpd="sng" algn="ctr">
+                      <a:solidFill>
+                        <a:schemeClr val="bg1"/>
+                      </a:solidFill>
+                      <a:prstDash val="solid"/>
+                      <a:round/>
+                      <a:headEnd type="none" w="med" len="med"/>
+                      <a:tailEnd type="none" w="med" len="med"/>
+                    </a:lnL>
+                    <a:lnR w="12700" cap="flat" cmpd="sng" algn="ctr">
+                      <a:solidFill>
+                        <a:schemeClr val="bg1"/>
+                      </a:solidFill>
+                      <a:prstDash val="solid"/>
+                      <a:round/>
+                      <a:headEnd type="none" w="med" len="med"/>
+                      <a:tailEnd type="none" w="med" len="med"/>
+                    </a:lnR>
+                    <a:lnT w="12700" cap="flat" cmpd="sng" algn="ctr">
+                      <a:solidFill>
+                        <a:schemeClr val="bg1"/>
+                      </a:solidFill>
+                      <a:prstDash val="solid"/>
+                      <a:round/>
+                      <a:headEnd type="none" w="med" len="med"/>
+                      <a:tailEnd type="none" w="med" len="med"/>
+                    </a:lnT>
+                    <a:lnB w="12700" cap="flat" cmpd="sng" algn="ctr">
+                      <a:solidFill>
+                        <a:schemeClr val="bg1"/>
+                      </a:solidFill>
+                      <a:prstDash val="solid"/>
+                      <a:round/>
+                      <a:headEnd type="none" w="med" len="med"/>
+                      <a:tailEnd type="none" w="med" len="med"/>
+                    </a:lnB>
+                    <a:lnTlToBr w="12700" cmpd="sng">
+                      <a:noFill/>
+                      <a:prstDash val="solid"/>
+                    </a:lnTlToBr>
+                    <a:lnBlToTr w="12700" cmpd="sng">
+                      <a:noFill/>
+                      <a:prstDash val="solid"/>
+                    </a:lnBlToTr>
+                    <a:solidFill>
+                      <a:schemeClr val="bg1"/>
+                    </a:solidFill>
+                  </a:tcPr>
+                </a:tc>
+              </a:tr>
+              <a:tr h="795102">
+                <a:tc>
+                  <a:txBody>
+                    <a:bodyPr/>
+                    <a:lstStyle/>
+                    <a:p>
+                      <a:r>
+                        <a:rPr lang="en-US" sz="1200" dirty="0">
+                          <a:solidFill>
+                            <a:schemeClr val="bg1"/>
+                          </a:solidFill>
+                        </a:rPr>
+                        <a:t>1.0</a:t>
+                      </a:r>
+                    </a:p>
+                  </a:txBody>
+                  <a:tcPr marL="61162" marR="61162" marT="30581" marB="30581" anchor="ctr">
+                    <a:lnL w="12700" cap="flat" cmpd="sng" algn="ctr">
+                      <a:solidFill>
+                        <a:schemeClr val="bg1"/>
+                      </a:solidFill>
+                      <a:prstDash val="solid"/>
+                      <a:round/>
+                      <a:headEnd type="none" w="med" len="med"/>
+                      <a:tailEnd type="none" w="med" len="med"/>
+                    </a:lnL>
+                    <a:lnR w="12700" cap="flat" cmpd="sng" algn="ctr">
+                      <a:solidFill>
+                        <a:schemeClr val="bg1"/>
+                      </a:solidFill>
+                      <a:prstDash val="solid"/>
+                      <a:round/>
+                      <a:headEnd type="none" w="med" len="med"/>
+                      <a:tailEnd type="none" w="med" len="med"/>
+                    </a:lnR>
+                    <a:lnT w="12700" cap="flat" cmpd="sng" algn="ctr">
+                      <a:solidFill>
+                        <a:schemeClr val="bg1"/>
+                      </a:solidFill>
+                      <a:prstDash val="solid"/>
+                      <a:round/>
+                      <a:headEnd type="none" w="med" len="med"/>
+                      <a:tailEnd type="none" w="med" len="med"/>
+                    </a:lnT>
+                    <a:lnB w="12700" cap="flat" cmpd="sng" algn="ctr">
+                      <a:solidFill>
+                        <a:schemeClr val="bg1"/>
+                      </a:solidFill>
+                      <a:prstDash val="solid"/>
+                      <a:round/>
+                      <a:headEnd type="none" w="med" len="med"/>
+                      <a:tailEnd type="none" w="med" len="med"/>
+                    </a:lnB>
+                    <a:lnTlToBr w="12700" cmpd="sng">
+                      <a:noFill/>
+                      <a:prstDash val="solid"/>
+                    </a:lnTlToBr>
+                    <a:lnBlToTr w="12700" cmpd="sng">
+                      <a:noFill/>
+                      <a:prstDash val="solid"/>
+                    </a:lnBlToTr>
+                  </a:tcPr>
+                </a:tc>
+                <a:tc>
+                  <a:txBody>
+                    <a:bodyPr/>
+                    <a:lstStyle/>
+                    <a:p>
+                      <a:r>
+                        <a:rPr lang="en-US" sz="1200" dirty="0">
+                          <a:solidFill>
+                            <a:schemeClr val="bg1"/>
+                          </a:solidFill>
+                        </a:rPr>
+                        <a:t>1.0.3705.0</a:t>
+                      </a:r>
+                    </a:p>
+                  </a:txBody>
+                  <a:tcPr marL="61162" marR="61162" marT="30581" marB="30581" anchor="ctr">
+                    <a:lnL w="12700" cap="flat" cmpd="sng" algn="ctr">
+                      <a:solidFill>
+                        <a:schemeClr val="bg1"/>
+                      </a:solidFill>
+                      <a:prstDash val="solid"/>
+                      <a:round/>
+                      <a:headEnd type="none" w="med" len="med"/>
+                      <a:tailEnd type="none" w="med" len="med"/>
+                    </a:lnL>
+                    <a:lnR w="12700" cap="flat" cmpd="sng" algn="ctr">
+                      <a:solidFill>
+                        <a:schemeClr val="bg1"/>
+                      </a:solidFill>
+                      <a:prstDash val="solid"/>
+                      <a:round/>
+                      <a:headEnd type="none" w="med" len="med"/>
+                      <a:tailEnd type="none" w="med" len="med"/>
+                    </a:lnR>
+                    <a:lnT w="12700" cap="flat" cmpd="sng" algn="ctr">
+                      <a:solidFill>
+                        <a:schemeClr val="bg1"/>
+                      </a:solidFill>
+                      <a:prstDash val="solid"/>
+                      <a:round/>
+                      <a:headEnd type="none" w="med" len="med"/>
+                      <a:tailEnd type="none" w="med" len="med"/>
+                    </a:lnT>
+                    <a:lnB w="12700" cap="flat" cmpd="sng" algn="ctr">
+                      <a:solidFill>
+                        <a:schemeClr val="bg1"/>
+                      </a:solidFill>
+                      <a:prstDash val="solid"/>
+                      <a:round/>
+                      <a:headEnd type="none" w="med" len="med"/>
+                      <a:tailEnd type="none" w="med" len="med"/>
+                    </a:lnB>
+                    <a:lnTlToBr w="12700" cmpd="sng">
+                      <a:noFill/>
+                      <a:prstDash val="solid"/>
+                    </a:lnTlToBr>
+                    <a:lnBlToTr w="12700" cmpd="sng">
+                      <a:noFill/>
+                      <a:prstDash val="solid"/>
+                    </a:lnBlToTr>
+                  </a:tcPr>
+                </a:tc>
+                <a:tc>
+                  <a:txBody>
+                    <a:bodyPr/>
+                    <a:lstStyle/>
+                    <a:p>
+                      <a:r>
+                        <a:rPr lang="ru-RU" sz="1200" dirty="0" smtClean="0">
+                          <a:solidFill>
+                            <a:schemeClr val="bg1"/>
+                          </a:solidFill>
+                        </a:rPr>
+                        <a:t>Февраль</a:t>
+                      </a:r>
+                      <a:r>
+                        <a:rPr lang="ru-RU" sz="1200" baseline="0" dirty="0" smtClean="0">
+                          <a:solidFill>
+                            <a:schemeClr val="bg1"/>
+                          </a:solidFill>
+                        </a:rPr>
+                        <a:t> </a:t>
+                      </a:r>
+                      <a:r>
+                        <a:rPr lang="en-US" sz="1200" dirty="0" smtClean="0">
+                          <a:solidFill>
+                            <a:schemeClr val="bg1"/>
+                          </a:solidFill>
+                        </a:rPr>
+                        <a:t>2002</a:t>
+                      </a:r>
+                      <a:r>
+                        <a:rPr lang="ru-RU" sz="1200" dirty="0" smtClean="0">
+                          <a:solidFill>
+                            <a:schemeClr val="bg1"/>
+                          </a:solidFill>
+                        </a:rPr>
+                        <a:t> года</a:t>
+                      </a:r>
+                      <a:endParaRPr lang="en-US" sz="1200" dirty="0">
+                        <a:solidFill>
+                          <a:schemeClr val="bg1"/>
+                        </a:solidFill>
+                      </a:endParaRPr>
+                    </a:p>
+                  </a:txBody>
+                  <a:tcPr marL="61162" marR="61162" marT="30581" marB="30581" anchor="ctr">
+                    <a:lnL w="12700" cap="flat" cmpd="sng" algn="ctr">
+                      <a:solidFill>
+                        <a:schemeClr val="bg1"/>
+                      </a:solidFill>
+                      <a:prstDash val="solid"/>
+                      <a:round/>
+                      <a:headEnd type="none" w="med" len="med"/>
+                      <a:tailEnd type="none" w="med" len="med"/>
+                    </a:lnL>
+                    <a:lnR w="12700" cap="flat" cmpd="sng" algn="ctr">
+                      <a:solidFill>
+                        <a:schemeClr val="bg1"/>
+                      </a:solidFill>
+                      <a:prstDash val="solid"/>
+                      <a:round/>
+                      <a:headEnd type="none" w="med" len="med"/>
+                      <a:tailEnd type="none" w="med" len="med"/>
+                    </a:lnR>
+                    <a:lnT w="12700" cap="flat" cmpd="sng" algn="ctr">
+                      <a:solidFill>
+                        <a:schemeClr val="bg1"/>
+                      </a:solidFill>
+                      <a:prstDash val="solid"/>
+                      <a:round/>
+                      <a:headEnd type="none" w="med" len="med"/>
+                      <a:tailEnd type="none" w="med" len="med"/>
+                    </a:lnT>
+                    <a:lnB w="12700" cap="flat" cmpd="sng" algn="ctr">
+                      <a:solidFill>
+                        <a:schemeClr val="bg1"/>
+                      </a:solidFill>
+                      <a:prstDash val="solid"/>
+                      <a:round/>
+                      <a:headEnd type="none" w="med" len="med"/>
+                      <a:tailEnd type="none" w="med" len="med"/>
+                    </a:lnB>
+                    <a:lnTlToBr w="12700" cmpd="sng">
+                      <a:noFill/>
+                      <a:prstDash val="solid"/>
+                    </a:lnTlToBr>
+                    <a:lnBlToTr w="12700" cmpd="sng">
+                      <a:noFill/>
+                      <a:prstDash val="solid"/>
+                    </a:lnBlToTr>
+                  </a:tcPr>
+                </a:tc>
+                <a:tc>
+                  <a:txBody>
+                    <a:bodyPr/>
+                    <a:lstStyle/>
+                    <a:p>
+                      <a:r>
+                        <a:rPr lang="en-US" sz="1200" dirty="0">
+                          <a:solidFill>
+                            <a:schemeClr val="bg1"/>
+                          </a:solidFill>
+                        </a:rPr>
+                        <a:t>Visual Studio .NET</a:t>
+                      </a:r>
+                    </a:p>
+                  </a:txBody>
+                  <a:tcPr marL="61162" marR="61162" marT="30581" marB="30581" anchor="ctr">
+                    <a:lnL w="12700" cap="flat" cmpd="sng" algn="ctr">
+                      <a:solidFill>
+                        <a:schemeClr val="bg1"/>
+                      </a:solidFill>
+                      <a:prstDash val="solid"/>
+                      <a:round/>
+                      <a:headEnd type="none" w="med" len="med"/>
+                      <a:tailEnd type="none" w="med" len="med"/>
+                    </a:lnL>
+                    <a:lnR w="12700" cap="flat" cmpd="sng" algn="ctr">
+                      <a:solidFill>
+                        <a:schemeClr val="bg1"/>
+                      </a:solidFill>
+                      <a:prstDash val="solid"/>
+                      <a:round/>
+                      <a:headEnd type="none" w="med" len="med"/>
+                      <a:tailEnd type="none" w="med" len="med"/>
+                    </a:lnR>
+                    <a:lnT w="12700" cap="flat" cmpd="sng" algn="ctr">
+                      <a:solidFill>
+                        <a:schemeClr val="bg1"/>
+                      </a:solidFill>
+                      <a:prstDash val="solid"/>
+                      <a:round/>
+                      <a:headEnd type="none" w="med" len="med"/>
+                      <a:tailEnd type="none" w="med" len="med"/>
+                    </a:lnT>
+                    <a:lnB w="12700" cap="flat" cmpd="sng" algn="ctr">
+                      <a:solidFill>
+                        <a:schemeClr val="bg1"/>
+                      </a:solidFill>
+                      <a:prstDash val="solid"/>
+                      <a:round/>
+                      <a:headEnd type="none" w="med" len="med"/>
+                      <a:tailEnd type="none" w="med" len="med"/>
+                    </a:lnB>
+                    <a:lnTlToBr w="12700" cmpd="sng">
+                      <a:noFill/>
+                      <a:prstDash val="solid"/>
+                    </a:lnTlToBr>
+                    <a:lnBlToTr w="12700" cmpd="sng">
+                      <a:noFill/>
+                      <a:prstDash val="solid"/>
+                    </a:lnBlToTr>
+                  </a:tcPr>
+                </a:tc>
+                <a:tc>
+                  <a:txBody>
+                    <a:bodyPr/>
+                    <a:lstStyle/>
+                    <a:p>
+                      <a:r>
+                        <a:rPr lang="en-US" sz="1200" dirty="0">
+                          <a:solidFill>
+                            <a:schemeClr val="bg1"/>
+                          </a:solidFill>
+                        </a:rPr>
+                        <a:t>Windows XP Tablet and Media Center </a:t>
+                      </a:r>
+                      <a:r>
+                        <a:rPr lang="en-US" sz="1200" dirty="0" smtClean="0">
+                          <a:solidFill>
+                            <a:schemeClr val="bg1"/>
+                          </a:solidFill>
+                        </a:rPr>
+                        <a:t>Editions</a:t>
+                      </a:r>
+                      <a:endParaRPr lang="en-US" sz="1200" dirty="0">
+                        <a:solidFill>
+                          <a:schemeClr val="bg1"/>
+                        </a:solidFill>
+                      </a:endParaRPr>
+                    </a:p>
+                  </a:txBody>
+                  <a:tcPr marL="61162" marR="61162" marT="30581" marB="30581" anchor="ctr">
+                    <a:lnL w="12700" cap="flat" cmpd="sng" algn="ctr">
+                      <a:solidFill>
+                        <a:schemeClr val="bg1"/>
+                      </a:solidFill>
+                      <a:prstDash val="solid"/>
+                      <a:round/>
+                      <a:headEnd type="none" w="med" len="med"/>
+                      <a:tailEnd type="none" w="med" len="med"/>
+                    </a:lnL>
+                    <a:lnR w="12700" cap="flat" cmpd="sng" algn="ctr">
+                      <a:solidFill>
+                        <a:schemeClr val="bg1"/>
+                      </a:solidFill>
+                      <a:prstDash val="solid"/>
+                      <a:round/>
+                      <a:headEnd type="none" w="med" len="med"/>
+                      <a:tailEnd type="none" w="med" len="med"/>
+                    </a:lnR>
+                    <a:lnT w="12700" cap="flat" cmpd="sng" algn="ctr">
+                      <a:solidFill>
+                        <a:schemeClr val="bg1"/>
+                      </a:solidFill>
+                      <a:prstDash val="solid"/>
+                      <a:round/>
+                      <a:headEnd type="none" w="med" len="med"/>
+                      <a:tailEnd type="none" w="med" len="med"/>
+                    </a:lnT>
+                    <a:lnB w="12700" cap="flat" cmpd="sng" algn="ctr">
+                      <a:solidFill>
+                        <a:schemeClr val="bg1"/>
+                      </a:solidFill>
+                      <a:prstDash val="solid"/>
+                      <a:round/>
+                      <a:headEnd type="none" w="med" len="med"/>
+                      <a:tailEnd type="none" w="med" len="med"/>
+                    </a:lnB>
+                    <a:lnTlToBr w="12700" cmpd="sng">
+                      <a:noFill/>
+                      <a:prstDash val="solid"/>
+                    </a:lnTlToBr>
+                    <a:lnBlToTr w="12700" cmpd="sng">
+                      <a:noFill/>
+                      <a:prstDash val="solid"/>
+                    </a:lnBlToTr>
+                  </a:tcPr>
+                </a:tc>
+              </a:tr>
+              <a:tr h="428132">
+                <a:tc>
+                  <a:txBody>
+                    <a:bodyPr/>
+                    <a:lstStyle/>
+                    <a:p>
+                      <a:r>
+                        <a:rPr lang="en-US" sz="1200" dirty="0">
+                          <a:solidFill>
+                            <a:schemeClr val="bg1"/>
+                          </a:solidFill>
+                        </a:rPr>
+                        <a:t>1.1</a:t>
+                      </a:r>
+                    </a:p>
+                  </a:txBody>
+                  <a:tcPr marL="61162" marR="61162" marT="30581" marB="30581" anchor="ctr">
+                    <a:lnL w="12700" cap="flat" cmpd="sng" algn="ctr">
+                      <a:solidFill>
+                        <a:schemeClr val="bg1"/>
+                      </a:solidFill>
+                      <a:prstDash val="solid"/>
+                      <a:round/>
+                      <a:headEnd type="none" w="med" len="med"/>
+                      <a:tailEnd type="none" w="med" len="med"/>
+                    </a:lnL>
+                    <a:lnR w="12700" cap="flat" cmpd="sng" algn="ctr">
+                      <a:solidFill>
+                        <a:schemeClr val="bg1"/>
+                      </a:solidFill>
+                      <a:prstDash val="solid"/>
+                      <a:round/>
+                      <a:headEnd type="none" w="med" len="med"/>
+                      <a:tailEnd type="none" w="med" len="med"/>
+                    </a:lnR>
+                    <a:lnT w="12700" cap="flat" cmpd="sng" algn="ctr">
+                      <a:solidFill>
+                        <a:schemeClr val="bg1"/>
+                      </a:solidFill>
+                      <a:prstDash val="solid"/>
+                      <a:round/>
+                      <a:headEnd type="none" w="med" len="med"/>
+                      <a:tailEnd type="none" w="med" len="med"/>
+                    </a:lnT>
+                    <a:lnB w="12700" cap="flat" cmpd="sng" algn="ctr">
+                      <a:solidFill>
+                        <a:schemeClr val="bg1"/>
+                      </a:solidFill>
+                      <a:prstDash val="solid"/>
+                      <a:round/>
+                      <a:headEnd type="none" w="med" len="med"/>
+                      <a:tailEnd type="none" w="med" len="med"/>
+                    </a:lnB>
+                    <a:lnTlToBr w="12700" cmpd="sng">
+                      <a:noFill/>
+                      <a:prstDash val="solid"/>
+                    </a:lnTlToBr>
+                    <a:lnBlToTr w="12700" cmpd="sng">
+                      <a:noFill/>
+                      <a:prstDash val="solid"/>
+                    </a:lnBlToTr>
+                  </a:tcPr>
+                </a:tc>
+                <a:tc>
+                  <a:txBody>
+                    <a:bodyPr/>
+                    <a:lstStyle/>
+                    <a:p>
+                      <a:r>
+                        <a:rPr lang="en-US" sz="1200">
+                          <a:solidFill>
+                            <a:schemeClr val="bg1"/>
+                          </a:solidFill>
+                        </a:rPr>
+                        <a:t>1.1.4322.573</a:t>
+                      </a:r>
+                    </a:p>
+                  </a:txBody>
+                  <a:tcPr marL="61162" marR="61162" marT="30581" marB="30581" anchor="ctr">
+                    <a:lnL w="12700" cap="flat" cmpd="sng" algn="ctr">
+                      <a:solidFill>
+                        <a:schemeClr val="bg1"/>
+                      </a:solidFill>
+                      <a:prstDash val="solid"/>
+                      <a:round/>
+                      <a:headEnd type="none" w="med" len="med"/>
+                      <a:tailEnd type="none" w="med" len="med"/>
+                    </a:lnL>
+                    <a:lnR w="12700" cap="flat" cmpd="sng" algn="ctr">
+                      <a:solidFill>
+                        <a:schemeClr val="bg1"/>
+                      </a:solidFill>
+                      <a:prstDash val="solid"/>
+                      <a:round/>
+                      <a:headEnd type="none" w="med" len="med"/>
+                      <a:tailEnd type="none" w="med" len="med"/>
+                    </a:lnR>
+                    <a:lnT w="12700" cap="flat" cmpd="sng" algn="ctr">
+                      <a:solidFill>
+                        <a:schemeClr val="bg1"/>
+                      </a:solidFill>
+                      <a:prstDash val="solid"/>
+                      <a:round/>
+                      <a:headEnd type="none" w="med" len="med"/>
+                      <a:tailEnd type="none" w="med" len="med"/>
+                    </a:lnT>
+                    <a:lnB w="12700" cap="flat" cmpd="sng" algn="ctr">
+                      <a:solidFill>
+                        <a:schemeClr val="bg1"/>
+                      </a:solidFill>
+                      <a:prstDash val="solid"/>
+                      <a:round/>
+                      <a:headEnd type="none" w="med" len="med"/>
+                      <a:tailEnd type="none" w="med" len="med"/>
+                    </a:lnB>
+                    <a:lnTlToBr w="12700" cmpd="sng">
+                      <a:noFill/>
+                      <a:prstDash val="solid"/>
+                    </a:lnTlToBr>
+                    <a:lnBlToTr w="12700" cmpd="sng">
+                      <a:noFill/>
+                      <a:prstDash val="solid"/>
+                    </a:lnBlToTr>
+                  </a:tcPr>
+                </a:tc>
+                <a:tc>
+                  <a:txBody>
+                    <a:bodyPr/>
+                    <a:lstStyle/>
+                    <a:p>
+                      <a:r>
+                        <a:rPr lang="ru-RU" sz="1200" dirty="0" smtClean="0">
+                          <a:solidFill>
+                            <a:schemeClr val="bg1"/>
+                          </a:solidFill>
+                        </a:rPr>
+                        <a:t>Март </a:t>
+                      </a:r>
+                      <a:r>
+                        <a:rPr lang="en-US" sz="1200" dirty="0" smtClean="0">
+                          <a:solidFill>
+                            <a:schemeClr val="bg1"/>
+                          </a:solidFill>
+                        </a:rPr>
+                        <a:t>2003</a:t>
+                      </a:r>
+                      <a:r>
+                        <a:rPr lang="ru-RU" sz="1200" dirty="0" smtClean="0">
+                          <a:solidFill>
+                            <a:schemeClr val="bg1"/>
+                          </a:solidFill>
+                        </a:rPr>
+                        <a:t> года</a:t>
+                      </a:r>
+                      <a:endParaRPr lang="en-US" sz="1200" dirty="0">
+                        <a:solidFill>
+                          <a:schemeClr val="bg1"/>
+                        </a:solidFill>
+                      </a:endParaRPr>
+                    </a:p>
+                  </a:txBody>
+                  <a:tcPr marL="61162" marR="61162" marT="30581" marB="30581" anchor="ctr">
+                    <a:lnL w="12700" cap="flat" cmpd="sng" algn="ctr">
+                      <a:solidFill>
+                        <a:schemeClr val="bg1"/>
+                      </a:solidFill>
+                      <a:prstDash val="solid"/>
+                      <a:round/>
+                      <a:headEnd type="none" w="med" len="med"/>
+                      <a:tailEnd type="none" w="med" len="med"/>
+                    </a:lnL>
+                    <a:lnR w="12700" cap="flat" cmpd="sng" algn="ctr">
+                      <a:solidFill>
+                        <a:schemeClr val="bg1"/>
+                      </a:solidFill>
+                      <a:prstDash val="solid"/>
+                      <a:round/>
+                      <a:headEnd type="none" w="med" len="med"/>
+                      <a:tailEnd type="none" w="med" len="med"/>
+                    </a:lnR>
+                    <a:lnT w="12700" cap="flat" cmpd="sng" algn="ctr">
+                      <a:solidFill>
+                        <a:schemeClr val="bg1"/>
+                      </a:solidFill>
+                      <a:prstDash val="solid"/>
+                      <a:round/>
+                      <a:headEnd type="none" w="med" len="med"/>
+                      <a:tailEnd type="none" w="med" len="med"/>
+                    </a:lnT>
+                    <a:lnB w="12700" cap="flat" cmpd="sng" algn="ctr">
+                      <a:solidFill>
+                        <a:schemeClr val="bg1"/>
+                      </a:solidFill>
+                      <a:prstDash val="solid"/>
+                      <a:round/>
+                      <a:headEnd type="none" w="med" len="med"/>
+                      <a:tailEnd type="none" w="med" len="med"/>
+                    </a:lnB>
+                    <a:lnTlToBr w="12700" cmpd="sng">
+                      <a:noFill/>
+                      <a:prstDash val="solid"/>
+                    </a:lnTlToBr>
+                    <a:lnBlToTr w="12700" cmpd="sng">
+                      <a:noFill/>
+                      <a:prstDash val="solid"/>
+                    </a:lnBlToTr>
+                  </a:tcPr>
+                </a:tc>
+                <a:tc>
+                  <a:txBody>
+                    <a:bodyPr/>
+                    <a:lstStyle/>
+                    <a:p>
+                      <a:r>
+                        <a:rPr lang="en-US" sz="1200" dirty="0">
+                          <a:solidFill>
+                            <a:schemeClr val="bg1"/>
+                          </a:solidFill>
+                        </a:rPr>
+                        <a:t>Visual Studio .NET 2003</a:t>
+                      </a:r>
+                    </a:p>
+                  </a:txBody>
+                  <a:tcPr marL="61162" marR="61162" marT="30581" marB="30581" anchor="ctr">
+                    <a:lnL w="12700" cap="flat" cmpd="sng" algn="ctr">
+                      <a:solidFill>
+                        <a:schemeClr val="bg1"/>
+                      </a:solidFill>
+                      <a:prstDash val="solid"/>
+                      <a:round/>
+                      <a:headEnd type="none" w="med" len="med"/>
+                      <a:tailEnd type="none" w="med" len="med"/>
+                    </a:lnL>
+                    <a:lnR w="12700" cap="flat" cmpd="sng" algn="ctr">
+                      <a:solidFill>
+                        <a:schemeClr val="bg1"/>
+                      </a:solidFill>
+                      <a:prstDash val="solid"/>
+                      <a:round/>
+                      <a:headEnd type="none" w="med" len="med"/>
+                      <a:tailEnd type="none" w="med" len="med"/>
+                    </a:lnR>
+                    <a:lnT w="12700" cap="flat" cmpd="sng" algn="ctr">
+                      <a:solidFill>
+                        <a:schemeClr val="bg1"/>
+                      </a:solidFill>
+                      <a:prstDash val="solid"/>
+                      <a:round/>
+                      <a:headEnd type="none" w="med" len="med"/>
+                      <a:tailEnd type="none" w="med" len="med"/>
+                    </a:lnT>
+                    <a:lnB w="12700" cap="flat" cmpd="sng" algn="ctr">
+                      <a:solidFill>
+                        <a:schemeClr val="bg1"/>
+                      </a:solidFill>
+                      <a:prstDash val="solid"/>
+                      <a:round/>
+                      <a:headEnd type="none" w="med" len="med"/>
+                      <a:tailEnd type="none" w="med" len="med"/>
+                    </a:lnB>
+                    <a:lnTlToBr w="12700" cmpd="sng">
+                      <a:noFill/>
+                      <a:prstDash val="solid"/>
+                    </a:lnTlToBr>
+                    <a:lnBlToTr w="12700" cmpd="sng">
+                      <a:noFill/>
+                      <a:prstDash val="solid"/>
+                    </a:lnBlToTr>
+                  </a:tcPr>
+                </a:tc>
+                <a:tc>
+                  <a:txBody>
+                    <a:bodyPr/>
+                    <a:lstStyle/>
+                    <a:p>
+                      <a:r>
+                        <a:rPr lang="en-US" sz="1200" dirty="0">
+                          <a:solidFill>
+                            <a:schemeClr val="bg1"/>
+                          </a:solidFill>
+                        </a:rPr>
+                        <a:t>Windows Server 2003</a:t>
+                      </a:r>
+                    </a:p>
+                  </a:txBody>
+                  <a:tcPr marL="61162" marR="61162" marT="30581" marB="30581" anchor="ctr">
+                    <a:lnL w="12700" cap="flat" cmpd="sng" algn="ctr">
+                      <a:solidFill>
+                        <a:schemeClr val="bg1"/>
+                      </a:solidFill>
+                      <a:prstDash val="solid"/>
+                      <a:round/>
+                      <a:headEnd type="none" w="med" len="med"/>
+                      <a:tailEnd type="none" w="med" len="med"/>
+                    </a:lnL>
+                    <a:lnR w="12700" cap="flat" cmpd="sng" algn="ctr">
+                      <a:solidFill>
+                        <a:schemeClr val="bg1"/>
+                      </a:solidFill>
+                      <a:prstDash val="solid"/>
+                      <a:round/>
+                      <a:headEnd type="none" w="med" len="med"/>
+                      <a:tailEnd type="none" w="med" len="med"/>
+                    </a:lnR>
+                    <a:lnT w="12700" cap="flat" cmpd="sng" algn="ctr">
+                      <a:solidFill>
+                        <a:schemeClr val="bg1"/>
+                      </a:solidFill>
+                      <a:prstDash val="solid"/>
+                      <a:round/>
+                      <a:headEnd type="none" w="med" len="med"/>
+                      <a:tailEnd type="none" w="med" len="med"/>
+                    </a:lnT>
+                    <a:lnB w="12700" cap="flat" cmpd="sng" algn="ctr">
+                      <a:solidFill>
+                        <a:schemeClr val="bg1"/>
+                      </a:solidFill>
+                      <a:prstDash val="solid"/>
+                      <a:round/>
+                      <a:headEnd type="none" w="med" len="med"/>
+                      <a:tailEnd type="none" w="med" len="med"/>
+                    </a:lnB>
+                    <a:lnTlToBr w="12700" cmpd="sng">
+                      <a:noFill/>
+                      <a:prstDash val="solid"/>
+                    </a:lnTlToBr>
+                    <a:lnBlToTr w="12700" cmpd="sng">
+                      <a:noFill/>
+                      <a:prstDash val="solid"/>
+                    </a:lnBlToTr>
+                  </a:tcPr>
+                </a:tc>
+              </a:tr>
+              <a:tr h="428132">
+                <a:tc>
+                  <a:txBody>
+                    <a:bodyPr/>
+                    <a:lstStyle/>
+                    <a:p>
+                      <a:r>
+                        <a:rPr lang="en-US" sz="1200" dirty="0">
+                          <a:solidFill>
+                            <a:schemeClr val="bg1"/>
+                          </a:solidFill>
+                        </a:rPr>
+                        <a:t>2.0</a:t>
+                      </a:r>
+                    </a:p>
+                  </a:txBody>
+                  <a:tcPr marL="61162" marR="61162" marT="30581" marB="30581" anchor="ctr">
+                    <a:lnL w="12700" cap="flat" cmpd="sng" algn="ctr">
+                      <a:solidFill>
+                        <a:schemeClr val="bg1"/>
+                      </a:solidFill>
+                      <a:prstDash val="solid"/>
+                      <a:round/>
+                      <a:headEnd type="none" w="med" len="med"/>
+                      <a:tailEnd type="none" w="med" len="med"/>
+                    </a:lnL>
+                    <a:lnR w="12700" cap="flat" cmpd="sng" algn="ctr">
+                      <a:solidFill>
+                        <a:schemeClr val="bg1"/>
+                      </a:solidFill>
+                      <a:prstDash val="solid"/>
+                      <a:round/>
+                      <a:headEnd type="none" w="med" len="med"/>
+                      <a:tailEnd type="none" w="med" len="med"/>
+                    </a:lnR>
+                    <a:lnT w="12700" cap="flat" cmpd="sng" algn="ctr">
+                      <a:solidFill>
+                        <a:schemeClr val="bg1"/>
+                      </a:solidFill>
+                      <a:prstDash val="solid"/>
+                      <a:round/>
+                      <a:headEnd type="none" w="med" len="med"/>
+                      <a:tailEnd type="none" w="med" len="med"/>
+                    </a:lnT>
+                    <a:lnB w="12700" cap="flat" cmpd="sng" algn="ctr">
+                      <a:solidFill>
+                        <a:schemeClr val="bg1"/>
+                      </a:solidFill>
+                      <a:prstDash val="solid"/>
+                      <a:round/>
+                      <a:headEnd type="none" w="med" len="med"/>
+                      <a:tailEnd type="none" w="med" len="med"/>
+                    </a:lnB>
+                    <a:lnTlToBr w="12700" cmpd="sng">
+                      <a:noFill/>
+                      <a:prstDash val="solid"/>
+                    </a:lnTlToBr>
+                    <a:lnBlToTr w="12700" cmpd="sng">
+                      <a:noFill/>
+                      <a:prstDash val="solid"/>
+                    </a:lnBlToTr>
+                  </a:tcPr>
+                </a:tc>
+                <a:tc>
+                  <a:txBody>
+                    <a:bodyPr/>
+                    <a:lstStyle/>
+                    <a:p>
+                      <a:r>
+                        <a:rPr lang="en-US" sz="1200">
+                          <a:solidFill>
+                            <a:schemeClr val="bg1"/>
+                          </a:solidFill>
+                        </a:rPr>
+                        <a:t>2.0.50727.42</a:t>
+                      </a:r>
+                    </a:p>
+                  </a:txBody>
+                  <a:tcPr marL="61162" marR="61162" marT="30581" marB="30581" anchor="ctr">
+                    <a:lnL w="12700" cap="flat" cmpd="sng" algn="ctr">
+                      <a:solidFill>
+                        <a:schemeClr val="bg1"/>
+                      </a:solidFill>
+                      <a:prstDash val="solid"/>
+                      <a:round/>
+                      <a:headEnd type="none" w="med" len="med"/>
+                      <a:tailEnd type="none" w="med" len="med"/>
+                    </a:lnL>
+                    <a:lnR w="12700" cap="flat" cmpd="sng" algn="ctr">
+                      <a:solidFill>
+                        <a:schemeClr val="bg1"/>
+                      </a:solidFill>
+                      <a:prstDash val="solid"/>
+                      <a:round/>
+                      <a:headEnd type="none" w="med" len="med"/>
+                      <a:tailEnd type="none" w="med" len="med"/>
+                    </a:lnR>
+                    <a:lnT w="12700" cap="flat" cmpd="sng" algn="ctr">
+                      <a:solidFill>
+                        <a:schemeClr val="bg1"/>
+                      </a:solidFill>
+                      <a:prstDash val="solid"/>
+                      <a:round/>
+                      <a:headEnd type="none" w="med" len="med"/>
+                      <a:tailEnd type="none" w="med" len="med"/>
+                    </a:lnT>
+                    <a:lnB w="12700" cap="flat" cmpd="sng" algn="ctr">
+                      <a:solidFill>
+                        <a:schemeClr val="bg1"/>
+                      </a:solidFill>
+                      <a:prstDash val="solid"/>
+                      <a:round/>
+                      <a:headEnd type="none" w="med" len="med"/>
+                      <a:tailEnd type="none" w="med" len="med"/>
+                    </a:lnB>
+                    <a:lnTlToBr w="12700" cmpd="sng">
+                      <a:noFill/>
+                      <a:prstDash val="solid"/>
+                    </a:lnTlToBr>
+                    <a:lnBlToTr w="12700" cmpd="sng">
+                      <a:noFill/>
+                      <a:prstDash val="solid"/>
+                    </a:lnBlToTr>
+                  </a:tcPr>
+                </a:tc>
+                <a:tc>
+                  <a:txBody>
+                    <a:bodyPr/>
+                    <a:lstStyle/>
+                    <a:p>
+                      <a:r>
+                        <a:rPr lang="ru-RU" sz="1200" dirty="0" smtClean="0">
+                          <a:solidFill>
+                            <a:schemeClr val="bg1"/>
+                          </a:solidFill>
+                        </a:rPr>
+                        <a:t>Ноябрь </a:t>
+                      </a:r>
+                      <a:r>
+                        <a:rPr lang="en-US" sz="1200" dirty="0" smtClean="0">
+                          <a:solidFill>
+                            <a:schemeClr val="bg1"/>
+                          </a:solidFill>
+                        </a:rPr>
+                        <a:t>2005</a:t>
+                      </a:r>
+                      <a:r>
+                        <a:rPr lang="ru-RU" sz="1200" dirty="0" smtClean="0">
+                          <a:solidFill>
+                            <a:schemeClr val="bg1"/>
+                          </a:solidFill>
+                        </a:rPr>
+                        <a:t> года</a:t>
+                      </a:r>
+                      <a:endParaRPr lang="en-US" sz="1200" dirty="0">
+                        <a:solidFill>
+                          <a:schemeClr val="bg1"/>
+                        </a:solidFill>
+                      </a:endParaRPr>
+                    </a:p>
+                  </a:txBody>
+                  <a:tcPr marL="61162" marR="61162" marT="30581" marB="30581" anchor="ctr">
+                    <a:lnL w="12700" cap="flat" cmpd="sng" algn="ctr">
+                      <a:solidFill>
+                        <a:schemeClr val="bg1"/>
+                      </a:solidFill>
+                      <a:prstDash val="solid"/>
+                      <a:round/>
+                      <a:headEnd type="none" w="med" len="med"/>
+                      <a:tailEnd type="none" w="med" len="med"/>
+                    </a:lnL>
+                    <a:lnR w="12700" cap="flat" cmpd="sng" algn="ctr">
+                      <a:solidFill>
+                        <a:schemeClr val="bg1"/>
+                      </a:solidFill>
+                      <a:prstDash val="solid"/>
+                      <a:round/>
+                      <a:headEnd type="none" w="med" len="med"/>
+                      <a:tailEnd type="none" w="med" len="med"/>
+                    </a:lnR>
+                    <a:lnT w="12700" cap="flat" cmpd="sng" algn="ctr">
+                      <a:solidFill>
+                        <a:schemeClr val="bg1"/>
+                      </a:solidFill>
+                      <a:prstDash val="solid"/>
+                      <a:round/>
+                      <a:headEnd type="none" w="med" len="med"/>
+                      <a:tailEnd type="none" w="med" len="med"/>
+                    </a:lnT>
+                    <a:lnB w="12700" cap="flat" cmpd="sng" algn="ctr">
+                      <a:solidFill>
+                        <a:schemeClr val="bg1"/>
+                      </a:solidFill>
+                      <a:prstDash val="solid"/>
+                      <a:round/>
+                      <a:headEnd type="none" w="med" len="med"/>
+                      <a:tailEnd type="none" w="med" len="med"/>
+                    </a:lnB>
+                    <a:lnTlToBr w="12700" cmpd="sng">
+                      <a:noFill/>
+                      <a:prstDash val="solid"/>
+                    </a:lnTlToBr>
+                    <a:lnBlToTr w="12700" cmpd="sng">
+                      <a:noFill/>
+                      <a:prstDash val="solid"/>
+                    </a:lnBlToTr>
+                  </a:tcPr>
+                </a:tc>
+                <a:tc>
+                  <a:txBody>
+                    <a:bodyPr/>
+                    <a:lstStyle/>
+                    <a:p>
+                      <a:r>
+                        <a:rPr lang="en-US" sz="1200" dirty="0">
+                          <a:solidFill>
+                            <a:schemeClr val="bg1"/>
+                          </a:solidFill>
+                        </a:rPr>
+                        <a:t>Visual Studio 2005</a:t>
+                      </a:r>
+                    </a:p>
+                  </a:txBody>
+                  <a:tcPr marL="61162" marR="61162" marT="30581" marB="30581" anchor="ctr">
+                    <a:lnL w="12700" cap="flat" cmpd="sng" algn="ctr">
+                      <a:solidFill>
+                        <a:schemeClr val="bg1"/>
+                      </a:solidFill>
+                      <a:prstDash val="solid"/>
+                      <a:round/>
+                      <a:headEnd type="none" w="med" len="med"/>
+                      <a:tailEnd type="none" w="med" len="med"/>
+                    </a:lnL>
+                    <a:lnR w="12700" cap="flat" cmpd="sng" algn="ctr">
+                      <a:solidFill>
+                        <a:schemeClr val="bg1"/>
+                      </a:solidFill>
+                      <a:prstDash val="solid"/>
+                      <a:round/>
+                      <a:headEnd type="none" w="med" len="med"/>
+                      <a:tailEnd type="none" w="med" len="med"/>
+                    </a:lnR>
+                    <a:lnT w="12700" cap="flat" cmpd="sng" algn="ctr">
+                      <a:solidFill>
+                        <a:schemeClr val="bg1"/>
+                      </a:solidFill>
+                      <a:prstDash val="solid"/>
+                      <a:round/>
+                      <a:headEnd type="none" w="med" len="med"/>
+                      <a:tailEnd type="none" w="med" len="med"/>
+                    </a:lnT>
+                    <a:lnB w="12700" cap="flat" cmpd="sng" algn="ctr">
+                      <a:solidFill>
+                        <a:schemeClr val="bg1"/>
+                      </a:solidFill>
+                      <a:prstDash val="solid"/>
+                      <a:round/>
+                      <a:headEnd type="none" w="med" len="med"/>
+                      <a:tailEnd type="none" w="med" len="med"/>
+                    </a:lnB>
+                    <a:lnTlToBr w="12700" cmpd="sng">
+                      <a:noFill/>
+                      <a:prstDash val="solid"/>
+                    </a:lnTlToBr>
+                    <a:lnBlToTr w="12700" cmpd="sng">
+                      <a:noFill/>
+                      <a:prstDash val="solid"/>
+                    </a:lnBlToTr>
+                  </a:tcPr>
+                </a:tc>
+                <a:tc>
+                  <a:txBody>
+                    <a:bodyPr/>
+                    <a:lstStyle/>
+                    <a:p>
+                      <a:r>
+                        <a:rPr lang="en-US" sz="1200" dirty="0">
+                          <a:solidFill>
+                            <a:schemeClr val="bg1"/>
+                          </a:solidFill>
+                        </a:rPr>
+                        <a:t>Windows Server 2003 R2</a:t>
+                      </a:r>
+                    </a:p>
+                  </a:txBody>
+                  <a:tcPr marL="61162" marR="61162" marT="30581" marB="30581" anchor="ctr">
+                    <a:lnL w="12700" cap="flat" cmpd="sng" algn="ctr">
+                      <a:solidFill>
+                        <a:schemeClr val="bg1"/>
+                      </a:solidFill>
+                      <a:prstDash val="solid"/>
+                      <a:round/>
+                      <a:headEnd type="none" w="med" len="med"/>
+                      <a:tailEnd type="none" w="med" len="med"/>
+                    </a:lnL>
+                    <a:lnR w="12700" cap="flat" cmpd="sng" algn="ctr">
+                      <a:solidFill>
+                        <a:schemeClr val="bg1"/>
+                      </a:solidFill>
+                      <a:prstDash val="solid"/>
+                      <a:round/>
+                      <a:headEnd type="none" w="med" len="med"/>
+                      <a:tailEnd type="none" w="med" len="med"/>
+                    </a:lnR>
+                    <a:lnT w="12700" cap="flat" cmpd="sng" algn="ctr">
+                      <a:solidFill>
+                        <a:schemeClr val="bg1"/>
+                      </a:solidFill>
+                      <a:prstDash val="solid"/>
+                      <a:round/>
+                      <a:headEnd type="none" w="med" len="med"/>
+                      <a:tailEnd type="none" w="med" len="med"/>
+                    </a:lnT>
+                    <a:lnB w="12700" cap="flat" cmpd="sng" algn="ctr">
+                      <a:solidFill>
+                        <a:schemeClr val="bg1"/>
+                      </a:solidFill>
+                      <a:prstDash val="solid"/>
+                      <a:round/>
+                      <a:headEnd type="none" w="med" len="med"/>
+                      <a:tailEnd type="none" w="med" len="med"/>
+                    </a:lnB>
+                    <a:lnTlToBr w="12700" cmpd="sng">
+                      <a:noFill/>
+                      <a:prstDash val="solid"/>
+                    </a:lnTlToBr>
+                    <a:lnBlToTr w="12700" cmpd="sng">
+                      <a:noFill/>
+                      <a:prstDash val="solid"/>
+                    </a:lnBlToTr>
+                  </a:tcPr>
+                </a:tc>
+              </a:tr>
+              <a:tr h="611617">
+                <a:tc>
+                  <a:txBody>
+                    <a:bodyPr/>
+                    <a:lstStyle/>
+                    <a:p>
+                      <a:r>
+                        <a:rPr lang="en-US" sz="1200" dirty="0">
+                          <a:solidFill>
+                            <a:schemeClr val="bg1"/>
+                          </a:solidFill>
+                        </a:rPr>
+                        <a:t>3.0</a:t>
+                      </a:r>
+                    </a:p>
+                  </a:txBody>
+                  <a:tcPr marL="61162" marR="61162" marT="30581" marB="30581" anchor="ctr">
+                    <a:lnL w="12700" cap="flat" cmpd="sng" algn="ctr">
+                      <a:solidFill>
+                        <a:schemeClr val="bg1"/>
+                      </a:solidFill>
+                      <a:prstDash val="solid"/>
+                      <a:round/>
+                      <a:headEnd type="none" w="med" len="med"/>
+                      <a:tailEnd type="none" w="med" len="med"/>
+                    </a:lnL>
+                    <a:lnR w="12700" cap="flat" cmpd="sng" algn="ctr">
+                      <a:solidFill>
+                        <a:schemeClr val="bg1"/>
+                      </a:solidFill>
+                      <a:prstDash val="solid"/>
+                      <a:round/>
+                      <a:headEnd type="none" w="med" len="med"/>
+                      <a:tailEnd type="none" w="med" len="med"/>
+                    </a:lnR>
+                    <a:lnT w="12700" cap="flat" cmpd="sng" algn="ctr">
+                      <a:solidFill>
+                        <a:schemeClr val="bg1"/>
+                      </a:solidFill>
+                      <a:prstDash val="solid"/>
+                      <a:round/>
+                      <a:headEnd type="none" w="med" len="med"/>
+                      <a:tailEnd type="none" w="med" len="med"/>
+                    </a:lnT>
+                    <a:lnB w="12700" cap="flat" cmpd="sng" algn="ctr">
+                      <a:solidFill>
+                        <a:schemeClr val="bg1"/>
+                      </a:solidFill>
+                      <a:prstDash val="solid"/>
+                      <a:round/>
+                      <a:headEnd type="none" w="med" len="med"/>
+                      <a:tailEnd type="none" w="med" len="med"/>
+                    </a:lnB>
+                    <a:lnTlToBr w="12700" cmpd="sng">
+                      <a:noFill/>
+                      <a:prstDash val="solid"/>
+                    </a:lnTlToBr>
+                    <a:lnBlToTr w="12700" cmpd="sng">
+                      <a:noFill/>
+                      <a:prstDash val="solid"/>
+                    </a:lnBlToTr>
+                  </a:tcPr>
+                </a:tc>
+                <a:tc>
+                  <a:txBody>
+                    <a:bodyPr/>
+                    <a:lstStyle/>
+                    <a:p>
+                      <a:r>
+                        <a:rPr lang="en-US" sz="1200">
+                          <a:solidFill>
+                            <a:schemeClr val="bg1"/>
+                          </a:solidFill>
+                        </a:rPr>
+                        <a:t>3.0.4506.30</a:t>
+                      </a:r>
+                    </a:p>
+                  </a:txBody>
+                  <a:tcPr marL="61162" marR="61162" marT="30581" marB="30581" anchor="ctr">
+                    <a:lnL w="12700" cap="flat" cmpd="sng" algn="ctr">
+                      <a:solidFill>
+                        <a:schemeClr val="bg1"/>
+                      </a:solidFill>
+                      <a:prstDash val="solid"/>
+                      <a:round/>
+                      <a:headEnd type="none" w="med" len="med"/>
+                      <a:tailEnd type="none" w="med" len="med"/>
+                    </a:lnL>
+                    <a:lnR w="12700" cap="flat" cmpd="sng" algn="ctr">
+                      <a:solidFill>
+                        <a:schemeClr val="bg1"/>
+                      </a:solidFill>
+                      <a:prstDash val="solid"/>
+                      <a:round/>
+                      <a:headEnd type="none" w="med" len="med"/>
+                      <a:tailEnd type="none" w="med" len="med"/>
+                    </a:lnR>
+                    <a:lnT w="12700" cap="flat" cmpd="sng" algn="ctr">
+                      <a:solidFill>
+                        <a:schemeClr val="bg1"/>
+                      </a:solidFill>
+                      <a:prstDash val="solid"/>
+                      <a:round/>
+                      <a:headEnd type="none" w="med" len="med"/>
+                      <a:tailEnd type="none" w="med" len="med"/>
+                    </a:lnT>
+                    <a:lnB w="12700" cap="flat" cmpd="sng" algn="ctr">
+                      <a:solidFill>
+                        <a:schemeClr val="bg1"/>
+                      </a:solidFill>
+                      <a:prstDash val="solid"/>
+                      <a:round/>
+                      <a:headEnd type="none" w="med" len="med"/>
+                      <a:tailEnd type="none" w="med" len="med"/>
+                    </a:lnB>
+                    <a:lnTlToBr w="12700" cmpd="sng">
+                      <a:noFill/>
+                      <a:prstDash val="solid"/>
+                    </a:lnTlToBr>
+                    <a:lnBlToTr w="12700" cmpd="sng">
+                      <a:noFill/>
+                      <a:prstDash val="solid"/>
+                    </a:lnBlToTr>
+                  </a:tcPr>
+                </a:tc>
+                <a:tc>
+                  <a:txBody>
+                    <a:bodyPr/>
+                    <a:lstStyle/>
+                    <a:p>
+                      <a:r>
+                        <a:rPr lang="ru-RU" sz="1200" dirty="0" smtClean="0">
+                          <a:solidFill>
+                            <a:schemeClr val="bg1"/>
+                          </a:solidFill>
+                        </a:rPr>
+                        <a:t>Ноябрь </a:t>
+                      </a:r>
+                      <a:r>
+                        <a:rPr lang="en-US" sz="1200" dirty="0" smtClean="0">
+                          <a:solidFill>
+                            <a:schemeClr val="bg1"/>
+                          </a:solidFill>
+                        </a:rPr>
+                        <a:t>2006</a:t>
+                      </a:r>
+                      <a:r>
+                        <a:rPr lang="ru-RU" sz="1200" dirty="0" smtClean="0">
+                          <a:solidFill>
+                            <a:schemeClr val="bg1"/>
+                          </a:solidFill>
+                        </a:rPr>
+                        <a:t> года</a:t>
+                      </a:r>
+                      <a:endParaRPr lang="en-US" sz="1200" dirty="0">
+                        <a:solidFill>
+                          <a:schemeClr val="bg1"/>
+                        </a:solidFill>
+                      </a:endParaRPr>
+                    </a:p>
+                  </a:txBody>
+                  <a:tcPr marL="61162" marR="61162" marT="30581" marB="30581" anchor="ctr">
+                    <a:lnL w="12700" cap="flat" cmpd="sng" algn="ctr">
+                      <a:solidFill>
+                        <a:schemeClr val="bg1"/>
+                      </a:solidFill>
+                      <a:prstDash val="solid"/>
+                      <a:round/>
+                      <a:headEnd type="none" w="med" len="med"/>
+                      <a:tailEnd type="none" w="med" len="med"/>
+                    </a:lnL>
+                    <a:lnR w="12700" cap="flat" cmpd="sng" algn="ctr">
+                      <a:solidFill>
+                        <a:schemeClr val="bg1"/>
+                      </a:solidFill>
+                      <a:prstDash val="solid"/>
+                      <a:round/>
+                      <a:headEnd type="none" w="med" len="med"/>
+                      <a:tailEnd type="none" w="med" len="med"/>
+                    </a:lnR>
+                    <a:lnT w="12700" cap="flat" cmpd="sng" algn="ctr">
+                      <a:solidFill>
+                        <a:schemeClr val="bg1"/>
+                      </a:solidFill>
+                      <a:prstDash val="solid"/>
+                      <a:round/>
+                      <a:headEnd type="none" w="med" len="med"/>
+                      <a:tailEnd type="none" w="med" len="med"/>
+                    </a:lnT>
+                    <a:lnB w="12700" cap="flat" cmpd="sng" algn="ctr">
+                      <a:solidFill>
+                        <a:schemeClr val="bg1"/>
+                      </a:solidFill>
+                      <a:prstDash val="solid"/>
+                      <a:round/>
+                      <a:headEnd type="none" w="med" len="med"/>
+                      <a:tailEnd type="none" w="med" len="med"/>
+                    </a:lnB>
+                    <a:lnTlToBr w="12700" cmpd="sng">
+                      <a:noFill/>
+                      <a:prstDash val="solid"/>
+                    </a:lnTlToBr>
+                    <a:lnBlToTr w="12700" cmpd="sng">
+                      <a:noFill/>
+                      <a:prstDash val="solid"/>
+                    </a:lnBlToTr>
+                  </a:tcPr>
+                </a:tc>
+                <a:tc>
+                  <a:txBody>
+                    <a:bodyPr/>
+                    <a:lstStyle/>
+                    <a:p>
+                      <a:endParaRPr lang="en-US" sz="1200">
+                        <a:solidFill>
+                          <a:schemeClr val="bg1"/>
+                        </a:solidFill>
+                      </a:endParaRPr>
+                    </a:p>
+                  </a:txBody>
+                  <a:tcPr marL="61162" marR="61162" marT="30581" marB="30581" anchor="ctr">
+                    <a:lnL w="12700" cap="flat" cmpd="sng" algn="ctr">
+                      <a:solidFill>
+                        <a:schemeClr val="bg1"/>
+                      </a:solidFill>
+                      <a:prstDash val="solid"/>
+                      <a:round/>
+                      <a:headEnd type="none" w="med" len="med"/>
+                      <a:tailEnd type="none" w="med" len="med"/>
+                    </a:lnL>
+                    <a:lnR w="12700" cap="flat" cmpd="sng" algn="ctr">
+                      <a:solidFill>
+                        <a:schemeClr val="bg1"/>
+                      </a:solidFill>
+                      <a:prstDash val="solid"/>
+                      <a:round/>
+                      <a:headEnd type="none" w="med" len="med"/>
+                      <a:tailEnd type="none" w="med" len="med"/>
+                    </a:lnR>
+                    <a:lnT w="12700" cap="flat" cmpd="sng" algn="ctr">
+                      <a:solidFill>
+                        <a:schemeClr val="bg1"/>
+                      </a:solidFill>
+                      <a:prstDash val="solid"/>
+                      <a:round/>
+                      <a:headEnd type="none" w="med" len="med"/>
+                      <a:tailEnd type="none" w="med" len="med"/>
+                    </a:lnT>
+                    <a:lnB w="12700" cap="flat" cmpd="sng" algn="ctr">
+                      <a:solidFill>
+                        <a:schemeClr val="bg1"/>
+                      </a:solidFill>
+                      <a:prstDash val="solid"/>
+                      <a:round/>
+                      <a:headEnd type="none" w="med" len="med"/>
+                      <a:tailEnd type="none" w="med" len="med"/>
+                    </a:lnB>
+                    <a:lnTlToBr w="12700" cmpd="sng">
+                      <a:noFill/>
+                      <a:prstDash val="solid"/>
+                    </a:lnTlToBr>
+                    <a:lnBlToTr w="12700" cmpd="sng">
+                      <a:noFill/>
+                      <a:prstDash val="solid"/>
+                    </a:lnBlToTr>
+                  </a:tcPr>
+                </a:tc>
+                <a:tc>
+                  <a:txBody>
+                    <a:bodyPr/>
+                    <a:lstStyle/>
+                    <a:p>
+                      <a:r>
+                        <a:rPr lang="en-US" sz="1200" dirty="0">
+                          <a:solidFill>
+                            <a:schemeClr val="bg1"/>
+                          </a:solidFill>
+                        </a:rPr>
+                        <a:t>Windows Vista, Windows Server 2008</a:t>
+                      </a:r>
+                    </a:p>
+                  </a:txBody>
+                  <a:tcPr marL="61162" marR="61162" marT="30581" marB="30581" anchor="ctr">
+                    <a:lnL w="12700" cap="flat" cmpd="sng" algn="ctr">
+                      <a:solidFill>
+                        <a:schemeClr val="bg1"/>
+                      </a:solidFill>
+                      <a:prstDash val="solid"/>
+                      <a:round/>
+                      <a:headEnd type="none" w="med" len="med"/>
+                      <a:tailEnd type="none" w="med" len="med"/>
+                    </a:lnL>
+                    <a:lnR w="12700" cap="flat" cmpd="sng" algn="ctr">
+                      <a:solidFill>
+                        <a:schemeClr val="bg1"/>
+                      </a:solidFill>
+                      <a:prstDash val="solid"/>
+                      <a:round/>
+                      <a:headEnd type="none" w="med" len="med"/>
+                      <a:tailEnd type="none" w="med" len="med"/>
+                    </a:lnR>
+                    <a:lnT w="12700" cap="flat" cmpd="sng" algn="ctr">
+                      <a:solidFill>
+                        <a:schemeClr val="bg1"/>
+                      </a:solidFill>
+                      <a:prstDash val="solid"/>
+                      <a:round/>
+                      <a:headEnd type="none" w="med" len="med"/>
+                      <a:tailEnd type="none" w="med" len="med"/>
+                    </a:lnT>
+                    <a:lnB w="12700" cap="flat" cmpd="sng" algn="ctr">
+                      <a:solidFill>
+                        <a:schemeClr val="bg1"/>
+                      </a:solidFill>
+                      <a:prstDash val="solid"/>
+                      <a:round/>
+                      <a:headEnd type="none" w="med" len="med"/>
+                      <a:tailEnd type="none" w="med" len="med"/>
+                    </a:lnB>
+                    <a:lnTlToBr w="12700" cmpd="sng">
+                      <a:noFill/>
+                      <a:prstDash val="solid"/>
+                    </a:lnTlToBr>
+                    <a:lnBlToTr w="12700" cmpd="sng">
+                      <a:noFill/>
+                      <a:prstDash val="solid"/>
+                    </a:lnBlToTr>
+                  </a:tcPr>
+                </a:tc>
+              </a:tr>
+              <a:tr h="611617">
+                <a:tc>
+                  <a:txBody>
+                    <a:bodyPr/>
+                    <a:lstStyle/>
+                    <a:p>
+                      <a:r>
+                        <a:rPr lang="en-US" sz="1200" dirty="0">
+                          <a:solidFill>
+                            <a:schemeClr val="bg1"/>
+                          </a:solidFill>
+                        </a:rPr>
+                        <a:t>3.5</a:t>
+                      </a:r>
+                    </a:p>
+                  </a:txBody>
+                  <a:tcPr marL="61162" marR="61162" marT="30581" marB="30581" anchor="ctr">
+                    <a:lnL w="12700" cap="flat" cmpd="sng" algn="ctr">
+                      <a:solidFill>
+                        <a:schemeClr val="bg1"/>
+                      </a:solidFill>
+                      <a:prstDash val="solid"/>
+                      <a:round/>
+                      <a:headEnd type="none" w="med" len="med"/>
+                      <a:tailEnd type="none" w="med" len="med"/>
+                    </a:lnL>
+                    <a:lnR w="12700" cap="flat" cmpd="sng" algn="ctr">
+                      <a:solidFill>
+                        <a:schemeClr val="bg1"/>
+                      </a:solidFill>
+                      <a:prstDash val="solid"/>
+                      <a:round/>
+                      <a:headEnd type="none" w="med" len="med"/>
+                      <a:tailEnd type="none" w="med" len="med"/>
+                    </a:lnR>
+                    <a:lnT w="12700" cap="flat" cmpd="sng" algn="ctr">
+                      <a:solidFill>
+                        <a:schemeClr val="bg1"/>
+                      </a:solidFill>
+                      <a:prstDash val="solid"/>
+                      <a:round/>
+                      <a:headEnd type="none" w="med" len="med"/>
+                      <a:tailEnd type="none" w="med" len="med"/>
+                    </a:lnT>
+                    <a:lnB w="12700" cap="flat" cmpd="sng" algn="ctr">
+                      <a:solidFill>
+                        <a:schemeClr val="bg1"/>
+                      </a:solidFill>
+                      <a:prstDash val="solid"/>
+                      <a:round/>
+                      <a:headEnd type="none" w="med" len="med"/>
+                      <a:tailEnd type="none" w="med" len="med"/>
+                    </a:lnB>
+                    <a:lnTlToBr w="12700" cmpd="sng">
+                      <a:noFill/>
+                      <a:prstDash val="solid"/>
+                    </a:lnTlToBr>
+                    <a:lnBlToTr w="12700" cmpd="sng">
+                      <a:noFill/>
+                      <a:prstDash val="solid"/>
+                    </a:lnBlToTr>
+                  </a:tcPr>
+                </a:tc>
+                <a:tc>
+                  <a:txBody>
+                    <a:bodyPr/>
+                    <a:lstStyle/>
+                    <a:p>
+                      <a:r>
+                        <a:rPr lang="en-US" sz="1200">
+                          <a:solidFill>
+                            <a:schemeClr val="bg1"/>
+                          </a:solidFill>
+                        </a:rPr>
+                        <a:t>3.5.21022.8</a:t>
+                      </a:r>
+                    </a:p>
+                  </a:txBody>
+                  <a:tcPr marL="61162" marR="61162" marT="30581" marB="30581" anchor="ctr">
+                    <a:lnL w="12700" cap="flat" cmpd="sng" algn="ctr">
+                      <a:solidFill>
+                        <a:schemeClr val="bg1"/>
+                      </a:solidFill>
+                      <a:prstDash val="solid"/>
+                      <a:round/>
+                      <a:headEnd type="none" w="med" len="med"/>
+                      <a:tailEnd type="none" w="med" len="med"/>
+                    </a:lnL>
+                    <a:lnR w="12700" cap="flat" cmpd="sng" algn="ctr">
+                      <a:solidFill>
+                        <a:schemeClr val="bg1"/>
+                      </a:solidFill>
+                      <a:prstDash val="solid"/>
+                      <a:round/>
+                      <a:headEnd type="none" w="med" len="med"/>
+                      <a:tailEnd type="none" w="med" len="med"/>
+                    </a:lnR>
+                    <a:lnT w="12700" cap="flat" cmpd="sng" algn="ctr">
+                      <a:solidFill>
+                        <a:schemeClr val="bg1"/>
+                      </a:solidFill>
+                      <a:prstDash val="solid"/>
+                      <a:round/>
+                      <a:headEnd type="none" w="med" len="med"/>
+                      <a:tailEnd type="none" w="med" len="med"/>
+                    </a:lnT>
+                    <a:lnB w="12700" cap="flat" cmpd="sng" algn="ctr">
+                      <a:solidFill>
+                        <a:schemeClr val="bg1"/>
+                      </a:solidFill>
+                      <a:prstDash val="solid"/>
+                      <a:round/>
+                      <a:headEnd type="none" w="med" len="med"/>
+                      <a:tailEnd type="none" w="med" len="med"/>
+                    </a:lnB>
+                    <a:lnTlToBr w="12700" cmpd="sng">
+                      <a:noFill/>
+                      <a:prstDash val="solid"/>
+                    </a:lnTlToBr>
+                    <a:lnBlToTr w="12700" cmpd="sng">
+                      <a:noFill/>
+                      <a:prstDash val="solid"/>
+                    </a:lnBlToTr>
+                  </a:tcPr>
+                </a:tc>
+                <a:tc>
+                  <a:txBody>
+                    <a:bodyPr/>
+                    <a:lstStyle/>
+                    <a:p>
+                      <a:r>
+                        <a:rPr lang="ru-RU" sz="1200" dirty="0" smtClean="0">
+                          <a:solidFill>
+                            <a:schemeClr val="bg1"/>
+                          </a:solidFill>
+                        </a:rPr>
+                        <a:t>Ноябрь</a:t>
+                      </a:r>
+                      <a:r>
+                        <a:rPr lang="ru-RU" sz="1200" baseline="0" dirty="0" smtClean="0">
+                          <a:solidFill>
+                            <a:schemeClr val="bg1"/>
+                          </a:solidFill>
+                        </a:rPr>
+                        <a:t> </a:t>
+                      </a:r>
+                      <a:r>
+                        <a:rPr lang="en-US" sz="1200" dirty="0" smtClean="0">
+                          <a:solidFill>
+                            <a:schemeClr val="bg1"/>
+                          </a:solidFill>
+                        </a:rPr>
+                        <a:t>2007</a:t>
+                      </a:r>
+                      <a:r>
+                        <a:rPr lang="ru-RU" sz="1200" dirty="0" smtClean="0">
+                          <a:solidFill>
+                            <a:schemeClr val="bg1"/>
+                          </a:solidFill>
+                        </a:rPr>
+                        <a:t> года</a:t>
+                      </a:r>
+                      <a:endParaRPr lang="en-US" sz="1200" dirty="0">
+                        <a:solidFill>
+                          <a:schemeClr val="bg1"/>
+                        </a:solidFill>
+                      </a:endParaRPr>
+                    </a:p>
+                  </a:txBody>
+                  <a:tcPr marL="61162" marR="61162" marT="30581" marB="30581" anchor="ctr">
+                    <a:lnL w="12700" cap="flat" cmpd="sng" algn="ctr">
+                      <a:solidFill>
+                        <a:schemeClr val="bg1"/>
+                      </a:solidFill>
+                      <a:prstDash val="solid"/>
+                      <a:round/>
+                      <a:headEnd type="none" w="med" len="med"/>
+                      <a:tailEnd type="none" w="med" len="med"/>
+                    </a:lnL>
+                    <a:lnR w="12700" cap="flat" cmpd="sng" algn="ctr">
+                      <a:solidFill>
+                        <a:schemeClr val="bg1"/>
+                      </a:solidFill>
+                      <a:prstDash val="solid"/>
+                      <a:round/>
+                      <a:headEnd type="none" w="med" len="med"/>
+                      <a:tailEnd type="none" w="med" len="med"/>
+                    </a:lnR>
+                    <a:lnT w="12700" cap="flat" cmpd="sng" algn="ctr">
+                      <a:solidFill>
+                        <a:schemeClr val="bg1"/>
+                      </a:solidFill>
+                      <a:prstDash val="solid"/>
+                      <a:round/>
+                      <a:headEnd type="none" w="med" len="med"/>
+                      <a:tailEnd type="none" w="med" len="med"/>
+                    </a:lnT>
+                    <a:lnB w="12700" cap="flat" cmpd="sng" algn="ctr">
+                      <a:solidFill>
+                        <a:schemeClr val="bg1"/>
+                      </a:solidFill>
+                      <a:prstDash val="solid"/>
+                      <a:round/>
+                      <a:headEnd type="none" w="med" len="med"/>
+                      <a:tailEnd type="none" w="med" len="med"/>
+                    </a:lnB>
+                    <a:lnTlToBr w="12700" cmpd="sng">
+                      <a:noFill/>
+                      <a:prstDash val="solid"/>
+                    </a:lnTlToBr>
+                    <a:lnBlToTr w="12700" cmpd="sng">
+                      <a:noFill/>
+                      <a:prstDash val="solid"/>
+                    </a:lnBlToTr>
+                  </a:tcPr>
+                </a:tc>
+                <a:tc>
+                  <a:txBody>
+                    <a:bodyPr/>
+                    <a:lstStyle/>
+                    <a:p>
+                      <a:r>
+                        <a:rPr lang="en-US" sz="1200">
+                          <a:solidFill>
+                            <a:schemeClr val="bg1"/>
+                          </a:solidFill>
+                        </a:rPr>
+                        <a:t>Visual Studio 2008</a:t>
+                      </a:r>
+                    </a:p>
+                  </a:txBody>
+                  <a:tcPr marL="61162" marR="61162" marT="30581" marB="30581" anchor="ctr">
+                    <a:lnL w="12700" cap="flat" cmpd="sng" algn="ctr">
+                      <a:solidFill>
+                        <a:schemeClr val="bg1"/>
+                      </a:solidFill>
+                      <a:prstDash val="solid"/>
+                      <a:round/>
+                      <a:headEnd type="none" w="med" len="med"/>
+                      <a:tailEnd type="none" w="med" len="med"/>
+                    </a:lnL>
+                    <a:lnR w="12700" cap="flat" cmpd="sng" algn="ctr">
+                      <a:solidFill>
+                        <a:schemeClr val="bg1"/>
+                      </a:solidFill>
+                      <a:prstDash val="solid"/>
+                      <a:round/>
+                      <a:headEnd type="none" w="med" len="med"/>
+                      <a:tailEnd type="none" w="med" len="med"/>
+                    </a:lnR>
+                    <a:lnT w="12700" cap="flat" cmpd="sng" algn="ctr">
+                      <a:solidFill>
+                        <a:schemeClr val="bg1"/>
+                      </a:solidFill>
+                      <a:prstDash val="solid"/>
+                      <a:round/>
+                      <a:headEnd type="none" w="med" len="med"/>
+                      <a:tailEnd type="none" w="med" len="med"/>
+                    </a:lnT>
+                    <a:lnB w="12700" cap="flat" cmpd="sng" algn="ctr">
+                      <a:solidFill>
+                        <a:schemeClr val="bg1"/>
+                      </a:solidFill>
+                      <a:prstDash val="solid"/>
+                      <a:round/>
+                      <a:headEnd type="none" w="med" len="med"/>
+                      <a:tailEnd type="none" w="med" len="med"/>
+                    </a:lnB>
+                    <a:lnTlToBr w="12700" cmpd="sng">
+                      <a:noFill/>
+                      <a:prstDash val="solid"/>
+                    </a:lnTlToBr>
+                    <a:lnBlToTr w="12700" cmpd="sng">
+                      <a:noFill/>
+                      <a:prstDash val="solid"/>
+                    </a:lnBlToTr>
+                  </a:tcPr>
+                </a:tc>
+                <a:tc>
+                  <a:txBody>
+                    <a:bodyPr/>
+                    <a:lstStyle/>
+                    <a:p>
+                      <a:r>
+                        <a:rPr lang="en-US" sz="1200" dirty="0">
+                          <a:solidFill>
+                            <a:schemeClr val="bg1"/>
+                          </a:solidFill>
+                        </a:rPr>
+                        <a:t>Windows 7, Windows Server 2008 R2</a:t>
+                      </a:r>
+                    </a:p>
+                  </a:txBody>
+                  <a:tcPr marL="61162" marR="61162" marT="30581" marB="30581" anchor="ctr">
+                    <a:lnL w="12700" cap="flat" cmpd="sng" algn="ctr">
+                      <a:solidFill>
+                        <a:schemeClr val="bg1"/>
+                      </a:solidFill>
+                      <a:prstDash val="solid"/>
+                      <a:round/>
+                      <a:headEnd type="none" w="med" len="med"/>
+                      <a:tailEnd type="none" w="med" len="med"/>
+                    </a:lnL>
+                    <a:lnR w="12700" cap="flat" cmpd="sng" algn="ctr">
+                      <a:solidFill>
+                        <a:schemeClr val="bg1"/>
+                      </a:solidFill>
+                      <a:prstDash val="solid"/>
+                      <a:round/>
+                      <a:headEnd type="none" w="med" len="med"/>
+                      <a:tailEnd type="none" w="med" len="med"/>
+                    </a:lnR>
+                    <a:lnT w="12700" cap="flat" cmpd="sng" algn="ctr">
+                      <a:solidFill>
+                        <a:schemeClr val="bg1"/>
+                      </a:solidFill>
+                      <a:prstDash val="solid"/>
+                      <a:round/>
+                      <a:headEnd type="none" w="med" len="med"/>
+                      <a:tailEnd type="none" w="med" len="med"/>
+                    </a:lnT>
+                    <a:lnB w="12700" cap="flat" cmpd="sng" algn="ctr">
+                      <a:solidFill>
+                        <a:schemeClr val="bg1"/>
+                      </a:solidFill>
+                      <a:prstDash val="solid"/>
+                      <a:round/>
+                      <a:headEnd type="none" w="med" len="med"/>
+                      <a:tailEnd type="none" w="med" len="med"/>
+                    </a:lnB>
+                    <a:lnTlToBr w="12700" cmpd="sng">
+                      <a:noFill/>
+                      <a:prstDash val="solid"/>
+                    </a:lnTlToBr>
+                    <a:lnBlToTr w="12700" cmpd="sng">
+                      <a:noFill/>
+                      <a:prstDash val="solid"/>
+                    </a:lnBlToTr>
+                  </a:tcPr>
+                </a:tc>
+              </a:tr>
+              <a:tr h="611617">
+                <a:tc>
+                  <a:txBody>
+                    <a:bodyPr/>
+                    <a:lstStyle/>
+                    <a:p>
+                      <a:r>
+                        <a:rPr lang="en-US" sz="1200" dirty="0">
+                          <a:solidFill>
+                            <a:schemeClr val="bg1"/>
+                          </a:solidFill>
+                        </a:rPr>
+                        <a:t>4.0</a:t>
+                      </a:r>
+                    </a:p>
+                  </a:txBody>
+                  <a:tcPr marL="61162" marR="61162" marT="30581" marB="30581" anchor="ctr">
+                    <a:lnL w="12700" cap="flat" cmpd="sng" algn="ctr">
+                      <a:solidFill>
+                        <a:schemeClr val="bg1"/>
+                      </a:solidFill>
+                      <a:prstDash val="solid"/>
+                      <a:round/>
+                      <a:headEnd type="none" w="med" len="med"/>
+                      <a:tailEnd type="none" w="med" len="med"/>
+                    </a:lnL>
+                    <a:lnR w="12700" cap="flat" cmpd="sng" algn="ctr">
+                      <a:solidFill>
+                        <a:schemeClr val="bg1"/>
+                      </a:solidFill>
+                      <a:prstDash val="solid"/>
+                      <a:round/>
+                      <a:headEnd type="none" w="med" len="med"/>
+                      <a:tailEnd type="none" w="med" len="med"/>
+                    </a:lnR>
+                    <a:lnT w="12700" cap="flat" cmpd="sng" algn="ctr">
+                      <a:solidFill>
+                        <a:schemeClr val="bg1"/>
+                      </a:solidFill>
+                      <a:prstDash val="solid"/>
+                      <a:round/>
+                      <a:headEnd type="none" w="med" len="med"/>
+                      <a:tailEnd type="none" w="med" len="med"/>
+                    </a:lnT>
+                    <a:lnB w="12700" cap="flat" cmpd="sng" algn="ctr">
+                      <a:solidFill>
+                        <a:schemeClr val="bg1"/>
+                      </a:solidFill>
+                      <a:prstDash val="solid"/>
+                      <a:round/>
+                      <a:headEnd type="none" w="med" len="med"/>
+                      <a:tailEnd type="none" w="med" len="med"/>
+                    </a:lnB>
+                    <a:lnTlToBr w="12700" cmpd="sng">
+                      <a:noFill/>
+                      <a:prstDash val="solid"/>
+                    </a:lnTlToBr>
+                    <a:lnBlToTr w="12700" cmpd="sng">
+                      <a:noFill/>
+                      <a:prstDash val="solid"/>
+                    </a:lnBlToTr>
+                  </a:tcPr>
+                </a:tc>
+                <a:tc>
+                  <a:txBody>
+                    <a:bodyPr/>
+                    <a:lstStyle/>
+                    <a:p>
+                      <a:r>
+                        <a:rPr lang="en-US" sz="1200">
+                          <a:solidFill>
+                            <a:schemeClr val="bg1"/>
+                          </a:solidFill>
+                        </a:rPr>
+                        <a:t>4.0.30319.1</a:t>
+                      </a:r>
+                    </a:p>
+                  </a:txBody>
+                  <a:tcPr marL="61162" marR="61162" marT="30581" marB="30581" anchor="ctr">
+                    <a:lnL w="12700" cap="flat" cmpd="sng" algn="ctr">
+                      <a:solidFill>
+                        <a:schemeClr val="bg1"/>
+                      </a:solidFill>
+                      <a:prstDash val="solid"/>
+                      <a:round/>
+                      <a:headEnd type="none" w="med" len="med"/>
+                      <a:tailEnd type="none" w="med" len="med"/>
+                    </a:lnL>
+                    <a:lnR w="12700" cap="flat" cmpd="sng" algn="ctr">
+                      <a:solidFill>
+                        <a:schemeClr val="bg1"/>
+                      </a:solidFill>
+                      <a:prstDash val="solid"/>
+                      <a:round/>
+                      <a:headEnd type="none" w="med" len="med"/>
+                      <a:tailEnd type="none" w="med" len="med"/>
+                    </a:lnR>
+                    <a:lnT w="12700" cap="flat" cmpd="sng" algn="ctr">
+                      <a:solidFill>
+                        <a:schemeClr val="bg1"/>
+                      </a:solidFill>
+                      <a:prstDash val="solid"/>
+                      <a:round/>
+                      <a:headEnd type="none" w="med" len="med"/>
+                      <a:tailEnd type="none" w="med" len="med"/>
+                    </a:lnT>
+                    <a:lnB w="12700" cap="flat" cmpd="sng" algn="ctr">
+                      <a:solidFill>
+                        <a:schemeClr val="bg1"/>
+                      </a:solidFill>
+                      <a:prstDash val="solid"/>
+                      <a:round/>
+                      <a:headEnd type="none" w="med" len="med"/>
+                      <a:tailEnd type="none" w="med" len="med"/>
+                    </a:lnB>
+                    <a:lnTlToBr w="12700" cmpd="sng">
+                      <a:noFill/>
+                      <a:prstDash val="solid"/>
+                    </a:lnTlToBr>
+                    <a:lnBlToTr w="12700" cmpd="sng">
+                      <a:noFill/>
+                      <a:prstDash val="solid"/>
+                    </a:lnBlToTr>
+                  </a:tcPr>
+                </a:tc>
+                <a:tc>
+                  <a:txBody>
+                    <a:bodyPr/>
+                    <a:lstStyle/>
+                    <a:p>
+                      <a:r>
+                        <a:rPr lang="ru-RU" sz="1200" dirty="0" smtClean="0">
+                          <a:solidFill>
+                            <a:schemeClr val="bg1"/>
+                          </a:solidFill>
+                        </a:rPr>
+                        <a:t>Апрель </a:t>
+                      </a:r>
+                      <a:r>
+                        <a:rPr lang="en-US" sz="1200" dirty="0" smtClean="0">
+                          <a:solidFill>
+                            <a:schemeClr val="bg1"/>
+                          </a:solidFill>
+                        </a:rPr>
+                        <a:t>2010</a:t>
+                      </a:r>
+                      <a:r>
+                        <a:rPr lang="ru-RU" sz="1200" dirty="0" smtClean="0">
+                          <a:solidFill>
+                            <a:schemeClr val="bg1"/>
+                          </a:solidFill>
+                        </a:rPr>
+                        <a:t> года</a:t>
+                      </a:r>
+                      <a:endParaRPr lang="en-US" sz="1200" dirty="0">
+                        <a:solidFill>
+                          <a:schemeClr val="bg1"/>
+                        </a:solidFill>
+                      </a:endParaRPr>
+                    </a:p>
+                  </a:txBody>
+                  <a:tcPr marL="61162" marR="61162" marT="30581" marB="30581" anchor="ctr">
+                    <a:lnL w="12700" cap="flat" cmpd="sng" algn="ctr">
+                      <a:solidFill>
+                        <a:schemeClr val="bg1"/>
+                      </a:solidFill>
+                      <a:prstDash val="solid"/>
+                      <a:round/>
+                      <a:headEnd type="none" w="med" len="med"/>
+                      <a:tailEnd type="none" w="med" len="med"/>
+                    </a:lnL>
+                    <a:lnR w="12700" cap="flat" cmpd="sng" algn="ctr">
+                      <a:solidFill>
+                        <a:schemeClr val="bg1"/>
+                      </a:solidFill>
+                      <a:prstDash val="solid"/>
+                      <a:round/>
+                      <a:headEnd type="none" w="med" len="med"/>
+                      <a:tailEnd type="none" w="med" len="med"/>
+                    </a:lnR>
+                    <a:lnT w="12700" cap="flat" cmpd="sng" algn="ctr">
+                      <a:solidFill>
+                        <a:schemeClr val="bg1"/>
+                      </a:solidFill>
+                      <a:prstDash val="solid"/>
+                      <a:round/>
+                      <a:headEnd type="none" w="med" len="med"/>
+                      <a:tailEnd type="none" w="med" len="med"/>
+                    </a:lnT>
+                    <a:lnB w="12700" cap="flat" cmpd="sng" algn="ctr">
+                      <a:solidFill>
+                        <a:schemeClr val="bg1"/>
+                      </a:solidFill>
+                      <a:prstDash val="solid"/>
+                      <a:round/>
+                      <a:headEnd type="none" w="med" len="med"/>
+                      <a:tailEnd type="none" w="med" len="med"/>
+                    </a:lnB>
+                    <a:lnTlToBr w="12700" cmpd="sng">
+                      <a:noFill/>
+                      <a:prstDash val="solid"/>
+                    </a:lnTlToBr>
+                    <a:lnBlToTr w="12700" cmpd="sng">
+                      <a:noFill/>
+                      <a:prstDash val="solid"/>
+                    </a:lnBlToTr>
+                  </a:tcPr>
+                </a:tc>
+                <a:tc>
+                  <a:txBody>
+                    <a:bodyPr/>
+                    <a:lstStyle/>
+                    <a:p>
+                      <a:r>
+                        <a:rPr lang="en-US" sz="1200">
+                          <a:solidFill>
+                            <a:schemeClr val="bg1"/>
+                          </a:solidFill>
+                        </a:rPr>
+                        <a:t>Visual Studio 2010</a:t>
+                      </a:r>
+                    </a:p>
+                  </a:txBody>
+                  <a:tcPr marL="61162" marR="61162" marT="30581" marB="30581" anchor="ctr">
+                    <a:lnL w="12700" cap="flat" cmpd="sng" algn="ctr">
+                      <a:solidFill>
+                        <a:schemeClr val="bg1"/>
+                      </a:solidFill>
+                      <a:prstDash val="solid"/>
+                      <a:round/>
+                      <a:headEnd type="none" w="med" len="med"/>
+                      <a:tailEnd type="none" w="med" len="med"/>
+                    </a:lnL>
+                    <a:lnR w="12700" cap="flat" cmpd="sng" algn="ctr">
+                      <a:solidFill>
+                        <a:schemeClr val="bg1"/>
+                      </a:solidFill>
+                      <a:prstDash val="solid"/>
+                      <a:round/>
+                      <a:headEnd type="none" w="med" len="med"/>
+                      <a:tailEnd type="none" w="med" len="med"/>
+                    </a:lnR>
+                    <a:lnT w="12700" cap="flat" cmpd="sng" algn="ctr">
+                      <a:solidFill>
+                        <a:schemeClr val="bg1"/>
+                      </a:solidFill>
+                      <a:prstDash val="solid"/>
+                      <a:round/>
+                      <a:headEnd type="none" w="med" len="med"/>
+                      <a:tailEnd type="none" w="med" len="med"/>
+                    </a:lnT>
+                    <a:lnB w="12700" cap="flat" cmpd="sng" algn="ctr">
+                      <a:solidFill>
+                        <a:schemeClr val="bg1"/>
+                      </a:solidFill>
+                      <a:prstDash val="solid"/>
+                      <a:round/>
+                      <a:headEnd type="none" w="med" len="med"/>
+                      <a:tailEnd type="none" w="med" len="med"/>
+                    </a:lnB>
+                    <a:lnTlToBr w="12700" cmpd="sng">
+                      <a:noFill/>
+                      <a:prstDash val="solid"/>
+                    </a:lnTlToBr>
+                    <a:lnBlToTr w="12700" cmpd="sng">
+                      <a:noFill/>
+                      <a:prstDash val="solid"/>
+                    </a:lnBlToTr>
+                  </a:tcPr>
+                </a:tc>
+                <a:tc>
+                  <a:txBody>
+                    <a:bodyPr/>
+                    <a:lstStyle/>
+                    <a:p>
+                      <a:r>
+                        <a:rPr lang="en-US" sz="1200" dirty="0">
+                          <a:solidFill>
+                            <a:schemeClr val="bg1"/>
+                          </a:solidFill>
+                        </a:rPr>
+                        <a:t>Windows 7 (recommended)</a:t>
+                      </a:r>
+                    </a:p>
+                  </a:txBody>
+                  <a:tcPr marL="61162" marR="61162" marT="30581" marB="30581" anchor="ctr">
+                    <a:lnL w="12700" cap="flat" cmpd="sng" algn="ctr">
+                      <a:solidFill>
+                        <a:schemeClr val="bg1"/>
+                      </a:solidFill>
+                      <a:prstDash val="solid"/>
+                      <a:round/>
+                      <a:headEnd type="none" w="med" len="med"/>
+                      <a:tailEnd type="none" w="med" len="med"/>
+                    </a:lnL>
+                    <a:lnR w="12700" cap="flat" cmpd="sng" algn="ctr">
+                      <a:solidFill>
+                        <a:schemeClr val="bg1"/>
+                      </a:solidFill>
+                      <a:prstDash val="solid"/>
+                      <a:round/>
+                      <a:headEnd type="none" w="med" len="med"/>
+                      <a:tailEnd type="none" w="med" len="med"/>
+                    </a:lnR>
+                    <a:lnT w="12700" cap="flat" cmpd="sng" algn="ctr">
+                      <a:solidFill>
+                        <a:schemeClr val="bg1"/>
+                      </a:solidFill>
+                      <a:prstDash val="solid"/>
+                      <a:round/>
+                      <a:headEnd type="none" w="med" len="med"/>
+                      <a:tailEnd type="none" w="med" len="med"/>
+                    </a:lnT>
+                    <a:lnB w="12700" cap="flat" cmpd="sng" algn="ctr">
+                      <a:solidFill>
+                        <a:schemeClr val="bg1"/>
+                      </a:solidFill>
+                      <a:prstDash val="solid"/>
+                      <a:round/>
+                      <a:headEnd type="none" w="med" len="med"/>
+                      <a:tailEnd type="none" w="med" len="med"/>
+                    </a:lnB>
+                    <a:lnTlToBr w="12700" cmpd="sng">
+                      <a:noFill/>
+                      <a:prstDash val="solid"/>
+                    </a:lnTlToBr>
+                    <a:lnBlToTr w="12700" cmpd="sng">
+                      <a:noFill/>
+                      <a:prstDash val="solid"/>
+                    </a:lnBlToTr>
+                  </a:tcPr>
+                </a:tc>
+              </a:tr>
+              <a:tr h="611617">
+                <a:tc>
+                  <a:txBody>
+                    <a:bodyPr/>
+                    <a:lstStyle/>
+                    <a:p>
+                      <a:r>
+                        <a:rPr lang="en-US" sz="1200" dirty="0">
+                          <a:solidFill>
+                            <a:schemeClr val="bg1"/>
+                          </a:solidFill>
+                        </a:rPr>
+                        <a:t>4.5</a:t>
+                      </a:r>
+                    </a:p>
+                  </a:txBody>
+                  <a:tcPr marL="61162" marR="61162" marT="30581" marB="30581" anchor="ctr">
+                    <a:lnL w="12700" cap="flat" cmpd="sng" algn="ctr">
+                      <a:solidFill>
+                        <a:schemeClr val="bg1"/>
+                      </a:solidFill>
+                      <a:prstDash val="solid"/>
+                      <a:round/>
+                      <a:headEnd type="none" w="med" len="med"/>
+                      <a:tailEnd type="none" w="med" len="med"/>
+                    </a:lnL>
+                    <a:lnR w="12700" cap="flat" cmpd="sng" algn="ctr">
+                      <a:solidFill>
+                        <a:schemeClr val="bg1"/>
+                      </a:solidFill>
+                      <a:prstDash val="solid"/>
+                      <a:round/>
+                      <a:headEnd type="none" w="med" len="med"/>
+                      <a:tailEnd type="none" w="med" len="med"/>
+                    </a:lnR>
+                    <a:lnT w="12700" cap="flat" cmpd="sng" algn="ctr">
+                      <a:solidFill>
+                        <a:schemeClr val="bg1"/>
+                      </a:solidFill>
+                      <a:prstDash val="solid"/>
+                      <a:round/>
+                      <a:headEnd type="none" w="med" len="med"/>
+                      <a:tailEnd type="none" w="med" len="med"/>
+                    </a:lnT>
+                    <a:lnB w="12700" cap="flat" cmpd="sng" algn="ctr">
+                      <a:solidFill>
+                        <a:schemeClr val="bg1"/>
+                      </a:solidFill>
+                      <a:prstDash val="solid"/>
+                      <a:round/>
+                      <a:headEnd type="none" w="med" len="med"/>
+                      <a:tailEnd type="none" w="med" len="med"/>
+                    </a:lnB>
+                    <a:lnTlToBr w="12700" cmpd="sng">
+                      <a:noFill/>
+                      <a:prstDash val="solid"/>
+                    </a:lnTlToBr>
+                    <a:lnBlToTr w="12700" cmpd="sng">
+                      <a:noFill/>
+                      <a:prstDash val="solid"/>
+                    </a:lnBlToTr>
+                  </a:tcPr>
+                </a:tc>
+                <a:tc>
+                  <a:txBody>
+                    <a:bodyPr/>
+                    <a:lstStyle/>
+                    <a:p>
+                      <a:r>
+                        <a:rPr lang="en-US" sz="1200">
+                          <a:solidFill>
+                            <a:schemeClr val="bg1"/>
+                          </a:solidFill>
+                        </a:rPr>
+                        <a:t>4.0.30319.17929 (4.5.50709)</a:t>
+                      </a:r>
+                    </a:p>
+                  </a:txBody>
+                  <a:tcPr marL="61162" marR="61162" marT="30581" marB="30581" anchor="ctr">
+                    <a:lnL w="12700" cap="flat" cmpd="sng" algn="ctr">
+                      <a:solidFill>
+                        <a:schemeClr val="bg1"/>
+                      </a:solidFill>
+                      <a:prstDash val="solid"/>
+                      <a:round/>
+                      <a:headEnd type="none" w="med" len="med"/>
+                      <a:tailEnd type="none" w="med" len="med"/>
+                    </a:lnL>
+                    <a:lnR w="12700" cap="flat" cmpd="sng" algn="ctr">
+                      <a:solidFill>
+                        <a:schemeClr val="bg1"/>
+                      </a:solidFill>
+                      <a:prstDash val="solid"/>
+                      <a:round/>
+                      <a:headEnd type="none" w="med" len="med"/>
+                      <a:tailEnd type="none" w="med" len="med"/>
+                    </a:lnR>
+                    <a:lnT w="12700" cap="flat" cmpd="sng" algn="ctr">
+                      <a:solidFill>
+                        <a:schemeClr val="bg1"/>
+                      </a:solidFill>
+                      <a:prstDash val="solid"/>
+                      <a:round/>
+                      <a:headEnd type="none" w="med" len="med"/>
+                      <a:tailEnd type="none" w="med" len="med"/>
+                    </a:lnT>
+                    <a:lnB w="12700" cap="flat" cmpd="sng" algn="ctr">
+                      <a:solidFill>
+                        <a:schemeClr val="bg1"/>
+                      </a:solidFill>
+                      <a:prstDash val="solid"/>
+                      <a:round/>
+                      <a:headEnd type="none" w="med" len="med"/>
+                      <a:tailEnd type="none" w="med" len="med"/>
+                    </a:lnB>
+                    <a:lnTlToBr w="12700" cmpd="sng">
+                      <a:noFill/>
+                      <a:prstDash val="solid"/>
+                    </a:lnTlToBr>
+                    <a:lnBlToTr w="12700" cmpd="sng">
+                      <a:noFill/>
+                      <a:prstDash val="solid"/>
+                    </a:lnBlToTr>
+                  </a:tcPr>
+                </a:tc>
+                <a:tc>
+                  <a:txBody>
+                    <a:bodyPr/>
+                    <a:lstStyle/>
+                    <a:p>
+                      <a:r>
+                        <a:rPr lang="ru-RU" sz="1200" dirty="0" smtClean="0">
+                          <a:solidFill>
+                            <a:schemeClr val="bg1"/>
+                          </a:solidFill>
+                        </a:rPr>
+                        <a:t>Август </a:t>
+                      </a:r>
+                      <a:r>
+                        <a:rPr lang="en-US" sz="1200" dirty="0" smtClean="0">
+                          <a:solidFill>
+                            <a:schemeClr val="bg1"/>
+                          </a:solidFill>
+                        </a:rPr>
+                        <a:t>2012</a:t>
+                      </a:r>
+                      <a:r>
+                        <a:rPr lang="ru-RU" sz="1200" dirty="0" smtClean="0">
+                          <a:solidFill>
+                            <a:schemeClr val="bg1"/>
+                          </a:solidFill>
+                        </a:rPr>
+                        <a:t> года</a:t>
+                      </a:r>
+                      <a:endParaRPr lang="en-US" sz="1200" dirty="0">
+                        <a:solidFill>
+                          <a:schemeClr val="bg1"/>
+                        </a:solidFill>
+                      </a:endParaRPr>
+                    </a:p>
+                  </a:txBody>
+                  <a:tcPr marL="61162" marR="61162" marT="30581" marB="30581" anchor="ctr">
+                    <a:lnL w="12700" cap="flat" cmpd="sng" algn="ctr">
+                      <a:solidFill>
+                        <a:schemeClr val="bg1"/>
+                      </a:solidFill>
+                      <a:prstDash val="solid"/>
+                      <a:round/>
+                      <a:headEnd type="none" w="med" len="med"/>
+                      <a:tailEnd type="none" w="med" len="med"/>
+                    </a:lnL>
+                    <a:lnR w="12700" cap="flat" cmpd="sng" algn="ctr">
+                      <a:solidFill>
+                        <a:schemeClr val="bg1"/>
+                      </a:solidFill>
+                      <a:prstDash val="solid"/>
+                      <a:round/>
+                      <a:headEnd type="none" w="med" len="med"/>
+                      <a:tailEnd type="none" w="med" len="med"/>
+                    </a:lnR>
+                    <a:lnT w="12700" cap="flat" cmpd="sng" algn="ctr">
+                      <a:solidFill>
+                        <a:schemeClr val="bg1"/>
+                      </a:solidFill>
+                      <a:prstDash val="solid"/>
+                      <a:round/>
+                      <a:headEnd type="none" w="med" len="med"/>
+                      <a:tailEnd type="none" w="med" len="med"/>
+                    </a:lnT>
+                    <a:lnB w="12700" cap="flat" cmpd="sng" algn="ctr">
+                      <a:solidFill>
+                        <a:schemeClr val="bg1"/>
+                      </a:solidFill>
+                      <a:prstDash val="solid"/>
+                      <a:round/>
+                      <a:headEnd type="none" w="med" len="med"/>
+                      <a:tailEnd type="none" w="med" len="med"/>
+                    </a:lnB>
+                    <a:lnTlToBr w="12700" cmpd="sng">
+                      <a:noFill/>
+                      <a:prstDash val="solid"/>
+                    </a:lnTlToBr>
+                    <a:lnBlToTr w="12700" cmpd="sng">
+                      <a:noFill/>
+                      <a:prstDash val="solid"/>
+                    </a:lnBlToTr>
+                  </a:tcPr>
+                </a:tc>
+                <a:tc>
+                  <a:txBody>
+                    <a:bodyPr/>
+                    <a:lstStyle/>
+                    <a:p>
+                      <a:r>
+                        <a:rPr lang="en-US" sz="1200">
+                          <a:solidFill>
+                            <a:schemeClr val="bg1"/>
+                          </a:solidFill>
+                        </a:rPr>
+                        <a:t>Visual Studio 2012</a:t>
+                      </a:r>
+                    </a:p>
+                  </a:txBody>
+                  <a:tcPr marL="61162" marR="61162" marT="30581" marB="30581" anchor="ctr">
+                    <a:lnL w="12700" cap="flat" cmpd="sng" algn="ctr">
+                      <a:solidFill>
+                        <a:schemeClr val="bg1"/>
+                      </a:solidFill>
+                      <a:prstDash val="solid"/>
+                      <a:round/>
+                      <a:headEnd type="none" w="med" len="med"/>
+                      <a:tailEnd type="none" w="med" len="med"/>
+                    </a:lnL>
+                    <a:lnR w="12700" cap="flat" cmpd="sng" algn="ctr">
+                      <a:solidFill>
+                        <a:schemeClr val="bg1"/>
+                      </a:solidFill>
+                      <a:prstDash val="solid"/>
+                      <a:round/>
+                      <a:headEnd type="none" w="med" len="med"/>
+                      <a:tailEnd type="none" w="med" len="med"/>
+                    </a:lnR>
+                    <a:lnT w="12700" cap="flat" cmpd="sng" algn="ctr">
+                      <a:solidFill>
+                        <a:schemeClr val="bg1"/>
+                      </a:solidFill>
+                      <a:prstDash val="solid"/>
+                      <a:round/>
+                      <a:headEnd type="none" w="med" len="med"/>
+                      <a:tailEnd type="none" w="med" len="med"/>
+                    </a:lnT>
+                    <a:lnB w="12700" cap="flat" cmpd="sng" algn="ctr">
+                      <a:solidFill>
+                        <a:schemeClr val="bg1"/>
+                      </a:solidFill>
+                      <a:prstDash val="solid"/>
+                      <a:round/>
+                      <a:headEnd type="none" w="med" len="med"/>
+                      <a:tailEnd type="none" w="med" len="med"/>
+                    </a:lnB>
+                    <a:lnTlToBr w="12700" cmpd="sng">
+                      <a:noFill/>
+                      <a:prstDash val="solid"/>
+                    </a:lnTlToBr>
+                    <a:lnBlToTr w="12700" cmpd="sng">
+                      <a:noFill/>
+                      <a:prstDash val="solid"/>
+                    </a:lnBlToTr>
+                  </a:tcPr>
+                </a:tc>
+                <a:tc>
+                  <a:txBody>
+                    <a:bodyPr/>
+                    <a:lstStyle/>
+                    <a:p>
+                      <a:r>
+                        <a:rPr lang="en-US" sz="1200" dirty="0">
+                          <a:solidFill>
+                            <a:schemeClr val="bg1"/>
+                          </a:solidFill>
+                        </a:rPr>
+                        <a:t>Windows 8, Windows Server 2012</a:t>
+                      </a:r>
+                    </a:p>
+                  </a:txBody>
+                  <a:tcPr marL="61162" marR="61162" marT="30581" marB="30581" anchor="ctr">
+                    <a:lnL w="12700" cap="flat" cmpd="sng" algn="ctr">
+                      <a:solidFill>
+                        <a:schemeClr val="bg1"/>
+                      </a:solidFill>
+                      <a:prstDash val="solid"/>
+                      <a:round/>
+                      <a:headEnd type="none" w="med" len="med"/>
+                      <a:tailEnd type="none" w="med" len="med"/>
+                    </a:lnL>
+                    <a:lnR w="12700" cap="flat" cmpd="sng" algn="ctr">
+                      <a:solidFill>
+                        <a:schemeClr val="bg1"/>
+                      </a:solidFill>
+                      <a:prstDash val="solid"/>
+                      <a:round/>
+                      <a:headEnd type="none" w="med" len="med"/>
+                      <a:tailEnd type="none" w="med" len="med"/>
+                    </a:lnR>
+                    <a:lnT w="12700" cap="flat" cmpd="sng" algn="ctr">
+                      <a:solidFill>
+                        <a:schemeClr val="bg1"/>
+                      </a:solidFill>
+                      <a:prstDash val="solid"/>
+                      <a:round/>
+                      <a:headEnd type="none" w="med" len="med"/>
+                      <a:tailEnd type="none" w="med" len="med"/>
+                    </a:lnT>
+                    <a:lnB w="12700" cap="flat" cmpd="sng" algn="ctr">
+                      <a:solidFill>
+                        <a:schemeClr val="bg1"/>
+                      </a:solidFill>
+                      <a:prstDash val="solid"/>
+                      <a:round/>
+                      <a:headEnd type="none" w="med" len="med"/>
+                      <a:tailEnd type="none" w="med" len="med"/>
+                    </a:lnB>
+                    <a:lnTlToBr w="12700" cmpd="sng">
+                      <a:noFill/>
+                      <a:prstDash val="solid"/>
+                    </a:lnTlToBr>
+                    <a:lnBlToTr w="12700" cmpd="sng">
+                      <a:noFill/>
+                      <a:prstDash val="solid"/>
+                    </a:lnBlToTr>
+                  </a:tcPr>
+                </a:tc>
+              </a:tr>
+            </a:tbl>
+          </a:graphicData>
+        </a:graphic>
+      </p:graphicFrame>
+    </p:spTree>
+    <p:extLst>
+      <p:ext uri="{BB962C8B-B14F-4D97-AF65-F5344CB8AC3E}">
+        <p14:creationId xmlns:p14="http://schemas.microsoft.com/office/powerpoint/2010/main" val="1914467712"/>
+      </p:ext>
+    </p:extLst>
+  </p:cSld>
+  <p:clrMapOvr>
+    <a:masterClrMapping/>
+  </p:clrMapOvr>
+  <p:timing>
+    <p:tnLst>
+      <p:par>
+        <p:cTn id="1" dur="indefinite" restart="never" nodeType="tmRoot"/>
+      </p:par>
+    </p:tnLst>
+  </p:timing>
+</p:sld>
+</file>
+
+<file path=ppt/slides/slide12.xml><?xml version="1.0" encoding="utf-8"?>
+<p:sld xmlns:a="http://schemas.openxmlformats.org/drawingml/2006/main" xmlns:r="http://schemas.openxmlformats.org/officeDocument/2006/relationships" xmlns:p="http://schemas.openxmlformats.org/presentationml/2006/main">
+  <p:cSld>
+    <p:bg>
+      <p:bgPr>
+        <a:blipFill dpi="0" rotWithShape="1">
+          <a:blip r:embed="rId2">
+            <a:lum/>
+          </a:blip>
+          <a:srcRect/>
+          <a:stretch>
+            <a:fillRect/>
+          </a:stretch>
+        </a:blipFill>
+        <a:effectLst/>
+      </p:bgPr>
+    </p:bg>
+    <p:spTree>
+      <p:nvGrpSpPr>
+        <p:cNvPr id="1" name=""/>
+        <p:cNvGrpSpPr/>
+        <p:nvPr/>
+      </p:nvGrpSpPr>
+      <p:grpSpPr>
+        <a:xfrm>
+          <a:off x="0" y="0"/>
+          <a:ext cx="0" cy="0"/>
+          <a:chOff x="0" y="0"/>
+          <a:chExt cx="0" cy="0"/>
+        </a:xfrm>
+      </p:grpSpPr>
+      <p:sp>
+        <p:nvSpPr>
+          <p:cNvPr id="3" name="Rectangle 2"/>
+          <p:cNvSpPr/>
+          <p:nvPr/>
+        </p:nvSpPr>
+        <p:spPr>
+          <a:xfrm>
+            <a:off x="251520" y="188640"/>
+            <a:ext cx="8640960" cy="1138773"/>
+          </a:xfrm>
+          <a:prstGeom prst="rect">
+            <a:avLst/>
+          </a:prstGeom>
+        </p:spPr>
+        <p:txBody>
+          <a:bodyPr wrap="square">
+            <a:spAutoFit/>
+          </a:bodyPr>
+          <a:lstStyle/>
+          <a:p>
+            <a:pPr lvl="0"/>
+            <a:r>
+              <a:rPr lang="en-US" sz="3200" dirty="0" smtClean="0">
+                <a:solidFill>
+                  <a:schemeClr val="bg1"/>
+                </a:solidFill>
+              </a:rPr>
+              <a:t>.NET Framework. Side-by-side </a:t>
+            </a:r>
+            <a:r>
+              <a:rPr lang="ru-RU" sz="3200" dirty="0" smtClean="0">
+                <a:solidFill>
+                  <a:schemeClr val="bg1"/>
+                </a:solidFill>
+              </a:rPr>
+              <a:t>совместимость</a:t>
+            </a:r>
+          </a:p>
+          <a:p>
+            <a:pPr lvl="0"/>
+            <a:endParaRPr lang="ru-RU" dirty="0" smtClean="0">
+              <a:solidFill>
+                <a:schemeClr val="bg1"/>
+              </a:solidFill>
+            </a:endParaRPr>
+          </a:p>
+          <a:p>
+            <a:endParaRPr lang="en-US" dirty="0" smtClean="0">
+              <a:solidFill>
+                <a:schemeClr val="bg1"/>
+              </a:solidFill>
+            </a:endParaRPr>
+          </a:p>
+        </p:txBody>
+      </p:sp>
+      <p:pic>
+        <p:nvPicPr>
+          <p:cNvPr id="1026" name="Picture 2" descr="image002"/>
+          <p:cNvPicPr>
+            <a:picLocks noChangeAspect="1" noChangeArrowheads="1"/>
+          </p:cNvPicPr>
+          <p:nvPr/>
+        </p:nvPicPr>
+        <p:blipFill>
+          <a:blip r:embed="rId3">
+            <a:extLst>
+              <a:ext uri="{28A0092B-C50C-407E-A947-70E740481C1C}">
+                <a14:useLocalDpi xmlns:a14="http://schemas.microsoft.com/office/drawing/2010/main" val="0"/>
+              </a:ext>
+            </a:extLst>
+          </a:blip>
+          <a:srcRect/>
+          <a:stretch>
+            <a:fillRect/>
+          </a:stretch>
+        </p:blipFill>
+        <p:spPr bwMode="auto">
+          <a:xfrm>
+            <a:off x="1566863" y="1652588"/>
+            <a:ext cx="6010275" cy="3552825"/>
+          </a:xfrm>
+          <a:prstGeom prst="rect">
+            <a:avLst/>
+          </a:prstGeom>
+          <a:noFill/>
+          <a:ln>
+            <a:noFill/>
+          </a:ln>
+          <a:extLst>
+            <a:ext uri="{909E8E84-426E-40DD-AFC4-6F175D3DCCD1}">
+              <a14:hiddenFill xmlns:a14="http://schemas.microsoft.com/office/drawing/2010/main">
+                <a:solidFill>
+                  <a:srgbClr val="FFFFFF"/>
+                </a:solidFill>
+              </a14:hiddenFill>
+            </a:ext>
+            <a:ext uri="{91240B29-F687-4F45-9708-019B960494DF}">
+              <a14:hiddenLine xmlns:a14="http://schemas.microsoft.com/office/drawing/2010/main" w="9525">
+                <a:solidFill>
+                  <a:srgbClr val="000000"/>
+                </a:solidFill>
+                <a:miter lim="800000"/>
+                <a:headEnd/>
+                <a:tailEnd/>
+              </a14:hiddenLine>
+            </a:ext>
+          </a:extLst>
+        </p:spPr>
+      </p:pic>
+    </p:spTree>
+    <p:extLst>
+      <p:ext uri="{BB962C8B-B14F-4D97-AF65-F5344CB8AC3E}">
+        <p14:creationId xmlns:p14="http://schemas.microsoft.com/office/powerpoint/2010/main" val="812983216"/>
+      </p:ext>
+    </p:extLst>
+  </p:cSld>
+  <p:clrMapOvr>
+    <a:masterClrMapping/>
+  </p:clrMapOvr>
+  <p:timing>
+    <p:tnLst>
+      <p:par>
+        <p:cTn id="1" dur="indefinite" restart="never" nodeType="tmRoot"/>
+      </p:par>
+    </p:tnLst>
+  </p:timing>
+</p:sld>
+</file>
+
+<file path=ppt/slides/slide13.xml><?xml version="1.0" encoding="utf-8"?>
+<p:sld xmlns:a="http://schemas.openxmlformats.org/drawingml/2006/main" xmlns:r="http://schemas.openxmlformats.org/officeDocument/2006/relationships" xmlns:p="http://schemas.openxmlformats.org/presentationml/2006/main">
+  <p:cSld>
+    <p:bg>
+      <p:bgPr>
+        <a:blipFill dpi="0" rotWithShape="1">
+          <a:blip r:embed="rId2">
+            <a:lum/>
+          </a:blip>
+          <a:srcRect/>
+          <a:stretch>
+            <a:fillRect/>
+          </a:stretch>
+        </a:blipFill>
+        <a:effectLst/>
+      </p:bgPr>
+    </p:bg>
+    <p:spTree>
+      <p:nvGrpSpPr>
+        <p:cNvPr id="1" name=""/>
+        <p:cNvGrpSpPr/>
+        <p:nvPr/>
+      </p:nvGrpSpPr>
+      <p:grpSpPr>
+        <a:xfrm>
+          <a:off x="0" y="0"/>
+          <a:ext cx="0" cy="0"/>
+          <a:chOff x="0" y="0"/>
+          <a:chExt cx="0" cy="0"/>
+        </a:xfrm>
+      </p:grpSpPr>
+      <p:sp>
+        <p:nvSpPr>
+          <p:cNvPr id="3" name="Rectangle 2"/>
+          <p:cNvSpPr/>
+          <p:nvPr/>
+        </p:nvSpPr>
+        <p:spPr>
+          <a:xfrm>
+            <a:off x="251520" y="188640"/>
+            <a:ext cx="8640960" cy="1138773"/>
+          </a:xfrm>
+          <a:prstGeom prst="rect">
+            <a:avLst/>
+          </a:prstGeom>
+        </p:spPr>
+        <p:txBody>
+          <a:bodyPr wrap="square">
+            <a:spAutoFit/>
+          </a:bodyPr>
+          <a:lstStyle/>
+          <a:p>
+            <a:pPr lvl="0"/>
+            <a:r>
+              <a:rPr lang="en-US" sz="3200" dirty="0" smtClean="0">
+                <a:solidFill>
+                  <a:schemeClr val="bg1"/>
+                </a:solidFill>
+              </a:rPr>
+              <a:t>.NET Framework</a:t>
+            </a:r>
+            <a:endParaRPr lang="ru-RU" sz="3200" dirty="0" smtClean="0">
+              <a:solidFill>
+                <a:schemeClr val="bg1"/>
+              </a:solidFill>
+            </a:endParaRPr>
+          </a:p>
+          <a:p>
+            <a:pPr lvl="0"/>
+            <a:endParaRPr lang="ru-RU" dirty="0" smtClean="0">
+              <a:solidFill>
+                <a:schemeClr val="bg1"/>
+              </a:solidFill>
+            </a:endParaRPr>
+          </a:p>
+          <a:p>
+            <a:endParaRPr lang="en-US" dirty="0" smtClean="0">
+              <a:solidFill>
+                <a:schemeClr val="bg1"/>
+              </a:solidFill>
+            </a:endParaRPr>
+          </a:p>
+        </p:txBody>
+      </p:sp>
+      <p:pic>
+        <p:nvPicPr>
+          <p:cNvPr id="5" name="Picture 4" descr="http://upload.wikimedia.org/wikipedia/commons/thumb/d/d3/DotNet.svg/513px-DotNet.svg.png"/>
+          <p:cNvPicPr/>
+          <p:nvPr/>
+        </p:nvPicPr>
+        <p:blipFill>
+          <a:blip r:embed="rId3">
+            <a:extLst>
+              <a:ext uri="{28A0092B-C50C-407E-A947-70E740481C1C}">
+                <a14:useLocalDpi xmlns:a14="http://schemas.microsoft.com/office/drawing/2010/main" val="0"/>
+              </a:ext>
+            </a:extLst>
+          </a:blip>
+          <a:srcRect/>
+          <a:stretch>
+            <a:fillRect/>
+          </a:stretch>
+        </p:blipFill>
+        <p:spPr bwMode="auto">
+          <a:xfrm>
+            <a:off x="1979712" y="740983"/>
+            <a:ext cx="4886325" cy="5715000"/>
+          </a:xfrm>
+          <a:prstGeom prst="rect">
+            <a:avLst/>
+          </a:prstGeom>
+          <a:noFill/>
+          <a:ln>
+            <a:noFill/>
+          </a:ln>
+        </p:spPr>
+      </p:pic>
+    </p:spTree>
+    <p:extLst>
+      <p:ext uri="{BB962C8B-B14F-4D97-AF65-F5344CB8AC3E}">
+        <p14:creationId xmlns:p14="http://schemas.microsoft.com/office/powerpoint/2010/main" val="2503303019"/>
+      </p:ext>
+    </p:extLst>
+  </p:cSld>
+  <p:clrMapOvr>
+    <a:masterClrMapping/>
+  </p:clrMapOvr>
+  <p:timing>
+    <p:tnLst>
+      <p:par>
+        <p:cTn id="1" dur="indefinite" restart="never" nodeType="tmRoot"/>
+      </p:par>
+    </p:tnLst>
+  </p:timing>
+</p:sld>
+</file>
+
+<file path=ppt/slides/slide14.xml><?xml version="1.0" encoding="utf-8"?>
+<p:sld xmlns:a="http://schemas.openxmlformats.org/drawingml/2006/main" xmlns:r="http://schemas.openxmlformats.org/officeDocument/2006/relationships" xmlns:p="http://schemas.openxmlformats.org/presentationml/2006/main">
+  <p:cSld>
+    <p:bg>
+      <p:bgPr>
+        <a:blipFill dpi="0" rotWithShape="1">
+          <a:blip r:embed="rId2">
+            <a:lum/>
+          </a:blip>
+          <a:srcRect/>
+          <a:stretch>
+            <a:fillRect/>
+          </a:stretch>
+        </a:blipFill>
+        <a:effectLst/>
+      </p:bgPr>
+    </p:bg>
+    <p:spTree>
+      <p:nvGrpSpPr>
+        <p:cNvPr id="1" name=""/>
+        <p:cNvGrpSpPr/>
+        <p:nvPr/>
+      </p:nvGrpSpPr>
+      <p:grpSpPr>
+        <a:xfrm>
+          <a:off x="0" y="0"/>
+          <a:ext cx="0" cy="0"/>
+          <a:chOff x="0" y="0"/>
+          <a:chExt cx="0" cy="0"/>
+        </a:xfrm>
+      </p:grpSpPr>
+      <p:sp>
+        <p:nvSpPr>
+          <p:cNvPr id="3" name="Rectangle 2"/>
+          <p:cNvSpPr/>
+          <p:nvPr/>
+        </p:nvSpPr>
+        <p:spPr>
+          <a:xfrm>
+            <a:off x="251520" y="116632"/>
+            <a:ext cx="8640960" cy="3631763"/>
+          </a:xfrm>
+          <a:prstGeom prst="rect">
+            <a:avLst/>
+          </a:prstGeom>
+        </p:spPr>
+        <p:txBody>
+          <a:bodyPr wrap="square">
+            <a:spAutoFit/>
+          </a:bodyPr>
+          <a:lstStyle/>
+          <a:p>
+            <a:pPr lvl="0"/>
+            <a:r>
+              <a:rPr lang="en-US" sz="3200" dirty="0" smtClean="0">
+                <a:solidFill>
+                  <a:schemeClr val="bg1"/>
+                </a:solidFill>
+              </a:rPr>
+              <a:t>.NET Framework</a:t>
+            </a:r>
+            <a:endParaRPr lang="ru-RU" sz="3200" dirty="0" smtClean="0">
+              <a:solidFill>
+                <a:schemeClr val="bg1"/>
+              </a:solidFill>
+            </a:endParaRPr>
+          </a:p>
+          <a:p>
+            <a:pPr lvl="0"/>
+            <a:endParaRPr lang="ru-RU" dirty="0" smtClean="0">
+              <a:solidFill>
+                <a:schemeClr val="bg1"/>
+              </a:solidFill>
+            </a:endParaRPr>
+          </a:p>
+          <a:p>
+            <a:pPr marL="285750" indent="-285750">
+              <a:buFont typeface="Arial" pitchFamily="34" charset="0"/>
+              <a:buChar char="•"/>
+            </a:pPr>
+            <a:r>
+              <a:rPr lang="en-US" dirty="0" smtClean="0">
+                <a:solidFill>
+                  <a:schemeClr val="bg1"/>
+                </a:solidFill>
+              </a:rPr>
+              <a:t>CLR – Common Language Runtime – </a:t>
+            </a:r>
+            <a:r>
+              <a:rPr lang="ru-RU" dirty="0" smtClean="0">
+                <a:solidFill>
+                  <a:schemeClr val="bg1"/>
+                </a:solidFill>
+              </a:rPr>
+              <a:t>Общеязыковая исполняющая среда</a:t>
+            </a:r>
+          </a:p>
+          <a:p>
+            <a:pPr marL="742950" lvl="1" indent="-285750">
+              <a:buFont typeface="Arial" pitchFamily="34" charset="0"/>
+              <a:buChar char="•"/>
+            </a:pPr>
+            <a:r>
+              <a:rPr lang="en-US" dirty="0">
+                <a:solidFill>
+                  <a:schemeClr val="bg1"/>
+                </a:solidFill>
+              </a:rPr>
+              <a:t>C++/CLI, C#, Visual Basic .NET, F#, Iron Python, Iron Ruby, and an Intermediate Language (IL) </a:t>
+            </a:r>
+            <a:r>
+              <a:rPr lang="en-US" dirty="0" smtClean="0">
+                <a:solidFill>
+                  <a:schemeClr val="bg1"/>
+                </a:solidFill>
+              </a:rPr>
+              <a:t>Assembler</a:t>
+            </a:r>
+            <a:endParaRPr lang="ru-RU" dirty="0" smtClean="0">
+              <a:solidFill>
+                <a:schemeClr val="bg1"/>
+              </a:solidFill>
+            </a:endParaRPr>
+          </a:p>
+          <a:p>
+            <a:pPr marL="742950" lvl="1" indent="-285750">
+              <a:buFont typeface="Arial" pitchFamily="34" charset="0"/>
+              <a:buChar char="•"/>
+            </a:pPr>
+            <a:r>
+              <a:rPr lang="ru-RU" dirty="0" smtClean="0">
+                <a:solidFill>
+                  <a:schemeClr val="bg1"/>
+                </a:solidFill>
+              </a:rPr>
+              <a:t>Управляет памятью</a:t>
+            </a:r>
+            <a:r>
+              <a:rPr lang="en-US" dirty="0" smtClean="0">
+                <a:solidFill>
+                  <a:schemeClr val="bg1"/>
+                </a:solidFill>
+              </a:rPr>
+              <a:t>, </a:t>
+            </a:r>
+            <a:r>
+              <a:rPr lang="ru-RU" dirty="0" smtClean="0">
+                <a:solidFill>
+                  <a:schemeClr val="bg1"/>
+                </a:solidFill>
+              </a:rPr>
+              <a:t>потоками</a:t>
+            </a:r>
+            <a:r>
+              <a:rPr lang="en-US" dirty="0" smtClean="0">
+                <a:solidFill>
+                  <a:schemeClr val="bg1"/>
+                </a:solidFill>
+              </a:rPr>
+              <a:t>, </a:t>
+            </a:r>
+            <a:r>
+              <a:rPr lang="ru-RU" dirty="0" smtClean="0">
+                <a:solidFill>
+                  <a:schemeClr val="bg1"/>
+                </a:solidFill>
+              </a:rPr>
+              <a:t>исполнением кода</a:t>
+            </a:r>
+            <a:r>
+              <a:rPr lang="en-US" dirty="0" smtClean="0">
+                <a:solidFill>
+                  <a:schemeClr val="bg1"/>
+                </a:solidFill>
+              </a:rPr>
+              <a:t>, </a:t>
+            </a:r>
+            <a:r>
+              <a:rPr lang="ru-RU" dirty="0" smtClean="0">
+                <a:solidFill>
+                  <a:schemeClr val="bg1"/>
+                </a:solidFill>
+              </a:rPr>
+              <a:t>проверками кода на безопасность</a:t>
+            </a:r>
+            <a:r>
+              <a:rPr lang="en-US" dirty="0" smtClean="0">
+                <a:solidFill>
+                  <a:schemeClr val="bg1"/>
+                </a:solidFill>
+              </a:rPr>
+              <a:t>, JIT-</a:t>
+            </a:r>
+            <a:r>
+              <a:rPr lang="ru-RU" dirty="0" smtClean="0">
+                <a:solidFill>
+                  <a:schemeClr val="bg1"/>
+                </a:solidFill>
+              </a:rPr>
+              <a:t>компиляция</a:t>
+            </a:r>
+            <a:r>
+              <a:rPr lang="en-US" dirty="0" smtClean="0">
+                <a:solidFill>
+                  <a:schemeClr val="bg1"/>
+                </a:solidFill>
+              </a:rPr>
+              <a:t>.</a:t>
+            </a:r>
+            <a:endParaRPr lang="ru-RU" dirty="0" smtClean="0">
+              <a:solidFill>
+                <a:schemeClr val="bg1"/>
+              </a:solidFill>
+            </a:endParaRPr>
+          </a:p>
+          <a:p>
+            <a:pPr marL="285750" indent="-285750">
+              <a:buFont typeface="Arial" pitchFamily="34" charset="0"/>
+              <a:buChar char="•"/>
+            </a:pPr>
+            <a:r>
+              <a:rPr lang="en-US" dirty="0" smtClean="0">
+                <a:solidFill>
+                  <a:schemeClr val="bg1"/>
+                </a:solidFill>
+              </a:rPr>
+              <a:t>Managed/</a:t>
+            </a:r>
+            <a:r>
+              <a:rPr lang="en-US" dirty="0" err="1" smtClean="0">
+                <a:solidFill>
+                  <a:schemeClr val="bg1"/>
+                </a:solidFill>
+              </a:rPr>
+              <a:t>Unmaged</a:t>
+            </a:r>
+            <a:r>
+              <a:rPr lang="en-US" dirty="0" smtClean="0">
+                <a:solidFill>
+                  <a:schemeClr val="bg1"/>
+                </a:solidFill>
+              </a:rPr>
+              <a:t> </a:t>
+            </a:r>
+            <a:r>
+              <a:rPr lang="ru-RU" dirty="0" smtClean="0">
+                <a:solidFill>
+                  <a:schemeClr val="bg1"/>
+                </a:solidFill>
+              </a:rPr>
+              <a:t>– Управляемый/Неуправляемый код</a:t>
+            </a:r>
+          </a:p>
+          <a:p>
+            <a:pPr marL="742950" lvl="1" indent="-285750">
+              <a:buFont typeface="Arial" pitchFamily="34" charset="0"/>
+              <a:buChar char="•"/>
+            </a:pPr>
+            <a:r>
+              <a:rPr lang="ru-RU" dirty="0" smtClean="0">
+                <a:solidFill>
+                  <a:schemeClr val="bg1"/>
+                </a:solidFill>
+              </a:rPr>
+              <a:t>Код предназначенный для исполнения из под </a:t>
+            </a:r>
+            <a:r>
+              <a:rPr lang="en-US" dirty="0" smtClean="0">
+                <a:solidFill>
+                  <a:schemeClr val="bg1"/>
+                </a:solidFill>
+              </a:rPr>
+              <a:t>CLR</a:t>
+            </a:r>
+            <a:r>
+              <a:rPr lang="ru-RU" dirty="0">
+                <a:solidFill>
+                  <a:schemeClr val="bg1"/>
+                </a:solidFill>
+              </a:rPr>
+              <a:t> </a:t>
+            </a:r>
+            <a:r>
+              <a:rPr lang="ru-RU" dirty="0" smtClean="0">
+                <a:solidFill>
+                  <a:schemeClr val="bg1"/>
+                </a:solidFill>
+              </a:rPr>
+              <a:t>является управляемым</a:t>
+            </a:r>
+          </a:p>
+          <a:p>
+            <a:pPr marL="285750" indent="-285750">
+              <a:buFont typeface="Arial" pitchFamily="34" charset="0"/>
+              <a:buChar char="•"/>
+            </a:pPr>
+            <a:r>
+              <a:rPr lang="en-US" dirty="0" smtClean="0">
+                <a:solidFill>
+                  <a:schemeClr val="bg1"/>
+                </a:solidFill>
+              </a:rPr>
+              <a:t>GC – Garbage collector – </a:t>
+            </a:r>
+            <a:r>
+              <a:rPr lang="ru-RU" dirty="0" smtClean="0">
+                <a:solidFill>
+                  <a:schemeClr val="bg1"/>
+                </a:solidFill>
+              </a:rPr>
+              <a:t>Сборщик мусора.</a:t>
+            </a:r>
+          </a:p>
+          <a:p>
+            <a:pPr marL="285750" indent="-285750">
+              <a:buFont typeface="Arial" pitchFamily="34" charset="0"/>
+              <a:buChar char="•"/>
+            </a:pPr>
+            <a:endParaRPr lang="ru-RU" dirty="0" smtClean="0">
+              <a:solidFill>
+                <a:schemeClr val="bg1"/>
+              </a:solidFill>
+            </a:endParaRPr>
+          </a:p>
+          <a:p>
+            <a:pPr marL="285750" indent="-285750">
+              <a:buFont typeface="Arial" pitchFamily="34" charset="0"/>
+              <a:buChar char="•"/>
+            </a:pPr>
+            <a:endParaRPr lang="en-US" dirty="0" smtClean="0">
+              <a:solidFill>
+                <a:schemeClr val="bg1"/>
+              </a:solidFill>
+            </a:endParaRPr>
+          </a:p>
+        </p:txBody>
+      </p:sp>
+    </p:spTree>
+    <p:extLst>
+      <p:ext uri="{BB962C8B-B14F-4D97-AF65-F5344CB8AC3E}">
+        <p14:creationId xmlns:p14="http://schemas.microsoft.com/office/powerpoint/2010/main" val="1302028225"/>
+      </p:ext>
+    </p:extLst>
+  </p:cSld>
+  <p:clrMapOvr>
+    <a:masterClrMapping/>
+  </p:clrMapOvr>
+  <p:timing>
+    <p:tnLst>
+      <p:par>
+        <p:cTn id="1" dur="indefinite" restart="never" nodeType="tmRoot"/>
+      </p:par>
+    </p:tnLst>
+  </p:timing>
+</p:sld>
+</file>
+
+<file path=ppt/slides/slide15.xml><?xml version="1.0" encoding="utf-8"?>
+<p:sld xmlns:a="http://schemas.openxmlformats.org/drawingml/2006/main" xmlns:r="http://schemas.openxmlformats.org/officeDocument/2006/relationships" xmlns:p="http://schemas.openxmlformats.org/presentationml/2006/main">
+  <p:cSld>
+    <p:bg>
+      <p:bgPr>
+        <a:blipFill dpi="0" rotWithShape="1">
+          <a:blip r:embed="rId2">
+            <a:lum/>
+          </a:blip>
+          <a:srcRect/>
+          <a:stretch>
+            <a:fillRect/>
+          </a:stretch>
+        </a:blipFill>
+        <a:effectLst/>
+      </p:bgPr>
+    </p:bg>
+    <p:spTree>
+      <p:nvGrpSpPr>
+        <p:cNvPr id="1" name=""/>
+        <p:cNvGrpSpPr/>
+        <p:nvPr/>
+      </p:nvGrpSpPr>
+      <p:grpSpPr>
+        <a:xfrm>
+          <a:off x="0" y="0"/>
+          <a:ext cx="0" cy="0"/>
+          <a:chOff x="0" y="0"/>
+          <a:chExt cx="0" cy="0"/>
+        </a:xfrm>
+      </p:grpSpPr>
+      <p:sp>
+        <p:nvSpPr>
+          <p:cNvPr id="3" name="Rectangle 2"/>
+          <p:cNvSpPr/>
+          <p:nvPr/>
+        </p:nvSpPr>
+        <p:spPr>
+          <a:xfrm>
             <a:off x="251520" y="2708920"/>
             <a:ext cx="8640960" cy="1046440"/>
           </a:xfrm>
@@ -3769,8 +7068,8 @@
 </p:sld>
 </file>
 
-<file path=ppt/slides/slide12.xml><?xml version="1.0" encoding="utf-8"?>
-<p:sld xmlns:a="http://schemas.openxmlformats.org/drawingml/2006/main" xmlns:r="http://schemas.openxmlformats.org/officeDocument/2006/relationships" xmlns:p="http://schemas.openxmlformats.org/presentationml/2006/main">
+<file path=ppt/slides/slide16.xml><?xml version="1.0" encoding="utf-8"?>
+<p:sld xmlns:a="http://schemas.openxmlformats.org/drawingml/2006/main" xmlns:r="http://schemas.openxmlformats.org/officeDocument/2006/relationships" xmlns:p="http://schemas.openxmlformats.org/presentationml/2006/main" show="0">
   <p:cSld>
     <p:bg>
       <p:bgPr>
@@ -4606,6 +7905,14 @@
   <p:clrMapOvr>
     <a:masterClrMapping/>
   </p:clrMapOvr>
+  <mc:AlternateContent xmlns:mc="http://schemas.openxmlformats.org/markup-compatibility/2006">
+    <mc:Choice xmlns:p14="http://schemas.microsoft.com/office/powerpoint/2010/main" Requires="p14">
+      <p:transition spd="slow" p14:dur="2000"/>
+    </mc:Choice>
+    <mc:Fallback>
+      <p:transition spd="slow"/>
+    </mc:Fallback>
+  </mc:AlternateContent>
   <p:timing>
     <p:tnLst>
       <p:par>
@@ -4616,8 +7923,8 @@
 </p:sld>
 </file>
 
-<file path=ppt/slides/slide13.xml><?xml version="1.0" encoding="utf-8"?>
-<p:sld xmlns:a="http://schemas.openxmlformats.org/drawingml/2006/main" xmlns:r="http://schemas.openxmlformats.org/officeDocument/2006/relationships" xmlns:p="http://schemas.openxmlformats.org/presentationml/2006/main">
+<file path=ppt/slides/slide17.xml><?xml version="1.0" encoding="utf-8"?>
+<p:sld xmlns:a="http://schemas.openxmlformats.org/drawingml/2006/main" xmlns:r="http://schemas.openxmlformats.org/officeDocument/2006/relationships" xmlns:p="http://schemas.openxmlformats.org/presentationml/2006/main" show="0">
   <p:cSld>
     <p:bg>
       <p:bgPr>
@@ -4842,6 +8149,14 @@
   <p:clrMapOvr>
     <a:masterClrMapping/>
   </p:clrMapOvr>
+  <mc:AlternateContent xmlns:mc="http://schemas.openxmlformats.org/markup-compatibility/2006">
+    <mc:Choice xmlns:p14="http://schemas.microsoft.com/office/powerpoint/2010/main" Requires="p14">
+      <p:transition spd="slow" p14:dur="2000"/>
+    </mc:Choice>
+    <mc:Fallback>
+      <p:transition spd="slow"/>
+    </mc:Fallback>
+  </mc:AlternateContent>
   <p:timing>
     <p:tnLst>
       <p:par>
@@ -4852,7 +8167,7 @@
 </p:sld>
 </file>
 
-<file path=ppt/slides/slide14.xml><?xml version="1.0" encoding="utf-8"?>
+<file path=ppt/slides/slide18.xml><?xml version="1.0" encoding="utf-8"?>
 <p:sld xmlns:a="http://schemas.openxmlformats.org/drawingml/2006/main" xmlns:r="http://schemas.openxmlformats.org/officeDocument/2006/relationships" xmlns:p="http://schemas.openxmlformats.org/presentationml/2006/main">
   <p:cSld>
     <p:bg>
@@ -4971,7 +8286,7 @@
 </p:sld>
 </file>
 
-<file path=ppt/slides/slide15.xml><?xml version="1.0" encoding="utf-8"?>
+<file path=ppt/slides/slide19.xml><?xml version="1.0" encoding="utf-8"?>
 <p:sld xmlns:a="http://schemas.openxmlformats.org/drawingml/2006/main" xmlns:r="http://schemas.openxmlformats.org/officeDocument/2006/relationships" xmlns:p="http://schemas.openxmlformats.org/presentationml/2006/main">
   <p:cSld>
     <p:bg>
@@ -5154,7 +8469,93 @@
 </p:sld>
 </file>
 
-<file path=ppt/slides/slide16.xml><?xml version="1.0" encoding="utf-8"?>
+<file path=ppt/slides/slide2.xml><?xml version="1.0" encoding="utf-8"?>
+<p:sld xmlns:a="http://schemas.openxmlformats.org/drawingml/2006/main" xmlns:r="http://schemas.openxmlformats.org/officeDocument/2006/relationships" xmlns:p="http://schemas.openxmlformats.org/presentationml/2006/main">
+  <p:cSld>
+    <p:bg>
+      <p:bgPr>
+        <a:solidFill>
+          <a:schemeClr val="bg1"/>
+        </a:solidFill>
+        <a:effectLst/>
+      </p:bgPr>
+    </p:bg>
+    <p:spTree>
+      <p:nvGrpSpPr>
+        <p:cNvPr id="1" name=""/>
+        <p:cNvGrpSpPr/>
+        <p:nvPr/>
+      </p:nvGrpSpPr>
+      <p:grpSpPr>
+        <a:xfrm>
+          <a:off x="0" y="0"/>
+          <a:ext cx="0" cy="0"/>
+          <a:chOff x="0" y="0"/>
+          <a:chExt cx="0" cy="0"/>
+        </a:xfrm>
+      </p:grpSpPr>
+      <p:pic>
+        <p:nvPicPr>
+          <p:cNvPr id="1026" name="Picture 2" descr="http://us.123rf.com/400wm/400/400/lurin/lurin1203/lurin120300011/12843555-black-and-red--please-turn-off-cell-phone--sign-with-black-border.jpg"/>
+          <p:cNvPicPr>
+            <a:picLocks noChangeAspect="1" noChangeArrowheads="1"/>
+          </p:cNvPicPr>
+          <p:nvPr/>
+        </p:nvPicPr>
+        <p:blipFill>
+          <a:blip r:embed="rId2">
+            <a:extLst>
+              <a:ext uri="{28A0092B-C50C-407E-A947-70E740481C1C}">
+                <a14:useLocalDpi xmlns:a14="http://schemas.microsoft.com/office/drawing/2010/main" val="0"/>
+              </a:ext>
+            </a:extLst>
+          </a:blip>
+          <a:srcRect/>
+          <a:stretch>
+            <a:fillRect/>
+          </a:stretch>
+        </p:blipFill>
+        <p:spPr bwMode="auto">
+          <a:xfrm>
+            <a:off x="2214563" y="481012"/>
+            <a:ext cx="4714875" cy="5895976"/>
+          </a:xfrm>
+          <a:prstGeom prst="rect">
+            <a:avLst/>
+          </a:prstGeom>
+          <a:noFill/>
+          <a:extLst>
+            <a:ext uri="{909E8E84-426E-40DD-AFC4-6F175D3DCCD1}">
+              <a14:hiddenFill xmlns:a14="http://schemas.microsoft.com/office/drawing/2010/main">
+                <a:solidFill>
+                  <a:srgbClr val="FFFFFF"/>
+                </a:solidFill>
+              </a14:hiddenFill>
+            </a:ext>
+          </a:extLst>
+        </p:spPr>
+      </p:pic>
+    </p:spTree>
+    <p:extLst>
+      <p:ext uri="{BB962C8B-B14F-4D97-AF65-F5344CB8AC3E}">
+        <p14:creationId xmlns:p14="http://schemas.microsoft.com/office/powerpoint/2010/main" val="3145694776"/>
+      </p:ext>
+    </p:extLst>
+  </p:cSld>
+  <p:clrMapOvr>
+    <a:masterClrMapping/>
+  </p:clrMapOvr>
+  <p:timing>
+    <p:tnLst>
+      <p:par>
+        <p:cTn id="1" dur="indefinite" restart="never" nodeType="tmRoot"/>
+      </p:par>
+    </p:tnLst>
+  </p:timing>
+</p:sld>
+</file>
+
+<file path=ppt/slides/slide20.xml><?xml version="1.0" encoding="utf-8"?>
 <p:sld xmlns:a="http://schemas.openxmlformats.org/drawingml/2006/main" xmlns:r="http://schemas.openxmlformats.org/officeDocument/2006/relationships" xmlns:p="http://schemas.openxmlformats.org/presentationml/2006/main">
   <p:cSld>
     <p:bg>
@@ -5818,7 +9219,7 @@
 </p:sld>
 </file>
 
-<file path=ppt/slides/slide17.xml><?xml version="1.0" encoding="utf-8"?>
+<file path=ppt/slides/slide21.xml><?xml version="1.0" encoding="utf-8"?>
 <p:sld xmlns:a="http://schemas.openxmlformats.org/drawingml/2006/main" xmlns:r="http://schemas.openxmlformats.org/officeDocument/2006/relationships" xmlns:p="http://schemas.openxmlformats.org/presentationml/2006/main">
   <p:cSld>
     <p:bg>
@@ -7736,8 +11137,8 @@
 </p:sld>
 </file>
 
-<file path=ppt/slides/slide18.xml><?xml version="1.0" encoding="utf-8"?>
-<p:sld xmlns:a="http://schemas.openxmlformats.org/drawingml/2006/main" xmlns:r="http://schemas.openxmlformats.org/officeDocument/2006/relationships" xmlns:p="http://schemas.openxmlformats.org/presentationml/2006/main">
+<file path=ppt/slides/slide22.xml><?xml version="1.0" encoding="utf-8"?>
+<p:sld xmlns:a="http://schemas.openxmlformats.org/drawingml/2006/main" xmlns:r="http://schemas.openxmlformats.org/officeDocument/2006/relationships" xmlns:p="http://schemas.openxmlformats.org/presentationml/2006/main" show="0">
   <p:cSld>
     <p:bg>
       <p:bgPr>
@@ -7863,10 +11264,18 @@
   <p:clrMapOvr>
     <a:masterClrMapping/>
   </p:clrMapOvr>
+  <mc:AlternateContent xmlns:mc="http://schemas.openxmlformats.org/markup-compatibility/2006">
+    <mc:Choice xmlns:p14="http://schemas.microsoft.com/office/powerpoint/2010/main" Requires="p14">
+      <p:transition spd="slow" p14:dur="2000"/>
+    </mc:Choice>
+    <mc:Fallback>
+      <p:transition spd="slow"/>
+    </mc:Fallback>
+  </mc:AlternateContent>
 </p:sld>
 </file>
 
-<file path=ppt/slides/slide19.xml><?xml version="1.0" encoding="utf-8"?>
+<file path=ppt/slides/slide23.xml><?xml version="1.0" encoding="utf-8"?>
 <p:sld xmlns:a="http://schemas.openxmlformats.org/drawingml/2006/main" xmlns:r="http://schemas.openxmlformats.org/officeDocument/2006/relationships" xmlns:p="http://schemas.openxmlformats.org/presentationml/2006/main">
   <p:cSld>
     <p:bg>
@@ -12636,438 +16045,7 @@
 </p:sld>
 </file>
 
-<file path=ppt/slides/slide2.xml><?xml version="1.0" encoding="utf-8"?>
-<p:sld xmlns:a="http://schemas.openxmlformats.org/drawingml/2006/main" xmlns:r="http://schemas.openxmlformats.org/officeDocument/2006/relationships" xmlns:p="http://schemas.openxmlformats.org/presentationml/2006/main">
-  <p:cSld>
-    <p:bg>
-      <p:bgPr>
-        <a:blipFill dpi="0" rotWithShape="1">
-          <a:blip r:embed="rId2">
-            <a:lum/>
-          </a:blip>
-          <a:srcRect/>
-          <a:stretch>
-            <a:fillRect/>
-          </a:stretch>
-        </a:blipFill>
-        <a:effectLst/>
-      </p:bgPr>
-    </p:bg>
-    <p:spTree>
-      <p:nvGrpSpPr>
-        <p:cNvPr id="1" name=""/>
-        <p:cNvGrpSpPr/>
-        <p:nvPr/>
-      </p:nvGrpSpPr>
-      <p:grpSpPr>
-        <a:xfrm>
-          <a:off x="0" y="0"/>
-          <a:ext cx="0" cy="0"/>
-          <a:chOff x="0" y="0"/>
-          <a:chExt cx="0" cy="0"/>
-        </a:xfrm>
-      </p:grpSpPr>
-      <p:sp>
-        <p:nvSpPr>
-          <p:cNvPr id="3" name="Rectangle 2"/>
-          <p:cNvSpPr/>
-          <p:nvPr/>
-        </p:nvSpPr>
-        <p:spPr>
-          <a:xfrm>
-            <a:off x="251520" y="188640"/>
-            <a:ext cx="8640960" cy="4739759"/>
-          </a:xfrm>
-          <a:prstGeom prst="rect">
-            <a:avLst/>
-          </a:prstGeom>
-        </p:spPr>
-        <p:txBody>
-          <a:bodyPr wrap="square">
-            <a:spAutoFit/>
-          </a:bodyPr>
-          <a:lstStyle/>
-          <a:p>
-            <a:pPr lvl="0"/>
-            <a:r>
-              <a:rPr lang="ru-RU" sz="3200" dirty="0" smtClean="0">
-                <a:solidFill>
-                  <a:schemeClr val="bg1"/>
-                </a:solidFill>
-              </a:rPr>
-              <a:t>Литература</a:t>
-            </a:r>
-          </a:p>
-          <a:p>
-            <a:pPr lvl="0"/>
-            <a:endParaRPr lang="en-US" dirty="0" smtClean="0">
-              <a:solidFill>
-                <a:schemeClr val="bg1"/>
-              </a:solidFill>
-            </a:endParaRPr>
-          </a:p>
-          <a:p>
-            <a:pPr marL="285750" lvl="0" indent="-285750">
-              <a:buFont typeface="Arial" pitchFamily="34" charset="0"/>
-              <a:buChar char="•"/>
-            </a:pPr>
-            <a:r>
-              <a:rPr lang="ru-RU" dirty="0" smtClean="0">
-                <a:solidFill>
-                  <a:schemeClr val="bg1"/>
-                </a:solidFill>
-              </a:rPr>
-              <a:t>CLR </a:t>
-            </a:r>
-            <a:r>
-              <a:rPr lang="ru-RU" dirty="0">
-                <a:solidFill>
-                  <a:schemeClr val="bg1"/>
-                </a:solidFill>
-              </a:rPr>
-              <a:t>via C#. Программирование на платформе Microsoft .NET Framework 4.0 на языке C# (CLR via C#, Third Edition)</a:t>
-            </a:r>
-            <a:br>
-              <a:rPr lang="ru-RU" dirty="0">
-                <a:solidFill>
-                  <a:schemeClr val="bg1"/>
-                </a:solidFill>
-              </a:rPr>
-            </a:br>
-            <a:r>
-              <a:rPr lang="ru-RU" dirty="0">
-                <a:solidFill>
-                  <a:schemeClr val="bg1"/>
-                </a:solidFill>
-              </a:rPr>
-              <a:t>Джеффри Рихтер (Jeffrey Richter)</a:t>
-            </a:r>
-            <a:br>
-              <a:rPr lang="ru-RU" dirty="0">
-                <a:solidFill>
-                  <a:schemeClr val="bg1"/>
-                </a:solidFill>
-              </a:rPr>
-            </a:br>
-            <a:r>
-              <a:rPr lang="ru-RU" u="sng" dirty="0">
-                <a:solidFill>
-                  <a:schemeClr val="bg1"/>
-                </a:solidFill>
-              </a:rPr>
-              <a:t>http://</a:t>
-            </a:r>
-            <a:r>
-              <a:rPr lang="ru-RU" u="sng" dirty="0" smtClean="0">
-                <a:solidFill>
-                  <a:schemeClr val="bg1"/>
-                </a:solidFill>
-              </a:rPr>
-              <a:t>oz.by/books/more1028671.html</a:t>
-            </a:r>
-            <a:r>
-              <a:rPr lang="ru-RU" dirty="0">
-                <a:solidFill>
-                  <a:schemeClr val="bg1"/>
-                </a:solidFill>
-              </a:rPr>
-              <a:t/>
-            </a:r>
-            <a:br>
-              <a:rPr lang="ru-RU" dirty="0">
-                <a:solidFill>
-                  <a:schemeClr val="bg1"/>
-                </a:solidFill>
-              </a:rPr>
-            </a:br>
-            <a:r>
-              <a:rPr lang="ru-RU" u="sng" dirty="0">
-                <a:solidFill>
-                  <a:schemeClr val="bg1"/>
-                </a:solidFill>
-                <a:hlinkClick r:id="rId3"/>
-              </a:rPr>
-              <a:t>http</a:t>
-            </a:r>
-            <a:r>
-              <a:rPr lang="ru-RU" u="sng">
-                <a:solidFill>
-                  <a:schemeClr val="bg1"/>
-                </a:solidFill>
-                <a:hlinkClick r:id="rId3"/>
-              </a:rPr>
-              <a:t>://</a:t>
-            </a:r>
-            <a:r>
-              <a:rPr lang="ru-RU" u="sng" smtClean="0">
-                <a:solidFill>
-                  <a:schemeClr val="bg1"/>
-                </a:solidFill>
-                <a:hlinkClick r:id="rId3"/>
-              </a:rPr>
-              <a:t>www.microsoft.com/learning/en/us/book.aspx?ID=13874&amp;Locale=en-us</a:t>
-            </a:r>
-            <a:r>
-              <a:rPr lang="ru-RU" u="sng" dirty="0" smtClean="0">
-                <a:solidFill>
-                  <a:schemeClr val="bg1"/>
-                </a:solidFill>
-              </a:rPr>
-              <a:t/>
-            </a:r>
-            <a:br>
-              <a:rPr lang="ru-RU" u="sng" dirty="0" smtClean="0">
-                <a:solidFill>
-                  <a:schemeClr val="bg1"/>
-                </a:solidFill>
-              </a:rPr>
-            </a:br>
-            <a:endParaRPr lang="ru-RU" u="sng" dirty="0" smtClean="0">
-              <a:solidFill>
-                <a:schemeClr val="bg1"/>
-              </a:solidFill>
-            </a:endParaRPr>
-          </a:p>
-          <a:p>
-            <a:pPr marL="285750" lvl="0" indent="-285750">
-              <a:buFont typeface="Arial" pitchFamily="34" charset="0"/>
-              <a:buChar char="•"/>
-            </a:pPr>
-            <a:r>
-              <a:rPr lang="ru-RU" dirty="0" smtClean="0">
-                <a:solidFill>
-                  <a:schemeClr val="bg1"/>
-                </a:solidFill>
-              </a:rPr>
-              <a:t>Язык </a:t>
-            </a:r>
-            <a:r>
-              <a:rPr lang="ru-RU" dirty="0">
-                <a:solidFill>
-                  <a:schemeClr val="bg1"/>
-                </a:solidFill>
-              </a:rPr>
-              <a:t>программирования C# 2010 и платформа .NET </a:t>
-            </a:r>
-            <a:r>
-              <a:rPr lang="ru-RU" dirty="0" smtClean="0">
-                <a:solidFill>
-                  <a:schemeClr val="bg1"/>
-                </a:solidFill>
-              </a:rPr>
-              <a:t>4.0</a:t>
-            </a:r>
-            <a:br>
-              <a:rPr lang="ru-RU" dirty="0" smtClean="0">
-                <a:solidFill>
-                  <a:schemeClr val="bg1"/>
-                </a:solidFill>
-              </a:rPr>
-            </a:br>
-            <a:r>
-              <a:rPr lang="ru-RU" dirty="0" smtClean="0">
-                <a:solidFill>
-                  <a:schemeClr val="bg1"/>
-                </a:solidFill>
-              </a:rPr>
-              <a:t>Эндрю </a:t>
-            </a:r>
-            <a:r>
-              <a:rPr lang="ru-RU" dirty="0">
-                <a:solidFill>
-                  <a:schemeClr val="bg1"/>
-                </a:solidFill>
-              </a:rPr>
-              <a:t>Троелсен (Andrew </a:t>
-            </a:r>
-            <a:r>
-              <a:rPr lang="ru-RU" dirty="0" smtClean="0">
-                <a:solidFill>
-                  <a:schemeClr val="bg1"/>
-                </a:solidFill>
-              </a:rPr>
-              <a:t>Troelsen)</a:t>
-            </a:r>
-            <a:br>
-              <a:rPr lang="ru-RU" dirty="0" smtClean="0">
-                <a:solidFill>
-                  <a:schemeClr val="bg1"/>
-                </a:solidFill>
-              </a:rPr>
-            </a:br>
-            <a:r>
-              <a:rPr lang="ru-RU" u="sng" dirty="0" smtClean="0">
-                <a:solidFill>
-                  <a:schemeClr val="bg1"/>
-                </a:solidFill>
-              </a:rPr>
-              <a:t>http</a:t>
-            </a:r>
-            <a:r>
-              <a:rPr lang="ru-RU" u="sng" dirty="0">
-                <a:solidFill>
-                  <a:schemeClr val="bg1"/>
-                </a:solidFill>
-              </a:rPr>
-              <a:t>://oz.by/books/more10158206.html</a:t>
-            </a:r>
-            <a:r>
-              <a:rPr lang="ru-RU" dirty="0">
-                <a:solidFill>
-                  <a:schemeClr val="bg1"/>
-                </a:solidFill>
-              </a:rPr>
-              <a:t/>
-            </a:r>
-            <a:br>
-              <a:rPr lang="ru-RU" dirty="0">
-                <a:solidFill>
-                  <a:schemeClr val="bg1"/>
-                </a:solidFill>
-              </a:rPr>
-            </a:br>
-            <a:r>
-              <a:rPr lang="ru-RU" u="sng" dirty="0">
-                <a:solidFill>
-                  <a:schemeClr val="bg1"/>
-                </a:solidFill>
-              </a:rPr>
-              <a:t>http://</a:t>
-            </a:r>
-            <a:r>
-              <a:rPr lang="ru-RU" u="sng" dirty="0" smtClean="0">
-                <a:solidFill>
-                  <a:schemeClr val="bg1"/>
-                </a:solidFill>
-              </a:rPr>
-              <a:t>www.apress.com/9781430225492</a:t>
-            </a:r>
-            <a:br>
-              <a:rPr lang="ru-RU" u="sng" dirty="0" smtClean="0">
-                <a:solidFill>
-                  <a:schemeClr val="bg1"/>
-                </a:solidFill>
-              </a:rPr>
-            </a:br>
-            <a:endParaRPr lang="ru-RU" u="sng" dirty="0" smtClean="0">
-              <a:solidFill>
-                <a:schemeClr val="bg1"/>
-              </a:solidFill>
-            </a:endParaRPr>
-          </a:p>
-          <a:p>
-            <a:pPr marL="285750" lvl="0" indent="-285750">
-              <a:buFont typeface="Arial" pitchFamily="34" charset="0"/>
-              <a:buChar char="•"/>
-            </a:pPr>
-            <a:r>
-              <a:rPr lang="en-US" dirty="0" smtClean="0">
-                <a:solidFill>
-                  <a:schemeClr val="bg1"/>
-                </a:solidFill>
-              </a:rPr>
-              <a:t>C</a:t>
-            </a:r>
-            <a:r>
-              <a:rPr lang="en-US" dirty="0">
-                <a:solidFill>
-                  <a:schemeClr val="bg1"/>
-                </a:solidFill>
-              </a:rPr>
-              <a:t># Language </a:t>
-            </a:r>
-            <a:r>
-              <a:rPr lang="en-US" dirty="0" smtClean="0">
-                <a:solidFill>
-                  <a:schemeClr val="bg1"/>
-                </a:solidFill>
-              </a:rPr>
-              <a:t>Specification</a:t>
-            </a:r>
-            <a:r>
-              <a:rPr lang="ru-RU" dirty="0" smtClean="0">
-                <a:solidFill>
-                  <a:schemeClr val="bg1"/>
-                </a:solidFill>
-              </a:rPr>
-              <a:t/>
-            </a:r>
-            <a:br>
-              <a:rPr lang="ru-RU" dirty="0" smtClean="0">
-                <a:solidFill>
-                  <a:schemeClr val="bg1"/>
-                </a:solidFill>
-              </a:rPr>
-            </a:br>
-            <a:r>
-              <a:rPr lang="en-US" dirty="0" smtClean="0">
-                <a:solidFill>
-                  <a:schemeClr val="bg1"/>
-                </a:solidFill>
-              </a:rPr>
-              <a:t>"C</a:t>
-            </a:r>
-            <a:r>
-              <a:rPr lang="en-US" dirty="0">
-                <a:solidFill>
-                  <a:schemeClr val="bg1"/>
-                </a:solidFill>
-              </a:rPr>
-              <a:t>:\Program Files (x86)\Microsoft Visual Studio 11.0\VC#\Specifications\1033\ </a:t>
-            </a:r>
-            <a:r>
-              <a:rPr lang="en-US" dirty="0" err="1">
-                <a:solidFill>
-                  <a:schemeClr val="bg1"/>
-                </a:solidFill>
-              </a:rPr>
-              <a:t>CSharp</a:t>
-            </a:r>
-            <a:r>
-              <a:rPr lang="en-US" dirty="0">
-                <a:solidFill>
-                  <a:schemeClr val="bg1"/>
-                </a:solidFill>
-              </a:rPr>
-              <a:t> Language Specification.doc </a:t>
-            </a:r>
-            <a:r>
-              <a:rPr lang="en-US" dirty="0" smtClean="0">
-                <a:solidFill>
-                  <a:schemeClr val="bg1"/>
-                </a:solidFill>
-              </a:rPr>
-              <a:t>"</a:t>
-            </a:r>
-            <a:endParaRPr lang="en-US" dirty="0">
-              <a:solidFill>
-                <a:schemeClr val="bg1"/>
-              </a:solidFill>
-            </a:endParaRPr>
-          </a:p>
-        </p:txBody>
-      </p:sp>
-    </p:spTree>
-    <p:extLst>
-      <p:ext uri="{BB962C8B-B14F-4D97-AF65-F5344CB8AC3E}">
-        <p14:creationId xmlns:p14="http://schemas.microsoft.com/office/powerpoint/2010/main" val="3145694776"/>
-      </p:ext>
-    </p:extLst>
-  </p:cSld>
-  <p:clrMapOvr>
-    <a:masterClrMapping/>
-  </p:clrMapOvr>
-  <p:timing>
-    <p:tnLst>
-      <p:par>
-        <p:cTn id="1" dur="indefinite" restart="never" nodeType="tmRoot"/>
-      </p:par>
-    </p:tnLst>
-  </p:timing>
-</p:sld>
-</file>
-
-<file path=ppt/slides/slide20.xml><?xml version="1.0" encoding="utf-8"?>
+<file path=ppt/slides/slide24.xml><?xml version="1.0" encoding="utf-8"?>
 <p:sld xmlns:a="http://schemas.openxmlformats.org/drawingml/2006/main" xmlns:r="http://schemas.openxmlformats.org/officeDocument/2006/relationships" xmlns:p="http://schemas.openxmlformats.org/presentationml/2006/main">
   <p:cSld>
     <p:bg>
@@ -13653,7 +16631,7 @@
 </p:sld>
 </file>
 
-<file path=ppt/slides/slide21.xml><?xml version="1.0" encoding="utf-8"?>
+<file path=ppt/slides/slide25.xml><?xml version="1.0" encoding="utf-8"?>
 <p:sld xmlns:a="http://schemas.openxmlformats.org/drawingml/2006/main" xmlns:r="http://schemas.openxmlformats.org/officeDocument/2006/relationships" xmlns:p="http://schemas.openxmlformats.org/presentationml/2006/main">
   <p:cSld>
     <p:bg>
@@ -15551,7 +18529,7 @@
 </p:sld>
 </file>
 
-<file path=ppt/slides/slide22.xml><?xml version="1.0" encoding="utf-8"?>
+<file path=ppt/slides/slide26.xml><?xml version="1.0" encoding="utf-8"?>
 <p:sld xmlns:a="http://schemas.openxmlformats.org/drawingml/2006/main" xmlns:r="http://schemas.openxmlformats.org/officeDocument/2006/relationships" xmlns:p="http://schemas.openxmlformats.org/presentationml/2006/main">
   <p:cSld>
     <p:bg>
@@ -16067,7 +19045,7 @@
 </p:sld>
 </file>
 
-<file path=ppt/slides/slide23.xml><?xml version="1.0" encoding="utf-8"?>
+<file path=ppt/slides/slide27.xml><?xml version="1.0" encoding="utf-8"?>
 <p:sld xmlns:a="http://schemas.openxmlformats.org/drawingml/2006/main" xmlns:r="http://schemas.openxmlformats.org/officeDocument/2006/relationships" xmlns:p="http://schemas.openxmlformats.org/presentationml/2006/main">
   <p:cSld>
     <p:bg>
@@ -17670,7 +20648,7 @@
 </p:sld>
 </file>
 
-<file path=ppt/slides/slide24.xml><?xml version="1.0" encoding="utf-8"?>
+<file path=ppt/slides/slide28.xml><?xml version="1.0" encoding="utf-8"?>
 <p:sld xmlns:a="http://schemas.openxmlformats.org/drawingml/2006/main" xmlns:r="http://schemas.openxmlformats.org/officeDocument/2006/relationships" xmlns:p="http://schemas.openxmlformats.org/presentationml/2006/main">
   <p:cSld>
     <p:bg>
@@ -18640,7 +21618,7 @@
 </p:sld>
 </file>
 
-<file path=ppt/slides/slide25.xml><?xml version="1.0" encoding="utf-8"?>
+<file path=ppt/slides/slide29.xml><?xml version="1.0" encoding="utf-8"?>
 <p:sld xmlns:a="http://schemas.openxmlformats.org/drawingml/2006/main" xmlns:r="http://schemas.openxmlformats.org/officeDocument/2006/relationships" xmlns:p="http://schemas.openxmlformats.org/presentationml/2006/main">
   <p:cSld>
     <p:bg>
@@ -19747,7 +22725,96 @@
 </p:sld>
 </file>
 
-<file path=ppt/slides/slide26.xml><?xml version="1.0" encoding="utf-8"?>
+<file path=ppt/slides/slide3.xml><?xml version="1.0" encoding="utf-8"?>
+<p:sld xmlns:a="http://schemas.openxmlformats.org/drawingml/2006/main" xmlns:r="http://schemas.openxmlformats.org/officeDocument/2006/relationships" xmlns:p="http://schemas.openxmlformats.org/presentationml/2006/main">
+  <p:cSld>
+    <p:bg>
+      <p:bgPr>
+        <a:blipFill dpi="0" rotWithShape="1">
+          <a:blip r:embed="rId2">
+            <a:lum/>
+          </a:blip>
+          <a:srcRect/>
+          <a:stretch>
+            <a:fillRect/>
+          </a:stretch>
+        </a:blipFill>
+        <a:effectLst/>
+      </p:bgPr>
+    </p:bg>
+    <p:spTree>
+      <p:nvGrpSpPr>
+        <p:cNvPr id="1" name=""/>
+        <p:cNvGrpSpPr/>
+        <p:nvPr/>
+      </p:nvGrpSpPr>
+      <p:grpSpPr>
+        <a:xfrm>
+          <a:off x="0" y="0"/>
+          <a:ext cx="0" cy="0"/>
+          <a:chOff x="0" y="0"/>
+          <a:chExt cx="0" cy="0"/>
+        </a:xfrm>
+      </p:grpSpPr>
+      <p:sp>
+        <p:nvSpPr>
+          <p:cNvPr id="3" name="Rectangle 2"/>
+          <p:cNvSpPr/>
+          <p:nvPr/>
+        </p:nvSpPr>
+        <p:spPr>
+          <a:xfrm>
+            <a:off x="251520" y="3013502"/>
+            <a:ext cx="8640960" cy="830997"/>
+          </a:xfrm>
+          <a:prstGeom prst="rect">
+            <a:avLst/>
+          </a:prstGeom>
+        </p:spPr>
+        <p:txBody>
+          <a:bodyPr wrap="square">
+            <a:spAutoFit/>
+          </a:bodyPr>
+          <a:lstStyle/>
+          <a:p>
+            <a:pPr lvl="0" algn="ctr"/>
+            <a:r>
+              <a:rPr lang="ru-RU" sz="4800" dirty="0" smtClean="0">
+                <a:solidFill>
+                  <a:schemeClr val="bg1"/>
+                </a:solidFill>
+              </a:rPr>
+              <a:t>Давайте знакомиться!</a:t>
+            </a:r>
+            <a:endParaRPr lang="ru-RU" sz="4800" dirty="0">
+              <a:solidFill>
+                <a:schemeClr val="bg1"/>
+              </a:solidFill>
+            </a:endParaRPr>
+          </a:p>
+        </p:txBody>
+      </p:sp>
+    </p:spTree>
+    <p:extLst>
+      <p:ext uri="{BB962C8B-B14F-4D97-AF65-F5344CB8AC3E}">
+        <p14:creationId xmlns:p14="http://schemas.microsoft.com/office/powerpoint/2010/main" val="3505982931"/>
+      </p:ext>
+    </p:extLst>
+  </p:cSld>
+  <p:clrMapOvr>
+    <a:masterClrMapping/>
+  </p:clrMapOvr>
+  <p:timing>
+    <p:tnLst>
+      <p:par>
+        <p:cTn id="1" dur="indefinite" restart="never" nodeType="tmRoot"/>
+      </p:par>
+    </p:tnLst>
+  </p:timing>
+</p:sld>
+</file>
+
+<file path=ppt/slides/slide30.xml><?xml version="1.0" encoding="utf-8"?>
 <p:sld xmlns:a="http://schemas.openxmlformats.org/drawingml/2006/main" xmlns:r="http://schemas.openxmlformats.org/officeDocument/2006/relationships" xmlns:p="http://schemas.openxmlformats.org/presentationml/2006/main">
   <p:cSld>
     <p:bg>
@@ -22158,7 +25225,7 @@
 </p:sld>
 </file>
 
-<file path=ppt/slides/slide27.xml><?xml version="1.0" encoding="utf-8"?>
+<file path=ppt/slides/slide31.xml><?xml version="1.0" encoding="utf-8"?>
 <p:sld xmlns:a="http://schemas.openxmlformats.org/drawingml/2006/main" xmlns:r="http://schemas.openxmlformats.org/officeDocument/2006/relationships" xmlns:p="http://schemas.openxmlformats.org/presentationml/2006/main">
   <p:cSld>
     <p:bg>
@@ -23159,7 +26226,7 @@
 </p:sld>
 </file>
 
-<file path=ppt/slides/slide28.xml><?xml version="1.0" encoding="utf-8"?>
+<file path=ppt/slides/slide32.xml><?xml version="1.0" encoding="utf-8"?>
 <p:sld xmlns:a="http://schemas.openxmlformats.org/drawingml/2006/main" xmlns:r="http://schemas.openxmlformats.org/officeDocument/2006/relationships" xmlns:p="http://schemas.openxmlformats.org/presentationml/2006/main">
   <p:cSld>
     <p:bg>
@@ -23428,7 +26495,7 @@
 </p:sld>
 </file>
 
-<file path=ppt/slides/slide29.xml><?xml version="1.0" encoding="utf-8"?>
+<file path=ppt/slides/slide33.xml><?xml version="1.0" encoding="utf-8"?>
 <p:sld xmlns:a="http://schemas.openxmlformats.org/drawingml/2006/main" xmlns:r="http://schemas.openxmlformats.org/officeDocument/2006/relationships" xmlns:p="http://schemas.openxmlformats.org/presentationml/2006/main">
   <p:cSld>
     <p:bg>
@@ -24660,448 +27727,7 @@
 </p:sld>
 </file>
 
-<file path=ppt/slides/slide3.xml><?xml version="1.0" encoding="utf-8"?>
-<p:sld xmlns:a="http://schemas.openxmlformats.org/drawingml/2006/main" xmlns:r="http://schemas.openxmlformats.org/officeDocument/2006/relationships" xmlns:p="http://schemas.openxmlformats.org/presentationml/2006/main">
-  <p:cSld>
-    <p:bg>
-      <p:bgPr>
-        <a:blipFill dpi="0" rotWithShape="1">
-          <a:blip r:embed="rId2">
-            <a:lum/>
-          </a:blip>
-          <a:srcRect/>
-          <a:stretch>
-            <a:fillRect/>
-          </a:stretch>
-        </a:blipFill>
-        <a:effectLst/>
-      </p:bgPr>
-    </p:bg>
-    <p:spTree>
-      <p:nvGrpSpPr>
-        <p:cNvPr id="1" name=""/>
-        <p:cNvGrpSpPr/>
-        <p:nvPr/>
-      </p:nvGrpSpPr>
-      <p:grpSpPr>
-        <a:xfrm>
-          <a:off x="0" y="0"/>
-          <a:ext cx="0" cy="0"/>
-          <a:chOff x="0" y="0"/>
-          <a:chExt cx="0" cy="0"/>
-        </a:xfrm>
-      </p:grpSpPr>
-      <p:sp>
-        <p:nvSpPr>
-          <p:cNvPr id="3" name="Rectangle 2"/>
-          <p:cNvSpPr/>
-          <p:nvPr/>
-        </p:nvSpPr>
-        <p:spPr>
-          <a:xfrm>
-            <a:off x="251520" y="188640"/>
-            <a:ext cx="8640960" cy="3077766"/>
-          </a:xfrm>
-          <a:prstGeom prst="rect">
-            <a:avLst/>
-          </a:prstGeom>
-        </p:spPr>
-        <p:txBody>
-          <a:bodyPr wrap="square">
-            <a:spAutoFit/>
-          </a:bodyPr>
-          <a:lstStyle/>
-          <a:p>
-            <a:pPr lvl="0"/>
-            <a:r>
-              <a:rPr lang="ru-RU" sz="3200" dirty="0" smtClean="0">
-                <a:solidFill>
-                  <a:schemeClr val="bg1"/>
-                </a:solidFill>
-              </a:rPr>
-              <a:t>Ссылки</a:t>
-            </a:r>
-            <a:endParaRPr lang="en-US" sz="3200" dirty="0" smtClean="0">
-              <a:solidFill>
-                <a:schemeClr val="bg1"/>
-              </a:solidFill>
-            </a:endParaRPr>
-          </a:p>
-          <a:p>
-            <a:pPr marL="742950" lvl="1" indent="-285750">
-              <a:buFont typeface="Arial" pitchFamily="34" charset="0"/>
-              <a:buChar char="•"/>
-            </a:pPr>
-            <a:r>
-              <a:rPr lang="en-US" dirty="0" smtClean="0">
-                <a:solidFill>
-                  <a:schemeClr val="bg1"/>
-                </a:solidFill>
-              </a:rPr>
-              <a:t>Microsoft Developer Network</a:t>
-            </a:r>
-            <a:r>
-              <a:rPr lang="ru-RU" dirty="0" smtClean="0">
-                <a:solidFill>
-                  <a:schemeClr val="bg1"/>
-                </a:solidFill>
-              </a:rPr>
-              <a:t> - </a:t>
-            </a:r>
-            <a:r>
-              <a:rPr lang="en-US" u="sng" dirty="0" smtClean="0">
-                <a:solidFill>
-                  <a:schemeClr val="bg1"/>
-                </a:solidFill>
-                <a:hlinkClick r:id="rId3"/>
-              </a:rPr>
-              <a:t>http</a:t>
-            </a:r>
-            <a:r>
-              <a:rPr lang="en-US" u="sng" dirty="0">
-                <a:solidFill>
-                  <a:schemeClr val="bg1"/>
-                </a:solidFill>
-                <a:hlinkClick r:id="rId3"/>
-              </a:rPr>
-              <a:t>://</a:t>
-            </a:r>
-            <a:r>
-              <a:rPr lang="en-US" u="sng" dirty="0" smtClean="0">
-                <a:solidFill>
-                  <a:schemeClr val="bg1"/>
-                </a:solidFill>
-                <a:hlinkClick r:id="rId3"/>
-              </a:rPr>
-              <a:t>msdn.microsoft.com/ru-ru/</a:t>
-            </a:r>
-            <a:endParaRPr lang="en-US" u="sng" dirty="0" smtClean="0">
-              <a:solidFill>
-                <a:schemeClr val="bg1"/>
-              </a:solidFill>
-            </a:endParaRPr>
-          </a:p>
-          <a:p>
-            <a:pPr marL="742950" lvl="1" indent="-285750">
-              <a:buFont typeface="Arial" pitchFamily="34" charset="0"/>
-              <a:buChar char="•"/>
-            </a:pPr>
-            <a:r>
-              <a:rPr lang="en-US" u="sng" dirty="0" smtClean="0">
-                <a:solidFill>
-                  <a:schemeClr val="bg1"/>
-                </a:solidFill>
-                <a:hlinkClick r:id="rId4"/>
-              </a:rPr>
-              <a:t>http</a:t>
-            </a:r>
-            <a:r>
-              <a:rPr lang="en-US" u="sng" dirty="0">
-                <a:solidFill>
-                  <a:schemeClr val="bg1"/>
-                </a:solidFill>
-                <a:hlinkClick r:id="rId4"/>
-              </a:rPr>
-              <a:t>://</a:t>
-            </a:r>
-            <a:r>
-              <a:rPr lang="en-US" u="sng" dirty="0" smtClean="0">
-                <a:solidFill>
-                  <a:schemeClr val="bg1"/>
-                </a:solidFill>
-                <a:hlinkClick r:id="rId4"/>
-              </a:rPr>
-              <a:t>www.asp.net/</a:t>
-            </a:r>
-            <a:endParaRPr lang="ru-RU" u="sng" dirty="0" smtClean="0">
-              <a:solidFill>
-                <a:schemeClr val="bg1"/>
-              </a:solidFill>
-            </a:endParaRPr>
-          </a:p>
-          <a:p>
-            <a:pPr marL="742950" lvl="1" indent="-285750">
-              <a:buFont typeface="Arial" pitchFamily="34" charset="0"/>
-              <a:buChar char="•"/>
-            </a:pPr>
-            <a:r>
-              <a:rPr lang="en-US" u="sng" dirty="0" smtClean="0">
-                <a:solidFill>
-                  <a:schemeClr val="bg1"/>
-                </a:solidFill>
-                <a:hlinkClick r:id="rId5"/>
-              </a:rPr>
-              <a:t>http</a:t>
-            </a:r>
-            <a:r>
-              <a:rPr lang="en-US" u="sng" dirty="0">
-                <a:solidFill>
-                  <a:schemeClr val="bg1"/>
-                </a:solidFill>
-                <a:hlinkClick r:id="rId5"/>
-              </a:rPr>
-              <a:t>://</a:t>
-            </a:r>
-            <a:r>
-              <a:rPr lang="en-US" u="sng" dirty="0" smtClean="0">
-                <a:solidFill>
-                  <a:schemeClr val="bg1"/>
-                </a:solidFill>
-                <a:hlinkClick r:id="rId5"/>
-              </a:rPr>
-              <a:t>channel9.msdn.com/</a:t>
-            </a:r>
-            <a:endParaRPr lang="ru-RU" u="sng" dirty="0" smtClean="0">
-              <a:solidFill>
-                <a:schemeClr val="bg1"/>
-              </a:solidFill>
-            </a:endParaRPr>
-          </a:p>
-          <a:p>
-            <a:pPr marL="742950" lvl="1" indent="-285750">
-              <a:buFont typeface="Arial" pitchFamily="34" charset="0"/>
-              <a:buChar char="•"/>
-            </a:pPr>
-            <a:r>
-              <a:rPr lang="ru-RU" dirty="0" smtClean="0">
-                <a:solidFill>
-                  <a:schemeClr val="bg1"/>
-                </a:solidFill>
-              </a:rPr>
-              <a:t>С</a:t>
-            </a:r>
-            <a:r>
-              <a:rPr lang="en-US" dirty="0" smtClean="0">
-                <a:solidFill>
-                  <a:schemeClr val="bg1"/>
-                </a:solidFill>
-              </a:rPr>
-              <a:t># Little Wonders</a:t>
-            </a:r>
-            <a:r>
-              <a:rPr lang="ru-RU" dirty="0" smtClean="0">
-                <a:solidFill>
-                  <a:schemeClr val="bg1"/>
-                </a:solidFill>
-              </a:rPr>
-              <a:t> -</a:t>
-            </a:r>
-            <a:r>
-              <a:rPr lang="en-US" dirty="0" smtClean="0">
-                <a:solidFill>
-                  <a:schemeClr val="bg1"/>
-                </a:solidFill>
-              </a:rPr>
-              <a:t> </a:t>
-            </a:r>
-            <a:r>
-              <a:rPr lang="en-US" dirty="0" smtClean="0">
-                <a:solidFill>
-                  <a:schemeClr val="bg1"/>
-                </a:solidFill>
-                <a:hlinkClick r:id="rId6"/>
-              </a:rPr>
-              <a:t>http</a:t>
-            </a:r>
-            <a:r>
-              <a:rPr lang="en-US" dirty="0">
-                <a:solidFill>
-                  <a:schemeClr val="bg1"/>
-                </a:solidFill>
-                <a:hlinkClick r:id="rId6"/>
-              </a:rPr>
-              <a:t>://</a:t>
-            </a:r>
-            <a:r>
-              <a:rPr lang="en-US" dirty="0" smtClean="0">
-                <a:solidFill>
-                  <a:schemeClr val="bg1"/>
-                </a:solidFill>
-                <a:hlinkClick r:id="rId6"/>
-              </a:rPr>
-              <a:t>blackrabbitcoder.net/category/11989.aspx</a:t>
-            </a:r>
-            <a:endParaRPr lang="en-US" dirty="0" smtClean="0">
-              <a:solidFill>
-                <a:schemeClr val="bg1"/>
-              </a:solidFill>
-            </a:endParaRPr>
-          </a:p>
-          <a:p>
-            <a:endParaRPr lang="ru-RU" dirty="0" smtClean="0">
-              <a:solidFill>
-                <a:schemeClr val="bg1"/>
-              </a:solidFill>
-            </a:endParaRPr>
-          </a:p>
-          <a:p>
-            <a:r>
-              <a:rPr lang="ru-RU" dirty="0" smtClean="0">
-                <a:solidFill>
-                  <a:schemeClr val="bg1"/>
-                </a:solidFill>
-              </a:rPr>
-              <a:t>Форумы:</a:t>
-            </a:r>
-          </a:p>
-          <a:p>
-            <a:pPr marL="742950" lvl="1" indent="-285750">
-              <a:buFont typeface="Arial" pitchFamily="34" charset="0"/>
-              <a:buChar char="•"/>
-            </a:pPr>
-            <a:r>
-              <a:rPr lang="en-US" dirty="0" smtClean="0">
-                <a:solidFill>
-                  <a:schemeClr val="bg1"/>
-                </a:solidFill>
-              </a:rPr>
-              <a:t>[RUS</a:t>
-            </a:r>
-            <a:r>
-              <a:rPr lang="en-US" dirty="0">
-                <a:solidFill>
-                  <a:schemeClr val="bg1"/>
-                </a:solidFill>
-              </a:rPr>
-              <a:t>] </a:t>
-            </a:r>
-            <a:r>
-              <a:rPr lang="en-US" dirty="0">
-                <a:solidFill>
-                  <a:schemeClr val="bg1"/>
-                </a:solidFill>
-                <a:hlinkClick r:id="rId7"/>
-              </a:rPr>
-              <a:t>http://www.rsdn.ru</a:t>
-            </a:r>
-            <a:r>
-              <a:rPr lang="en-US" dirty="0" smtClean="0">
-                <a:solidFill>
-                  <a:schemeClr val="bg1"/>
-                </a:solidFill>
-                <a:hlinkClick r:id="rId7"/>
-              </a:rPr>
-              <a:t>/</a:t>
-            </a:r>
-            <a:endParaRPr lang="ru-RU" dirty="0" smtClean="0">
-              <a:solidFill>
-                <a:schemeClr val="bg1"/>
-              </a:solidFill>
-            </a:endParaRPr>
-          </a:p>
-          <a:p>
-            <a:pPr marL="742950" lvl="1" indent="-285750">
-              <a:buFont typeface="Arial" pitchFamily="34" charset="0"/>
-              <a:buChar char="•"/>
-            </a:pPr>
-            <a:r>
-              <a:rPr lang="en-US" dirty="0">
-                <a:solidFill>
-                  <a:schemeClr val="bg1"/>
-                </a:solidFill>
-              </a:rPr>
-              <a:t>[RUS</a:t>
-            </a:r>
-            <a:r>
-              <a:rPr lang="en-US" dirty="0" smtClean="0">
-                <a:solidFill>
-                  <a:schemeClr val="bg1"/>
-                </a:solidFill>
-              </a:rPr>
-              <a:t>]</a:t>
-            </a:r>
-            <a:r>
-              <a:rPr lang="ru-RU" dirty="0" smtClean="0">
-                <a:solidFill>
-                  <a:schemeClr val="bg1"/>
-                </a:solidFill>
-              </a:rPr>
-              <a:t> </a:t>
-            </a:r>
-            <a:r>
-              <a:rPr lang="en-US" dirty="0">
-                <a:solidFill>
-                  <a:schemeClr val="bg1"/>
-                </a:solidFill>
-                <a:hlinkClick r:id="rId8"/>
-              </a:rPr>
-              <a:t>www.sql.ru/forum</a:t>
-            </a:r>
-            <a:r>
-              <a:rPr lang="en-US" dirty="0" smtClean="0">
-                <a:solidFill>
-                  <a:schemeClr val="bg1"/>
-                </a:solidFill>
-                <a:hlinkClick r:id="rId8"/>
-              </a:rPr>
-              <a:t>/</a:t>
-            </a:r>
-            <a:endParaRPr lang="en-US" dirty="0" smtClean="0">
-              <a:solidFill>
-                <a:schemeClr val="bg1"/>
-              </a:solidFill>
-            </a:endParaRPr>
-          </a:p>
-          <a:p>
-            <a:pPr marL="742950" lvl="1" indent="-285750">
-              <a:buFont typeface="Arial" pitchFamily="34" charset="0"/>
-              <a:buChar char="•"/>
-            </a:pPr>
-            <a:r>
-              <a:rPr lang="en-US" dirty="0">
-                <a:solidFill>
-                  <a:schemeClr val="bg1"/>
-                </a:solidFill>
-              </a:rPr>
-              <a:t>[ENG] </a:t>
-            </a:r>
-            <a:r>
-              <a:rPr lang="en-US" dirty="0">
-                <a:solidFill>
-                  <a:schemeClr val="bg1"/>
-                </a:solidFill>
-                <a:hlinkClick r:id="rId9"/>
-              </a:rPr>
-              <a:t>http://stackoverflow.com</a:t>
-            </a:r>
-            <a:r>
-              <a:rPr lang="en-US" dirty="0" smtClean="0">
-                <a:solidFill>
-                  <a:schemeClr val="bg1"/>
-                </a:solidFill>
-                <a:hlinkClick r:id="rId9"/>
-              </a:rPr>
-              <a:t>/</a:t>
-            </a:r>
-            <a:endParaRPr lang="en-US" dirty="0">
-              <a:solidFill>
-                <a:schemeClr val="bg1"/>
-              </a:solidFill>
-            </a:endParaRPr>
-          </a:p>
-        </p:txBody>
-      </p:sp>
-    </p:spTree>
-    <p:extLst>
-      <p:ext uri="{BB962C8B-B14F-4D97-AF65-F5344CB8AC3E}">
-        <p14:creationId xmlns:p14="http://schemas.microsoft.com/office/powerpoint/2010/main" val="2150665546"/>
-      </p:ext>
-    </p:extLst>
-  </p:cSld>
-  <p:clrMapOvr>
-    <a:masterClrMapping/>
-  </p:clrMapOvr>
-  <p:timing>
-    <p:tnLst>
-      <p:par>
-        <p:cTn id="1" dur="indefinite" restart="never" nodeType="tmRoot"/>
-      </p:par>
-    </p:tnLst>
-  </p:timing>
-</p:sld>
-</file>
-
-<file path=ppt/slides/slide30.xml><?xml version="1.0" encoding="utf-8"?>
+<file path=ppt/slides/slide34.xml><?xml version="1.0" encoding="utf-8"?>
 <p:sld xmlns:a="http://schemas.openxmlformats.org/drawingml/2006/main" xmlns:r="http://schemas.openxmlformats.org/officeDocument/2006/relationships" xmlns:p="http://schemas.openxmlformats.org/presentationml/2006/main">
   <p:cSld>
     <p:bg>
@@ -26303,7 +28929,7 @@
 </p:sld>
 </file>
 
-<file path=ppt/slides/slide31.xml><?xml version="1.0" encoding="utf-8"?>
+<file path=ppt/slides/slide35.xml><?xml version="1.0" encoding="utf-8"?>
 <p:sld xmlns:a="http://schemas.openxmlformats.org/drawingml/2006/main" xmlns:r="http://schemas.openxmlformats.org/officeDocument/2006/relationships" xmlns:p="http://schemas.openxmlformats.org/presentationml/2006/main">
   <p:cSld>
     <p:bg>
@@ -27369,7 +29995,7 @@
 </p:sld>
 </file>
 
-<file path=ppt/slides/slide32.xml><?xml version="1.0" encoding="utf-8"?>
+<file path=ppt/slides/slide36.xml><?xml version="1.0" encoding="utf-8"?>
 <p:sld xmlns:a="http://schemas.openxmlformats.org/drawingml/2006/main" xmlns:r="http://schemas.openxmlformats.org/officeDocument/2006/relationships" xmlns:p="http://schemas.openxmlformats.org/presentationml/2006/main">
   <p:cSld>
     <p:bg>
@@ -27915,8 +30541,8 @@
         </p:nvSpPr>
         <p:spPr>
           <a:xfrm>
-            <a:off x="251520" y="3136613"/>
-            <a:ext cx="8640960" cy="584775"/>
+            <a:off x="251520" y="188640"/>
+            <a:ext cx="8640960" cy="769441"/>
           </a:xfrm>
           <a:prstGeom prst="rect">
             <a:avLst/>
@@ -27930,14 +30556,190 @@
           <a:p>
             <a:pPr lvl="0" algn="ctr"/>
             <a:r>
-              <a:rPr lang="en-US" sz="3200" dirty="0">
-                <a:solidFill>
-                  <a:schemeClr val="bg1"/>
-                </a:solidFill>
-              </a:rPr>
-              <a:t>https://github.com/bazile/Training</a:t>
-            </a:r>
-            <a:endParaRPr lang="en-US" sz="3200" dirty="0" smtClean="0">
+              <a:rPr lang="ru-RU" sz="4400" dirty="0" smtClean="0">
+                <a:solidFill>
+                  <a:schemeClr val="bg1"/>
+                </a:solidFill>
+              </a:rPr>
+              <a:t>Организационные вопросы</a:t>
+            </a:r>
+            <a:endParaRPr lang="en-US" sz="4400" dirty="0">
+              <a:solidFill>
+                <a:schemeClr val="bg1"/>
+              </a:solidFill>
+            </a:endParaRPr>
+          </a:p>
+        </p:txBody>
+      </p:sp>
+      <p:sp>
+        <p:nvSpPr>
+          <p:cNvPr id="2" name="TextBox 1"/>
+          <p:cNvSpPr txBox="1"/>
+          <p:nvPr/>
+        </p:nvSpPr>
+        <p:spPr>
+          <a:xfrm>
+            <a:off x="251520" y="1052736"/>
+            <a:ext cx="8640960" cy="4401205"/>
+          </a:xfrm>
+          <a:prstGeom prst="rect">
+            <a:avLst/>
+          </a:prstGeom>
+          <a:noFill/>
+        </p:spPr>
+        <p:txBody>
+          <a:bodyPr wrap="square" rtlCol="0">
+            <a:spAutoFit/>
+          </a:bodyPr>
+          <a:lstStyle/>
+          <a:p>
+            <a:pPr marL="285750" indent="-285750">
+              <a:buFont typeface="Arial" pitchFamily="34" charset="0"/>
+              <a:buChar char="•"/>
+            </a:pPr>
+            <a:r>
+              <a:rPr lang="ru-RU" sz="2800" dirty="0">
+                <a:solidFill>
+                  <a:schemeClr val="bg1"/>
+                </a:solidFill>
+              </a:rPr>
+              <a:t>Начало </a:t>
+            </a:r>
+            <a:r>
+              <a:rPr lang="ru-RU" sz="2800" dirty="0" smtClean="0">
+                <a:solidFill>
+                  <a:schemeClr val="bg1"/>
+                </a:solidFill>
+              </a:rPr>
+              <a:t>занятий</a:t>
+            </a:r>
+          </a:p>
+          <a:p>
+            <a:pPr marL="285750" indent="-285750">
+              <a:buFont typeface="Arial" pitchFamily="34" charset="0"/>
+              <a:buChar char="•"/>
+            </a:pPr>
+            <a:r>
+              <a:rPr lang="ru-RU" sz="2800" dirty="0" smtClean="0">
+                <a:solidFill>
+                  <a:schemeClr val="bg1"/>
+                </a:solidFill>
+              </a:rPr>
+              <a:t>Посещаемость</a:t>
+            </a:r>
+          </a:p>
+          <a:p>
+            <a:pPr marL="285750" indent="-285750">
+              <a:buFont typeface="Arial" pitchFamily="34" charset="0"/>
+              <a:buChar char="•"/>
+            </a:pPr>
+            <a:r>
+              <a:rPr lang="ru-RU" sz="2800" dirty="0" smtClean="0">
+                <a:solidFill>
+                  <a:schemeClr val="bg1"/>
+                </a:solidFill>
+              </a:rPr>
+              <a:t>Домашняя работа</a:t>
+            </a:r>
+          </a:p>
+          <a:p>
+            <a:pPr marL="285750" indent="-285750">
+              <a:buFont typeface="Arial" pitchFamily="34" charset="0"/>
+              <a:buChar char="•"/>
+            </a:pPr>
+            <a:r>
+              <a:rPr lang="ru-RU" sz="2800" dirty="0" smtClean="0">
+                <a:solidFill>
+                  <a:schemeClr val="bg1"/>
+                </a:solidFill>
+              </a:rPr>
+              <a:t>Итоговый проект</a:t>
+            </a:r>
+          </a:p>
+          <a:p>
+            <a:pPr marL="285750" indent="-285750">
+              <a:buFont typeface="Arial" pitchFamily="34" charset="0"/>
+              <a:buChar char="•"/>
+            </a:pPr>
+            <a:r>
+              <a:rPr lang="ru-RU" sz="2800" dirty="0" smtClean="0">
+                <a:solidFill>
+                  <a:schemeClr val="bg1"/>
+                </a:solidFill>
+              </a:rPr>
+              <a:t>Сертификат об окончании курса</a:t>
+            </a:r>
+          </a:p>
+          <a:p>
+            <a:pPr marL="742950" lvl="1" indent="-285750">
+              <a:buFont typeface="Arial" pitchFamily="34" charset="0"/>
+              <a:buChar char="•"/>
+            </a:pPr>
+            <a:r>
+              <a:rPr lang="ru-RU" sz="2800" dirty="0" smtClean="0">
+                <a:solidFill>
+                  <a:schemeClr val="bg1"/>
+                </a:solidFill>
+              </a:rPr>
+              <a:t>Выдается не всем</a:t>
+            </a:r>
+          </a:p>
+          <a:p>
+            <a:pPr marL="742950" lvl="1" indent="-285750">
+              <a:buFont typeface="Arial" pitchFamily="34" charset="0"/>
+              <a:buChar char="•"/>
+            </a:pPr>
+            <a:r>
+              <a:rPr lang="ru-RU" sz="2800" dirty="0" smtClean="0">
+                <a:solidFill>
+                  <a:schemeClr val="bg1"/>
+                </a:solidFill>
+              </a:rPr>
+              <a:t>Необходимо:</a:t>
+            </a:r>
+          </a:p>
+          <a:p>
+            <a:pPr marL="1200150" lvl="2" indent="-285750">
+              <a:buFont typeface="Arial" pitchFamily="34" charset="0"/>
+              <a:buChar char="•"/>
+            </a:pPr>
+            <a:r>
+              <a:rPr lang="ru-RU" sz="2800" dirty="0" smtClean="0">
+                <a:solidFill>
+                  <a:schemeClr val="bg1"/>
+                </a:solidFill>
+              </a:rPr>
+              <a:t>Посетить не менее 80% занятий</a:t>
+            </a:r>
+          </a:p>
+          <a:p>
+            <a:pPr marL="1200150" lvl="2" indent="-285750">
+              <a:buFont typeface="Arial" pitchFamily="34" charset="0"/>
+              <a:buChar char="•"/>
+            </a:pPr>
+            <a:r>
+              <a:rPr lang="ru-RU" sz="2800" dirty="0" smtClean="0">
+                <a:solidFill>
+                  <a:schemeClr val="bg1"/>
+                </a:solidFill>
+              </a:rPr>
+              <a:t>Выполнять домашние работы</a:t>
+            </a:r>
+          </a:p>
+          <a:p>
+            <a:pPr marL="1200150" lvl="2" indent="-285750">
+              <a:buFont typeface="Arial" pitchFamily="34" charset="0"/>
+              <a:buChar char="•"/>
+            </a:pPr>
+            <a:r>
+              <a:rPr lang="ru-RU" sz="2800" dirty="0" smtClean="0">
+                <a:solidFill>
+                  <a:schemeClr val="bg1"/>
+                </a:solidFill>
+              </a:rPr>
+              <a:t>Завершить итоговый проект</a:t>
+            </a:r>
+            <a:endParaRPr lang="en-US" sz="2800" dirty="0">
               <a:solidFill>
                 <a:schemeClr val="bg1"/>
               </a:solidFill>
@@ -27948,7 +30750,7 @@
     </p:spTree>
     <p:extLst>
       <p:ext uri="{BB962C8B-B14F-4D97-AF65-F5344CB8AC3E}">
-        <p14:creationId xmlns:p14="http://schemas.microsoft.com/office/powerpoint/2010/main" val="844996974"/>
+        <p14:creationId xmlns:p14="http://schemas.microsoft.com/office/powerpoint/2010/main" val="2594921481"/>
       </p:ext>
     </p:extLst>
   </p:cSld>
@@ -28004,8 +30806,8 @@
         </p:nvSpPr>
         <p:spPr>
           <a:xfrm>
-            <a:off x="251520" y="188640"/>
-            <a:ext cx="8640960" cy="4185761"/>
+            <a:off x="251520" y="3013502"/>
+            <a:ext cx="8640960" cy="830997"/>
           </a:xfrm>
           <a:prstGeom prst="rect">
             <a:avLst/>
@@ -28017,322 +30819,16 @@
           </a:bodyPr>
           <a:lstStyle/>
           <a:p>
-            <a:pPr lvl="0"/>
-            <a:r>
-              <a:rPr lang="en-US" sz="3200" dirty="0" smtClean="0">
-                <a:solidFill>
-                  <a:schemeClr val="bg1"/>
-                </a:solidFill>
-              </a:rPr>
-              <a:t>Visual Studio</a:t>
-            </a:r>
-            <a:endParaRPr lang="ru-RU" sz="3200" dirty="0" smtClean="0">
-              <a:solidFill>
-                <a:schemeClr val="bg1"/>
-              </a:solidFill>
-            </a:endParaRPr>
-          </a:p>
-          <a:p>
-            <a:pPr lvl="0"/>
-            <a:endParaRPr lang="ru-RU" dirty="0" smtClean="0">
-              <a:solidFill>
-                <a:schemeClr val="bg1"/>
-              </a:solidFill>
-            </a:endParaRPr>
-          </a:p>
-          <a:p>
-            <a:r>
-              <a:rPr lang="en-US" dirty="0" smtClean="0">
-                <a:solidFill>
-                  <a:schemeClr val="bg1"/>
-                </a:solidFill>
-              </a:rPr>
-              <a:t>IDE – Integrated Development Environment</a:t>
-            </a:r>
-            <a:endParaRPr lang="ru-RU" dirty="0" smtClean="0">
-              <a:solidFill>
-                <a:schemeClr val="bg1"/>
-              </a:solidFill>
-            </a:endParaRPr>
-          </a:p>
-          <a:p>
-            <a:endParaRPr lang="ru-RU" dirty="0">
-              <a:solidFill>
-                <a:schemeClr val="bg1"/>
-              </a:solidFill>
-            </a:endParaRPr>
-          </a:p>
-          <a:p>
-            <a:r>
-              <a:rPr lang="en-US" dirty="0" smtClean="0">
-                <a:solidFill>
-                  <a:schemeClr val="bg1"/>
-                </a:solidFill>
-              </a:rPr>
-              <a:t>Visual Studio 2010, </a:t>
-            </a:r>
-            <a:r>
-              <a:rPr lang="ru-RU" dirty="0" smtClean="0">
-                <a:solidFill>
-                  <a:schemeClr val="bg1"/>
-                </a:solidFill>
-              </a:rPr>
-              <a:t>скоро </a:t>
-            </a:r>
-            <a:r>
-              <a:rPr lang="ru-RU" dirty="0">
-                <a:solidFill>
-                  <a:schemeClr val="bg1"/>
-                </a:solidFill>
-              </a:rPr>
-              <a:t>выйдет</a:t>
-            </a:r>
-            <a:r>
-              <a:rPr lang="en-US" dirty="0">
-                <a:solidFill>
-                  <a:schemeClr val="bg1"/>
-                </a:solidFill>
-              </a:rPr>
-              <a:t> 2012</a:t>
-            </a:r>
-            <a:br>
-              <a:rPr lang="en-US" dirty="0">
-                <a:solidFill>
-                  <a:schemeClr val="bg1"/>
-                </a:solidFill>
-              </a:rPr>
-            </a:br>
-            <a:r>
-              <a:rPr lang="en-US" u="sng" dirty="0">
-                <a:solidFill>
-                  <a:schemeClr val="bg1"/>
-                </a:solidFill>
-              </a:rPr>
-              <a:t>http://</a:t>
-            </a:r>
-            <a:r>
-              <a:rPr lang="en-US" u="sng" dirty="0" smtClean="0">
-                <a:solidFill>
-                  <a:schemeClr val="bg1"/>
-                </a:solidFill>
-              </a:rPr>
-              <a:t>www.microsoft.com/visualstudio/ru-ru/products/2010-editions/express</a:t>
-            </a:r>
-          </a:p>
-          <a:p>
-            <a:endParaRPr lang="en-US" dirty="0" smtClean="0">
-              <a:solidFill>
-                <a:schemeClr val="bg1"/>
-              </a:solidFill>
-            </a:endParaRPr>
-          </a:p>
-          <a:p>
-            <a:r>
-              <a:rPr lang="ru-RU" dirty="0" smtClean="0">
-                <a:solidFill>
-                  <a:schemeClr val="bg1"/>
-                </a:solidFill>
-              </a:rPr>
-              <a:t>Редакции</a:t>
-            </a:r>
-            <a:r>
-              <a:rPr lang="en-US" dirty="0" smtClean="0">
-                <a:solidFill>
-                  <a:schemeClr val="bg1"/>
-                </a:solidFill>
-              </a:rPr>
-              <a:t>: Express </a:t>
-            </a:r>
-            <a:r>
-              <a:rPr lang="ru-RU" dirty="0">
-                <a:solidFill>
-                  <a:schemeClr val="bg1"/>
-                </a:solidFill>
-              </a:rPr>
-              <a:t>(бесплатная</a:t>
-            </a:r>
-            <a:r>
-              <a:rPr lang="en-US" dirty="0" smtClean="0">
-                <a:solidFill>
-                  <a:schemeClr val="bg1"/>
-                </a:solidFill>
-              </a:rPr>
-              <a:t>), Professional, Premium, Ultimate.</a:t>
-            </a:r>
-            <a:endParaRPr lang="ru-RU" dirty="0">
-              <a:solidFill>
-                <a:schemeClr val="bg1"/>
-              </a:solidFill>
-            </a:endParaRPr>
-          </a:p>
-          <a:p>
-            <a:endParaRPr lang="en-US" dirty="0">
-              <a:solidFill>
-                <a:schemeClr val="bg1"/>
-              </a:solidFill>
-            </a:endParaRPr>
-          </a:p>
-          <a:p>
-            <a:r>
-              <a:rPr lang="ru-RU" dirty="0">
-                <a:solidFill>
-                  <a:schemeClr val="bg1"/>
-                </a:solidFill>
-              </a:rPr>
-              <a:t>Расширения для </a:t>
-            </a:r>
-            <a:r>
-              <a:rPr lang="en-US" dirty="0">
-                <a:solidFill>
-                  <a:schemeClr val="bg1"/>
-                </a:solidFill>
-              </a:rPr>
-              <a:t>V</a:t>
-            </a:r>
-            <a:r>
-              <a:rPr lang="ru-RU" dirty="0">
-                <a:solidFill>
-                  <a:schemeClr val="bg1"/>
-                </a:solidFill>
-              </a:rPr>
-              <a:t>isual </a:t>
-            </a:r>
-            <a:r>
-              <a:rPr lang="en-US" dirty="0">
-                <a:solidFill>
-                  <a:schemeClr val="bg1"/>
-                </a:solidFill>
-              </a:rPr>
-              <a:t>Studio</a:t>
-            </a:r>
-            <a:r>
-              <a:rPr lang="ru-RU" dirty="0">
-                <a:solidFill>
-                  <a:schemeClr val="bg1"/>
-                </a:solidFill>
-              </a:rPr>
-              <a:t/>
-            </a:r>
-            <a:br>
-              <a:rPr lang="ru-RU" dirty="0">
-                <a:solidFill>
-                  <a:schemeClr val="bg1"/>
-                </a:solidFill>
-              </a:rPr>
-            </a:br>
-            <a:r>
-              <a:rPr lang="en-US" u="sng" dirty="0">
-                <a:solidFill>
-                  <a:schemeClr val="bg1"/>
-                </a:solidFill>
-              </a:rPr>
-              <a:t>http</a:t>
-            </a:r>
-            <a:r>
-              <a:rPr lang="ru-RU" u="sng" dirty="0">
-                <a:solidFill>
-                  <a:schemeClr val="bg1"/>
-                </a:solidFill>
-              </a:rPr>
-              <a:t>://</a:t>
-            </a:r>
-            <a:r>
-              <a:rPr lang="en-US" u="sng" dirty="0" err="1">
-                <a:solidFill>
-                  <a:schemeClr val="bg1"/>
-                </a:solidFill>
-              </a:rPr>
-              <a:t>visualstudiogallery</a:t>
-            </a:r>
-            <a:r>
-              <a:rPr lang="ru-RU" u="sng" dirty="0">
-                <a:solidFill>
-                  <a:schemeClr val="bg1"/>
-                </a:solidFill>
-              </a:rPr>
-              <a:t>.</a:t>
-            </a:r>
-            <a:r>
-              <a:rPr lang="en-US" u="sng" dirty="0" err="1">
-                <a:solidFill>
-                  <a:schemeClr val="bg1"/>
-                </a:solidFill>
-              </a:rPr>
-              <a:t>msdn</a:t>
-            </a:r>
-            <a:r>
-              <a:rPr lang="ru-RU" u="sng" dirty="0">
-                <a:solidFill>
-                  <a:schemeClr val="bg1"/>
-                </a:solidFill>
-              </a:rPr>
-              <a:t>.</a:t>
-            </a:r>
-            <a:r>
-              <a:rPr lang="en-US" u="sng" dirty="0" err="1">
-                <a:solidFill>
-                  <a:schemeClr val="bg1"/>
-                </a:solidFill>
-              </a:rPr>
-              <a:t>microsoft</a:t>
-            </a:r>
-            <a:r>
-              <a:rPr lang="ru-RU" u="sng" dirty="0">
-                <a:solidFill>
-                  <a:schemeClr val="bg1"/>
-                </a:solidFill>
-              </a:rPr>
-              <a:t>.</a:t>
-            </a:r>
-            <a:r>
-              <a:rPr lang="en-US" u="sng" dirty="0">
-                <a:solidFill>
-                  <a:schemeClr val="bg1"/>
-                </a:solidFill>
-              </a:rPr>
-              <a:t>com</a:t>
-            </a:r>
-            <a:r>
-              <a:rPr lang="ru-RU" u="sng" dirty="0">
-                <a:solidFill>
-                  <a:schemeClr val="bg1"/>
-                </a:solidFill>
-              </a:rPr>
-              <a:t>/</a:t>
-            </a:r>
-          </a:p>
-          <a:p>
-            <a:endParaRPr lang="en-US" dirty="0">
-              <a:solidFill>
-                <a:schemeClr val="bg1"/>
-              </a:solidFill>
-            </a:endParaRPr>
-          </a:p>
-          <a:p>
-            <a:r>
-              <a:rPr lang="en-US" dirty="0">
-                <a:solidFill>
-                  <a:schemeClr val="bg1"/>
-                </a:solidFill>
-              </a:rPr>
-              <a:t>ReSharper - </a:t>
-            </a:r>
-            <a:r>
-              <a:rPr lang="en-US" u="sng" dirty="0">
-                <a:solidFill>
-                  <a:schemeClr val="bg1"/>
-                </a:solidFill>
-              </a:rPr>
-              <a:t>http://www.jetbrains.com/resharper/</a:t>
-            </a:r>
-            <a:endParaRPr lang="en-US" dirty="0">
-              <a:solidFill>
-                <a:schemeClr val="bg1"/>
-              </a:solidFill>
-            </a:endParaRPr>
-          </a:p>
-          <a:p>
-            <a:endParaRPr lang="en-US" dirty="0" smtClean="0">
+            <a:pPr lvl="0" algn="ctr"/>
+            <a:r>
+              <a:rPr lang="ru-RU" sz="4800" dirty="0" smtClean="0">
+                <a:solidFill>
+                  <a:schemeClr val="bg1"/>
+                </a:solidFill>
+              </a:rPr>
+              <a:t>Что ожидать от данного курса?</a:t>
+            </a:r>
+            <a:endParaRPr lang="ru-RU" sz="4800" dirty="0">
               <a:solidFill>
                 <a:schemeClr val="bg1"/>
               </a:solidFill>
@@ -28343,7 +30839,7 @@
     </p:spTree>
     <p:extLst>
       <p:ext uri="{BB962C8B-B14F-4D97-AF65-F5344CB8AC3E}">
-        <p14:creationId xmlns:p14="http://schemas.microsoft.com/office/powerpoint/2010/main" val="2029492004"/>
+        <p14:creationId xmlns:p14="http://schemas.microsoft.com/office/powerpoint/2010/main" val="1700518918"/>
       </p:ext>
     </p:extLst>
   </p:cSld>
@@ -28400,7 +30896,7 @@
         <p:spPr>
           <a:xfrm>
             <a:off x="251520" y="188640"/>
-            <a:ext cx="8640960" cy="1138773"/>
+            <a:ext cx="8640960" cy="4739759"/>
           </a:xfrm>
           <a:prstGeom prst="rect">
             <a:avLst/>
@@ -28414,29 +30910,356 @@
           <a:p>
             <a:pPr lvl="0"/>
             <a:r>
-              <a:rPr lang="en-US" sz="3200" dirty="0" smtClean="0">
-                <a:solidFill>
-                  <a:schemeClr val="bg1"/>
-                </a:solidFill>
-              </a:rPr>
-              <a:t>.NET Framework – Managed platform</a:t>
-            </a:r>
-            <a:endParaRPr lang="ru-RU" sz="3200" dirty="0" smtClean="0">
-              <a:solidFill>
-                <a:schemeClr val="bg1"/>
-              </a:solidFill>
-            </a:endParaRPr>
+              <a:rPr lang="ru-RU" sz="3200" dirty="0" smtClean="0">
+                <a:solidFill>
+                  <a:schemeClr val="bg1"/>
+                </a:solidFill>
+              </a:rPr>
+              <a:t>Литература</a:t>
+            </a:r>
           </a:p>
           <a:p>
             <a:pPr lvl="0"/>
-            <a:endParaRPr lang="ru-RU" dirty="0" smtClean="0">
-              <a:solidFill>
-                <a:schemeClr val="bg1"/>
-              </a:solidFill>
-            </a:endParaRPr>
-          </a:p>
-          <a:p>
             <a:endParaRPr lang="en-US" dirty="0" smtClean="0">
+              <a:solidFill>
+                <a:schemeClr val="bg1"/>
+              </a:solidFill>
+            </a:endParaRPr>
+          </a:p>
+          <a:p>
+            <a:pPr marL="285750" lvl="0" indent="-285750">
+              <a:buFont typeface="Arial" pitchFamily="34" charset="0"/>
+              <a:buChar char="•"/>
+            </a:pPr>
+            <a:r>
+              <a:rPr lang="ru-RU" dirty="0" smtClean="0">
+                <a:solidFill>
+                  <a:schemeClr val="bg1"/>
+                </a:solidFill>
+              </a:rPr>
+              <a:t>CLR </a:t>
+            </a:r>
+            <a:r>
+              <a:rPr lang="ru-RU" dirty="0">
+                <a:solidFill>
+                  <a:schemeClr val="bg1"/>
+                </a:solidFill>
+              </a:rPr>
+              <a:t>via C#. Программирование на платформе Microsoft .NET Framework 4.0 на языке C# (CLR via C#, Third Edition)</a:t>
+            </a:r>
+            <a:br>
+              <a:rPr lang="ru-RU" dirty="0">
+                <a:solidFill>
+                  <a:schemeClr val="bg1"/>
+                </a:solidFill>
+              </a:rPr>
+            </a:br>
+            <a:r>
+              <a:rPr lang="ru-RU" dirty="0">
+                <a:solidFill>
+                  <a:schemeClr val="bg1"/>
+                </a:solidFill>
+              </a:rPr>
+              <a:t>Джеффри Рихтер (Jeffrey Richter)</a:t>
+            </a:r>
+            <a:br>
+              <a:rPr lang="ru-RU" dirty="0">
+                <a:solidFill>
+                  <a:schemeClr val="bg1"/>
+                </a:solidFill>
+              </a:rPr>
+            </a:br>
+            <a:r>
+              <a:rPr lang="ru-RU" u="sng" dirty="0">
+                <a:solidFill>
+                  <a:schemeClr val="bg1"/>
+                </a:solidFill>
+              </a:rPr>
+              <a:t>http://</a:t>
+            </a:r>
+            <a:r>
+              <a:rPr lang="ru-RU" u="sng" dirty="0" smtClean="0">
+                <a:solidFill>
+                  <a:schemeClr val="bg1"/>
+                </a:solidFill>
+              </a:rPr>
+              <a:t>oz.by/books/more1028671.html</a:t>
+            </a:r>
+            <a:r>
+              <a:rPr lang="ru-RU" dirty="0">
+                <a:solidFill>
+                  <a:schemeClr val="bg1"/>
+                </a:solidFill>
+              </a:rPr>
+              <a:t/>
+            </a:r>
+            <a:br>
+              <a:rPr lang="ru-RU" dirty="0">
+                <a:solidFill>
+                  <a:schemeClr val="bg1"/>
+                </a:solidFill>
+              </a:rPr>
+            </a:br>
+            <a:r>
+              <a:rPr lang="ru-RU" u="sng" dirty="0">
+                <a:solidFill>
+                  <a:schemeClr val="bg1"/>
+                </a:solidFill>
+                <a:hlinkClick r:id="rId3"/>
+              </a:rPr>
+              <a:t>http</a:t>
+            </a:r>
+            <a:r>
+              <a:rPr lang="ru-RU" u="sng">
+                <a:solidFill>
+                  <a:schemeClr val="bg1"/>
+                </a:solidFill>
+                <a:hlinkClick r:id="rId3"/>
+              </a:rPr>
+              <a:t>://</a:t>
+            </a:r>
+            <a:r>
+              <a:rPr lang="ru-RU" u="sng" smtClean="0">
+                <a:solidFill>
+                  <a:schemeClr val="bg1"/>
+                </a:solidFill>
+                <a:hlinkClick r:id="rId3"/>
+              </a:rPr>
+              <a:t>www.microsoft.com/learning/en/us/book.aspx?ID=13874&amp;Locale=en-us</a:t>
+            </a:r>
+            <a:r>
+              <a:rPr lang="ru-RU" u="sng" dirty="0" smtClean="0">
+                <a:solidFill>
+                  <a:schemeClr val="bg1"/>
+                </a:solidFill>
+              </a:rPr>
+              <a:t/>
+            </a:r>
+            <a:br>
+              <a:rPr lang="ru-RU" u="sng" dirty="0" smtClean="0">
+                <a:solidFill>
+                  <a:schemeClr val="bg1"/>
+                </a:solidFill>
+              </a:rPr>
+            </a:br>
+            <a:endParaRPr lang="ru-RU" u="sng" dirty="0" smtClean="0">
+              <a:solidFill>
+                <a:schemeClr val="bg1"/>
+              </a:solidFill>
+            </a:endParaRPr>
+          </a:p>
+          <a:p>
+            <a:pPr marL="285750" lvl="0" indent="-285750">
+              <a:buFont typeface="Arial" pitchFamily="34" charset="0"/>
+              <a:buChar char="•"/>
+            </a:pPr>
+            <a:r>
+              <a:rPr lang="ru-RU" dirty="0" smtClean="0">
+                <a:solidFill>
+                  <a:schemeClr val="bg1"/>
+                </a:solidFill>
+              </a:rPr>
+              <a:t>Язык </a:t>
+            </a:r>
+            <a:r>
+              <a:rPr lang="ru-RU" dirty="0">
+                <a:solidFill>
+                  <a:schemeClr val="bg1"/>
+                </a:solidFill>
+              </a:rPr>
+              <a:t>программирования C# 2010 и платформа .NET </a:t>
+            </a:r>
+            <a:r>
+              <a:rPr lang="ru-RU" dirty="0" smtClean="0">
+                <a:solidFill>
+                  <a:schemeClr val="bg1"/>
+                </a:solidFill>
+              </a:rPr>
+              <a:t>4.0</a:t>
+            </a:r>
+            <a:br>
+              <a:rPr lang="ru-RU" dirty="0" smtClean="0">
+                <a:solidFill>
+                  <a:schemeClr val="bg1"/>
+                </a:solidFill>
+              </a:rPr>
+            </a:br>
+            <a:r>
+              <a:rPr lang="ru-RU" dirty="0" smtClean="0">
+                <a:solidFill>
+                  <a:schemeClr val="bg1"/>
+                </a:solidFill>
+              </a:rPr>
+              <a:t>Эндрю </a:t>
+            </a:r>
+            <a:r>
+              <a:rPr lang="ru-RU" dirty="0">
+                <a:solidFill>
+                  <a:schemeClr val="bg1"/>
+                </a:solidFill>
+              </a:rPr>
+              <a:t>Троелсен (Andrew </a:t>
+            </a:r>
+            <a:r>
+              <a:rPr lang="ru-RU" dirty="0" smtClean="0">
+                <a:solidFill>
+                  <a:schemeClr val="bg1"/>
+                </a:solidFill>
+              </a:rPr>
+              <a:t>Troelsen)</a:t>
+            </a:r>
+            <a:br>
+              <a:rPr lang="ru-RU" dirty="0" smtClean="0">
+                <a:solidFill>
+                  <a:schemeClr val="bg1"/>
+                </a:solidFill>
+              </a:rPr>
+            </a:br>
+            <a:r>
+              <a:rPr lang="ru-RU" u="sng" dirty="0" smtClean="0">
+                <a:solidFill>
+                  <a:schemeClr val="bg1"/>
+                </a:solidFill>
+              </a:rPr>
+              <a:t>http</a:t>
+            </a:r>
+            <a:r>
+              <a:rPr lang="ru-RU" u="sng" dirty="0">
+                <a:solidFill>
+                  <a:schemeClr val="bg1"/>
+                </a:solidFill>
+              </a:rPr>
+              <a:t>://oz.by/books/more10158206.html</a:t>
+            </a:r>
+            <a:r>
+              <a:rPr lang="ru-RU" dirty="0">
+                <a:solidFill>
+                  <a:schemeClr val="bg1"/>
+                </a:solidFill>
+              </a:rPr>
+              <a:t/>
+            </a:r>
+            <a:br>
+              <a:rPr lang="ru-RU" dirty="0">
+                <a:solidFill>
+                  <a:schemeClr val="bg1"/>
+                </a:solidFill>
+              </a:rPr>
+            </a:br>
+            <a:r>
+              <a:rPr lang="ru-RU" u="sng" dirty="0">
+                <a:solidFill>
+                  <a:schemeClr val="bg1"/>
+                </a:solidFill>
+              </a:rPr>
+              <a:t>http://</a:t>
+            </a:r>
+            <a:r>
+              <a:rPr lang="ru-RU" u="sng" dirty="0" smtClean="0">
+                <a:solidFill>
+                  <a:schemeClr val="bg1"/>
+                </a:solidFill>
+              </a:rPr>
+              <a:t>www.apress.com/9781430225492</a:t>
+            </a:r>
+            <a:br>
+              <a:rPr lang="ru-RU" u="sng" dirty="0" smtClean="0">
+                <a:solidFill>
+                  <a:schemeClr val="bg1"/>
+                </a:solidFill>
+              </a:rPr>
+            </a:br>
+            <a:endParaRPr lang="ru-RU" u="sng" dirty="0" smtClean="0">
+              <a:solidFill>
+                <a:schemeClr val="bg1"/>
+              </a:solidFill>
+            </a:endParaRPr>
+          </a:p>
+          <a:p>
+            <a:pPr marL="285750" lvl="0" indent="-285750">
+              <a:buFont typeface="Arial" pitchFamily="34" charset="0"/>
+              <a:buChar char="•"/>
+            </a:pPr>
+            <a:r>
+              <a:rPr lang="en-US" dirty="0" smtClean="0">
+                <a:solidFill>
+                  <a:schemeClr val="bg1"/>
+                </a:solidFill>
+              </a:rPr>
+              <a:t>C</a:t>
+            </a:r>
+            <a:r>
+              <a:rPr lang="en-US" dirty="0">
+                <a:solidFill>
+                  <a:schemeClr val="bg1"/>
+                </a:solidFill>
+              </a:rPr>
+              <a:t># Language </a:t>
+            </a:r>
+            <a:r>
+              <a:rPr lang="en-US" dirty="0" smtClean="0">
+                <a:solidFill>
+                  <a:schemeClr val="bg1"/>
+                </a:solidFill>
+              </a:rPr>
+              <a:t>Specification</a:t>
+            </a:r>
+            <a:r>
+              <a:rPr lang="ru-RU" dirty="0" smtClean="0">
+                <a:solidFill>
+                  <a:schemeClr val="bg1"/>
+                </a:solidFill>
+              </a:rPr>
+              <a:t/>
+            </a:r>
+            <a:br>
+              <a:rPr lang="ru-RU" dirty="0" smtClean="0">
+                <a:solidFill>
+                  <a:schemeClr val="bg1"/>
+                </a:solidFill>
+              </a:rPr>
+            </a:br>
+            <a:r>
+              <a:rPr lang="en-US" dirty="0" smtClean="0">
+                <a:solidFill>
+                  <a:schemeClr val="bg1"/>
+                </a:solidFill>
+              </a:rPr>
+              <a:t>"C</a:t>
+            </a:r>
+            <a:r>
+              <a:rPr lang="en-US" dirty="0">
+                <a:solidFill>
+                  <a:schemeClr val="bg1"/>
+                </a:solidFill>
+              </a:rPr>
+              <a:t>:\Program Files (x86)\Microsoft Visual Studio 11.0\VC#\Specifications\1033\ </a:t>
+            </a:r>
+            <a:r>
+              <a:rPr lang="en-US" dirty="0" err="1">
+                <a:solidFill>
+                  <a:schemeClr val="bg1"/>
+                </a:solidFill>
+              </a:rPr>
+              <a:t>CSharp</a:t>
+            </a:r>
+            <a:r>
+              <a:rPr lang="en-US" dirty="0">
+                <a:solidFill>
+                  <a:schemeClr val="bg1"/>
+                </a:solidFill>
+              </a:rPr>
+              <a:t> Language Specification.doc </a:t>
+            </a:r>
+            <a:r>
+              <a:rPr lang="en-US" dirty="0" smtClean="0">
+                <a:solidFill>
+                  <a:schemeClr val="bg1"/>
+                </a:solidFill>
+              </a:rPr>
+              <a:t>"</a:t>
+            </a:r>
+            <a:endParaRPr lang="en-US" dirty="0">
               <a:solidFill>
                 <a:schemeClr val="bg1"/>
               </a:solidFill>
@@ -28444,43 +31267,10 @@
           </a:p>
         </p:txBody>
       </p:sp>
-      <p:pic>
-        <p:nvPicPr>
-          <p:cNvPr id="4" name="Picture 3" descr="Managed code within a larger architecture"/>
-          <p:cNvPicPr/>
-          <p:nvPr/>
-        </p:nvPicPr>
-        <p:blipFill>
-          <a:blip r:embed="rId3">
-            <a:extLst>
-              <a:ext uri="{28A0092B-C50C-407E-A947-70E740481C1C}">
-                <a14:useLocalDpi xmlns:a14="http://schemas.microsoft.com/office/drawing/2010/main" val="0"/>
-              </a:ext>
-            </a:extLst>
-          </a:blip>
-          <a:srcRect/>
-          <a:stretch>
-            <a:fillRect/>
-          </a:stretch>
-        </p:blipFill>
-        <p:spPr bwMode="auto">
-          <a:xfrm>
-            <a:off x="2147887" y="1359120"/>
-            <a:ext cx="4848225" cy="4448175"/>
-          </a:xfrm>
-          <a:prstGeom prst="rect">
-            <a:avLst/>
-          </a:prstGeom>
-          <a:noFill/>
-          <a:ln>
-            <a:noFill/>
-          </a:ln>
-        </p:spPr>
-      </p:pic>
     </p:spTree>
     <p:extLst>
       <p:ext uri="{BB962C8B-B14F-4D97-AF65-F5344CB8AC3E}">
-        <p14:creationId xmlns:p14="http://schemas.microsoft.com/office/powerpoint/2010/main" val="1986342191"/>
+        <p14:creationId xmlns:p14="http://schemas.microsoft.com/office/powerpoint/2010/main" val="1661701209"/>
       </p:ext>
     </p:extLst>
   </p:cSld>
@@ -28537,7 +31327,7 @@
         <p:spPr>
           <a:xfrm>
             <a:off x="251520" y="188640"/>
-            <a:ext cx="8640960" cy="1138773"/>
+            <a:ext cx="8640960" cy="3077766"/>
           </a:xfrm>
           <a:prstGeom prst="rect">
             <a:avLst/>
@@ -28556,24 +31346,215 @@
                   <a:schemeClr val="bg1"/>
                 </a:solidFill>
               </a:rPr>
-              <a:t>Версии </a:t>
-            </a:r>
-            <a:r>
-              <a:rPr lang="en-US" sz="3200" dirty="0" smtClean="0">
-                <a:solidFill>
-                  <a:schemeClr val="bg1"/>
-                </a:solidFill>
-              </a:rPr>
-              <a:t>.NET Framework</a:t>
-            </a:r>
-            <a:endParaRPr lang="ru-RU" sz="3200" dirty="0" smtClean="0">
-              <a:solidFill>
-                <a:schemeClr val="bg1"/>
-              </a:solidFill>
-            </a:endParaRPr>
-          </a:p>
-          <a:p>
-            <a:pPr lvl="0"/>
+              <a:t>Ссылки</a:t>
+            </a:r>
+            <a:endParaRPr lang="en-US" sz="3200" dirty="0" smtClean="0">
+              <a:solidFill>
+                <a:schemeClr val="bg1"/>
+              </a:solidFill>
+            </a:endParaRPr>
+          </a:p>
+          <a:p>
+            <a:pPr marL="742950" lvl="1" indent="-285750">
+              <a:buFont typeface="Arial" pitchFamily="34" charset="0"/>
+              <a:buChar char="•"/>
+            </a:pPr>
+            <a:r>
+              <a:rPr lang="en-US" dirty="0" smtClean="0">
+                <a:solidFill>
+                  <a:schemeClr val="bg1"/>
+                </a:solidFill>
+              </a:rPr>
+              <a:t>Microsoft Developer Network</a:t>
+            </a:r>
+            <a:r>
+              <a:rPr lang="ru-RU" dirty="0" smtClean="0">
+                <a:solidFill>
+                  <a:schemeClr val="bg1"/>
+                </a:solidFill>
+              </a:rPr>
+              <a:t> - </a:t>
+            </a:r>
+            <a:r>
+              <a:rPr lang="en-US" u="sng" dirty="0" smtClean="0">
+                <a:solidFill>
+                  <a:schemeClr val="bg1"/>
+                </a:solidFill>
+                <a:hlinkClick r:id="rId3"/>
+              </a:rPr>
+              <a:t>http</a:t>
+            </a:r>
+            <a:r>
+              <a:rPr lang="en-US" u="sng" dirty="0">
+                <a:solidFill>
+                  <a:schemeClr val="bg1"/>
+                </a:solidFill>
+                <a:hlinkClick r:id="rId3"/>
+              </a:rPr>
+              <a:t>://</a:t>
+            </a:r>
+            <a:r>
+              <a:rPr lang="en-US" u="sng" dirty="0" smtClean="0">
+                <a:solidFill>
+                  <a:schemeClr val="bg1"/>
+                </a:solidFill>
+                <a:hlinkClick r:id="rId3"/>
+              </a:rPr>
+              <a:t>msdn.microsoft.com/ru-ru/</a:t>
+            </a:r>
+            <a:endParaRPr lang="en-US" u="sng" dirty="0" smtClean="0">
+              <a:solidFill>
+                <a:schemeClr val="bg1"/>
+              </a:solidFill>
+            </a:endParaRPr>
+          </a:p>
+          <a:p>
+            <a:pPr marL="742950" lvl="1" indent="-285750">
+              <a:buFont typeface="Arial" pitchFamily="34" charset="0"/>
+              <a:buChar char="•"/>
+            </a:pPr>
+            <a:r>
+              <a:rPr lang="en-US" u="sng" dirty="0" smtClean="0">
+                <a:solidFill>
+                  <a:schemeClr val="bg1"/>
+                </a:solidFill>
+                <a:hlinkClick r:id="rId4"/>
+              </a:rPr>
+              <a:t>http</a:t>
+            </a:r>
+            <a:r>
+              <a:rPr lang="en-US" u="sng" dirty="0">
+                <a:solidFill>
+                  <a:schemeClr val="bg1"/>
+                </a:solidFill>
+                <a:hlinkClick r:id="rId4"/>
+              </a:rPr>
+              <a:t>://</a:t>
+            </a:r>
+            <a:r>
+              <a:rPr lang="en-US" u="sng" dirty="0" smtClean="0">
+                <a:solidFill>
+                  <a:schemeClr val="bg1"/>
+                </a:solidFill>
+                <a:hlinkClick r:id="rId4"/>
+              </a:rPr>
+              <a:t>www.asp.net/</a:t>
+            </a:r>
+            <a:endParaRPr lang="ru-RU" u="sng" dirty="0" smtClean="0">
+              <a:solidFill>
+                <a:schemeClr val="bg1"/>
+              </a:solidFill>
+            </a:endParaRPr>
+          </a:p>
+          <a:p>
+            <a:pPr marL="742950" lvl="1" indent="-285750">
+              <a:buFont typeface="Arial" pitchFamily="34" charset="0"/>
+              <a:buChar char="•"/>
+            </a:pPr>
+            <a:r>
+              <a:rPr lang="en-US" u="sng" dirty="0" smtClean="0">
+                <a:solidFill>
+                  <a:schemeClr val="bg1"/>
+                </a:solidFill>
+                <a:hlinkClick r:id="rId5"/>
+              </a:rPr>
+              <a:t>http</a:t>
+            </a:r>
+            <a:r>
+              <a:rPr lang="en-US" u="sng" dirty="0">
+                <a:solidFill>
+                  <a:schemeClr val="bg1"/>
+                </a:solidFill>
+                <a:hlinkClick r:id="rId5"/>
+              </a:rPr>
+              <a:t>://</a:t>
+            </a:r>
+            <a:r>
+              <a:rPr lang="en-US" u="sng" dirty="0" smtClean="0">
+                <a:solidFill>
+                  <a:schemeClr val="bg1"/>
+                </a:solidFill>
+                <a:hlinkClick r:id="rId5"/>
+              </a:rPr>
+              <a:t>channel9.msdn.com/</a:t>
+            </a:r>
+            <a:endParaRPr lang="ru-RU" u="sng" dirty="0" smtClean="0">
+              <a:solidFill>
+                <a:schemeClr val="bg1"/>
+              </a:solidFill>
+            </a:endParaRPr>
+          </a:p>
+          <a:p>
+            <a:pPr marL="742950" lvl="1" indent="-285750">
+              <a:buFont typeface="Arial" pitchFamily="34" charset="0"/>
+              <a:buChar char="•"/>
+            </a:pPr>
+            <a:r>
+              <a:rPr lang="ru-RU" dirty="0" smtClean="0">
+                <a:solidFill>
+                  <a:schemeClr val="bg1"/>
+                </a:solidFill>
+              </a:rPr>
+              <a:t>С</a:t>
+            </a:r>
+            <a:r>
+              <a:rPr lang="en-US" dirty="0" smtClean="0">
+                <a:solidFill>
+                  <a:schemeClr val="bg1"/>
+                </a:solidFill>
+              </a:rPr>
+              <a:t># Little Wonders</a:t>
+            </a:r>
+            <a:r>
+              <a:rPr lang="ru-RU" dirty="0" smtClean="0">
+                <a:solidFill>
+                  <a:schemeClr val="bg1"/>
+                </a:solidFill>
+              </a:rPr>
+              <a:t> -</a:t>
+            </a:r>
+            <a:r>
+              <a:rPr lang="en-US" dirty="0" smtClean="0">
+                <a:solidFill>
+                  <a:schemeClr val="bg1"/>
+                </a:solidFill>
+              </a:rPr>
+              <a:t> </a:t>
+            </a:r>
+            <a:r>
+              <a:rPr lang="en-US" dirty="0" smtClean="0">
+                <a:solidFill>
+                  <a:schemeClr val="bg1"/>
+                </a:solidFill>
+                <a:hlinkClick r:id="rId6"/>
+              </a:rPr>
+              <a:t>http</a:t>
+            </a:r>
+            <a:r>
+              <a:rPr lang="en-US" dirty="0">
+                <a:solidFill>
+                  <a:schemeClr val="bg1"/>
+                </a:solidFill>
+                <a:hlinkClick r:id="rId6"/>
+              </a:rPr>
+              <a:t>://</a:t>
+            </a:r>
+            <a:r>
+              <a:rPr lang="en-US" dirty="0" smtClean="0">
+                <a:solidFill>
+                  <a:schemeClr val="bg1"/>
+                </a:solidFill>
+                <a:hlinkClick r:id="rId6"/>
+              </a:rPr>
+              <a:t>blackrabbitcoder.net/category/11989.aspx</a:t>
+            </a:r>
+            <a:endParaRPr lang="en-US" dirty="0" smtClean="0">
+              <a:solidFill>
+                <a:schemeClr val="bg1"/>
+              </a:solidFill>
+            </a:endParaRPr>
+          </a:p>
+          <a:p>
             <a:endParaRPr lang="ru-RU" dirty="0" smtClean="0">
               <a:solidFill>
                 <a:schemeClr val="bg1"/>
@@ -28581,7 +31562,145 @@
             </a:endParaRPr>
           </a:p>
           <a:p>
+            <a:r>
+              <a:rPr lang="ru-RU" dirty="0" smtClean="0">
+                <a:solidFill>
+                  <a:schemeClr val="bg1"/>
+                </a:solidFill>
+              </a:rPr>
+              <a:t>Форумы:</a:t>
+            </a:r>
+          </a:p>
+          <a:p>
+            <a:pPr marL="742950" lvl="1" indent="-285750">
+              <a:buFont typeface="Arial" pitchFamily="34" charset="0"/>
+              <a:buChar char="•"/>
+            </a:pPr>
+            <a:r>
+              <a:rPr lang="en-US" dirty="0" smtClean="0">
+                <a:solidFill>
+                  <a:schemeClr val="bg1"/>
+                </a:solidFill>
+              </a:rPr>
+              <a:t>[RUS</a:t>
+            </a:r>
+            <a:r>
+              <a:rPr lang="en-US" dirty="0">
+                <a:solidFill>
+                  <a:schemeClr val="bg1"/>
+                </a:solidFill>
+              </a:rPr>
+              <a:t>] </a:t>
+            </a:r>
+            <a:r>
+              <a:rPr lang="en-US" dirty="0">
+                <a:solidFill>
+                  <a:schemeClr val="bg1"/>
+                </a:solidFill>
+                <a:hlinkClick r:id="rId7"/>
+              </a:rPr>
+              <a:t>http://www.rsdn.ru</a:t>
+            </a:r>
+            <a:r>
+              <a:rPr lang="en-US" dirty="0" smtClean="0">
+                <a:solidFill>
+                  <a:schemeClr val="bg1"/>
+                </a:solidFill>
+                <a:hlinkClick r:id="rId7"/>
+              </a:rPr>
+              <a:t>/</a:t>
+            </a:r>
+            <a:endParaRPr lang="ru-RU" dirty="0" smtClean="0">
+              <a:solidFill>
+                <a:schemeClr val="bg1"/>
+              </a:solidFill>
+            </a:endParaRPr>
+          </a:p>
+          <a:p>
+            <a:pPr marL="742950" lvl="1" indent="-285750">
+              <a:buFont typeface="Arial" pitchFamily="34" charset="0"/>
+              <a:buChar char="•"/>
+            </a:pPr>
+            <a:r>
+              <a:rPr lang="en-US" dirty="0">
+                <a:solidFill>
+                  <a:schemeClr val="bg1"/>
+                </a:solidFill>
+              </a:rPr>
+              <a:t>[RUS</a:t>
+            </a:r>
+            <a:r>
+              <a:rPr lang="en-US" dirty="0" smtClean="0">
+                <a:solidFill>
+                  <a:schemeClr val="bg1"/>
+                </a:solidFill>
+              </a:rPr>
+              <a:t>]</a:t>
+            </a:r>
+            <a:r>
+              <a:rPr lang="ru-RU" dirty="0" smtClean="0">
+                <a:solidFill>
+                  <a:schemeClr val="bg1"/>
+                </a:solidFill>
+              </a:rPr>
+              <a:t> </a:t>
+            </a:r>
+            <a:r>
+              <a:rPr lang="en-US" dirty="0">
+                <a:solidFill>
+                  <a:schemeClr val="bg1"/>
+                </a:solidFill>
+                <a:hlinkClick r:id="rId8"/>
+              </a:rPr>
+              <a:t>www.sql.ru/forum</a:t>
+            </a:r>
+            <a:r>
+              <a:rPr lang="en-US" dirty="0" smtClean="0">
+                <a:solidFill>
+                  <a:schemeClr val="bg1"/>
+                </a:solidFill>
+                <a:hlinkClick r:id="rId8"/>
+              </a:rPr>
+              <a:t>/</a:t>
+            </a:r>
             <a:endParaRPr lang="en-US" dirty="0" smtClean="0">
+              <a:solidFill>
+                <a:schemeClr val="bg1"/>
+              </a:solidFill>
+            </a:endParaRPr>
+          </a:p>
+          <a:p>
+            <a:pPr marL="742950" lvl="1" indent="-285750">
+              <a:buFont typeface="Arial" pitchFamily="34" charset="0"/>
+              <a:buChar char="•"/>
+            </a:pPr>
+            <a:r>
+              <a:rPr lang="en-US" dirty="0">
+                <a:solidFill>
+                  <a:schemeClr val="bg1"/>
+                </a:solidFill>
+              </a:rPr>
+              <a:t>[ENG] </a:t>
+            </a:r>
+            <a:r>
+              <a:rPr lang="en-US" dirty="0">
+                <a:solidFill>
+                  <a:schemeClr val="bg1"/>
+                </a:solidFill>
+                <a:hlinkClick r:id="rId9"/>
+              </a:rPr>
+              <a:t>http://stackoverflow.com</a:t>
+            </a:r>
+            <a:r>
+              <a:rPr lang="en-US" dirty="0" smtClean="0">
+                <a:solidFill>
+                  <a:schemeClr val="bg1"/>
+                </a:solidFill>
+                <a:hlinkClick r:id="rId9"/>
+              </a:rPr>
+              <a:t>/</a:t>
+            </a:r>
+            <a:endParaRPr lang="en-US" dirty="0">
               <a:solidFill>
                 <a:schemeClr val="bg1"/>
               </a:solidFill>
@@ -28589,2758 +31708,10 @@
           </a:p>
         </p:txBody>
       </p:sp>
-      <p:graphicFrame>
-        <p:nvGraphicFramePr>
-          <p:cNvPr id="6" name="Table 5"/>
-          <p:cNvGraphicFramePr>
-            <a:graphicFrameLocks noGrp="1"/>
-          </p:cNvGraphicFramePr>
-          <p:nvPr>
-            <p:extLst>
-              <p:ext uri="{D42A27DB-BD31-4B8C-83A1-F6EECF244321}">
-                <p14:modId xmlns:p14="http://schemas.microsoft.com/office/powerpoint/2010/main" val="3402533746"/>
-              </p:ext>
-            </p:extLst>
-          </p:nvPr>
-        </p:nvGraphicFramePr>
-        <p:xfrm>
-          <a:off x="323528" y="1495322"/>
-          <a:ext cx="8496944" cy="4525966"/>
-        </p:xfrm>
-        <a:graphic>
-          <a:graphicData uri="http://schemas.openxmlformats.org/drawingml/2006/table">
-            <a:tbl>
-              <a:tblPr/>
-              <a:tblGrid>
-                <a:gridCol w="936104"/>
-                <a:gridCol w="1944216"/>
-                <a:gridCol w="1440160"/>
-                <a:gridCol w="1656184"/>
-                <a:gridCol w="2520280"/>
-              </a:tblGrid>
-              <a:tr h="428132">
-                <a:tc>
-                  <a:txBody>
-                    <a:bodyPr/>
-                    <a:lstStyle/>
-                    <a:p>
-                      <a:r>
-                        <a:rPr lang="ru-RU" sz="1200" b="1" dirty="0" smtClean="0">
-                          <a:solidFill>
-                            <a:schemeClr val="accent1"/>
-                          </a:solidFill>
-                        </a:rPr>
-                        <a:t>Версия</a:t>
-                      </a:r>
-                      <a:r>
-                        <a:rPr lang="ru-RU" sz="1200" b="1" baseline="0" dirty="0" smtClean="0">
-                          <a:solidFill>
-                            <a:schemeClr val="accent1"/>
-                          </a:solidFill>
-                        </a:rPr>
-                        <a:t> </a:t>
-                      </a:r>
-                      <a:r>
-                        <a:rPr lang="en-US" sz="1200" b="1" baseline="0" dirty="0" smtClean="0">
-                          <a:solidFill>
-                            <a:schemeClr val="accent1"/>
-                          </a:solidFill>
-                        </a:rPr>
-                        <a:t>.NET</a:t>
-                      </a:r>
-                      <a:endParaRPr lang="en-US" sz="1200" b="1" dirty="0">
-                        <a:solidFill>
-                          <a:schemeClr val="accent1"/>
-                        </a:solidFill>
-                      </a:endParaRPr>
-                    </a:p>
-                  </a:txBody>
-                  <a:tcPr marL="61162" marR="61162" marT="30581" marB="30581" anchor="ctr">
-                    <a:lnL w="12700" cap="flat" cmpd="sng" algn="ctr">
-                      <a:solidFill>
-                        <a:schemeClr val="bg1"/>
-                      </a:solidFill>
-                      <a:prstDash val="solid"/>
-                      <a:round/>
-                      <a:headEnd type="none" w="med" len="med"/>
-                      <a:tailEnd type="none" w="med" len="med"/>
-                    </a:lnL>
-                    <a:lnR w="12700" cap="flat" cmpd="sng" algn="ctr">
-                      <a:solidFill>
-                        <a:schemeClr val="bg1"/>
-                      </a:solidFill>
-                      <a:prstDash val="solid"/>
-                      <a:round/>
-                      <a:headEnd type="none" w="med" len="med"/>
-                      <a:tailEnd type="none" w="med" len="med"/>
-                    </a:lnR>
-                    <a:lnT w="12700" cap="flat" cmpd="sng" algn="ctr">
-                      <a:solidFill>
-                        <a:schemeClr val="bg1"/>
-                      </a:solidFill>
-                      <a:prstDash val="solid"/>
-                      <a:round/>
-                      <a:headEnd type="none" w="med" len="med"/>
-                      <a:tailEnd type="none" w="med" len="med"/>
-                    </a:lnT>
-                    <a:lnB w="12700" cap="flat" cmpd="sng" algn="ctr">
-                      <a:solidFill>
-                        <a:schemeClr val="bg1"/>
-                      </a:solidFill>
-                      <a:prstDash val="solid"/>
-                      <a:round/>
-                      <a:headEnd type="none" w="med" len="med"/>
-                      <a:tailEnd type="none" w="med" len="med"/>
-                    </a:lnB>
-                    <a:lnTlToBr w="12700" cmpd="sng">
-                      <a:noFill/>
-                      <a:prstDash val="solid"/>
-                    </a:lnTlToBr>
-                    <a:lnBlToTr w="12700" cmpd="sng">
-                      <a:noFill/>
-                      <a:prstDash val="solid"/>
-                    </a:lnBlToTr>
-                    <a:solidFill>
-                      <a:schemeClr val="bg1"/>
-                    </a:solidFill>
-                  </a:tcPr>
-                </a:tc>
-                <a:tc>
-                  <a:txBody>
-                    <a:bodyPr/>
-                    <a:lstStyle/>
-                    <a:p>
-                      <a:r>
-                        <a:rPr lang="ru-RU" sz="1200" b="1" dirty="0" smtClean="0">
-                          <a:solidFill>
-                            <a:schemeClr val="accent1"/>
-                          </a:solidFill>
-                        </a:rPr>
-                        <a:t>Номер версии</a:t>
-                      </a:r>
-                      <a:endParaRPr lang="en-US" sz="1200" b="1" dirty="0">
-                        <a:solidFill>
-                          <a:schemeClr val="accent1"/>
-                        </a:solidFill>
-                      </a:endParaRPr>
-                    </a:p>
-                  </a:txBody>
-                  <a:tcPr marL="61162" marR="61162" marT="30581" marB="30581" anchor="ctr">
-                    <a:lnL w="12700" cap="flat" cmpd="sng" algn="ctr">
-                      <a:solidFill>
-                        <a:schemeClr val="bg1"/>
-                      </a:solidFill>
-                      <a:prstDash val="solid"/>
-                      <a:round/>
-                      <a:headEnd type="none" w="med" len="med"/>
-                      <a:tailEnd type="none" w="med" len="med"/>
-                    </a:lnL>
-                    <a:lnR w="12700" cap="flat" cmpd="sng" algn="ctr">
-                      <a:solidFill>
-                        <a:schemeClr val="bg1"/>
-                      </a:solidFill>
-                      <a:prstDash val="solid"/>
-                      <a:round/>
-                      <a:headEnd type="none" w="med" len="med"/>
-                      <a:tailEnd type="none" w="med" len="med"/>
-                    </a:lnR>
-                    <a:lnT w="12700" cap="flat" cmpd="sng" algn="ctr">
-                      <a:solidFill>
-                        <a:schemeClr val="bg1"/>
-                      </a:solidFill>
-                      <a:prstDash val="solid"/>
-                      <a:round/>
-                      <a:headEnd type="none" w="med" len="med"/>
-                      <a:tailEnd type="none" w="med" len="med"/>
-                    </a:lnT>
-                    <a:lnB w="12700" cap="flat" cmpd="sng" algn="ctr">
-                      <a:solidFill>
-                        <a:schemeClr val="bg1"/>
-                      </a:solidFill>
-                      <a:prstDash val="solid"/>
-                      <a:round/>
-                      <a:headEnd type="none" w="med" len="med"/>
-                      <a:tailEnd type="none" w="med" len="med"/>
-                    </a:lnB>
-                    <a:lnTlToBr w="12700" cmpd="sng">
-                      <a:noFill/>
-                      <a:prstDash val="solid"/>
-                    </a:lnTlToBr>
-                    <a:lnBlToTr w="12700" cmpd="sng">
-                      <a:noFill/>
-                      <a:prstDash val="solid"/>
-                    </a:lnBlToTr>
-                    <a:solidFill>
-                      <a:schemeClr val="bg1"/>
-                    </a:solidFill>
-                  </a:tcPr>
-                </a:tc>
-                <a:tc>
-                  <a:txBody>
-                    <a:bodyPr/>
-                    <a:lstStyle/>
-                    <a:p>
-                      <a:r>
-                        <a:rPr lang="ru-RU" sz="1200" b="1" dirty="0" smtClean="0">
-                          <a:solidFill>
-                            <a:schemeClr val="accent1"/>
-                          </a:solidFill>
-                        </a:rPr>
-                        <a:t>Дата выхода</a:t>
-                      </a:r>
-                      <a:endParaRPr lang="en-US" sz="1200" b="1" dirty="0">
-                        <a:solidFill>
-                          <a:schemeClr val="accent1"/>
-                        </a:solidFill>
-                      </a:endParaRPr>
-                    </a:p>
-                  </a:txBody>
-                  <a:tcPr marL="61162" marR="61162" marT="30581" marB="30581" anchor="ctr">
-                    <a:lnL w="12700" cap="flat" cmpd="sng" algn="ctr">
-                      <a:solidFill>
-                        <a:schemeClr val="bg1"/>
-                      </a:solidFill>
-                      <a:prstDash val="solid"/>
-                      <a:round/>
-                      <a:headEnd type="none" w="med" len="med"/>
-                      <a:tailEnd type="none" w="med" len="med"/>
-                    </a:lnL>
-                    <a:lnR w="12700" cap="flat" cmpd="sng" algn="ctr">
-                      <a:solidFill>
-                        <a:schemeClr val="bg1"/>
-                      </a:solidFill>
-                      <a:prstDash val="solid"/>
-                      <a:round/>
-                      <a:headEnd type="none" w="med" len="med"/>
-                      <a:tailEnd type="none" w="med" len="med"/>
-                    </a:lnR>
-                    <a:lnT w="12700" cap="flat" cmpd="sng" algn="ctr">
-                      <a:solidFill>
-                        <a:schemeClr val="bg1"/>
-                      </a:solidFill>
-                      <a:prstDash val="solid"/>
-                      <a:round/>
-                      <a:headEnd type="none" w="med" len="med"/>
-                      <a:tailEnd type="none" w="med" len="med"/>
-                    </a:lnT>
-                    <a:lnB w="12700" cap="flat" cmpd="sng" algn="ctr">
-                      <a:solidFill>
-                        <a:schemeClr val="bg1"/>
-                      </a:solidFill>
-                      <a:prstDash val="solid"/>
-                      <a:round/>
-                      <a:headEnd type="none" w="med" len="med"/>
-                      <a:tailEnd type="none" w="med" len="med"/>
-                    </a:lnB>
-                    <a:lnTlToBr w="12700" cmpd="sng">
-                      <a:noFill/>
-                      <a:prstDash val="solid"/>
-                    </a:lnTlToBr>
-                    <a:lnBlToTr w="12700" cmpd="sng">
-                      <a:noFill/>
-                      <a:prstDash val="solid"/>
-                    </a:lnBlToTr>
-                    <a:solidFill>
-                      <a:schemeClr val="bg1"/>
-                    </a:solidFill>
-                  </a:tcPr>
-                </a:tc>
-                <a:tc>
-                  <a:txBody>
-                    <a:bodyPr/>
-                    <a:lstStyle/>
-                    <a:p>
-                      <a:r>
-                        <a:rPr lang="en-US" sz="1200" b="1" dirty="0">
-                          <a:solidFill>
-                            <a:schemeClr val="accent1"/>
-                          </a:solidFill>
-                        </a:rPr>
-                        <a:t>Visual Studio</a:t>
-                      </a:r>
-                    </a:p>
-                  </a:txBody>
-                  <a:tcPr marL="61162" marR="61162" marT="30581" marB="30581" anchor="ctr">
-                    <a:lnL w="12700" cap="flat" cmpd="sng" algn="ctr">
-                      <a:solidFill>
-                        <a:schemeClr val="bg1"/>
-                      </a:solidFill>
-                      <a:prstDash val="solid"/>
-                      <a:round/>
-                      <a:headEnd type="none" w="med" len="med"/>
-                      <a:tailEnd type="none" w="med" len="med"/>
-                    </a:lnL>
-                    <a:lnR w="12700" cap="flat" cmpd="sng" algn="ctr">
-                      <a:solidFill>
-                        <a:schemeClr val="bg1"/>
-                      </a:solidFill>
-                      <a:prstDash val="solid"/>
-                      <a:round/>
-                      <a:headEnd type="none" w="med" len="med"/>
-                      <a:tailEnd type="none" w="med" len="med"/>
-                    </a:lnR>
-                    <a:lnT w="12700" cap="flat" cmpd="sng" algn="ctr">
-                      <a:solidFill>
-                        <a:schemeClr val="bg1"/>
-                      </a:solidFill>
-                      <a:prstDash val="solid"/>
-                      <a:round/>
-                      <a:headEnd type="none" w="med" len="med"/>
-                      <a:tailEnd type="none" w="med" len="med"/>
-                    </a:lnT>
-                    <a:lnB w="12700" cap="flat" cmpd="sng" algn="ctr">
-                      <a:solidFill>
-                        <a:schemeClr val="bg1"/>
-                      </a:solidFill>
-                      <a:prstDash val="solid"/>
-                      <a:round/>
-                      <a:headEnd type="none" w="med" len="med"/>
-                      <a:tailEnd type="none" w="med" len="med"/>
-                    </a:lnB>
-                    <a:lnTlToBr w="12700" cmpd="sng">
-                      <a:noFill/>
-                      <a:prstDash val="solid"/>
-                    </a:lnTlToBr>
-                    <a:lnBlToTr w="12700" cmpd="sng">
-                      <a:noFill/>
-                      <a:prstDash val="solid"/>
-                    </a:lnBlToTr>
-                    <a:solidFill>
-                      <a:schemeClr val="bg1"/>
-                    </a:solidFill>
-                  </a:tcPr>
-                </a:tc>
-                <a:tc>
-                  <a:txBody>
-                    <a:bodyPr/>
-                    <a:lstStyle/>
-                    <a:p>
-                      <a:r>
-                        <a:rPr lang="en-US" sz="1200" b="1" dirty="0">
-                          <a:solidFill>
-                            <a:schemeClr val="accent1"/>
-                          </a:solidFill>
-                        </a:rPr>
-                        <a:t>Default in Windows</a:t>
-                      </a:r>
-                    </a:p>
-                  </a:txBody>
-                  <a:tcPr marL="61162" marR="61162" marT="30581" marB="30581" anchor="ctr">
-                    <a:lnL w="12700" cap="flat" cmpd="sng" algn="ctr">
-                      <a:solidFill>
-                        <a:schemeClr val="bg1"/>
-                      </a:solidFill>
-                      <a:prstDash val="solid"/>
-                      <a:round/>
-                      <a:headEnd type="none" w="med" len="med"/>
-                      <a:tailEnd type="none" w="med" len="med"/>
-                    </a:lnL>
-                    <a:lnR w="12700" cap="flat" cmpd="sng" algn="ctr">
-                      <a:solidFill>
-                        <a:schemeClr val="bg1"/>
-                      </a:solidFill>
-                      <a:prstDash val="solid"/>
-                      <a:round/>
-                      <a:headEnd type="none" w="med" len="med"/>
-                      <a:tailEnd type="none" w="med" len="med"/>
-                    </a:lnR>
-                    <a:lnT w="12700" cap="flat" cmpd="sng" algn="ctr">
-                      <a:solidFill>
-                        <a:schemeClr val="bg1"/>
-                      </a:solidFill>
-                      <a:prstDash val="solid"/>
-                      <a:round/>
-                      <a:headEnd type="none" w="med" len="med"/>
-                      <a:tailEnd type="none" w="med" len="med"/>
-                    </a:lnT>
-                    <a:lnB w="12700" cap="flat" cmpd="sng" algn="ctr">
-                      <a:solidFill>
-                        <a:schemeClr val="bg1"/>
-                      </a:solidFill>
-                      <a:prstDash val="solid"/>
-                      <a:round/>
-                      <a:headEnd type="none" w="med" len="med"/>
-                      <a:tailEnd type="none" w="med" len="med"/>
-                    </a:lnB>
-                    <a:lnTlToBr w="12700" cmpd="sng">
-                      <a:noFill/>
-                      <a:prstDash val="solid"/>
-                    </a:lnTlToBr>
-                    <a:lnBlToTr w="12700" cmpd="sng">
-                      <a:noFill/>
-                      <a:prstDash val="solid"/>
-                    </a:lnBlToTr>
-                    <a:solidFill>
-                      <a:schemeClr val="bg1"/>
-                    </a:solidFill>
-                  </a:tcPr>
-                </a:tc>
-              </a:tr>
-              <a:tr h="795102">
-                <a:tc>
-                  <a:txBody>
-                    <a:bodyPr/>
-                    <a:lstStyle/>
-                    <a:p>
-                      <a:r>
-                        <a:rPr lang="en-US" sz="1200" dirty="0">
-                          <a:solidFill>
-                            <a:schemeClr val="bg1"/>
-                          </a:solidFill>
-                        </a:rPr>
-                        <a:t>1.0</a:t>
-                      </a:r>
-                    </a:p>
-                  </a:txBody>
-                  <a:tcPr marL="61162" marR="61162" marT="30581" marB="30581" anchor="ctr">
-                    <a:lnL w="12700" cap="flat" cmpd="sng" algn="ctr">
-                      <a:solidFill>
-                        <a:schemeClr val="bg1"/>
-                      </a:solidFill>
-                      <a:prstDash val="solid"/>
-                      <a:round/>
-                      <a:headEnd type="none" w="med" len="med"/>
-                      <a:tailEnd type="none" w="med" len="med"/>
-                    </a:lnL>
-                    <a:lnR w="12700" cap="flat" cmpd="sng" algn="ctr">
-                      <a:solidFill>
-                        <a:schemeClr val="bg1"/>
-                      </a:solidFill>
-                      <a:prstDash val="solid"/>
-                      <a:round/>
-                      <a:headEnd type="none" w="med" len="med"/>
-                      <a:tailEnd type="none" w="med" len="med"/>
-                    </a:lnR>
-                    <a:lnT w="12700" cap="flat" cmpd="sng" algn="ctr">
-                      <a:solidFill>
-                        <a:schemeClr val="bg1"/>
-                      </a:solidFill>
-                      <a:prstDash val="solid"/>
-                      <a:round/>
-                      <a:headEnd type="none" w="med" len="med"/>
-                      <a:tailEnd type="none" w="med" len="med"/>
-                    </a:lnT>
-                    <a:lnB w="12700" cap="flat" cmpd="sng" algn="ctr">
-                      <a:solidFill>
-                        <a:schemeClr val="bg1"/>
-                      </a:solidFill>
-                      <a:prstDash val="solid"/>
-                      <a:round/>
-                      <a:headEnd type="none" w="med" len="med"/>
-                      <a:tailEnd type="none" w="med" len="med"/>
-                    </a:lnB>
-                    <a:lnTlToBr w="12700" cmpd="sng">
-                      <a:noFill/>
-                      <a:prstDash val="solid"/>
-                    </a:lnTlToBr>
-                    <a:lnBlToTr w="12700" cmpd="sng">
-                      <a:noFill/>
-                      <a:prstDash val="solid"/>
-                    </a:lnBlToTr>
-                  </a:tcPr>
-                </a:tc>
-                <a:tc>
-                  <a:txBody>
-                    <a:bodyPr/>
-                    <a:lstStyle/>
-                    <a:p>
-                      <a:r>
-                        <a:rPr lang="en-US" sz="1200" dirty="0">
-                          <a:solidFill>
-                            <a:schemeClr val="bg1"/>
-                          </a:solidFill>
-                        </a:rPr>
-                        <a:t>1.0.3705.0</a:t>
-                      </a:r>
-                    </a:p>
-                  </a:txBody>
-                  <a:tcPr marL="61162" marR="61162" marT="30581" marB="30581" anchor="ctr">
-                    <a:lnL w="12700" cap="flat" cmpd="sng" algn="ctr">
-                      <a:solidFill>
-                        <a:schemeClr val="bg1"/>
-                      </a:solidFill>
-                      <a:prstDash val="solid"/>
-                      <a:round/>
-                      <a:headEnd type="none" w="med" len="med"/>
-                      <a:tailEnd type="none" w="med" len="med"/>
-                    </a:lnL>
-                    <a:lnR w="12700" cap="flat" cmpd="sng" algn="ctr">
-                      <a:solidFill>
-                        <a:schemeClr val="bg1"/>
-                      </a:solidFill>
-                      <a:prstDash val="solid"/>
-                      <a:round/>
-                      <a:headEnd type="none" w="med" len="med"/>
-                      <a:tailEnd type="none" w="med" len="med"/>
-                    </a:lnR>
-                    <a:lnT w="12700" cap="flat" cmpd="sng" algn="ctr">
-                      <a:solidFill>
-                        <a:schemeClr val="bg1"/>
-                      </a:solidFill>
-                      <a:prstDash val="solid"/>
-                      <a:round/>
-                      <a:headEnd type="none" w="med" len="med"/>
-                      <a:tailEnd type="none" w="med" len="med"/>
-                    </a:lnT>
-                    <a:lnB w="12700" cap="flat" cmpd="sng" algn="ctr">
-                      <a:solidFill>
-                        <a:schemeClr val="bg1"/>
-                      </a:solidFill>
-                      <a:prstDash val="solid"/>
-                      <a:round/>
-                      <a:headEnd type="none" w="med" len="med"/>
-                      <a:tailEnd type="none" w="med" len="med"/>
-                    </a:lnB>
-                    <a:lnTlToBr w="12700" cmpd="sng">
-                      <a:noFill/>
-                      <a:prstDash val="solid"/>
-                    </a:lnTlToBr>
-                    <a:lnBlToTr w="12700" cmpd="sng">
-                      <a:noFill/>
-                      <a:prstDash val="solid"/>
-                    </a:lnBlToTr>
-                  </a:tcPr>
-                </a:tc>
-                <a:tc>
-                  <a:txBody>
-                    <a:bodyPr/>
-                    <a:lstStyle/>
-                    <a:p>
-                      <a:r>
-                        <a:rPr lang="ru-RU" sz="1200" dirty="0" smtClean="0">
-                          <a:solidFill>
-                            <a:schemeClr val="bg1"/>
-                          </a:solidFill>
-                        </a:rPr>
-                        <a:t>Февраль</a:t>
-                      </a:r>
-                      <a:r>
-                        <a:rPr lang="ru-RU" sz="1200" baseline="0" dirty="0" smtClean="0">
-                          <a:solidFill>
-                            <a:schemeClr val="bg1"/>
-                          </a:solidFill>
-                        </a:rPr>
-                        <a:t> </a:t>
-                      </a:r>
-                      <a:r>
-                        <a:rPr lang="en-US" sz="1200" dirty="0" smtClean="0">
-                          <a:solidFill>
-                            <a:schemeClr val="bg1"/>
-                          </a:solidFill>
-                        </a:rPr>
-                        <a:t>2002</a:t>
-                      </a:r>
-                      <a:r>
-                        <a:rPr lang="ru-RU" sz="1200" dirty="0" smtClean="0">
-                          <a:solidFill>
-                            <a:schemeClr val="bg1"/>
-                          </a:solidFill>
-                        </a:rPr>
-                        <a:t> года</a:t>
-                      </a:r>
-                      <a:endParaRPr lang="en-US" sz="1200" dirty="0">
-                        <a:solidFill>
-                          <a:schemeClr val="bg1"/>
-                        </a:solidFill>
-                      </a:endParaRPr>
-                    </a:p>
-                  </a:txBody>
-                  <a:tcPr marL="61162" marR="61162" marT="30581" marB="30581" anchor="ctr">
-                    <a:lnL w="12700" cap="flat" cmpd="sng" algn="ctr">
-                      <a:solidFill>
-                        <a:schemeClr val="bg1"/>
-                      </a:solidFill>
-                      <a:prstDash val="solid"/>
-                      <a:round/>
-                      <a:headEnd type="none" w="med" len="med"/>
-                      <a:tailEnd type="none" w="med" len="med"/>
-                    </a:lnL>
-                    <a:lnR w="12700" cap="flat" cmpd="sng" algn="ctr">
-                      <a:solidFill>
-                        <a:schemeClr val="bg1"/>
-                      </a:solidFill>
-                      <a:prstDash val="solid"/>
-                      <a:round/>
-                      <a:headEnd type="none" w="med" len="med"/>
-                      <a:tailEnd type="none" w="med" len="med"/>
-                    </a:lnR>
-                    <a:lnT w="12700" cap="flat" cmpd="sng" algn="ctr">
-                      <a:solidFill>
-                        <a:schemeClr val="bg1"/>
-                      </a:solidFill>
-                      <a:prstDash val="solid"/>
-                      <a:round/>
-                      <a:headEnd type="none" w="med" len="med"/>
-                      <a:tailEnd type="none" w="med" len="med"/>
-                    </a:lnT>
-                    <a:lnB w="12700" cap="flat" cmpd="sng" algn="ctr">
-                      <a:solidFill>
-                        <a:schemeClr val="bg1"/>
-                      </a:solidFill>
-                      <a:prstDash val="solid"/>
-                      <a:round/>
-                      <a:headEnd type="none" w="med" len="med"/>
-                      <a:tailEnd type="none" w="med" len="med"/>
-                    </a:lnB>
-                    <a:lnTlToBr w="12700" cmpd="sng">
-                      <a:noFill/>
-                      <a:prstDash val="solid"/>
-                    </a:lnTlToBr>
-                    <a:lnBlToTr w="12700" cmpd="sng">
-                      <a:noFill/>
-                      <a:prstDash val="solid"/>
-                    </a:lnBlToTr>
-                  </a:tcPr>
-                </a:tc>
-                <a:tc>
-                  <a:txBody>
-                    <a:bodyPr/>
-                    <a:lstStyle/>
-                    <a:p>
-                      <a:r>
-                        <a:rPr lang="en-US" sz="1200" dirty="0">
-                          <a:solidFill>
-                            <a:schemeClr val="bg1"/>
-                          </a:solidFill>
-                        </a:rPr>
-                        <a:t>Visual Studio .NET</a:t>
-                      </a:r>
-                    </a:p>
-                  </a:txBody>
-                  <a:tcPr marL="61162" marR="61162" marT="30581" marB="30581" anchor="ctr">
-                    <a:lnL w="12700" cap="flat" cmpd="sng" algn="ctr">
-                      <a:solidFill>
-                        <a:schemeClr val="bg1"/>
-                      </a:solidFill>
-                      <a:prstDash val="solid"/>
-                      <a:round/>
-                      <a:headEnd type="none" w="med" len="med"/>
-                      <a:tailEnd type="none" w="med" len="med"/>
-                    </a:lnL>
-                    <a:lnR w="12700" cap="flat" cmpd="sng" algn="ctr">
-                      <a:solidFill>
-                        <a:schemeClr val="bg1"/>
-                      </a:solidFill>
-                      <a:prstDash val="solid"/>
-                      <a:round/>
-                      <a:headEnd type="none" w="med" len="med"/>
-                      <a:tailEnd type="none" w="med" len="med"/>
-                    </a:lnR>
-                    <a:lnT w="12700" cap="flat" cmpd="sng" algn="ctr">
-                      <a:solidFill>
-                        <a:schemeClr val="bg1"/>
-                      </a:solidFill>
-                      <a:prstDash val="solid"/>
-                      <a:round/>
-                      <a:headEnd type="none" w="med" len="med"/>
-                      <a:tailEnd type="none" w="med" len="med"/>
-                    </a:lnT>
-                    <a:lnB w="12700" cap="flat" cmpd="sng" algn="ctr">
-                      <a:solidFill>
-                        <a:schemeClr val="bg1"/>
-                      </a:solidFill>
-                      <a:prstDash val="solid"/>
-                      <a:round/>
-                      <a:headEnd type="none" w="med" len="med"/>
-                      <a:tailEnd type="none" w="med" len="med"/>
-                    </a:lnB>
-                    <a:lnTlToBr w="12700" cmpd="sng">
-                      <a:noFill/>
-                      <a:prstDash val="solid"/>
-                    </a:lnTlToBr>
-                    <a:lnBlToTr w="12700" cmpd="sng">
-                      <a:noFill/>
-                      <a:prstDash val="solid"/>
-                    </a:lnBlToTr>
-                  </a:tcPr>
-                </a:tc>
-                <a:tc>
-                  <a:txBody>
-                    <a:bodyPr/>
-                    <a:lstStyle/>
-                    <a:p>
-                      <a:r>
-                        <a:rPr lang="en-US" sz="1200" dirty="0">
-                          <a:solidFill>
-                            <a:schemeClr val="bg1"/>
-                          </a:solidFill>
-                        </a:rPr>
-                        <a:t>Windows XP Tablet and Media Center </a:t>
-                      </a:r>
-                      <a:r>
-                        <a:rPr lang="en-US" sz="1200" dirty="0" smtClean="0">
-                          <a:solidFill>
-                            <a:schemeClr val="bg1"/>
-                          </a:solidFill>
-                        </a:rPr>
-                        <a:t>Editions</a:t>
-                      </a:r>
-                      <a:endParaRPr lang="en-US" sz="1200" dirty="0">
-                        <a:solidFill>
-                          <a:schemeClr val="bg1"/>
-                        </a:solidFill>
-                      </a:endParaRPr>
-                    </a:p>
-                  </a:txBody>
-                  <a:tcPr marL="61162" marR="61162" marT="30581" marB="30581" anchor="ctr">
-                    <a:lnL w="12700" cap="flat" cmpd="sng" algn="ctr">
-                      <a:solidFill>
-                        <a:schemeClr val="bg1"/>
-                      </a:solidFill>
-                      <a:prstDash val="solid"/>
-                      <a:round/>
-                      <a:headEnd type="none" w="med" len="med"/>
-                      <a:tailEnd type="none" w="med" len="med"/>
-                    </a:lnL>
-                    <a:lnR w="12700" cap="flat" cmpd="sng" algn="ctr">
-                      <a:solidFill>
-                        <a:schemeClr val="bg1"/>
-                      </a:solidFill>
-                      <a:prstDash val="solid"/>
-                      <a:round/>
-                      <a:headEnd type="none" w="med" len="med"/>
-                      <a:tailEnd type="none" w="med" len="med"/>
-                    </a:lnR>
-                    <a:lnT w="12700" cap="flat" cmpd="sng" algn="ctr">
-                      <a:solidFill>
-                        <a:schemeClr val="bg1"/>
-                      </a:solidFill>
-                      <a:prstDash val="solid"/>
-                      <a:round/>
-                      <a:headEnd type="none" w="med" len="med"/>
-                      <a:tailEnd type="none" w="med" len="med"/>
-                    </a:lnT>
-                    <a:lnB w="12700" cap="flat" cmpd="sng" algn="ctr">
-                      <a:solidFill>
-                        <a:schemeClr val="bg1"/>
-                      </a:solidFill>
-                      <a:prstDash val="solid"/>
-                      <a:round/>
-                      <a:headEnd type="none" w="med" len="med"/>
-                      <a:tailEnd type="none" w="med" len="med"/>
-                    </a:lnB>
-                    <a:lnTlToBr w="12700" cmpd="sng">
-                      <a:noFill/>
-                      <a:prstDash val="solid"/>
-                    </a:lnTlToBr>
-                    <a:lnBlToTr w="12700" cmpd="sng">
-                      <a:noFill/>
-                      <a:prstDash val="solid"/>
-                    </a:lnBlToTr>
-                  </a:tcPr>
-                </a:tc>
-              </a:tr>
-              <a:tr h="428132">
-                <a:tc>
-                  <a:txBody>
-                    <a:bodyPr/>
-                    <a:lstStyle/>
-                    <a:p>
-                      <a:r>
-                        <a:rPr lang="en-US" sz="1200" dirty="0">
-                          <a:solidFill>
-                            <a:schemeClr val="bg1"/>
-                          </a:solidFill>
-                        </a:rPr>
-                        <a:t>1.1</a:t>
-                      </a:r>
-                    </a:p>
-                  </a:txBody>
-                  <a:tcPr marL="61162" marR="61162" marT="30581" marB="30581" anchor="ctr">
-                    <a:lnL w="12700" cap="flat" cmpd="sng" algn="ctr">
-                      <a:solidFill>
-                        <a:schemeClr val="bg1"/>
-                      </a:solidFill>
-                      <a:prstDash val="solid"/>
-                      <a:round/>
-                      <a:headEnd type="none" w="med" len="med"/>
-                      <a:tailEnd type="none" w="med" len="med"/>
-                    </a:lnL>
-                    <a:lnR w="12700" cap="flat" cmpd="sng" algn="ctr">
-                      <a:solidFill>
-                        <a:schemeClr val="bg1"/>
-                      </a:solidFill>
-                      <a:prstDash val="solid"/>
-                      <a:round/>
-                      <a:headEnd type="none" w="med" len="med"/>
-                      <a:tailEnd type="none" w="med" len="med"/>
-                    </a:lnR>
-                    <a:lnT w="12700" cap="flat" cmpd="sng" algn="ctr">
-                      <a:solidFill>
-                        <a:schemeClr val="bg1"/>
-                      </a:solidFill>
-                      <a:prstDash val="solid"/>
-                      <a:round/>
-                      <a:headEnd type="none" w="med" len="med"/>
-                      <a:tailEnd type="none" w="med" len="med"/>
-                    </a:lnT>
-                    <a:lnB w="12700" cap="flat" cmpd="sng" algn="ctr">
-                      <a:solidFill>
-                        <a:schemeClr val="bg1"/>
-                      </a:solidFill>
-                      <a:prstDash val="solid"/>
-                      <a:round/>
-                      <a:headEnd type="none" w="med" len="med"/>
-                      <a:tailEnd type="none" w="med" len="med"/>
-                    </a:lnB>
-                    <a:lnTlToBr w="12700" cmpd="sng">
-                      <a:noFill/>
-                      <a:prstDash val="solid"/>
-                    </a:lnTlToBr>
-                    <a:lnBlToTr w="12700" cmpd="sng">
-                      <a:noFill/>
-                      <a:prstDash val="solid"/>
-                    </a:lnBlToTr>
-                  </a:tcPr>
-                </a:tc>
-                <a:tc>
-                  <a:txBody>
-                    <a:bodyPr/>
-                    <a:lstStyle/>
-                    <a:p>
-                      <a:r>
-                        <a:rPr lang="en-US" sz="1200">
-                          <a:solidFill>
-                            <a:schemeClr val="bg1"/>
-                          </a:solidFill>
-                        </a:rPr>
-                        <a:t>1.1.4322.573</a:t>
-                      </a:r>
-                    </a:p>
-                  </a:txBody>
-                  <a:tcPr marL="61162" marR="61162" marT="30581" marB="30581" anchor="ctr">
-                    <a:lnL w="12700" cap="flat" cmpd="sng" algn="ctr">
-                      <a:solidFill>
-                        <a:schemeClr val="bg1"/>
-                      </a:solidFill>
-                      <a:prstDash val="solid"/>
-                      <a:round/>
-                      <a:headEnd type="none" w="med" len="med"/>
-                      <a:tailEnd type="none" w="med" len="med"/>
-                    </a:lnL>
-                    <a:lnR w="12700" cap="flat" cmpd="sng" algn="ctr">
-                      <a:solidFill>
-                        <a:schemeClr val="bg1"/>
-                      </a:solidFill>
-                      <a:prstDash val="solid"/>
-                      <a:round/>
-                      <a:headEnd type="none" w="med" len="med"/>
-                      <a:tailEnd type="none" w="med" len="med"/>
-                    </a:lnR>
-                    <a:lnT w="12700" cap="flat" cmpd="sng" algn="ctr">
-                      <a:solidFill>
-                        <a:schemeClr val="bg1"/>
-                      </a:solidFill>
-                      <a:prstDash val="solid"/>
-                      <a:round/>
-                      <a:headEnd type="none" w="med" len="med"/>
-                      <a:tailEnd type="none" w="med" len="med"/>
-                    </a:lnT>
-                    <a:lnB w="12700" cap="flat" cmpd="sng" algn="ctr">
-                      <a:solidFill>
-                        <a:schemeClr val="bg1"/>
-                      </a:solidFill>
-                      <a:prstDash val="solid"/>
-                      <a:round/>
-                      <a:headEnd type="none" w="med" len="med"/>
-                      <a:tailEnd type="none" w="med" len="med"/>
-                    </a:lnB>
-                    <a:lnTlToBr w="12700" cmpd="sng">
-                      <a:noFill/>
-                      <a:prstDash val="solid"/>
-                    </a:lnTlToBr>
-                    <a:lnBlToTr w="12700" cmpd="sng">
-                      <a:noFill/>
-                      <a:prstDash val="solid"/>
-                    </a:lnBlToTr>
-                  </a:tcPr>
-                </a:tc>
-                <a:tc>
-                  <a:txBody>
-                    <a:bodyPr/>
-                    <a:lstStyle/>
-                    <a:p>
-                      <a:r>
-                        <a:rPr lang="ru-RU" sz="1200" dirty="0" smtClean="0">
-                          <a:solidFill>
-                            <a:schemeClr val="bg1"/>
-                          </a:solidFill>
-                        </a:rPr>
-                        <a:t>Март </a:t>
-                      </a:r>
-                      <a:r>
-                        <a:rPr lang="en-US" sz="1200" dirty="0" smtClean="0">
-                          <a:solidFill>
-                            <a:schemeClr val="bg1"/>
-                          </a:solidFill>
-                        </a:rPr>
-                        <a:t>2003</a:t>
-                      </a:r>
-                      <a:r>
-                        <a:rPr lang="ru-RU" sz="1200" dirty="0" smtClean="0">
-                          <a:solidFill>
-                            <a:schemeClr val="bg1"/>
-                          </a:solidFill>
-                        </a:rPr>
-                        <a:t> года</a:t>
-                      </a:r>
-                      <a:endParaRPr lang="en-US" sz="1200" dirty="0">
-                        <a:solidFill>
-                          <a:schemeClr val="bg1"/>
-                        </a:solidFill>
-                      </a:endParaRPr>
-                    </a:p>
-                  </a:txBody>
-                  <a:tcPr marL="61162" marR="61162" marT="30581" marB="30581" anchor="ctr">
-                    <a:lnL w="12700" cap="flat" cmpd="sng" algn="ctr">
-                      <a:solidFill>
-                        <a:schemeClr val="bg1"/>
-                      </a:solidFill>
-                      <a:prstDash val="solid"/>
-                      <a:round/>
-                      <a:headEnd type="none" w="med" len="med"/>
-                      <a:tailEnd type="none" w="med" len="med"/>
-                    </a:lnL>
-                    <a:lnR w="12700" cap="flat" cmpd="sng" algn="ctr">
-                      <a:solidFill>
-                        <a:schemeClr val="bg1"/>
-                      </a:solidFill>
-                      <a:prstDash val="solid"/>
-                      <a:round/>
-                      <a:headEnd type="none" w="med" len="med"/>
-                      <a:tailEnd type="none" w="med" len="med"/>
-                    </a:lnR>
-                    <a:lnT w="12700" cap="flat" cmpd="sng" algn="ctr">
-                      <a:solidFill>
-                        <a:schemeClr val="bg1"/>
-                      </a:solidFill>
-                      <a:prstDash val="solid"/>
-                      <a:round/>
-                      <a:headEnd type="none" w="med" len="med"/>
-                      <a:tailEnd type="none" w="med" len="med"/>
-                    </a:lnT>
-                    <a:lnB w="12700" cap="flat" cmpd="sng" algn="ctr">
-                      <a:solidFill>
-                        <a:schemeClr val="bg1"/>
-                      </a:solidFill>
-                      <a:prstDash val="solid"/>
-                      <a:round/>
-                      <a:headEnd type="none" w="med" len="med"/>
-                      <a:tailEnd type="none" w="med" len="med"/>
-                    </a:lnB>
-                    <a:lnTlToBr w="12700" cmpd="sng">
-                      <a:noFill/>
-                      <a:prstDash val="solid"/>
-                    </a:lnTlToBr>
-                    <a:lnBlToTr w="12700" cmpd="sng">
-                      <a:noFill/>
-                      <a:prstDash val="solid"/>
-                    </a:lnBlToTr>
-                  </a:tcPr>
-                </a:tc>
-                <a:tc>
-                  <a:txBody>
-                    <a:bodyPr/>
-                    <a:lstStyle/>
-                    <a:p>
-                      <a:r>
-                        <a:rPr lang="en-US" sz="1200" dirty="0">
-                          <a:solidFill>
-                            <a:schemeClr val="bg1"/>
-                          </a:solidFill>
-                        </a:rPr>
-                        <a:t>Visual Studio .NET 2003</a:t>
-                      </a:r>
-                    </a:p>
-                  </a:txBody>
-                  <a:tcPr marL="61162" marR="61162" marT="30581" marB="30581" anchor="ctr">
-                    <a:lnL w="12700" cap="flat" cmpd="sng" algn="ctr">
-                      <a:solidFill>
-                        <a:schemeClr val="bg1"/>
-                      </a:solidFill>
-                      <a:prstDash val="solid"/>
-                      <a:round/>
-                      <a:headEnd type="none" w="med" len="med"/>
-                      <a:tailEnd type="none" w="med" len="med"/>
-                    </a:lnL>
-                    <a:lnR w="12700" cap="flat" cmpd="sng" algn="ctr">
-                      <a:solidFill>
-                        <a:schemeClr val="bg1"/>
-                      </a:solidFill>
-                      <a:prstDash val="solid"/>
-                      <a:round/>
-                      <a:headEnd type="none" w="med" len="med"/>
-                      <a:tailEnd type="none" w="med" len="med"/>
-                    </a:lnR>
-                    <a:lnT w="12700" cap="flat" cmpd="sng" algn="ctr">
-                      <a:solidFill>
-                        <a:schemeClr val="bg1"/>
-                      </a:solidFill>
-                      <a:prstDash val="solid"/>
-                      <a:round/>
-                      <a:headEnd type="none" w="med" len="med"/>
-                      <a:tailEnd type="none" w="med" len="med"/>
-                    </a:lnT>
-                    <a:lnB w="12700" cap="flat" cmpd="sng" algn="ctr">
-                      <a:solidFill>
-                        <a:schemeClr val="bg1"/>
-                      </a:solidFill>
-                      <a:prstDash val="solid"/>
-                      <a:round/>
-                      <a:headEnd type="none" w="med" len="med"/>
-                      <a:tailEnd type="none" w="med" len="med"/>
-                    </a:lnB>
-                    <a:lnTlToBr w="12700" cmpd="sng">
-                      <a:noFill/>
-                      <a:prstDash val="solid"/>
-                    </a:lnTlToBr>
-                    <a:lnBlToTr w="12700" cmpd="sng">
-                      <a:noFill/>
-                      <a:prstDash val="solid"/>
-                    </a:lnBlToTr>
-                  </a:tcPr>
-                </a:tc>
-                <a:tc>
-                  <a:txBody>
-                    <a:bodyPr/>
-                    <a:lstStyle/>
-                    <a:p>
-                      <a:r>
-                        <a:rPr lang="en-US" sz="1200" dirty="0">
-                          <a:solidFill>
-                            <a:schemeClr val="bg1"/>
-                          </a:solidFill>
-                        </a:rPr>
-                        <a:t>Windows Server 2003</a:t>
-                      </a:r>
-                    </a:p>
-                  </a:txBody>
-                  <a:tcPr marL="61162" marR="61162" marT="30581" marB="30581" anchor="ctr">
-                    <a:lnL w="12700" cap="flat" cmpd="sng" algn="ctr">
-                      <a:solidFill>
-                        <a:schemeClr val="bg1"/>
-                      </a:solidFill>
-                      <a:prstDash val="solid"/>
-                      <a:round/>
-                      <a:headEnd type="none" w="med" len="med"/>
-                      <a:tailEnd type="none" w="med" len="med"/>
-                    </a:lnL>
-                    <a:lnR w="12700" cap="flat" cmpd="sng" algn="ctr">
-                      <a:solidFill>
-                        <a:schemeClr val="bg1"/>
-                      </a:solidFill>
-                      <a:prstDash val="solid"/>
-                      <a:round/>
-                      <a:headEnd type="none" w="med" len="med"/>
-                      <a:tailEnd type="none" w="med" len="med"/>
-                    </a:lnR>
-                    <a:lnT w="12700" cap="flat" cmpd="sng" algn="ctr">
-                      <a:solidFill>
-                        <a:schemeClr val="bg1"/>
-                      </a:solidFill>
-                      <a:prstDash val="solid"/>
-                      <a:round/>
-                      <a:headEnd type="none" w="med" len="med"/>
-                      <a:tailEnd type="none" w="med" len="med"/>
-                    </a:lnT>
-                    <a:lnB w="12700" cap="flat" cmpd="sng" algn="ctr">
-                      <a:solidFill>
-                        <a:schemeClr val="bg1"/>
-                      </a:solidFill>
-                      <a:prstDash val="solid"/>
-                      <a:round/>
-                      <a:headEnd type="none" w="med" len="med"/>
-                      <a:tailEnd type="none" w="med" len="med"/>
-                    </a:lnB>
-                    <a:lnTlToBr w="12700" cmpd="sng">
-                      <a:noFill/>
-                      <a:prstDash val="solid"/>
-                    </a:lnTlToBr>
-                    <a:lnBlToTr w="12700" cmpd="sng">
-                      <a:noFill/>
-                      <a:prstDash val="solid"/>
-                    </a:lnBlToTr>
-                  </a:tcPr>
-                </a:tc>
-              </a:tr>
-              <a:tr h="428132">
-                <a:tc>
-                  <a:txBody>
-                    <a:bodyPr/>
-                    <a:lstStyle/>
-                    <a:p>
-                      <a:r>
-                        <a:rPr lang="en-US" sz="1200" dirty="0">
-                          <a:solidFill>
-                            <a:schemeClr val="bg1"/>
-                          </a:solidFill>
-                        </a:rPr>
-                        <a:t>2.0</a:t>
-                      </a:r>
-                    </a:p>
-                  </a:txBody>
-                  <a:tcPr marL="61162" marR="61162" marT="30581" marB="30581" anchor="ctr">
-                    <a:lnL w="12700" cap="flat" cmpd="sng" algn="ctr">
-                      <a:solidFill>
-                        <a:schemeClr val="bg1"/>
-                      </a:solidFill>
-                      <a:prstDash val="solid"/>
-                      <a:round/>
-                      <a:headEnd type="none" w="med" len="med"/>
-                      <a:tailEnd type="none" w="med" len="med"/>
-                    </a:lnL>
-                    <a:lnR w="12700" cap="flat" cmpd="sng" algn="ctr">
-                      <a:solidFill>
-                        <a:schemeClr val="bg1"/>
-                      </a:solidFill>
-                      <a:prstDash val="solid"/>
-                      <a:round/>
-                      <a:headEnd type="none" w="med" len="med"/>
-                      <a:tailEnd type="none" w="med" len="med"/>
-                    </a:lnR>
-                    <a:lnT w="12700" cap="flat" cmpd="sng" algn="ctr">
-                      <a:solidFill>
-                        <a:schemeClr val="bg1"/>
-                      </a:solidFill>
-                      <a:prstDash val="solid"/>
-                      <a:round/>
-                      <a:headEnd type="none" w="med" len="med"/>
-                      <a:tailEnd type="none" w="med" len="med"/>
-                    </a:lnT>
-                    <a:lnB w="12700" cap="flat" cmpd="sng" algn="ctr">
-                      <a:solidFill>
-                        <a:schemeClr val="bg1"/>
-                      </a:solidFill>
-                      <a:prstDash val="solid"/>
-                      <a:round/>
-                      <a:headEnd type="none" w="med" len="med"/>
-                      <a:tailEnd type="none" w="med" len="med"/>
-                    </a:lnB>
-                    <a:lnTlToBr w="12700" cmpd="sng">
-                      <a:noFill/>
-                      <a:prstDash val="solid"/>
-                    </a:lnTlToBr>
-                    <a:lnBlToTr w="12700" cmpd="sng">
-                      <a:noFill/>
-                      <a:prstDash val="solid"/>
-                    </a:lnBlToTr>
-                  </a:tcPr>
-                </a:tc>
-                <a:tc>
-                  <a:txBody>
-                    <a:bodyPr/>
-                    <a:lstStyle/>
-                    <a:p>
-                      <a:r>
-                        <a:rPr lang="en-US" sz="1200">
-                          <a:solidFill>
-                            <a:schemeClr val="bg1"/>
-                          </a:solidFill>
-                        </a:rPr>
-                        <a:t>2.0.50727.42</a:t>
-                      </a:r>
-                    </a:p>
-                  </a:txBody>
-                  <a:tcPr marL="61162" marR="61162" marT="30581" marB="30581" anchor="ctr">
-                    <a:lnL w="12700" cap="flat" cmpd="sng" algn="ctr">
-                      <a:solidFill>
-                        <a:schemeClr val="bg1"/>
-                      </a:solidFill>
-                      <a:prstDash val="solid"/>
-                      <a:round/>
-                      <a:headEnd type="none" w="med" len="med"/>
-                      <a:tailEnd type="none" w="med" len="med"/>
-                    </a:lnL>
-                    <a:lnR w="12700" cap="flat" cmpd="sng" algn="ctr">
-                      <a:solidFill>
-                        <a:schemeClr val="bg1"/>
-                      </a:solidFill>
-                      <a:prstDash val="solid"/>
-                      <a:round/>
-                      <a:headEnd type="none" w="med" len="med"/>
-                      <a:tailEnd type="none" w="med" len="med"/>
-                    </a:lnR>
-                    <a:lnT w="12700" cap="flat" cmpd="sng" algn="ctr">
-                      <a:solidFill>
-                        <a:schemeClr val="bg1"/>
-                      </a:solidFill>
-                      <a:prstDash val="solid"/>
-                      <a:round/>
-                      <a:headEnd type="none" w="med" len="med"/>
-                      <a:tailEnd type="none" w="med" len="med"/>
-                    </a:lnT>
-                    <a:lnB w="12700" cap="flat" cmpd="sng" algn="ctr">
-                      <a:solidFill>
-                        <a:schemeClr val="bg1"/>
-                      </a:solidFill>
-                      <a:prstDash val="solid"/>
-                      <a:round/>
-                      <a:headEnd type="none" w="med" len="med"/>
-                      <a:tailEnd type="none" w="med" len="med"/>
-                    </a:lnB>
-                    <a:lnTlToBr w="12700" cmpd="sng">
-                      <a:noFill/>
-                      <a:prstDash val="solid"/>
-                    </a:lnTlToBr>
-                    <a:lnBlToTr w="12700" cmpd="sng">
-                      <a:noFill/>
-                      <a:prstDash val="solid"/>
-                    </a:lnBlToTr>
-                  </a:tcPr>
-                </a:tc>
-                <a:tc>
-                  <a:txBody>
-                    <a:bodyPr/>
-                    <a:lstStyle/>
-                    <a:p>
-                      <a:r>
-                        <a:rPr lang="ru-RU" sz="1200" dirty="0" smtClean="0">
-                          <a:solidFill>
-                            <a:schemeClr val="bg1"/>
-                          </a:solidFill>
-                        </a:rPr>
-                        <a:t>Ноябрь </a:t>
-                      </a:r>
-                      <a:r>
-                        <a:rPr lang="en-US" sz="1200" dirty="0" smtClean="0">
-                          <a:solidFill>
-                            <a:schemeClr val="bg1"/>
-                          </a:solidFill>
-                        </a:rPr>
-                        <a:t>2005</a:t>
-                      </a:r>
-                      <a:r>
-                        <a:rPr lang="ru-RU" sz="1200" dirty="0" smtClean="0">
-                          <a:solidFill>
-                            <a:schemeClr val="bg1"/>
-                          </a:solidFill>
-                        </a:rPr>
-                        <a:t> года</a:t>
-                      </a:r>
-                      <a:endParaRPr lang="en-US" sz="1200" dirty="0">
-                        <a:solidFill>
-                          <a:schemeClr val="bg1"/>
-                        </a:solidFill>
-                      </a:endParaRPr>
-                    </a:p>
-                  </a:txBody>
-                  <a:tcPr marL="61162" marR="61162" marT="30581" marB="30581" anchor="ctr">
-                    <a:lnL w="12700" cap="flat" cmpd="sng" algn="ctr">
-                      <a:solidFill>
-                        <a:schemeClr val="bg1"/>
-                      </a:solidFill>
-                      <a:prstDash val="solid"/>
-                      <a:round/>
-                      <a:headEnd type="none" w="med" len="med"/>
-                      <a:tailEnd type="none" w="med" len="med"/>
-                    </a:lnL>
-                    <a:lnR w="12700" cap="flat" cmpd="sng" algn="ctr">
-                      <a:solidFill>
-                        <a:schemeClr val="bg1"/>
-                      </a:solidFill>
-                      <a:prstDash val="solid"/>
-                      <a:round/>
-                      <a:headEnd type="none" w="med" len="med"/>
-                      <a:tailEnd type="none" w="med" len="med"/>
-                    </a:lnR>
-                    <a:lnT w="12700" cap="flat" cmpd="sng" algn="ctr">
-                      <a:solidFill>
-                        <a:schemeClr val="bg1"/>
-                      </a:solidFill>
-                      <a:prstDash val="solid"/>
-                      <a:round/>
-                      <a:headEnd type="none" w="med" len="med"/>
-                      <a:tailEnd type="none" w="med" len="med"/>
-                    </a:lnT>
-                    <a:lnB w="12700" cap="flat" cmpd="sng" algn="ctr">
-                      <a:solidFill>
-                        <a:schemeClr val="bg1"/>
-                      </a:solidFill>
-                      <a:prstDash val="solid"/>
-                      <a:round/>
-                      <a:headEnd type="none" w="med" len="med"/>
-                      <a:tailEnd type="none" w="med" len="med"/>
-                    </a:lnB>
-                    <a:lnTlToBr w="12700" cmpd="sng">
-                      <a:noFill/>
-                      <a:prstDash val="solid"/>
-                    </a:lnTlToBr>
-                    <a:lnBlToTr w="12700" cmpd="sng">
-                      <a:noFill/>
-                      <a:prstDash val="solid"/>
-                    </a:lnBlToTr>
-                  </a:tcPr>
-                </a:tc>
-                <a:tc>
-                  <a:txBody>
-                    <a:bodyPr/>
-                    <a:lstStyle/>
-                    <a:p>
-                      <a:r>
-                        <a:rPr lang="en-US" sz="1200" dirty="0">
-                          <a:solidFill>
-                            <a:schemeClr val="bg1"/>
-                          </a:solidFill>
-                        </a:rPr>
-                        <a:t>Visual Studio 2005</a:t>
-                      </a:r>
-                    </a:p>
-                  </a:txBody>
-                  <a:tcPr marL="61162" marR="61162" marT="30581" marB="30581" anchor="ctr">
-                    <a:lnL w="12700" cap="flat" cmpd="sng" algn="ctr">
-                      <a:solidFill>
-                        <a:schemeClr val="bg1"/>
-                      </a:solidFill>
-                      <a:prstDash val="solid"/>
-                      <a:round/>
-                      <a:headEnd type="none" w="med" len="med"/>
-                      <a:tailEnd type="none" w="med" len="med"/>
-                    </a:lnL>
-                    <a:lnR w="12700" cap="flat" cmpd="sng" algn="ctr">
-                      <a:solidFill>
-                        <a:schemeClr val="bg1"/>
-                      </a:solidFill>
-                      <a:prstDash val="solid"/>
-                      <a:round/>
-                      <a:headEnd type="none" w="med" len="med"/>
-                      <a:tailEnd type="none" w="med" len="med"/>
-                    </a:lnR>
-                    <a:lnT w="12700" cap="flat" cmpd="sng" algn="ctr">
-                      <a:solidFill>
-                        <a:schemeClr val="bg1"/>
-                      </a:solidFill>
-                      <a:prstDash val="solid"/>
-                      <a:round/>
-                      <a:headEnd type="none" w="med" len="med"/>
-                      <a:tailEnd type="none" w="med" len="med"/>
-                    </a:lnT>
-                    <a:lnB w="12700" cap="flat" cmpd="sng" algn="ctr">
-                      <a:solidFill>
-                        <a:schemeClr val="bg1"/>
-                      </a:solidFill>
-                      <a:prstDash val="solid"/>
-                      <a:round/>
-                      <a:headEnd type="none" w="med" len="med"/>
-                      <a:tailEnd type="none" w="med" len="med"/>
-                    </a:lnB>
-                    <a:lnTlToBr w="12700" cmpd="sng">
-                      <a:noFill/>
-                      <a:prstDash val="solid"/>
-                    </a:lnTlToBr>
-                    <a:lnBlToTr w="12700" cmpd="sng">
-                      <a:noFill/>
-                      <a:prstDash val="solid"/>
-                    </a:lnBlToTr>
-                  </a:tcPr>
-                </a:tc>
-                <a:tc>
-                  <a:txBody>
-                    <a:bodyPr/>
-                    <a:lstStyle/>
-                    <a:p>
-                      <a:r>
-                        <a:rPr lang="en-US" sz="1200" dirty="0">
-                          <a:solidFill>
-                            <a:schemeClr val="bg1"/>
-                          </a:solidFill>
-                        </a:rPr>
-                        <a:t>Windows Server 2003 R2</a:t>
-                      </a:r>
-                    </a:p>
-                  </a:txBody>
-                  <a:tcPr marL="61162" marR="61162" marT="30581" marB="30581" anchor="ctr">
-                    <a:lnL w="12700" cap="flat" cmpd="sng" algn="ctr">
-                      <a:solidFill>
-                        <a:schemeClr val="bg1"/>
-                      </a:solidFill>
-                      <a:prstDash val="solid"/>
-                      <a:round/>
-                      <a:headEnd type="none" w="med" len="med"/>
-                      <a:tailEnd type="none" w="med" len="med"/>
-                    </a:lnL>
-                    <a:lnR w="12700" cap="flat" cmpd="sng" algn="ctr">
-                      <a:solidFill>
-                        <a:schemeClr val="bg1"/>
-                      </a:solidFill>
-                      <a:prstDash val="solid"/>
-                      <a:round/>
-                      <a:headEnd type="none" w="med" len="med"/>
-                      <a:tailEnd type="none" w="med" len="med"/>
-                    </a:lnR>
-                    <a:lnT w="12700" cap="flat" cmpd="sng" algn="ctr">
-                      <a:solidFill>
-                        <a:schemeClr val="bg1"/>
-                      </a:solidFill>
-                      <a:prstDash val="solid"/>
-                      <a:round/>
-                      <a:headEnd type="none" w="med" len="med"/>
-                      <a:tailEnd type="none" w="med" len="med"/>
-                    </a:lnT>
-                    <a:lnB w="12700" cap="flat" cmpd="sng" algn="ctr">
-                      <a:solidFill>
-                        <a:schemeClr val="bg1"/>
-                      </a:solidFill>
-                      <a:prstDash val="solid"/>
-                      <a:round/>
-                      <a:headEnd type="none" w="med" len="med"/>
-                      <a:tailEnd type="none" w="med" len="med"/>
-                    </a:lnB>
-                    <a:lnTlToBr w="12700" cmpd="sng">
-                      <a:noFill/>
-                      <a:prstDash val="solid"/>
-                    </a:lnTlToBr>
-                    <a:lnBlToTr w="12700" cmpd="sng">
-                      <a:noFill/>
-                      <a:prstDash val="solid"/>
-                    </a:lnBlToTr>
-                  </a:tcPr>
-                </a:tc>
-              </a:tr>
-              <a:tr h="611617">
-                <a:tc>
-                  <a:txBody>
-                    <a:bodyPr/>
-                    <a:lstStyle/>
-                    <a:p>
-                      <a:r>
-                        <a:rPr lang="en-US" sz="1200" dirty="0">
-                          <a:solidFill>
-                            <a:schemeClr val="bg1"/>
-                          </a:solidFill>
-                        </a:rPr>
-                        <a:t>3.0</a:t>
-                      </a:r>
-                    </a:p>
-                  </a:txBody>
-                  <a:tcPr marL="61162" marR="61162" marT="30581" marB="30581" anchor="ctr">
-                    <a:lnL w="12700" cap="flat" cmpd="sng" algn="ctr">
-                      <a:solidFill>
-                        <a:schemeClr val="bg1"/>
-                      </a:solidFill>
-                      <a:prstDash val="solid"/>
-                      <a:round/>
-                      <a:headEnd type="none" w="med" len="med"/>
-                      <a:tailEnd type="none" w="med" len="med"/>
-                    </a:lnL>
-                    <a:lnR w="12700" cap="flat" cmpd="sng" algn="ctr">
-                      <a:solidFill>
-                        <a:schemeClr val="bg1"/>
-                      </a:solidFill>
-                      <a:prstDash val="solid"/>
-                      <a:round/>
-                      <a:headEnd type="none" w="med" len="med"/>
-                      <a:tailEnd type="none" w="med" len="med"/>
-                    </a:lnR>
-                    <a:lnT w="12700" cap="flat" cmpd="sng" algn="ctr">
-                      <a:solidFill>
-                        <a:schemeClr val="bg1"/>
-                      </a:solidFill>
-                      <a:prstDash val="solid"/>
-                      <a:round/>
-                      <a:headEnd type="none" w="med" len="med"/>
-                      <a:tailEnd type="none" w="med" len="med"/>
-                    </a:lnT>
-                    <a:lnB w="12700" cap="flat" cmpd="sng" algn="ctr">
-                      <a:solidFill>
-                        <a:schemeClr val="bg1"/>
-                      </a:solidFill>
-                      <a:prstDash val="solid"/>
-                      <a:round/>
-                      <a:headEnd type="none" w="med" len="med"/>
-                      <a:tailEnd type="none" w="med" len="med"/>
-                    </a:lnB>
-                    <a:lnTlToBr w="12700" cmpd="sng">
-                      <a:noFill/>
-                      <a:prstDash val="solid"/>
-                    </a:lnTlToBr>
-                    <a:lnBlToTr w="12700" cmpd="sng">
-                      <a:noFill/>
-                      <a:prstDash val="solid"/>
-                    </a:lnBlToTr>
-                  </a:tcPr>
-                </a:tc>
-                <a:tc>
-                  <a:txBody>
-                    <a:bodyPr/>
-                    <a:lstStyle/>
-                    <a:p>
-                      <a:r>
-                        <a:rPr lang="en-US" sz="1200">
-                          <a:solidFill>
-                            <a:schemeClr val="bg1"/>
-                          </a:solidFill>
-                        </a:rPr>
-                        <a:t>3.0.4506.30</a:t>
-                      </a:r>
-                    </a:p>
-                  </a:txBody>
-                  <a:tcPr marL="61162" marR="61162" marT="30581" marB="30581" anchor="ctr">
-                    <a:lnL w="12700" cap="flat" cmpd="sng" algn="ctr">
-                      <a:solidFill>
-                        <a:schemeClr val="bg1"/>
-                      </a:solidFill>
-                      <a:prstDash val="solid"/>
-                      <a:round/>
-                      <a:headEnd type="none" w="med" len="med"/>
-                      <a:tailEnd type="none" w="med" len="med"/>
-                    </a:lnL>
-                    <a:lnR w="12700" cap="flat" cmpd="sng" algn="ctr">
-                      <a:solidFill>
-                        <a:schemeClr val="bg1"/>
-                      </a:solidFill>
-                      <a:prstDash val="solid"/>
-                      <a:round/>
-                      <a:headEnd type="none" w="med" len="med"/>
-                      <a:tailEnd type="none" w="med" len="med"/>
-                    </a:lnR>
-                    <a:lnT w="12700" cap="flat" cmpd="sng" algn="ctr">
-                      <a:solidFill>
-                        <a:schemeClr val="bg1"/>
-                      </a:solidFill>
-                      <a:prstDash val="solid"/>
-                      <a:round/>
-                      <a:headEnd type="none" w="med" len="med"/>
-                      <a:tailEnd type="none" w="med" len="med"/>
-                    </a:lnT>
-                    <a:lnB w="12700" cap="flat" cmpd="sng" algn="ctr">
-                      <a:solidFill>
-                        <a:schemeClr val="bg1"/>
-                      </a:solidFill>
-                      <a:prstDash val="solid"/>
-                      <a:round/>
-                      <a:headEnd type="none" w="med" len="med"/>
-                      <a:tailEnd type="none" w="med" len="med"/>
-                    </a:lnB>
-                    <a:lnTlToBr w="12700" cmpd="sng">
-                      <a:noFill/>
-                      <a:prstDash val="solid"/>
-                    </a:lnTlToBr>
-                    <a:lnBlToTr w="12700" cmpd="sng">
-                      <a:noFill/>
-                      <a:prstDash val="solid"/>
-                    </a:lnBlToTr>
-                  </a:tcPr>
-                </a:tc>
-                <a:tc>
-                  <a:txBody>
-                    <a:bodyPr/>
-                    <a:lstStyle/>
-                    <a:p>
-                      <a:r>
-                        <a:rPr lang="ru-RU" sz="1200" dirty="0" smtClean="0">
-                          <a:solidFill>
-                            <a:schemeClr val="bg1"/>
-                          </a:solidFill>
-                        </a:rPr>
-                        <a:t>Ноябрь </a:t>
-                      </a:r>
-                      <a:r>
-                        <a:rPr lang="en-US" sz="1200" dirty="0" smtClean="0">
-                          <a:solidFill>
-                            <a:schemeClr val="bg1"/>
-                          </a:solidFill>
-                        </a:rPr>
-                        <a:t>2006</a:t>
-                      </a:r>
-                      <a:r>
-                        <a:rPr lang="ru-RU" sz="1200" dirty="0" smtClean="0">
-                          <a:solidFill>
-                            <a:schemeClr val="bg1"/>
-                          </a:solidFill>
-                        </a:rPr>
-                        <a:t> года</a:t>
-                      </a:r>
-                      <a:endParaRPr lang="en-US" sz="1200" dirty="0">
-                        <a:solidFill>
-                          <a:schemeClr val="bg1"/>
-                        </a:solidFill>
-                      </a:endParaRPr>
-                    </a:p>
-                  </a:txBody>
-                  <a:tcPr marL="61162" marR="61162" marT="30581" marB="30581" anchor="ctr">
-                    <a:lnL w="12700" cap="flat" cmpd="sng" algn="ctr">
-                      <a:solidFill>
-                        <a:schemeClr val="bg1"/>
-                      </a:solidFill>
-                      <a:prstDash val="solid"/>
-                      <a:round/>
-                      <a:headEnd type="none" w="med" len="med"/>
-                      <a:tailEnd type="none" w="med" len="med"/>
-                    </a:lnL>
-                    <a:lnR w="12700" cap="flat" cmpd="sng" algn="ctr">
-                      <a:solidFill>
-                        <a:schemeClr val="bg1"/>
-                      </a:solidFill>
-                      <a:prstDash val="solid"/>
-                      <a:round/>
-                      <a:headEnd type="none" w="med" len="med"/>
-                      <a:tailEnd type="none" w="med" len="med"/>
-                    </a:lnR>
-                    <a:lnT w="12700" cap="flat" cmpd="sng" algn="ctr">
-                      <a:solidFill>
-                        <a:schemeClr val="bg1"/>
-                      </a:solidFill>
-                      <a:prstDash val="solid"/>
-                      <a:round/>
-                      <a:headEnd type="none" w="med" len="med"/>
-                      <a:tailEnd type="none" w="med" len="med"/>
-                    </a:lnT>
-                    <a:lnB w="12700" cap="flat" cmpd="sng" algn="ctr">
-                      <a:solidFill>
-                        <a:schemeClr val="bg1"/>
-                      </a:solidFill>
-                      <a:prstDash val="solid"/>
-                      <a:round/>
-                      <a:headEnd type="none" w="med" len="med"/>
-                      <a:tailEnd type="none" w="med" len="med"/>
-                    </a:lnB>
-                    <a:lnTlToBr w="12700" cmpd="sng">
-                      <a:noFill/>
-                      <a:prstDash val="solid"/>
-                    </a:lnTlToBr>
-                    <a:lnBlToTr w="12700" cmpd="sng">
-                      <a:noFill/>
-                      <a:prstDash val="solid"/>
-                    </a:lnBlToTr>
-                  </a:tcPr>
-                </a:tc>
-                <a:tc>
-                  <a:txBody>
-                    <a:bodyPr/>
-                    <a:lstStyle/>
-                    <a:p>
-                      <a:endParaRPr lang="en-US" sz="1200">
-                        <a:solidFill>
-                          <a:schemeClr val="bg1"/>
-                        </a:solidFill>
-                      </a:endParaRPr>
-                    </a:p>
-                  </a:txBody>
-                  <a:tcPr marL="61162" marR="61162" marT="30581" marB="30581" anchor="ctr">
-                    <a:lnL w="12700" cap="flat" cmpd="sng" algn="ctr">
-                      <a:solidFill>
-                        <a:schemeClr val="bg1"/>
-                      </a:solidFill>
-                      <a:prstDash val="solid"/>
-                      <a:round/>
-                      <a:headEnd type="none" w="med" len="med"/>
-                      <a:tailEnd type="none" w="med" len="med"/>
-                    </a:lnL>
-                    <a:lnR w="12700" cap="flat" cmpd="sng" algn="ctr">
-                      <a:solidFill>
-                        <a:schemeClr val="bg1"/>
-                      </a:solidFill>
-                      <a:prstDash val="solid"/>
-                      <a:round/>
-                      <a:headEnd type="none" w="med" len="med"/>
-                      <a:tailEnd type="none" w="med" len="med"/>
-                    </a:lnR>
-                    <a:lnT w="12700" cap="flat" cmpd="sng" algn="ctr">
-                      <a:solidFill>
-                        <a:schemeClr val="bg1"/>
-                      </a:solidFill>
-                      <a:prstDash val="solid"/>
-                      <a:round/>
-                      <a:headEnd type="none" w="med" len="med"/>
-                      <a:tailEnd type="none" w="med" len="med"/>
-                    </a:lnT>
-                    <a:lnB w="12700" cap="flat" cmpd="sng" algn="ctr">
-                      <a:solidFill>
-                        <a:schemeClr val="bg1"/>
-                      </a:solidFill>
-                      <a:prstDash val="solid"/>
-                      <a:round/>
-                      <a:headEnd type="none" w="med" len="med"/>
-                      <a:tailEnd type="none" w="med" len="med"/>
-                    </a:lnB>
-                    <a:lnTlToBr w="12700" cmpd="sng">
-                      <a:noFill/>
-                      <a:prstDash val="solid"/>
-                    </a:lnTlToBr>
-                    <a:lnBlToTr w="12700" cmpd="sng">
-                      <a:noFill/>
-                      <a:prstDash val="solid"/>
-                    </a:lnBlToTr>
-                  </a:tcPr>
-                </a:tc>
-                <a:tc>
-                  <a:txBody>
-                    <a:bodyPr/>
-                    <a:lstStyle/>
-                    <a:p>
-                      <a:r>
-                        <a:rPr lang="en-US" sz="1200" dirty="0">
-                          <a:solidFill>
-                            <a:schemeClr val="bg1"/>
-                          </a:solidFill>
-                        </a:rPr>
-                        <a:t>Windows Vista, Windows Server 2008</a:t>
-                      </a:r>
-                    </a:p>
-                  </a:txBody>
-                  <a:tcPr marL="61162" marR="61162" marT="30581" marB="30581" anchor="ctr">
-                    <a:lnL w="12700" cap="flat" cmpd="sng" algn="ctr">
-                      <a:solidFill>
-                        <a:schemeClr val="bg1"/>
-                      </a:solidFill>
-                      <a:prstDash val="solid"/>
-                      <a:round/>
-                      <a:headEnd type="none" w="med" len="med"/>
-                      <a:tailEnd type="none" w="med" len="med"/>
-                    </a:lnL>
-                    <a:lnR w="12700" cap="flat" cmpd="sng" algn="ctr">
-                      <a:solidFill>
-                        <a:schemeClr val="bg1"/>
-                      </a:solidFill>
-                      <a:prstDash val="solid"/>
-                      <a:round/>
-                      <a:headEnd type="none" w="med" len="med"/>
-                      <a:tailEnd type="none" w="med" len="med"/>
-                    </a:lnR>
-                    <a:lnT w="12700" cap="flat" cmpd="sng" algn="ctr">
-                      <a:solidFill>
-                        <a:schemeClr val="bg1"/>
-                      </a:solidFill>
-                      <a:prstDash val="solid"/>
-                      <a:round/>
-                      <a:headEnd type="none" w="med" len="med"/>
-                      <a:tailEnd type="none" w="med" len="med"/>
-                    </a:lnT>
-                    <a:lnB w="12700" cap="flat" cmpd="sng" algn="ctr">
-                      <a:solidFill>
-                        <a:schemeClr val="bg1"/>
-                      </a:solidFill>
-                      <a:prstDash val="solid"/>
-                      <a:round/>
-                      <a:headEnd type="none" w="med" len="med"/>
-                      <a:tailEnd type="none" w="med" len="med"/>
-                    </a:lnB>
-                    <a:lnTlToBr w="12700" cmpd="sng">
-                      <a:noFill/>
-                      <a:prstDash val="solid"/>
-                    </a:lnTlToBr>
-                    <a:lnBlToTr w="12700" cmpd="sng">
-                      <a:noFill/>
-                      <a:prstDash val="solid"/>
-                    </a:lnBlToTr>
-                  </a:tcPr>
-                </a:tc>
-              </a:tr>
-              <a:tr h="611617">
-                <a:tc>
-                  <a:txBody>
-                    <a:bodyPr/>
-                    <a:lstStyle/>
-                    <a:p>
-                      <a:r>
-                        <a:rPr lang="en-US" sz="1200" dirty="0">
-                          <a:solidFill>
-                            <a:schemeClr val="bg1"/>
-                          </a:solidFill>
-                        </a:rPr>
-                        <a:t>3.5</a:t>
-                      </a:r>
-                    </a:p>
-                  </a:txBody>
-                  <a:tcPr marL="61162" marR="61162" marT="30581" marB="30581" anchor="ctr">
-                    <a:lnL w="12700" cap="flat" cmpd="sng" algn="ctr">
-                      <a:solidFill>
-                        <a:schemeClr val="bg1"/>
-                      </a:solidFill>
-                      <a:prstDash val="solid"/>
-                      <a:round/>
-                      <a:headEnd type="none" w="med" len="med"/>
-                      <a:tailEnd type="none" w="med" len="med"/>
-                    </a:lnL>
-                    <a:lnR w="12700" cap="flat" cmpd="sng" algn="ctr">
-                      <a:solidFill>
-                        <a:schemeClr val="bg1"/>
-                      </a:solidFill>
-                      <a:prstDash val="solid"/>
-                      <a:round/>
-                      <a:headEnd type="none" w="med" len="med"/>
-                      <a:tailEnd type="none" w="med" len="med"/>
-                    </a:lnR>
-                    <a:lnT w="12700" cap="flat" cmpd="sng" algn="ctr">
-                      <a:solidFill>
-                        <a:schemeClr val="bg1"/>
-                      </a:solidFill>
-                      <a:prstDash val="solid"/>
-                      <a:round/>
-                      <a:headEnd type="none" w="med" len="med"/>
-                      <a:tailEnd type="none" w="med" len="med"/>
-                    </a:lnT>
-                    <a:lnB w="12700" cap="flat" cmpd="sng" algn="ctr">
-                      <a:solidFill>
-                        <a:schemeClr val="bg1"/>
-                      </a:solidFill>
-                      <a:prstDash val="solid"/>
-                      <a:round/>
-                      <a:headEnd type="none" w="med" len="med"/>
-                      <a:tailEnd type="none" w="med" len="med"/>
-                    </a:lnB>
-                    <a:lnTlToBr w="12700" cmpd="sng">
-                      <a:noFill/>
-                      <a:prstDash val="solid"/>
-                    </a:lnTlToBr>
-                    <a:lnBlToTr w="12700" cmpd="sng">
-                      <a:noFill/>
-                      <a:prstDash val="solid"/>
-                    </a:lnBlToTr>
-                  </a:tcPr>
-                </a:tc>
-                <a:tc>
-                  <a:txBody>
-                    <a:bodyPr/>
-                    <a:lstStyle/>
-                    <a:p>
-                      <a:r>
-                        <a:rPr lang="en-US" sz="1200">
-                          <a:solidFill>
-                            <a:schemeClr val="bg1"/>
-                          </a:solidFill>
-                        </a:rPr>
-                        <a:t>3.5.21022.8</a:t>
-                      </a:r>
-                    </a:p>
-                  </a:txBody>
-                  <a:tcPr marL="61162" marR="61162" marT="30581" marB="30581" anchor="ctr">
-                    <a:lnL w="12700" cap="flat" cmpd="sng" algn="ctr">
-                      <a:solidFill>
-                        <a:schemeClr val="bg1"/>
-                      </a:solidFill>
-                      <a:prstDash val="solid"/>
-                      <a:round/>
-                      <a:headEnd type="none" w="med" len="med"/>
-                      <a:tailEnd type="none" w="med" len="med"/>
-                    </a:lnL>
-                    <a:lnR w="12700" cap="flat" cmpd="sng" algn="ctr">
-                      <a:solidFill>
-                        <a:schemeClr val="bg1"/>
-                      </a:solidFill>
-                      <a:prstDash val="solid"/>
-                      <a:round/>
-                      <a:headEnd type="none" w="med" len="med"/>
-                      <a:tailEnd type="none" w="med" len="med"/>
-                    </a:lnR>
-                    <a:lnT w="12700" cap="flat" cmpd="sng" algn="ctr">
-                      <a:solidFill>
-                        <a:schemeClr val="bg1"/>
-                      </a:solidFill>
-                      <a:prstDash val="solid"/>
-                      <a:round/>
-                      <a:headEnd type="none" w="med" len="med"/>
-                      <a:tailEnd type="none" w="med" len="med"/>
-                    </a:lnT>
-                    <a:lnB w="12700" cap="flat" cmpd="sng" algn="ctr">
-                      <a:solidFill>
-                        <a:schemeClr val="bg1"/>
-                      </a:solidFill>
-                      <a:prstDash val="solid"/>
-                      <a:round/>
-                      <a:headEnd type="none" w="med" len="med"/>
-                      <a:tailEnd type="none" w="med" len="med"/>
-                    </a:lnB>
-                    <a:lnTlToBr w="12700" cmpd="sng">
-                      <a:noFill/>
-                      <a:prstDash val="solid"/>
-                    </a:lnTlToBr>
-                    <a:lnBlToTr w="12700" cmpd="sng">
-                      <a:noFill/>
-                      <a:prstDash val="solid"/>
-                    </a:lnBlToTr>
-                  </a:tcPr>
-                </a:tc>
-                <a:tc>
-                  <a:txBody>
-                    <a:bodyPr/>
-                    <a:lstStyle/>
-                    <a:p>
-                      <a:r>
-                        <a:rPr lang="ru-RU" sz="1200" dirty="0" smtClean="0">
-                          <a:solidFill>
-                            <a:schemeClr val="bg1"/>
-                          </a:solidFill>
-                        </a:rPr>
-                        <a:t>Ноябрь</a:t>
-                      </a:r>
-                      <a:r>
-                        <a:rPr lang="ru-RU" sz="1200" baseline="0" dirty="0" smtClean="0">
-                          <a:solidFill>
-                            <a:schemeClr val="bg1"/>
-                          </a:solidFill>
-                        </a:rPr>
-                        <a:t> </a:t>
-                      </a:r>
-                      <a:r>
-                        <a:rPr lang="en-US" sz="1200" dirty="0" smtClean="0">
-                          <a:solidFill>
-                            <a:schemeClr val="bg1"/>
-                          </a:solidFill>
-                        </a:rPr>
-                        <a:t>2007</a:t>
-                      </a:r>
-                      <a:r>
-                        <a:rPr lang="ru-RU" sz="1200" dirty="0" smtClean="0">
-                          <a:solidFill>
-                            <a:schemeClr val="bg1"/>
-                          </a:solidFill>
-                        </a:rPr>
-                        <a:t> года</a:t>
-                      </a:r>
-                      <a:endParaRPr lang="en-US" sz="1200" dirty="0">
-                        <a:solidFill>
-                          <a:schemeClr val="bg1"/>
-                        </a:solidFill>
-                      </a:endParaRPr>
-                    </a:p>
-                  </a:txBody>
-                  <a:tcPr marL="61162" marR="61162" marT="30581" marB="30581" anchor="ctr">
-                    <a:lnL w="12700" cap="flat" cmpd="sng" algn="ctr">
-                      <a:solidFill>
-                        <a:schemeClr val="bg1"/>
-                      </a:solidFill>
-                      <a:prstDash val="solid"/>
-                      <a:round/>
-                      <a:headEnd type="none" w="med" len="med"/>
-                      <a:tailEnd type="none" w="med" len="med"/>
-                    </a:lnL>
-                    <a:lnR w="12700" cap="flat" cmpd="sng" algn="ctr">
-                      <a:solidFill>
-                        <a:schemeClr val="bg1"/>
-                      </a:solidFill>
-                      <a:prstDash val="solid"/>
-                      <a:round/>
-                      <a:headEnd type="none" w="med" len="med"/>
-                      <a:tailEnd type="none" w="med" len="med"/>
-                    </a:lnR>
-                    <a:lnT w="12700" cap="flat" cmpd="sng" algn="ctr">
-                      <a:solidFill>
-                        <a:schemeClr val="bg1"/>
-                      </a:solidFill>
-                      <a:prstDash val="solid"/>
-                      <a:round/>
-                      <a:headEnd type="none" w="med" len="med"/>
-                      <a:tailEnd type="none" w="med" len="med"/>
-                    </a:lnT>
-                    <a:lnB w="12700" cap="flat" cmpd="sng" algn="ctr">
-                      <a:solidFill>
-                        <a:schemeClr val="bg1"/>
-                      </a:solidFill>
-                      <a:prstDash val="solid"/>
-                      <a:round/>
-                      <a:headEnd type="none" w="med" len="med"/>
-                      <a:tailEnd type="none" w="med" len="med"/>
-                    </a:lnB>
-                    <a:lnTlToBr w="12700" cmpd="sng">
-                      <a:noFill/>
-                      <a:prstDash val="solid"/>
-                    </a:lnTlToBr>
-                    <a:lnBlToTr w="12700" cmpd="sng">
-                      <a:noFill/>
-                      <a:prstDash val="solid"/>
-                    </a:lnBlToTr>
-                  </a:tcPr>
-                </a:tc>
-                <a:tc>
-                  <a:txBody>
-                    <a:bodyPr/>
-                    <a:lstStyle/>
-                    <a:p>
-                      <a:r>
-                        <a:rPr lang="en-US" sz="1200">
-                          <a:solidFill>
-                            <a:schemeClr val="bg1"/>
-                          </a:solidFill>
-                        </a:rPr>
-                        <a:t>Visual Studio 2008</a:t>
-                      </a:r>
-                    </a:p>
-                  </a:txBody>
-                  <a:tcPr marL="61162" marR="61162" marT="30581" marB="30581" anchor="ctr">
-                    <a:lnL w="12700" cap="flat" cmpd="sng" algn="ctr">
-                      <a:solidFill>
-                        <a:schemeClr val="bg1"/>
-                      </a:solidFill>
-                      <a:prstDash val="solid"/>
-                      <a:round/>
-                      <a:headEnd type="none" w="med" len="med"/>
-                      <a:tailEnd type="none" w="med" len="med"/>
-                    </a:lnL>
-                    <a:lnR w="12700" cap="flat" cmpd="sng" algn="ctr">
-                      <a:solidFill>
-                        <a:schemeClr val="bg1"/>
-                      </a:solidFill>
-                      <a:prstDash val="solid"/>
-                      <a:round/>
-                      <a:headEnd type="none" w="med" len="med"/>
-                      <a:tailEnd type="none" w="med" len="med"/>
-                    </a:lnR>
-                    <a:lnT w="12700" cap="flat" cmpd="sng" algn="ctr">
-                      <a:solidFill>
-                        <a:schemeClr val="bg1"/>
-                      </a:solidFill>
-                      <a:prstDash val="solid"/>
-                      <a:round/>
-                      <a:headEnd type="none" w="med" len="med"/>
-                      <a:tailEnd type="none" w="med" len="med"/>
-                    </a:lnT>
-                    <a:lnB w="12700" cap="flat" cmpd="sng" algn="ctr">
-                      <a:solidFill>
-                        <a:schemeClr val="bg1"/>
-                      </a:solidFill>
-                      <a:prstDash val="solid"/>
-                      <a:round/>
-                      <a:headEnd type="none" w="med" len="med"/>
-                      <a:tailEnd type="none" w="med" len="med"/>
-                    </a:lnB>
-                    <a:lnTlToBr w="12700" cmpd="sng">
-                      <a:noFill/>
-                      <a:prstDash val="solid"/>
-                    </a:lnTlToBr>
-                    <a:lnBlToTr w="12700" cmpd="sng">
-                      <a:noFill/>
-                      <a:prstDash val="solid"/>
-                    </a:lnBlToTr>
-                  </a:tcPr>
-                </a:tc>
-                <a:tc>
-                  <a:txBody>
-                    <a:bodyPr/>
-                    <a:lstStyle/>
-                    <a:p>
-                      <a:r>
-                        <a:rPr lang="en-US" sz="1200" dirty="0">
-                          <a:solidFill>
-                            <a:schemeClr val="bg1"/>
-                          </a:solidFill>
-                        </a:rPr>
-                        <a:t>Windows 7, Windows Server 2008 R2</a:t>
-                      </a:r>
-                    </a:p>
-                  </a:txBody>
-                  <a:tcPr marL="61162" marR="61162" marT="30581" marB="30581" anchor="ctr">
-                    <a:lnL w="12700" cap="flat" cmpd="sng" algn="ctr">
-                      <a:solidFill>
-                        <a:schemeClr val="bg1"/>
-                      </a:solidFill>
-                      <a:prstDash val="solid"/>
-                      <a:round/>
-                      <a:headEnd type="none" w="med" len="med"/>
-                      <a:tailEnd type="none" w="med" len="med"/>
-                    </a:lnL>
-                    <a:lnR w="12700" cap="flat" cmpd="sng" algn="ctr">
-                      <a:solidFill>
-                        <a:schemeClr val="bg1"/>
-                      </a:solidFill>
-                      <a:prstDash val="solid"/>
-                      <a:round/>
-                      <a:headEnd type="none" w="med" len="med"/>
-                      <a:tailEnd type="none" w="med" len="med"/>
-                    </a:lnR>
-                    <a:lnT w="12700" cap="flat" cmpd="sng" algn="ctr">
-                      <a:solidFill>
-                        <a:schemeClr val="bg1"/>
-                      </a:solidFill>
-                      <a:prstDash val="solid"/>
-                      <a:round/>
-                      <a:headEnd type="none" w="med" len="med"/>
-                      <a:tailEnd type="none" w="med" len="med"/>
-                    </a:lnT>
-                    <a:lnB w="12700" cap="flat" cmpd="sng" algn="ctr">
-                      <a:solidFill>
-                        <a:schemeClr val="bg1"/>
-                      </a:solidFill>
-                      <a:prstDash val="solid"/>
-                      <a:round/>
-                      <a:headEnd type="none" w="med" len="med"/>
-                      <a:tailEnd type="none" w="med" len="med"/>
-                    </a:lnB>
-                    <a:lnTlToBr w="12700" cmpd="sng">
-                      <a:noFill/>
-                      <a:prstDash val="solid"/>
-                    </a:lnTlToBr>
-                    <a:lnBlToTr w="12700" cmpd="sng">
-                      <a:noFill/>
-                      <a:prstDash val="solid"/>
-                    </a:lnBlToTr>
-                  </a:tcPr>
-                </a:tc>
-              </a:tr>
-              <a:tr h="611617">
-                <a:tc>
-                  <a:txBody>
-                    <a:bodyPr/>
-                    <a:lstStyle/>
-                    <a:p>
-                      <a:r>
-                        <a:rPr lang="en-US" sz="1200" dirty="0">
-                          <a:solidFill>
-                            <a:schemeClr val="bg1"/>
-                          </a:solidFill>
-                        </a:rPr>
-                        <a:t>4.0</a:t>
-                      </a:r>
-                    </a:p>
-                  </a:txBody>
-                  <a:tcPr marL="61162" marR="61162" marT="30581" marB="30581" anchor="ctr">
-                    <a:lnL w="12700" cap="flat" cmpd="sng" algn="ctr">
-                      <a:solidFill>
-                        <a:schemeClr val="bg1"/>
-                      </a:solidFill>
-                      <a:prstDash val="solid"/>
-                      <a:round/>
-                      <a:headEnd type="none" w="med" len="med"/>
-                      <a:tailEnd type="none" w="med" len="med"/>
-                    </a:lnL>
-                    <a:lnR w="12700" cap="flat" cmpd="sng" algn="ctr">
-                      <a:solidFill>
-                        <a:schemeClr val="bg1"/>
-                      </a:solidFill>
-                      <a:prstDash val="solid"/>
-                      <a:round/>
-                      <a:headEnd type="none" w="med" len="med"/>
-                      <a:tailEnd type="none" w="med" len="med"/>
-                    </a:lnR>
-                    <a:lnT w="12700" cap="flat" cmpd="sng" algn="ctr">
-                      <a:solidFill>
-                        <a:schemeClr val="bg1"/>
-                      </a:solidFill>
-                      <a:prstDash val="solid"/>
-                      <a:round/>
-                      <a:headEnd type="none" w="med" len="med"/>
-                      <a:tailEnd type="none" w="med" len="med"/>
-                    </a:lnT>
-                    <a:lnB w="12700" cap="flat" cmpd="sng" algn="ctr">
-                      <a:solidFill>
-                        <a:schemeClr val="bg1"/>
-                      </a:solidFill>
-                      <a:prstDash val="solid"/>
-                      <a:round/>
-                      <a:headEnd type="none" w="med" len="med"/>
-                      <a:tailEnd type="none" w="med" len="med"/>
-                    </a:lnB>
-                    <a:lnTlToBr w="12700" cmpd="sng">
-                      <a:noFill/>
-                      <a:prstDash val="solid"/>
-                    </a:lnTlToBr>
-                    <a:lnBlToTr w="12700" cmpd="sng">
-                      <a:noFill/>
-                      <a:prstDash val="solid"/>
-                    </a:lnBlToTr>
-                  </a:tcPr>
-                </a:tc>
-                <a:tc>
-                  <a:txBody>
-                    <a:bodyPr/>
-                    <a:lstStyle/>
-                    <a:p>
-                      <a:r>
-                        <a:rPr lang="en-US" sz="1200">
-                          <a:solidFill>
-                            <a:schemeClr val="bg1"/>
-                          </a:solidFill>
-                        </a:rPr>
-                        <a:t>4.0.30319.1</a:t>
-                      </a:r>
-                    </a:p>
-                  </a:txBody>
-                  <a:tcPr marL="61162" marR="61162" marT="30581" marB="30581" anchor="ctr">
-                    <a:lnL w="12700" cap="flat" cmpd="sng" algn="ctr">
-                      <a:solidFill>
-                        <a:schemeClr val="bg1"/>
-                      </a:solidFill>
-                      <a:prstDash val="solid"/>
-                      <a:round/>
-                      <a:headEnd type="none" w="med" len="med"/>
-                      <a:tailEnd type="none" w="med" len="med"/>
-                    </a:lnL>
-                    <a:lnR w="12700" cap="flat" cmpd="sng" algn="ctr">
-                      <a:solidFill>
-                        <a:schemeClr val="bg1"/>
-                      </a:solidFill>
-                      <a:prstDash val="solid"/>
-                      <a:round/>
-                      <a:headEnd type="none" w="med" len="med"/>
-                      <a:tailEnd type="none" w="med" len="med"/>
-                    </a:lnR>
-                    <a:lnT w="12700" cap="flat" cmpd="sng" algn="ctr">
-                      <a:solidFill>
-                        <a:schemeClr val="bg1"/>
-                      </a:solidFill>
-                      <a:prstDash val="solid"/>
-                      <a:round/>
-                      <a:headEnd type="none" w="med" len="med"/>
-                      <a:tailEnd type="none" w="med" len="med"/>
-                    </a:lnT>
-                    <a:lnB w="12700" cap="flat" cmpd="sng" algn="ctr">
-                      <a:solidFill>
-                        <a:schemeClr val="bg1"/>
-                      </a:solidFill>
-                      <a:prstDash val="solid"/>
-                      <a:round/>
-                      <a:headEnd type="none" w="med" len="med"/>
-                      <a:tailEnd type="none" w="med" len="med"/>
-                    </a:lnB>
-                    <a:lnTlToBr w="12700" cmpd="sng">
-                      <a:noFill/>
-                      <a:prstDash val="solid"/>
-                    </a:lnTlToBr>
-                    <a:lnBlToTr w="12700" cmpd="sng">
-                      <a:noFill/>
-                      <a:prstDash val="solid"/>
-                    </a:lnBlToTr>
-                  </a:tcPr>
-                </a:tc>
-                <a:tc>
-                  <a:txBody>
-                    <a:bodyPr/>
-                    <a:lstStyle/>
-                    <a:p>
-                      <a:r>
-                        <a:rPr lang="ru-RU" sz="1200" dirty="0" smtClean="0">
-                          <a:solidFill>
-                            <a:schemeClr val="bg1"/>
-                          </a:solidFill>
-                        </a:rPr>
-                        <a:t>Апрель </a:t>
-                      </a:r>
-                      <a:r>
-                        <a:rPr lang="en-US" sz="1200" dirty="0" smtClean="0">
-                          <a:solidFill>
-                            <a:schemeClr val="bg1"/>
-                          </a:solidFill>
-                        </a:rPr>
-                        <a:t>2010</a:t>
-                      </a:r>
-                      <a:r>
-                        <a:rPr lang="ru-RU" sz="1200" dirty="0" smtClean="0">
-                          <a:solidFill>
-                            <a:schemeClr val="bg1"/>
-                          </a:solidFill>
-                        </a:rPr>
-                        <a:t> года</a:t>
-                      </a:r>
-                      <a:endParaRPr lang="en-US" sz="1200" dirty="0">
-                        <a:solidFill>
-                          <a:schemeClr val="bg1"/>
-                        </a:solidFill>
-                      </a:endParaRPr>
-                    </a:p>
-                  </a:txBody>
-                  <a:tcPr marL="61162" marR="61162" marT="30581" marB="30581" anchor="ctr">
-                    <a:lnL w="12700" cap="flat" cmpd="sng" algn="ctr">
-                      <a:solidFill>
-                        <a:schemeClr val="bg1"/>
-                      </a:solidFill>
-                      <a:prstDash val="solid"/>
-                      <a:round/>
-                      <a:headEnd type="none" w="med" len="med"/>
-                      <a:tailEnd type="none" w="med" len="med"/>
-                    </a:lnL>
-                    <a:lnR w="12700" cap="flat" cmpd="sng" algn="ctr">
-                      <a:solidFill>
-                        <a:schemeClr val="bg1"/>
-                      </a:solidFill>
-                      <a:prstDash val="solid"/>
-                      <a:round/>
-                      <a:headEnd type="none" w="med" len="med"/>
-                      <a:tailEnd type="none" w="med" len="med"/>
-                    </a:lnR>
-                    <a:lnT w="12700" cap="flat" cmpd="sng" algn="ctr">
-                      <a:solidFill>
-                        <a:schemeClr val="bg1"/>
-                      </a:solidFill>
-                      <a:prstDash val="solid"/>
-                      <a:round/>
-                      <a:headEnd type="none" w="med" len="med"/>
-                      <a:tailEnd type="none" w="med" len="med"/>
-                    </a:lnT>
-                    <a:lnB w="12700" cap="flat" cmpd="sng" algn="ctr">
-                      <a:solidFill>
-                        <a:schemeClr val="bg1"/>
-                      </a:solidFill>
-                      <a:prstDash val="solid"/>
-                      <a:round/>
-                      <a:headEnd type="none" w="med" len="med"/>
-                      <a:tailEnd type="none" w="med" len="med"/>
-                    </a:lnB>
-                    <a:lnTlToBr w="12700" cmpd="sng">
-                      <a:noFill/>
-                      <a:prstDash val="solid"/>
-                    </a:lnTlToBr>
-                    <a:lnBlToTr w="12700" cmpd="sng">
-                      <a:noFill/>
-                      <a:prstDash val="solid"/>
-                    </a:lnBlToTr>
-                  </a:tcPr>
-                </a:tc>
-                <a:tc>
-                  <a:txBody>
-                    <a:bodyPr/>
-                    <a:lstStyle/>
-                    <a:p>
-                      <a:r>
-                        <a:rPr lang="en-US" sz="1200">
-                          <a:solidFill>
-                            <a:schemeClr val="bg1"/>
-                          </a:solidFill>
-                        </a:rPr>
-                        <a:t>Visual Studio 2010</a:t>
-                      </a:r>
-                    </a:p>
-                  </a:txBody>
-                  <a:tcPr marL="61162" marR="61162" marT="30581" marB="30581" anchor="ctr">
-                    <a:lnL w="12700" cap="flat" cmpd="sng" algn="ctr">
-                      <a:solidFill>
-                        <a:schemeClr val="bg1"/>
-                      </a:solidFill>
-                      <a:prstDash val="solid"/>
-                      <a:round/>
-                      <a:headEnd type="none" w="med" len="med"/>
-                      <a:tailEnd type="none" w="med" len="med"/>
-                    </a:lnL>
-                    <a:lnR w="12700" cap="flat" cmpd="sng" algn="ctr">
-                      <a:solidFill>
-                        <a:schemeClr val="bg1"/>
-                      </a:solidFill>
-                      <a:prstDash val="solid"/>
-                      <a:round/>
-                      <a:headEnd type="none" w="med" len="med"/>
-                      <a:tailEnd type="none" w="med" len="med"/>
-                    </a:lnR>
-                    <a:lnT w="12700" cap="flat" cmpd="sng" algn="ctr">
-                      <a:solidFill>
-                        <a:schemeClr val="bg1"/>
-                      </a:solidFill>
-                      <a:prstDash val="solid"/>
-                      <a:round/>
-                      <a:headEnd type="none" w="med" len="med"/>
-                      <a:tailEnd type="none" w="med" len="med"/>
-                    </a:lnT>
-                    <a:lnB w="12700" cap="flat" cmpd="sng" algn="ctr">
-                      <a:solidFill>
-                        <a:schemeClr val="bg1"/>
-                      </a:solidFill>
-                      <a:prstDash val="solid"/>
-                      <a:round/>
-                      <a:headEnd type="none" w="med" len="med"/>
-                      <a:tailEnd type="none" w="med" len="med"/>
-                    </a:lnB>
-                    <a:lnTlToBr w="12700" cmpd="sng">
-                      <a:noFill/>
-                      <a:prstDash val="solid"/>
-                    </a:lnTlToBr>
-                    <a:lnBlToTr w="12700" cmpd="sng">
-                      <a:noFill/>
-                      <a:prstDash val="solid"/>
-                    </a:lnBlToTr>
-                  </a:tcPr>
-                </a:tc>
-                <a:tc>
-                  <a:txBody>
-                    <a:bodyPr/>
-                    <a:lstStyle/>
-                    <a:p>
-                      <a:r>
-                        <a:rPr lang="en-US" sz="1200" dirty="0">
-                          <a:solidFill>
-                            <a:schemeClr val="bg1"/>
-                          </a:solidFill>
-                        </a:rPr>
-                        <a:t>Windows 7 (recommended)</a:t>
-                      </a:r>
-                    </a:p>
-                  </a:txBody>
-                  <a:tcPr marL="61162" marR="61162" marT="30581" marB="30581" anchor="ctr">
-                    <a:lnL w="12700" cap="flat" cmpd="sng" algn="ctr">
-                      <a:solidFill>
-                        <a:schemeClr val="bg1"/>
-                      </a:solidFill>
-                      <a:prstDash val="solid"/>
-                      <a:round/>
-                      <a:headEnd type="none" w="med" len="med"/>
-                      <a:tailEnd type="none" w="med" len="med"/>
-                    </a:lnL>
-                    <a:lnR w="12700" cap="flat" cmpd="sng" algn="ctr">
-                      <a:solidFill>
-                        <a:schemeClr val="bg1"/>
-                      </a:solidFill>
-                      <a:prstDash val="solid"/>
-                      <a:round/>
-                      <a:headEnd type="none" w="med" len="med"/>
-                      <a:tailEnd type="none" w="med" len="med"/>
-                    </a:lnR>
-                    <a:lnT w="12700" cap="flat" cmpd="sng" algn="ctr">
-                      <a:solidFill>
-                        <a:schemeClr val="bg1"/>
-                      </a:solidFill>
-                      <a:prstDash val="solid"/>
-                      <a:round/>
-                      <a:headEnd type="none" w="med" len="med"/>
-                      <a:tailEnd type="none" w="med" len="med"/>
-                    </a:lnT>
-                    <a:lnB w="12700" cap="flat" cmpd="sng" algn="ctr">
-                      <a:solidFill>
-                        <a:schemeClr val="bg1"/>
-                      </a:solidFill>
-                      <a:prstDash val="solid"/>
-                      <a:round/>
-                      <a:headEnd type="none" w="med" len="med"/>
-                      <a:tailEnd type="none" w="med" len="med"/>
-                    </a:lnB>
-                    <a:lnTlToBr w="12700" cmpd="sng">
-                      <a:noFill/>
-                      <a:prstDash val="solid"/>
-                    </a:lnTlToBr>
-                    <a:lnBlToTr w="12700" cmpd="sng">
-                      <a:noFill/>
-                      <a:prstDash val="solid"/>
-                    </a:lnBlToTr>
-                  </a:tcPr>
-                </a:tc>
-              </a:tr>
-              <a:tr h="611617">
-                <a:tc>
-                  <a:txBody>
-                    <a:bodyPr/>
-                    <a:lstStyle/>
-                    <a:p>
-                      <a:r>
-                        <a:rPr lang="en-US" sz="1200" dirty="0">
-                          <a:solidFill>
-                            <a:schemeClr val="bg1"/>
-                          </a:solidFill>
-                        </a:rPr>
-                        <a:t>4.5</a:t>
-                      </a:r>
-                    </a:p>
-                  </a:txBody>
-                  <a:tcPr marL="61162" marR="61162" marT="30581" marB="30581" anchor="ctr">
-                    <a:lnL w="12700" cap="flat" cmpd="sng" algn="ctr">
-                      <a:solidFill>
-                        <a:schemeClr val="bg1"/>
-                      </a:solidFill>
-                      <a:prstDash val="solid"/>
-                      <a:round/>
-                      <a:headEnd type="none" w="med" len="med"/>
-                      <a:tailEnd type="none" w="med" len="med"/>
-                    </a:lnL>
-                    <a:lnR w="12700" cap="flat" cmpd="sng" algn="ctr">
-                      <a:solidFill>
-                        <a:schemeClr val="bg1"/>
-                      </a:solidFill>
-                      <a:prstDash val="solid"/>
-                      <a:round/>
-                      <a:headEnd type="none" w="med" len="med"/>
-                      <a:tailEnd type="none" w="med" len="med"/>
-                    </a:lnR>
-                    <a:lnT w="12700" cap="flat" cmpd="sng" algn="ctr">
-                      <a:solidFill>
-                        <a:schemeClr val="bg1"/>
-                      </a:solidFill>
-                      <a:prstDash val="solid"/>
-                      <a:round/>
-                      <a:headEnd type="none" w="med" len="med"/>
-                      <a:tailEnd type="none" w="med" len="med"/>
-                    </a:lnT>
-                    <a:lnB w="12700" cap="flat" cmpd="sng" algn="ctr">
-                      <a:solidFill>
-                        <a:schemeClr val="bg1"/>
-                      </a:solidFill>
-                      <a:prstDash val="solid"/>
-                      <a:round/>
-                      <a:headEnd type="none" w="med" len="med"/>
-                      <a:tailEnd type="none" w="med" len="med"/>
-                    </a:lnB>
-                    <a:lnTlToBr w="12700" cmpd="sng">
-                      <a:noFill/>
-                      <a:prstDash val="solid"/>
-                    </a:lnTlToBr>
-                    <a:lnBlToTr w="12700" cmpd="sng">
-                      <a:noFill/>
-                      <a:prstDash val="solid"/>
-                    </a:lnBlToTr>
-                  </a:tcPr>
-                </a:tc>
-                <a:tc>
-                  <a:txBody>
-                    <a:bodyPr/>
-                    <a:lstStyle/>
-                    <a:p>
-                      <a:r>
-                        <a:rPr lang="en-US" sz="1200">
-                          <a:solidFill>
-                            <a:schemeClr val="bg1"/>
-                          </a:solidFill>
-                        </a:rPr>
-                        <a:t>4.0.30319.17929 (4.5.50709)</a:t>
-                      </a:r>
-                    </a:p>
-                  </a:txBody>
-                  <a:tcPr marL="61162" marR="61162" marT="30581" marB="30581" anchor="ctr">
-                    <a:lnL w="12700" cap="flat" cmpd="sng" algn="ctr">
-                      <a:solidFill>
-                        <a:schemeClr val="bg1"/>
-                      </a:solidFill>
-                      <a:prstDash val="solid"/>
-                      <a:round/>
-                      <a:headEnd type="none" w="med" len="med"/>
-                      <a:tailEnd type="none" w="med" len="med"/>
-                    </a:lnL>
-                    <a:lnR w="12700" cap="flat" cmpd="sng" algn="ctr">
-                      <a:solidFill>
-                        <a:schemeClr val="bg1"/>
-                      </a:solidFill>
-                      <a:prstDash val="solid"/>
-                      <a:round/>
-                      <a:headEnd type="none" w="med" len="med"/>
-                      <a:tailEnd type="none" w="med" len="med"/>
-                    </a:lnR>
-                    <a:lnT w="12700" cap="flat" cmpd="sng" algn="ctr">
-                      <a:solidFill>
-                        <a:schemeClr val="bg1"/>
-                      </a:solidFill>
-                      <a:prstDash val="solid"/>
-                      <a:round/>
-                      <a:headEnd type="none" w="med" len="med"/>
-                      <a:tailEnd type="none" w="med" len="med"/>
-                    </a:lnT>
-                    <a:lnB w="12700" cap="flat" cmpd="sng" algn="ctr">
-                      <a:solidFill>
-                        <a:schemeClr val="bg1"/>
-                      </a:solidFill>
-                      <a:prstDash val="solid"/>
-                      <a:round/>
-                      <a:headEnd type="none" w="med" len="med"/>
-                      <a:tailEnd type="none" w="med" len="med"/>
-                    </a:lnB>
-                    <a:lnTlToBr w="12700" cmpd="sng">
-                      <a:noFill/>
-                      <a:prstDash val="solid"/>
-                    </a:lnTlToBr>
-                    <a:lnBlToTr w="12700" cmpd="sng">
-                      <a:noFill/>
-                      <a:prstDash val="solid"/>
-                    </a:lnBlToTr>
-                  </a:tcPr>
-                </a:tc>
-                <a:tc>
-                  <a:txBody>
-                    <a:bodyPr/>
-                    <a:lstStyle/>
-                    <a:p>
-                      <a:r>
-                        <a:rPr lang="ru-RU" sz="1200" dirty="0" smtClean="0">
-                          <a:solidFill>
-                            <a:schemeClr val="bg1"/>
-                          </a:solidFill>
-                        </a:rPr>
-                        <a:t>Август </a:t>
-                      </a:r>
-                      <a:r>
-                        <a:rPr lang="en-US" sz="1200" dirty="0" smtClean="0">
-                          <a:solidFill>
-                            <a:schemeClr val="bg1"/>
-                          </a:solidFill>
-                        </a:rPr>
-                        <a:t>2012</a:t>
-                      </a:r>
-                      <a:r>
-                        <a:rPr lang="ru-RU" sz="1200" dirty="0" smtClean="0">
-                          <a:solidFill>
-                            <a:schemeClr val="bg1"/>
-                          </a:solidFill>
-                        </a:rPr>
-                        <a:t> года</a:t>
-                      </a:r>
-                      <a:endParaRPr lang="en-US" sz="1200" dirty="0">
-                        <a:solidFill>
-                          <a:schemeClr val="bg1"/>
-                        </a:solidFill>
-                      </a:endParaRPr>
-                    </a:p>
-                  </a:txBody>
-                  <a:tcPr marL="61162" marR="61162" marT="30581" marB="30581" anchor="ctr">
-                    <a:lnL w="12700" cap="flat" cmpd="sng" algn="ctr">
-                      <a:solidFill>
-                        <a:schemeClr val="bg1"/>
-                      </a:solidFill>
-                      <a:prstDash val="solid"/>
-                      <a:round/>
-                      <a:headEnd type="none" w="med" len="med"/>
-                      <a:tailEnd type="none" w="med" len="med"/>
-                    </a:lnL>
-                    <a:lnR w="12700" cap="flat" cmpd="sng" algn="ctr">
-                      <a:solidFill>
-                        <a:schemeClr val="bg1"/>
-                      </a:solidFill>
-                      <a:prstDash val="solid"/>
-                      <a:round/>
-                      <a:headEnd type="none" w="med" len="med"/>
-                      <a:tailEnd type="none" w="med" len="med"/>
-                    </a:lnR>
-                    <a:lnT w="12700" cap="flat" cmpd="sng" algn="ctr">
-                      <a:solidFill>
-                        <a:schemeClr val="bg1"/>
-                      </a:solidFill>
-                      <a:prstDash val="solid"/>
-                      <a:round/>
-                      <a:headEnd type="none" w="med" len="med"/>
-                      <a:tailEnd type="none" w="med" len="med"/>
-                    </a:lnT>
-                    <a:lnB w="12700" cap="flat" cmpd="sng" algn="ctr">
-                      <a:solidFill>
-                        <a:schemeClr val="bg1"/>
-                      </a:solidFill>
-                      <a:prstDash val="solid"/>
-                      <a:round/>
-                      <a:headEnd type="none" w="med" len="med"/>
-                      <a:tailEnd type="none" w="med" len="med"/>
-                    </a:lnB>
-                    <a:lnTlToBr w="12700" cmpd="sng">
-                      <a:noFill/>
-                      <a:prstDash val="solid"/>
-                    </a:lnTlToBr>
-                    <a:lnBlToTr w="12700" cmpd="sng">
-                      <a:noFill/>
-                      <a:prstDash val="solid"/>
-                    </a:lnBlToTr>
-                  </a:tcPr>
-                </a:tc>
-                <a:tc>
-                  <a:txBody>
-                    <a:bodyPr/>
-                    <a:lstStyle/>
-                    <a:p>
-                      <a:r>
-                        <a:rPr lang="en-US" sz="1200">
-                          <a:solidFill>
-                            <a:schemeClr val="bg1"/>
-                          </a:solidFill>
-                        </a:rPr>
-                        <a:t>Visual Studio 2012</a:t>
-                      </a:r>
-                    </a:p>
-                  </a:txBody>
-                  <a:tcPr marL="61162" marR="61162" marT="30581" marB="30581" anchor="ctr">
-                    <a:lnL w="12700" cap="flat" cmpd="sng" algn="ctr">
-                      <a:solidFill>
-                        <a:schemeClr val="bg1"/>
-                      </a:solidFill>
-                      <a:prstDash val="solid"/>
-                      <a:round/>
-                      <a:headEnd type="none" w="med" len="med"/>
-                      <a:tailEnd type="none" w="med" len="med"/>
-                    </a:lnL>
-                    <a:lnR w="12700" cap="flat" cmpd="sng" algn="ctr">
-                      <a:solidFill>
-                        <a:schemeClr val="bg1"/>
-                      </a:solidFill>
-                      <a:prstDash val="solid"/>
-                      <a:round/>
-                      <a:headEnd type="none" w="med" len="med"/>
-                      <a:tailEnd type="none" w="med" len="med"/>
-                    </a:lnR>
-                    <a:lnT w="12700" cap="flat" cmpd="sng" algn="ctr">
-                      <a:solidFill>
-                        <a:schemeClr val="bg1"/>
-                      </a:solidFill>
-                      <a:prstDash val="solid"/>
-                      <a:round/>
-                      <a:headEnd type="none" w="med" len="med"/>
-                      <a:tailEnd type="none" w="med" len="med"/>
-                    </a:lnT>
-                    <a:lnB w="12700" cap="flat" cmpd="sng" algn="ctr">
-                      <a:solidFill>
-                        <a:schemeClr val="bg1"/>
-                      </a:solidFill>
-                      <a:prstDash val="solid"/>
-                      <a:round/>
-                      <a:headEnd type="none" w="med" len="med"/>
-                      <a:tailEnd type="none" w="med" len="med"/>
-                    </a:lnB>
-                    <a:lnTlToBr w="12700" cmpd="sng">
-                      <a:noFill/>
-                      <a:prstDash val="solid"/>
-                    </a:lnTlToBr>
-                    <a:lnBlToTr w="12700" cmpd="sng">
-                      <a:noFill/>
-                      <a:prstDash val="solid"/>
-                    </a:lnBlToTr>
-                  </a:tcPr>
-                </a:tc>
-                <a:tc>
-                  <a:txBody>
-                    <a:bodyPr/>
-                    <a:lstStyle/>
-                    <a:p>
-                      <a:r>
-                        <a:rPr lang="en-US" sz="1200" dirty="0">
-                          <a:solidFill>
-                            <a:schemeClr val="bg1"/>
-                          </a:solidFill>
-                        </a:rPr>
-                        <a:t>Windows 8, Windows Server 2012</a:t>
-                      </a:r>
-                    </a:p>
-                  </a:txBody>
-                  <a:tcPr marL="61162" marR="61162" marT="30581" marB="30581" anchor="ctr">
-                    <a:lnL w="12700" cap="flat" cmpd="sng" algn="ctr">
-                      <a:solidFill>
-                        <a:schemeClr val="bg1"/>
-                      </a:solidFill>
-                      <a:prstDash val="solid"/>
-                      <a:round/>
-                      <a:headEnd type="none" w="med" len="med"/>
-                      <a:tailEnd type="none" w="med" len="med"/>
-                    </a:lnL>
-                    <a:lnR w="12700" cap="flat" cmpd="sng" algn="ctr">
-                      <a:solidFill>
-                        <a:schemeClr val="bg1"/>
-                      </a:solidFill>
-                      <a:prstDash val="solid"/>
-                      <a:round/>
-                      <a:headEnd type="none" w="med" len="med"/>
-                      <a:tailEnd type="none" w="med" len="med"/>
-                    </a:lnR>
-                    <a:lnT w="12700" cap="flat" cmpd="sng" algn="ctr">
-                      <a:solidFill>
-                        <a:schemeClr val="bg1"/>
-                      </a:solidFill>
-                      <a:prstDash val="solid"/>
-                      <a:round/>
-                      <a:headEnd type="none" w="med" len="med"/>
-                      <a:tailEnd type="none" w="med" len="med"/>
-                    </a:lnT>
-                    <a:lnB w="12700" cap="flat" cmpd="sng" algn="ctr">
-                      <a:solidFill>
-                        <a:schemeClr val="bg1"/>
-                      </a:solidFill>
-                      <a:prstDash val="solid"/>
-                      <a:round/>
-                      <a:headEnd type="none" w="med" len="med"/>
-                      <a:tailEnd type="none" w="med" len="med"/>
-                    </a:lnB>
-                    <a:lnTlToBr w="12700" cmpd="sng">
-                      <a:noFill/>
-                      <a:prstDash val="solid"/>
-                    </a:lnTlToBr>
-                    <a:lnBlToTr w="12700" cmpd="sng">
-                      <a:noFill/>
-                      <a:prstDash val="solid"/>
-                    </a:lnBlToTr>
-                  </a:tcPr>
-                </a:tc>
-              </a:tr>
-            </a:tbl>
-          </a:graphicData>
-        </a:graphic>
-      </p:graphicFrame>
     </p:spTree>
     <p:extLst>
       <p:ext uri="{BB962C8B-B14F-4D97-AF65-F5344CB8AC3E}">
-        <p14:creationId xmlns:p14="http://schemas.microsoft.com/office/powerpoint/2010/main" val="1914467712"/>
+        <p14:creationId xmlns:p14="http://schemas.microsoft.com/office/powerpoint/2010/main" val="2150665546"/>
       </p:ext>
     </p:extLst>
   </p:cSld>
@@ -31396,8 +31767,8 @@
         </p:nvSpPr>
         <p:spPr>
           <a:xfrm>
-            <a:off x="251520" y="188640"/>
-            <a:ext cx="8640960" cy="1138773"/>
+            <a:off x="251520" y="3136613"/>
+            <a:ext cx="8640960" cy="584775"/>
           </a:xfrm>
           <a:prstGeom prst="rect">
             <a:avLst/>
@@ -31409,34 +31780,16 @@
           </a:bodyPr>
           <a:lstStyle/>
           <a:p>
-            <a:pPr lvl="0"/>
-            <a:r>
-              <a:rPr lang="en-US" sz="3200" dirty="0" smtClean="0">
-                <a:solidFill>
-                  <a:schemeClr val="bg1"/>
-                </a:solidFill>
-              </a:rPr>
-              <a:t>.NET Framework. Side-by-side </a:t>
-            </a:r>
-            <a:r>
-              <a:rPr lang="ru-RU" sz="3200" dirty="0" smtClean="0">
-                <a:solidFill>
-                  <a:schemeClr val="bg1"/>
-                </a:solidFill>
-              </a:rPr>
-              <a:t>совместимость</a:t>
-            </a:r>
-          </a:p>
-          <a:p>
-            <a:pPr lvl="0"/>
-            <a:endParaRPr lang="ru-RU" dirty="0" smtClean="0">
-              <a:solidFill>
-                <a:schemeClr val="bg1"/>
-              </a:solidFill>
-            </a:endParaRPr>
-          </a:p>
-          <a:p>
-            <a:endParaRPr lang="en-US" dirty="0" smtClean="0">
+            <a:pPr lvl="0" algn="ctr"/>
+            <a:r>
+              <a:rPr lang="en-US" sz="3200" dirty="0">
+                <a:solidFill>
+                  <a:schemeClr val="bg1"/>
+                </a:solidFill>
+              </a:rPr>
+              <a:t>https://github.com/bazile/Training</a:t>
+            </a:r>
+            <a:endParaRPr lang="en-US" sz="3200" dirty="0" smtClean="0">
               <a:solidFill>
                 <a:schemeClr val="bg1"/>
               </a:solidFill>
@@ -31444,64 +31797,10 @@
           </a:p>
         </p:txBody>
       </p:sp>
-      <p:pic>
-        <p:nvPicPr>
-          <p:cNvPr id="1026" name="Picture 2" descr="image002"/>
-          <p:cNvPicPr>
-            <a:picLocks noChangeAspect="1" noChangeArrowheads="1"/>
-          </p:cNvPicPr>
-          <p:nvPr/>
-        </p:nvPicPr>
-        <p:blipFill>
-          <a:blip r:embed="rId3">
-            <a:extLst>
-              <a:ext uri="{28A0092B-C50C-407E-A947-70E740481C1C}">
-                <a14:useLocalDpi xmlns:a14="http://schemas.microsoft.com/office/drawing/2010/main" val="0"/>
-              </a:ext>
-            </a:extLst>
-          </a:blip>
-          <a:srcRect/>
-          <a:stretch>
-            <a:fillRect/>
-          </a:stretch>
-        </p:blipFill>
-        <p:spPr bwMode="auto">
-          <a:xfrm>
-            <a:off x="1566863" y="1652588"/>
-            <a:ext cx="6010275" cy="3552825"/>
-          </a:xfrm>
-          <a:prstGeom prst="rect">
-            <a:avLst/>
-          </a:prstGeom>
-          <a:noFill/>
-          <a:ln>
-            <a:noFill/>
-          </a:ln>
-          <a:extLst>
-            <a:ext uri="{909E8E84-426E-40DD-AFC4-6F175D3DCCD1}">
-              <a14:hiddenFill xmlns:a14="http://schemas.microsoft.com/office/drawing/2010/main">
-                <a:solidFill>
-                  <a:srgbClr val="FFFFFF"/>
-                </a:solidFill>
-              </a14:hiddenFill>
-            </a:ext>
-            <a:ext uri="{91240B29-F687-4F45-9708-019B960494DF}">
-              <a14:hiddenLine xmlns:a14="http://schemas.microsoft.com/office/drawing/2010/main" w="9525">
-                <a:solidFill>
-                  <a:srgbClr val="000000"/>
-                </a:solidFill>
-                <a:miter lim="800000"/>
-                <a:headEnd/>
-                <a:tailEnd/>
-              </a14:hiddenLine>
-            </a:ext>
-          </a:extLst>
-        </p:spPr>
-      </p:pic>
     </p:spTree>
     <p:extLst>
       <p:ext uri="{BB962C8B-B14F-4D97-AF65-F5344CB8AC3E}">
-        <p14:creationId xmlns:p14="http://schemas.microsoft.com/office/powerpoint/2010/main" val="812983216"/>
+        <p14:creationId xmlns:p14="http://schemas.microsoft.com/office/powerpoint/2010/main" val="844996974"/>
       </p:ext>
     </p:extLst>
   </p:cSld>
@@ -31558,7 +31857,7 @@
         <p:spPr>
           <a:xfrm>
             <a:off x="251520" y="188640"/>
-            <a:ext cx="8640960" cy="1138773"/>
+            <a:ext cx="8640960" cy="3908762"/>
           </a:xfrm>
           <a:prstGeom prst="rect">
             <a:avLst/>
@@ -31577,7 +31876,7 @@
                   <a:schemeClr val="bg1"/>
                 </a:solidFill>
               </a:rPr>
-              <a:t>.NET Framework</a:t>
+              <a:t>Visual Studio</a:t>
             </a:r>
             <a:endParaRPr lang="ru-RU" sz="3200" dirty="0" smtClean="0">
               <a:solidFill>
@@ -31594,6 +31893,305 @@
             </a:endParaRPr>
           </a:p>
           <a:p>
+            <a:r>
+              <a:rPr lang="en-US" dirty="0" smtClean="0">
+                <a:solidFill>
+                  <a:schemeClr val="bg1"/>
+                </a:solidFill>
+              </a:rPr>
+              <a:t>IDE – Integrated Development Environment</a:t>
+            </a:r>
+            <a:endParaRPr lang="ru-RU" dirty="0" smtClean="0">
+              <a:solidFill>
+                <a:schemeClr val="bg1"/>
+              </a:solidFill>
+            </a:endParaRPr>
+          </a:p>
+          <a:p>
+            <a:endParaRPr lang="ru-RU" dirty="0">
+              <a:solidFill>
+                <a:schemeClr val="bg1"/>
+              </a:solidFill>
+            </a:endParaRPr>
+          </a:p>
+          <a:p>
+            <a:r>
+              <a:rPr lang="en-US" dirty="0" smtClean="0">
+                <a:solidFill>
+                  <a:schemeClr val="bg1"/>
+                </a:solidFill>
+              </a:rPr>
+              <a:t>Visual </a:t>
+            </a:r>
+            <a:r>
+              <a:rPr lang="en-US" dirty="0" smtClean="0">
+                <a:solidFill>
+                  <a:schemeClr val="bg1"/>
+                </a:solidFill>
+              </a:rPr>
+              <a:t>Studio </a:t>
+            </a:r>
+            <a:r>
+              <a:rPr lang="en-US" dirty="0" smtClean="0">
+                <a:solidFill>
+                  <a:schemeClr val="bg1"/>
+                </a:solidFill>
+              </a:rPr>
+              <a:t>2012</a:t>
+            </a:r>
+            <a:r>
+              <a:rPr lang="en-US" dirty="0">
+                <a:solidFill>
+                  <a:schemeClr val="bg1"/>
+                </a:solidFill>
+              </a:rPr>
+              <a:t/>
+            </a:r>
+            <a:br>
+              <a:rPr lang="en-US" dirty="0">
+                <a:solidFill>
+                  <a:schemeClr val="bg1"/>
+                </a:solidFill>
+              </a:rPr>
+            </a:br>
+            <a:r>
+              <a:rPr lang="en-US" dirty="0">
+                <a:solidFill>
+                  <a:schemeClr val="bg1"/>
+                </a:solidFill>
+                <a:hlinkClick r:id="rId3"/>
+              </a:rPr>
+              <a:t>http://</a:t>
+            </a:r>
+            <a:r>
+              <a:rPr lang="en-US" dirty="0" smtClean="0">
+                <a:solidFill>
+                  <a:schemeClr val="bg1"/>
+                </a:solidFill>
+                <a:hlinkClick r:id="rId3"/>
+              </a:rPr>
+              <a:t>www.microsoft.com/visualstudio/eng/downloads</a:t>
+            </a:r>
+            <a:endParaRPr lang="ru-RU" dirty="0" smtClean="0">
+              <a:solidFill>
+                <a:schemeClr val="bg1"/>
+              </a:solidFill>
+            </a:endParaRPr>
+          </a:p>
+          <a:p>
+            <a:endParaRPr lang="en-US" dirty="0" smtClean="0">
+              <a:solidFill>
+                <a:schemeClr val="bg1"/>
+              </a:solidFill>
+            </a:endParaRPr>
+          </a:p>
+          <a:p>
+            <a:r>
+              <a:rPr lang="ru-RU" dirty="0" smtClean="0">
+                <a:solidFill>
+                  <a:schemeClr val="bg1"/>
+                </a:solidFill>
+              </a:rPr>
+              <a:t>Редакции</a:t>
+            </a:r>
+            <a:r>
+              <a:rPr lang="en-US" dirty="0" smtClean="0">
+                <a:solidFill>
+                  <a:schemeClr val="bg1"/>
+                </a:solidFill>
+              </a:rPr>
+              <a:t>: Express </a:t>
+            </a:r>
+            <a:r>
+              <a:rPr lang="ru-RU" dirty="0">
+                <a:solidFill>
+                  <a:schemeClr val="bg1"/>
+                </a:solidFill>
+              </a:rPr>
+              <a:t>(бесплатная</a:t>
+            </a:r>
+            <a:r>
+              <a:rPr lang="en-US" dirty="0" smtClean="0">
+                <a:solidFill>
+                  <a:schemeClr val="bg1"/>
+                </a:solidFill>
+              </a:rPr>
+              <a:t>), Professional, Premium, Ultimate.</a:t>
+            </a:r>
+            <a:endParaRPr lang="ru-RU" dirty="0">
+              <a:solidFill>
+                <a:schemeClr val="bg1"/>
+              </a:solidFill>
+            </a:endParaRPr>
+          </a:p>
+          <a:p>
+            <a:endParaRPr lang="en-US" dirty="0">
+              <a:solidFill>
+                <a:schemeClr val="bg1"/>
+              </a:solidFill>
+            </a:endParaRPr>
+          </a:p>
+          <a:p>
+            <a:r>
+              <a:rPr lang="ru-RU" dirty="0">
+                <a:solidFill>
+                  <a:schemeClr val="bg1"/>
+                </a:solidFill>
+              </a:rPr>
+              <a:t>Расширения для </a:t>
+            </a:r>
+            <a:r>
+              <a:rPr lang="en-US" dirty="0">
+                <a:solidFill>
+                  <a:schemeClr val="bg1"/>
+                </a:solidFill>
+              </a:rPr>
+              <a:t>V</a:t>
+            </a:r>
+            <a:r>
+              <a:rPr lang="ru-RU" dirty="0">
+                <a:solidFill>
+                  <a:schemeClr val="bg1"/>
+                </a:solidFill>
+              </a:rPr>
+              <a:t>isual </a:t>
+            </a:r>
+            <a:r>
+              <a:rPr lang="en-US" dirty="0">
+                <a:solidFill>
+                  <a:schemeClr val="bg1"/>
+                </a:solidFill>
+              </a:rPr>
+              <a:t>Studio</a:t>
+            </a:r>
+            <a:r>
+              <a:rPr lang="ru-RU" dirty="0">
+                <a:solidFill>
+                  <a:schemeClr val="bg1"/>
+                </a:solidFill>
+              </a:rPr>
+              <a:t/>
+            </a:r>
+            <a:br>
+              <a:rPr lang="ru-RU" dirty="0">
+                <a:solidFill>
+                  <a:schemeClr val="bg1"/>
+                </a:solidFill>
+              </a:rPr>
+            </a:br>
+            <a:r>
+              <a:rPr lang="en-US" u="sng" dirty="0">
+                <a:solidFill>
+                  <a:schemeClr val="bg1"/>
+                </a:solidFill>
+              </a:rPr>
+              <a:t>http</a:t>
+            </a:r>
+            <a:r>
+              <a:rPr lang="ru-RU" u="sng" dirty="0">
+                <a:solidFill>
+                  <a:schemeClr val="bg1"/>
+                </a:solidFill>
+              </a:rPr>
+              <a:t>://</a:t>
+            </a:r>
+            <a:r>
+              <a:rPr lang="en-US" u="sng" dirty="0" err="1">
+                <a:solidFill>
+                  <a:schemeClr val="bg1"/>
+                </a:solidFill>
+              </a:rPr>
+              <a:t>visualstudiogallery</a:t>
+            </a:r>
+            <a:r>
+              <a:rPr lang="ru-RU" u="sng" dirty="0">
+                <a:solidFill>
+                  <a:schemeClr val="bg1"/>
+                </a:solidFill>
+              </a:rPr>
+              <a:t>.</a:t>
+            </a:r>
+            <a:r>
+              <a:rPr lang="en-US" u="sng" dirty="0" err="1">
+                <a:solidFill>
+                  <a:schemeClr val="bg1"/>
+                </a:solidFill>
+              </a:rPr>
+              <a:t>msdn</a:t>
+            </a:r>
+            <a:r>
+              <a:rPr lang="ru-RU" u="sng" dirty="0">
+                <a:solidFill>
+                  <a:schemeClr val="bg1"/>
+                </a:solidFill>
+              </a:rPr>
+              <a:t>.</a:t>
+            </a:r>
+            <a:r>
+              <a:rPr lang="en-US" u="sng" dirty="0" err="1">
+                <a:solidFill>
+                  <a:schemeClr val="bg1"/>
+                </a:solidFill>
+              </a:rPr>
+              <a:t>microsoft</a:t>
+            </a:r>
+            <a:r>
+              <a:rPr lang="ru-RU" u="sng" dirty="0">
+                <a:solidFill>
+                  <a:schemeClr val="bg1"/>
+                </a:solidFill>
+              </a:rPr>
+              <a:t>.</a:t>
+            </a:r>
+            <a:r>
+              <a:rPr lang="en-US" u="sng" dirty="0">
+                <a:solidFill>
+                  <a:schemeClr val="bg1"/>
+                </a:solidFill>
+              </a:rPr>
+              <a:t>com</a:t>
+            </a:r>
+            <a:r>
+              <a:rPr lang="ru-RU" u="sng" dirty="0">
+                <a:solidFill>
+                  <a:schemeClr val="bg1"/>
+                </a:solidFill>
+              </a:rPr>
+              <a:t>/</a:t>
+            </a:r>
+          </a:p>
+          <a:p>
+            <a:endParaRPr lang="en-US" dirty="0">
+              <a:solidFill>
+                <a:schemeClr val="bg1"/>
+              </a:solidFill>
+            </a:endParaRPr>
+          </a:p>
+          <a:p>
+            <a:r>
+              <a:rPr lang="en-US" dirty="0">
+                <a:solidFill>
+                  <a:schemeClr val="bg1"/>
+                </a:solidFill>
+              </a:rPr>
+              <a:t>ReSharper - </a:t>
+            </a:r>
+            <a:r>
+              <a:rPr lang="en-US" u="sng" dirty="0">
+                <a:solidFill>
+                  <a:schemeClr val="bg1"/>
+                </a:solidFill>
+              </a:rPr>
+              <a:t>http://www.jetbrains.com/resharper</a:t>
+            </a:r>
+            <a:r>
+              <a:rPr lang="en-US" u="sng" dirty="0" smtClean="0">
+                <a:solidFill>
+                  <a:schemeClr val="bg1"/>
+                </a:solidFill>
+              </a:rPr>
+              <a:t>/</a:t>
+            </a:r>
             <a:endParaRPr lang="en-US" dirty="0" smtClean="0">
               <a:solidFill>
                 <a:schemeClr val="bg1"/>
@@ -31602,43 +32200,10 @@
           </a:p>
         </p:txBody>
       </p:sp>
-      <p:pic>
-        <p:nvPicPr>
-          <p:cNvPr id="5" name="Picture 4" descr="http://upload.wikimedia.org/wikipedia/commons/thumb/d/d3/DotNet.svg/513px-DotNet.svg.png"/>
-          <p:cNvPicPr/>
-          <p:nvPr/>
-        </p:nvPicPr>
-        <p:blipFill>
-          <a:blip r:embed="rId3">
-            <a:extLst>
-              <a:ext uri="{28A0092B-C50C-407E-A947-70E740481C1C}">
-                <a14:useLocalDpi xmlns:a14="http://schemas.microsoft.com/office/drawing/2010/main" val="0"/>
-              </a:ext>
-            </a:extLst>
-          </a:blip>
-          <a:srcRect/>
-          <a:stretch>
-            <a:fillRect/>
-          </a:stretch>
-        </p:blipFill>
-        <p:spPr bwMode="auto">
-          <a:xfrm>
-            <a:off x="1979712" y="740983"/>
-            <a:ext cx="4886325" cy="5715000"/>
-          </a:xfrm>
-          <a:prstGeom prst="rect">
-            <a:avLst/>
-          </a:prstGeom>
-          <a:noFill/>
-          <a:ln>
-            <a:noFill/>
-          </a:ln>
-        </p:spPr>
-      </p:pic>
     </p:spTree>
     <p:extLst>
       <p:ext uri="{BB962C8B-B14F-4D97-AF65-F5344CB8AC3E}">
-        <p14:creationId xmlns:p14="http://schemas.microsoft.com/office/powerpoint/2010/main" val="2503303019"/>
+        <p14:creationId xmlns:p14="http://schemas.microsoft.com/office/powerpoint/2010/main" val="2029492004"/>
       </p:ext>
     </p:extLst>
   </p:cSld>

--- a/Presentation/lesson-01.pptx
+++ b/Presentation/lesson-01.pptx
@@ -323,7 +323,7 @@
           <a:p>
             <a:fld id="{8E6E6A2A-E9D3-4A0D-B04A-ABDD367A1E08}" type="datetimeFigureOut">
               <a:rPr lang="ru-RU" smtClean="0"/>
-              <a:t>19.10.2012</a:t>
+              <a:t>01.11.2012</a:t>
             </a:fld>
             <a:endParaRPr lang="ru-RU"/>
           </a:p>
@@ -493,7 +493,7 @@
           <a:p>
             <a:fld id="{8E6E6A2A-E9D3-4A0D-B04A-ABDD367A1E08}" type="datetimeFigureOut">
               <a:rPr lang="ru-RU" smtClean="0"/>
-              <a:t>19.10.2012</a:t>
+              <a:t>01.11.2012</a:t>
             </a:fld>
             <a:endParaRPr lang="ru-RU"/>
           </a:p>
@@ -673,7 +673,7 @@
           <a:p>
             <a:fld id="{8E6E6A2A-E9D3-4A0D-B04A-ABDD367A1E08}" type="datetimeFigureOut">
               <a:rPr lang="ru-RU" smtClean="0"/>
-              <a:t>19.10.2012</a:t>
+              <a:t>01.11.2012</a:t>
             </a:fld>
             <a:endParaRPr lang="ru-RU"/>
           </a:p>
@@ -843,7 +843,7 @@
           <a:p>
             <a:fld id="{8E6E6A2A-E9D3-4A0D-B04A-ABDD367A1E08}" type="datetimeFigureOut">
               <a:rPr lang="ru-RU" smtClean="0"/>
-              <a:t>19.10.2012</a:t>
+              <a:t>01.11.2012</a:t>
             </a:fld>
             <a:endParaRPr lang="ru-RU"/>
           </a:p>
@@ -1089,7 +1089,7 @@
           <a:p>
             <a:fld id="{8E6E6A2A-E9D3-4A0D-B04A-ABDD367A1E08}" type="datetimeFigureOut">
               <a:rPr lang="ru-RU" smtClean="0"/>
-              <a:t>19.10.2012</a:t>
+              <a:t>01.11.2012</a:t>
             </a:fld>
             <a:endParaRPr lang="ru-RU"/>
           </a:p>
@@ -1377,7 +1377,7 @@
           <a:p>
             <a:fld id="{8E6E6A2A-E9D3-4A0D-B04A-ABDD367A1E08}" type="datetimeFigureOut">
               <a:rPr lang="ru-RU" smtClean="0"/>
-              <a:t>19.10.2012</a:t>
+              <a:t>01.11.2012</a:t>
             </a:fld>
             <a:endParaRPr lang="ru-RU"/>
           </a:p>
@@ -1799,7 +1799,7 @@
           <a:p>
             <a:fld id="{8E6E6A2A-E9D3-4A0D-B04A-ABDD367A1E08}" type="datetimeFigureOut">
               <a:rPr lang="ru-RU" smtClean="0"/>
-              <a:t>19.10.2012</a:t>
+              <a:t>01.11.2012</a:t>
             </a:fld>
             <a:endParaRPr lang="ru-RU"/>
           </a:p>
@@ -1917,7 +1917,7 @@
           <a:p>
             <a:fld id="{8E6E6A2A-E9D3-4A0D-B04A-ABDD367A1E08}" type="datetimeFigureOut">
               <a:rPr lang="ru-RU" smtClean="0"/>
-              <a:t>19.10.2012</a:t>
+              <a:t>01.11.2012</a:t>
             </a:fld>
             <a:endParaRPr lang="ru-RU"/>
           </a:p>
@@ -2012,7 +2012,7 @@
           <a:p>
             <a:fld id="{8E6E6A2A-E9D3-4A0D-B04A-ABDD367A1E08}" type="datetimeFigureOut">
               <a:rPr lang="ru-RU" smtClean="0"/>
-              <a:t>19.10.2012</a:t>
+              <a:t>01.11.2012</a:t>
             </a:fld>
             <a:endParaRPr lang="ru-RU"/>
           </a:p>
@@ -2289,7 +2289,7 @@
           <a:p>
             <a:fld id="{8E6E6A2A-E9D3-4A0D-B04A-ABDD367A1E08}" type="datetimeFigureOut">
               <a:rPr lang="ru-RU" smtClean="0"/>
-              <a:t>19.10.2012</a:t>
+              <a:t>01.11.2012</a:t>
             </a:fld>
             <a:endParaRPr lang="ru-RU"/>
           </a:p>
@@ -2542,7 +2542,7 @@
           <a:p>
             <a:fld id="{8E6E6A2A-E9D3-4A0D-B04A-ABDD367A1E08}" type="datetimeFigureOut">
               <a:rPr lang="ru-RU" smtClean="0"/>
-              <a:t>19.10.2012</a:t>
+              <a:t>01.11.2012</a:t>
             </a:fld>
             <a:endParaRPr lang="ru-RU"/>
           </a:p>
@@ -2755,7 +2755,7 @@
           <a:p>
             <a:fld id="{8E6E6A2A-E9D3-4A0D-B04A-ABDD367A1E08}" type="datetimeFigureOut">
               <a:rPr lang="ru-RU" smtClean="0"/>
-              <a:t>19.10.2012</a:t>
+              <a:t>01.11.2012</a:t>
             </a:fld>
             <a:endParaRPr lang="ru-RU"/>
           </a:p>
@@ -3293,6 +3293,40 @@
           </a:p>
         </p:txBody>
       </p:sp>
+      <p:sp>
+        <p:nvSpPr>
+          <p:cNvPr id="2" name="TextBox 1"/>
+          <p:cNvSpPr txBox="1"/>
+          <p:nvPr/>
+        </p:nvSpPr>
+        <p:spPr>
+          <a:xfrm>
+            <a:off x="3120449" y="5589240"/>
+            <a:ext cx="2903102" cy="369332"/>
+          </a:xfrm>
+          <a:prstGeom prst="rect">
+            <a:avLst/>
+          </a:prstGeom>
+          <a:noFill/>
+        </p:spPr>
+        <p:txBody>
+          <a:bodyPr wrap="none" rtlCol="0">
+            <a:spAutoFit/>
+          </a:bodyPr>
+          <a:lstStyle/>
+          <a:p>
+            <a:r>
+              <a:rPr lang="en-US" dirty="0">
+                <a:solidFill>
+                  <a:schemeClr val="bg1"/>
+                </a:solidFill>
+              </a:rPr>
+              <a:t>http://vk.com/club33848893</a:t>
+            </a:r>
+            <a:endParaRPr lang="en-US" dirty="0"/>
+          </a:p>
+        </p:txBody>
+      </p:sp>
     </p:spTree>
     <p:extLst>
       <p:ext uri="{BB962C8B-B14F-4D97-AF65-F5344CB8AC3E}">
@@ -7905,11 +7939,11 @@
   <p:clrMapOvr>
     <a:masterClrMapping/>
   </p:clrMapOvr>
-  <mc:AlternateContent xmlns:mc="http://schemas.openxmlformats.org/markup-compatibility/2006">
-    <mc:Choice xmlns:p14="http://schemas.microsoft.com/office/powerpoint/2010/main" Requires="p14">
+  <mc:AlternateContent xmlns:mc="http://schemas.openxmlformats.org/markup-compatibility/2006" xmlns:p14="http://schemas.microsoft.com/office/powerpoint/2010/main">
+    <mc:Choice Requires="p14">
       <p:transition spd="slow" p14:dur="2000"/>
     </mc:Choice>
-    <mc:Fallback>
+    <mc:Fallback xmlns="">
       <p:transition spd="slow"/>
     </mc:Fallback>
   </mc:AlternateContent>
@@ -8149,11 +8183,11 @@
   <p:clrMapOvr>
     <a:masterClrMapping/>
   </p:clrMapOvr>
-  <mc:AlternateContent xmlns:mc="http://schemas.openxmlformats.org/markup-compatibility/2006">
-    <mc:Choice xmlns:p14="http://schemas.microsoft.com/office/powerpoint/2010/main" Requires="p14">
+  <mc:AlternateContent xmlns:mc="http://schemas.openxmlformats.org/markup-compatibility/2006" xmlns:p14="http://schemas.microsoft.com/office/powerpoint/2010/main">
+    <mc:Choice Requires="p14">
       <p:transition spd="slow" p14:dur="2000"/>
     </mc:Choice>
-    <mc:Fallback>
+    <mc:Fallback xmlns="">
       <p:transition spd="slow"/>
     </mc:Fallback>
   </mc:AlternateContent>
@@ -11264,11 +11298,11 @@
   <p:clrMapOvr>
     <a:masterClrMapping/>
   </p:clrMapOvr>
-  <mc:AlternateContent xmlns:mc="http://schemas.openxmlformats.org/markup-compatibility/2006">
-    <mc:Choice xmlns:p14="http://schemas.microsoft.com/office/powerpoint/2010/main" Requires="p14">
+  <mc:AlternateContent xmlns:mc="http://schemas.openxmlformats.org/markup-compatibility/2006" xmlns:p14="http://schemas.microsoft.com/office/powerpoint/2010/main">
+    <mc:Choice Requires="p14">
       <p:transition spd="slow" p14:dur="2000"/>
     </mc:Choice>
-    <mc:Fallback>
+    <mc:Fallback xmlns="">
       <p:transition spd="slow"/>
     </mc:Fallback>
   </mc:AlternateContent>
@@ -31921,23 +31955,7 @@
                   <a:schemeClr val="bg1"/>
                 </a:solidFill>
               </a:rPr>
-              <a:t>Visual </a:t>
-            </a:r>
-            <a:r>
-              <a:rPr lang="en-US" dirty="0" smtClean="0">
-                <a:solidFill>
-                  <a:schemeClr val="bg1"/>
-                </a:solidFill>
-              </a:rPr>
-              <a:t>Studio </a:t>
-            </a:r>
-            <a:r>
-              <a:rPr lang="en-US" dirty="0" smtClean="0">
-                <a:solidFill>
-                  <a:schemeClr val="bg1"/>
-                </a:solidFill>
-              </a:rPr>
-              <a:t>2012</a:t>
+              <a:t>Visual Studio 2012</a:t>
             </a:r>
             <a:r>
               <a:rPr lang="en-US" dirty="0">

--- a/Presentation/lesson-01.pptx
+++ b/Presentation/lesson-01.pptx
@@ -7,40 +7,38 @@
   <p:sldIdLst>
     <p:sldId id="256" r:id="rId2"/>
     <p:sldId id="257" r:id="rId3"/>
-    <p:sldId id="291" r:id="rId4"/>
-    <p:sldId id="288" r:id="rId5"/>
-    <p:sldId id="289" r:id="rId6"/>
-    <p:sldId id="290" r:id="rId7"/>
-    <p:sldId id="258" r:id="rId8"/>
-    <p:sldId id="284" r:id="rId9"/>
-    <p:sldId id="259" r:id="rId10"/>
-    <p:sldId id="260" r:id="rId11"/>
-    <p:sldId id="285" r:id="rId12"/>
-    <p:sldId id="286" r:id="rId13"/>
-    <p:sldId id="261" r:id="rId14"/>
-    <p:sldId id="262" r:id="rId15"/>
-    <p:sldId id="263" r:id="rId16"/>
-    <p:sldId id="264" r:id="rId17"/>
-    <p:sldId id="265" r:id="rId18"/>
-    <p:sldId id="282" r:id="rId19"/>
-    <p:sldId id="266" r:id="rId20"/>
-    <p:sldId id="279" r:id="rId21"/>
-    <p:sldId id="280" r:id="rId22"/>
-    <p:sldId id="287" r:id="rId23"/>
-    <p:sldId id="267" r:id="rId24"/>
-    <p:sldId id="283" r:id="rId25"/>
-    <p:sldId id="278" r:id="rId26"/>
-    <p:sldId id="268" r:id="rId27"/>
-    <p:sldId id="269" r:id="rId28"/>
-    <p:sldId id="270" r:id="rId29"/>
-    <p:sldId id="271" r:id="rId30"/>
-    <p:sldId id="272" r:id="rId31"/>
-    <p:sldId id="273" r:id="rId32"/>
-    <p:sldId id="274" r:id="rId33"/>
-    <p:sldId id="275" r:id="rId34"/>
-    <p:sldId id="276" r:id="rId35"/>
-    <p:sldId id="277" r:id="rId36"/>
-    <p:sldId id="281" r:id="rId37"/>
+    <p:sldId id="290" r:id="rId4"/>
+    <p:sldId id="258" r:id="rId5"/>
+    <p:sldId id="284" r:id="rId6"/>
+    <p:sldId id="259" r:id="rId7"/>
+    <p:sldId id="260" r:id="rId8"/>
+    <p:sldId id="285" r:id="rId9"/>
+    <p:sldId id="286" r:id="rId10"/>
+    <p:sldId id="261" r:id="rId11"/>
+    <p:sldId id="291" r:id="rId12"/>
+    <p:sldId id="262" r:id="rId13"/>
+    <p:sldId id="263" r:id="rId14"/>
+    <p:sldId id="264" r:id="rId15"/>
+    <p:sldId id="265" r:id="rId16"/>
+    <p:sldId id="282" r:id="rId17"/>
+    <p:sldId id="266" r:id="rId18"/>
+    <p:sldId id="279" r:id="rId19"/>
+    <p:sldId id="280" r:id="rId20"/>
+    <p:sldId id="287" r:id="rId21"/>
+    <p:sldId id="267" r:id="rId22"/>
+    <p:sldId id="283" r:id="rId23"/>
+    <p:sldId id="278" r:id="rId24"/>
+    <p:sldId id="268" r:id="rId25"/>
+    <p:sldId id="269" r:id="rId26"/>
+    <p:sldId id="270" r:id="rId27"/>
+    <p:sldId id="271" r:id="rId28"/>
+    <p:sldId id="272" r:id="rId29"/>
+    <p:sldId id="273" r:id="rId30"/>
+    <p:sldId id="274" r:id="rId31"/>
+    <p:sldId id="275" r:id="rId32"/>
+    <p:sldId id="276" r:id="rId33"/>
+    <p:sldId id="277" r:id="rId34"/>
+    <p:sldId id="281" r:id="rId35"/>
   </p:sldIdLst>
   <p:sldSz cx="9144000" cy="6858000" type="screen4x3"/>
   <p:notesSz cx="6858000" cy="9144000"/>
@@ -323,7 +321,7 @@
           <a:p>
             <a:fld id="{8E6E6A2A-E9D3-4A0D-B04A-ABDD367A1E08}" type="datetimeFigureOut">
               <a:rPr lang="ru-RU" smtClean="0"/>
-              <a:t>01.11.2012</a:t>
+              <a:t>06.11.2012</a:t>
             </a:fld>
             <a:endParaRPr lang="ru-RU"/>
           </a:p>
@@ -493,7 +491,7 @@
           <a:p>
             <a:fld id="{8E6E6A2A-E9D3-4A0D-B04A-ABDD367A1E08}" type="datetimeFigureOut">
               <a:rPr lang="ru-RU" smtClean="0"/>
-              <a:t>01.11.2012</a:t>
+              <a:t>06.11.2012</a:t>
             </a:fld>
             <a:endParaRPr lang="ru-RU"/>
           </a:p>
@@ -673,7 +671,7 @@
           <a:p>
             <a:fld id="{8E6E6A2A-E9D3-4A0D-B04A-ABDD367A1E08}" type="datetimeFigureOut">
               <a:rPr lang="ru-RU" smtClean="0"/>
-              <a:t>01.11.2012</a:t>
+              <a:t>06.11.2012</a:t>
             </a:fld>
             <a:endParaRPr lang="ru-RU"/>
           </a:p>
@@ -843,7 +841,7 @@
           <a:p>
             <a:fld id="{8E6E6A2A-E9D3-4A0D-B04A-ABDD367A1E08}" type="datetimeFigureOut">
               <a:rPr lang="ru-RU" smtClean="0"/>
-              <a:t>01.11.2012</a:t>
+              <a:t>06.11.2012</a:t>
             </a:fld>
             <a:endParaRPr lang="ru-RU"/>
           </a:p>
@@ -1089,7 +1087,7 @@
           <a:p>
             <a:fld id="{8E6E6A2A-E9D3-4A0D-B04A-ABDD367A1E08}" type="datetimeFigureOut">
               <a:rPr lang="ru-RU" smtClean="0"/>
-              <a:t>01.11.2012</a:t>
+              <a:t>06.11.2012</a:t>
             </a:fld>
             <a:endParaRPr lang="ru-RU"/>
           </a:p>
@@ -1377,7 +1375,7 @@
           <a:p>
             <a:fld id="{8E6E6A2A-E9D3-4A0D-B04A-ABDD367A1E08}" type="datetimeFigureOut">
               <a:rPr lang="ru-RU" smtClean="0"/>
-              <a:t>01.11.2012</a:t>
+              <a:t>06.11.2012</a:t>
             </a:fld>
             <a:endParaRPr lang="ru-RU"/>
           </a:p>
@@ -1799,7 +1797,7 @@
           <a:p>
             <a:fld id="{8E6E6A2A-E9D3-4A0D-B04A-ABDD367A1E08}" type="datetimeFigureOut">
               <a:rPr lang="ru-RU" smtClean="0"/>
-              <a:t>01.11.2012</a:t>
+              <a:t>06.11.2012</a:t>
             </a:fld>
             <a:endParaRPr lang="ru-RU"/>
           </a:p>
@@ -1917,7 +1915,7 @@
           <a:p>
             <a:fld id="{8E6E6A2A-E9D3-4A0D-B04A-ABDD367A1E08}" type="datetimeFigureOut">
               <a:rPr lang="ru-RU" smtClean="0"/>
-              <a:t>01.11.2012</a:t>
+              <a:t>06.11.2012</a:t>
             </a:fld>
             <a:endParaRPr lang="ru-RU"/>
           </a:p>
@@ -2012,7 +2010,7 @@
           <a:p>
             <a:fld id="{8E6E6A2A-E9D3-4A0D-B04A-ABDD367A1E08}" type="datetimeFigureOut">
               <a:rPr lang="ru-RU" smtClean="0"/>
-              <a:t>01.11.2012</a:t>
+              <a:t>06.11.2012</a:t>
             </a:fld>
             <a:endParaRPr lang="ru-RU"/>
           </a:p>
@@ -2289,7 +2287,7 @@
           <a:p>
             <a:fld id="{8E6E6A2A-E9D3-4A0D-B04A-ABDD367A1E08}" type="datetimeFigureOut">
               <a:rPr lang="ru-RU" smtClean="0"/>
-              <a:t>01.11.2012</a:t>
+              <a:t>06.11.2012</a:t>
             </a:fld>
             <a:endParaRPr lang="ru-RU"/>
           </a:p>
@@ -2542,7 +2540,7 @@
           <a:p>
             <a:fld id="{8E6E6A2A-E9D3-4A0D-B04A-ABDD367A1E08}" type="datetimeFigureOut">
               <a:rPr lang="ru-RU" smtClean="0"/>
-              <a:t>01.11.2012</a:t>
+              <a:t>06.11.2012</a:t>
             </a:fld>
             <a:endParaRPr lang="ru-RU"/>
           </a:p>
@@ -2755,7 +2753,7 @@
           <a:p>
             <a:fld id="{8E6E6A2A-E9D3-4A0D-B04A-ABDD367A1E08}" type="datetimeFigureOut">
               <a:rPr lang="ru-RU" smtClean="0"/>
-              <a:t>01.11.2012</a:t>
+              <a:t>06.11.2012</a:t>
             </a:fld>
             <a:endParaRPr lang="ru-RU"/>
           </a:p>
@@ -3293,40 +3291,6 @@
           </a:p>
         </p:txBody>
       </p:sp>
-      <p:sp>
-        <p:nvSpPr>
-          <p:cNvPr id="2" name="TextBox 1"/>
-          <p:cNvSpPr txBox="1"/>
-          <p:nvPr/>
-        </p:nvSpPr>
-        <p:spPr>
-          <a:xfrm>
-            <a:off x="3120449" y="5589240"/>
-            <a:ext cx="2903102" cy="369332"/>
-          </a:xfrm>
-          <a:prstGeom prst="rect">
-            <a:avLst/>
-          </a:prstGeom>
-          <a:noFill/>
-        </p:spPr>
-        <p:txBody>
-          <a:bodyPr wrap="none" rtlCol="0">
-            <a:spAutoFit/>
-          </a:bodyPr>
-          <a:lstStyle/>
-          <a:p>
-            <a:r>
-              <a:rPr lang="en-US" dirty="0">
-                <a:solidFill>
-                  <a:schemeClr val="bg1"/>
-                </a:solidFill>
-              </a:rPr>
-              <a:t>http://vk.com/club33848893</a:t>
-            </a:r>
-            <a:endParaRPr lang="en-US" dirty="0"/>
-          </a:p>
-        </p:txBody>
-      </p:sp>
     </p:spTree>
     <p:extLst>
       <p:ext uri="{BB962C8B-B14F-4D97-AF65-F5344CB8AC3E}">
@@ -3406,7 +3370,7 @@
                   <a:schemeClr val="bg1"/>
                 </a:solidFill>
               </a:rPr>
-              <a:t>.NET Framework – Managed platform</a:t>
+              <a:t>.NET Framework</a:t>
             </a:r>
             <a:endParaRPr lang="ru-RU" sz="3200" dirty="0" smtClean="0">
               <a:solidFill>
@@ -3433,7 +3397,7 @@
       </p:sp>
       <p:pic>
         <p:nvPicPr>
-          <p:cNvPr id="4" name="Picture 3" descr="Managed code within a larger architecture"/>
+          <p:cNvPr id="5" name="Picture 4" descr="http://upload.wikimedia.org/wikipedia/commons/thumb/d/d3/DotNet.svg/513px-DotNet.svg.png"/>
           <p:cNvPicPr/>
           <p:nvPr/>
         </p:nvPicPr>
@@ -3452,8 +3416,8 @@
         </p:blipFill>
         <p:spPr bwMode="auto">
           <a:xfrm>
-            <a:off x="2147887" y="1359120"/>
-            <a:ext cx="4848225" cy="4448175"/>
+            <a:off x="1979712" y="740983"/>
+            <a:ext cx="4886325" cy="5715000"/>
           </a:xfrm>
           <a:prstGeom prst="rect">
             <a:avLst/>
@@ -3467,7 +3431,7 @@
     </p:spTree>
     <p:extLst>
       <p:ext uri="{BB962C8B-B14F-4D97-AF65-F5344CB8AC3E}">
-        <p14:creationId xmlns:p14="http://schemas.microsoft.com/office/powerpoint/2010/main" val="1986342191"/>
+        <p14:creationId xmlns:p14="http://schemas.microsoft.com/office/powerpoint/2010/main" val="2503303019"/>
       </p:ext>
     </p:extLst>
   </p:cSld>
@@ -3517,14 +3481,14 @@
       </p:grpSpPr>
       <p:sp>
         <p:nvSpPr>
-          <p:cNvPr id="3" name="Rectangle 2"/>
+          <p:cNvPr id="4" name="Rectangle 3"/>
           <p:cNvSpPr/>
           <p:nvPr/>
         </p:nvSpPr>
         <p:spPr>
           <a:xfrm>
             <a:off x="251520" y="188640"/>
-            <a:ext cx="8640960" cy="1138773"/>
+            <a:ext cx="8640960" cy="769441"/>
           </a:xfrm>
           <a:prstGeom prst="rect">
             <a:avLst/>
@@ -3536,39 +3500,16 @@
           </a:bodyPr>
           <a:lstStyle/>
           <a:p>
-            <a:pPr lvl="0"/>
-            <a:r>
-              <a:rPr lang="ru-RU" sz="3200" dirty="0" smtClean="0">
-                <a:solidFill>
-                  <a:schemeClr val="bg1"/>
-                </a:solidFill>
-              </a:rPr>
-              <a:t>Версии </a:t>
-            </a:r>
-            <a:r>
-              <a:rPr lang="en-US" sz="3200" dirty="0" smtClean="0">
+            <a:pPr lvl="0" algn="ctr"/>
+            <a:r>
+              <a:rPr lang="en-US" sz="4400" dirty="0" smtClean="0">
                 <a:solidFill>
                   <a:schemeClr val="bg1"/>
                 </a:solidFill>
               </a:rPr>
               <a:t>.NET Framework</a:t>
             </a:r>
-            <a:endParaRPr lang="ru-RU" sz="3200" dirty="0" smtClean="0">
-              <a:solidFill>
-                <a:schemeClr val="bg1"/>
-              </a:solidFill>
-            </a:endParaRPr>
-          </a:p>
-          <a:p>
-            <a:pPr lvl="0"/>
-            <a:endParaRPr lang="ru-RU" dirty="0" smtClean="0">
-              <a:solidFill>
-                <a:schemeClr val="bg1"/>
-              </a:solidFill>
-            </a:endParaRPr>
-          </a:p>
-          <a:p>
-            <a:endParaRPr lang="en-US" dirty="0" smtClean="0">
+            <a:endParaRPr lang="en-US" sz="4400" dirty="0">
               <a:solidFill>
                 <a:schemeClr val="bg1"/>
               </a:solidFill>
@@ -3578,119 +3519,46 @@
       </p:sp>
       <p:graphicFrame>
         <p:nvGraphicFramePr>
-          <p:cNvPr id="6" name="Table 5"/>
+          <p:cNvPr id="2" name="Table 1"/>
           <p:cNvGraphicFramePr>
             <a:graphicFrameLocks noGrp="1"/>
           </p:cNvGraphicFramePr>
           <p:nvPr>
             <p:extLst>
               <p:ext uri="{D42A27DB-BD31-4B8C-83A1-F6EECF244321}">
-                <p14:modId xmlns:p14="http://schemas.microsoft.com/office/powerpoint/2010/main" val="3402533746"/>
+                <p14:modId xmlns:p14="http://schemas.microsoft.com/office/powerpoint/2010/main" val="1126373640"/>
               </p:ext>
             </p:extLst>
           </p:nvPr>
         </p:nvGraphicFramePr>
         <p:xfrm>
-          <a:off x="323528" y="1495322"/>
-          <a:ext cx="8496944" cy="4525966"/>
+          <a:off x="1524000" y="2501900"/>
+          <a:ext cx="6096000" cy="1854200"/>
         </p:xfrm>
         <a:graphic>
           <a:graphicData uri="http://schemas.openxmlformats.org/drawingml/2006/table">
             <a:tbl>
-              <a:tblPr/>
+              <a:tblPr firstRow="1" bandRow="1">
+                <a:tableStyleId>{5C22544A-7EE6-4342-B048-85BDC9FD1C3A}</a:tableStyleId>
+              </a:tblPr>
               <a:tblGrid>
-                <a:gridCol w="936104"/>
-                <a:gridCol w="1944216"/>
-                <a:gridCol w="1440160"/>
-                <a:gridCol w="1656184"/>
-                <a:gridCol w="2520280"/>
+                <a:gridCol w="1607840"/>
+                <a:gridCol w="4488160"/>
               </a:tblGrid>
-              <a:tr h="428132">
+              <a:tr h="370840">
                 <a:tc>
                   <a:txBody>
                     <a:bodyPr/>
                     <a:lstStyle/>
                     <a:p>
                       <a:r>
-                        <a:rPr lang="ru-RU" sz="1200" b="1" dirty="0" smtClean="0">
-                          <a:solidFill>
-                            <a:schemeClr val="accent1"/>
-                          </a:solidFill>
-                        </a:rPr>
-                        <a:t>Версия</a:t>
+                        <a:rPr lang="ru-RU" dirty="0" smtClean="0"/>
+                        <a:t>Технология</a:t>
                       </a:r>
-                      <a:r>
-                        <a:rPr lang="ru-RU" sz="1200" b="1" baseline="0" dirty="0" smtClean="0">
-                          <a:solidFill>
-                            <a:schemeClr val="accent1"/>
-                          </a:solidFill>
-                        </a:rPr>
-                        <a:t> </a:t>
-                      </a:r>
-                      <a:r>
-                        <a:rPr lang="en-US" sz="1200" b="1" baseline="0" dirty="0" smtClean="0">
-                          <a:solidFill>
-                            <a:schemeClr val="accent1"/>
-                          </a:solidFill>
-                        </a:rPr>
-                        <a:t>.NET</a:t>
-                      </a:r>
-                      <a:endParaRPr lang="en-US" sz="1200" b="1" dirty="0">
-                        <a:solidFill>
-                          <a:schemeClr val="accent1"/>
-                        </a:solidFill>
-                      </a:endParaRPr>
+                      <a:endParaRPr lang="ru-RU" dirty="0"/>
                     </a:p>
                   </a:txBody>
-                  <a:tcPr marL="61162" marR="61162" marT="30581" marB="30581" anchor="ctr">
-                    <a:lnL w="12700" cap="flat" cmpd="sng" algn="ctr">
-                      <a:solidFill>
-                        <a:schemeClr val="bg1"/>
-                      </a:solidFill>
-                      <a:prstDash val="solid"/>
-                      <a:round/>
-                      <a:headEnd type="none" w="med" len="med"/>
-                      <a:tailEnd type="none" w="med" len="med"/>
-                    </a:lnL>
-                    <a:lnR w="12700" cap="flat" cmpd="sng" algn="ctr">
-                      <a:solidFill>
-                        <a:schemeClr val="bg1"/>
-                      </a:solidFill>
-                      <a:prstDash val="solid"/>
-                      <a:round/>
-                      <a:headEnd type="none" w="med" len="med"/>
-                      <a:tailEnd type="none" w="med" len="med"/>
-                    </a:lnR>
-                    <a:lnT w="12700" cap="flat" cmpd="sng" algn="ctr">
-                      <a:solidFill>
-                        <a:schemeClr val="bg1"/>
-                      </a:solidFill>
-                      <a:prstDash val="solid"/>
-                      <a:round/>
-                      <a:headEnd type="none" w="med" len="med"/>
-                      <a:tailEnd type="none" w="med" len="med"/>
-                    </a:lnT>
-                    <a:lnB w="12700" cap="flat" cmpd="sng" algn="ctr">
-                      <a:solidFill>
-                        <a:schemeClr val="bg1"/>
-                      </a:solidFill>
-                      <a:prstDash val="solid"/>
-                      <a:round/>
-                      <a:headEnd type="none" w="med" len="med"/>
-                      <a:tailEnd type="none" w="med" len="med"/>
-                    </a:lnB>
-                    <a:lnTlToBr w="12700" cmpd="sng">
-                      <a:noFill/>
-                      <a:prstDash val="solid"/>
-                    </a:lnTlToBr>
-                    <a:lnBlToTr w="12700" cmpd="sng">
-                      <a:noFill/>
-                      <a:prstDash val="solid"/>
-                    </a:lnBlToTr>
-                    <a:solidFill>
-                      <a:schemeClr val="bg1"/>
-                    </a:solidFill>
-                  </a:tcPr>
+                  <a:tcPr/>
                 </a:tc>
                 <a:tc>
                   <a:txBody>
@@ -3698,69 +3566,29 @@
                     <a:lstStyle/>
                     <a:p>
                       <a:r>
-                        <a:rPr lang="ru-RU" sz="1200" b="1" dirty="0" smtClean="0">
-                          <a:solidFill>
-                            <a:schemeClr val="accent1"/>
-                          </a:solidFill>
-                        </a:rPr>
-                        <a:t>Номер версии</a:t>
+                        <a:rPr lang="ru-RU" dirty="0" smtClean="0"/>
+                        <a:t>Расшифровка</a:t>
                       </a:r>
-                      <a:endParaRPr lang="en-US" sz="1200" b="1" dirty="0">
-                        <a:solidFill>
-                          <a:schemeClr val="accent1"/>
-                        </a:solidFill>
-                      </a:endParaRPr>
+                      <a:endParaRPr lang="ru-RU" dirty="0"/>
                     </a:p>
                   </a:txBody>
-                  <a:tcPr marL="61162" marR="61162" marT="30581" marB="30581" anchor="ctr">
-                    <a:lnL w="12700" cap="flat" cmpd="sng" algn="ctr">
-                      <a:solidFill>
-                        <a:schemeClr val="bg1"/>
-                      </a:solidFill>
-                      <a:prstDash val="solid"/>
-                      <a:round/>
-                      <a:headEnd type="none" w="med" len="med"/>
-                      <a:tailEnd type="none" w="med" len="med"/>
-                    </a:lnL>
-                    <a:lnR w="12700" cap="flat" cmpd="sng" algn="ctr">
-                      <a:solidFill>
-                        <a:schemeClr val="bg1"/>
-                      </a:solidFill>
-                      <a:prstDash val="solid"/>
-                      <a:round/>
-                      <a:headEnd type="none" w="med" len="med"/>
-                      <a:tailEnd type="none" w="med" len="med"/>
-                    </a:lnR>
-                    <a:lnT w="12700" cap="flat" cmpd="sng" algn="ctr">
-                      <a:solidFill>
-                        <a:schemeClr val="bg1"/>
-                      </a:solidFill>
-                      <a:prstDash val="solid"/>
-                      <a:round/>
-                      <a:headEnd type="none" w="med" len="med"/>
-                      <a:tailEnd type="none" w="med" len="med"/>
-                    </a:lnT>
-                    <a:lnB w="12700" cap="flat" cmpd="sng" algn="ctr">
-                      <a:solidFill>
-                        <a:schemeClr val="bg1"/>
-                      </a:solidFill>
-                      <a:prstDash val="solid"/>
-                      <a:round/>
-                      <a:headEnd type="none" w="med" len="med"/>
-                      <a:tailEnd type="none" w="med" len="med"/>
-                    </a:lnB>
-                    <a:lnTlToBr w="12700" cmpd="sng">
-                      <a:noFill/>
-                      <a:prstDash val="solid"/>
-                    </a:lnTlToBr>
-                    <a:lnBlToTr w="12700" cmpd="sng">
-                      <a:noFill/>
-                      <a:prstDash val="solid"/>
-                    </a:lnBlToTr>
-                    <a:solidFill>
-                      <a:schemeClr val="bg1"/>
-                    </a:solidFill>
-                  </a:tcPr>
+                  <a:tcPr/>
+                </a:tc>
+              </a:tr>
+              <a:tr h="370840">
+                <a:tc>
+                  <a:txBody>
+                    <a:bodyPr/>
+                    <a:lstStyle/>
+                    <a:p>
+                      <a:r>
+                        <a:rPr lang="en-US" dirty="0" smtClean="0"/>
+                        <a:t>LINQ</a:t>
+                      </a:r>
+                      <a:endParaRPr lang="ru-RU" dirty="0"/>
+                    </a:p>
+                  </a:txBody>
+                  <a:tcPr/>
                 </a:tc>
                 <a:tc>
                   <a:txBody>
@@ -3768,69 +3596,29 @@
                     <a:lstStyle/>
                     <a:p>
                       <a:r>
-                        <a:rPr lang="ru-RU" sz="1200" b="1" dirty="0" smtClean="0">
-                          <a:solidFill>
-                            <a:schemeClr val="accent1"/>
-                          </a:solidFill>
-                        </a:rPr>
-                        <a:t>Дата выхода</a:t>
+                        <a:rPr lang="en-US" dirty="0" smtClean="0"/>
+                        <a:t>Language Integrated Query</a:t>
                       </a:r>
-                      <a:endParaRPr lang="en-US" sz="1200" b="1" dirty="0">
-                        <a:solidFill>
-                          <a:schemeClr val="accent1"/>
-                        </a:solidFill>
-                      </a:endParaRPr>
+                      <a:endParaRPr lang="ru-RU" dirty="0"/>
                     </a:p>
                   </a:txBody>
-                  <a:tcPr marL="61162" marR="61162" marT="30581" marB="30581" anchor="ctr">
-                    <a:lnL w="12700" cap="flat" cmpd="sng" algn="ctr">
-                      <a:solidFill>
-                        <a:schemeClr val="bg1"/>
-                      </a:solidFill>
-                      <a:prstDash val="solid"/>
-                      <a:round/>
-                      <a:headEnd type="none" w="med" len="med"/>
-                      <a:tailEnd type="none" w="med" len="med"/>
-                    </a:lnL>
-                    <a:lnR w="12700" cap="flat" cmpd="sng" algn="ctr">
-                      <a:solidFill>
-                        <a:schemeClr val="bg1"/>
-                      </a:solidFill>
-                      <a:prstDash val="solid"/>
-                      <a:round/>
-                      <a:headEnd type="none" w="med" len="med"/>
-                      <a:tailEnd type="none" w="med" len="med"/>
-                    </a:lnR>
-                    <a:lnT w="12700" cap="flat" cmpd="sng" algn="ctr">
-                      <a:solidFill>
-                        <a:schemeClr val="bg1"/>
-                      </a:solidFill>
-                      <a:prstDash val="solid"/>
-                      <a:round/>
-                      <a:headEnd type="none" w="med" len="med"/>
-                      <a:tailEnd type="none" w="med" len="med"/>
-                    </a:lnT>
-                    <a:lnB w="12700" cap="flat" cmpd="sng" algn="ctr">
-                      <a:solidFill>
-                        <a:schemeClr val="bg1"/>
-                      </a:solidFill>
-                      <a:prstDash val="solid"/>
-                      <a:round/>
-                      <a:headEnd type="none" w="med" len="med"/>
-                      <a:tailEnd type="none" w="med" len="med"/>
-                    </a:lnB>
-                    <a:lnTlToBr w="12700" cmpd="sng">
-                      <a:noFill/>
-                      <a:prstDash val="solid"/>
-                    </a:lnTlToBr>
-                    <a:lnBlToTr w="12700" cmpd="sng">
-                      <a:noFill/>
-                      <a:prstDash val="solid"/>
-                    </a:lnBlToTr>
-                    <a:solidFill>
-                      <a:schemeClr val="bg1"/>
-                    </a:solidFill>
-                  </a:tcPr>
+                  <a:tcPr/>
+                </a:tc>
+              </a:tr>
+              <a:tr h="370840">
+                <a:tc>
+                  <a:txBody>
+                    <a:bodyPr/>
+                    <a:lstStyle/>
+                    <a:p>
+                      <a:r>
+                        <a:rPr lang="en-US" dirty="0" smtClean="0"/>
+                        <a:t>WPF</a:t>
+                      </a:r>
+                      <a:endParaRPr lang="ru-RU" dirty="0"/>
+                    </a:p>
+                  </a:txBody>
+                  <a:tcPr/>
                 </a:tc>
                 <a:tc>
                   <a:txBody>
@@ -3838,64 +3626,29 @@
                     <a:lstStyle/>
                     <a:p>
                       <a:r>
-                        <a:rPr lang="en-US" sz="1200" b="1" dirty="0">
-                          <a:solidFill>
-                            <a:schemeClr val="accent1"/>
-                          </a:solidFill>
-                        </a:rPr>
-                        <a:t>Visual Studio</a:t>
+                        <a:rPr lang="en-US" dirty="0" smtClean="0"/>
+                        <a:t>Windows Presentation Foundation</a:t>
                       </a:r>
+                      <a:endParaRPr lang="ru-RU" dirty="0"/>
                     </a:p>
                   </a:txBody>
-                  <a:tcPr marL="61162" marR="61162" marT="30581" marB="30581" anchor="ctr">
-                    <a:lnL w="12700" cap="flat" cmpd="sng" algn="ctr">
-                      <a:solidFill>
-                        <a:schemeClr val="bg1"/>
-                      </a:solidFill>
-                      <a:prstDash val="solid"/>
-                      <a:round/>
-                      <a:headEnd type="none" w="med" len="med"/>
-                      <a:tailEnd type="none" w="med" len="med"/>
-                    </a:lnL>
-                    <a:lnR w="12700" cap="flat" cmpd="sng" algn="ctr">
-                      <a:solidFill>
-                        <a:schemeClr val="bg1"/>
-                      </a:solidFill>
-                      <a:prstDash val="solid"/>
-                      <a:round/>
-                      <a:headEnd type="none" w="med" len="med"/>
-                      <a:tailEnd type="none" w="med" len="med"/>
-                    </a:lnR>
-                    <a:lnT w="12700" cap="flat" cmpd="sng" algn="ctr">
-                      <a:solidFill>
-                        <a:schemeClr val="bg1"/>
-                      </a:solidFill>
-                      <a:prstDash val="solid"/>
-                      <a:round/>
-                      <a:headEnd type="none" w="med" len="med"/>
-                      <a:tailEnd type="none" w="med" len="med"/>
-                    </a:lnT>
-                    <a:lnB w="12700" cap="flat" cmpd="sng" algn="ctr">
-                      <a:solidFill>
-                        <a:schemeClr val="bg1"/>
-                      </a:solidFill>
-                      <a:prstDash val="solid"/>
-                      <a:round/>
-                      <a:headEnd type="none" w="med" len="med"/>
-                      <a:tailEnd type="none" w="med" len="med"/>
-                    </a:lnB>
-                    <a:lnTlToBr w="12700" cmpd="sng">
-                      <a:noFill/>
-                      <a:prstDash val="solid"/>
-                    </a:lnTlToBr>
-                    <a:lnBlToTr w="12700" cmpd="sng">
-                      <a:noFill/>
-                      <a:prstDash val="solid"/>
-                    </a:lnBlToTr>
-                    <a:solidFill>
-                      <a:schemeClr val="bg1"/>
-                    </a:solidFill>
-                  </a:tcPr>
+                  <a:tcPr/>
+                </a:tc>
+              </a:tr>
+              <a:tr h="370840">
+                <a:tc>
+                  <a:txBody>
+                    <a:bodyPr/>
+                    <a:lstStyle/>
+                    <a:p>
+                      <a:r>
+                        <a:rPr lang="en-US" dirty="0" smtClean="0"/>
+                        <a:t>WCF</a:t>
+                      </a:r>
+                      <a:endParaRPr lang="ru-RU" dirty="0"/>
+                    </a:p>
+                  </a:txBody>
+                  <a:tcPr/>
                 </a:tc>
                 <a:tc>
                   <a:txBody>
@@ -3903,128 +3656,29 @@
                     <a:lstStyle/>
                     <a:p>
                       <a:r>
-                        <a:rPr lang="en-US" sz="1200" b="1" dirty="0">
-                          <a:solidFill>
-                            <a:schemeClr val="accent1"/>
-                          </a:solidFill>
-                        </a:rPr>
-                        <a:t>Default in Windows</a:t>
+                        <a:rPr lang="en-US" dirty="0" smtClean="0"/>
+                        <a:t>Windows Communication Foundation</a:t>
                       </a:r>
+                      <a:endParaRPr lang="ru-RU" dirty="0"/>
                     </a:p>
                   </a:txBody>
-                  <a:tcPr marL="61162" marR="61162" marT="30581" marB="30581" anchor="ctr">
-                    <a:lnL w="12700" cap="flat" cmpd="sng" algn="ctr">
-                      <a:solidFill>
-                        <a:schemeClr val="bg1"/>
-                      </a:solidFill>
-                      <a:prstDash val="solid"/>
-                      <a:round/>
-                      <a:headEnd type="none" w="med" len="med"/>
-                      <a:tailEnd type="none" w="med" len="med"/>
-                    </a:lnL>
-                    <a:lnR w="12700" cap="flat" cmpd="sng" algn="ctr">
-                      <a:solidFill>
-                        <a:schemeClr val="bg1"/>
-                      </a:solidFill>
-                      <a:prstDash val="solid"/>
-                      <a:round/>
-                      <a:headEnd type="none" w="med" len="med"/>
-                      <a:tailEnd type="none" w="med" len="med"/>
-                    </a:lnR>
-                    <a:lnT w="12700" cap="flat" cmpd="sng" algn="ctr">
-                      <a:solidFill>
-                        <a:schemeClr val="bg1"/>
-                      </a:solidFill>
-                      <a:prstDash val="solid"/>
-                      <a:round/>
-                      <a:headEnd type="none" w="med" len="med"/>
-                      <a:tailEnd type="none" w="med" len="med"/>
-                    </a:lnT>
-                    <a:lnB w="12700" cap="flat" cmpd="sng" algn="ctr">
-                      <a:solidFill>
-                        <a:schemeClr val="bg1"/>
-                      </a:solidFill>
-                      <a:prstDash val="solid"/>
-                      <a:round/>
-                      <a:headEnd type="none" w="med" len="med"/>
-                      <a:tailEnd type="none" w="med" len="med"/>
-                    </a:lnB>
-                    <a:lnTlToBr w="12700" cmpd="sng">
-                      <a:noFill/>
-                      <a:prstDash val="solid"/>
-                    </a:lnTlToBr>
-                    <a:lnBlToTr w="12700" cmpd="sng">
-                      <a:noFill/>
-                      <a:prstDash val="solid"/>
-                    </a:lnBlToTr>
-                    <a:solidFill>
-                      <a:schemeClr val="bg1"/>
-                    </a:solidFill>
-                  </a:tcPr>
+                  <a:tcPr/>
                 </a:tc>
               </a:tr>
-              <a:tr h="795102">
+              <a:tr h="370840">
                 <a:tc>
                   <a:txBody>
                     <a:bodyPr/>
                     <a:lstStyle/>
                     <a:p>
                       <a:r>
-                        <a:rPr lang="en-US" sz="1200" dirty="0">
-                          <a:solidFill>
-                            <a:schemeClr val="bg1"/>
-                          </a:solidFill>
-                        </a:rPr>
-                        <a:t>1.0</a:t>
+                        <a:rPr lang="en-US" dirty="0" smtClean="0"/>
+                        <a:t>WF</a:t>
                       </a:r>
+                      <a:endParaRPr lang="ru-RU" dirty="0"/>
                     </a:p>
                   </a:txBody>
-                  <a:tcPr marL="61162" marR="61162" marT="30581" marB="30581" anchor="ctr">
-                    <a:lnL w="12700" cap="flat" cmpd="sng" algn="ctr">
-                      <a:solidFill>
-                        <a:schemeClr val="bg1"/>
-                      </a:solidFill>
-                      <a:prstDash val="solid"/>
-                      <a:round/>
-                      <a:headEnd type="none" w="med" len="med"/>
-                      <a:tailEnd type="none" w="med" len="med"/>
-                    </a:lnL>
-                    <a:lnR w="12700" cap="flat" cmpd="sng" algn="ctr">
-                      <a:solidFill>
-                        <a:schemeClr val="bg1"/>
-                      </a:solidFill>
-                      <a:prstDash val="solid"/>
-                      <a:round/>
-                      <a:headEnd type="none" w="med" len="med"/>
-                      <a:tailEnd type="none" w="med" len="med"/>
-                    </a:lnR>
-                    <a:lnT w="12700" cap="flat" cmpd="sng" algn="ctr">
-                      <a:solidFill>
-                        <a:schemeClr val="bg1"/>
-                      </a:solidFill>
-                      <a:prstDash val="solid"/>
-                      <a:round/>
-                      <a:headEnd type="none" w="med" len="med"/>
-                      <a:tailEnd type="none" w="med" len="med"/>
-                    </a:lnT>
-                    <a:lnB w="12700" cap="flat" cmpd="sng" algn="ctr">
-                      <a:solidFill>
-                        <a:schemeClr val="bg1"/>
-                      </a:solidFill>
-                      <a:prstDash val="solid"/>
-                      <a:round/>
-                      <a:headEnd type="none" w="med" len="med"/>
-                      <a:tailEnd type="none" w="med" len="med"/>
-                    </a:lnB>
-                    <a:lnTlToBr w="12700" cmpd="sng">
-                      <a:noFill/>
-                      <a:prstDash val="solid"/>
-                    </a:lnTlToBr>
-                    <a:lnBlToTr w="12700" cmpd="sng">
-                      <a:noFill/>
-                      <a:prstDash val="solid"/>
-                    </a:lnBlToTr>
-                  </a:tcPr>
+                  <a:tcPr/>
                 </a:tc>
                 <a:tc>
                   <a:txBody>
@@ -4032,2292 +3686,13 @@
                     <a:lstStyle/>
                     <a:p>
                       <a:r>
-                        <a:rPr lang="en-US" sz="1200" dirty="0">
-                          <a:solidFill>
-                            <a:schemeClr val="bg1"/>
-                          </a:solidFill>
-                        </a:rPr>
-                        <a:t>1.0.3705.0</a:t>
+                        <a:rPr lang="en-US" dirty="0" smtClean="0"/>
+                        <a:t>Workflow Foundation</a:t>
                       </a:r>
+                      <a:endParaRPr lang="ru-RU" dirty="0"/>
                     </a:p>
                   </a:txBody>
-                  <a:tcPr marL="61162" marR="61162" marT="30581" marB="30581" anchor="ctr">
-                    <a:lnL w="12700" cap="flat" cmpd="sng" algn="ctr">
-                      <a:solidFill>
-                        <a:schemeClr val="bg1"/>
-                      </a:solidFill>
-                      <a:prstDash val="solid"/>
-                      <a:round/>
-                      <a:headEnd type="none" w="med" len="med"/>
-                      <a:tailEnd type="none" w="med" len="med"/>
-                    </a:lnL>
-                    <a:lnR w="12700" cap="flat" cmpd="sng" algn="ctr">
-                      <a:solidFill>
-                        <a:schemeClr val="bg1"/>
-                      </a:solidFill>
-                      <a:prstDash val="solid"/>
-                      <a:round/>
-                      <a:headEnd type="none" w="med" len="med"/>
-                      <a:tailEnd type="none" w="med" len="med"/>
-                    </a:lnR>
-                    <a:lnT w="12700" cap="flat" cmpd="sng" algn="ctr">
-                      <a:solidFill>
-                        <a:schemeClr val="bg1"/>
-                      </a:solidFill>
-                      <a:prstDash val="solid"/>
-                      <a:round/>
-                      <a:headEnd type="none" w="med" len="med"/>
-                      <a:tailEnd type="none" w="med" len="med"/>
-                    </a:lnT>
-                    <a:lnB w="12700" cap="flat" cmpd="sng" algn="ctr">
-                      <a:solidFill>
-                        <a:schemeClr val="bg1"/>
-                      </a:solidFill>
-                      <a:prstDash val="solid"/>
-                      <a:round/>
-                      <a:headEnd type="none" w="med" len="med"/>
-                      <a:tailEnd type="none" w="med" len="med"/>
-                    </a:lnB>
-                    <a:lnTlToBr w="12700" cmpd="sng">
-                      <a:noFill/>
-                      <a:prstDash val="solid"/>
-                    </a:lnTlToBr>
-                    <a:lnBlToTr w="12700" cmpd="sng">
-                      <a:noFill/>
-                      <a:prstDash val="solid"/>
-                    </a:lnBlToTr>
-                  </a:tcPr>
-                </a:tc>
-                <a:tc>
-                  <a:txBody>
-                    <a:bodyPr/>
-                    <a:lstStyle/>
-                    <a:p>
-                      <a:r>
-                        <a:rPr lang="ru-RU" sz="1200" dirty="0" smtClean="0">
-                          <a:solidFill>
-                            <a:schemeClr val="bg1"/>
-                          </a:solidFill>
-                        </a:rPr>
-                        <a:t>Февраль</a:t>
-                      </a:r>
-                      <a:r>
-                        <a:rPr lang="ru-RU" sz="1200" baseline="0" dirty="0" smtClean="0">
-                          <a:solidFill>
-                            <a:schemeClr val="bg1"/>
-                          </a:solidFill>
-                        </a:rPr>
-                        <a:t> </a:t>
-                      </a:r>
-                      <a:r>
-                        <a:rPr lang="en-US" sz="1200" dirty="0" smtClean="0">
-                          <a:solidFill>
-                            <a:schemeClr val="bg1"/>
-                          </a:solidFill>
-                        </a:rPr>
-                        <a:t>2002</a:t>
-                      </a:r>
-                      <a:r>
-                        <a:rPr lang="ru-RU" sz="1200" dirty="0" smtClean="0">
-                          <a:solidFill>
-                            <a:schemeClr val="bg1"/>
-                          </a:solidFill>
-                        </a:rPr>
-                        <a:t> года</a:t>
-                      </a:r>
-                      <a:endParaRPr lang="en-US" sz="1200" dirty="0">
-                        <a:solidFill>
-                          <a:schemeClr val="bg1"/>
-                        </a:solidFill>
-                      </a:endParaRPr>
-                    </a:p>
-                  </a:txBody>
-                  <a:tcPr marL="61162" marR="61162" marT="30581" marB="30581" anchor="ctr">
-                    <a:lnL w="12700" cap="flat" cmpd="sng" algn="ctr">
-                      <a:solidFill>
-                        <a:schemeClr val="bg1"/>
-                      </a:solidFill>
-                      <a:prstDash val="solid"/>
-                      <a:round/>
-                      <a:headEnd type="none" w="med" len="med"/>
-                      <a:tailEnd type="none" w="med" len="med"/>
-                    </a:lnL>
-                    <a:lnR w="12700" cap="flat" cmpd="sng" algn="ctr">
-                      <a:solidFill>
-                        <a:schemeClr val="bg1"/>
-                      </a:solidFill>
-                      <a:prstDash val="solid"/>
-                      <a:round/>
-                      <a:headEnd type="none" w="med" len="med"/>
-                      <a:tailEnd type="none" w="med" len="med"/>
-                    </a:lnR>
-                    <a:lnT w="12700" cap="flat" cmpd="sng" algn="ctr">
-                      <a:solidFill>
-                        <a:schemeClr val="bg1"/>
-                      </a:solidFill>
-                      <a:prstDash val="solid"/>
-                      <a:round/>
-                      <a:headEnd type="none" w="med" len="med"/>
-                      <a:tailEnd type="none" w="med" len="med"/>
-                    </a:lnT>
-                    <a:lnB w="12700" cap="flat" cmpd="sng" algn="ctr">
-                      <a:solidFill>
-                        <a:schemeClr val="bg1"/>
-                      </a:solidFill>
-                      <a:prstDash val="solid"/>
-                      <a:round/>
-                      <a:headEnd type="none" w="med" len="med"/>
-                      <a:tailEnd type="none" w="med" len="med"/>
-                    </a:lnB>
-                    <a:lnTlToBr w="12700" cmpd="sng">
-                      <a:noFill/>
-                      <a:prstDash val="solid"/>
-                    </a:lnTlToBr>
-                    <a:lnBlToTr w="12700" cmpd="sng">
-                      <a:noFill/>
-                      <a:prstDash val="solid"/>
-                    </a:lnBlToTr>
-                  </a:tcPr>
-                </a:tc>
-                <a:tc>
-                  <a:txBody>
-                    <a:bodyPr/>
-                    <a:lstStyle/>
-                    <a:p>
-                      <a:r>
-                        <a:rPr lang="en-US" sz="1200" dirty="0">
-                          <a:solidFill>
-                            <a:schemeClr val="bg1"/>
-                          </a:solidFill>
-                        </a:rPr>
-                        <a:t>Visual Studio .NET</a:t>
-                      </a:r>
-                    </a:p>
-                  </a:txBody>
-                  <a:tcPr marL="61162" marR="61162" marT="30581" marB="30581" anchor="ctr">
-                    <a:lnL w="12700" cap="flat" cmpd="sng" algn="ctr">
-                      <a:solidFill>
-                        <a:schemeClr val="bg1"/>
-                      </a:solidFill>
-                      <a:prstDash val="solid"/>
-                      <a:round/>
-                      <a:headEnd type="none" w="med" len="med"/>
-                      <a:tailEnd type="none" w="med" len="med"/>
-                    </a:lnL>
-                    <a:lnR w="12700" cap="flat" cmpd="sng" algn="ctr">
-                      <a:solidFill>
-                        <a:schemeClr val="bg1"/>
-                      </a:solidFill>
-                      <a:prstDash val="solid"/>
-                      <a:round/>
-                      <a:headEnd type="none" w="med" len="med"/>
-                      <a:tailEnd type="none" w="med" len="med"/>
-                    </a:lnR>
-                    <a:lnT w="12700" cap="flat" cmpd="sng" algn="ctr">
-                      <a:solidFill>
-                        <a:schemeClr val="bg1"/>
-                      </a:solidFill>
-                      <a:prstDash val="solid"/>
-                      <a:round/>
-                      <a:headEnd type="none" w="med" len="med"/>
-                      <a:tailEnd type="none" w="med" len="med"/>
-                    </a:lnT>
-                    <a:lnB w="12700" cap="flat" cmpd="sng" algn="ctr">
-                      <a:solidFill>
-                        <a:schemeClr val="bg1"/>
-                      </a:solidFill>
-                      <a:prstDash val="solid"/>
-                      <a:round/>
-                      <a:headEnd type="none" w="med" len="med"/>
-                      <a:tailEnd type="none" w="med" len="med"/>
-                    </a:lnB>
-                    <a:lnTlToBr w="12700" cmpd="sng">
-                      <a:noFill/>
-                      <a:prstDash val="solid"/>
-                    </a:lnTlToBr>
-                    <a:lnBlToTr w="12700" cmpd="sng">
-                      <a:noFill/>
-                      <a:prstDash val="solid"/>
-                    </a:lnBlToTr>
-                  </a:tcPr>
-                </a:tc>
-                <a:tc>
-                  <a:txBody>
-                    <a:bodyPr/>
-                    <a:lstStyle/>
-                    <a:p>
-                      <a:r>
-                        <a:rPr lang="en-US" sz="1200" dirty="0">
-                          <a:solidFill>
-                            <a:schemeClr val="bg1"/>
-                          </a:solidFill>
-                        </a:rPr>
-                        <a:t>Windows XP Tablet and Media Center </a:t>
-                      </a:r>
-                      <a:r>
-                        <a:rPr lang="en-US" sz="1200" dirty="0" smtClean="0">
-                          <a:solidFill>
-                            <a:schemeClr val="bg1"/>
-                          </a:solidFill>
-                        </a:rPr>
-                        <a:t>Editions</a:t>
-                      </a:r>
-                      <a:endParaRPr lang="en-US" sz="1200" dirty="0">
-                        <a:solidFill>
-                          <a:schemeClr val="bg1"/>
-                        </a:solidFill>
-                      </a:endParaRPr>
-                    </a:p>
-                  </a:txBody>
-                  <a:tcPr marL="61162" marR="61162" marT="30581" marB="30581" anchor="ctr">
-                    <a:lnL w="12700" cap="flat" cmpd="sng" algn="ctr">
-                      <a:solidFill>
-                        <a:schemeClr val="bg1"/>
-                      </a:solidFill>
-                      <a:prstDash val="solid"/>
-                      <a:round/>
-                      <a:headEnd type="none" w="med" len="med"/>
-                      <a:tailEnd type="none" w="med" len="med"/>
-                    </a:lnL>
-                    <a:lnR w="12700" cap="flat" cmpd="sng" algn="ctr">
-                      <a:solidFill>
-                        <a:schemeClr val="bg1"/>
-                      </a:solidFill>
-                      <a:prstDash val="solid"/>
-                      <a:round/>
-                      <a:headEnd type="none" w="med" len="med"/>
-                      <a:tailEnd type="none" w="med" len="med"/>
-                    </a:lnR>
-                    <a:lnT w="12700" cap="flat" cmpd="sng" algn="ctr">
-                      <a:solidFill>
-                        <a:schemeClr val="bg1"/>
-                      </a:solidFill>
-                      <a:prstDash val="solid"/>
-                      <a:round/>
-                      <a:headEnd type="none" w="med" len="med"/>
-                      <a:tailEnd type="none" w="med" len="med"/>
-                    </a:lnT>
-                    <a:lnB w="12700" cap="flat" cmpd="sng" algn="ctr">
-                      <a:solidFill>
-                        <a:schemeClr val="bg1"/>
-                      </a:solidFill>
-                      <a:prstDash val="solid"/>
-                      <a:round/>
-                      <a:headEnd type="none" w="med" len="med"/>
-                      <a:tailEnd type="none" w="med" len="med"/>
-                    </a:lnB>
-                    <a:lnTlToBr w="12700" cmpd="sng">
-                      <a:noFill/>
-                      <a:prstDash val="solid"/>
-                    </a:lnTlToBr>
-                    <a:lnBlToTr w="12700" cmpd="sng">
-                      <a:noFill/>
-                      <a:prstDash val="solid"/>
-                    </a:lnBlToTr>
-                  </a:tcPr>
-                </a:tc>
-              </a:tr>
-              <a:tr h="428132">
-                <a:tc>
-                  <a:txBody>
-                    <a:bodyPr/>
-                    <a:lstStyle/>
-                    <a:p>
-                      <a:r>
-                        <a:rPr lang="en-US" sz="1200" dirty="0">
-                          <a:solidFill>
-                            <a:schemeClr val="bg1"/>
-                          </a:solidFill>
-                        </a:rPr>
-                        <a:t>1.1</a:t>
-                      </a:r>
-                    </a:p>
-                  </a:txBody>
-                  <a:tcPr marL="61162" marR="61162" marT="30581" marB="30581" anchor="ctr">
-                    <a:lnL w="12700" cap="flat" cmpd="sng" algn="ctr">
-                      <a:solidFill>
-                        <a:schemeClr val="bg1"/>
-                      </a:solidFill>
-                      <a:prstDash val="solid"/>
-                      <a:round/>
-                      <a:headEnd type="none" w="med" len="med"/>
-                      <a:tailEnd type="none" w="med" len="med"/>
-                    </a:lnL>
-                    <a:lnR w="12700" cap="flat" cmpd="sng" algn="ctr">
-                      <a:solidFill>
-                        <a:schemeClr val="bg1"/>
-                      </a:solidFill>
-                      <a:prstDash val="solid"/>
-                      <a:round/>
-                      <a:headEnd type="none" w="med" len="med"/>
-                      <a:tailEnd type="none" w="med" len="med"/>
-                    </a:lnR>
-                    <a:lnT w="12700" cap="flat" cmpd="sng" algn="ctr">
-                      <a:solidFill>
-                        <a:schemeClr val="bg1"/>
-                      </a:solidFill>
-                      <a:prstDash val="solid"/>
-                      <a:round/>
-                      <a:headEnd type="none" w="med" len="med"/>
-                      <a:tailEnd type="none" w="med" len="med"/>
-                    </a:lnT>
-                    <a:lnB w="12700" cap="flat" cmpd="sng" algn="ctr">
-                      <a:solidFill>
-                        <a:schemeClr val="bg1"/>
-                      </a:solidFill>
-                      <a:prstDash val="solid"/>
-                      <a:round/>
-                      <a:headEnd type="none" w="med" len="med"/>
-                      <a:tailEnd type="none" w="med" len="med"/>
-                    </a:lnB>
-                    <a:lnTlToBr w="12700" cmpd="sng">
-                      <a:noFill/>
-                      <a:prstDash val="solid"/>
-                    </a:lnTlToBr>
-                    <a:lnBlToTr w="12700" cmpd="sng">
-                      <a:noFill/>
-                      <a:prstDash val="solid"/>
-                    </a:lnBlToTr>
-                  </a:tcPr>
-                </a:tc>
-                <a:tc>
-                  <a:txBody>
-                    <a:bodyPr/>
-                    <a:lstStyle/>
-                    <a:p>
-                      <a:r>
-                        <a:rPr lang="en-US" sz="1200">
-                          <a:solidFill>
-                            <a:schemeClr val="bg1"/>
-                          </a:solidFill>
-                        </a:rPr>
-                        <a:t>1.1.4322.573</a:t>
-                      </a:r>
-                    </a:p>
-                  </a:txBody>
-                  <a:tcPr marL="61162" marR="61162" marT="30581" marB="30581" anchor="ctr">
-                    <a:lnL w="12700" cap="flat" cmpd="sng" algn="ctr">
-                      <a:solidFill>
-                        <a:schemeClr val="bg1"/>
-                      </a:solidFill>
-                      <a:prstDash val="solid"/>
-                      <a:round/>
-                      <a:headEnd type="none" w="med" len="med"/>
-                      <a:tailEnd type="none" w="med" len="med"/>
-                    </a:lnL>
-                    <a:lnR w="12700" cap="flat" cmpd="sng" algn="ctr">
-                      <a:solidFill>
-                        <a:schemeClr val="bg1"/>
-                      </a:solidFill>
-                      <a:prstDash val="solid"/>
-                      <a:round/>
-                      <a:headEnd type="none" w="med" len="med"/>
-                      <a:tailEnd type="none" w="med" len="med"/>
-                    </a:lnR>
-                    <a:lnT w="12700" cap="flat" cmpd="sng" algn="ctr">
-                      <a:solidFill>
-                        <a:schemeClr val="bg1"/>
-                      </a:solidFill>
-                      <a:prstDash val="solid"/>
-                      <a:round/>
-                      <a:headEnd type="none" w="med" len="med"/>
-                      <a:tailEnd type="none" w="med" len="med"/>
-                    </a:lnT>
-                    <a:lnB w="12700" cap="flat" cmpd="sng" algn="ctr">
-                      <a:solidFill>
-                        <a:schemeClr val="bg1"/>
-                      </a:solidFill>
-                      <a:prstDash val="solid"/>
-                      <a:round/>
-                      <a:headEnd type="none" w="med" len="med"/>
-                      <a:tailEnd type="none" w="med" len="med"/>
-                    </a:lnB>
-                    <a:lnTlToBr w="12700" cmpd="sng">
-                      <a:noFill/>
-                      <a:prstDash val="solid"/>
-                    </a:lnTlToBr>
-                    <a:lnBlToTr w="12700" cmpd="sng">
-                      <a:noFill/>
-                      <a:prstDash val="solid"/>
-                    </a:lnBlToTr>
-                  </a:tcPr>
-                </a:tc>
-                <a:tc>
-                  <a:txBody>
-                    <a:bodyPr/>
-                    <a:lstStyle/>
-                    <a:p>
-                      <a:r>
-                        <a:rPr lang="ru-RU" sz="1200" dirty="0" smtClean="0">
-                          <a:solidFill>
-                            <a:schemeClr val="bg1"/>
-                          </a:solidFill>
-                        </a:rPr>
-                        <a:t>Март </a:t>
-                      </a:r>
-                      <a:r>
-                        <a:rPr lang="en-US" sz="1200" dirty="0" smtClean="0">
-                          <a:solidFill>
-                            <a:schemeClr val="bg1"/>
-                          </a:solidFill>
-                        </a:rPr>
-                        <a:t>2003</a:t>
-                      </a:r>
-                      <a:r>
-                        <a:rPr lang="ru-RU" sz="1200" dirty="0" smtClean="0">
-                          <a:solidFill>
-                            <a:schemeClr val="bg1"/>
-                          </a:solidFill>
-                        </a:rPr>
-                        <a:t> года</a:t>
-                      </a:r>
-                      <a:endParaRPr lang="en-US" sz="1200" dirty="0">
-                        <a:solidFill>
-                          <a:schemeClr val="bg1"/>
-                        </a:solidFill>
-                      </a:endParaRPr>
-                    </a:p>
-                  </a:txBody>
-                  <a:tcPr marL="61162" marR="61162" marT="30581" marB="30581" anchor="ctr">
-                    <a:lnL w="12700" cap="flat" cmpd="sng" algn="ctr">
-                      <a:solidFill>
-                        <a:schemeClr val="bg1"/>
-                      </a:solidFill>
-                      <a:prstDash val="solid"/>
-                      <a:round/>
-                      <a:headEnd type="none" w="med" len="med"/>
-                      <a:tailEnd type="none" w="med" len="med"/>
-                    </a:lnL>
-                    <a:lnR w="12700" cap="flat" cmpd="sng" algn="ctr">
-                      <a:solidFill>
-                        <a:schemeClr val="bg1"/>
-                      </a:solidFill>
-                      <a:prstDash val="solid"/>
-                      <a:round/>
-                      <a:headEnd type="none" w="med" len="med"/>
-                      <a:tailEnd type="none" w="med" len="med"/>
-                    </a:lnR>
-                    <a:lnT w="12700" cap="flat" cmpd="sng" algn="ctr">
-                      <a:solidFill>
-                        <a:schemeClr val="bg1"/>
-                      </a:solidFill>
-                      <a:prstDash val="solid"/>
-                      <a:round/>
-                      <a:headEnd type="none" w="med" len="med"/>
-                      <a:tailEnd type="none" w="med" len="med"/>
-                    </a:lnT>
-                    <a:lnB w="12700" cap="flat" cmpd="sng" algn="ctr">
-                      <a:solidFill>
-                        <a:schemeClr val="bg1"/>
-                      </a:solidFill>
-                      <a:prstDash val="solid"/>
-                      <a:round/>
-                      <a:headEnd type="none" w="med" len="med"/>
-                      <a:tailEnd type="none" w="med" len="med"/>
-                    </a:lnB>
-                    <a:lnTlToBr w="12700" cmpd="sng">
-                      <a:noFill/>
-                      <a:prstDash val="solid"/>
-                    </a:lnTlToBr>
-                    <a:lnBlToTr w="12700" cmpd="sng">
-                      <a:noFill/>
-                      <a:prstDash val="solid"/>
-                    </a:lnBlToTr>
-                  </a:tcPr>
-                </a:tc>
-                <a:tc>
-                  <a:txBody>
-                    <a:bodyPr/>
-                    <a:lstStyle/>
-                    <a:p>
-                      <a:r>
-                        <a:rPr lang="en-US" sz="1200" dirty="0">
-                          <a:solidFill>
-                            <a:schemeClr val="bg1"/>
-                          </a:solidFill>
-                        </a:rPr>
-                        <a:t>Visual Studio .NET 2003</a:t>
-                      </a:r>
-                    </a:p>
-                  </a:txBody>
-                  <a:tcPr marL="61162" marR="61162" marT="30581" marB="30581" anchor="ctr">
-                    <a:lnL w="12700" cap="flat" cmpd="sng" algn="ctr">
-                      <a:solidFill>
-                        <a:schemeClr val="bg1"/>
-                      </a:solidFill>
-                      <a:prstDash val="solid"/>
-                      <a:round/>
-                      <a:headEnd type="none" w="med" len="med"/>
-                      <a:tailEnd type="none" w="med" len="med"/>
-                    </a:lnL>
-                    <a:lnR w="12700" cap="flat" cmpd="sng" algn="ctr">
-                      <a:solidFill>
-                        <a:schemeClr val="bg1"/>
-                      </a:solidFill>
-                      <a:prstDash val="solid"/>
-                      <a:round/>
-                      <a:headEnd type="none" w="med" len="med"/>
-                      <a:tailEnd type="none" w="med" len="med"/>
-                    </a:lnR>
-                    <a:lnT w="12700" cap="flat" cmpd="sng" algn="ctr">
-                      <a:solidFill>
-                        <a:schemeClr val="bg1"/>
-                      </a:solidFill>
-                      <a:prstDash val="solid"/>
-                      <a:round/>
-                      <a:headEnd type="none" w="med" len="med"/>
-                      <a:tailEnd type="none" w="med" len="med"/>
-                    </a:lnT>
-                    <a:lnB w="12700" cap="flat" cmpd="sng" algn="ctr">
-                      <a:solidFill>
-                        <a:schemeClr val="bg1"/>
-                      </a:solidFill>
-                      <a:prstDash val="solid"/>
-                      <a:round/>
-                      <a:headEnd type="none" w="med" len="med"/>
-                      <a:tailEnd type="none" w="med" len="med"/>
-                    </a:lnB>
-                    <a:lnTlToBr w="12700" cmpd="sng">
-                      <a:noFill/>
-                      <a:prstDash val="solid"/>
-                    </a:lnTlToBr>
-                    <a:lnBlToTr w="12700" cmpd="sng">
-                      <a:noFill/>
-                      <a:prstDash val="solid"/>
-                    </a:lnBlToTr>
-                  </a:tcPr>
-                </a:tc>
-                <a:tc>
-                  <a:txBody>
-                    <a:bodyPr/>
-                    <a:lstStyle/>
-                    <a:p>
-                      <a:r>
-                        <a:rPr lang="en-US" sz="1200" dirty="0">
-                          <a:solidFill>
-                            <a:schemeClr val="bg1"/>
-                          </a:solidFill>
-                        </a:rPr>
-                        <a:t>Windows Server 2003</a:t>
-                      </a:r>
-                    </a:p>
-                  </a:txBody>
-                  <a:tcPr marL="61162" marR="61162" marT="30581" marB="30581" anchor="ctr">
-                    <a:lnL w="12700" cap="flat" cmpd="sng" algn="ctr">
-                      <a:solidFill>
-                        <a:schemeClr val="bg1"/>
-                      </a:solidFill>
-                      <a:prstDash val="solid"/>
-                      <a:round/>
-                      <a:headEnd type="none" w="med" len="med"/>
-                      <a:tailEnd type="none" w="med" len="med"/>
-                    </a:lnL>
-                    <a:lnR w="12700" cap="flat" cmpd="sng" algn="ctr">
-                      <a:solidFill>
-                        <a:schemeClr val="bg1"/>
-                      </a:solidFill>
-                      <a:prstDash val="solid"/>
-                      <a:round/>
-                      <a:headEnd type="none" w="med" len="med"/>
-                      <a:tailEnd type="none" w="med" len="med"/>
-                    </a:lnR>
-                    <a:lnT w="12700" cap="flat" cmpd="sng" algn="ctr">
-                      <a:solidFill>
-                        <a:schemeClr val="bg1"/>
-                      </a:solidFill>
-                      <a:prstDash val="solid"/>
-                      <a:round/>
-                      <a:headEnd type="none" w="med" len="med"/>
-                      <a:tailEnd type="none" w="med" len="med"/>
-                    </a:lnT>
-                    <a:lnB w="12700" cap="flat" cmpd="sng" algn="ctr">
-                      <a:solidFill>
-                        <a:schemeClr val="bg1"/>
-                      </a:solidFill>
-                      <a:prstDash val="solid"/>
-                      <a:round/>
-                      <a:headEnd type="none" w="med" len="med"/>
-                      <a:tailEnd type="none" w="med" len="med"/>
-                    </a:lnB>
-                    <a:lnTlToBr w="12700" cmpd="sng">
-                      <a:noFill/>
-                      <a:prstDash val="solid"/>
-                    </a:lnTlToBr>
-                    <a:lnBlToTr w="12700" cmpd="sng">
-                      <a:noFill/>
-                      <a:prstDash val="solid"/>
-                    </a:lnBlToTr>
-                  </a:tcPr>
-                </a:tc>
-              </a:tr>
-              <a:tr h="428132">
-                <a:tc>
-                  <a:txBody>
-                    <a:bodyPr/>
-                    <a:lstStyle/>
-                    <a:p>
-                      <a:r>
-                        <a:rPr lang="en-US" sz="1200" dirty="0">
-                          <a:solidFill>
-                            <a:schemeClr val="bg1"/>
-                          </a:solidFill>
-                        </a:rPr>
-                        <a:t>2.0</a:t>
-                      </a:r>
-                    </a:p>
-                  </a:txBody>
-                  <a:tcPr marL="61162" marR="61162" marT="30581" marB="30581" anchor="ctr">
-                    <a:lnL w="12700" cap="flat" cmpd="sng" algn="ctr">
-                      <a:solidFill>
-                        <a:schemeClr val="bg1"/>
-                      </a:solidFill>
-                      <a:prstDash val="solid"/>
-                      <a:round/>
-                      <a:headEnd type="none" w="med" len="med"/>
-                      <a:tailEnd type="none" w="med" len="med"/>
-                    </a:lnL>
-                    <a:lnR w="12700" cap="flat" cmpd="sng" algn="ctr">
-                      <a:solidFill>
-                        <a:schemeClr val="bg1"/>
-                      </a:solidFill>
-                      <a:prstDash val="solid"/>
-                      <a:round/>
-                      <a:headEnd type="none" w="med" len="med"/>
-                      <a:tailEnd type="none" w="med" len="med"/>
-                    </a:lnR>
-                    <a:lnT w="12700" cap="flat" cmpd="sng" algn="ctr">
-                      <a:solidFill>
-                        <a:schemeClr val="bg1"/>
-                      </a:solidFill>
-                      <a:prstDash val="solid"/>
-                      <a:round/>
-                      <a:headEnd type="none" w="med" len="med"/>
-                      <a:tailEnd type="none" w="med" len="med"/>
-                    </a:lnT>
-                    <a:lnB w="12700" cap="flat" cmpd="sng" algn="ctr">
-                      <a:solidFill>
-                        <a:schemeClr val="bg1"/>
-                      </a:solidFill>
-                      <a:prstDash val="solid"/>
-                      <a:round/>
-                      <a:headEnd type="none" w="med" len="med"/>
-                      <a:tailEnd type="none" w="med" len="med"/>
-                    </a:lnB>
-                    <a:lnTlToBr w="12700" cmpd="sng">
-                      <a:noFill/>
-                      <a:prstDash val="solid"/>
-                    </a:lnTlToBr>
-                    <a:lnBlToTr w="12700" cmpd="sng">
-                      <a:noFill/>
-                      <a:prstDash val="solid"/>
-                    </a:lnBlToTr>
-                  </a:tcPr>
-                </a:tc>
-                <a:tc>
-                  <a:txBody>
-                    <a:bodyPr/>
-                    <a:lstStyle/>
-                    <a:p>
-                      <a:r>
-                        <a:rPr lang="en-US" sz="1200">
-                          <a:solidFill>
-                            <a:schemeClr val="bg1"/>
-                          </a:solidFill>
-                        </a:rPr>
-                        <a:t>2.0.50727.42</a:t>
-                      </a:r>
-                    </a:p>
-                  </a:txBody>
-                  <a:tcPr marL="61162" marR="61162" marT="30581" marB="30581" anchor="ctr">
-                    <a:lnL w="12700" cap="flat" cmpd="sng" algn="ctr">
-                      <a:solidFill>
-                        <a:schemeClr val="bg1"/>
-                      </a:solidFill>
-                      <a:prstDash val="solid"/>
-                      <a:round/>
-                      <a:headEnd type="none" w="med" len="med"/>
-                      <a:tailEnd type="none" w="med" len="med"/>
-                    </a:lnL>
-                    <a:lnR w="12700" cap="flat" cmpd="sng" algn="ctr">
-                      <a:solidFill>
-                        <a:schemeClr val="bg1"/>
-                      </a:solidFill>
-                      <a:prstDash val="solid"/>
-                      <a:round/>
-                      <a:headEnd type="none" w="med" len="med"/>
-                      <a:tailEnd type="none" w="med" len="med"/>
-                    </a:lnR>
-                    <a:lnT w="12700" cap="flat" cmpd="sng" algn="ctr">
-                      <a:solidFill>
-                        <a:schemeClr val="bg1"/>
-                      </a:solidFill>
-                      <a:prstDash val="solid"/>
-                      <a:round/>
-                      <a:headEnd type="none" w="med" len="med"/>
-                      <a:tailEnd type="none" w="med" len="med"/>
-                    </a:lnT>
-                    <a:lnB w="12700" cap="flat" cmpd="sng" algn="ctr">
-                      <a:solidFill>
-                        <a:schemeClr val="bg1"/>
-                      </a:solidFill>
-                      <a:prstDash val="solid"/>
-                      <a:round/>
-                      <a:headEnd type="none" w="med" len="med"/>
-                      <a:tailEnd type="none" w="med" len="med"/>
-                    </a:lnB>
-                    <a:lnTlToBr w="12700" cmpd="sng">
-                      <a:noFill/>
-                      <a:prstDash val="solid"/>
-                    </a:lnTlToBr>
-                    <a:lnBlToTr w="12700" cmpd="sng">
-                      <a:noFill/>
-                      <a:prstDash val="solid"/>
-                    </a:lnBlToTr>
-                  </a:tcPr>
-                </a:tc>
-                <a:tc>
-                  <a:txBody>
-                    <a:bodyPr/>
-                    <a:lstStyle/>
-                    <a:p>
-                      <a:r>
-                        <a:rPr lang="ru-RU" sz="1200" dirty="0" smtClean="0">
-                          <a:solidFill>
-                            <a:schemeClr val="bg1"/>
-                          </a:solidFill>
-                        </a:rPr>
-                        <a:t>Ноябрь </a:t>
-                      </a:r>
-                      <a:r>
-                        <a:rPr lang="en-US" sz="1200" dirty="0" smtClean="0">
-                          <a:solidFill>
-                            <a:schemeClr val="bg1"/>
-                          </a:solidFill>
-                        </a:rPr>
-                        <a:t>2005</a:t>
-                      </a:r>
-                      <a:r>
-                        <a:rPr lang="ru-RU" sz="1200" dirty="0" smtClean="0">
-                          <a:solidFill>
-                            <a:schemeClr val="bg1"/>
-                          </a:solidFill>
-                        </a:rPr>
-                        <a:t> года</a:t>
-                      </a:r>
-                      <a:endParaRPr lang="en-US" sz="1200" dirty="0">
-                        <a:solidFill>
-                          <a:schemeClr val="bg1"/>
-                        </a:solidFill>
-                      </a:endParaRPr>
-                    </a:p>
-                  </a:txBody>
-                  <a:tcPr marL="61162" marR="61162" marT="30581" marB="30581" anchor="ctr">
-                    <a:lnL w="12700" cap="flat" cmpd="sng" algn="ctr">
-                      <a:solidFill>
-                        <a:schemeClr val="bg1"/>
-                      </a:solidFill>
-                      <a:prstDash val="solid"/>
-                      <a:round/>
-                      <a:headEnd type="none" w="med" len="med"/>
-                      <a:tailEnd type="none" w="med" len="med"/>
-                    </a:lnL>
-                    <a:lnR w="12700" cap="flat" cmpd="sng" algn="ctr">
-                      <a:solidFill>
-                        <a:schemeClr val="bg1"/>
-                      </a:solidFill>
-                      <a:prstDash val="solid"/>
-                      <a:round/>
-                      <a:headEnd type="none" w="med" len="med"/>
-                      <a:tailEnd type="none" w="med" len="med"/>
-                    </a:lnR>
-                    <a:lnT w="12700" cap="flat" cmpd="sng" algn="ctr">
-                      <a:solidFill>
-                        <a:schemeClr val="bg1"/>
-                      </a:solidFill>
-                      <a:prstDash val="solid"/>
-                      <a:round/>
-                      <a:headEnd type="none" w="med" len="med"/>
-                      <a:tailEnd type="none" w="med" len="med"/>
-                    </a:lnT>
-                    <a:lnB w="12700" cap="flat" cmpd="sng" algn="ctr">
-                      <a:solidFill>
-                        <a:schemeClr val="bg1"/>
-                      </a:solidFill>
-                      <a:prstDash val="solid"/>
-                      <a:round/>
-                      <a:headEnd type="none" w="med" len="med"/>
-                      <a:tailEnd type="none" w="med" len="med"/>
-                    </a:lnB>
-                    <a:lnTlToBr w="12700" cmpd="sng">
-                      <a:noFill/>
-                      <a:prstDash val="solid"/>
-                    </a:lnTlToBr>
-                    <a:lnBlToTr w="12700" cmpd="sng">
-                      <a:noFill/>
-                      <a:prstDash val="solid"/>
-                    </a:lnBlToTr>
-                  </a:tcPr>
-                </a:tc>
-                <a:tc>
-                  <a:txBody>
-                    <a:bodyPr/>
-                    <a:lstStyle/>
-                    <a:p>
-                      <a:r>
-                        <a:rPr lang="en-US" sz="1200" dirty="0">
-                          <a:solidFill>
-                            <a:schemeClr val="bg1"/>
-                          </a:solidFill>
-                        </a:rPr>
-                        <a:t>Visual Studio 2005</a:t>
-                      </a:r>
-                    </a:p>
-                  </a:txBody>
-                  <a:tcPr marL="61162" marR="61162" marT="30581" marB="30581" anchor="ctr">
-                    <a:lnL w="12700" cap="flat" cmpd="sng" algn="ctr">
-                      <a:solidFill>
-                        <a:schemeClr val="bg1"/>
-                      </a:solidFill>
-                      <a:prstDash val="solid"/>
-                      <a:round/>
-                      <a:headEnd type="none" w="med" len="med"/>
-                      <a:tailEnd type="none" w="med" len="med"/>
-                    </a:lnL>
-                    <a:lnR w="12700" cap="flat" cmpd="sng" algn="ctr">
-                      <a:solidFill>
-                        <a:schemeClr val="bg1"/>
-                      </a:solidFill>
-                      <a:prstDash val="solid"/>
-                      <a:round/>
-                      <a:headEnd type="none" w="med" len="med"/>
-                      <a:tailEnd type="none" w="med" len="med"/>
-                    </a:lnR>
-                    <a:lnT w="12700" cap="flat" cmpd="sng" algn="ctr">
-                      <a:solidFill>
-                        <a:schemeClr val="bg1"/>
-                      </a:solidFill>
-                      <a:prstDash val="solid"/>
-                      <a:round/>
-                      <a:headEnd type="none" w="med" len="med"/>
-                      <a:tailEnd type="none" w="med" len="med"/>
-                    </a:lnT>
-                    <a:lnB w="12700" cap="flat" cmpd="sng" algn="ctr">
-                      <a:solidFill>
-                        <a:schemeClr val="bg1"/>
-                      </a:solidFill>
-                      <a:prstDash val="solid"/>
-                      <a:round/>
-                      <a:headEnd type="none" w="med" len="med"/>
-                      <a:tailEnd type="none" w="med" len="med"/>
-                    </a:lnB>
-                    <a:lnTlToBr w="12700" cmpd="sng">
-                      <a:noFill/>
-                      <a:prstDash val="solid"/>
-                    </a:lnTlToBr>
-                    <a:lnBlToTr w="12700" cmpd="sng">
-                      <a:noFill/>
-                      <a:prstDash val="solid"/>
-                    </a:lnBlToTr>
-                  </a:tcPr>
-                </a:tc>
-                <a:tc>
-                  <a:txBody>
-                    <a:bodyPr/>
-                    <a:lstStyle/>
-                    <a:p>
-                      <a:r>
-                        <a:rPr lang="en-US" sz="1200" dirty="0">
-                          <a:solidFill>
-                            <a:schemeClr val="bg1"/>
-                          </a:solidFill>
-                        </a:rPr>
-                        <a:t>Windows Server 2003 R2</a:t>
-                      </a:r>
-                    </a:p>
-                  </a:txBody>
-                  <a:tcPr marL="61162" marR="61162" marT="30581" marB="30581" anchor="ctr">
-                    <a:lnL w="12700" cap="flat" cmpd="sng" algn="ctr">
-                      <a:solidFill>
-                        <a:schemeClr val="bg1"/>
-                      </a:solidFill>
-                      <a:prstDash val="solid"/>
-                      <a:round/>
-                      <a:headEnd type="none" w="med" len="med"/>
-                      <a:tailEnd type="none" w="med" len="med"/>
-                    </a:lnL>
-                    <a:lnR w="12700" cap="flat" cmpd="sng" algn="ctr">
-                      <a:solidFill>
-                        <a:schemeClr val="bg1"/>
-                      </a:solidFill>
-                      <a:prstDash val="solid"/>
-                      <a:round/>
-                      <a:headEnd type="none" w="med" len="med"/>
-                      <a:tailEnd type="none" w="med" len="med"/>
-                    </a:lnR>
-                    <a:lnT w="12700" cap="flat" cmpd="sng" algn="ctr">
-                      <a:solidFill>
-                        <a:schemeClr val="bg1"/>
-                      </a:solidFill>
-                      <a:prstDash val="solid"/>
-                      <a:round/>
-                      <a:headEnd type="none" w="med" len="med"/>
-                      <a:tailEnd type="none" w="med" len="med"/>
-                    </a:lnT>
-                    <a:lnB w="12700" cap="flat" cmpd="sng" algn="ctr">
-                      <a:solidFill>
-                        <a:schemeClr val="bg1"/>
-                      </a:solidFill>
-                      <a:prstDash val="solid"/>
-                      <a:round/>
-                      <a:headEnd type="none" w="med" len="med"/>
-                      <a:tailEnd type="none" w="med" len="med"/>
-                    </a:lnB>
-                    <a:lnTlToBr w="12700" cmpd="sng">
-                      <a:noFill/>
-                      <a:prstDash val="solid"/>
-                    </a:lnTlToBr>
-                    <a:lnBlToTr w="12700" cmpd="sng">
-                      <a:noFill/>
-                      <a:prstDash val="solid"/>
-                    </a:lnBlToTr>
-                  </a:tcPr>
-                </a:tc>
-              </a:tr>
-              <a:tr h="611617">
-                <a:tc>
-                  <a:txBody>
-                    <a:bodyPr/>
-                    <a:lstStyle/>
-                    <a:p>
-                      <a:r>
-                        <a:rPr lang="en-US" sz="1200" dirty="0">
-                          <a:solidFill>
-                            <a:schemeClr val="bg1"/>
-                          </a:solidFill>
-                        </a:rPr>
-                        <a:t>3.0</a:t>
-                      </a:r>
-                    </a:p>
-                  </a:txBody>
-                  <a:tcPr marL="61162" marR="61162" marT="30581" marB="30581" anchor="ctr">
-                    <a:lnL w="12700" cap="flat" cmpd="sng" algn="ctr">
-                      <a:solidFill>
-                        <a:schemeClr val="bg1"/>
-                      </a:solidFill>
-                      <a:prstDash val="solid"/>
-                      <a:round/>
-                      <a:headEnd type="none" w="med" len="med"/>
-                      <a:tailEnd type="none" w="med" len="med"/>
-                    </a:lnL>
-                    <a:lnR w="12700" cap="flat" cmpd="sng" algn="ctr">
-                      <a:solidFill>
-                        <a:schemeClr val="bg1"/>
-                      </a:solidFill>
-                      <a:prstDash val="solid"/>
-                      <a:round/>
-                      <a:headEnd type="none" w="med" len="med"/>
-                      <a:tailEnd type="none" w="med" len="med"/>
-                    </a:lnR>
-                    <a:lnT w="12700" cap="flat" cmpd="sng" algn="ctr">
-                      <a:solidFill>
-                        <a:schemeClr val="bg1"/>
-                      </a:solidFill>
-                      <a:prstDash val="solid"/>
-                      <a:round/>
-                      <a:headEnd type="none" w="med" len="med"/>
-                      <a:tailEnd type="none" w="med" len="med"/>
-                    </a:lnT>
-                    <a:lnB w="12700" cap="flat" cmpd="sng" algn="ctr">
-                      <a:solidFill>
-                        <a:schemeClr val="bg1"/>
-                      </a:solidFill>
-                      <a:prstDash val="solid"/>
-                      <a:round/>
-                      <a:headEnd type="none" w="med" len="med"/>
-                      <a:tailEnd type="none" w="med" len="med"/>
-                    </a:lnB>
-                    <a:lnTlToBr w="12700" cmpd="sng">
-                      <a:noFill/>
-                      <a:prstDash val="solid"/>
-                    </a:lnTlToBr>
-                    <a:lnBlToTr w="12700" cmpd="sng">
-                      <a:noFill/>
-                      <a:prstDash val="solid"/>
-                    </a:lnBlToTr>
-                  </a:tcPr>
-                </a:tc>
-                <a:tc>
-                  <a:txBody>
-                    <a:bodyPr/>
-                    <a:lstStyle/>
-                    <a:p>
-                      <a:r>
-                        <a:rPr lang="en-US" sz="1200">
-                          <a:solidFill>
-                            <a:schemeClr val="bg1"/>
-                          </a:solidFill>
-                        </a:rPr>
-                        <a:t>3.0.4506.30</a:t>
-                      </a:r>
-                    </a:p>
-                  </a:txBody>
-                  <a:tcPr marL="61162" marR="61162" marT="30581" marB="30581" anchor="ctr">
-                    <a:lnL w="12700" cap="flat" cmpd="sng" algn="ctr">
-                      <a:solidFill>
-                        <a:schemeClr val="bg1"/>
-                      </a:solidFill>
-                      <a:prstDash val="solid"/>
-                      <a:round/>
-                      <a:headEnd type="none" w="med" len="med"/>
-                      <a:tailEnd type="none" w="med" len="med"/>
-                    </a:lnL>
-                    <a:lnR w="12700" cap="flat" cmpd="sng" algn="ctr">
-                      <a:solidFill>
-                        <a:schemeClr val="bg1"/>
-                      </a:solidFill>
-                      <a:prstDash val="solid"/>
-                      <a:round/>
-                      <a:headEnd type="none" w="med" len="med"/>
-                      <a:tailEnd type="none" w="med" len="med"/>
-                    </a:lnR>
-                    <a:lnT w="12700" cap="flat" cmpd="sng" algn="ctr">
-                      <a:solidFill>
-                        <a:schemeClr val="bg1"/>
-                      </a:solidFill>
-                      <a:prstDash val="solid"/>
-                      <a:round/>
-                      <a:headEnd type="none" w="med" len="med"/>
-                      <a:tailEnd type="none" w="med" len="med"/>
-                    </a:lnT>
-                    <a:lnB w="12700" cap="flat" cmpd="sng" algn="ctr">
-                      <a:solidFill>
-                        <a:schemeClr val="bg1"/>
-                      </a:solidFill>
-                      <a:prstDash val="solid"/>
-                      <a:round/>
-                      <a:headEnd type="none" w="med" len="med"/>
-                      <a:tailEnd type="none" w="med" len="med"/>
-                    </a:lnB>
-                    <a:lnTlToBr w="12700" cmpd="sng">
-                      <a:noFill/>
-                      <a:prstDash val="solid"/>
-                    </a:lnTlToBr>
-                    <a:lnBlToTr w="12700" cmpd="sng">
-                      <a:noFill/>
-                      <a:prstDash val="solid"/>
-                    </a:lnBlToTr>
-                  </a:tcPr>
-                </a:tc>
-                <a:tc>
-                  <a:txBody>
-                    <a:bodyPr/>
-                    <a:lstStyle/>
-                    <a:p>
-                      <a:r>
-                        <a:rPr lang="ru-RU" sz="1200" dirty="0" smtClean="0">
-                          <a:solidFill>
-                            <a:schemeClr val="bg1"/>
-                          </a:solidFill>
-                        </a:rPr>
-                        <a:t>Ноябрь </a:t>
-                      </a:r>
-                      <a:r>
-                        <a:rPr lang="en-US" sz="1200" dirty="0" smtClean="0">
-                          <a:solidFill>
-                            <a:schemeClr val="bg1"/>
-                          </a:solidFill>
-                        </a:rPr>
-                        <a:t>2006</a:t>
-                      </a:r>
-                      <a:r>
-                        <a:rPr lang="ru-RU" sz="1200" dirty="0" smtClean="0">
-                          <a:solidFill>
-                            <a:schemeClr val="bg1"/>
-                          </a:solidFill>
-                        </a:rPr>
-                        <a:t> года</a:t>
-                      </a:r>
-                      <a:endParaRPr lang="en-US" sz="1200" dirty="0">
-                        <a:solidFill>
-                          <a:schemeClr val="bg1"/>
-                        </a:solidFill>
-                      </a:endParaRPr>
-                    </a:p>
-                  </a:txBody>
-                  <a:tcPr marL="61162" marR="61162" marT="30581" marB="30581" anchor="ctr">
-                    <a:lnL w="12700" cap="flat" cmpd="sng" algn="ctr">
-                      <a:solidFill>
-                        <a:schemeClr val="bg1"/>
-                      </a:solidFill>
-                      <a:prstDash val="solid"/>
-                      <a:round/>
-                      <a:headEnd type="none" w="med" len="med"/>
-                      <a:tailEnd type="none" w="med" len="med"/>
-                    </a:lnL>
-                    <a:lnR w="12700" cap="flat" cmpd="sng" algn="ctr">
-                      <a:solidFill>
-                        <a:schemeClr val="bg1"/>
-                      </a:solidFill>
-                      <a:prstDash val="solid"/>
-                      <a:round/>
-                      <a:headEnd type="none" w="med" len="med"/>
-                      <a:tailEnd type="none" w="med" len="med"/>
-                    </a:lnR>
-                    <a:lnT w="12700" cap="flat" cmpd="sng" algn="ctr">
-                      <a:solidFill>
-                        <a:schemeClr val="bg1"/>
-                      </a:solidFill>
-                      <a:prstDash val="solid"/>
-                      <a:round/>
-                      <a:headEnd type="none" w="med" len="med"/>
-                      <a:tailEnd type="none" w="med" len="med"/>
-                    </a:lnT>
-                    <a:lnB w="12700" cap="flat" cmpd="sng" algn="ctr">
-                      <a:solidFill>
-                        <a:schemeClr val="bg1"/>
-                      </a:solidFill>
-                      <a:prstDash val="solid"/>
-                      <a:round/>
-                      <a:headEnd type="none" w="med" len="med"/>
-                      <a:tailEnd type="none" w="med" len="med"/>
-                    </a:lnB>
-                    <a:lnTlToBr w="12700" cmpd="sng">
-                      <a:noFill/>
-                      <a:prstDash val="solid"/>
-                    </a:lnTlToBr>
-                    <a:lnBlToTr w="12700" cmpd="sng">
-                      <a:noFill/>
-                      <a:prstDash val="solid"/>
-                    </a:lnBlToTr>
-                  </a:tcPr>
-                </a:tc>
-                <a:tc>
-                  <a:txBody>
-                    <a:bodyPr/>
-                    <a:lstStyle/>
-                    <a:p>
-                      <a:endParaRPr lang="en-US" sz="1200">
-                        <a:solidFill>
-                          <a:schemeClr val="bg1"/>
-                        </a:solidFill>
-                      </a:endParaRPr>
-                    </a:p>
-                  </a:txBody>
-                  <a:tcPr marL="61162" marR="61162" marT="30581" marB="30581" anchor="ctr">
-                    <a:lnL w="12700" cap="flat" cmpd="sng" algn="ctr">
-                      <a:solidFill>
-                        <a:schemeClr val="bg1"/>
-                      </a:solidFill>
-                      <a:prstDash val="solid"/>
-                      <a:round/>
-                      <a:headEnd type="none" w="med" len="med"/>
-                      <a:tailEnd type="none" w="med" len="med"/>
-                    </a:lnL>
-                    <a:lnR w="12700" cap="flat" cmpd="sng" algn="ctr">
-                      <a:solidFill>
-                        <a:schemeClr val="bg1"/>
-                      </a:solidFill>
-                      <a:prstDash val="solid"/>
-                      <a:round/>
-                      <a:headEnd type="none" w="med" len="med"/>
-                      <a:tailEnd type="none" w="med" len="med"/>
-                    </a:lnR>
-                    <a:lnT w="12700" cap="flat" cmpd="sng" algn="ctr">
-                      <a:solidFill>
-                        <a:schemeClr val="bg1"/>
-                      </a:solidFill>
-                      <a:prstDash val="solid"/>
-                      <a:round/>
-                      <a:headEnd type="none" w="med" len="med"/>
-                      <a:tailEnd type="none" w="med" len="med"/>
-                    </a:lnT>
-                    <a:lnB w="12700" cap="flat" cmpd="sng" algn="ctr">
-                      <a:solidFill>
-                        <a:schemeClr val="bg1"/>
-                      </a:solidFill>
-                      <a:prstDash val="solid"/>
-                      <a:round/>
-                      <a:headEnd type="none" w="med" len="med"/>
-                      <a:tailEnd type="none" w="med" len="med"/>
-                    </a:lnB>
-                    <a:lnTlToBr w="12700" cmpd="sng">
-                      <a:noFill/>
-                      <a:prstDash val="solid"/>
-                    </a:lnTlToBr>
-                    <a:lnBlToTr w="12700" cmpd="sng">
-                      <a:noFill/>
-                      <a:prstDash val="solid"/>
-                    </a:lnBlToTr>
-                  </a:tcPr>
-                </a:tc>
-                <a:tc>
-                  <a:txBody>
-                    <a:bodyPr/>
-                    <a:lstStyle/>
-                    <a:p>
-                      <a:r>
-                        <a:rPr lang="en-US" sz="1200" dirty="0">
-                          <a:solidFill>
-                            <a:schemeClr val="bg1"/>
-                          </a:solidFill>
-                        </a:rPr>
-                        <a:t>Windows Vista, Windows Server 2008</a:t>
-                      </a:r>
-                    </a:p>
-                  </a:txBody>
-                  <a:tcPr marL="61162" marR="61162" marT="30581" marB="30581" anchor="ctr">
-                    <a:lnL w="12700" cap="flat" cmpd="sng" algn="ctr">
-                      <a:solidFill>
-                        <a:schemeClr val="bg1"/>
-                      </a:solidFill>
-                      <a:prstDash val="solid"/>
-                      <a:round/>
-                      <a:headEnd type="none" w="med" len="med"/>
-                      <a:tailEnd type="none" w="med" len="med"/>
-                    </a:lnL>
-                    <a:lnR w="12700" cap="flat" cmpd="sng" algn="ctr">
-                      <a:solidFill>
-                        <a:schemeClr val="bg1"/>
-                      </a:solidFill>
-                      <a:prstDash val="solid"/>
-                      <a:round/>
-                      <a:headEnd type="none" w="med" len="med"/>
-                      <a:tailEnd type="none" w="med" len="med"/>
-                    </a:lnR>
-                    <a:lnT w="12700" cap="flat" cmpd="sng" algn="ctr">
-                      <a:solidFill>
-                        <a:schemeClr val="bg1"/>
-                      </a:solidFill>
-                      <a:prstDash val="solid"/>
-                      <a:round/>
-                      <a:headEnd type="none" w="med" len="med"/>
-                      <a:tailEnd type="none" w="med" len="med"/>
-                    </a:lnT>
-                    <a:lnB w="12700" cap="flat" cmpd="sng" algn="ctr">
-                      <a:solidFill>
-                        <a:schemeClr val="bg1"/>
-                      </a:solidFill>
-                      <a:prstDash val="solid"/>
-                      <a:round/>
-                      <a:headEnd type="none" w="med" len="med"/>
-                      <a:tailEnd type="none" w="med" len="med"/>
-                    </a:lnB>
-                    <a:lnTlToBr w="12700" cmpd="sng">
-                      <a:noFill/>
-                      <a:prstDash val="solid"/>
-                    </a:lnTlToBr>
-                    <a:lnBlToTr w="12700" cmpd="sng">
-                      <a:noFill/>
-                      <a:prstDash val="solid"/>
-                    </a:lnBlToTr>
-                  </a:tcPr>
-                </a:tc>
-              </a:tr>
-              <a:tr h="611617">
-                <a:tc>
-                  <a:txBody>
-                    <a:bodyPr/>
-                    <a:lstStyle/>
-                    <a:p>
-                      <a:r>
-                        <a:rPr lang="en-US" sz="1200" dirty="0">
-                          <a:solidFill>
-                            <a:schemeClr val="bg1"/>
-                          </a:solidFill>
-                        </a:rPr>
-                        <a:t>3.5</a:t>
-                      </a:r>
-                    </a:p>
-                  </a:txBody>
-                  <a:tcPr marL="61162" marR="61162" marT="30581" marB="30581" anchor="ctr">
-                    <a:lnL w="12700" cap="flat" cmpd="sng" algn="ctr">
-                      <a:solidFill>
-                        <a:schemeClr val="bg1"/>
-                      </a:solidFill>
-                      <a:prstDash val="solid"/>
-                      <a:round/>
-                      <a:headEnd type="none" w="med" len="med"/>
-                      <a:tailEnd type="none" w="med" len="med"/>
-                    </a:lnL>
-                    <a:lnR w="12700" cap="flat" cmpd="sng" algn="ctr">
-                      <a:solidFill>
-                        <a:schemeClr val="bg1"/>
-                      </a:solidFill>
-                      <a:prstDash val="solid"/>
-                      <a:round/>
-                      <a:headEnd type="none" w="med" len="med"/>
-                      <a:tailEnd type="none" w="med" len="med"/>
-                    </a:lnR>
-                    <a:lnT w="12700" cap="flat" cmpd="sng" algn="ctr">
-                      <a:solidFill>
-                        <a:schemeClr val="bg1"/>
-                      </a:solidFill>
-                      <a:prstDash val="solid"/>
-                      <a:round/>
-                      <a:headEnd type="none" w="med" len="med"/>
-                      <a:tailEnd type="none" w="med" len="med"/>
-                    </a:lnT>
-                    <a:lnB w="12700" cap="flat" cmpd="sng" algn="ctr">
-                      <a:solidFill>
-                        <a:schemeClr val="bg1"/>
-                      </a:solidFill>
-                      <a:prstDash val="solid"/>
-                      <a:round/>
-                      <a:headEnd type="none" w="med" len="med"/>
-                      <a:tailEnd type="none" w="med" len="med"/>
-                    </a:lnB>
-                    <a:lnTlToBr w="12700" cmpd="sng">
-                      <a:noFill/>
-                      <a:prstDash val="solid"/>
-                    </a:lnTlToBr>
-                    <a:lnBlToTr w="12700" cmpd="sng">
-                      <a:noFill/>
-                      <a:prstDash val="solid"/>
-                    </a:lnBlToTr>
-                  </a:tcPr>
-                </a:tc>
-                <a:tc>
-                  <a:txBody>
-                    <a:bodyPr/>
-                    <a:lstStyle/>
-                    <a:p>
-                      <a:r>
-                        <a:rPr lang="en-US" sz="1200">
-                          <a:solidFill>
-                            <a:schemeClr val="bg1"/>
-                          </a:solidFill>
-                        </a:rPr>
-                        <a:t>3.5.21022.8</a:t>
-                      </a:r>
-                    </a:p>
-                  </a:txBody>
-                  <a:tcPr marL="61162" marR="61162" marT="30581" marB="30581" anchor="ctr">
-                    <a:lnL w="12700" cap="flat" cmpd="sng" algn="ctr">
-                      <a:solidFill>
-                        <a:schemeClr val="bg1"/>
-                      </a:solidFill>
-                      <a:prstDash val="solid"/>
-                      <a:round/>
-                      <a:headEnd type="none" w="med" len="med"/>
-                      <a:tailEnd type="none" w="med" len="med"/>
-                    </a:lnL>
-                    <a:lnR w="12700" cap="flat" cmpd="sng" algn="ctr">
-                      <a:solidFill>
-                        <a:schemeClr val="bg1"/>
-                      </a:solidFill>
-                      <a:prstDash val="solid"/>
-                      <a:round/>
-                      <a:headEnd type="none" w="med" len="med"/>
-                      <a:tailEnd type="none" w="med" len="med"/>
-                    </a:lnR>
-                    <a:lnT w="12700" cap="flat" cmpd="sng" algn="ctr">
-                      <a:solidFill>
-                        <a:schemeClr val="bg1"/>
-                      </a:solidFill>
-                      <a:prstDash val="solid"/>
-                      <a:round/>
-                      <a:headEnd type="none" w="med" len="med"/>
-                      <a:tailEnd type="none" w="med" len="med"/>
-                    </a:lnT>
-                    <a:lnB w="12700" cap="flat" cmpd="sng" algn="ctr">
-                      <a:solidFill>
-                        <a:schemeClr val="bg1"/>
-                      </a:solidFill>
-                      <a:prstDash val="solid"/>
-                      <a:round/>
-                      <a:headEnd type="none" w="med" len="med"/>
-                      <a:tailEnd type="none" w="med" len="med"/>
-                    </a:lnB>
-                    <a:lnTlToBr w="12700" cmpd="sng">
-                      <a:noFill/>
-                      <a:prstDash val="solid"/>
-                    </a:lnTlToBr>
-                    <a:lnBlToTr w="12700" cmpd="sng">
-                      <a:noFill/>
-                      <a:prstDash val="solid"/>
-                    </a:lnBlToTr>
-                  </a:tcPr>
-                </a:tc>
-                <a:tc>
-                  <a:txBody>
-                    <a:bodyPr/>
-                    <a:lstStyle/>
-                    <a:p>
-                      <a:r>
-                        <a:rPr lang="ru-RU" sz="1200" dirty="0" smtClean="0">
-                          <a:solidFill>
-                            <a:schemeClr val="bg1"/>
-                          </a:solidFill>
-                        </a:rPr>
-                        <a:t>Ноябрь</a:t>
-                      </a:r>
-                      <a:r>
-                        <a:rPr lang="ru-RU" sz="1200" baseline="0" dirty="0" smtClean="0">
-                          <a:solidFill>
-                            <a:schemeClr val="bg1"/>
-                          </a:solidFill>
-                        </a:rPr>
-                        <a:t> </a:t>
-                      </a:r>
-                      <a:r>
-                        <a:rPr lang="en-US" sz="1200" dirty="0" smtClean="0">
-                          <a:solidFill>
-                            <a:schemeClr val="bg1"/>
-                          </a:solidFill>
-                        </a:rPr>
-                        <a:t>2007</a:t>
-                      </a:r>
-                      <a:r>
-                        <a:rPr lang="ru-RU" sz="1200" dirty="0" smtClean="0">
-                          <a:solidFill>
-                            <a:schemeClr val="bg1"/>
-                          </a:solidFill>
-                        </a:rPr>
-                        <a:t> года</a:t>
-                      </a:r>
-                      <a:endParaRPr lang="en-US" sz="1200" dirty="0">
-                        <a:solidFill>
-                          <a:schemeClr val="bg1"/>
-                        </a:solidFill>
-                      </a:endParaRPr>
-                    </a:p>
-                  </a:txBody>
-                  <a:tcPr marL="61162" marR="61162" marT="30581" marB="30581" anchor="ctr">
-                    <a:lnL w="12700" cap="flat" cmpd="sng" algn="ctr">
-                      <a:solidFill>
-                        <a:schemeClr val="bg1"/>
-                      </a:solidFill>
-                      <a:prstDash val="solid"/>
-                      <a:round/>
-                      <a:headEnd type="none" w="med" len="med"/>
-                      <a:tailEnd type="none" w="med" len="med"/>
-                    </a:lnL>
-                    <a:lnR w="12700" cap="flat" cmpd="sng" algn="ctr">
-                      <a:solidFill>
-                        <a:schemeClr val="bg1"/>
-                      </a:solidFill>
-                      <a:prstDash val="solid"/>
-                      <a:round/>
-                      <a:headEnd type="none" w="med" len="med"/>
-                      <a:tailEnd type="none" w="med" len="med"/>
-                    </a:lnR>
-                    <a:lnT w="12700" cap="flat" cmpd="sng" algn="ctr">
-                      <a:solidFill>
-                        <a:schemeClr val="bg1"/>
-                      </a:solidFill>
-                      <a:prstDash val="solid"/>
-                      <a:round/>
-                      <a:headEnd type="none" w="med" len="med"/>
-                      <a:tailEnd type="none" w="med" len="med"/>
-                    </a:lnT>
-                    <a:lnB w="12700" cap="flat" cmpd="sng" algn="ctr">
-                      <a:solidFill>
-                        <a:schemeClr val="bg1"/>
-                      </a:solidFill>
-                      <a:prstDash val="solid"/>
-                      <a:round/>
-                      <a:headEnd type="none" w="med" len="med"/>
-                      <a:tailEnd type="none" w="med" len="med"/>
-                    </a:lnB>
-                    <a:lnTlToBr w="12700" cmpd="sng">
-                      <a:noFill/>
-                      <a:prstDash val="solid"/>
-                    </a:lnTlToBr>
-                    <a:lnBlToTr w="12700" cmpd="sng">
-                      <a:noFill/>
-                      <a:prstDash val="solid"/>
-                    </a:lnBlToTr>
-                  </a:tcPr>
-                </a:tc>
-                <a:tc>
-                  <a:txBody>
-                    <a:bodyPr/>
-                    <a:lstStyle/>
-                    <a:p>
-                      <a:r>
-                        <a:rPr lang="en-US" sz="1200">
-                          <a:solidFill>
-                            <a:schemeClr val="bg1"/>
-                          </a:solidFill>
-                        </a:rPr>
-                        <a:t>Visual Studio 2008</a:t>
-                      </a:r>
-                    </a:p>
-                  </a:txBody>
-                  <a:tcPr marL="61162" marR="61162" marT="30581" marB="30581" anchor="ctr">
-                    <a:lnL w="12700" cap="flat" cmpd="sng" algn="ctr">
-                      <a:solidFill>
-                        <a:schemeClr val="bg1"/>
-                      </a:solidFill>
-                      <a:prstDash val="solid"/>
-                      <a:round/>
-                      <a:headEnd type="none" w="med" len="med"/>
-                      <a:tailEnd type="none" w="med" len="med"/>
-                    </a:lnL>
-                    <a:lnR w="12700" cap="flat" cmpd="sng" algn="ctr">
-                      <a:solidFill>
-                        <a:schemeClr val="bg1"/>
-                      </a:solidFill>
-                      <a:prstDash val="solid"/>
-                      <a:round/>
-                      <a:headEnd type="none" w="med" len="med"/>
-                      <a:tailEnd type="none" w="med" len="med"/>
-                    </a:lnR>
-                    <a:lnT w="12700" cap="flat" cmpd="sng" algn="ctr">
-                      <a:solidFill>
-                        <a:schemeClr val="bg1"/>
-                      </a:solidFill>
-                      <a:prstDash val="solid"/>
-                      <a:round/>
-                      <a:headEnd type="none" w="med" len="med"/>
-                      <a:tailEnd type="none" w="med" len="med"/>
-                    </a:lnT>
-                    <a:lnB w="12700" cap="flat" cmpd="sng" algn="ctr">
-                      <a:solidFill>
-                        <a:schemeClr val="bg1"/>
-                      </a:solidFill>
-                      <a:prstDash val="solid"/>
-                      <a:round/>
-                      <a:headEnd type="none" w="med" len="med"/>
-                      <a:tailEnd type="none" w="med" len="med"/>
-                    </a:lnB>
-                    <a:lnTlToBr w="12700" cmpd="sng">
-                      <a:noFill/>
-                      <a:prstDash val="solid"/>
-                    </a:lnTlToBr>
-                    <a:lnBlToTr w="12700" cmpd="sng">
-                      <a:noFill/>
-                      <a:prstDash val="solid"/>
-                    </a:lnBlToTr>
-                  </a:tcPr>
-                </a:tc>
-                <a:tc>
-                  <a:txBody>
-                    <a:bodyPr/>
-                    <a:lstStyle/>
-                    <a:p>
-                      <a:r>
-                        <a:rPr lang="en-US" sz="1200" dirty="0">
-                          <a:solidFill>
-                            <a:schemeClr val="bg1"/>
-                          </a:solidFill>
-                        </a:rPr>
-                        <a:t>Windows 7, Windows Server 2008 R2</a:t>
-                      </a:r>
-                    </a:p>
-                  </a:txBody>
-                  <a:tcPr marL="61162" marR="61162" marT="30581" marB="30581" anchor="ctr">
-                    <a:lnL w="12700" cap="flat" cmpd="sng" algn="ctr">
-                      <a:solidFill>
-                        <a:schemeClr val="bg1"/>
-                      </a:solidFill>
-                      <a:prstDash val="solid"/>
-                      <a:round/>
-                      <a:headEnd type="none" w="med" len="med"/>
-                      <a:tailEnd type="none" w="med" len="med"/>
-                    </a:lnL>
-                    <a:lnR w="12700" cap="flat" cmpd="sng" algn="ctr">
-                      <a:solidFill>
-                        <a:schemeClr val="bg1"/>
-                      </a:solidFill>
-                      <a:prstDash val="solid"/>
-                      <a:round/>
-                      <a:headEnd type="none" w="med" len="med"/>
-                      <a:tailEnd type="none" w="med" len="med"/>
-                    </a:lnR>
-                    <a:lnT w="12700" cap="flat" cmpd="sng" algn="ctr">
-                      <a:solidFill>
-                        <a:schemeClr val="bg1"/>
-                      </a:solidFill>
-                      <a:prstDash val="solid"/>
-                      <a:round/>
-                      <a:headEnd type="none" w="med" len="med"/>
-                      <a:tailEnd type="none" w="med" len="med"/>
-                    </a:lnT>
-                    <a:lnB w="12700" cap="flat" cmpd="sng" algn="ctr">
-                      <a:solidFill>
-                        <a:schemeClr val="bg1"/>
-                      </a:solidFill>
-                      <a:prstDash val="solid"/>
-                      <a:round/>
-                      <a:headEnd type="none" w="med" len="med"/>
-                      <a:tailEnd type="none" w="med" len="med"/>
-                    </a:lnB>
-                    <a:lnTlToBr w="12700" cmpd="sng">
-                      <a:noFill/>
-                      <a:prstDash val="solid"/>
-                    </a:lnTlToBr>
-                    <a:lnBlToTr w="12700" cmpd="sng">
-                      <a:noFill/>
-                      <a:prstDash val="solid"/>
-                    </a:lnBlToTr>
-                  </a:tcPr>
-                </a:tc>
-              </a:tr>
-              <a:tr h="611617">
-                <a:tc>
-                  <a:txBody>
-                    <a:bodyPr/>
-                    <a:lstStyle/>
-                    <a:p>
-                      <a:r>
-                        <a:rPr lang="en-US" sz="1200" dirty="0">
-                          <a:solidFill>
-                            <a:schemeClr val="bg1"/>
-                          </a:solidFill>
-                        </a:rPr>
-                        <a:t>4.0</a:t>
-                      </a:r>
-                    </a:p>
-                  </a:txBody>
-                  <a:tcPr marL="61162" marR="61162" marT="30581" marB="30581" anchor="ctr">
-                    <a:lnL w="12700" cap="flat" cmpd="sng" algn="ctr">
-                      <a:solidFill>
-                        <a:schemeClr val="bg1"/>
-                      </a:solidFill>
-                      <a:prstDash val="solid"/>
-                      <a:round/>
-                      <a:headEnd type="none" w="med" len="med"/>
-                      <a:tailEnd type="none" w="med" len="med"/>
-                    </a:lnL>
-                    <a:lnR w="12700" cap="flat" cmpd="sng" algn="ctr">
-                      <a:solidFill>
-                        <a:schemeClr val="bg1"/>
-                      </a:solidFill>
-                      <a:prstDash val="solid"/>
-                      <a:round/>
-                      <a:headEnd type="none" w="med" len="med"/>
-                      <a:tailEnd type="none" w="med" len="med"/>
-                    </a:lnR>
-                    <a:lnT w="12700" cap="flat" cmpd="sng" algn="ctr">
-                      <a:solidFill>
-                        <a:schemeClr val="bg1"/>
-                      </a:solidFill>
-                      <a:prstDash val="solid"/>
-                      <a:round/>
-                      <a:headEnd type="none" w="med" len="med"/>
-                      <a:tailEnd type="none" w="med" len="med"/>
-                    </a:lnT>
-                    <a:lnB w="12700" cap="flat" cmpd="sng" algn="ctr">
-                      <a:solidFill>
-                        <a:schemeClr val="bg1"/>
-                      </a:solidFill>
-                      <a:prstDash val="solid"/>
-                      <a:round/>
-                      <a:headEnd type="none" w="med" len="med"/>
-                      <a:tailEnd type="none" w="med" len="med"/>
-                    </a:lnB>
-                    <a:lnTlToBr w="12700" cmpd="sng">
-                      <a:noFill/>
-                      <a:prstDash val="solid"/>
-                    </a:lnTlToBr>
-                    <a:lnBlToTr w="12700" cmpd="sng">
-                      <a:noFill/>
-                      <a:prstDash val="solid"/>
-                    </a:lnBlToTr>
-                  </a:tcPr>
-                </a:tc>
-                <a:tc>
-                  <a:txBody>
-                    <a:bodyPr/>
-                    <a:lstStyle/>
-                    <a:p>
-                      <a:r>
-                        <a:rPr lang="en-US" sz="1200">
-                          <a:solidFill>
-                            <a:schemeClr val="bg1"/>
-                          </a:solidFill>
-                        </a:rPr>
-                        <a:t>4.0.30319.1</a:t>
-                      </a:r>
-                    </a:p>
-                  </a:txBody>
-                  <a:tcPr marL="61162" marR="61162" marT="30581" marB="30581" anchor="ctr">
-                    <a:lnL w="12700" cap="flat" cmpd="sng" algn="ctr">
-                      <a:solidFill>
-                        <a:schemeClr val="bg1"/>
-                      </a:solidFill>
-                      <a:prstDash val="solid"/>
-                      <a:round/>
-                      <a:headEnd type="none" w="med" len="med"/>
-                      <a:tailEnd type="none" w="med" len="med"/>
-                    </a:lnL>
-                    <a:lnR w="12700" cap="flat" cmpd="sng" algn="ctr">
-                      <a:solidFill>
-                        <a:schemeClr val="bg1"/>
-                      </a:solidFill>
-                      <a:prstDash val="solid"/>
-                      <a:round/>
-                      <a:headEnd type="none" w="med" len="med"/>
-                      <a:tailEnd type="none" w="med" len="med"/>
-                    </a:lnR>
-                    <a:lnT w="12700" cap="flat" cmpd="sng" algn="ctr">
-                      <a:solidFill>
-                        <a:schemeClr val="bg1"/>
-                      </a:solidFill>
-                      <a:prstDash val="solid"/>
-                      <a:round/>
-                      <a:headEnd type="none" w="med" len="med"/>
-                      <a:tailEnd type="none" w="med" len="med"/>
-                    </a:lnT>
-                    <a:lnB w="12700" cap="flat" cmpd="sng" algn="ctr">
-                      <a:solidFill>
-                        <a:schemeClr val="bg1"/>
-                      </a:solidFill>
-                      <a:prstDash val="solid"/>
-                      <a:round/>
-                      <a:headEnd type="none" w="med" len="med"/>
-                      <a:tailEnd type="none" w="med" len="med"/>
-                    </a:lnB>
-                    <a:lnTlToBr w="12700" cmpd="sng">
-                      <a:noFill/>
-                      <a:prstDash val="solid"/>
-                    </a:lnTlToBr>
-                    <a:lnBlToTr w="12700" cmpd="sng">
-                      <a:noFill/>
-                      <a:prstDash val="solid"/>
-                    </a:lnBlToTr>
-                  </a:tcPr>
-                </a:tc>
-                <a:tc>
-                  <a:txBody>
-                    <a:bodyPr/>
-                    <a:lstStyle/>
-                    <a:p>
-                      <a:r>
-                        <a:rPr lang="ru-RU" sz="1200" dirty="0" smtClean="0">
-                          <a:solidFill>
-                            <a:schemeClr val="bg1"/>
-                          </a:solidFill>
-                        </a:rPr>
-                        <a:t>Апрель </a:t>
-                      </a:r>
-                      <a:r>
-                        <a:rPr lang="en-US" sz="1200" dirty="0" smtClean="0">
-                          <a:solidFill>
-                            <a:schemeClr val="bg1"/>
-                          </a:solidFill>
-                        </a:rPr>
-                        <a:t>2010</a:t>
-                      </a:r>
-                      <a:r>
-                        <a:rPr lang="ru-RU" sz="1200" dirty="0" smtClean="0">
-                          <a:solidFill>
-                            <a:schemeClr val="bg1"/>
-                          </a:solidFill>
-                        </a:rPr>
-                        <a:t> года</a:t>
-                      </a:r>
-                      <a:endParaRPr lang="en-US" sz="1200" dirty="0">
-                        <a:solidFill>
-                          <a:schemeClr val="bg1"/>
-                        </a:solidFill>
-                      </a:endParaRPr>
-                    </a:p>
-                  </a:txBody>
-                  <a:tcPr marL="61162" marR="61162" marT="30581" marB="30581" anchor="ctr">
-                    <a:lnL w="12700" cap="flat" cmpd="sng" algn="ctr">
-                      <a:solidFill>
-                        <a:schemeClr val="bg1"/>
-                      </a:solidFill>
-                      <a:prstDash val="solid"/>
-                      <a:round/>
-                      <a:headEnd type="none" w="med" len="med"/>
-                      <a:tailEnd type="none" w="med" len="med"/>
-                    </a:lnL>
-                    <a:lnR w="12700" cap="flat" cmpd="sng" algn="ctr">
-                      <a:solidFill>
-                        <a:schemeClr val="bg1"/>
-                      </a:solidFill>
-                      <a:prstDash val="solid"/>
-                      <a:round/>
-                      <a:headEnd type="none" w="med" len="med"/>
-                      <a:tailEnd type="none" w="med" len="med"/>
-                    </a:lnR>
-                    <a:lnT w="12700" cap="flat" cmpd="sng" algn="ctr">
-                      <a:solidFill>
-                        <a:schemeClr val="bg1"/>
-                      </a:solidFill>
-                      <a:prstDash val="solid"/>
-                      <a:round/>
-                      <a:headEnd type="none" w="med" len="med"/>
-                      <a:tailEnd type="none" w="med" len="med"/>
-                    </a:lnT>
-                    <a:lnB w="12700" cap="flat" cmpd="sng" algn="ctr">
-                      <a:solidFill>
-                        <a:schemeClr val="bg1"/>
-                      </a:solidFill>
-                      <a:prstDash val="solid"/>
-                      <a:round/>
-                      <a:headEnd type="none" w="med" len="med"/>
-                      <a:tailEnd type="none" w="med" len="med"/>
-                    </a:lnB>
-                    <a:lnTlToBr w="12700" cmpd="sng">
-                      <a:noFill/>
-                      <a:prstDash val="solid"/>
-                    </a:lnTlToBr>
-                    <a:lnBlToTr w="12700" cmpd="sng">
-                      <a:noFill/>
-                      <a:prstDash val="solid"/>
-                    </a:lnBlToTr>
-                  </a:tcPr>
-                </a:tc>
-                <a:tc>
-                  <a:txBody>
-                    <a:bodyPr/>
-                    <a:lstStyle/>
-                    <a:p>
-                      <a:r>
-                        <a:rPr lang="en-US" sz="1200">
-                          <a:solidFill>
-                            <a:schemeClr val="bg1"/>
-                          </a:solidFill>
-                        </a:rPr>
-                        <a:t>Visual Studio 2010</a:t>
-                      </a:r>
-                    </a:p>
-                  </a:txBody>
-                  <a:tcPr marL="61162" marR="61162" marT="30581" marB="30581" anchor="ctr">
-                    <a:lnL w="12700" cap="flat" cmpd="sng" algn="ctr">
-                      <a:solidFill>
-                        <a:schemeClr val="bg1"/>
-                      </a:solidFill>
-                      <a:prstDash val="solid"/>
-                      <a:round/>
-                      <a:headEnd type="none" w="med" len="med"/>
-                      <a:tailEnd type="none" w="med" len="med"/>
-                    </a:lnL>
-                    <a:lnR w="12700" cap="flat" cmpd="sng" algn="ctr">
-                      <a:solidFill>
-                        <a:schemeClr val="bg1"/>
-                      </a:solidFill>
-                      <a:prstDash val="solid"/>
-                      <a:round/>
-                      <a:headEnd type="none" w="med" len="med"/>
-                      <a:tailEnd type="none" w="med" len="med"/>
-                    </a:lnR>
-                    <a:lnT w="12700" cap="flat" cmpd="sng" algn="ctr">
-                      <a:solidFill>
-                        <a:schemeClr val="bg1"/>
-                      </a:solidFill>
-                      <a:prstDash val="solid"/>
-                      <a:round/>
-                      <a:headEnd type="none" w="med" len="med"/>
-                      <a:tailEnd type="none" w="med" len="med"/>
-                    </a:lnT>
-                    <a:lnB w="12700" cap="flat" cmpd="sng" algn="ctr">
-                      <a:solidFill>
-                        <a:schemeClr val="bg1"/>
-                      </a:solidFill>
-                      <a:prstDash val="solid"/>
-                      <a:round/>
-                      <a:headEnd type="none" w="med" len="med"/>
-                      <a:tailEnd type="none" w="med" len="med"/>
-                    </a:lnB>
-                    <a:lnTlToBr w="12700" cmpd="sng">
-                      <a:noFill/>
-                      <a:prstDash val="solid"/>
-                    </a:lnTlToBr>
-                    <a:lnBlToTr w="12700" cmpd="sng">
-                      <a:noFill/>
-                      <a:prstDash val="solid"/>
-                    </a:lnBlToTr>
-                  </a:tcPr>
-                </a:tc>
-                <a:tc>
-                  <a:txBody>
-                    <a:bodyPr/>
-                    <a:lstStyle/>
-                    <a:p>
-                      <a:r>
-                        <a:rPr lang="en-US" sz="1200" dirty="0">
-                          <a:solidFill>
-                            <a:schemeClr val="bg1"/>
-                          </a:solidFill>
-                        </a:rPr>
-                        <a:t>Windows 7 (recommended)</a:t>
-                      </a:r>
-                    </a:p>
-                  </a:txBody>
-                  <a:tcPr marL="61162" marR="61162" marT="30581" marB="30581" anchor="ctr">
-                    <a:lnL w="12700" cap="flat" cmpd="sng" algn="ctr">
-                      <a:solidFill>
-                        <a:schemeClr val="bg1"/>
-                      </a:solidFill>
-                      <a:prstDash val="solid"/>
-                      <a:round/>
-                      <a:headEnd type="none" w="med" len="med"/>
-                      <a:tailEnd type="none" w="med" len="med"/>
-                    </a:lnL>
-                    <a:lnR w="12700" cap="flat" cmpd="sng" algn="ctr">
-                      <a:solidFill>
-                        <a:schemeClr val="bg1"/>
-                      </a:solidFill>
-                      <a:prstDash val="solid"/>
-                      <a:round/>
-                      <a:headEnd type="none" w="med" len="med"/>
-                      <a:tailEnd type="none" w="med" len="med"/>
-                    </a:lnR>
-                    <a:lnT w="12700" cap="flat" cmpd="sng" algn="ctr">
-                      <a:solidFill>
-                        <a:schemeClr val="bg1"/>
-                      </a:solidFill>
-                      <a:prstDash val="solid"/>
-                      <a:round/>
-                      <a:headEnd type="none" w="med" len="med"/>
-                      <a:tailEnd type="none" w="med" len="med"/>
-                    </a:lnT>
-                    <a:lnB w="12700" cap="flat" cmpd="sng" algn="ctr">
-                      <a:solidFill>
-                        <a:schemeClr val="bg1"/>
-                      </a:solidFill>
-                      <a:prstDash val="solid"/>
-                      <a:round/>
-                      <a:headEnd type="none" w="med" len="med"/>
-                      <a:tailEnd type="none" w="med" len="med"/>
-                    </a:lnB>
-                    <a:lnTlToBr w="12700" cmpd="sng">
-                      <a:noFill/>
-                      <a:prstDash val="solid"/>
-                    </a:lnTlToBr>
-                    <a:lnBlToTr w="12700" cmpd="sng">
-                      <a:noFill/>
-                      <a:prstDash val="solid"/>
-                    </a:lnBlToTr>
-                  </a:tcPr>
-                </a:tc>
-              </a:tr>
-              <a:tr h="611617">
-                <a:tc>
-                  <a:txBody>
-                    <a:bodyPr/>
-                    <a:lstStyle/>
-                    <a:p>
-                      <a:r>
-                        <a:rPr lang="en-US" sz="1200" dirty="0">
-                          <a:solidFill>
-                            <a:schemeClr val="bg1"/>
-                          </a:solidFill>
-                        </a:rPr>
-                        <a:t>4.5</a:t>
-                      </a:r>
-                    </a:p>
-                  </a:txBody>
-                  <a:tcPr marL="61162" marR="61162" marT="30581" marB="30581" anchor="ctr">
-                    <a:lnL w="12700" cap="flat" cmpd="sng" algn="ctr">
-                      <a:solidFill>
-                        <a:schemeClr val="bg1"/>
-                      </a:solidFill>
-                      <a:prstDash val="solid"/>
-                      <a:round/>
-                      <a:headEnd type="none" w="med" len="med"/>
-                      <a:tailEnd type="none" w="med" len="med"/>
-                    </a:lnL>
-                    <a:lnR w="12700" cap="flat" cmpd="sng" algn="ctr">
-                      <a:solidFill>
-                        <a:schemeClr val="bg1"/>
-                      </a:solidFill>
-                      <a:prstDash val="solid"/>
-                      <a:round/>
-                      <a:headEnd type="none" w="med" len="med"/>
-                      <a:tailEnd type="none" w="med" len="med"/>
-                    </a:lnR>
-                    <a:lnT w="12700" cap="flat" cmpd="sng" algn="ctr">
-                      <a:solidFill>
-                        <a:schemeClr val="bg1"/>
-                      </a:solidFill>
-                      <a:prstDash val="solid"/>
-                      <a:round/>
-                      <a:headEnd type="none" w="med" len="med"/>
-                      <a:tailEnd type="none" w="med" len="med"/>
-                    </a:lnT>
-                    <a:lnB w="12700" cap="flat" cmpd="sng" algn="ctr">
-                      <a:solidFill>
-                        <a:schemeClr val="bg1"/>
-                      </a:solidFill>
-                      <a:prstDash val="solid"/>
-                      <a:round/>
-                      <a:headEnd type="none" w="med" len="med"/>
-                      <a:tailEnd type="none" w="med" len="med"/>
-                    </a:lnB>
-                    <a:lnTlToBr w="12700" cmpd="sng">
-                      <a:noFill/>
-                      <a:prstDash val="solid"/>
-                    </a:lnTlToBr>
-                    <a:lnBlToTr w="12700" cmpd="sng">
-                      <a:noFill/>
-                      <a:prstDash val="solid"/>
-                    </a:lnBlToTr>
-                  </a:tcPr>
-                </a:tc>
-                <a:tc>
-                  <a:txBody>
-                    <a:bodyPr/>
-                    <a:lstStyle/>
-                    <a:p>
-                      <a:r>
-                        <a:rPr lang="en-US" sz="1200">
-                          <a:solidFill>
-                            <a:schemeClr val="bg1"/>
-                          </a:solidFill>
-                        </a:rPr>
-                        <a:t>4.0.30319.17929 (4.5.50709)</a:t>
-                      </a:r>
-                    </a:p>
-                  </a:txBody>
-                  <a:tcPr marL="61162" marR="61162" marT="30581" marB="30581" anchor="ctr">
-                    <a:lnL w="12700" cap="flat" cmpd="sng" algn="ctr">
-                      <a:solidFill>
-                        <a:schemeClr val="bg1"/>
-                      </a:solidFill>
-                      <a:prstDash val="solid"/>
-                      <a:round/>
-                      <a:headEnd type="none" w="med" len="med"/>
-                      <a:tailEnd type="none" w="med" len="med"/>
-                    </a:lnL>
-                    <a:lnR w="12700" cap="flat" cmpd="sng" algn="ctr">
-                      <a:solidFill>
-                        <a:schemeClr val="bg1"/>
-                      </a:solidFill>
-                      <a:prstDash val="solid"/>
-                      <a:round/>
-                      <a:headEnd type="none" w="med" len="med"/>
-                      <a:tailEnd type="none" w="med" len="med"/>
-                    </a:lnR>
-                    <a:lnT w="12700" cap="flat" cmpd="sng" algn="ctr">
-                      <a:solidFill>
-                        <a:schemeClr val="bg1"/>
-                      </a:solidFill>
-                      <a:prstDash val="solid"/>
-                      <a:round/>
-                      <a:headEnd type="none" w="med" len="med"/>
-                      <a:tailEnd type="none" w="med" len="med"/>
-                    </a:lnT>
-                    <a:lnB w="12700" cap="flat" cmpd="sng" algn="ctr">
-                      <a:solidFill>
-                        <a:schemeClr val="bg1"/>
-                      </a:solidFill>
-                      <a:prstDash val="solid"/>
-                      <a:round/>
-                      <a:headEnd type="none" w="med" len="med"/>
-                      <a:tailEnd type="none" w="med" len="med"/>
-                    </a:lnB>
-                    <a:lnTlToBr w="12700" cmpd="sng">
-                      <a:noFill/>
-                      <a:prstDash val="solid"/>
-                    </a:lnTlToBr>
-                    <a:lnBlToTr w="12700" cmpd="sng">
-                      <a:noFill/>
-                      <a:prstDash val="solid"/>
-                    </a:lnBlToTr>
-                  </a:tcPr>
-                </a:tc>
-                <a:tc>
-                  <a:txBody>
-                    <a:bodyPr/>
-                    <a:lstStyle/>
-                    <a:p>
-                      <a:r>
-                        <a:rPr lang="ru-RU" sz="1200" dirty="0" smtClean="0">
-                          <a:solidFill>
-                            <a:schemeClr val="bg1"/>
-                          </a:solidFill>
-                        </a:rPr>
-                        <a:t>Август </a:t>
-                      </a:r>
-                      <a:r>
-                        <a:rPr lang="en-US" sz="1200" dirty="0" smtClean="0">
-                          <a:solidFill>
-                            <a:schemeClr val="bg1"/>
-                          </a:solidFill>
-                        </a:rPr>
-                        <a:t>2012</a:t>
-                      </a:r>
-                      <a:r>
-                        <a:rPr lang="ru-RU" sz="1200" dirty="0" smtClean="0">
-                          <a:solidFill>
-                            <a:schemeClr val="bg1"/>
-                          </a:solidFill>
-                        </a:rPr>
-                        <a:t> года</a:t>
-                      </a:r>
-                      <a:endParaRPr lang="en-US" sz="1200" dirty="0">
-                        <a:solidFill>
-                          <a:schemeClr val="bg1"/>
-                        </a:solidFill>
-                      </a:endParaRPr>
-                    </a:p>
-                  </a:txBody>
-                  <a:tcPr marL="61162" marR="61162" marT="30581" marB="30581" anchor="ctr">
-                    <a:lnL w="12700" cap="flat" cmpd="sng" algn="ctr">
-                      <a:solidFill>
-                        <a:schemeClr val="bg1"/>
-                      </a:solidFill>
-                      <a:prstDash val="solid"/>
-                      <a:round/>
-                      <a:headEnd type="none" w="med" len="med"/>
-                      <a:tailEnd type="none" w="med" len="med"/>
-                    </a:lnL>
-                    <a:lnR w="12700" cap="flat" cmpd="sng" algn="ctr">
-                      <a:solidFill>
-                        <a:schemeClr val="bg1"/>
-                      </a:solidFill>
-                      <a:prstDash val="solid"/>
-                      <a:round/>
-                      <a:headEnd type="none" w="med" len="med"/>
-                      <a:tailEnd type="none" w="med" len="med"/>
-                    </a:lnR>
-                    <a:lnT w="12700" cap="flat" cmpd="sng" algn="ctr">
-                      <a:solidFill>
-                        <a:schemeClr val="bg1"/>
-                      </a:solidFill>
-                      <a:prstDash val="solid"/>
-                      <a:round/>
-                      <a:headEnd type="none" w="med" len="med"/>
-                      <a:tailEnd type="none" w="med" len="med"/>
-                    </a:lnT>
-                    <a:lnB w="12700" cap="flat" cmpd="sng" algn="ctr">
-                      <a:solidFill>
-                        <a:schemeClr val="bg1"/>
-                      </a:solidFill>
-                      <a:prstDash val="solid"/>
-                      <a:round/>
-                      <a:headEnd type="none" w="med" len="med"/>
-                      <a:tailEnd type="none" w="med" len="med"/>
-                    </a:lnB>
-                    <a:lnTlToBr w="12700" cmpd="sng">
-                      <a:noFill/>
-                      <a:prstDash val="solid"/>
-                    </a:lnTlToBr>
-                    <a:lnBlToTr w="12700" cmpd="sng">
-                      <a:noFill/>
-                      <a:prstDash val="solid"/>
-                    </a:lnBlToTr>
-                  </a:tcPr>
-                </a:tc>
-                <a:tc>
-                  <a:txBody>
-                    <a:bodyPr/>
-                    <a:lstStyle/>
-                    <a:p>
-                      <a:r>
-                        <a:rPr lang="en-US" sz="1200">
-                          <a:solidFill>
-                            <a:schemeClr val="bg1"/>
-                          </a:solidFill>
-                        </a:rPr>
-                        <a:t>Visual Studio 2012</a:t>
-                      </a:r>
-                    </a:p>
-                  </a:txBody>
-                  <a:tcPr marL="61162" marR="61162" marT="30581" marB="30581" anchor="ctr">
-                    <a:lnL w="12700" cap="flat" cmpd="sng" algn="ctr">
-                      <a:solidFill>
-                        <a:schemeClr val="bg1"/>
-                      </a:solidFill>
-                      <a:prstDash val="solid"/>
-                      <a:round/>
-                      <a:headEnd type="none" w="med" len="med"/>
-                      <a:tailEnd type="none" w="med" len="med"/>
-                    </a:lnL>
-                    <a:lnR w="12700" cap="flat" cmpd="sng" algn="ctr">
-                      <a:solidFill>
-                        <a:schemeClr val="bg1"/>
-                      </a:solidFill>
-                      <a:prstDash val="solid"/>
-                      <a:round/>
-                      <a:headEnd type="none" w="med" len="med"/>
-                      <a:tailEnd type="none" w="med" len="med"/>
-                    </a:lnR>
-                    <a:lnT w="12700" cap="flat" cmpd="sng" algn="ctr">
-                      <a:solidFill>
-                        <a:schemeClr val="bg1"/>
-                      </a:solidFill>
-                      <a:prstDash val="solid"/>
-                      <a:round/>
-                      <a:headEnd type="none" w="med" len="med"/>
-                      <a:tailEnd type="none" w="med" len="med"/>
-                    </a:lnT>
-                    <a:lnB w="12700" cap="flat" cmpd="sng" algn="ctr">
-                      <a:solidFill>
-                        <a:schemeClr val="bg1"/>
-                      </a:solidFill>
-                      <a:prstDash val="solid"/>
-                      <a:round/>
-                      <a:headEnd type="none" w="med" len="med"/>
-                      <a:tailEnd type="none" w="med" len="med"/>
-                    </a:lnB>
-                    <a:lnTlToBr w="12700" cmpd="sng">
-                      <a:noFill/>
-                      <a:prstDash val="solid"/>
-                    </a:lnTlToBr>
-                    <a:lnBlToTr w="12700" cmpd="sng">
-                      <a:noFill/>
-                      <a:prstDash val="solid"/>
-                    </a:lnBlToTr>
-                  </a:tcPr>
-                </a:tc>
-                <a:tc>
-                  <a:txBody>
-                    <a:bodyPr/>
-                    <a:lstStyle/>
-                    <a:p>
-                      <a:r>
-                        <a:rPr lang="en-US" sz="1200" dirty="0">
-                          <a:solidFill>
-                            <a:schemeClr val="bg1"/>
-                          </a:solidFill>
-                        </a:rPr>
-                        <a:t>Windows 8, Windows Server 2012</a:t>
-                      </a:r>
-                    </a:p>
-                  </a:txBody>
-                  <a:tcPr marL="61162" marR="61162" marT="30581" marB="30581" anchor="ctr">
-                    <a:lnL w="12700" cap="flat" cmpd="sng" algn="ctr">
-                      <a:solidFill>
-                        <a:schemeClr val="bg1"/>
-                      </a:solidFill>
-                      <a:prstDash val="solid"/>
-                      <a:round/>
-                      <a:headEnd type="none" w="med" len="med"/>
-                      <a:tailEnd type="none" w="med" len="med"/>
-                    </a:lnL>
-                    <a:lnR w="12700" cap="flat" cmpd="sng" algn="ctr">
-                      <a:solidFill>
-                        <a:schemeClr val="bg1"/>
-                      </a:solidFill>
-                      <a:prstDash val="solid"/>
-                      <a:round/>
-                      <a:headEnd type="none" w="med" len="med"/>
-                      <a:tailEnd type="none" w="med" len="med"/>
-                    </a:lnR>
-                    <a:lnT w="12700" cap="flat" cmpd="sng" algn="ctr">
-                      <a:solidFill>
-                        <a:schemeClr val="bg1"/>
-                      </a:solidFill>
-                      <a:prstDash val="solid"/>
-                      <a:round/>
-                      <a:headEnd type="none" w="med" len="med"/>
-                      <a:tailEnd type="none" w="med" len="med"/>
-                    </a:lnT>
-                    <a:lnB w="12700" cap="flat" cmpd="sng" algn="ctr">
-                      <a:solidFill>
-                        <a:schemeClr val="bg1"/>
-                      </a:solidFill>
-                      <a:prstDash val="solid"/>
-                      <a:round/>
-                      <a:headEnd type="none" w="med" len="med"/>
-                      <a:tailEnd type="none" w="med" len="med"/>
-                    </a:lnB>
-                    <a:lnTlToBr w="12700" cmpd="sng">
-                      <a:noFill/>
-                      <a:prstDash val="solid"/>
-                    </a:lnTlToBr>
-                    <a:lnBlToTr w="12700" cmpd="sng">
-                      <a:noFill/>
-                      <a:prstDash val="solid"/>
-                    </a:lnBlToTr>
-                  </a:tcPr>
+                  <a:tcPr/>
                 </a:tc>
               </a:tr>
             </a:tbl>
@@ -6327,7 +3702,7 @@
     </p:spTree>
     <p:extLst>
       <p:ext uri="{BB962C8B-B14F-4D97-AF65-F5344CB8AC3E}">
-        <p14:creationId xmlns:p14="http://schemas.microsoft.com/office/powerpoint/2010/main" val="1914467712"/>
+        <p14:creationId xmlns:p14="http://schemas.microsoft.com/office/powerpoint/2010/main" val="3433036358"/>
       </p:ext>
     </p:extLst>
   </p:cSld>
@@ -6383,8 +3758,8 @@
         </p:nvSpPr>
         <p:spPr>
           <a:xfrm>
-            <a:off x="251520" y="188640"/>
-            <a:ext cx="8640960" cy="1138773"/>
+            <a:off x="251520" y="116632"/>
+            <a:ext cx="8640960" cy="3631763"/>
           </a:xfrm>
           <a:prstGeom prst="rect">
             <a:avLst/>
@@ -6403,16 +3778,13 @@
                   <a:schemeClr val="bg1"/>
                 </a:solidFill>
               </a:rPr>
-              <a:t>.NET Framework. Side-by-side </a:t>
-            </a:r>
-            <a:r>
-              <a:rPr lang="ru-RU" sz="3200" dirty="0" smtClean="0">
-                <a:solidFill>
-                  <a:schemeClr val="bg1"/>
-                </a:solidFill>
-              </a:rPr>
-              <a:t>совместимость</a:t>
-            </a:r>
+              <a:t>.NET Framework</a:t>
+            </a:r>
+            <a:endParaRPr lang="ru-RU" sz="3200" dirty="0" smtClean="0">
+              <a:solidFill>
+                <a:schemeClr val="bg1"/>
+              </a:solidFill>
+            </a:endParaRPr>
           </a:p>
           <a:p>
             <a:pPr lvl="0"/>
@@ -6423,6 +3795,259 @@
             </a:endParaRPr>
           </a:p>
           <a:p>
+            <a:pPr marL="285750" indent="-285750">
+              <a:buFont typeface="Arial" pitchFamily="34" charset="0"/>
+              <a:buChar char="•"/>
+            </a:pPr>
+            <a:r>
+              <a:rPr lang="en-US" dirty="0" smtClean="0">
+                <a:solidFill>
+                  <a:schemeClr val="bg1"/>
+                </a:solidFill>
+              </a:rPr>
+              <a:t>CLR – Common Language Runtime – </a:t>
+            </a:r>
+            <a:r>
+              <a:rPr lang="ru-RU" dirty="0" smtClean="0">
+                <a:solidFill>
+                  <a:schemeClr val="bg1"/>
+                </a:solidFill>
+              </a:rPr>
+              <a:t>Общеязыковая исполняющая среда</a:t>
+            </a:r>
+          </a:p>
+          <a:p>
+            <a:pPr marL="742950" lvl="1" indent="-285750">
+              <a:buFont typeface="Arial" pitchFamily="34" charset="0"/>
+              <a:buChar char="•"/>
+            </a:pPr>
+            <a:r>
+              <a:rPr lang="en-US" dirty="0">
+                <a:solidFill>
+                  <a:schemeClr val="bg1"/>
+                </a:solidFill>
+              </a:rPr>
+              <a:t>C++/CLI, C#, Visual Basic .NET, F#, Iron Python, Iron Ruby, and an Intermediate Language (IL) </a:t>
+            </a:r>
+            <a:r>
+              <a:rPr lang="en-US" dirty="0" smtClean="0">
+                <a:solidFill>
+                  <a:schemeClr val="bg1"/>
+                </a:solidFill>
+              </a:rPr>
+              <a:t>Assembler</a:t>
+            </a:r>
+            <a:endParaRPr lang="ru-RU" dirty="0" smtClean="0">
+              <a:solidFill>
+                <a:schemeClr val="bg1"/>
+              </a:solidFill>
+            </a:endParaRPr>
+          </a:p>
+          <a:p>
+            <a:pPr marL="742950" lvl="1" indent="-285750">
+              <a:buFont typeface="Arial" pitchFamily="34" charset="0"/>
+              <a:buChar char="•"/>
+            </a:pPr>
+            <a:r>
+              <a:rPr lang="ru-RU" dirty="0" smtClean="0">
+                <a:solidFill>
+                  <a:schemeClr val="bg1"/>
+                </a:solidFill>
+              </a:rPr>
+              <a:t>Управляет памятью</a:t>
+            </a:r>
+            <a:r>
+              <a:rPr lang="en-US" dirty="0" smtClean="0">
+                <a:solidFill>
+                  <a:schemeClr val="bg1"/>
+                </a:solidFill>
+              </a:rPr>
+              <a:t>, </a:t>
+            </a:r>
+            <a:r>
+              <a:rPr lang="ru-RU" dirty="0" smtClean="0">
+                <a:solidFill>
+                  <a:schemeClr val="bg1"/>
+                </a:solidFill>
+              </a:rPr>
+              <a:t>потоками</a:t>
+            </a:r>
+            <a:r>
+              <a:rPr lang="en-US" dirty="0" smtClean="0">
+                <a:solidFill>
+                  <a:schemeClr val="bg1"/>
+                </a:solidFill>
+              </a:rPr>
+              <a:t>, </a:t>
+            </a:r>
+            <a:r>
+              <a:rPr lang="ru-RU" dirty="0" smtClean="0">
+                <a:solidFill>
+                  <a:schemeClr val="bg1"/>
+                </a:solidFill>
+              </a:rPr>
+              <a:t>исполнением кода</a:t>
+            </a:r>
+            <a:r>
+              <a:rPr lang="en-US" dirty="0" smtClean="0">
+                <a:solidFill>
+                  <a:schemeClr val="bg1"/>
+                </a:solidFill>
+              </a:rPr>
+              <a:t>, </a:t>
+            </a:r>
+            <a:r>
+              <a:rPr lang="ru-RU" dirty="0" smtClean="0">
+                <a:solidFill>
+                  <a:schemeClr val="bg1"/>
+                </a:solidFill>
+              </a:rPr>
+              <a:t>проверками кода на безопасность</a:t>
+            </a:r>
+            <a:r>
+              <a:rPr lang="en-US" dirty="0" smtClean="0">
+                <a:solidFill>
+                  <a:schemeClr val="bg1"/>
+                </a:solidFill>
+              </a:rPr>
+              <a:t>, JIT-</a:t>
+            </a:r>
+            <a:r>
+              <a:rPr lang="ru-RU" dirty="0" smtClean="0">
+                <a:solidFill>
+                  <a:schemeClr val="bg1"/>
+                </a:solidFill>
+              </a:rPr>
+              <a:t>компиляция</a:t>
+            </a:r>
+            <a:r>
+              <a:rPr lang="en-US" dirty="0" smtClean="0">
+                <a:solidFill>
+                  <a:schemeClr val="bg1"/>
+                </a:solidFill>
+              </a:rPr>
+              <a:t>.</a:t>
+            </a:r>
+            <a:endParaRPr lang="ru-RU" dirty="0" smtClean="0">
+              <a:solidFill>
+                <a:schemeClr val="bg1"/>
+              </a:solidFill>
+            </a:endParaRPr>
+          </a:p>
+          <a:p>
+            <a:pPr marL="285750" indent="-285750">
+              <a:buFont typeface="Arial" pitchFamily="34" charset="0"/>
+              <a:buChar char="•"/>
+            </a:pPr>
+            <a:r>
+              <a:rPr lang="en-US" dirty="0" smtClean="0">
+                <a:solidFill>
+                  <a:schemeClr val="bg1"/>
+                </a:solidFill>
+              </a:rPr>
+              <a:t>Managed/</a:t>
+            </a:r>
+            <a:r>
+              <a:rPr lang="en-US" dirty="0" err="1" smtClean="0">
+                <a:solidFill>
+                  <a:schemeClr val="bg1"/>
+                </a:solidFill>
+              </a:rPr>
+              <a:t>Unmaged</a:t>
+            </a:r>
+            <a:r>
+              <a:rPr lang="en-US" dirty="0" smtClean="0">
+                <a:solidFill>
+                  <a:schemeClr val="bg1"/>
+                </a:solidFill>
+              </a:rPr>
+              <a:t> </a:t>
+            </a:r>
+            <a:r>
+              <a:rPr lang="ru-RU" dirty="0" smtClean="0">
+                <a:solidFill>
+                  <a:schemeClr val="bg1"/>
+                </a:solidFill>
+              </a:rPr>
+              <a:t>– Управляемый/Неуправляемый код</a:t>
+            </a:r>
+          </a:p>
+          <a:p>
+            <a:pPr marL="742950" lvl="1" indent="-285750">
+              <a:buFont typeface="Arial" pitchFamily="34" charset="0"/>
+              <a:buChar char="•"/>
+            </a:pPr>
+            <a:r>
+              <a:rPr lang="ru-RU" dirty="0" smtClean="0">
+                <a:solidFill>
+                  <a:schemeClr val="bg1"/>
+                </a:solidFill>
+              </a:rPr>
+              <a:t>Код предназначенный для исполнения из под </a:t>
+            </a:r>
+            <a:r>
+              <a:rPr lang="en-US" dirty="0" smtClean="0">
+                <a:solidFill>
+                  <a:schemeClr val="bg1"/>
+                </a:solidFill>
+              </a:rPr>
+              <a:t>CLR</a:t>
+            </a:r>
+            <a:r>
+              <a:rPr lang="ru-RU" dirty="0">
+                <a:solidFill>
+                  <a:schemeClr val="bg1"/>
+                </a:solidFill>
+              </a:rPr>
+              <a:t> </a:t>
+            </a:r>
+            <a:r>
+              <a:rPr lang="ru-RU" dirty="0" smtClean="0">
+                <a:solidFill>
+                  <a:schemeClr val="bg1"/>
+                </a:solidFill>
+              </a:rPr>
+              <a:t>является управляемым</a:t>
+            </a:r>
+          </a:p>
+          <a:p>
+            <a:pPr marL="285750" indent="-285750">
+              <a:buFont typeface="Arial" pitchFamily="34" charset="0"/>
+              <a:buChar char="•"/>
+            </a:pPr>
+            <a:r>
+              <a:rPr lang="en-US" dirty="0" smtClean="0">
+                <a:solidFill>
+                  <a:schemeClr val="bg1"/>
+                </a:solidFill>
+              </a:rPr>
+              <a:t>GC – Garbage collector – </a:t>
+            </a:r>
+            <a:r>
+              <a:rPr lang="ru-RU" dirty="0" smtClean="0">
+                <a:solidFill>
+                  <a:schemeClr val="bg1"/>
+                </a:solidFill>
+              </a:rPr>
+              <a:t>Сборщик мусора.</a:t>
+            </a:r>
+          </a:p>
+          <a:p>
+            <a:pPr marL="285750" indent="-285750">
+              <a:buFont typeface="Arial" pitchFamily="34" charset="0"/>
+              <a:buChar char="•"/>
+            </a:pPr>
+            <a:endParaRPr lang="ru-RU" dirty="0" smtClean="0">
+              <a:solidFill>
+                <a:schemeClr val="bg1"/>
+              </a:solidFill>
+            </a:endParaRPr>
+          </a:p>
+          <a:p>
+            <a:pPr marL="285750" indent="-285750">
+              <a:buFont typeface="Arial" pitchFamily="34" charset="0"/>
+              <a:buChar char="•"/>
+            </a:pPr>
             <a:endParaRPr lang="en-US" dirty="0" smtClean="0">
               <a:solidFill>
                 <a:schemeClr val="bg1"/>
@@ -6431,64 +4056,10 @@
           </a:p>
         </p:txBody>
       </p:sp>
-      <p:pic>
-        <p:nvPicPr>
-          <p:cNvPr id="1026" name="Picture 2" descr="image002"/>
-          <p:cNvPicPr>
-            <a:picLocks noChangeAspect="1" noChangeArrowheads="1"/>
-          </p:cNvPicPr>
-          <p:nvPr/>
-        </p:nvPicPr>
-        <p:blipFill>
-          <a:blip r:embed="rId3">
-            <a:extLst>
-              <a:ext uri="{28A0092B-C50C-407E-A947-70E740481C1C}">
-                <a14:useLocalDpi xmlns:a14="http://schemas.microsoft.com/office/drawing/2010/main" val="0"/>
-              </a:ext>
-            </a:extLst>
-          </a:blip>
-          <a:srcRect/>
-          <a:stretch>
-            <a:fillRect/>
-          </a:stretch>
-        </p:blipFill>
-        <p:spPr bwMode="auto">
-          <a:xfrm>
-            <a:off x="1566863" y="1652588"/>
-            <a:ext cx="6010275" cy="3552825"/>
-          </a:xfrm>
-          <a:prstGeom prst="rect">
-            <a:avLst/>
-          </a:prstGeom>
-          <a:noFill/>
-          <a:ln>
-            <a:noFill/>
-          </a:ln>
-          <a:extLst>
-            <a:ext uri="{909E8E84-426E-40DD-AFC4-6F175D3DCCD1}">
-              <a14:hiddenFill xmlns:a14="http://schemas.microsoft.com/office/drawing/2010/main">
-                <a:solidFill>
-                  <a:srgbClr val="FFFFFF"/>
-                </a:solidFill>
-              </a14:hiddenFill>
-            </a:ext>
-            <a:ext uri="{91240B29-F687-4F45-9708-019B960494DF}">
-              <a14:hiddenLine xmlns:a14="http://schemas.microsoft.com/office/drawing/2010/main" w="9525">
-                <a:solidFill>
-                  <a:srgbClr val="000000"/>
-                </a:solidFill>
-                <a:miter lim="800000"/>
-                <a:headEnd/>
-                <a:tailEnd/>
-              </a14:hiddenLine>
-            </a:ext>
-          </a:extLst>
-        </p:spPr>
-      </p:pic>
     </p:spTree>
     <p:extLst>
       <p:ext uri="{BB962C8B-B14F-4D97-AF65-F5344CB8AC3E}">
-        <p14:creationId xmlns:p14="http://schemas.microsoft.com/office/powerpoint/2010/main" val="812983216"/>
+        <p14:creationId xmlns:p14="http://schemas.microsoft.com/office/powerpoint/2010/main" val="1302028225"/>
       </p:ext>
     </p:extLst>
   </p:cSld>
@@ -6544,500 +4115,6 @@
         </p:nvSpPr>
         <p:spPr>
           <a:xfrm>
-            <a:off x="251520" y="188640"/>
-            <a:ext cx="8640960" cy="1138773"/>
-          </a:xfrm>
-          <a:prstGeom prst="rect">
-            <a:avLst/>
-          </a:prstGeom>
-        </p:spPr>
-        <p:txBody>
-          <a:bodyPr wrap="square">
-            <a:spAutoFit/>
-          </a:bodyPr>
-          <a:lstStyle/>
-          <a:p>
-            <a:pPr lvl="0"/>
-            <a:r>
-              <a:rPr lang="en-US" sz="3200" dirty="0" smtClean="0">
-                <a:solidFill>
-                  <a:schemeClr val="bg1"/>
-                </a:solidFill>
-              </a:rPr>
-              <a:t>.NET Framework</a:t>
-            </a:r>
-            <a:endParaRPr lang="ru-RU" sz="3200" dirty="0" smtClean="0">
-              <a:solidFill>
-                <a:schemeClr val="bg1"/>
-              </a:solidFill>
-            </a:endParaRPr>
-          </a:p>
-          <a:p>
-            <a:pPr lvl="0"/>
-            <a:endParaRPr lang="ru-RU" dirty="0" smtClean="0">
-              <a:solidFill>
-                <a:schemeClr val="bg1"/>
-              </a:solidFill>
-            </a:endParaRPr>
-          </a:p>
-          <a:p>
-            <a:endParaRPr lang="en-US" dirty="0" smtClean="0">
-              <a:solidFill>
-                <a:schemeClr val="bg1"/>
-              </a:solidFill>
-            </a:endParaRPr>
-          </a:p>
-        </p:txBody>
-      </p:sp>
-      <p:pic>
-        <p:nvPicPr>
-          <p:cNvPr id="5" name="Picture 4" descr="http://upload.wikimedia.org/wikipedia/commons/thumb/d/d3/DotNet.svg/513px-DotNet.svg.png"/>
-          <p:cNvPicPr/>
-          <p:nvPr/>
-        </p:nvPicPr>
-        <p:blipFill>
-          <a:blip r:embed="rId3">
-            <a:extLst>
-              <a:ext uri="{28A0092B-C50C-407E-A947-70E740481C1C}">
-                <a14:useLocalDpi xmlns:a14="http://schemas.microsoft.com/office/drawing/2010/main" val="0"/>
-              </a:ext>
-            </a:extLst>
-          </a:blip>
-          <a:srcRect/>
-          <a:stretch>
-            <a:fillRect/>
-          </a:stretch>
-        </p:blipFill>
-        <p:spPr bwMode="auto">
-          <a:xfrm>
-            <a:off x="1979712" y="740983"/>
-            <a:ext cx="4886325" cy="5715000"/>
-          </a:xfrm>
-          <a:prstGeom prst="rect">
-            <a:avLst/>
-          </a:prstGeom>
-          <a:noFill/>
-          <a:ln>
-            <a:noFill/>
-          </a:ln>
-        </p:spPr>
-      </p:pic>
-    </p:spTree>
-    <p:extLst>
-      <p:ext uri="{BB962C8B-B14F-4D97-AF65-F5344CB8AC3E}">
-        <p14:creationId xmlns:p14="http://schemas.microsoft.com/office/powerpoint/2010/main" val="2503303019"/>
-      </p:ext>
-    </p:extLst>
-  </p:cSld>
-  <p:clrMapOvr>
-    <a:masterClrMapping/>
-  </p:clrMapOvr>
-  <p:timing>
-    <p:tnLst>
-      <p:par>
-        <p:cTn id="1" dur="indefinite" restart="never" nodeType="tmRoot"/>
-      </p:par>
-    </p:tnLst>
-  </p:timing>
-</p:sld>
-</file>
-
-<file path=ppt/slides/slide14.xml><?xml version="1.0" encoding="utf-8"?>
-<p:sld xmlns:a="http://schemas.openxmlformats.org/drawingml/2006/main" xmlns:r="http://schemas.openxmlformats.org/officeDocument/2006/relationships" xmlns:p="http://schemas.openxmlformats.org/presentationml/2006/main">
-  <p:cSld>
-    <p:bg>
-      <p:bgPr>
-        <a:blipFill dpi="0" rotWithShape="1">
-          <a:blip r:embed="rId2">
-            <a:lum/>
-          </a:blip>
-          <a:srcRect/>
-          <a:stretch>
-            <a:fillRect/>
-          </a:stretch>
-        </a:blipFill>
-        <a:effectLst/>
-      </p:bgPr>
-    </p:bg>
-    <p:spTree>
-      <p:nvGrpSpPr>
-        <p:cNvPr id="1" name=""/>
-        <p:cNvGrpSpPr/>
-        <p:nvPr/>
-      </p:nvGrpSpPr>
-      <p:grpSpPr>
-        <a:xfrm>
-          <a:off x="0" y="0"/>
-          <a:ext cx="0" cy="0"/>
-          <a:chOff x="0" y="0"/>
-          <a:chExt cx="0" cy="0"/>
-        </a:xfrm>
-      </p:grpSpPr>
-      <p:sp>
-        <p:nvSpPr>
-          <p:cNvPr id="3" name="Rectangle 2"/>
-          <p:cNvSpPr/>
-          <p:nvPr/>
-        </p:nvSpPr>
-        <p:spPr>
-          <a:xfrm>
-            <a:off x="251520" y="116632"/>
-            <a:ext cx="8640960" cy="3631763"/>
-          </a:xfrm>
-          <a:prstGeom prst="rect">
-            <a:avLst/>
-          </a:prstGeom>
-        </p:spPr>
-        <p:txBody>
-          <a:bodyPr wrap="square">
-            <a:spAutoFit/>
-          </a:bodyPr>
-          <a:lstStyle/>
-          <a:p>
-            <a:pPr lvl="0"/>
-            <a:r>
-              <a:rPr lang="en-US" sz="3200" dirty="0" smtClean="0">
-                <a:solidFill>
-                  <a:schemeClr val="bg1"/>
-                </a:solidFill>
-              </a:rPr>
-              <a:t>.NET Framework</a:t>
-            </a:r>
-            <a:endParaRPr lang="ru-RU" sz="3200" dirty="0" smtClean="0">
-              <a:solidFill>
-                <a:schemeClr val="bg1"/>
-              </a:solidFill>
-            </a:endParaRPr>
-          </a:p>
-          <a:p>
-            <a:pPr lvl="0"/>
-            <a:endParaRPr lang="ru-RU" dirty="0" smtClean="0">
-              <a:solidFill>
-                <a:schemeClr val="bg1"/>
-              </a:solidFill>
-            </a:endParaRPr>
-          </a:p>
-          <a:p>
-            <a:pPr marL="285750" indent="-285750">
-              <a:buFont typeface="Arial" pitchFamily="34" charset="0"/>
-              <a:buChar char="•"/>
-            </a:pPr>
-            <a:r>
-              <a:rPr lang="en-US" dirty="0" smtClean="0">
-                <a:solidFill>
-                  <a:schemeClr val="bg1"/>
-                </a:solidFill>
-              </a:rPr>
-              <a:t>CLR – Common Language Runtime – </a:t>
-            </a:r>
-            <a:r>
-              <a:rPr lang="ru-RU" dirty="0" smtClean="0">
-                <a:solidFill>
-                  <a:schemeClr val="bg1"/>
-                </a:solidFill>
-              </a:rPr>
-              <a:t>Общеязыковая исполняющая среда</a:t>
-            </a:r>
-          </a:p>
-          <a:p>
-            <a:pPr marL="742950" lvl="1" indent="-285750">
-              <a:buFont typeface="Arial" pitchFamily="34" charset="0"/>
-              <a:buChar char="•"/>
-            </a:pPr>
-            <a:r>
-              <a:rPr lang="en-US" dirty="0">
-                <a:solidFill>
-                  <a:schemeClr val="bg1"/>
-                </a:solidFill>
-              </a:rPr>
-              <a:t>C++/CLI, C#, Visual Basic .NET, F#, Iron Python, Iron Ruby, and an Intermediate Language (IL) </a:t>
-            </a:r>
-            <a:r>
-              <a:rPr lang="en-US" dirty="0" smtClean="0">
-                <a:solidFill>
-                  <a:schemeClr val="bg1"/>
-                </a:solidFill>
-              </a:rPr>
-              <a:t>Assembler</a:t>
-            </a:r>
-            <a:endParaRPr lang="ru-RU" dirty="0" smtClean="0">
-              <a:solidFill>
-                <a:schemeClr val="bg1"/>
-              </a:solidFill>
-            </a:endParaRPr>
-          </a:p>
-          <a:p>
-            <a:pPr marL="742950" lvl="1" indent="-285750">
-              <a:buFont typeface="Arial" pitchFamily="34" charset="0"/>
-              <a:buChar char="•"/>
-            </a:pPr>
-            <a:r>
-              <a:rPr lang="ru-RU" dirty="0" smtClean="0">
-                <a:solidFill>
-                  <a:schemeClr val="bg1"/>
-                </a:solidFill>
-              </a:rPr>
-              <a:t>Управляет памятью</a:t>
-            </a:r>
-            <a:r>
-              <a:rPr lang="en-US" dirty="0" smtClean="0">
-                <a:solidFill>
-                  <a:schemeClr val="bg1"/>
-                </a:solidFill>
-              </a:rPr>
-              <a:t>, </a:t>
-            </a:r>
-            <a:r>
-              <a:rPr lang="ru-RU" dirty="0" smtClean="0">
-                <a:solidFill>
-                  <a:schemeClr val="bg1"/>
-                </a:solidFill>
-              </a:rPr>
-              <a:t>потоками</a:t>
-            </a:r>
-            <a:r>
-              <a:rPr lang="en-US" dirty="0" smtClean="0">
-                <a:solidFill>
-                  <a:schemeClr val="bg1"/>
-                </a:solidFill>
-              </a:rPr>
-              <a:t>, </a:t>
-            </a:r>
-            <a:r>
-              <a:rPr lang="ru-RU" dirty="0" smtClean="0">
-                <a:solidFill>
-                  <a:schemeClr val="bg1"/>
-                </a:solidFill>
-              </a:rPr>
-              <a:t>исполнением кода</a:t>
-            </a:r>
-            <a:r>
-              <a:rPr lang="en-US" dirty="0" smtClean="0">
-                <a:solidFill>
-                  <a:schemeClr val="bg1"/>
-                </a:solidFill>
-              </a:rPr>
-              <a:t>, </a:t>
-            </a:r>
-            <a:r>
-              <a:rPr lang="ru-RU" dirty="0" smtClean="0">
-                <a:solidFill>
-                  <a:schemeClr val="bg1"/>
-                </a:solidFill>
-              </a:rPr>
-              <a:t>проверками кода на безопасность</a:t>
-            </a:r>
-            <a:r>
-              <a:rPr lang="en-US" dirty="0" smtClean="0">
-                <a:solidFill>
-                  <a:schemeClr val="bg1"/>
-                </a:solidFill>
-              </a:rPr>
-              <a:t>, JIT-</a:t>
-            </a:r>
-            <a:r>
-              <a:rPr lang="ru-RU" dirty="0" smtClean="0">
-                <a:solidFill>
-                  <a:schemeClr val="bg1"/>
-                </a:solidFill>
-              </a:rPr>
-              <a:t>компиляция</a:t>
-            </a:r>
-            <a:r>
-              <a:rPr lang="en-US" dirty="0" smtClean="0">
-                <a:solidFill>
-                  <a:schemeClr val="bg1"/>
-                </a:solidFill>
-              </a:rPr>
-              <a:t>.</a:t>
-            </a:r>
-            <a:endParaRPr lang="ru-RU" dirty="0" smtClean="0">
-              <a:solidFill>
-                <a:schemeClr val="bg1"/>
-              </a:solidFill>
-            </a:endParaRPr>
-          </a:p>
-          <a:p>
-            <a:pPr marL="285750" indent="-285750">
-              <a:buFont typeface="Arial" pitchFamily="34" charset="0"/>
-              <a:buChar char="•"/>
-            </a:pPr>
-            <a:r>
-              <a:rPr lang="en-US" dirty="0" smtClean="0">
-                <a:solidFill>
-                  <a:schemeClr val="bg1"/>
-                </a:solidFill>
-              </a:rPr>
-              <a:t>Managed/</a:t>
-            </a:r>
-            <a:r>
-              <a:rPr lang="en-US" dirty="0" err="1" smtClean="0">
-                <a:solidFill>
-                  <a:schemeClr val="bg1"/>
-                </a:solidFill>
-              </a:rPr>
-              <a:t>Unmaged</a:t>
-            </a:r>
-            <a:r>
-              <a:rPr lang="en-US" dirty="0" smtClean="0">
-                <a:solidFill>
-                  <a:schemeClr val="bg1"/>
-                </a:solidFill>
-              </a:rPr>
-              <a:t> </a:t>
-            </a:r>
-            <a:r>
-              <a:rPr lang="ru-RU" dirty="0" smtClean="0">
-                <a:solidFill>
-                  <a:schemeClr val="bg1"/>
-                </a:solidFill>
-              </a:rPr>
-              <a:t>– Управляемый/Неуправляемый код</a:t>
-            </a:r>
-          </a:p>
-          <a:p>
-            <a:pPr marL="742950" lvl="1" indent="-285750">
-              <a:buFont typeface="Arial" pitchFamily="34" charset="0"/>
-              <a:buChar char="•"/>
-            </a:pPr>
-            <a:r>
-              <a:rPr lang="ru-RU" dirty="0" smtClean="0">
-                <a:solidFill>
-                  <a:schemeClr val="bg1"/>
-                </a:solidFill>
-              </a:rPr>
-              <a:t>Код предназначенный для исполнения из под </a:t>
-            </a:r>
-            <a:r>
-              <a:rPr lang="en-US" dirty="0" smtClean="0">
-                <a:solidFill>
-                  <a:schemeClr val="bg1"/>
-                </a:solidFill>
-              </a:rPr>
-              <a:t>CLR</a:t>
-            </a:r>
-            <a:r>
-              <a:rPr lang="ru-RU" dirty="0">
-                <a:solidFill>
-                  <a:schemeClr val="bg1"/>
-                </a:solidFill>
-              </a:rPr>
-              <a:t> </a:t>
-            </a:r>
-            <a:r>
-              <a:rPr lang="ru-RU" dirty="0" smtClean="0">
-                <a:solidFill>
-                  <a:schemeClr val="bg1"/>
-                </a:solidFill>
-              </a:rPr>
-              <a:t>является управляемым</a:t>
-            </a:r>
-          </a:p>
-          <a:p>
-            <a:pPr marL="285750" indent="-285750">
-              <a:buFont typeface="Arial" pitchFamily="34" charset="0"/>
-              <a:buChar char="•"/>
-            </a:pPr>
-            <a:r>
-              <a:rPr lang="en-US" dirty="0" smtClean="0">
-                <a:solidFill>
-                  <a:schemeClr val="bg1"/>
-                </a:solidFill>
-              </a:rPr>
-              <a:t>GC – Garbage collector – </a:t>
-            </a:r>
-            <a:r>
-              <a:rPr lang="ru-RU" dirty="0" smtClean="0">
-                <a:solidFill>
-                  <a:schemeClr val="bg1"/>
-                </a:solidFill>
-              </a:rPr>
-              <a:t>Сборщик мусора.</a:t>
-            </a:r>
-          </a:p>
-          <a:p>
-            <a:pPr marL="285750" indent="-285750">
-              <a:buFont typeface="Arial" pitchFamily="34" charset="0"/>
-              <a:buChar char="•"/>
-            </a:pPr>
-            <a:endParaRPr lang="ru-RU" dirty="0" smtClean="0">
-              <a:solidFill>
-                <a:schemeClr val="bg1"/>
-              </a:solidFill>
-            </a:endParaRPr>
-          </a:p>
-          <a:p>
-            <a:pPr marL="285750" indent="-285750">
-              <a:buFont typeface="Arial" pitchFamily="34" charset="0"/>
-              <a:buChar char="•"/>
-            </a:pPr>
-            <a:endParaRPr lang="en-US" dirty="0" smtClean="0">
-              <a:solidFill>
-                <a:schemeClr val="bg1"/>
-              </a:solidFill>
-            </a:endParaRPr>
-          </a:p>
-        </p:txBody>
-      </p:sp>
-    </p:spTree>
-    <p:extLst>
-      <p:ext uri="{BB962C8B-B14F-4D97-AF65-F5344CB8AC3E}">
-        <p14:creationId xmlns:p14="http://schemas.microsoft.com/office/powerpoint/2010/main" val="1302028225"/>
-      </p:ext>
-    </p:extLst>
-  </p:cSld>
-  <p:clrMapOvr>
-    <a:masterClrMapping/>
-  </p:clrMapOvr>
-  <p:timing>
-    <p:tnLst>
-      <p:par>
-        <p:cTn id="1" dur="indefinite" restart="never" nodeType="tmRoot"/>
-      </p:par>
-    </p:tnLst>
-  </p:timing>
-</p:sld>
-</file>
-
-<file path=ppt/slides/slide15.xml><?xml version="1.0" encoding="utf-8"?>
-<p:sld xmlns:a="http://schemas.openxmlformats.org/drawingml/2006/main" xmlns:r="http://schemas.openxmlformats.org/officeDocument/2006/relationships" xmlns:p="http://schemas.openxmlformats.org/presentationml/2006/main">
-  <p:cSld>
-    <p:bg>
-      <p:bgPr>
-        <a:blipFill dpi="0" rotWithShape="1">
-          <a:blip r:embed="rId2">
-            <a:lum/>
-          </a:blip>
-          <a:srcRect/>
-          <a:stretch>
-            <a:fillRect/>
-          </a:stretch>
-        </a:blipFill>
-        <a:effectLst/>
-      </p:bgPr>
-    </p:bg>
-    <p:spTree>
-      <p:nvGrpSpPr>
-        <p:cNvPr id="1" name=""/>
-        <p:cNvGrpSpPr/>
-        <p:nvPr/>
-      </p:nvGrpSpPr>
-      <p:grpSpPr>
-        <a:xfrm>
-          <a:off x="0" y="0"/>
-          <a:ext cx="0" cy="0"/>
-          <a:chOff x="0" y="0"/>
-          <a:chExt cx="0" cy="0"/>
-        </a:xfrm>
-      </p:grpSpPr>
-      <p:sp>
-        <p:nvSpPr>
-          <p:cNvPr id="3" name="Rectangle 2"/>
-          <p:cNvSpPr/>
-          <p:nvPr/>
-        </p:nvSpPr>
-        <p:spPr>
-          <a:xfrm>
             <a:off x="251520" y="2708920"/>
             <a:ext cx="8640960" cy="1046440"/>
           </a:xfrm>
@@ -7102,7 +4179,7 @@
 </p:sld>
 </file>
 
-<file path=ppt/slides/slide16.xml><?xml version="1.0" encoding="utf-8"?>
+<file path=ppt/slides/slide14.xml><?xml version="1.0" encoding="utf-8"?>
 <p:sld xmlns:a="http://schemas.openxmlformats.org/drawingml/2006/main" xmlns:r="http://schemas.openxmlformats.org/officeDocument/2006/relationships" xmlns:p="http://schemas.openxmlformats.org/presentationml/2006/main" show="0">
   <p:cSld>
     <p:bg>
@@ -7957,7 +5034,7 @@
 </p:sld>
 </file>
 
-<file path=ppt/slides/slide17.xml><?xml version="1.0" encoding="utf-8"?>
+<file path=ppt/slides/slide15.xml><?xml version="1.0" encoding="utf-8"?>
 <p:sld xmlns:a="http://schemas.openxmlformats.org/drawingml/2006/main" xmlns:r="http://schemas.openxmlformats.org/officeDocument/2006/relationships" xmlns:p="http://schemas.openxmlformats.org/presentationml/2006/main" show="0">
   <p:cSld>
     <p:bg>
@@ -8201,7 +5278,7 @@
 </p:sld>
 </file>
 
-<file path=ppt/slides/slide18.xml><?xml version="1.0" encoding="utf-8"?>
+<file path=ppt/slides/slide16.xml><?xml version="1.0" encoding="utf-8"?>
 <p:sld xmlns:a="http://schemas.openxmlformats.org/drawingml/2006/main" xmlns:r="http://schemas.openxmlformats.org/officeDocument/2006/relationships" xmlns:p="http://schemas.openxmlformats.org/presentationml/2006/main">
   <p:cSld>
     <p:bg>
@@ -8320,7 +5397,7 @@
 </p:sld>
 </file>
 
-<file path=ppt/slides/slide19.xml><?xml version="1.0" encoding="utf-8"?>
+<file path=ppt/slides/slide17.xml><?xml version="1.0" encoding="utf-8"?>
 <p:sld xmlns:a="http://schemas.openxmlformats.org/drawingml/2006/main" xmlns:r="http://schemas.openxmlformats.org/officeDocument/2006/relationships" xmlns:p="http://schemas.openxmlformats.org/presentationml/2006/main">
   <p:cSld>
     <p:bg>
@@ -8503,93 +5580,7 @@
 </p:sld>
 </file>
 
-<file path=ppt/slides/slide2.xml><?xml version="1.0" encoding="utf-8"?>
-<p:sld xmlns:a="http://schemas.openxmlformats.org/drawingml/2006/main" xmlns:r="http://schemas.openxmlformats.org/officeDocument/2006/relationships" xmlns:p="http://schemas.openxmlformats.org/presentationml/2006/main">
-  <p:cSld>
-    <p:bg>
-      <p:bgPr>
-        <a:solidFill>
-          <a:schemeClr val="bg1"/>
-        </a:solidFill>
-        <a:effectLst/>
-      </p:bgPr>
-    </p:bg>
-    <p:spTree>
-      <p:nvGrpSpPr>
-        <p:cNvPr id="1" name=""/>
-        <p:cNvGrpSpPr/>
-        <p:nvPr/>
-      </p:nvGrpSpPr>
-      <p:grpSpPr>
-        <a:xfrm>
-          <a:off x="0" y="0"/>
-          <a:ext cx="0" cy="0"/>
-          <a:chOff x="0" y="0"/>
-          <a:chExt cx="0" cy="0"/>
-        </a:xfrm>
-      </p:grpSpPr>
-      <p:pic>
-        <p:nvPicPr>
-          <p:cNvPr id="1026" name="Picture 2" descr="http://us.123rf.com/400wm/400/400/lurin/lurin1203/lurin120300011/12843555-black-and-red--please-turn-off-cell-phone--sign-with-black-border.jpg"/>
-          <p:cNvPicPr>
-            <a:picLocks noChangeAspect="1" noChangeArrowheads="1"/>
-          </p:cNvPicPr>
-          <p:nvPr/>
-        </p:nvPicPr>
-        <p:blipFill>
-          <a:blip r:embed="rId2">
-            <a:extLst>
-              <a:ext uri="{28A0092B-C50C-407E-A947-70E740481C1C}">
-                <a14:useLocalDpi xmlns:a14="http://schemas.microsoft.com/office/drawing/2010/main" val="0"/>
-              </a:ext>
-            </a:extLst>
-          </a:blip>
-          <a:srcRect/>
-          <a:stretch>
-            <a:fillRect/>
-          </a:stretch>
-        </p:blipFill>
-        <p:spPr bwMode="auto">
-          <a:xfrm>
-            <a:off x="2214563" y="481012"/>
-            <a:ext cx="4714875" cy="5895976"/>
-          </a:xfrm>
-          <a:prstGeom prst="rect">
-            <a:avLst/>
-          </a:prstGeom>
-          <a:noFill/>
-          <a:extLst>
-            <a:ext uri="{909E8E84-426E-40DD-AFC4-6F175D3DCCD1}">
-              <a14:hiddenFill xmlns:a14="http://schemas.microsoft.com/office/drawing/2010/main">
-                <a:solidFill>
-                  <a:srgbClr val="FFFFFF"/>
-                </a:solidFill>
-              </a14:hiddenFill>
-            </a:ext>
-          </a:extLst>
-        </p:spPr>
-      </p:pic>
-    </p:spTree>
-    <p:extLst>
-      <p:ext uri="{BB962C8B-B14F-4D97-AF65-F5344CB8AC3E}">
-        <p14:creationId xmlns:p14="http://schemas.microsoft.com/office/powerpoint/2010/main" val="3145694776"/>
-      </p:ext>
-    </p:extLst>
-  </p:cSld>
-  <p:clrMapOvr>
-    <a:masterClrMapping/>
-  </p:clrMapOvr>
-  <p:timing>
-    <p:tnLst>
-      <p:par>
-        <p:cTn id="1" dur="indefinite" restart="never" nodeType="tmRoot"/>
-      </p:par>
-    </p:tnLst>
-  </p:timing>
-</p:sld>
-</file>
-
-<file path=ppt/slides/slide20.xml><?xml version="1.0" encoding="utf-8"?>
+<file path=ppt/slides/slide18.xml><?xml version="1.0" encoding="utf-8"?>
 <p:sld xmlns:a="http://schemas.openxmlformats.org/drawingml/2006/main" xmlns:r="http://schemas.openxmlformats.org/officeDocument/2006/relationships" xmlns:p="http://schemas.openxmlformats.org/presentationml/2006/main">
   <p:cSld>
     <p:bg>
@@ -9253,7 +6244,7 @@
 </p:sld>
 </file>
 
-<file path=ppt/slides/slide21.xml><?xml version="1.0" encoding="utf-8"?>
+<file path=ppt/slides/slide19.xml><?xml version="1.0" encoding="utf-8"?>
 <p:sld xmlns:a="http://schemas.openxmlformats.org/drawingml/2006/main" xmlns:r="http://schemas.openxmlformats.org/officeDocument/2006/relationships" xmlns:p="http://schemas.openxmlformats.org/presentationml/2006/main">
   <p:cSld>
     <p:bg>
@@ -11171,7 +8162,93 @@
 </p:sld>
 </file>
 
-<file path=ppt/slides/slide22.xml><?xml version="1.0" encoding="utf-8"?>
+<file path=ppt/slides/slide2.xml><?xml version="1.0" encoding="utf-8"?>
+<p:sld xmlns:a="http://schemas.openxmlformats.org/drawingml/2006/main" xmlns:r="http://schemas.openxmlformats.org/officeDocument/2006/relationships" xmlns:p="http://schemas.openxmlformats.org/presentationml/2006/main">
+  <p:cSld>
+    <p:bg>
+      <p:bgPr>
+        <a:solidFill>
+          <a:schemeClr val="bg1"/>
+        </a:solidFill>
+        <a:effectLst/>
+      </p:bgPr>
+    </p:bg>
+    <p:spTree>
+      <p:nvGrpSpPr>
+        <p:cNvPr id="1" name=""/>
+        <p:cNvGrpSpPr/>
+        <p:nvPr/>
+      </p:nvGrpSpPr>
+      <p:grpSpPr>
+        <a:xfrm>
+          <a:off x="0" y="0"/>
+          <a:ext cx="0" cy="0"/>
+          <a:chOff x="0" y="0"/>
+          <a:chExt cx="0" cy="0"/>
+        </a:xfrm>
+      </p:grpSpPr>
+      <p:pic>
+        <p:nvPicPr>
+          <p:cNvPr id="1026" name="Picture 2" descr="http://us.123rf.com/400wm/400/400/lurin/lurin1203/lurin120300011/12843555-black-and-red--please-turn-off-cell-phone--sign-with-black-border.jpg"/>
+          <p:cNvPicPr>
+            <a:picLocks noChangeAspect="1" noChangeArrowheads="1"/>
+          </p:cNvPicPr>
+          <p:nvPr/>
+        </p:nvPicPr>
+        <p:blipFill>
+          <a:blip r:embed="rId2">
+            <a:extLst>
+              <a:ext uri="{28A0092B-C50C-407E-A947-70E740481C1C}">
+                <a14:useLocalDpi xmlns:a14="http://schemas.microsoft.com/office/drawing/2010/main" val="0"/>
+              </a:ext>
+            </a:extLst>
+          </a:blip>
+          <a:srcRect/>
+          <a:stretch>
+            <a:fillRect/>
+          </a:stretch>
+        </p:blipFill>
+        <p:spPr bwMode="auto">
+          <a:xfrm>
+            <a:off x="2214563" y="481012"/>
+            <a:ext cx="4714875" cy="5895976"/>
+          </a:xfrm>
+          <a:prstGeom prst="rect">
+            <a:avLst/>
+          </a:prstGeom>
+          <a:noFill/>
+          <a:extLst>
+            <a:ext uri="{909E8E84-426E-40DD-AFC4-6F175D3DCCD1}">
+              <a14:hiddenFill xmlns:a14="http://schemas.microsoft.com/office/drawing/2010/main">
+                <a:solidFill>
+                  <a:srgbClr val="FFFFFF"/>
+                </a:solidFill>
+              </a14:hiddenFill>
+            </a:ext>
+          </a:extLst>
+        </p:spPr>
+      </p:pic>
+    </p:spTree>
+    <p:extLst>
+      <p:ext uri="{BB962C8B-B14F-4D97-AF65-F5344CB8AC3E}">
+        <p14:creationId xmlns:p14="http://schemas.microsoft.com/office/powerpoint/2010/main" val="3145694776"/>
+      </p:ext>
+    </p:extLst>
+  </p:cSld>
+  <p:clrMapOvr>
+    <a:masterClrMapping/>
+  </p:clrMapOvr>
+  <p:timing>
+    <p:tnLst>
+      <p:par>
+        <p:cTn id="1" dur="indefinite" restart="never" nodeType="tmRoot"/>
+      </p:par>
+    </p:tnLst>
+  </p:timing>
+</p:sld>
+</file>
+
+<file path=ppt/slides/slide20.xml><?xml version="1.0" encoding="utf-8"?>
 <p:sld xmlns:a="http://schemas.openxmlformats.org/drawingml/2006/main" xmlns:r="http://schemas.openxmlformats.org/officeDocument/2006/relationships" xmlns:p="http://schemas.openxmlformats.org/presentationml/2006/main" show="0">
   <p:cSld>
     <p:bg>
@@ -11309,7 +8386,7 @@
 </p:sld>
 </file>
 
-<file path=ppt/slides/slide23.xml><?xml version="1.0" encoding="utf-8"?>
+<file path=ppt/slides/slide21.xml><?xml version="1.0" encoding="utf-8"?>
 <p:sld xmlns:a="http://schemas.openxmlformats.org/drawingml/2006/main" xmlns:r="http://schemas.openxmlformats.org/officeDocument/2006/relationships" xmlns:p="http://schemas.openxmlformats.org/presentationml/2006/main">
   <p:cSld>
     <p:bg>
@@ -16079,7 +13156,7 @@
 </p:sld>
 </file>
 
-<file path=ppt/slides/slide24.xml><?xml version="1.0" encoding="utf-8"?>
+<file path=ppt/slides/slide22.xml><?xml version="1.0" encoding="utf-8"?>
 <p:sld xmlns:a="http://schemas.openxmlformats.org/drawingml/2006/main" xmlns:r="http://schemas.openxmlformats.org/officeDocument/2006/relationships" xmlns:p="http://schemas.openxmlformats.org/presentationml/2006/main">
   <p:cSld>
     <p:bg>
@@ -16665,7 +13742,7 @@
 </p:sld>
 </file>
 
-<file path=ppt/slides/slide25.xml><?xml version="1.0" encoding="utf-8"?>
+<file path=ppt/slides/slide23.xml><?xml version="1.0" encoding="utf-8"?>
 <p:sld xmlns:a="http://schemas.openxmlformats.org/drawingml/2006/main" xmlns:r="http://schemas.openxmlformats.org/officeDocument/2006/relationships" xmlns:p="http://schemas.openxmlformats.org/presentationml/2006/main">
   <p:cSld>
     <p:bg>
@@ -18563,7 +15640,7 @@
 </p:sld>
 </file>
 
-<file path=ppt/slides/slide26.xml><?xml version="1.0" encoding="utf-8"?>
+<file path=ppt/slides/slide24.xml><?xml version="1.0" encoding="utf-8"?>
 <p:sld xmlns:a="http://schemas.openxmlformats.org/drawingml/2006/main" xmlns:r="http://schemas.openxmlformats.org/officeDocument/2006/relationships" xmlns:p="http://schemas.openxmlformats.org/presentationml/2006/main">
   <p:cSld>
     <p:bg>
@@ -19079,7 +16156,7 @@
 </p:sld>
 </file>
 
-<file path=ppt/slides/slide27.xml><?xml version="1.0" encoding="utf-8"?>
+<file path=ppt/slides/slide25.xml><?xml version="1.0" encoding="utf-8"?>
 <p:sld xmlns:a="http://schemas.openxmlformats.org/drawingml/2006/main" xmlns:r="http://schemas.openxmlformats.org/officeDocument/2006/relationships" xmlns:p="http://schemas.openxmlformats.org/presentationml/2006/main">
   <p:cSld>
     <p:bg>
@@ -20682,7 +17759,7 @@
 </p:sld>
 </file>
 
-<file path=ppt/slides/slide28.xml><?xml version="1.0" encoding="utf-8"?>
+<file path=ppt/slides/slide26.xml><?xml version="1.0" encoding="utf-8"?>
 <p:sld xmlns:a="http://schemas.openxmlformats.org/drawingml/2006/main" xmlns:r="http://schemas.openxmlformats.org/officeDocument/2006/relationships" xmlns:p="http://schemas.openxmlformats.org/presentationml/2006/main">
   <p:cSld>
     <p:bg>
@@ -21652,7 +18729,7 @@
 </p:sld>
 </file>
 
-<file path=ppt/slides/slide29.xml><?xml version="1.0" encoding="utf-8"?>
+<file path=ppt/slides/slide27.xml><?xml version="1.0" encoding="utf-8"?>
 <p:sld xmlns:a="http://schemas.openxmlformats.org/drawingml/2006/main" xmlns:r="http://schemas.openxmlformats.org/officeDocument/2006/relationships" xmlns:p="http://schemas.openxmlformats.org/presentationml/2006/main">
   <p:cSld>
     <p:bg>
@@ -22759,96 +19836,7 @@
 </p:sld>
 </file>
 
-<file path=ppt/slides/slide3.xml><?xml version="1.0" encoding="utf-8"?>
-<p:sld xmlns:a="http://schemas.openxmlformats.org/drawingml/2006/main" xmlns:r="http://schemas.openxmlformats.org/officeDocument/2006/relationships" xmlns:p="http://schemas.openxmlformats.org/presentationml/2006/main">
-  <p:cSld>
-    <p:bg>
-      <p:bgPr>
-        <a:blipFill dpi="0" rotWithShape="1">
-          <a:blip r:embed="rId2">
-            <a:lum/>
-          </a:blip>
-          <a:srcRect/>
-          <a:stretch>
-            <a:fillRect/>
-          </a:stretch>
-        </a:blipFill>
-        <a:effectLst/>
-      </p:bgPr>
-    </p:bg>
-    <p:spTree>
-      <p:nvGrpSpPr>
-        <p:cNvPr id="1" name=""/>
-        <p:cNvGrpSpPr/>
-        <p:nvPr/>
-      </p:nvGrpSpPr>
-      <p:grpSpPr>
-        <a:xfrm>
-          <a:off x="0" y="0"/>
-          <a:ext cx="0" cy="0"/>
-          <a:chOff x="0" y="0"/>
-          <a:chExt cx="0" cy="0"/>
-        </a:xfrm>
-      </p:grpSpPr>
-      <p:sp>
-        <p:nvSpPr>
-          <p:cNvPr id="3" name="Rectangle 2"/>
-          <p:cNvSpPr/>
-          <p:nvPr/>
-        </p:nvSpPr>
-        <p:spPr>
-          <a:xfrm>
-            <a:off x="251520" y="3013502"/>
-            <a:ext cx="8640960" cy="830997"/>
-          </a:xfrm>
-          <a:prstGeom prst="rect">
-            <a:avLst/>
-          </a:prstGeom>
-        </p:spPr>
-        <p:txBody>
-          <a:bodyPr wrap="square">
-            <a:spAutoFit/>
-          </a:bodyPr>
-          <a:lstStyle/>
-          <a:p>
-            <a:pPr lvl="0" algn="ctr"/>
-            <a:r>
-              <a:rPr lang="ru-RU" sz="4800" dirty="0" smtClean="0">
-                <a:solidFill>
-                  <a:schemeClr val="bg1"/>
-                </a:solidFill>
-              </a:rPr>
-              <a:t>Давайте знакомиться!</a:t>
-            </a:r>
-            <a:endParaRPr lang="ru-RU" sz="4800" dirty="0">
-              <a:solidFill>
-                <a:schemeClr val="bg1"/>
-              </a:solidFill>
-            </a:endParaRPr>
-          </a:p>
-        </p:txBody>
-      </p:sp>
-    </p:spTree>
-    <p:extLst>
-      <p:ext uri="{BB962C8B-B14F-4D97-AF65-F5344CB8AC3E}">
-        <p14:creationId xmlns:p14="http://schemas.microsoft.com/office/powerpoint/2010/main" val="3505982931"/>
-      </p:ext>
-    </p:extLst>
-  </p:cSld>
-  <p:clrMapOvr>
-    <a:masterClrMapping/>
-  </p:clrMapOvr>
-  <p:timing>
-    <p:tnLst>
-      <p:par>
-        <p:cTn id="1" dur="indefinite" restart="never" nodeType="tmRoot"/>
-      </p:par>
-    </p:tnLst>
-  </p:timing>
-</p:sld>
-</file>
-
-<file path=ppt/slides/slide30.xml><?xml version="1.0" encoding="utf-8"?>
+<file path=ppt/slides/slide28.xml><?xml version="1.0" encoding="utf-8"?>
 <p:sld xmlns:a="http://schemas.openxmlformats.org/drawingml/2006/main" xmlns:r="http://schemas.openxmlformats.org/officeDocument/2006/relationships" xmlns:p="http://schemas.openxmlformats.org/presentationml/2006/main">
   <p:cSld>
     <p:bg>
@@ -25259,7 +22247,7 @@
 </p:sld>
 </file>
 
-<file path=ppt/slides/slide31.xml><?xml version="1.0" encoding="utf-8"?>
+<file path=ppt/slides/slide29.xml><?xml version="1.0" encoding="utf-8"?>
 <p:sld xmlns:a="http://schemas.openxmlformats.org/drawingml/2006/main" xmlns:r="http://schemas.openxmlformats.org/officeDocument/2006/relationships" xmlns:p="http://schemas.openxmlformats.org/presentationml/2006/main">
   <p:cSld>
     <p:bg>
@@ -26260,7 +23248,438 @@
 </p:sld>
 </file>
 
-<file path=ppt/slides/slide32.xml><?xml version="1.0" encoding="utf-8"?>
+<file path=ppt/slides/slide3.xml><?xml version="1.0" encoding="utf-8"?>
+<p:sld xmlns:a="http://schemas.openxmlformats.org/drawingml/2006/main" xmlns:r="http://schemas.openxmlformats.org/officeDocument/2006/relationships" xmlns:p="http://schemas.openxmlformats.org/presentationml/2006/main">
+  <p:cSld>
+    <p:bg>
+      <p:bgPr>
+        <a:blipFill dpi="0" rotWithShape="1">
+          <a:blip r:embed="rId2">
+            <a:lum/>
+          </a:blip>
+          <a:srcRect/>
+          <a:stretch>
+            <a:fillRect/>
+          </a:stretch>
+        </a:blipFill>
+        <a:effectLst/>
+      </p:bgPr>
+    </p:bg>
+    <p:spTree>
+      <p:nvGrpSpPr>
+        <p:cNvPr id="1" name=""/>
+        <p:cNvGrpSpPr/>
+        <p:nvPr/>
+      </p:nvGrpSpPr>
+      <p:grpSpPr>
+        <a:xfrm>
+          <a:off x="0" y="0"/>
+          <a:ext cx="0" cy="0"/>
+          <a:chOff x="0" y="0"/>
+          <a:chExt cx="0" cy="0"/>
+        </a:xfrm>
+      </p:grpSpPr>
+      <p:sp>
+        <p:nvSpPr>
+          <p:cNvPr id="3" name="Rectangle 2"/>
+          <p:cNvSpPr/>
+          <p:nvPr/>
+        </p:nvSpPr>
+        <p:spPr>
+          <a:xfrm>
+            <a:off x="251520" y="188640"/>
+            <a:ext cx="8640960" cy="4739759"/>
+          </a:xfrm>
+          <a:prstGeom prst="rect">
+            <a:avLst/>
+          </a:prstGeom>
+        </p:spPr>
+        <p:txBody>
+          <a:bodyPr wrap="square">
+            <a:spAutoFit/>
+          </a:bodyPr>
+          <a:lstStyle/>
+          <a:p>
+            <a:pPr lvl="0"/>
+            <a:r>
+              <a:rPr lang="ru-RU" sz="3200" dirty="0" smtClean="0">
+                <a:solidFill>
+                  <a:schemeClr val="bg1"/>
+                </a:solidFill>
+              </a:rPr>
+              <a:t>Литература</a:t>
+            </a:r>
+          </a:p>
+          <a:p>
+            <a:pPr lvl="0"/>
+            <a:endParaRPr lang="en-US" dirty="0" smtClean="0">
+              <a:solidFill>
+                <a:schemeClr val="bg1"/>
+              </a:solidFill>
+            </a:endParaRPr>
+          </a:p>
+          <a:p>
+            <a:pPr marL="285750" lvl="0" indent="-285750">
+              <a:buFont typeface="Arial" pitchFamily="34" charset="0"/>
+              <a:buChar char="•"/>
+            </a:pPr>
+            <a:r>
+              <a:rPr lang="ru-RU" dirty="0" smtClean="0">
+                <a:solidFill>
+                  <a:schemeClr val="bg1"/>
+                </a:solidFill>
+              </a:rPr>
+              <a:t>CLR </a:t>
+            </a:r>
+            <a:r>
+              <a:rPr lang="ru-RU" dirty="0">
+                <a:solidFill>
+                  <a:schemeClr val="bg1"/>
+                </a:solidFill>
+              </a:rPr>
+              <a:t>via C#. Программирование на платформе Microsoft .NET Framework 4.0 на языке C# (CLR via C#, Third Edition)</a:t>
+            </a:r>
+            <a:br>
+              <a:rPr lang="ru-RU" dirty="0">
+                <a:solidFill>
+                  <a:schemeClr val="bg1"/>
+                </a:solidFill>
+              </a:rPr>
+            </a:br>
+            <a:r>
+              <a:rPr lang="ru-RU" dirty="0">
+                <a:solidFill>
+                  <a:schemeClr val="bg1"/>
+                </a:solidFill>
+              </a:rPr>
+              <a:t>Джеффри Рихтер (Jeffrey Richter)</a:t>
+            </a:r>
+            <a:br>
+              <a:rPr lang="ru-RU" dirty="0">
+                <a:solidFill>
+                  <a:schemeClr val="bg1"/>
+                </a:solidFill>
+              </a:rPr>
+            </a:br>
+            <a:r>
+              <a:rPr lang="ru-RU" u="sng" dirty="0">
+                <a:solidFill>
+                  <a:schemeClr val="bg1"/>
+                </a:solidFill>
+              </a:rPr>
+              <a:t>http://</a:t>
+            </a:r>
+            <a:r>
+              <a:rPr lang="ru-RU" u="sng" dirty="0" smtClean="0">
+                <a:solidFill>
+                  <a:schemeClr val="bg1"/>
+                </a:solidFill>
+              </a:rPr>
+              <a:t>oz.by/books/more1028671.html</a:t>
+            </a:r>
+            <a:r>
+              <a:rPr lang="ru-RU" dirty="0">
+                <a:solidFill>
+                  <a:schemeClr val="bg1"/>
+                </a:solidFill>
+              </a:rPr>
+              <a:t/>
+            </a:r>
+            <a:br>
+              <a:rPr lang="ru-RU" dirty="0">
+                <a:solidFill>
+                  <a:schemeClr val="bg1"/>
+                </a:solidFill>
+              </a:rPr>
+            </a:br>
+            <a:r>
+              <a:rPr lang="ru-RU" u="sng" dirty="0">
+                <a:solidFill>
+                  <a:schemeClr val="bg1"/>
+                </a:solidFill>
+                <a:hlinkClick r:id="rId3"/>
+              </a:rPr>
+              <a:t>http</a:t>
+            </a:r>
+            <a:r>
+              <a:rPr lang="ru-RU" u="sng">
+                <a:solidFill>
+                  <a:schemeClr val="bg1"/>
+                </a:solidFill>
+                <a:hlinkClick r:id="rId3"/>
+              </a:rPr>
+              <a:t>://</a:t>
+            </a:r>
+            <a:r>
+              <a:rPr lang="ru-RU" u="sng" smtClean="0">
+                <a:solidFill>
+                  <a:schemeClr val="bg1"/>
+                </a:solidFill>
+                <a:hlinkClick r:id="rId3"/>
+              </a:rPr>
+              <a:t>www.microsoft.com/learning/en/us/book.aspx?ID=13874&amp;Locale=en-us</a:t>
+            </a:r>
+            <a:r>
+              <a:rPr lang="ru-RU" u="sng" dirty="0" smtClean="0">
+                <a:solidFill>
+                  <a:schemeClr val="bg1"/>
+                </a:solidFill>
+              </a:rPr>
+              <a:t/>
+            </a:r>
+            <a:br>
+              <a:rPr lang="ru-RU" u="sng" dirty="0" smtClean="0">
+                <a:solidFill>
+                  <a:schemeClr val="bg1"/>
+                </a:solidFill>
+              </a:rPr>
+            </a:br>
+            <a:endParaRPr lang="ru-RU" u="sng" dirty="0" smtClean="0">
+              <a:solidFill>
+                <a:schemeClr val="bg1"/>
+              </a:solidFill>
+            </a:endParaRPr>
+          </a:p>
+          <a:p>
+            <a:pPr marL="285750" lvl="0" indent="-285750">
+              <a:buFont typeface="Arial" pitchFamily="34" charset="0"/>
+              <a:buChar char="•"/>
+            </a:pPr>
+            <a:r>
+              <a:rPr lang="ru-RU" dirty="0" smtClean="0">
+                <a:solidFill>
+                  <a:schemeClr val="bg1"/>
+                </a:solidFill>
+              </a:rPr>
+              <a:t>Язык </a:t>
+            </a:r>
+            <a:r>
+              <a:rPr lang="ru-RU" dirty="0">
+                <a:solidFill>
+                  <a:schemeClr val="bg1"/>
+                </a:solidFill>
+              </a:rPr>
+              <a:t>программирования C# 2010 и платформа .NET </a:t>
+            </a:r>
+            <a:r>
+              <a:rPr lang="ru-RU" dirty="0" smtClean="0">
+                <a:solidFill>
+                  <a:schemeClr val="bg1"/>
+                </a:solidFill>
+              </a:rPr>
+              <a:t>4.0</a:t>
+            </a:r>
+            <a:br>
+              <a:rPr lang="ru-RU" dirty="0" smtClean="0">
+                <a:solidFill>
+                  <a:schemeClr val="bg1"/>
+                </a:solidFill>
+              </a:rPr>
+            </a:br>
+            <a:r>
+              <a:rPr lang="ru-RU" dirty="0" smtClean="0">
+                <a:solidFill>
+                  <a:schemeClr val="bg1"/>
+                </a:solidFill>
+              </a:rPr>
+              <a:t>Эндрю </a:t>
+            </a:r>
+            <a:r>
+              <a:rPr lang="ru-RU" dirty="0">
+                <a:solidFill>
+                  <a:schemeClr val="bg1"/>
+                </a:solidFill>
+              </a:rPr>
+              <a:t>Троелсен (Andrew </a:t>
+            </a:r>
+            <a:r>
+              <a:rPr lang="ru-RU" dirty="0" smtClean="0">
+                <a:solidFill>
+                  <a:schemeClr val="bg1"/>
+                </a:solidFill>
+              </a:rPr>
+              <a:t>Troelsen)</a:t>
+            </a:r>
+            <a:br>
+              <a:rPr lang="ru-RU" dirty="0" smtClean="0">
+                <a:solidFill>
+                  <a:schemeClr val="bg1"/>
+                </a:solidFill>
+              </a:rPr>
+            </a:br>
+            <a:r>
+              <a:rPr lang="ru-RU" u="sng" dirty="0" smtClean="0">
+                <a:solidFill>
+                  <a:schemeClr val="bg1"/>
+                </a:solidFill>
+              </a:rPr>
+              <a:t>http</a:t>
+            </a:r>
+            <a:r>
+              <a:rPr lang="ru-RU" u="sng" dirty="0">
+                <a:solidFill>
+                  <a:schemeClr val="bg1"/>
+                </a:solidFill>
+              </a:rPr>
+              <a:t>://oz.by/books/more10158206.html</a:t>
+            </a:r>
+            <a:r>
+              <a:rPr lang="ru-RU" dirty="0">
+                <a:solidFill>
+                  <a:schemeClr val="bg1"/>
+                </a:solidFill>
+              </a:rPr>
+              <a:t/>
+            </a:r>
+            <a:br>
+              <a:rPr lang="ru-RU" dirty="0">
+                <a:solidFill>
+                  <a:schemeClr val="bg1"/>
+                </a:solidFill>
+              </a:rPr>
+            </a:br>
+            <a:r>
+              <a:rPr lang="ru-RU" u="sng" dirty="0">
+                <a:solidFill>
+                  <a:schemeClr val="bg1"/>
+                </a:solidFill>
+              </a:rPr>
+              <a:t>http://</a:t>
+            </a:r>
+            <a:r>
+              <a:rPr lang="ru-RU" u="sng" dirty="0" smtClean="0">
+                <a:solidFill>
+                  <a:schemeClr val="bg1"/>
+                </a:solidFill>
+              </a:rPr>
+              <a:t>www.apress.com/9781430225492</a:t>
+            </a:r>
+            <a:br>
+              <a:rPr lang="ru-RU" u="sng" dirty="0" smtClean="0">
+                <a:solidFill>
+                  <a:schemeClr val="bg1"/>
+                </a:solidFill>
+              </a:rPr>
+            </a:br>
+            <a:endParaRPr lang="ru-RU" u="sng" dirty="0" smtClean="0">
+              <a:solidFill>
+                <a:schemeClr val="bg1"/>
+              </a:solidFill>
+            </a:endParaRPr>
+          </a:p>
+          <a:p>
+            <a:pPr marL="285750" lvl="0" indent="-285750">
+              <a:buFont typeface="Arial" pitchFamily="34" charset="0"/>
+              <a:buChar char="•"/>
+            </a:pPr>
+            <a:r>
+              <a:rPr lang="en-US" dirty="0" smtClean="0">
+                <a:solidFill>
+                  <a:schemeClr val="bg1"/>
+                </a:solidFill>
+              </a:rPr>
+              <a:t>C</a:t>
+            </a:r>
+            <a:r>
+              <a:rPr lang="en-US" dirty="0">
+                <a:solidFill>
+                  <a:schemeClr val="bg1"/>
+                </a:solidFill>
+              </a:rPr>
+              <a:t># Language </a:t>
+            </a:r>
+            <a:r>
+              <a:rPr lang="en-US" dirty="0" smtClean="0">
+                <a:solidFill>
+                  <a:schemeClr val="bg1"/>
+                </a:solidFill>
+              </a:rPr>
+              <a:t>Specification</a:t>
+            </a:r>
+            <a:r>
+              <a:rPr lang="ru-RU" dirty="0" smtClean="0">
+                <a:solidFill>
+                  <a:schemeClr val="bg1"/>
+                </a:solidFill>
+              </a:rPr>
+              <a:t/>
+            </a:r>
+            <a:br>
+              <a:rPr lang="ru-RU" dirty="0" smtClean="0">
+                <a:solidFill>
+                  <a:schemeClr val="bg1"/>
+                </a:solidFill>
+              </a:rPr>
+            </a:br>
+            <a:r>
+              <a:rPr lang="en-US" dirty="0" smtClean="0">
+                <a:solidFill>
+                  <a:schemeClr val="bg1"/>
+                </a:solidFill>
+              </a:rPr>
+              <a:t>"C</a:t>
+            </a:r>
+            <a:r>
+              <a:rPr lang="en-US" dirty="0">
+                <a:solidFill>
+                  <a:schemeClr val="bg1"/>
+                </a:solidFill>
+              </a:rPr>
+              <a:t>:\Program Files (x86)\Microsoft Visual Studio 11.0\VC#\Specifications\1033\ </a:t>
+            </a:r>
+            <a:r>
+              <a:rPr lang="en-US" dirty="0" err="1">
+                <a:solidFill>
+                  <a:schemeClr val="bg1"/>
+                </a:solidFill>
+              </a:rPr>
+              <a:t>CSharp</a:t>
+            </a:r>
+            <a:r>
+              <a:rPr lang="en-US" dirty="0">
+                <a:solidFill>
+                  <a:schemeClr val="bg1"/>
+                </a:solidFill>
+              </a:rPr>
+              <a:t> Language Specification.doc </a:t>
+            </a:r>
+            <a:r>
+              <a:rPr lang="en-US" dirty="0" smtClean="0">
+                <a:solidFill>
+                  <a:schemeClr val="bg1"/>
+                </a:solidFill>
+              </a:rPr>
+              <a:t>"</a:t>
+            </a:r>
+            <a:endParaRPr lang="en-US" dirty="0">
+              <a:solidFill>
+                <a:schemeClr val="bg1"/>
+              </a:solidFill>
+            </a:endParaRPr>
+          </a:p>
+        </p:txBody>
+      </p:sp>
+    </p:spTree>
+    <p:extLst>
+      <p:ext uri="{BB962C8B-B14F-4D97-AF65-F5344CB8AC3E}">
+        <p14:creationId xmlns:p14="http://schemas.microsoft.com/office/powerpoint/2010/main" val="1661701209"/>
+      </p:ext>
+    </p:extLst>
+  </p:cSld>
+  <p:clrMapOvr>
+    <a:masterClrMapping/>
+  </p:clrMapOvr>
+  <p:timing>
+    <p:tnLst>
+      <p:par>
+        <p:cTn id="1" dur="indefinite" restart="never" nodeType="tmRoot"/>
+      </p:par>
+    </p:tnLst>
+  </p:timing>
+</p:sld>
+</file>
+
+<file path=ppt/slides/slide30.xml><?xml version="1.0" encoding="utf-8"?>
 <p:sld xmlns:a="http://schemas.openxmlformats.org/drawingml/2006/main" xmlns:r="http://schemas.openxmlformats.org/officeDocument/2006/relationships" xmlns:p="http://schemas.openxmlformats.org/presentationml/2006/main">
   <p:cSld>
     <p:bg>
@@ -26529,7 +23948,7 @@
 </p:sld>
 </file>
 
-<file path=ppt/slides/slide33.xml><?xml version="1.0" encoding="utf-8"?>
+<file path=ppt/slides/slide31.xml><?xml version="1.0" encoding="utf-8"?>
 <p:sld xmlns:a="http://schemas.openxmlformats.org/drawingml/2006/main" xmlns:r="http://schemas.openxmlformats.org/officeDocument/2006/relationships" xmlns:p="http://schemas.openxmlformats.org/presentationml/2006/main">
   <p:cSld>
     <p:bg>
@@ -27761,7 +25180,7 @@
 </p:sld>
 </file>
 
-<file path=ppt/slides/slide34.xml><?xml version="1.0" encoding="utf-8"?>
+<file path=ppt/slides/slide32.xml><?xml version="1.0" encoding="utf-8"?>
 <p:sld xmlns:a="http://schemas.openxmlformats.org/drawingml/2006/main" xmlns:r="http://schemas.openxmlformats.org/officeDocument/2006/relationships" xmlns:p="http://schemas.openxmlformats.org/presentationml/2006/main">
   <p:cSld>
     <p:bg>
@@ -28963,7 +26382,7 @@
 </p:sld>
 </file>
 
-<file path=ppt/slides/slide35.xml><?xml version="1.0" encoding="utf-8"?>
+<file path=ppt/slides/slide33.xml><?xml version="1.0" encoding="utf-8"?>
 <p:sld xmlns:a="http://schemas.openxmlformats.org/drawingml/2006/main" xmlns:r="http://schemas.openxmlformats.org/officeDocument/2006/relationships" xmlns:p="http://schemas.openxmlformats.org/presentationml/2006/main">
   <p:cSld>
     <p:bg>
@@ -30029,7 +27448,7 @@
 </p:sld>
 </file>
 
-<file path=ppt/slides/slide36.xml><?xml version="1.0" encoding="utf-8"?>
+<file path=ppt/slides/slide34.xml><?xml version="1.0" encoding="utf-8"?>
 <p:sld xmlns:a="http://schemas.openxmlformats.org/drawingml/2006/main" xmlns:r="http://schemas.openxmlformats.org/officeDocument/2006/relationships" xmlns:p="http://schemas.openxmlformats.org/presentationml/2006/main">
   <p:cSld>
     <p:bg>
@@ -30576,7 +27995,7 @@
         <p:spPr>
           <a:xfrm>
             <a:off x="251520" y="188640"/>
-            <a:ext cx="8640960" cy="769441"/>
+            <a:ext cx="8640960" cy="3077766"/>
           </a:xfrm>
           <a:prstGeom prst="rect">
             <a:avLst/>
@@ -30588,121 +28007,20 @@
           </a:bodyPr>
           <a:lstStyle/>
           <a:p>
-            <a:pPr lvl="0" algn="ctr"/>
-            <a:r>
-              <a:rPr lang="ru-RU" sz="4400" dirty="0" smtClean="0">
-                <a:solidFill>
-                  <a:schemeClr val="bg1"/>
-                </a:solidFill>
-              </a:rPr>
-              <a:t>Организационные вопросы</a:t>
-            </a:r>
-            <a:endParaRPr lang="en-US" sz="4400" dirty="0">
-              <a:solidFill>
-                <a:schemeClr val="bg1"/>
-              </a:solidFill>
-            </a:endParaRPr>
-          </a:p>
-        </p:txBody>
-      </p:sp>
-      <p:sp>
-        <p:nvSpPr>
-          <p:cNvPr id="2" name="TextBox 1"/>
-          <p:cNvSpPr txBox="1"/>
-          <p:nvPr/>
-        </p:nvSpPr>
-        <p:spPr>
-          <a:xfrm>
-            <a:off x="251520" y="1052736"/>
-            <a:ext cx="8640960" cy="4401205"/>
-          </a:xfrm>
-          <a:prstGeom prst="rect">
-            <a:avLst/>
-          </a:prstGeom>
-          <a:noFill/>
-        </p:spPr>
-        <p:txBody>
-          <a:bodyPr wrap="square" rtlCol="0">
-            <a:spAutoFit/>
-          </a:bodyPr>
-          <a:lstStyle/>
-          <a:p>
-            <a:pPr marL="285750" indent="-285750">
-              <a:buFont typeface="Arial" pitchFamily="34" charset="0"/>
-              <a:buChar char="•"/>
-            </a:pPr>
-            <a:r>
-              <a:rPr lang="ru-RU" sz="2800" dirty="0">
-                <a:solidFill>
-                  <a:schemeClr val="bg1"/>
-                </a:solidFill>
-              </a:rPr>
-              <a:t>Начало </a:t>
-            </a:r>
-            <a:r>
-              <a:rPr lang="ru-RU" sz="2800" dirty="0" smtClean="0">
-                <a:solidFill>
-                  <a:schemeClr val="bg1"/>
-                </a:solidFill>
-              </a:rPr>
-              <a:t>занятий</a:t>
-            </a:r>
-          </a:p>
-          <a:p>
-            <a:pPr marL="285750" indent="-285750">
-              <a:buFont typeface="Arial" pitchFamily="34" charset="0"/>
-              <a:buChar char="•"/>
-            </a:pPr>
-            <a:r>
-              <a:rPr lang="ru-RU" sz="2800" dirty="0" smtClean="0">
-                <a:solidFill>
-                  <a:schemeClr val="bg1"/>
-                </a:solidFill>
-              </a:rPr>
-              <a:t>Посещаемость</a:t>
-            </a:r>
-          </a:p>
-          <a:p>
-            <a:pPr marL="285750" indent="-285750">
-              <a:buFont typeface="Arial" pitchFamily="34" charset="0"/>
-              <a:buChar char="•"/>
-            </a:pPr>
-            <a:r>
-              <a:rPr lang="ru-RU" sz="2800" dirty="0" smtClean="0">
-                <a:solidFill>
-                  <a:schemeClr val="bg1"/>
-                </a:solidFill>
-              </a:rPr>
-              <a:t>Домашняя работа</a:t>
-            </a:r>
-          </a:p>
-          <a:p>
-            <a:pPr marL="285750" indent="-285750">
-              <a:buFont typeface="Arial" pitchFamily="34" charset="0"/>
-              <a:buChar char="•"/>
-            </a:pPr>
-            <a:r>
-              <a:rPr lang="ru-RU" sz="2800" dirty="0" smtClean="0">
-                <a:solidFill>
-                  <a:schemeClr val="bg1"/>
-                </a:solidFill>
-              </a:rPr>
-              <a:t>Итоговый проект</a:t>
-            </a:r>
-          </a:p>
-          <a:p>
-            <a:pPr marL="285750" indent="-285750">
-              <a:buFont typeface="Arial" pitchFamily="34" charset="0"/>
-              <a:buChar char="•"/>
-            </a:pPr>
-            <a:r>
-              <a:rPr lang="ru-RU" sz="2800" dirty="0" smtClean="0">
-                <a:solidFill>
-                  <a:schemeClr val="bg1"/>
-                </a:solidFill>
-              </a:rPr>
-              <a:t>Сертификат об окончании курса</a:t>
-            </a:r>
+            <a:pPr lvl="0"/>
+            <a:r>
+              <a:rPr lang="ru-RU" sz="3200" dirty="0" smtClean="0">
+                <a:solidFill>
+                  <a:schemeClr val="bg1"/>
+                </a:solidFill>
+              </a:rPr>
+              <a:t>Ссылки</a:t>
+            </a:r>
+            <a:endParaRPr lang="en-US" sz="3200" dirty="0" smtClean="0">
+              <a:solidFill>
+                <a:schemeClr val="bg1"/>
+              </a:solidFill>
+            </a:endParaRPr>
           </a:p>
           <a:p>
             <a:pPr marL="742950" lvl="1" indent="-285750">
@@ -30710,13 +28028,53 @@
               <a:buChar char="•"/>
             </a:pPr>
             <a:r>
-              <a:rPr lang="ru-RU" sz="2800" dirty="0" smtClean="0">
-                <a:solidFill>
-                  <a:schemeClr val="bg1"/>
-                </a:solidFill>
-              </a:rPr>
-              <a:t>Выдается не всем</a:t>
-            </a:r>
+              <a:rPr lang="en-US" dirty="0" smtClean="0">
+                <a:solidFill>
+                  <a:schemeClr val="bg1"/>
+                </a:solidFill>
+              </a:rPr>
+              <a:t>Microsoft Developer Network</a:t>
+            </a:r>
+            <a:r>
+              <a:rPr lang="ru-RU" dirty="0" smtClean="0">
+                <a:solidFill>
+                  <a:schemeClr val="bg1"/>
+                </a:solidFill>
+              </a:rPr>
+              <a:t> - </a:t>
+            </a:r>
+            <a:r>
+              <a:rPr lang="en-US" u="sng" dirty="0" smtClean="0">
+                <a:solidFill>
+                  <a:schemeClr val="bg1"/>
+                </a:solidFill>
+                <a:hlinkClick r:id="rId3"/>
+              </a:rPr>
+              <a:t>http</a:t>
+            </a:r>
+            <a:r>
+              <a:rPr lang="en-US" u="sng" dirty="0">
+                <a:solidFill>
+                  <a:schemeClr val="bg1"/>
+                </a:solidFill>
+                <a:hlinkClick r:id="rId3"/>
+              </a:rPr>
+              <a:t>://</a:t>
+            </a:r>
+            <a:r>
+              <a:rPr lang="en-US" u="sng" dirty="0" smtClean="0">
+                <a:solidFill>
+                  <a:schemeClr val="bg1"/>
+                </a:solidFill>
+                <a:hlinkClick r:id="rId3"/>
+              </a:rPr>
+              <a:t>msdn.microsoft.com/ru-ru/</a:t>
+            </a:r>
+            <a:endParaRPr lang="en-US" u="sng" dirty="0" smtClean="0">
+              <a:solidFill>
+                <a:schemeClr val="bg1"/>
+              </a:solidFill>
+            </a:endParaRPr>
           </a:p>
           <a:p>
             <a:pPr marL="742950" lvl="1" indent="-285750">
@@ -30724,56 +28082,293 @@
               <a:buChar char="•"/>
             </a:pPr>
             <a:r>
-              <a:rPr lang="ru-RU" sz="2800" dirty="0" smtClean="0">
-                <a:solidFill>
-                  <a:schemeClr val="bg1"/>
-                </a:solidFill>
-              </a:rPr>
-              <a:t>Необходимо:</a:t>
-            </a:r>
-          </a:p>
-          <a:p>
-            <a:pPr marL="1200150" lvl="2" indent="-285750">
+              <a:rPr lang="en-US" u="sng" dirty="0" smtClean="0">
+                <a:solidFill>
+                  <a:schemeClr val="bg1"/>
+                </a:solidFill>
+                <a:hlinkClick r:id="rId4"/>
+              </a:rPr>
+              <a:t>http</a:t>
+            </a:r>
+            <a:r>
+              <a:rPr lang="en-US" u="sng" dirty="0">
+                <a:solidFill>
+                  <a:schemeClr val="bg1"/>
+                </a:solidFill>
+                <a:hlinkClick r:id="rId4"/>
+              </a:rPr>
+              <a:t>://</a:t>
+            </a:r>
+            <a:r>
+              <a:rPr lang="en-US" u="sng" dirty="0" smtClean="0">
+                <a:solidFill>
+                  <a:schemeClr val="bg1"/>
+                </a:solidFill>
+                <a:hlinkClick r:id="rId4"/>
+              </a:rPr>
+              <a:t>www.asp.net/</a:t>
+            </a:r>
+            <a:endParaRPr lang="ru-RU" u="sng" dirty="0" smtClean="0">
+              <a:solidFill>
+                <a:schemeClr val="bg1"/>
+              </a:solidFill>
+            </a:endParaRPr>
+          </a:p>
+          <a:p>
+            <a:pPr marL="742950" lvl="1" indent="-285750">
               <a:buFont typeface="Arial" pitchFamily="34" charset="0"/>
               <a:buChar char="•"/>
             </a:pPr>
             <a:r>
-              <a:rPr lang="ru-RU" sz="2800" dirty="0" smtClean="0">
-                <a:solidFill>
-                  <a:schemeClr val="bg1"/>
-                </a:solidFill>
-              </a:rPr>
-              <a:t>Посетить не менее 80% занятий</a:t>
-            </a:r>
-          </a:p>
-          <a:p>
-            <a:pPr marL="1200150" lvl="2" indent="-285750">
+              <a:rPr lang="en-US" u="sng" dirty="0" smtClean="0">
+                <a:solidFill>
+                  <a:schemeClr val="bg1"/>
+                </a:solidFill>
+                <a:hlinkClick r:id="rId5"/>
+              </a:rPr>
+              <a:t>http</a:t>
+            </a:r>
+            <a:r>
+              <a:rPr lang="en-US" u="sng" dirty="0">
+                <a:solidFill>
+                  <a:schemeClr val="bg1"/>
+                </a:solidFill>
+                <a:hlinkClick r:id="rId5"/>
+              </a:rPr>
+              <a:t>://</a:t>
+            </a:r>
+            <a:r>
+              <a:rPr lang="en-US" u="sng" dirty="0" smtClean="0">
+                <a:solidFill>
+                  <a:schemeClr val="bg1"/>
+                </a:solidFill>
+                <a:hlinkClick r:id="rId5"/>
+              </a:rPr>
+              <a:t>channel9.msdn.com/</a:t>
+            </a:r>
+            <a:endParaRPr lang="ru-RU" u="sng" dirty="0" smtClean="0">
+              <a:solidFill>
+                <a:schemeClr val="bg1"/>
+              </a:solidFill>
+            </a:endParaRPr>
+          </a:p>
+          <a:p>
+            <a:pPr marL="742950" lvl="1" indent="-285750">
               <a:buFont typeface="Arial" pitchFamily="34" charset="0"/>
               <a:buChar char="•"/>
             </a:pPr>
             <a:r>
-              <a:rPr lang="ru-RU" sz="2800" dirty="0" smtClean="0">
-                <a:solidFill>
-                  <a:schemeClr val="bg1"/>
-                </a:solidFill>
-              </a:rPr>
-              <a:t>Выполнять домашние работы</a:t>
-            </a:r>
-          </a:p>
-          <a:p>
-            <a:pPr marL="1200150" lvl="2" indent="-285750">
+              <a:rPr lang="ru-RU" dirty="0" smtClean="0">
+                <a:solidFill>
+                  <a:schemeClr val="bg1"/>
+                </a:solidFill>
+              </a:rPr>
+              <a:t>С</a:t>
+            </a:r>
+            <a:r>
+              <a:rPr lang="en-US" dirty="0" smtClean="0">
+                <a:solidFill>
+                  <a:schemeClr val="bg1"/>
+                </a:solidFill>
+              </a:rPr>
+              <a:t># Little Wonders</a:t>
+            </a:r>
+            <a:r>
+              <a:rPr lang="ru-RU" dirty="0" smtClean="0">
+                <a:solidFill>
+                  <a:schemeClr val="bg1"/>
+                </a:solidFill>
+              </a:rPr>
+              <a:t> -</a:t>
+            </a:r>
+            <a:r>
+              <a:rPr lang="en-US" dirty="0" smtClean="0">
+                <a:solidFill>
+                  <a:schemeClr val="bg1"/>
+                </a:solidFill>
+              </a:rPr>
+              <a:t> </a:t>
+            </a:r>
+            <a:r>
+              <a:rPr lang="en-US" dirty="0" smtClean="0">
+                <a:solidFill>
+                  <a:schemeClr val="bg1"/>
+                </a:solidFill>
+                <a:hlinkClick r:id="rId6"/>
+              </a:rPr>
+              <a:t>http</a:t>
+            </a:r>
+            <a:r>
+              <a:rPr lang="en-US" dirty="0">
+                <a:solidFill>
+                  <a:schemeClr val="bg1"/>
+                </a:solidFill>
+                <a:hlinkClick r:id="rId6"/>
+              </a:rPr>
+              <a:t>://</a:t>
+            </a:r>
+            <a:r>
+              <a:rPr lang="en-US" dirty="0" smtClean="0">
+                <a:solidFill>
+                  <a:schemeClr val="bg1"/>
+                </a:solidFill>
+                <a:hlinkClick r:id="rId6"/>
+              </a:rPr>
+              <a:t>blackrabbitcoder.net/category/11989.aspx</a:t>
+            </a:r>
+            <a:endParaRPr lang="en-US" dirty="0" smtClean="0">
+              <a:solidFill>
+                <a:schemeClr val="bg1"/>
+              </a:solidFill>
+            </a:endParaRPr>
+          </a:p>
+          <a:p>
+            <a:endParaRPr lang="ru-RU" dirty="0" smtClean="0">
+              <a:solidFill>
+                <a:schemeClr val="bg1"/>
+              </a:solidFill>
+            </a:endParaRPr>
+          </a:p>
+          <a:p>
+            <a:r>
+              <a:rPr lang="ru-RU" dirty="0" smtClean="0">
+                <a:solidFill>
+                  <a:schemeClr val="bg1"/>
+                </a:solidFill>
+              </a:rPr>
+              <a:t>Форумы:</a:t>
+            </a:r>
+          </a:p>
+          <a:p>
+            <a:pPr marL="742950" lvl="1" indent="-285750">
               <a:buFont typeface="Arial" pitchFamily="34" charset="0"/>
               <a:buChar char="•"/>
             </a:pPr>
             <a:r>
-              <a:rPr lang="ru-RU" sz="2800" dirty="0" smtClean="0">
-                <a:solidFill>
-                  <a:schemeClr val="bg1"/>
-                </a:solidFill>
-              </a:rPr>
-              <a:t>Завершить итоговый проект</a:t>
-            </a:r>
-            <a:endParaRPr lang="en-US" sz="2800" dirty="0">
+              <a:rPr lang="en-US" dirty="0" smtClean="0">
+                <a:solidFill>
+                  <a:schemeClr val="bg1"/>
+                </a:solidFill>
+              </a:rPr>
+              <a:t>[RUS</a:t>
+            </a:r>
+            <a:r>
+              <a:rPr lang="en-US" dirty="0">
+                <a:solidFill>
+                  <a:schemeClr val="bg1"/>
+                </a:solidFill>
+              </a:rPr>
+              <a:t>] </a:t>
+            </a:r>
+            <a:r>
+              <a:rPr lang="en-US" dirty="0">
+                <a:solidFill>
+                  <a:schemeClr val="bg1"/>
+                </a:solidFill>
+                <a:hlinkClick r:id="rId7"/>
+              </a:rPr>
+              <a:t>http://www.rsdn.ru</a:t>
+            </a:r>
+            <a:r>
+              <a:rPr lang="en-US" dirty="0" smtClean="0">
+                <a:solidFill>
+                  <a:schemeClr val="bg1"/>
+                </a:solidFill>
+                <a:hlinkClick r:id="rId7"/>
+              </a:rPr>
+              <a:t>/</a:t>
+            </a:r>
+            <a:endParaRPr lang="ru-RU" dirty="0" smtClean="0">
+              <a:solidFill>
+                <a:schemeClr val="bg1"/>
+              </a:solidFill>
+            </a:endParaRPr>
+          </a:p>
+          <a:p>
+            <a:pPr marL="742950" lvl="1" indent="-285750">
+              <a:buFont typeface="Arial" pitchFamily="34" charset="0"/>
+              <a:buChar char="•"/>
+            </a:pPr>
+            <a:r>
+              <a:rPr lang="en-US" dirty="0">
+                <a:solidFill>
+                  <a:schemeClr val="bg1"/>
+                </a:solidFill>
+              </a:rPr>
+              <a:t>[RUS</a:t>
+            </a:r>
+            <a:r>
+              <a:rPr lang="en-US" dirty="0" smtClean="0">
+                <a:solidFill>
+                  <a:schemeClr val="bg1"/>
+                </a:solidFill>
+              </a:rPr>
+              <a:t>]</a:t>
+            </a:r>
+            <a:r>
+              <a:rPr lang="ru-RU" dirty="0" smtClean="0">
+                <a:solidFill>
+                  <a:schemeClr val="bg1"/>
+                </a:solidFill>
+              </a:rPr>
+              <a:t> </a:t>
+            </a:r>
+            <a:r>
+              <a:rPr lang="en-US" dirty="0">
+                <a:solidFill>
+                  <a:schemeClr val="bg1"/>
+                </a:solidFill>
+                <a:hlinkClick r:id="rId8"/>
+              </a:rPr>
+              <a:t>www.sql.ru/forum</a:t>
+            </a:r>
+            <a:r>
+              <a:rPr lang="en-US" dirty="0" smtClean="0">
+                <a:solidFill>
+                  <a:schemeClr val="bg1"/>
+                </a:solidFill>
+                <a:hlinkClick r:id="rId8"/>
+              </a:rPr>
+              <a:t>/</a:t>
+            </a:r>
+            <a:endParaRPr lang="en-US" dirty="0" smtClean="0">
+              <a:solidFill>
+                <a:schemeClr val="bg1"/>
+              </a:solidFill>
+            </a:endParaRPr>
+          </a:p>
+          <a:p>
+            <a:pPr marL="742950" lvl="1" indent="-285750">
+              <a:buFont typeface="Arial" pitchFamily="34" charset="0"/>
+              <a:buChar char="•"/>
+            </a:pPr>
+            <a:r>
+              <a:rPr lang="en-US" dirty="0">
+                <a:solidFill>
+                  <a:schemeClr val="bg1"/>
+                </a:solidFill>
+              </a:rPr>
+              <a:t>[ENG] </a:t>
+            </a:r>
+            <a:r>
+              <a:rPr lang="en-US" dirty="0">
+                <a:solidFill>
+                  <a:schemeClr val="bg1"/>
+                </a:solidFill>
+                <a:hlinkClick r:id="rId9"/>
+              </a:rPr>
+              <a:t>http://stackoverflow.com</a:t>
+            </a:r>
+            <a:r>
+              <a:rPr lang="en-US" dirty="0" smtClean="0">
+                <a:solidFill>
+                  <a:schemeClr val="bg1"/>
+                </a:solidFill>
+                <a:hlinkClick r:id="rId9"/>
+              </a:rPr>
+              <a:t>/</a:t>
+            </a:r>
+            <a:endParaRPr lang="en-US" dirty="0">
               <a:solidFill>
                 <a:schemeClr val="bg1"/>
               </a:solidFill>
@@ -30784,7 +28379,7 @@
     </p:spTree>
     <p:extLst>
       <p:ext uri="{BB962C8B-B14F-4D97-AF65-F5344CB8AC3E}">
-        <p14:creationId xmlns:p14="http://schemas.microsoft.com/office/powerpoint/2010/main" val="2594921481"/>
+        <p14:creationId xmlns:p14="http://schemas.microsoft.com/office/powerpoint/2010/main" val="2150665546"/>
       </p:ext>
     </p:extLst>
   </p:cSld>
@@ -30840,8 +28435,8 @@
         </p:nvSpPr>
         <p:spPr>
           <a:xfrm>
-            <a:off x="251520" y="3013502"/>
-            <a:ext cx="8640960" cy="830997"/>
+            <a:off x="251520" y="3136613"/>
+            <a:ext cx="8640960" cy="584775"/>
           </a:xfrm>
           <a:prstGeom prst="rect">
             <a:avLst/>
@@ -30855,14 +28450,14 @@
           <a:p>
             <a:pPr lvl="0" algn="ctr"/>
             <a:r>
-              <a:rPr lang="ru-RU" sz="4800" dirty="0" smtClean="0">
-                <a:solidFill>
-                  <a:schemeClr val="bg1"/>
-                </a:solidFill>
-              </a:rPr>
-              <a:t>Что ожидать от данного курса?</a:t>
-            </a:r>
-            <a:endParaRPr lang="ru-RU" sz="4800" dirty="0">
+              <a:rPr lang="en-US" sz="3200" dirty="0">
+                <a:solidFill>
+                  <a:schemeClr val="bg1"/>
+                </a:solidFill>
+              </a:rPr>
+              <a:t>https://github.com/bazile/Training</a:t>
+            </a:r>
+            <a:endParaRPr lang="en-US" sz="3200" dirty="0" smtClean="0">
               <a:solidFill>
                 <a:schemeClr val="bg1"/>
               </a:solidFill>
@@ -30873,7 +28468,7 @@
     </p:spTree>
     <p:extLst>
       <p:ext uri="{BB962C8B-B14F-4D97-AF65-F5344CB8AC3E}">
-        <p14:creationId xmlns:p14="http://schemas.microsoft.com/office/powerpoint/2010/main" val="1700518918"/>
+        <p14:creationId xmlns:p14="http://schemas.microsoft.com/office/powerpoint/2010/main" val="844996974"/>
       </p:ext>
     </p:extLst>
   </p:cSld>
@@ -30930,7 +28525,7 @@
         <p:spPr>
           <a:xfrm>
             <a:off x="251520" y="188640"/>
-            <a:ext cx="8640960" cy="4739759"/>
+            <a:ext cx="8640960" cy="3908762"/>
           </a:xfrm>
           <a:prstGeom prst="rect">
             <a:avLst/>
@@ -30944,16 +28539,98 @@
           <a:p>
             <a:pPr lvl="0"/>
             <a:r>
-              <a:rPr lang="ru-RU" sz="3200" dirty="0" smtClean="0">
-                <a:solidFill>
-                  <a:schemeClr val="bg1"/>
-                </a:solidFill>
-              </a:rPr>
-              <a:t>Литература</a:t>
-            </a:r>
+              <a:rPr lang="en-US" sz="3200" dirty="0" smtClean="0">
+                <a:solidFill>
+                  <a:schemeClr val="bg1"/>
+                </a:solidFill>
+              </a:rPr>
+              <a:t>Visual Studio</a:t>
+            </a:r>
+            <a:endParaRPr lang="ru-RU" sz="3200" dirty="0" smtClean="0">
+              <a:solidFill>
+                <a:schemeClr val="bg1"/>
+              </a:solidFill>
+            </a:endParaRPr>
           </a:p>
           <a:p>
             <a:pPr lvl="0"/>
+            <a:endParaRPr lang="ru-RU" dirty="0" smtClean="0">
+              <a:solidFill>
+                <a:schemeClr val="bg1"/>
+              </a:solidFill>
+            </a:endParaRPr>
+          </a:p>
+          <a:p>
+            <a:r>
+              <a:rPr lang="en-US" dirty="0" smtClean="0">
+                <a:solidFill>
+                  <a:schemeClr val="bg1"/>
+                </a:solidFill>
+              </a:rPr>
+              <a:t>IDE – Integrated Development Environment</a:t>
+            </a:r>
+            <a:endParaRPr lang="ru-RU" dirty="0" smtClean="0">
+              <a:solidFill>
+                <a:schemeClr val="bg1"/>
+              </a:solidFill>
+            </a:endParaRPr>
+          </a:p>
+          <a:p>
+            <a:endParaRPr lang="ru-RU" dirty="0">
+              <a:solidFill>
+                <a:schemeClr val="bg1"/>
+              </a:solidFill>
+            </a:endParaRPr>
+          </a:p>
+          <a:p>
+            <a:r>
+              <a:rPr lang="en-US" dirty="0" smtClean="0">
+                <a:solidFill>
+                  <a:schemeClr val="bg1"/>
+                </a:solidFill>
+              </a:rPr>
+              <a:t>Visual Studio 2012</a:t>
+            </a:r>
+            <a:r>
+              <a:rPr lang="en-US" dirty="0">
+                <a:solidFill>
+                  <a:schemeClr val="bg1"/>
+                </a:solidFill>
+              </a:rPr>
+              <a:t/>
+            </a:r>
+            <a:br>
+              <a:rPr lang="en-US" dirty="0">
+                <a:solidFill>
+                  <a:schemeClr val="bg1"/>
+                </a:solidFill>
+              </a:rPr>
+            </a:br>
+            <a:r>
+              <a:rPr lang="en-US" dirty="0">
+                <a:solidFill>
+                  <a:schemeClr val="bg1"/>
+                </a:solidFill>
+                <a:hlinkClick r:id="rId3"/>
+              </a:rPr>
+              <a:t>http://</a:t>
+            </a:r>
+            <a:r>
+              <a:rPr lang="en-US" dirty="0" smtClean="0">
+                <a:solidFill>
+                  <a:schemeClr val="bg1"/>
+                </a:solidFill>
+                <a:hlinkClick r:id="rId3"/>
+              </a:rPr>
+              <a:t>www.microsoft.com/visualstudio/eng/downloads</a:t>
+            </a:r>
+            <a:endParaRPr lang="ru-RU" dirty="0" smtClean="0">
+              <a:solidFill>
+                <a:schemeClr val="bg1"/>
+              </a:solidFill>
+            </a:endParaRPr>
+          </a:p>
+          <a:p>
             <a:endParaRPr lang="en-US" dirty="0" smtClean="0">
               <a:solidFill>
                 <a:schemeClr val="bg1"/>
@@ -30961,17 +28638,21 @@
             </a:endParaRPr>
           </a:p>
           <a:p>
-            <a:pPr marL="285750" lvl="0" indent="-285750">
-              <a:buFont typeface="Arial" pitchFamily="34" charset="0"/>
-              <a:buChar char="•"/>
-            </a:pPr>
             <a:r>
               <a:rPr lang="ru-RU" dirty="0" smtClean="0">
                 <a:solidFill>
                   <a:schemeClr val="bg1"/>
                 </a:solidFill>
               </a:rPr>
-              <a:t>CLR </a:t>
+              <a:t>Редакции</a:t>
+            </a:r>
+            <a:r>
+              <a:rPr lang="en-US" dirty="0" smtClean="0">
+                <a:solidFill>
+                  <a:schemeClr val="bg1"/>
+                </a:solidFill>
+              </a:rPr>
+              <a:t>: Express </a:t>
             </a:r>
             <a:r>
               <a:rPr lang="ru-RU" dirty="0">
@@ -30979,7 +28660,69 @@
                   <a:schemeClr val="bg1"/>
                 </a:solidFill>
               </a:rPr>
-              <a:t>via C#. Программирование на платформе Microsoft .NET Framework 4.0 на языке C# (CLR via C#, Third Edition)</a:t>
+              <a:t>(бесплатная</a:t>
+            </a:r>
+            <a:r>
+              <a:rPr lang="en-US" dirty="0" smtClean="0">
+                <a:solidFill>
+                  <a:schemeClr val="bg1"/>
+                </a:solidFill>
+              </a:rPr>
+              <a:t>), Professional, Premium, Ultimate.</a:t>
+            </a:r>
+            <a:endParaRPr lang="ru-RU" dirty="0">
+              <a:solidFill>
+                <a:schemeClr val="bg1"/>
+              </a:solidFill>
+            </a:endParaRPr>
+          </a:p>
+          <a:p>
+            <a:endParaRPr lang="en-US" dirty="0">
+              <a:solidFill>
+                <a:schemeClr val="bg1"/>
+              </a:solidFill>
+            </a:endParaRPr>
+          </a:p>
+          <a:p>
+            <a:r>
+              <a:rPr lang="ru-RU" dirty="0">
+                <a:solidFill>
+                  <a:schemeClr val="bg1"/>
+                </a:solidFill>
+              </a:rPr>
+              <a:t>Расширения для </a:t>
+            </a:r>
+            <a:r>
+              <a:rPr lang="en-US" dirty="0">
+                <a:solidFill>
+                  <a:schemeClr val="bg1"/>
+                </a:solidFill>
+              </a:rPr>
+              <a:t>V</a:t>
+            </a:r>
+            <a:r>
+              <a:rPr lang="ru-RU" dirty="0">
+                <a:solidFill>
+                  <a:schemeClr val="bg1"/>
+                </a:solidFill>
+              </a:rPr>
+              <a:t>isual </a:t>
+            </a:r>
+            <a:r>
+              <a:rPr lang="en-US" dirty="0">
+                <a:solidFill>
+                  <a:schemeClr val="bg1"/>
+                </a:solidFill>
+              </a:rPr>
+              <a:t>Studio</a:t>
+            </a:r>
+            <a:r>
+              <a:rPr lang="ru-RU" dirty="0">
+                <a:solidFill>
+                  <a:schemeClr val="bg1"/>
+                </a:solidFill>
+              </a:rPr>
+              <a:t/>
             </a:r>
             <a:br>
               <a:rPr lang="ru-RU" dirty="0">
@@ -30989,173 +28732,44 @@
               </a:rPr>
             </a:br>
             <a:r>
-              <a:rPr lang="ru-RU" dirty="0">
-                <a:solidFill>
-                  <a:schemeClr val="bg1"/>
-                </a:solidFill>
-              </a:rPr>
-              <a:t>Джеффри Рихтер (Jeffrey Richter)</a:t>
-            </a:r>
-            <a:br>
-              <a:rPr lang="ru-RU" dirty="0">
-                <a:solidFill>
-                  <a:schemeClr val="bg1"/>
-                </a:solidFill>
-              </a:rPr>
-            </a:br>
+              <a:rPr lang="en-US" u="sng" dirty="0">
+                <a:solidFill>
+                  <a:schemeClr val="bg1"/>
+                </a:solidFill>
+              </a:rPr>
+              <a:t>http</a:t>
+            </a:r>
             <a:r>
               <a:rPr lang="ru-RU" u="sng" dirty="0">
                 <a:solidFill>
                   <a:schemeClr val="bg1"/>
                 </a:solidFill>
               </a:rPr>
-              <a:t>http://</a:t>
-            </a:r>
-            <a:r>
-              <a:rPr lang="ru-RU" u="sng" dirty="0" smtClean="0">
-                <a:solidFill>
-                  <a:schemeClr val="bg1"/>
-                </a:solidFill>
-              </a:rPr>
-              <a:t>oz.by/books/more1028671.html</a:t>
-            </a:r>
-            <a:r>
-              <a:rPr lang="ru-RU" dirty="0">
-                <a:solidFill>
-                  <a:schemeClr val="bg1"/>
-                </a:solidFill>
-              </a:rPr>
-              <a:t/>
-            </a:r>
-            <a:br>
-              <a:rPr lang="ru-RU" dirty="0">
-                <a:solidFill>
-                  <a:schemeClr val="bg1"/>
-                </a:solidFill>
-              </a:rPr>
-            </a:br>
+              <a:t>://</a:t>
+            </a:r>
+            <a:r>
+              <a:rPr lang="en-US" u="sng" dirty="0" err="1">
+                <a:solidFill>
+                  <a:schemeClr val="bg1"/>
+                </a:solidFill>
+              </a:rPr>
+              <a:t>visualstudiogallery</a:t>
+            </a:r>
             <a:r>
               <a:rPr lang="ru-RU" u="sng" dirty="0">
                 <a:solidFill>
                   <a:schemeClr val="bg1"/>
                 </a:solidFill>
-                <a:hlinkClick r:id="rId3"/>
-              </a:rPr>
-              <a:t>http</a:t>
-            </a:r>
-            <a:r>
-              <a:rPr lang="ru-RU" u="sng">
-                <a:solidFill>
-                  <a:schemeClr val="bg1"/>
-                </a:solidFill>
-                <a:hlinkClick r:id="rId3"/>
-              </a:rPr>
-              <a:t>://</a:t>
-            </a:r>
-            <a:r>
-              <a:rPr lang="ru-RU" u="sng" smtClean="0">
-                <a:solidFill>
-                  <a:schemeClr val="bg1"/>
-                </a:solidFill>
-                <a:hlinkClick r:id="rId3"/>
-              </a:rPr>
-              <a:t>www.microsoft.com/learning/en/us/book.aspx?ID=13874&amp;Locale=en-us</a:t>
-            </a:r>
-            <a:r>
-              <a:rPr lang="ru-RU" u="sng" dirty="0" smtClean="0">
-                <a:solidFill>
-                  <a:schemeClr val="bg1"/>
-                </a:solidFill>
-              </a:rPr>
-              <a:t/>
-            </a:r>
-            <a:br>
-              <a:rPr lang="ru-RU" u="sng" dirty="0" smtClean="0">
-                <a:solidFill>
-                  <a:schemeClr val="bg1"/>
-                </a:solidFill>
-              </a:rPr>
-            </a:br>
-            <a:endParaRPr lang="ru-RU" u="sng" dirty="0" smtClean="0">
-              <a:solidFill>
-                <a:schemeClr val="bg1"/>
-              </a:solidFill>
-            </a:endParaRPr>
-          </a:p>
-          <a:p>
-            <a:pPr marL="285750" lvl="0" indent="-285750">
-              <a:buFont typeface="Arial" pitchFamily="34" charset="0"/>
-              <a:buChar char="•"/>
-            </a:pPr>
-            <a:r>
-              <a:rPr lang="ru-RU" dirty="0" smtClean="0">
-                <a:solidFill>
-                  <a:schemeClr val="bg1"/>
-                </a:solidFill>
-              </a:rPr>
-              <a:t>Язык </a:t>
-            </a:r>
-            <a:r>
-              <a:rPr lang="ru-RU" dirty="0">
-                <a:solidFill>
-                  <a:schemeClr val="bg1"/>
-                </a:solidFill>
-              </a:rPr>
-              <a:t>программирования C# 2010 и платформа .NET </a:t>
-            </a:r>
-            <a:r>
-              <a:rPr lang="ru-RU" dirty="0" smtClean="0">
-                <a:solidFill>
-                  <a:schemeClr val="bg1"/>
-                </a:solidFill>
-              </a:rPr>
-              <a:t>4.0</a:t>
-            </a:r>
-            <a:br>
-              <a:rPr lang="ru-RU" dirty="0" smtClean="0">
-                <a:solidFill>
-                  <a:schemeClr val="bg1"/>
-                </a:solidFill>
-              </a:rPr>
-            </a:br>
-            <a:r>
-              <a:rPr lang="ru-RU" dirty="0" smtClean="0">
-                <a:solidFill>
-                  <a:schemeClr val="bg1"/>
-                </a:solidFill>
-              </a:rPr>
-              <a:t>Эндрю </a:t>
-            </a:r>
-            <a:r>
-              <a:rPr lang="ru-RU" dirty="0">
-                <a:solidFill>
-                  <a:schemeClr val="bg1"/>
-                </a:solidFill>
-              </a:rPr>
-              <a:t>Троелсен (Andrew </a:t>
-            </a:r>
-            <a:r>
-              <a:rPr lang="ru-RU" dirty="0" smtClean="0">
-                <a:solidFill>
-                  <a:schemeClr val="bg1"/>
-                </a:solidFill>
-              </a:rPr>
-              <a:t>Troelsen)</a:t>
-            </a:r>
-            <a:br>
-              <a:rPr lang="ru-RU" dirty="0" smtClean="0">
-                <a:solidFill>
-                  <a:schemeClr val="bg1"/>
-                </a:solidFill>
-              </a:rPr>
-            </a:br>
-            <a:r>
-              <a:rPr lang="ru-RU" u="sng" dirty="0" smtClean="0">
-                <a:solidFill>
-                  <a:schemeClr val="bg1"/>
-                </a:solidFill>
-              </a:rPr>
-              <a:t>http</a:t>
+              </a:rPr>
+              <a:t>.</a:t>
+            </a:r>
+            <a:r>
+              <a:rPr lang="en-US" u="sng" dirty="0" err="1">
+                <a:solidFill>
+                  <a:schemeClr val="bg1"/>
+                </a:solidFill>
+              </a:rPr>
+              <a:t>msdn</a:t>
             </a:r>
             <a:r>
               <a:rPr lang="ru-RU" u="sng" dirty="0">
@@ -31163,137 +28777,74 @@
                   <a:schemeClr val="bg1"/>
                 </a:solidFill>
               </a:rPr>
-              <a:t>://oz.by/books/more10158206.html</a:t>
-            </a:r>
-            <a:r>
-              <a:rPr lang="ru-RU" dirty="0">
-                <a:solidFill>
-                  <a:schemeClr val="bg1"/>
-                </a:solidFill>
-              </a:rPr>
-              <a:t/>
-            </a:r>
-            <a:br>
-              <a:rPr lang="ru-RU" dirty="0">
-                <a:solidFill>
-                  <a:schemeClr val="bg1"/>
-                </a:solidFill>
-              </a:rPr>
-            </a:br>
+              <a:t>.</a:t>
+            </a:r>
+            <a:r>
+              <a:rPr lang="en-US" u="sng" dirty="0" err="1">
+                <a:solidFill>
+                  <a:schemeClr val="bg1"/>
+                </a:solidFill>
+              </a:rPr>
+              <a:t>microsoft</a:t>
+            </a:r>
             <a:r>
               <a:rPr lang="ru-RU" u="sng" dirty="0">
                 <a:solidFill>
                   <a:schemeClr val="bg1"/>
                 </a:solidFill>
               </a:rPr>
-              <a:t>http://</a:t>
-            </a:r>
-            <a:r>
-              <a:rPr lang="ru-RU" u="sng" dirty="0" smtClean="0">
-                <a:solidFill>
-                  <a:schemeClr val="bg1"/>
-                </a:solidFill>
-              </a:rPr>
-              <a:t>www.apress.com/9781430225492</a:t>
-            </a:r>
-            <a:br>
-              <a:rPr lang="ru-RU" u="sng" dirty="0" smtClean="0">
-                <a:solidFill>
-                  <a:schemeClr val="bg1"/>
-                </a:solidFill>
-              </a:rPr>
-            </a:br>
-            <a:endParaRPr lang="ru-RU" u="sng" dirty="0" smtClean="0">
-              <a:solidFill>
-                <a:schemeClr val="bg1"/>
-              </a:solidFill>
-            </a:endParaRPr>
-          </a:p>
-          <a:p>
-            <a:pPr marL="285750" lvl="0" indent="-285750">
-              <a:buFont typeface="Arial" pitchFamily="34" charset="0"/>
-              <a:buChar char="•"/>
-            </a:pPr>
-            <a:r>
-              <a:rPr lang="en-US" dirty="0" smtClean="0">
-                <a:solidFill>
-                  <a:schemeClr val="bg1"/>
-                </a:solidFill>
-              </a:rPr>
-              <a:t>C</a:t>
-            </a:r>
+              <a:t>.</a:t>
+            </a:r>
+            <a:r>
+              <a:rPr lang="en-US" u="sng" dirty="0">
+                <a:solidFill>
+                  <a:schemeClr val="bg1"/>
+                </a:solidFill>
+              </a:rPr>
+              <a:t>com</a:t>
+            </a:r>
+            <a:r>
+              <a:rPr lang="ru-RU" u="sng" dirty="0">
+                <a:solidFill>
+                  <a:schemeClr val="bg1"/>
+                </a:solidFill>
+              </a:rPr>
+              <a:t>/</a:t>
+            </a:r>
+          </a:p>
+          <a:p>
+            <a:endParaRPr lang="en-US" dirty="0">
+              <a:solidFill>
+                <a:schemeClr val="bg1"/>
+              </a:solidFill>
+            </a:endParaRPr>
+          </a:p>
+          <a:p>
             <a:r>
               <a:rPr lang="en-US" dirty="0">
                 <a:solidFill>
                   <a:schemeClr val="bg1"/>
                 </a:solidFill>
               </a:rPr>
-              <a:t># Language </a:t>
-            </a:r>
-            <a:r>
-              <a:rPr lang="en-US" dirty="0" smtClean="0">
-                <a:solidFill>
-                  <a:schemeClr val="bg1"/>
-                </a:solidFill>
-              </a:rPr>
-              <a:t>Specification</a:t>
-            </a:r>
-            <a:r>
-              <a:rPr lang="ru-RU" dirty="0" smtClean="0">
-                <a:solidFill>
-                  <a:schemeClr val="bg1"/>
-                </a:solidFill>
-              </a:rPr>
-              <a:t/>
-            </a:r>
-            <a:br>
-              <a:rPr lang="ru-RU" dirty="0" smtClean="0">
-                <a:solidFill>
-                  <a:schemeClr val="bg1"/>
-                </a:solidFill>
-              </a:rPr>
-            </a:br>
-            <a:r>
-              <a:rPr lang="en-US" dirty="0" smtClean="0">
-                <a:solidFill>
-                  <a:schemeClr val="bg1"/>
-                </a:solidFill>
-              </a:rPr>
-              <a:t>"C</a:t>
-            </a:r>
-            <a:r>
-              <a:rPr lang="en-US" dirty="0">
-                <a:solidFill>
-                  <a:schemeClr val="bg1"/>
-                </a:solidFill>
-              </a:rPr>
-              <a:t>:\Program Files (x86)\Microsoft Visual Studio 11.0\VC#\Specifications\1033\ </a:t>
-            </a:r>
-            <a:r>
-              <a:rPr lang="en-US" dirty="0" err="1">
-                <a:solidFill>
-                  <a:schemeClr val="bg1"/>
-                </a:solidFill>
-              </a:rPr>
-              <a:t>CSharp</a:t>
-            </a:r>
-            <a:r>
-              <a:rPr lang="en-US" dirty="0">
-                <a:solidFill>
-                  <a:schemeClr val="bg1"/>
-                </a:solidFill>
-              </a:rPr>
-              <a:t> Language Specification.doc </a:t>
-            </a:r>
-            <a:r>
-              <a:rPr lang="en-US" dirty="0" smtClean="0">
-                <a:solidFill>
-                  <a:schemeClr val="bg1"/>
-                </a:solidFill>
-              </a:rPr>
-              <a:t>"</a:t>
-            </a:r>
-            <a:endParaRPr lang="en-US" dirty="0">
+              <a:t>ReSharper - </a:t>
+            </a:r>
+            <a:r>
+              <a:rPr lang="en-US" u="sng" dirty="0">
+                <a:solidFill>
+                  <a:schemeClr val="bg1"/>
+                </a:solidFill>
+              </a:rPr>
+              <a:t>http://www.jetbrains.com/resharper</a:t>
+            </a:r>
+            <a:r>
+              <a:rPr lang="en-US" u="sng" dirty="0" smtClean="0">
+                <a:solidFill>
+                  <a:schemeClr val="bg1"/>
+                </a:solidFill>
+              </a:rPr>
+              <a:t>/</a:t>
+            </a:r>
+            <a:endParaRPr lang="en-US" dirty="0" smtClean="0">
               <a:solidFill>
                 <a:schemeClr val="bg1"/>
               </a:solidFill>
@@ -31304,7 +28855,7 @@
     </p:spTree>
     <p:extLst>
       <p:ext uri="{BB962C8B-B14F-4D97-AF65-F5344CB8AC3E}">
-        <p14:creationId xmlns:p14="http://schemas.microsoft.com/office/powerpoint/2010/main" val="1661701209"/>
+        <p14:creationId xmlns:p14="http://schemas.microsoft.com/office/powerpoint/2010/main" val="2029492004"/>
       </p:ext>
     </p:extLst>
   </p:cSld>
@@ -31361,7 +28912,7 @@
         <p:spPr>
           <a:xfrm>
             <a:off x="251520" y="188640"/>
-            <a:ext cx="8640960" cy="3077766"/>
+            <a:ext cx="8640960" cy="1138773"/>
           </a:xfrm>
           <a:prstGeom prst="rect">
             <a:avLst/>
@@ -31375,366 +28926,29 @@
           <a:p>
             <a:pPr lvl="0"/>
             <a:r>
-              <a:rPr lang="ru-RU" sz="3200" dirty="0" smtClean="0">
-                <a:solidFill>
-                  <a:schemeClr val="bg1"/>
-                </a:solidFill>
-              </a:rPr>
-              <a:t>Ссылки</a:t>
-            </a:r>
-            <a:endParaRPr lang="en-US" sz="3200" dirty="0" smtClean="0">
-              <a:solidFill>
-                <a:schemeClr val="bg1"/>
-              </a:solidFill>
-            </a:endParaRPr>
-          </a:p>
-          <a:p>
-            <a:pPr marL="742950" lvl="1" indent="-285750">
-              <a:buFont typeface="Arial" pitchFamily="34" charset="0"/>
-              <a:buChar char="•"/>
-            </a:pPr>
-            <a:r>
-              <a:rPr lang="en-US" dirty="0" smtClean="0">
-                <a:solidFill>
-                  <a:schemeClr val="bg1"/>
-                </a:solidFill>
-              </a:rPr>
-              <a:t>Microsoft Developer Network</a:t>
-            </a:r>
-            <a:r>
-              <a:rPr lang="ru-RU" dirty="0" smtClean="0">
-                <a:solidFill>
-                  <a:schemeClr val="bg1"/>
-                </a:solidFill>
-              </a:rPr>
-              <a:t> - </a:t>
-            </a:r>
-            <a:r>
-              <a:rPr lang="en-US" u="sng" dirty="0" smtClean="0">
-                <a:solidFill>
-                  <a:schemeClr val="bg1"/>
-                </a:solidFill>
-                <a:hlinkClick r:id="rId3"/>
-              </a:rPr>
-              <a:t>http</a:t>
-            </a:r>
-            <a:r>
-              <a:rPr lang="en-US" u="sng" dirty="0">
-                <a:solidFill>
-                  <a:schemeClr val="bg1"/>
-                </a:solidFill>
-                <a:hlinkClick r:id="rId3"/>
-              </a:rPr>
-              <a:t>://</a:t>
-            </a:r>
-            <a:r>
-              <a:rPr lang="en-US" u="sng" dirty="0" smtClean="0">
-                <a:solidFill>
-                  <a:schemeClr val="bg1"/>
-                </a:solidFill>
-                <a:hlinkClick r:id="rId3"/>
-              </a:rPr>
-              <a:t>msdn.microsoft.com/ru-ru/</a:t>
-            </a:r>
-            <a:endParaRPr lang="en-US" u="sng" dirty="0" smtClean="0">
-              <a:solidFill>
-                <a:schemeClr val="bg1"/>
-              </a:solidFill>
-            </a:endParaRPr>
-          </a:p>
-          <a:p>
-            <a:pPr marL="742950" lvl="1" indent="-285750">
-              <a:buFont typeface="Arial" pitchFamily="34" charset="0"/>
-              <a:buChar char="•"/>
-            </a:pPr>
-            <a:r>
-              <a:rPr lang="en-US" u="sng" dirty="0" smtClean="0">
-                <a:solidFill>
-                  <a:schemeClr val="bg1"/>
-                </a:solidFill>
-                <a:hlinkClick r:id="rId4"/>
-              </a:rPr>
-              <a:t>http</a:t>
-            </a:r>
-            <a:r>
-              <a:rPr lang="en-US" u="sng" dirty="0">
-                <a:solidFill>
-                  <a:schemeClr val="bg1"/>
-                </a:solidFill>
-                <a:hlinkClick r:id="rId4"/>
-              </a:rPr>
-              <a:t>://</a:t>
-            </a:r>
-            <a:r>
-              <a:rPr lang="en-US" u="sng" dirty="0" smtClean="0">
-                <a:solidFill>
-                  <a:schemeClr val="bg1"/>
-                </a:solidFill>
-                <a:hlinkClick r:id="rId4"/>
-              </a:rPr>
-              <a:t>www.asp.net/</a:t>
-            </a:r>
-            <a:endParaRPr lang="ru-RU" u="sng" dirty="0" smtClean="0">
-              <a:solidFill>
-                <a:schemeClr val="bg1"/>
-              </a:solidFill>
-            </a:endParaRPr>
-          </a:p>
-          <a:p>
-            <a:pPr marL="742950" lvl="1" indent="-285750">
-              <a:buFont typeface="Arial" pitchFamily="34" charset="0"/>
-              <a:buChar char="•"/>
-            </a:pPr>
-            <a:r>
-              <a:rPr lang="en-US" u="sng" dirty="0" smtClean="0">
-                <a:solidFill>
-                  <a:schemeClr val="bg1"/>
-                </a:solidFill>
-                <a:hlinkClick r:id="rId5"/>
-              </a:rPr>
-              <a:t>http</a:t>
-            </a:r>
-            <a:r>
-              <a:rPr lang="en-US" u="sng" dirty="0">
-                <a:solidFill>
-                  <a:schemeClr val="bg1"/>
-                </a:solidFill>
-                <a:hlinkClick r:id="rId5"/>
-              </a:rPr>
-              <a:t>://</a:t>
-            </a:r>
-            <a:r>
-              <a:rPr lang="en-US" u="sng" dirty="0" smtClean="0">
-                <a:solidFill>
-                  <a:schemeClr val="bg1"/>
-                </a:solidFill>
-                <a:hlinkClick r:id="rId5"/>
-              </a:rPr>
-              <a:t>channel9.msdn.com/</a:t>
-            </a:r>
-            <a:endParaRPr lang="ru-RU" u="sng" dirty="0" smtClean="0">
-              <a:solidFill>
-                <a:schemeClr val="bg1"/>
-              </a:solidFill>
-            </a:endParaRPr>
-          </a:p>
-          <a:p>
-            <a:pPr marL="742950" lvl="1" indent="-285750">
-              <a:buFont typeface="Arial" pitchFamily="34" charset="0"/>
-              <a:buChar char="•"/>
-            </a:pPr>
-            <a:r>
-              <a:rPr lang="ru-RU" dirty="0" smtClean="0">
-                <a:solidFill>
-                  <a:schemeClr val="bg1"/>
-                </a:solidFill>
-              </a:rPr>
-              <a:t>С</a:t>
-            </a:r>
-            <a:r>
-              <a:rPr lang="en-US" dirty="0" smtClean="0">
-                <a:solidFill>
-                  <a:schemeClr val="bg1"/>
-                </a:solidFill>
-              </a:rPr>
-              <a:t># Little Wonders</a:t>
-            </a:r>
-            <a:r>
-              <a:rPr lang="ru-RU" dirty="0" smtClean="0">
-                <a:solidFill>
-                  <a:schemeClr val="bg1"/>
-                </a:solidFill>
-              </a:rPr>
-              <a:t> -</a:t>
-            </a:r>
-            <a:r>
-              <a:rPr lang="en-US" dirty="0" smtClean="0">
-                <a:solidFill>
-                  <a:schemeClr val="bg1"/>
-                </a:solidFill>
-              </a:rPr>
-              <a:t> </a:t>
-            </a:r>
-            <a:r>
-              <a:rPr lang="en-US" dirty="0" smtClean="0">
-                <a:solidFill>
-                  <a:schemeClr val="bg1"/>
-                </a:solidFill>
-                <a:hlinkClick r:id="rId6"/>
-              </a:rPr>
-              <a:t>http</a:t>
-            </a:r>
-            <a:r>
-              <a:rPr lang="en-US" dirty="0">
-                <a:solidFill>
-                  <a:schemeClr val="bg1"/>
-                </a:solidFill>
-                <a:hlinkClick r:id="rId6"/>
-              </a:rPr>
-              <a:t>://</a:t>
-            </a:r>
-            <a:r>
-              <a:rPr lang="en-US" dirty="0" smtClean="0">
-                <a:solidFill>
-                  <a:schemeClr val="bg1"/>
-                </a:solidFill>
-                <a:hlinkClick r:id="rId6"/>
-              </a:rPr>
-              <a:t>blackrabbitcoder.net/category/11989.aspx</a:t>
-            </a:r>
+              <a:rPr lang="en-US" sz="3200" dirty="0" smtClean="0">
+                <a:solidFill>
+                  <a:schemeClr val="bg1"/>
+                </a:solidFill>
+              </a:rPr>
+              <a:t>.NET Framework – Managed platform</a:t>
+            </a:r>
+            <a:endParaRPr lang="ru-RU" sz="3200" dirty="0" smtClean="0">
+              <a:solidFill>
+                <a:schemeClr val="bg1"/>
+              </a:solidFill>
+            </a:endParaRPr>
+          </a:p>
+          <a:p>
+            <a:pPr lvl="0"/>
+            <a:endParaRPr lang="ru-RU" dirty="0" smtClean="0">
+              <a:solidFill>
+                <a:schemeClr val="bg1"/>
+              </a:solidFill>
+            </a:endParaRPr>
+          </a:p>
+          <a:p>
             <a:endParaRPr lang="en-US" dirty="0" smtClean="0">
-              <a:solidFill>
-                <a:schemeClr val="bg1"/>
-              </a:solidFill>
-            </a:endParaRPr>
-          </a:p>
-          <a:p>
-            <a:endParaRPr lang="ru-RU" dirty="0" smtClean="0">
-              <a:solidFill>
-                <a:schemeClr val="bg1"/>
-              </a:solidFill>
-            </a:endParaRPr>
-          </a:p>
-          <a:p>
-            <a:r>
-              <a:rPr lang="ru-RU" dirty="0" smtClean="0">
-                <a:solidFill>
-                  <a:schemeClr val="bg1"/>
-                </a:solidFill>
-              </a:rPr>
-              <a:t>Форумы:</a:t>
-            </a:r>
-          </a:p>
-          <a:p>
-            <a:pPr marL="742950" lvl="1" indent="-285750">
-              <a:buFont typeface="Arial" pitchFamily="34" charset="0"/>
-              <a:buChar char="•"/>
-            </a:pPr>
-            <a:r>
-              <a:rPr lang="en-US" dirty="0" smtClean="0">
-                <a:solidFill>
-                  <a:schemeClr val="bg1"/>
-                </a:solidFill>
-              </a:rPr>
-              <a:t>[RUS</a:t>
-            </a:r>
-            <a:r>
-              <a:rPr lang="en-US" dirty="0">
-                <a:solidFill>
-                  <a:schemeClr val="bg1"/>
-                </a:solidFill>
-              </a:rPr>
-              <a:t>] </a:t>
-            </a:r>
-            <a:r>
-              <a:rPr lang="en-US" dirty="0">
-                <a:solidFill>
-                  <a:schemeClr val="bg1"/>
-                </a:solidFill>
-                <a:hlinkClick r:id="rId7"/>
-              </a:rPr>
-              <a:t>http://www.rsdn.ru</a:t>
-            </a:r>
-            <a:r>
-              <a:rPr lang="en-US" dirty="0" smtClean="0">
-                <a:solidFill>
-                  <a:schemeClr val="bg1"/>
-                </a:solidFill>
-                <a:hlinkClick r:id="rId7"/>
-              </a:rPr>
-              <a:t>/</a:t>
-            </a:r>
-            <a:endParaRPr lang="ru-RU" dirty="0" smtClean="0">
-              <a:solidFill>
-                <a:schemeClr val="bg1"/>
-              </a:solidFill>
-            </a:endParaRPr>
-          </a:p>
-          <a:p>
-            <a:pPr marL="742950" lvl="1" indent="-285750">
-              <a:buFont typeface="Arial" pitchFamily="34" charset="0"/>
-              <a:buChar char="•"/>
-            </a:pPr>
-            <a:r>
-              <a:rPr lang="en-US" dirty="0">
-                <a:solidFill>
-                  <a:schemeClr val="bg1"/>
-                </a:solidFill>
-              </a:rPr>
-              <a:t>[RUS</a:t>
-            </a:r>
-            <a:r>
-              <a:rPr lang="en-US" dirty="0" smtClean="0">
-                <a:solidFill>
-                  <a:schemeClr val="bg1"/>
-                </a:solidFill>
-              </a:rPr>
-              <a:t>]</a:t>
-            </a:r>
-            <a:r>
-              <a:rPr lang="ru-RU" dirty="0" smtClean="0">
-                <a:solidFill>
-                  <a:schemeClr val="bg1"/>
-                </a:solidFill>
-              </a:rPr>
-              <a:t> </a:t>
-            </a:r>
-            <a:r>
-              <a:rPr lang="en-US" dirty="0">
-                <a:solidFill>
-                  <a:schemeClr val="bg1"/>
-                </a:solidFill>
-                <a:hlinkClick r:id="rId8"/>
-              </a:rPr>
-              <a:t>www.sql.ru/forum</a:t>
-            </a:r>
-            <a:r>
-              <a:rPr lang="en-US" dirty="0" smtClean="0">
-                <a:solidFill>
-                  <a:schemeClr val="bg1"/>
-                </a:solidFill>
-                <a:hlinkClick r:id="rId8"/>
-              </a:rPr>
-              <a:t>/</a:t>
-            </a:r>
-            <a:endParaRPr lang="en-US" dirty="0" smtClean="0">
-              <a:solidFill>
-                <a:schemeClr val="bg1"/>
-              </a:solidFill>
-            </a:endParaRPr>
-          </a:p>
-          <a:p>
-            <a:pPr marL="742950" lvl="1" indent="-285750">
-              <a:buFont typeface="Arial" pitchFamily="34" charset="0"/>
-              <a:buChar char="•"/>
-            </a:pPr>
-            <a:r>
-              <a:rPr lang="en-US" dirty="0">
-                <a:solidFill>
-                  <a:schemeClr val="bg1"/>
-                </a:solidFill>
-              </a:rPr>
-              <a:t>[ENG] </a:t>
-            </a:r>
-            <a:r>
-              <a:rPr lang="en-US" dirty="0">
-                <a:solidFill>
-                  <a:schemeClr val="bg1"/>
-                </a:solidFill>
-                <a:hlinkClick r:id="rId9"/>
-              </a:rPr>
-              <a:t>http://stackoverflow.com</a:t>
-            </a:r>
-            <a:r>
-              <a:rPr lang="en-US" dirty="0" smtClean="0">
-                <a:solidFill>
-                  <a:schemeClr val="bg1"/>
-                </a:solidFill>
-                <a:hlinkClick r:id="rId9"/>
-              </a:rPr>
-              <a:t>/</a:t>
-            </a:r>
-            <a:endParaRPr lang="en-US" dirty="0">
               <a:solidFill>
                 <a:schemeClr val="bg1"/>
               </a:solidFill>
@@ -31742,10 +28956,43 @@
           </a:p>
         </p:txBody>
       </p:sp>
+      <p:pic>
+        <p:nvPicPr>
+          <p:cNvPr id="4" name="Picture 3" descr="Managed code within a larger architecture"/>
+          <p:cNvPicPr/>
+          <p:nvPr/>
+        </p:nvPicPr>
+        <p:blipFill>
+          <a:blip r:embed="rId3">
+            <a:extLst>
+              <a:ext uri="{28A0092B-C50C-407E-A947-70E740481C1C}">
+                <a14:useLocalDpi xmlns:a14="http://schemas.microsoft.com/office/drawing/2010/main" val="0"/>
+              </a:ext>
+            </a:extLst>
+          </a:blip>
+          <a:srcRect/>
+          <a:stretch>
+            <a:fillRect/>
+          </a:stretch>
+        </p:blipFill>
+        <p:spPr bwMode="auto">
+          <a:xfrm>
+            <a:off x="2147887" y="1359120"/>
+            <a:ext cx="4848225" cy="4448175"/>
+          </a:xfrm>
+          <a:prstGeom prst="rect">
+            <a:avLst/>
+          </a:prstGeom>
+          <a:noFill/>
+          <a:ln>
+            <a:noFill/>
+          </a:ln>
+        </p:spPr>
+      </p:pic>
     </p:spTree>
     <p:extLst>
       <p:ext uri="{BB962C8B-B14F-4D97-AF65-F5344CB8AC3E}">
-        <p14:creationId xmlns:p14="http://schemas.microsoft.com/office/powerpoint/2010/main" val="2150665546"/>
+        <p14:creationId xmlns:p14="http://schemas.microsoft.com/office/powerpoint/2010/main" val="1986342191"/>
       </p:ext>
     </p:extLst>
   </p:cSld>
@@ -31801,8 +29048,8 @@
         </p:nvSpPr>
         <p:spPr>
           <a:xfrm>
-            <a:off x="251520" y="3136613"/>
-            <a:ext cx="8640960" cy="584775"/>
+            <a:off x="251520" y="188640"/>
+            <a:ext cx="8640960" cy="1138773"/>
           </a:xfrm>
           <a:prstGeom prst="rect">
             <a:avLst/>
@@ -31814,16 +29061,39 @@
           </a:bodyPr>
           <a:lstStyle/>
           <a:p>
-            <a:pPr lvl="0" algn="ctr"/>
-            <a:r>
-              <a:rPr lang="en-US" sz="3200" dirty="0">
-                <a:solidFill>
-                  <a:schemeClr val="bg1"/>
-                </a:solidFill>
-              </a:rPr>
-              <a:t>https://github.com/bazile/Training</a:t>
-            </a:r>
-            <a:endParaRPr lang="en-US" sz="3200" dirty="0" smtClean="0">
+            <a:pPr lvl="0"/>
+            <a:r>
+              <a:rPr lang="ru-RU" sz="3200" dirty="0" smtClean="0">
+                <a:solidFill>
+                  <a:schemeClr val="bg1"/>
+                </a:solidFill>
+              </a:rPr>
+              <a:t>Версии </a:t>
+            </a:r>
+            <a:r>
+              <a:rPr lang="en-US" sz="3200" dirty="0" smtClean="0">
+                <a:solidFill>
+                  <a:schemeClr val="bg1"/>
+                </a:solidFill>
+              </a:rPr>
+              <a:t>.NET Framework</a:t>
+            </a:r>
+            <a:endParaRPr lang="ru-RU" sz="3200" dirty="0" smtClean="0">
+              <a:solidFill>
+                <a:schemeClr val="bg1"/>
+              </a:solidFill>
+            </a:endParaRPr>
+          </a:p>
+          <a:p>
+            <a:pPr lvl="0"/>
+            <a:endParaRPr lang="ru-RU" dirty="0" smtClean="0">
+              <a:solidFill>
+                <a:schemeClr val="bg1"/>
+              </a:solidFill>
+            </a:endParaRPr>
+          </a:p>
+          <a:p>
+            <a:endParaRPr lang="en-US" dirty="0" smtClean="0">
               <a:solidFill>
                 <a:schemeClr val="bg1"/>
               </a:solidFill>
@@ -31831,10 +29101,2758 @@
           </a:p>
         </p:txBody>
       </p:sp>
+      <p:graphicFrame>
+        <p:nvGraphicFramePr>
+          <p:cNvPr id="6" name="Table 5"/>
+          <p:cNvGraphicFramePr>
+            <a:graphicFrameLocks noGrp="1"/>
+          </p:cNvGraphicFramePr>
+          <p:nvPr>
+            <p:extLst>
+              <p:ext uri="{D42A27DB-BD31-4B8C-83A1-F6EECF244321}">
+                <p14:modId xmlns:p14="http://schemas.microsoft.com/office/powerpoint/2010/main" val="3402533746"/>
+              </p:ext>
+            </p:extLst>
+          </p:nvPr>
+        </p:nvGraphicFramePr>
+        <p:xfrm>
+          <a:off x="323528" y="1495322"/>
+          <a:ext cx="8496944" cy="4525966"/>
+        </p:xfrm>
+        <a:graphic>
+          <a:graphicData uri="http://schemas.openxmlformats.org/drawingml/2006/table">
+            <a:tbl>
+              <a:tblPr/>
+              <a:tblGrid>
+                <a:gridCol w="936104"/>
+                <a:gridCol w="1944216"/>
+                <a:gridCol w="1440160"/>
+                <a:gridCol w="1656184"/>
+                <a:gridCol w="2520280"/>
+              </a:tblGrid>
+              <a:tr h="428132">
+                <a:tc>
+                  <a:txBody>
+                    <a:bodyPr/>
+                    <a:lstStyle/>
+                    <a:p>
+                      <a:r>
+                        <a:rPr lang="ru-RU" sz="1200" b="1" dirty="0" smtClean="0">
+                          <a:solidFill>
+                            <a:schemeClr val="accent1"/>
+                          </a:solidFill>
+                        </a:rPr>
+                        <a:t>Версия</a:t>
+                      </a:r>
+                      <a:r>
+                        <a:rPr lang="ru-RU" sz="1200" b="1" baseline="0" dirty="0" smtClean="0">
+                          <a:solidFill>
+                            <a:schemeClr val="accent1"/>
+                          </a:solidFill>
+                        </a:rPr>
+                        <a:t> </a:t>
+                      </a:r>
+                      <a:r>
+                        <a:rPr lang="en-US" sz="1200" b="1" baseline="0" dirty="0" smtClean="0">
+                          <a:solidFill>
+                            <a:schemeClr val="accent1"/>
+                          </a:solidFill>
+                        </a:rPr>
+                        <a:t>.NET</a:t>
+                      </a:r>
+                      <a:endParaRPr lang="en-US" sz="1200" b="1" dirty="0">
+                        <a:solidFill>
+                          <a:schemeClr val="accent1"/>
+                        </a:solidFill>
+                      </a:endParaRPr>
+                    </a:p>
+                  </a:txBody>
+                  <a:tcPr marL="61162" marR="61162" marT="30581" marB="30581" anchor="ctr">
+                    <a:lnL w="12700" cap="flat" cmpd="sng" algn="ctr">
+                      <a:solidFill>
+                        <a:schemeClr val="bg1"/>
+                      </a:solidFill>
+                      <a:prstDash val="solid"/>
+                      <a:round/>
+                      <a:headEnd type="none" w="med" len="med"/>
+                      <a:tailEnd type="none" w="med" len="med"/>
+                    </a:lnL>
+                    <a:lnR w="12700" cap="flat" cmpd="sng" algn="ctr">
+                      <a:solidFill>
+                        <a:schemeClr val="bg1"/>
+                      </a:solidFill>
+                      <a:prstDash val="solid"/>
+                      <a:round/>
+                      <a:headEnd type="none" w="med" len="med"/>
+                      <a:tailEnd type="none" w="med" len="med"/>
+                    </a:lnR>
+                    <a:lnT w="12700" cap="flat" cmpd="sng" algn="ctr">
+                      <a:solidFill>
+                        <a:schemeClr val="bg1"/>
+                      </a:solidFill>
+                      <a:prstDash val="solid"/>
+                      <a:round/>
+                      <a:headEnd type="none" w="med" len="med"/>
+                      <a:tailEnd type="none" w="med" len="med"/>
+                    </a:lnT>
+                    <a:lnB w="12700" cap="flat" cmpd="sng" algn="ctr">
+                      <a:solidFill>
+                        <a:schemeClr val="bg1"/>
+                      </a:solidFill>
+                      <a:prstDash val="solid"/>
+                      <a:round/>
+                      <a:headEnd type="none" w="med" len="med"/>
+                      <a:tailEnd type="none" w="med" len="med"/>
+                    </a:lnB>
+                    <a:lnTlToBr w="12700" cmpd="sng">
+                      <a:noFill/>
+                      <a:prstDash val="solid"/>
+                    </a:lnTlToBr>
+                    <a:lnBlToTr w="12700" cmpd="sng">
+                      <a:noFill/>
+                      <a:prstDash val="solid"/>
+                    </a:lnBlToTr>
+                    <a:solidFill>
+                      <a:schemeClr val="bg1"/>
+                    </a:solidFill>
+                  </a:tcPr>
+                </a:tc>
+                <a:tc>
+                  <a:txBody>
+                    <a:bodyPr/>
+                    <a:lstStyle/>
+                    <a:p>
+                      <a:r>
+                        <a:rPr lang="ru-RU" sz="1200" b="1" dirty="0" smtClean="0">
+                          <a:solidFill>
+                            <a:schemeClr val="accent1"/>
+                          </a:solidFill>
+                        </a:rPr>
+                        <a:t>Номер версии</a:t>
+                      </a:r>
+                      <a:endParaRPr lang="en-US" sz="1200" b="1" dirty="0">
+                        <a:solidFill>
+                          <a:schemeClr val="accent1"/>
+                        </a:solidFill>
+                      </a:endParaRPr>
+                    </a:p>
+                  </a:txBody>
+                  <a:tcPr marL="61162" marR="61162" marT="30581" marB="30581" anchor="ctr">
+                    <a:lnL w="12700" cap="flat" cmpd="sng" algn="ctr">
+                      <a:solidFill>
+                        <a:schemeClr val="bg1"/>
+                      </a:solidFill>
+                      <a:prstDash val="solid"/>
+                      <a:round/>
+                      <a:headEnd type="none" w="med" len="med"/>
+                      <a:tailEnd type="none" w="med" len="med"/>
+                    </a:lnL>
+                    <a:lnR w="12700" cap="flat" cmpd="sng" algn="ctr">
+                      <a:solidFill>
+                        <a:schemeClr val="bg1"/>
+                      </a:solidFill>
+                      <a:prstDash val="solid"/>
+                      <a:round/>
+                      <a:headEnd type="none" w="med" len="med"/>
+                      <a:tailEnd type="none" w="med" len="med"/>
+                    </a:lnR>
+                    <a:lnT w="12700" cap="flat" cmpd="sng" algn="ctr">
+                      <a:solidFill>
+                        <a:schemeClr val="bg1"/>
+                      </a:solidFill>
+                      <a:prstDash val="solid"/>
+                      <a:round/>
+                      <a:headEnd type="none" w="med" len="med"/>
+                      <a:tailEnd type="none" w="med" len="med"/>
+                    </a:lnT>
+                    <a:lnB w="12700" cap="flat" cmpd="sng" algn="ctr">
+                      <a:solidFill>
+                        <a:schemeClr val="bg1"/>
+                      </a:solidFill>
+                      <a:prstDash val="solid"/>
+                      <a:round/>
+                      <a:headEnd type="none" w="med" len="med"/>
+                      <a:tailEnd type="none" w="med" len="med"/>
+                    </a:lnB>
+                    <a:lnTlToBr w="12700" cmpd="sng">
+                      <a:noFill/>
+                      <a:prstDash val="solid"/>
+                    </a:lnTlToBr>
+                    <a:lnBlToTr w="12700" cmpd="sng">
+                      <a:noFill/>
+                      <a:prstDash val="solid"/>
+                    </a:lnBlToTr>
+                    <a:solidFill>
+                      <a:schemeClr val="bg1"/>
+                    </a:solidFill>
+                  </a:tcPr>
+                </a:tc>
+                <a:tc>
+                  <a:txBody>
+                    <a:bodyPr/>
+                    <a:lstStyle/>
+                    <a:p>
+                      <a:r>
+                        <a:rPr lang="ru-RU" sz="1200" b="1" dirty="0" smtClean="0">
+                          <a:solidFill>
+                            <a:schemeClr val="accent1"/>
+                          </a:solidFill>
+                        </a:rPr>
+                        <a:t>Дата выхода</a:t>
+                      </a:r>
+                      <a:endParaRPr lang="en-US" sz="1200" b="1" dirty="0">
+                        <a:solidFill>
+                          <a:schemeClr val="accent1"/>
+                        </a:solidFill>
+                      </a:endParaRPr>
+                    </a:p>
+                  </a:txBody>
+                  <a:tcPr marL="61162" marR="61162" marT="30581" marB="30581" anchor="ctr">
+                    <a:lnL w="12700" cap="flat" cmpd="sng" algn="ctr">
+                      <a:solidFill>
+                        <a:schemeClr val="bg1"/>
+                      </a:solidFill>
+                      <a:prstDash val="solid"/>
+                      <a:round/>
+                      <a:headEnd type="none" w="med" len="med"/>
+                      <a:tailEnd type="none" w="med" len="med"/>
+                    </a:lnL>
+                    <a:lnR w="12700" cap="flat" cmpd="sng" algn="ctr">
+                      <a:solidFill>
+                        <a:schemeClr val="bg1"/>
+                      </a:solidFill>
+                      <a:prstDash val="solid"/>
+                      <a:round/>
+                      <a:headEnd type="none" w="med" len="med"/>
+                      <a:tailEnd type="none" w="med" len="med"/>
+                    </a:lnR>
+                    <a:lnT w="12700" cap="flat" cmpd="sng" algn="ctr">
+                      <a:solidFill>
+                        <a:schemeClr val="bg1"/>
+                      </a:solidFill>
+                      <a:prstDash val="solid"/>
+                      <a:round/>
+                      <a:headEnd type="none" w="med" len="med"/>
+                      <a:tailEnd type="none" w="med" len="med"/>
+                    </a:lnT>
+                    <a:lnB w="12700" cap="flat" cmpd="sng" algn="ctr">
+                      <a:solidFill>
+                        <a:schemeClr val="bg1"/>
+                      </a:solidFill>
+                      <a:prstDash val="solid"/>
+                      <a:round/>
+                      <a:headEnd type="none" w="med" len="med"/>
+                      <a:tailEnd type="none" w="med" len="med"/>
+                    </a:lnB>
+                    <a:lnTlToBr w="12700" cmpd="sng">
+                      <a:noFill/>
+                      <a:prstDash val="solid"/>
+                    </a:lnTlToBr>
+                    <a:lnBlToTr w="12700" cmpd="sng">
+                      <a:noFill/>
+                      <a:prstDash val="solid"/>
+                    </a:lnBlToTr>
+                    <a:solidFill>
+                      <a:schemeClr val="bg1"/>
+                    </a:solidFill>
+                  </a:tcPr>
+                </a:tc>
+                <a:tc>
+                  <a:txBody>
+                    <a:bodyPr/>
+                    <a:lstStyle/>
+                    <a:p>
+                      <a:r>
+                        <a:rPr lang="en-US" sz="1200" b="1" dirty="0">
+                          <a:solidFill>
+                            <a:schemeClr val="accent1"/>
+                          </a:solidFill>
+                        </a:rPr>
+                        <a:t>Visual Studio</a:t>
+                      </a:r>
+                    </a:p>
+                  </a:txBody>
+                  <a:tcPr marL="61162" marR="61162" marT="30581" marB="30581" anchor="ctr">
+                    <a:lnL w="12700" cap="flat" cmpd="sng" algn="ctr">
+                      <a:solidFill>
+                        <a:schemeClr val="bg1"/>
+                      </a:solidFill>
+                      <a:prstDash val="solid"/>
+                      <a:round/>
+                      <a:headEnd type="none" w="med" len="med"/>
+                      <a:tailEnd type="none" w="med" len="med"/>
+                    </a:lnL>
+                    <a:lnR w="12700" cap="flat" cmpd="sng" algn="ctr">
+                      <a:solidFill>
+                        <a:schemeClr val="bg1"/>
+                      </a:solidFill>
+                      <a:prstDash val="solid"/>
+                      <a:round/>
+                      <a:headEnd type="none" w="med" len="med"/>
+                      <a:tailEnd type="none" w="med" len="med"/>
+                    </a:lnR>
+                    <a:lnT w="12700" cap="flat" cmpd="sng" algn="ctr">
+                      <a:solidFill>
+                        <a:schemeClr val="bg1"/>
+                      </a:solidFill>
+                      <a:prstDash val="solid"/>
+                      <a:round/>
+                      <a:headEnd type="none" w="med" len="med"/>
+                      <a:tailEnd type="none" w="med" len="med"/>
+                    </a:lnT>
+                    <a:lnB w="12700" cap="flat" cmpd="sng" algn="ctr">
+                      <a:solidFill>
+                        <a:schemeClr val="bg1"/>
+                      </a:solidFill>
+                      <a:prstDash val="solid"/>
+                      <a:round/>
+                      <a:headEnd type="none" w="med" len="med"/>
+                      <a:tailEnd type="none" w="med" len="med"/>
+                    </a:lnB>
+                    <a:lnTlToBr w="12700" cmpd="sng">
+                      <a:noFill/>
+                      <a:prstDash val="solid"/>
+                    </a:lnTlToBr>
+                    <a:lnBlToTr w="12700" cmpd="sng">
+                      <a:noFill/>
+                      <a:prstDash val="solid"/>
+                    </a:lnBlToTr>
+                    <a:solidFill>
+                      <a:schemeClr val="bg1"/>
+                    </a:solidFill>
+                  </a:tcPr>
+                </a:tc>
+                <a:tc>
+                  <a:txBody>
+                    <a:bodyPr/>
+                    <a:lstStyle/>
+                    <a:p>
+                      <a:r>
+                        <a:rPr lang="en-US" sz="1200" b="1" dirty="0">
+                          <a:solidFill>
+                            <a:schemeClr val="accent1"/>
+                          </a:solidFill>
+                        </a:rPr>
+                        <a:t>Default in Windows</a:t>
+                      </a:r>
+                    </a:p>
+                  </a:txBody>
+                  <a:tcPr marL="61162" marR="61162" marT="30581" marB="30581" anchor="ctr">
+                    <a:lnL w="12700" cap="flat" cmpd="sng" algn="ctr">
+                      <a:solidFill>
+                        <a:schemeClr val="bg1"/>
+                      </a:solidFill>
+                      <a:prstDash val="solid"/>
+                      <a:round/>
+                      <a:headEnd type="none" w="med" len="med"/>
+                      <a:tailEnd type="none" w="med" len="med"/>
+                    </a:lnL>
+                    <a:lnR w="12700" cap="flat" cmpd="sng" algn="ctr">
+                      <a:solidFill>
+                        <a:schemeClr val="bg1"/>
+                      </a:solidFill>
+                      <a:prstDash val="solid"/>
+                      <a:round/>
+                      <a:headEnd type="none" w="med" len="med"/>
+                      <a:tailEnd type="none" w="med" len="med"/>
+                    </a:lnR>
+                    <a:lnT w="12700" cap="flat" cmpd="sng" algn="ctr">
+                      <a:solidFill>
+                        <a:schemeClr val="bg1"/>
+                      </a:solidFill>
+                      <a:prstDash val="solid"/>
+                      <a:round/>
+                      <a:headEnd type="none" w="med" len="med"/>
+                      <a:tailEnd type="none" w="med" len="med"/>
+                    </a:lnT>
+                    <a:lnB w="12700" cap="flat" cmpd="sng" algn="ctr">
+                      <a:solidFill>
+                        <a:schemeClr val="bg1"/>
+                      </a:solidFill>
+                      <a:prstDash val="solid"/>
+                      <a:round/>
+                      <a:headEnd type="none" w="med" len="med"/>
+                      <a:tailEnd type="none" w="med" len="med"/>
+                    </a:lnB>
+                    <a:lnTlToBr w="12700" cmpd="sng">
+                      <a:noFill/>
+                      <a:prstDash val="solid"/>
+                    </a:lnTlToBr>
+                    <a:lnBlToTr w="12700" cmpd="sng">
+                      <a:noFill/>
+                      <a:prstDash val="solid"/>
+                    </a:lnBlToTr>
+                    <a:solidFill>
+                      <a:schemeClr val="bg1"/>
+                    </a:solidFill>
+                  </a:tcPr>
+                </a:tc>
+              </a:tr>
+              <a:tr h="795102">
+                <a:tc>
+                  <a:txBody>
+                    <a:bodyPr/>
+                    <a:lstStyle/>
+                    <a:p>
+                      <a:r>
+                        <a:rPr lang="en-US" sz="1200" dirty="0">
+                          <a:solidFill>
+                            <a:schemeClr val="bg1"/>
+                          </a:solidFill>
+                        </a:rPr>
+                        <a:t>1.0</a:t>
+                      </a:r>
+                    </a:p>
+                  </a:txBody>
+                  <a:tcPr marL="61162" marR="61162" marT="30581" marB="30581" anchor="ctr">
+                    <a:lnL w="12700" cap="flat" cmpd="sng" algn="ctr">
+                      <a:solidFill>
+                        <a:schemeClr val="bg1"/>
+                      </a:solidFill>
+                      <a:prstDash val="solid"/>
+                      <a:round/>
+                      <a:headEnd type="none" w="med" len="med"/>
+                      <a:tailEnd type="none" w="med" len="med"/>
+                    </a:lnL>
+                    <a:lnR w="12700" cap="flat" cmpd="sng" algn="ctr">
+                      <a:solidFill>
+                        <a:schemeClr val="bg1"/>
+                      </a:solidFill>
+                      <a:prstDash val="solid"/>
+                      <a:round/>
+                      <a:headEnd type="none" w="med" len="med"/>
+                      <a:tailEnd type="none" w="med" len="med"/>
+                    </a:lnR>
+                    <a:lnT w="12700" cap="flat" cmpd="sng" algn="ctr">
+                      <a:solidFill>
+                        <a:schemeClr val="bg1"/>
+                      </a:solidFill>
+                      <a:prstDash val="solid"/>
+                      <a:round/>
+                      <a:headEnd type="none" w="med" len="med"/>
+                      <a:tailEnd type="none" w="med" len="med"/>
+                    </a:lnT>
+                    <a:lnB w="12700" cap="flat" cmpd="sng" algn="ctr">
+                      <a:solidFill>
+                        <a:schemeClr val="bg1"/>
+                      </a:solidFill>
+                      <a:prstDash val="solid"/>
+                      <a:round/>
+                      <a:headEnd type="none" w="med" len="med"/>
+                      <a:tailEnd type="none" w="med" len="med"/>
+                    </a:lnB>
+                    <a:lnTlToBr w="12700" cmpd="sng">
+                      <a:noFill/>
+                      <a:prstDash val="solid"/>
+                    </a:lnTlToBr>
+                    <a:lnBlToTr w="12700" cmpd="sng">
+                      <a:noFill/>
+                      <a:prstDash val="solid"/>
+                    </a:lnBlToTr>
+                  </a:tcPr>
+                </a:tc>
+                <a:tc>
+                  <a:txBody>
+                    <a:bodyPr/>
+                    <a:lstStyle/>
+                    <a:p>
+                      <a:r>
+                        <a:rPr lang="en-US" sz="1200" dirty="0">
+                          <a:solidFill>
+                            <a:schemeClr val="bg1"/>
+                          </a:solidFill>
+                        </a:rPr>
+                        <a:t>1.0.3705.0</a:t>
+                      </a:r>
+                    </a:p>
+                  </a:txBody>
+                  <a:tcPr marL="61162" marR="61162" marT="30581" marB="30581" anchor="ctr">
+                    <a:lnL w="12700" cap="flat" cmpd="sng" algn="ctr">
+                      <a:solidFill>
+                        <a:schemeClr val="bg1"/>
+                      </a:solidFill>
+                      <a:prstDash val="solid"/>
+                      <a:round/>
+                      <a:headEnd type="none" w="med" len="med"/>
+                      <a:tailEnd type="none" w="med" len="med"/>
+                    </a:lnL>
+                    <a:lnR w="12700" cap="flat" cmpd="sng" algn="ctr">
+                      <a:solidFill>
+                        <a:schemeClr val="bg1"/>
+                      </a:solidFill>
+                      <a:prstDash val="solid"/>
+                      <a:round/>
+                      <a:headEnd type="none" w="med" len="med"/>
+                      <a:tailEnd type="none" w="med" len="med"/>
+                    </a:lnR>
+                    <a:lnT w="12700" cap="flat" cmpd="sng" algn="ctr">
+                      <a:solidFill>
+                        <a:schemeClr val="bg1"/>
+                      </a:solidFill>
+                      <a:prstDash val="solid"/>
+                      <a:round/>
+                      <a:headEnd type="none" w="med" len="med"/>
+                      <a:tailEnd type="none" w="med" len="med"/>
+                    </a:lnT>
+                    <a:lnB w="12700" cap="flat" cmpd="sng" algn="ctr">
+                      <a:solidFill>
+                        <a:schemeClr val="bg1"/>
+                      </a:solidFill>
+                      <a:prstDash val="solid"/>
+                      <a:round/>
+                      <a:headEnd type="none" w="med" len="med"/>
+                      <a:tailEnd type="none" w="med" len="med"/>
+                    </a:lnB>
+                    <a:lnTlToBr w="12700" cmpd="sng">
+                      <a:noFill/>
+                      <a:prstDash val="solid"/>
+                    </a:lnTlToBr>
+                    <a:lnBlToTr w="12700" cmpd="sng">
+                      <a:noFill/>
+                      <a:prstDash val="solid"/>
+                    </a:lnBlToTr>
+                  </a:tcPr>
+                </a:tc>
+                <a:tc>
+                  <a:txBody>
+                    <a:bodyPr/>
+                    <a:lstStyle/>
+                    <a:p>
+                      <a:r>
+                        <a:rPr lang="ru-RU" sz="1200" dirty="0" smtClean="0">
+                          <a:solidFill>
+                            <a:schemeClr val="bg1"/>
+                          </a:solidFill>
+                        </a:rPr>
+                        <a:t>Февраль</a:t>
+                      </a:r>
+                      <a:r>
+                        <a:rPr lang="ru-RU" sz="1200" baseline="0" dirty="0" smtClean="0">
+                          <a:solidFill>
+                            <a:schemeClr val="bg1"/>
+                          </a:solidFill>
+                        </a:rPr>
+                        <a:t> </a:t>
+                      </a:r>
+                      <a:r>
+                        <a:rPr lang="en-US" sz="1200" dirty="0" smtClean="0">
+                          <a:solidFill>
+                            <a:schemeClr val="bg1"/>
+                          </a:solidFill>
+                        </a:rPr>
+                        <a:t>2002</a:t>
+                      </a:r>
+                      <a:r>
+                        <a:rPr lang="ru-RU" sz="1200" dirty="0" smtClean="0">
+                          <a:solidFill>
+                            <a:schemeClr val="bg1"/>
+                          </a:solidFill>
+                        </a:rPr>
+                        <a:t> года</a:t>
+                      </a:r>
+                      <a:endParaRPr lang="en-US" sz="1200" dirty="0">
+                        <a:solidFill>
+                          <a:schemeClr val="bg1"/>
+                        </a:solidFill>
+                      </a:endParaRPr>
+                    </a:p>
+                  </a:txBody>
+                  <a:tcPr marL="61162" marR="61162" marT="30581" marB="30581" anchor="ctr">
+                    <a:lnL w="12700" cap="flat" cmpd="sng" algn="ctr">
+                      <a:solidFill>
+                        <a:schemeClr val="bg1"/>
+                      </a:solidFill>
+                      <a:prstDash val="solid"/>
+                      <a:round/>
+                      <a:headEnd type="none" w="med" len="med"/>
+                      <a:tailEnd type="none" w="med" len="med"/>
+                    </a:lnL>
+                    <a:lnR w="12700" cap="flat" cmpd="sng" algn="ctr">
+                      <a:solidFill>
+                        <a:schemeClr val="bg1"/>
+                      </a:solidFill>
+                      <a:prstDash val="solid"/>
+                      <a:round/>
+                      <a:headEnd type="none" w="med" len="med"/>
+                      <a:tailEnd type="none" w="med" len="med"/>
+                    </a:lnR>
+                    <a:lnT w="12700" cap="flat" cmpd="sng" algn="ctr">
+                      <a:solidFill>
+                        <a:schemeClr val="bg1"/>
+                      </a:solidFill>
+                      <a:prstDash val="solid"/>
+                      <a:round/>
+                      <a:headEnd type="none" w="med" len="med"/>
+                      <a:tailEnd type="none" w="med" len="med"/>
+                    </a:lnT>
+                    <a:lnB w="12700" cap="flat" cmpd="sng" algn="ctr">
+                      <a:solidFill>
+                        <a:schemeClr val="bg1"/>
+                      </a:solidFill>
+                      <a:prstDash val="solid"/>
+                      <a:round/>
+                      <a:headEnd type="none" w="med" len="med"/>
+                      <a:tailEnd type="none" w="med" len="med"/>
+                    </a:lnB>
+                    <a:lnTlToBr w="12700" cmpd="sng">
+                      <a:noFill/>
+                      <a:prstDash val="solid"/>
+                    </a:lnTlToBr>
+                    <a:lnBlToTr w="12700" cmpd="sng">
+                      <a:noFill/>
+                      <a:prstDash val="solid"/>
+                    </a:lnBlToTr>
+                  </a:tcPr>
+                </a:tc>
+                <a:tc>
+                  <a:txBody>
+                    <a:bodyPr/>
+                    <a:lstStyle/>
+                    <a:p>
+                      <a:r>
+                        <a:rPr lang="en-US" sz="1200" dirty="0">
+                          <a:solidFill>
+                            <a:schemeClr val="bg1"/>
+                          </a:solidFill>
+                        </a:rPr>
+                        <a:t>Visual Studio .NET</a:t>
+                      </a:r>
+                    </a:p>
+                  </a:txBody>
+                  <a:tcPr marL="61162" marR="61162" marT="30581" marB="30581" anchor="ctr">
+                    <a:lnL w="12700" cap="flat" cmpd="sng" algn="ctr">
+                      <a:solidFill>
+                        <a:schemeClr val="bg1"/>
+                      </a:solidFill>
+                      <a:prstDash val="solid"/>
+                      <a:round/>
+                      <a:headEnd type="none" w="med" len="med"/>
+                      <a:tailEnd type="none" w="med" len="med"/>
+                    </a:lnL>
+                    <a:lnR w="12700" cap="flat" cmpd="sng" algn="ctr">
+                      <a:solidFill>
+                        <a:schemeClr val="bg1"/>
+                      </a:solidFill>
+                      <a:prstDash val="solid"/>
+                      <a:round/>
+                      <a:headEnd type="none" w="med" len="med"/>
+                      <a:tailEnd type="none" w="med" len="med"/>
+                    </a:lnR>
+                    <a:lnT w="12700" cap="flat" cmpd="sng" algn="ctr">
+                      <a:solidFill>
+                        <a:schemeClr val="bg1"/>
+                      </a:solidFill>
+                      <a:prstDash val="solid"/>
+                      <a:round/>
+                      <a:headEnd type="none" w="med" len="med"/>
+                      <a:tailEnd type="none" w="med" len="med"/>
+                    </a:lnT>
+                    <a:lnB w="12700" cap="flat" cmpd="sng" algn="ctr">
+                      <a:solidFill>
+                        <a:schemeClr val="bg1"/>
+                      </a:solidFill>
+                      <a:prstDash val="solid"/>
+                      <a:round/>
+                      <a:headEnd type="none" w="med" len="med"/>
+                      <a:tailEnd type="none" w="med" len="med"/>
+                    </a:lnB>
+                    <a:lnTlToBr w="12700" cmpd="sng">
+                      <a:noFill/>
+                      <a:prstDash val="solid"/>
+                    </a:lnTlToBr>
+                    <a:lnBlToTr w="12700" cmpd="sng">
+                      <a:noFill/>
+                      <a:prstDash val="solid"/>
+                    </a:lnBlToTr>
+                  </a:tcPr>
+                </a:tc>
+                <a:tc>
+                  <a:txBody>
+                    <a:bodyPr/>
+                    <a:lstStyle/>
+                    <a:p>
+                      <a:r>
+                        <a:rPr lang="en-US" sz="1200" dirty="0">
+                          <a:solidFill>
+                            <a:schemeClr val="bg1"/>
+                          </a:solidFill>
+                        </a:rPr>
+                        <a:t>Windows XP Tablet and Media Center </a:t>
+                      </a:r>
+                      <a:r>
+                        <a:rPr lang="en-US" sz="1200" dirty="0" smtClean="0">
+                          <a:solidFill>
+                            <a:schemeClr val="bg1"/>
+                          </a:solidFill>
+                        </a:rPr>
+                        <a:t>Editions</a:t>
+                      </a:r>
+                      <a:endParaRPr lang="en-US" sz="1200" dirty="0">
+                        <a:solidFill>
+                          <a:schemeClr val="bg1"/>
+                        </a:solidFill>
+                      </a:endParaRPr>
+                    </a:p>
+                  </a:txBody>
+                  <a:tcPr marL="61162" marR="61162" marT="30581" marB="30581" anchor="ctr">
+                    <a:lnL w="12700" cap="flat" cmpd="sng" algn="ctr">
+                      <a:solidFill>
+                        <a:schemeClr val="bg1"/>
+                      </a:solidFill>
+                      <a:prstDash val="solid"/>
+                      <a:round/>
+                      <a:headEnd type="none" w="med" len="med"/>
+                      <a:tailEnd type="none" w="med" len="med"/>
+                    </a:lnL>
+                    <a:lnR w="12700" cap="flat" cmpd="sng" algn="ctr">
+                      <a:solidFill>
+                        <a:schemeClr val="bg1"/>
+                      </a:solidFill>
+                      <a:prstDash val="solid"/>
+                      <a:round/>
+                      <a:headEnd type="none" w="med" len="med"/>
+                      <a:tailEnd type="none" w="med" len="med"/>
+                    </a:lnR>
+                    <a:lnT w="12700" cap="flat" cmpd="sng" algn="ctr">
+                      <a:solidFill>
+                        <a:schemeClr val="bg1"/>
+                      </a:solidFill>
+                      <a:prstDash val="solid"/>
+                      <a:round/>
+                      <a:headEnd type="none" w="med" len="med"/>
+                      <a:tailEnd type="none" w="med" len="med"/>
+                    </a:lnT>
+                    <a:lnB w="12700" cap="flat" cmpd="sng" algn="ctr">
+                      <a:solidFill>
+                        <a:schemeClr val="bg1"/>
+                      </a:solidFill>
+                      <a:prstDash val="solid"/>
+                      <a:round/>
+                      <a:headEnd type="none" w="med" len="med"/>
+                      <a:tailEnd type="none" w="med" len="med"/>
+                    </a:lnB>
+                    <a:lnTlToBr w="12700" cmpd="sng">
+                      <a:noFill/>
+                      <a:prstDash val="solid"/>
+                    </a:lnTlToBr>
+                    <a:lnBlToTr w="12700" cmpd="sng">
+                      <a:noFill/>
+                      <a:prstDash val="solid"/>
+                    </a:lnBlToTr>
+                  </a:tcPr>
+                </a:tc>
+              </a:tr>
+              <a:tr h="428132">
+                <a:tc>
+                  <a:txBody>
+                    <a:bodyPr/>
+                    <a:lstStyle/>
+                    <a:p>
+                      <a:r>
+                        <a:rPr lang="en-US" sz="1200" dirty="0">
+                          <a:solidFill>
+                            <a:schemeClr val="bg1"/>
+                          </a:solidFill>
+                        </a:rPr>
+                        <a:t>1.1</a:t>
+                      </a:r>
+                    </a:p>
+                  </a:txBody>
+                  <a:tcPr marL="61162" marR="61162" marT="30581" marB="30581" anchor="ctr">
+                    <a:lnL w="12700" cap="flat" cmpd="sng" algn="ctr">
+                      <a:solidFill>
+                        <a:schemeClr val="bg1"/>
+                      </a:solidFill>
+                      <a:prstDash val="solid"/>
+                      <a:round/>
+                      <a:headEnd type="none" w="med" len="med"/>
+                      <a:tailEnd type="none" w="med" len="med"/>
+                    </a:lnL>
+                    <a:lnR w="12700" cap="flat" cmpd="sng" algn="ctr">
+                      <a:solidFill>
+                        <a:schemeClr val="bg1"/>
+                      </a:solidFill>
+                      <a:prstDash val="solid"/>
+                      <a:round/>
+                      <a:headEnd type="none" w="med" len="med"/>
+                      <a:tailEnd type="none" w="med" len="med"/>
+                    </a:lnR>
+                    <a:lnT w="12700" cap="flat" cmpd="sng" algn="ctr">
+                      <a:solidFill>
+                        <a:schemeClr val="bg1"/>
+                      </a:solidFill>
+                      <a:prstDash val="solid"/>
+                      <a:round/>
+                      <a:headEnd type="none" w="med" len="med"/>
+                      <a:tailEnd type="none" w="med" len="med"/>
+                    </a:lnT>
+                    <a:lnB w="12700" cap="flat" cmpd="sng" algn="ctr">
+                      <a:solidFill>
+                        <a:schemeClr val="bg1"/>
+                      </a:solidFill>
+                      <a:prstDash val="solid"/>
+                      <a:round/>
+                      <a:headEnd type="none" w="med" len="med"/>
+                      <a:tailEnd type="none" w="med" len="med"/>
+                    </a:lnB>
+                    <a:lnTlToBr w="12700" cmpd="sng">
+                      <a:noFill/>
+                      <a:prstDash val="solid"/>
+                    </a:lnTlToBr>
+                    <a:lnBlToTr w="12700" cmpd="sng">
+                      <a:noFill/>
+                      <a:prstDash val="solid"/>
+                    </a:lnBlToTr>
+                  </a:tcPr>
+                </a:tc>
+                <a:tc>
+                  <a:txBody>
+                    <a:bodyPr/>
+                    <a:lstStyle/>
+                    <a:p>
+                      <a:r>
+                        <a:rPr lang="en-US" sz="1200">
+                          <a:solidFill>
+                            <a:schemeClr val="bg1"/>
+                          </a:solidFill>
+                        </a:rPr>
+                        <a:t>1.1.4322.573</a:t>
+                      </a:r>
+                    </a:p>
+                  </a:txBody>
+                  <a:tcPr marL="61162" marR="61162" marT="30581" marB="30581" anchor="ctr">
+                    <a:lnL w="12700" cap="flat" cmpd="sng" algn="ctr">
+                      <a:solidFill>
+                        <a:schemeClr val="bg1"/>
+                      </a:solidFill>
+                      <a:prstDash val="solid"/>
+                      <a:round/>
+                      <a:headEnd type="none" w="med" len="med"/>
+                      <a:tailEnd type="none" w="med" len="med"/>
+                    </a:lnL>
+                    <a:lnR w="12700" cap="flat" cmpd="sng" algn="ctr">
+                      <a:solidFill>
+                        <a:schemeClr val="bg1"/>
+                      </a:solidFill>
+                      <a:prstDash val="solid"/>
+                      <a:round/>
+                      <a:headEnd type="none" w="med" len="med"/>
+                      <a:tailEnd type="none" w="med" len="med"/>
+                    </a:lnR>
+                    <a:lnT w="12700" cap="flat" cmpd="sng" algn="ctr">
+                      <a:solidFill>
+                        <a:schemeClr val="bg1"/>
+                      </a:solidFill>
+                      <a:prstDash val="solid"/>
+                      <a:round/>
+                      <a:headEnd type="none" w="med" len="med"/>
+                      <a:tailEnd type="none" w="med" len="med"/>
+                    </a:lnT>
+                    <a:lnB w="12700" cap="flat" cmpd="sng" algn="ctr">
+                      <a:solidFill>
+                        <a:schemeClr val="bg1"/>
+                      </a:solidFill>
+                      <a:prstDash val="solid"/>
+                      <a:round/>
+                      <a:headEnd type="none" w="med" len="med"/>
+                      <a:tailEnd type="none" w="med" len="med"/>
+                    </a:lnB>
+                    <a:lnTlToBr w="12700" cmpd="sng">
+                      <a:noFill/>
+                      <a:prstDash val="solid"/>
+                    </a:lnTlToBr>
+                    <a:lnBlToTr w="12700" cmpd="sng">
+                      <a:noFill/>
+                      <a:prstDash val="solid"/>
+                    </a:lnBlToTr>
+                  </a:tcPr>
+                </a:tc>
+                <a:tc>
+                  <a:txBody>
+                    <a:bodyPr/>
+                    <a:lstStyle/>
+                    <a:p>
+                      <a:r>
+                        <a:rPr lang="ru-RU" sz="1200" dirty="0" smtClean="0">
+                          <a:solidFill>
+                            <a:schemeClr val="bg1"/>
+                          </a:solidFill>
+                        </a:rPr>
+                        <a:t>Март </a:t>
+                      </a:r>
+                      <a:r>
+                        <a:rPr lang="en-US" sz="1200" dirty="0" smtClean="0">
+                          <a:solidFill>
+                            <a:schemeClr val="bg1"/>
+                          </a:solidFill>
+                        </a:rPr>
+                        <a:t>2003</a:t>
+                      </a:r>
+                      <a:r>
+                        <a:rPr lang="ru-RU" sz="1200" dirty="0" smtClean="0">
+                          <a:solidFill>
+                            <a:schemeClr val="bg1"/>
+                          </a:solidFill>
+                        </a:rPr>
+                        <a:t> года</a:t>
+                      </a:r>
+                      <a:endParaRPr lang="en-US" sz="1200" dirty="0">
+                        <a:solidFill>
+                          <a:schemeClr val="bg1"/>
+                        </a:solidFill>
+                      </a:endParaRPr>
+                    </a:p>
+                  </a:txBody>
+                  <a:tcPr marL="61162" marR="61162" marT="30581" marB="30581" anchor="ctr">
+                    <a:lnL w="12700" cap="flat" cmpd="sng" algn="ctr">
+                      <a:solidFill>
+                        <a:schemeClr val="bg1"/>
+                      </a:solidFill>
+                      <a:prstDash val="solid"/>
+                      <a:round/>
+                      <a:headEnd type="none" w="med" len="med"/>
+                      <a:tailEnd type="none" w="med" len="med"/>
+                    </a:lnL>
+                    <a:lnR w="12700" cap="flat" cmpd="sng" algn="ctr">
+                      <a:solidFill>
+                        <a:schemeClr val="bg1"/>
+                      </a:solidFill>
+                      <a:prstDash val="solid"/>
+                      <a:round/>
+                      <a:headEnd type="none" w="med" len="med"/>
+                      <a:tailEnd type="none" w="med" len="med"/>
+                    </a:lnR>
+                    <a:lnT w="12700" cap="flat" cmpd="sng" algn="ctr">
+                      <a:solidFill>
+                        <a:schemeClr val="bg1"/>
+                      </a:solidFill>
+                      <a:prstDash val="solid"/>
+                      <a:round/>
+                      <a:headEnd type="none" w="med" len="med"/>
+                      <a:tailEnd type="none" w="med" len="med"/>
+                    </a:lnT>
+                    <a:lnB w="12700" cap="flat" cmpd="sng" algn="ctr">
+                      <a:solidFill>
+                        <a:schemeClr val="bg1"/>
+                      </a:solidFill>
+                      <a:prstDash val="solid"/>
+                      <a:round/>
+                      <a:headEnd type="none" w="med" len="med"/>
+                      <a:tailEnd type="none" w="med" len="med"/>
+                    </a:lnB>
+                    <a:lnTlToBr w="12700" cmpd="sng">
+                      <a:noFill/>
+                      <a:prstDash val="solid"/>
+                    </a:lnTlToBr>
+                    <a:lnBlToTr w="12700" cmpd="sng">
+                      <a:noFill/>
+                      <a:prstDash val="solid"/>
+                    </a:lnBlToTr>
+                  </a:tcPr>
+                </a:tc>
+                <a:tc>
+                  <a:txBody>
+                    <a:bodyPr/>
+                    <a:lstStyle/>
+                    <a:p>
+                      <a:r>
+                        <a:rPr lang="en-US" sz="1200" dirty="0">
+                          <a:solidFill>
+                            <a:schemeClr val="bg1"/>
+                          </a:solidFill>
+                        </a:rPr>
+                        <a:t>Visual Studio .NET 2003</a:t>
+                      </a:r>
+                    </a:p>
+                  </a:txBody>
+                  <a:tcPr marL="61162" marR="61162" marT="30581" marB="30581" anchor="ctr">
+                    <a:lnL w="12700" cap="flat" cmpd="sng" algn="ctr">
+                      <a:solidFill>
+                        <a:schemeClr val="bg1"/>
+                      </a:solidFill>
+                      <a:prstDash val="solid"/>
+                      <a:round/>
+                      <a:headEnd type="none" w="med" len="med"/>
+                      <a:tailEnd type="none" w="med" len="med"/>
+                    </a:lnL>
+                    <a:lnR w="12700" cap="flat" cmpd="sng" algn="ctr">
+                      <a:solidFill>
+                        <a:schemeClr val="bg1"/>
+                      </a:solidFill>
+                      <a:prstDash val="solid"/>
+                      <a:round/>
+                      <a:headEnd type="none" w="med" len="med"/>
+                      <a:tailEnd type="none" w="med" len="med"/>
+                    </a:lnR>
+                    <a:lnT w="12700" cap="flat" cmpd="sng" algn="ctr">
+                      <a:solidFill>
+                        <a:schemeClr val="bg1"/>
+                      </a:solidFill>
+                      <a:prstDash val="solid"/>
+                      <a:round/>
+                      <a:headEnd type="none" w="med" len="med"/>
+                      <a:tailEnd type="none" w="med" len="med"/>
+                    </a:lnT>
+                    <a:lnB w="12700" cap="flat" cmpd="sng" algn="ctr">
+                      <a:solidFill>
+                        <a:schemeClr val="bg1"/>
+                      </a:solidFill>
+                      <a:prstDash val="solid"/>
+                      <a:round/>
+                      <a:headEnd type="none" w="med" len="med"/>
+                      <a:tailEnd type="none" w="med" len="med"/>
+                    </a:lnB>
+                    <a:lnTlToBr w="12700" cmpd="sng">
+                      <a:noFill/>
+                      <a:prstDash val="solid"/>
+                    </a:lnTlToBr>
+                    <a:lnBlToTr w="12700" cmpd="sng">
+                      <a:noFill/>
+                      <a:prstDash val="solid"/>
+                    </a:lnBlToTr>
+                  </a:tcPr>
+                </a:tc>
+                <a:tc>
+                  <a:txBody>
+                    <a:bodyPr/>
+                    <a:lstStyle/>
+                    <a:p>
+                      <a:r>
+                        <a:rPr lang="en-US" sz="1200" dirty="0">
+                          <a:solidFill>
+                            <a:schemeClr val="bg1"/>
+                          </a:solidFill>
+                        </a:rPr>
+                        <a:t>Windows Server 2003</a:t>
+                      </a:r>
+                    </a:p>
+                  </a:txBody>
+                  <a:tcPr marL="61162" marR="61162" marT="30581" marB="30581" anchor="ctr">
+                    <a:lnL w="12700" cap="flat" cmpd="sng" algn="ctr">
+                      <a:solidFill>
+                        <a:schemeClr val="bg1"/>
+                      </a:solidFill>
+                      <a:prstDash val="solid"/>
+                      <a:round/>
+                      <a:headEnd type="none" w="med" len="med"/>
+                      <a:tailEnd type="none" w="med" len="med"/>
+                    </a:lnL>
+                    <a:lnR w="12700" cap="flat" cmpd="sng" algn="ctr">
+                      <a:solidFill>
+                        <a:schemeClr val="bg1"/>
+                      </a:solidFill>
+                      <a:prstDash val="solid"/>
+                      <a:round/>
+                      <a:headEnd type="none" w="med" len="med"/>
+                      <a:tailEnd type="none" w="med" len="med"/>
+                    </a:lnR>
+                    <a:lnT w="12700" cap="flat" cmpd="sng" algn="ctr">
+                      <a:solidFill>
+                        <a:schemeClr val="bg1"/>
+                      </a:solidFill>
+                      <a:prstDash val="solid"/>
+                      <a:round/>
+                      <a:headEnd type="none" w="med" len="med"/>
+                      <a:tailEnd type="none" w="med" len="med"/>
+                    </a:lnT>
+                    <a:lnB w="12700" cap="flat" cmpd="sng" algn="ctr">
+                      <a:solidFill>
+                        <a:schemeClr val="bg1"/>
+                      </a:solidFill>
+                      <a:prstDash val="solid"/>
+                      <a:round/>
+                      <a:headEnd type="none" w="med" len="med"/>
+                      <a:tailEnd type="none" w="med" len="med"/>
+                    </a:lnB>
+                    <a:lnTlToBr w="12700" cmpd="sng">
+                      <a:noFill/>
+                      <a:prstDash val="solid"/>
+                    </a:lnTlToBr>
+                    <a:lnBlToTr w="12700" cmpd="sng">
+                      <a:noFill/>
+                      <a:prstDash val="solid"/>
+                    </a:lnBlToTr>
+                  </a:tcPr>
+                </a:tc>
+              </a:tr>
+              <a:tr h="428132">
+                <a:tc>
+                  <a:txBody>
+                    <a:bodyPr/>
+                    <a:lstStyle/>
+                    <a:p>
+                      <a:r>
+                        <a:rPr lang="en-US" sz="1200" dirty="0">
+                          <a:solidFill>
+                            <a:schemeClr val="bg1"/>
+                          </a:solidFill>
+                        </a:rPr>
+                        <a:t>2.0</a:t>
+                      </a:r>
+                    </a:p>
+                  </a:txBody>
+                  <a:tcPr marL="61162" marR="61162" marT="30581" marB="30581" anchor="ctr">
+                    <a:lnL w="12700" cap="flat" cmpd="sng" algn="ctr">
+                      <a:solidFill>
+                        <a:schemeClr val="bg1"/>
+                      </a:solidFill>
+                      <a:prstDash val="solid"/>
+                      <a:round/>
+                      <a:headEnd type="none" w="med" len="med"/>
+                      <a:tailEnd type="none" w="med" len="med"/>
+                    </a:lnL>
+                    <a:lnR w="12700" cap="flat" cmpd="sng" algn="ctr">
+                      <a:solidFill>
+                        <a:schemeClr val="bg1"/>
+                      </a:solidFill>
+                      <a:prstDash val="solid"/>
+                      <a:round/>
+                      <a:headEnd type="none" w="med" len="med"/>
+                      <a:tailEnd type="none" w="med" len="med"/>
+                    </a:lnR>
+                    <a:lnT w="12700" cap="flat" cmpd="sng" algn="ctr">
+                      <a:solidFill>
+                        <a:schemeClr val="bg1"/>
+                      </a:solidFill>
+                      <a:prstDash val="solid"/>
+                      <a:round/>
+                      <a:headEnd type="none" w="med" len="med"/>
+                      <a:tailEnd type="none" w="med" len="med"/>
+                    </a:lnT>
+                    <a:lnB w="12700" cap="flat" cmpd="sng" algn="ctr">
+                      <a:solidFill>
+                        <a:schemeClr val="bg1"/>
+                      </a:solidFill>
+                      <a:prstDash val="solid"/>
+                      <a:round/>
+                      <a:headEnd type="none" w="med" len="med"/>
+                      <a:tailEnd type="none" w="med" len="med"/>
+                    </a:lnB>
+                    <a:lnTlToBr w="12700" cmpd="sng">
+                      <a:noFill/>
+                      <a:prstDash val="solid"/>
+                    </a:lnTlToBr>
+                    <a:lnBlToTr w="12700" cmpd="sng">
+                      <a:noFill/>
+                      <a:prstDash val="solid"/>
+                    </a:lnBlToTr>
+                  </a:tcPr>
+                </a:tc>
+                <a:tc>
+                  <a:txBody>
+                    <a:bodyPr/>
+                    <a:lstStyle/>
+                    <a:p>
+                      <a:r>
+                        <a:rPr lang="en-US" sz="1200">
+                          <a:solidFill>
+                            <a:schemeClr val="bg1"/>
+                          </a:solidFill>
+                        </a:rPr>
+                        <a:t>2.0.50727.42</a:t>
+                      </a:r>
+                    </a:p>
+                  </a:txBody>
+                  <a:tcPr marL="61162" marR="61162" marT="30581" marB="30581" anchor="ctr">
+                    <a:lnL w="12700" cap="flat" cmpd="sng" algn="ctr">
+                      <a:solidFill>
+                        <a:schemeClr val="bg1"/>
+                      </a:solidFill>
+                      <a:prstDash val="solid"/>
+                      <a:round/>
+                      <a:headEnd type="none" w="med" len="med"/>
+                      <a:tailEnd type="none" w="med" len="med"/>
+                    </a:lnL>
+                    <a:lnR w="12700" cap="flat" cmpd="sng" algn="ctr">
+                      <a:solidFill>
+                        <a:schemeClr val="bg1"/>
+                      </a:solidFill>
+                      <a:prstDash val="solid"/>
+                      <a:round/>
+                      <a:headEnd type="none" w="med" len="med"/>
+                      <a:tailEnd type="none" w="med" len="med"/>
+                    </a:lnR>
+                    <a:lnT w="12700" cap="flat" cmpd="sng" algn="ctr">
+                      <a:solidFill>
+                        <a:schemeClr val="bg1"/>
+                      </a:solidFill>
+                      <a:prstDash val="solid"/>
+                      <a:round/>
+                      <a:headEnd type="none" w="med" len="med"/>
+                      <a:tailEnd type="none" w="med" len="med"/>
+                    </a:lnT>
+                    <a:lnB w="12700" cap="flat" cmpd="sng" algn="ctr">
+                      <a:solidFill>
+                        <a:schemeClr val="bg1"/>
+                      </a:solidFill>
+                      <a:prstDash val="solid"/>
+                      <a:round/>
+                      <a:headEnd type="none" w="med" len="med"/>
+                      <a:tailEnd type="none" w="med" len="med"/>
+                    </a:lnB>
+                    <a:lnTlToBr w="12700" cmpd="sng">
+                      <a:noFill/>
+                      <a:prstDash val="solid"/>
+                    </a:lnTlToBr>
+                    <a:lnBlToTr w="12700" cmpd="sng">
+                      <a:noFill/>
+                      <a:prstDash val="solid"/>
+                    </a:lnBlToTr>
+                  </a:tcPr>
+                </a:tc>
+                <a:tc>
+                  <a:txBody>
+                    <a:bodyPr/>
+                    <a:lstStyle/>
+                    <a:p>
+                      <a:r>
+                        <a:rPr lang="ru-RU" sz="1200" dirty="0" smtClean="0">
+                          <a:solidFill>
+                            <a:schemeClr val="bg1"/>
+                          </a:solidFill>
+                        </a:rPr>
+                        <a:t>Ноябрь </a:t>
+                      </a:r>
+                      <a:r>
+                        <a:rPr lang="en-US" sz="1200" dirty="0" smtClean="0">
+                          <a:solidFill>
+                            <a:schemeClr val="bg1"/>
+                          </a:solidFill>
+                        </a:rPr>
+                        <a:t>2005</a:t>
+                      </a:r>
+                      <a:r>
+                        <a:rPr lang="ru-RU" sz="1200" dirty="0" smtClean="0">
+                          <a:solidFill>
+                            <a:schemeClr val="bg1"/>
+                          </a:solidFill>
+                        </a:rPr>
+                        <a:t> года</a:t>
+                      </a:r>
+                      <a:endParaRPr lang="en-US" sz="1200" dirty="0">
+                        <a:solidFill>
+                          <a:schemeClr val="bg1"/>
+                        </a:solidFill>
+                      </a:endParaRPr>
+                    </a:p>
+                  </a:txBody>
+                  <a:tcPr marL="61162" marR="61162" marT="30581" marB="30581" anchor="ctr">
+                    <a:lnL w="12700" cap="flat" cmpd="sng" algn="ctr">
+                      <a:solidFill>
+                        <a:schemeClr val="bg1"/>
+                      </a:solidFill>
+                      <a:prstDash val="solid"/>
+                      <a:round/>
+                      <a:headEnd type="none" w="med" len="med"/>
+                      <a:tailEnd type="none" w="med" len="med"/>
+                    </a:lnL>
+                    <a:lnR w="12700" cap="flat" cmpd="sng" algn="ctr">
+                      <a:solidFill>
+                        <a:schemeClr val="bg1"/>
+                      </a:solidFill>
+                      <a:prstDash val="solid"/>
+                      <a:round/>
+                      <a:headEnd type="none" w="med" len="med"/>
+                      <a:tailEnd type="none" w="med" len="med"/>
+                    </a:lnR>
+                    <a:lnT w="12700" cap="flat" cmpd="sng" algn="ctr">
+                      <a:solidFill>
+                        <a:schemeClr val="bg1"/>
+                      </a:solidFill>
+                      <a:prstDash val="solid"/>
+                      <a:round/>
+                      <a:headEnd type="none" w="med" len="med"/>
+                      <a:tailEnd type="none" w="med" len="med"/>
+                    </a:lnT>
+                    <a:lnB w="12700" cap="flat" cmpd="sng" algn="ctr">
+                      <a:solidFill>
+                        <a:schemeClr val="bg1"/>
+                      </a:solidFill>
+                      <a:prstDash val="solid"/>
+                      <a:round/>
+                      <a:headEnd type="none" w="med" len="med"/>
+                      <a:tailEnd type="none" w="med" len="med"/>
+                    </a:lnB>
+                    <a:lnTlToBr w="12700" cmpd="sng">
+                      <a:noFill/>
+                      <a:prstDash val="solid"/>
+                    </a:lnTlToBr>
+                    <a:lnBlToTr w="12700" cmpd="sng">
+                      <a:noFill/>
+                      <a:prstDash val="solid"/>
+                    </a:lnBlToTr>
+                  </a:tcPr>
+                </a:tc>
+                <a:tc>
+                  <a:txBody>
+                    <a:bodyPr/>
+                    <a:lstStyle/>
+                    <a:p>
+                      <a:r>
+                        <a:rPr lang="en-US" sz="1200" dirty="0">
+                          <a:solidFill>
+                            <a:schemeClr val="bg1"/>
+                          </a:solidFill>
+                        </a:rPr>
+                        <a:t>Visual Studio 2005</a:t>
+                      </a:r>
+                    </a:p>
+                  </a:txBody>
+                  <a:tcPr marL="61162" marR="61162" marT="30581" marB="30581" anchor="ctr">
+                    <a:lnL w="12700" cap="flat" cmpd="sng" algn="ctr">
+                      <a:solidFill>
+                        <a:schemeClr val="bg1"/>
+                      </a:solidFill>
+                      <a:prstDash val="solid"/>
+                      <a:round/>
+                      <a:headEnd type="none" w="med" len="med"/>
+                      <a:tailEnd type="none" w="med" len="med"/>
+                    </a:lnL>
+                    <a:lnR w="12700" cap="flat" cmpd="sng" algn="ctr">
+                      <a:solidFill>
+                        <a:schemeClr val="bg1"/>
+                      </a:solidFill>
+                      <a:prstDash val="solid"/>
+                      <a:round/>
+                      <a:headEnd type="none" w="med" len="med"/>
+                      <a:tailEnd type="none" w="med" len="med"/>
+                    </a:lnR>
+                    <a:lnT w="12700" cap="flat" cmpd="sng" algn="ctr">
+                      <a:solidFill>
+                        <a:schemeClr val="bg1"/>
+                      </a:solidFill>
+                      <a:prstDash val="solid"/>
+                      <a:round/>
+                      <a:headEnd type="none" w="med" len="med"/>
+                      <a:tailEnd type="none" w="med" len="med"/>
+                    </a:lnT>
+                    <a:lnB w="12700" cap="flat" cmpd="sng" algn="ctr">
+                      <a:solidFill>
+                        <a:schemeClr val="bg1"/>
+                      </a:solidFill>
+                      <a:prstDash val="solid"/>
+                      <a:round/>
+                      <a:headEnd type="none" w="med" len="med"/>
+                      <a:tailEnd type="none" w="med" len="med"/>
+                    </a:lnB>
+                    <a:lnTlToBr w="12700" cmpd="sng">
+                      <a:noFill/>
+                      <a:prstDash val="solid"/>
+                    </a:lnTlToBr>
+                    <a:lnBlToTr w="12700" cmpd="sng">
+                      <a:noFill/>
+                      <a:prstDash val="solid"/>
+                    </a:lnBlToTr>
+                  </a:tcPr>
+                </a:tc>
+                <a:tc>
+                  <a:txBody>
+                    <a:bodyPr/>
+                    <a:lstStyle/>
+                    <a:p>
+                      <a:r>
+                        <a:rPr lang="en-US" sz="1200" dirty="0">
+                          <a:solidFill>
+                            <a:schemeClr val="bg1"/>
+                          </a:solidFill>
+                        </a:rPr>
+                        <a:t>Windows Server 2003 R2</a:t>
+                      </a:r>
+                    </a:p>
+                  </a:txBody>
+                  <a:tcPr marL="61162" marR="61162" marT="30581" marB="30581" anchor="ctr">
+                    <a:lnL w="12700" cap="flat" cmpd="sng" algn="ctr">
+                      <a:solidFill>
+                        <a:schemeClr val="bg1"/>
+                      </a:solidFill>
+                      <a:prstDash val="solid"/>
+                      <a:round/>
+                      <a:headEnd type="none" w="med" len="med"/>
+                      <a:tailEnd type="none" w="med" len="med"/>
+                    </a:lnL>
+                    <a:lnR w="12700" cap="flat" cmpd="sng" algn="ctr">
+                      <a:solidFill>
+                        <a:schemeClr val="bg1"/>
+                      </a:solidFill>
+                      <a:prstDash val="solid"/>
+                      <a:round/>
+                      <a:headEnd type="none" w="med" len="med"/>
+                      <a:tailEnd type="none" w="med" len="med"/>
+                    </a:lnR>
+                    <a:lnT w="12700" cap="flat" cmpd="sng" algn="ctr">
+                      <a:solidFill>
+                        <a:schemeClr val="bg1"/>
+                      </a:solidFill>
+                      <a:prstDash val="solid"/>
+                      <a:round/>
+                      <a:headEnd type="none" w="med" len="med"/>
+                      <a:tailEnd type="none" w="med" len="med"/>
+                    </a:lnT>
+                    <a:lnB w="12700" cap="flat" cmpd="sng" algn="ctr">
+                      <a:solidFill>
+                        <a:schemeClr val="bg1"/>
+                      </a:solidFill>
+                      <a:prstDash val="solid"/>
+                      <a:round/>
+                      <a:headEnd type="none" w="med" len="med"/>
+                      <a:tailEnd type="none" w="med" len="med"/>
+                    </a:lnB>
+                    <a:lnTlToBr w="12700" cmpd="sng">
+                      <a:noFill/>
+                      <a:prstDash val="solid"/>
+                    </a:lnTlToBr>
+                    <a:lnBlToTr w="12700" cmpd="sng">
+                      <a:noFill/>
+                      <a:prstDash val="solid"/>
+                    </a:lnBlToTr>
+                  </a:tcPr>
+                </a:tc>
+              </a:tr>
+              <a:tr h="611617">
+                <a:tc>
+                  <a:txBody>
+                    <a:bodyPr/>
+                    <a:lstStyle/>
+                    <a:p>
+                      <a:r>
+                        <a:rPr lang="en-US" sz="1200" dirty="0">
+                          <a:solidFill>
+                            <a:schemeClr val="bg1"/>
+                          </a:solidFill>
+                        </a:rPr>
+                        <a:t>3.0</a:t>
+                      </a:r>
+                    </a:p>
+                  </a:txBody>
+                  <a:tcPr marL="61162" marR="61162" marT="30581" marB="30581" anchor="ctr">
+                    <a:lnL w="12700" cap="flat" cmpd="sng" algn="ctr">
+                      <a:solidFill>
+                        <a:schemeClr val="bg1"/>
+                      </a:solidFill>
+                      <a:prstDash val="solid"/>
+                      <a:round/>
+                      <a:headEnd type="none" w="med" len="med"/>
+                      <a:tailEnd type="none" w="med" len="med"/>
+                    </a:lnL>
+                    <a:lnR w="12700" cap="flat" cmpd="sng" algn="ctr">
+                      <a:solidFill>
+                        <a:schemeClr val="bg1"/>
+                      </a:solidFill>
+                      <a:prstDash val="solid"/>
+                      <a:round/>
+                      <a:headEnd type="none" w="med" len="med"/>
+                      <a:tailEnd type="none" w="med" len="med"/>
+                    </a:lnR>
+                    <a:lnT w="12700" cap="flat" cmpd="sng" algn="ctr">
+                      <a:solidFill>
+                        <a:schemeClr val="bg1"/>
+                      </a:solidFill>
+                      <a:prstDash val="solid"/>
+                      <a:round/>
+                      <a:headEnd type="none" w="med" len="med"/>
+                      <a:tailEnd type="none" w="med" len="med"/>
+                    </a:lnT>
+                    <a:lnB w="12700" cap="flat" cmpd="sng" algn="ctr">
+                      <a:solidFill>
+                        <a:schemeClr val="bg1"/>
+                      </a:solidFill>
+                      <a:prstDash val="solid"/>
+                      <a:round/>
+                      <a:headEnd type="none" w="med" len="med"/>
+                      <a:tailEnd type="none" w="med" len="med"/>
+                    </a:lnB>
+                    <a:lnTlToBr w="12700" cmpd="sng">
+                      <a:noFill/>
+                      <a:prstDash val="solid"/>
+                    </a:lnTlToBr>
+                    <a:lnBlToTr w="12700" cmpd="sng">
+                      <a:noFill/>
+                      <a:prstDash val="solid"/>
+                    </a:lnBlToTr>
+                  </a:tcPr>
+                </a:tc>
+                <a:tc>
+                  <a:txBody>
+                    <a:bodyPr/>
+                    <a:lstStyle/>
+                    <a:p>
+                      <a:r>
+                        <a:rPr lang="en-US" sz="1200">
+                          <a:solidFill>
+                            <a:schemeClr val="bg1"/>
+                          </a:solidFill>
+                        </a:rPr>
+                        <a:t>3.0.4506.30</a:t>
+                      </a:r>
+                    </a:p>
+                  </a:txBody>
+                  <a:tcPr marL="61162" marR="61162" marT="30581" marB="30581" anchor="ctr">
+                    <a:lnL w="12700" cap="flat" cmpd="sng" algn="ctr">
+                      <a:solidFill>
+                        <a:schemeClr val="bg1"/>
+                      </a:solidFill>
+                      <a:prstDash val="solid"/>
+                      <a:round/>
+                      <a:headEnd type="none" w="med" len="med"/>
+                      <a:tailEnd type="none" w="med" len="med"/>
+                    </a:lnL>
+                    <a:lnR w="12700" cap="flat" cmpd="sng" algn="ctr">
+                      <a:solidFill>
+                        <a:schemeClr val="bg1"/>
+                      </a:solidFill>
+                      <a:prstDash val="solid"/>
+                      <a:round/>
+                      <a:headEnd type="none" w="med" len="med"/>
+                      <a:tailEnd type="none" w="med" len="med"/>
+                    </a:lnR>
+                    <a:lnT w="12700" cap="flat" cmpd="sng" algn="ctr">
+                      <a:solidFill>
+                        <a:schemeClr val="bg1"/>
+                      </a:solidFill>
+                      <a:prstDash val="solid"/>
+                      <a:round/>
+                      <a:headEnd type="none" w="med" len="med"/>
+                      <a:tailEnd type="none" w="med" len="med"/>
+                    </a:lnT>
+                    <a:lnB w="12700" cap="flat" cmpd="sng" algn="ctr">
+                      <a:solidFill>
+                        <a:schemeClr val="bg1"/>
+                      </a:solidFill>
+                      <a:prstDash val="solid"/>
+                      <a:round/>
+                      <a:headEnd type="none" w="med" len="med"/>
+                      <a:tailEnd type="none" w="med" len="med"/>
+                    </a:lnB>
+                    <a:lnTlToBr w="12700" cmpd="sng">
+                      <a:noFill/>
+                      <a:prstDash val="solid"/>
+                    </a:lnTlToBr>
+                    <a:lnBlToTr w="12700" cmpd="sng">
+                      <a:noFill/>
+                      <a:prstDash val="solid"/>
+                    </a:lnBlToTr>
+                  </a:tcPr>
+                </a:tc>
+                <a:tc>
+                  <a:txBody>
+                    <a:bodyPr/>
+                    <a:lstStyle/>
+                    <a:p>
+                      <a:r>
+                        <a:rPr lang="ru-RU" sz="1200" dirty="0" smtClean="0">
+                          <a:solidFill>
+                            <a:schemeClr val="bg1"/>
+                          </a:solidFill>
+                        </a:rPr>
+                        <a:t>Ноябрь </a:t>
+                      </a:r>
+                      <a:r>
+                        <a:rPr lang="en-US" sz="1200" dirty="0" smtClean="0">
+                          <a:solidFill>
+                            <a:schemeClr val="bg1"/>
+                          </a:solidFill>
+                        </a:rPr>
+                        <a:t>2006</a:t>
+                      </a:r>
+                      <a:r>
+                        <a:rPr lang="ru-RU" sz="1200" dirty="0" smtClean="0">
+                          <a:solidFill>
+                            <a:schemeClr val="bg1"/>
+                          </a:solidFill>
+                        </a:rPr>
+                        <a:t> года</a:t>
+                      </a:r>
+                      <a:endParaRPr lang="en-US" sz="1200" dirty="0">
+                        <a:solidFill>
+                          <a:schemeClr val="bg1"/>
+                        </a:solidFill>
+                      </a:endParaRPr>
+                    </a:p>
+                  </a:txBody>
+                  <a:tcPr marL="61162" marR="61162" marT="30581" marB="30581" anchor="ctr">
+                    <a:lnL w="12700" cap="flat" cmpd="sng" algn="ctr">
+                      <a:solidFill>
+                        <a:schemeClr val="bg1"/>
+                      </a:solidFill>
+                      <a:prstDash val="solid"/>
+                      <a:round/>
+                      <a:headEnd type="none" w="med" len="med"/>
+                      <a:tailEnd type="none" w="med" len="med"/>
+                    </a:lnL>
+                    <a:lnR w="12700" cap="flat" cmpd="sng" algn="ctr">
+                      <a:solidFill>
+                        <a:schemeClr val="bg1"/>
+                      </a:solidFill>
+                      <a:prstDash val="solid"/>
+                      <a:round/>
+                      <a:headEnd type="none" w="med" len="med"/>
+                      <a:tailEnd type="none" w="med" len="med"/>
+                    </a:lnR>
+                    <a:lnT w="12700" cap="flat" cmpd="sng" algn="ctr">
+                      <a:solidFill>
+                        <a:schemeClr val="bg1"/>
+                      </a:solidFill>
+                      <a:prstDash val="solid"/>
+                      <a:round/>
+                      <a:headEnd type="none" w="med" len="med"/>
+                      <a:tailEnd type="none" w="med" len="med"/>
+                    </a:lnT>
+                    <a:lnB w="12700" cap="flat" cmpd="sng" algn="ctr">
+                      <a:solidFill>
+                        <a:schemeClr val="bg1"/>
+                      </a:solidFill>
+                      <a:prstDash val="solid"/>
+                      <a:round/>
+                      <a:headEnd type="none" w="med" len="med"/>
+                      <a:tailEnd type="none" w="med" len="med"/>
+                    </a:lnB>
+                    <a:lnTlToBr w="12700" cmpd="sng">
+                      <a:noFill/>
+                      <a:prstDash val="solid"/>
+                    </a:lnTlToBr>
+                    <a:lnBlToTr w="12700" cmpd="sng">
+                      <a:noFill/>
+                      <a:prstDash val="solid"/>
+                    </a:lnBlToTr>
+                  </a:tcPr>
+                </a:tc>
+                <a:tc>
+                  <a:txBody>
+                    <a:bodyPr/>
+                    <a:lstStyle/>
+                    <a:p>
+                      <a:endParaRPr lang="en-US" sz="1200">
+                        <a:solidFill>
+                          <a:schemeClr val="bg1"/>
+                        </a:solidFill>
+                      </a:endParaRPr>
+                    </a:p>
+                  </a:txBody>
+                  <a:tcPr marL="61162" marR="61162" marT="30581" marB="30581" anchor="ctr">
+                    <a:lnL w="12700" cap="flat" cmpd="sng" algn="ctr">
+                      <a:solidFill>
+                        <a:schemeClr val="bg1"/>
+                      </a:solidFill>
+                      <a:prstDash val="solid"/>
+                      <a:round/>
+                      <a:headEnd type="none" w="med" len="med"/>
+                      <a:tailEnd type="none" w="med" len="med"/>
+                    </a:lnL>
+                    <a:lnR w="12700" cap="flat" cmpd="sng" algn="ctr">
+                      <a:solidFill>
+                        <a:schemeClr val="bg1"/>
+                      </a:solidFill>
+                      <a:prstDash val="solid"/>
+                      <a:round/>
+                      <a:headEnd type="none" w="med" len="med"/>
+                      <a:tailEnd type="none" w="med" len="med"/>
+                    </a:lnR>
+                    <a:lnT w="12700" cap="flat" cmpd="sng" algn="ctr">
+                      <a:solidFill>
+                        <a:schemeClr val="bg1"/>
+                      </a:solidFill>
+                      <a:prstDash val="solid"/>
+                      <a:round/>
+                      <a:headEnd type="none" w="med" len="med"/>
+                      <a:tailEnd type="none" w="med" len="med"/>
+                    </a:lnT>
+                    <a:lnB w="12700" cap="flat" cmpd="sng" algn="ctr">
+                      <a:solidFill>
+                        <a:schemeClr val="bg1"/>
+                      </a:solidFill>
+                      <a:prstDash val="solid"/>
+                      <a:round/>
+                      <a:headEnd type="none" w="med" len="med"/>
+                      <a:tailEnd type="none" w="med" len="med"/>
+                    </a:lnB>
+                    <a:lnTlToBr w="12700" cmpd="sng">
+                      <a:noFill/>
+                      <a:prstDash val="solid"/>
+                    </a:lnTlToBr>
+                    <a:lnBlToTr w="12700" cmpd="sng">
+                      <a:noFill/>
+                      <a:prstDash val="solid"/>
+                    </a:lnBlToTr>
+                  </a:tcPr>
+                </a:tc>
+                <a:tc>
+                  <a:txBody>
+                    <a:bodyPr/>
+                    <a:lstStyle/>
+                    <a:p>
+                      <a:r>
+                        <a:rPr lang="en-US" sz="1200" dirty="0">
+                          <a:solidFill>
+                            <a:schemeClr val="bg1"/>
+                          </a:solidFill>
+                        </a:rPr>
+                        <a:t>Windows Vista, Windows Server 2008</a:t>
+                      </a:r>
+                    </a:p>
+                  </a:txBody>
+                  <a:tcPr marL="61162" marR="61162" marT="30581" marB="30581" anchor="ctr">
+                    <a:lnL w="12700" cap="flat" cmpd="sng" algn="ctr">
+                      <a:solidFill>
+                        <a:schemeClr val="bg1"/>
+                      </a:solidFill>
+                      <a:prstDash val="solid"/>
+                      <a:round/>
+                      <a:headEnd type="none" w="med" len="med"/>
+                      <a:tailEnd type="none" w="med" len="med"/>
+                    </a:lnL>
+                    <a:lnR w="12700" cap="flat" cmpd="sng" algn="ctr">
+                      <a:solidFill>
+                        <a:schemeClr val="bg1"/>
+                      </a:solidFill>
+                      <a:prstDash val="solid"/>
+                      <a:round/>
+                      <a:headEnd type="none" w="med" len="med"/>
+                      <a:tailEnd type="none" w="med" len="med"/>
+                    </a:lnR>
+                    <a:lnT w="12700" cap="flat" cmpd="sng" algn="ctr">
+                      <a:solidFill>
+                        <a:schemeClr val="bg1"/>
+                      </a:solidFill>
+                      <a:prstDash val="solid"/>
+                      <a:round/>
+                      <a:headEnd type="none" w="med" len="med"/>
+                      <a:tailEnd type="none" w="med" len="med"/>
+                    </a:lnT>
+                    <a:lnB w="12700" cap="flat" cmpd="sng" algn="ctr">
+                      <a:solidFill>
+                        <a:schemeClr val="bg1"/>
+                      </a:solidFill>
+                      <a:prstDash val="solid"/>
+                      <a:round/>
+                      <a:headEnd type="none" w="med" len="med"/>
+                      <a:tailEnd type="none" w="med" len="med"/>
+                    </a:lnB>
+                    <a:lnTlToBr w="12700" cmpd="sng">
+                      <a:noFill/>
+                      <a:prstDash val="solid"/>
+                    </a:lnTlToBr>
+                    <a:lnBlToTr w="12700" cmpd="sng">
+                      <a:noFill/>
+                      <a:prstDash val="solid"/>
+                    </a:lnBlToTr>
+                  </a:tcPr>
+                </a:tc>
+              </a:tr>
+              <a:tr h="611617">
+                <a:tc>
+                  <a:txBody>
+                    <a:bodyPr/>
+                    <a:lstStyle/>
+                    <a:p>
+                      <a:r>
+                        <a:rPr lang="en-US" sz="1200" dirty="0">
+                          <a:solidFill>
+                            <a:schemeClr val="bg1"/>
+                          </a:solidFill>
+                        </a:rPr>
+                        <a:t>3.5</a:t>
+                      </a:r>
+                    </a:p>
+                  </a:txBody>
+                  <a:tcPr marL="61162" marR="61162" marT="30581" marB="30581" anchor="ctr">
+                    <a:lnL w="12700" cap="flat" cmpd="sng" algn="ctr">
+                      <a:solidFill>
+                        <a:schemeClr val="bg1"/>
+                      </a:solidFill>
+                      <a:prstDash val="solid"/>
+                      <a:round/>
+                      <a:headEnd type="none" w="med" len="med"/>
+                      <a:tailEnd type="none" w="med" len="med"/>
+                    </a:lnL>
+                    <a:lnR w="12700" cap="flat" cmpd="sng" algn="ctr">
+                      <a:solidFill>
+                        <a:schemeClr val="bg1"/>
+                      </a:solidFill>
+                      <a:prstDash val="solid"/>
+                      <a:round/>
+                      <a:headEnd type="none" w="med" len="med"/>
+                      <a:tailEnd type="none" w="med" len="med"/>
+                    </a:lnR>
+                    <a:lnT w="12700" cap="flat" cmpd="sng" algn="ctr">
+                      <a:solidFill>
+                        <a:schemeClr val="bg1"/>
+                      </a:solidFill>
+                      <a:prstDash val="solid"/>
+                      <a:round/>
+                      <a:headEnd type="none" w="med" len="med"/>
+                      <a:tailEnd type="none" w="med" len="med"/>
+                    </a:lnT>
+                    <a:lnB w="12700" cap="flat" cmpd="sng" algn="ctr">
+                      <a:solidFill>
+                        <a:schemeClr val="bg1"/>
+                      </a:solidFill>
+                      <a:prstDash val="solid"/>
+                      <a:round/>
+                      <a:headEnd type="none" w="med" len="med"/>
+                      <a:tailEnd type="none" w="med" len="med"/>
+                    </a:lnB>
+                    <a:lnTlToBr w="12700" cmpd="sng">
+                      <a:noFill/>
+                      <a:prstDash val="solid"/>
+                    </a:lnTlToBr>
+                    <a:lnBlToTr w="12700" cmpd="sng">
+                      <a:noFill/>
+                      <a:prstDash val="solid"/>
+                    </a:lnBlToTr>
+                  </a:tcPr>
+                </a:tc>
+                <a:tc>
+                  <a:txBody>
+                    <a:bodyPr/>
+                    <a:lstStyle/>
+                    <a:p>
+                      <a:r>
+                        <a:rPr lang="en-US" sz="1200">
+                          <a:solidFill>
+                            <a:schemeClr val="bg1"/>
+                          </a:solidFill>
+                        </a:rPr>
+                        <a:t>3.5.21022.8</a:t>
+                      </a:r>
+                    </a:p>
+                  </a:txBody>
+                  <a:tcPr marL="61162" marR="61162" marT="30581" marB="30581" anchor="ctr">
+                    <a:lnL w="12700" cap="flat" cmpd="sng" algn="ctr">
+                      <a:solidFill>
+                        <a:schemeClr val="bg1"/>
+                      </a:solidFill>
+                      <a:prstDash val="solid"/>
+                      <a:round/>
+                      <a:headEnd type="none" w="med" len="med"/>
+                      <a:tailEnd type="none" w="med" len="med"/>
+                    </a:lnL>
+                    <a:lnR w="12700" cap="flat" cmpd="sng" algn="ctr">
+                      <a:solidFill>
+                        <a:schemeClr val="bg1"/>
+                      </a:solidFill>
+                      <a:prstDash val="solid"/>
+                      <a:round/>
+                      <a:headEnd type="none" w="med" len="med"/>
+                      <a:tailEnd type="none" w="med" len="med"/>
+                    </a:lnR>
+                    <a:lnT w="12700" cap="flat" cmpd="sng" algn="ctr">
+                      <a:solidFill>
+                        <a:schemeClr val="bg1"/>
+                      </a:solidFill>
+                      <a:prstDash val="solid"/>
+                      <a:round/>
+                      <a:headEnd type="none" w="med" len="med"/>
+                      <a:tailEnd type="none" w="med" len="med"/>
+                    </a:lnT>
+                    <a:lnB w="12700" cap="flat" cmpd="sng" algn="ctr">
+                      <a:solidFill>
+                        <a:schemeClr val="bg1"/>
+                      </a:solidFill>
+                      <a:prstDash val="solid"/>
+                      <a:round/>
+                      <a:headEnd type="none" w="med" len="med"/>
+                      <a:tailEnd type="none" w="med" len="med"/>
+                    </a:lnB>
+                    <a:lnTlToBr w="12700" cmpd="sng">
+                      <a:noFill/>
+                      <a:prstDash val="solid"/>
+                    </a:lnTlToBr>
+                    <a:lnBlToTr w="12700" cmpd="sng">
+                      <a:noFill/>
+                      <a:prstDash val="solid"/>
+                    </a:lnBlToTr>
+                  </a:tcPr>
+                </a:tc>
+                <a:tc>
+                  <a:txBody>
+                    <a:bodyPr/>
+                    <a:lstStyle/>
+                    <a:p>
+                      <a:r>
+                        <a:rPr lang="ru-RU" sz="1200" dirty="0" smtClean="0">
+                          <a:solidFill>
+                            <a:schemeClr val="bg1"/>
+                          </a:solidFill>
+                        </a:rPr>
+                        <a:t>Ноябрь</a:t>
+                      </a:r>
+                      <a:r>
+                        <a:rPr lang="ru-RU" sz="1200" baseline="0" dirty="0" smtClean="0">
+                          <a:solidFill>
+                            <a:schemeClr val="bg1"/>
+                          </a:solidFill>
+                        </a:rPr>
+                        <a:t> </a:t>
+                      </a:r>
+                      <a:r>
+                        <a:rPr lang="en-US" sz="1200" dirty="0" smtClean="0">
+                          <a:solidFill>
+                            <a:schemeClr val="bg1"/>
+                          </a:solidFill>
+                        </a:rPr>
+                        <a:t>2007</a:t>
+                      </a:r>
+                      <a:r>
+                        <a:rPr lang="ru-RU" sz="1200" dirty="0" smtClean="0">
+                          <a:solidFill>
+                            <a:schemeClr val="bg1"/>
+                          </a:solidFill>
+                        </a:rPr>
+                        <a:t> года</a:t>
+                      </a:r>
+                      <a:endParaRPr lang="en-US" sz="1200" dirty="0">
+                        <a:solidFill>
+                          <a:schemeClr val="bg1"/>
+                        </a:solidFill>
+                      </a:endParaRPr>
+                    </a:p>
+                  </a:txBody>
+                  <a:tcPr marL="61162" marR="61162" marT="30581" marB="30581" anchor="ctr">
+                    <a:lnL w="12700" cap="flat" cmpd="sng" algn="ctr">
+                      <a:solidFill>
+                        <a:schemeClr val="bg1"/>
+                      </a:solidFill>
+                      <a:prstDash val="solid"/>
+                      <a:round/>
+                      <a:headEnd type="none" w="med" len="med"/>
+                      <a:tailEnd type="none" w="med" len="med"/>
+                    </a:lnL>
+                    <a:lnR w="12700" cap="flat" cmpd="sng" algn="ctr">
+                      <a:solidFill>
+                        <a:schemeClr val="bg1"/>
+                      </a:solidFill>
+                      <a:prstDash val="solid"/>
+                      <a:round/>
+                      <a:headEnd type="none" w="med" len="med"/>
+                      <a:tailEnd type="none" w="med" len="med"/>
+                    </a:lnR>
+                    <a:lnT w="12700" cap="flat" cmpd="sng" algn="ctr">
+                      <a:solidFill>
+                        <a:schemeClr val="bg1"/>
+                      </a:solidFill>
+                      <a:prstDash val="solid"/>
+                      <a:round/>
+                      <a:headEnd type="none" w="med" len="med"/>
+                      <a:tailEnd type="none" w="med" len="med"/>
+                    </a:lnT>
+                    <a:lnB w="12700" cap="flat" cmpd="sng" algn="ctr">
+                      <a:solidFill>
+                        <a:schemeClr val="bg1"/>
+                      </a:solidFill>
+                      <a:prstDash val="solid"/>
+                      <a:round/>
+                      <a:headEnd type="none" w="med" len="med"/>
+                      <a:tailEnd type="none" w="med" len="med"/>
+                    </a:lnB>
+                    <a:lnTlToBr w="12700" cmpd="sng">
+                      <a:noFill/>
+                      <a:prstDash val="solid"/>
+                    </a:lnTlToBr>
+                    <a:lnBlToTr w="12700" cmpd="sng">
+                      <a:noFill/>
+                      <a:prstDash val="solid"/>
+                    </a:lnBlToTr>
+                  </a:tcPr>
+                </a:tc>
+                <a:tc>
+                  <a:txBody>
+                    <a:bodyPr/>
+                    <a:lstStyle/>
+                    <a:p>
+                      <a:r>
+                        <a:rPr lang="en-US" sz="1200">
+                          <a:solidFill>
+                            <a:schemeClr val="bg1"/>
+                          </a:solidFill>
+                        </a:rPr>
+                        <a:t>Visual Studio 2008</a:t>
+                      </a:r>
+                    </a:p>
+                  </a:txBody>
+                  <a:tcPr marL="61162" marR="61162" marT="30581" marB="30581" anchor="ctr">
+                    <a:lnL w="12700" cap="flat" cmpd="sng" algn="ctr">
+                      <a:solidFill>
+                        <a:schemeClr val="bg1"/>
+                      </a:solidFill>
+                      <a:prstDash val="solid"/>
+                      <a:round/>
+                      <a:headEnd type="none" w="med" len="med"/>
+                      <a:tailEnd type="none" w="med" len="med"/>
+                    </a:lnL>
+                    <a:lnR w="12700" cap="flat" cmpd="sng" algn="ctr">
+                      <a:solidFill>
+                        <a:schemeClr val="bg1"/>
+                      </a:solidFill>
+                      <a:prstDash val="solid"/>
+                      <a:round/>
+                      <a:headEnd type="none" w="med" len="med"/>
+                      <a:tailEnd type="none" w="med" len="med"/>
+                    </a:lnR>
+                    <a:lnT w="12700" cap="flat" cmpd="sng" algn="ctr">
+                      <a:solidFill>
+                        <a:schemeClr val="bg1"/>
+                      </a:solidFill>
+                      <a:prstDash val="solid"/>
+                      <a:round/>
+                      <a:headEnd type="none" w="med" len="med"/>
+                      <a:tailEnd type="none" w="med" len="med"/>
+                    </a:lnT>
+                    <a:lnB w="12700" cap="flat" cmpd="sng" algn="ctr">
+                      <a:solidFill>
+                        <a:schemeClr val="bg1"/>
+                      </a:solidFill>
+                      <a:prstDash val="solid"/>
+                      <a:round/>
+                      <a:headEnd type="none" w="med" len="med"/>
+                      <a:tailEnd type="none" w="med" len="med"/>
+                    </a:lnB>
+                    <a:lnTlToBr w="12700" cmpd="sng">
+                      <a:noFill/>
+                      <a:prstDash val="solid"/>
+                    </a:lnTlToBr>
+                    <a:lnBlToTr w="12700" cmpd="sng">
+                      <a:noFill/>
+                      <a:prstDash val="solid"/>
+                    </a:lnBlToTr>
+                  </a:tcPr>
+                </a:tc>
+                <a:tc>
+                  <a:txBody>
+                    <a:bodyPr/>
+                    <a:lstStyle/>
+                    <a:p>
+                      <a:r>
+                        <a:rPr lang="en-US" sz="1200" dirty="0">
+                          <a:solidFill>
+                            <a:schemeClr val="bg1"/>
+                          </a:solidFill>
+                        </a:rPr>
+                        <a:t>Windows 7, Windows Server 2008 R2</a:t>
+                      </a:r>
+                    </a:p>
+                  </a:txBody>
+                  <a:tcPr marL="61162" marR="61162" marT="30581" marB="30581" anchor="ctr">
+                    <a:lnL w="12700" cap="flat" cmpd="sng" algn="ctr">
+                      <a:solidFill>
+                        <a:schemeClr val="bg1"/>
+                      </a:solidFill>
+                      <a:prstDash val="solid"/>
+                      <a:round/>
+                      <a:headEnd type="none" w="med" len="med"/>
+                      <a:tailEnd type="none" w="med" len="med"/>
+                    </a:lnL>
+                    <a:lnR w="12700" cap="flat" cmpd="sng" algn="ctr">
+                      <a:solidFill>
+                        <a:schemeClr val="bg1"/>
+                      </a:solidFill>
+                      <a:prstDash val="solid"/>
+                      <a:round/>
+                      <a:headEnd type="none" w="med" len="med"/>
+                      <a:tailEnd type="none" w="med" len="med"/>
+                    </a:lnR>
+                    <a:lnT w="12700" cap="flat" cmpd="sng" algn="ctr">
+                      <a:solidFill>
+                        <a:schemeClr val="bg1"/>
+                      </a:solidFill>
+                      <a:prstDash val="solid"/>
+                      <a:round/>
+                      <a:headEnd type="none" w="med" len="med"/>
+                      <a:tailEnd type="none" w="med" len="med"/>
+                    </a:lnT>
+                    <a:lnB w="12700" cap="flat" cmpd="sng" algn="ctr">
+                      <a:solidFill>
+                        <a:schemeClr val="bg1"/>
+                      </a:solidFill>
+                      <a:prstDash val="solid"/>
+                      <a:round/>
+                      <a:headEnd type="none" w="med" len="med"/>
+                      <a:tailEnd type="none" w="med" len="med"/>
+                    </a:lnB>
+                    <a:lnTlToBr w="12700" cmpd="sng">
+                      <a:noFill/>
+                      <a:prstDash val="solid"/>
+                    </a:lnTlToBr>
+                    <a:lnBlToTr w="12700" cmpd="sng">
+                      <a:noFill/>
+                      <a:prstDash val="solid"/>
+                    </a:lnBlToTr>
+                  </a:tcPr>
+                </a:tc>
+              </a:tr>
+              <a:tr h="611617">
+                <a:tc>
+                  <a:txBody>
+                    <a:bodyPr/>
+                    <a:lstStyle/>
+                    <a:p>
+                      <a:r>
+                        <a:rPr lang="en-US" sz="1200" dirty="0">
+                          <a:solidFill>
+                            <a:schemeClr val="bg1"/>
+                          </a:solidFill>
+                        </a:rPr>
+                        <a:t>4.0</a:t>
+                      </a:r>
+                    </a:p>
+                  </a:txBody>
+                  <a:tcPr marL="61162" marR="61162" marT="30581" marB="30581" anchor="ctr">
+                    <a:lnL w="12700" cap="flat" cmpd="sng" algn="ctr">
+                      <a:solidFill>
+                        <a:schemeClr val="bg1"/>
+                      </a:solidFill>
+                      <a:prstDash val="solid"/>
+                      <a:round/>
+                      <a:headEnd type="none" w="med" len="med"/>
+                      <a:tailEnd type="none" w="med" len="med"/>
+                    </a:lnL>
+                    <a:lnR w="12700" cap="flat" cmpd="sng" algn="ctr">
+                      <a:solidFill>
+                        <a:schemeClr val="bg1"/>
+                      </a:solidFill>
+                      <a:prstDash val="solid"/>
+                      <a:round/>
+                      <a:headEnd type="none" w="med" len="med"/>
+                      <a:tailEnd type="none" w="med" len="med"/>
+                    </a:lnR>
+                    <a:lnT w="12700" cap="flat" cmpd="sng" algn="ctr">
+                      <a:solidFill>
+                        <a:schemeClr val="bg1"/>
+                      </a:solidFill>
+                      <a:prstDash val="solid"/>
+                      <a:round/>
+                      <a:headEnd type="none" w="med" len="med"/>
+                      <a:tailEnd type="none" w="med" len="med"/>
+                    </a:lnT>
+                    <a:lnB w="12700" cap="flat" cmpd="sng" algn="ctr">
+                      <a:solidFill>
+                        <a:schemeClr val="bg1"/>
+                      </a:solidFill>
+                      <a:prstDash val="solid"/>
+                      <a:round/>
+                      <a:headEnd type="none" w="med" len="med"/>
+                      <a:tailEnd type="none" w="med" len="med"/>
+                    </a:lnB>
+                    <a:lnTlToBr w="12700" cmpd="sng">
+                      <a:noFill/>
+                      <a:prstDash val="solid"/>
+                    </a:lnTlToBr>
+                    <a:lnBlToTr w="12700" cmpd="sng">
+                      <a:noFill/>
+                      <a:prstDash val="solid"/>
+                    </a:lnBlToTr>
+                  </a:tcPr>
+                </a:tc>
+                <a:tc>
+                  <a:txBody>
+                    <a:bodyPr/>
+                    <a:lstStyle/>
+                    <a:p>
+                      <a:r>
+                        <a:rPr lang="en-US" sz="1200">
+                          <a:solidFill>
+                            <a:schemeClr val="bg1"/>
+                          </a:solidFill>
+                        </a:rPr>
+                        <a:t>4.0.30319.1</a:t>
+                      </a:r>
+                    </a:p>
+                  </a:txBody>
+                  <a:tcPr marL="61162" marR="61162" marT="30581" marB="30581" anchor="ctr">
+                    <a:lnL w="12700" cap="flat" cmpd="sng" algn="ctr">
+                      <a:solidFill>
+                        <a:schemeClr val="bg1"/>
+                      </a:solidFill>
+                      <a:prstDash val="solid"/>
+                      <a:round/>
+                      <a:headEnd type="none" w="med" len="med"/>
+                      <a:tailEnd type="none" w="med" len="med"/>
+                    </a:lnL>
+                    <a:lnR w="12700" cap="flat" cmpd="sng" algn="ctr">
+                      <a:solidFill>
+                        <a:schemeClr val="bg1"/>
+                      </a:solidFill>
+                      <a:prstDash val="solid"/>
+                      <a:round/>
+                      <a:headEnd type="none" w="med" len="med"/>
+                      <a:tailEnd type="none" w="med" len="med"/>
+                    </a:lnR>
+                    <a:lnT w="12700" cap="flat" cmpd="sng" algn="ctr">
+                      <a:solidFill>
+                        <a:schemeClr val="bg1"/>
+                      </a:solidFill>
+                      <a:prstDash val="solid"/>
+                      <a:round/>
+                      <a:headEnd type="none" w="med" len="med"/>
+                      <a:tailEnd type="none" w="med" len="med"/>
+                    </a:lnT>
+                    <a:lnB w="12700" cap="flat" cmpd="sng" algn="ctr">
+                      <a:solidFill>
+                        <a:schemeClr val="bg1"/>
+                      </a:solidFill>
+                      <a:prstDash val="solid"/>
+                      <a:round/>
+                      <a:headEnd type="none" w="med" len="med"/>
+                      <a:tailEnd type="none" w="med" len="med"/>
+                    </a:lnB>
+                    <a:lnTlToBr w="12700" cmpd="sng">
+                      <a:noFill/>
+                      <a:prstDash val="solid"/>
+                    </a:lnTlToBr>
+                    <a:lnBlToTr w="12700" cmpd="sng">
+                      <a:noFill/>
+                      <a:prstDash val="solid"/>
+                    </a:lnBlToTr>
+                  </a:tcPr>
+                </a:tc>
+                <a:tc>
+                  <a:txBody>
+                    <a:bodyPr/>
+                    <a:lstStyle/>
+                    <a:p>
+                      <a:r>
+                        <a:rPr lang="ru-RU" sz="1200" dirty="0" smtClean="0">
+                          <a:solidFill>
+                            <a:schemeClr val="bg1"/>
+                          </a:solidFill>
+                        </a:rPr>
+                        <a:t>Апрель </a:t>
+                      </a:r>
+                      <a:r>
+                        <a:rPr lang="en-US" sz="1200" dirty="0" smtClean="0">
+                          <a:solidFill>
+                            <a:schemeClr val="bg1"/>
+                          </a:solidFill>
+                        </a:rPr>
+                        <a:t>2010</a:t>
+                      </a:r>
+                      <a:r>
+                        <a:rPr lang="ru-RU" sz="1200" dirty="0" smtClean="0">
+                          <a:solidFill>
+                            <a:schemeClr val="bg1"/>
+                          </a:solidFill>
+                        </a:rPr>
+                        <a:t> года</a:t>
+                      </a:r>
+                      <a:endParaRPr lang="en-US" sz="1200" dirty="0">
+                        <a:solidFill>
+                          <a:schemeClr val="bg1"/>
+                        </a:solidFill>
+                      </a:endParaRPr>
+                    </a:p>
+                  </a:txBody>
+                  <a:tcPr marL="61162" marR="61162" marT="30581" marB="30581" anchor="ctr">
+                    <a:lnL w="12700" cap="flat" cmpd="sng" algn="ctr">
+                      <a:solidFill>
+                        <a:schemeClr val="bg1"/>
+                      </a:solidFill>
+                      <a:prstDash val="solid"/>
+                      <a:round/>
+                      <a:headEnd type="none" w="med" len="med"/>
+                      <a:tailEnd type="none" w="med" len="med"/>
+                    </a:lnL>
+                    <a:lnR w="12700" cap="flat" cmpd="sng" algn="ctr">
+                      <a:solidFill>
+                        <a:schemeClr val="bg1"/>
+                      </a:solidFill>
+                      <a:prstDash val="solid"/>
+                      <a:round/>
+                      <a:headEnd type="none" w="med" len="med"/>
+                      <a:tailEnd type="none" w="med" len="med"/>
+                    </a:lnR>
+                    <a:lnT w="12700" cap="flat" cmpd="sng" algn="ctr">
+                      <a:solidFill>
+                        <a:schemeClr val="bg1"/>
+                      </a:solidFill>
+                      <a:prstDash val="solid"/>
+                      <a:round/>
+                      <a:headEnd type="none" w="med" len="med"/>
+                      <a:tailEnd type="none" w="med" len="med"/>
+                    </a:lnT>
+                    <a:lnB w="12700" cap="flat" cmpd="sng" algn="ctr">
+                      <a:solidFill>
+                        <a:schemeClr val="bg1"/>
+                      </a:solidFill>
+                      <a:prstDash val="solid"/>
+                      <a:round/>
+                      <a:headEnd type="none" w="med" len="med"/>
+                      <a:tailEnd type="none" w="med" len="med"/>
+                    </a:lnB>
+                    <a:lnTlToBr w="12700" cmpd="sng">
+                      <a:noFill/>
+                      <a:prstDash val="solid"/>
+                    </a:lnTlToBr>
+                    <a:lnBlToTr w="12700" cmpd="sng">
+                      <a:noFill/>
+                      <a:prstDash val="solid"/>
+                    </a:lnBlToTr>
+                  </a:tcPr>
+                </a:tc>
+                <a:tc>
+                  <a:txBody>
+                    <a:bodyPr/>
+                    <a:lstStyle/>
+                    <a:p>
+                      <a:r>
+                        <a:rPr lang="en-US" sz="1200">
+                          <a:solidFill>
+                            <a:schemeClr val="bg1"/>
+                          </a:solidFill>
+                        </a:rPr>
+                        <a:t>Visual Studio 2010</a:t>
+                      </a:r>
+                    </a:p>
+                  </a:txBody>
+                  <a:tcPr marL="61162" marR="61162" marT="30581" marB="30581" anchor="ctr">
+                    <a:lnL w="12700" cap="flat" cmpd="sng" algn="ctr">
+                      <a:solidFill>
+                        <a:schemeClr val="bg1"/>
+                      </a:solidFill>
+                      <a:prstDash val="solid"/>
+                      <a:round/>
+                      <a:headEnd type="none" w="med" len="med"/>
+                      <a:tailEnd type="none" w="med" len="med"/>
+                    </a:lnL>
+                    <a:lnR w="12700" cap="flat" cmpd="sng" algn="ctr">
+                      <a:solidFill>
+                        <a:schemeClr val="bg1"/>
+                      </a:solidFill>
+                      <a:prstDash val="solid"/>
+                      <a:round/>
+                      <a:headEnd type="none" w="med" len="med"/>
+                      <a:tailEnd type="none" w="med" len="med"/>
+                    </a:lnR>
+                    <a:lnT w="12700" cap="flat" cmpd="sng" algn="ctr">
+                      <a:solidFill>
+                        <a:schemeClr val="bg1"/>
+                      </a:solidFill>
+                      <a:prstDash val="solid"/>
+                      <a:round/>
+                      <a:headEnd type="none" w="med" len="med"/>
+                      <a:tailEnd type="none" w="med" len="med"/>
+                    </a:lnT>
+                    <a:lnB w="12700" cap="flat" cmpd="sng" algn="ctr">
+                      <a:solidFill>
+                        <a:schemeClr val="bg1"/>
+                      </a:solidFill>
+                      <a:prstDash val="solid"/>
+                      <a:round/>
+                      <a:headEnd type="none" w="med" len="med"/>
+                      <a:tailEnd type="none" w="med" len="med"/>
+                    </a:lnB>
+                    <a:lnTlToBr w="12700" cmpd="sng">
+                      <a:noFill/>
+                      <a:prstDash val="solid"/>
+                    </a:lnTlToBr>
+                    <a:lnBlToTr w="12700" cmpd="sng">
+                      <a:noFill/>
+                      <a:prstDash val="solid"/>
+                    </a:lnBlToTr>
+                  </a:tcPr>
+                </a:tc>
+                <a:tc>
+                  <a:txBody>
+                    <a:bodyPr/>
+                    <a:lstStyle/>
+                    <a:p>
+                      <a:r>
+                        <a:rPr lang="en-US" sz="1200" dirty="0">
+                          <a:solidFill>
+                            <a:schemeClr val="bg1"/>
+                          </a:solidFill>
+                        </a:rPr>
+                        <a:t>Windows 7 (recommended)</a:t>
+                      </a:r>
+                    </a:p>
+                  </a:txBody>
+                  <a:tcPr marL="61162" marR="61162" marT="30581" marB="30581" anchor="ctr">
+                    <a:lnL w="12700" cap="flat" cmpd="sng" algn="ctr">
+                      <a:solidFill>
+                        <a:schemeClr val="bg1"/>
+                      </a:solidFill>
+                      <a:prstDash val="solid"/>
+                      <a:round/>
+                      <a:headEnd type="none" w="med" len="med"/>
+                      <a:tailEnd type="none" w="med" len="med"/>
+                    </a:lnL>
+                    <a:lnR w="12700" cap="flat" cmpd="sng" algn="ctr">
+                      <a:solidFill>
+                        <a:schemeClr val="bg1"/>
+                      </a:solidFill>
+                      <a:prstDash val="solid"/>
+                      <a:round/>
+                      <a:headEnd type="none" w="med" len="med"/>
+                      <a:tailEnd type="none" w="med" len="med"/>
+                    </a:lnR>
+                    <a:lnT w="12700" cap="flat" cmpd="sng" algn="ctr">
+                      <a:solidFill>
+                        <a:schemeClr val="bg1"/>
+                      </a:solidFill>
+                      <a:prstDash val="solid"/>
+                      <a:round/>
+                      <a:headEnd type="none" w="med" len="med"/>
+                      <a:tailEnd type="none" w="med" len="med"/>
+                    </a:lnT>
+                    <a:lnB w="12700" cap="flat" cmpd="sng" algn="ctr">
+                      <a:solidFill>
+                        <a:schemeClr val="bg1"/>
+                      </a:solidFill>
+                      <a:prstDash val="solid"/>
+                      <a:round/>
+                      <a:headEnd type="none" w="med" len="med"/>
+                      <a:tailEnd type="none" w="med" len="med"/>
+                    </a:lnB>
+                    <a:lnTlToBr w="12700" cmpd="sng">
+                      <a:noFill/>
+                      <a:prstDash val="solid"/>
+                    </a:lnTlToBr>
+                    <a:lnBlToTr w="12700" cmpd="sng">
+                      <a:noFill/>
+                      <a:prstDash val="solid"/>
+                    </a:lnBlToTr>
+                  </a:tcPr>
+                </a:tc>
+              </a:tr>
+              <a:tr h="611617">
+                <a:tc>
+                  <a:txBody>
+                    <a:bodyPr/>
+                    <a:lstStyle/>
+                    <a:p>
+                      <a:r>
+                        <a:rPr lang="en-US" sz="1200" dirty="0">
+                          <a:solidFill>
+                            <a:schemeClr val="bg1"/>
+                          </a:solidFill>
+                        </a:rPr>
+                        <a:t>4.5</a:t>
+                      </a:r>
+                    </a:p>
+                  </a:txBody>
+                  <a:tcPr marL="61162" marR="61162" marT="30581" marB="30581" anchor="ctr">
+                    <a:lnL w="12700" cap="flat" cmpd="sng" algn="ctr">
+                      <a:solidFill>
+                        <a:schemeClr val="bg1"/>
+                      </a:solidFill>
+                      <a:prstDash val="solid"/>
+                      <a:round/>
+                      <a:headEnd type="none" w="med" len="med"/>
+                      <a:tailEnd type="none" w="med" len="med"/>
+                    </a:lnL>
+                    <a:lnR w="12700" cap="flat" cmpd="sng" algn="ctr">
+                      <a:solidFill>
+                        <a:schemeClr val="bg1"/>
+                      </a:solidFill>
+                      <a:prstDash val="solid"/>
+                      <a:round/>
+                      <a:headEnd type="none" w="med" len="med"/>
+                      <a:tailEnd type="none" w="med" len="med"/>
+                    </a:lnR>
+                    <a:lnT w="12700" cap="flat" cmpd="sng" algn="ctr">
+                      <a:solidFill>
+                        <a:schemeClr val="bg1"/>
+                      </a:solidFill>
+                      <a:prstDash val="solid"/>
+                      <a:round/>
+                      <a:headEnd type="none" w="med" len="med"/>
+                      <a:tailEnd type="none" w="med" len="med"/>
+                    </a:lnT>
+                    <a:lnB w="12700" cap="flat" cmpd="sng" algn="ctr">
+                      <a:solidFill>
+                        <a:schemeClr val="bg1"/>
+                      </a:solidFill>
+                      <a:prstDash val="solid"/>
+                      <a:round/>
+                      <a:headEnd type="none" w="med" len="med"/>
+                      <a:tailEnd type="none" w="med" len="med"/>
+                    </a:lnB>
+                    <a:lnTlToBr w="12700" cmpd="sng">
+                      <a:noFill/>
+                      <a:prstDash val="solid"/>
+                    </a:lnTlToBr>
+                    <a:lnBlToTr w="12700" cmpd="sng">
+                      <a:noFill/>
+                      <a:prstDash val="solid"/>
+                    </a:lnBlToTr>
+                  </a:tcPr>
+                </a:tc>
+                <a:tc>
+                  <a:txBody>
+                    <a:bodyPr/>
+                    <a:lstStyle/>
+                    <a:p>
+                      <a:r>
+                        <a:rPr lang="en-US" sz="1200">
+                          <a:solidFill>
+                            <a:schemeClr val="bg1"/>
+                          </a:solidFill>
+                        </a:rPr>
+                        <a:t>4.0.30319.17929 (4.5.50709)</a:t>
+                      </a:r>
+                    </a:p>
+                  </a:txBody>
+                  <a:tcPr marL="61162" marR="61162" marT="30581" marB="30581" anchor="ctr">
+                    <a:lnL w="12700" cap="flat" cmpd="sng" algn="ctr">
+                      <a:solidFill>
+                        <a:schemeClr val="bg1"/>
+                      </a:solidFill>
+                      <a:prstDash val="solid"/>
+                      <a:round/>
+                      <a:headEnd type="none" w="med" len="med"/>
+                      <a:tailEnd type="none" w="med" len="med"/>
+                    </a:lnL>
+                    <a:lnR w="12700" cap="flat" cmpd="sng" algn="ctr">
+                      <a:solidFill>
+                        <a:schemeClr val="bg1"/>
+                      </a:solidFill>
+                      <a:prstDash val="solid"/>
+                      <a:round/>
+                      <a:headEnd type="none" w="med" len="med"/>
+                      <a:tailEnd type="none" w="med" len="med"/>
+                    </a:lnR>
+                    <a:lnT w="12700" cap="flat" cmpd="sng" algn="ctr">
+                      <a:solidFill>
+                        <a:schemeClr val="bg1"/>
+                      </a:solidFill>
+                      <a:prstDash val="solid"/>
+                      <a:round/>
+                      <a:headEnd type="none" w="med" len="med"/>
+                      <a:tailEnd type="none" w="med" len="med"/>
+                    </a:lnT>
+                    <a:lnB w="12700" cap="flat" cmpd="sng" algn="ctr">
+                      <a:solidFill>
+                        <a:schemeClr val="bg1"/>
+                      </a:solidFill>
+                      <a:prstDash val="solid"/>
+                      <a:round/>
+                      <a:headEnd type="none" w="med" len="med"/>
+                      <a:tailEnd type="none" w="med" len="med"/>
+                    </a:lnB>
+                    <a:lnTlToBr w="12700" cmpd="sng">
+                      <a:noFill/>
+                      <a:prstDash val="solid"/>
+                    </a:lnTlToBr>
+                    <a:lnBlToTr w="12700" cmpd="sng">
+                      <a:noFill/>
+                      <a:prstDash val="solid"/>
+                    </a:lnBlToTr>
+                  </a:tcPr>
+                </a:tc>
+                <a:tc>
+                  <a:txBody>
+                    <a:bodyPr/>
+                    <a:lstStyle/>
+                    <a:p>
+                      <a:r>
+                        <a:rPr lang="ru-RU" sz="1200" dirty="0" smtClean="0">
+                          <a:solidFill>
+                            <a:schemeClr val="bg1"/>
+                          </a:solidFill>
+                        </a:rPr>
+                        <a:t>Август </a:t>
+                      </a:r>
+                      <a:r>
+                        <a:rPr lang="en-US" sz="1200" dirty="0" smtClean="0">
+                          <a:solidFill>
+                            <a:schemeClr val="bg1"/>
+                          </a:solidFill>
+                        </a:rPr>
+                        <a:t>2012</a:t>
+                      </a:r>
+                      <a:r>
+                        <a:rPr lang="ru-RU" sz="1200" dirty="0" smtClean="0">
+                          <a:solidFill>
+                            <a:schemeClr val="bg1"/>
+                          </a:solidFill>
+                        </a:rPr>
+                        <a:t> года</a:t>
+                      </a:r>
+                      <a:endParaRPr lang="en-US" sz="1200" dirty="0">
+                        <a:solidFill>
+                          <a:schemeClr val="bg1"/>
+                        </a:solidFill>
+                      </a:endParaRPr>
+                    </a:p>
+                  </a:txBody>
+                  <a:tcPr marL="61162" marR="61162" marT="30581" marB="30581" anchor="ctr">
+                    <a:lnL w="12700" cap="flat" cmpd="sng" algn="ctr">
+                      <a:solidFill>
+                        <a:schemeClr val="bg1"/>
+                      </a:solidFill>
+                      <a:prstDash val="solid"/>
+                      <a:round/>
+                      <a:headEnd type="none" w="med" len="med"/>
+                      <a:tailEnd type="none" w="med" len="med"/>
+                    </a:lnL>
+                    <a:lnR w="12700" cap="flat" cmpd="sng" algn="ctr">
+                      <a:solidFill>
+                        <a:schemeClr val="bg1"/>
+                      </a:solidFill>
+                      <a:prstDash val="solid"/>
+                      <a:round/>
+                      <a:headEnd type="none" w="med" len="med"/>
+                      <a:tailEnd type="none" w="med" len="med"/>
+                    </a:lnR>
+                    <a:lnT w="12700" cap="flat" cmpd="sng" algn="ctr">
+                      <a:solidFill>
+                        <a:schemeClr val="bg1"/>
+                      </a:solidFill>
+                      <a:prstDash val="solid"/>
+                      <a:round/>
+                      <a:headEnd type="none" w="med" len="med"/>
+                      <a:tailEnd type="none" w="med" len="med"/>
+                    </a:lnT>
+                    <a:lnB w="12700" cap="flat" cmpd="sng" algn="ctr">
+                      <a:solidFill>
+                        <a:schemeClr val="bg1"/>
+                      </a:solidFill>
+                      <a:prstDash val="solid"/>
+                      <a:round/>
+                      <a:headEnd type="none" w="med" len="med"/>
+                      <a:tailEnd type="none" w="med" len="med"/>
+                    </a:lnB>
+                    <a:lnTlToBr w="12700" cmpd="sng">
+                      <a:noFill/>
+                      <a:prstDash val="solid"/>
+                    </a:lnTlToBr>
+                    <a:lnBlToTr w="12700" cmpd="sng">
+                      <a:noFill/>
+                      <a:prstDash val="solid"/>
+                    </a:lnBlToTr>
+                  </a:tcPr>
+                </a:tc>
+                <a:tc>
+                  <a:txBody>
+                    <a:bodyPr/>
+                    <a:lstStyle/>
+                    <a:p>
+                      <a:r>
+                        <a:rPr lang="en-US" sz="1200">
+                          <a:solidFill>
+                            <a:schemeClr val="bg1"/>
+                          </a:solidFill>
+                        </a:rPr>
+                        <a:t>Visual Studio 2012</a:t>
+                      </a:r>
+                    </a:p>
+                  </a:txBody>
+                  <a:tcPr marL="61162" marR="61162" marT="30581" marB="30581" anchor="ctr">
+                    <a:lnL w="12700" cap="flat" cmpd="sng" algn="ctr">
+                      <a:solidFill>
+                        <a:schemeClr val="bg1"/>
+                      </a:solidFill>
+                      <a:prstDash val="solid"/>
+                      <a:round/>
+                      <a:headEnd type="none" w="med" len="med"/>
+                      <a:tailEnd type="none" w="med" len="med"/>
+                    </a:lnL>
+                    <a:lnR w="12700" cap="flat" cmpd="sng" algn="ctr">
+                      <a:solidFill>
+                        <a:schemeClr val="bg1"/>
+                      </a:solidFill>
+                      <a:prstDash val="solid"/>
+                      <a:round/>
+                      <a:headEnd type="none" w="med" len="med"/>
+                      <a:tailEnd type="none" w="med" len="med"/>
+                    </a:lnR>
+                    <a:lnT w="12700" cap="flat" cmpd="sng" algn="ctr">
+                      <a:solidFill>
+                        <a:schemeClr val="bg1"/>
+                      </a:solidFill>
+                      <a:prstDash val="solid"/>
+                      <a:round/>
+                      <a:headEnd type="none" w="med" len="med"/>
+                      <a:tailEnd type="none" w="med" len="med"/>
+                    </a:lnT>
+                    <a:lnB w="12700" cap="flat" cmpd="sng" algn="ctr">
+                      <a:solidFill>
+                        <a:schemeClr val="bg1"/>
+                      </a:solidFill>
+                      <a:prstDash val="solid"/>
+                      <a:round/>
+                      <a:headEnd type="none" w="med" len="med"/>
+                      <a:tailEnd type="none" w="med" len="med"/>
+                    </a:lnB>
+                    <a:lnTlToBr w="12700" cmpd="sng">
+                      <a:noFill/>
+                      <a:prstDash val="solid"/>
+                    </a:lnTlToBr>
+                    <a:lnBlToTr w="12700" cmpd="sng">
+                      <a:noFill/>
+                      <a:prstDash val="solid"/>
+                    </a:lnBlToTr>
+                  </a:tcPr>
+                </a:tc>
+                <a:tc>
+                  <a:txBody>
+                    <a:bodyPr/>
+                    <a:lstStyle/>
+                    <a:p>
+                      <a:r>
+                        <a:rPr lang="en-US" sz="1200" dirty="0">
+                          <a:solidFill>
+                            <a:schemeClr val="bg1"/>
+                          </a:solidFill>
+                        </a:rPr>
+                        <a:t>Windows 8, Windows Server 2012</a:t>
+                      </a:r>
+                    </a:p>
+                  </a:txBody>
+                  <a:tcPr marL="61162" marR="61162" marT="30581" marB="30581" anchor="ctr">
+                    <a:lnL w="12700" cap="flat" cmpd="sng" algn="ctr">
+                      <a:solidFill>
+                        <a:schemeClr val="bg1"/>
+                      </a:solidFill>
+                      <a:prstDash val="solid"/>
+                      <a:round/>
+                      <a:headEnd type="none" w="med" len="med"/>
+                      <a:tailEnd type="none" w="med" len="med"/>
+                    </a:lnL>
+                    <a:lnR w="12700" cap="flat" cmpd="sng" algn="ctr">
+                      <a:solidFill>
+                        <a:schemeClr val="bg1"/>
+                      </a:solidFill>
+                      <a:prstDash val="solid"/>
+                      <a:round/>
+                      <a:headEnd type="none" w="med" len="med"/>
+                      <a:tailEnd type="none" w="med" len="med"/>
+                    </a:lnR>
+                    <a:lnT w="12700" cap="flat" cmpd="sng" algn="ctr">
+                      <a:solidFill>
+                        <a:schemeClr val="bg1"/>
+                      </a:solidFill>
+                      <a:prstDash val="solid"/>
+                      <a:round/>
+                      <a:headEnd type="none" w="med" len="med"/>
+                      <a:tailEnd type="none" w="med" len="med"/>
+                    </a:lnT>
+                    <a:lnB w="12700" cap="flat" cmpd="sng" algn="ctr">
+                      <a:solidFill>
+                        <a:schemeClr val="bg1"/>
+                      </a:solidFill>
+                      <a:prstDash val="solid"/>
+                      <a:round/>
+                      <a:headEnd type="none" w="med" len="med"/>
+                      <a:tailEnd type="none" w="med" len="med"/>
+                    </a:lnB>
+                    <a:lnTlToBr w="12700" cmpd="sng">
+                      <a:noFill/>
+                      <a:prstDash val="solid"/>
+                    </a:lnTlToBr>
+                    <a:lnBlToTr w="12700" cmpd="sng">
+                      <a:noFill/>
+                      <a:prstDash val="solid"/>
+                    </a:lnBlToTr>
+                  </a:tcPr>
+                </a:tc>
+              </a:tr>
+            </a:tbl>
+          </a:graphicData>
+        </a:graphic>
+      </p:graphicFrame>
     </p:spTree>
     <p:extLst>
       <p:ext uri="{BB962C8B-B14F-4D97-AF65-F5344CB8AC3E}">
-        <p14:creationId xmlns:p14="http://schemas.microsoft.com/office/powerpoint/2010/main" val="844996974"/>
+        <p14:creationId xmlns:p14="http://schemas.microsoft.com/office/powerpoint/2010/main" val="1914467712"/>
       </p:ext>
     </p:extLst>
   </p:cSld>
@@ -31891,7 +31909,7 @@
         <p:spPr>
           <a:xfrm>
             <a:off x="251520" y="188640"/>
-            <a:ext cx="8640960" cy="3908762"/>
+            <a:ext cx="8640960" cy="1138773"/>
           </a:xfrm>
           <a:prstGeom prst="rect">
             <a:avLst/>
@@ -31910,13 +31928,16 @@
                   <a:schemeClr val="bg1"/>
                 </a:solidFill>
               </a:rPr>
-              <a:t>Visual Studio</a:t>
-            </a:r>
-            <a:endParaRPr lang="ru-RU" sz="3200" dirty="0" smtClean="0">
-              <a:solidFill>
-                <a:schemeClr val="bg1"/>
-              </a:solidFill>
-            </a:endParaRPr>
+              <a:t>.NET Framework. Side-by-side </a:t>
+            </a:r>
+            <a:r>
+              <a:rPr lang="ru-RU" sz="3200" dirty="0" smtClean="0">
+                <a:solidFill>
+                  <a:schemeClr val="bg1"/>
+                </a:solidFill>
+              </a:rPr>
+              <a:t>совместимость</a:t>
+            </a:r>
           </a:p>
           <a:p>
             <a:pPr lvl="0"/>
@@ -31927,289 +31948,6 @@
             </a:endParaRPr>
           </a:p>
           <a:p>
-            <a:r>
-              <a:rPr lang="en-US" dirty="0" smtClean="0">
-                <a:solidFill>
-                  <a:schemeClr val="bg1"/>
-                </a:solidFill>
-              </a:rPr>
-              <a:t>IDE – Integrated Development Environment</a:t>
-            </a:r>
-            <a:endParaRPr lang="ru-RU" dirty="0" smtClean="0">
-              <a:solidFill>
-                <a:schemeClr val="bg1"/>
-              </a:solidFill>
-            </a:endParaRPr>
-          </a:p>
-          <a:p>
-            <a:endParaRPr lang="ru-RU" dirty="0">
-              <a:solidFill>
-                <a:schemeClr val="bg1"/>
-              </a:solidFill>
-            </a:endParaRPr>
-          </a:p>
-          <a:p>
-            <a:r>
-              <a:rPr lang="en-US" dirty="0" smtClean="0">
-                <a:solidFill>
-                  <a:schemeClr val="bg1"/>
-                </a:solidFill>
-              </a:rPr>
-              <a:t>Visual Studio 2012</a:t>
-            </a:r>
-            <a:r>
-              <a:rPr lang="en-US" dirty="0">
-                <a:solidFill>
-                  <a:schemeClr val="bg1"/>
-                </a:solidFill>
-              </a:rPr>
-              <a:t/>
-            </a:r>
-            <a:br>
-              <a:rPr lang="en-US" dirty="0">
-                <a:solidFill>
-                  <a:schemeClr val="bg1"/>
-                </a:solidFill>
-              </a:rPr>
-            </a:br>
-            <a:r>
-              <a:rPr lang="en-US" dirty="0">
-                <a:solidFill>
-                  <a:schemeClr val="bg1"/>
-                </a:solidFill>
-                <a:hlinkClick r:id="rId3"/>
-              </a:rPr>
-              <a:t>http://</a:t>
-            </a:r>
-            <a:r>
-              <a:rPr lang="en-US" dirty="0" smtClean="0">
-                <a:solidFill>
-                  <a:schemeClr val="bg1"/>
-                </a:solidFill>
-                <a:hlinkClick r:id="rId3"/>
-              </a:rPr>
-              <a:t>www.microsoft.com/visualstudio/eng/downloads</a:t>
-            </a:r>
-            <a:endParaRPr lang="ru-RU" dirty="0" smtClean="0">
-              <a:solidFill>
-                <a:schemeClr val="bg1"/>
-              </a:solidFill>
-            </a:endParaRPr>
-          </a:p>
-          <a:p>
-            <a:endParaRPr lang="en-US" dirty="0" smtClean="0">
-              <a:solidFill>
-                <a:schemeClr val="bg1"/>
-              </a:solidFill>
-            </a:endParaRPr>
-          </a:p>
-          <a:p>
-            <a:r>
-              <a:rPr lang="ru-RU" dirty="0" smtClean="0">
-                <a:solidFill>
-                  <a:schemeClr val="bg1"/>
-                </a:solidFill>
-              </a:rPr>
-              <a:t>Редакции</a:t>
-            </a:r>
-            <a:r>
-              <a:rPr lang="en-US" dirty="0" smtClean="0">
-                <a:solidFill>
-                  <a:schemeClr val="bg1"/>
-                </a:solidFill>
-              </a:rPr>
-              <a:t>: Express </a:t>
-            </a:r>
-            <a:r>
-              <a:rPr lang="ru-RU" dirty="0">
-                <a:solidFill>
-                  <a:schemeClr val="bg1"/>
-                </a:solidFill>
-              </a:rPr>
-              <a:t>(бесплатная</a:t>
-            </a:r>
-            <a:r>
-              <a:rPr lang="en-US" dirty="0" smtClean="0">
-                <a:solidFill>
-                  <a:schemeClr val="bg1"/>
-                </a:solidFill>
-              </a:rPr>
-              <a:t>), Professional, Premium, Ultimate.</a:t>
-            </a:r>
-            <a:endParaRPr lang="ru-RU" dirty="0">
-              <a:solidFill>
-                <a:schemeClr val="bg1"/>
-              </a:solidFill>
-            </a:endParaRPr>
-          </a:p>
-          <a:p>
-            <a:endParaRPr lang="en-US" dirty="0">
-              <a:solidFill>
-                <a:schemeClr val="bg1"/>
-              </a:solidFill>
-            </a:endParaRPr>
-          </a:p>
-          <a:p>
-            <a:r>
-              <a:rPr lang="ru-RU" dirty="0">
-                <a:solidFill>
-                  <a:schemeClr val="bg1"/>
-                </a:solidFill>
-              </a:rPr>
-              <a:t>Расширения для </a:t>
-            </a:r>
-            <a:r>
-              <a:rPr lang="en-US" dirty="0">
-                <a:solidFill>
-                  <a:schemeClr val="bg1"/>
-                </a:solidFill>
-              </a:rPr>
-              <a:t>V</a:t>
-            </a:r>
-            <a:r>
-              <a:rPr lang="ru-RU" dirty="0">
-                <a:solidFill>
-                  <a:schemeClr val="bg1"/>
-                </a:solidFill>
-              </a:rPr>
-              <a:t>isual </a:t>
-            </a:r>
-            <a:r>
-              <a:rPr lang="en-US" dirty="0">
-                <a:solidFill>
-                  <a:schemeClr val="bg1"/>
-                </a:solidFill>
-              </a:rPr>
-              <a:t>Studio</a:t>
-            </a:r>
-            <a:r>
-              <a:rPr lang="ru-RU" dirty="0">
-                <a:solidFill>
-                  <a:schemeClr val="bg1"/>
-                </a:solidFill>
-              </a:rPr>
-              <a:t/>
-            </a:r>
-            <a:br>
-              <a:rPr lang="ru-RU" dirty="0">
-                <a:solidFill>
-                  <a:schemeClr val="bg1"/>
-                </a:solidFill>
-              </a:rPr>
-            </a:br>
-            <a:r>
-              <a:rPr lang="en-US" u="sng" dirty="0">
-                <a:solidFill>
-                  <a:schemeClr val="bg1"/>
-                </a:solidFill>
-              </a:rPr>
-              <a:t>http</a:t>
-            </a:r>
-            <a:r>
-              <a:rPr lang="ru-RU" u="sng" dirty="0">
-                <a:solidFill>
-                  <a:schemeClr val="bg1"/>
-                </a:solidFill>
-              </a:rPr>
-              <a:t>://</a:t>
-            </a:r>
-            <a:r>
-              <a:rPr lang="en-US" u="sng" dirty="0" err="1">
-                <a:solidFill>
-                  <a:schemeClr val="bg1"/>
-                </a:solidFill>
-              </a:rPr>
-              <a:t>visualstudiogallery</a:t>
-            </a:r>
-            <a:r>
-              <a:rPr lang="ru-RU" u="sng" dirty="0">
-                <a:solidFill>
-                  <a:schemeClr val="bg1"/>
-                </a:solidFill>
-              </a:rPr>
-              <a:t>.</a:t>
-            </a:r>
-            <a:r>
-              <a:rPr lang="en-US" u="sng" dirty="0" err="1">
-                <a:solidFill>
-                  <a:schemeClr val="bg1"/>
-                </a:solidFill>
-              </a:rPr>
-              <a:t>msdn</a:t>
-            </a:r>
-            <a:r>
-              <a:rPr lang="ru-RU" u="sng" dirty="0">
-                <a:solidFill>
-                  <a:schemeClr val="bg1"/>
-                </a:solidFill>
-              </a:rPr>
-              <a:t>.</a:t>
-            </a:r>
-            <a:r>
-              <a:rPr lang="en-US" u="sng" dirty="0" err="1">
-                <a:solidFill>
-                  <a:schemeClr val="bg1"/>
-                </a:solidFill>
-              </a:rPr>
-              <a:t>microsoft</a:t>
-            </a:r>
-            <a:r>
-              <a:rPr lang="ru-RU" u="sng" dirty="0">
-                <a:solidFill>
-                  <a:schemeClr val="bg1"/>
-                </a:solidFill>
-              </a:rPr>
-              <a:t>.</a:t>
-            </a:r>
-            <a:r>
-              <a:rPr lang="en-US" u="sng" dirty="0">
-                <a:solidFill>
-                  <a:schemeClr val="bg1"/>
-                </a:solidFill>
-              </a:rPr>
-              <a:t>com</a:t>
-            </a:r>
-            <a:r>
-              <a:rPr lang="ru-RU" u="sng" dirty="0">
-                <a:solidFill>
-                  <a:schemeClr val="bg1"/>
-                </a:solidFill>
-              </a:rPr>
-              <a:t>/</a:t>
-            </a:r>
-          </a:p>
-          <a:p>
-            <a:endParaRPr lang="en-US" dirty="0">
-              <a:solidFill>
-                <a:schemeClr val="bg1"/>
-              </a:solidFill>
-            </a:endParaRPr>
-          </a:p>
-          <a:p>
-            <a:r>
-              <a:rPr lang="en-US" dirty="0">
-                <a:solidFill>
-                  <a:schemeClr val="bg1"/>
-                </a:solidFill>
-              </a:rPr>
-              <a:t>ReSharper - </a:t>
-            </a:r>
-            <a:r>
-              <a:rPr lang="en-US" u="sng" dirty="0">
-                <a:solidFill>
-                  <a:schemeClr val="bg1"/>
-                </a:solidFill>
-              </a:rPr>
-              <a:t>http://www.jetbrains.com/resharper</a:t>
-            </a:r>
-            <a:r>
-              <a:rPr lang="en-US" u="sng" dirty="0" smtClean="0">
-                <a:solidFill>
-                  <a:schemeClr val="bg1"/>
-                </a:solidFill>
-              </a:rPr>
-              <a:t>/</a:t>
-            </a:r>
             <a:endParaRPr lang="en-US" dirty="0" smtClean="0">
               <a:solidFill>
                 <a:schemeClr val="bg1"/>
@@ -32218,10 +31956,64 @@
           </a:p>
         </p:txBody>
       </p:sp>
+      <p:pic>
+        <p:nvPicPr>
+          <p:cNvPr id="1026" name="Picture 2" descr="image002"/>
+          <p:cNvPicPr>
+            <a:picLocks noChangeAspect="1" noChangeArrowheads="1"/>
+          </p:cNvPicPr>
+          <p:nvPr/>
+        </p:nvPicPr>
+        <p:blipFill>
+          <a:blip r:embed="rId3">
+            <a:extLst>
+              <a:ext uri="{28A0092B-C50C-407E-A947-70E740481C1C}">
+                <a14:useLocalDpi xmlns:a14="http://schemas.microsoft.com/office/drawing/2010/main" val="0"/>
+              </a:ext>
+            </a:extLst>
+          </a:blip>
+          <a:srcRect/>
+          <a:stretch>
+            <a:fillRect/>
+          </a:stretch>
+        </p:blipFill>
+        <p:spPr bwMode="auto">
+          <a:xfrm>
+            <a:off x="1566863" y="1652588"/>
+            <a:ext cx="6010275" cy="3552825"/>
+          </a:xfrm>
+          <a:prstGeom prst="rect">
+            <a:avLst/>
+          </a:prstGeom>
+          <a:noFill/>
+          <a:ln>
+            <a:noFill/>
+          </a:ln>
+          <a:extLst>
+            <a:ext uri="{909E8E84-426E-40DD-AFC4-6F175D3DCCD1}">
+              <a14:hiddenFill xmlns:a14="http://schemas.microsoft.com/office/drawing/2010/main">
+                <a:solidFill>
+                  <a:srgbClr val="FFFFFF"/>
+                </a:solidFill>
+              </a14:hiddenFill>
+            </a:ext>
+            <a:ext uri="{91240B29-F687-4F45-9708-019B960494DF}">
+              <a14:hiddenLine xmlns:a14="http://schemas.microsoft.com/office/drawing/2010/main" w="9525">
+                <a:solidFill>
+                  <a:srgbClr val="000000"/>
+                </a:solidFill>
+                <a:miter lim="800000"/>
+                <a:headEnd/>
+                <a:tailEnd/>
+              </a14:hiddenLine>
+            </a:ext>
+          </a:extLst>
+        </p:spPr>
+      </p:pic>
     </p:spTree>
     <p:extLst>
       <p:ext uri="{BB962C8B-B14F-4D97-AF65-F5344CB8AC3E}">
-        <p14:creationId xmlns:p14="http://schemas.microsoft.com/office/powerpoint/2010/main" val="2029492004"/>
+        <p14:creationId xmlns:p14="http://schemas.microsoft.com/office/powerpoint/2010/main" val="812983216"/>
       </p:ext>
     </p:extLst>
   </p:cSld>

--- a/Presentation/lesson-01.pptx
+++ b/Presentation/lesson-01.pptx
@@ -23945,6 +23945,13 @@
   <p:clrMapOvr>
     <a:masterClrMapping/>
   </p:clrMapOvr>
+  <p:timing>
+    <p:tnLst>
+      <p:par>
+        <p:cTn id="1" dur="indefinite" restart="never" nodeType="tmRoot"/>
+      </p:par>
+    </p:tnLst>
+  </p:timing>
 </p:sld>
 </file>
 
@@ -25177,6 +25184,13 @@
   <p:clrMapOvr>
     <a:masterClrMapping/>
   </p:clrMapOvr>
+  <p:timing>
+    <p:tnLst>
+      <p:par>
+        <p:cTn id="1" dur="indefinite" restart="never" nodeType="tmRoot"/>
+      </p:par>
+    </p:tnLst>
+  </p:timing>
 </p:sld>
 </file>
 
@@ -25308,7 +25322,7 @@
         </p:nvSpPr>
         <p:spPr bwMode="auto">
           <a:xfrm>
-            <a:off x="685800" y="2667000"/>
+            <a:off x="685800" y="2492896"/>
             <a:ext cx="7696200" cy="3770313"/>
           </a:xfrm>
           <a:prstGeom prst="rect">
@@ -26015,17 +26029,27 @@
           <a:p>
             <a:pPr eaLnBrk="1" hangingPunct="1"/>
             <a:r>
-              <a:rPr lang="en-US" sz="1400">
-                <a:solidFill>
-                  <a:schemeClr val="bg1"/>
-                </a:solidFill>
-                <a:latin typeface="Courier New" pitchFamily="49" charset="0"/>
-                <a:cs typeface="Courier New" pitchFamily="49" charset="0"/>
-              </a:rPr>
-              <a:t>enum &lt;</a:t>
-            </a:r>
-            <a:r>
-              <a:rPr lang="ru-RU" sz="1400">
+              <a:rPr lang="en-US" sz="1400" dirty="0" err="1">
+                <a:solidFill>
+                  <a:schemeClr val="bg1"/>
+                </a:solidFill>
+                <a:latin typeface="Courier New" pitchFamily="49" charset="0"/>
+                <a:cs typeface="Courier New" pitchFamily="49" charset="0"/>
+              </a:rPr>
+              <a:t>enum</a:t>
+            </a:r>
+            <a:r>
+              <a:rPr lang="en-US" sz="1400" dirty="0">
+                <a:solidFill>
+                  <a:schemeClr val="bg1"/>
+                </a:solidFill>
+                <a:latin typeface="Courier New" pitchFamily="49" charset="0"/>
+                <a:cs typeface="Courier New" pitchFamily="49" charset="0"/>
+              </a:rPr>
+              <a:t> &lt;</a:t>
+            </a:r>
+            <a:r>
+              <a:rPr lang="ru-RU" sz="1400" dirty="0">
                 <a:solidFill>
                   <a:schemeClr val="bg1"/>
                 </a:solidFill>
@@ -26035,7 +26059,7 @@
               <a:t>Имя перечисления</a:t>
             </a:r>
             <a:r>
-              <a:rPr lang="en-US" sz="1400">
+              <a:rPr lang="en-US" sz="1400" dirty="0">
                 <a:solidFill>
                   <a:schemeClr val="bg1"/>
                 </a:solidFill>
@@ -26044,7 +26068,7 @@
               </a:rPr>
               <a:t>&gt;</a:t>
             </a:r>
-            <a:endParaRPr lang="ru-RU" sz="1400">
+            <a:endParaRPr lang="ru-RU" sz="1400" dirty="0">
               <a:solidFill>
                 <a:schemeClr val="bg1"/>
               </a:solidFill>
@@ -26055,7 +26079,7 @@
           <a:p>
             <a:pPr eaLnBrk="1" hangingPunct="1"/>
             <a:r>
-              <a:rPr lang="en-US" sz="1400">
+              <a:rPr lang="en-US" sz="1400" dirty="0">
                 <a:solidFill>
                   <a:schemeClr val="bg1"/>
                 </a:solidFill>
@@ -26068,7 +26092,7 @@
           <a:p>
             <a:pPr eaLnBrk="1" hangingPunct="1"/>
             <a:r>
-              <a:rPr lang="en-US" sz="1400">
+              <a:rPr lang="en-US" sz="1400" dirty="0">
                 <a:solidFill>
                   <a:schemeClr val="bg1"/>
                 </a:solidFill>
@@ -26078,7 +26102,7 @@
               <a:t>    &lt;</a:t>
             </a:r>
             <a:r>
-              <a:rPr lang="ru-RU" sz="1400">
+              <a:rPr lang="ru-RU" sz="1400" dirty="0">
                 <a:solidFill>
                   <a:schemeClr val="bg1"/>
                 </a:solidFill>
@@ -26088,7 +26112,7 @@
               <a:t>Имя 1-го элемента</a:t>
             </a:r>
             <a:r>
-              <a:rPr lang="en-US" sz="1400">
+              <a:rPr lang="en-US" sz="1400" dirty="0">
                 <a:solidFill>
                   <a:schemeClr val="bg1"/>
                 </a:solidFill>
@@ -26098,7 +26122,7 @@
               <a:t>&gt;</a:t>
             </a:r>
             <a:r>
-              <a:rPr lang="ru-RU" sz="1400">
+              <a:rPr lang="ru-RU" sz="1400" dirty="0">
                 <a:solidFill>
                   <a:schemeClr val="bg1"/>
                 </a:solidFill>
@@ -26108,7 +26132,7 @@
               <a:t> = </a:t>
             </a:r>
             <a:r>
-              <a:rPr lang="en-US" sz="1400">
+              <a:rPr lang="en-US" sz="1400" dirty="0">
                 <a:solidFill>
                   <a:schemeClr val="bg1"/>
                 </a:solidFill>
@@ -26118,7 +26142,7 @@
               <a:t>&lt;</a:t>
             </a:r>
             <a:r>
-              <a:rPr lang="ru-RU" sz="1400">
+              <a:rPr lang="ru-RU" sz="1400" dirty="0">
                 <a:solidFill>
                   <a:schemeClr val="bg1"/>
                 </a:solidFill>
@@ -26128,7 +26152,7 @@
               <a:t>Числовое значение</a:t>
             </a:r>
             <a:r>
-              <a:rPr lang="en-US" sz="1400">
+              <a:rPr lang="en-US" sz="1400" dirty="0">
                 <a:solidFill>
                   <a:schemeClr val="bg1"/>
                 </a:solidFill>
@@ -26141,7 +26165,7 @@
           <a:p>
             <a:pPr eaLnBrk="1" hangingPunct="1"/>
             <a:r>
-              <a:rPr lang="en-US" sz="1400">
+              <a:rPr lang="en-US" sz="1400" dirty="0">
                 <a:solidFill>
                   <a:schemeClr val="bg1"/>
                 </a:solidFill>
@@ -26151,7 +26175,7 @@
               <a:t>    &lt;</a:t>
             </a:r>
             <a:r>
-              <a:rPr lang="ru-RU" sz="1400">
+              <a:rPr lang="ru-RU" sz="1400" dirty="0">
                 <a:solidFill>
                   <a:schemeClr val="bg1"/>
                 </a:solidFill>
@@ -26161,7 +26185,7 @@
               <a:t>Имя </a:t>
             </a:r>
             <a:r>
-              <a:rPr lang="en-US" sz="1400">
+              <a:rPr lang="en-US" sz="1400" dirty="0">
                 <a:solidFill>
                   <a:schemeClr val="bg1"/>
                 </a:solidFill>
@@ -26171,7 +26195,7 @@
               <a:t>2</a:t>
             </a:r>
             <a:r>
-              <a:rPr lang="ru-RU" sz="1400">
+              <a:rPr lang="ru-RU" sz="1400" dirty="0">
                 <a:solidFill>
                   <a:schemeClr val="bg1"/>
                 </a:solidFill>
@@ -26181,7 +26205,7 @@
               <a:t>-го элемента</a:t>
             </a:r>
             <a:r>
-              <a:rPr lang="en-US" sz="1400">
+              <a:rPr lang="en-US" sz="1400" dirty="0">
                 <a:solidFill>
                   <a:schemeClr val="bg1"/>
                 </a:solidFill>
@@ -26191,7 +26215,7 @@
               <a:t>&gt;</a:t>
             </a:r>
             <a:r>
-              <a:rPr lang="ru-RU" sz="1400">
+              <a:rPr lang="ru-RU" sz="1400" dirty="0">
                 <a:solidFill>
                   <a:schemeClr val="bg1"/>
                 </a:solidFill>
@@ -26201,7 +26225,7 @@
               <a:t> = </a:t>
             </a:r>
             <a:r>
-              <a:rPr lang="en-US" sz="1400">
+              <a:rPr lang="en-US" sz="1400" dirty="0">
                 <a:solidFill>
                   <a:schemeClr val="bg1"/>
                 </a:solidFill>
@@ -26211,7 +26235,7 @@
               <a:t>&lt;</a:t>
             </a:r>
             <a:r>
-              <a:rPr lang="ru-RU" sz="1400">
+              <a:rPr lang="ru-RU" sz="1400" dirty="0">
                 <a:solidFill>
                   <a:schemeClr val="bg1"/>
                 </a:solidFill>
@@ -26221,7 +26245,7 @@
               <a:t>Числовое значение</a:t>
             </a:r>
             <a:r>
-              <a:rPr lang="en-US" sz="1400">
+              <a:rPr lang="en-US" sz="1400" dirty="0">
                 <a:solidFill>
                   <a:schemeClr val="bg1"/>
                 </a:solidFill>
@@ -26234,7 +26258,7 @@
           <a:p>
             <a:pPr eaLnBrk="1" hangingPunct="1"/>
             <a:r>
-              <a:rPr lang="en-US" sz="1400">
+              <a:rPr lang="en-US" sz="1400" dirty="0">
                 <a:solidFill>
                   <a:schemeClr val="bg1"/>
                 </a:solidFill>
@@ -26247,7 +26271,7 @@
           <a:p>
             <a:pPr eaLnBrk="1" hangingPunct="1"/>
             <a:r>
-              <a:rPr lang="en-US" sz="1400">
+              <a:rPr lang="en-US" sz="1400" dirty="0">
                 <a:solidFill>
                   <a:schemeClr val="bg1"/>
                 </a:solidFill>
@@ -26257,7 +26281,7 @@
               <a:t>    &lt;</a:t>
             </a:r>
             <a:r>
-              <a:rPr lang="ru-RU" sz="1400">
+              <a:rPr lang="ru-RU" sz="1400" dirty="0">
                 <a:solidFill>
                   <a:schemeClr val="bg1"/>
                 </a:solidFill>
@@ -26267,7 +26291,7 @@
               <a:t>Имя </a:t>
             </a:r>
             <a:r>
-              <a:rPr lang="en-US" sz="1400">
+              <a:rPr lang="en-US" sz="1400" dirty="0">
                 <a:solidFill>
                   <a:schemeClr val="bg1"/>
                 </a:solidFill>
@@ -26277,7 +26301,7 @@
               <a:t>n</a:t>
             </a:r>
             <a:r>
-              <a:rPr lang="ru-RU" sz="1400">
+              <a:rPr lang="ru-RU" sz="1400" dirty="0">
                 <a:solidFill>
                   <a:schemeClr val="bg1"/>
                 </a:solidFill>
@@ -26287,7 +26311,7 @@
               <a:t>-го элемента</a:t>
             </a:r>
             <a:r>
-              <a:rPr lang="en-US" sz="1400">
+              <a:rPr lang="en-US" sz="1400" dirty="0">
                 <a:solidFill>
                   <a:schemeClr val="bg1"/>
                 </a:solidFill>
@@ -26297,7 +26321,7 @@
               <a:t>&gt;</a:t>
             </a:r>
             <a:r>
-              <a:rPr lang="ru-RU" sz="1400">
+              <a:rPr lang="ru-RU" sz="1400" dirty="0">
                 <a:solidFill>
                   <a:schemeClr val="bg1"/>
                 </a:solidFill>
@@ -26307,7 +26331,7 @@
               <a:t> = </a:t>
             </a:r>
             <a:r>
-              <a:rPr lang="en-US" sz="1400">
+              <a:rPr lang="en-US" sz="1400" dirty="0">
                 <a:solidFill>
                   <a:schemeClr val="bg1"/>
                 </a:solidFill>
@@ -26317,7 +26341,7 @@
               <a:t>&lt;</a:t>
             </a:r>
             <a:r>
-              <a:rPr lang="ru-RU" sz="1400">
+              <a:rPr lang="ru-RU" sz="1400" dirty="0">
                 <a:solidFill>
                   <a:schemeClr val="bg1"/>
                 </a:solidFill>
@@ -26327,7 +26351,7 @@
               <a:t>Числовое значение</a:t>
             </a:r>
             <a:r>
-              <a:rPr lang="en-US" sz="1400">
+              <a:rPr lang="en-US" sz="1400" dirty="0">
                 <a:solidFill>
                   <a:schemeClr val="bg1"/>
                 </a:solidFill>
@@ -26340,7 +26364,7 @@
           <a:p>
             <a:pPr eaLnBrk="1" hangingPunct="1"/>
             <a:r>
-              <a:rPr lang="en-US" sz="1400">
+              <a:rPr lang="en-US" sz="1400" dirty="0">
                 <a:solidFill>
                   <a:schemeClr val="bg1"/>
                 </a:solidFill>
@@ -26349,7 +26373,7 @@
               </a:rPr>
               <a:t>}</a:t>
             </a:r>
-            <a:endParaRPr lang="ru-RU" sz="1400">
+            <a:endParaRPr lang="ru-RU" sz="1400" dirty="0">
               <a:solidFill>
                 <a:schemeClr val="bg1"/>
               </a:solidFill>
@@ -26359,13 +26383,45 @@
           </a:p>
           <a:p>
             <a:pPr eaLnBrk="1" hangingPunct="1"/>
-            <a:endParaRPr lang="ru-RU" sz="1400">
+            <a:endParaRPr lang="ru-RU" sz="1400" dirty="0">
               <a:solidFill>
                 <a:schemeClr val="bg1"/>
               </a:solidFill>
               <a:latin typeface="Courier New" pitchFamily="49" charset="0"/>
               <a:cs typeface="Courier New" pitchFamily="49" charset="0"/>
             </a:endParaRPr>
+          </a:p>
+        </p:txBody>
+      </p:sp>
+      <p:sp>
+        <p:nvSpPr>
+          <p:cNvPr id="2" name="Rectangle 1"/>
+          <p:cNvSpPr/>
+          <p:nvPr/>
+        </p:nvSpPr>
+        <p:spPr>
+          <a:xfrm>
+            <a:off x="685800" y="6381328"/>
+            <a:ext cx="7696200" cy="369332"/>
+          </a:xfrm>
+          <a:prstGeom prst="rect">
+            <a:avLst/>
+          </a:prstGeom>
+        </p:spPr>
+        <p:txBody>
+          <a:bodyPr wrap="square">
+            <a:spAutoFit/>
+          </a:bodyPr>
+          <a:lstStyle/>
+          <a:p>
+            <a:r>
+              <a:rPr lang="en-US" dirty="0">
+                <a:solidFill>
+                  <a:schemeClr val="bg1"/>
+                </a:solidFill>
+              </a:rPr>
+              <a:t>http://nuget.org/packages/UnconstrainedMelody</a:t>
+            </a:r>
           </a:p>
         </p:txBody>
       </p:sp>
@@ -26379,6 +26435,13 @@
   <p:clrMapOvr>
     <a:masterClrMapping/>
   </p:clrMapOvr>
+  <p:timing>
+    <p:tnLst>
+      <p:par>
+        <p:cTn id="1" dur="indefinite" restart="never" nodeType="tmRoot"/>
+      </p:par>
+    </p:tnLst>
+  </p:timing>
 </p:sld>
 </file>
 
@@ -27445,6 +27508,13 @@
   <p:clrMapOvr>
     <a:masterClrMapping/>
   </p:clrMapOvr>
+  <p:timing>
+    <p:tnLst>
+      <p:par>
+        <p:cTn id="1" dur="indefinite" restart="never" nodeType="tmRoot"/>
+      </p:par>
+    </p:tnLst>
+  </p:timing>
 </p:sld>
 </file>
 
@@ -27952,6 +28022,13 @@
   <p:clrMapOvr>
     <a:masterClrMapping/>
   </p:clrMapOvr>
+  <p:timing>
+    <p:tnLst>
+      <p:par>
+        <p:cTn id="1" dur="indefinite" restart="never" nodeType="tmRoot"/>
+      </p:par>
+    </p:tnLst>
+  </p:timing>
 </p:sld>
 </file>
 

--- a/Presentation/lesson-01.pptx
+++ b/Presentation/lesson-01.pptx
@@ -28072,7 +28072,7 @@
         <p:spPr>
           <a:xfrm>
             <a:off x="251520" y="188640"/>
-            <a:ext cx="8640960" cy="3077766"/>
+            <a:ext cx="8640960" cy="3631763"/>
           </a:xfrm>
           <a:prstGeom prst="rect">
             <a:avLst/>
@@ -28221,9 +28221,18 @@
                 </a:solidFill>
                 <a:hlinkClick r:id="rId5"/>
               </a:rPr>
-              <a:t>channel9.msdn.com/</a:t>
-            </a:r>
-            <a:endParaRPr lang="ru-RU" u="sng" dirty="0" smtClean="0">
+              <a:t>channel9.msdn.com</a:t>
+            </a:r>
+            <a:r>
+              <a:rPr lang="en-US" u="sng" dirty="0" smtClean="0">
+                <a:solidFill>
+                  <a:schemeClr val="bg1"/>
+                </a:solidFill>
+                <a:hlinkClick r:id="rId5"/>
+              </a:rPr>
+              <a:t>/</a:t>
+            </a:r>
+            <a:endParaRPr lang="en-US" u="sng" dirty="0" smtClean="0">
               <a:solidFill>
                 <a:schemeClr val="bg1"/>
               </a:solidFill>
@@ -28300,62 +28309,38 @@
             </a:endParaRPr>
           </a:p>
           <a:p>
-            <a:endParaRPr lang="ru-RU" dirty="0" smtClean="0">
-              <a:solidFill>
-                <a:schemeClr val="bg1"/>
-              </a:solidFill>
-            </a:endParaRPr>
-          </a:p>
-          <a:p>
-            <a:r>
-              <a:rPr lang="ru-RU" dirty="0" smtClean="0">
-                <a:solidFill>
-                  <a:schemeClr val="bg1"/>
-                </a:solidFill>
-              </a:rPr>
-              <a:t>Форумы:</a:t>
-            </a:r>
-          </a:p>
-          <a:p>
             <a:pPr marL="742950" lvl="1" indent="-285750">
               <a:buFont typeface="Arial" pitchFamily="34" charset="0"/>
               <a:buChar char="•"/>
             </a:pPr>
             <a:r>
-              <a:rPr lang="en-US" dirty="0" smtClean="0">
-                <a:solidFill>
-                  <a:schemeClr val="bg1"/>
-                </a:solidFill>
-              </a:rPr>
-              <a:t>[RUS</a:t>
-            </a:r>
-            <a:r>
-              <a:rPr lang="en-US" dirty="0">
-                <a:solidFill>
-                  <a:schemeClr val="bg1"/>
-                </a:solidFill>
-              </a:rPr>
-              <a:t>] </a:t>
-            </a:r>
-            <a:r>
-              <a:rPr lang="en-US" dirty="0">
+              <a:rPr lang="en-US">
                 <a:solidFill>
                   <a:schemeClr val="bg1"/>
                 </a:solidFill>
                 <a:hlinkClick r:id="rId7"/>
               </a:rPr>
-              <a:t>http://www.rsdn.ru</a:t>
-            </a:r>
-            <a:r>
-              <a:rPr lang="en-US" dirty="0" smtClean="0">
+              <a:t>http://</a:t>
+            </a:r>
+            <a:r>
+              <a:rPr lang="en-US">
                 <a:solidFill>
                   <a:schemeClr val="bg1"/>
                 </a:solidFill>
                 <a:hlinkClick r:id="rId7"/>
               </a:rPr>
+              <a:t>www.techdays.ru</a:t>
+            </a:r>
+            <a:r>
+              <a:rPr lang="en-US" smtClean="0">
+                <a:solidFill>
+                  <a:schemeClr val="bg1"/>
+                </a:solidFill>
+                <a:hlinkClick r:id="rId7"/>
+              </a:rPr>
               <a:t>/</a:t>
             </a:r>
-            <a:endParaRPr lang="ru-RU" dirty="0" smtClean="0">
+            <a:endParaRPr lang="en-US" smtClean="0">
               <a:solidFill>
                 <a:schemeClr val="bg1"/>
               </a:solidFill>
@@ -28366,53 +28351,28 @@
               <a:buFont typeface="Arial" pitchFamily="34" charset="0"/>
               <a:buChar char="•"/>
             </a:pPr>
-            <a:r>
-              <a:rPr lang="en-US" dirty="0">
-                <a:solidFill>
-                  <a:schemeClr val="bg1"/>
-                </a:solidFill>
-              </a:rPr>
-              <a:t>[RUS</a:t>
-            </a:r>
-            <a:r>
-              <a:rPr lang="en-US" dirty="0" smtClean="0">
-                <a:solidFill>
-                  <a:schemeClr val="bg1"/>
-                </a:solidFill>
-              </a:rPr>
-              <a:t>]</a:t>
-            </a:r>
+            <a:endParaRPr lang="en-US" dirty="0" smtClean="0">
+              <a:solidFill>
+                <a:schemeClr val="bg1"/>
+              </a:solidFill>
+            </a:endParaRPr>
+          </a:p>
+          <a:p>
+            <a:endParaRPr lang="ru-RU" dirty="0" smtClean="0">
+              <a:solidFill>
+                <a:schemeClr val="bg1"/>
+              </a:solidFill>
+            </a:endParaRPr>
+          </a:p>
+          <a:p>
             <a:r>
               <a:rPr lang="ru-RU" dirty="0" smtClean="0">
                 <a:solidFill>
                   <a:schemeClr val="bg1"/>
                 </a:solidFill>
               </a:rPr>
-              <a:t> </a:t>
-            </a:r>
-            <a:r>
-              <a:rPr lang="en-US" dirty="0">
-                <a:solidFill>
-                  <a:schemeClr val="bg1"/>
-                </a:solidFill>
-                <a:hlinkClick r:id="rId8"/>
-              </a:rPr>
-              <a:t>www.sql.ru/forum</a:t>
-            </a:r>
-            <a:r>
-              <a:rPr lang="en-US" dirty="0" smtClean="0">
-                <a:solidFill>
-                  <a:schemeClr val="bg1"/>
-                </a:solidFill>
-                <a:hlinkClick r:id="rId8"/>
-              </a:rPr>
-              <a:t>/</a:t>
-            </a:r>
-            <a:endParaRPr lang="en-US" dirty="0" smtClean="0">
-              <a:solidFill>
-                <a:schemeClr val="bg1"/>
-              </a:solidFill>
-            </a:endParaRPr>
+              <a:t>Форумы:</a:t>
+            </a:r>
           </a:p>
           <a:p>
             <a:pPr marL="742950" lvl="1" indent="-285750">
@@ -28420,11 +28380,109 @@
               <a:buChar char="•"/>
             </a:pPr>
             <a:r>
+              <a:rPr lang="en-US" dirty="0" smtClean="0">
+                <a:solidFill>
+                  <a:schemeClr val="bg1"/>
+                </a:solidFill>
+              </a:rPr>
+              <a:t>[RUS</a:t>
+            </a:r>
+            <a:r>
               <a:rPr lang="en-US" dirty="0">
                 <a:solidFill>
                   <a:schemeClr val="bg1"/>
                 </a:solidFill>
               </a:rPr>
+              <a:t>] </a:t>
+            </a:r>
+            <a:r>
+              <a:rPr lang="en-US" dirty="0">
+                <a:solidFill>
+                  <a:schemeClr val="bg1"/>
+                </a:solidFill>
+                <a:hlinkClick r:id="rId8"/>
+              </a:rPr>
+              <a:t>http://www.rsdn.ru</a:t>
+            </a:r>
+            <a:r>
+              <a:rPr lang="en-US" dirty="0" smtClean="0">
+                <a:solidFill>
+                  <a:schemeClr val="bg1"/>
+                </a:solidFill>
+                <a:hlinkClick r:id="rId8"/>
+              </a:rPr>
+              <a:t>/</a:t>
+            </a:r>
+            <a:endParaRPr lang="ru-RU" dirty="0" smtClean="0">
+              <a:solidFill>
+                <a:schemeClr val="bg1"/>
+              </a:solidFill>
+            </a:endParaRPr>
+          </a:p>
+          <a:p>
+            <a:pPr marL="742950" lvl="1" indent="-285750">
+              <a:buFont typeface="Arial" pitchFamily="34" charset="0"/>
+              <a:buChar char="•"/>
+            </a:pPr>
+            <a:r>
+              <a:rPr lang="en-US" dirty="0">
+                <a:solidFill>
+                  <a:schemeClr val="bg1"/>
+                </a:solidFill>
+              </a:rPr>
+              <a:t>[RUS</a:t>
+            </a:r>
+            <a:r>
+              <a:rPr lang="en-US" dirty="0" smtClean="0">
+                <a:solidFill>
+                  <a:schemeClr val="bg1"/>
+                </a:solidFill>
+              </a:rPr>
+              <a:t>]</a:t>
+            </a:r>
+            <a:r>
+              <a:rPr lang="ru-RU" dirty="0" smtClean="0">
+                <a:solidFill>
+                  <a:schemeClr val="bg1"/>
+                </a:solidFill>
+              </a:rPr>
+              <a:t> </a:t>
+            </a:r>
+            <a:r>
+              <a:rPr lang="en-US" dirty="0">
+                <a:solidFill>
+                  <a:schemeClr val="bg1"/>
+                </a:solidFill>
+                <a:hlinkClick r:id="rId9"/>
+              </a:rPr>
+              <a:t>www.sql.ru/forum</a:t>
+            </a:r>
+            <a:r>
+              <a:rPr lang="en-US" dirty="0" smtClean="0">
+                <a:solidFill>
+                  <a:schemeClr val="bg1"/>
+                </a:solidFill>
+                <a:hlinkClick r:id="rId9"/>
+              </a:rPr>
+              <a:t>/</a:t>
+            </a:r>
+            <a:endParaRPr lang="en-US" dirty="0" smtClean="0">
+              <a:solidFill>
+                <a:schemeClr val="bg1"/>
+              </a:solidFill>
+            </a:endParaRPr>
+          </a:p>
+          <a:p>
+            <a:pPr marL="742950" lvl="1" indent="-285750">
+              <a:buFont typeface="Arial" pitchFamily="34" charset="0"/>
+              <a:buChar char="•"/>
+            </a:pPr>
+            <a:r>
+              <a:rPr lang="en-US" dirty="0">
+                <a:solidFill>
+                  <a:schemeClr val="bg1"/>
+                </a:solidFill>
+              </a:rPr>
               <a:t>[ENG] </a:t>
             </a:r>
             <a:r>
@@ -28432,7 +28490,7 @@
                 <a:solidFill>
                   <a:schemeClr val="bg1"/>
                 </a:solidFill>
-                <a:hlinkClick r:id="rId9"/>
+                <a:hlinkClick r:id="rId10"/>
               </a:rPr>
               <a:t>http://stackoverflow.com</a:t>
             </a:r>
@@ -28441,7 +28499,7 @@
                 <a:solidFill>
                   <a:schemeClr val="bg1"/>
                 </a:solidFill>
-                <a:hlinkClick r:id="rId9"/>
+                <a:hlinkClick r:id="rId10"/>
               </a:rPr>
               <a:t>/</a:t>
             </a:r>

--- a/Presentation/lesson-01.pptx
+++ b/Presentation/lesson-01.pptx
@@ -38,7 +38,8 @@
     <p:sldId id="275" r:id="rId32"/>
     <p:sldId id="276" r:id="rId33"/>
     <p:sldId id="277" r:id="rId34"/>
-    <p:sldId id="281" r:id="rId35"/>
+    <p:sldId id="292" r:id="rId35"/>
+    <p:sldId id="281" r:id="rId36"/>
   </p:sldIdLst>
   <p:sldSz cx="9144000" cy="6858000" type="screen4x3"/>
   <p:notesSz cx="6858000" cy="9144000"/>
@@ -321,7 +322,7 @@
           <a:p>
             <a:fld id="{8E6E6A2A-E9D3-4A0D-B04A-ABDD367A1E08}" type="datetimeFigureOut">
               <a:rPr lang="ru-RU" smtClean="0"/>
-              <a:t>06.11.2012</a:t>
+              <a:t>06.12.2012</a:t>
             </a:fld>
             <a:endParaRPr lang="ru-RU"/>
           </a:p>
@@ -491,7 +492,7 @@
           <a:p>
             <a:fld id="{8E6E6A2A-E9D3-4A0D-B04A-ABDD367A1E08}" type="datetimeFigureOut">
               <a:rPr lang="ru-RU" smtClean="0"/>
-              <a:t>06.11.2012</a:t>
+              <a:t>06.12.2012</a:t>
             </a:fld>
             <a:endParaRPr lang="ru-RU"/>
           </a:p>
@@ -671,7 +672,7 @@
           <a:p>
             <a:fld id="{8E6E6A2A-E9D3-4A0D-B04A-ABDD367A1E08}" type="datetimeFigureOut">
               <a:rPr lang="ru-RU" smtClean="0"/>
-              <a:t>06.11.2012</a:t>
+              <a:t>06.12.2012</a:t>
             </a:fld>
             <a:endParaRPr lang="ru-RU"/>
           </a:p>
@@ -841,7 +842,7 @@
           <a:p>
             <a:fld id="{8E6E6A2A-E9D3-4A0D-B04A-ABDD367A1E08}" type="datetimeFigureOut">
               <a:rPr lang="ru-RU" smtClean="0"/>
-              <a:t>06.11.2012</a:t>
+              <a:t>06.12.2012</a:t>
             </a:fld>
             <a:endParaRPr lang="ru-RU"/>
           </a:p>
@@ -1087,7 +1088,7 @@
           <a:p>
             <a:fld id="{8E6E6A2A-E9D3-4A0D-B04A-ABDD367A1E08}" type="datetimeFigureOut">
               <a:rPr lang="ru-RU" smtClean="0"/>
-              <a:t>06.11.2012</a:t>
+              <a:t>06.12.2012</a:t>
             </a:fld>
             <a:endParaRPr lang="ru-RU"/>
           </a:p>
@@ -1375,7 +1376,7 @@
           <a:p>
             <a:fld id="{8E6E6A2A-E9D3-4A0D-B04A-ABDD367A1E08}" type="datetimeFigureOut">
               <a:rPr lang="ru-RU" smtClean="0"/>
-              <a:t>06.11.2012</a:t>
+              <a:t>06.12.2012</a:t>
             </a:fld>
             <a:endParaRPr lang="ru-RU"/>
           </a:p>
@@ -1797,7 +1798,7 @@
           <a:p>
             <a:fld id="{8E6E6A2A-E9D3-4A0D-B04A-ABDD367A1E08}" type="datetimeFigureOut">
               <a:rPr lang="ru-RU" smtClean="0"/>
-              <a:t>06.11.2012</a:t>
+              <a:t>06.12.2012</a:t>
             </a:fld>
             <a:endParaRPr lang="ru-RU"/>
           </a:p>
@@ -1915,7 +1916,7 @@
           <a:p>
             <a:fld id="{8E6E6A2A-E9D3-4A0D-B04A-ABDD367A1E08}" type="datetimeFigureOut">
               <a:rPr lang="ru-RU" smtClean="0"/>
-              <a:t>06.11.2012</a:t>
+              <a:t>06.12.2012</a:t>
             </a:fld>
             <a:endParaRPr lang="ru-RU"/>
           </a:p>
@@ -2010,7 +2011,7 @@
           <a:p>
             <a:fld id="{8E6E6A2A-E9D3-4A0D-B04A-ABDD367A1E08}" type="datetimeFigureOut">
               <a:rPr lang="ru-RU" smtClean="0"/>
-              <a:t>06.11.2012</a:t>
+              <a:t>06.12.2012</a:t>
             </a:fld>
             <a:endParaRPr lang="ru-RU"/>
           </a:p>
@@ -2287,7 +2288,7 @@
           <a:p>
             <a:fld id="{8E6E6A2A-E9D3-4A0D-B04A-ABDD367A1E08}" type="datetimeFigureOut">
               <a:rPr lang="ru-RU" smtClean="0"/>
-              <a:t>06.11.2012</a:t>
+              <a:t>06.12.2012</a:t>
             </a:fld>
             <a:endParaRPr lang="ru-RU"/>
           </a:p>
@@ -2540,7 +2541,7 @@
           <a:p>
             <a:fld id="{8E6E6A2A-E9D3-4A0D-B04A-ABDD367A1E08}" type="datetimeFigureOut">
               <a:rPr lang="ru-RU" smtClean="0"/>
-              <a:t>06.11.2012</a:t>
+              <a:t>06.12.2012</a:t>
             </a:fld>
             <a:endParaRPr lang="ru-RU"/>
           </a:p>
@@ -2753,7 +2754,7 @@
           <a:p>
             <a:fld id="{8E6E6A2A-E9D3-4A0D-B04A-ABDD367A1E08}" type="datetimeFigureOut">
               <a:rPr lang="ru-RU" smtClean="0"/>
-              <a:t>06.11.2012</a:t>
+              <a:t>06.12.2012</a:t>
             </a:fld>
             <a:endParaRPr lang="ru-RU"/>
           </a:p>
@@ -27551,6 +27552,362 @@
       </p:grpSpPr>
       <p:sp>
         <p:nvSpPr>
+          <p:cNvPr id="18434" name="Прямоугольник 6"/>
+          <p:cNvSpPr>
+            <a:spLocks noChangeArrowheads="1"/>
+          </p:cNvSpPr>
+          <p:nvPr/>
+        </p:nvSpPr>
+        <p:spPr bwMode="auto">
+          <a:xfrm>
+            <a:off x="609600" y="152400"/>
+            <a:ext cx="7924800" cy="461963"/>
+          </a:xfrm>
+          <a:prstGeom prst="rect">
+            <a:avLst/>
+          </a:prstGeom>
+          <a:noFill/>
+          <a:ln>
+            <a:noFill/>
+          </a:ln>
+          <a:extLst>
+            <a:ext uri="{909E8E84-426E-40DD-AFC4-6F175D3DCCD1}">
+              <a14:hiddenFill xmlns:a14="http://schemas.microsoft.com/office/drawing/2010/main">
+                <a:solidFill>
+                  <a:srgbClr val="FFFFFF"/>
+                </a:solidFill>
+              </a14:hiddenFill>
+            </a:ext>
+            <a:ext uri="{91240B29-F687-4F45-9708-019B960494DF}">
+              <a14:hiddenLine xmlns:a14="http://schemas.microsoft.com/office/drawing/2010/main" w="9525">
+                <a:solidFill>
+                  <a:srgbClr val="000000"/>
+                </a:solidFill>
+                <a:miter lim="800000"/>
+                <a:headEnd/>
+                <a:tailEnd/>
+              </a14:hiddenLine>
+            </a:ext>
+          </a:extLst>
+        </p:spPr>
+        <p:txBody>
+          <a:bodyPr>
+            <a:spAutoFit/>
+          </a:bodyPr>
+          <a:lstStyle/>
+          <a:p>
+            <a:pPr algn="ctr" eaLnBrk="0" hangingPunct="0">
+              <a:tabLst>
+                <a:tab pos="457200" algn="l"/>
+              </a:tabLst>
+            </a:pPr>
+            <a:r>
+              <a:rPr lang="ru-RU" sz="2400" dirty="0" smtClean="0">
+                <a:solidFill>
+                  <a:schemeClr val="bg1"/>
+                </a:solidFill>
+                <a:cs typeface="Times New Roman" pitchFamily="18" charset="0"/>
+              </a:rPr>
+              <a:t>Комментарии</a:t>
+            </a:r>
+            <a:endParaRPr lang="ru-RU" sz="2400" b="1" dirty="0">
+              <a:solidFill>
+                <a:schemeClr val="bg1"/>
+              </a:solidFill>
+              <a:cs typeface="Times New Roman" pitchFamily="18" charset="0"/>
+            </a:endParaRPr>
+          </a:p>
+        </p:txBody>
+      </p:sp>
+      <p:sp>
+        <p:nvSpPr>
+          <p:cNvPr id="2" name="TextBox 1"/>
+          <p:cNvSpPr txBox="1"/>
+          <p:nvPr/>
+        </p:nvSpPr>
+        <p:spPr>
+          <a:xfrm>
+            <a:off x="107504" y="1114336"/>
+            <a:ext cx="8784976" cy="3046988"/>
+          </a:xfrm>
+          <a:prstGeom prst="rect">
+            <a:avLst/>
+          </a:prstGeom>
+          <a:noFill/>
+        </p:spPr>
+        <p:txBody>
+          <a:bodyPr wrap="square" rtlCol="0">
+            <a:spAutoFit/>
+          </a:bodyPr>
+          <a:lstStyle/>
+          <a:p>
+            <a:r>
+              <a:rPr lang="ru-RU" sz="2400" dirty="0" smtClean="0">
+                <a:solidFill>
+                  <a:schemeClr val="bg1"/>
+                </a:solidFill>
+              </a:rPr>
+              <a:t>Комментарий это поясняющий текст внутри программы. Данный текст полностью игнорируется компилятором. Язык </a:t>
+            </a:r>
+            <a:r>
+              <a:rPr lang="en-US" sz="2400" dirty="0" smtClean="0">
+                <a:solidFill>
+                  <a:schemeClr val="bg1"/>
+                </a:solidFill>
+              </a:rPr>
+              <a:t>C# </a:t>
+            </a:r>
+            <a:r>
+              <a:rPr lang="ru-RU" sz="2400" dirty="0" smtClean="0">
+                <a:solidFill>
+                  <a:schemeClr val="bg1"/>
+                </a:solidFill>
+              </a:rPr>
+              <a:t>поддерживает три типа комментариев:</a:t>
+            </a:r>
+          </a:p>
+          <a:p>
+            <a:endParaRPr lang="ru-RU" sz="2400" dirty="0">
+              <a:solidFill>
+                <a:schemeClr val="bg1"/>
+              </a:solidFill>
+            </a:endParaRPr>
+          </a:p>
+          <a:p>
+            <a:pPr marL="342900" indent="-342900">
+              <a:buFont typeface="+mj-lt"/>
+              <a:buAutoNum type="arabicPeriod"/>
+            </a:pPr>
+            <a:r>
+              <a:rPr lang="ru-RU" sz="2400" dirty="0" smtClean="0">
+                <a:solidFill>
+                  <a:schemeClr val="bg1"/>
+                </a:solidFill>
+              </a:rPr>
+              <a:t>Строчный</a:t>
+            </a:r>
+            <a:r>
+              <a:rPr lang="en-US" sz="2400" dirty="0" smtClean="0">
+                <a:solidFill>
+                  <a:schemeClr val="bg1"/>
+                </a:solidFill>
+              </a:rPr>
+              <a:t>. </a:t>
+            </a:r>
+            <a:r>
+              <a:rPr lang="ru-RU" sz="2400" dirty="0" smtClean="0">
+                <a:solidFill>
+                  <a:schemeClr val="bg1"/>
+                </a:solidFill>
+              </a:rPr>
+              <a:t>Действует до конца строки</a:t>
+            </a:r>
+            <a:r>
+              <a:rPr lang="en-US" sz="2400" dirty="0" smtClean="0">
+                <a:solidFill>
+                  <a:schemeClr val="bg1"/>
+                </a:solidFill>
+              </a:rPr>
+              <a:t>. </a:t>
+            </a:r>
+            <a:r>
+              <a:rPr lang="en-US" sz="2400" dirty="0" smtClean="0">
+                <a:solidFill>
+                  <a:srgbClr val="FFFF00"/>
+                </a:solidFill>
+              </a:rPr>
+              <a:t>//</a:t>
+            </a:r>
+            <a:r>
+              <a:rPr lang="en-US" sz="2400" dirty="0" smtClean="0">
+                <a:solidFill>
+                  <a:schemeClr val="bg1"/>
+                </a:solidFill>
+              </a:rPr>
+              <a:t> </a:t>
+            </a:r>
+            <a:r>
+              <a:rPr lang="ru-RU" sz="2400" dirty="0" smtClean="0">
+                <a:solidFill>
+                  <a:srgbClr val="FFC000"/>
+                </a:solidFill>
+              </a:rPr>
+              <a:t>текст комментария</a:t>
+            </a:r>
+          </a:p>
+          <a:p>
+            <a:pPr marL="342900" indent="-342900">
+              <a:buFont typeface="+mj-lt"/>
+              <a:buAutoNum type="arabicPeriod"/>
+            </a:pPr>
+            <a:r>
+              <a:rPr lang="ru-RU" sz="2400" dirty="0" smtClean="0">
+                <a:solidFill>
+                  <a:schemeClr val="bg1"/>
+                </a:solidFill>
+              </a:rPr>
+              <a:t>Блочный </a:t>
+            </a:r>
+            <a:r>
+              <a:rPr lang="en-US" sz="2400" dirty="0" smtClean="0">
+                <a:solidFill>
+                  <a:srgbClr val="FFFF00"/>
+                </a:solidFill>
+              </a:rPr>
+              <a:t>/*</a:t>
+            </a:r>
+            <a:r>
+              <a:rPr lang="en-US" sz="2400" dirty="0" smtClean="0">
+                <a:solidFill>
+                  <a:schemeClr val="bg1"/>
+                </a:solidFill>
+              </a:rPr>
+              <a:t> </a:t>
+            </a:r>
+            <a:r>
+              <a:rPr lang="ru-RU" sz="2400" dirty="0" smtClean="0">
+                <a:solidFill>
+                  <a:srgbClr val="FFC000"/>
+                </a:solidFill>
+              </a:rPr>
+              <a:t>текст комментария</a:t>
+            </a:r>
+            <a:r>
+              <a:rPr lang="ru-RU" sz="2400" dirty="0" smtClean="0">
+                <a:solidFill>
+                  <a:schemeClr val="bg1"/>
+                </a:solidFill>
+              </a:rPr>
+              <a:t> </a:t>
+            </a:r>
+            <a:r>
+              <a:rPr lang="en-US" sz="2400" dirty="0" smtClean="0">
+                <a:solidFill>
+                  <a:srgbClr val="FFFF00"/>
+                </a:solidFill>
+              </a:rPr>
+              <a:t>*/</a:t>
+            </a:r>
+            <a:endParaRPr lang="ru-RU" sz="2400" dirty="0" smtClean="0">
+              <a:solidFill>
+                <a:srgbClr val="FFFF00"/>
+              </a:solidFill>
+            </a:endParaRPr>
+          </a:p>
+          <a:p>
+            <a:pPr marL="342900" indent="-342900">
+              <a:buFont typeface="+mj-lt"/>
+              <a:buAutoNum type="arabicPeriod"/>
+            </a:pPr>
+            <a:r>
+              <a:rPr lang="en-US" sz="2400" dirty="0" smtClean="0">
+                <a:solidFill>
+                  <a:schemeClr val="bg1"/>
+                </a:solidFill>
+              </a:rPr>
+              <a:t>XML </a:t>
+            </a:r>
+            <a:r>
+              <a:rPr lang="ru-RU" sz="2400" dirty="0" smtClean="0">
+                <a:solidFill>
+                  <a:schemeClr val="bg1"/>
+                </a:solidFill>
+              </a:rPr>
+              <a:t>комментарии </a:t>
+            </a:r>
+            <a:r>
+              <a:rPr lang="en-US" sz="2400" dirty="0" smtClean="0">
+                <a:solidFill>
+                  <a:srgbClr val="FFFF00"/>
+                </a:solidFill>
+              </a:rPr>
+              <a:t>///</a:t>
+            </a:r>
+          </a:p>
+          <a:p>
+            <a:pPr marL="800100" lvl="1" indent="-342900">
+              <a:buFont typeface="Arial" pitchFamily="34" charset="0"/>
+              <a:buChar char="•"/>
+            </a:pPr>
+            <a:r>
+              <a:rPr lang="en-US" sz="2400" dirty="0">
+                <a:solidFill>
+                  <a:schemeClr val="bg1"/>
+                </a:solidFill>
+                <a:hlinkClick r:id="rId3"/>
+              </a:rPr>
+              <a:t>http://</a:t>
+            </a:r>
+            <a:r>
+              <a:rPr lang="en-US" sz="2400" dirty="0" smtClean="0">
+                <a:solidFill>
+                  <a:schemeClr val="bg1"/>
+                </a:solidFill>
+                <a:hlinkClick r:id="rId3"/>
+              </a:rPr>
+              <a:t>msdn.microsoft.com/en-us/library/b2s063f7.aspx</a:t>
+            </a:r>
+            <a:endParaRPr lang="en-US" sz="2400" dirty="0">
+              <a:solidFill>
+                <a:schemeClr val="bg1"/>
+              </a:solidFill>
+            </a:endParaRPr>
+          </a:p>
+        </p:txBody>
+      </p:sp>
+    </p:spTree>
+    <p:extLst>
+      <p:ext uri="{BB962C8B-B14F-4D97-AF65-F5344CB8AC3E}">
+        <p14:creationId xmlns:p14="http://schemas.microsoft.com/office/powerpoint/2010/main" val="3210553376"/>
+      </p:ext>
+    </p:extLst>
+  </p:cSld>
+  <p:clrMapOvr>
+    <a:masterClrMapping/>
+  </p:clrMapOvr>
+  <p:timing>
+    <p:tnLst>
+      <p:par>
+        <p:cTn id="1" dur="indefinite" restart="never" nodeType="tmRoot"/>
+      </p:par>
+    </p:tnLst>
+  </p:timing>
+</p:sld>
+</file>
+
+<file path=ppt/slides/slide35.xml><?xml version="1.0" encoding="utf-8"?>
+<p:sld xmlns:a="http://schemas.openxmlformats.org/drawingml/2006/main" xmlns:r="http://schemas.openxmlformats.org/officeDocument/2006/relationships" xmlns:p="http://schemas.openxmlformats.org/presentationml/2006/main">
+  <p:cSld>
+    <p:bg>
+      <p:bgPr>
+        <a:blipFill dpi="0" rotWithShape="1">
+          <a:blip r:embed="rId2">
+            <a:lum/>
+          </a:blip>
+          <a:srcRect/>
+          <a:stretch>
+            <a:fillRect/>
+          </a:stretch>
+        </a:blipFill>
+        <a:effectLst/>
+      </p:bgPr>
+    </p:bg>
+    <p:spTree>
+      <p:nvGrpSpPr>
+        <p:cNvPr id="1" name=""/>
+        <p:cNvGrpSpPr/>
+        <p:nvPr/>
+      </p:nvGrpSpPr>
+      <p:grpSpPr>
+        <a:xfrm>
+          <a:off x="0" y="0"/>
+          <a:ext cx="0" cy="0"/>
+          <a:chOff x="0" y="0"/>
+          <a:chExt cx="0" cy="0"/>
+        </a:xfrm>
+      </p:grpSpPr>
+      <p:sp>
+        <p:nvSpPr>
           <p:cNvPr id="22530" name="Прямоугольник 6"/>
           <p:cNvSpPr>
             <a:spLocks noChangeArrowheads="1"/>
@@ -28221,16 +28578,7 @@
                 </a:solidFill>
                 <a:hlinkClick r:id="rId5"/>
               </a:rPr>
-              <a:t>channel9.msdn.com</a:t>
-            </a:r>
-            <a:r>
-              <a:rPr lang="en-US" u="sng" dirty="0" smtClean="0">
-                <a:solidFill>
-                  <a:schemeClr val="bg1"/>
-                </a:solidFill>
-                <a:hlinkClick r:id="rId5"/>
-              </a:rPr>
-              <a:t>/</a:t>
+              <a:t>channel9.msdn.com/</a:t>
             </a:r>
             <a:endParaRPr lang="en-US" u="sng" dirty="0" smtClean="0">
               <a:solidFill>
@@ -28320,16 +28668,7 @@
                 </a:solidFill>
                 <a:hlinkClick r:id="rId7"/>
               </a:rPr>
-              <a:t>http://</a:t>
-            </a:r>
-            <a:r>
-              <a:rPr lang="en-US">
-                <a:solidFill>
-                  <a:schemeClr val="bg1"/>
-                </a:solidFill>
-                <a:hlinkClick r:id="rId7"/>
-              </a:rPr>
-              <a:t>www.techdays.ru</a:t>
+              <a:t>http://www.techdays.ru</a:t>
             </a:r>
             <a:r>
               <a:rPr lang="en-US" smtClean="0">

--- a/Presentation/lesson-01.pptx
+++ b/Presentation/lesson-01.pptx
@@ -322,7 +322,7 @@
           <a:p>
             <a:fld id="{8E6E6A2A-E9D3-4A0D-B04A-ABDD367A1E08}" type="datetimeFigureOut">
               <a:rPr lang="ru-RU" smtClean="0"/>
-              <a:t>06.12.2012</a:t>
+              <a:t>28.12.2012</a:t>
             </a:fld>
             <a:endParaRPr lang="ru-RU"/>
           </a:p>
@@ -492,7 +492,7 @@
           <a:p>
             <a:fld id="{8E6E6A2A-E9D3-4A0D-B04A-ABDD367A1E08}" type="datetimeFigureOut">
               <a:rPr lang="ru-RU" smtClean="0"/>
-              <a:t>06.12.2012</a:t>
+              <a:t>28.12.2012</a:t>
             </a:fld>
             <a:endParaRPr lang="ru-RU"/>
           </a:p>
@@ -672,7 +672,7 @@
           <a:p>
             <a:fld id="{8E6E6A2A-E9D3-4A0D-B04A-ABDD367A1E08}" type="datetimeFigureOut">
               <a:rPr lang="ru-RU" smtClean="0"/>
-              <a:t>06.12.2012</a:t>
+              <a:t>28.12.2012</a:t>
             </a:fld>
             <a:endParaRPr lang="ru-RU"/>
           </a:p>
@@ -842,7 +842,7 @@
           <a:p>
             <a:fld id="{8E6E6A2A-E9D3-4A0D-B04A-ABDD367A1E08}" type="datetimeFigureOut">
               <a:rPr lang="ru-RU" smtClean="0"/>
-              <a:t>06.12.2012</a:t>
+              <a:t>28.12.2012</a:t>
             </a:fld>
             <a:endParaRPr lang="ru-RU"/>
           </a:p>
@@ -1088,7 +1088,7 @@
           <a:p>
             <a:fld id="{8E6E6A2A-E9D3-4A0D-B04A-ABDD367A1E08}" type="datetimeFigureOut">
               <a:rPr lang="ru-RU" smtClean="0"/>
-              <a:t>06.12.2012</a:t>
+              <a:t>28.12.2012</a:t>
             </a:fld>
             <a:endParaRPr lang="ru-RU"/>
           </a:p>
@@ -1376,7 +1376,7 @@
           <a:p>
             <a:fld id="{8E6E6A2A-E9D3-4A0D-B04A-ABDD367A1E08}" type="datetimeFigureOut">
               <a:rPr lang="ru-RU" smtClean="0"/>
-              <a:t>06.12.2012</a:t>
+              <a:t>28.12.2012</a:t>
             </a:fld>
             <a:endParaRPr lang="ru-RU"/>
           </a:p>
@@ -1798,7 +1798,7 @@
           <a:p>
             <a:fld id="{8E6E6A2A-E9D3-4A0D-B04A-ABDD367A1E08}" type="datetimeFigureOut">
               <a:rPr lang="ru-RU" smtClean="0"/>
-              <a:t>06.12.2012</a:t>
+              <a:t>28.12.2012</a:t>
             </a:fld>
             <a:endParaRPr lang="ru-RU"/>
           </a:p>
@@ -1916,7 +1916,7 @@
           <a:p>
             <a:fld id="{8E6E6A2A-E9D3-4A0D-B04A-ABDD367A1E08}" type="datetimeFigureOut">
               <a:rPr lang="ru-RU" smtClean="0"/>
-              <a:t>06.12.2012</a:t>
+              <a:t>28.12.2012</a:t>
             </a:fld>
             <a:endParaRPr lang="ru-RU"/>
           </a:p>
@@ -2011,7 +2011,7 @@
           <a:p>
             <a:fld id="{8E6E6A2A-E9D3-4A0D-B04A-ABDD367A1E08}" type="datetimeFigureOut">
               <a:rPr lang="ru-RU" smtClean="0"/>
-              <a:t>06.12.2012</a:t>
+              <a:t>28.12.2012</a:t>
             </a:fld>
             <a:endParaRPr lang="ru-RU"/>
           </a:p>
@@ -2288,7 +2288,7 @@
           <a:p>
             <a:fld id="{8E6E6A2A-E9D3-4A0D-B04A-ABDD367A1E08}" type="datetimeFigureOut">
               <a:rPr lang="ru-RU" smtClean="0"/>
-              <a:t>06.12.2012</a:t>
+              <a:t>28.12.2012</a:t>
             </a:fld>
             <a:endParaRPr lang="ru-RU"/>
           </a:p>
@@ -2541,7 +2541,7 @@
           <a:p>
             <a:fld id="{8E6E6A2A-E9D3-4A0D-B04A-ABDD367A1E08}" type="datetimeFigureOut">
               <a:rPr lang="ru-RU" smtClean="0"/>
-              <a:t>06.12.2012</a:t>
+              <a:t>28.12.2012</a:t>
             </a:fld>
             <a:endParaRPr lang="ru-RU"/>
           </a:p>
@@ -2754,7 +2754,7 @@
           <a:p>
             <a:fld id="{8E6E6A2A-E9D3-4A0D-B04A-ABDD367A1E08}" type="datetimeFigureOut">
               <a:rPr lang="ru-RU" smtClean="0"/>
-              <a:t>06.12.2012</a:t>
+              <a:t>28.12.2012</a:t>
             </a:fld>
             <a:endParaRPr lang="ru-RU"/>
           </a:p>
@@ -28429,7 +28429,7 @@
         <p:spPr>
           <a:xfrm>
             <a:off x="251520" y="188640"/>
-            <a:ext cx="8640960" cy="3631763"/>
+            <a:ext cx="8640960" cy="5293757"/>
           </a:xfrm>
           <a:prstGeom prst="rect">
             <a:avLst/>
@@ -28592,63 +28592,31 @@
               <a:buChar char="•"/>
             </a:pPr>
             <a:r>
-              <a:rPr lang="ru-RU" dirty="0" smtClean="0">
-                <a:solidFill>
-                  <a:schemeClr val="bg1"/>
-                </a:solidFill>
-              </a:rPr>
-              <a:t>С</a:t>
-            </a:r>
-            <a:r>
               <a:rPr lang="en-US" dirty="0" smtClean="0">
                 <a:solidFill>
                   <a:schemeClr val="bg1"/>
                 </a:solidFill>
-              </a:rPr>
-              <a:t># Little Wonders</a:t>
-            </a:r>
-            <a:r>
-              <a:rPr lang="ru-RU" dirty="0" smtClean="0">
-                <a:solidFill>
-                  <a:schemeClr val="bg1"/>
-                </a:solidFill>
-              </a:rPr>
-              <a:t> -</a:t>
+                <a:hlinkClick r:id="rId6"/>
+              </a:rPr>
+              <a:t>http</a:t>
+            </a:r>
+            <a:r>
+              <a:rPr lang="en-US" dirty="0">
+                <a:solidFill>
+                  <a:schemeClr val="bg1"/>
+                </a:solidFill>
+                <a:hlinkClick r:id="rId6"/>
+              </a:rPr>
+              <a:t>://www.techdays.ru</a:t>
             </a:r>
             <a:r>
               <a:rPr lang="en-US" dirty="0" smtClean="0">
                 <a:solidFill>
                   <a:schemeClr val="bg1"/>
                 </a:solidFill>
-              </a:rPr>
-              <a:t> </a:t>
-            </a:r>
-            <a:r>
-              <a:rPr lang="en-US" dirty="0" smtClean="0">
-                <a:solidFill>
-                  <a:schemeClr val="bg1"/>
-                </a:solidFill>
                 <a:hlinkClick r:id="rId6"/>
               </a:rPr>
-              <a:t>http</a:t>
-            </a:r>
-            <a:r>
-              <a:rPr lang="en-US" dirty="0">
-                <a:solidFill>
-                  <a:schemeClr val="bg1"/>
-                </a:solidFill>
-                <a:hlinkClick r:id="rId6"/>
-              </a:rPr>
-              <a:t>://</a:t>
-            </a:r>
-            <a:r>
-              <a:rPr lang="en-US" dirty="0" smtClean="0">
-                <a:solidFill>
-                  <a:schemeClr val="bg1"/>
-                </a:solidFill>
-                <a:hlinkClick r:id="rId6"/>
-              </a:rPr>
-              <a:t>blackrabbitcoder.net/category/11989.aspx</a:t>
+              <a:t>/</a:t>
             </a:r>
             <a:endParaRPr lang="en-US" dirty="0" smtClean="0">
               <a:solidFill>
@@ -28661,57 +28629,74 @@
               <a:buFont typeface="Arial" pitchFamily="34" charset="0"/>
               <a:buChar char="•"/>
             </a:pPr>
-            <a:r>
-              <a:rPr lang="en-US">
-                <a:solidFill>
-                  <a:schemeClr val="bg1"/>
-                </a:solidFill>
-                <a:hlinkClick r:id="rId7"/>
-              </a:rPr>
-              <a:t>http://www.techdays.ru</a:t>
-            </a:r>
-            <a:r>
-              <a:rPr lang="en-US" smtClean="0">
-                <a:solidFill>
-                  <a:schemeClr val="bg1"/>
-                </a:solidFill>
-                <a:hlinkClick r:id="rId7"/>
-              </a:rPr>
-              <a:t>/</a:t>
-            </a:r>
-            <a:endParaRPr lang="en-US" smtClean="0">
-              <a:solidFill>
-                <a:schemeClr val="bg1"/>
-              </a:solidFill>
-            </a:endParaRPr>
+            <a:endParaRPr lang="en-US" dirty="0" smtClean="0">
+              <a:solidFill>
+                <a:schemeClr val="bg1"/>
+              </a:solidFill>
+            </a:endParaRPr>
+          </a:p>
+          <a:p>
+            <a:r>
+              <a:rPr lang="ru-RU" dirty="0" smtClean="0">
+                <a:solidFill>
+                  <a:schemeClr val="bg1"/>
+                </a:solidFill>
+              </a:rPr>
+              <a:t>Форумы</a:t>
+            </a:r>
+            <a:r>
+              <a:rPr lang="ru-RU" dirty="0" smtClean="0">
+                <a:solidFill>
+                  <a:schemeClr val="bg1"/>
+                </a:solidFill>
+              </a:rPr>
+              <a:t>:</a:t>
+            </a:r>
           </a:p>
           <a:p>
             <a:pPr marL="742950" lvl="1" indent="-285750">
               <a:buFont typeface="Arial" pitchFamily="34" charset="0"/>
               <a:buChar char="•"/>
             </a:pPr>
-            <a:endParaRPr lang="en-US" dirty="0" smtClean="0">
-              <a:solidFill>
-                <a:schemeClr val="bg1"/>
-              </a:solidFill>
-            </a:endParaRPr>
-          </a:p>
-          <a:p>
+            <a:r>
+              <a:rPr lang="en-US" dirty="0" smtClean="0">
+                <a:solidFill>
+                  <a:schemeClr val="bg1"/>
+                </a:solidFill>
+              </a:rPr>
+              <a:t>[RUS</a:t>
+            </a:r>
+            <a:r>
+              <a:rPr lang="en-US" dirty="0">
+                <a:solidFill>
+                  <a:schemeClr val="bg1"/>
+                </a:solidFill>
+              </a:rPr>
+              <a:t>] </a:t>
+            </a:r>
+            <a:r>
+              <a:rPr lang="en-US" dirty="0">
+                <a:solidFill>
+                  <a:schemeClr val="bg1"/>
+                </a:solidFill>
+                <a:hlinkClick r:id="rId7"/>
+              </a:rPr>
+              <a:t>http://www.rsdn.ru</a:t>
+            </a:r>
+            <a:r>
+              <a:rPr lang="en-US" dirty="0" smtClean="0">
+                <a:solidFill>
+                  <a:schemeClr val="bg1"/>
+                </a:solidFill>
+                <a:hlinkClick r:id="rId7"/>
+              </a:rPr>
+              <a:t>/</a:t>
+            </a:r>
             <a:endParaRPr lang="ru-RU" dirty="0" smtClean="0">
               <a:solidFill>
                 <a:schemeClr val="bg1"/>
               </a:solidFill>
             </a:endParaRPr>
-          </a:p>
-          <a:p>
-            <a:r>
-              <a:rPr lang="ru-RU" dirty="0" smtClean="0">
-                <a:solidFill>
-                  <a:schemeClr val="bg1"/>
-                </a:solidFill>
-              </a:rPr>
-              <a:t>Форумы:</a:t>
-            </a:r>
           </a:p>
           <a:p>
             <a:pPr marL="742950" lvl="1" indent="-285750">
@@ -28719,29 +28704,37 @@
               <a:buChar char="•"/>
             </a:pPr>
             <a:r>
+              <a:rPr lang="en-US" dirty="0">
+                <a:solidFill>
+                  <a:schemeClr val="bg1"/>
+                </a:solidFill>
+              </a:rPr>
+              <a:t>[RUS</a:t>
+            </a:r>
+            <a:r>
               <a:rPr lang="en-US" dirty="0" smtClean="0">
                 <a:solidFill>
                   <a:schemeClr val="bg1"/>
                 </a:solidFill>
               </a:rPr>
-              <a:t>[RUS</a:t>
+              <a:t>]</a:t>
+            </a:r>
+            <a:r>
+              <a:rPr lang="ru-RU" dirty="0" smtClean="0">
+                <a:solidFill>
+                  <a:schemeClr val="bg1"/>
+                </a:solidFill>
+              </a:rPr>
+              <a:t> </a:t>
             </a:r>
             <a:r>
               <a:rPr lang="en-US" dirty="0">
                 <a:solidFill>
                   <a:schemeClr val="bg1"/>
                 </a:solidFill>
-              </a:rPr>
-              <a:t>] </a:t>
-            </a:r>
-            <a:r>
-              <a:rPr lang="en-US" dirty="0">
-                <a:solidFill>
-                  <a:schemeClr val="bg1"/>
-                </a:solidFill>
                 <a:hlinkClick r:id="rId8"/>
               </a:rPr>
-              <a:t>http://www.rsdn.ru</a:t>
+              <a:t>www.sql.ru/forum</a:t>
             </a:r>
             <a:r>
               <a:rPr lang="en-US" dirty="0" smtClean="0">
@@ -28752,7 +28745,7 @@
               </a:rPr>
               <a:t>/</a:t>
             </a:r>
-            <a:endParaRPr lang="ru-RU" dirty="0" smtClean="0">
+            <a:endParaRPr lang="en-US" dirty="0" smtClean="0">
               <a:solidFill>
                 <a:schemeClr val="bg1"/>
               </a:solidFill>
@@ -28769,43 +28762,27 @@
                   <a:schemeClr val="bg1"/>
                 </a:solidFill>
               </a:rPr>
-              <a:t>[RUS</a:t>
+              <a:t>[ENG] </a:t>
+            </a:r>
+            <a:r>
+              <a:rPr lang="en-US" dirty="0">
+                <a:solidFill>
+                  <a:schemeClr val="bg1"/>
+                </a:solidFill>
+                <a:hlinkClick r:id="rId9"/>
+              </a:rPr>
+              <a:t>http://stackoverflow.com</a:t>
             </a:r>
             <a:r>
               <a:rPr lang="en-US" dirty="0" smtClean="0">
                 <a:solidFill>
                   <a:schemeClr val="bg1"/>
                 </a:solidFill>
-              </a:rPr>
-              <a:t>]</a:t>
-            </a:r>
-            <a:r>
-              <a:rPr lang="ru-RU" dirty="0" smtClean="0">
-                <a:solidFill>
-                  <a:schemeClr val="bg1"/>
-                </a:solidFill>
-              </a:rPr>
-              <a:t> </a:t>
-            </a:r>
-            <a:r>
-              <a:rPr lang="en-US" dirty="0">
-                <a:solidFill>
-                  <a:schemeClr val="bg1"/>
-                </a:solidFill>
                 <a:hlinkClick r:id="rId9"/>
               </a:rPr>
-              <a:t>www.sql.ru/forum</a:t>
-            </a:r>
-            <a:r>
-              <a:rPr lang="en-US" dirty="0" smtClean="0">
-                <a:solidFill>
-                  <a:schemeClr val="bg1"/>
-                </a:solidFill>
-                <a:hlinkClick r:id="rId9"/>
-              </a:rPr>
               <a:t>/</a:t>
             </a:r>
-            <a:endParaRPr lang="en-US" dirty="0" smtClean="0">
+            <a:endParaRPr lang="en-US" dirty="0">
               <a:solidFill>
                 <a:schemeClr val="bg1"/>
               </a:solidFill>
@@ -28816,13 +28793,50 @@
               <a:buFont typeface="Arial" pitchFamily="34" charset="0"/>
               <a:buChar char="•"/>
             </a:pPr>
+            <a:endParaRPr lang="en-US" dirty="0">
+              <a:solidFill>
+                <a:schemeClr val="bg1"/>
+              </a:solidFill>
+            </a:endParaRPr>
+          </a:p>
+          <a:p>
+            <a:r>
+              <a:rPr lang="ru-RU" dirty="0" smtClean="0">
+                <a:solidFill>
+                  <a:schemeClr val="bg1"/>
+                </a:solidFill>
+              </a:rPr>
+              <a:t>Блоги</a:t>
+            </a:r>
+          </a:p>
+          <a:p>
+            <a:pPr marL="742950" lvl="1" indent="-285750">
+              <a:buFont typeface="Arial" pitchFamily="34" charset="0"/>
+              <a:buChar char="•"/>
+            </a:pPr>
             <a:r>
               <a:rPr lang="en-US" dirty="0">
                 <a:solidFill>
                   <a:schemeClr val="bg1"/>
                 </a:solidFill>
               </a:rPr>
-              <a:t>[ENG] </a:t>
+              <a:t>.NET Framework </a:t>
+            </a:r>
+            <a:r>
+              <a:rPr lang="en-US" dirty="0" smtClean="0">
+                <a:solidFill>
+                  <a:schemeClr val="bg1"/>
+                </a:solidFill>
+              </a:rPr>
+              <a:t>Blog</a:t>
+            </a:r>
+            <a:r>
+              <a:rPr lang="ru-RU" dirty="0" smtClean="0">
+                <a:solidFill>
+                  <a:schemeClr val="bg1"/>
+                </a:solidFill>
+              </a:rPr>
+              <a:t>: </a:t>
             </a:r>
             <a:r>
               <a:rPr lang="en-US" dirty="0">
@@ -28831,7 +28845,7 @@
                 </a:solidFill>
                 <a:hlinkClick r:id="rId10"/>
               </a:rPr>
-              <a:t>http://stackoverflow.com</a:t>
+              <a:t>http://blogs.msdn.com/b/dotnet</a:t>
             </a:r>
             <a:r>
               <a:rPr lang="en-US" dirty="0" smtClean="0">
@@ -28842,6 +28856,236 @@
               </a:rPr>
               <a:t>/</a:t>
             </a:r>
+            <a:endParaRPr lang="ru-RU" dirty="0" smtClean="0">
+              <a:solidFill>
+                <a:schemeClr val="bg1"/>
+              </a:solidFill>
+            </a:endParaRPr>
+          </a:p>
+          <a:p>
+            <a:pPr marL="742950" lvl="1" indent="-285750">
+              <a:buFont typeface="Arial" pitchFamily="34" charset="0"/>
+              <a:buChar char="•"/>
+            </a:pPr>
+            <a:r>
+              <a:rPr lang="en-US" dirty="0" smtClean="0">
+                <a:solidFill>
+                  <a:schemeClr val="bg1"/>
+                </a:solidFill>
+              </a:rPr>
+              <a:t>Base </a:t>
+            </a:r>
+            <a:r>
+              <a:rPr lang="en-US" dirty="0">
+                <a:solidFill>
+                  <a:schemeClr val="bg1"/>
+                </a:solidFill>
+              </a:rPr>
+              <a:t>Class Library (BCL) </a:t>
+            </a:r>
+            <a:r>
+              <a:rPr lang="en-US" dirty="0" smtClean="0">
+                <a:solidFill>
+                  <a:schemeClr val="bg1"/>
+                </a:solidFill>
+              </a:rPr>
+              <a:t>Blog</a:t>
+            </a:r>
+            <a:r>
+              <a:rPr lang="ru-RU" dirty="0" smtClean="0">
+                <a:solidFill>
+                  <a:schemeClr val="bg1"/>
+                </a:solidFill>
+              </a:rPr>
+              <a:t>: </a:t>
+            </a:r>
+            <a:r>
+              <a:rPr lang="en-US" dirty="0">
+                <a:solidFill>
+                  <a:schemeClr val="bg1"/>
+                </a:solidFill>
+                <a:hlinkClick r:id="rId11"/>
+              </a:rPr>
+              <a:t>http://blogs.msdn.com/b/bclteam</a:t>
+            </a:r>
+            <a:r>
+              <a:rPr lang="en-US" dirty="0" smtClean="0">
+                <a:solidFill>
+                  <a:schemeClr val="bg1"/>
+                </a:solidFill>
+                <a:hlinkClick r:id="rId11"/>
+              </a:rPr>
+              <a:t>/</a:t>
+            </a:r>
+            <a:endParaRPr lang="ru-RU" dirty="0" smtClean="0">
+              <a:solidFill>
+                <a:schemeClr val="bg1"/>
+              </a:solidFill>
+            </a:endParaRPr>
+          </a:p>
+          <a:p>
+            <a:pPr marL="742950" lvl="1" indent="-285750">
+              <a:buFont typeface="Arial" pitchFamily="34" charset="0"/>
+              <a:buChar char="•"/>
+            </a:pPr>
+            <a:r>
+              <a:rPr lang="en-US" dirty="0" smtClean="0">
+                <a:solidFill>
+                  <a:schemeClr val="bg1"/>
+                </a:solidFill>
+              </a:rPr>
+              <a:t>ADO.NET Blog</a:t>
+            </a:r>
+            <a:r>
+              <a:rPr lang="ru-RU" dirty="0" smtClean="0">
+                <a:solidFill>
+                  <a:schemeClr val="bg1"/>
+                </a:solidFill>
+              </a:rPr>
+              <a:t>: </a:t>
+            </a:r>
+            <a:r>
+              <a:rPr lang="en-US" dirty="0">
+                <a:solidFill>
+                  <a:schemeClr val="bg1"/>
+                </a:solidFill>
+                <a:hlinkClick r:id="rId12"/>
+              </a:rPr>
+              <a:t>http://blogs.msdn.com/b/adonet</a:t>
+            </a:r>
+            <a:r>
+              <a:rPr lang="en-US" dirty="0" smtClean="0">
+                <a:solidFill>
+                  <a:schemeClr val="bg1"/>
+                </a:solidFill>
+                <a:hlinkClick r:id="rId12"/>
+              </a:rPr>
+              <a:t>/</a:t>
+            </a:r>
+            <a:endParaRPr lang="ru-RU" dirty="0" smtClean="0">
+              <a:solidFill>
+                <a:schemeClr val="bg1"/>
+              </a:solidFill>
+            </a:endParaRPr>
+          </a:p>
+          <a:p>
+            <a:pPr marL="742950" lvl="1" indent="-285750">
+              <a:buFont typeface="Arial" pitchFamily="34" charset="0"/>
+              <a:buChar char="•"/>
+            </a:pPr>
+            <a:r>
+              <a:rPr lang="en-US" dirty="0" smtClean="0">
+                <a:solidFill>
+                  <a:schemeClr val="bg1"/>
+                </a:solidFill>
+              </a:rPr>
+              <a:t>Parallel </a:t>
+            </a:r>
+            <a:r>
+              <a:rPr lang="en-US" dirty="0">
+                <a:solidFill>
+                  <a:schemeClr val="bg1"/>
+                </a:solidFill>
+              </a:rPr>
+              <a:t>Programming with .</a:t>
+            </a:r>
+            <a:r>
+              <a:rPr lang="en-US" dirty="0" smtClean="0">
+                <a:solidFill>
+                  <a:schemeClr val="bg1"/>
+                </a:solidFill>
+              </a:rPr>
+              <a:t>NET</a:t>
+            </a:r>
+            <a:r>
+              <a:rPr lang="ru-RU" dirty="0" smtClean="0">
+                <a:solidFill>
+                  <a:schemeClr val="bg1"/>
+                </a:solidFill>
+              </a:rPr>
+              <a:t>: </a:t>
+            </a:r>
+            <a:r>
+              <a:rPr lang="en-US" dirty="0">
+                <a:solidFill>
+                  <a:schemeClr val="bg1"/>
+                </a:solidFill>
+                <a:hlinkClick r:id="rId13"/>
+              </a:rPr>
+              <a:t>http://blogs.msdn.com/b/pfxteam</a:t>
+            </a:r>
+            <a:r>
+              <a:rPr lang="en-US" dirty="0" smtClean="0">
+                <a:solidFill>
+                  <a:schemeClr val="bg1"/>
+                </a:solidFill>
+                <a:hlinkClick r:id="rId13"/>
+              </a:rPr>
+              <a:t>/</a:t>
+            </a:r>
+            <a:endParaRPr lang="ru-RU" dirty="0" smtClean="0">
+              <a:solidFill>
+                <a:schemeClr val="bg1"/>
+              </a:solidFill>
+            </a:endParaRPr>
+          </a:p>
+          <a:p>
+            <a:pPr marL="742950" lvl="1" indent="-285750">
+              <a:buFont typeface="Arial" pitchFamily="34" charset="0"/>
+              <a:buChar char="•"/>
+            </a:pPr>
+            <a:r>
+              <a:rPr lang="ru-RU" dirty="0">
+                <a:solidFill>
+                  <a:schemeClr val="bg1"/>
+                </a:solidFill>
+              </a:rPr>
+              <a:t>С</a:t>
+            </a:r>
+            <a:r>
+              <a:rPr lang="en-US" dirty="0">
+                <a:solidFill>
+                  <a:schemeClr val="bg1"/>
+                </a:solidFill>
+              </a:rPr>
+              <a:t># Little Wonders</a:t>
+            </a:r>
+            <a:r>
+              <a:rPr lang="ru-RU" dirty="0">
+                <a:solidFill>
+                  <a:schemeClr val="bg1"/>
+                </a:solidFill>
+              </a:rPr>
+              <a:t> -</a:t>
+            </a:r>
+            <a:r>
+              <a:rPr lang="en-US" dirty="0">
+                <a:solidFill>
+                  <a:schemeClr val="bg1"/>
+                </a:solidFill>
+              </a:rPr>
+              <a:t> </a:t>
+            </a:r>
+            <a:r>
+              <a:rPr lang="en-US" dirty="0">
+                <a:solidFill>
+                  <a:schemeClr val="bg1"/>
+                </a:solidFill>
+                <a:hlinkClick r:id="rId14"/>
+              </a:rPr>
+              <a:t>http://blackrabbitcoder.net/category/11989.aspx</a:t>
+            </a:r>
+            <a:endParaRPr lang="ru-RU" dirty="0" smtClean="0">
+              <a:solidFill>
+                <a:schemeClr val="bg1"/>
+              </a:solidFill>
+            </a:endParaRPr>
+          </a:p>
+          <a:p>
+            <a:pPr marL="742950" lvl="1" indent="-285750">
+              <a:buFont typeface="Arial" pitchFamily="34" charset="0"/>
+              <a:buChar char="•"/>
+            </a:pPr>
             <a:endParaRPr lang="en-US" dirty="0">
               <a:solidFill>
                 <a:schemeClr val="bg1"/>

--- a/Presentation/lesson-01.pptx
+++ b/Presentation/lesson-01.pptx
@@ -6,40 +6,39 @@
   </p:sldMasterIdLst>
   <p:sldIdLst>
     <p:sldId id="256" r:id="rId2"/>
-    <p:sldId id="257" r:id="rId3"/>
-    <p:sldId id="290" r:id="rId4"/>
-    <p:sldId id="258" r:id="rId5"/>
-    <p:sldId id="284" r:id="rId6"/>
-    <p:sldId id="259" r:id="rId7"/>
-    <p:sldId id="260" r:id="rId8"/>
-    <p:sldId id="285" r:id="rId9"/>
-    <p:sldId id="286" r:id="rId10"/>
-    <p:sldId id="261" r:id="rId11"/>
-    <p:sldId id="291" r:id="rId12"/>
-    <p:sldId id="262" r:id="rId13"/>
-    <p:sldId id="263" r:id="rId14"/>
-    <p:sldId id="264" r:id="rId15"/>
-    <p:sldId id="265" r:id="rId16"/>
-    <p:sldId id="282" r:id="rId17"/>
-    <p:sldId id="266" r:id="rId18"/>
-    <p:sldId id="279" r:id="rId19"/>
-    <p:sldId id="280" r:id="rId20"/>
-    <p:sldId id="287" r:id="rId21"/>
-    <p:sldId id="267" r:id="rId22"/>
-    <p:sldId id="283" r:id="rId23"/>
-    <p:sldId id="278" r:id="rId24"/>
-    <p:sldId id="268" r:id="rId25"/>
-    <p:sldId id="269" r:id="rId26"/>
-    <p:sldId id="270" r:id="rId27"/>
-    <p:sldId id="271" r:id="rId28"/>
-    <p:sldId id="272" r:id="rId29"/>
-    <p:sldId id="273" r:id="rId30"/>
-    <p:sldId id="274" r:id="rId31"/>
-    <p:sldId id="275" r:id="rId32"/>
-    <p:sldId id="276" r:id="rId33"/>
-    <p:sldId id="277" r:id="rId34"/>
-    <p:sldId id="292" r:id="rId35"/>
-    <p:sldId id="281" r:id="rId36"/>
+    <p:sldId id="290" r:id="rId3"/>
+    <p:sldId id="258" r:id="rId4"/>
+    <p:sldId id="284" r:id="rId5"/>
+    <p:sldId id="259" r:id="rId6"/>
+    <p:sldId id="260" r:id="rId7"/>
+    <p:sldId id="285" r:id="rId8"/>
+    <p:sldId id="286" r:id="rId9"/>
+    <p:sldId id="261" r:id="rId10"/>
+    <p:sldId id="291" r:id="rId11"/>
+    <p:sldId id="262" r:id="rId12"/>
+    <p:sldId id="263" r:id="rId13"/>
+    <p:sldId id="264" r:id="rId14"/>
+    <p:sldId id="265" r:id="rId15"/>
+    <p:sldId id="282" r:id="rId16"/>
+    <p:sldId id="266" r:id="rId17"/>
+    <p:sldId id="279" r:id="rId18"/>
+    <p:sldId id="280" r:id="rId19"/>
+    <p:sldId id="287" r:id="rId20"/>
+    <p:sldId id="267" r:id="rId21"/>
+    <p:sldId id="283" r:id="rId22"/>
+    <p:sldId id="278" r:id="rId23"/>
+    <p:sldId id="268" r:id="rId24"/>
+    <p:sldId id="269" r:id="rId25"/>
+    <p:sldId id="270" r:id="rId26"/>
+    <p:sldId id="271" r:id="rId27"/>
+    <p:sldId id="272" r:id="rId28"/>
+    <p:sldId id="273" r:id="rId29"/>
+    <p:sldId id="274" r:id="rId30"/>
+    <p:sldId id="275" r:id="rId31"/>
+    <p:sldId id="276" r:id="rId32"/>
+    <p:sldId id="277" r:id="rId33"/>
+    <p:sldId id="292" r:id="rId34"/>
+    <p:sldId id="281" r:id="rId35"/>
   </p:sldIdLst>
   <p:sldSz cx="9144000" cy="6858000" type="screen4x3"/>
   <p:notesSz cx="6858000" cy="9144000"/>
@@ -322,7 +321,7 @@
           <a:p>
             <a:fld id="{8E6E6A2A-E9D3-4A0D-B04A-ABDD367A1E08}" type="datetimeFigureOut">
               <a:rPr lang="ru-RU" smtClean="0"/>
-              <a:t>28.12.2012</a:t>
+              <a:t>05.01.2013</a:t>
             </a:fld>
             <a:endParaRPr lang="ru-RU"/>
           </a:p>
@@ -492,7 +491,7 @@
           <a:p>
             <a:fld id="{8E6E6A2A-E9D3-4A0D-B04A-ABDD367A1E08}" type="datetimeFigureOut">
               <a:rPr lang="ru-RU" smtClean="0"/>
-              <a:t>28.12.2012</a:t>
+              <a:t>05.01.2013</a:t>
             </a:fld>
             <a:endParaRPr lang="ru-RU"/>
           </a:p>
@@ -672,7 +671,7 @@
           <a:p>
             <a:fld id="{8E6E6A2A-E9D3-4A0D-B04A-ABDD367A1E08}" type="datetimeFigureOut">
               <a:rPr lang="ru-RU" smtClean="0"/>
-              <a:t>28.12.2012</a:t>
+              <a:t>05.01.2013</a:t>
             </a:fld>
             <a:endParaRPr lang="ru-RU"/>
           </a:p>
@@ -842,7 +841,7 @@
           <a:p>
             <a:fld id="{8E6E6A2A-E9D3-4A0D-B04A-ABDD367A1E08}" type="datetimeFigureOut">
               <a:rPr lang="ru-RU" smtClean="0"/>
-              <a:t>28.12.2012</a:t>
+              <a:t>05.01.2013</a:t>
             </a:fld>
             <a:endParaRPr lang="ru-RU"/>
           </a:p>
@@ -1088,7 +1087,7 @@
           <a:p>
             <a:fld id="{8E6E6A2A-E9D3-4A0D-B04A-ABDD367A1E08}" type="datetimeFigureOut">
               <a:rPr lang="ru-RU" smtClean="0"/>
-              <a:t>28.12.2012</a:t>
+              <a:t>05.01.2013</a:t>
             </a:fld>
             <a:endParaRPr lang="ru-RU"/>
           </a:p>
@@ -1376,7 +1375,7 @@
           <a:p>
             <a:fld id="{8E6E6A2A-E9D3-4A0D-B04A-ABDD367A1E08}" type="datetimeFigureOut">
               <a:rPr lang="ru-RU" smtClean="0"/>
-              <a:t>28.12.2012</a:t>
+              <a:t>05.01.2013</a:t>
             </a:fld>
             <a:endParaRPr lang="ru-RU"/>
           </a:p>
@@ -1798,7 +1797,7 @@
           <a:p>
             <a:fld id="{8E6E6A2A-E9D3-4A0D-B04A-ABDD367A1E08}" type="datetimeFigureOut">
               <a:rPr lang="ru-RU" smtClean="0"/>
-              <a:t>28.12.2012</a:t>
+              <a:t>05.01.2013</a:t>
             </a:fld>
             <a:endParaRPr lang="ru-RU"/>
           </a:p>
@@ -1916,7 +1915,7 @@
           <a:p>
             <a:fld id="{8E6E6A2A-E9D3-4A0D-B04A-ABDD367A1E08}" type="datetimeFigureOut">
               <a:rPr lang="ru-RU" smtClean="0"/>
-              <a:t>28.12.2012</a:t>
+              <a:t>05.01.2013</a:t>
             </a:fld>
             <a:endParaRPr lang="ru-RU"/>
           </a:p>
@@ -2011,7 +2010,7 @@
           <a:p>
             <a:fld id="{8E6E6A2A-E9D3-4A0D-B04A-ABDD367A1E08}" type="datetimeFigureOut">
               <a:rPr lang="ru-RU" smtClean="0"/>
-              <a:t>28.12.2012</a:t>
+              <a:t>05.01.2013</a:t>
             </a:fld>
             <a:endParaRPr lang="ru-RU"/>
           </a:p>
@@ -2288,7 +2287,7 @@
           <a:p>
             <a:fld id="{8E6E6A2A-E9D3-4A0D-B04A-ABDD367A1E08}" type="datetimeFigureOut">
               <a:rPr lang="ru-RU" smtClean="0"/>
-              <a:t>28.12.2012</a:t>
+              <a:t>05.01.2013</a:t>
             </a:fld>
             <a:endParaRPr lang="ru-RU"/>
           </a:p>
@@ -2541,7 +2540,7 @@
           <a:p>
             <a:fld id="{8E6E6A2A-E9D3-4A0D-B04A-ABDD367A1E08}" type="datetimeFigureOut">
               <a:rPr lang="ru-RU" smtClean="0"/>
-              <a:t>28.12.2012</a:t>
+              <a:t>05.01.2013</a:t>
             </a:fld>
             <a:endParaRPr lang="ru-RU"/>
           </a:p>
@@ -2754,7 +2753,7 @@
           <a:p>
             <a:fld id="{8E6E6A2A-E9D3-4A0D-B04A-ABDD367A1E08}" type="datetimeFigureOut">
               <a:rPr lang="ru-RU" smtClean="0"/>
-              <a:t>28.12.2012</a:t>
+              <a:t>05.01.2013</a:t>
             </a:fld>
             <a:endParaRPr lang="ru-RU"/>
           </a:p>
@@ -3345,143 +3344,6 @@
       </p:grpSpPr>
       <p:sp>
         <p:nvSpPr>
-          <p:cNvPr id="3" name="Rectangle 2"/>
-          <p:cNvSpPr/>
-          <p:nvPr/>
-        </p:nvSpPr>
-        <p:spPr>
-          <a:xfrm>
-            <a:off x="251520" y="188640"/>
-            <a:ext cx="8640960" cy="1138773"/>
-          </a:xfrm>
-          <a:prstGeom prst="rect">
-            <a:avLst/>
-          </a:prstGeom>
-        </p:spPr>
-        <p:txBody>
-          <a:bodyPr wrap="square">
-            <a:spAutoFit/>
-          </a:bodyPr>
-          <a:lstStyle/>
-          <a:p>
-            <a:pPr lvl="0"/>
-            <a:r>
-              <a:rPr lang="en-US" sz="3200" dirty="0" smtClean="0">
-                <a:solidFill>
-                  <a:schemeClr val="bg1"/>
-                </a:solidFill>
-              </a:rPr>
-              <a:t>.NET Framework</a:t>
-            </a:r>
-            <a:endParaRPr lang="ru-RU" sz="3200" dirty="0" smtClean="0">
-              <a:solidFill>
-                <a:schemeClr val="bg1"/>
-              </a:solidFill>
-            </a:endParaRPr>
-          </a:p>
-          <a:p>
-            <a:pPr lvl="0"/>
-            <a:endParaRPr lang="ru-RU" dirty="0" smtClean="0">
-              <a:solidFill>
-                <a:schemeClr val="bg1"/>
-              </a:solidFill>
-            </a:endParaRPr>
-          </a:p>
-          <a:p>
-            <a:endParaRPr lang="en-US" dirty="0" smtClean="0">
-              <a:solidFill>
-                <a:schemeClr val="bg1"/>
-              </a:solidFill>
-            </a:endParaRPr>
-          </a:p>
-        </p:txBody>
-      </p:sp>
-      <p:pic>
-        <p:nvPicPr>
-          <p:cNvPr id="5" name="Picture 4" descr="http://upload.wikimedia.org/wikipedia/commons/thumb/d/d3/DotNet.svg/513px-DotNet.svg.png"/>
-          <p:cNvPicPr/>
-          <p:nvPr/>
-        </p:nvPicPr>
-        <p:blipFill>
-          <a:blip r:embed="rId3">
-            <a:extLst>
-              <a:ext uri="{28A0092B-C50C-407E-A947-70E740481C1C}">
-                <a14:useLocalDpi xmlns:a14="http://schemas.microsoft.com/office/drawing/2010/main" val="0"/>
-              </a:ext>
-            </a:extLst>
-          </a:blip>
-          <a:srcRect/>
-          <a:stretch>
-            <a:fillRect/>
-          </a:stretch>
-        </p:blipFill>
-        <p:spPr bwMode="auto">
-          <a:xfrm>
-            <a:off x="1979712" y="740983"/>
-            <a:ext cx="4886325" cy="5715000"/>
-          </a:xfrm>
-          <a:prstGeom prst="rect">
-            <a:avLst/>
-          </a:prstGeom>
-          <a:noFill/>
-          <a:ln>
-            <a:noFill/>
-          </a:ln>
-        </p:spPr>
-      </p:pic>
-    </p:spTree>
-    <p:extLst>
-      <p:ext uri="{BB962C8B-B14F-4D97-AF65-F5344CB8AC3E}">
-        <p14:creationId xmlns:p14="http://schemas.microsoft.com/office/powerpoint/2010/main" val="2503303019"/>
-      </p:ext>
-    </p:extLst>
-  </p:cSld>
-  <p:clrMapOvr>
-    <a:masterClrMapping/>
-  </p:clrMapOvr>
-  <p:timing>
-    <p:tnLst>
-      <p:par>
-        <p:cTn id="1" dur="indefinite" restart="never" nodeType="tmRoot"/>
-      </p:par>
-    </p:tnLst>
-  </p:timing>
-</p:sld>
-</file>
-
-<file path=ppt/slides/slide11.xml><?xml version="1.0" encoding="utf-8"?>
-<p:sld xmlns:a="http://schemas.openxmlformats.org/drawingml/2006/main" xmlns:r="http://schemas.openxmlformats.org/officeDocument/2006/relationships" xmlns:p="http://schemas.openxmlformats.org/presentationml/2006/main">
-  <p:cSld>
-    <p:bg>
-      <p:bgPr>
-        <a:blipFill dpi="0" rotWithShape="1">
-          <a:blip r:embed="rId2">
-            <a:lum/>
-          </a:blip>
-          <a:srcRect/>
-          <a:stretch>
-            <a:fillRect/>
-          </a:stretch>
-        </a:blipFill>
-        <a:effectLst/>
-      </p:bgPr>
-    </p:bg>
-    <p:spTree>
-      <p:nvGrpSpPr>
-        <p:cNvPr id="1" name=""/>
-        <p:cNvGrpSpPr/>
-        <p:nvPr/>
-      </p:nvGrpSpPr>
-      <p:grpSpPr>
-        <a:xfrm>
-          <a:off x="0" y="0"/>
-          <a:ext cx="0" cy="0"/>
-          <a:chOff x="0" y="0"/>
-          <a:chExt cx="0" cy="0"/>
-        </a:xfrm>
-      </p:grpSpPr>
-      <p:sp>
-        <p:nvSpPr>
           <p:cNvPr id="4" name="Rectangle 3"/>
           <p:cNvSpPr/>
           <p:nvPr/>
@@ -3720,7 +3582,7 @@
 </p:sld>
 </file>
 
-<file path=ppt/slides/slide12.xml><?xml version="1.0" encoding="utf-8"?>
+<file path=ppt/slides/slide11.xml><?xml version="1.0" encoding="utf-8"?>
 <p:sld xmlns:a="http://schemas.openxmlformats.org/drawingml/2006/main" xmlns:r="http://schemas.openxmlformats.org/officeDocument/2006/relationships" xmlns:p="http://schemas.openxmlformats.org/presentationml/2006/main">
   <p:cSld>
     <p:bg>
@@ -4077,7 +3939,7 @@
 </p:sld>
 </file>
 
-<file path=ppt/slides/slide13.xml><?xml version="1.0" encoding="utf-8"?>
+<file path=ppt/slides/slide12.xml><?xml version="1.0" encoding="utf-8"?>
 <p:sld xmlns:a="http://schemas.openxmlformats.org/drawingml/2006/main" xmlns:r="http://schemas.openxmlformats.org/officeDocument/2006/relationships" xmlns:p="http://schemas.openxmlformats.org/presentationml/2006/main">
   <p:cSld>
     <p:bg>
@@ -4180,7 +4042,7 @@
 </p:sld>
 </file>
 
-<file path=ppt/slides/slide14.xml><?xml version="1.0" encoding="utf-8"?>
+<file path=ppt/slides/slide13.xml><?xml version="1.0" encoding="utf-8"?>
 <p:sld xmlns:a="http://schemas.openxmlformats.org/drawingml/2006/main" xmlns:r="http://schemas.openxmlformats.org/officeDocument/2006/relationships" xmlns:p="http://schemas.openxmlformats.org/presentationml/2006/main" show="0">
   <p:cSld>
     <p:bg>
@@ -5035,7 +4897,7 @@
 </p:sld>
 </file>
 
-<file path=ppt/slides/slide15.xml><?xml version="1.0" encoding="utf-8"?>
+<file path=ppt/slides/slide14.xml><?xml version="1.0" encoding="utf-8"?>
 <p:sld xmlns:a="http://schemas.openxmlformats.org/drawingml/2006/main" xmlns:r="http://schemas.openxmlformats.org/officeDocument/2006/relationships" xmlns:p="http://schemas.openxmlformats.org/presentationml/2006/main" show="0">
   <p:cSld>
     <p:bg>
@@ -5279,7 +5141,7 @@
 </p:sld>
 </file>
 
-<file path=ppt/slides/slide16.xml><?xml version="1.0" encoding="utf-8"?>
+<file path=ppt/slides/slide15.xml><?xml version="1.0" encoding="utf-8"?>
 <p:sld xmlns:a="http://schemas.openxmlformats.org/drawingml/2006/main" xmlns:r="http://schemas.openxmlformats.org/officeDocument/2006/relationships" xmlns:p="http://schemas.openxmlformats.org/presentationml/2006/main">
   <p:cSld>
     <p:bg>
@@ -5398,7 +5260,7 @@
 </p:sld>
 </file>
 
-<file path=ppt/slides/slide17.xml><?xml version="1.0" encoding="utf-8"?>
+<file path=ppt/slides/slide16.xml><?xml version="1.0" encoding="utf-8"?>
 <p:sld xmlns:a="http://schemas.openxmlformats.org/drawingml/2006/main" xmlns:r="http://schemas.openxmlformats.org/officeDocument/2006/relationships" xmlns:p="http://schemas.openxmlformats.org/presentationml/2006/main">
   <p:cSld>
     <p:bg>
@@ -5581,7 +5443,7 @@
 </p:sld>
 </file>
 
-<file path=ppt/slides/slide18.xml><?xml version="1.0" encoding="utf-8"?>
+<file path=ppt/slides/slide17.xml><?xml version="1.0" encoding="utf-8"?>
 <p:sld xmlns:a="http://schemas.openxmlformats.org/drawingml/2006/main" xmlns:r="http://schemas.openxmlformats.org/officeDocument/2006/relationships" xmlns:p="http://schemas.openxmlformats.org/presentationml/2006/main">
   <p:cSld>
     <p:bg>
@@ -6245,7 +6107,7 @@
 </p:sld>
 </file>
 
-<file path=ppt/slides/slide19.xml><?xml version="1.0" encoding="utf-8"?>
+<file path=ppt/slides/slide18.xml><?xml version="1.0" encoding="utf-8"?>
 <p:sld xmlns:a="http://schemas.openxmlformats.org/drawingml/2006/main" xmlns:r="http://schemas.openxmlformats.org/officeDocument/2006/relationships" xmlns:p="http://schemas.openxmlformats.org/presentationml/2006/main">
   <p:cSld>
     <p:bg>
@@ -8163,93 +8025,7 @@
 </p:sld>
 </file>
 
-<file path=ppt/slides/slide2.xml><?xml version="1.0" encoding="utf-8"?>
-<p:sld xmlns:a="http://schemas.openxmlformats.org/drawingml/2006/main" xmlns:r="http://schemas.openxmlformats.org/officeDocument/2006/relationships" xmlns:p="http://schemas.openxmlformats.org/presentationml/2006/main">
-  <p:cSld>
-    <p:bg>
-      <p:bgPr>
-        <a:solidFill>
-          <a:schemeClr val="bg1"/>
-        </a:solidFill>
-        <a:effectLst/>
-      </p:bgPr>
-    </p:bg>
-    <p:spTree>
-      <p:nvGrpSpPr>
-        <p:cNvPr id="1" name=""/>
-        <p:cNvGrpSpPr/>
-        <p:nvPr/>
-      </p:nvGrpSpPr>
-      <p:grpSpPr>
-        <a:xfrm>
-          <a:off x="0" y="0"/>
-          <a:ext cx="0" cy="0"/>
-          <a:chOff x="0" y="0"/>
-          <a:chExt cx="0" cy="0"/>
-        </a:xfrm>
-      </p:grpSpPr>
-      <p:pic>
-        <p:nvPicPr>
-          <p:cNvPr id="1026" name="Picture 2" descr="http://us.123rf.com/400wm/400/400/lurin/lurin1203/lurin120300011/12843555-black-and-red--please-turn-off-cell-phone--sign-with-black-border.jpg"/>
-          <p:cNvPicPr>
-            <a:picLocks noChangeAspect="1" noChangeArrowheads="1"/>
-          </p:cNvPicPr>
-          <p:nvPr/>
-        </p:nvPicPr>
-        <p:blipFill>
-          <a:blip r:embed="rId2">
-            <a:extLst>
-              <a:ext uri="{28A0092B-C50C-407E-A947-70E740481C1C}">
-                <a14:useLocalDpi xmlns:a14="http://schemas.microsoft.com/office/drawing/2010/main" val="0"/>
-              </a:ext>
-            </a:extLst>
-          </a:blip>
-          <a:srcRect/>
-          <a:stretch>
-            <a:fillRect/>
-          </a:stretch>
-        </p:blipFill>
-        <p:spPr bwMode="auto">
-          <a:xfrm>
-            <a:off x="2214563" y="481012"/>
-            <a:ext cx="4714875" cy="5895976"/>
-          </a:xfrm>
-          <a:prstGeom prst="rect">
-            <a:avLst/>
-          </a:prstGeom>
-          <a:noFill/>
-          <a:extLst>
-            <a:ext uri="{909E8E84-426E-40DD-AFC4-6F175D3DCCD1}">
-              <a14:hiddenFill xmlns:a14="http://schemas.microsoft.com/office/drawing/2010/main">
-                <a:solidFill>
-                  <a:srgbClr val="FFFFFF"/>
-                </a:solidFill>
-              </a14:hiddenFill>
-            </a:ext>
-          </a:extLst>
-        </p:spPr>
-      </p:pic>
-    </p:spTree>
-    <p:extLst>
-      <p:ext uri="{BB962C8B-B14F-4D97-AF65-F5344CB8AC3E}">
-        <p14:creationId xmlns:p14="http://schemas.microsoft.com/office/powerpoint/2010/main" val="3145694776"/>
-      </p:ext>
-    </p:extLst>
-  </p:cSld>
-  <p:clrMapOvr>
-    <a:masterClrMapping/>
-  </p:clrMapOvr>
-  <p:timing>
-    <p:tnLst>
-      <p:par>
-        <p:cTn id="1" dur="indefinite" restart="never" nodeType="tmRoot"/>
-      </p:par>
-    </p:tnLst>
-  </p:timing>
-</p:sld>
-</file>
-
-<file path=ppt/slides/slide20.xml><?xml version="1.0" encoding="utf-8"?>
+<file path=ppt/slides/slide19.xml><?xml version="1.0" encoding="utf-8"?>
 <p:sld xmlns:a="http://schemas.openxmlformats.org/drawingml/2006/main" xmlns:r="http://schemas.openxmlformats.org/officeDocument/2006/relationships" xmlns:p="http://schemas.openxmlformats.org/presentationml/2006/main" show="0">
   <p:cSld>
     <p:bg>
@@ -8387,7 +8163,438 @@
 </p:sld>
 </file>
 
-<file path=ppt/slides/slide21.xml><?xml version="1.0" encoding="utf-8"?>
+<file path=ppt/slides/slide2.xml><?xml version="1.0" encoding="utf-8"?>
+<p:sld xmlns:a="http://schemas.openxmlformats.org/drawingml/2006/main" xmlns:r="http://schemas.openxmlformats.org/officeDocument/2006/relationships" xmlns:p="http://schemas.openxmlformats.org/presentationml/2006/main">
+  <p:cSld>
+    <p:bg>
+      <p:bgPr>
+        <a:blipFill dpi="0" rotWithShape="1">
+          <a:blip r:embed="rId2">
+            <a:lum/>
+          </a:blip>
+          <a:srcRect/>
+          <a:stretch>
+            <a:fillRect/>
+          </a:stretch>
+        </a:blipFill>
+        <a:effectLst/>
+      </p:bgPr>
+    </p:bg>
+    <p:spTree>
+      <p:nvGrpSpPr>
+        <p:cNvPr id="1" name=""/>
+        <p:cNvGrpSpPr/>
+        <p:nvPr/>
+      </p:nvGrpSpPr>
+      <p:grpSpPr>
+        <a:xfrm>
+          <a:off x="0" y="0"/>
+          <a:ext cx="0" cy="0"/>
+          <a:chOff x="0" y="0"/>
+          <a:chExt cx="0" cy="0"/>
+        </a:xfrm>
+      </p:grpSpPr>
+      <p:sp>
+        <p:nvSpPr>
+          <p:cNvPr id="3" name="Rectangle 2"/>
+          <p:cNvSpPr/>
+          <p:nvPr/>
+        </p:nvSpPr>
+        <p:spPr>
+          <a:xfrm>
+            <a:off x="251520" y="188640"/>
+            <a:ext cx="8640960" cy="4739759"/>
+          </a:xfrm>
+          <a:prstGeom prst="rect">
+            <a:avLst/>
+          </a:prstGeom>
+        </p:spPr>
+        <p:txBody>
+          <a:bodyPr wrap="square">
+            <a:spAutoFit/>
+          </a:bodyPr>
+          <a:lstStyle/>
+          <a:p>
+            <a:pPr lvl="0"/>
+            <a:r>
+              <a:rPr lang="ru-RU" sz="3200" dirty="0" smtClean="0">
+                <a:solidFill>
+                  <a:schemeClr val="bg1"/>
+                </a:solidFill>
+              </a:rPr>
+              <a:t>Литература</a:t>
+            </a:r>
+          </a:p>
+          <a:p>
+            <a:pPr lvl="0"/>
+            <a:endParaRPr lang="en-US" dirty="0" smtClean="0">
+              <a:solidFill>
+                <a:schemeClr val="bg1"/>
+              </a:solidFill>
+            </a:endParaRPr>
+          </a:p>
+          <a:p>
+            <a:pPr marL="285750" lvl="0" indent="-285750">
+              <a:buFont typeface="Arial" pitchFamily="34" charset="0"/>
+              <a:buChar char="•"/>
+            </a:pPr>
+            <a:r>
+              <a:rPr lang="ru-RU" dirty="0" smtClean="0">
+                <a:solidFill>
+                  <a:schemeClr val="bg1"/>
+                </a:solidFill>
+              </a:rPr>
+              <a:t>CLR </a:t>
+            </a:r>
+            <a:r>
+              <a:rPr lang="ru-RU" dirty="0">
+                <a:solidFill>
+                  <a:schemeClr val="bg1"/>
+                </a:solidFill>
+              </a:rPr>
+              <a:t>via C#. Программирование на платформе Microsoft .NET Framework 4.0 на языке C# (CLR via C#, Third Edition)</a:t>
+            </a:r>
+            <a:br>
+              <a:rPr lang="ru-RU" dirty="0">
+                <a:solidFill>
+                  <a:schemeClr val="bg1"/>
+                </a:solidFill>
+              </a:rPr>
+            </a:br>
+            <a:r>
+              <a:rPr lang="ru-RU" dirty="0">
+                <a:solidFill>
+                  <a:schemeClr val="bg1"/>
+                </a:solidFill>
+              </a:rPr>
+              <a:t>Джеффри Рихтер (Jeffrey Richter)</a:t>
+            </a:r>
+            <a:br>
+              <a:rPr lang="ru-RU" dirty="0">
+                <a:solidFill>
+                  <a:schemeClr val="bg1"/>
+                </a:solidFill>
+              </a:rPr>
+            </a:br>
+            <a:r>
+              <a:rPr lang="ru-RU" u="sng" dirty="0">
+                <a:solidFill>
+                  <a:schemeClr val="bg1"/>
+                </a:solidFill>
+              </a:rPr>
+              <a:t>http://</a:t>
+            </a:r>
+            <a:r>
+              <a:rPr lang="ru-RU" u="sng" dirty="0" smtClean="0">
+                <a:solidFill>
+                  <a:schemeClr val="bg1"/>
+                </a:solidFill>
+              </a:rPr>
+              <a:t>oz.by/books/more1028671.html</a:t>
+            </a:r>
+            <a:r>
+              <a:rPr lang="ru-RU" dirty="0">
+                <a:solidFill>
+                  <a:schemeClr val="bg1"/>
+                </a:solidFill>
+              </a:rPr>
+              <a:t/>
+            </a:r>
+            <a:br>
+              <a:rPr lang="ru-RU" dirty="0">
+                <a:solidFill>
+                  <a:schemeClr val="bg1"/>
+                </a:solidFill>
+              </a:rPr>
+            </a:br>
+            <a:r>
+              <a:rPr lang="ru-RU" u="sng" dirty="0">
+                <a:solidFill>
+                  <a:schemeClr val="bg1"/>
+                </a:solidFill>
+                <a:hlinkClick r:id="rId3"/>
+              </a:rPr>
+              <a:t>http</a:t>
+            </a:r>
+            <a:r>
+              <a:rPr lang="ru-RU" u="sng">
+                <a:solidFill>
+                  <a:schemeClr val="bg1"/>
+                </a:solidFill>
+                <a:hlinkClick r:id="rId3"/>
+              </a:rPr>
+              <a:t>://</a:t>
+            </a:r>
+            <a:r>
+              <a:rPr lang="ru-RU" u="sng" smtClean="0">
+                <a:solidFill>
+                  <a:schemeClr val="bg1"/>
+                </a:solidFill>
+                <a:hlinkClick r:id="rId3"/>
+              </a:rPr>
+              <a:t>www.microsoft.com/learning/en/us/book.aspx?ID=13874&amp;Locale=en-us</a:t>
+            </a:r>
+            <a:r>
+              <a:rPr lang="ru-RU" u="sng" dirty="0" smtClean="0">
+                <a:solidFill>
+                  <a:schemeClr val="bg1"/>
+                </a:solidFill>
+              </a:rPr>
+              <a:t/>
+            </a:r>
+            <a:br>
+              <a:rPr lang="ru-RU" u="sng" dirty="0" smtClean="0">
+                <a:solidFill>
+                  <a:schemeClr val="bg1"/>
+                </a:solidFill>
+              </a:rPr>
+            </a:br>
+            <a:endParaRPr lang="ru-RU" u="sng" dirty="0" smtClean="0">
+              <a:solidFill>
+                <a:schemeClr val="bg1"/>
+              </a:solidFill>
+            </a:endParaRPr>
+          </a:p>
+          <a:p>
+            <a:pPr marL="285750" lvl="0" indent="-285750">
+              <a:buFont typeface="Arial" pitchFamily="34" charset="0"/>
+              <a:buChar char="•"/>
+            </a:pPr>
+            <a:r>
+              <a:rPr lang="ru-RU" dirty="0" smtClean="0">
+                <a:solidFill>
+                  <a:schemeClr val="bg1"/>
+                </a:solidFill>
+              </a:rPr>
+              <a:t>Язык </a:t>
+            </a:r>
+            <a:r>
+              <a:rPr lang="ru-RU" dirty="0">
+                <a:solidFill>
+                  <a:schemeClr val="bg1"/>
+                </a:solidFill>
+              </a:rPr>
+              <a:t>программирования C# 2010 и платформа .NET </a:t>
+            </a:r>
+            <a:r>
+              <a:rPr lang="ru-RU" dirty="0" smtClean="0">
+                <a:solidFill>
+                  <a:schemeClr val="bg1"/>
+                </a:solidFill>
+              </a:rPr>
+              <a:t>4.0</a:t>
+            </a:r>
+            <a:br>
+              <a:rPr lang="ru-RU" dirty="0" smtClean="0">
+                <a:solidFill>
+                  <a:schemeClr val="bg1"/>
+                </a:solidFill>
+              </a:rPr>
+            </a:br>
+            <a:r>
+              <a:rPr lang="ru-RU" dirty="0" smtClean="0">
+                <a:solidFill>
+                  <a:schemeClr val="bg1"/>
+                </a:solidFill>
+              </a:rPr>
+              <a:t>Эндрю </a:t>
+            </a:r>
+            <a:r>
+              <a:rPr lang="ru-RU" dirty="0">
+                <a:solidFill>
+                  <a:schemeClr val="bg1"/>
+                </a:solidFill>
+              </a:rPr>
+              <a:t>Троелсен (Andrew </a:t>
+            </a:r>
+            <a:r>
+              <a:rPr lang="ru-RU" dirty="0" smtClean="0">
+                <a:solidFill>
+                  <a:schemeClr val="bg1"/>
+                </a:solidFill>
+              </a:rPr>
+              <a:t>Troelsen)</a:t>
+            </a:r>
+            <a:br>
+              <a:rPr lang="ru-RU" dirty="0" smtClean="0">
+                <a:solidFill>
+                  <a:schemeClr val="bg1"/>
+                </a:solidFill>
+              </a:rPr>
+            </a:br>
+            <a:r>
+              <a:rPr lang="ru-RU" u="sng" dirty="0" smtClean="0">
+                <a:solidFill>
+                  <a:schemeClr val="bg1"/>
+                </a:solidFill>
+              </a:rPr>
+              <a:t>http</a:t>
+            </a:r>
+            <a:r>
+              <a:rPr lang="ru-RU" u="sng" dirty="0">
+                <a:solidFill>
+                  <a:schemeClr val="bg1"/>
+                </a:solidFill>
+              </a:rPr>
+              <a:t>://oz.by/books/more10158206.html</a:t>
+            </a:r>
+            <a:r>
+              <a:rPr lang="ru-RU" dirty="0">
+                <a:solidFill>
+                  <a:schemeClr val="bg1"/>
+                </a:solidFill>
+              </a:rPr>
+              <a:t/>
+            </a:r>
+            <a:br>
+              <a:rPr lang="ru-RU" dirty="0">
+                <a:solidFill>
+                  <a:schemeClr val="bg1"/>
+                </a:solidFill>
+              </a:rPr>
+            </a:br>
+            <a:r>
+              <a:rPr lang="ru-RU" u="sng" dirty="0">
+                <a:solidFill>
+                  <a:schemeClr val="bg1"/>
+                </a:solidFill>
+              </a:rPr>
+              <a:t>http://</a:t>
+            </a:r>
+            <a:r>
+              <a:rPr lang="ru-RU" u="sng" dirty="0" smtClean="0">
+                <a:solidFill>
+                  <a:schemeClr val="bg1"/>
+                </a:solidFill>
+              </a:rPr>
+              <a:t>www.apress.com/9781430225492</a:t>
+            </a:r>
+            <a:br>
+              <a:rPr lang="ru-RU" u="sng" dirty="0" smtClean="0">
+                <a:solidFill>
+                  <a:schemeClr val="bg1"/>
+                </a:solidFill>
+              </a:rPr>
+            </a:br>
+            <a:endParaRPr lang="ru-RU" u="sng" dirty="0" smtClean="0">
+              <a:solidFill>
+                <a:schemeClr val="bg1"/>
+              </a:solidFill>
+            </a:endParaRPr>
+          </a:p>
+          <a:p>
+            <a:pPr marL="285750" lvl="0" indent="-285750">
+              <a:buFont typeface="Arial" pitchFamily="34" charset="0"/>
+              <a:buChar char="•"/>
+            </a:pPr>
+            <a:r>
+              <a:rPr lang="en-US" dirty="0" smtClean="0">
+                <a:solidFill>
+                  <a:schemeClr val="bg1"/>
+                </a:solidFill>
+              </a:rPr>
+              <a:t>C</a:t>
+            </a:r>
+            <a:r>
+              <a:rPr lang="en-US" dirty="0">
+                <a:solidFill>
+                  <a:schemeClr val="bg1"/>
+                </a:solidFill>
+              </a:rPr>
+              <a:t># Language </a:t>
+            </a:r>
+            <a:r>
+              <a:rPr lang="en-US" dirty="0" smtClean="0">
+                <a:solidFill>
+                  <a:schemeClr val="bg1"/>
+                </a:solidFill>
+              </a:rPr>
+              <a:t>Specification</a:t>
+            </a:r>
+            <a:r>
+              <a:rPr lang="ru-RU" dirty="0" smtClean="0">
+                <a:solidFill>
+                  <a:schemeClr val="bg1"/>
+                </a:solidFill>
+              </a:rPr>
+              <a:t/>
+            </a:r>
+            <a:br>
+              <a:rPr lang="ru-RU" dirty="0" smtClean="0">
+                <a:solidFill>
+                  <a:schemeClr val="bg1"/>
+                </a:solidFill>
+              </a:rPr>
+            </a:br>
+            <a:r>
+              <a:rPr lang="en-US" dirty="0" smtClean="0">
+                <a:solidFill>
+                  <a:schemeClr val="bg1"/>
+                </a:solidFill>
+              </a:rPr>
+              <a:t>"C</a:t>
+            </a:r>
+            <a:r>
+              <a:rPr lang="en-US" dirty="0">
+                <a:solidFill>
+                  <a:schemeClr val="bg1"/>
+                </a:solidFill>
+              </a:rPr>
+              <a:t>:\Program Files (x86)\Microsoft Visual Studio 11.0\VC#\Specifications\1033\ </a:t>
+            </a:r>
+            <a:r>
+              <a:rPr lang="en-US" dirty="0" err="1">
+                <a:solidFill>
+                  <a:schemeClr val="bg1"/>
+                </a:solidFill>
+              </a:rPr>
+              <a:t>CSharp</a:t>
+            </a:r>
+            <a:r>
+              <a:rPr lang="en-US" dirty="0">
+                <a:solidFill>
+                  <a:schemeClr val="bg1"/>
+                </a:solidFill>
+              </a:rPr>
+              <a:t> Language Specification.doc </a:t>
+            </a:r>
+            <a:r>
+              <a:rPr lang="en-US" dirty="0" smtClean="0">
+                <a:solidFill>
+                  <a:schemeClr val="bg1"/>
+                </a:solidFill>
+              </a:rPr>
+              <a:t>"</a:t>
+            </a:r>
+            <a:endParaRPr lang="en-US" dirty="0">
+              <a:solidFill>
+                <a:schemeClr val="bg1"/>
+              </a:solidFill>
+            </a:endParaRPr>
+          </a:p>
+        </p:txBody>
+      </p:sp>
+    </p:spTree>
+    <p:extLst>
+      <p:ext uri="{BB962C8B-B14F-4D97-AF65-F5344CB8AC3E}">
+        <p14:creationId xmlns:p14="http://schemas.microsoft.com/office/powerpoint/2010/main" val="1661701209"/>
+      </p:ext>
+    </p:extLst>
+  </p:cSld>
+  <p:clrMapOvr>
+    <a:masterClrMapping/>
+  </p:clrMapOvr>
+  <p:timing>
+    <p:tnLst>
+      <p:par>
+        <p:cTn id="1" dur="indefinite" restart="never" nodeType="tmRoot"/>
+      </p:par>
+    </p:tnLst>
+  </p:timing>
+</p:sld>
+</file>
+
+<file path=ppt/slides/slide20.xml><?xml version="1.0" encoding="utf-8"?>
 <p:sld xmlns:a="http://schemas.openxmlformats.org/drawingml/2006/main" xmlns:r="http://schemas.openxmlformats.org/officeDocument/2006/relationships" xmlns:p="http://schemas.openxmlformats.org/presentationml/2006/main">
   <p:cSld>
     <p:bg>
@@ -13157,7 +13364,7 @@
 </p:sld>
 </file>
 
-<file path=ppt/slides/slide22.xml><?xml version="1.0" encoding="utf-8"?>
+<file path=ppt/slides/slide21.xml><?xml version="1.0" encoding="utf-8"?>
 <p:sld xmlns:a="http://schemas.openxmlformats.org/drawingml/2006/main" xmlns:r="http://schemas.openxmlformats.org/officeDocument/2006/relationships" xmlns:p="http://schemas.openxmlformats.org/presentationml/2006/main">
   <p:cSld>
     <p:bg>
@@ -13743,7 +13950,7 @@
 </p:sld>
 </file>
 
-<file path=ppt/slides/slide23.xml><?xml version="1.0" encoding="utf-8"?>
+<file path=ppt/slides/slide22.xml><?xml version="1.0" encoding="utf-8"?>
 <p:sld xmlns:a="http://schemas.openxmlformats.org/drawingml/2006/main" xmlns:r="http://schemas.openxmlformats.org/officeDocument/2006/relationships" xmlns:p="http://schemas.openxmlformats.org/presentationml/2006/main">
   <p:cSld>
     <p:bg>
@@ -15641,7 +15848,7 @@
 </p:sld>
 </file>
 
-<file path=ppt/slides/slide24.xml><?xml version="1.0" encoding="utf-8"?>
+<file path=ppt/slides/slide23.xml><?xml version="1.0" encoding="utf-8"?>
 <p:sld xmlns:a="http://schemas.openxmlformats.org/drawingml/2006/main" xmlns:r="http://schemas.openxmlformats.org/officeDocument/2006/relationships" xmlns:p="http://schemas.openxmlformats.org/presentationml/2006/main">
   <p:cSld>
     <p:bg>
@@ -16157,7 +16364,7 @@
 </p:sld>
 </file>
 
-<file path=ppt/slides/slide25.xml><?xml version="1.0" encoding="utf-8"?>
+<file path=ppt/slides/slide24.xml><?xml version="1.0" encoding="utf-8"?>
 <p:sld xmlns:a="http://schemas.openxmlformats.org/drawingml/2006/main" xmlns:r="http://schemas.openxmlformats.org/officeDocument/2006/relationships" xmlns:p="http://schemas.openxmlformats.org/presentationml/2006/main">
   <p:cSld>
     <p:bg>
@@ -17760,7 +17967,7 @@
 </p:sld>
 </file>
 
-<file path=ppt/slides/slide26.xml><?xml version="1.0" encoding="utf-8"?>
+<file path=ppt/slides/slide25.xml><?xml version="1.0" encoding="utf-8"?>
 <p:sld xmlns:a="http://schemas.openxmlformats.org/drawingml/2006/main" xmlns:r="http://schemas.openxmlformats.org/officeDocument/2006/relationships" xmlns:p="http://schemas.openxmlformats.org/presentationml/2006/main">
   <p:cSld>
     <p:bg>
@@ -18730,7 +18937,7 @@
 </p:sld>
 </file>
 
-<file path=ppt/slides/slide27.xml><?xml version="1.0" encoding="utf-8"?>
+<file path=ppt/slides/slide26.xml><?xml version="1.0" encoding="utf-8"?>
 <p:sld xmlns:a="http://schemas.openxmlformats.org/drawingml/2006/main" xmlns:r="http://schemas.openxmlformats.org/officeDocument/2006/relationships" xmlns:p="http://schemas.openxmlformats.org/presentationml/2006/main">
   <p:cSld>
     <p:bg>
@@ -19837,7 +20044,7 @@
 </p:sld>
 </file>
 
-<file path=ppt/slides/slide28.xml><?xml version="1.0" encoding="utf-8"?>
+<file path=ppt/slides/slide27.xml><?xml version="1.0" encoding="utf-8"?>
 <p:sld xmlns:a="http://schemas.openxmlformats.org/drawingml/2006/main" xmlns:r="http://schemas.openxmlformats.org/officeDocument/2006/relationships" xmlns:p="http://schemas.openxmlformats.org/presentationml/2006/main">
   <p:cSld>
     <p:bg>
@@ -22248,7 +22455,7 @@
 </p:sld>
 </file>
 
-<file path=ppt/slides/slide29.xml><?xml version="1.0" encoding="utf-8"?>
+<file path=ppt/slides/slide28.xml><?xml version="1.0" encoding="utf-8"?>
 <p:sld xmlns:a="http://schemas.openxmlformats.org/drawingml/2006/main" xmlns:r="http://schemas.openxmlformats.org/officeDocument/2006/relationships" xmlns:p="http://schemas.openxmlformats.org/presentationml/2006/main">
   <p:cSld>
     <p:bg>
@@ -23249,438 +23456,7 @@
 </p:sld>
 </file>
 
-<file path=ppt/slides/slide3.xml><?xml version="1.0" encoding="utf-8"?>
-<p:sld xmlns:a="http://schemas.openxmlformats.org/drawingml/2006/main" xmlns:r="http://schemas.openxmlformats.org/officeDocument/2006/relationships" xmlns:p="http://schemas.openxmlformats.org/presentationml/2006/main">
-  <p:cSld>
-    <p:bg>
-      <p:bgPr>
-        <a:blipFill dpi="0" rotWithShape="1">
-          <a:blip r:embed="rId2">
-            <a:lum/>
-          </a:blip>
-          <a:srcRect/>
-          <a:stretch>
-            <a:fillRect/>
-          </a:stretch>
-        </a:blipFill>
-        <a:effectLst/>
-      </p:bgPr>
-    </p:bg>
-    <p:spTree>
-      <p:nvGrpSpPr>
-        <p:cNvPr id="1" name=""/>
-        <p:cNvGrpSpPr/>
-        <p:nvPr/>
-      </p:nvGrpSpPr>
-      <p:grpSpPr>
-        <a:xfrm>
-          <a:off x="0" y="0"/>
-          <a:ext cx="0" cy="0"/>
-          <a:chOff x="0" y="0"/>
-          <a:chExt cx="0" cy="0"/>
-        </a:xfrm>
-      </p:grpSpPr>
-      <p:sp>
-        <p:nvSpPr>
-          <p:cNvPr id="3" name="Rectangle 2"/>
-          <p:cNvSpPr/>
-          <p:nvPr/>
-        </p:nvSpPr>
-        <p:spPr>
-          <a:xfrm>
-            <a:off x="251520" y="188640"/>
-            <a:ext cx="8640960" cy="4739759"/>
-          </a:xfrm>
-          <a:prstGeom prst="rect">
-            <a:avLst/>
-          </a:prstGeom>
-        </p:spPr>
-        <p:txBody>
-          <a:bodyPr wrap="square">
-            <a:spAutoFit/>
-          </a:bodyPr>
-          <a:lstStyle/>
-          <a:p>
-            <a:pPr lvl="0"/>
-            <a:r>
-              <a:rPr lang="ru-RU" sz="3200" dirty="0" smtClean="0">
-                <a:solidFill>
-                  <a:schemeClr val="bg1"/>
-                </a:solidFill>
-              </a:rPr>
-              <a:t>Литература</a:t>
-            </a:r>
-          </a:p>
-          <a:p>
-            <a:pPr lvl="0"/>
-            <a:endParaRPr lang="en-US" dirty="0" smtClean="0">
-              <a:solidFill>
-                <a:schemeClr val="bg1"/>
-              </a:solidFill>
-            </a:endParaRPr>
-          </a:p>
-          <a:p>
-            <a:pPr marL="285750" lvl="0" indent="-285750">
-              <a:buFont typeface="Arial" pitchFamily="34" charset="0"/>
-              <a:buChar char="•"/>
-            </a:pPr>
-            <a:r>
-              <a:rPr lang="ru-RU" dirty="0" smtClean="0">
-                <a:solidFill>
-                  <a:schemeClr val="bg1"/>
-                </a:solidFill>
-              </a:rPr>
-              <a:t>CLR </a:t>
-            </a:r>
-            <a:r>
-              <a:rPr lang="ru-RU" dirty="0">
-                <a:solidFill>
-                  <a:schemeClr val="bg1"/>
-                </a:solidFill>
-              </a:rPr>
-              <a:t>via C#. Программирование на платформе Microsoft .NET Framework 4.0 на языке C# (CLR via C#, Third Edition)</a:t>
-            </a:r>
-            <a:br>
-              <a:rPr lang="ru-RU" dirty="0">
-                <a:solidFill>
-                  <a:schemeClr val="bg1"/>
-                </a:solidFill>
-              </a:rPr>
-            </a:br>
-            <a:r>
-              <a:rPr lang="ru-RU" dirty="0">
-                <a:solidFill>
-                  <a:schemeClr val="bg1"/>
-                </a:solidFill>
-              </a:rPr>
-              <a:t>Джеффри Рихтер (Jeffrey Richter)</a:t>
-            </a:r>
-            <a:br>
-              <a:rPr lang="ru-RU" dirty="0">
-                <a:solidFill>
-                  <a:schemeClr val="bg1"/>
-                </a:solidFill>
-              </a:rPr>
-            </a:br>
-            <a:r>
-              <a:rPr lang="ru-RU" u="sng" dirty="0">
-                <a:solidFill>
-                  <a:schemeClr val="bg1"/>
-                </a:solidFill>
-              </a:rPr>
-              <a:t>http://</a:t>
-            </a:r>
-            <a:r>
-              <a:rPr lang="ru-RU" u="sng" dirty="0" smtClean="0">
-                <a:solidFill>
-                  <a:schemeClr val="bg1"/>
-                </a:solidFill>
-              </a:rPr>
-              <a:t>oz.by/books/more1028671.html</a:t>
-            </a:r>
-            <a:r>
-              <a:rPr lang="ru-RU" dirty="0">
-                <a:solidFill>
-                  <a:schemeClr val="bg1"/>
-                </a:solidFill>
-              </a:rPr>
-              <a:t/>
-            </a:r>
-            <a:br>
-              <a:rPr lang="ru-RU" dirty="0">
-                <a:solidFill>
-                  <a:schemeClr val="bg1"/>
-                </a:solidFill>
-              </a:rPr>
-            </a:br>
-            <a:r>
-              <a:rPr lang="ru-RU" u="sng" dirty="0">
-                <a:solidFill>
-                  <a:schemeClr val="bg1"/>
-                </a:solidFill>
-                <a:hlinkClick r:id="rId3"/>
-              </a:rPr>
-              <a:t>http</a:t>
-            </a:r>
-            <a:r>
-              <a:rPr lang="ru-RU" u="sng">
-                <a:solidFill>
-                  <a:schemeClr val="bg1"/>
-                </a:solidFill>
-                <a:hlinkClick r:id="rId3"/>
-              </a:rPr>
-              <a:t>://</a:t>
-            </a:r>
-            <a:r>
-              <a:rPr lang="ru-RU" u="sng" smtClean="0">
-                <a:solidFill>
-                  <a:schemeClr val="bg1"/>
-                </a:solidFill>
-                <a:hlinkClick r:id="rId3"/>
-              </a:rPr>
-              <a:t>www.microsoft.com/learning/en/us/book.aspx?ID=13874&amp;Locale=en-us</a:t>
-            </a:r>
-            <a:r>
-              <a:rPr lang="ru-RU" u="sng" dirty="0" smtClean="0">
-                <a:solidFill>
-                  <a:schemeClr val="bg1"/>
-                </a:solidFill>
-              </a:rPr>
-              <a:t/>
-            </a:r>
-            <a:br>
-              <a:rPr lang="ru-RU" u="sng" dirty="0" smtClean="0">
-                <a:solidFill>
-                  <a:schemeClr val="bg1"/>
-                </a:solidFill>
-              </a:rPr>
-            </a:br>
-            <a:endParaRPr lang="ru-RU" u="sng" dirty="0" smtClean="0">
-              <a:solidFill>
-                <a:schemeClr val="bg1"/>
-              </a:solidFill>
-            </a:endParaRPr>
-          </a:p>
-          <a:p>
-            <a:pPr marL="285750" lvl="0" indent="-285750">
-              <a:buFont typeface="Arial" pitchFamily="34" charset="0"/>
-              <a:buChar char="•"/>
-            </a:pPr>
-            <a:r>
-              <a:rPr lang="ru-RU" dirty="0" smtClean="0">
-                <a:solidFill>
-                  <a:schemeClr val="bg1"/>
-                </a:solidFill>
-              </a:rPr>
-              <a:t>Язык </a:t>
-            </a:r>
-            <a:r>
-              <a:rPr lang="ru-RU" dirty="0">
-                <a:solidFill>
-                  <a:schemeClr val="bg1"/>
-                </a:solidFill>
-              </a:rPr>
-              <a:t>программирования C# 2010 и платформа .NET </a:t>
-            </a:r>
-            <a:r>
-              <a:rPr lang="ru-RU" dirty="0" smtClean="0">
-                <a:solidFill>
-                  <a:schemeClr val="bg1"/>
-                </a:solidFill>
-              </a:rPr>
-              <a:t>4.0</a:t>
-            </a:r>
-            <a:br>
-              <a:rPr lang="ru-RU" dirty="0" smtClean="0">
-                <a:solidFill>
-                  <a:schemeClr val="bg1"/>
-                </a:solidFill>
-              </a:rPr>
-            </a:br>
-            <a:r>
-              <a:rPr lang="ru-RU" dirty="0" smtClean="0">
-                <a:solidFill>
-                  <a:schemeClr val="bg1"/>
-                </a:solidFill>
-              </a:rPr>
-              <a:t>Эндрю </a:t>
-            </a:r>
-            <a:r>
-              <a:rPr lang="ru-RU" dirty="0">
-                <a:solidFill>
-                  <a:schemeClr val="bg1"/>
-                </a:solidFill>
-              </a:rPr>
-              <a:t>Троелсен (Andrew </a:t>
-            </a:r>
-            <a:r>
-              <a:rPr lang="ru-RU" dirty="0" smtClean="0">
-                <a:solidFill>
-                  <a:schemeClr val="bg1"/>
-                </a:solidFill>
-              </a:rPr>
-              <a:t>Troelsen)</a:t>
-            </a:r>
-            <a:br>
-              <a:rPr lang="ru-RU" dirty="0" smtClean="0">
-                <a:solidFill>
-                  <a:schemeClr val="bg1"/>
-                </a:solidFill>
-              </a:rPr>
-            </a:br>
-            <a:r>
-              <a:rPr lang="ru-RU" u="sng" dirty="0" smtClean="0">
-                <a:solidFill>
-                  <a:schemeClr val="bg1"/>
-                </a:solidFill>
-              </a:rPr>
-              <a:t>http</a:t>
-            </a:r>
-            <a:r>
-              <a:rPr lang="ru-RU" u="sng" dirty="0">
-                <a:solidFill>
-                  <a:schemeClr val="bg1"/>
-                </a:solidFill>
-              </a:rPr>
-              <a:t>://oz.by/books/more10158206.html</a:t>
-            </a:r>
-            <a:r>
-              <a:rPr lang="ru-RU" dirty="0">
-                <a:solidFill>
-                  <a:schemeClr val="bg1"/>
-                </a:solidFill>
-              </a:rPr>
-              <a:t/>
-            </a:r>
-            <a:br>
-              <a:rPr lang="ru-RU" dirty="0">
-                <a:solidFill>
-                  <a:schemeClr val="bg1"/>
-                </a:solidFill>
-              </a:rPr>
-            </a:br>
-            <a:r>
-              <a:rPr lang="ru-RU" u="sng" dirty="0">
-                <a:solidFill>
-                  <a:schemeClr val="bg1"/>
-                </a:solidFill>
-              </a:rPr>
-              <a:t>http://</a:t>
-            </a:r>
-            <a:r>
-              <a:rPr lang="ru-RU" u="sng" dirty="0" smtClean="0">
-                <a:solidFill>
-                  <a:schemeClr val="bg1"/>
-                </a:solidFill>
-              </a:rPr>
-              <a:t>www.apress.com/9781430225492</a:t>
-            </a:r>
-            <a:br>
-              <a:rPr lang="ru-RU" u="sng" dirty="0" smtClean="0">
-                <a:solidFill>
-                  <a:schemeClr val="bg1"/>
-                </a:solidFill>
-              </a:rPr>
-            </a:br>
-            <a:endParaRPr lang="ru-RU" u="sng" dirty="0" smtClean="0">
-              <a:solidFill>
-                <a:schemeClr val="bg1"/>
-              </a:solidFill>
-            </a:endParaRPr>
-          </a:p>
-          <a:p>
-            <a:pPr marL="285750" lvl="0" indent="-285750">
-              <a:buFont typeface="Arial" pitchFamily="34" charset="0"/>
-              <a:buChar char="•"/>
-            </a:pPr>
-            <a:r>
-              <a:rPr lang="en-US" dirty="0" smtClean="0">
-                <a:solidFill>
-                  <a:schemeClr val="bg1"/>
-                </a:solidFill>
-              </a:rPr>
-              <a:t>C</a:t>
-            </a:r>
-            <a:r>
-              <a:rPr lang="en-US" dirty="0">
-                <a:solidFill>
-                  <a:schemeClr val="bg1"/>
-                </a:solidFill>
-              </a:rPr>
-              <a:t># Language </a:t>
-            </a:r>
-            <a:r>
-              <a:rPr lang="en-US" dirty="0" smtClean="0">
-                <a:solidFill>
-                  <a:schemeClr val="bg1"/>
-                </a:solidFill>
-              </a:rPr>
-              <a:t>Specification</a:t>
-            </a:r>
-            <a:r>
-              <a:rPr lang="ru-RU" dirty="0" smtClean="0">
-                <a:solidFill>
-                  <a:schemeClr val="bg1"/>
-                </a:solidFill>
-              </a:rPr>
-              <a:t/>
-            </a:r>
-            <a:br>
-              <a:rPr lang="ru-RU" dirty="0" smtClean="0">
-                <a:solidFill>
-                  <a:schemeClr val="bg1"/>
-                </a:solidFill>
-              </a:rPr>
-            </a:br>
-            <a:r>
-              <a:rPr lang="en-US" dirty="0" smtClean="0">
-                <a:solidFill>
-                  <a:schemeClr val="bg1"/>
-                </a:solidFill>
-              </a:rPr>
-              <a:t>"C</a:t>
-            </a:r>
-            <a:r>
-              <a:rPr lang="en-US" dirty="0">
-                <a:solidFill>
-                  <a:schemeClr val="bg1"/>
-                </a:solidFill>
-              </a:rPr>
-              <a:t>:\Program Files (x86)\Microsoft Visual Studio 11.0\VC#\Specifications\1033\ </a:t>
-            </a:r>
-            <a:r>
-              <a:rPr lang="en-US" dirty="0" err="1">
-                <a:solidFill>
-                  <a:schemeClr val="bg1"/>
-                </a:solidFill>
-              </a:rPr>
-              <a:t>CSharp</a:t>
-            </a:r>
-            <a:r>
-              <a:rPr lang="en-US" dirty="0">
-                <a:solidFill>
-                  <a:schemeClr val="bg1"/>
-                </a:solidFill>
-              </a:rPr>
-              <a:t> Language Specification.doc </a:t>
-            </a:r>
-            <a:r>
-              <a:rPr lang="en-US" dirty="0" smtClean="0">
-                <a:solidFill>
-                  <a:schemeClr val="bg1"/>
-                </a:solidFill>
-              </a:rPr>
-              <a:t>"</a:t>
-            </a:r>
-            <a:endParaRPr lang="en-US" dirty="0">
-              <a:solidFill>
-                <a:schemeClr val="bg1"/>
-              </a:solidFill>
-            </a:endParaRPr>
-          </a:p>
-        </p:txBody>
-      </p:sp>
-    </p:spTree>
-    <p:extLst>
-      <p:ext uri="{BB962C8B-B14F-4D97-AF65-F5344CB8AC3E}">
-        <p14:creationId xmlns:p14="http://schemas.microsoft.com/office/powerpoint/2010/main" val="1661701209"/>
-      </p:ext>
-    </p:extLst>
-  </p:cSld>
-  <p:clrMapOvr>
-    <a:masterClrMapping/>
-  </p:clrMapOvr>
-  <p:timing>
-    <p:tnLst>
-      <p:par>
-        <p:cTn id="1" dur="indefinite" restart="never" nodeType="tmRoot"/>
-      </p:par>
-    </p:tnLst>
-  </p:timing>
-</p:sld>
-</file>
-
-<file path=ppt/slides/slide30.xml><?xml version="1.0" encoding="utf-8"?>
+<file path=ppt/slides/slide29.xml><?xml version="1.0" encoding="utf-8"?>
 <p:sld xmlns:a="http://schemas.openxmlformats.org/drawingml/2006/main" xmlns:r="http://schemas.openxmlformats.org/officeDocument/2006/relationships" xmlns:p="http://schemas.openxmlformats.org/presentationml/2006/main">
   <p:cSld>
     <p:bg>
@@ -23956,7 +23732,779 @@
 </p:sld>
 </file>
 
-<file path=ppt/slides/slide31.xml><?xml version="1.0" encoding="utf-8"?>
+<file path=ppt/slides/slide3.xml><?xml version="1.0" encoding="utf-8"?>
+<p:sld xmlns:a="http://schemas.openxmlformats.org/drawingml/2006/main" xmlns:r="http://schemas.openxmlformats.org/officeDocument/2006/relationships" xmlns:p="http://schemas.openxmlformats.org/presentationml/2006/main">
+  <p:cSld>
+    <p:bg>
+      <p:bgPr>
+        <a:blipFill dpi="0" rotWithShape="1">
+          <a:blip r:embed="rId2">
+            <a:lum/>
+          </a:blip>
+          <a:srcRect/>
+          <a:stretch>
+            <a:fillRect/>
+          </a:stretch>
+        </a:blipFill>
+        <a:effectLst/>
+      </p:bgPr>
+    </p:bg>
+    <p:spTree>
+      <p:nvGrpSpPr>
+        <p:cNvPr id="1" name=""/>
+        <p:cNvGrpSpPr/>
+        <p:nvPr/>
+      </p:nvGrpSpPr>
+      <p:grpSpPr>
+        <a:xfrm>
+          <a:off x="0" y="0"/>
+          <a:ext cx="0" cy="0"/>
+          <a:chOff x="0" y="0"/>
+          <a:chExt cx="0" cy="0"/>
+        </a:xfrm>
+      </p:grpSpPr>
+      <p:sp>
+        <p:nvSpPr>
+          <p:cNvPr id="3" name="Rectangle 2"/>
+          <p:cNvSpPr/>
+          <p:nvPr/>
+        </p:nvSpPr>
+        <p:spPr>
+          <a:xfrm>
+            <a:off x="251520" y="188640"/>
+            <a:ext cx="8640960" cy="5570756"/>
+          </a:xfrm>
+          <a:prstGeom prst="rect">
+            <a:avLst/>
+          </a:prstGeom>
+        </p:spPr>
+        <p:txBody>
+          <a:bodyPr wrap="square">
+            <a:spAutoFit/>
+          </a:bodyPr>
+          <a:lstStyle/>
+          <a:p>
+            <a:pPr lvl="0"/>
+            <a:r>
+              <a:rPr lang="ru-RU" sz="3200" dirty="0" smtClean="0">
+                <a:solidFill>
+                  <a:schemeClr val="bg1"/>
+                </a:solidFill>
+              </a:rPr>
+              <a:t>Ссылки</a:t>
+            </a:r>
+            <a:endParaRPr lang="en-US" sz="3200" dirty="0" smtClean="0">
+              <a:solidFill>
+                <a:schemeClr val="bg1"/>
+              </a:solidFill>
+            </a:endParaRPr>
+          </a:p>
+          <a:p>
+            <a:pPr marL="742950" lvl="1" indent="-285750">
+              <a:buFont typeface="Arial" pitchFamily="34" charset="0"/>
+              <a:buChar char="•"/>
+            </a:pPr>
+            <a:r>
+              <a:rPr lang="en-US" dirty="0" smtClean="0">
+                <a:solidFill>
+                  <a:schemeClr val="bg1"/>
+                </a:solidFill>
+              </a:rPr>
+              <a:t>Microsoft Developer Network</a:t>
+            </a:r>
+            <a:r>
+              <a:rPr lang="ru-RU" dirty="0" smtClean="0">
+                <a:solidFill>
+                  <a:schemeClr val="bg1"/>
+                </a:solidFill>
+              </a:rPr>
+              <a:t> - </a:t>
+            </a:r>
+            <a:r>
+              <a:rPr lang="en-US" u="sng" dirty="0" smtClean="0">
+                <a:solidFill>
+                  <a:schemeClr val="bg1"/>
+                </a:solidFill>
+                <a:hlinkClick r:id="rId3"/>
+              </a:rPr>
+              <a:t>http</a:t>
+            </a:r>
+            <a:r>
+              <a:rPr lang="en-US" u="sng" dirty="0">
+                <a:solidFill>
+                  <a:schemeClr val="bg1"/>
+                </a:solidFill>
+                <a:hlinkClick r:id="rId3"/>
+              </a:rPr>
+              <a:t>://</a:t>
+            </a:r>
+            <a:r>
+              <a:rPr lang="en-US" u="sng" dirty="0" smtClean="0">
+                <a:solidFill>
+                  <a:schemeClr val="bg1"/>
+                </a:solidFill>
+                <a:hlinkClick r:id="rId3"/>
+              </a:rPr>
+              <a:t>msdn.microsoft.com/ru-ru/</a:t>
+            </a:r>
+            <a:endParaRPr lang="en-US" u="sng" dirty="0" smtClean="0">
+              <a:solidFill>
+                <a:schemeClr val="bg1"/>
+              </a:solidFill>
+            </a:endParaRPr>
+          </a:p>
+          <a:p>
+            <a:pPr marL="742950" lvl="1" indent="-285750">
+              <a:buFont typeface="Arial" pitchFamily="34" charset="0"/>
+              <a:buChar char="•"/>
+            </a:pPr>
+            <a:r>
+              <a:rPr lang="en-US" u="sng" dirty="0" smtClean="0">
+                <a:solidFill>
+                  <a:schemeClr val="bg1"/>
+                </a:solidFill>
+                <a:hlinkClick r:id="rId4"/>
+              </a:rPr>
+              <a:t>http</a:t>
+            </a:r>
+            <a:r>
+              <a:rPr lang="en-US" u="sng" dirty="0">
+                <a:solidFill>
+                  <a:schemeClr val="bg1"/>
+                </a:solidFill>
+                <a:hlinkClick r:id="rId4"/>
+              </a:rPr>
+              <a:t>://</a:t>
+            </a:r>
+            <a:r>
+              <a:rPr lang="en-US" u="sng" dirty="0" smtClean="0">
+                <a:solidFill>
+                  <a:schemeClr val="bg1"/>
+                </a:solidFill>
+                <a:hlinkClick r:id="rId4"/>
+              </a:rPr>
+              <a:t>www.asp.net/</a:t>
+            </a:r>
+            <a:endParaRPr lang="ru-RU" u="sng" dirty="0" smtClean="0">
+              <a:solidFill>
+                <a:schemeClr val="bg1"/>
+              </a:solidFill>
+            </a:endParaRPr>
+          </a:p>
+          <a:p>
+            <a:pPr marL="742950" lvl="1" indent="-285750">
+              <a:buFont typeface="Arial" pitchFamily="34" charset="0"/>
+              <a:buChar char="•"/>
+            </a:pPr>
+            <a:r>
+              <a:rPr lang="en-US" u="sng" dirty="0" smtClean="0">
+                <a:solidFill>
+                  <a:schemeClr val="bg1"/>
+                </a:solidFill>
+                <a:hlinkClick r:id="rId5"/>
+              </a:rPr>
+              <a:t>http</a:t>
+            </a:r>
+            <a:r>
+              <a:rPr lang="en-US" u="sng" dirty="0">
+                <a:solidFill>
+                  <a:schemeClr val="bg1"/>
+                </a:solidFill>
+                <a:hlinkClick r:id="rId5"/>
+              </a:rPr>
+              <a:t>://</a:t>
+            </a:r>
+            <a:r>
+              <a:rPr lang="en-US" u="sng" dirty="0" smtClean="0">
+                <a:solidFill>
+                  <a:schemeClr val="bg1"/>
+                </a:solidFill>
+                <a:hlinkClick r:id="rId5"/>
+              </a:rPr>
+              <a:t>channel9.msdn.com/</a:t>
+            </a:r>
+            <a:endParaRPr lang="en-US" u="sng" dirty="0" smtClean="0">
+              <a:solidFill>
+                <a:schemeClr val="bg1"/>
+              </a:solidFill>
+            </a:endParaRPr>
+          </a:p>
+          <a:p>
+            <a:pPr marL="742950" lvl="1" indent="-285750">
+              <a:buFont typeface="Arial" pitchFamily="34" charset="0"/>
+              <a:buChar char="•"/>
+            </a:pPr>
+            <a:r>
+              <a:rPr lang="en-US" dirty="0" smtClean="0">
+                <a:solidFill>
+                